--- a/MataMataPlanilha.pptx
+++ b/MataMataPlanilha.pptx
@@ -5,7 +5,8 @@
     <p:sldMasterId id="2147483686" r:id="rId1"/>
   </p:sldMasterIdLst>
   <p:sldIdLst>
-    <p:sldId id="263" r:id="rId2"/>
+    <p:sldId id="264" r:id="rId2"/>
+    <p:sldId id="265" r:id="rId3"/>
   </p:sldIdLst>
   <p:sldSz cx="14400213" cy="10799763"/>
   <p:notesSz cx="6858000" cy="9144000"/>
@@ -286,7 +287,7 @@
             <a:fld id="{11A6662E-FAF4-44BC-88B5-85A7CBFB6D30}" type="datetime1">
               <a:rPr lang="en-US" smtClean="0"/>
               <a:pPr/>
-              <a:t>7/2/2021</a:t>
+              <a:t>7/5/2021</a:t>
             </a:fld>
             <a:endParaRPr lang="en-US" dirty="0"/>
           </a:p>
@@ -513,7 +514,7 @@
           <a:p>
             <a:fld id="{4C559632-1575-4E14-B53B-3DC3D5ED3947}" type="datetime1">
               <a:rPr lang="en-US" smtClean="0"/>
-              <a:t>7/2/2021</a:t>
+              <a:t>7/5/2021</a:t>
             </a:fld>
             <a:endParaRPr lang="en-US"/>
           </a:p>
@@ -721,7 +722,7 @@
           <a:p>
             <a:fld id="{CC4A6868-2568-4CC9-B302-F37117B01A6E}" type="datetime1">
               <a:rPr lang="en-US" smtClean="0"/>
-              <a:t>7/2/2021</a:t>
+              <a:t>7/5/2021</a:t>
             </a:fld>
             <a:endParaRPr lang="en-US"/>
           </a:p>
@@ -926,7 +927,7 @@
           <a:p>
             <a:fld id="{0055F08A-1E71-4B2B-BB49-E743F2903911}" type="datetime1">
               <a:rPr lang="en-US" smtClean="0"/>
-              <a:t>7/2/2021</a:t>
+              <a:t>7/5/2021</a:t>
             </a:fld>
             <a:endParaRPr lang="en-US" dirty="0"/>
           </a:p>
@@ -1200,7 +1201,7 @@
           <a:p>
             <a:fld id="{15417D9E-721A-44BB-8863-9873FE64DA75}" type="datetime1">
               <a:rPr lang="en-US" smtClean="0"/>
-              <a:t>7/2/2021</a:t>
+              <a:t>7/5/2021</a:t>
             </a:fld>
             <a:endParaRPr lang="en-US"/>
           </a:p>
@@ -1473,7 +1474,7 @@
           <a:p>
             <a:fld id="{5F31DA2F-80B8-49CF-99FB-5ABCA53A607A}" type="datetime1">
               <a:rPr lang="en-US" smtClean="0"/>
-              <a:t>7/2/2021</a:t>
+              <a:t>7/5/2021</a:t>
             </a:fld>
             <a:endParaRPr lang="en-US"/>
           </a:p>
@@ -1888,7 +1889,7 @@
           <a:p>
             <a:fld id="{28852172-E6C9-4B6C-929A-A9DE3837BBF1}" type="datetime1">
               <a:rPr lang="en-US" smtClean="0"/>
-              <a:t>7/2/2021</a:t>
+              <a:t>7/5/2021</a:t>
             </a:fld>
             <a:endParaRPr lang="en-US"/>
           </a:p>
@@ -2040,7 +2041,7 @@
           <a:p>
             <a:fld id="{3AB41CFF-90C9-47B3-9DA1-F2BF8D839F7E}" type="datetime1">
               <a:rPr lang="en-US" smtClean="0"/>
-              <a:t>7/2/2021</a:t>
+              <a:t>7/5/2021</a:t>
             </a:fld>
             <a:endParaRPr lang="en-US"/>
           </a:p>
@@ -2153,7 +2154,7 @@
           <a:p>
             <a:fld id="{F06048FA-06AB-4884-A69B-986B96E68A24}" type="datetime1">
               <a:rPr lang="en-US" smtClean="0"/>
-              <a:t>7/2/2021</a:t>
+              <a:t>7/5/2021</a:t>
             </a:fld>
             <a:endParaRPr lang="en-US"/>
           </a:p>
@@ -2464,7 +2465,7 @@
           <a:p>
             <a:fld id="{50DB7ABA-0172-4F9C-889D-567164F66BCD}" type="datetime1">
               <a:rPr lang="en-US" smtClean="0"/>
-              <a:t>7/2/2021</a:t>
+              <a:t>7/5/2021</a:t>
             </a:fld>
             <a:endParaRPr lang="en-US"/>
           </a:p>
@@ -2755,7 +2756,7 @@
           <a:p>
             <a:fld id="{78AC6A5B-8AE7-4A41-B5A7-9ADC6686DC18}" type="datetime1">
               <a:rPr lang="en-US" smtClean="0"/>
-              <a:t>7/2/2021</a:t>
+              <a:t>7/5/2021</a:t>
             </a:fld>
             <a:endParaRPr lang="en-US"/>
           </a:p>
@@ -3064,7 +3065,7 @@
             <a:fld id="{57E0CF6C-748E-4B7A-BC8B-3011EF78ED13}" type="datetime1">
               <a:rPr lang="en-US" smtClean="0"/>
               <a:pPr/>
-              <a:t>7/2/2021</a:t>
+              <a:t>7/5/2021</a:t>
             </a:fld>
             <a:endParaRPr lang="en-US" dirty="0"/>
           </a:p>
@@ -3919,7 +3920,7 @@
         </p:nvSpPr>
         <p:spPr>
           <a:xfrm>
-            <a:off x="336776" y="1312428"/>
+            <a:off x="336776" y="1104608"/>
             <a:ext cx="13909452" cy="1177249"/>
           </a:xfrm>
           <a:prstGeom prst="rect">
@@ -4040,36 +4041,6 @@
           </a:p>
         </p:txBody>
       </p:sp>
-      <p:pic>
-        <p:nvPicPr>
-          <p:cNvPr id="7" name="Imagem 6">
-            <a:extLst>
-              <a:ext uri="{FF2B5EF4-FFF2-40B4-BE49-F238E27FC236}">
-                <a16:creationId xmlns:a16="http://schemas.microsoft.com/office/drawing/2014/main" id="{E99A2EB0-2C10-4321-AA8A-161DE2486819}"/>
-              </a:ext>
-            </a:extLst>
-          </p:cNvPr>
-          <p:cNvPicPr>
-            <a:picLocks noChangeAspect="1"/>
-          </p:cNvPicPr>
-          <p:nvPr/>
-        </p:nvPicPr>
-        <p:blipFill>
-          <a:blip r:embed="rId5"/>
-          <a:stretch>
-            <a:fillRect/>
-          </a:stretch>
-        </p:blipFill>
-        <p:spPr>
-          <a:xfrm>
-            <a:off x="336776" y="3872449"/>
-            <a:ext cx="6543248" cy="5580000"/>
-          </a:xfrm>
-          <a:prstGeom prst="rect">
-            <a:avLst/>
-          </a:prstGeom>
-        </p:spPr>
-      </p:pic>
       <p:sp>
         <p:nvSpPr>
           <p:cNvPr id="21" name="Retângulo 20">
@@ -4121,36 +4092,6 @@
           </a:p>
         </p:txBody>
       </p:sp>
-      <p:pic>
-        <p:nvPicPr>
-          <p:cNvPr id="17" name="Imagem 16">
-            <a:extLst>
-              <a:ext uri="{FF2B5EF4-FFF2-40B4-BE49-F238E27FC236}">
-                <a16:creationId xmlns:a16="http://schemas.microsoft.com/office/drawing/2014/main" id="{E2A84619-BF86-4960-B7EE-2B9E44CACAF8}"/>
-              </a:ext>
-            </a:extLst>
-          </p:cNvPr>
-          <p:cNvPicPr>
-            <a:picLocks noChangeAspect="1"/>
-          </p:cNvPicPr>
-          <p:nvPr/>
-        </p:nvPicPr>
-        <p:blipFill>
-          <a:blip r:embed="rId6"/>
-          <a:stretch>
-            <a:fillRect/>
-          </a:stretch>
-        </p:blipFill>
-        <p:spPr>
-          <a:xfrm>
-            <a:off x="7546910" y="3872449"/>
-            <a:ext cx="6533549" cy="5580000"/>
-          </a:xfrm>
-          <a:prstGeom prst="rect">
-            <a:avLst/>
-          </a:prstGeom>
-        </p:spPr>
-      </p:pic>
       <p:sp>
         <p:nvSpPr>
           <p:cNvPr id="23" name="Retângulo 22">
@@ -4253,10 +4194,810 @@
           </a:p>
         </p:txBody>
       </p:sp>
+      <p:pic>
+        <p:nvPicPr>
+          <p:cNvPr id="2" name="Imagem 1">
+            <a:extLst>
+              <a:ext uri="{FF2B5EF4-FFF2-40B4-BE49-F238E27FC236}">
+                <a16:creationId xmlns:a16="http://schemas.microsoft.com/office/drawing/2014/main" id="{F1EC0DC6-2914-4823-9D82-433445B4F23A}"/>
+              </a:ext>
+            </a:extLst>
+          </p:cNvPr>
+          <p:cNvPicPr>
+            <a:picLocks noChangeAspect="1"/>
+          </p:cNvPicPr>
+          <p:nvPr/>
+        </p:nvPicPr>
+        <p:blipFill>
+          <a:blip r:embed="rId5"/>
+          <a:stretch>
+            <a:fillRect/>
+          </a:stretch>
+        </p:blipFill>
+        <p:spPr>
+          <a:xfrm>
+            <a:off x="327250" y="3872449"/>
+            <a:ext cx="6543248" cy="5580000"/>
+          </a:xfrm>
+          <a:prstGeom prst="rect">
+            <a:avLst/>
+          </a:prstGeom>
+        </p:spPr>
+      </p:pic>
+      <p:pic>
+        <p:nvPicPr>
+          <p:cNvPr id="3" name="Imagem 2">
+            <a:extLst>
+              <a:ext uri="{FF2B5EF4-FFF2-40B4-BE49-F238E27FC236}">
+                <a16:creationId xmlns:a16="http://schemas.microsoft.com/office/drawing/2014/main" id="{503A8211-85C0-4725-90AD-DFCD5D51888A}"/>
+              </a:ext>
+            </a:extLst>
+          </p:cNvPr>
+          <p:cNvPicPr>
+            <a:picLocks noChangeAspect="1"/>
+          </p:cNvPicPr>
+          <p:nvPr/>
+        </p:nvPicPr>
+        <p:blipFill>
+          <a:blip r:embed="rId6"/>
+          <a:stretch>
+            <a:fillRect/>
+          </a:stretch>
+        </p:blipFill>
+        <p:spPr>
+          <a:xfrm>
+            <a:off x="7557936" y="3872449"/>
+            <a:ext cx="6533549" cy="5580000"/>
+          </a:xfrm>
+          <a:prstGeom prst="rect">
+            <a:avLst/>
+          </a:prstGeom>
+        </p:spPr>
+      </p:pic>
     </p:spTree>
     <p:extLst>
       <p:ext uri="{BB962C8B-B14F-4D97-AF65-F5344CB8AC3E}">
-        <p14:creationId xmlns:p14="http://schemas.microsoft.com/office/powerpoint/2010/main" val="1131734572"/>
+        <p14:creationId xmlns:p14="http://schemas.microsoft.com/office/powerpoint/2010/main" val="4222553005"/>
+      </p:ext>
+    </p:extLst>
+  </p:cSld>
+  <p:clrMapOvr>
+    <a:masterClrMapping/>
+  </p:clrMapOvr>
+</p:sld>
+</file>
+
+<file path=ppt/slides/slide2.xml><?xml version="1.0" encoding="utf-8"?>
+<p:sld xmlns:a="http://schemas.openxmlformats.org/drawingml/2006/main" xmlns:r="http://schemas.openxmlformats.org/officeDocument/2006/relationships" xmlns:p="http://schemas.openxmlformats.org/presentationml/2006/main">
+  <p:cSld>
+    <p:bg>
+      <p:bgPr>
+        <a:solidFill>
+          <a:schemeClr val="bg1"/>
+        </a:solidFill>
+        <a:effectLst/>
+      </p:bgPr>
+    </p:bg>
+    <p:spTree>
+      <p:nvGrpSpPr>
+        <p:cNvPr id="1" name=""/>
+        <p:cNvGrpSpPr/>
+        <p:nvPr/>
+      </p:nvGrpSpPr>
+      <p:grpSpPr>
+        <a:xfrm>
+          <a:off x="0" y="0"/>
+          <a:ext cx="0" cy="0"/>
+          <a:chOff x="0" y="0"/>
+          <a:chExt cx="0" cy="0"/>
+        </a:xfrm>
+      </p:grpSpPr>
+      <p:sp>
+        <p:nvSpPr>
+          <p:cNvPr id="13" name="Rectangle 9">
+            <a:extLst>
+              <a:ext uri="{FF2B5EF4-FFF2-40B4-BE49-F238E27FC236}">
+                <a16:creationId xmlns:a16="http://schemas.microsoft.com/office/drawing/2014/main" id="{0BABF38A-8A0D-492E-BD20-6CF4D46B50BD}"/>
+              </a:ext>
+              <a:ext uri="{C183D7F6-B498-43B3-948B-1728B52AA6E4}">
+                <adec:decorative xmlns:adec="http://schemas.microsoft.com/office/drawing/2017/decorative" val="1"/>
+              </a:ext>
+            </a:extLst>
+          </p:cNvPr>
+          <p:cNvSpPr>
+            <a:spLocks noGrp="1" noRot="1" noChangeAspect="1" noMove="1" noResize="1" noEditPoints="1" noAdjustHandles="1" noChangeArrowheads="1" noChangeShapeType="1" noTextEdit="1"/>
+          </p:cNvSpPr>
+          <p:nvPr>
+            <p:extLst>
+              <p:ext uri="{386F3935-93C4-4BCD-93E2-E3B085C9AB24}">
+                <p16:designElem xmlns:p16="http://schemas.microsoft.com/office/powerpoint/2015/main" val="1"/>
+              </p:ext>
+            </p:extLst>
+          </p:nvPr>
+        </p:nvSpPr>
+        <p:spPr>
+          <a:xfrm>
+            <a:off x="3149972" y="3121681"/>
+            <a:ext cx="8100269" cy="4556404"/>
+          </a:xfrm>
+          <a:prstGeom prst="rect">
+            <a:avLst/>
+          </a:prstGeom>
+          <a:solidFill>
+            <a:schemeClr val="bg2">
+              <a:lumMod val="90000"/>
+              <a:alpha val="70000"/>
+            </a:schemeClr>
+          </a:solidFill>
+          <a:ln>
+            <a:noFill/>
+          </a:ln>
+        </p:spPr>
+        <p:style>
+          <a:lnRef idx="2">
+            <a:schemeClr val="accent1">
+              <a:shade val="50000"/>
+            </a:schemeClr>
+          </a:lnRef>
+          <a:fillRef idx="1">
+            <a:schemeClr val="accent1"/>
+          </a:fillRef>
+          <a:effectRef idx="0">
+            <a:schemeClr val="accent1"/>
+          </a:effectRef>
+          <a:fontRef idx="minor">
+            <a:schemeClr val="lt1"/>
+          </a:fontRef>
+        </p:style>
+        <p:txBody>
+          <a:bodyPr rtlCol="0" anchor="ctr"/>
+          <a:lstStyle/>
+          <a:p>
+            <a:pPr algn="ctr">
+              <a:defRPr/>
+            </a:pPr>
+            <a:endParaRPr lang="en-US" sz="1196" dirty="0">
+              <a:solidFill>
+                <a:prstClr val="black">
+                  <a:lumMod val="65000"/>
+                  <a:lumOff val="35000"/>
+                </a:prstClr>
+              </a:solidFill>
+              <a:latin typeface="AvenirNext LT Pro Medium" panose="020B0504020202020204" pitchFamily="34" charset="0"/>
+            </a:endParaRPr>
+          </a:p>
+        </p:txBody>
+      </p:sp>
+      <p:pic>
+        <p:nvPicPr>
+          <p:cNvPr id="12" name="Picture 11">
+            <a:extLst>
+              <a:ext uri="{FF2B5EF4-FFF2-40B4-BE49-F238E27FC236}">
+                <a16:creationId xmlns:a16="http://schemas.microsoft.com/office/drawing/2014/main" id="{BC526B7A-4801-4FD1-95C8-03AF22629E87}"/>
+              </a:ext>
+              <a:ext uri="{C183D7F6-B498-43B3-948B-1728B52AA6E4}">
+                <adec:decorative xmlns:adec="http://schemas.microsoft.com/office/drawing/2017/decorative" val="1"/>
+              </a:ext>
+            </a:extLst>
+          </p:cNvPr>
+          <p:cNvPicPr>
+            <a:picLocks noGrp="1" noRot="1" noChangeAspect="1" noMove="1" noResize="1" noEditPoints="1" noAdjustHandles="1" noChangeArrowheads="1" noChangeShapeType="1" noCrop="1"/>
+          </p:cNvPicPr>
+          <p:nvPr>
+            <p:extLst>
+              <p:ext uri="{386F3935-93C4-4BCD-93E2-E3B085C9AB24}">
+                <p16:designElem xmlns:p16="http://schemas.microsoft.com/office/powerpoint/2015/main" val="1"/>
+              </p:ext>
+            </p:extLst>
+          </p:nvPr>
+        </p:nvPicPr>
+        <p:blipFill>
+          <a:blip r:embed="rId2">
+            <a:alphaModFix amt="10000"/>
+            <a:extLst>
+              <a:ext uri="{28A0092B-C50C-407E-A947-70E740481C1C}">
+                <a14:useLocalDpi xmlns:a14="http://schemas.microsoft.com/office/drawing/2010/main" val="0"/>
+              </a:ext>
+            </a:extLst>
+          </a:blip>
+          <a:stretch>
+            <a:fillRect/>
+          </a:stretch>
+        </p:blipFill>
+        <p:spPr>
+          <a:xfrm>
+            <a:off x="8820159" y="3121682"/>
+            <a:ext cx="2428095" cy="3039825"/>
+          </a:xfrm>
+          <a:prstGeom prst="rect">
+            <a:avLst/>
+          </a:prstGeom>
+        </p:spPr>
+      </p:pic>
+      <p:sp useBgFill="1">
+        <p:nvSpPr>
+          <p:cNvPr id="14" name="Rectangle 13">
+            <a:extLst>
+              <a:ext uri="{FF2B5EF4-FFF2-40B4-BE49-F238E27FC236}">
+                <a16:creationId xmlns:a16="http://schemas.microsoft.com/office/drawing/2014/main" id="{37FDDF72-DE39-4F99-A3C1-DD9D7815D7DB}"/>
+              </a:ext>
+              <a:ext uri="{C183D7F6-B498-43B3-948B-1728B52AA6E4}">
+                <adec:decorative xmlns:adec="http://schemas.microsoft.com/office/drawing/2017/decorative" val="1"/>
+              </a:ext>
+            </a:extLst>
+          </p:cNvPr>
+          <p:cNvSpPr>
+            <a:spLocks noGrp="1" noRot="1" noChangeAspect="1" noMove="1" noResize="1" noEditPoints="1" noAdjustHandles="1" noChangeArrowheads="1" noChangeShapeType="1" noTextEdit="1"/>
+          </p:cNvSpPr>
+          <p:nvPr>
+            <p:extLst>
+              <p:ext uri="{386F3935-93C4-4BCD-93E2-E3B085C9AB24}">
+                <p16:designElem xmlns:p16="http://schemas.microsoft.com/office/powerpoint/2015/main" val="1"/>
+              </p:ext>
+            </p:extLst>
+          </p:nvPr>
+        </p:nvSpPr>
+        <p:spPr>
+          <a:xfrm>
+            <a:off x="3149972" y="3121681"/>
+            <a:ext cx="8100269" cy="4556401"/>
+          </a:xfrm>
+          <a:prstGeom prst="rect">
+            <a:avLst/>
+          </a:prstGeom>
+          <a:ln>
+            <a:noFill/>
+          </a:ln>
+        </p:spPr>
+        <p:style>
+          <a:lnRef idx="2">
+            <a:schemeClr val="accent1">
+              <a:shade val="50000"/>
+            </a:schemeClr>
+          </a:lnRef>
+          <a:fillRef idx="1">
+            <a:schemeClr val="accent1"/>
+          </a:fillRef>
+          <a:effectRef idx="0">
+            <a:schemeClr val="accent1"/>
+          </a:effectRef>
+          <a:fontRef idx="minor">
+            <a:schemeClr val="lt1"/>
+          </a:fontRef>
+        </p:style>
+        <p:txBody>
+          <a:bodyPr rtlCol="0" anchor="ctr"/>
+          <a:lstStyle/>
+          <a:p>
+            <a:pPr algn="ctr">
+              <a:defRPr/>
+            </a:pPr>
+            <a:endParaRPr lang="en-US" sz="1196" dirty="0">
+              <a:solidFill>
+                <a:prstClr val="black">
+                  <a:lumMod val="65000"/>
+                  <a:lumOff val="35000"/>
+                </a:prstClr>
+              </a:solidFill>
+              <a:latin typeface="AvenirNext LT Pro Medium" panose="020B0504020202020204" pitchFamily="34" charset="0"/>
+            </a:endParaRPr>
+          </a:p>
+        </p:txBody>
+      </p:sp>
+      <p:sp>
+        <p:nvSpPr>
+          <p:cNvPr id="16" name="Rectangle 15">
+            <a:extLst>
+              <a:ext uri="{FF2B5EF4-FFF2-40B4-BE49-F238E27FC236}">
+                <a16:creationId xmlns:a16="http://schemas.microsoft.com/office/drawing/2014/main" id="{5E4ECE80-3AD1-450C-B62A-98788F193948}"/>
+              </a:ext>
+              <a:ext uri="{C183D7F6-B498-43B3-948B-1728B52AA6E4}">
+                <adec:decorative xmlns:adec="http://schemas.microsoft.com/office/drawing/2017/decorative" val="1"/>
+              </a:ext>
+            </a:extLst>
+          </p:cNvPr>
+          <p:cNvSpPr>
+            <a:spLocks noGrp="1" noRot="1" noChangeAspect="1" noMove="1" noResize="1" noEditPoints="1" noAdjustHandles="1" noChangeArrowheads="1" noChangeShapeType="1" noTextEdit="1"/>
+          </p:cNvSpPr>
+          <p:nvPr>
+            <p:extLst>
+              <p:ext uri="{386F3935-93C4-4BCD-93E2-E3B085C9AB24}">
+                <p16:designElem xmlns:p16="http://schemas.microsoft.com/office/powerpoint/2015/main" val="1"/>
+              </p:ext>
+            </p:extLst>
+          </p:nvPr>
+        </p:nvSpPr>
+        <p:spPr>
+          <a:xfrm>
+            <a:off x="3149972" y="3121681"/>
+            <a:ext cx="8100269" cy="4556401"/>
+          </a:xfrm>
+          <a:prstGeom prst="rect">
+            <a:avLst/>
+          </a:prstGeom>
+          <a:solidFill>
+            <a:srgbClr val="000000"/>
+          </a:solidFill>
+          <a:ln>
+            <a:noFill/>
+          </a:ln>
+        </p:spPr>
+        <p:style>
+          <a:lnRef idx="2">
+            <a:schemeClr val="accent1">
+              <a:shade val="50000"/>
+            </a:schemeClr>
+          </a:lnRef>
+          <a:fillRef idx="1">
+            <a:schemeClr val="accent1"/>
+          </a:fillRef>
+          <a:effectRef idx="0">
+            <a:schemeClr val="accent1"/>
+          </a:effectRef>
+          <a:fontRef idx="minor">
+            <a:schemeClr val="lt1"/>
+          </a:fontRef>
+        </p:style>
+        <p:txBody>
+          <a:bodyPr rtlCol="0" anchor="ctr"/>
+          <a:lstStyle/>
+          <a:p>
+            <a:pPr algn="ctr">
+              <a:defRPr/>
+            </a:pPr>
+            <a:endParaRPr lang="en-US" sz="1196" dirty="0">
+              <a:solidFill>
+                <a:prstClr val="black">
+                  <a:lumMod val="65000"/>
+                  <a:lumOff val="35000"/>
+                </a:prstClr>
+              </a:solidFill>
+              <a:latin typeface="AvenirNext LT Pro Medium" panose="020B0504020202020204" pitchFamily="34" charset="0"/>
+            </a:endParaRPr>
+          </a:p>
+        </p:txBody>
+      </p:sp>
+      <p:pic>
+        <p:nvPicPr>
+          <p:cNvPr id="5" name="Imagem 4">
+            <a:extLst>
+              <a:ext uri="{FF2B5EF4-FFF2-40B4-BE49-F238E27FC236}">
+                <a16:creationId xmlns:a16="http://schemas.microsoft.com/office/drawing/2014/main" id="{F1433EF1-FB6D-4913-96C9-08F0B1B3CA7A}"/>
+              </a:ext>
+            </a:extLst>
+          </p:cNvPr>
+          <p:cNvPicPr>
+            <a:picLocks noChangeAspect="1"/>
+          </p:cNvPicPr>
+          <p:nvPr/>
+        </p:nvPicPr>
+        <p:blipFill rotWithShape="1">
+          <a:blip r:embed="rId3">
+            <a:alphaModFix/>
+            <a:extLst>
+              <a:ext uri="{28A0092B-C50C-407E-A947-70E740481C1C}">
+                <a14:useLocalDpi xmlns:a14="http://schemas.microsoft.com/office/drawing/2010/main" val="0"/>
+              </a:ext>
+            </a:extLst>
+          </a:blip>
+          <a:srcRect l="5233" t="-2125" r="6244" b="-538"/>
+          <a:stretch/>
+        </p:blipFill>
+        <p:spPr>
+          <a:xfrm>
+            <a:off x="-1" y="-248909"/>
+            <a:ext cx="14400213" cy="11147555"/>
+          </a:xfrm>
+          <a:prstGeom prst="rect">
+            <a:avLst/>
+          </a:prstGeom>
+        </p:spPr>
+      </p:pic>
+      <p:sp>
+        <p:nvSpPr>
+          <p:cNvPr id="50" name="Retângulo 49">
+            <a:extLst>
+              <a:ext uri="{FF2B5EF4-FFF2-40B4-BE49-F238E27FC236}">
+                <a16:creationId xmlns:a16="http://schemas.microsoft.com/office/drawing/2014/main" id="{50614AED-75DE-4550-9029-54313F89BD12}"/>
+              </a:ext>
+            </a:extLst>
+          </p:cNvPr>
+          <p:cNvSpPr/>
+          <p:nvPr/>
+        </p:nvSpPr>
+        <p:spPr>
+          <a:xfrm>
+            <a:off x="3186646" y="311571"/>
+            <a:ext cx="8052791" cy="992583"/>
+          </a:xfrm>
+          <a:prstGeom prst="rect">
+            <a:avLst/>
+          </a:prstGeom>
+          <a:noFill/>
+        </p:spPr>
+        <p:txBody>
+          <a:bodyPr wrap="square" lIns="68584" tIns="34292" rIns="68584" bIns="34292">
+            <a:spAutoFit/>
+          </a:bodyPr>
+          <a:lstStyle/>
+          <a:p>
+            <a:pPr algn="ctr"/>
+            <a:r>
+              <a:rPr lang="pt-BR" sz="6000" dirty="0">
+                <a:ln w="38100">
+                  <a:solidFill>
+                    <a:schemeClr val="bg1"/>
+                  </a:solidFill>
+                </a:ln>
+                <a:solidFill>
+                  <a:srgbClr val="00B050"/>
+                </a:solidFill>
+                <a:effectLst>
+                  <a:outerShdw blurRad="38100" dist="19050" dir="2700000" algn="tl" rotWithShape="0">
+                    <a:schemeClr val="dk1">
+                      <a:alpha val="40000"/>
+                    </a:schemeClr>
+                  </a:outerShdw>
+                </a:effectLst>
+                <a:latin typeface="Exo 2 Extra Bold" panose="00000900000000000000" pitchFamily="50" charset="0"/>
+              </a:rPr>
+              <a:t>Liga Principal</a:t>
+            </a:r>
+          </a:p>
+        </p:txBody>
+      </p:sp>
+      <p:sp>
+        <p:nvSpPr>
+          <p:cNvPr id="53" name="Retângulo 52">
+            <a:extLst>
+              <a:ext uri="{FF2B5EF4-FFF2-40B4-BE49-F238E27FC236}">
+                <a16:creationId xmlns:a16="http://schemas.microsoft.com/office/drawing/2014/main" id="{F101E0BF-8A68-40B9-BC26-35C299182F52}"/>
+              </a:ext>
+            </a:extLst>
+          </p:cNvPr>
+          <p:cNvSpPr/>
+          <p:nvPr/>
+        </p:nvSpPr>
+        <p:spPr>
+          <a:xfrm>
+            <a:off x="336776" y="1104608"/>
+            <a:ext cx="13909452" cy="1177249"/>
+          </a:xfrm>
+          <a:prstGeom prst="rect">
+            <a:avLst/>
+          </a:prstGeom>
+          <a:noFill/>
+        </p:spPr>
+        <p:txBody>
+          <a:bodyPr wrap="square" lIns="68584" tIns="34292" rIns="68584" bIns="34292">
+            <a:spAutoFit/>
+          </a:bodyPr>
+          <a:lstStyle/>
+          <a:p>
+            <a:pPr algn="ctr"/>
+            <a:r>
+              <a:rPr lang="pt-BR" sz="7200" dirty="0">
+                <a:ln w="0">
+                  <a:noFill/>
+                </a:ln>
+                <a:effectLst>
+                  <a:outerShdw blurRad="38100" dist="19050" dir="2700000" algn="tl" rotWithShape="0">
+                    <a:schemeClr val="dk1">
+                      <a:alpha val="40000"/>
+                    </a:schemeClr>
+                  </a:outerShdw>
+                </a:effectLst>
+                <a:latin typeface="Exo 2 Extra Bold" panose="00000900000000000000" pitchFamily="50" charset="0"/>
+              </a:rPr>
+              <a:t>MATA-MATA SÉRIE C 2</a:t>
+            </a:r>
+          </a:p>
+        </p:txBody>
+      </p:sp>
+      <p:pic>
+        <p:nvPicPr>
+          <p:cNvPr id="15" name="Imagem 14">
+            <a:extLst>
+              <a:ext uri="{FF2B5EF4-FFF2-40B4-BE49-F238E27FC236}">
+                <a16:creationId xmlns:a16="http://schemas.microsoft.com/office/drawing/2014/main" id="{780D6AE4-2B31-43CF-8A3B-9ACC73C32FE9}"/>
+              </a:ext>
+            </a:extLst>
+          </p:cNvPr>
+          <p:cNvPicPr>
+            <a:picLocks noChangeAspect="1"/>
+          </p:cNvPicPr>
+          <p:nvPr/>
+        </p:nvPicPr>
+        <p:blipFill>
+          <a:blip r:embed="rId4">
+            <a:extLst>
+              <a:ext uri="{28A0092B-C50C-407E-A947-70E740481C1C}">
+                <a14:useLocalDpi xmlns:a14="http://schemas.microsoft.com/office/drawing/2010/main" val="0"/>
+              </a:ext>
+            </a:extLst>
+          </a:blip>
+          <a:stretch>
+            <a:fillRect/>
+          </a:stretch>
+        </p:blipFill>
+        <p:spPr>
+          <a:xfrm>
+            <a:off x="336776" y="194284"/>
+            <a:ext cx="2059134" cy="2160000"/>
+          </a:xfrm>
+          <a:prstGeom prst="rect">
+            <a:avLst/>
+          </a:prstGeom>
+        </p:spPr>
+      </p:pic>
+      <p:sp>
+        <p:nvSpPr>
+          <p:cNvPr id="10" name="Retângulo 9">
+            <a:extLst>
+              <a:ext uri="{FF2B5EF4-FFF2-40B4-BE49-F238E27FC236}">
+                <a16:creationId xmlns:a16="http://schemas.microsoft.com/office/drawing/2014/main" id="{838BDC98-3287-4575-8574-56F716FB2440}"/>
+              </a:ext>
+            </a:extLst>
+          </p:cNvPr>
+          <p:cNvSpPr/>
+          <p:nvPr/>
+        </p:nvSpPr>
+        <p:spPr>
+          <a:xfrm>
+            <a:off x="2888673" y="2227185"/>
+            <a:ext cx="8624453" cy="4212000"/>
+          </a:xfrm>
+          <a:prstGeom prst="rect">
+            <a:avLst/>
+          </a:prstGeom>
+          <a:solidFill>
+            <a:schemeClr val="tx1">
+              <a:alpha val="81000"/>
+            </a:schemeClr>
+          </a:solidFill>
+        </p:spPr>
+        <p:style>
+          <a:lnRef idx="2">
+            <a:schemeClr val="accent1">
+              <a:shade val="50000"/>
+            </a:schemeClr>
+          </a:lnRef>
+          <a:fillRef idx="1">
+            <a:schemeClr val="accent1"/>
+          </a:fillRef>
+          <a:effectRef idx="0">
+            <a:schemeClr val="accent1"/>
+          </a:effectRef>
+          <a:fontRef idx="minor">
+            <a:schemeClr val="lt1"/>
+          </a:fontRef>
+        </p:style>
+        <p:txBody>
+          <a:bodyPr rtlCol="0" anchor="ctr"/>
+          <a:lstStyle/>
+          <a:p>
+            <a:pPr algn="ctr"/>
+            <a:endParaRPr lang="pt-BR"/>
+          </a:p>
+        </p:txBody>
+      </p:sp>
+      <p:sp>
+        <p:nvSpPr>
+          <p:cNvPr id="21" name="Retângulo 20">
+            <a:extLst>
+              <a:ext uri="{FF2B5EF4-FFF2-40B4-BE49-F238E27FC236}">
+                <a16:creationId xmlns:a16="http://schemas.microsoft.com/office/drawing/2014/main" id="{95EDB8CB-8377-4925-B478-560C3F615037}"/>
+              </a:ext>
+            </a:extLst>
+          </p:cNvPr>
+          <p:cNvSpPr/>
+          <p:nvPr/>
+        </p:nvSpPr>
+        <p:spPr>
+          <a:xfrm>
+            <a:off x="2887087" y="6505978"/>
+            <a:ext cx="8624453" cy="4212000"/>
+          </a:xfrm>
+          <a:prstGeom prst="rect">
+            <a:avLst/>
+          </a:prstGeom>
+          <a:solidFill>
+            <a:schemeClr val="tx1">
+              <a:alpha val="81000"/>
+            </a:schemeClr>
+          </a:solidFill>
+        </p:spPr>
+        <p:style>
+          <a:lnRef idx="2">
+            <a:schemeClr val="accent1">
+              <a:shade val="50000"/>
+            </a:schemeClr>
+          </a:lnRef>
+          <a:fillRef idx="1">
+            <a:schemeClr val="accent1"/>
+          </a:fillRef>
+          <a:effectRef idx="0">
+            <a:schemeClr val="accent1"/>
+          </a:effectRef>
+          <a:fontRef idx="minor">
+            <a:schemeClr val="lt1"/>
+          </a:fontRef>
+        </p:style>
+        <p:txBody>
+          <a:bodyPr rtlCol="0" anchor="ctr"/>
+          <a:lstStyle/>
+          <a:p>
+            <a:pPr algn="ctr"/>
+            <a:endParaRPr lang="pt-BR"/>
+          </a:p>
+        </p:txBody>
+      </p:sp>
+      <p:sp>
+        <p:nvSpPr>
+          <p:cNvPr id="23" name="Retângulo 22">
+            <a:extLst>
+              <a:ext uri="{FF2B5EF4-FFF2-40B4-BE49-F238E27FC236}">
+                <a16:creationId xmlns:a16="http://schemas.microsoft.com/office/drawing/2014/main" id="{ED87CD67-A438-4F74-986A-3704AF997953}"/>
+              </a:ext>
+            </a:extLst>
+          </p:cNvPr>
+          <p:cNvSpPr/>
+          <p:nvPr/>
+        </p:nvSpPr>
+        <p:spPr>
+          <a:xfrm>
+            <a:off x="5308448" y="2179089"/>
+            <a:ext cx="3789504" cy="684807"/>
+          </a:xfrm>
+          <a:prstGeom prst="rect">
+            <a:avLst/>
+          </a:prstGeom>
+          <a:noFill/>
+        </p:spPr>
+        <p:txBody>
+          <a:bodyPr wrap="square" lIns="68584" tIns="34292" rIns="68584" bIns="34292">
+            <a:spAutoFit/>
+          </a:bodyPr>
+          <a:lstStyle/>
+          <a:p>
+            <a:pPr algn="ctr"/>
+            <a:r>
+              <a:rPr lang="pt-BR" sz="4000" dirty="0">
+                <a:ln w="0">
+                  <a:noFill/>
+                </a:ln>
+                <a:solidFill>
+                  <a:srgbClr val="0070C0"/>
+                </a:solidFill>
+                <a:effectLst>
+                  <a:outerShdw blurRad="38100" dist="19050" dir="2700000" algn="tl" rotWithShape="0">
+                    <a:schemeClr val="dk1">
+                      <a:alpha val="40000"/>
+                    </a:schemeClr>
+                  </a:outerShdw>
+                </a:effectLst>
+                <a:latin typeface="Exo 2 Extra Bold" panose="00000900000000000000" pitchFamily="50" charset="0"/>
+              </a:rPr>
+              <a:t>Chave 1</a:t>
+            </a:r>
+          </a:p>
+        </p:txBody>
+      </p:sp>
+      <p:sp>
+        <p:nvSpPr>
+          <p:cNvPr id="24" name="Retângulo 23">
+            <a:extLst>
+              <a:ext uri="{FF2B5EF4-FFF2-40B4-BE49-F238E27FC236}">
+                <a16:creationId xmlns:a16="http://schemas.microsoft.com/office/drawing/2014/main" id="{522A4ACC-EC27-4A14-BA66-B0EB03535C7B}"/>
+              </a:ext>
+            </a:extLst>
+          </p:cNvPr>
+          <p:cNvSpPr/>
+          <p:nvPr/>
+        </p:nvSpPr>
+        <p:spPr>
+          <a:xfrm>
+            <a:off x="5321993" y="6456434"/>
+            <a:ext cx="3789503" cy="684807"/>
+          </a:xfrm>
+          <a:prstGeom prst="rect">
+            <a:avLst/>
+          </a:prstGeom>
+          <a:noFill/>
+        </p:spPr>
+        <p:txBody>
+          <a:bodyPr wrap="square" lIns="68584" tIns="34292" rIns="68584" bIns="34292">
+            <a:spAutoFit/>
+          </a:bodyPr>
+          <a:lstStyle/>
+          <a:p>
+            <a:pPr algn="ctr"/>
+            <a:r>
+              <a:rPr lang="pt-BR" sz="4000" dirty="0">
+                <a:ln w="0">
+                  <a:noFill/>
+                </a:ln>
+                <a:solidFill>
+                  <a:srgbClr val="0070C0"/>
+                </a:solidFill>
+                <a:effectLst>
+                  <a:outerShdw blurRad="38100" dist="19050" dir="2700000" algn="tl" rotWithShape="0">
+                    <a:schemeClr val="dk1">
+                      <a:alpha val="40000"/>
+                    </a:schemeClr>
+                  </a:outerShdw>
+                </a:effectLst>
+                <a:latin typeface="Exo 2 Extra Bold" panose="00000900000000000000" pitchFamily="50" charset="0"/>
+              </a:rPr>
+              <a:t>Chave 2</a:t>
+            </a:r>
+          </a:p>
+        </p:txBody>
+      </p:sp>
+      <p:pic>
+        <p:nvPicPr>
+          <p:cNvPr id="4" name="Imagem 3">
+            <a:extLst>
+              <a:ext uri="{FF2B5EF4-FFF2-40B4-BE49-F238E27FC236}">
+                <a16:creationId xmlns:a16="http://schemas.microsoft.com/office/drawing/2014/main" id="{512B9476-6A18-41D0-9B5B-12DF7EF0B1C3}"/>
+              </a:ext>
+            </a:extLst>
+          </p:cNvPr>
+          <p:cNvPicPr>
+            <a:picLocks noChangeAspect="1"/>
+          </p:cNvPicPr>
+          <p:nvPr/>
+        </p:nvPicPr>
+        <p:blipFill>
+          <a:blip r:embed="rId5"/>
+          <a:stretch>
+            <a:fillRect/>
+          </a:stretch>
+        </p:blipFill>
+        <p:spPr>
+          <a:xfrm>
+            <a:off x="3248992" y="2977248"/>
+            <a:ext cx="7920000" cy="3273293"/>
+          </a:xfrm>
+          <a:prstGeom prst="rect">
+            <a:avLst/>
+          </a:prstGeom>
+        </p:spPr>
+      </p:pic>
+      <p:pic>
+        <p:nvPicPr>
+          <p:cNvPr id="6" name="Imagem 5">
+            <a:extLst>
+              <a:ext uri="{FF2B5EF4-FFF2-40B4-BE49-F238E27FC236}">
+                <a16:creationId xmlns:a16="http://schemas.microsoft.com/office/drawing/2014/main" id="{5414BE82-7E93-4FD0-B725-E6977C813D18}"/>
+              </a:ext>
+            </a:extLst>
+          </p:cNvPr>
+          <p:cNvPicPr>
+            <a:picLocks noChangeAspect="1"/>
+          </p:cNvPicPr>
+          <p:nvPr/>
+        </p:nvPicPr>
+        <p:blipFill>
+          <a:blip r:embed="rId6"/>
+          <a:stretch>
+            <a:fillRect/>
+          </a:stretch>
+        </p:blipFill>
+        <p:spPr>
+          <a:xfrm>
+            <a:off x="3256744" y="7190785"/>
+            <a:ext cx="7920000" cy="3273293"/>
+          </a:xfrm>
+          <a:prstGeom prst="rect">
+            <a:avLst/>
+          </a:prstGeom>
+        </p:spPr>
+      </p:pic>
+    </p:spTree>
+    <p:extLst>
+      <p:ext uri="{BB962C8B-B14F-4D97-AF65-F5344CB8AC3E}">
+        <p14:creationId xmlns:p14="http://schemas.microsoft.com/office/powerpoint/2010/main" val="2137653742"/>
       </p:ext>
     </p:extLst>
   </p:cSld>

--- a/MataMataPlanilha.pptx
+++ b/MataMataPlanilha.pptx
@@ -7,6 +7,9 @@
   <p:sldIdLst>
     <p:sldId id="264" r:id="rId2"/>
     <p:sldId id="265" r:id="rId3"/>
+    <p:sldId id="266" r:id="rId4"/>
+    <p:sldId id="267" r:id="rId5"/>
+    <p:sldId id="268" r:id="rId6"/>
   </p:sldIdLst>
   <p:sldSz cx="14400213" cy="10799763"/>
   <p:notesSz cx="6858000" cy="9144000"/>
@@ -287,7 +290,7 @@
             <a:fld id="{11A6662E-FAF4-44BC-88B5-85A7CBFB6D30}" type="datetime1">
               <a:rPr lang="en-US" smtClean="0"/>
               <a:pPr/>
-              <a:t>7/5/2021</a:t>
+              <a:t>7/12/2021</a:t>
             </a:fld>
             <a:endParaRPr lang="en-US" dirty="0"/>
           </a:p>
@@ -514,7 +517,7 @@
           <a:p>
             <a:fld id="{4C559632-1575-4E14-B53B-3DC3D5ED3947}" type="datetime1">
               <a:rPr lang="en-US" smtClean="0"/>
-              <a:t>7/5/2021</a:t>
+              <a:t>7/12/2021</a:t>
             </a:fld>
             <a:endParaRPr lang="en-US"/>
           </a:p>
@@ -722,7 +725,7 @@
           <a:p>
             <a:fld id="{CC4A6868-2568-4CC9-B302-F37117B01A6E}" type="datetime1">
               <a:rPr lang="en-US" smtClean="0"/>
-              <a:t>7/5/2021</a:t>
+              <a:t>7/12/2021</a:t>
             </a:fld>
             <a:endParaRPr lang="en-US"/>
           </a:p>
@@ -927,7 +930,7 @@
           <a:p>
             <a:fld id="{0055F08A-1E71-4B2B-BB49-E743F2903911}" type="datetime1">
               <a:rPr lang="en-US" smtClean="0"/>
-              <a:t>7/5/2021</a:t>
+              <a:t>7/12/2021</a:t>
             </a:fld>
             <a:endParaRPr lang="en-US" dirty="0"/>
           </a:p>
@@ -1201,7 +1204,7 @@
           <a:p>
             <a:fld id="{15417D9E-721A-44BB-8863-9873FE64DA75}" type="datetime1">
               <a:rPr lang="en-US" smtClean="0"/>
-              <a:t>7/5/2021</a:t>
+              <a:t>7/12/2021</a:t>
             </a:fld>
             <a:endParaRPr lang="en-US"/>
           </a:p>
@@ -1474,7 +1477,7 @@
           <a:p>
             <a:fld id="{5F31DA2F-80B8-49CF-99FB-5ABCA53A607A}" type="datetime1">
               <a:rPr lang="en-US" smtClean="0"/>
-              <a:t>7/5/2021</a:t>
+              <a:t>7/12/2021</a:t>
             </a:fld>
             <a:endParaRPr lang="en-US"/>
           </a:p>
@@ -1889,7 +1892,7 @@
           <a:p>
             <a:fld id="{28852172-E6C9-4B6C-929A-A9DE3837BBF1}" type="datetime1">
               <a:rPr lang="en-US" smtClean="0"/>
-              <a:t>7/5/2021</a:t>
+              <a:t>7/12/2021</a:t>
             </a:fld>
             <a:endParaRPr lang="en-US"/>
           </a:p>
@@ -2041,7 +2044,7 @@
           <a:p>
             <a:fld id="{3AB41CFF-90C9-47B3-9DA1-F2BF8D839F7E}" type="datetime1">
               <a:rPr lang="en-US" smtClean="0"/>
-              <a:t>7/5/2021</a:t>
+              <a:t>7/12/2021</a:t>
             </a:fld>
             <a:endParaRPr lang="en-US"/>
           </a:p>
@@ -2154,7 +2157,7 @@
           <a:p>
             <a:fld id="{F06048FA-06AB-4884-A69B-986B96E68A24}" type="datetime1">
               <a:rPr lang="en-US" smtClean="0"/>
-              <a:t>7/5/2021</a:t>
+              <a:t>7/12/2021</a:t>
             </a:fld>
             <a:endParaRPr lang="en-US"/>
           </a:p>
@@ -2465,7 +2468,7 @@
           <a:p>
             <a:fld id="{50DB7ABA-0172-4F9C-889D-567164F66BCD}" type="datetime1">
               <a:rPr lang="en-US" smtClean="0"/>
-              <a:t>7/5/2021</a:t>
+              <a:t>7/12/2021</a:t>
             </a:fld>
             <a:endParaRPr lang="en-US"/>
           </a:p>
@@ -2756,7 +2759,7 @@
           <a:p>
             <a:fld id="{78AC6A5B-8AE7-4A41-B5A7-9ADC6686DC18}" type="datetime1">
               <a:rPr lang="en-US" smtClean="0"/>
-              <a:t>7/5/2021</a:t>
+              <a:t>7/12/2021</a:t>
             </a:fld>
             <a:endParaRPr lang="en-US"/>
           </a:p>
@@ -3065,7 +3068,7 @@
             <a:fld id="{57E0CF6C-748E-4B7A-BC8B-3011EF78ED13}" type="datetime1">
               <a:rPr lang="en-US" smtClean="0"/>
               <a:pPr/>
-              <a:t>7/5/2021</a:t>
+              <a:t>7/12/2021</a:t>
             </a:fld>
             <a:endParaRPr lang="en-US" dirty="0"/>
           </a:p>
@@ -5007,6 +5010,2226 @@
 </p:sld>
 </file>
 
+<file path=ppt/slides/slide3.xml><?xml version="1.0" encoding="utf-8"?>
+<p:sld xmlns:a="http://schemas.openxmlformats.org/drawingml/2006/main" xmlns:r="http://schemas.openxmlformats.org/officeDocument/2006/relationships" xmlns:p="http://schemas.openxmlformats.org/presentationml/2006/main">
+  <p:cSld>
+    <p:bg>
+      <p:bgPr>
+        <a:solidFill>
+          <a:schemeClr val="bg1"/>
+        </a:solidFill>
+        <a:effectLst/>
+      </p:bgPr>
+    </p:bg>
+    <p:spTree>
+      <p:nvGrpSpPr>
+        <p:cNvPr id="1" name=""/>
+        <p:cNvGrpSpPr/>
+        <p:nvPr/>
+      </p:nvGrpSpPr>
+      <p:grpSpPr>
+        <a:xfrm>
+          <a:off x="0" y="0"/>
+          <a:ext cx="0" cy="0"/>
+          <a:chOff x="0" y="0"/>
+          <a:chExt cx="0" cy="0"/>
+        </a:xfrm>
+      </p:grpSpPr>
+      <p:sp>
+        <p:nvSpPr>
+          <p:cNvPr id="13" name="Rectangle 9">
+            <a:extLst>
+              <a:ext uri="{FF2B5EF4-FFF2-40B4-BE49-F238E27FC236}">
+                <a16:creationId xmlns:a16="http://schemas.microsoft.com/office/drawing/2014/main" id="{0BABF38A-8A0D-492E-BD20-6CF4D46B50BD}"/>
+              </a:ext>
+              <a:ext uri="{C183D7F6-B498-43B3-948B-1728B52AA6E4}">
+                <adec:decorative xmlns:adec="http://schemas.microsoft.com/office/drawing/2017/decorative" val="1"/>
+              </a:ext>
+            </a:extLst>
+          </p:cNvPr>
+          <p:cNvSpPr>
+            <a:spLocks noGrp="1" noRot="1" noChangeAspect="1" noMove="1" noResize="1" noEditPoints="1" noAdjustHandles="1" noChangeArrowheads="1" noChangeShapeType="1" noTextEdit="1"/>
+          </p:cNvSpPr>
+          <p:nvPr>
+            <p:extLst>
+              <p:ext uri="{386F3935-93C4-4BCD-93E2-E3B085C9AB24}">
+                <p16:designElem xmlns:p16="http://schemas.microsoft.com/office/powerpoint/2015/main" val="1"/>
+              </p:ext>
+            </p:extLst>
+          </p:nvPr>
+        </p:nvSpPr>
+        <p:spPr>
+          <a:xfrm>
+            <a:off x="3149972" y="3121681"/>
+            <a:ext cx="8100269" cy="4556404"/>
+          </a:xfrm>
+          <a:prstGeom prst="rect">
+            <a:avLst/>
+          </a:prstGeom>
+          <a:solidFill>
+            <a:schemeClr val="bg2">
+              <a:lumMod val="90000"/>
+              <a:alpha val="70000"/>
+            </a:schemeClr>
+          </a:solidFill>
+          <a:ln>
+            <a:noFill/>
+          </a:ln>
+        </p:spPr>
+        <p:style>
+          <a:lnRef idx="2">
+            <a:schemeClr val="accent1">
+              <a:shade val="50000"/>
+            </a:schemeClr>
+          </a:lnRef>
+          <a:fillRef idx="1">
+            <a:schemeClr val="accent1"/>
+          </a:fillRef>
+          <a:effectRef idx="0">
+            <a:schemeClr val="accent1"/>
+          </a:effectRef>
+          <a:fontRef idx="minor">
+            <a:schemeClr val="lt1"/>
+          </a:fontRef>
+        </p:style>
+        <p:txBody>
+          <a:bodyPr rtlCol="0" anchor="ctr"/>
+          <a:lstStyle/>
+          <a:p>
+            <a:pPr algn="ctr">
+              <a:defRPr/>
+            </a:pPr>
+            <a:endParaRPr lang="en-US" sz="1196" dirty="0">
+              <a:solidFill>
+                <a:prstClr val="black">
+                  <a:lumMod val="65000"/>
+                  <a:lumOff val="35000"/>
+                </a:prstClr>
+              </a:solidFill>
+              <a:latin typeface="AvenirNext LT Pro Medium" panose="020B0504020202020204" pitchFamily="34" charset="0"/>
+            </a:endParaRPr>
+          </a:p>
+        </p:txBody>
+      </p:sp>
+      <p:pic>
+        <p:nvPicPr>
+          <p:cNvPr id="12" name="Picture 11">
+            <a:extLst>
+              <a:ext uri="{FF2B5EF4-FFF2-40B4-BE49-F238E27FC236}">
+                <a16:creationId xmlns:a16="http://schemas.microsoft.com/office/drawing/2014/main" id="{BC526B7A-4801-4FD1-95C8-03AF22629E87}"/>
+              </a:ext>
+              <a:ext uri="{C183D7F6-B498-43B3-948B-1728B52AA6E4}">
+                <adec:decorative xmlns:adec="http://schemas.microsoft.com/office/drawing/2017/decorative" val="1"/>
+              </a:ext>
+            </a:extLst>
+          </p:cNvPr>
+          <p:cNvPicPr>
+            <a:picLocks noGrp="1" noRot="1" noChangeAspect="1" noMove="1" noResize="1" noEditPoints="1" noAdjustHandles="1" noChangeArrowheads="1" noChangeShapeType="1" noCrop="1"/>
+          </p:cNvPicPr>
+          <p:nvPr>
+            <p:extLst>
+              <p:ext uri="{386F3935-93C4-4BCD-93E2-E3B085C9AB24}">
+                <p16:designElem xmlns:p16="http://schemas.microsoft.com/office/powerpoint/2015/main" val="1"/>
+              </p:ext>
+            </p:extLst>
+          </p:nvPr>
+        </p:nvPicPr>
+        <p:blipFill>
+          <a:blip r:embed="rId2">
+            <a:alphaModFix amt="10000"/>
+            <a:extLst>
+              <a:ext uri="{28A0092B-C50C-407E-A947-70E740481C1C}">
+                <a14:useLocalDpi xmlns:a14="http://schemas.microsoft.com/office/drawing/2010/main" val="0"/>
+              </a:ext>
+            </a:extLst>
+          </a:blip>
+          <a:stretch>
+            <a:fillRect/>
+          </a:stretch>
+        </p:blipFill>
+        <p:spPr>
+          <a:xfrm>
+            <a:off x="8820159" y="3121682"/>
+            <a:ext cx="2428095" cy="3039825"/>
+          </a:xfrm>
+          <a:prstGeom prst="rect">
+            <a:avLst/>
+          </a:prstGeom>
+        </p:spPr>
+      </p:pic>
+      <p:sp useBgFill="1">
+        <p:nvSpPr>
+          <p:cNvPr id="14" name="Rectangle 13">
+            <a:extLst>
+              <a:ext uri="{FF2B5EF4-FFF2-40B4-BE49-F238E27FC236}">
+                <a16:creationId xmlns:a16="http://schemas.microsoft.com/office/drawing/2014/main" id="{37FDDF72-DE39-4F99-A3C1-DD9D7815D7DB}"/>
+              </a:ext>
+              <a:ext uri="{C183D7F6-B498-43B3-948B-1728B52AA6E4}">
+                <adec:decorative xmlns:adec="http://schemas.microsoft.com/office/drawing/2017/decorative" val="1"/>
+              </a:ext>
+            </a:extLst>
+          </p:cNvPr>
+          <p:cNvSpPr>
+            <a:spLocks noGrp="1" noRot="1" noChangeAspect="1" noMove="1" noResize="1" noEditPoints="1" noAdjustHandles="1" noChangeArrowheads="1" noChangeShapeType="1" noTextEdit="1"/>
+          </p:cNvSpPr>
+          <p:nvPr>
+            <p:extLst>
+              <p:ext uri="{386F3935-93C4-4BCD-93E2-E3B085C9AB24}">
+                <p16:designElem xmlns:p16="http://schemas.microsoft.com/office/powerpoint/2015/main" val="1"/>
+              </p:ext>
+            </p:extLst>
+          </p:nvPr>
+        </p:nvSpPr>
+        <p:spPr>
+          <a:xfrm>
+            <a:off x="3149972" y="3121681"/>
+            <a:ext cx="8100269" cy="4556401"/>
+          </a:xfrm>
+          <a:prstGeom prst="rect">
+            <a:avLst/>
+          </a:prstGeom>
+          <a:ln>
+            <a:noFill/>
+          </a:ln>
+        </p:spPr>
+        <p:style>
+          <a:lnRef idx="2">
+            <a:schemeClr val="accent1">
+              <a:shade val="50000"/>
+            </a:schemeClr>
+          </a:lnRef>
+          <a:fillRef idx="1">
+            <a:schemeClr val="accent1"/>
+          </a:fillRef>
+          <a:effectRef idx="0">
+            <a:schemeClr val="accent1"/>
+          </a:effectRef>
+          <a:fontRef idx="minor">
+            <a:schemeClr val="lt1"/>
+          </a:fontRef>
+        </p:style>
+        <p:txBody>
+          <a:bodyPr rtlCol="0" anchor="ctr"/>
+          <a:lstStyle/>
+          <a:p>
+            <a:pPr algn="ctr">
+              <a:defRPr/>
+            </a:pPr>
+            <a:endParaRPr lang="en-US" sz="1196" dirty="0">
+              <a:solidFill>
+                <a:prstClr val="black">
+                  <a:lumMod val="65000"/>
+                  <a:lumOff val="35000"/>
+                </a:prstClr>
+              </a:solidFill>
+              <a:latin typeface="AvenirNext LT Pro Medium" panose="020B0504020202020204" pitchFamily="34" charset="0"/>
+            </a:endParaRPr>
+          </a:p>
+        </p:txBody>
+      </p:sp>
+      <p:sp>
+        <p:nvSpPr>
+          <p:cNvPr id="16" name="Rectangle 15">
+            <a:extLst>
+              <a:ext uri="{FF2B5EF4-FFF2-40B4-BE49-F238E27FC236}">
+                <a16:creationId xmlns:a16="http://schemas.microsoft.com/office/drawing/2014/main" id="{5E4ECE80-3AD1-450C-B62A-98788F193948}"/>
+              </a:ext>
+              <a:ext uri="{C183D7F6-B498-43B3-948B-1728B52AA6E4}">
+                <adec:decorative xmlns:adec="http://schemas.microsoft.com/office/drawing/2017/decorative" val="1"/>
+              </a:ext>
+            </a:extLst>
+          </p:cNvPr>
+          <p:cNvSpPr>
+            <a:spLocks noGrp="1" noRot="1" noChangeAspect="1" noMove="1" noResize="1" noEditPoints="1" noAdjustHandles="1" noChangeArrowheads="1" noChangeShapeType="1" noTextEdit="1"/>
+          </p:cNvSpPr>
+          <p:nvPr>
+            <p:extLst>
+              <p:ext uri="{386F3935-93C4-4BCD-93E2-E3B085C9AB24}">
+                <p16:designElem xmlns:p16="http://schemas.microsoft.com/office/powerpoint/2015/main" val="1"/>
+              </p:ext>
+            </p:extLst>
+          </p:nvPr>
+        </p:nvSpPr>
+        <p:spPr>
+          <a:xfrm>
+            <a:off x="3149972" y="3121681"/>
+            <a:ext cx="8100269" cy="4556401"/>
+          </a:xfrm>
+          <a:prstGeom prst="rect">
+            <a:avLst/>
+          </a:prstGeom>
+          <a:solidFill>
+            <a:srgbClr val="000000"/>
+          </a:solidFill>
+          <a:ln>
+            <a:noFill/>
+          </a:ln>
+        </p:spPr>
+        <p:style>
+          <a:lnRef idx="2">
+            <a:schemeClr val="accent1">
+              <a:shade val="50000"/>
+            </a:schemeClr>
+          </a:lnRef>
+          <a:fillRef idx="1">
+            <a:schemeClr val="accent1"/>
+          </a:fillRef>
+          <a:effectRef idx="0">
+            <a:schemeClr val="accent1"/>
+          </a:effectRef>
+          <a:fontRef idx="minor">
+            <a:schemeClr val="lt1"/>
+          </a:fontRef>
+        </p:style>
+        <p:txBody>
+          <a:bodyPr rtlCol="0" anchor="ctr"/>
+          <a:lstStyle/>
+          <a:p>
+            <a:pPr algn="ctr">
+              <a:defRPr/>
+            </a:pPr>
+            <a:endParaRPr lang="en-US" sz="1196" dirty="0">
+              <a:solidFill>
+                <a:prstClr val="black">
+                  <a:lumMod val="65000"/>
+                  <a:lumOff val="35000"/>
+                </a:prstClr>
+              </a:solidFill>
+              <a:latin typeface="AvenirNext LT Pro Medium" panose="020B0504020202020204" pitchFamily="34" charset="0"/>
+            </a:endParaRPr>
+          </a:p>
+        </p:txBody>
+      </p:sp>
+      <p:pic>
+        <p:nvPicPr>
+          <p:cNvPr id="5" name="Imagem 4">
+            <a:extLst>
+              <a:ext uri="{FF2B5EF4-FFF2-40B4-BE49-F238E27FC236}">
+                <a16:creationId xmlns:a16="http://schemas.microsoft.com/office/drawing/2014/main" id="{F1433EF1-FB6D-4913-96C9-08F0B1B3CA7A}"/>
+              </a:ext>
+            </a:extLst>
+          </p:cNvPr>
+          <p:cNvPicPr>
+            <a:picLocks noChangeAspect="1"/>
+          </p:cNvPicPr>
+          <p:nvPr/>
+        </p:nvPicPr>
+        <p:blipFill rotWithShape="1">
+          <a:blip r:embed="rId3">
+            <a:alphaModFix/>
+            <a:extLst>
+              <a:ext uri="{28A0092B-C50C-407E-A947-70E740481C1C}">
+                <a14:useLocalDpi xmlns:a14="http://schemas.microsoft.com/office/drawing/2010/main" val="0"/>
+              </a:ext>
+            </a:extLst>
+          </a:blip>
+          <a:srcRect l="5233" t="-2125" r="6244" b="-538"/>
+          <a:stretch/>
+        </p:blipFill>
+        <p:spPr>
+          <a:xfrm>
+            <a:off x="-1" y="-248909"/>
+            <a:ext cx="14400213" cy="11147555"/>
+          </a:xfrm>
+          <a:prstGeom prst="rect">
+            <a:avLst/>
+          </a:prstGeom>
+        </p:spPr>
+      </p:pic>
+      <p:sp>
+        <p:nvSpPr>
+          <p:cNvPr id="50" name="Retângulo 49">
+            <a:extLst>
+              <a:ext uri="{FF2B5EF4-FFF2-40B4-BE49-F238E27FC236}">
+                <a16:creationId xmlns:a16="http://schemas.microsoft.com/office/drawing/2014/main" id="{50614AED-75DE-4550-9029-54313F89BD12}"/>
+              </a:ext>
+            </a:extLst>
+          </p:cNvPr>
+          <p:cNvSpPr/>
+          <p:nvPr/>
+        </p:nvSpPr>
+        <p:spPr>
+          <a:xfrm>
+            <a:off x="3186646" y="311571"/>
+            <a:ext cx="8052791" cy="992583"/>
+          </a:xfrm>
+          <a:prstGeom prst="rect">
+            <a:avLst/>
+          </a:prstGeom>
+          <a:noFill/>
+        </p:spPr>
+        <p:txBody>
+          <a:bodyPr wrap="square" lIns="68584" tIns="34292" rIns="68584" bIns="34292">
+            <a:spAutoFit/>
+          </a:bodyPr>
+          <a:lstStyle/>
+          <a:p>
+            <a:pPr algn="ctr"/>
+            <a:r>
+              <a:rPr lang="pt-BR" sz="6000" dirty="0">
+                <a:ln w="38100">
+                  <a:solidFill>
+                    <a:schemeClr val="bg1"/>
+                  </a:solidFill>
+                </a:ln>
+                <a:solidFill>
+                  <a:srgbClr val="00B050"/>
+                </a:solidFill>
+                <a:effectLst>
+                  <a:outerShdw blurRad="38100" dist="19050" dir="2700000" algn="tl" rotWithShape="0">
+                    <a:schemeClr val="dk1">
+                      <a:alpha val="40000"/>
+                    </a:schemeClr>
+                  </a:outerShdw>
+                </a:effectLst>
+                <a:latin typeface="Exo 2 Extra Bold" panose="00000900000000000000" pitchFamily="50" charset="0"/>
+              </a:rPr>
+              <a:t>Liga Principal</a:t>
+            </a:r>
+          </a:p>
+        </p:txBody>
+      </p:sp>
+      <p:sp>
+        <p:nvSpPr>
+          <p:cNvPr id="53" name="Retângulo 52">
+            <a:extLst>
+              <a:ext uri="{FF2B5EF4-FFF2-40B4-BE49-F238E27FC236}">
+                <a16:creationId xmlns:a16="http://schemas.microsoft.com/office/drawing/2014/main" id="{F101E0BF-8A68-40B9-BC26-35C299182F52}"/>
+              </a:ext>
+            </a:extLst>
+          </p:cNvPr>
+          <p:cNvSpPr/>
+          <p:nvPr/>
+        </p:nvSpPr>
+        <p:spPr>
+          <a:xfrm>
+            <a:off x="336776" y="1104608"/>
+            <a:ext cx="13909452" cy="1177249"/>
+          </a:xfrm>
+          <a:prstGeom prst="rect">
+            <a:avLst/>
+          </a:prstGeom>
+          <a:noFill/>
+        </p:spPr>
+        <p:txBody>
+          <a:bodyPr wrap="square" lIns="68584" tIns="34292" rIns="68584" bIns="34292">
+            <a:spAutoFit/>
+          </a:bodyPr>
+          <a:lstStyle/>
+          <a:p>
+            <a:pPr algn="ctr"/>
+            <a:r>
+              <a:rPr lang="pt-BR" sz="7200" dirty="0">
+                <a:ln w="0">
+                  <a:noFill/>
+                </a:ln>
+                <a:effectLst>
+                  <a:outerShdw blurRad="38100" dist="19050" dir="2700000" algn="tl" rotWithShape="0">
+                    <a:schemeClr val="dk1">
+                      <a:alpha val="40000"/>
+                    </a:schemeClr>
+                  </a:outerShdw>
+                </a:effectLst>
+                <a:latin typeface="Exo 2 Extra Bold" panose="00000900000000000000" pitchFamily="50" charset="0"/>
+              </a:rPr>
+              <a:t>MATA-MATA SÉRIE C 2</a:t>
+            </a:r>
+          </a:p>
+        </p:txBody>
+      </p:sp>
+      <p:pic>
+        <p:nvPicPr>
+          <p:cNvPr id="15" name="Imagem 14">
+            <a:extLst>
+              <a:ext uri="{FF2B5EF4-FFF2-40B4-BE49-F238E27FC236}">
+                <a16:creationId xmlns:a16="http://schemas.microsoft.com/office/drawing/2014/main" id="{780D6AE4-2B31-43CF-8A3B-9ACC73C32FE9}"/>
+              </a:ext>
+            </a:extLst>
+          </p:cNvPr>
+          <p:cNvPicPr>
+            <a:picLocks noChangeAspect="1"/>
+          </p:cNvPicPr>
+          <p:nvPr/>
+        </p:nvPicPr>
+        <p:blipFill>
+          <a:blip r:embed="rId4">
+            <a:extLst>
+              <a:ext uri="{28A0092B-C50C-407E-A947-70E740481C1C}">
+                <a14:useLocalDpi xmlns:a14="http://schemas.microsoft.com/office/drawing/2010/main" val="0"/>
+              </a:ext>
+            </a:extLst>
+          </a:blip>
+          <a:stretch>
+            <a:fillRect/>
+          </a:stretch>
+        </p:blipFill>
+        <p:spPr>
+          <a:xfrm>
+            <a:off x="336776" y="194284"/>
+            <a:ext cx="2059134" cy="2160000"/>
+          </a:xfrm>
+          <a:prstGeom prst="rect">
+            <a:avLst/>
+          </a:prstGeom>
+        </p:spPr>
+      </p:pic>
+      <p:sp>
+        <p:nvSpPr>
+          <p:cNvPr id="10" name="Retângulo 9">
+            <a:extLst>
+              <a:ext uri="{FF2B5EF4-FFF2-40B4-BE49-F238E27FC236}">
+                <a16:creationId xmlns:a16="http://schemas.microsoft.com/office/drawing/2014/main" id="{838BDC98-3287-4575-8574-56F716FB2440}"/>
+              </a:ext>
+            </a:extLst>
+          </p:cNvPr>
+          <p:cNvSpPr/>
+          <p:nvPr/>
+        </p:nvSpPr>
+        <p:spPr>
+          <a:xfrm>
+            <a:off x="2888673" y="2227185"/>
+            <a:ext cx="8624453" cy="4212000"/>
+          </a:xfrm>
+          <a:prstGeom prst="rect">
+            <a:avLst/>
+          </a:prstGeom>
+          <a:solidFill>
+            <a:schemeClr val="tx1">
+              <a:alpha val="81000"/>
+            </a:schemeClr>
+          </a:solidFill>
+        </p:spPr>
+        <p:style>
+          <a:lnRef idx="2">
+            <a:schemeClr val="accent1">
+              <a:shade val="50000"/>
+            </a:schemeClr>
+          </a:lnRef>
+          <a:fillRef idx="1">
+            <a:schemeClr val="accent1"/>
+          </a:fillRef>
+          <a:effectRef idx="0">
+            <a:schemeClr val="accent1"/>
+          </a:effectRef>
+          <a:fontRef idx="minor">
+            <a:schemeClr val="lt1"/>
+          </a:fontRef>
+        </p:style>
+        <p:txBody>
+          <a:bodyPr rtlCol="0" anchor="ctr"/>
+          <a:lstStyle/>
+          <a:p>
+            <a:pPr algn="ctr"/>
+            <a:endParaRPr lang="pt-BR"/>
+          </a:p>
+        </p:txBody>
+      </p:sp>
+      <p:sp>
+        <p:nvSpPr>
+          <p:cNvPr id="21" name="Retângulo 20">
+            <a:extLst>
+              <a:ext uri="{FF2B5EF4-FFF2-40B4-BE49-F238E27FC236}">
+                <a16:creationId xmlns:a16="http://schemas.microsoft.com/office/drawing/2014/main" id="{95EDB8CB-8377-4925-B478-560C3F615037}"/>
+              </a:ext>
+            </a:extLst>
+          </p:cNvPr>
+          <p:cNvSpPr/>
+          <p:nvPr/>
+        </p:nvSpPr>
+        <p:spPr>
+          <a:xfrm>
+            <a:off x="2887087" y="6505978"/>
+            <a:ext cx="8624453" cy="4212000"/>
+          </a:xfrm>
+          <a:prstGeom prst="rect">
+            <a:avLst/>
+          </a:prstGeom>
+          <a:solidFill>
+            <a:schemeClr val="tx1">
+              <a:alpha val="81000"/>
+            </a:schemeClr>
+          </a:solidFill>
+        </p:spPr>
+        <p:style>
+          <a:lnRef idx="2">
+            <a:schemeClr val="accent1">
+              <a:shade val="50000"/>
+            </a:schemeClr>
+          </a:lnRef>
+          <a:fillRef idx="1">
+            <a:schemeClr val="accent1"/>
+          </a:fillRef>
+          <a:effectRef idx="0">
+            <a:schemeClr val="accent1"/>
+          </a:effectRef>
+          <a:fontRef idx="minor">
+            <a:schemeClr val="lt1"/>
+          </a:fontRef>
+        </p:style>
+        <p:txBody>
+          <a:bodyPr rtlCol="0" anchor="ctr"/>
+          <a:lstStyle/>
+          <a:p>
+            <a:pPr algn="ctr"/>
+            <a:endParaRPr lang="pt-BR"/>
+          </a:p>
+        </p:txBody>
+      </p:sp>
+      <p:sp>
+        <p:nvSpPr>
+          <p:cNvPr id="23" name="Retângulo 22">
+            <a:extLst>
+              <a:ext uri="{FF2B5EF4-FFF2-40B4-BE49-F238E27FC236}">
+                <a16:creationId xmlns:a16="http://schemas.microsoft.com/office/drawing/2014/main" id="{ED87CD67-A438-4F74-986A-3704AF997953}"/>
+              </a:ext>
+            </a:extLst>
+          </p:cNvPr>
+          <p:cNvSpPr/>
+          <p:nvPr/>
+        </p:nvSpPr>
+        <p:spPr>
+          <a:xfrm>
+            <a:off x="5308448" y="2179089"/>
+            <a:ext cx="3789504" cy="684807"/>
+          </a:xfrm>
+          <a:prstGeom prst="rect">
+            <a:avLst/>
+          </a:prstGeom>
+          <a:noFill/>
+        </p:spPr>
+        <p:txBody>
+          <a:bodyPr wrap="square" lIns="68584" tIns="34292" rIns="68584" bIns="34292">
+            <a:spAutoFit/>
+          </a:bodyPr>
+          <a:lstStyle/>
+          <a:p>
+            <a:pPr algn="ctr"/>
+            <a:r>
+              <a:rPr lang="pt-BR" sz="4000" dirty="0">
+                <a:ln w="0">
+                  <a:noFill/>
+                </a:ln>
+                <a:solidFill>
+                  <a:srgbClr val="0070C0"/>
+                </a:solidFill>
+                <a:effectLst>
+                  <a:outerShdw blurRad="38100" dist="19050" dir="2700000" algn="tl" rotWithShape="0">
+                    <a:schemeClr val="dk1">
+                      <a:alpha val="40000"/>
+                    </a:schemeClr>
+                  </a:outerShdw>
+                </a:effectLst>
+                <a:latin typeface="Exo 2 Extra Bold" panose="00000900000000000000" pitchFamily="50" charset="0"/>
+              </a:rPr>
+              <a:t>Chave 1</a:t>
+            </a:r>
+          </a:p>
+        </p:txBody>
+      </p:sp>
+      <p:sp>
+        <p:nvSpPr>
+          <p:cNvPr id="24" name="Retângulo 23">
+            <a:extLst>
+              <a:ext uri="{FF2B5EF4-FFF2-40B4-BE49-F238E27FC236}">
+                <a16:creationId xmlns:a16="http://schemas.microsoft.com/office/drawing/2014/main" id="{522A4ACC-EC27-4A14-BA66-B0EB03535C7B}"/>
+              </a:ext>
+            </a:extLst>
+          </p:cNvPr>
+          <p:cNvSpPr/>
+          <p:nvPr/>
+        </p:nvSpPr>
+        <p:spPr>
+          <a:xfrm>
+            <a:off x="5321993" y="6456434"/>
+            <a:ext cx="3789503" cy="684807"/>
+          </a:xfrm>
+          <a:prstGeom prst="rect">
+            <a:avLst/>
+          </a:prstGeom>
+          <a:noFill/>
+        </p:spPr>
+        <p:txBody>
+          <a:bodyPr wrap="square" lIns="68584" tIns="34292" rIns="68584" bIns="34292">
+            <a:spAutoFit/>
+          </a:bodyPr>
+          <a:lstStyle/>
+          <a:p>
+            <a:pPr algn="ctr"/>
+            <a:r>
+              <a:rPr lang="pt-BR" sz="4000" dirty="0">
+                <a:ln w="0">
+                  <a:noFill/>
+                </a:ln>
+                <a:solidFill>
+                  <a:srgbClr val="0070C0"/>
+                </a:solidFill>
+                <a:effectLst>
+                  <a:outerShdw blurRad="38100" dist="19050" dir="2700000" algn="tl" rotWithShape="0">
+                    <a:schemeClr val="dk1">
+                      <a:alpha val="40000"/>
+                    </a:schemeClr>
+                  </a:outerShdw>
+                </a:effectLst>
+                <a:latin typeface="Exo 2 Extra Bold" panose="00000900000000000000" pitchFamily="50" charset="0"/>
+              </a:rPr>
+              <a:t>Chave 2</a:t>
+            </a:r>
+          </a:p>
+        </p:txBody>
+      </p:sp>
+      <p:pic>
+        <p:nvPicPr>
+          <p:cNvPr id="2" name="Imagem 1">
+            <a:extLst>
+              <a:ext uri="{FF2B5EF4-FFF2-40B4-BE49-F238E27FC236}">
+                <a16:creationId xmlns:a16="http://schemas.microsoft.com/office/drawing/2014/main" id="{3B4805D0-300A-4126-9E98-52EFD65B281A}"/>
+              </a:ext>
+            </a:extLst>
+          </p:cNvPr>
+          <p:cNvPicPr>
+            <a:picLocks noChangeAspect="1"/>
+          </p:cNvPicPr>
+          <p:nvPr/>
+        </p:nvPicPr>
+        <p:blipFill>
+          <a:blip r:embed="rId5"/>
+          <a:stretch>
+            <a:fillRect/>
+          </a:stretch>
+        </p:blipFill>
+        <p:spPr>
+          <a:xfrm>
+            <a:off x="3250521" y="2977245"/>
+            <a:ext cx="7920000" cy="3273293"/>
+          </a:xfrm>
+          <a:prstGeom prst="rect">
+            <a:avLst/>
+          </a:prstGeom>
+        </p:spPr>
+      </p:pic>
+      <p:pic>
+        <p:nvPicPr>
+          <p:cNvPr id="3" name="Imagem 2">
+            <a:extLst>
+              <a:ext uri="{FF2B5EF4-FFF2-40B4-BE49-F238E27FC236}">
+                <a16:creationId xmlns:a16="http://schemas.microsoft.com/office/drawing/2014/main" id="{3323EE1A-F29F-457E-BFE1-AEC339BAA3C6}"/>
+              </a:ext>
+            </a:extLst>
+          </p:cNvPr>
+          <p:cNvPicPr>
+            <a:picLocks noChangeAspect="1"/>
+          </p:cNvPicPr>
+          <p:nvPr/>
+        </p:nvPicPr>
+        <p:blipFill>
+          <a:blip r:embed="rId6"/>
+          <a:stretch>
+            <a:fillRect/>
+          </a:stretch>
+        </p:blipFill>
+        <p:spPr>
+          <a:xfrm>
+            <a:off x="3260095" y="7248012"/>
+            <a:ext cx="7920000" cy="3273293"/>
+          </a:xfrm>
+          <a:prstGeom prst="rect">
+            <a:avLst/>
+          </a:prstGeom>
+        </p:spPr>
+      </p:pic>
+    </p:spTree>
+    <p:extLst>
+      <p:ext uri="{BB962C8B-B14F-4D97-AF65-F5344CB8AC3E}">
+        <p14:creationId xmlns:p14="http://schemas.microsoft.com/office/powerpoint/2010/main" val="4244779241"/>
+      </p:ext>
+    </p:extLst>
+  </p:cSld>
+  <p:clrMapOvr>
+    <a:masterClrMapping/>
+  </p:clrMapOvr>
+</p:sld>
+</file>
+
+<file path=ppt/slides/slide4.xml><?xml version="1.0" encoding="utf-8"?>
+<p:sld xmlns:a="http://schemas.openxmlformats.org/drawingml/2006/main" xmlns:r="http://schemas.openxmlformats.org/officeDocument/2006/relationships" xmlns:p="http://schemas.openxmlformats.org/presentationml/2006/main">
+  <p:cSld>
+    <p:bg>
+      <p:bgPr>
+        <a:solidFill>
+          <a:schemeClr val="bg1"/>
+        </a:solidFill>
+        <a:effectLst/>
+      </p:bgPr>
+    </p:bg>
+    <p:spTree>
+      <p:nvGrpSpPr>
+        <p:cNvPr id="1" name=""/>
+        <p:cNvGrpSpPr/>
+        <p:nvPr/>
+      </p:nvGrpSpPr>
+      <p:grpSpPr>
+        <a:xfrm>
+          <a:off x="0" y="0"/>
+          <a:ext cx="0" cy="0"/>
+          <a:chOff x="0" y="0"/>
+          <a:chExt cx="0" cy="0"/>
+        </a:xfrm>
+      </p:grpSpPr>
+      <p:sp>
+        <p:nvSpPr>
+          <p:cNvPr id="13" name="Rectangle 9">
+            <a:extLst>
+              <a:ext uri="{FF2B5EF4-FFF2-40B4-BE49-F238E27FC236}">
+                <a16:creationId xmlns:a16="http://schemas.microsoft.com/office/drawing/2014/main" id="{0BABF38A-8A0D-492E-BD20-6CF4D46B50BD}"/>
+              </a:ext>
+              <a:ext uri="{C183D7F6-B498-43B3-948B-1728B52AA6E4}">
+                <adec:decorative xmlns:adec="http://schemas.microsoft.com/office/drawing/2017/decorative" val="1"/>
+              </a:ext>
+            </a:extLst>
+          </p:cNvPr>
+          <p:cNvSpPr>
+            <a:spLocks noGrp="1" noRot="1" noChangeAspect="1" noMove="1" noResize="1" noEditPoints="1" noAdjustHandles="1" noChangeArrowheads="1" noChangeShapeType="1" noTextEdit="1"/>
+          </p:cNvSpPr>
+          <p:nvPr>
+            <p:extLst>
+              <p:ext uri="{386F3935-93C4-4BCD-93E2-E3B085C9AB24}">
+                <p16:designElem xmlns:p16="http://schemas.microsoft.com/office/powerpoint/2015/main" val="1"/>
+              </p:ext>
+            </p:extLst>
+          </p:nvPr>
+        </p:nvSpPr>
+        <p:spPr>
+          <a:xfrm>
+            <a:off x="3149972" y="3121681"/>
+            <a:ext cx="8100269" cy="4556404"/>
+          </a:xfrm>
+          <a:prstGeom prst="rect">
+            <a:avLst/>
+          </a:prstGeom>
+          <a:solidFill>
+            <a:schemeClr val="bg2">
+              <a:lumMod val="90000"/>
+              <a:alpha val="70000"/>
+            </a:schemeClr>
+          </a:solidFill>
+          <a:ln>
+            <a:noFill/>
+          </a:ln>
+        </p:spPr>
+        <p:style>
+          <a:lnRef idx="2">
+            <a:schemeClr val="accent1">
+              <a:shade val="50000"/>
+            </a:schemeClr>
+          </a:lnRef>
+          <a:fillRef idx="1">
+            <a:schemeClr val="accent1"/>
+          </a:fillRef>
+          <a:effectRef idx="0">
+            <a:schemeClr val="accent1"/>
+          </a:effectRef>
+          <a:fontRef idx="minor">
+            <a:schemeClr val="lt1"/>
+          </a:fontRef>
+        </p:style>
+        <p:txBody>
+          <a:bodyPr rtlCol="0" anchor="ctr"/>
+          <a:lstStyle/>
+          <a:p>
+            <a:pPr algn="ctr">
+              <a:defRPr/>
+            </a:pPr>
+            <a:endParaRPr lang="en-US" sz="1196" dirty="0">
+              <a:solidFill>
+                <a:prstClr val="black">
+                  <a:lumMod val="65000"/>
+                  <a:lumOff val="35000"/>
+                </a:prstClr>
+              </a:solidFill>
+              <a:latin typeface="AvenirNext LT Pro Medium" panose="020B0504020202020204" pitchFamily="34" charset="0"/>
+            </a:endParaRPr>
+          </a:p>
+        </p:txBody>
+      </p:sp>
+      <p:pic>
+        <p:nvPicPr>
+          <p:cNvPr id="12" name="Picture 11">
+            <a:extLst>
+              <a:ext uri="{FF2B5EF4-FFF2-40B4-BE49-F238E27FC236}">
+                <a16:creationId xmlns:a16="http://schemas.microsoft.com/office/drawing/2014/main" id="{BC526B7A-4801-4FD1-95C8-03AF22629E87}"/>
+              </a:ext>
+              <a:ext uri="{C183D7F6-B498-43B3-948B-1728B52AA6E4}">
+                <adec:decorative xmlns:adec="http://schemas.microsoft.com/office/drawing/2017/decorative" val="1"/>
+              </a:ext>
+            </a:extLst>
+          </p:cNvPr>
+          <p:cNvPicPr>
+            <a:picLocks noGrp="1" noRot="1" noChangeAspect="1" noMove="1" noResize="1" noEditPoints="1" noAdjustHandles="1" noChangeArrowheads="1" noChangeShapeType="1" noCrop="1"/>
+          </p:cNvPicPr>
+          <p:nvPr>
+            <p:extLst>
+              <p:ext uri="{386F3935-93C4-4BCD-93E2-E3B085C9AB24}">
+                <p16:designElem xmlns:p16="http://schemas.microsoft.com/office/powerpoint/2015/main" val="1"/>
+              </p:ext>
+            </p:extLst>
+          </p:nvPr>
+        </p:nvPicPr>
+        <p:blipFill>
+          <a:blip r:embed="rId2">
+            <a:alphaModFix amt="10000"/>
+            <a:extLst>
+              <a:ext uri="{28A0092B-C50C-407E-A947-70E740481C1C}">
+                <a14:useLocalDpi xmlns:a14="http://schemas.microsoft.com/office/drawing/2010/main" val="0"/>
+              </a:ext>
+            </a:extLst>
+          </a:blip>
+          <a:stretch>
+            <a:fillRect/>
+          </a:stretch>
+        </p:blipFill>
+        <p:spPr>
+          <a:xfrm>
+            <a:off x="8820159" y="3121682"/>
+            <a:ext cx="2428095" cy="3039825"/>
+          </a:xfrm>
+          <a:prstGeom prst="rect">
+            <a:avLst/>
+          </a:prstGeom>
+        </p:spPr>
+      </p:pic>
+      <p:sp useBgFill="1">
+        <p:nvSpPr>
+          <p:cNvPr id="14" name="Rectangle 13">
+            <a:extLst>
+              <a:ext uri="{FF2B5EF4-FFF2-40B4-BE49-F238E27FC236}">
+                <a16:creationId xmlns:a16="http://schemas.microsoft.com/office/drawing/2014/main" id="{37FDDF72-DE39-4F99-A3C1-DD9D7815D7DB}"/>
+              </a:ext>
+              <a:ext uri="{C183D7F6-B498-43B3-948B-1728B52AA6E4}">
+                <adec:decorative xmlns:adec="http://schemas.microsoft.com/office/drawing/2017/decorative" val="1"/>
+              </a:ext>
+            </a:extLst>
+          </p:cNvPr>
+          <p:cNvSpPr>
+            <a:spLocks noGrp="1" noRot="1" noChangeAspect="1" noMove="1" noResize="1" noEditPoints="1" noAdjustHandles="1" noChangeArrowheads="1" noChangeShapeType="1" noTextEdit="1"/>
+          </p:cNvSpPr>
+          <p:nvPr>
+            <p:extLst>
+              <p:ext uri="{386F3935-93C4-4BCD-93E2-E3B085C9AB24}">
+                <p16:designElem xmlns:p16="http://schemas.microsoft.com/office/powerpoint/2015/main" val="1"/>
+              </p:ext>
+            </p:extLst>
+          </p:nvPr>
+        </p:nvSpPr>
+        <p:spPr>
+          <a:xfrm>
+            <a:off x="3149972" y="3121681"/>
+            <a:ext cx="8100269" cy="4556401"/>
+          </a:xfrm>
+          <a:prstGeom prst="rect">
+            <a:avLst/>
+          </a:prstGeom>
+          <a:ln>
+            <a:noFill/>
+          </a:ln>
+        </p:spPr>
+        <p:style>
+          <a:lnRef idx="2">
+            <a:schemeClr val="accent1">
+              <a:shade val="50000"/>
+            </a:schemeClr>
+          </a:lnRef>
+          <a:fillRef idx="1">
+            <a:schemeClr val="accent1"/>
+          </a:fillRef>
+          <a:effectRef idx="0">
+            <a:schemeClr val="accent1"/>
+          </a:effectRef>
+          <a:fontRef idx="minor">
+            <a:schemeClr val="lt1"/>
+          </a:fontRef>
+        </p:style>
+        <p:txBody>
+          <a:bodyPr rtlCol="0" anchor="ctr"/>
+          <a:lstStyle/>
+          <a:p>
+            <a:pPr algn="ctr">
+              <a:defRPr/>
+            </a:pPr>
+            <a:endParaRPr lang="en-US" sz="1196" dirty="0">
+              <a:solidFill>
+                <a:prstClr val="black">
+                  <a:lumMod val="65000"/>
+                  <a:lumOff val="35000"/>
+                </a:prstClr>
+              </a:solidFill>
+              <a:latin typeface="AvenirNext LT Pro Medium" panose="020B0504020202020204" pitchFamily="34" charset="0"/>
+            </a:endParaRPr>
+          </a:p>
+        </p:txBody>
+      </p:sp>
+      <p:sp>
+        <p:nvSpPr>
+          <p:cNvPr id="16" name="Rectangle 15">
+            <a:extLst>
+              <a:ext uri="{FF2B5EF4-FFF2-40B4-BE49-F238E27FC236}">
+                <a16:creationId xmlns:a16="http://schemas.microsoft.com/office/drawing/2014/main" id="{5E4ECE80-3AD1-450C-B62A-98788F193948}"/>
+              </a:ext>
+              <a:ext uri="{C183D7F6-B498-43B3-948B-1728B52AA6E4}">
+                <adec:decorative xmlns:adec="http://schemas.microsoft.com/office/drawing/2017/decorative" val="1"/>
+              </a:ext>
+            </a:extLst>
+          </p:cNvPr>
+          <p:cNvSpPr>
+            <a:spLocks noGrp="1" noRot="1" noChangeAspect="1" noMove="1" noResize="1" noEditPoints="1" noAdjustHandles="1" noChangeArrowheads="1" noChangeShapeType="1" noTextEdit="1"/>
+          </p:cNvSpPr>
+          <p:nvPr>
+            <p:extLst>
+              <p:ext uri="{386F3935-93C4-4BCD-93E2-E3B085C9AB24}">
+                <p16:designElem xmlns:p16="http://schemas.microsoft.com/office/powerpoint/2015/main" val="1"/>
+              </p:ext>
+            </p:extLst>
+          </p:nvPr>
+        </p:nvSpPr>
+        <p:spPr>
+          <a:xfrm>
+            <a:off x="3149972" y="3121681"/>
+            <a:ext cx="8100269" cy="4556401"/>
+          </a:xfrm>
+          <a:prstGeom prst="rect">
+            <a:avLst/>
+          </a:prstGeom>
+          <a:solidFill>
+            <a:srgbClr val="000000"/>
+          </a:solidFill>
+          <a:ln>
+            <a:noFill/>
+          </a:ln>
+        </p:spPr>
+        <p:style>
+          <a:lnRef idx="2">
+            <a:schemeClr val="accent1">
+              <a:shade val="50000"/>
+            </a:schemeClr>
+          </a:lnRef>
+          <a:fillRef idx="1">
+            <a:schemeClr val="accent1"/>
+          </a:fillRef>
+          <a:effectRef idx="0">
+            <a:schemeClr val="accent1"/>
+          </a:effectRef>
+          <a:fontRef idx="minor">
+            <a:schemeClr val="lt1"/>
+          </a:fontRef>
+        </p:style>
+        <p:txBody>
+          <a:bodyPr rtlCol="0" anchor="ctr"/>
+          <a:lstStyle/>
+          <a:p>
+            <a:pPr algn="ctr">
+              <a:defRPr/>
+            </a:pPr>
+            <a:endParaRPr lang="en-US" sz="1196" dirty="0">
+              <a:solidFill>
+                <a:prstClr val="black">
+                  <a:lumMod val="65000"/>
+                  <a:lumOff val="35000"/>
+                </a:prstClr>
+              </a:solidFill>
+              <a:latin typeface="AvenirNext LT Pro Medium" panose="020B0504020202020204" pitchFamily="34" charset="0"/>
+            </a:endParaRPr>
+          </a:p>
+        </p:txBody>
+      </p:sp>
+      <p:pic>
+        <p:nvPicPr>
+          <p:cNvPr id="5" name="Imagem 4">
+            <a:extLst>
+              <a:ext uri="{FF2B5EF4-FFF2-40B4-BE49-F238E27FC236}">
+                <a16:creationId xmlns:a16="http://schemas.microsoft.com/office/drawing/2014/main" id="{F1433EF1-FB6D-4913-96C9-08F0B1B3CA7A}"/>
+              </a:ext>
+            </a:extLst>
+          </p:cNvPr>
+          <p:cNvPicPr>
+            <a:picLocks noChangeAspect="1"/>
+          </p:cNvPicPr>
+          <p:nvPr/>
+        </p:nvPicPr>
+        <p:blipFill rotWithShape="1">
+          <a:blip r:embed="rId3">
+            <a:alphaModFix/>
+            <a:extLst>
+              <a:ext uri="{28A0092B-C50C-407E-A947-70E740481C1C}">
+                <a14:useLocalDpi xmlns:a14="http://schemas.microsoft.com/office/drawing/2010/main" val="0"/>
+              </a:ext>
+            </a:extLst>
+          </a:blip>
+          <a:srcRect l="5233" t="-2125" r="6244" b="-538"/>
+          <a:stretch/>
+        </p:blipFill>
+        <p:spPr>
+          <a:xfrm>
+            <a:off x="-1" y="-248909"/>
+            <a:ext cx="14400213" cy="11147555"/>
+          </a:xfrm>
+          <a:prstGeom prst="rect">
+            <a:avLst/>
+          </a:prstGeom>
+        </p:spPr>
+      </p:pic>
+      <p:sp>
+        <p:nvSpPr>
+          <p:cNvPr id="50" name="Retângulo 49">
+            <a:extLst>
+              <a:ext uri="{FF2B5EF4-FFF2-40B4-BE49-F238E27FC236}">
+                <a16:creationId xmlns:a16="http://schemas.microsoft.com/office/drawing/2014/main" id="{50614AED-75DE-4550-9029-54313F89BD12}"/>
+              </a:ext>
+            </a:extLst>
+          </p:cNvPr>
+          <p:cNvSpPr/>
+          <p:nvPr/>
+        </p:nvSpPr>
+        <p:spPr>
+          <a:xfrm>
+            <a:off x="3186646" y="311571"/>
+            <a:ext cx="8052791" cy="992583"/>
+          </a:xfrm>
+          <a:prstGeom prst="rect">
+            <a:avLst/>
+          </a:prstGeom>
+          <a:noFill/>
+        </p:spPr>
+        <p:txBody>
+          <a:bodyPr wrap="square" lIns="68584" tIns="34292" rIns="68584" bIns="34292">
+            <a:spAutoFit/>
+          </a:bodyPr>
+          <a:lstStyle/>
+          <a:p>
+            <a:pPr algn="ctr"/>
+            <a:r>
+              <a:rPr lang="pt-BR" sz="6000" dirty="0">
+                <a:ln w="38100">
+                  <a:solidFill>
+                    <a:schemeClr val="bg1"/>
+                  </a:solidFill>
+                </a:ln>
+                <a:solidFill>
+                  <a:srgbClr val="00B050"/>
+                </a:solidFill>
+                <a:effectLst>
+                  <a:outerShdw blurRad="38100" dist="19050" dir="2700000" algn="tl" rotWithShape="0">
+                    <a:schemeClr val="dk1">
+                      <a:alpha val="40000"/>
+                    </a:schemeClr>
+                  </a:outerShdw>
+                </a:effectLst>
+                <a:latin typeface="Exo 2 Extra Bold" panose="00000900000000000000" pitchFamily="50" charset="0"/>
+              </a:rPr>
+              <a:t>Liga Principal</a:t>
+            </a:r>
+          </a:p>
+        </p:txBody>
+      </p:sp>
+      <p:sp>
+        <p:nvSpPr>
+          <p:cNvPr id="53" name="Retângulo 52">
+            <a:extLst>
+              <a:ext uri="{FF2B5EF4-FFF2-40B4-BE49-F238E27FC236}">
+                <a16:creationId xmlns:a16="http://schemas.microsoft.com/office/drawing/2014/main" id="{F101E0BF-8A68-40B9-BC26-35C299182F52}"/>
+              </a:ext>
+            </a:extLst>
+          </p:cNvPr>
+          <p:cNvSpPr/>
+          <p:nvPr/>
+        </p:nvSpPr>
+        <p:spPr>
+          <a:xfrm>
+            <a:off x="336776" y="1104608"/>
+            <a:ext cx="13909452" cy="1177249"/>
+          </a:xfrm>
+          <a:prstGeom prst="rect">
+            <a:avLst/>
+          </a:prstGeom>
+          <a:noFill/>
+        </p:spPr>
+        <p:txBody>
+          <a:bodyPr wrap="square" lIns="68584" tIns="34292" rIns="68584" bIns="34292">
+            <a:spAutoFit/>
+          </a:bodyPr>
+          <a:lstStyle/>
+          <a:p>
+            <a:pPr algn="ctr"/>
+            <a:r>
+              <a:rPr lang="pt-BR" sz="7200" dirty="0">
+                <a:ln w="0">
+                  <a:noFill/>
+                </a:ln>
+                <a:effectLst>
+                  <a:outerShdw blurRad="38100" dist="19050" dir="2700000" algn="tl" rotWithShape="0">
+                    <a:schemeClr val="dk1">
+                      <a:alpha val="40000"/>
+                    </a:schemeClr>
+                  </a:outerShdw>
+                </a:effectLst>
+                <a:latin typeface="Exo 2 Extra Bold" panose="00000900000000000000" pitchFamily="50" charset="0"/>
+              </a:rPr>
+              <a:t>MATA-MATA SÉRIE C 2</a:t>
+            </a:r>
+          </a:p>
+        </p:txBody>
+      </p:sp>
+      <p:pic>
+        <p:nvPicPr>
+          <p:cNvPr id="15" name="Imagem 14">
+            <a:extLst>
+              <a:ext uri="{FF2B5EF4-FFF2-40B4-BE49-F238E27FC236}">
+                <a16:creationId xmlns:a16="http://schemas.microsoft.com/office/drawing/2014/main" id="{780D6AE4-2B31-43CF-8A3B-9ACC73C32FE9}"/>
+              </a:ext>
+            </a:extLst>
+          </p:cNvPr>
+          <p:cNvPicPr>
+            <a:picLocks noChangeAspect="1"/>
+          </p:cNvPicPr>
+          <p:nvPr/>
+        </p:nvPicPr>
+        <p:blipFill>
+          <a:blip r:embed="rId4">
+            <a:extLst>
+              <a:ext uri="{28A0092B-C50C-407E-A947-70E740481C1C}">
+                <a14:useLocalDpi xmlns:a14="http://schemas.microsoft.com/office/drawing/2010/main" val="0"/>
+              </a:ext>
+            </a:extLst>
+          </a:blip>
+          <a:stretch>
+            <a:fillRect/>
+          </a:stretch>
+        </p:blipFill>
+        <p:spPr>
+          <a:xfrm>
+            <a:off x="336776" y="194284"/>
+            <a:ext cx="2059134" cy="2160000"/>
+          </a:xfrm>
+          <a:prstGeom prst="rect">
+            <a:avLst/>
+          </a:prstGeom>
+        </p:spPr>
+      </p:pic>
+      <p:sp>
+        <p:nvSpPr>
+          <p:cNvPr id="10" name="Retângulo 9">
+            <a:extLst>
+              <a:ext uri="{FF2B5EF4-FFF2-40B4-BE49-F238E27FC236}">
+                <a16:creationId xmlns:a16="http://schemas.microsoft.com/office/drawing/2014/main" id="{838BDC98-3287-4575-8574-56F716FB2440}"/>
+              </a:ext>
+            </a:extLst>
+          </p:cNvPr>
+          <p:cNvSpPr/>
+          <p:nvPr/>
+        </p:nvSpPr>
+        <p:spPr>
+          <a:xfrm>
+            <a:off x="1911927" y="2227185"/>
+            <a:ext cx="10476677" cy="3934322"/>
+          </a:xfrm>
+          <a:prstGeom prst="rect">
+            <a:avLst/>
+          </a:prstGeom>
+          <a:solidFill>
+            <a:schemeClr val="tx1">
+              <a:alpha val="81000"/>
+            </a:schemeClr>
+          </a:solidFill>
+        </p:spPr>
+        <p:style>
+          <a:lnRef idx="2">
+            <a:schemeClr val="accent1">
+              <a:shade val="50000"/>
+            </a:schemeClr>
+          </a:lnRef>
+          <a:fillRef idx="1">
+            <a:schemeClr val="accent1"/>
+          </a:fillRef>
+          <a:effectRef idx="0">
+            <a:schemeClr val="accent1"/>
+          </a:effectRef>
+          <a:fontRef idx="minor">
+            <a:schemeClr val="lt1"/>
+          </a:fontRef>
+        </p:style>
+        <p:txBody>
+          <a:bodyPr rtlCol="0" anchor="ctr"/>
+          <a:lstStyle/>
+          <a:p>
+            <a:pPr algn="ctr"/>
+            <a:endParaRPr lang="pt-BR"/>
+          </a:p>
+        </p:txBody>
+      </p:sp>
+      <p:sp>
+        <p:nvSpPr>
+          <p:cNvPr id="21" name="Retângulo 20">
+            <a:extLst>
+              <a:ext uri="{FF2B5EF4-FFF2-40B4-BE49-F238E27FC236}">
+                <a16:creationId xmlns:a16="http://schemas.microsoft.com/office/drawing/2014/main" id="{95EDB8CB-8377-4925-B478-560C3F615037}"/>
+              </a:ext>
+            </a:extLst>
+          </p:cNvPr>
+          <p:cNvSpPr/>
+          <p:nvPr/>
+        </p:nvSpPr>
+        <p:spPr>
+          <a:xfrm>
+            <a:off x="1911927" y="6505978"/>
+            <a:ext cx="10476677" cy="3934322"/>
+          </a:xfrm>
+          <a:prstGeom prst="rect">
+            <a:avLst/>
+          </a:prstGeom>
+          <a:solidFill>
+            <a:schemeClr val="tx1">
+              <a:alpha val="81000"/>
+            </a:schemeClr>
+          </a:solidFill>
+        </p:spPr>
+        <p:style>
+          <a:lnRef idx="2">
+            <a:schemeClr val="accent1">
+              <a:shade val="50000"/>
+            </a:schemeClr>
+          </a:lnRef>
+          <a:fillRef idx="1">
+            <a:schemeClr val="accent1"/>
+          </a:fillRef>
+          <a:effectRef idx="0">
+            <a:schemeClr val="accent1"/>
+          </a:effectRef>
+          <a:fontRef idx="minor">
+            <a:schemeClr val="lt1"/>
+          </a:fontRef>
+        </p:style>
+        <p:txBody>
+          <a:bodyPr rtlCol="0" anchor="ctr"/>
+          <a:lstStyle/>
+          <a:p>
+            <a:pPr algn="ctr"/>
+            <a:endParaRPr lang="pt-BR"/>
+          </a:p>
+        </p:txBody>
+      </p:sp>
+      <p:sp>
+        <p:nvSpPr>
+          <p:cNvPr id="23" name="Retângulo 22">
+            <a:extLst>
+              <a:ext uri="{FF2B5EF4-FFF2-40B4-BE49-F238E27FC236}">
+                <a16:creationId xmlns:a16="http://schemas.microsoft.com/office/drawing/2014/main" id="{ED87CD67-A438-4F74-986A-3704AF997953}"/>
+              </a:ext>
+            </a:extLst>
+          </p:cNvPr>
+          <p:cNvSpPr/>
+          <p:nvPr/>
+        </p:nvSpPr>
+        <p:spPr>
+          <a:xfrm>
+            <a:off x="5308448" y="2179089"/>
+            <a:ext cx="3789504" cy="684807"/>
+          </a:xfrm>
+          <a:prstGeom prst="rect">
+            <a:avLst/>
+          </a:prstGeom>
+          <a:noFill/>
+        </p:spPr>
+        <p:txBody>
+          <a:bodyPr wrap="square" lIns="68584" tIns="34292" rIns="68584" bIns="34292">
+            <a:spAutoFit/>
+          </a:bodyPr>
+          <a:lstStyle/>
+          <a:p>
+            <a:pPr algn="ctr"/>
+            <a:r>
+              <a:rPr lang="pt-BR" sz="4000" dirty="0">
+                <a:ln w="0">
+                  <a:noFill/>
+                </a:ln>
+                <a:solidFill>
+                  <a:srgbClr val="0070C0"/>
+                </a:solidFill>
+                <a:effectLst>
+                  <a:outerShdw blurRad="38100" dist="19050" dir="2700000" algn="tl" rotWithShape="0">
+                    <a:schemeClr val="dk1">
+                      <a:alpha val="40000"/>
+                    </a:schemeClr>
+                  </a:outerShdw>
+                </a:effectLst>
+                <a:latin typeface="Exo 2 Extra Bold" panose="00000900000000000000" pitchFamily="50" charset="0"/>
+              </a:rPr>
+              <a:t>Chave 1</a:t>
+            </a:r>
+          </a:p>
+        </p:txBody>
+      </p:sp>
+      <p:sp>
+        <p:nvSpPr>
+          <p:cNvPr id="24" name="Retângulo 23">
+            <a:extLst>
+              <a:ext uri="{FF2B5EF4-FFF2-40B4-BE49-F238E27FC236}">
+                <a16:creationId xmlns:a16="http://schemas.microsoft.com/office/drawing/2014/main" id="{522A4ACC-EC27-4A14-BA66-B0EB03535C7B}"/>
+              </a:ext>
+            </a:extLst>
+          </p:cNvPr>
+          <p:cNvSpPr/>
+          <p:nvPr/>
+        </p:nvSpPr>
+        <p:spPr>
+          <a:xfrm>
+            <a:off x="5321993" y="6456434"/>
+            <a:ext cx="3789503" cy="684807"/>
+          </a:xfrm>
+          <a:prstGeom prst="rect">
+            <a:avLst/>
+          </a:prstGeom>
+          <a:noFill/>
+        </p:spPr>
+        <p:txBody>
+          <a:bodyPr wrap="square" lIns="68584" tIns="34292" rIns="68584" bIns="34292">
+            <a:spAutoFit/>
+          </a:bodyPr>
+          <a:lstStyle/>
+          <a:p>
+            <a:pPr algn="ctr"/>
+            <a:r>
+              <a:rPr lang="pt-BR" sz="4000" dirty="0">
+                <a:ln w="0">
+                  <a:noFill/>
+                </a:ln>
+                <a:solidFill>
+                  <a:srgbClr val="0070C0"/>
+                </a:solidFill>
+                <a:effectLst>
+                  <a:outerShdw blurRad="38100" dist="19050" dir="2700000" algn="tl" rotWithShape="0">
+                    <a:schemeClr val="dk1">
+                      <a:alpha val="40000"/>
+                    </a:schemeClr>
+                  </a:outerShdw>
+                </a:effectLst>
+                <a:latin typeface="Exo 2 Extra Bold" panose="00000900000000000000" pitchFamily="50" charset="0"/>
+              </a:rPr>
+              <a:t>Chave 2</a:t>
+            </a:r>
+          </a:p>
+        </p:txBody>
+      </p:sp>
+      <p:pic>
+        <p:nvPicPr>
+          <p:cNvPr id="2" name="Imagem 1">
+            <a:extLst>
+              <a:ext uri="{FF2B5EF4-FFF2-40B4-BE49-F238E27FC236}">
+                <a16:creationId xmlns:a16="http://schemas.microsoft.com/office/drawing/2014/main" id="{AF775348-342E-47C4-89EE-F209EA8AED5C}"/>
+              </a:ext>
+            </a:extLst>
+          </p:cNvPr>
+          <p:cNvPicPr>
+            <a:picLocks noChangeAspect="1"/>
+          </p:cNvPicPr>
+          <p:nvPr/>
+        </p:nvPicPr>
+        <p:blipFill>
+          <a:blip r:embed="rId5"/>
+          <a:stretch>
+            <a:fillRect/>
+          </a:stretch>
+        </p:blipFill>
+        <p:spPr>
+          <a:xfrm>
+            <a:off x="2370954" y="3269053"/>
+            <a:ext cx="9720000" cy="1881294"/>
+          </a:xfrm>
+          <a:prstGeom prst="rect">
+            <a:avLst/>
+          </a:prstGeom>
+        </p:spPr>
+      </p:pic>
+      <p:pic>
+        <p:nvPicPr>
+          <p:cNvPr id="3" name="Imagem 2">
+            <a:extLst>
+              <a:ext uri="{FF2B5EF4-FFF2-40B4-BE49-F238E27FC236}">
+                <a16:creationId xmlns:a16="http://schemas.microsoft.com/office/drawing/2014/main" id="{387EBEBF-A691-46F6-9D5E-CCC60E53F97E}"/>
+              </a:ext>
+            </a:extLst>
+          </p:cNvPr>
+          <p:cNvPicPr>
+            <a:picLocks noChangeAspect="1"/>
+          </p:cNvPicPr>
+          <p:nvPr/>
+        </p:nvPicPr>
+        <p:blipFill>
+          <a:blip r:embed="rId6"/>
+          <a:stretch>
+            <a:fillRect/>
+          </a:stretch>
+        </p:blipFill>
+        <p:spPr>
+          <a:xfrm>
+            <a:off x="2369191" y="7589429"/>
+            <a:ext cx="9720000" cy="1881294"/>
+          </a:xfrm>
+          <a:prstGeom prst="rect">
+            <a:avLst/>
+          </a:prstGeom>
+        </p:spPr>
+      </p:pic>
+    </p:spTree>
+    <p:extLst>
+      <p:ext uri="{BB962C8B-B14F-4D97-AF65-F5344CB8AC3E}">
+        <p14:creationId xmlns:p14="http://schemas.microsoft.com/office/powerpoint/2010/main" val="2211690294"/>
+      </p:ext>
+    </p:extLst>
+  </p:cSld>
+  <p:clrMapOvr>
+    <a:masterClrMapping/>
+  </p:clrMapOvr>
+</p:sld>
+</file>
+
+<file path=ppt/slides/slide5.xml><?xml version="1.0" encoding="utf-8"?>
+<p:sld xmlns:a="http://schemas.openxmlformats.org/drawingml/2006/main" xmlns:r="http://schemas.openxmlformats.org/officeDocument/2006/relationships" xmlns:p="http://schemas.openxmlformats.org/presentationml/2006/main">
+  <p:cSld>
+    <p:bg>
+      <p:bgPr>
+        <a:solidFill>
+          <a:schemeClr val="bg1"/>
+        </a:solidFill>
+        <a:effectLst/>
+      </p:bgPr>
+    </p:bg>
+    <p:spTree>
+      <p:nvGrpSpPr>
+        <p:cNvPr id="1" name=""/>
+        <p:cNvGrpSpPr/>
+        <p:nvPr/>
+      </p:nvGrpSpPr>
+      <p:grpSpPr>
+        <a:xfrm>
+          <a:off x="0" y="0"/>
+          <a:ext cx="0" cy="0"/>
+          <a:chOff x="0" y="0"/>
+          <a:chExt cx="0" cy="0"/>
+        </a:xfrm>
+      </p:grpSpPr>
+      <p:sp>
+        <p:nvSpPr>
+          <p:cNvPr id="13" name="Rectangle 9">
+            <a:extLst>
+              <a:ext uri="{FF2B5EF4-FFF2-40B4-BE49-F238E27FC236}">
+                <a16:creationId xmlns:a16="http://schemas.microsoft.com/office/drawing/2014/main" id="{0BABF38A-8A0D-492E-BD20-6CF4D46B50BD}"/>
+              </a:ext>
+              <a:ext uri="{C183D7F6-B498-43B3-948B-1728B52AA6E4}">
+                <adec:decorative xmlns:adec="http://schemas.microsoft.com/office/drawing/2017/decorative" val="1"/>
+              </a:ext>
+            </a:extLst>
+          </p:cNvPr>
+          <p:cNvSpPr>
+            <a:spLocks noGrp="1" noRot="1" noChangeAspect="1" noMove="1" noResize="1" noEditPoints="1" noAdjustHandles="1" noChangeArrowheads="1" noChangeShapeType="1" noTextEdit="1"/>
+          </p:cNvSpPr>
+          <p:nvPr>
+            <p:extLst>
+              <p:ext uri="{386F3935-93C4-4BCD-93E2-E3B085C9AB24}">
+                <p16:designElem xmlns:p16="http://schemas.microsoft.com/office/powerpoint/2015/main" val="1"/>
+              </p:ext>
+            </p:extLst>
+          </p:nvPr>
+        </p:nvSpPr>
+        <p:spPr>
+          <a:xfrm>
+            <a:off x="3149972" y="3121681"/>
+            <a:ext cx="8100269" cy="4556404"/>
+          </a:xfrm>
+          <a:prstGeom prst="rect">
+            <a:avLst/>
+          </a:prstGeom>
+          <a:solidFill>
+            <a:schemeClr val="bg2">
+              <a:lumMod val="90000"/>
+              <a:alpha val="70000"/>
+            </a:schemeClr>
+          </a:solidFill>
+          <a:ln>
+            <a:noFill/>
+          </a:ln>
+        </p:spPr>
+        <p:style>
+          <a:lnRef idx="2">
+            <a:schemeClr val="accent1">
+              <a:shade val="50000"/>
+            </a:schemeClr>
+          </a:lnRef>
+          <a:fillRef idx="1">
+            <a:schemeClr val="accent1"/>
+          </a:fillRef>
+          <a:effectRef idx="0">
+            <a:schemeClr val="accent1"/>
+          </a:effectRef>
+          <a:fontRef idx="minor">
+            <a:schemeClr val="lt1"/>
+          </a:fontRef>
+        </p:style>
+        <p:txBody>
+          <a:bodyPr rtlCol="0" anchor="ctr"/>
+          <a:lstStyle/>
+          <a:p>
+            <a:pPr algn="ctr">
+              <a:defRPr/>
+            </a:pPr>
+            <a:endParaRPr lang="en-US" sz="1196" dirty="0">
+              <a:solidFill>
+                <a:prstClr val="black">
+                  <a:lumMod val="65000"/>
+                  <a:lumOff val="35000"/>
+                </a:prstClr>
+              </a:solidFill>
+              <a:latin typeface="AvenirNext LT Pro Medium" panose="020B0504020202020204" pitchFamily="34" charset="0"/>
+            </a:endParaRPr>
+          </a:p>
+        </p:txBody>
+      </p:sp>
+      <p:pic>
+        <p:nvPicPr>
+          <p:cNvPr id="12" name="Picture 11">
+            <a:extLst>
+              <a:ext uri="{FF2B5EF4-FFF2-40B4-BE49-F238E27FC236}">
+                <a16:creationId xmlns:a16="http://schemas.microsoft.com/office/drawing/2014/main" id="{BC526B7A-4801-4FD1-95C8-03AF22629E87}"/>
+              </a:ext>
+              <a:ext uri="{C183D7F6-B498-43B3-948B-1728B52AA6E4}">
+                <adec:decorative xmlns:adec="http://schemas.microsoft.com/office/drawing/2017/decorative" val="1"/>
+              </a:ext>
+            </a:extLst>
+          </p:cNvPr>
+          <p:cNvPicPr>
+            <a:picLocks noGrp="1" noRot="1" noChangeAspect="1" noMove="1" noResize="1" noEditPoints="1" noAdjustHandles="1" noChangeArrowheads="1" noChangeShapeType="1" noCrop="1"/>
+          </p:cNvPicPr>
+          <p:nvPr>
+            <p:extLst>
+              <p:ext uri="{386F3935-93C4-4BCD-93E2-E3B085C9AB24}">
+                <p16:designElem xmlns:p16="http://schemas.microsoft.com/office/powerpoint/2015/main" val="1"/>
+              </p:ext>
+            </p:extLst>
+          </p:nvPr>
+        </p:nvPicPr>
+        <p:blipFill>
+          <a:blip r:embed="rId2">
+            <a:alphaModFix amt="10000"/>
+            <a:extLst>
+              <a:ext uri="{28A0092B-C50C-407E-A947-70E740481C1C}">
+                <a14:useLocalDpi xmlns:a14="http://schemas.microsoft.com/office/drawing/2010/main" val="0"/>
+              </a:ext>
+            </a:extLst>
+          </a:blip>
+          <a:stretch>
+            <a:fillRect/>
+          </a:stretch>
+        </p:blipFill>
+        <p:spPr>
+          <a:xfrm>
+            <a:off x="8820159" y="3121682"/>
+            <a:ext cx="2428095" cy="3039825"/>
+          </a:xfrm>
+          <a:prstGeom prst="rect">
+            <a:avLst/>
+          </a:prstGeom>
+        </p:spPr>
+      </p:pic>
+      <p:sp useBgFill="1">
+        <p:nvSpPr>
+          <p:cNvPr id="14" name="Rectangle 13">
+            <a:extLst>
+              <a:ext uri="{FF2B5EF4-FFF2-40B4-BE49-F238E27FC236}">
+                <a16:creationId xmlns:a16="http://schemas.microsoft.com/office/drawing/2014/main" id="{37FDDF72-DE39-4F99-A3C1-DD9D7815D7DB}"/>
+              </a:ext>
+              <a:ext uri="{C183D7F6-B498-43B3-948B-1728B52AA6E4}">
+                <adec:decorative xmlns:adec="http://schemas.microsoft.com/office/drawing/2017/decorative" val="1"/>
+              </a:ext>
+            </a:extLst>
+          </p:cNvPr>
+          <p:cNvSpPr>
+            <a:spLocks noGrp="1" noRot="1" noChangeAspect="1" noMove="1" noResize="1" noEditPoints="1" noAdjustHandles="1" noChangeArrowheads="1" noChangeShapeType="1" noTextEdit="1"/>
+          </p:cNvSpPr>
+          <p:nvPr>
+            <p:extLst>
+              <p:ext uri="{386F3935-93C4-4BCD-93E2-E3B085C9AB24}">
+                <p16:designElem xmlns:p16="http://schemas.microsoft.com/office/powerpoint/2015/main" val="1"/>
+              </p:ext>
+            </p:extLst>
+          </p:nvPr>
+        </p:nvSpPr>
+        <p:spPr>
+          <a:xfrm>
+            <a:off x="3149972" y="3121681"/>
+            <a:ext cx="8100269" cy="4556401"/>
+          </a:xfrm>
+          <a:prstGeom prst="rect">
+            <a:avLst/>
+          </a:prstGeom>
+          <a:ln>
+            <a:noFill/>
+          </a:ln>
+        </p:spPr>
+        <p:style>
+          <a:lnRef idx="2">
+            <a:schemeClr val="accent1">
+              <a:shade val="50000"/>
+            </a:schemeClr>
+          </a:lnRef>
+          <a:fillRef idx="1">
+            <a:schemeClr val="accent1"/>
+          </a:fillRef>
+          <a:effectRef idx="0">
+            <a:schemeClr val="accent1"/>
+          </a:effectRef>
+          <a:fontRef idx="minor">
+            <a:schemeClr val="lt1"/>
+          </a:fontRef>
+        </p:style>
+        <p:txBody>
+          <a:bodyPr rtlCol="0" anchor="ctr"/>
+          <a:lstStyle/>
+          <a:p>
+            <a:pPr algn="ctr">
+              <a:defRPr/>
+            </a:pPr>
+            <a:endParaRPr lang="en-US" sz="1196" dirty="0">
+              <a:solidFill>
+                <a:prstClr val="black">
+                  <a:lumMod val="65000"/>
+                  <a:lumOff val="35000"/>
+                </a:prstClr>
+              </a:solidFill>
+              <a:latin typeface="AvenirNext LT Pro Medium" panose="020B0504020202020204" pitchFamily="34" charset="0"/>
+            </a:endParaRPr>
+          </a:p>
+        </p:txBody>
+      </p:sp>
+      <p:sp>
+        <p:nvSpPr>
+          <p:cNvPr id="16" name="Rectangle 15">
+            <a:extLst>
+              <a:ext uri="{FF2B5EF4-FFF2-40B4-BE49-F238E27FC236}">
+                <a16:creationId xmlns:a16="http://schemas.microsoft.com/office/drawing/2014/main" id="{5E4ECE80-3AD1-450C-B62A-98788F193948}"/>
+              </a:ext>
+              <a:ext uri="{C183D7F6-B498-43B3-948B-1728B52AA6E4}">
+                <adec:decorative xmlns:adec="http://schemas.microsoft.com/office/drawing/2017/decorative" val="1"/>
+              </a:ext>
+            </a:extLst>
+          </p:cNvPr>
+          <p:cNvSpPr>
+            <a:spLocks noGrp="1" noRot="1" noChangeAspect="1" noMove="1" noResize="1" noEditPoints="1" noAdjustHandles="1" noChangeArrowheads="1" noChangeShapeType="1" noTextEdit="1"/>
+          </p:cNvSpPr>
+          <p:nvPr>
+            <p:extLst>
+              <p:ext uri="{386F3935-93C4-4BCD-93E2-E3B085C9AB24}">
+                <p16:designElem xmlns:p16="http://schemas.microsoft.com/office/powerpoint/2015/main" val="1"/>
+              </p:ext>
+            </p:extLst>
+          </p:nvPr>
+        </p:nvSpPr>
+        <p:spPr>
+          <a:xfrm>
+            <a:off x="3149972" y="3121681"/>
+            <a:ext cx="8100269" cy="4556401"/>
+          </a:xfrm>
+          <a:prstGeom prst="rect">
+            <a:avLst/>
+          </a:prstGeom>
+          <a:solidFill>
+            <a:srgbClr val="000000"/>
+          </a:solidFill>
+          <a:ln>
+            <a:noFill/>
+          </a:ln>
+        </p:spPr>
+        <p:style>
+          <a:lnRef idx="2">
+            <a:schemeClr val="accent1">
+              <a:shade val="50000"/>
+            </a:schemeClr>
+          </a:lnRef>
+          <a:fillRef idx="1">
+            <a:schemeClr val="accent1"/>
+          </a:fillRef>
+          <a:effectRef idx="0">
+            <a:schemeClr val="accent1"/>
+          </a:effectRef>
+          <a:fontRef idx="minor">
+            <a:schemeClr val="lt1"/>
+          </a:fontRef>
+        </p:style>
+        <p:txBody>
+          <a:bodyPr rtlCol="0" anchor="ctr"/>
+          <a:lstStyle/>
+          <a:p>
+            <a:pPr algn="ctr">
+              <a:defRPr/>
+            </a:pPr>
+            <a:endParaRPr lang="en-US" sz="1196" dirty="0">
+              <a:solidFill>
+                <a:prstClr val="black">
+                  <a:lumMod val="65000"/>
+                  <a:lumOff val="35000"/>
+                </a:prstClr>
+              </a:solidFill>
+              <a:latin typeface="AvenirNext LT Pro Medium" panose="020B0504020202020204" pitchFamily="34" charset="0"/>
+            </a:endParaRPr>
+          </a:p>
+        </p:txBody>
+      </p:sp>
+      <p:pic>
+        <p:nvPicPr>
+          <p:cNvPr id="5" name="Imagem 4">
+            <a:extLst>
+              <a:ext uri="{FF2B5EF4-FFF2-40B4-BE49-F238E27FC236}">
+                <a16:creationId xmlns:a16="http://schemas.microsoft.com/office/drawing/2014/main" id="{F1433EF1-FB6D-4913-96C9-08F0B1B3CA7A}"/>
+              </a:ext>
+            </a:extLst>
+          </p:cNvPr>
+          <p:cNvPicPr>
+            <a:picLocks noChangeAspect="1"/>
+          </p:cNvPicPr>
+          <p:nvPr/>
+        </p:nvPicPr>
+        <p:blipFill rotWithShape="1">
+          <a:blip r:embed="rId3">
+            <a:alphaModFix/>
+            <a:extLst>
+              <a:ext uri="{28A0092B-C50C-407E-A947-70E740481C1C}">
+                <a14:useLocalDpi xmlns:a14="http://schemas.microsoft.com/office/drawing/2010/main" val="0"/>
+              </a:ext>
+            </a:extLst>
+          </a:blip>
+          <a:srcRect l="5233" t="-2125" r="6244" b="-538"/>
+          <a:stretch/>
+        </p:blipFill>
+        <p:spPr>
+          <a:xfrm>
+            <a:off x="-1" y="-248909"/>
+            <a:ext cx="14400213" cy="11147555"/>
+          </a:xfrm>
+          <a:prstGeom prst="rect">
+            <a:avLst/>
+          </a:prstGeom>
+        </p:spPr>
+      </p:pic>
+      <p:sp>
+        <p:nvSpPr>
+          <p:cNvPr id="50" name="Retângulo 49">
+            <a:extLst>
+              <a:ext uri="{FF2B5EF4-FFF2-40B4-BE49-F238E27FC236}">
+                <a16:creationId xmlns:a16="http://schemas.microsoft.com/office/drawing/2014/main" id="{50614AED-75DE-4550-9029-54313F89BD12}"/>
+              </a:ext>
+            </a:extLst>
+          </p:cNvPr>
+          <p:cNvSpPr/>
+          <p:nvPr/>
+        </p:nvSpPr>
+        <p:spPr>
+          <a:xfrm>
+            <a:off x="3186646" y="311571"/>
+            <a:ext cx="8052791" cy="992583"/>
+          </a:xfrm>
+          <a:prstGeom prst="rect">
+            <a:avLst/>
+          </a:prstGeom>
+          <a:noFill/>
+        </p:spPr>
+        <p:txBody>
+          <a:bodyPr wrap="square" lIns="68584" tIns="34292" rIns="68584" bIns="34292">
+            <a:spAutoFit/>
+          </a:bodyPr>
+          <a:lstStyle/>
+          <a:p>
+            <a:pPr algn="ctr"/>
+            <a:r>
+              <a:rPr lang="pt-BR" sz="6000" dirty="0">
+                <a:ln w="38100">
+                  <a:solidFill>
+                    <a:schemeClr val="bg1"/>
+                  </a:solidFill>
+                </a:ln>
+                <a:solidFill>
+                  <a:srgbClr val="00B050"/>
+                </a:solidFill>
+                <a:effectLst>
+                  <a:outerShdw blurRad="38100" dist="19050" dir="2700000" algn="tl" rotWithShape="0">
+                    <a:schemeClr val="dk1">
+                      <a:alpha val="40000"/>
+                    </a:schemeClr>
+                  </a:outerShdw>
+                </a:effectLst>
+                <a:latin typeface="Exo 2 Extra Bold" panose="00000900000000000000" pitchFamily="50" charset="0"/>
+              </a:rPr>
+              <a:t>Liga Principal</a:t>
+            </a:r>
+          </a:p>
+        </p:txBody>
+      </p:sp>
+      <p:sp>
+        <p:nvSpPr>
+          <p:cNvPr id="53" name="Retângulo 52">
+            <a:extLst>
+              <a:ext uri="{FF2B5EF4-FFF2-40B4-BE49-F238E27FC236}">
+                <a16:creationId xmlns:a16="http://schemas.microsoft.com/office/drawing/2014/main" id="{F101E0BF-8A68-40B9-BC26-35C299182F52}"/>
+              </a:ext>
+            </a:extLst>
+          </p:cNvPr>
+          <p:cNvSpPr/>
+          <p:nvPr/>
+        </p:nvSpPr>
+        <p:spPr>
+          <a:xfrm>
+            <a:off x="336776" y="1104608"/>
+            <a:ext cx="13909452" cy="1177249"/>
+          </a:xfrm>
+          <a:prstGeom prst="rect">
+            <a:avLst/>
+          </a:prstGeom>
+          <a:noFill/>
+        </p:spPr>
+        <p:txBody>
+          <a:bodyPr wrap="square" lIns="68584" tIns="34292" rIns="68584" bIns="34292">
+            <a:spAutoFit/>
+          </a:bodyPr>
+          <a:lstStyle/>
+          <a:p>
+            <a:pPr algn="ctr"/>
+            <a:r>
+              <a:rPr lang="pt-BR" sz="7200" dirty="0">
+                <a:ln w="0">
+                  <a:noFill/>
+                </a:ln>
+                <a:effectLst>
+                  <a:outerShdw blurRad="38100" dist="19050" dir="2700000" algn="tl" rotWithShape="0">
+                    <a:schemeClr val="dk1">
+                      <a:alpha val="40000"/>
+                    </a:schemeClr>
+                  </a:outerShdw>
+                </a:effectLst>
+                <a:latin typeface="Exo 2 Extra Bold" panose="00000900000000000000" pitchFamily="50" charset="0"/>
+              </a:rPr>
+              <a:t>MATA-MATA SÉRIE C 2</a:t>
+            </a:r>
+          </a:p>
+        </p:txBody>
+      </p:sp>
+      <p:pic>
+        <p:nvPicPr>
+          <p:cNvPr id="15" name="Imagem 14">
+            <a:extLst>
+              <a:ext uri="{FF2B5EF4-FFF2-40B4-BE49-F238E27FC236}">
+                <a16:creationId xmlns:a16="http://schemas.microsoft.com/office/drawing/2014/main" id="{780D6AE4-2B31-43CF-8A3B-9ACC73C32FE9}"/>
+              </a:ext>
+            </a:extLst>
+          </p:cNvPr>
+          <p:cNvPicPr>
+            <a:picLocks noChangeAspect="1"/>
+          </p:cNvPicPr>
+          <p:nvPr/>
+        </p:nvPicPr>
+        <p:blipFill>
+          <a:blip r:embed="rId4">
+            <a:extLst>
+              <a:ext uri="{28A0092B-C50C-407E-A947-70E740481C1C}">
+                <a14:useLocalDpi xmlns:a14="http://schemas.microsoft.com/office/drawing/2010/main" val="0"/>
+              </a:ext>
+            </a:extLst>
+          </a:blip>
+          <a:stretch>
+            <a:fillRect/>
+          </a:stretch>
+        </p:blipFill>
+        <p:spPr>
+          <a:xfrm>
+            <a:off x="336776" y="194284"/>
+            <a:ext cx="2059134" cy="2160000"/>
+          </a:xfrm>
+          <a:prstGeom prst="rect">
+            <a:avLst/>
+          </a:prstGeom>
+        </p:spPr>
+      </p:pic>
+      <p:sp>
+        <p:nvSpPr>
+          <p:cNvPr id="10" name="Retângulo 9">
+            <a:extLst>
+              <a:ext uri="{FF2B5EF4-FFF2-40B4-BE49-F238E27FC236}">
+                <a16:creationId xmlns:a16="http://schemas.microsoft.com/office/drawing/2014/main" id="{838BDC98-3287-4575-8574-56F716FB2440}"/>
+              </a:ext>
+            </a:extLst>
+          </p:cNvPr>
+          <p:cNvSpPr/>
+          <p:nvPr/>
+        </p:nvSpPr>
+        <p:spPr>
+          <a:xfrm>
+            <a:off x="581891" y="2892935"/>
+            <a:ext cx="13267927" cy="3039825"/>
+          </a:xfrm>
+          <a:prstGeom prst="rect">
+            <a:avLst/>
+          </a:prstGeom>
+          <a:solidFill>
+            <a:schemeClr val="tx1">
+              <a:alpha val="81000"/>
+            </a:schemeClr>
+          </a:solidFill>
+        </p:spPr>
+        <p:style>
+          <a:lnRef idx="2">
+            <a:schemeClr val="accent1">
+              <a:shade val="50000"/>
+            </a:schemeClr>
+          </a:lnRef>
+          <a:fillRef idx="1">
+            <a:schemeClr val="accent1"/>
+          </a:fillRef>
+          <a:effectRef idx="0">
+            <a:schemeClr val="accent1"/>
+          </a:effectRef>
+          <a:fontRef idx="minor">
+            <a:schemeClr val="lt1"/>
+          </a:fontRef>
+        </p:style>
+        <p:txBody>
+          <a:bodyPr rtlCol="0" anchor="ctr"/>
+          <a:lstStyle/>
+          <a:p>
+            <a:pPr algn="ctr"/>
+            <a:endParaRPr lang="pt-BR"/>
+          </a:p>
+        </p:txBody>
+      </p:sp>
+      <p:sp>
+        <p:nvSpPr>
+          <p:cNvPr id="21" name="Retângulo 20">
+            <a:extLst>
+              <a:ext uri="{FF2B5EF4-FFF2-40B4-BE49-F238E27FC236}">
+                <a16:creationId xmlns:a16="http://schemas.microsoft.com/office/drawing/2014/main" id="{95EDB8CB-8377-4925-B478-560C3F615037}"/>
+              </a:ext>
+            </a:extLst>
+          </p:cNvPr>
+          <p:cNvSpPr/>
+          <p:nvPr/>
+        </p:nvSpPr>
+        <p:spPr>
+          <a:xfrm>
+            <a:off x="581891" y="6704292"/>
+            <a:ext cx="13267927" cy="3038400"/>
+          </a:xfrm>
+          <a:prstGeom prst="rect">
+            <a:avLst/>
+          </a:prstGeom>
+          <a:solidFill>
+            <a:schemeClr val="tx1">
+              <a:alpha val="81000"/>
+            </a:schemeClr>
+          </a:solidFill>
+        </p:spPr>
+        <p:style>
+          <a:lnRef idx="2">
+            <a:schemeClr val="accent1">
+              <a:shade val="50000"/>
+            </a:schemeClr>
+          </a:lnRef>
+          <a:fillRef idx="1">
+            <a:schemeClr val="accent1"/>
+          </a:fillRef>
+          <a:effectRef idx="0">
+            <a:schemeClr val="accent1"/>
+          </a:effectRef>
+          <a:fontRef idx="minor">
+            <a:schemeClr val="lt1"/>
+          </a:fontRef>
+        </p:style>
+        <p:txBody>
+          <a:bodyPr rtlCol="0" anchor="ctr"/>
+          <a:lstStyle/>
+          <a:p>
+            <a:pPr algn="ctr"/>
+            <a:endParaRPr lang="pt-BR"/>
+          </a:p>
+        </p:txBody>
+      </p:sp>
+      <p:sp>
+        <p:nvSpPr>
+          <p:cNvPr id="23" name="Retângulo 22">
+            <a:extLst>
+              <a:ext uri="{FF2B5EF4-FFF2-40B4-BE49-F238E27FC236}">
+                <a16:creationId xmlns:a16="http://schemas.microsoft.com/office/drawing/2014/main" id="{ED87CD67-A438-4F74-986A-3704AF997953}"/>
+              </a:ext>
+            </a:extLst>
+          </p:cNvPr>
+          <p:cNvSpPr/>
+          <p:nvPr/>
+        </p:nvSpPr>
+        <p:spPr>
+          <a:xfrm>
+            <a:off x="5308448" y="2906454"/>
+            <a:ext cx="3789504" cy="684807"/>
+          </a:xfrm>
+          <a:prstGeom prst="rect">
+            <a:avLst/>
+          </a:prstGeom>
+          <a:noFill/>
+        </p:spPr>
+        <p:txBody>
+          <a:bodyPr wrap="square" lIns="68584" tIns="34292" rIns="68584" bIns="34292">
+            <a:spAutoFit/>
+          </a:bodyPr>
+          <a:lstStyle/>
+          <a:p>
+            <a:pPr algn="ctr"/>
+            <a:r>
+              <a:rPr lang="pt-BR" sz="4000" dirty="0">
+                <a:ln w="0">
+                  <a:noFill/>
+                </a:ln>
+                <a:solidFill>
+                  <a:srgbClr val="0070C0"/>
+                </a:solidFill>
+                <a:effectLst>
+                  <a:outerShdw blurRad="38100" dist="19050" dir="2700000" algn="tl" rotWithShape="0">
+                    <a:schemeClr val="dk1">
+                      <a:alpha val="40000"/>
+                    </a:schemeClr>
+                  </a:outerShdw>
+                </a:effectLst>
+                <a:latin typeface="Exo 2 Extra Bold" panose="00000900000000000000" pitchFamily="50" charset="0"/>
+              </a:rPr>
+              <a:t>Chave 1</a:t>
+            </a:r>
+          </a:p>
+        </p:txBody>
+      </p:sp>
+      <p:sp>
+        <p:nvSpPr>
+          <p:cNvPr id="24" name="Retângulo 23">
+            <a:extLst>
+              <a:ext uri="{FF2B5EF4-FFF2-40B4-BE49-F238E27FC236}">
+                <a16:creationId xmlns:a16="http://schemas.microsoft.com/office/drawing/2014/main" id="{522A4ACC-EC27-4A14-BA66-B0EB03535C7B}"/>
+              </a:ext>
+            </a:extLst>
+          </p:cNvPr>
+          <p:cNvSpPr/>
+          <p:nvPr/>
+        </p:nvSpPr>
+        <p:spPr>
+          <a:xfrm>
+            <a:off x="5321993" y="6726594"/>
+            <a:ext cx="3789503" cy="684807"/>
+          </a:xfrm>
+          <a:prstGeom prst="rect">
+            <a:avLst/>
+          </a:prstGeom>
+          <a:noFill/>
+        </p:spPr>
+        <p:txBody>
+          <a:bodyPr wrap="square" lIns="68584" tIns="34292" rIns="68584" bIns="34292">
+            <a:spAutoFit/>
+          </a:bodyPr>
+          <a:lstStyle/>
+          <a:p>
+            <a:pPr algn="ctr"/>
+            <a:r>
+              <a:rPr lang="pt-BR" sz="4000" dirty="0">
+                <a:ln w="0">
+                  <a:noFill/>
+                </a:ln>
+                <a:solidFill>
+                  <a:srgbClr val="0070C0"/>
+                </a:solidFill>
+                <a:effectLst>
+                  <a:outerShdw blurRad="38100" dist="19050" dir="2700000" algn="tl" rotWithShape="0">
+                    <a:schemeClr val="dk1">
+                      <a:alpha val="40000"/>
+                    </a:schemeClr>
+                  </a:outerShdw>
+                </a:effectLst>
+                <a:latin typeface="Exo 2 Extra Bold" panose="00000900000000000000" pitchFamily="50" charset="0"/>
+              </a:rPr>
+              <a:t>Chave 2</a:t>
+            </a:r>
+          </a:p>
+        </p:txBody>
+      </p:sp>
+      <p:pic>
+        <p:nvPicPr>
+          <p:cNvPr id="4" name="Imagem 3">
+            <a:extLst>
+              <a:ext uri="{FF2B5EF4-FFF2-40B4-BE49-F238E27FC236}">
+                <a16:creationId xmlns:a16="http://schemas.microsoft.com/office/drawing/2014/main" id="{26C15A57-3B6F-4380-8EB7-613A77BE9564}"/>
+              </a:ext>
+            </a:extLst>
+          </p:cNvPr>
+          <p:cNvPicPr>
+            <a:picLocks noChangeAspect="1"/>
+          </p:cNvPicPr>
+          <p:nvPr/>
+        </p:nvPicPr>
+        <p:blipFill>
+          <a:blip r:embed="rId5"/>
+          <a:stretch>
+            <a:fillRect/>
+          </a:stretch>
+        </p:blipFill>
+        <p:spPr>
+          <a:xfrm>
+            <a:off x="913041" y="4017762"/>
+            <a:ext cx="12600000" cy="1054245"/>
+          </a:xfrm>
+          <a:prstGeom prst="rect">
+            <a:avLst/>
+          </a:prstGeom>
+        </p:spPr>
+      </p:pic>
+      <p:pic>
+        <p:nvPicPr>
+          <p:cNvPr id="6" name="Imagem 5">
+            <a:extLst>
+              <a:ext uri="{FF2B5EF4-FFF2-40B4-BE49-F238E27FC236}">
+                <a16:creationId xmlns:a16="http://schemas.microsoft.com/office/drawing/2014/main" id="{13564C7A-1A40-488A-B3AA-1EC4174F8B37}"/>
+              </a:ext>
+            </a:extLst>
+          </p:cNvPr>
+          <p:cNvPicPr>
+            <a:picLocks noChangeAspect="1"/>
+          </p:cNvPicPr>
+          <p:nvPr/>
+        </p:nvPicPr>
+        <p:blipFill>
+          <a:blip r:embed="rId6"/>
+          <a:stretch>
+            <a:fillRect/>
+          </a:stretch>
+        </p:blipFill>
+        <p:spPr>
+          <a:xfrm>
+            <a:off x="913041" y="7946336"/>
+            <a:ext cx="12600000" cy="1054245"/>
+          </a:xfrm>
+          <a:prstGeom prst="rect">
+            <a:avLst/>
+          </a:prstGeom>
+        </p:spPr>
+      </p:pic>
+    </p:spTree>
+    <p:extLst>
+      <p:ext uri="{BB962C8B-B14F-4D97-AF65-F5344CB8AC3E}">
+        <p14:creationId xmlns:p14="http://schemas.microsoft.com/office/powerpoint/2010/main" val="2200666842"/>
+      </p:ext>
+    </p:extLst>
+  </p:cSld>
+  <p:clrMapOvr>
+    <a:masterClrMapping/>
+  </p:clrMapOvr>
+</p:sld>
+</file>
+
 <file path=ppt/theme/theme1.xml><?xml version="1.0" encoding="utf-8"?>
 <a:theme xmlns:a="http://schemas.openxmlformats.org/drawingml/2006/main" name="DappledVTI">
   <a:themeElements>

--- a/MataMataPlanilha.pptx
+++ b/MataMataPlanilha.pptx
@@ -10,6 +10,7 @@
     <p:sldId id="266" r:id="rId4"/>
     <p:sldId id="267" r:id="rId5"/>
     <p:sldId id="268" r:id="rId6"/>
+    <p:sldId id="269" r:id="rId7"/>
   </p:sldIdLst>
   <p:sldSz cx="14400213" cy="10799763"/>
   <p:notesSz cx="6858000" cy="9144000"/>
@@ -290,7 +291,7 @@
             <a:fld id="{11A6662E-FAF4-44BC-88B5-85A7CBFB6D30}" type="datetime1">
               <a:rPr lang="en-US" smtClean="0"/>
               <a:pPr/>
-              <a:t>7/12/2021</a:t>
+              <a:t>7/27/2021</a:t>
             </a:fld>
             <a:endParaRPr lang="en-US" dirty="0"/>
           </a:p>
@@ -517,7 +518,7 @@
           <a:p>
             <a:fld id="{4C559632-1575-4E14-B53B-3DC3D5ED3947}" type="datetime1">
               <a:rPr lang="en-US" smtClean="0"/>
-              <a:t>7/12/2021</a:t>
+              <a:t>7/27/2021</a:t>
             </a:fld>
             <a:endParaRPr lang="en-US"/>
           </a:p>
@@ -725,7 +726,7 @@
           <a:p>
             <a:fld id="{CC4A6868-2568-4CC9-B302-F37117B01A6E}" type="datetime1">
               <a:rPr lang="en-US" smtClean="0"/>
-              <a:t>7/12/2021</a:t>
+              <a:t>7/27/2021</a:t>
             </a:fld>
             <a:endParaRPr lang="en-US"/>
           </a:p>
@@ -930,7 +931,7 @@
           <a:p>
             <a:fld id="{0055F08A-1E71-4B2B-BB49-E743F2903911}" type="datetime1">
               <a:rPr lang="en-US" smtClean="0"/>
-              <a:t>7/12/2021</a:t>
+              <a:t>7/27/2021</a:t>
             </a:fld>
             <a:endParaRPr lang="en-US" dirty="0"/>
           </a:p>
@@ -1204,7 +1205,7 @@
           <a:p>
             <a:fld id="{15417D9E-721A-44BB-8863-9873FE64DA75}" type="datetime1">
               <a:rPr lang="en-US" smtClean="0"/>
-              <a:t>7/12/2021</a:t>
+              <a:t>7/27/2021</a:t>
             </a:fld>
             <a:endParaRPr lang="en-US"/>
           </a:p>
@@ -1477,7 +1478,7 @@
           <a:p>
             <a:fld id="{5F31DA2F-80B8-49CF-99FB-5ABCA53A607A}" type="datetime1">
               <a:rPr lang="en-US" smtClean="0"/>
-              <a:t>7/12/2021</a:t>
+              <a:t>7/27/2021</a:t>
             </a:fld>
             <a:endParaRPr lang="en-US"/>
           </a:p>
@@ -1892,7 +1893,7 @@
           <a:p>
             <a:fld id="{28852172-E6C9-4B6C-929A-A9DE3837BBF1}" type="datetime1">
               <a:rPr lang="en-US" smtClean="0"/>
-              <a:t>7/12/2021</a:t>
+              <a:t>7/27/2021</a:t>
             </a:fld>
             <a:endParaRPr lang="en-US"/>
           </a:p>
@@ -2044,7 +2045,7 @@
           <a:p>
             <a:fld id="{3AB41CFF-90C9-47B3-9DA1-F2BF8D839F7E}" type="datetime1">
               <a:rPr lang="en-US" smtClean="0"/>
-              <a:t>7/12/2021</a:t>
+              <a:t>7/27/2021</a:t>
             </a:fld>
             <a:endParaRPr lang="en-US"/>
           </a:p>
@@ -2157,7 +2158,7 @@
           <a:p>
             <a:fld id="{F06048FA-06AB-4884-A69B-986B96E68A24}" type="datetime1">
               <a:rPr lang="en-US" smtClean="0"/>
-              <a:t>7/12/2021</a:t>
+              <a:t>7/27/2021</a:t>
             </a:fld>
             <a:endParaRPr lang="en-US"/>
           </a:p>
@@ -2468,7 +2469,7 @@
           <a:p>
             <a:fld id="{50DB7ABA-0172-4F9C-889D-567164F66BCD}" type="datetime1">
               <a:rPr lang="en-US" smtClean="0"/>
-              <a:t>7/12/2021</a:t>
+              <a:t>7/27/2021</a:t>
             </a:fld>
             <a:endParaRPr lang="en-US"/>
           </a:p>
@@ -2759,7 +2760,7 @@
           <a:p>
             <a:fld id="{78AC6A5B-8AE7-4A41-B5A7-9ADC6686DC18}" type="datetime1">
               <a:rPr lang="en-US" smtClean="0"/>
-              <a:t>7/12/2021</a:t>
+              <a:t>7/27/2021</a:t>
             </a:fld>
             <a:endParaRPr lang="en-US"/>
           </a:p>
@@ -3068,7 +3069,7 @@
             <a:fld id="{57E0CF6C-748E-4B7A-BC8B-3011EF78ED13}" type="datetime1">
               <a:rPr lang="en-US" smtClean="0"/>
               <a:pPr/>
-              <a:t>7/12/2021</a:t>
+              <a:t>7/27/2021</a:t>
             </a:fld>
             <a:endParaRPr lang="en-US" dirty="0"/>
           </a:p>
@@ -7159,10 +7160,10 @@
       </p:sp>
       <p:pic>
         <p:nvPicPr>
-          <p:cNvPr id="4" name="Imagem 3">
-            <a:extLst>
-              <a:ext uri="{FF2B5EF4-FFF2-40B4-BE49-F238E27FC236}">
-                <a16:creationId xmlns:a16="http://schemas.microsoft.com/office/drawing/2014/main" id="{26C15A57-3B6F-4380-8EB7-613A77BE9564}"/>
+          <p:cNvPr id="2" name="Imagem 1">
+            <a:extLst>
+              <a:ext uri="{FF2B5EF4-FFF2-40B4-BE49-F238E27FC236}">
+                <a16:creationId xmlns:a16="http://schemas.microsoft.com/office/drawing/2014/main" id="{B5C8A060-E06E-4A37-897B-DFAF18FE6269}"/>
               </a:ext>
             </a:extLst>
           </p:cNvPr>
@@ -7179,7 +7180,7 @@
         </p:blipFill>
         <p:spPr>
           <a:xfrm>
-            <a:off x="913041" y="4017762"/>
+            <a:off x="902160" y="4017762"/>
             <a:ext cx="12600000" cy="1054245"/>
           </a:xfrm>
           <a:prstGeom prst="rect">
@@ -7189,10 +7190,10 @@
       </p:pic>
       <p:pic>
         <p:nvPicPr>
-          <p:cNvPr id="6" name="Imagem 5">
-            <a:extLst>
-              <a:ext uri="{FF2B5EF4-FFF2-40B4-BE49-F238E27FC236}">
-                <a16:creationId xmlns:a16="http://schemas.microsoft.com/office/drawing/2014/main" id="{13564C7A-1A40-488A-B3AA-1EC4174F8B37}"/>
+          <p:cNvPr id="3" name="Imagem 2">
+            <a:extLst>
+              <a:ext uri="{FF2B5EF4-FFF2-40B4-BE49-F238E27FC236}">
+                <a16:creationId xmlns:a16="http://schemas.microsoft.com/office/drawing/2014/main" id="{2D727AB9-B288-40A3-B86F-F255A1B598A5}"/>
               </a:ext>
             </a:extLst>
           </p:cNvPr>
@@ -7209,7 +7210,7 @@
         </p:blipFill>
         <p:spPr>
           <a:xfrm>
-            <a:off x="913041" y="7946336"/>
+            <a:off x="908729" y="7946333"/>
             <a:ext cx="12600000" cy="1054245"/>
           </a:xfrm>
           <a:prstGeom prst="rect">
@@ -7221,6 +7222,746 @@
     <p:extLst>
       <p:ext uri="{BB962C8B-B14F-4D97-AF65-F5344CB8AC3E}">
         <p14:creationId xmlns:p14="http://schemas.microsoft.com/office/powerpoint/2010/main" val="2200666842"/>
+      </p:ext>
+    </p:extLst>
+  </p:cSld>
+  <p:clrMapOvr>
+    <a:masterClrMapping/>
+  </p:clrMapOvr>
+</p:sld>
+</file>
+
+<file path=ppt/slides/slide6.xml><?xml version="1.0" encoding="utf-8"?>
+<p:sld xmlns:a="http://schemas.openxmlformats.org/drawingml/2006/main" xmlns:r="http://schemas.openxmlformats.org/officeDocument/2006/relationships" xmlns:p="http://schemas.openxmlformats.org/presentationml/2006/main">
+  <p:cSld>
+    <p:bg>
+      <p:bgPr>
+        <a:solidFill>
+          <a:schemeClr val="bg1"/>
+        </a:solidFill>
+        <a:effectLst/>
+      </p:bgPr>
+    </p:bg>
+    <p:spTree>
+      <p:nvGrpSpPr>
+        <p:cNvPr id="1" name=""/>
+        <p:cNvGrpSpPr/>
+        <p:nvPr/>
+      </p:nvGrpSpPr>
+      <p:grpSpPr>
+        <a:xfrm>
+          <a:off x="0" y="0"/>
+          <a:ext cx="0" cy="0"/>
+          <a:chOff x="0" y="0"/>
+          <a:chExt cx="0" cy="0"/>
+        </a:xfrm>
+      </p:grpSpPr>
+      <p:sp>
+        <p:nvSpPr>
+          <p:cNvPr id="13" name="Rectangle 9">
+            <a:extLst>
+              <a:ext uri="{FF2B5EF4-FFF2-40B4-BE49-F238E27FC236}">
+                <a16:creationId xmlns:a16="http://schemas.microsoft.com/office/drawing/2014/main" id="{0BABF38A-8A0D-492E-BD20-6CF4D46B50BD}"/>
+              </a:ext>
+              <a:ext uri="{C183D7F6-B498-43B3-948B-1728B52AA6E4}">
+                <adec:decorative xmlns:adec="http://schemas.microsoft.com/office/drawing/2017/decorative" val="1"/>
+              </a:ext>
+            </a:extLst>
+          </p:cNvPr>
+          <p:cNvSpPr>
+            <a:spLocks noGrp="1" noRot="1" noChangeAspect="1" noMove="1" noResize="1" noEditPoints="1" noAdjustHandles="1" noChangeArrowheads="1" noChangeShapeType="1" noTextEdit="1"/>
+          </p:cNvSpPr>
+          <p:nvPr>
+            <p:extLst>
+              <p:ext uri="{386F3935-93C4-4BCD-93E2-E3B085C9AB24}">
+                <p16:designElem xmlns:p16="http://schemas.microsoft.com/office/powerpoint/2015/main" val="1"/>
+              </p:ext>
+            </p:extLst>
+          </p:nvPr>
+        </p:nvSpPr>
+        <p:spPr>
+          <a:xfrm>
+            <a:off x="3149972" y="3121681"/>
+            <a:ext cx="8100269" cy="4556404"/>
+          </a:xfrm>
+          <a:prstGeom prst="rect">
+            <a:avLst/>
+          </a:prstGeom>
+          <a:solidFill>
+            <a:schemeClr val="bg2">
+              <a:lumMod val="90000"/>
+              <a:alpha val="70000"/>
+            </a:schemeClr>
+          </a:solidFill>
+          <a:ln>
+            <a:noFill/>
+          </a:ln>
+        </p:spPr>
+        <p:style>
+          <a:lnRef idx="2">
+            <a:schemeClr val="accent1">
+              <a:shade val="50000"/>
+            </a:schemeClr>
+          </a:lnRef>
+          <a:fillRef idx="1">
+            <a:schemeClr val="accent1"/>
+          </a:fillRef>
+          <a:effectRef idx="0">
+            <a:schemeClr val="accent1"/>
+          </a:effectRef>
+          <a:fontRef idx="minor">
+            <a:schemeClr val="lt1"/>
+          </a:fontRef>
+        </p:style>
+        <p:txBody>
+          <a:bodyPr rtlCol="0" anchor="ctr"/>
+          <a:lstStyle/>
+          <a:p>
+            <a:pPr algn="ctr">
+              <a:defRPr/>
+            </a:pPr>
+            <a:endParaRPr lang="en-US" sz="1196" dirty="0">
+              <a:solidFill>
+                <a:prstClr val="black">
+                  <a:lumMod val="65000"/>
+                  <a:lumOff val="35000"/>
+                </a:prstClr>
+              </a:solidFill>
+              <a:latin typeface="AvenirNext LT Pro Medium" panose="020B0504020202020204" pitchFamily="34" charset="0"/>
+            </a:endParaRPr>
+          </a:p>
+        </p:txBody>
+      </p:sp>
+      <p:pic>
+        <p:nvPicPr>
+          <p:cNvPr id="12" name="Picture 11">
+            <a:extLst>
+              <a:ext uri="{FF2B5EF4-FFF2-40B4-BE49-F238E27FC236}">
+                <a16:creationId xmlns:a16="http://schemas.microsoft.com/office/drawing/2014/main" id="{BC526B7A-4801-4FD1-95C8-03AF22629E87}"/>
+              </a:ext>
+              <a:ext uri="{C183D7F6-B498-43B3-948B-1728B52AA6E4}">
+                <adec:decorative xmlns:adec="http://schemas.microsoft.com/office/drawing/2017/decorative" val="1"/>
+              </a:ext>
+            </a:extLst>
+          </p:cNvPr>
+          <p:cNvPicPr>
+            <a:picLocks noGrp="1" noRot="1" noChangeAspect="1" noMove="1" noResize="1" noEditPoints="1" noAdjustHandles="1" noChangeArrowheads="1" noChangeShapeType="1" noCrop="1"/>
+          </p:cNvPicPr>
+          <p:nvPr>
+            <p:extLst>
+              <p:ext uri="{386F3935-93C4-4BCD-93E2-E3B085C9AB24}">
+                <p16:designElem xmlns:p16="http://schemas.microsoft.com/office/powerpoint/2015/main" val="1"/>
+              </p:ext>
+            </p:extLst>
+          </p:nvPr>
+        </p:nvPicPr>
+        <p:blipFill>
+          <a:blip r:embed="rId2">
+            <a:alphaModFix amt="10000"/>
+            <a:extLst>
+              <a:ext uri="{28A0092B-C50C-407E-A947-70E740481C1C}">
+                <a14:useLocalDpi xmlns:a14="http://schemas.microsoft.com/office/drawing/2010/main" val="0"/>
+              </a:ext>
+            </a:extLst>
+          </a:blip>
+          <a:stretch>
+            <a:fillRect/>
+          </a:stretch>
+        </p:blipFill>
+        <p:spPr>
+          <a:xfrm>
+            <a:off x="8820159" y="3121682"/>
+            <a:ext cx="2428095" cy="3039825"/>
+          </a:xfrm>
+          <a:prstGeom prst="rect">
+            <a:avLst/>
+          </a:prstGeom>
+        </p:spPr>
+      </p:pic>
+      <p:sp useBgFill="1">
+        <p:nvSpPr>
+          <p:cNvPr id="14" name="Rectangle 13">
+            <a:extLst>
+              <a:ext uri="{FF2B5EF4-FFF2-40B4-BE49-F238E27FC236}">
+                <a16:creationId xmlns:a16="http://schemas.microsoft.com/office/drawing/2014/main" id="{37FDDF72-DE39-4F99-A3C1-DD9D7815D7DB}"/>
+              </a:ext>
+              <a:ext uri="{C183D7F6-B498-43B3-948B-1728B52AA6E4}">
+                <adec:decorative xmlns:adec="http://schemas.microsoft.com/office/drawing/2017/decorative" val="1"/>
+              </a:ext>
+            </a:extLst>
+          </p:cNvPr>
+          <p:cNvSpPr>
+            <a:spLocks noGrp="1" noRot="1" noChangeAspect="1" noMove="1" noResize="1" noEditPoints="1" noAdjustHandles="1" noChangeArrowheads="1" noChangeShapeType="1" noTextEdit="1"/>
+          </p:cNvSpPr>
+          <p:nvPr>
+            <p:extLst>
+              <p:ext uri="{386F3935-93C4-4BCD-93E2-E3B085C9AB24}">
+                <p16:designElem xmlns:p16="http://schemas.microsoft.com/office/powerpoint/2015/main" val="1"/>
+              </p:ext>
+            </p:extLst>
+          </p:nvPr>
+        </p:nvSpPr>
+        <p:spPr>
+          <a:xfrm>
+            <a:off x="3149972" y="3121681"/>
+            <a:ext cx="8100269" cy="4556401"/>
+          </a:xfrm>
+          <a:prstGeom prst="rect">
+            <a:avLst/>
+          </a:prstGeom>
+          <a:ln>
+            <a:noFill/>
+          </a:ln>
+        </p:spPr>
+        <p:style>
+          <a:lnRef idx="2">
+            <a:schemeClr val="accent1">
+              <a:shade val="50000"/>
+            </a:schemeClr>
+          </a:lnRef>
+          <a:fillRef idx="1">
+            <a:schemeClr val="accent1"/>
+          </a:fillRef>
+          <a:effectRef idx="0">
+            <a:schemeClr val="accent1"/>
+          </a:effectRef>
+          <a:fontRef idx="minor">
+            <a:schemeClr val="lt1"/>
+          </a:fontRef>
+        </p:style>
+        <p:txBody>
+          <a:bodyPr rtlCol="0" anchor="ctr"/>
+          <a:lstStyle/>
+          <a:p>
+            <a:pPr algn="ctr">
+              <a:defRPr/>
+            </a:pPr>
+            <a:endParaRPr lang="en-US" sz="1196" dirty="0">
+              <a:solidFill>
+                <a:prstClr val="black">
+                  <a:lumMod val="65000"/>
+                  <a:lumOff val="35000"/>
+                </a:prstClr>
+              </a:solidFill>
+              <a:latin typeface="AvenirNext LT Pro Medium" panose="020B0504020202020204" pitchFamily="34" charset="0"/>
+            </a:endParaRPr>
+          </a:p>
+        </p:txBody>
+      </p:sp>
+      <p:sp>
+        <p:nvSpPr>
+          <p:cNvPr id="16" name="Rectangle 15">
+            <a:extLst>
+              <a:ext uri="{FF2B5EF4-FFF2-40B4-BE49-F238E27FC236}">
+                <a16:creationId xmlns:a16="http://schemas.microsoft.com/office/drawing/2014/main" id="{5E4ECE80-3AD1-450C-B62A-98788F193948}"/>
+              </a:ext>
+              <a:ext uri="{C183D7F6-B498-43B3-948B-1728B52AA6E4}">
+                <adec:decorative xmlns:adec="http://schemas.microsoft.com/office/drawing/2017/decorative" val="1"/>
+              </a:ext>
+            </a:extLst>
+          </p:cNvPr>
+          <p:cNvSpPr>
+            <a:spLocks noGrp="1" noRot="1" noChangeAspect="1" noMove="1" noResize="1" noEditPoints="1" noAdjustHandles="1" noChangeArrowheads="1" noChangeShapeType="1" noTextEdit="1"/>
+          </p:cNvSpPr>
+          <p:nvPr>
+            <p:extLst>
+              <p:ext uri="{386F3935-93C4-4BCD-93E2-E3B085C9AB24}">
+                <p16:designElem xmlns:p16="http://schemas.microsoft.com/office/powerpoint/2015/main" val="1"/>
+              </p:ext>
+            </p:extLst>
+          </p:nvPr>
+        </p:nvSpPr>
+        <p:spPr>
+          <a:xfrm>
+            <a:off x="3149972" y="3121681"/>
+            <a:ext cx="8100269" cy="4556401"/>
+          </a:xfrm>
+          <a:prstGeom prst="rect">
+            <a:avLst/>
+          </a:prstGeom>
+          <a:solidFill>
+            <a:srgbClr val="000000"/>
+          </a:solidFill>
+          <a:ln>
+            <a:noFill/>
+          </a:ln>
+        </p:spPr>
+        <p:style>
+          <a:lnRef idx="2">
+            <a:schemeClr val="accent1">
+              <a:shade val="50000"/>
+            </a:schemeClr>
+          </a:lnRef>
+          <a:fillRef idx="1">
+            <a:schemeClr val="accent1"/>
+          </a:fillRef>
+          <a:effectRef idx="0">
+            <a:schemeClr val="accent1"/>
+          </a:effectRef>
+          <a:fontRef idx="minor">
+            <a:schemeClr val="lt1"/>
+          </a:fontRef>
+        </p:style>
+        <p:txBody>
+          <a:bodyPr rtlCol="0" anchor="ctr"/>
+          <a:lstStyle/>
+          <a:p>
+            <a:pPr algn="ctr">
+              <a:defRPr/>
+            </a:pPr>
+            <a:endParaRPr lang="en-US" sz="1196" dirty="0">
+              <a:solidFill>
+                <a:prstClr val="black">
+                  <a:lumMod val="65000"/>
+                  <a:lumOff val="35000"/>
+                </a:prstClr>
+              </a:solidFill>
+              <a:latin typeface="AvenirNext LT Pro Medium" panose="020B0504020202020204" pitchFamily="34" charset="0"/>
+            </a:endParaRPr>
+          </a:p>
+        </p:txBody>
+      </p:sp>
+      <p:pic>
+        <p:nvPicPr>
+          <p:cNvPr id="5" name="Imagem 4">
+            <a:extLst>
+              <a:ext uri="{FF2B5EF4-FFF2-40B4-BE49-F238E27FC236}">
+                <a16:creationId xmlns:a16="http://schemas.microsoft.com/office/drawing/2014/main" id="{F1433EF1-FB6D-4913-96C9-08F0B1B3CA7A}"/>
+              </a:ext>
+            </a:extLst>
+          </p:cNvPr>
+          <p:cNvPicPr>
+            <a:picLocks noChangeAspect="1"/>
+          </p:cNvPicPr>
+          <p:nvPr/>
+        </p:nvPicPr>
+        <p:blipFill rotWithShape="1">
+          <a:blip r:embed="rId3">
+            <a:alphaModFix/>
+            <a:extLst>
+              <a:ext uri="{28A0092B-C50C-407E-A947-70E740481C1C}">
+                <a14:useLocalDpi xmlns:a14="http://schemas.microsoft.com/office/drawing/2010/main" val="0"/>
+              </a:ext>
+            </a:extLst>
+          </a:blip>
+          <a:srcRect l="5233" t="-2125" r="6244" b="-538"/>
+          <a:stretch/>
+        </p:blipFill>
+        <p:spPr>
+          <a:xfrm>
+            <a:off x="-1" y="-347792"/>
+            <a:ext cx="14400213" cy="11147555"/>
+          </a:xfrm>
+          <a:prstGeom prst="rect">
+            <a:avLst/>
+          </a:prstGeom>
+        </p:spPr>
+      </p:pic>
+      <p:sp>
+        <p:nvSpPr>
+          <p:cNvPr id="50" name="Retângulo 49">
+            <a:extLst>
+              <a:ext uri="{FF2B5EF4-FFF2-40B4-BE49-F238E27FC236}">
+                <a16:creationId xmlns:a16="http://schemas.microsoft.com/office/drawing/2014/main" id="{50614AED-75DE-4550-9029-54313F89BD12}"/>
+              </a:ext>
+            </a:extLst>
+          </p:cNvPr>
+          <p:cNvSpPr/>
+          <p:nvPr/>
+        </p:nvSpPr>
+        <p:spPr>
+          <a:xfrm>
+            <a:off x="3186646" y="311571"/>
+            <a:ext cx="8052791" cy="992583"/>
+          </a:xfrm>
+          <a:prstGeom prst="rect">
+            <a:avLst/>
+          </a:prstGeom>
+          <a:noFill/>
+        </p:spPr>
+        <p:txBody>
+          <a:bodyPr wrap="square" lIns="68584" tIns="34292" rIns="68584" bIns="34292">
+            <a:spAutoFit/>
+          </a:bodyPr>
+          <a:lstStyle/>
+          <a:p>
+            <a:pPr algn="ctr"/>
+            <a:r>
+              <a:rPr lang="pt-BR" sz="6000" dirty="0">
+                <a:ln w="38100">
+                  <a:solidFill>
+                    <a:schemeClr val="bg1"/>
+                  </a:solidFill>
+                </a:ln>
+                <a:solidFill>
+                  <a:srgbClr val="00B050"/>
+                </a:solidFill>
+                <a:effectLst>
+                  <a:outerShdw blurRad="38100" dist="19050" dir="2700000" algn="tl" rotWithShape="0">
+                    <a:schemeClr val="dk1">
+                      <a:alpha val="40000"/>
+                    </a:schemeClr>
+                  </a:outerShdw>
+                </a:effectLst>
+                <a:latin typeface="Exo 2 Extra Bold" panose="00000900000000000000" pitchFamily="50" charset="0"/>
+              </a:rPr>
+              <a:t>Liga Principal</a:t>
+            </a:r>
+          </a:p>
+        </p:txBody>
+      </p:sp>
+      <p:sp>
+        <p:nvSpPr>
+          <p:cNvPr id="53" name="Retângulo 52">
+            <a:extLst>
+              <a:ext uri="{FF2B5EF4-FFF2-40B4-BE49-F238E27FC236}">
+                <a16:creationId xmlns:a16="http://schemas.microsoft.com/office/drawing/2014/main" id="{F101E0BF-8A68-40B9-BC26-35C299182F52}"/>
+              </a:ext>
+            </a:extLst>
+          </p:cNvPr>
+          <p:cNvSpPr/>
+          <p:nvPr/>
+        </p:nvSpPr>
+        <p:spPr>
+          <a:xfrm>
+            <a:off x="336776" y="1104608"/>
+            <a:ext cx="13909452" cy="1177249"/>
+          </a:xfrm>
+          <a:prstGeom prst="rect">
+            <a:avLst/>
+          </a:prstGeom>
+          <a:noFill/>
+        </p:spPr>
+        <p:txBody>
+          <a:bodyPr wrap="square" lIns="68584" tIns="34292" rIns="68584" bIns="34292">
+            <a:spAutoFit/>
+          </a:bodyPr>
+          <a:lstStyle/>
+          <a:p>
+            <a:pPr algn="ctr"/>
+            <a:r>
+              <a:rPr lang="pt-BR" sz="7200" dirty="0">
+                <a:ln w="0">
+                  <a:noFill/>
+                </a:ln>
+                <a:effectLst>
+                  <a:outerShdw blurRad="38100" dist="19050" dir="2700000" algn="tl" rotWithShape="0">
+                    <a:schemeClr val="dk1">
+                      <a:alpha val="40000"/>
+                    </a:schemeClr>
+                  </a:outerShdw>
+                </a:effectLst>
+                <a:latin typeface="Exo 2 Extra Bold" panose="00000900000000000000" pitchFamily="50" charset="0"/>
+              </a:rPr>
+              <a:t>MATA-MATA SÉRIE C 2</a:t>
+            </a:r>
+          </a:p>
+        </p:txBody>
+      </p:sp>
+      <p:pic>
+        <p:nvPicPr>
+          <p:cNvPr id="15" name="Imagem 14">
+            <a:extLst>
+              <a:ext uri="{FF2B5EF4-FFF2-40B4-BE49-F238E27FC236}">
+                <a16:creationId xmlns:a16="http://schemas.microsoft.com/office/drawing/2014/main" id="{780D6AE4-2B31-43CF-8A3B-9ACC73C32FE9}"/>
+              </a:ext>
+            </a:extLst>
+          </p:cNvPr>
+          <p:cNvPicPr>
+            <a:picLocks noChangeAspect="1"/>
+          </p:cNvPicPr>
+          <p:nvPr/>
+        </p:nvPicPr>
+        <p:blipFill>
+          <a:blip r:embed="rId4">
+            <a:extLst>
+              <a:ext uri="{28A0092B-C50C-407E-A947-70E740481C1C}">
+                <a14:useLocalDpi xmlns:a14="http://schemas.microsoft.com/office/drawing/2010/main" val="0"/>
+              </a:ext>
+            </a:extLst>
+          </a:blip>
+          <a:stretch>
+            <a:fillRect/>
+          </a:stretch>
+        </p:blipFill>
+        <p:spPr>
+          <a:xfrm>
+            <a:off x="336776" y="194284"/>
+            <a:ext cx="2059134" cy="2160000"/>
+          </a:xfrm>
+          <a:prstGeom prst="rect">
+            <a:avLst/>
+          </a:prstGeom>
+        </p:spPr>
+      </p:pic>
+      <p:sp>
+        <p:nvSpPr>
+          <p:cNvPr id="10" name="Retângulo 9">
+            <a:extLst>
+              <a:ext uri="{FF2B5EF4-FFF2-40B4-BE49-F238E27FC236}">
+                <a16:creationId xmlns:a16="http://schemas.microsoft.com/office/drawing/2014/main" id="{838BDC98-3287-4575-8574-56F716FB2440}"/>
+              </a:ext>
+            </a:extLst>
+          </p:cNvPr>
+          <p:cNvSpPr/>
+          <p:nvPr/>
+        </p:nvSpPr>
+        <p:spPr>
+          <a:xfrm>
+            <a:off x="581891" y="2892935"/>
+            <a:ext cx="13267927" cy="3039825"/>
+          </a:xfrm>
+          <a:prstGeom prst="rect">
+            <a:avLst/>
+          </a:prstGeom>
+          <a:solidFill>
+            <a:schemeClr val="tx1">
+              <a:alpha val="81000"/>
+            </a:schemeClr>
+          </a:solidFill>
+        </p:spPr>
+        <p:style>
+          <a:lnRef idx="2">
+            <a:schemeClr val="accent1">
+              <a:shade val="50000"/>
+            </a:schemeClr>
+          </a:lnRef>
+          <a:fillRef idx="1">
+            <a:schemeClr val="accent1"/>
+          </a:fillRef>
+          <a:effectRef idx="0">
+            <a:schemeClr val="accent1"/>
+          </a:effectRef>
+          <a:fontRef idx="minor">
+            <a:schemeClr val="lt1"/>
+          </a:fontRef>
+        </p:style>
+        <p:txBody>
+          <a:bodyPr rtlCol="0" anchor="ctr"/>
+          <a:lstStyle/>
+          <a:p>
+            <a:pPr algn="ctr"/>
+            <a:endParaRPr lang="pt-BR"/>
+          </a:p>
+        </p:txBody>
+      </p:sp>
+      <p:sp>
+        <p:nvSpPr>
+          <p:cNvPr id="21" name="Retângulo 20">
+            <a:extLst>
+              <a:ext uri="{FF2B5EF4-FFF2-40B4-BE49-F238E27FC236}">
+                <a16:creationId xmlns:a16="http://schemas.microsoft.com/office/drawing/2014/main" id="{95EDB8CB-8377-4925-B478-560C3F615037}"/>
+              </a:ext>
+            </a:extLst>
+          </p:cNvPr>
+          <p:cNvSpPr/>
+          <p:nvPr/>
+        </p:nvSpPr>
+        <p:spPr>
+          <a:xfrm>
+            <a:off x="581891" y="6704292"/>
+            <a:ext cx="13267927" cy="3038400"/>
+          </a:xfrm>
+          <a:prstGeom prst="rect">
+            <a:avLst/>
+          </a:prstGeom>
+          <a:solidFill>
+            <a:schemeClr val="tx1">
+              <a:alpha val="81000"/>
+            </a:schemeClr>
+          </a:solidFill>
+        </p:spPr>
+        <p:style>
+          <a:lnRef idx="2">
+            <a:schemeClr val="accent1">
+              <a:shade val="50000"/>
+            </a:schemeClr>
+          </a:lnRef>
+          <a:fillRef idx="1">
+            <a:schemeClr val="accent1"/>
+          </a:fillRef>
+          <a:effectRef idx="0">
+            <a:schemeClr val="accent1"/>
+          </a:effectRef>
+          <a:fontRef idx="minor">
+            <a:schemeClr val="lt1"/>
+          </a:fontRef>
+        </p:style>
+        <p:txBody>
+          <a:bodyPr rtlCol="0" anchor="ctr"/>
+          <a:lstStyle/>
+          <a:p>
+            <a:pPr algn="ctr"/>
+            <a:endParaRPr lang="pt-BR"/>
+          </a:p>
+        </p:txBody>
+      </p:sp>
+      <p:sp>
+        <p:nvSpPr>
+          <p:cNvPr id="23" name="Retângulo 22">
+            <a:extLst>
+              <a:ext uri="{FF2B5EF4-FFF2-40B4-BE49-F238E27FC236}">
+                <a16:creationId xmlns:a16="http://schemas.microsoft.com/office/drawing/2014/main" id="{ED87CD67-A438-4F74-986A-3704AF997953}"/>
+              </a:ext>
+            </a:extLst>
+          </p:cNvPr>
+          <p:cNvSpPr/>
+          <p:nvPr/>
+        </p:nvSpPr>
+        <p:spPr>
+          <a:xfrm>
+            <a:off x="5308448" y="2906454"/>
+            <a:ext cx="3789504" cy="684807"/>
+          </a:xfrm>
+          <a:prstGeom prst="rect">
+            <a:avLst/>
+          </a:prstGeom>
+          <a:noFill/>
+        </p:spPr>
+        <p:txBody>
+          <a:bodyPr wrap="square" lIns="68584" tIns="34292" rIns="68584" bIns="34292">
+            <a:spAutoFit/>
+          </a:bodyPr>
+          <a:lstStyle/>
+          <a:p>
+            <a:pPr algn="ctr"/>
+            <a:r>
+              <a:rPr lang="pt-BR" sz="4000" dirty="0">
+                <a:ln w="0">
+                  <a:noFill/>
+                </a:ln>
+                <a:solidFill>
+                  <a:srgbClr val="0070C0"/>
+                </a:solidFill>
+                <a:effectLst>
+                  <a:outerShdw blurRad="38100" dist="19050" dir="2700000" algn="tl" rotWithShape="0">
+                    <a:schemeClr val="dk1">
+                      <a:alpha val="40000"/>
+                    </a:schemeClr>
+                  </a:outerShdw>
+                </a:effectLst>
+                <a:latin typeface="Exo 2 Extra Bold" panose="00000900000000000000" pitchFamily="50" charset="0"/>
+              </a:rPr>
+              <a:t>Final</a:t>
+            </a:r>
+          </a:p>
+        </p:txBody>
+      </p:sp>
+      <p:sp>
+        <p:nvSpPr>
+          <p:cNvPr id="24" name="Retângulo 23">
+            <a:extLst>
+              <a:ext uri="{FF2B5EF4-FFF2-40B4-BE49-F238E27FC236}">
+                <a16:creationId xmlns:a16="http://schemas.microsoft.com/office/drawing/2014/main" id="{522A4ACC-EC27-4A14-BA66-B0EB03535C7B}"/>
+              </a:ext>
+            </a:extLst>
+          </p:cNvPr>
+          <p:cNvSpPr/>
+          <p:nvPr/>
+        </p:nvSpPr>
+        <p:spPr>
+          <a:xfrm>
+            <a:off x="5321993" y="6726594"/>
+            <a:ext cx="3789503" cy="684807"/>
+          </a:xfrm>
+          <a:prstGeom prst="rect">
+            <a:avLst/>
+          </a:prstGeom>
+          <a:noFill/>
+        </p:spPr>
+        <p:txBody>
+          <a:bodyPr wrap="square" lIns="68584" tIns="34292" rIns="68584" bIns="34292">
+            <a:spAutoFit/>
+          </a:bodyPr>
+          <a:lstStyle/>
+          <a:p>
+            <a:pPr algn="ctr"/>
+            <a:r>
+              <a:rPr lang="pt-BR" sz="4000" dirty="0">
+                <a:ln w="0">
+                  <a:noFill/>
+                </a:ln>
+                <a:solidFill>
+                  <a:srgbClr val="0070C0"/>
+                </a:solidFill>
+                <a:effectLst>
+                  <a:outerShdw blurRad="38100" dist="19050" dir="2700000" algn="tl" rotWithShape="0">
+                    <a:schemeClr val="dk1">
+                      <a:alpha val="40000"/>
+                    </a:schemeClr>
+                  </a:outerShdw>
+                </a:effectLst>
+                <a:latin typeface="Exo 2 Extra Bold" panose="00000900000000000000" pitchFamily="50" charset="0"/>
+              </a:rPr>
+              <a:t>3º Lugar</a:t>
+            </a:r>
+          </a:p>
+        </p:txBody>
+      </p:sp>
+      <p:pic>
+        <p:nvPicPr>
+          <p:cNvPr id="2" name="Imagem 1">
+            <a:extLst>
+              <a:ext uri="{FF2B5EF4-FFF2-40B4-BE49-F238E27FC236}">
+                <a16:creationId xmlns:a16="http://schemas.microsoft.com/office/drawing/2014/main" id="{F7E77FFA-E3B9-4BA3-9340-F08F7F50B63F}"/>
+              </a:ext>
+            </a:extLst>
+          </p:cNvPr>
+          <p:cNvPicPr>
+            <a:picLocks noChangeAspect="1"/>
+          </p:cNvPicPr>
+          <p:nvPr/>
+        </p:nvPicPr>
+        <p:blipFill>
+          <a:blip r:embed="rId5"/>
+          <a:stretch>
+            <a:fillRect/>
+          </a:stretch>
+        </p:blipFill>
+        <p:spPr>
+          <a:xfrm>
+            <a:off x="911744" y="4039885"/>
+            <a:ext cx="12600000" cy="1054245"/>
+          </a:xfrm>
+          <a:prstGeom prst="rect">
+            <a:avLst/>
+          </a:prstGeom>
+        </p:spPr>
+      </p:pic>
+      <p:pic>
+        <p:nvPicPr>
+          <p:cNvPr id="3" name="Imagem 2">
+            <a:extLst>
+              <a:ext uri="{FF2B5EF4-FFF2-40B4-BE49-F238E27FC236}">
+                <a16:creationId xmlns:a16="http://schemas.microsoft.com/office/drawing/2014/main" id="{A92ADFA9-CAC0-48FF-B052-748A47B49FE8}"/>
+              </a:ext>
+            </a:extLst>
+          </p:cNvPr>
+          <p:cNvPicPr>
+            <a:picLocks noChangeAspect="1"/>
+          </p:cNvPicPr>
+          <p:nvPr/>
+        </p:nvPicPr>
+        <p:blipFill>
+          <a:blip r:embed="rId6"/>
+          <a:stretch>
+            <a:fillRect/>
+          </a:stretch>
+        </p:blipFill>
+        <p:spPr>
+          <a:xfrm>
+            <a:off x="913581" y="7945200"/>
+            <a:ext cx="12600000" cy="1054245"/>
+          </a:xfrm>
+          <a:prstGeom prst="rect">
+            <a:avLst/>
+          </a:prstGeom>
+        </p:spPr>
+      </p:pic>
+    </p:spTree>
+    <p:extLst>
+      <p:ext uri="{BB962C8B-B14F-4D97-AF65-F5344CB8AC3E}">
+        <p14:creationId xmlns:p14="http://schemas.microsoft.com/office/powerpoint/2010/main" val="591961572"/>
       </p:ext>
     </p:extLst>
   </p:cSld>

--- a/MataMataPlanilha.pptx
+++ b/MataMataPlanilha.pptx
@@ -6,11 +6,13 @@
   </p:sldMasterIdLst>
   <p:sldIdLst>
     <p:sldId id="264" r:id="rId2"/>
-    <p:sldId id="265" r:id="rId3"/>
-    <p:sldId id="266" r:id="rId4"/>
-    <p:sldId id="267" r:id="rId5"/>
-    <p:sldId id="268" r:id="rId6"/>
-    <p:sldId id="269" r:id="rId7"/>
+    <p:sldId id="270" r:id="rId3"/>
+    <p:sldId id="271" r:id="rId4"/>
+    <p:sldId id="265" r:id="rId5"/>
+    <p:sldId id="266" r:id="rId6"/>
+    <p:sldId id="267" r:id="rId7"/>
+    <p:sldId id="268" r:id="rId8"/>
+    <p:sldId id="269" r:id="rId9"/>
   </p:sldIdLst>
   <p:sldSz cx="14400213" cy="10799763"/>
   <p:notesSz cx="6858000" cy="9144000"/>
@@ -291,7 +293,7 @@
             <a:fld id="{11A6662E-FAF4-44BC-88B5-85A7CBFB6D30}" type="datetime1">
               <a:rPr lang="en-US" smtClean="0"/>
               <a:pPr/>
-              <a:t>7/27/2021</a:t>
+              <a:t>7/29/2021</a:t>
             </a:fld>
             <a:endParaRPr lang="en-US" dirty="0"/>
           </a:p>
@@ -518,7 +520,7 @@
           <a:p>
             <a:fld id="{4C559632-1575-4E14-B53B-3DC3D5ED3947}" type="datetime1">
               <a:rPr lang="en-US" smtClean="0"/>
-              <a:t>7/27/2021</a:t>
+              <a:t>7/29/2021</a:t>
             </a:fld>
             <a:endParaRPr lang="en-US"/>
           </a:p>
@@ -726,7 +728,7 @@
           <a:p>
             <a:fld id="{CC4A6868-2568-4CC9-B302-F37117B01A6E}" type="datetime1">
               <a:rPr lang="en-US" smtClean="0"/>
-              <a:t>7/27/2021</a:t>
+              <a:t>7/29/2021</a:t>
             </a:fld>
             <a:endParaRPr lang="en-US"/>
           </a:p>
@@ -931,7 +933,7 @@
           <a:p>
             <a:fld id="{0055F08A-1E71-4B2B-BB49-E743F2903911}" type="datetime1">
               <a:rPr lang="en-US" smtClean="0"/>
-              <a:t>7/27/2021</a:t>
+              <a:t>7/29/2021</a:t>
             </a:fld>
             <a:endParaRPr lang="en-US" dirty="0"/>
           </a:p>
@@ -1205,7 +1207,7 @@
           <a:p>
             <a:fld id="{15417D9E-721A-44BB-8863-9873FE64DA75}" type="datetime1">
               <a:rPr lang="en-US" smtClean="0"/>
-              <a:t>7/27/2021</a:t>
+              <a:t>7/29/2021</a:t>
             </a:fld>
             <a:endParaRPr lang="en-US"/>
           </a:p>
@@ -1478,7 +1480,7 @@
           <a:p>
             <a:fld id="{5F31DA2F-80B8-49CF-99FB-5ABCA53A607A}" type="datetime1">
               <a:rPr lang="en-US" smtClean="0"/>
-              <a:t>7/27/2021</a:t>
+              <a:t>7/29/2021</a:t>
             </a:fld>
             <a:endParaRPr lang="en-US"/>
           </a:p>
@@ -1893,7 +1895,7 @@
           <a:p>
             <a:fld id="{28852172-E6C9-4B6C-929A-A9DE3837BBF1}" type="datetime1">
               <a:rPr lang="en-US" smtClean="0"/>
-              <a:t>7/27/2021</a:t>
+              <a:t>7/29/2021</a:t>
             </a:fld>
             <a:endParaRPr lang="en-US"/>
           </a:p>
@@ -2045,7 +2047,7 @@
           <a:p>
             <a:fld id="{3AB41CFF-90C9-47B3-9DA1-F2BF8D839F7E}" type="datetime1">
               <a:rPr lang="en-US" smtClean="0"/>
-              <a:t>7/27/2021</a:t>
+              <a:t>7/29/2021</a:t>
             </a:fld>
             <a:endParaRPr lang="en-US"/>
           </a:p>
@@ -2158,7 +2160,7 @@
           <a:p>
             <a:fld id="{F06048FA-06AB-4884-A69B-986B96E68A24}" type="datetime1">
               <a:rPr lang="en-US" smtClean="0"/>
-              <a:t>7/27/2021</a:t>
+              <a:t>7/29/2021</a:t>
             </a:fld>
             <a:endParaRPr lang="en-US"/>
           </a:p>
@@ -2469,7 +2471,7 @@
           <a:p>
             <a:fld id="{50DB7ABA-0172-4F9C-889D-567164F66BCD}" type="datetime1">
               <a:rPr lang="en-US" smtClean="0"/>
-              <a:t>7/27/2021</a:t>
+              <a:t>7/29/2021</a:t>
             </a:fld>
             <a:endParaRPr lang="en-US"/>
           </a:p>
@@ -2760,7 +2762,7 @@
           <a:p>
             <a:fld id="{78AC6A5B-8AE7-4A41-B5A7-9ADC6686DC18}" type="datetime1">
               <a:rPr lang="en-US" smtClean="0"/>
-              <a:t>7/27/2021</a:t>
+              <a:t>7/29/2021</a:t>
             </a:fld>
             <a:endParaRPr lang="en-US"/>
           </a:p>
@@ -3069,7 +3071,7 @@
             <a:fld id="{57E0CF6C-748E-4B7A-BC8B-3011EF78ED13}" type="datetime1">
               <a:rPr lang="en-US" smtClean="0"/>
               <a:pPr/>
-              <a:t>7/27/2021</a:t>
+              <a:t>7/29/2021</a:t>
             </a:fld>
             <a:endParaRPr lang="en-US" dirty="0"/>
           </a:p>
@@ -4693,7 +4695,7 @@
                 </a:effectLst>
                 <a:latin typeface="Exo 2 Extra Bold" panose="00000900000000000000" pitchFamily="50" charset="0"/>
               </a:rPr>
-              <a:t>MATA-MATA SÉRIE C 2</a:t>
+              <a:t>MATA-MATA SÉRIE A 3</a:t>
             </a:r>
           </a:p>
         </p:txBody>
@@ -4748,8 +4750,8 @@
         </p:nvSpPr>
         <p:spPr>
           <a:xfrm>
-            <a:off x="2888673" y="2227185"/>
-            <a:ext cx="8624453" cy="4212000"/>
+            <a:off x="178700" y="2996119"/>
+            <a:ext cx="6850745" cy="6618957"/>
           </a:xfrm>
           <a:prstGeom prst="rect">
             <a:avLst/>
@@ -4799,8 +4801,8 @@
         </p:nvSpPr>
         <p:spPr>
           <a:xfrm>
-            <a:off x="2887087" y="6505978"/>
-            <a:ext cx="8624453" cy="4212000"/>
+            <a:off x="7395483" y="2996119"/>
+            <a:ext cx="6850745" cy="6622759"/>
           </a:xfrm>
           <a:prstGeom prst="rect">
             <a:avLst/>
@@ -4850,8 +4852,8 @@
         </p:nvSpPr>
         <p:spPr>
           <a:xfrm>
-            <a:off x="5308448" y="2179089"/>
-            <a:ext cx="3789504" cy="684807"/>
+            <a:off x="2102178" y="2948022"/>
+            <a:ext cx="3010153" cy="684807"/>
           </a:xfrm>
           <a:prstGeom prst="rect">
             <a:avLst/>
@@ -4901,8 +4903,8 @@
         </p:nvSpPr>
         <p:spPr>
           <a:xfrm>
-            <a:off x="5321993" y="6456434"/>
-            <a:ext cx="3789503" cy="684807"/>
+            <a:off x="9315778" y="2946575"/>
+            <a:ext cx="3010153" cy="684807"/>
           </a:xfrm>
           <a:prstGeom prst="rect">
             <a:avLst/>
@@ -4940,10 +4942,10 @@
       </p:sp>
       <p:pic>
         <p:nvPicPr>
-          <p:cNvPr id="4" name="Imagem 3">
-            <a:extLst>
-              <a:ext uri="{FF2B5EF4-FFF2-40B4-BE49-F238E27FC236}">
-                <a16:creationId xmlns:a16="http://schemas.microsoft.com/office/drawing/2014/main" id="{512B9476-6A18-41D0-9B5B-12DF7EF0B1C3}"/>
+          <p:cNvPr id="6" name="Imagem 5">
+            <a:extLst>
+              <a:ext uri="{FF2B5EF4-FFF2-40B4-BE49-F238E27FC236}">
+                <a16:creationId xmlns:a16="http://schemas.microsoft.com/office/drawing/2014/main" id="{9B4FD904-D82C-4A82-8176-0997459CE424}"/>
               </a:ext>
             </a:extLst>
           </p:cNvPr>
@@ -4960,8 +4962,8 @@
         </p:blipFill>
         <p:spPr>
           <a:xfrm>
-            <a:off x="3248992" y="2977248"/>
-            <a:ext cx="7920000" cy="3273293"/>
+            <a:off x="347228" y="3872449"/>
+            <a:ext cx="6531196" cy="5580000"/>
           </a:xfrm>
           <a:prstGeom prst="rect">
             <a:avLst/>
@@ -4970,10 +4972,10 @@
       </p:pic>
       <p:pic>
         <p:nvPicPr>
-          <p:cNvPr id="6" name="Imagem 5">
-            <a:extLst>
-              <a:ext uri="{FF2B5EF4-FFF2-40B4-BE49-F238E27FC236}">
-                <a16:creationId xmlns:a16="http://schemas.microsoft.com/office/drawing/2014/main" id="{5414BE82-7E93-4FD0-B725-E6977C813D18}"/>
+          <p:cNvPr id="8" name="Imagem 7">
+            <a:extLst>
+              <a:ext uri="{FF2B5EF4-FFF2-40B4-BE49-F238E27FC236}">
+                <a16:creationId xmlns:a16="http://schemas.microsoft.com/office/drawing/2014/main" id="{AF4DBD4C-5CA4-491F-865C-B353B7C1186D}"/>
               </a:ext>
             </a:extLst>
           </p:cNvPr>
@@ -4990,8 +4992,8 @@
         </p:blipFill>
         <p:spPr>
           <a:xfrm>
-            <a:off x="3256744" y="7190785"/>
-            <a:ext cx="7920000" cy="3273293"/>
+            <a:off x="7567445" y="3872449"/>
+            <a:ext cx="6521526" cy="5580000"/>
           </a:xfrm>
           <a:prstGeom prst="rect">
             <a:avLst/>
@@ -5001,7 +5003,7 @@
     </p:spTree>
     <p:extLst>
       <p:ext uri="{BB962C8B-B14F-4D97-AF65-F5344CB8AC3E}">
-        <p14:creationId xmlns:p14="http://schemas.microsoft.com/office/powerpoint/2010/main" val="2137653742"/>
+        <p14:creationId xmlns:p14="http://schemas.microsoft.com/office/powerpoint/2010/main" val="2841975907"/>
       </p:ext>
     </p:extLst>
   </p:cSld>
@@ -5433,7 +5435,7 @@
                 </a:effectLst>
                 <a:latin typeface="Exo 2 Extra Bold" panose="00000900000000000000" pitchFamily="50" charset="0"/>
               </a:rPr>
-              <a:t>MATA-MATA SÉRIE C 2</a:t>
+              <a:t>MATA-MATA SÉRIE C 3</a:t>
             </a:r>
           </a:p>
         </p:txBody>
@@ -5488,8 +5490,8 @@
         </p:nvSpPr>
         <p:spPr>
           <a:xfrm>
-            <a:off x="2888673" y="2227185"/>
-            <a:ext cx="8624453" cy="4212000"/>
+            <a:off x="178700" y="2996119"/>
+            <a:ext cx="6850745" cy="6618957"/>
           </a:xfrm>
           <a:prstGeom prst="rect">
             <a:avLst/>
@@ -5539,8 +5541,8 @@
         </p:nvSpPr>
         <p:spPr>
           <a:xfrm>
-            <a:off x="2887087" y="6505978"/>
-            <a:ext cx="8624453" cy="4212000"/>
+            <a:off x="7395483" y="2996119"/>
+            <a:ext cx="6850745" cy="6622759"/>
           </a:xfrm>
           <a:prstGeom prst="rect">
             <a:avLst/>
@@ -5590,8 +5592,8 @@
         </p:nvSpPr>
         <p:spPr>
           <a:xfrm>
-            <a:off x="5308448" y="2179089"/>
-            <a:ext cx="3789504" cy="684807"/>
+            <a:off x="2102178" y="2948022"/>
+            <a:ext cx="3010153" cy="684807"/>
           </a:xfrm>
           <a:prstGeom prst="rect">
             <a:avLst/>
@@ -5641,8 +5643,8 @@
         </p:nvSpPr>
         <p:spPr>
           <a:xfrm>
-            <a:off x="5321993" y="6456434"/>
-            <a:ext cx="3789503" cy="684807"/>
+            <a:off x="9315778" y="2946575"/>
+            <a:ext cx="3010153" cy="684807"/>
           </a:xfrm>
           <a:prstGeom prst="rect">
             <a:avLst/>
@@ -5680,10 +5682,10 @@
       </p:sp>
       <p:pic>
         <p:nvPicPr>
-          <p:cNvPr id="2" name="Imagem 1">
-            <a:extLst>
-              <a:ext uri="{FF2B5EF4-FFF2-40B4-BE49-F238E27FC236}">
-                <a16:creationId xmlns:a16="http://schemas.microsoft.com/office/drawing/2014/main" id="{3B4805D0-300A-4126-9E98-52EFD65B281A}"/>
+          <p:cNvPr id="6" name="Imagem 5">
+            <a:extLst>
+              <a:ext uri="{FF2B5EF4-FFF2-40B4-BE49-F238E27FC236}">
+                <a16:creationId xmlns:a16="http://schemas.microsoft.com/office/drawing/2014/main" id="{F92420AC-701F-4CC0-AC77-F36BE846F9F2}"/>
               </a:ext>
             </a:extLst>
           </p:cNvPr>
@@ -5700,8 +5702,8 @@
         </p:blipFill>
         <p:spPr>
           <a:xfrm>
-            <a:off x="3250521" y="2977245"/>
-            <a:ext cx="7920000" cy="3273293"/>
+            <a:off x="343972" y="3872449"/>
+            <a:ext cx="6531196" cy="5580000"/>
           </a:xfrm>
           <a:prstGeom prst="rect">
             <a:avLst/>
@@ -5710,10 +5712,10 @@
       </p:pic>
       <p:pic>
         <p:nvPicPr>
-          <p:cNvPr id="3" name="Imagem 2">
-            <a:extLst>
-              <a:ext uri="{FF2B5EF4-FFF2-40B4-BE49-F238E27FC236}">
-                <a16:creationId xmlns:a16="http://schemas.microsoft.com/office/drawing/2014/main" id="{3323EE1A-F29F-457E-BFE1-AEC339BAA3C6}"/>
+          <p:cNvPr id="8" name="Imagem 7">
+            <a:extLst>
+              <a:ext uri="{FF2B5EF4-FFF2-40B4-BE49-F238E27FC236}">
+                <a16:creationId xmlns:a16="http://schemas.microsoft.com/office/drawing/2014/main" id="{D74F05B4-74CE-4E8D-B2DD-442A091391C1}"/>
               </a:ext>
             </a:extLst>
           </p:cNvPr>
@@ -5730,8 +5732,8 @@
         </p:blipFill>
         <p:spPr>
           <a:xfrm>
-            <a:off x="3260095" y="7248012"/>
-            <a:ext cx="7920000" cy="3273293"/>
+            <a:off x="7563185" y="3872449"/>
+            <a:ext cx="6521526" cy="5580000"/>
           </a:xfrm>
           <a:prstGeom prst="rect">
             <a:avLst/>
@@ -5741,7 +5743,7 @@
     </p:spTree>
     <p:extLst>
       <p:ext uri="{BB962C8B-B14F-4D97-AF65-F5344CB8AC3E}">
-        <p14:creationId xmlns:p14="http://schemas.microsoft.com/office/powerpoint/2010/main" val="4244779241"/>
+        <p14:creationId xmlns:p14="http://schemas.microsoft.com/office/powerpoint/2010/main" val="2893842562"/>
       </p:ext>
     </p:extLst>
   </p:cSld>
@@ -6228,8 +6230,8 @@
         </p:nvSpPr>
         <p:spPr>
           <a:xfrm>
-            <a:off x="1911927" y="2227185"/>
-            <a:ext cx="10476677" cy="3934322"/>
+            <a:off x="2888673" y="2227185"/>
+            <a:ext cx="8624453" cy="4212000"/>
           </a:xfrm>
           <a:prstGeom prst="rect">
             <a:avLst/>
@@ -6279,8 +6281,8 @@
         </p:nvSpPr>
         <p:spPr>
           <a:xfrm>
-            <a:off x="1911927" y="6505978"/>
-            <a:ext cx="10476677" cy="3934322"/>
+            <a:off x="2887087" y="6505978"/>
+            <a:ext cx="8624453" cy="4212000"/>
           </a:xfrm>
           <a:prstGeom prst="rect">
             <a:avLst/>
@@ -6420,10 +6422,10 @@
       </p:sp>
       <p:pic>
         <p:nvPicPr>
-          <p:cNvPr id="2" name="Imagem 1">
-            <a:extLst>
-              <a:ext uri="{FF2B5EF4-FFF2-40B4-BE49-F238E27FC236}">
-                <a16:creationId xmlns:a16="http://schemas.microsoft.com/office/drawing/2014/main" id="{AF775348-342E-47C4-89EE-F209EA8AED5C}"/>
+          <p:cNvPr id="4" name="Imagem 3">
+            <a:extLst>
+              <a:ext uri="{FF2B5EF4-FFF2-40B4-BE49-F238E27FC236}">
+                <a16:creationId xmlns:a16="http://schemas.microsoft.com/office/drawing/2014/main" id="{512B9476-6A18-41D0-9B5B-12DF7EF0B1C3}"/>
               </a:ext>
             </a:extLst>
           </p:cNvPr>
@@ -6440,8 +6442,8 @@
         </p:blipFill>
         <p:spPr>
           <a:xfrm>
-            <a:off x="2370954" y="3269053"/>
-            <a:ext cx="9720000" cy="1881294"/>
+            <a:off x="3248992" y="2977248"/>
+            <a:ext cx="7920000" cy="3273293"/>
           </a:xfrm>
           <a:prstGeom prst="rect">
             <a:avLst/>
@@ -6450,10 +6452,10 @@
       </p:pic>
       <p:pic>
         <p:nvPicPr>
-          <p:cNvPr id="3" name="Imagem 2">
-            <a:extLst>
-              <a:ext uri="{FF2B5EF4-FFF2-40B4-BE49-F238E27FC236}">
-                <a16:creationId xmlns:a16="http://schemas.microsoft.com/office/drawing/2014/main" id="{387EBEBF-A691-46F6-9D5E-CCC60E53F97E}"/>
+          <p:cNvPr id="6" name="Imagem 5">
+            <a:extLst>
+              <a:ext uri="{FF2B5EF4-FFF2-40B4-BE49-F238E27FC236}">
+                <a16:creationId xmlns:a16="http://schemas.microsoft.com/office/drawing/2014/main" id="{5414BE82-7E93-4FD0-B725-E6977C813D18}"/>
               </a:ext>
             </a:extLst>
           </p:cNvPr>
@@ -6470,8 +6472,8 @@
         </p:blipFill>
         <p:spPr>
           <a:xfrm>
-            <a:off x="2369191" y="7589429"/>
-            <a:ext cx="9720000" cy="1881294"/>
+            <a:off x="3256744" y="7190785"/>
+            <a:ext cx="7920000" cy="3273293"/>
           </a:xfrm>
           <a:prstGeom prst="rect">
             <a:avLst/>
@@ -6481,7 +6483,7 @@
     </p:spTree>
     <p:extLst>
       <p:ext uri="{BB962C8B-B14F-4D97-AF65-F5344CB8AC3E}">
-        <p14:creationId xmlns:p14="http://schemas.microsoft.com/office/powerpoint/2010/main" val="2211690294"/>
+        <p14:creationId xmlns:p14="http://schemas.microsoft.com/office/powerpoint/2010/main" val="2137653742"/>
       </p:ext>
     </p:extLst>
   </p:cSld>
@@ -6968,8 +6970,8 @@
         </p:nvSpPr>
         <p:spPr>
           <a:xfrm>
-            <a:off x="581891" y="2892935"/>
-            <a:ext cx="13267927" cy="3039825"/>
+            <a:off x="2888673" y="2227185"/>
+            <a:ext cx="8624453" cy="4212000"/>
           </a:xfrm>
           <a:prstGeom prst="rect">
             <a:avLst/>
@@ -7019,8 +7021,8 @@
         </p:nvSpPr>
         <p:spPr>
           <a:xfrm>
-            <a:off x="581891" y="6704292"/>
-            <a:ext cx="13267927" cy="3038400"/>
+            <a:off x="2887087" y="6505978"/>
+            <a:ext cx="8624453" cy="4212000"/>
           </a:xfrm>
           <a:prstGeom prst="rect">
             <a:avLst/>
@@ -7070,7 +7072,7 @@
         </p:nvSpPr>
         <p:spPr>
           <a:xfrm>
-            <a:off x="5308448" y="2906454"/>
+            <a:off x="5308448" y="2179089"/>
             <a:ext cx="3789504" cy="684807"/>
           </a:xfrm>
           <a:prstGeom prst="rect">
@@ -7121,7 +7123,7 @@
         </p:nvSpPr>
         <p:spPr>
           <a:xfrm>
-            <a:off x="5321993" y="6726594"/>
+            <a:off x="5321993" y="6456434"/>
             <a:ext cx="3789503" cy="684807"/>
           </a:xfrm>
           <a:prstGeom prst="rect">
@@ -7163,6 +7165,1486 @@
           <p:cNvPr id="2" name="Imagem 1">
             <a:extLst>
               <a:ext uri="{FF2B5EF4-FFF2-40B4-BE49-F238E27FC236}">
+                <a16:creationId xmlns:a16="http://schemas.microsoft.com/office/drawing/2014/main" id="{3B4805D0-300A-4126-9E98-52EFD65B281A}"/>
+              </a:ext>
+            </a:extLst>
+          </p:cNvPr>
+          <p:cNvPicPr>
+            <a:picLocks noChangeAspect="1"/>
+          </p:cNvPicPr>
+          <p:nvPr/>
+        </p:nvPicPr>
+        <p:blipFill>
+          <a:blip r:embed="rId5"/>
+          <a:stretch>
+            <a:fillRect/>
+          </a:stretch>
+        </p:blipFill>
+        <p:spPr>
+          <a:xfrm>
+            <a:off x="3250521" y="2977245"/>
+            <a:ext cx="7920000" cy="3273293"/>
+          </a:xfrm>
+          <a:prstGeom prst="rect">
+            <a:avLst/>
+          </a:prstGeom>
+        </p:spPr>
+      </p:pic>
+      <p:pic>
+        <p:nvPicPr>
+          <p:cNvPr id="3" name="Imagem 2">
+            <a:extLst>
+              <a:ext uri="{FF2B5EF4-FFF2-40B4-BE49-F238E27FC236}">
+                <a16:creationId xmlns:a16="http://schemas.microsoft.com/office/drawing/2014/main" id="{3323EE1A-F29F-457E-BFE1-AEC339BAA3C6}"/>
+              </a:ext>
+            </a:extLst>
+          </p:cNvPr>
+          <p:cNvPicPr>
+            <a:picLocks noChangeAspect="1"/>
+          </p:cNvPicPr>
+          <p:nvPr/>
+        </p:nvPicPr>
+        <p:blipFill>
+          <a:blip r:embed="rId6"/>
+          <a:stretch>
+            <a:fillRect/>
+          </a:stretch>
+        </p:blipFill>
+        <p:spPr>
+          <a:xfrm>
+            <a:off x="3260095" y="7248012"/>
+            <a:ext cx="7920000" cy="3273293"/>
+          </a:xfrm>
+          <a:prstGeom prst="rect">
+            <a:avLst/>
+          </a:prstGeom>
+        </p:spPr>
+      </p:pic>
+    </p:spTree>
+    <p:extLst>
+      <p:ext uri="{BB962C8B-B14F-4D97-AF65-F5344CB8AC3E}">
+        <p14:creationId xmlns:p14="http://schemas.microsoft.com/office/powerpoint/2010/main" val="4244779241"/>
+      </p:ext>
+    </p:extLst>
+  </p:cSld>
+  <p:clrMapOvr>
+    <a:masterClrMapping/>
+  </p:clrMapOvr>
+</p:sld>
+</file>
+
+<file path=ppt/slides/slide6.xml><?xml version="1.0" encoding="utf-8"?>
+<p:sld xmlns:a="http://schemas.openxmlformats.org/drawingml/2006/main" xmlns:r="http://schemas.openxmlformats.org/officeDocument/2006/relationships" xmlns:p="http://schemas.openxmlformats.org/presentationml/2006/main">
+  <p:cSld>
+    <p:bg>
+      <p:bgPr>
+        <a:solidFill>
+          <a:schemeClr val="bg1"/>
+        </a:solidFill>
+        <a:effectLst/>
+      </p:bgPr>
+    </p:bg>
+    <p:spTree>
+      <p:nvGrpSpPr>
+        <p:cNvPr id="1" name=""/>
+        <p:cNvGrpSpPr/>
+        <p:nvPr/>
+      </p:nvGrpSpPr>
+      <p:grpSpPr>
+        <a:xfrm>
+          <a:off x="0" y="0"/>
+          <a:ext cx="0" cy="0"/>
+          <a:chOff x="0" y="0"/>
+          <a:chExt cx="0" cy="0"/>
+        </a:xfrm>
+      </p:grpSpPr>
+      <p:sp>
+        <p:nvSpPr>
+          <p:cNvPr id="13" name="Rectangle 9">
+            <a:extLst>
+              <a:ext uri="{FF2B5EF4-FFF2-40B4-BE49-F238E27FC236}">
+                <a16:creationId xmlns:a16="http://schemas.microsoft.com/office/drawing/2014/main" id="{0BABF38A-8A0D-492E-BD20-6CF4D46B50BD}"/>
+              </a:ext>
+              <a:ext uri="{C183D7F6-B498-43B3-948B-1728B52AA6E4}">
+                <adec:decorative xmlns:adec="http://schemas.microsoft.com/office/drawing/2017/decorative" val="1"/>
+              </a:ext>
+            </a:extLst>
+          </p:cNvPr>
+          <p:cNvSpPr>
+            <a:spLocks noGrp="1" noRot="1" noChangeAspect="1" noMove="1" noResize="1" noEditPoints="1" noAdjustHandles="1" noChangeArrowheads="1" noChangeShapeType="1" noTextEdit="1"/>
+          </p:cNvSpPr>
+          <p:nvPr>
+            <p:extLst>
+              <p:ext uri="{386F3935-93C4-4BCD-93E2-E3B085C9AB24}">
+                <p16:designElem xmlns:p16="http://schemas.microsoft.com/office/powerpoint/2015/main" val="1"/>
+              </p:ext>
+            </p:extLst>
+          </p:nvPr>
+        </p:nvSpPr>
+        <p:spPr>
+          <a:xfrm>
+            <a:off x="3149972" y="3121681"/>
+            <a:ext cx="8100269" cy="4556404"/>
+          </a:xfrm>
+          <a:prstGeom prst="rect">
+            <a:avLst/>
+          </a:prstGeom>
+          <a:solidFill>
+            <a:schemeClr val="bg2">
+              <a:lumMod val="90000"/>
+              <a:alpha val="70000"/>
+            </a:schemeClr>
+          </a:solidFill>
+          <a:ln>
+            <a:noFill/>
+          </a:ln>
+        </p:spPr>
+        <p:style>
+          <a:lnRef idx="2">
+            <a:schemeClr val="accent1">
+              <a:shade val="50000"/>
+            </a:schemeClr>
+          </a:lnRef>
+          <a:fillRef idx="1">
+            <a:schemeClr val="accent1"/>
+          </a:fillRef>
+          <a:effectRef idx="0">
+            <a:schemeClr val="accent1"/>
+          </a:effectRef>
+          <a:fontRef idx="minor">
+            <a:schemeClr val="lt1"/>
+          </a:fontRef>
+        </p:style>
+        <p:txBody>
+          <a:bodyPr rtlCol="0" anchor="ctr"/>
+          <a:lstStyle/>
+          <a:p>
+            <a:pPr algn="ctr">
+              <a:defRPr/>
+            </a:pPr>
+            <a:endParaRPr lang="en-US" sz="1196" dirty="0">
+              <a:solidFill>
+                <a:prstClr val="black">
+                  <a:lumMod val="65000"/>
+                  <a:lumOff val="35000"/>
+                </a:prstClr>
+              </a:solidFill>
+              <a:latin typeface="AvenirNext LT Pro Medium" panose="020B0504020202020204" pitchFamily="34" charset="0"/>
+            </a:endParaRPr>
+          </a:p>
+        </p:txBody>
+      </p:sp>
+      <p:pic>
+        <p:nvPicPr>
+          <p:cNvPr id="12" name="Picture 11">
+            <a:extLst>
+              <a:ext uri="{FF2B5EF4-FFF2-40B4-BE49-F238E27FC236}">
+                <a16:creationId xmlns:a16="http://schemas.microsoft.com/office/drawing/2014/main" id="{BC526B7A-4801-4FD1-95C8-03AF22629E87}"/>
+              </a:ext>
+              <a:ext uri="{C183D7F6-B498-43B3-948B-1728B52AA6E4}">
+                <adec:decorative xmlns:adec="http://schemas.microsoft.com/office/drawing/2017/decorative" val="1"/>
+              </a:ext>
+            </a:extLst>
+          </p:cNvPr>
+          <p:cNvPicPr>
+            <a:picLocks noGrp="1" noRot="1" noChangeAspect="1" noMove="1" noResize="1" noEditPoints="1" noAdjustHandles="1" noChangeArrowheads="1" noChangeShapeType="1" noCrop="1"/>
+          </p:cNvPicPr>
+          <p:nvPr>
+            <p:extLst>
+              <p:ext uri="{386F3935-93C4-4BCD-93E2-E3B085C9AB24}">
+                <p16:designElem xmlns:p16="http://schemas.microsoft.com/office/powerpoint/2015/main" val="1"/>
+              </p:ext>
+            </p:extLst>
+          </p:nvPr>
+        </p:nvPicPr>
+        <p:blipFill>
+          <a:blip r:embed="rId2">
+            <a:alphaModFix amt="10000"/>
+            <a:extLst>
+              <a:ext uri="{28A0092B-C50C-407E-A947-70E740481C1C}">
+                <a14:useLocalDpi xmlns:a14="http://schemas.microsoft.com/office/drawing/2010/main" val="0"/>
+              </a:ext>
+            </a:extLst>
+          </a:blip>
+          <a:stretch>
+            <a:fillRect/>
+          </a:stretch>
+        </p:blipFill>
+        <p:spPr>
+          <a:xfrm>
+            <a:off x="8820159" y="3121682"/>
+            <a:ext cx="2428095" cy="3039825"/>
+          </a:xfrm>
+          <a:prstGeom prst="rect">
+            <a:avLst/>
+          </a:prstGeom>
+        </p:spPr>
+      </p:pic>
+      <p:sp useBgFill="1">
+        <p:nvSpPr>
+          <p:cNvPr id="14" name="Rectangle 13">
+            <a:extLst>
+              <a:ext uri="{FF2B5EF4-FFF2-40B4-BE49-F238E27FC236}">
+                <a16:creationId xmlns:a16="http://schemas.microsoft.com/office/drawing/2014/main" id="{37FDDF72-DE39-4F99-A3C1-DD9D7815D7DB}"/>
+              </a:ext>
+              <a:ext uri="{C183D7F6-B498-43B3-948B-1728B52AA6E4}">
+                <adec:decorative xmlns:adec="http://schemas.microsoft.com/office/drawing/2017/decorative" val="1"/>
+              </a:ext>
+            </a:extLst>
+          </p:cNvPr>
+          <p:cNvSpPr>
+            <a:spLocks noGrp="1" noRot="1" noChangeAspect="1" noMove="1" noResize="1" noEditPoints="1" noAdjustHandles="1" noChangeArrowheads="1" noChangeShapeType="1" noTextEdit="1"/>
+          </p:cNvSpPr>
+          <p:nvPr>
+            <p:extLst>
+              <p:ext uri="{386F3935-93C4-4BCD-93E2-E3B085C9AB24}">
+                <p16:designElem xmlns:p16="http://schemas.microsoft.com/office/powerpoint/2015/main" val="1"/>
+              </p:ext>
+            </p:extLst>
+          </p:nvPr>
+        </p:nvSpPr>
+        <p:spPr>
+          <a:xfrm>
+            <a:off x="3149972" y="3121681"/>
+            <a:ext cx="8100269" cy="4556401"/>
+          </a:xfrm>
+          <a:prstGeom prst="rect">
+            <a:avLst/>
+          </a:prstGeom>
+          <a:ln>
+            <a:noFill/>
+          </a:ln>
+        </p:spPr>
+        <p:style>
+          <a:lnRef idx="2">
+            <a:schemeClr val="accent1">
+              <a:shade val="50000"/>
+            </a:schemeClr>
+          </a:lnRef>
+          <a:fillRef idx="1">
+            <a:schemeClr val="accent1"/>
+          </a:fillRef>
+          <a:effectRef idx="0">
+            <a:schemeClr val="accent1"/>
+          </a:effectRef>
+          <a:fontRef idx="minor">
+            <a:schemeClr val="lt1"/>
+          </a:fontRef>
+        </p:style>
+        <p:txBody>
+          <a:bodyPr rtlCol="0" anchor="ctr"/>
+          <a:lstStyle/>
+          <a:p>
+            <a:pPr algn="ctr">
+              <a:defRPr/>
+            </a:pPr>
+            <a:endParaRPr lang="en-US" sz="1196" dirty="0">
+              <a:solidFill>
+                <a:prstClr val="black">
+                  <a:lumMod val="65000"/>
+                  <a:lumOff val="35000"/>
+                </a:prstClr>
+              </a:solidFill>
+              <a:latin typeface="AvenirNext LT Pro Medium" panose="020B0504020202020204" pitchFamily="34" charset="0"/>
+            </a:endParaRPr>
+          </a:p>
+        </p:txBody>
+      </p:sp>
+      <p:sp>
+        <p:nvSpPr>
+          <p:cNvPr id="16" name="Rectangle 15">
+            <a:extLst>
+              <a:ext uri="{FF2B5EF4-FFF2-40B4-BE49-F238E27FC236}">
+                <a16:creationId xmlns:a16="http://schemas.microsoft.com/office/drawing/2014/main" id="{5E4ECE80-3AD1-450C-B62A-98788F193948}"/>
+              </a:ext>
+              <a:ext uri="{C183D7F6-B498-43B3-948B-1728B52AA6E4}">
+                <adec:decorative xmlns:adec="http://schemas.microsoft.com/office/drawing/2017/decorative" val="1"/>
+              </a:ext>
+            </a:extLst>
+          </p:cNvPr>
+          <p:cNvSpPr>
+            <a:spLocks noGrp="1" noRot="1" noChangeAspect="1" noMove="1" noResize="1" noEditPoints="1" noAdjustHandles="1" noChangeArrowheads="1" noChangeShapeType="1" noTextEdit="1"/>
+          </p:cNvSpPr>
+          <p:nvPr>
+            <p:extLst>
+              <p:ext uri="{386F3935-93C4-4BCD-93E2-E3B085C9AB24}">
+                <p16:designElem xmlns:p16="http://schemas.microsoft.com/office/powerpoint/2015/main" val="1"/>
+              </p:ext>
+            </p:extLst>
+          </p:nvPr>
+        </p:nvSpPr>
+        <p:spPr>
+          <a:xfrm>
+            <a:off x="3149972" y="3121681"/>
+            <a:ext cx="8100269" cy="4556401"/>
+          </a:xfrm>
+          <a:prstGeom prst="rect">
+            <a:avLst/>
+          </a:prstGeom>
+          <a:solidFill>
+            <a:srgbClr val="000000"/>
+          </a:solidFill>
+          <a:ln>
+            <a:noFill/>
+          </a:ln>
+        </p:spPr>
+        <p:style>
+          <a:lnRef idx="2">
+            <a:schemeClr val="accent1">
+              <a:shade val="50000"/>
+            </a:schemeClr>
+          </a:lnRef>
+          <a:fillRef idx="1">
+            <a:schemeClr val="accent1"/>
+          </a:fillRef>
+          <a:effectRef idx="0">
+            <a:schemeClr val="accent1"/>
+          </a:effectRef>
+          <a:fontRef idx="minor">
+            <a:schemeClr val="lt1"/>
+          </a:fontRef>
+        </p:style>
+        <p:txBody>
+          <a:bodyPr rtlCol="0" anchor="ctr"/>
+          <a:lstStyle/>
+          <a:p>
+            <a:pPr algn="ctr">
+              <a:defRPr/>
+            </a:pPr>
+            <a:endParaRPr lang="en-US" sz="1196" dirty="0">
+              <a:solidFill>
+                <a:prstClr val="black">
+                  <a:lumMod val="65000"/>
+                  <a:lumOff val="35000"/>
+                </a:prstClr>
+              </a:solidFill>
+              <a:latin typeface="AvenirNext LT Pro Medium" panose="020B0504020202020204" pitchFamily="34" charset="0"/>
+            </a:endParaRPr>
+          </a:p>
+        </p:txBody>
+      </p:sp>
+      <p:pic>
+        <p:nvPicPr>
+          <p:cNvPr id="5" name="Imagem 4">
+            <a:extLst>
+              <a:ext uri="{FF2B5EF4-FFF2-40B4-BE49-F238E27FC236}">
+                <a16:creationId xmlns:a16="http://schemas.microsoft.com/office/drawing/2014/main" id="{F1433EF1-FB6D-4913-96C9-08F0B1B3CA7A}"/>
+              </a:ext>
+            </a:extLst>
+          </p:cNvPr>
+          <p:cNvPicPr>
+            <a:picLocks noChangeAspect="1"/>
+          </p:cNvPicPr>
+          <p:nvPr/>
+        </p:nvPicPr>
+        <p:blipFill rotWithShape="1">
+          <a:blip r:embed="rId3">
+            <a:alphaModFix/>
+            <a:extLst>
+              <a:ext uri="{28A0092B-C50C-407E-A947-70E740481C1C}">
+                <a14:useLocalDpi xmlns:a14="http://schemas.microsoft.com/office/drawing/2010/main" val="0"/>
+              </a:ext>
+            </a:extLst>
+          </a:blip>
+          <a:srcRect l="5233" t="-2125" r="6244" b="-538"/>
+          <a:stretch/>
+        </p:blipFill>
+        <p:spPr>
+          <a:xfrm>
+            <a:off x="-1" y="-248909"/>
+            <a:ext cx="14400213" cy="11147555"/>
+          </a:xfrm>
+          <a:prstGeom prst="rect">
+            <a:avLst/>
+          </a:prstGeom>
+        </p:spPr>
+      </p:pic>
+      <p:sp>
+        <p:nvSpPr>
+          <p:cNvPr id="50" name="Retângulo 49">
+            <a:extLst>
+              <a:ext uri="{FF2B5EF4-FFF2-40B4-BE49-F238E27FC236}">
+                <a16:creationId xmlns:a16="http://schemas.microsoft.com/office/drawing/2014/main" id="{50614AED-75DE-4550-9029-54313F89BD12}"/>
+              </a:ext>
+            </a:extLst>
+          </p:cNvPr>
+          <p:cNvSpPr/>
+          <p:nvPr/>
+        </p:nvSpPr>
+        <p:spPr>
+          <a:xfrm>
+            <a:off x="3186646" y="311571"/>
+            <a:ext cx="8052791" cy="992583"/>
+          </a:xfrm>
+          <a:prstGeom prst="rect">
+            <a:avLst/>
+          </a:prstGeom>
+          <a:noFill/>
+        </p:spPr>
+        <p:txBody>
+          <a:bodyPr wrap="square" lIns="68584" tIns="34292" rIns="68584" bIns="34292">
+            <a:spAutoFit/>
+          </a:bodyPr>
+          <a:lstStyle/>
+          <a:p>
+            <a:pPr algn="ctr"/>
+            <a:r>
+              <a:rPr lang="pt-BR" sz="6000" dirty="0">
+                <a:ln w="38100">
+                  <a:solidFill>
+                    <a:schemeClr val="bg1"/>
+                  </a:solidFill>
+                </a:ln>
+                <a:solidFill>
+                  <a:srgbClr val="00B050"/>
+                </a:solidFill>
+                <a:effectLst>
+                  <a:outerShdw blurRad="38100" dist="19050" dir="2700000" algn="tl" rotWithShape="0">
+                    <a:schemeClr val="dk1">
+                      <a:alpha val="40000"/>
+                    </a:schemeClr>
+                  </a:outerShdw>
+                </a:effectLst>
+                <a:latin typeface="Exo 2 Extra Bold" panose="00000900000000000000" pitchFamily="50" charset="0"/>
+              </a:rPr>
+              <a:t>Liga Principal</a:t>
+            </a:r>
+          </a:p>
+        </p:txBody>
+      </p:sp>
+      <p:sp>
+        <p:nvSpPr>
+          <p:cNvPr id="53" name="Retângulo 52">
+            <a:extLst>
+              <a:ext uri="{FF2B5EF4-FFF2-40B4-BE49-F238E27FC236}">
+                <a16:creationId xmlns:a16="http://schemas.microsoft.com/office/drawing/2014/main" id="{F101E0BF-8A68-40B9-BC26-35C299182F52}"/>
+              </a:ext>
+            </a:extLst>
+          </p:cNvPr>
+          <p:cNvSpPr/>
+          <p:nvPr/>
+        </p:nvSpPr>
+        <p:spPr>
+          <a:xfrm>
+            <a:off x="336776" y="1104608"/>
+            <a:ext cx="13909452" cy="1177249"/>
+          </a:xfrm>
+          <a:prstGeom prst="rect">
+            <a:avLst/>
+          </a:prstGeom>
+          <a:noFill/>
+        </p:spPr>
+        <p:txBody>
+          <a:bodyPr wrap="square" lIns="68584" tIns="34292" rIns="68584" bIns="34292">
+            <a:spAutoFit/>
+          </a:bodyPr>
+          <a:lstStyle/>
+          <a:p>
+            <a:pPr algn="ctr"/>
+            <a:r>
+              <a:rPr lang="pt-BR" sz="7200" dirty="0">
+                <a:ln w="0">
+                  <a:noFill/>
+                </a:ln>
+                <a:effectLst>
+                  <a:outerShdw blurRad="38100" dist="19050" dir="2700000" algn="tl" rotWithShape="0">
+                    <a:schemeClr val="dk1">
+                      <a:alpha val="40000"/>
+                    </a:schemeClr>
+                  </a:outerShdw>
+                </a:effectLst>
+                <a:latin typeface="Exo 2 Extra Bold" panose="00000900000000000000" pitchFamily="50" charset="0"/>
+              </a:rPr>
+              <a:t>MATA-MATA SÉRIE C 2</a:t>
+            </a:r>
+          </a:p>
+        </p:txBody>
+      </p:sp>
+      <p:pic>
+        <p:nvPicPr>
+          <p:cNvPr id="15" name="Imagem 14">
+            <a:extLst>
+              <a:ext uri="{FF2B5EF4-FFF2-40B4-BE49-F238E27FC236}">
+                <a16:creationId xmlns:a16="http://schemas.microsoft.com/office/drawing/2014/main" id="{780D6AE4-2B31-43CF-8A3B-9ACC73C32FE9}"/>
+              </a:ext>
+            </a:extLst>
+          </p:cNvPr>
+          <p:cNvPicPr>
+            <a:picLocks noChangeAspect="1"/>
+          </p:cNvPicPr>
+          <p:nvPr/>
+        </p:nvPicPr>
+        <p:blipFill>
+          <a:blip r:embed="rId4">
+            <a:extLst>
+              <a:ext uri="{28A0092B-C50C-407E-A947-70E740481C1C}">
+                <a14:useLocalDpi xmlns:a14="http://schemas.microsoft.com/office/drawing/2010/main" val="0"/>
+              </a:ext>
+            </a:extLst>
+          </a:blip>
+          <a:stretch>
+            <a:fillRect/>
+          </a:stretch>
+        </p:blipFill>
+        <p:spPr>
+          <a:xfrm>
+            <a:off x="336776" y="194284"/>
+            <a:ext cx="2059134" cy="2160000"/>
+          </a:xfrm>
+          <a:prstGeom prst="rect">
+            <a:avLst/>
+          </a:prstGeom>
+        </p:spPr>
+      </p:pic>
+      <p:sp>
+        <p:nvSpPr>
+          <p:cNvPr id="10" name="Retângulo 9">
+            <a:extLst>
+              <a:ext uri="{FF2B5EF4-FFF2-40B4-BE49-F238E27FC236}">
+                <a16:creationId xmlns:a16="http://schemas.microsoft.com/office/drawing/2014/main" id="{838BDC98-3287-4575-8574-56F716FB2440}"/>
+              </a:ext>
+            </a:extLst>
+          </p:cNvPr>
+          <p:cNvSpPr/>
+          <p:nvPr/>
+        </p:nvSpPr>
+        <p:spPr>
+          <a:xfrm>
+            <a:off x="1911927" y="2227185"/>
+            <a:ext cx="10476677" cy="3934322"/>
+          </a:xfrm>
+          <a:prstGeom prst="rect">
+            <a:avLst/>
+          </a:prstGeom>
+          <a:solidFill>
+            <a:schemeClr val="tx1">
+              <a:alpha val="81000"/>
+            </a:schemeClr>
+          </a:solidFill>
+        </p:spPr>
+        <p:style>
+          <a:lnRef idx="2">
+            <a:schemeClr val="accent1">
+              <a:shade val="50000"/>
+            </a:schemeClr>
+          </a:lnRef>
+          <a:fillRef idx="1">
+            <a:schemeClr val="accent1"/>
+          </a:fillRef>
+          <a:effectRef idx="0">
+            <a:schemeClr val="accent1"/>
+          </a:effectRef>
+          <a:fontRef idx="minor">
+            <a:schemeClr val="lt1"/>
+          </a:fontRef>
+        </p:style>
+        <p:txBody>
+          <a:bodyPr rtlCol="0" anchor="ctr"/>
+          <a:lstStyle/>
+          <a:p>
+            <a:pPr algn="ctr"/>
+            <a:endParaRPr lang="pt-BR"/>
+          </a:p>
+        </p:txBody>
+      </p:sp>
+      <p:sp>
+        <p:nvSpPr>
+          <p:cNvPr id="21" name="Retângulo 20">
+            <a:extLst>
+              <a:ext uri="{FF2B5EF4-FFF2-40B4-BE49-F238E27FC236}">
+                <a16:creationId xmlns:a16="http://schemas.microsoft.com/office/drawing/2014/main" id="{95EDB8CB-8377-4925-B478-560C3F615037}"/>
+              </a:ext>
+            </a:extLst>
+          </p:cNvPr>
+          <p:cNvSpPr/>
+          <p:nvPr/>
+        </p:nvSpPr>
+        <p:spPr>
+          <a:xfrm>
+            <a:off x="1911927" y="6505978"/>
+            <a:ext cx="10476677" cy="3934322"/>
+          </a:xfrm>
+          <a:prstGeom prst="rect">
+            <a:avLst/>
+          </a:prstGeom>
+          <a:solidFill>
+            <a:schemeClr val="tx1">
+              <a:alpha val="81000"/>
+            </a:schemeClr>
+          </a:solidFill>
+        </p:spPr>
+        <p:style>
+          <a:lnRef idx="2">
+            <a:schemeClr val="accent1">
+              <a:shade val="50000"/>
+            </a:schemeClr>
+          </a:lnRef>
+          <a:fillRef idx="1">
+            <a:schemeClr val="accent1"/>
+          </a:fillRef>
+          <a:effectRef idx="0">
+            <a:schemeClr val="accent1"/>
+          </a:effectRef>
+          <a:fontRef idx="minor">
+            <a:schemeClr val="lt1"/>
+          </a:fontRef>
+        </p:style>
+        <p:txBody>
+          <a:bodyPr rtlCol="0" anchor="ctr"/>
+          <a:lstStyle/>
+          <a:p>
+            <a:pPr algn="ctr"/>
+            <a:endParaRPr lang="pt-BR"/>
+          </a:p>
+        </p:txBody>
+      </p:sp>
+      <p:sp>
+        <p:nvSpPr>
+          <p:cNvPr id="23" name="Retângulo 22">
+            <a:extLst>
+              <a:ext uri="{FF2B5EF4-FFF2-40B4-BE49-F238E27FC236}">
+                <a16:creationId xmlns:a16="http://schemas.microsoft.com/office/drawing/2014/main" id="{ED87CD67-A438-4F74-986A-3704AF997953}"/>
+              </a:ext>
+            </a:extLst>
+          </p:cNvPr>
+          <p:cNvSpPr/>
+          <p:nvPr/>
+        </p:nvSpPr>
+        <p:spPr>
+          <a:xfrm>
+            <a:off x="5308448" y="2179089"/>
+            <a:ext cx="3789504" cy="684807"/>
+          </a:xfrm>
+          <a:prstGeom prst="rect">
+            <a:avLst/>
+          </a:prstGeom>
+          <a:noFill/>
+        </p:spPr>
+        <p:txBody>
+          <a:bodyPr wrap="square" lIns="68584" tIns="34292" rIns="68584" bIns="34292">
+            <a:spAutoFit/>
+          </a:bodyPr>
+          <a:lstStyle/>
+          <a:p>
+            <a:pPr algn="ctr"/>
+            <a:r>
+              <a:rPr lang="pt-BR" sz="4000" dirty="0">
+                <a:ln w="0">
+                  <a:noFill/>
+                </a:ln>
+                <a:solidFill>
+                  <a:srgbClr val="0070C0"/>
+                </a:solidFill>
+                <a:effectLst>
+                  <a:outerShdw blurRad="38100" dist="19050" dir="2700000" algn="tl" rotWithShape="0">
+                    <a:schemeClr val="dk1">
+                      <a:alpha val="40000"/>
+                    </a:schemeClr>
+                  </a:outerShdw>
+                </a:effectLst>
+                <a:latin typeface="Exo 2 Extra Bold" panose="00000900000000000000" pitchFamily="50" charset="0"/>
+              </a:rPr>
+              <a:t>Chave 1</a:t>
+            </a:r>
+          </a:p>
+        </p:txBody>
+      </p:sp>
+      <p:sp>
+        <p:nvSpPr>
+          <p:cNvPr id="24" name="Retângulo 23">
+            <a:extLst>
+              <a:ext uri="{FF2B5EF4-FFF2-40B4-BE49-F238E27FC236}">
+                <a16:creationId xmlns:a16="http://schemas.microsoft.com/office/drawing/2014/main" id="{522A4ACC-EC27-4A14-BA66-B0EB03535C7B}"/>
+              </a:ext>
+            </a:extLst>
+          </p:cNvPr>
+          <p:cNvSpPr/>
+          <p:nvPr/>
+        </p:nvSpPr>
+        <p:spPr>
+          <a:xfrm>
+            <a:off x="5321993" y="6456434"/>
+            <a:ext cx="3789503" cy="684807"/>
+          </a:xfrm>
+          <a:prstGeom prst="rect">
+            <a:avLst/>
+          </a:prstGeom>
+          <a:noFill/>
+        </p:spPr>
+        <p:txBody>
+          <a:bodyPr wrap="square" lIns="68584" tIns="34292" rIns="68584" bIns="34292">
+            <a:spAutoFit/>
+          </a:bodyPr>
+          <a:lstStyle/>
+          <a:p>
+            <a:pPr algn="ctr"/>
+            <a:r>
+              <a:rPr lang="pt-BR" sz="4000" dirty="0">
+                <a:ln w="0">
+                  <a:noFill/>
+                </a:ln>
+                <a:solidFill>
+                  <a:srgbClr val="0070C0"/>
+                </a:solidFill>
+                <a:effectLst>
+                  <a:outerShdw blurRad="38100" dist="19050" dir="2700000" algn="tl" rotWithShape="0">
+                    <a:schemeClr val="dk1">
+                      <a:alpha val="40000"/>
+                    </a:schemeClr>
+                  </a:outerShdw>
+                </a:effectLst>
+                <a:latin typeface="Exo 2 Extra Bold" panose="00000900000000000000" pitchFamily="50" charset="0"/>
+              </a:rPr>
+              <a:t>Chave 2</a:t>
+            </a:r>
+          </a:p>
+        </p:txBody>
+      </p:sp>
+      <p:pic>
+        <p:nvPicPr>
+          <p:cNvPr id="2" name="Imagem 1">
+            <a:extLst>
+              <a:ext uri="{FF2B5EF4-FFF2-40B4-BE49-F238E27FC236}">
+                <a16:creationId xmlns:a16="http://schemas.microsoft.com/office/drawing/2014/main" id="{AF775348-342E-47C4-89EE-F209EA8AED5C}"/>
+              </a:ext>
+            </a:extLst>
+          </p:cNvPr>
+          <p:cNvPicPr>
+            <a:picLocks noChangeAspect="1"/>
+          </p:cNvPicPr>
+          <p:nvPr/>
+        </p:nvPicPr>
+        <p:blipFill>
+          <a:blip r:embed="rId5"/>
+          <a:stretch>
+            <a:fillRect/>
+          </a:stretch>
+        </p:blipFill>
+        <p:spPr>
+          <a:xfrm>
+            <a:off x="2370954" y="3269053"/>
+            <a:ext cx="9720000" cy="1881294"/>
+          </a:xfrm>
+          <a:prstGeom prst="rect">
+            <a:avLst/>
+          </a:prstGeom>
+        </p:spPr>
+      </p:pic>
+      <p:pic>
+        <p:nvPicPr>
+          <p:cNvPr id="3" name="Imagem 2">
+            <a:extLst>
+              <a:ext uri="{FF2B5EF4-FFF2-40B4-BE49-F238E27FC236}">
+                <a16:creationId xmlns:a16="http://schemas.microsoft.com/office/drawing/2014/main" id="{387EBEBF-A691-46F6-9D5E-CCC60E53F97E}"/>
+              </a:ext>
+            </a:extLst>
+          </p:cNvPr>
+          <p:cNvPicPr>
+            <a:picLocks noChangeAspect="1"/>
+          </p:cNvPicPr>
+          <p:nvPr/>
+        </p:nvPicPr>
+        <p:blipFill>
+          <a:blip r:embed="rId6"/>
+          <a:stretch>
+            <a:fillRect/>
+          </a:stretch>
+        </p:blipFill>
+        <p:spPr>
+          <a:xfrm>
+            <a:off x="2369191" y="7589429"/>
+            <a:ext cx="9720000" cy="1881294"/>
+          </a:xfrm>
+          <a:prstGeom prst="rect">
+            <a:avLst/>
+          </a:prstGeom>
+        </p:spPr>
+      </p:pic>
+    </p:spTree>
+    <p:extLst>
+      <p:ext uri="{BB962C8B-B14F-4D97-AF65-F5344CB8AC3E}">
+        <p14:creationId xmlns:p14="http://schemas.microsoft.com/office/powerpoint/2010/main" val="2211690294"/>
+      </p:ext>
+    </p:extLst>
+  </p:cSld>
+  <p:clrMapOvr>
+    <a:masterClrMapping/>
+  </p:clrMapOvr>
+</p:sld>
+</file>
+
+<file path=ppt/slides/slide7.xml><?xml version="1.0" encoding="utf-8"?>
+<p:sld xmlns:a="http://schemas.openxmlformats.org/drawingml/2006/main" xmlns:r="http://schemas.openxmlformats.org/officeDocument/2006/relationships" xmlns:p="http://schemas.openxmlformats.org/presentationml/2006/main">
+  <p:cSld>
+    <p:bg>
+      <p:bgPr>
+        <a:solidFill>
+          <a:schemeClr val="bg1"/>
+        </a:solidFill>
+        <a:effectLst/>
+      </p:bgPr>
+    </p:bg>
+    <p:spTree>
+      <p:nvGrpSpPr>
+        <p:cNvPr id="1" name=""/>
+        <p:cNvGrpSpPr/>
+        <p:nvPr/>
+      </p:nvGrpSpPr>
+      <p:grpSpPr>
+        <a:xfrm>
+          <a:off x="0" y="0"/>
+          <a:ext cx="0" cy="0"/>
+          <a:chOff x="0" y="0"/>
+          <a:chExt cx="0" cy="0"/>
+        </a:xfrm>
+      </p:grpSpPr>
+      <p:sp>
+        <p:nvSpPr>
+          <p:cNvPr id="13" name="Rectangle 9">
+            <a:extLst>
+              <a:ext uri="{FF2B5EF4-FFF2-40B4-BE49-F238E27FC236}">
+                <a16:creationId xmlns:a16="http://schemas.microsoft.com/office/drawing/2014/main" id="{0BABF38A-8A0D-492E-BD20-6CF4D46B50BD}"/>
+              </a:ext>
+              <a:ext uri="{C183D7F6-B498-43B3-948B-1728B52AA6E4}">
+                <adec:decorative xmlns:adec="http://schemas.microsoft.com/office/drawing/2017/decorative" val="1"/>
+              </a:ext>
+            </a:extLst>
+          </p:cNvPr>
+          <p:cNvSpPr>
+            <a:spLocks noGrp="1" noRot="1" noChangeAspect="1" noMove="1" noResize="1" noEditPoints="1" noAdjustHandles="1" noChangeArrowheads="1" noChangeShapeType="1" noTextEdit="1"/>
+          </p:cNvSpPr>
+          <p:nvPr>
+            <p:extLst>
+              <p:ext uri="{386F3935-93C4-4BCD-93E2-E3B085C9AB24}">
+                <p16:designElem xmlns:p16="http://schemas.microsoft.com/office/powerpoint/2015/main" val="1"/>
+              </p:ext>
+            </p:extLst>
+          </p:nvPr>
+        </p:nvSpPr>
+        <p:spPr>
+          <a:xfrm>
+            <a:off x="3149972" y="3121681"/>
+            <a:ext cx="8100269" cy="4556404"/>
+          </a:xfrm>
+          <a:prstGeom prst="rect">
+            <a:avLst/>
+          </a:prstGeom>
+          <a:solidFill>
+            <a:schemeClr val="bg2">
+              <a:lumMod val="90000"/>
+              <a:alpha val="70000"/>
+            </a:schemeClr>
+          </a:solidFill>
+          <a:ln>
+            <a:noFill/>
+          </a:ln>
+        </p:spPr>
+        <p:style>
+          <a:lnRef idx="2">
+            <a:schemeClr val="accent1">
+              <a:shade val="50000"/>
+            </a:schemeClr>
+          </a:lnRef>
+          <a:fillRef idx="1">
+            <a:schemeClr val="accent1"/>
+          </a:fillRef>
+          <a:effectRef idx="0">
+            <a:schemeClr val="accent1"/>
+          </a:effectRef>
+          <a:fontRef idx="minor">
+            <a:schemeClr val="lt1"/>
+          </a:fontRef>
+        </p:style>
+        <p:txBody>
+          <a:bodyPr rtlCol="0" anchor="ctr"/>
+          <a:lstStyle/>
+          <a:p>
+            <a:pPr algn="ctr">
+              <a:defRPr/>
+            </a:pPr>
+            <a:endParaRPr lang="en-US" sz="1196" dirty="0">
+              <a:solidFill>
+                <a:prstClr val="black">
+                  <a:lumMod val="65000"/>
+                  <a:lumOff val="35000"/>
+                </a:prstClr>
+              </a:solidFill>
+              <a:latin typeface="AvenirNext LT Pro Medium" panose="020B0504020202020204" pitchFamily="34" charset="0"/>
+            </a:endParaRPr>
+          </a:p>
+        </p:txBody>
+      </p:sp>
+      <p:pic>
+        <p:nvPicPr>
+          <p:cNvPr id="12" name="Picture 11">
+            <a:extLst>
+              <a:ext uri="{FF2B5EF4-FFF2-40B4-BE49-F238E27FC236}">
+                <a16:creationId xmlns:a16="http://schemas.microsoft.com/office/drawing/2014/main" id="{BC526B7A-4801-4FD1-95C8-03AF22629E87}"/>
+              </a:ext>
+              <a:ext uri="{C183D7F6-B498-43B3-948B-1728B52AA6E4}">
+                <adec:decorative xmlns:adec="http://schemas.microsoft.com/office/drawing/2017/decorative" val="1"/>
+              </a:ext>
+            </a:extLst>
+          </p:cNvPr>
+          <p:cNvPicPr>
+            <a:picLocks noGrp="1" noRot="1" noChangeAspect="1" noMove="1" noResize="1" noEditPoints="1" noAdjustHandles="1" noChangeArrowheads="1" noChangeShapeType="1" noCrop="1"/>
+          </p:cNvPicPr>
+          <p:nvPr>
+            <p:extLst>
+              <p:ext uri="{386F3935-93C4-4BCD-93E2-E3B085C9AB24}">
+                <p16:designElem xmlns:p16="http://schemas.microsoft.com/office/powerpoint/2015/main" val="1"/>
+              </p:ext>
+            </p:extLst>
+          </p:nvPr>
+        </p:nvPicPr>
+        <p:blipFill>
+          <a:blip r:embed="rId2">
+            <a:alphaModFix amt="10000"/>
+            <a:extLst>
+              <a:ext uri="{28A0092B-C50C-407E-A947-70E740481C1C}">
+                <a14:useLocalDpi xmlns:a14="http://schemas.microsoft.com/office/drawing/2010/main" val="0"/>
+              </a:ext>
+            </a:extLst>
+          </a:blip>
+          <a:stretch>
+            <a:fillRect/>
+          </a:stretch>
+        </p:blipFill>
+        <p:spPr>
+          <a:xfrm>
+            <a:off x="8820159" y="3121682"/>
+            <a:ext cx="2428095" cy="3039825"/>
+          </a:xfrm>
+          <a:prstGeom prst="rect">
+            <a:avLst/>
+          </a:prstGeom>
+        </p:spPr>
+      </p:pic>
+      <p:sp useBgFill="1">
+        <p:nvSpPr>
+          <p:cNvPr id="14" name="Rectangle 13">
+            <a:extLst>
+              <a:ext uri="{FF2B5EF4-FFF2-40B4-BE49-F238E27FC236}">
+                <a16:creationId xmlns:a16="http://schemas.microsoft.com/office/drawing/2014/main" id="{37FDDF72-DE39-4F99-A3C1-DD9D7815D7DB}"/>
+              </a:ext>
+              <a:ext uri="{C183D7F6-B498-43B3-948B-1728B52AA6E4}">
+                <adec:decorative xmlns:adec="http://schemas.microsoft.com/office/drawing/2017/decorative" val="1"/>
+              </a:ext>
+            </a:extLst>
+          </p:cNvPr>
+          <p:cNvSpPr>
+            <a:spLocks noGrp="1" noRot="1" noChangeAspect="1" noMove="1" noResize="1" noEditPoints="1" noAdjustHandles="1" noChangeArrowheads="1" noChangeShapeType="1" noTextEdit="1"/>
+          </p:cNvSpPr>
+          <p:nvPr>
+            <p:extLst>
+              <p:ext uri="{386F3935-93C4-4BCD-93E2-E3B085C9AB24}">
+                <p16:designElem xmlns:p16="http://schemas.microsoft.com/office/powerpoint/2015/main" val="1"/>
+              </p:ext>
+            </p:extLst>
+          </p:nvPr>
+        </p:nvSpPr>
+        <p:spPr>
+          <a:xfrm>
+            <a:off x="3149972" y="3121681"/>
+            <a:ext cx="8100269" cy="4556401"/>
+          </a:xfrm>
+          <a:prstGeom prst="rect">
+            <a:avLst/>
+          </a:prstGeom>
+          <a:ln>
+            <a:noFill/>
+          </a:ln>
+        </p:spPr>
+        <p:style>
+          <a:lnRef idx="2">
+            <a:schemeClr val="accent1">
+              <a:shade val="50000"/>
+            </a:schemeClr>
+          </a:lnRef>
+          <a:fillRef idx="1">
+            <a:schemeClr val="accent1"/>
+          </a:fillRef>
+          <a:effectRef idx="0">
+            <a:schemeClr val="accent1"/>
+          </a:effectRef>
+          <a:fontRef idx="minor">
+            <a:schemeClr val="lt1"/>
+          </a:fontRef>
+        </p:style>
+        <p:txBody>
+          <a:bodyPr rtlCol="0" anchor="ctr"/>
+          <a:lstStyle/>
+          <a:p>
+            <a:pPr algn="ctr">
+              <a:defRPr/>
+            </a:pPr>
+            <a:endParaRPr lang="en-US" sz="1196" dirty="0">
+              <a:solidFill>
+                <a:prstClr val="black">
+                  <a:lumMod val="65000"/>
+                  <a:lumOff val="35000"/>
+                </a:prstClr>
+              </a:solidFill>
+              <a:latin typeface="AvenirNext LT Pro Medium" panose="020B0504020202020204" pitchFamily="34" charset="0"/>
+            </a:endParaRPr>
+          </a:p>
+        </p:txBody>
+      </p:sp>
+      <p:sp>
+        <p:nvSpPr>
+          <p:cNvPr id="16" name="Rectangle 15">
+            <a:extLst>
+              <a:ext uri="{FF2B5EF4-FFF2-40B4-BE49-F238E27FC236}">
+                <a16:creationId xmlns:a16="http://schemas.microsoft.com/office/drawing/2014/main" id="{5E4ECE80-3AD1-450C-B62A-98788F193948}"/>
+              </a:ext>
+              <a:ext uri="{C183D7F6-B498-43B3-948B-1728B52AA6E4}">
+                <adec:decorative xmlns:adec="http://schemas.microsoft.com/office/drawing/2017/decorative" val="1"/>
+              </a:ext>
+            </a:extLst>
+          </p:cNvPr>
+          <p:cNvSpPr>
+            <a:spLocks noGrp="1" noRot="1" noChangeAspect="1" noMove="1" noResize="1" noEditPoints="1" noAdjustHandles="1" noChangeArrowheads="1" noChangeShapeType="1" noTextEdit="1"/>
+          </p:cNvSpPr>
+          <p:nvPr>
+            <p:extLst>
+              <p:ext uri="{386F3935-93C4-4BCD-93E2-E3B085C9AB24}">
+                <p16:designElem xmlns:p16="http://schemas.microsoft.com/office/powerpoint/2015/main" val="1"/>
+              </p:ext>
+            </p:extLst>
+          </p:nvPr>
+        </p:nvSpPr>
+        <p:spPr>
+          <a:xfrm>
+            <a:off x="3149972" y="3121681"/>
+            <a:ext cx="8100269" cy="4556401"/>
+          </a:xfrm>
+          <a:prstGeom prst="rect">
+            <a:avLst/>
+          </a:prstGeom>
+          <a:solidFill>
+            <a:srgbClr val="000000"/>
+          </a:solidFill>
+          <a:ln>
+            <a:noFill/>
+          </a:ln>
+        </p:spPr>
+        <p:style>
+          <a:lnRef idx="2">
+            <a:schemeClr val="accent1">
+              <a:shade val="50000"/>
+            </a:schemeClr>
+          </a:lnRef>
+          <a:fillRef idx="1">
+            <a:schemeClr val="accent1"/>
+          </a:fillRef>
+          <a:effectRef idx="0">
+            <a:schemeClr val="accent1"/>
+          </a:effectRef>
+          <a:fontRef idx="minor">
+            <a:schemeClr val="lt1"/>
+          </a:fontRef>
+        </p:style>
+        <p:txBody>
+          <a:bodyPr rtlCol="0" anchor="ctr"/>
+          <a:lstStyle/>
+          <a:p>
+            <a:pPr algn="ctr">
+              <a:defRPr/>
+            </a:pPr>
+            <a:endParaRPr lang="en-US" sz="1196" dirty="0">
+              <a:solidFill>
+                <a:prstClr val="black">
+                  <a:lumMod val="65000"/>
+                  <a:lumOff val="35000"/>
+                </a:prstClr>
+              </a:solidFill>
+              <a:latin typeface="AvenirNext LT Pro Medium" panose="020B0504020202020204" pitchFamily="34" charset="0"/>
+            </a:endParaRPr>
+          </a:p>
+        </p:txBody>
+      </p:sp>
+      <p:pic>
+        <p:nvPicPr>
+          <p:cNvPr id="5" name="Imagem 4">
+            <a:extLst>
+              <a:ext uri="{FF2B5EF4-FFF2-40B4-BE49-F238E27FC236}">
+                <a16:creationId xmlns:a16="http://schemas.microsoft.com/office/drawing/2014/main" id="{F1433EF1-FB6D-4913-96C9-08F0B1B3CA7A}"/>
+              </a:ext>
+            </a:extLst>
+          </p:cNvPr>
+          <p:cNvPicPr>
+            <a:picLocks noChangeAspect="1"/>
+          </p:cNvPicPr>
+          <p:nvPr/>
+        </p:nvPicPr>
+        <p:blipFill rotWithShape="1">
+          <a:blip r:embed="rId3">
+            <a:alphaModFix/>
+            <a:extLst>
+              <a:ext uri="{28A0092B-C50C-407E-A947-70E740481C1C}">
+                <a14:useLocalDpi xmlns:a14="http://schemas.microsoft.com/office/drawing/2010/main" val="0"/>
+              </a:ext>
+            </a:extLst>
+          </a:blip>
+          <a:srcRect l="5233" t="-2125" r="6244" b="-538"/>
+          <a:stretch/>
+        </p:blipFill>
+        <p:spPr>
+          <a:xfrm>
+            <a:off x="-1" y="-248909"/>
+            <a:ext cx="14400213" cy="11147555"/>
+          </a:xfrm>
+          <a:prstGeom prst="rect">
+            <a:avLst/>
+          </a:prstGeom>
+        </p:spPr>
+      </p:pic>
+      <p:sp>
+        <p:nvSpPr>
+          <p:cNvPr id="50" name="Retângulo 49">
+            <a:extLst>
+              <a:ext uri="{FF2B5EF4-FFF2-40B4-BE49-F238E27FC236}">
+                <a16:creationId xmlns:a16="http://schemas.microsoft.com/office/drawing/2014/main" id="{50614AED-75DE-4550-9029-54313F89BD12}"/>
+              </a:ext>
+            </a:extLst>
+          </p:cNvPr>
+          <p:cNvSpPr/>
+          <p:nvPr/>
+        </p:nvSpPr>
+        <p:spPr>
+          <a:xfrm>
+            <a:off x="3186646" y="311571"/>
+            <a:ext cx="8052791" cy="992583"/>
+          </a:xfrm>
+          <a:prstGeom prst="rect">
+            <a:avLst/>
+          </a:prstGeom>
+          <a:noFill/>
+        </p:spPr>
+        <p:txBody>
+          <a:bodyPr wrap="square" lIns="68584" tIns="34292" rIns="68584" bIns="34292">
+            <a:spAutoFit/>
+          </a:bodyPr>
+          <a:lstStyle/>
+          <a:p>
+            <a:pPr algn="ctr"/>
+            <a:r>
+              <a:rPr lang="pt-BR" sz="6000" dirty="0">
+                <a:ln w="38100">
+                  <a:solidFill>
+                    <a:schemeClr val="bg1"/>
+                  </a:solidFill>
+                </a:ln>
+                <a:solidFill>
+                  <a:srgbClr val="00B050"/>
+                </a:solidFill>
+                <a:effectLst>
+                  <a:outerShdw blurRad="38100" dist="19050" dir="2700000" algn="tl" rotWithShape="0">
+                    <a:schemeClr val="dk1">
+                      <a:alpha val="40000"/>
+                    </a:schemeClr>
+                  </a:outerShdw>
+                </a:effectLst>
+                <a:latin typeface="Exo 2 Extra Bold" panose="00000900000000000000" pitchFamily="50" charset="0"/>
+              </a:rPr>
+              <a:t>Liga Principal</a:t>
+            </a:r>
+          </a:p>
+        </p:txBody>
+      </p:sp>
+      <p:sp>
+        <p:nvSpPr>
+          <p:cNvPr id="53" name="Retângulo 52">
+            <a:extLst>
+              <a:ext uri="{FF2B5EF4-FFF2-40B4-BE49-F238E27FC236}">
+                <a16:creationId xmlns:a16="http://schemas.microsoft.com/office/drawing/2014/main" id="{F101E0BF-8A68-40B9-BC26-35C299182F52}"/>
+              </a:ext>
+            </a:extLst>
+          </p:cNvPr>
+          <p:cNvSpPr/>
+          <p:nvPr/>
+        </p:nvSpPr>
+        <p:spPr>
+          <a:xfrm>
+            <a:off x="336776" y="1104608"/>
+            <a:ext cx="13909452" cy="1177249"/>
+          </a:xfrm>
+          <a:prstGeom prst="rect">
+            <a:avLst/>
+          </a:prstGeom>
+          <a:noFill/>
+        </p:spPr>
+        <p:txBody>
+          <a:bodyPr wrap="square" lIns="68584" tIns="34292" rIns="68584" bIns="34292">
+            <a:spAutoFit/>
+          </a:bodyPr>
+          <a:lstStyle/>
+          <a:p>
+            <a:pPr algn="ctr"/>
+            <a:r>
+              <a:rPr lang="pt-BR" sz="7200" dirty="0">
+                <a:ln w="0">
+                  <a:noFill/>
+                </a:ln>
+                <a:effectLst>
+                  <a:outerShdw blurRad="38100" dist="19050" dir="2700000" algn="tl" rotWithShape="0">
+                    <a:schemeClr val="dk1">
+                      <a:alpha val="40000"/>
+                    </a:schemeClr>
+                  </a:outerShdw>
+                </a:effectLst>
+                <a:latin typeface="Exo 2 Extra Bold" panose="00000900000000000000" pitchFamily="50" charset="0"/>
+              </a:rPr>
+              <a:t>MATA-MATA SÉRIE C 2</a:t>
+            </a:r>
+          </a:p>
+        </p:txBody>
+      </p:sp>
+      <p:pic>
+        <p:nvPicPr>
+          <p:cNvPr id="15" name="Imagem 14">
+            <a:extLst>
+              <a:ext uri="{FF2B5EF4-FFF2-40B4-BE49-F238E27FC236}">
+                <a16:creationId xmlns:a16="http://schemas.microsoft.com/office/drawing/2014/main" id="{780D6AE4-2B31-43CF-8A3B-9ACC73C32FE9}"/>
+              </a:ext>
+            </a:extLst>
+          </p:cNvPr>
+          <p:cNvPicPr>
+            <a:picLocks noChangeAspect="1"/>
+          </p:cNvPicPr>
+          <p:nvPr/>
+        </p:nvPicPr>
+        <p:blipFill>
+          <a:blip r:embed="rId4">
+            <a:extLst>
+              <a:ext uri="{28A0092B-C50C-407E-A947-70E740481C1C}">
+                <a14:useLocalDpi xmlns:a14="http://schemas.microsoft.com/office/drawing/2010/main" val="0"/>
+              </a:ext>
+            </a:extLst>
+          </a:blip>
+          <a:stretch>
+            <a:fillRect/>
+          </a:stretch>
+        </p:blipFill>
+        <p:spPr>
+          <a:xfrm>
+            <a:off x="336776" y="194284"/>
+            <a:ext cx="2059134" cy="2160000"/>
+          </a:xfrm>
+          <a:prstGeom prst="rect">
+            <a:avLst/>
+          </a:prstGeom>
+        </p:spPr>
+      </p:pic>
+      <p:sp>
+        <p:nvSpPr>
+          <p:cNvPr id="10" name="Retângulo 9">
+            <a:extLst>
+              <a:ext uri="{FF2B5EF4-FFF2-40B4-BE49-F238E27FC236}">
+                <a16:creationId xmlns:a16="http://schemas.microsoft.com/office/drawing/2014/main" id="{838BDC98-3287-4575-8574-56F716FB2440}"/>
+              </a:ext>
+            </a:extLst>
+          </p:cNvPr>
+          <p:cNvSpPr/>
+          <p:nvPr/>
+        </p:nvSpPr>
+        <p:spPr>
+          <a:xfrm>
+            <a:off x="581891" y="2892935"/>
+            <a:ext cx="13267927" cy="3039825"/>
+          </a:xfrm>
+          <a:prstGeom prst="rect">
+            <a:avLst/>
+          </a:prstGeom>
+          <a:solidFill>
+            <a:schemeClr val="tx1">
+              <a:alpha val="81000"/>
+            </a:schemeClr>
+          </a:solidFill>
+        </p:spPr>
+        <p:style>
+          <a:lnRef idx="2">
+            <a:schemeClr val="accent1">
+              <a:shade val="50000"/>
+            </a:schemeClr>
+          </a:lnRef>
+          <a:fillRef idx="1">
+            <a:schemeClr val="accent1"/>
+          </a:fillRef>
+          <a:effectRef idx="0">
+            <a:schemeClr val="accent1"/>
+          </a:effectRef>
+          <a:fontRef idx="minor">
+            <a:schemeClr val="lt1"/>
+          </a:fontRef>
+        </p:style>
+        <p:txBody>
+          <a:bodyPr rtlCol="0" anchor="ctr"/>
+          <a:lstStyle/>
+          <a:p>
+            <a:pPr algn="ctr"/>
+            <a:endParaRPr lang="pt-BR"/>
+          </a:p>
+        </p:txBody>
+      </p:sp>
+      <p:sp>
+        <p:nvSpPr>
+          <p:cNvPr id="21" name="Retângulo 20">
+            <a:extLst>
+              <a:ext uri="{FF2B5EF4-FFF2-40B4-BE49-F238E27FC236}">
+                <a16:creationId xmlns:a16="http://schemas.microsoft.com/office/drawing/2014/main" id="{95EDB8CB-8377-4925-B478-560C3F615037}"/>
+              </a:ext>
+            </a:extLst>
+          </p:cNvPr>
+          <p:cNvSpPr/>
+          <p:nvPr/>
+        </p:nvSpPr>
+        <p:spPr>
+          <a:xfrm>
+            <a:off x="581891" y="6704292"/>
+            <a:ext cx="13267927" cy="3038400"/>
+          </a:xfrm>
+          <a:prstGeom prst="rect">
+            <a:avLst/>
+          </a:prstGeom>
+          <a:solidFill>
+            <a:schemeClr val="tx1">
+              <a:alpha val="81000"/>
+            </a:schemeClr>
+          </a:solidFill>
+        </p:spPr>
+        <p:style>
+          <a:lnRef idx="2">
+            <a:schemeClr val="accent1">
+              <a:shade val="50000"/>
+            </a:schemeClr>
+          </a:lnRef>
+          <a:fillRef idx="1">
+            <a:schemeClr val="accent1"/>
+          </a:fillRef>
+          <a:effectRef idx="0">
+            <a:schemeClr val="accent1"/>
+          </a:effectRef>
+          <a:fontRef idx="minor">
+            <a:schemeClr val="lt1"/>
+          </a:fontRef>
+        </p:style>
+        <p:txBody>
+          <a:bodyPr rtlCol="0" anchor="ctr"/>
+          <a:lstStyle/>
+          <a:p>
+            <a:pPr algn="ctr"/>
+            <a:endParaRPr lang="pt-BR"/>
+          </a:p>
+        </p:txBody>
+      </p:sp>
+      <p:sp>
+        <p:nvSpPr>
+          <p:cNvPr id="23" name="Retângulo 22">
+            <a:extLst>
+              <a:ext uri="{FF2B5EF4-FFF2-40B4-BE49-F238E27FC236}">
+                <a16:creationId xmlns:a16="http://schemas.microsoft.com/office/drawing/2014/main" id="{ED87CD67-A438-4F74-986A-3704AF997953}"/>
+              </a:ext>
+            </a:extLst>
+          </p:cNvPr>
+          <p:cNvSpPr/>
+          <p:nvPr/>
+        </p:nvSpPr>
+        <p:spPr>
+          <a:xfrm>
+            <a:off x="5308448" y="2906454"/>
+            <a:ext cx="3789504" cy="684807"/>
+          </a:xfrm>
+          <a:prstGeom prst="rect">
+            <a:avLst/>
+          </a:prstGeom>
+          <a:noFill/>
+        </p:spPr>
+        <p:txBody>
+          <a:bodyPr wrap="square" lIns="68584" tIns="34292" rIns="68584" bIns="34292">
+            <a:spAutoFit/>
+          </a:bodyPr>
+          <a:lstStyle/>
+          <a:p>
+            <a:pPr algn="ctr"/>
+            <a:r>
+              <a:rPr lang="pt-BR" sz="4000" dirty="0">
+                <a:ln w="0">
+                  <a:noFill/>
+                </a:ln>
+                <a:solidFill>
+                  <a:srgbClr val="0070C0"/>
+                </a:solidFill>
+                <a:effectLst>
+                  <a:outerShdw blurRad="38100" dist="19050" dir="2700000" algn="tl" rotWithShape="0">
+                    <a:schemeClr val="dk1">
+                      <a:alpha val="40000"/>
+                    </a:schemeClr>
+                  </a:outerShdw>
+                </a:effectLst>
+                <a:latin typeface="Exo 2 Extra Bold" panose="00000900000000000000" pitchFamily="50" charset="0"/>
+              </a:rPr>
+              <a:t>Chave 1</a:t>
+            </a:r>
+          </a:p>
+        </p:txBody>
+      </p:sp>
+      <p:sp>
+        <p:nvSpPr>
+          <p:cNvPr id="24" name="Retângulo 23">
+            <a:extLst>
+              <a:ext uri="{FF2B5EF4-FFF2-40B4-BE49-F238E27FC236}">
+                <a16:creationId xmlns:a16="http://schemas.microsoft.com/office/drawing/2014/main" id="{522A4ACC-EC27-4A14-BA66-B0EB03535C7B}"/>
+              </a:ext>
+            </a:extLst>
+          </p:cNvPr>
+          <p:cNvSpPr/>
+          <p:nvPr/>
+        </p:nvSpPr>
+        <p:spPr>
+          <a:xfrm>
+            <a:off x="5321993" y="6726594"/>
+            <a:ext cx="3789503" cy="684807"/>
+          </a:xfrm>
+          <a:prstGeom prst="rect">
+            <a:avLst/>
+          </a:prstGeom>
+          <a:noFill/>
+        </p:spPr>
+        <p:txBody>
+          <a:bodyPr wrap="square" lIns="68584" tIns="34292" rIns="68584" bIns="34292">
+            <a:spAutoFit/>
+          </a:bodyPr>
+          <a:lstStyle/>
+          <a:p>
+            <a:pPr algn="ctr"/>
+            <a:r>
+              <a:rPr lang="pt-BR" sz="4000" dirty="0">
+                <a:ln w="0">
+                  <a:noFill/>
+                </a:ln>
+                <a:solidFill>
+                  <a:srgbClr val="0070C0"/>
+                </a:solidFill>
+                <a:effectLst>
+                  <a:outerShdw blurRad="38100" dist="19050" dir="2700000" algn="tl" rotWithShape="0">
+                    <a:schemeClr val="dk1">
+                      <a:alpha val="40000"/>
+                    </a:schemeClr>
+                  </a:outerShdw>
+                </a:effectLst>
+                <a:latin typeface="Exo 2 Extra Bold" panose="00000900000000000000" pitchFamily="50" charset="0"/>
+              </a:rPr>
+              <a:t>Chave 2</a:t>
+            </a:r>
+          </a:p>
+        </p:txBody>
+      </p:sp>
+      <p:pic>
+        <p:nvPicPr>
+          <p:cNvPr id="2" name="Imagem 1">
+            <a:extLst>
+              <a:ext uri="{FF2B5EF4-FFF2-40B4-BE49-F238E27FC236}">
                 <a16:creationId xmlns:a16="http://schemas.microsoft.com/office/drawing/2014/main" id="{B5C8A060-E06E-4A37-897B-DFAF18FE6269}"/>
               </a:ext>
             </a:extLst>
@@ -7231,7 +8713,7 @@
 </p:sld>
 </file>
 
-<file path=ppt/slides/slide6.xml><?xml version="1.0" encoding="utf-8"?>
+<file path=ppt/slides/slide8.xml><?xml version="1.0" encoding="utf-8"?>
 <p:sld xmlns:a="http://schemas.openxmlformats.org/drawingml/2006/main" xmlns:r="http://schemas.openxmlformats.org/officeDocument/2006/relationships" xmlns:p="http://schemas.openxmlformats.org/presentationml/2006/main">
   <p:cSld>
     <p:bg>

--- a/MataMataPlanilha.pptx
+++ b/MataMataPlanilha.pptx
@@ -9,10 +9,12 @@
     <p:sldId id="270" r:id="rId3"/>
     <p:sldId id="271" r:id="rId4"/>
     <p:sldId id="265" r:id="rId5"/>
-    <p:sldId id="266" r:id="rId6"/>
-    <p:sldId id="267" r:id="rId7"/>
-    <p:sldId id="268" r:id="rId8"/>
-    <p:sldId id="269" r:id="rId9"/>
+    <p:sldId id="273" r:id="rId6"/>
+    <p:sldId id="272" r:id="rId7"/>
+    <p:sldId id="266" r:id="rId8"/>
+    <p:sldId id="267" r:id="rId9"/>
+    <p:sldId id="268" r:id="rId10"/>
+    <p:sldId id="269" r:id="rId11"/>
   </p:sldIdLst>
   <p:sldSz cx="14400213" cy="10799763"/>
   <p:notesSz cx="6858000" cy="9144000"/>
@@ -293,7 +295,7 @@
             <a:fld id="{11A6662E-FAF4-44BC-88B5-85A7CBFB6D30}" type="datetime1">
               <a:rPr lang="en-US" smtClean="0"/>
               <a:pPr/>
-              <a:t>7/29/2021</a:t>
+              <a:t>7/30/2021</a:t>
             </a:fld>
             <a:endParaRPr lang="en-US" dirty="0"/>
           </a:p>
@@ -520,7 +522,7 @@
           <a:p>
             <a:fld id="{4C559632-1575-4E14-B53B-3DC3D5ED3947}" type="datetime1">
               <a:rPr lang="en-US" smtClean="0"/>
-              <a:t>7/29/2021</a:t>
+              <a:t>7/30/2021</a:t>
             </a:fld>
             <a:endParaRPr lang="en-US"/>
           </a:p>
@@ -728,7 +730,7 @@
           <a:p>
             <a:fld id="{CC4A6868-2568-4CC9-B302-F37117B01A6E}" type="datetime1">
               <a:rPr lang="en-US" smtClean="0"/>
-              <a:t>7/29/2021</a:t>
+              <a:t>7/30/2021</a:t>
             </a:fld>
             <a:endParaRPr lang="en-US"/>
           </a:p>
@@ -933,7 +935,7 @@
           <a:p>
             <a:fld id="{0055F08A-1E71-4B2B-BB49-E743F2903911}" type="datetime1">
               <a:rPr lang="en-US" smtClean="0"/>
-              <a:t>7/29/2021</a:t>
+              <a:t>7/30/2021</a:t>
             </a:fld>
             <a:endParaRPr lang="en-US" dirty="0"/>
           </a:p>
@@ -1207,7 +1209,7 @@
           <a:p>
             <a:fld id="{15417D9E-721A-44BB-8863-9873FE64DA75}" type="datetime1">
               <a:rPr lang="en-US" smtClean="0"/>
-              <a:t>7/29/2021</a:t>
+              <a:t>7/30/2021</a:t>
             </a:fld>
             <a:endParaRPr lang="en-US"/>
           </a:p>
@@ -1480,7 +1482,7 @@
           <a:p>
             <a:fld id="{5F31DA2F-80B8-49CF-99FB-5ABCA53A607A}" type="datetime1">
               <a:rPr lang="en-US" smtClean="0"/>
-              <a:t>7/29/2021</a:t>
+              <a:t>7/30/2021</a:t>
             </a:fld>
             <a:endParaRPr lang="en-US"/>
           </a:p>
@@ -1895,7 +1897,7 @@
           <a:p>
             <a:fld id="{28852172-E6C9-4B6C-929A-A9DE3837BBF1}" type="datetime1">
               <a:rPr lang="en-US" smtClean="0"/>
-              <a:t>7/29/2021</a:t>
+              <a:t>7/30/2021</a:t>
             </a:fld>
             <a:endParaRPr lang="en-US"/>
           </a:p>
@@ -2047,7 +2049,7 @@
           <a:p>
             <a:fld id="{3AB41CFF-90C9-47B3-9DA1-F2BF8D839F7E}" type="datetime1">
               <a:rPr lang="en-US" smtClean="0"/>
-              <a:t>7/29/2021</a:t>
+              <a:t>7/30/2021</a:t>
             </a:fld>
             <a:endParaRPr lang="en-US"/>
           </a:p>
@@ -2160,7 +2162,7 @@
           <a:p>
             <a:fld id="{F06048FA-06AB-4884-A69B-986B96E68A24}" type="datetime1">
               <a:rPr lang="en-US" smtClean="0"/>
-              <a:t>7/29/2021</a:t>
+              <a:t>7/30/2021</a:t>
             </a:fld>
             <a:endParaRPr lang="en-US"/>
           </a:p>
@@ -2471,7 +2473,7 @@
           <a:p>
             <a:fld id="{50DB7ABA-0172-4F9C-889D-567164F66BCD}" type="datetime1">
               <a:rPr lang="en-US" smtClean="0"/>
-              <a:t>7/29/2021</a:t>
+              <a:t>7/30/2021</a:t>
             </a:fld>
             <a:endParaRPr lang="en-US"/>
           </a:p>
@@ -2762,7 +2764,7 @@
           <a:p>
             <a:fld id="{78AC6A5B-8AE7-4A41-B5A7-9ADC6686DC18}" type="datetime1">
               <a:rPr lang="en-US" smtClean="0"/>
-              <a:t>7/29/2021</a:t>
+              <a:t>7/30/2021</a:t>
             </a:fld>
             <a:endParaRPr lang="en-US"/>
           </a:p>
@@ -3071,7 +3073,7 @@
             <a:fld id="{57E0CF6C-748E-4B7A-BC8B-3011EF78ED13}" type="datetime1">
               <a:rPr lang="en-US" smtClean="0"/>
               <a:pPr/>
-              <a:t>7/29/2021</a:t>
+              <a:t>7/30/2021</a:t>
             </a:fld>
             <a:endParaRPr lang="en-US" dirty="0"/>
           </a:p>
@@ -4273,6 +4275,746 @@
 </p:sld>
 </file>
 
+<file path=ppt/slides/slide10.xml><?xml version="1.0" encoding="utf-8"?>
+<p:sld xmlns:a="http://schemas.openxmlformats.org/drawingml/2006/main" xmlns:r="http://schemas.openxmlformats.org/officeDocument/2006/relationships" xmlns:p="http://schemas.openxmlformats.org/presentationml/2006/main">
+  <p:cSld>
+    <p:bg>
+      <p:bgPr>
+        <a:solidFill>
+          <a:schemeClr val="bg1"/>
+        </a:solidFill>
+        <a:effectLst/>
+      </p:bgPr>
+    </p:bg>
+    <p:spTree>
+      <p:nvGrpSpPr>
+        <p:cNvPr id="1" name=""/>
+        <p:cNvGrpSpPr/>
+        <p:nvPr/>
+      </p:nvGrpSpPr>
+      <p:grpSpPr>
+        <a:xfrm>
+          <a:off x="0" y="0"/>
+          <a:ext cx="0" cy="0"/>
+          <a:chOff x="0" y="0"/>
+          <a:chExt cx="0" cy="0"/>
+        </a:xfrm>
+      </p:grpSpPr>
+      <p:sp>
+        <p:nvSpPr>
+          <p:cNvPr id="13" name="Rectangle 9">
+            <a:extLst>
+              <a:ext uri="{FF2B5EF4-FFF2-40B4-BE49-F238E27FC236}">
+                <a16:creationId xmlns:a16="http://schemas.microsoft.com/office/drawing/2014/main" id="{0BABF38A-8A0D-492E-BD20-6CF4D46B50BD}"/>
+              </a:ext>
+              <a:ext uri="{C183D7F6-B498-43B3-948B-1728B52AA6E4}">
+                <adec:decorative xmlns:adec="http://schemas.microsoft.com/office/drawing/2017/decorative" val="1"/>
+              </a:ext>
+            </a:extLst>
+          </p:cNvPr>
+          <p:cNvSpPr>
+            <a:spLocks noGrp="1" noRot="1" noChangeAspect="1" noMove="1" noResize="1" noEditPoints="1" noAdjustHandles="1" noChangeArrowheads="1" noChangeShapeType="1" noTextEdit="1"/>
+          </p:cNvSpPr>
+          <p:nvPr>
+            <p:extLst>
+              <p:ext uri="{386F3935-93C4-4BCD-93E2-E3B085C9AB24}">
+                <p16:designElem xmlns:p16="http://schemas.microsoft.com/office/powerpoint/2015/main" val="1"/>
+              </p:ext>
+            </p:extLst>
+          </p:nvPr>
+        </p:nvSpPr>
+        <p:spPr>
+          <a:xfrm>
+            <a:off x="3149972" y="3121681"/>
+            <a:ext cx="8100269" cy="4556404"/>
+          </a:xfrm>
+          <a:prstGeom prst="rect">
+            <a:avLst/>
+          </a:prstGeom>
+          <a:solidFill>
+            <a:schemeClr val="bg2">
+              <a:lumMod val="90000"/>
+              <a:alpha val="70000"/>
+            </a:schemeClr>
+          </a:solidFill>
+          <a:ln>
+            <a:noFill/>
+          </a:ln>
+        </p:spPr>
+        <p:style>
+          <a:lnRef idx="2">
+            <a:schemeClr val="accent1">
+              <a:shade val="50000"/>
+            </a:schemeClr>
+          </a:lnRef>
+          <a:fillRef idx="1">
+            <a:schemeClr val="accent1"/>
+          </a:fillRef>
+          <a:effectRef idx="0">
+            <a:schemeClr val="accent1"/>
+          </a:effectRef>
+          <a:fontRef idx="minor">
+            <a:schemeClr val="lt1"/>
+          </a:fontRef>
+        </p:style>
+        <p:txBody>
+          <a:bodyPr rtlCol="0" anchor="ctr"/>
+          <a:lstStyle/>
+          <a:p>
+            <a:pPr algn="ctr">
+              <a:defRPr/>
+            </a:pPr>
+            <a:endParaRPr lang="en-US" sz="1196" dirty="0">
+              <a:solidFill>
+                <a:prstClr val="black">
+                  <a:lumMod val="65000"/>
+                  <a:lumOff val="35000"/>
+                </a:prstClr>
+              </a:solidFill>
+              <a:latin typeface="AvenirNext LT Pro Medium" panose="020B0504020202020204" pitchFamily="34" charset="0"/>
+            </a:endParaRPr>
+          </a:p>
+        </p:txBody>
+      </p:sp>
+      <p:pic>
+        <p:nvPicPr>
+          <p:cNvPr id="12" name="Picture 11">
+            <a:extLst>
+              <a:ext uri="{FF2B5EF4-FFF2-40B4-BE49-F238E27FC236}">
+                <a16:creationId xmlns:a16="http://schemas.microsoft.com/office/drawing/2014/main" id="{BC526B7A-4801-4FD1-95C8-03AF22629E87}"/>
+              </a:ext>
+              <a:ext uri="{C183D7F6-B498-43B3-948B-1728B52AA6E4}">
+                <adec:decorative xmlns:adec="http://schemas.microsoft.com/office/drawing/2017/decorative" val="1"/>
+              </a:ext>
+            </a:extLst>
+          </p:cNvPr>
+          <p:cNvPicPr>
+            <a:picLocks noGrp="1" noRot="1" noChangeAspect="1" noMove="1" noResize="1" noEditPoints="1" noAdjustHandles="1" noChangeArrowheads="1" noChangeShapeType="1" noCrop="1"/>
+          </p:cNvPicPr>
+          <p:nvPr>
+            <p:extLst>
+              <p:ext uri="{386F3935-93C4-4BCD-93E2-E3B085C9AB24}">
+                <p16:designElem xmlns:p16="http://schemas.microsoft.com/office/powerpoint/2015/main" val="1"/>
+              </p:ext>
+            </p:extLst>
+          </p:nvPr>
+        </p:nvPicPr>
+        <p:blipFill>
+          <a:blip r:embed="rId2">
+            <a:alphaModFix amt="10000"/>
+            <a:extLst>
+              <a:ext uri="{28A0092B-C50C-407E-A947-70E740481C1C}">
+                <a14:useLocalDpi xmlns:a14="http://schemas.microsoft.com/office/drawing/2010/main" val="0"/>
+              </a:ext>
+            </a:extLst>
+          </a:blip>
+          <a:stretch>
+            <a:fillRect/>
+          </a:stretch>
+        </p:blipFill>
+        <p:spPr>
+          <a:xfrm>
+            <a:off x="8820159" y="3121682"/>
+            <a:ext cx="2428095" cy="3039825"/>
+          </a:xfrm>
+          <a:prstGeom prst="rect">
+            <a:avLst/>
+          </a:prstGeom>
+        </p:spPr>
+      </p:pic>
+      <p:sp useBgFill="1">
+        <p:nvSpPr>
+          <p:cNvPr id="14" name="Rectangle 13">
+            <a:extLst>
+              <a:ext uri="{FF2B5EF4-FFF2-40B4-BE49-F238E27FC236}">
+                <a16:creationId xmlns:a16="http://schemas.microsoft.com/office/drawing/2014/main" id="{37FDDF72-DE39-4F99-A3C1-DD9D7815D7DB}"/>
+              </a:ext>
+              <a:ext uri="{C183D7F6-B498-43B3-948B-1728B52AA6E4}">
+                <adec:decorative xmlns:adec="http://schemas.microsoft.com/office/drawing/2017/decorative" val="1"/>
+              </a:ext>
+            </a:extLst>
+          </p:cNvPr>
+          <p:cNvSpPr>
+            <a:spLocks noGrp="1" noRot="1" noChangeAspect="1" noMove="1" noResize="1" noEditPoints="1" noAdjustHandles="1" noChangeArrowheads="1" noChangeShapeType="1" noTextEdit="1"/>
+          </p:cNvSpPr>
+          <p:nvPr>
+            <p:extLst>
+              <p:ext uri="{386F3935-93C4-4BCD-93E2-E3B085C9AB24}">
+                <p16:designElem xmlns:p16="http://schemas.microsoft.com/office/powerpoint/2015/main" val="1"/>
+              </p:ext>
+            </p:extLst>
+          </p:nvPr>
+        </p:nvSpPr>
+        <p:spPr>
+          <a:xfrm>
+            <a:off x="3149972" y="3121681"/>
+            <a:ext cx="8100269" cy="4556401"/>
+          </a:xfrm>
+          <a:prstGeom prst="rect">
+            <a:avLst/>
+          </a:prstGeom>
+          <a:ln>
+            <a:noFill/>
+          </a:ln>
+        </p:spPr>
+        <p:style>
+          <a:lnRef idx="2">
+            <a:schemeClr val="accent1">
+              <a:shade val="50000"/>
+            </a:schemeClr>
+          </a:lnRef>
+          <a:fillRef idx="1">
+            <a:schemeClr val="accent1"/>
+          </a:fillRef>
+          <a:effectRef idx="0">
+            <a:schemeClr val="accent1"/>
+          </a:effectRef>
+          <a:fontRef idx="minor">
+            <a:schemeClr val="lt1"/>
+          </a:fontRef>
+        </p:style>
+        <p:txBody>
+          <a:bodyPr rtlCol="0" anchor="ctr"/>
+          <a:lstStyle/>
+          <a:p>
+            <a:pPr algn="ctr">
+              <a:defRPr/>
+            </a:pPr>
+            <a:endParaRPr lang="en-US" sz="1196" dirty="0">
+              <a:solidFill>
+                <a:prstClr val="black">
+                  <a:lumMod val="65000"/>
+                  <a:lumOff val="35000"/>
+                </a:prstClr>
+              </a:solidFill>
+              <a:latin typeface="AvenirNext LT Pro Medium" panose="020B0504020202020204" pitchFamily="34" charset="0"/>
+            </a:endParaRPr>
+          </a:p>
+        </p:txBody>
+      </p:sp>
+      <p:sp>
+        <p:nvSpPr>
+          <p:cNvPr id="16" name="Rectangle 15">
+            <a:extLst>
+              <a:ext uri="{FF2B5EF4-FFF2-40B4-BE49-F238E27FC236}">
+                <a16:creationId xmlns:a16="http://schemas.microsoft.com/office/drawing/2014/main" id="{5E4ECE80-3AD1-450C-B62A-98788F193948}"/>
+              </a:ext>
+              <a:ext uri="{C183D7F6-B498-43B3-948B-1728B52AA6E4}">
+                <adec:decorative xmlns:adec="http://schemas.microsoft.com/office/drawing/2017/decorative" val="1"/>
+              </a:ext>
+            </a:extLst>
+          </p:cNvPr>
+          <p:cNvSpPr>
+            <a:spLocks noGrp="1" noRot="1" noChangeAspect="1" noMove="1" noResize="1" noEditPoints="1" noAdjustHandles="1" noChangeArrowheads="1" noChangeShapeType="1" noTextEdit="1"/>
+          </p:cNvSpPr>
+          <p:nvPr>
+            <p:extLst>
+              <p:ext uri="{386F3935-93C4-4BCD-93E2-E3B085C9AB24}">
+                <p16:designElem xmlns:p16="http://schemas.microsoft.com/office/powerpoint/2015/main" val="1"/>
+              </p:ext>
+            </p:extLst>
+          </p:nvPr>
+        </p:nvSpPr>
+        <p:spPr>
+          <a:xfrm>
+            <a:off x="3149972" y="3121681"/>
+            <a:ext cx="8100269" cy="4556401"/>
+          </a:xfrm>
+          <a:prstGeom prst="rect">
+            <a:avLst/>
+          </a:prstGeom>
+          <a:solidFill>
+            <a:srgbClr val="000000"/>
+          </a:solidFill>
+          <a:ln>
+            <a:noFill/>
+          </a:ln>
+        </p:spPr>
+        <p:style>
+          <a:lnRef idx="2">
+            <a:schemeClr val="accent1">
+              <a:shade val="50000"/>
+            </a:schemeClr>
+          </a:lnRef>
+          <a:fillRef idx="1">
+            <a:schemeClr val="accent1"/>
+          </a:fillRef>
+          <a:effectRef idx="0">
+            <a:schemeClr val="accent1"/>
+          </a:effectRef>
+          <a:fontRef idx="minor">
+            <a:schemeClr val="lt1"/>
+          </a:fontRef>
+        </p:style>
+        <p:txBody>
+          <a:bodyPr rtlCol="0" anchor="ctr"/>
+          <a:lstStyle/>
+          <a:p>
+            <a:pPr algn="ctr">
+              <a:defRPr/>
+            </a:pPr>
+            <a:endParaRPr lang="en-US" sz="1196" dirty="0">
+              <a:solidFill>
+                <a:prstClr val="black">
+                  <a:lumMod val="65000"/>
+                  <a:lumOff val="35000"/>
+                </a:prstClr>
+              </a:solidFill>
+              <a:latin typeface="AvenirNext LT Pro Medium" panose="020B0504020202020204" pitchFamily="34" charset="0"/>
+            </a:endParaRPr>
+          </a:p>
+        </p:txBody>
+      </p:sp>
+      <p:pic>
+        <p:nvPicPr>
+          <p:cNvPr id="5" name="Imagem 4">
+            <a:extLst>
+              <a:ext uri="{FF2B5EF4-FFF2-40B4-BE49-F238E27FC236}">
+                <a16:creationId xmlns:a16="http://schemas.microsoft.com/office/drawing/2014/main" id="{F1433EF1-FB6D-4913-96C9-08F0B1B3CA7A}"/>
+              </a:ext>
+            </a:extLst>
+          </p:cNvPr>
+          <p:cNvPicPr>
+            <a:picLocks noChangeAspect="1"/>
+          </p:cNvPicPr>
+          <p:nvPr/>
+        </p:nvPicPr>
+        <p:blipFill rotWithShape="1">
+          <a:blip r:embed="rId3">
+            <a:alphaModFix/>
+            <a:extLst>
+              <a:ext uri="{28A0092B-C50C-407E-A947-70E740481C1C}">
+                <a14:useLocalDpi xmlns:a14="http://schemas.microsoft.com/office/drawing/2010/main" val="0"/>
+              </a:ext>
+            </a:extLst>
+          </a:blip>
+          <a:srcRect l="5233" t="-2125" r="6244" b="-538"/>
+          <a:stretch/>
+        </p:blipFill>
+        <p:spPr>
+          <a:xfrm>
+            <a:off x="-1" y="-347792"/>
+            <a:ext cx="14400213" cy="11147555"/>
+          </a:xfrm>
+          <a:prstGeom prst="rect">
+            <a:avLst/>
+          </a:prstGeom>
+        </p:spPr>
+      </p:pic>
+      <p:sp>
+        <p:nvSpPr>
+          <p:cNvPr id="50" name="Retângulo 49">
+            <a:extLst>
+              <a:ext uri="{FF2B5EF4-FFF2-40B4-BE49-F238E27FC236}">
+                <a16:creationId xmlns:a16="http://schemas.microsoft.com/office/drawing/2014/main" id="{50614AED-75DE-4550-9029-54313F89BD12}"/>
+              </a:ext>
+            </a:extLst>
+          </p:cNvPr>
+          <p:cNvSpPr/>
+          <p:nvPr/>
+        </p:nvSpPr>
+        <p:spPr>
+          <a:xfrm>
+            <a:off x="3186646" y="311571"/>
+            <a:ext cx="8052791" cy="992583"/>
+          </a:xfrm>
+          <a:prstGeom prst="rect">
+            <a:avLst/>
+          </a:prstGeom>
+          <a:noFill/>
+        </p:spPr>
+        <p:txBody>
+          <a:bodyPr wrap="square" lIns="68584" tIns="34292" rIns="68584" bIns="34292">
+            <a:spAutoFit/>
+          </a:bodyPr>
+          <a:lstStyle/>
+          <a:p>
+            <a:pPr algn="ctr"/>
+            <a:r>
+              <a:rPr lang="pt-BR" sz="6000" dirty="0">
+                <a:ln w="38100">
+                  <a:solidFill>
+                    <a:schemeClr val="bg1"/>
+                  </a:solidFill>
+                </a:ln>
+                <a:solidFill>
+                  <a:srgbClr val="00B050"/>
+                </a:solidFill>
+                <a:effectLst>
+                  <a:outerShdw blurRad="38100" dist="19050" dir="2700000" algn="tl" rotWithShape="0">
+                    <a:schemeClr val="dk1">
+                      <a:alpha val="40000"/>
+                    </a:schemeClr>
+                  </a:outerShdw>
+                </a:effectLst>
+                <a:latin typeface="Exo 2 Extra Bold" panose="00000900000000000000" pitchFamily="50" charset="0"/>
+              </a:rPr>
+              <a:t>Liga Principal</a:t>
+            </a:r>
+          </a:p>
+        </p:txBody>
+      </p:sp>
+      <p:sp>
+        <p:nvSpPr>
+          <p:cNvPr id="53" name="Retângulo 52">
+            <a:extLst>
+              <a:ext uri="{FF2B5EF4-FFF2-40B4-BE49-F238E27FC236}">
+                <a16:creationId xmlns:a16="http://schemas.microsoft.com/office/drawing/2014/main" id="{F101E0BF-8A68-40B9-BC26-35C299182F52}"/>
+              </a:ext>
+            </a:extLst>
+          </p:cNvPr>
+          <p:cNvSpPr/>
+          <p:nvPr/>
+        </p:nvSpPr>
+        <p:spPr>
+          <a:xfrm>
+            <a:off x="336776" y="1104608"/>
+            <a:ext cx="13909452" cy="1177249"/>
+          </a:xfrm>
+          <a:prstGeom prst="rect">
+            <a:avLst/>
+          </a:prstGeom>
+          <a:noFill/>
+        </p:spPr>
+        <p:txBody>
+          <a:bodyPr wrap="square" lIns="68584" tIns="34292" rIns="68584" bIns="34292">
+            <a:spAutoFit/>
+          </a:bodyPr>
+          <a:lstStyle/>
+          <a:p>
+            <a:pPr algn="ctr"/>
+            <a:r>
+              <a:rPr lang="pt-BR" sz="7200" dirty="0">
+                <a:ln w="0">
+                  <a:noFill/>
+                </a:ln>
+                <a:effectLst>
+                  <a:outerShdw blurRad="38100" dist="19050" dir="2700000" algn="tl" rotWithShape="0">
+                    <a:schemeClr val="dk1">
+                      <a:alpha val="40000"/>
+                    </a:schemeClr>
+                  </a:outerShdw>
+                </a:effectLst>
+                <a:latin typeface="Exo 2 Extra Bold" panose="00000900000000000000" pitchFamily="50" charset="0"/>
+              </a:rPr>
+              <a:t>MATA-MATA SÉRIE C 2</a:t>
+            </a:r>
+          </a:p>
+        </p:txBody>
+      </p:sp>
+      <p:pic>
+        <p:nvPicPr>
+          <p:cNvPr id="15" name="Imagem 14">
+            <a:extLst>
+              <a:ext uri="{FF2B5EF4-FFF2-40B4-BE49-F238E27FC236}">
+                <a16:creationId xmlns:a16="http://schemas.microsoft.com/office/drawing/2014/main" id="{780D6AE4-2B31-43CF-8A3B-9ACC73C32FE9}"/>
+              </a:ext>
+            </a:extLst>
+          </p:cNvPr>
+          <p:cNvPicPr>
+            <a:picLocks noChangeAspect="1"/>
+          </p:cNvPicPr>
+          <p:nvPr/>
+        </p:nvPicPr>
+        <p:blipFill>
+          <a:blip r:embed="rId4">
+            <a:extLst>
+              <a:ext uri="{28A0092B-C50C-407E-A947-70E740481C1C}">
+                <a14:useLocalDpi xmlns:a14="http://schemas.microsoft.com/office/drawing/2010/main" val="0"/>
+              </a:ext>
+            </a:extLst>
+          </a:blip>
+          <a:stretch>
+            <a:fillRect/>
+          </a:stretch>
+        </p:blipFill>
+        <p:spPr>
+          <a:xfrm>
+            <a:off x="336776" y="194284"/>
+            <a:ext cx="2059134" cy="2160000"/>
+          </a:xfrm>
+          <a:prstGeom prst="rect">
+            <a:avLst/>
+          </a:prstGeom>
+        </p:spPr>
+      </p:pic>
+      <p:sp>
+        <p:nvSpPr>
+          <p:cNvPr id="10" name="Retângulo 9">
+            <a:extLst>
+              <a:ext uri="{FF2B5EF4-FFF2-40B4-BE49-F238E27FC236}">
+                <a16:creationId xmlns:a16="http://schemas.microsoft.com/office/drawing/2014/main" id="{838BDC98-3287-4575-8574-56F716FB2440}"/>
+              </a:ext>
+            </a:extLst>
+          </p:cNvPr>
+          <p:cNvSpPr/>
+          <p:nvPr/>
+        </p:nvSpPr>
+        <p:spPr>
+          <a:xfrm>
+            <a:off x="581891" y="2892935"/>
+            <a:ext cx="13267927" cy="3039825"/>
+          </a:xfrm>
+          <a:prstGeom prst="rect">
+            <a:avLst/>
+          </a:prstGeom>
+          <a:solidFill>
+            <a:schemeClr val="tx1">
+              <a:alpha val="81000"/>
+            </a:schemeClr>
+          </a:solidFill>
+        </p:spPr>
+        <p:style>
+          <a:lnRef idx="2">
+            <a:schemeClr val="accent1">
+              <a:shade val="50000"/>
+            </a:schemeClr>
+          </a:lnRef>
+          <a:fillRef idx="1">
+            <a:schemeClr val="accent1"/>
+          </a:fillRef>
+          <a:effectRef idx="0">
+            <a:schemeClr val="accent1"/>
+          </a:effectRef>
+          <a:fontRef idx="minor">
+            <a:schemeClr val="lt1"/>
+          </a:fontRef>
+        </p:style>
+        <p:txBody>
+          <a:bodyPr rtlCol="0" anchor="ctr"/>
+          <a:lstStyle/>
+          <a:p>
+            <a:pPr algn="ctr"/>
+            <a:endParaRPr lang="pt-BR"/>
+          </a:p>
+        </p:txBody>
+      </p:sp>
+      <p:sp>
+        <p:nvSpPr>
+          <p:cNvPr id="21" name="Retângulo 20">
+            <a:extLst>
+              <a:ext uri="{FF2B5EF4-FFF2-40B4-BE49-F238E27FC236}">
+                <a16:creationId xmlns:a16="http://schemas.microsoft.com/office/drawing/2014/main" id="{95EDB8CB-8377-4925-B478-560C3F615037}"/>
+              </a:ext>
+            </a:extLst>
+          </p:cNvPr>
+          <p:cNvSpPr/>
+          <p:nvPr/>
+        </p:nvSpPr>
+        <p:spPr>
+          <a:xfrm>
+            <a:off x="581891" y="6704292"/>
+            <a:ext cx="13267927" cy="3038400"/>
+          </a:xfrm>
+          <a:prstGeom prst="rect">
+            <a:avLst/>
+          </a:prstGeom>
+          <a:solidFill>
+            <a:schemeClr val="tx1">
+              <a:alpha val="81000"/>
+            </a:schemeClr>
+          </a:solidFill>
+        </p:spPr>
+        <p:style>
+          <a:lnRef idx="2">
+            <a:schemeClr val="accent1">
+              <a:shade val="50000"/>
+            </a:schemeClr>
+          </a:lnRef>
+          <a:fillRef idx="1">
+            <a:schemeClr val="accent1"/>
+          </a:fillRef>
+          <a:effectRef idx="0">
+            <a:schemeClr val="accent1"/>
+          </a:effectRef>
+          <a:fontRef idx="minor">
+            <a:schemeClr val="lt1"/>
+          </a:fontRef>
+        </p:style>
+        <p:txBody>
+          <a:bodyPr rtlCol="0" anchor="ctr"/>
+          <a:lstStyle/>
+          <a:p>
+            <a:pPr algn="ctr"/>
+            <a:endParaRPr lang="pt-BR"/>
+          </a:p>
+        </p:txBody>
+      </p:sp>
+      <p:sp>
+        <p:nvSpPr>
+          <p:cNvPr id="23" name="Retângulo 22">
+            <a:extLst>
+              <a:ext uri="{FF2B5EF4-FFF2-40B4-BE49-F238E27FC236}">
+                <a16:creationId xmlns:a16="http://schemas.microsoft.com/office/drawing/2014/main" id="{ED87CD67-A438-4F74-986A-3704AF997953}"/>
+              </a:ext>
+            </a:extLst>
+          </p:cNvPr>
+          <p:cNvSpPr/>
+          <p:nvPr/>
+        </p:nvSpPr>
+        <p:spPr>
+          <a:xfrm>
+            <a:off x="5308448" y="2906454"/>
+            <a:ext cx="3789504" cy="684807"/>
+          </a:xfrm>
+          <a:prstGeom prst="rect">
+            <a:avLst/>
+          </a:prstGeom>
+          <a:noFill/>
+        </p:spPr>
+        <p:txBody>
+          <a:bodyPr wrap="square" lIns="68584" tIns="34292" rIns="68584" bIns="34292">
+            <a:spAutoFit/>
+          </a:bodyPr>
+          <a:lstStyle/>
+          <a:p>
+            <a:pPr algn="ctr"/>
+            <a:r>
+              <a:rPr lang="pt-BR" sz="4000" dirty="0">
+                <a:ln w="0">
+                  <a:noFill/>
+                </a:ln>
+                <a:solidFill>
+                  <a:srgbClr val="0070C0"/>
+                </a:solidFill>
+                <a:effectLst>
+                  <a:outerShdw blurRad="38100" dist="19050" dir="2700000" algn="tl" rotWithShape="0">
+                    <a:schemeClr val="dk1">
+                      <a:alpha val="40000"/>
+                    </a:schemeClr>
+                  </a:outerShdw>
+                </a:effectLst>
+                <a:latin typeface="Exo 2 Extra Bold" panose="00000900000000000000" pitchFamily="50" charset="0"/>
+              </a:rPr>
+              <a:t>Final</a:t>
+            </a:r>
+          </a:p>
+        </p:txBody>
+      </p:sp>
+      <p:sp>
+        <p:nvSpPr>
+          <p:cNvPr id="24" name="Retângulo 23">
+            <a:extLst>
+              <a:ext uri="{FF2B5EF4-FFF2-40B4-BE49-F238E27FC236}">
+                <a16:creationId xmlns:a16="http://schemas.microsoft.com/office/drawing/2014/main" id="{522A4ACC-EC27-4A14-BA66-B0EB03535C7B}"/>
+              </a:ext>
+            </a:extLst>
+          </p:cNvPr>
+          <p:cNvSpPr/>
+          <p:nvPr/>
+        </p:nvSpPr>
+        <p:spPr>
+          <a:xfrm>
+            <a:off x="5321993" y="6726594"/>
+            <a:ext cx="3789503" cy="684807"/>
+          </a:xfrm>
+          <a:prstGeom prst="rect">
+            <a:avLst/>
+          </a:prstGeom>
+          <a:noFill/>
+        </p:spPr>
+        <p:txBody>
+          <a:bodyPr wrap="square" lIns="68584" tIns="34292" rIns="68584" bIns="34292">
+            <a:spAutoFit/>
+          </a:bodyPr>
+          <a:lstStyle/>
+          <a:p>
+            <a:pPr algn="ctr"/>
+            <a:r>
+              <a:rPr lang="pt-BR" sz="4000" dirty="0">
+                <a:ln w="0">
+                  <a:noFill/>
+                </a:ln>
+                <a:solidFill>
+                  <a:srgbClr val="0070C0"/>
+                </a:solidFill>
+                <a:effectLst>
+                  <a:outerShdw blurRad="38100" dist="19050" dir="2700000" algn="tl" rotWithShape="0">
+                    <a:schemeClr val="dk1">
+                      <a:alpha val="40000"/>
+                    </a:schemeClr>
+                  </a:outerShdw>
+                </a:effectLst>
+                <a:latin typeface="Exo 2 Extra Bold" panose="00000900000000000000" pitchFamily="50" charset="0"/>
+              </a:rPr>
+              <a:t>3º Lugar</a:t>
+            </a:r>
+          </a:p>
+        </p:txBody>
+      </p:sp>
+      <p:pic>
+        <p:nvPicPr>
+          <p:cNvPr id="2" name="Imagem 1">
+            <a:extLst>
+              <a:ext uri="{FF2B5EF4-FFF2-40B4-BE49-F238E27FC236}">
+                <a16:creationId xmlns:a16="http://schemas.microsoft.com/office/drawing/2014/main" id="{F7E77FFA-E3B9-4BA3-9340-F08F7F50B63F}"/>
+              </a:ext>
+            </a:extLst>
+          </p:cNvPr>
+          <p:cNvPicPr>
+            <a:picLocks noChangeAspect="1"/>
+          </p:cNvPicPr>
+          <p:nvPr/>
+        </p:nvPicPr>
+        <p:blipFill>
+          <a:blip r:embed="rId5"/>
+          <a:stretch>
+            <a:fillRect/>
+          </a:stretch>
+        </p:blipFill>
+        <p:spPr>
+          <a:xfrm>
+            <a:off x="911744" y="4039885"/>
+            <a:ext cx="12600000" cy="1054245"/>
+          </a:xfrm>
+          <a:prstGeom prst="rect">
+            <a:avLst/>
+          </a:prstGeom>
+        </p:spPr>
+      </p:pic>
+      <p:pic>
+        <p:nvPicPr>
+          <p:cNvPr id="3" name="Imagem 2">
+            <a:extLst>
+              <a:ext uri="{FF2B5EF4-FFF2-40B4-BE49-F238E27FC236}">
+                <a16:creationId xmlns:a16="http://schemas.microsoft.com/office/drawing/2014/main" id="{A92ADFA9-CAC0-48FF-B052-748A47B49FE8}"/>
+              </a:ext>
+            </a:extLst>
+          </p:cNvPr>
+          <p:cNvPicPr>
+            <a:picLocks noChangeAspect="1"/>
+          </p:cNvPicPr>
+          <p:nvPr/>
+        </p:nvPicPr>
+        <p:blipFill>
+          <a:blip r:embed="rId6"/>
+          <a:stretch>
+            <a:fillRect/>
+          </a:stretch>
+        </p:blipFill>
+        <p:spPr>
+          <a:xfrm>
+            <a:off x="913581" y="7945200"/>
+            <a:ext cx="12600000" cy="1054245"/>
+          </a:xfrm>
+          <a:prstGeom prst="rect">
+            <a:avLst/>
+          </a:prstGeom>
+        </p:spPr>
+      </p:pic>
+    </p:spTree>
+    <p:extLst>
+      <p:ext uri="{BB962C8B-B14F-4D97-AF65-F5344CB8AC3E}">
+        <p14:creationId xmlns:p14="http://schemas.microsoft.com/office/powerpoint/2010/main" val="591961572"/>
+      </p:ext>
+    </p:extLst>
+  </p:cSld>
+  <p:clrMapOvr>
+    <a:masterClrMapping/>
+  </p:clrMapOvr>
+</p:sld>
+</file>
+
 <file path=ppt/slides/slide2.xml><?xml version="1.0" encoding="utf-8"?>
 <p:sld xmlns:a="http://schemas.openxmlformats.org/drawingml/2006/main" xmlns:r="http://schemas.openxmlformats.org/officeDocument/2006/relationships" xmlns:p="http://schemas.openxmlformats.org/presentationml/2006/main">
   <p:cSld>
@@ -6081,10 +6823,10 @@
       </p:pic>
       <p:sp>
         <p:nvSpPr>
-          <p:cNvPr id="50" name="Retângulo 49">
-            <a:extLst>
-              <a:ext uri="{FF2B5EF4-FFF2-40B4-BE49-F238E27FC236}">
-                <a16:creationId xmlns:a16="http://schemas.microsoft.com/office/drawing/2014/main" id="{50614AED-75DE-4550-9029-54313F89BD12}"/>
+          <p:cNvPr id="53" name="Retângulo 52">
+            <a:extLst>
+              <a:ext uri="{FF2B5EF4-FFF2-40B4-BE49-F238E27FC236}">
+                <a16:creationId xmlns:a16="http://schemas.microsoft.com/office/drawing/2014/main" id="{F101E0BF-8A68-40B9-BC26-35C299182F52}"/>
               </a:ext>
             </a:extLst>
           </p:cNvPr>
@@ -6093,60 +6835,7 @@
         </p:nvSpPr>
         <p:spPr>
           <a:xfrm>
-            <a:off x="3186646" y="311571"/>
-            <a:ext cx="8052791" cy="992583"/>
-          </a:xfrm>
-          <a:prstGeom prst="rect">
-            <a:avLst/>
-          </a:prstGeom>
-          <a:noFill/>
-        </p:spPr>
-        <p:txBody>
-          <a:bodyPr wrap="square" lIns="68584" tIns="34292" rIns="68584" bIns="34292">
-            <a:spAutoFit/>
-          </a:bodyPr>
-          <a:lstStyle/>
-          <a:p>
-            <a:pPr algn="ctr"/>
-            <a:r>
-              <a:rPr lang="pt-BR" sz="6000" dirty="0">
-                <a:ln w="38100">
-                  <a:solidFill>
-                    <a:schemeClr val="bg1"/>
-                  </a:solidFill>
-                </a:ln>
-                <a:solidFill>
-                  <a:srgbClr val="00B050"/>
-                </a:solidFill>
-                <a:effectLst>
-                  <a:outerShdw blurRad="38100" dist="19050" dir="2700000" algn="tl" rotWithShape="0">
-                    <a:schemeClr val="dk1">
-                      <a:alpha val="40000"/>
-                    </a:schemeClr>
-                  </a:outerShdw>
-                </a:effectLst>
-                <a:latin typeface="Exo 2 Extra Bold" panose="00000900000000000000" pitchFamily="50" charset="0"/>
-              </a:rPr>
-              <a:t>Liga Principal</a:t>
-            </a:r>
-          </a:p>
-        </p:txBody>
-      </p:sp>
-      <p:sp>
-        <p:nvSpPr>
-          <p:cNvPr id="53" name="Retângulo 52">
-            <a:extLst>
-              <a:ext uri="{FF2B5EF4-FFF2-40B4-BE49-F238E27FC236}">
-                <a16:creationId xmlns:a16="http://schemas.microsoft.com/office/drawing/2014/main" id="{F101E0BF-8A68-40B9-BC26-35C299182F52}"/>
-              </a:ext>
-            </a:extLst>
-          </p:cNvPr>
-          <p:cNvSpPr/>
-          <p:nvPr/>
-        </p:nvSpPr>
-        <p:spPr>
-          <a:xfrm>
-            <a:off x="336776" y="1104608"/>
+            <a:off x="989921" y="451466"/>
             <a:ext cx="13909452" cy="1177249"/>
           </a:xfrm>
           <a:prstGeom prst="rect">
@@ -6175,7 +6864,26 @@
                 </a:effectLst>
                 <a:latin typeface="Exo 2 Extra Bold" panose="00000900000000000000" pitchFamily="50" charset="0"/>
               </a:rPr>
-              <a:t>MATA-MATA SÉRIE C 2</a:t>
+              <a:t>MATA-MATA EM </a:t>
+            </a:r>
+            <a:r>
+              <a:rPr lang="pt-BR" sz="7200" dirty="0">
+                <a:ln w="0">
+                  <a:noFill/>
+                </a:ln>
+                <a:solidFill>
+                  <a:srgbClr val="00B050"/>
+                </a:solidFill>
+                <a:effectLst>
+                  <a:outerShdw blurRad="38100" dist="19050" dir="2700000" algn="tl" rotWithShape="0">
+                    <a:schemeClr val="dk1">
+                      <a:alpha val="40000"/>
+                    </a:schemeClr>
+                  </a:outerShdw>
+                </a:effectLst>
+                <a:latin typeface="Exo 2 Extra Bold" panose="00000900000000000000" pitchFamily="50" charset="0"/>
+              </a:rPr>
+              <a:t>DUPLAS</a:t>
             </a:r>
           </a:p>
         </p:txBody>
@@ -6208,7 +6916,7 @@
         </p:blipFill>
         <p:spPr>
           <a:xfrm>
-            <a:off x="336776" y="194284"/>
+            <a:off x="31978" y="-1656"/>
             <a:ext cx="2059134" cy="2160000"/>
           </a:xfrm>
           <a:prstGeom prst="rect">
@@ -6230,8 +6938,8 @@
         </p:nvSpPr>
         <p:spPr>
           <a:xfrm>
-            <a:off x="2888673" y="2227185"/>
-            <a:ext cx="8624453" cy="4212000"/>
+            <a:off x="271463" y="2611466"/>
+            <a:ext cx="13909451" cy="6946191"/>
           </a:xfrm>
           <a:prstGeom prst="rect">
             <a:avLst/>
@@ -6269,10 +6977,10 @@
       </p:sp>
       <p:sp>
         <p:nvSpPr>
-          <p:cNvPr id="21" name="Retângulo 20">
-            <a:extLst>
-              <a:ext uri="{FF2B5EF4-FFF2-40B4-BE49-F238E27FC236}">
-                <a16:creationId xmlns:a16="http://schemas.microsoft.com/office/drawing/2014/main" id="{95EDB8CB-8377-4925-B478-560C3F615037}"/>
+          <p:cNvPr id="23" name="Retângulo 22">
+            <a:extLst>
+              <a:ext uri="{FF2B5EF4-FFF2-40B4-BE49-F238E27FC236}">
+                <a16:creationId xmlns:a16="http://schemas.microsoft.com/office/drawing/2014/main" id="{ED87CD67-A438-4F74-986A-3704AF997953}"/>
               </a:ext>
             </a:extLst>
           </p:cNvPr>
@@ -6281,59 +6989,8 @@
         </p:nvSpPr>
         <p:spPr>
           <a:xfrm>
-            <a:off x="2887087" y="6505978"/>
-            <a:ext cx="8624453" cy="4212000"/>
-          </a:xfrm>
-          <a:prstGeom prst="rect">
-            <a:avLst/>
-          </a:prstGeom>
-          <a:solidFill>
-            <a:schemeClr val="tx1">
-              <a:alpha val="81000"/>
-            </a:schemeClr>
-          </a:solidFill>
-        </p:spPr>
-        <p:style>
-          <a:lnRef idx="2">
-            <a:schemeClr val="accent1">
-              <a:shade val="50000"/>
-            </a:schemeClr>
-          </a:lnRef>
-          <a:fillRef idx="1">
-            <a:schemeClr val="accent1"/>
-          </a:fillRef>
-          <a:effectRef idx="0">
-            <a:schemeClr val="accent1"/>
-          </a:effectRef>
-          <a:fontRef idx="minor">
-            <a:schemeClr val="lt1"/>
-          </a:fontRef>
-        </p:style>
-        <p:txBody>
-          <a:bodyPr rtlCol="0" anchor="ctr"/>
-          <a:lstStyle/>
-          <a:p>
-            <a:pPr algn="ctr"/>
-            <a:endParaRPr lang="pt-BR"/>
-          </a:p>
-        </p:txBody>
-      </p:sp>
-      <p:sp>
-        <p:nvSpPr>
-          <p:cNvPr id="23" name="Retângulo 22">
-            <a:extLst>
-              <a:ext uri="{FF2B5EF4-FFF2-40B4-BE49-F238E27FC236}">
-                <a16:creationId xmlns:a16="http://schemas.microsoft.com/office/drawing/2014/main" id="{ED87CD67-A438-4F74-986A-3704AF997953}"/>
-              </a:ext>
-            </a:extLst>
-          </p:cNvPr>
-          <p:cNvSpPr/>
-          <p:nvPr/>
-        </p:nvSpPr>
-        <p:spPr>
-          <a:xfrm>
-            <a:off x="5308448" y="2179089"/>
-            <a:ext cx="3789504" cy="684807"/>
+            <a:off x="5308448" y="2396800"/>
+            <a:ext cx="3789504" cy="1084916"/>
           </a:xfrm>
           <a:prstGeom prst="rect">
             <a:avLst/>
@@ -6348,7 +7005,7 @@
           <a:p>
             <a:pPr algn="ctr"/>
             <a:r>
-              <a:rPr lang="pt-BR" sz="4000" dirty="0">
+              <a:rPr lang="pt-BR" sz="6600" dirty="0">
                 <a:ln w="0">
                   <a:noFill/>
                 </a:ln>
@@ -6369,63 +7026,12 @@
           </a:p>
         </p:txBody>
       </p:sp>
-      <p:sp>
-        <p:nvSpPr>
-          <p:cNvPr id="24" name="Retângulo 23">
-            <a:extLst>
-              <a:ext uri="{FF2B5EF4-FFF2-40B4-BE49-F238E27FC236}">
-                <a16:creationId xmlns:a16="http://schemas.microsoft.com/office/drawing/2014/main" id="{522A4ACC-EC27-4A14-BA66-B0EB03535C7B}"/>
-              </a:ext>
-            </a:extLst>
-          </p:cNvPr>
-          <p:cNvSpPr/>
-          <p:nvPr/>
-        </p:nvSpPr>
-        <p:spPr>
-          <a:xfrm>
-            <a:off x="5321993" y="6456434"/>
-            <a:ext cx="3789503" cy="684807"/>
-          </a:xfrm>
-          <a:prstGeom prst="rect">
-            <a:avLst/>
-          </a:prstGeom>
-          <a:noFill/>
-        </p:spPr>
-        <p:txBody>
-          <a:bodyPr wrap="square" lIns="68584" tIns="34292" rIns="68584" bIns="34292">
-            <a:spAutoFit/>
-          </a:bodyPr>
-          <a:lstStyle/>
-          <a:p>
-            <a:pPr algn="ctr"/>
-            <a:r>
-              <a:rPr lang="pt-BR" sz="4000" dirty="0">
-                <a:ln w="0">
-                  <a:noFill/>
-                </a:ln>
-                <a:solidFill>
-                  <a:srgbClr val="0070C0"/>
-                </a:solidFill>
-                <a:effectLst>
-                  <a:outerShdw blurRad="38100" dist="19050" dir="2700000" algn="tl" rotWithShape="0">
-                    <a:schemeClr val="dk1">
-                      <a:alpha val="40000"/>
-                    </a:schemeClr>
-                  </a:outerShdw>
-                </a:effectLst>
-                <a:latin typeface="Exo 2 Extra Bold" panose="00000900000000000000" pitchFamily="50" charset="0"/>
-              </a:rPr>
-              <a:t>Chave 2</a:t>
-            </a:r>
-          </a:p>
-        </p:txBody>
-      </p:sp>
       <p:pic>
         <p:nvPicPr>
-          <p:cNvPr id="4" name="Imagem 3">
-            <a:extLst>
-              <a:ext uri="{FF2B5EF4-FFF2-40B4-BE49-F238E27FC236}">
-                <a16:creationId xmlns:a16="http://schemas.microsoft.com/office/drawing/2014/main" id="{512B9476-6A18-41D0-9B5B-12DF7EF0B1C3}"/>
+          <p:cNvPr id="3" name="Imagem 2">
+            <a:extLst>
+              <a:ext uri="{FF2B5EF4-FFF2-40B4-BE49-F238E27FC236}">
+                <a16:creationId xmlns:a16="http://schemas.microsoft.com/office/drawing/2014/main" id="{66CDCB07-F02E-446A-9B73-E6219BEA863D}"/>
               </a:ext>
             </a:extLst>
           </p:cNvPr>
@@ -6442,38 +7048,8 @@
         </p:blipFill>
         <p:spPr>
           <a:xfrm>
-            <a:off x="3248992" y="2977248"/>
-            <a:ext cx="7920000" cy="3273293"/>
-          </a:xfrm>
-          <a:prstGeom prst="rect">
-            <a:avLst/>
-          </a:prstGeom>
-        </p:spPr>
-      </p:pic>
-      <p:pic>
-        <p:nvPicPr>
-          <p:cNvPr id="6" name="Imagem 5">
-            <a:extLst>
-              <a:ext uri="{FF2B5EF4-FFF2-40B4-BE49-F238E27FC236}">
-                <a16:creationId xmlns:a16="http://schemas.microsoft.com/office/drawing/2014/main" id="{5414BE82-7E93-4FD0-B725-E6977C813D18}"/>
-              </a:ext>
-            </a:extLst>
-          </p:cNvPr>
-          <p:cNvPicPr>
-            <a:picLocks noChangeAspect="1"/>
-          </p:cNvPicPr>
-          <p:nvPr/>
-        </p:nvPicPr>
-        <p:blipFill>
-          <a:blip r:embed="rId6"/>
-          <a:stretch>
-            <a:fillRect/>
-          </a:stretch>
-        </p:blipFill>
-        <p:spPr>
-          <a:xfrm>
-            <a:off x="3256744" y="7190785"/>
-            <a:ext cx="7920000" cy="3273293"/>
+            <a:off x="629948" y="3565663"/>
+            <a:ext cx="13188980" cy="5760000"/>
           </a:xfrm>
           <a:prstGeom prst="rect">
             <a:avLst/>
@@ -6821,10 +7397,10 @@
       </p:pic>
       <p:sp>
         <p:nvSpPr>
-          <p:cNvPr id="50" name="Retângulo 49">
-            <a:extLst>
-              <a:ext uri="{FF2B5EF4-FFF2-40B4-BE49-F238E27FC236}">
-                <a16:creationId xmlns:a16="http://schemas.microsoft.com/office/drawing/2014/main" id="{50614AED-75DE-4550-9029-54313F89BD12}"/>
+          <p:cNvPr id="53" name="Retângulo 52">
+            <a:extLst>
+              <a:ext uri="{FF2B5EF4-FFF2-40B4-BE49-F238E27FC236}">
+                <a16:creationId xmlns:a16="http://schemas.microsoft.com/office/drawing/2014/main" id="{F101E0BF-8A68-40B9-BC26-35C299182F52}"/>
               </a:ext>
             </a:extLst>
           </p:cNvPr>
@@ -6833,60 +7409,7 @@
         </p:nvSpPr>
         <p:spPr>
           <a:xfrm>
-            <a:off x="3186646" y="311571"/>
-            <a:ext cx="8052791" cy="992583"/>
-          </a:xfrm>
-          <a:prstGeom prst="rect">
-            <a:avLst/>
-          </a:prstGeom>
-          <a:noFill/>
-        </p:spPr>
-        <p:txBody>
-          <a:bodyPr wrap="square" lIns="68584" tIns="34292" rIns="68584" bIns="34292">
-            <a:spAutoFit/>
-          </a:bodyPr>
-          <a:lstStyle/>
-          <a:p>
-            <a:pPr algn="ctr"/>
-            <a:r>
-              <a:rPr lang="pt-BR" sz="6000" dirty="0">
-                <a:ln w="38100">
-                  <a:solidFill>
-                    <a:schemeClr val="bg1"/>
-                  </a:solidFill>
-                </a:ln>
-                <a:solidFill>
-                  <a:srgbClr val="00B050"/>
-                </a:solidFill>
-                <a:effectLst>
-                  <a:outerShdw blurRad="38100" dist="19050" dir="2700000" algn="tl" rotWithShape="0">
-                    <a:schemeClr val="dk1">
-                      <a:alpha val="40000"/>
-                    </a:schemeClr>
-                  </a:outerShdw>
-                </a:effectLst>
-                <a:latin typeface="Exo 2 Extra Bold" panose="00000900000000000000" pitchFamily="50" charset="0"/>
-              </a:rPr>
-              <a:t>Liga Principal</a:t>
-            </a:r>
-          </a:p>
-        </p:txBody>
-      </p:sp>
-      <p:sp>
-        <p:nvSpPr>
-          <p:cNvPr id="53" name="Retângulo 52">
-            <a:extLst>
-              <a:ext uri="{FF2B5EF4-FFF2-40B4-BE49-F238E27FC236}">
-                <a16:creationId xmlns:a16="http://schemas.microsoft.com/office/drawing/2014/main" id="{F101E0BF-8A68-40B9-BC26-35C299182F52}"/>
-              </a:ext>
-            </a:extLst>
-          </p:cNvPr>
-          <p:cNvSpPr/>
-          <p:nvPr/>
-        </p:nvSpPr>
-        <p:spPr>
-          <a:xfrm>
-            <a:off x="336776" y="1104608"/>
+            <a:off x="989921" y="451466"/>
             <a:ext cx="13909452" cy="1177249"/>
           </a:xfrm>
           <a:prstGeom prst="rect">
@@ -6915,7 +7438,26 @@
                 </a:effectLst>
                 <a:latin typeface="Exo 2 Extra Bold" panose="00000900000000000000" pitchFamily="50" charset="0"/>
               </a:rPr>
-              <a:t>MATA-MATA SÉRIE C 2</a:t>
+              <a:t>MATA-MATA EM </a:t>
+            </a:r>
+            <a:r>
+              <a:rPr lang="pt-BR" sz="7200" dirty="0">
+                <a:ln w="0">
+                  <a:noFill/>
+                </a:ln>
+                <a:solidFill>
+                  <a:srgbClr val="00B050"/>
+                </a:solidFill>
+                <a:effectLst>
+                  <a:outerShdw blurRad="38100" dist="19050" dir="2700000" algn="tl" rotWithShape="0">
+                    <a:schemeClr val="dk1">
+                      <a:alpha val="40000"/>
+                    </a:schemeClr>
+                  </a:outerShdw>
+                </a:effectLst>
+                <a:latin typeface="Exo 2 Extra Bold" panose="00000900000000000000" pitchFamily="50" charset="0"/>
+              </a:rPr>
+              <a:t>DUPLAS</a:t>
             </a:r>
           </a:p>
         </p:txBody>
@@ -6948,7 +7490,7 @@
         </p:blipFill>
         <p:spPr>
           <a:xfrm>
-            <a:off x="336776" y="194284"/>
+            <a:off x="31978" y="-1656"/>
             <a:ext cx="2059134" cy="2160000"/>
           </a:xfrm>
           <a:prstGeom prst="rect">
@@ -6970,8 +7512,8 @@
         </p:nvSpPr>
         <p:spPr>
           <a:xfrm>
-            <a:off x="2888673" y="2227185"/>
-            <a:ext cx="8624453" cy="4212000"/>
+            <a:off x="271463" y="2611466"/>
+            <a:ext cx="13909451" cy="6946191"/>
           </a:xfrm>
           <a:prstGeom prst="rect">
             <a:avLst/>
@@ -7009,10 +7551,10 @@
       </p:sp>
       <p:sp>
         <p:nvSpPr>
-          <p:cNvPr id="21" name="Retângulo 20">
-            <a:extLst>
-              <a:ext uri="{FF2B5EF4-FFF2-40B4-BE49-F238E27FC236}">
-                <a16:creationId xmlns:a16="http://schemas.microsoft.com/office/drawing/2014/main" id="{95EDB8CB-8377-4925-B478-560C3F615037}"/>
+          <p:cNvPr id="23" name="Retângulo 22">
+            <a:extLst>
+              <a:ext uri="{FF2B5EF4-FFF2-40B4-BE49-F238E27FC236}">
+                <a16:creationId xmlns:a16="http://schemas.microsoft.com/office/drawing/2014/main" id="{ED87CD67-A438-4F74-986A-3704AF997953}"/>
               </a:ext>
             </a:extLst>
           </p:cNvPr>
@@ -7021,59 +7563,8 @@
         </p:nvSpPr>
         <p:spPr>
           <a:xfrm>
-            <a:off x="2887087" y="6505978"/>
-            <a:ext cx="8624453" cy="4212000"/>
-          </a:xfrm>
-          <a:prstGeom prst="rect">
-            <a:avLst/>
-          </a:prstGeom>
-          <a:solidFill>
-            <a:schemeClr val="tx1">
-              <a:alpha val="81000"/>
-            </a:schemeClr>
-          </a:solidFill>
-        </p:spPr>
-        <p:style>
-          <a:lnRef idx="2">
-            <a:schemeClr val="accent1">
-              <a:shade val="50000"/>
-            </a:schemeClr>
-          </a:lnRef>
-          <a:fillRef idx="1">
-            <a:schemeClr val="accent1"/>
-          </a:fillRef>
-          <a:effectRef idx="0">
-            <a:schemeClr val="accent1"/>
-          </a:effectRef>
-          <a:fontRef idx="minor">
-            <a:schemeClr val="lt1"/>
-          </a:fontRef>
-        </p:style>
-        <p:txBody>
-          <a:bodyPr rtlCol="0" anchor="ctr"/>
-          <a:lstStyle/>
-          <a:p>
-            <a:pPr algn="ctr"/>
-            <a:endParaRPr lang="pt-BR"/>
-          </a:p>
-        </p:txBody>
-      </p:sp>
-      <p:sp>
-        <p:nvSpPr>
-          <p:cNvPr id="23" name="Retângulo 22">
-            <a:extLst>
-              <a:ext uri="{FF2B5EF4-FFF2-40B4-BE49-F238E27FC236}">
-                <a16:creationId xmlns:a16="http://schemas.microsoft.com/office/drawing/2014/main" id="{ED87CD67-A438-4F74-986A-3704AF997953}"/>
-              </a:ext>
-            </a:extLst>
-          </p:cNvPr>
-          <p:cNvSpPr/>
-          <p:nvPr/>
-        </p:nvSpPr>
-        <p:spPr>
-          <a:xfrm>
-            <a:off x="5308448" y="2179089"/>
-            <a:ext cx="3789504" cy="684807"/>
+            <a:off x="5308448" y="2396800"/>
+            <a:ext cx="3789504" cy="1084916"/>
           </a:xfrm>
           <a:prstGeom prst="rect">
             <a:avLst/>
@@ -7088,58 +7579,7 @@
           <a:p>
             <a:pPr algn="ctr"/>
             <a:r>
-              <a:rPr lang="pt-BR" sz="4000" dirty="0">
-                <a:ln w="0">
-                  <a:noFill/>
-                </a:ln>
-                <a:solidFill>
-                  <a:srgbClr val="0070C0"/>
-                </a:solidFill>
-                <a:effectLst>
-                  <a:outerShdw blurRad="38100" dist="19050" dir="2700000" algn="tl" rotWithShape="0">
-                    <a:schemeClr val="dk1">
-                      <a:alpha val="40000"/>
-                    </a:schemeClr>
-                  </a:outerShdw>
-                </a:effectLst>
-                <a:latin typeface="Exo 2 Extra Bold" panose="00000900000000000000" pitchFamily="50" charset="0"/>
-              </a:rPr>
-              <a:t>Chave 1</a:t>
-            </a:r>
-          </a:p>
-        </p:txBody>
-      </p:sp>
-      <p:sp>
-        <p:nvSpPr>
-          <p:cNvPr id="24" name="Retângulo 23">
-            <a:extLst>
-              <a:ext uri="{FF2B5EF4-FFF2-40B4-BE49-F238E27FC236}">
-                <a16:creationId xmlns:a16="http://schemas.microsoft.com/office/drawing/2014/main" id="{522A4ACC-EC27-4A14-BA66-B0EB03535C7B}"/>
-              </a:ext>
-            </a:extLst>
-          </p:cNvPr>
-          <p:cNvSpPr/>
-          <p:nvPr/>
-        </p:nvSpPr>
-        <p:spPr>
-          <a:xfrm>
-            <a:off x="5321993" y="6456434"/>
-            <a:ext cx="3789503" cy="684807"/>
-          </a:xfrm>
-          <a:prstGeom prst="rect">
-            <a:avLst/>
-          </a:prstGeom>
-          <a:noFill/>
-        </p:spPr>
-        <p:txBody>
-          <a:bodyPr wrap="square" lIns="68584" tIns="34292" rIns="68584" bIns="34292">
-            <a:spAutoFit/>
-          </a:bodyPr>
-          <a:lstStyle/>
-          <a:p>
-            <a:pPr algn="ctr"/>
-            <a:r>
-              <a:rPr lang="pt-BR" sz="4000" dirty="0">
+              <a:rPr lang="pt-BR" sz="6600" dirty="0">
                 <a:ln w="0">
                   <a:noFill/>
                 </a:ln>
@@ -7162,10 +7602,10 @@
       </p:sp>
       <p:pic>
         <p:nvPicPr>
-          <p:cNvPr id="2" name="Imagem 1">
-            <a:extLst>
-              <a:ext uri="{FF2B5EF4-FFF2-40B4-BE49-F238E27FC236}">
-                <a16:creationId xmlns:a16="http://schemas.microsoft.com/office/drawing/2014/main" id="{3B4805D0-300A-4126-9E98-52EFD65B281A}"/>
+          <p:cNvPr id="4" name="Imagem 3">
+            <a:extLst>
+              <a:ext uri="{FF2B5EF4-FFF2-40B4-BE49-F238E27FC236}">
+                <a16:creationId xmlns:a16="http://schemas.microsoft.com/office/drawing/2014/main" id="{5154A22B-1F07-4EC2-921F-8822F5BE208D}"/>
               </a:ext>
             </a:extLst>
           </p:cNvPr>
@@ -7182,38 +7622,8 @@
         </p:blipFill>
         <p:spPr>
           <a:xfrm>
-            <a:off x="3250521" y="2977245"/>
-            <a:ext cx="7920000" cy="3273293"/>
-          </a:xfrm>
-          <a:prstGeom prst="rect">
-            <a:avLst/>
-          </a:prstGeom>
-        </p:spPr>
-      </p:pic>
-      <p:pic>
-        <p:nvPicPr>
-          <p:cNvPr id="3" name="Imagem 2">
-            <a:extLst>
-              <a:ext uri="{FF2B5EF4-FFF2-40B4-BE49-F238E27FC236}">
-                <a16:creationId xmlns:a16="http://schemas.microsoft.com/office/drawing/2014/main" id="{3323EE1A-F29F-457E-BFE1-AEC339BAA3C6}"/>
-              </a:ext>
-            </a:extLst>
-          </p:cNvPr>
-          <p:cNvPicPr>
-            <a:picLocks noChangeAspect="1"/>
-          </p:cNvPicPr>
-          <p:nvPr/>
-        </p:nvPicPr>
-        <p:blipFill>
-          <a:blip r:embed="rId6"/>
-          <a:stretch>
-            <a:fillRect/>
-          </a:stretch>
-        </p:blipFill>
-        <p:spPr>
-          <a:xfrm>
-            <a:off x="3260095" y="7248012"/>
-            <a:ext cx="7920000" cy="3273293"/>
+            <a:off x="624485" y="3565663"/>
+            <a:ext cx="13188980" cy="5760000"/>
           </a:xfrm>
           <a:prstGeom prst="rect">
             <a:avLst/>
@@ -7223,7 +7633,7 @@
     </p:spTree>
     <p:extLst>
       <p:ext uri="{BB962C8B-B14F-4D97-AF65-F5344CB8AC3E}">
-        <p14:creationId xmlns:p14="http://schemas.microsoft.com/office/powerpoint/2010/main" val="4244779241"/>
+        <p14:creationId xmlns:p14="http://schemas.microsoft.com/office/powerpoint/2010/main" val="3986168047"/>
       </p:ext>
     </p:extLst>
   </p:cSld>
@@ -7710,8 +8120,8 @@
         </p:nvSpPr>
         <p:spPr>
           <a:xfrm>
-            <a:off x="1911927" y="2227185"/>
-            <a:ext cx="10476677" cy="3934322"/>
+            <a:off x="2888673" y="2227185"/>
+            <a:ext cx="8624453" cy="4212000"/>
           </a:xfrm>
           <a:prstGeom prst="rect">
             <a:avLst/>
@@ -7761,8 +8171,8 @@
         </p:nvSpPr>
         <p:spPr>
           <a:xfrm>
-            <a:off x="1911927" y="6505978"/>
-            <a:ext cx="10476677" cy="3934322"/>
+            <a:off x="2887087" y="6505978"/>
+            <a:ext cx="8624453" cy="4212000"/>
           </a:xfrm>
           <a:prstGeom prst="rect">
             <a:avLst/>
@@ -7902,10 +8312,10 @@
       </p:sp>
       <p:pic>
         <p:nvPicPr>
-          <p:cNvPr id="2" name="Imagem 1">
-            <a:extLst>
-              <a:ext uri="{FF2B5EF4-FFF2-40B4-BE49-F238E27FC236}">
-                <a16:creationId xmlns:a16="http://schemas.microsoft.com/office/drawing/2014/main" id="{AF775348-342E-47C4-89EE-F209EA8AED5C}"/>
+          <p:cNvPr id="4" name="Imagem 3">
+            <a:extLst>
+              <a:ext uri="{FF2B5EF4-FFF2-40B4-BE49-F238E27FC236}">
+                <a16:creationId xmlns:a16="http://schemas.microsoft.com/office/drawing/2014/main" id="{512B9476-6A18-41D0-9B5B-12DF7EF0B1C3}"/>
               </a:ext>
             </a:extLst>
           </p:cNvPr>
@@ -7922,8 +8332,8 @@
         </p:blipFill>
         <p:spPr>
           <a:xfrm>
-            <a:off x="2370954" y="3269053"/>
-            <a:ext cx="9720000" cy="1881294"/>
+            <a:off x="3248992" y="2977248"/>
+            <a:ext cx="7920000" cy="3273293"/>
           </a:xfrm>
           <a:prstGeom prst="rect">
             <a:avLst/>
@@ -7932,10 +8342,10 @@
       </p:pic>
       <p:pic>
         <p:nvPicPr>
-          <p:cNvPr id="3" name="Imagem 2">
-            <a:extLst>
-              <a:ext uri="{FF2B5EF4-FFF2-40B4-BE49-F238E27FC236}">
-                <a16:creationId xmlns:a16="http://schemas.microsoft.com/office/drawing/2014/main" id="{387EBEBF-A691-46F6-9D5E-CCC60E53F97E}"/>
+          <p:cNvPr id="6" name="Imagem 5">
+            <a:extLst>
+              <a:ext uri="{FF2B5EF4-FFF2-40B4-BE49-F238E27FC236}">
+                <a16:creationId xmlns:a16="http://schemas.microsoft.com/office/drawing/2014/main" id="{5414BE82-7E93-4FD0-B725-E6977C813D18}"/>
               </a:ext>
             </a:extLst>
           </p:cNvPr>
@@ -7952,8 +8362,8 @@
         </p:blipFill>
         <p:spPr>
           <a:xfrm>
-            <a:off x="2369191" y="7589429"/>
-            <a:ext cx="9720000" cy="1881294"/>
+            <a:off x="3256744" y="7190785"/>
+            <a:ext cx="7920000" cy="3273293"/>
           </a:xfrm>
           <a:prstGeom prst="rect">
             <a:avLst/>
@@ -7963,7 +8373,7 @@
     </p:spTree>
     <p:extLst>
       <p:ext uri="{BB962C8B-B14F-4D97-AF65-F5344CB8AC3E}">
-        <p14:creationId xmlns:p14="http://schemas.microsoft.com/office/powerpoint/2010/main" val="2211690294"/>
+        <p14:creationId xmlns:p14="http://schemas.microsoft.com/office/powerpoint/2010/main" val="1712634555"/>
       </p:ext>
     </p:extLst>
   </p:cSld>
@@ -8450,8 +8860,8 @@
         </p:nvSpPr>
         <p:spPr>
           <a:xfrm>
-            <a:off x="581891" y="2892935"/>
-            <a:ext cx="13267927" cy="3039825"/>
+            <a:off x="2888673" y="2227185"/>
+            <a:ext cx="8624453" cy="4212000"/>
           </a:xfrm>
           <a:prstGeom prst="rect">
             <a:avLst/>
@@ -8501,8 +8911,8 @@
         </p:nvSpPr>
         <p:spPr>
           <a:xfrm>
-            <a:off x="581891" y="6704292"/>
-            <a:ext cx="13267927" cy="3038400"/>
+            <a:off x="2887087" y="6505978"/>
+            <a:ext cx="8624453" cy="4212000"/>
           </a:xfrm>
           <a:prstGeom prst="rect">
             <a:avLst/>
@@ -8552,7 +8962,7 @@
         </p:nvSpPr>
         <p:spPr>
           <a:xfrm>
-            <a:off x="5308448" y="2906454"/>
+            <a:off x="5308448" y="2179089"/>
             <a:ext cx="3789504" cy="684807"/>
           </a:xfrm>
           <a:prstGeom prst="rect">
@@ -8603,7 +9013,7 @@
         </p:nvSpPr>
         <p:spPr>
           <a:xfrm>
-            <a:off x="5321993" y="6726594"/>
+            <a:off x="5321993" y="6456434"/>
             <a:ext cx="3789503" cy="684807"/>
           </a:xfrm>
           <a:prstGeom prst="rect">
@@ -8645,7 +9055,7 @@
           <p:cNvPr id="2" name="Imagem 1">
             <a:extLst>
               <a:ext uri="{FF2B5EF4-FFF2-40B4-BE49-F238E27FC236}">
-                <a16:creationId xmlns:a16="http://schemas.microsoft.com/office/drawing/2014/main" id="{B5C8A060-E06E-4A37-897B-DFAF18FE6269}"/>
+                <a16:creationId xmlns:a16="http://schemas.microsoft.com/office/drawing/2014/main" id="{3B4805D0-300A-4126-9E98-52EFD65B281A}"/>
               </a:ext>
             </a:extLst>
           </p:cNvPr>
@@ -8662,8 +9072,8 @@
         </p:blipFill>
         <p:spPr>
           <a:xfrm>
-            <a:off x="902160" y="4017762"/>
-            <a:ext cx="12600000" cy="1054245"/>
+            <a:off x="3250521" y="2977245"/>
+            <a:ext cx="7920000" cy="3273293"/>
           </a:xfrm>
           <a:prstGeom prst="rect">
             <a:avLst/>
@@ -8675,7 +9085,7 @@
           <p:cNvPr id="3" name="Imagem 2">
             <a:extLst>
               <a:ext uri="{FF2B5EF4-FFF2-40B4-BE49-F238E27FC236}">
-                <a16:creationId xmlns:a16="http://schemas.microsoft.com/office/drawing/2014/main" id="{2D727AB9-B288-40A3-B86F-F255A1B598A5}"/>
+                <a16:creationId xmlns:a16="http://schemas.microsoft.com/office/drawing/2014/main" id="{3323EE1A-F29F-457E-BFE1-AEC339BAA3C6}"/>
               </a:ext>
             </a:extLst>
           </p:cNvPr>
@@ -8692,8 +9102,8 @@
         </p:blipFill>
         <p:spPr>
           <a:xfrm>
-            <a:off x="908729" y="7946333"/>
-            <a:ext cx="12600000" cy="1054245"/>
+            <a:off x="3260095" y="7248012"/>
+            <a:ext cx="7920000" cy="3273293"/>
           </a:xfrm>
           <a:prstGeom prst="rect">
             <a:avLst/>
@@ -8703,7 +9113,7 @@
     </p:spTree>
     <p:extLst>
       <p:ext uri="{BB962C8B-B14F-4D97-AF65-F5344CB8AC3E}">
-        <p14:creationId xmlns:p14="http://schemas.microsoft.com/office/powerpoint/2010/main" val="2200666842"/>
+        <p14:creationId xmlns:p14="http://schemas.microsoft.com/office/powerpoint/2010/main" val="4244779241"/>
       </p:ext>
     </p:extLst>
   </p:cSld>
@@ -9031,7 +9441,7 @@
         </p:blipFill>
         <p:spPr>
           <a:xfrm>
-            <a:off x="-1" y="-347792"/>
+            <a:off x="-1" y="-248909"/>
             <a:ext cx="14400213" cy="11147555"/>
           </a:xfrm>
           <a:prstGeom prst="rect">
@@ -9190,8 +9600,8 @@
         </p:nvSpPr>
         <p:spPr>
           <a:xfrm>
-            <a:off x="581891" y="2892935"/>
-            <a:ext cx="13267927" cy="3039825"/>
+            <a:off x="1911927" y="2227185"/>
+            <a:ext cx="10476677" cy="3934322"/>
           </a:xfrm>
           <a:prstGeom prst="rect">
             <a:avLst/>
@@ -9241,8 +9651,8 @@
         </p:nvSpPr>
         <p:spPr>
           <a:xfrm>
-            <a:off x="581891" y="6704292"/>
-            <a:ext cx="13267927" cy="3038400"/>
+            <a:off x="1911927" y="6505978"/>
+            <a:ext cx="10476677" cy="3934322"/>
           </a:xfrm>
           <a:prstGeom prst="rect">
             <a:avLst/>
@@ -9292,7 +9702,7 @@
         </p:nvSpPr>
         <p:spPr>
           <a:xfrm>
-            <a:off x="5308448" y="2906454"/>
+            <a:off x="5308448" y="2179089"/>
             <a:ext cx="3789504" cy="684807"/>
           </a:xfrm>
           <a:prstGeom prst="rect">
@@ -9324,7 +9734,7 @@
                 </a:effectLst>
                 <a:latin typeface="Exo 2 Extra Bold" panose="00000900000000000000" pitchFamily="50" charset="0"/>
               </a:rPr>
-              <a:t>Final</a:t>
+              <a:t>Chave 1</a:t>
             </a:r>
           </a:p>
         </p:txBody>
@@ -9343,7 +9753,7 @@
         </p:nvSpPr>
         <p:spPr>
           <a:xfrm>
-            <a:off x="5321993" y="6726594"/>
+            <a:off x="5321993" y="6456434"/>
             <a:ext cx="3789503" cy="684807"/>
           </a:xfrm>
           <a:prstGeom prst="rect">
@@ -9375,7 +9785,7 @@
                 </a:effectLst>
                 <a:latin typeface="Exo 2 Extra Bold" panose="00000900000000000000" pitchFamily="50" charset="0"/>
               </a:rPr>
-              <a:t>3º Lugar</a:t>
+              <a:t>Chave 2</a:t>
             </a:r>
           </a:p>
         </p:txBody>
@@ -9385,7 +9795,7 @@
           <p:cNvPr id="2" name="Imagem 1">
             <a:extLst>
               <a:ext uri="{FF2B5EF4-FFF2-40B4-BE49-F238E27FC236}">
-                <a16:creationId xmlns:a16="http://schemas.microsoft.com/office/drawing/2014/main" id="{F7E77FFA-E3B9-4BA3-9340-F08F7F50B63F}"/>
+                <a16:creationId xmlns:a16="http://schemas.microsoft.com/office/drawing/2014/main" id="{AF775348-342E-47C4-89EE-F209EA8AED5C}"/>
               </a:ext>
             </a:extLst>
           </p:cNvPr>
@@ -9402,8 +9812,8 @@
         </p:blipFill>
         <p:spPr>
           <a:xfrm>
-            <a:off x="911744" y="4039885"/>
-            <a:ext cx="12600000" cy="1054245"/>
+            <a:off x="2370954" y="3269053"/>
+            <a:ext cx="9720000" cy="1881294"/>
           </a:xfrm>
           <a:prstGeom prst="rect">
             <a:avLst/>
@@ -9415,7 +9825,7 @@
           <p:cNvPr id="3" name="Imagem 2">
             <a:extLst>
               <a:ext uri="{FF2B5EF4-FFF2-40B4-BE49-F238E27FC236}">
-                <a16:creationId xmlns:a16="http://schemas.microsoft.com/office/drawing/2014/main" id="{A92ADFA9-CAC0-48FF-B052-748A47B49FE8}"/>
+                <a16:creationId xmlns:a16="http://schemas.microsoft.com/office/drawing/2014/main" id="{387EBEBF-A691-46F6-9D5E-CCC60E53F97E}"/>
               </a:ext>
             </a:extLst>
           </p:cNvPr>
@@ -9432,8 +9842,8 @@
         </p:blipFill>
         <p:spPr>
           <a:xfrm>
-            <a:off x="913581" y="7945200"/>
-            <a:ext cx="12600000" cy="1054245"/>
+            <a:off x="2369191" y="7589429"/>
+            <a:ext cx="9720000" cy="1881294"/>
           </a:xfrm>
           <a:prstGeom prst="rect">
             <a:avLst/>
@@ -9443,7 +9853,747 @@
     </p:spTree>
     <p:extLst>
       <p:ext uri="{BB962C8B-B14F-4D97-AF65-F5344CB8AC3E}">
-        <p14:creationId xmlns:p14="http://schemas.microsoft.com/office/powerpoint/2010/main" val="591961572"/>
+        <p14:creationId xmlns:p14="http://schemas.microsoft.com/office/powerpoint/2010/main" val="2211690294"/>
+      </p:ext>
+    </p:extLst>
+  </p:cSld>
+  <p:clrMapOvr>
+    <a:masterClrMapping/>
+  </p:clrMapOvr>
+</p:sld>
+</file>
+
+<file path=ppt/slides/slide9.xml><?xml version="1.0" encoding="utf-8"?>
+<p:sld xmlns:a="http://schemas.openxmlformats.org/drawingml/2006/main" xmlns:r="http://schemas.openxmlformats.org/officeDocument/2006/relationships" xmlns:p="http://schemas.openxmlformats.org/presentationml/2006/main">
+  <p:cSld>
+    <p:bg>
+      <p:bgPr>
+        <a:solidFill>
+          <a:schemeClr val="bg1"/>
+        </a:solidFill>
+        <a:effectLst/>
+      </p:bgPr>
+    </p:bg>
+    <p:spTree>
+      <p:nvGrpSpPr>
+        <p:cNvPr id="1" name=""/>
+        <p:cNvGrpSpPr/>
+        <p:nvPr/>
+      </p:nvGrpSpPr>
+      <p:grpSpPr>
+        <a:xfrm>
+          <a:off x="0" y="0"/>
+          <a:ext cx="0" cy="0"/>
+          <a:chOff x="0" y="0"/>
+          <a:chExt cx="0" cy="0"/>
+        </a:xfrm>
+      </p:grpSpPr>
+      <p:sp>
+        <p:nvSpPr>
+          <p:cNvPr id="13" name="Rectangle 9">
+            <a:extLst>
+              <a:ext uri="{FF2B5EF4-FFF2-40B4-BE49-F238E27FC236}">
+                <a16:creationId xmlns:a16="http://schemas.microsoft.com/office/drawing/2014/main" id="{0BABF38A-8A0D-492E-BD20-6CF4D46B50BD}"/>
+              </a:ext>
+              <a:ext uri="{C183D7F6-B498-43B3-948B-1728B52AA6E4}">
+                <adec:decorative xmlns:adec="http://schemas.microsoft.com/office/drawing/2017/decorative" val="1"/>
+              </a:ext>
+            </a:extLst>
+          </p:cNvPr>
+          <p:cNvSpPr>
+            <a:spLocks noGrp="1" noRot="1" noChangeAspect="1" noMove="1" noResize="1" noEditPoints="1" noAdjustHandles="1" noChangeArrowheads="1" noChangeShapeType="1" noTextEdit="1"/>
+          </p:cNvSpPr>
+          <p:nvPr>
+            <p:extLst>
+              <p:ext uri="{386F3935-93C4-4BCD-93E2-E3B085C9AB24}">
+                <p16:designElem xmlns:p16="http://schemas.microsoft.com/office/powerpoint/2015/main" val="1"/>
+              </p:ext>
+            </p:extLst>
+          </p:nvPr>
+        </p:nvSpPr>
+        <p:spPr>
+          <a:xfrm>
+            <a:off x="3149972" y="3121681"/>
+            <a:ext cx="8100269" cy="4556404"/>
+          </a:xfrm>
+          <a:prstGeom prst="rect">
+            <a:avLst/>
+          </a:prstGeom>
+          <a:solidFill>
+            <a:schemeClr val="bg2">
+              <a:lumMod val="90000"/>
+              <a:alpha val="70000"/>
+            </a:schemeClr>
+          </a:solidFill>
+          <a:ln>
+            <a:noFill/>
+          </a:ln>
+        </p:spPr>
+        <p:style>
+          <a:lnRef idx="2">
+            <a:schemeClr val="accent1">
+              <a:shade val="50000"/>
+            </a:schemeClr>
+          </a:lnRef>
+          <a:fillRef idx="1">
+            <a:schemeClr val="accent1"/>
+          </a:fillRef>
+          <a:effectRef idx="0">
+            <a:schemeClr val="accent1"/>
+          </a:effectRef>
+          <a:fontRef idx="minor">
+            <a:schemeClr val="lt1"/>
+          </a:fontRef>
+        </p:style>
+        <p:txBody>
+          <a:bodyPr rtlCol="0" anchor="ctr"/>
+          <a:lstStyle/>
+          <a:p>
+            <a:pPr algn="ctr">
+              <a:defRPr/>
+            </a:pPr>
+            <a:endParaRPr lang="en-US" sz="1196" dirty="0">
+              <a:solidFill>
+                <a:prstClr val="black">
+                  <a:lumMod val="65000"/>
+                  <a:lumOff val="35000"/>
+                </a:prstClr>
+              </a:solidFill>
+              <a:latin typeface="AvenirNext LT Pro Medium" panose="020B0504020202020204" pitchFamily="34" charset="0"/>
+            </a:endParaRPr>
+          </a:p>
+        </p:txBody>
+      </p:sp>
+      <p:pic>
+        <p:nvPicPr>
+          <p:cNvPr id="12" name="Picture 11">
+            <a:extLst>
+              <a:ext uri="{FF2B5EF4-FFF2-40B4-BE49-F238E27FC236}">
+                <a16:creationId xmlns:a16="http://schemas.microsoft.com/office/drawing/2014/main" id="{BC526B7A-4801-4FD1-95C8-03AF22629E87}"/>
+              </a:ext>
+              <a:ext uri="{C183D7F6-B498-43B3-948B-1728B52AA6E4}">
+                <adec:decorative xmlns:adec="http://schemas.microsoft.com/office/drawing/2017/decorative" val="1"/>
+              </a:ext>
+            </a:extLst>
+          </p:cNvPr>
+          <p:cNvPicPr>
+            <a:picLocks noGrp="1" noRot="1" noChangeAspect="1" noMove="1" noResize="1" noEditPoints="1" noAdjustHandles="1" noChangeArrowheads="1" noChangeShapeType="1" noCrop="1"/>
+          </p:cNvPicPr>
+          <p:nvPr>
+            <p:extLst>
+              <p:ext uri="{386F3935-93C4-4BCD-93E2-E3B085C9AB24}">
+                <p16:designElem xmlns:p16="http://schemas.microsoft.com/office/powerpoint/2015/main" val="1"/>
+              </p:ext>
+            </p:extLst>
+          </p:nvPr>
+        </p:nvPicPr>
+        <p:blipFill>
+          <a:blip r:embed="rId2">
+            <a:alphaModFix amt="10000"/>
+            <a:extLst>
+              <a:ext uri="{28A0092B-C50C-407E-A947-70E740481C1C}">
+                <a14:useLocalDpi xmlns:a14="http://schemas.microsoft.com/office/drawing/2010/main" val="0"/>
+              </a:ext>
+            </a:extLst>
+          </a:blip>
+          <a:stretch>
+            <a:fillRect/>
+          </a:stretch>
+        </p:blipFill>
+        <p:spPr>
+          <a:xfrm>
+            <a:off x="8820159" y="3121682"/>
+            <a:ext cx="2428095" cy="3039825"/>
+          </a:xfrm>
+          <a:prstGeom prst="rect">
+            <a:avLst/>
+          </a:prstGeom>
+        </p:spPr>
+      </p:pic>
+      <p:sp useBgFill="1">
+        <p:nvSpPr>
+          <p:cNvPr id="14" name="Rectangle 13">
+            <a:extLst>
+              <a:ext uri="{FF2B5EF4-FFF2-40B4-BE49-F238E27FC236}">
+                <a16:creationId xmlns:a16="http://schemas.microsoft.com/office/drawing/2014/main" id="{37FDDF72-DE39-4F99-A3C1-DD9D7815D7DB}"/>
+              </a:ext>
+              <a:ext uri="{C183D7F6-B498-43B3-948B-1728B52AA6E4}">
+                <adec:decorative xmlns:adec="http://schemas.microsoft.com/office/drawing/2017/decorative" val="1"/>
+              </a:ext>
+            </a:extLst>
+          </p:cNvPr>
+          <p:cNvSpPr>
+            <a:spLocks noGrp="1" noRot="1" noChangeAspect="1" noMove="1" noResize="1" noEditPoints="1" noAdjustHandles="1" noChangeArrowheads="1" noChangeShapeType="1" noTextEdit="1"/>
+          </p:cNvSpPr>
+          <p:nvPr>
+            <p:extLst>
+              <p:ext uri="{386F3935-93C4-4BCD-93E2-E3B085C9AB24}">
+                <p16:designElem xmlns:p16="http://schemas.microsoft.com/office/powerpoint/2015/main" val="1"/>
+              </p:ext>
+            </p:extLst>
+          </p:nvPr>
+        </p:nvSpPr>
+        <p:spPr>
+          <a:xfrm>
+            <a:off x="3149972" y="3121681"/>
+            <a:ext cx="8100269" cy="4556401"/>
+          </a:xfrm>
+          <a:prstGeom prst="rect">
+            <a:avLst/>
+          </a:prstGeom>
+          <a:ln>
+            <a:noFill/>
+          </a:ln>
+        </p:spPr>
+        <p:style>
+          <a:lnRef idx="2">
+            <a:schemeClr val="accent1">
+              <a:shade val="50000"/>
+            </a:schemeClr>
+          </a:lnRef>
+          <a:fillRef idx="1">
+            <a:schemeClr val="accent1"/>
+          </a:fillRef>
+          <a:effectRef idx="0">
+            <a:schemeClr val="accent1"/>
+          </a:effectRef>
+          <a:fontRef idx="minor">
+            <a:schemeClr val="lt1"/>
+          </a:fontRef>
+        </p:style>
+        <p:txBody>
+          <a:bodyPr rtlCol="0" anchor="ctr"/>
+          <a:lstStyle/>
+          <a:p>
+            <a:pPr algn="ctr">
+              <a:defRPr/>
+            </a:pPr>
+            <a:endParaRPr lang="en-US" sz="1196" dirty="0">
+              <a:solidFill>
+                <a:prstClr val="black">
+                  <a:lumMod val="65000"/>
+                  <a:lumOff val="35000"/>
+                </a:prstClr>
+              </a:solidFill>
+              <a:latin typeface="AvenirNext LT Pro Medium" panose="020B0504020202020204" pitchFamily="34" charset="0"/>
+            </a:endParaRPr>
+          </a:p>
+        </p:txBody>
+      </p:sp>
+      <p:sp>
+        <p:nvSpPr>
+          <p:cNvPr id="16" name="Rectangle 15">
+            <a:extLst>
+              <a:ext uri="{FF2B5EF4-FFF2-40B4-BE49-F238E27FC236}">
+                <a16:creationId xmlns:a16="http://schemas.microsoft.com/office/drawing/2014/main" id="{5E4ECE80-3AD1-450C-B62A-98788F193948}"/>
+              </a:ext>
+              <a:ext uri="{C183D7F6-B498-43B3-948B-1728B52AA6E4}">
+                <adec:decorative xmlns:adec="http://schemas.microsoft.com/office/drawing/2017/decorative" val="1"/>
+              </a:ext>
+            </a:extLst>
+          </p:cNvPr>
+          <p:cNvSpPr>
+            <a:spLocks noGrp="1" noRot="1" noChangeAspect="1" noMove="1" noResize="1" noEditPoints="1" noAdjustHandles="1" noChangeArrowheads="1" noChangeShapeType="1" noTextEdit="1"/>
+          </p:cNvSpPr>
+          <p:nvPr>
+            <p:extLst>
+              <p:ext uri="{386F3935-93C4-4BCD-93E2-E3B085C9AB24}">
+                <p16:designElem xmlns:p16="http://schemas.microsoft.com/office/powerpoint/2015/main" val="1"/>
+              </p:ext>
+            </p:extLst>
+          </p:nvPr>
+        </p:nvSpPr>
+        <p:spPr>
+          <a:xfrm>
+            <a:off x="3149972" y="3121681"/>
+            <a:ext cx="8100269" cy="4556401"/>
+          </a:xfrm>
+          <a:prstGeom prst="rect">
+            <a:avLst/>
+          </a:prstGeom>
+          <a:solidFill>
+            <a:srgbClr val="000000"/>
+          </a:solidFill>
+          <a:ln>
+            <a:noFill/>
+          </a:ln>
+        </p:spPr>
+        <p:style>
+          <a:lnRef idx="2">
+            <a:schemeClr val="accent1">
+              <a:shade val="50000"/>
+            </a:schemeClr>
+          </a:lnRef>
+          <a:fillRef idx="1">
+            <a:schemeClr val="accent1"/>
+          </a:fillRef>
+          <a:effectRef idx="0">
+            <a:schemeClr val="accent1"/>
+          </a:effectRef>
+          <a:fontRef idx="minor">
+            <a:schemeClr val="lt1"/>
+          </a:fontRef>
+        </p:style>
+        <p:txBody>
+          <a:bodyPr rtlCol="0" anchor="ctr"/>
+          <a:lstStyle/>
+          <a:p>
+            <a:pPr algn="ctr">
+              <a:defRPr/>
+            </a:pPr>
+            <a:endParaRPr lang="en-US" sz="1196" dirty="0">
+              <a:solidFill>
+                <a:prstClr val="black">
+                  <a:lumMod val="65000"/>
+                  <a:lumOff val="35000"/>
+                </a:prstClr>
+              </a:solidFill>
+              <a:latin typeface="AvenirNext LT Pro Medium" panose="020B0504020202020204" pitchFamily="34" charset="0"/>
+            </a:endParaRPr>
+          </a:p>
+        </p:txBody>
+      </p:sp>
+      <p:pic>
+        <p:nvPicPr>
+          <p:cNvPr id="5" name="Imagem 4">
+            <a:extLst>
+              <a:ext uri="{FF2B5EF4-FFF2-40B4-BE49-F238E27FC236}">
+                <a16:creationId xmlns:a16="http://schemas.microsoft.com/office/drawing/2014/main" id="{F1433EF1-FB6D-4913-96C9-08F0B1B3CA7A}"/>
+              </a:ext>
+            </a:extLst>
+          </p:cNvPr>
+          <p:cNvPicPr>
+            <a:picLocks noChangeAspect="1"/>
+          </p:cNvPicPr>
+          <p:nvPr/>
+        </p:nvPicPr>
+        <p:blipFill rotWithShape="1">
+          <a:blip r:embed="rId3">
+            <a:alphaModFix/>
+            <a:extLst>
+              <a:ext uri="{28A0092B-C50C-407E-A947-70E740481C1C}">
+                <a14:useLocalDpi xmlns:a14="http://schemas.microsoft.com/office/drawing/2010/main" val="0"/>
+              </a:ext>
+            </a:extLst>
+          </a:blip>
+          <a:srcRect l="5233" t="-2125" r="6244" b="-538"/>
+          <a:stretch/>
+        </p:blipFill>
+        <p:spPr>
+          <a:xfrm>
+            <a:off x="-1" y="-248909"/>
+            <a:ext cx="14400213" cy="11147555"/>
+          </a:xfrm>
+          <a:prstGeom prst="rect">
+            <a:avLst/>
+          </a:prstGeom>
+        </p:spPr>
+      </p:pic>
+      <p:sp>
+        <p:nvSpPr>
+          <p:cNvPr id="50" name="Retângulo 49">
+            <a:extLst>
+              <a:ext uri="{FF2B5EF4-FFF2-40B4-BE49-F238E27FC236}">
+                <a16:creationId xmlns:a16="http://schemas.microsoft.com/office/drawing/2014/main" id="{50614AED-75DE-4550-9029-54313F89BD12}"/>
+              </a:ext>
+            </a:extLst>
+          </p:cNvPr>
+          <p:cNvSpPr/>
+          <p:nvPr/>
+        </p:nvSpPr>
+        <p:spPr>
+          <a:xfrm>
+            <a:off x="3186646" y="311571"/>
+            <a:ext cx="8052791" cy="992583"/>
+          </a:xfrm>
+          <a:prstGeom prst="rect">
+            <a:avLst/>
+          </a:prstGeom>
+          <a:noFill/>
+        </p:spPr>
+        <p:txBody>
+          <a:bodyPr wrap="square" lIns="68584" tIns="34292" rIns="68584" bIns="34292">
+            <a:spAutoFit/>
+          </a:bodyPr>
+          <a:lstStyle/>
+          <a:p>
+            <a:pPr algn="ctr"/>
+            <a:r>
+              <a:rPr lang="pt-BR" sz="6000" dirty="0">
+                <a:ln w="38100">
+                  <a:solidFill>
+                    <a:schemeClr val="bg1"/>
+                  </a:solidFill>
+                </a:ln>
+                <a:solidFill>
+                  <a:srgbClr val="00B050"/>
+                </a:solidFill>
+                <a:effectLst>
+                  <a:outerShdw blurRad="38100" dist="19050" dir="2700000" algn="tl" rotWithShape="0">
+                    <a:schemeClr val="dk1">
+                      <a:alpha val="40000"/>
+                    </a:schemeClr>
+                  </a:outerShdw>
+                </a:effectLst>
+                <a:latin typeface="Exo 2 Extra Bold" panose="00000900000000000000" pitchFamily="50" charset="0"/>
+              </a:rPr>
+              <a:t>Liga Principal</a:t>
+            </a:r>
+          </a:p>
+        </p:txBody>
+      </p:sp>
+      <p:sp>
+        <p:nvSpPr>
+          <p:cNvPr id="53" name="Retângulo 52">
+            <a:extLst>
+              <a:ext uri="{FF2B5EF4-FFF2-40B4-BE49-F238E27FC236}">
+                <a16:creationId xmlns:a16="http://schemas.microsoft.com/office/drawing/2014/main" id="{F101E0BF-8A68-40B9-BC26-35C299182F52}"/>
+              </a:ext>
+            </a:extLst>
+          </p:cNvPr>
+          <p:cNvSpPr/>
+          <p:nvPr/>
+        </p:nvSpPr>
+        <p:spPr>
+          <a:xfrm>
+            <a:off x="336776" y="1104608"/>
+            <a:ext cx="13909452" cy="1177249"/>
+          </a:xfrm>
+          <a:prstGeom prst="rect">
+            <a:avLst/>
+          </a:prstGeom>
+          <a:noFill/>
+        </p:spPr>
+        <p:txBody>
+          <a:bodyPr wrap="square" lIns="68584" tIns="34292" rIns="68584" bIns="34292">
+            <a:spAutoFit/>
+          </a:bodyPr>
+          <a:lstStyle/>
+          <a:p>
+            <a:pPr algn="ctr"/>
+            <a:r>
+              <a:rPr lang="pt-BR" sz="7200" dirty="0">
+                <a:ln w="0">
+                  <a:noFill/>
+                </a:ln>
+                <a:effectLst>
+                  <a:outerShdw blurRad="38100" dist="19050" dir="2700000" algn="tl" rotWithShape="0">
+                    <a:schemeClr val="dk1">
+                      <a:alpha val="40000"/>
+                    </a:schemeClr>
+                  </a:outerShdw>
+                </a:effectLst>
+                <a:latin typeface="Exo 2 Extra Bold" panose="00000900000000000000" pitchFamily="50" charset="0"/>
+              </a:rPr>
+              <a:t>MATA-MATA SÉRIE C 2</a:t>
+            </a:r>
+          </a:p>
+        </p:txBody>
+      </p:sp>
+      <p:pic>
+        <p:nvPicPr>
+          <p:cNvPr id="15" name="Imagem 14">
+            <a:extLst>
+              <a:ext uri="{FF2B5EF4-FFF2-40B4-BE49-F238E27FC236}">
+                <a16:creationId xmlns:a16="http://schemas.microsoft.com/office/drawing/2014/main" id="{780D6AE4-2B31-43CF-8A3B-9ACC73C32FE9}"/>
+              </a:ext>
+            </a:extLst>
+          </p:cNvPr>
+          <p:cNvPicPr>
+            <a:picLocks noChangeAspect="1"/>
+          </p:cNvPicPr>
+          <p:nvPr/>
+        </p:nvPicPr>
+        <p:blipFill>
+          <a:blip r:embed="rId4">
+            <a:extLst>
+              <a:ext uri="{28A0092B-C50C-407E-A947-70E740481C1C}">
+                <a14:useLocalDpi xmlns:a14="http://schemas.microsoft.com/office/drawing/2010/main" val="0"/>
+              </a:ext>
+            </a:extLst>
+          </a:blip>
+          <a:stretch>
+            <a:fillRect/>
+          </a:stretch>
+        </p:blipFill>
+        <p:spPr>
+          <a:xfrm>
+            <a:off x="336776" y="194284"/>
+            <a:ext cx="2059134" cy="2160000"/>
+          </a:xfrm>
+          <a:prstGeom prst="rect">
+            <a:avLst/>
+          </a:prstGeom>
+        </p:spPr>
+      </p:pic>
+      <p:sp>
+        <p:nvSpPr>
+          <p:cNvPr id="10" name="Retângulo 9">
+            <a:extLst>
+              <a:ext uri="{FF2B5EF4-FFF2-40B4-BE49-F238E27FC236}">
+                <a16:creationId xmlns:a16="http://schemas.microsoft.com/office/drawing/2014/main" id="{838BDC98-3287-4575-8574-56F716FB2440}"/>
+              </a:ext>
+            </a:extLst>
+          </p:cNvPr>
+          <p:cNvSpPr/>
+          <p:nvPr/>
+        </p:nvSpPr>
+        <p:spPr>
+          <a:xfrm>
+            <a:off x="581891" y="2892935"/>
+            <a:ext cx="13267927" cy="3039825"/>
+          </a:xfrm>
+          <a:prstGeom prst="rect">
+            <a:avLst/>
+          </a:prstGeom>
+          <a:solidFill>
+            <a:schemeClr val="tx1">
+              <a:alpha val="81000"/>
+            </a:schemeClr>
+          </a:solidFill>
+        </p:spPr>
+        <p:style>
+          <a:lnRef idx="2">
+            <a:schemeClr val="accent1">
+              <a:shade val="50000"/>
+            </a:schemeClr>
+          </a:lnRef>
+          <a:fillRef idx="1">
+            <a:schemeClr val="accent1"/>
+          </a:fillRef>
+          <a:effectRef idx="0">
+            <a:schemeClr val="accent1"/>
+          </a:effectRef>
+          <a:fontRef idx="minor">
+            <a:schemeClr val="lt1"/>
+          </a:fontRef>
+        </p:style>
+        <p:txBody>
+          <a:bodyPr rtlCol="0" anchor="ctr"/>
+          <a:lstStyle/>
+          <a:p>
+            <a:pPr algn="ctr"/>
+            <a:endParaRPr lang="pt-BR"/>
+          </a:p>
+        </p:txBody>
+      </p:sp>
+      <p:sp>
+        <p:nvSpPr>
+          <p:cNvPr id="21" name="Retângulo 20">
+            <a:extLst>
+              <a:ext uri="{FF2B5EF4-FFF2-40B4-BE49-F238E27FC236}">
+                <a16:creationId xmlns:a16="http://schemas.microsoft.com/office/drawing/2014/main" id="{95EDB8CB-8377-4925-B478-560C3F615037}"/>
+              </a:ext>
+            </a:extLst>
+          </p:cNvPr>
+          <p:cNvSpPr/>
+          <p:nvPr/>
+        </p:nvSpPr>
+        <p:spPr>
+          <a:xfrm>
+            <a:off x="581891" y="6704292"/>
+            <a:ext cx="13267927" cy="3038400"/>
+          </a:xfrm>
+          <a:prstGeom prst="rect">
+            <a:avLst/>
+          </a:prstGeom>
+          <a:solidFill>
+            <a:schemeClr val="tx1">
+              <a:alpha val="81000"/>
+            </a:schemeClr>
+          </a:solidFill>
+        </p:spPr>
+        <p:style>
+          <a:lnRef idx="2">
+            <a:schemeClr val="accent1">
+              <a:shade val="50000"/>
+            </a:schemeClr>
+          </a:lnRef>
+          <a:fillRef idx="1">
+            <a:schemeClr val="accent1"/>
+          </a:fillRef>
+          <a:effectRef idx="0">
+            <a:schemeClr val="accent1"/>
+          </a:effectRef>
+          <a:fontRef idx="minor">
+            <a:schemeClr val="lt1"/>
+          </a:fontRef>
+        </p:style>
+        <p:txBody>
+          <a:bodyPr rtlCol="0" anchor="ctr"/>
+          <a:lstStyle/>
+          <a:p>
+            <a:pPr algn="ctr"/>
+            <a:endParaRPr lang="pt-BR"/>
+          </a:p>
+        </p:txBody>
+      </p:sp>
+      <p:sp>
+        <p:nvSpPr>
+          <p:cNvPr id="23" name="Retângulo 22">
+            <a:extLst>
+              <a:ext uri="{FF2B5EF4-FFF2-40B4-BE49-F238E27FC236}">
+                <a16:creationId xmlns:a16="http://schemas.microsoft.com/office/drawing/2014/main" id="{ED87CD67-A438-4F74-986A-3704AF997953}"/>
+              </a:ext>
+            </a:extLst>
+          </p:cNvPr>
+          <p:cNvSpPr/>
+          <p:nvPr/>
+        </p:nvSpPr>
+        <p:spPr>
+          <a:xfrm>
+            <a:off x="5308448" y="2906454"/>
+            <a:ext cx="3789504" cy="684807"/>
+          </a:xfrm>
+          <a:prstGeom prst="rect">
+            <a:avLst/>
+          </a:prstGeom>
+          <a:noFill/>
+        </p:spPr>
+        <p:txBody>
+          <a:bodyPr wrap="square" lIns="68584" tIns="34292" rIns="68584" bIns="34292">
+            <a:spAutoFit/>
+          </a:bodyPr>
+          <a:lstStyle/>
+          <a:p>
+            <a:pPr algn="ctr"/>
+            <a:r>
+              <a:rPr lang="pt-BR" sz="4000" dirty="0">
+                <a:ln w="0">
+                  <a:noFill/>
+                </a:ln>
+                <a:solidFill>
+                  <a:srgbClr val="0070C0"/>
+                </a:solidFill>
+                <a:effectLst>
+                  <a:outerShdw blurRad="38100" dist="19050" dir="2700000" algn="tl" rotWithShape="0">
+                    <a:schemeClr val="dk1">
+                      <a:alpha val="40000"/>
+                    </a:schemeClr>
+                  </a:outerShdw>
+                </a:effectLst>
+                <a:latin typeface="Exo 2 Extra Bold" panose="00000900000000000000" pitchFamily="50" charset="0"/>
+              </a:rPr>
+              <a:t>Chave 1</a:t>
+            </a:r>
+          </a:p>
+        </p:txBody>
+      </p:sp>
+      <p:sp>
+        <p:nvSpPr>
+          <p:cNvPr id="24" name="Retângulo 23">
+            <a:extLst>
+              <a:ext uri="{FF2B5EF4-FFF2-40B4-BE49-F238E27FC236}">
+                <a16:creationId xmlns:a16="http://schemas.microsoft.com/office/drawing/2014/main" id="{522A4ACC-EC27-4A14-BA66-B0EB03535C7B}"/>
+              </a:ext>
+            </a:extLst>
+          </p:cNvPr>
+          <p:cNvSpPr/>
+          <p:nvPr/>
+        </p:nvSpPr>
+        <p:spPr>
+          <a:xfrm>
+            <a:off x="5321993" y="6726594"/>
+            <a:ext cx="3789503" cy="684807"/>
+          </a:xfrm>
+          <a:prstGeom prst="rect">
+            <a:avLst/>
+          </a:prstGeom>
+          <a:noFill/>
+        </p:spPr>
+        <p:txBody>
+          <a:bodyPr wrap="square" lIns="68584" tIns="34292" rIns="68584" bIns="34292">
+            <a:spAutoFit/>
+          </a:bodyPr>
+          <a:lstStyle/>
+          <a:p>
+            <a:pPr algn="ctr"/>
+            <a:r>
+              <a:rPr lang="pt-BR" sz="4000" dirty="0">
+                <a:ln w="0">
+                  <a:noFill/>
+                </a:ln>
+                <a:solidFill>
+                  <a:srgbClr val="0070C0"/>
+                </a:solidFill>
+                <a:effectLst>
+                  <a:outerShdw blurRad="38100" dist="19050" dir="2700000" algn="tl" rotWithShape="0">
+                    <a:schemeClr val="dk1">
+                      <a:alpha val="40000"/>
+                    </a:schemeClr>
+                  </a:outerShdw>
+                </a:effectLst>
+                <a:latin typeface="Exo 2 Extra Bold" panose="00000900000000000000" pitchFamily="50" charset="0"/>
+              </a:rPr>
+              <a:t>Chave 2</a:t>
+            </a:r>
+          </a:p>
+        </p:txBody>
+      </p:sp>
+      <p:pic>
+        <p:nvPicPr>
+          <p:cNvPr id="2" name="Imagem 1">
+            <a:extLst>
+              <a:ext uri="{FF2B5EF4-FFF2-40B4-BE49-F238E27FC236}">
+                <a16:creationId xmlns:a16="http://schemas.microsoft.com/office/drawing/2014/main" id="{B5C8A060-E06E-4A37-897B-DFAF18FE6269}"/>
+              </a:ext>
+            </a:extLst>
+          </p:cNvPr>
+          <p:cNvPicPr>
+            <a:picLocks noChangeAspect="1"/>
+          </p:cNvPicPr>
+          <p:nvPr/>
+        </p:nvPicPr>
+        <p:blipFill>
+          <a:blip r:embed="rId5"/>
+          <a:stretch>
+            <a:fillRect/>
+          </a:stretch>
+        </p:blipFill>
+        <p:spPr>
+          <a:xfrm>
+            <a:off x="902160" y="4017762"/>
+            <a:ext cx="12600000" cy="1054245"/>
+          </a:xfrm>
+          <a:prstGeom prst="rect">
+            <a:avLst/>
+          </a:prstGeom>
+        </p:spPr>
+      </p:pic>
+      <p:pic>
+        <p:nvPicPr>
+          <p:cNvPr id="3" name="Imagem 2">
+            <a:extLst>
+              <a:ext uri="{FF2B5EF4-FFF2-40B4-BE49-F238E27FC236}">
+                <a16:creationId xmlns:a16="http://schemas.microsoft.com/office/drawing/2014/main" id="{2D727AB9-B288-40A3-B86F-F255A1B598A5}"/>
+              </a:ext>
+            </a:extLst>
+          </p:cNvPr>
+          <p:cNvPicPr>
+            <a:picLocks noChangeAspect="1"/>
+          </p:cNvPicPr>
+          <p:nvPr/>
+        </p:nvPicPr>
+        <p:blipFill>
+          <a:blip r:embed="rId6"/>
+          <a:stretch>
+            <a:fillRect/>
+          </a:stretch>
+        </p:blipFill>
+        <p:spPr>
+          <a:xfrm>
+            <a:off x="908729" y="7946333"/>
+            <a:ext cx="12600000" cy="1054245"/>
+          </a:xfrm>
+          <a:prstGeom prst="rect">
+            <a:avLst/>
+          </a:prstGeom>
+        </p:spPr>
+      </p:pic>
+    </p:spTree>
+    <p:extLst>
+      <p:ext uri="{BB962C8B-B14F-4D97-AF65-F5344CB8AC3E}">
+        <p14:creationId xmlns:p14="http://schemas.microsoft.com/office/powerpoint/2010/main" val="2200666842"/>
       </p:ext>
     </p:extLst>
   </p:cSld>

--- a/MataMataPlanilha.pptx
+++ b/MataMataPlanilha.pptx
@@ -5,16 +5,18 @@
     <p:sldMasterId id="2147483686" r:id="rId1"/>
   </p:sldMasterIdLst>
   <p:sldIdLst>
-    <p:sldId id="264" r:id="rId2"/>
-    <p:sldId id="270" r:id="rId3"/>
-    <p:sldId id="271" r:id="rId4"/>
-    <p:sldId id="265" r:id="rId5"/>
-    <p:sldId id="273" r:id="rId6"/>
-    <p:sldId id="272" r:id="rId7"/>
-    <p:sldId id="266" r:id="rId8"/>
+    <p:sldId id="270" r:id="rId2"/>
+    <p:sldId id="271" r:id="rId3"/>
+    <p:sldId id="265" r:id="rId4"/>
+    <p:sldId id="273" r:id="rId5"/>
+    <p:sldId id="275" r:id="rId6"/>
+    <p:sldId id="274" r:id="rId7"/>
+    <p:sldId id="276" r:id="rId8"/>
     <p:sldId id="267" r:id="rId9"/>
-    <p:sldId id="268" r:id="rId10"/>
-    <p:sldId id="269" r:id="rId11"/>
+    <p:sldId id="278" r:id="rId10"/>
+    <p:sldId id="277" r:id="rId11"/>
+    <p:sldId id="268" r:id="rId12"/>
+    <p:sldId id="269" r:id="rId13"/>
   </p:sldIdLst>
   <p:sldSz cx="14400213" cy="10799763"/>
   <p:notesSz cx="6858000" cy="9144000"/>
@@ -116,7 +118,7 @@
   <p:extLst>
     <p:ext uri="{EFAFB233-063F-42B5-8137-9DF3F51BA10A}">
       <p15:sldGuideLst xmlns:p15="http://schemas.microsoft.com/office/powerpoint/2012/main">
-        <p15:guide id="1" orient="horz" pos="3402" userDrawn="1">
+        <p15:guide id="1" orient="horz" pos="3424" userDrawn="1">
           <p15:clr>
             <a:srgbClr val="A4A3A4"/>
           </p15:clr>
@@ -295,7 +297,7 @@
             <a:fld id="{11A6662E-FAF4-44BC-88B5-85A7CBFB6D30}" type="datetime1">
               <a:rPr lang="en-US" smtClean="0"/>
               <a:pPr/>
-              <a:t>7/30/2021</a:t>
+              <a:t>8/10/2021</a:t>
             </a:fld>
             <a:endParaRPr lang="en-US" dirty="0"/>
           </a:p>
@@ -522,7 +524,7 @@
           <a:p>
             <a:fld id="{4C559632-1575-4E14-B53B-3DC3D5ED3947}" type="datetime1">
               <a:rPr lang="en-US" smtClean="0"/>
-              <a:t>7/30/2021</a:t>
+              <a:t>8/10/2021</a:t>
             </a:fld>
             <a:endParaRPr lang="en-US"/>
           </a:p>
@@ -730,7 +732,7 @@
           <a:p>
             <a:fld id="{CC4A6868-2568-4CC9-B302-F37117B01A6E}" type="datetime1">
               <a:rPr lang="en-US" smtClean="0"/>
-              <a:t>7/30/2021</a:t>
+              <a:t>8/10/2021</a:t>
             </a:fld>
             <a:endParaRPr lang="en-US"/>
           </a:p>
@@ -935,7 +937,7 @@
           <a:p>
             <a:fld id="{0055F08A-1E71-4B2B-BB49-E743F2903911}" type="datetime1">
               <a:rPr lang="en-US" smtClean="0"/>
-              <a:t>7/30/2021</a:t>
+              <a:t>8/10/2021</a:t>
             </a:fld>
             <a:endParaRPr lang="en-US" dirty="0"/>
           </a:p>
@@ -1209,7 +1211,7 @@
           <a:p>
             <a:fld id="{15417D9E-721A-44BB-8863-9873FE64DA75}" type="datetime1">
               <a:rPr lang="en-US" smtClean="0"/>
-              <a:t>7/30/2021</a:t>
+              <a:t>8/10/2021</a:t>
             </a:fld>
             <a:endParaRPr lang="en-US"/>
           </a:p>
@@ -1482,7 +1484,7 @@
           <a:p>
             <a:fld id="{5F31DA2F-80B8-49CF-99FB-5ABCA53A607A}" type="datetime1">
               <a:rPr lang="en-US" smtClean="0"/>
-              <a:t>7/30/2021</a:t>
+              <a:t>8/10/2021</a:t>
             </a:fld>
             <a:endParaRPr lang="en-US"/>
           </a:p>
@@ -1897,7 +1899,7 @@
           <a:p>
             <a:fld id="{28852172-E6C9-4B6C-929A-A9DE3837BBF1}" type="datetime1">
               <a:rPr lang="en-US" smtClean="0"/>
-              <a:t>7/30/2021</a:t>
+              <a:t>8/10/2021</a:t>
             </a:fld>
             <a:endParaRPr lang="en-US"/>
           </a:p>
@@ -2049,7 +2051,7 @@
           <a:p>
             <a:fld id="{3AB41CFF-90C9-47B3-9DA1-F2BF8D839F7E}" type="datetime1">
               <a:rPr lang="en-US" smtClean="0"/>
-              <a:t>7/30/2021</a:t>
+              <a:t>8/10/2021</a:t>
             </a:fld>
             <a:endParaRPr lang="en-US"/>
           </a:p>
@@ -2162,7 +2164,7 @@
           <a:p>
             <a:fld id="{F06048FA-06AB-4884-A69B-986B96E68A24}" type="datetime1">
               <a:rPr lang="en-US" smtClean="0"/>
-              <a:t>7/30/2021</a:t>
+              <a:t>8/10/2021</a:t>
             </a:fld>
             <a:endParaRPr lang="en-US"/>
           </a:p>
@@ -2473,7 +2475,7 @@
           <a:p>
             <a:fld id="{50DB7ABA-0172-4F9C-889D-567164F66BCD}" type="datetime1">
               <a:rPr lang="en-US" smtClean="0"/>
-              <a:t>7/30/2021</a:t>
+              <a:t>8/10/2021</a:t>
             </a:fld>
             <a:endParaRPr lang="en-US"/>
           </a:p>
@@ -2764,7 +2766,7 @@
           <a:p>
             <a:fld id="{78AC6A5B-8AE7-4A41-B5A7-9ADC6686DC18}" type="datetime1">
               <a:rPr lang="en-US" smtClean="0"/>
-              <a:t>7/30/2021</a:t>
+              <a:t>8/10/2021</a:t>
             </a:fld>
             <a:endParaRPr lang="en-US"/>
           </a:p>
@@ -3073,7 +3075,7 @@
             <a:fld id="{57E0CF6C-748E-4B7A-BC8B-3011EF78ED13}" type="datetime1">
               <a:rPr lang="en-US" smtClean="0"/>
               <a:pPr/>
-              <a:t>7/30/2021</a:t>
+              <a:t>8/10/2021</a:t>
             </a:fld>
             <a:endParaRPr lang="en-US" dirty="0"/>
           </a:p>
@@ -3957,7 +3959,7 @@
                 </a:effectLst>
                 <a:latin typeface="Exo 2 Extra Bold" panose="00000900000000000000" pitchFamily="50" charset="0"/>
               </a:rPr>
-              <a:t>MATA-MATA SÉRIE C 2</a:t>
+              <a:t>MATA-MATA SÉRIE A 3</a:t>
             </a:r>
           </a:p>
         </p:txBody>
@@ -4207,7 +4209,7 @@
           <p:cNvPr id="2" name="Imagem 1">
             <a:extLst>
               <a:ext uri="{FF2B5EF4-FFF2-40B4-BE49-F238E27FC236}">
-                <a16:creationId xmlns:a16="http://schemas.microsoft.com/office/drawing/2014/main" id="{F1EC0DC6-2914-4823-9D82-433445B4F23A}"/>
+                <a16:creationId xmlns:a16="http://schemas.microsoft.com/office/drawing/2014/main" id="{0D5D9A44-2A71-4E2B-B6BC-AC90BEDA1714}"/>
               </a:ext>
             </a:extLst>
           </p:cNvPr>
@@ -4224,7 +4226,7 @@
         </p:blipFill>
         <p:spPr>
           <a:xfrm>
-            <a:off x="327250" y="3872449"/>
+            <a:off x="340151" y="3872449"/>
             <a:ext cx="6543248" cy="5580000"/>
           </a:xfrm>
           <a:prstGeom prst="rect">
@@ -4237,7 +4239,7 @@
           <p:cNvPr id="3" name="Imagem 2">
             <a:extLst>
               <a:ext uri="{FF2B5EF4-FFF2-40B4-BE49-F238E27FC236}">
-                <a16:creationId xmlns:a16="http://schemas.microsoft.com/office/drawing/2014/main" id="{503A8211-85C0-4725-90AD-DFCD5D51888A}"/>
+                <a16:creationId xmlns:a16="http://schemas.microsoft.com/office/drawing/2014/main" id="{06766B5E-447F-40F4-8E68-610091D37127}"/>
               </a:ext>
             </a:extLst>
           </p:cNvPr>
@@ -4254,7 +4256,7 @@
         </p:blipFill>
         <p:spPr>
           <a:xfrm>
-            <a:off x="7557936" y="3872449"/>
+            <a:off x="7549288" y="3872449"/>
             <a:ext cx="6533549" cy="5580000"/>
           </a:xfrm>
           <a:prstGeom prst="rect">
@@ -4265,7 +4267,7 @@
     </p:spTree>
     <p:extLst>
       <p:ext uri="{BB962C8B-B14F-4D97-AF65-F5344CB8AC3E}">
-        <p14:creationId xmlns:p14="http://schemas.microsoft.com/office/powerpoint/2010/main" val="4222553005"/>
+        <p14:creationId xmlns:p14="http://schemas.microsoft.com/office/powerpoint/2010/main" val="2841975907"/>
       </p:ext>
     </p:extLst>
   </p:cSld>
@@ -4276,6 +4278,1452 @@
 </file>
 
 <file path=ppt/slides/slide10.xml><?xml version="1.0" encoding="utf-8"?>
+<p:sld xmlns:a="http://schemas.openxmlformats.org/drawingml/2006/main" xmlns:r="http://schemas.openxmlformats.org/officeDocument/2006/relationships" xmlns:p="http://schemas.openxmlformats.org/presentationml/2006/main">
+  <p:cSld>
+    <p:bg>
+      <p:bgPr>
+        <a:solidFill>
+          <a:schemeClr val="bg1"/>
+        </a:solidFill>
+        <a:effectLst/>
+      </p:bgPr>
+    </p:bg>
+    <p:spTree>
+      <p:nvGrpSpPr>
+        <p:cNvPr id="1" name=""/>
+        <p:cNvGrpSpPr/>
+        <p:nvPr/>
+      </p:nvGrpSpPr>
+      <p:grpSpPr>
+        <a:xfrm>
+          <a:off x="0" y="0"/>
+          <a:ext cx="0" cy="0"/>
+          <a:chOff x="0" y="0"/>
+          <a:chExt cx="0" cy="0"/>
+        </a:xfrm>
+      </p:grpSpPr>
+      <p:sp>
+        <p:nvSpPr>
+          <p:cNvPr id="13" name="Rectangle 9">
+            <a:extLst>
+              <a:ext uri="{FF2B5EF4-FFF2-40B4-BE49-F238E27FC236}">
+                <a16:creationId xmlns:a16="http://schemas.microsoft.com/office/drawing/2014/main" id="{0BABF38A-8A0D-492E-BD20-6CF4D46B50BD}"/>
+              </a:ext>
+              <a:ext uri="{C183D7F6-B498-43B3-948B-1728B52AA6E4}">
+                <adec:decorative xmlns:adec="http://schemas.microsoft.com/office/drawing/2017/decorative" val="1"/>
+              </a:ext>
+            </a:extLst>
+          </p:cNvPr>
+          <p:cNvSpPr>
+            <a:spLocks noGrp="1" noRot="1" noChangeAspect="1" noMove="1" noResize="1" noEditPoints="1" noAdjustHandles="1" noChangeArrowheads="1" noChangeShapeType="1" noTextEdit="1"/>
+          </p:cNvSpPr>
+          <p:nvPr>
+            <p:extLst>
+              <p:ext uri="{386F3935-93C4-4BCD-93E2-E3B085C9AB24}">
+                <p16:designElem xmlns:p16="http://schemas.microsoft.com/office/powerpoint/2015/main" val="1"/>
+              </p:ext>
+            </p:extLst>
+          </p:nvPr>
+        </p:nvSpPr>
+        <p:spPr>
+          <a:xfrm>
+            <a:off x="3149972" y="3121681"/>
+            <a:ext cx="8100269" cy="4556404"/>
+          </a:xfrm>
+          <a:prstGeom prst="rect">
+            <a:avLst/>
+          </a:prstGeom>
+          <a:solidFill>
+            <a:schemeClr val="bg2">
+              <a:lumMod val="90000"/>
+              <a:alpha val="70000"/>
+            </a:schemeClr>
+          </a:solidFill>
+          <a:ln>
+            <a:noFill/>
+          </a:ln>
+        </p:spPr>
+        <p:style>
+          <a:lnRef idx="2">
+            <a:schemeClr val="accent1">
+              <a:shade val="50000"/>
+            </a:schemeClr>
+          </a:lnRef>
+          <a:fillRef idx="1">
+            <a:schemeClr val="accent1"/>
+          </a:fillRef>
+          <a:effectRef idx="0">
+            <a:schemeClr val="accent1"/>
+          </a:effectRef>
+          <a:fontRef idx="minor">
+            <a:schemeClr val="lt1"/>
+          </a:fontRef>
+        </p:style>
+        <p:txBody>
+          <a:bodyPr rtlCol="0" anchor="ctr"/>
+          <a:lstStyle/>
+          <a:p>
+            <a:pPr algn="ctr">
+              <a:defRPr/>
+            </a:pPr>
+            <a:endParaRPr lang="en-US" sz="1196" dirty="0">
+              <a:solidFill>
+                <a:prstClr val="black">
+                  <a:lumMod val="65000"/>
+                  <a:lumOff val="35000"/>
+                </a:prstClr>
+              </a:solidFill>
+              <a:latin typeface="AvenirNext LT Pro Medium" panose="020B0504020202020204" pitchFamily="34" charset="0"/>
+            </a:endParaRPr>
+          </a:p>
+        </p:txBody>
+      </p:sp>
+      <p:pic>
+        <p:nvPicPr>
+          <p:cNvPr id="12" name="Picture 11">
+            <a:extLst>
+              <a:ext uri="{FF2B5EF4-FFF2-40B4-BE49-F238E27FC236}">
+                <a16:creationId xmlns:a16="http://schemas.microsoft.com/office/drawing/2014/main" id="{BC526B7A-4801-4FD1-95C8-03AF22629E87}"/>
+              </a:ext>
+              <a:ext uri="{C183D7F6-B498-43B3-948B-1728B52AA6E4}">
+                <adec:decorative xmlns:adec="http://schemas.microsoft.com/office/drawing/2017/decorative" val="1"/>
+              </a:ext>
+            </a:extLst>
+          </p:cNvPr>
+          <p:cNvPicPr>
+            <a:picLocks noGrp="1" noRot="1" noChangeAspect="1" noMove="1" noResize="1" noEditPoints="1" noAdjustHandles="1" noChangeArrowheads="1" noChangeShapeType="1" noCrop="1"/>
+          </p:cNvPicPr>
+          <p:nvPr>
+            <p:extLst>
+              <p:ext uri="{386F3935-93C4-4BCD-93E2-E3B085C9AB24}">
+                <p16:designElem xmlns:p16="http://schemas.microsoft.com/office/powerpoint/2015/main" val="1"/>
+              </p:ext>
+            </p:extLst>
+          </p:nvPr>
+        </p:nvPicPr>
+        <p:blipFill>
+          <a:blip r:embed="rId2">
+            <a:alphaModFix amt="10000"/>
+            <a:extLst>
+              <a:ext uri="{28A0092B-C50C-407E-A947-70E740481C1C}">
+                <a14:useLocalDpi xmlns:a14="http://schemas.microsoft.com/office/drawing/2010/main" val="0"/>
+              </a:ext>
+            </a:extLst>
+          </a:blip>
+          <a:stretch>
+            <a:fillRect/>
+          </a:stretch>
+        </p:blipFill>
+        <p:spPr>
+          <a:xfrm>
+            <a:off x="8820159" y="3121682"/>
+            <a:ext cx="2428095" cy="3039825"/>
+          </a:xfrm>
+          <a:prstGeom prst="rect">
+            <a:avLst/>
+          </a:prstGeom>
+        </p:spPr>
+      </p:pic>
+      <p:sp useBgFill="1">
+        <p:nvSpPr>
+          <p:cNvPr id="14" name="Rectangle 13">
+            <a:extLst>
+              <a:ext uri="{FF2B5EF4-FFF2-40B4-BE49-F238E27FC236}">
+                <a16:creationId xmlns:a16="http://schemas.microsoft.com/office/drawing/2014/main" id="{37FDDF72-DE39-4F99-A3C1-DD9D7815D7DB}"/>
+              </a:ext>
+              <a:ext uri="{C183D7F6-B498-43B3-948B-1728B52AA6E4}">
+                <adec:decorative xmlns:adec="http://schemas.microsoft.com/office/drawing/2017/decorative" val="1"/>
+              </a:ext>
+            </a:extLst>
+          </p:cNvPr>
+          <p:cNvSpPr>
+            <a:spLocks noGrp="1" noRot="1" noChangeAspect="1" noMove="1" noResize="1" noEditPoints="1" noAdjustHandles="1" noChangeArrowheads="1" noChangeShapeType="1" noTextEdit="1"/>
+          </p:cNvSpPr>
+          <p:nvPr>
+            <p:extLst>
+              <p:ext uri="{386F3935-93C4-4BCD-93E2-E3B085C9AB24}">
+                <p16:designElem xmlns:p16="http://schemas.microsoft.com/office/powerpoint/2015/main" val="1"/>
+              </p:ext>
+            </p:extLst>
+          </p:nvPr>
+        </p:nvSpPr>
+        <p:spPr>
+          <a:xfrm>
+            <a:off x="3149972" y="3121681"/>
+            <a:ext cx="8100269" cy="4556401"/>
+          </a:xfrm>
+          <a:prstGeom prst="rect">
+            <a:avLst/>
+          </a:prstGeom>
+          <a:ln>
+            <a:noFill/>
+          </a:ln>
+        </p:spPr>
+        <p:style>
+          <a:lnRef idx="2">
+            <a:schemeClr val="accent1">
+              <a:shade val="50000"/>
+            </a:schemeClr>
+          </a:lnRef>
+          <a:fillRef idx="1">
+            <a:schemeClr val="accent1"/>
+          </a:fillRef>
+          <a:effectRef idx="0">
+            <a:schemeClr val="accent1"/>
+          </a:effectRef>
+          <a:fontRef idx="minor">
+            <a:schemeClr val="lt1"/>
+          </a:fontRef>
+        </p:style>
+        <p:txBody>
+          <a:bodyPr rtlCol="0" anchor="ctr"/>
+          <a:lstStyle/>
+          <a:p>
+            <a:pPr algn="ctr">
+              <a:defRPr/>
+            </a:pPr>
+            <a:endParaRPr lang="en-US" sz="1196" dirty="0">
+              <a:solidFill>
+                <a:prstClr val="black">
+                  <a:lumMod val="65000"/>
+                  <a:lumOff val="35000"/>
+                </a:prstClr>
+              </a:solidFill>
+              <a:latin typeface="AvenirNext LT Pro Medium" panose="020B0504020202020204" pitchFamily="34" charset="0"/>
+            </a:endParaRPr>
+          </a:p>
+        </p:txBody>
+      </p:sp>
+      <p:sp>
+        <p:nvSpPr>
+          <p:cNvPr id="16" name="Rectangle 15">
+            <a:extLst>
+              <a:ext uri="{FF2B5EF4-FFF2-40B4-BE49-F238E27FC236}">
+                <a16:creationId xmlns:a16="http://schemas.microsoft.com/office/drawing/2014/main" id="{5E4ECE80-3AD1-450C-B62A-98788F193948}"/>
+              </a:ext>
+              <a:ext uri="{C183D7F6-B498-43B3-948B-1728B52AA6E4}">
+                <adec:decorative xmlns:adec="http://schemas.microsoft.com/office/drawing/2017/decorative" val="1"/>
+              </a:ext>
+            </a:extLst>
+          </p:cNvPr>
+          <p:cNvSpPr>
+            <a:spLocks noGrp="1" noRot="1" noChangeAspect="1" noMove="1" noResize="1" noEditPoints="1" noAdjustHandles="1" noChangeArrowheads="1" noChangeShapeType="1" noTextEdit="1"/>
+          </p:cNvSpPr>
+          <p:nvPr>
+            <p:extLst>
+              <p:ext uri="{386F3935-93C4-4BCD-93E2-E3B085C9AB24}">
+                <p16:designElem xmlns:p16="http://schemas.microsoft.com/office/powerpoint/2015/main" val="1"/>
+              </p:ext>
+            </p:extLst>
+          </p:nvPr>
+        </p:nvSpPr>
+        <p:spPr>
+          <a:xfrm>
+            <a:off x="3149972" y="3121681"/>
+            <a:ext cx="8100269" cy="4556401"/>
+          </a:xfrm>
+          <a:prstGeom prst="rect">
+            <a:avLst/>
+          </a:prstGeom>
+          <a:solidFill>
+            <a:srgbClr val="000000"/>
+          </a:solidFill>
+          <a:ln>
+            <a:noFill/>
+          </a:ln>
+        </p:spPr>
+        <p:style>
+          <a:lnRef idx="2">
+            <a:schemeClr val="accent1">
+              <a:shade val="50000"/>
+            </a:schemeClr>
+          </a:lnRef>
+          <a:fillRef idx="1">
+            <a:schemeClr val="accent1"/>
+          </a:fillRef>
+          <a:effectRef idx="0">
+            <a:schemeClr val="accent1"/>
+          </a:effectRef>
+          <a:fontRef idx="minor">
+            <a:schemeClr val="lt1"/>
+          </a:fontRef>
+        </p:style>
+        <p:txBody>
+          <a:bodyPr rtlCol="0" anchor="ctr"/>
+          <a:lstStyle/>
+          <a:p>
+            <a:pPr algn="ctr">
+              <a:defRPr/>
+            </a:pPr>
+            <a:endParaRPr lang="en-US" sz="1196" dirty="0">
+              <a:solidFill>
+                <a:prstClr val="black">
+                  <a:lumMod val="65000"/>
+                  <a:lumOff val="35000"/>
+                </a:prstClr>
+              </a:solidFill>
+              <a:latin typeface="AvenirNext LT Pro Medium" panose="020B0504020202020204" pitchFamily="34" charset="0"/>
+            </a:endParaRPr>
+          </a:p>
+        </p:txBody>
+      </p:sp>
+      <p:pic>
+        <p:nvPicPr>
+          <p:cNvPr id="5" name="Imagem 4">
+            <a:extLst>
+              <a:ext uri="{FF2B5EF4-FFF2-40B4-BE49-F238E27FC236}">
+                <a16:creationId xmlns:a16="http://schemas.microsoft.com/office/drawing/2014/main" id="{F1433EF1-FB6D-4913-96C9-08F0B1B3CA7A}"/>
+              </a:ext>
+            </a:extLst>
+          </p:cNvPr>
+          <p:cNvPicPr>
+            <a:picLocks noChangeAspect="1"/>
+          </p:cNvPicPr>
+          <p:nvPr/>
+        </p:nvPicPr>
+        <p:blipFill rotWithShape="1">
+          <a:blip r:embed="rId3">
+            <a:alphaModFix/>
+            <a:extLst>
+              <a:ext uri="{28A0092B-C50C-407E-A947-70E740481C1C}">
+                <a14:useLocalDpi xmlns:a14="http://schemas.microsoft.com/office/drawing/2010/main" val="0"/>
+              </a:ext>
+            </a:extLst>
+          </a:blip>
+          <a:srcRect l="5233" t="-2125" r="6244" b="-538"/>
+          <a:stretch/>
+        </p:blipFill>
+        <p:spPr>
+          <a:xfrm>
+            <a:off x="-1" y="-248909"/>
+            <a:ext cx="14400213" cy="11147555"/>
+          </a:xfrm>
+          <a:prstGeom prst="rect">
+            <a:avLst/>
+          </a:prstGeom>
+        </p:spPr>
+      </p:pic>
+      <p:sp>
+        <p:nvSpPr>
+          <p:cNvPr id="10" name="Retângulo 9">
+            <a:extLst>
+              <a:ext uri="{FF2B5EF4-FFF2-40B4-BE49-F238E27FC236}">
+                <a16:creationId xmlns:a16="http://schemas.microsoft.com/office/drawing/2014/main" id="{838BDC98-3287-4575-8574-56F716FB2440}"/>
+              </a:ext>
+            </a:extLst>
+          </p:cNvPr>
+          <p:cNvSpPr/>
+          <p:nvPr/>
+        </p:nvSpPr>
+        <p:spPr>
+          <a:xfrm>
+            <a:off x="-1" y="2227185"/>
+            <a:ext cx="14400214" cy="3934322"/>
+          </a:xfrm>
+          <a:prstGeom prst="rect">
+            <a:avLst/>
+          </a:prstGeom>
+          <a:solidFill>
+            <a:schemeClr val="tx1">
+              <a:alpha val="81000"/>
+            </a:schemeClr>
+          </a:solidFill>
+        </p:spPr>
+        <p:style>
+          <a:lnRef idx="2">
+            <a:schemeClr val="accent1">
+              <a:shade val="50000"/>
+            </a:schemeClr>
+          </a:lnRef>
+          <a:fillRef idx="1">
+            <a:schemeClr val="accent1"/>
+          </a:fillRef>
+          <a:effectRef idx="0">
+            <a:schemeClr val="accent1"/>
+          </a:effectRef>
+          <a:fontRef idx="minor">
+            <a:schemeClr val="lt1"/>
+          </a:fontRef>
+        </p:style>
+        <p:txBody>
+          <a:bodyPr rtlCol="0" anchor="ctr"/>
+          <a:lstStyle/>
+          <a:p>
+            <a:pPr algn="ctr"/>
+            <a:endParaRPr lang="pt-BR"/>
+          </a:p>
+        </p:txBody>
+      </p:sp>
+      <p:sp>
+        <p:nvSpPr>
+          <p:cNvPr id="21" name="Retângulo 20">
+            <a:extLst>
+              <a:ext uri="{FF2B5EF4-FFF2-40B4-BE49-F238E27FC236}">
+                <a16:creationId xmlns:a16="http://schemas.microsoft.com/office/drawing/2014/main" id="{95EDB8CB-8377-4925-B478-560C3F615037}"/>
+              </a:ext>
+            </a:extLst>
+          </p:cNvPr>
+          <p:cNvSpPr/>
+          <p:nvPr/>
+        </p:nvSpPr>
+        <p:spPr>
+          <a:xfrm>
+            <a:off x="-1" y="6505978"/>
+            <a:ext cx="14400213" cy="3934322"/>
+          </a:xfrm>
+          <a:prstGeom prst="rect">
+            <a:avLst/>
+          </a:prstGeom>
+          <a:solidFill>
+            <a:schemeClr val="tx1">
+              <a:alpha val="81000"/>
+            </a:schemeClr>
+          </a:solidFill>
+        </p:spPr>
+        <p:style>
+          <a:lnRef idx="2">
+            <a:schemeClr val="accent1">
+              <a:shade val="50000"/>
+            </a:schemeClr>
+          </a:lnRef>
+          <a:fillRef idx="1">
+            <a:schemeClr val="accent1"/>
+          </a:fillRef>
+          <a:effectRef idx="0">
+            <a:schemeClr val="accent1"/>
+          </a:effectRef>
+          <a:fontRef idx="minor">
+            <a:schemeClr val="lt1"/>
+          </a:fontRef>
+        </p:style>
+        <p:txBody>
+          <a:bodyPr rtlCol="0" anchor="ctr"/>
+          <a:lstStyle/>
+          <a:p>
+            <a:pPr algn="ctr"/>
+            <a:endParaRPr lang="pt-BR"/>
+          </a:p>
+        </p:txBody>
+      </p:sp>
+      <p:sp>
+        <p:nvSpPr>
+          <p:cNvPr id="23" name="Retângulo 22">
+            <a:extLst>
+              <a:ext uri="{FF2B5EF4-FFF2-40B4-BE49-F238E27FC236}">
+                <a16:creationId xmlns:a16="http://schemas.microsoft.com/office/drawing/2014/main" id="{ED87CD67-A438-4F74-986A-3704AF997953}"/>
+              </a:ext>
+            </a:extLst>
+          </p:cNvPr>
+          <p:cNvSpPr/>
+          <p:nvPr/>
+        </p:nvSpPr>
+        <p:spPr>
+          <a:xfrm>
+            <a:off x="5308448" y="2179089"/>
+            <a:ext cx="3789504" cy="684807"/>
+          </a:xfrm>
+          <a:prstGeom prst="rect">
+            <a:avLst/>
+          </a:prstGeom>
+          <a:noFill/>
+        </p:spPr>
+        <p:txBody>
+          <a:bodyPr wrap="square" lIns="68584" tIns="34292" rIns="68584" bIns="34292">
+            <a:spAutoFit/>
+          </a:bodyPr>
+          <a:lstStyle/>
+          <a:p>
+            <a:pPr algn="ctr"/>
+            <a:r>
+              <a:rPr lang="pt-BR" sz="4000" dirty="0">
+                <a:ln w="0">
+                  <a:noFill/>
+                </a:ln>
+                <a:solidFill>
+                  <a:srgbClr val="0070C0"/>
+                </a:solidFill>
+                <a:effectLst>
+                  <a:outerShdw blurRad="38100" dist="19050" dir="2700000" algn="tl" rotWithShape="0">
+                    <a:schemeClr val="dk1">
+                      <a:alpha val="40000"/>
+                    </a:schemeClr>
+                  </a:outerShdw>
+                </a:effectLst>
+                <a:latin typeface="Exo 2 Extra Bold" panose="00000900000000000000" pitchFamily="50" charset="0"/>
+              </a:rPr>
+              <a:t>Chave 1</a:t>
+            </a:r>
+          </a:p>
+        </p:txBody>
+      </p:sp>
+      <p:sp>
+        <p:nvSpPr>
+          <p:cNvPr id="24" name="Retângulo 23">
+            <a:extLst>
+              <a:ext uri="{FF2B5EF4-FFF2-40B4-BE49-F238E27FC236}">
+                <a16:creationId xmlns:a16="http://schemas.microsoft.com/office/drawing/2014/main" id="{522A4ACC-EC27-4A14-BA66-B0EB03535C7B}"/>
+              </a:ext>
+            </a:extLst>
+          </p:cNvPr>
+          <p:cNvSpPr/>
+          <p:nvPr/>
+        </p:nvSpPr>
+        <p:spPr>
+          <a:xfrm>
+            <a:off x="5321993" y="6456434"/>
+            <a:ext cx="3789503" cy="684807"/>
+          </a:xfrm>
+          <a:prstGeom prst="rect">
+            <a:avLst/>
+          </a:prstGeom>
+          <a:noFill/>
+        </p:spPr>
+        <p:txBody>
+          <a:bodyPr wrap="square" lIns="68584" tIns="34292" rIns="68584" bIns="34292">
+            <a:spAutoFit/>
+          </a:bodyPr>
+          <a:lstStyle/>
+          <a:p>
+            <a:pPr algn="ctr"/>
+            <a:r>
+              <a:rPr lang="pt-BR" sz="4000" dirty="0">
+                <a:ln w="0">
+                  <a:noFill/>
+                </a:ln>
+                <a:solidFill>
+                  <a:srgbClr val="0070C0"/>
+                </a:solidFill>
+                <a:effectLst>
+                  <a:outerShdw blurRad="38100" dist="19050" dir="2700000" algn="tl" rotWithShape="0">
+                    <a:schemeClr val="dk1">
+                      <a:alpha val="40000"/>
+                    </a:schemeClr>
+                  </a:outerShdw>
+                </a:effectLst>
+                <a:latin typeface="Exo 2 Extra Bold" panose="00000900000000000000" pitchFamily="50" charset="0"/>
+              </a:rPr>
+              <a:t>Chave 2</a:t>
+            </a:r>
+          </a:p>
+        </p:txBody>
+      </p:sp>
+      <p:sp>
+        <p:nvSpPr>
+          <p:cNvPr id="17" name="Retângulo 16">
+            <a:extLst>
+              <a:ext uri="{FF2B5EF4-FFF2-40B4-BE49-F238E27FC236}">
+                <a16:creationId xmlns:a16="http://schemas.microsoft.com/office/drawing/2014/main" id="{F4C7C691-6F84-4E8E-B003-B5927B18D3B6}"/>
+              </a:ext>
+            </a:extLst>
+          </p:cNvPr>
+          <p:cNvSpPr/>
+          <p:nvPr/>
+        </p:nvSpPr>
+        <p:spPr>
+          <a:xfrm>
+            <a:off x="989921" y="451466"/>
+            <a:ext cx="13909452" cy="1177249"/>
+          </a:xfrm>
+          <a:prstGeom prst="rect">
+            <a:avLst/>
+          </a:prstGeom>
+          <a:noFill/>
+        </p:spPr>
+        <p:txBody>
+          <a:bodyPr wrap="square" lIns="68584" tIns="34292" rIns="68584" bIns="34292">
+            <a:spAutoFit/>
+          </a:bodyPr>
+          <a:lstStyle/>
+          <a:p>
+            <a:pPr algn="ctr"/>
+            <a:r>
+              <a:rPr lang="pt-BR" sz="7200" dirty="0">
+                <a:ln w="0">
+                  <a:noFill/>
+                </a:ln>
+                <a:effectLst>
+                  <a:outerShdw blurRad="38100" dist="19050" dir="2700000" algn="tl" rotWithShape="0">
+                    <a:schemeClr val="dk1">
+                      <a:alpha val="40000"/>
+                    </a:schemeClr>
+                  </a:outerShdw>
+                </a:effectLst>
+                <a:latin typeface="Exo 2 Extra Bold" panose="00000900000000000000" pitchFamily="50" charset="0"/>
+              </a:rPr>
+              <a:t>MATA-MATA EM </a:t>
+            </a:r>
+            <a:r>
+              <a:rPr lang="pt-BR" sz="7200" dirty="0">
+                <a:ln w="0">
+                  <a:noFill/>
+                </a:ln>
+                <a:solidFill>
+                  <a:srgbClr val="00B050"/>
+                </a:solidFill>
+                <a:effectLst>
+                  <a:outerShdw blurRad="38100" dist="19050" dir="2700000" algn="tl" rotWithShape="0">
+                    <a:schemeClr val="dk1">
+                      <a:alpha val="40000"/>
+                    </a:schemeClr>
+                  </a:outerShdw>
+                </a:effectLst>
+                <a:latin typeface="Exo 2 Extra Bold" panose="00000900000000000000" pitchFamily="50" charset="0"/>
+              </a:rPr>
+              <a:t>DUPLAS</a:t>
+            </a:r>
+          </a:p>
+        </p:txBody>
+      </p:sp>
+      <p:pic>
+        <p:nvPicPr>
+          <p:cNvPr id="18" name="Imagem 17">
+            <a:extLst>
+              <a:ext uri="{FF2B5EF4-FFF2-40B4-BE49-F238E27FC236}">
+                <a16:creationId xmlns:a16="http://schemas.microsoft.com/office/drawing/2014/main" id="{394785E9-7DAA-48F1-9BC9-ACFA4FBBA57B}"/>
+              </a:ext>
+            </a:extLst>
+          </p:cNvPr>
+          <p:cNvPicPr>
+            <a:picLocks noChangeAspect="1"/>
+          </p:cNvPicPr>
+          <p:nvPr/>
+        </p:nvPicPr>
+        <p:blipFill>
+          <a:blip r:embed="rId4">
+            <a:extLst>
+              <a:ext uri="{28A0092B-C50C-407E-A947-70E740481C1C}">
+                <a14:useLocalDpi xmlns:a14="http://schemas.microsoft.com/office/drawing/2010/main" val="0"/>
+              </a:ext>
+            </a:extLst>
+          </a:blip>
+          <a:stretch>
+            <a:fillRect/>
+          </a:stretch>
+        </p:blipFill>
+        <p:spPr>
+          <a:xfrm>
+            <a:off x="31978" y="-1656"/>
+            <a:ext cx="2059134" cy="2160000"/>
+          </a:xfrm>
+          <a:prstGeom prst="rect">
+            <a:avLst/>
+          </a:prstGeom>
+        </p:spPr>
+      </p:pic>
+      <p:pic>
+        <p:nvPicPr>
+          <p:cNvPr id="4" name="Imagem 3">
+            <a:extLst>
+              <a:ext uri="{FF2B5EF4-FFF2-40B4-BE49-F238E27FC236}">
+                <a16:creationId xmlns:a16="http://schemas.microsoft.com/office/drawing/2014/main" id="{C2A941AC-22DA-4B86-AC31-3B9EB65FA7DC}"/>
+              </a:ext>
+            </a:extLst>
+          </p:cNvPr>
+          <p:cNvPicPr>
+            <a:picLocks noChangeAspect="1"/>
+          </p:cNvPicPr>
+          <p:nvPr/>
+        </p:nvPicPr>
+        <p:blipFill>
+          <a:blip r:embed="rId5"/>
+          <a:stretch>
+            <a:fillRect/>
+          </a:stretch>
+        </p:blipFill>
+        <p:spPr>
+          <a:xfrm>
+            <a:off x="439083" y="3578818"/>
+            <a:ext cx="13570795" cy="1260000"/>
+          </a:xfrm>
+          <a:prstGeom prst="rect">
+            <a:avLst/>
+          </a:prstGeom>
+        </p:spPr>
+      </p:pic>
+      <p:pic>
+        <p:nvPicPr>
+          <p:cNvPr id="6" name="Imagem 5">
+            <a:extLst>
+              <a:ext uri="{FF2B5EF4-FFF2-40B4-BE49-F238E27FC236}">
+                <a16:creationId xmlns:a16="http://schemas.microsoft.com/office/drawing/2014/main" id="{42E7E7BD-AB40-40A6-8270-C2402CC970AB}"/>
+              </a:ext>
+            </a:extLst>
+          </p:cNvPr>
+          <p:cNvPicPr>
+            <a:picLocks noChangeAspect="1"/>
+          </p:cNvPicPr>
+          <p:nvPr/>
+        </p:nvPicPr>
+        <p:blipFill>
+          <a:blip r:embed="rId6"/>
+          <a:stretch>
+            <a:fillRect/>
+          </a:stretch>
+        </p:blipFill>
+        <p:spPr>
+          <a:xfrm>
+            <a:off x="427213" y="7906684"/>
+            <a:ext cx="13570795" cy="1260000"/>
+          </a:xfrm>
+          <a:prstGeom prst="rect">
+            <a:avLst/>
+          </a:prstGeom>
+        </p:spPr>
+      </p:pic>
+    </p:spTree>
+    <p:extLst>
+      <p:ext uri="{BB962C8B-B14F-4D97-AF65-F5344CB8AC3E}">
+        <p14:creationId xmlns:p14="http://schemas.microsoft.com/office/powerpoint/2010/main" val="2841869459"/>
+      </p:ext>
+    </p:extLst>
+  </p:cSld>
+  <p:clrMapOvr>
+    <a:masterClrMapping/>
+  </p:clrMapOvr>
+</p:sld>
+</file>
+
+<file path=ppt/slides/slide11.xml><?xml version="1.0" encoding="utf-8"?>
+<p:sld xmlns:a="http://schemas.openxmlformats.org/drawingml/2006/main" xmlns:r="http://schemas.openxmlformats.org/officeDocument/2006/relationships" xmlns:p="http://schemas.openxmlformats.org/presentationml/2006/main">
+  <p:cSld>
+    <p:bg>
+      <p:bgPr>
+        <a:solidFill>
+          <a:schemeClr val="bg1"/>
+        </a:solidFill>
+        <a:effectLst/>
+      </p:bgPr>
+    </p:bg>
+    <p:spTree>
+      <p:nvGrpSpPr>
+        <p:cNvPr id="1" name=""/>
+        <p:cNvGrpSpPr/>
+        <p:nvPr/>
+      </p:nvGrpSpPr>
+      <p:grpSpPr>
+        <a:xfrm>
+          <a:off x="0" y="0"/>
+          <a:ext cx="0" cy="0"/>
+          <a:chOff x="0" y="0"/>
+          <a:chExt cx="0" cy="0"/>
+        </a:xfrm>
+      </p:grpSpPr>
+      <p:sp>
+        <p:nvSpPr>
+          <p:cNvPr id="13" name="Rectangle 9">
+            <a:extLst>
+              <a:ext uri="{FF2B5EF4-FFF2-40B4-BE49-F238E27FC236}">
+                <a16:creationId xmlns:a16="http://schemas.microsoft.com/office/drawing/2014/main" id="{0BABF38A-8A0D-492E-BD20-6CF4D46B50BD}"/>
+              </a:ext>
+              <a:ext uri="{C183D7F6-B498-43B3-948B-1728B52AA6E4}">
+                <adec:decorative xmlns:adec="http://schemas.microsoft.com/office/drawing/2017/decorative" val="1"/>
+              </a:ext>
+            </a:extLst>
+          </p:cNvPr>
+          <p:cNvSpPr>
+            <a:spLocks noGrp="1" noRot="1" noChangeAspect="1" noMove="1" noResize="1" noEditPoints="1" noAdjustHandles="1" noChangeArrowheads="1" noChangeShapeType="1" noTextEdit="1"/>
+          </p:cNvSpPr>
+          <p:nvPr>
+            <p:extLst>
+              <p:ext uri="{386F3935-93C4-4BCD-93E2-E3B085C9AB24}">
+                <p16:designElem xmlns:p16="http://schemas.microsoft.com/office/powerpoint/2015/main" val="1"/>
+              </p:ext>
+            </p:extLst>
+          </p:nvPr>
+        </p:nvSpPr>
+        <p:spPr>
+          <a:xfrm>
+            <a:off x="3149972" y="3121681"/>
+            <a:ext cx="8100269" cy="4556404"/>
+          </a:xfrm>
+          <a:prstGeom prst="rect">
+            <a:avLst/>
+          </a:prstGeom>
+          <a:solidFill>
+            <a:schemeClr val="bg2">
+              <a:lumMod val="90000"/>
+              <a:alpha val="70000"/>
+            </a:schemeClr>
+          </a:solidFill>
+          <a:ln>
+            <a:noFill/>
+          </a:ln>
+        </p:spPr>
+        <p:style>
+          <a:lnRef idx="2">
+            <a:schemeClr val="accent1">
+              <a:shade val="50000"/>
+            </a:schemeClr>
+          </a:lnRef>
+          <a:fillRef idx="1">
+            <a:schemeClr val="accent1"/>
+          </a:fillRef>
+          <a:effectRef idx="0">
+            <a:schemeClr val="accent1"/>
+          </a:effectRef>
+          <a:fontRef idx="minor">
+            <a:schemeClr val="lt1"/>
+          </a:fontRef>
+        </p:style>
+        <p:txBody>
+          <a:bodyPr rtlCol="0" anchor="ctr"/>
+          <a:lstStyle/>
+          <a:p>
+            <a:pPr algn="ctr">
+              <a:defRPr/>
+            </a:pPr>
+            <a:endParaRPr lang="en-US" sz="1196" dirty="0">
+              <a:solidFill>
+                <a:prstClr val="black">
+                  <a:lumMod val="65000"/>
+                  <a:lumOff val="35000"/>
+                </a:prstClr>
+              </a:solidFill>
+              <a:latin typeface="AvenirNext LT Pro Medium" panose="020B0504020202020204" pitchFamily="34" charset="0"/>
+            </a:endParaRPr>
+          </a:p>
+        </p:txBody>
+      </p:sp>
+      <p:pic>
+        <p:nvPicPr>
+          <p:cNvPr id="12" name="Picture 11">
+            <a:extLst>
+              <a:ext uri="{FF2B5EF4-FFF2-40B4-BE49-F238E27FC236}">
+                <a16:creationId xmlns:a16="http://schemas.microsoft.com/office/drawing/2014/main" id="{BC526B7A-4801-4FD1-95C8-03AF22629E87}"/>
+              </a:ext>
+              <a:ext uri="{C183D7F6-B498-43B3-948B-1728B52AA6E4}">
+                <adec:decorative xmlns:adec="http://schemas.microsoft.com/office/drawing/2017/decorative" val="1"/>
+              </a:ext>
+            </a:extLst>
+          </p:cNvPr>
+          <p:cNvPicPr>
+            <a:picLocks noGrp="1" noRot="1" noChangeAspect="1" noMove="1" noResize="1" noEditPoints="1" noAdjustHandles="1" noChangeArrowheads="1" noChangeShapeType="1" noCrop="1"/>
+          </p:cNvPicPr>
+          <p:nvPr>
+            <p:extLst>
+              <p:ext uri="{386F3935-93C4-4BCD-93E2-E3B085C9AB24}">
+                <p16:designElem xmlns:p16="http://schemas.microsoft.com/office/powerpoint/2015/main" val="1"/>
+              </p:ext>
+            </p:extLst>
+          </p:nvPr>
+        </p:nvPicPr>
+        <p:blipFill>
+          <a:blip r:embed="rId2">
+            <a:alphaModFix amt="10000"/>
+            <a:extLst>
+              <a:ext uri="{28A0092B-C50C-407E-A947-70E740481C1C}">
+                <a14:useLocalDpi xmlns:a14="http://schemas.microsoft.com/office/drawing/2010/main" val="0"/>
+              </a:ext>
+            </a:extLst>
+          </a:blip>
+          <a:stretch>
+            <a:fillRect/>
+          </a:stretch>
+        </p:blipFill>
+        <p:spPr>
+          <a:xfrm>
+            <a:off x="8820159" y="3121682"/>
+            <a:ext cx="2428095" cy="3039825"/>
+          </a:xfrm>
+          <a:prstGeom prst="rect">
+            <a:avLst/>
+          </a:prstGeom>
+        </p:spPr>
+      </p:pic>
+      <p:sp useBgFill="1">
+        <p:nvSpPr>
+          <p:cNvPr id="14" name="Rectangle 13">
+            <a:extLst>
+              <a:ext uri="{FF2B5EF4-FFF2-40B4-BE49-F238E27FC236}">
+                <a16:creationId xmlns:a16="http://schemas.microsoft.com/office/drawing/2014/main" id="{37FDDF72-DE39-4F99-A3C1-DD9D7815D7DB}"/>
+              </a:ext>
+              <a:ext uri="{C183D7F6-B498-43B3-948B-1728B52AA6E4}">
+                <adec:decorative xmlns:adec="http://schemas.microsoft.com/office/drawing/2017/decorative" val="1"/>
+              </a:ext>
+            </a:extLst>
+          </p:cNvPr>
+          <p:cNvSpPr>
+            <a:spLocks noGrp="1" noRot="1" noChangeAspect="1" noMove="1" noResize="1" noEditPoints="1" noAdjustHandles="1" noChangeArrowheads="1" noChangeShapeType="1" noTextEdit="1"/>
+          </p:cNvSpPr>
+          <p:nvPr>
+            <p:extLst>
+              <p:ext uri="{386F3935-93C4-4BCD-93E2-E3B085C9AB24}">
+                <p16:designElem xmlns:p16="http://schemas.microsoft.com/office/powerpoint/2015/main" val="1"/>
+              </p:ext>
+            </p:extLst>
+          </p:nvPr>
+        </p:nvSpPr>
+        <p:spPr>
+          <a:xfrm>
+            <a:off x="3149972" y="3121681"/>
+            <a:ext cx="8100269" cy="4556401"/>
+          </a:xfrm>
+          <a:prstGeom prst="rect">
+            <a:avLst/>
+          </a:prstGeom>
+          <a:ln>
+            <a:noFill/>
+          </a:ln>
+        </p:spPr>
+        <p:style>
+          <a:lnRef idx="2">
+            <a:schemeClr val="accent1">
+              <a:shade val="50000"/>
+            </a:schemeClr>
+          </a:lnRef>
+          <a:fillRef idx="1">
+            <a:schemeClr val="accent1"/>
+          </a:fillRef>
+          <a:effectRef idx="0">
+            <a:schemeClr val="accent1"/>
+          </a:effectRef>
+          <a:fontRef idx="minor">
+            <a:schemeClr val="lt1"/>
+          </a:fontRef>
+        </p:style>
+        <p:txBody>
+          <a:bodyPr rtlCol="0" anchor="ctr"/>
+          <a:lstStyle/>
+          <a:p>
+            <a:pPr algn="ctr">
+              <a:defRPr/>
+            </a:pPr>
+            <a:endParaRPr lang="en-US" sz="1196" dirty="0">
+              <a:solidFill>
+                <a:prstClr val="black">
+                  <a:lumMod val="65000"/>
+                  <a:lumOff val="35000"/>
+                </a:prstClr>
+              </a:solidFill>
+              <a:latin typeface="AvenirNext LT Pro Medium" panose="020B0504020202020204" pitchFamily="34" charset="0"/>
+            </a:endParaRPr>
+          </a:p>
+        </p:txBody>
+      </p:sp>
+      <p:sp>
+        <p:nvSpPr>
+          <p:cNvPr id="16" name="Rectangle 15">
+            <a:extLst>
+              <a:ext uri="{FF2B5EF4-FFF2-40B4-BE49-F238E27FC236}">
+                <a16:creationId xmlns:a16="http://schemas.microsoft.com/office/drawing/2014/main" id="{5E4ECE80-3AD1-450C-B62A-98788F193948}"/>
+              </a:ext>
+              <a:ext uri="{C183D7F6-B498-43B3-948B-1728B52AA6E4}">
+                <adec:decorative xmlns:adec="http://schemas.microsoft.com/office/drawing/2017/decorative" val="1"/>
+              </a:ext>
+            </a:extLst>
+          </p:cNvPr>
+          <p:cNvSpPr>
+            <a:spLocks noGrp="1" noRot="1" noChangeAspect="1" noMove="1" noResize="1" noEditPoints="1" noAdjustHandles="1" noChangeArrowheads="1" noChangeShapeType="1" noTextEdit="1"/>
+          </p:cNvSpPr>
+          <p:nvPr>
+            <p:extLst>
+              <p:ext uri="{386F3935-93C4-4BCD-93E2-E3B085C9AB24}">
+                <p16:designElem xmlns:p16="http://schemas.microsoft.com/office/powerpoint/2015/main" val="1"/>
+              </p:ext>
+            </p:extLst>
+          </p:nvPr>
+        </p:nvSpPr>
+        <p:spPr>
+          <a:xfrm>
+            <a:off x="3149972" y="3121681"/>
+            <a:ext cx="8100269" cy="4556401"/>
+          </a:xfrm>
+          <a:prstGeom prst="rect">
+            <a:avLst/>
+          </a:prstGeom>
+          <a:solidFill>
+            <a:srgbClr val="000000"/>
+          </a:solidFill>
+          <a:ln>
+            <a:noFill/>
+          </a:ln>
+        </p:spPr>
+        <p:style>
+          <a:lnRef idx="2">
+            <a:schemeClr val="accent1">
+              <a:shade val="50000"/>
+            </a:schemeClr>
+          </a:lnRef>
+          <a:fillRef idx="1">
+            <a:schemeClr val="accent1"/>
+          </a:fillRef>
+          <a:effectRef idx="0">
+            <a:schemeClr val="accent1"/>
+          </a:effectRef>
+          <a:fontRef idx="minor">
+            <a:schemeClr val="lt1"/>
+          </a:fontRef>
+        </p:style>
+        <p:txBody>
+          <a:bodyPr rtlCol="0" anchor="ctr"/>
+          <a:lstStyle/>
+          <a:p>
+            <a:pPr algn="ctr">
+              <a:defRPr/>
+            </a:pPr>
+            <a:endParaRPr lang="en-US" sz="1196" dirty="0">
+              <a:solidFill>
+                <a:prstClr val="black">
+                  <a:lumMod val="65000"/>
+                  <a:lumOff val="35000"/>
+                </a:prstClr>
+              </a:solidFill>
+              <a:latin typeface="AvenirNext LT Pro Medium" panose="020B0504020202020204" pitchFamily="34" charset="0"/>
+            </a:endParaRPr>
+          </a:p>
+        </p:txBody>
+      </p:sp>
+      <p:pic>
+        <p:nvPicPr>
+          <p:cNvPr id="5" name="Imagem 4">
+            <a:extLst>
+              <a:ext uri="{FF2B5EF4-FFF2-40B4-BE49-F238E27FC236}">
+                <a16:creationId xmlns:a16="http://schemas.microsoft.com/office/drawing/2014/main" id="{F1433EF1-FB6D-4913-96C9-08F0B1B3CA7A}"/>
+              </a:ext>
+            </a:extLst>
+          </p:cNvPr>
+          <p:cNvPicPr>
+            <a:picLocks noChangeAspect="1"/>
+          </p:cNvPicPr>
+          <p:nvPr/>
+        </p:nvPicPr>
+        <p:blipFill rotWithShape="1">
+          <a:blip r:embed="rId3">
+            <a:alphaModFix/>
+            <a:extLst>
+              <a:ext uri="{28A0092B-C50C-407E-A947-70E740481C1C}">
+                <a14:useLocalDpi xmlns:a14="http://schemas.microsoft.com/office/drawing/2010/main" val="0"/>
+              </a:ext>
+            </a:extLst>
+          </a:blip>
+          <a:srcRect l="5233" t="-2125" r="6244" b="-538"/>
+          <a:stretch/>
+        </p:blipFill>
+        <p:spPr>
+          <a:xfrm>
+            <a:off x="-1" y="-248909"/>
+            <a:ext cx="14400213" cy="11147555"/>
+          </a:xfrm>
+          <a:prstGeom prst="rect">
+            <a:avLst/>
+          </a:prstGeom>
+        </p:spPr>
+      </p:pic>
+      <p:sp>
+        <p:nvSpPr>
+          <p:cNvPr id="50" name="Retângulo 49">
+            <a:extLst>
+              <a:ext uri="{FF2B5EF4-FFF2-40B4-BE49-F238E27FC236}">
+                <a16:creationId xmlns:a16="http://schemas.microsoft.com/office/drawing/2014/main" id="{50614AED-75DE-4550-9029-54313F89BD12}"/>
+              </a:ext>
+            </a:extLst>
+          </p:cNvPr>
+          <p:cNvSpPr/>
+          <p:nvPr/>
+        </p:nvSpPr>
+        <p:spPr>
+          <a:xfrm>
+            <a:off x="3186646" y="311571"/>
+            <a:ext cx="8052791" cy="992583"/>
+          </a:xfrm>
+          <a:prstGeom prst="rect">
+            <a:avLst/>
+          </a:prstGeom>
+          <a:noFill/>
+        </p:spPr>
+        <p:txBody>
+          <a:bodyPr wrap="square" lIns="68584" tIns="34292" rIns="68584" bIns="34292">
+            <a:spAutoFit/>
+          </a:bodyPr>
+          <a:lstStyle/>
+          <a:p>
+            <a:pPr algn="ctr"/>
+            <a:r>
+              <a:rPr lang="pt-BR" sz="6000" dirty="0">
+                <a:ln w="38100">
+                  <a:solidFill>
+                    <a:schemeClr val="bg1"/>
+                  </a:solidFill>
+                </a:ln>
+                <a:solidFill>
+                  <a:srgbClr val="00B050"/>
+                </a:solidFill>
+                <a:effectLst>
+                  <a:outerShdw blurRad="38100" dist="19050" dir="2700000" algn="tl" rotWithShape="0">
+                    <a:schemeClr val="dk1">
+                      <a:alpha val="40000"/>
+                    </a:schemeClr>
+                  </a:outerShdw>
+                </a:effectLst>
+                <a:latin typeface="Exo 2 Extra Bold" panose="00000900000000000000" pitchFamily="50" charset="0"/>
+              </a:rPr>
+              <a:t>Liga Principal</a:t>
+            </a:r>
+          </a:p>
+        </p:txBody>
+      </p:sp>
+      <p:sp>
+        <p:nvSpPr>
+          <p:cNvPr id="53" name="Retângulo 52">
+            <a:extLst>
+              <a:ext uri="{FF2B5EF4-FFF2-40B4-BE49-F238E27FC236}">
+                <a16:creationId xmlns:a16="http://schemas.microsoft.com/office/drawing/2014/main" id="{F101E0BF-8A68-40B9-BC26-35C299182F52}"/>
+              </a:ext>
+            </a:extLst>
+          </p:cNvPr>
+          <p:cNvSpPr/>
+          <p:nvPr/>
+        </p:nvSpPr>
+        <p:spPr>
+          <a:xfrm>
+            <a:off x="336776" y="1104608"/>
+            <a:ext cx="13909452" cy="1177249"/>
+          </a:xfrm>
+          <a:prstGeom prst="rect">
+            <a:avLst/>
+          </a:prstGeom>
+          <a:noFill/>
+        </p:spPr>
+        <p:txBody>
+          <a:bodyPr wrap="square" lIns="68584" tIns="34292" rIns="68584" bIns="34292">
+            <a:spAutoFit/>
+          </a:bodyPr>
+          <a:lstStyle/>
+          <a:p>
+            <a:pPr algn="ctr"/>
+            <a:r>
+              <a:rPr lang="pt-BR" sz="7200" dirty="0">
+                <a:ln w="0">
+                  <a:noFill/>
+                </a:ln>
+                <a:effectLst>
+                  <a:outerShdw blurRad="38100" dist="19050" dir="2700000" algn="tl" rotWithShape="0">
+                    <a:schemeClr val="dk1">
+                      <a:alpha val="40000"/>
+                    </a:schemeClr>
+                  </a:outerShdw>
+                </a:effectLst>
+                <a:latin typeface="Exo 2 Extra Bold" panose="00000900000000000000" pitchFamily="50" charset="0"/>
+              </a:rPr>
+              <a:t>MATA-MATA SÉRIE C 2</a:t>
+            </a:r>
+          </a:p>
+        </p:txBody>
+      </p:sp>
+      <p:pic>
+        <p:nvPicPr>
+          <p:cNvPr id="15" name="Imagem 14">
+            <a:extLst>
+              <a:ext uri="{FF2B5EF4-FFF2-40B4-BE49-F238E27FC236}">
+                <a16:creationId xmlns:a16="http://schemas.microsoft.com/office/drawing/2014/main" id="{780D6AE4-2B31-43CF-8A3B-9ACC73C32FE9}"/>
+              </a:ext>
+            </a:extLst>
+          </p:cNvPr>
+          <p:cNvPicPr>
+            <a:picLocks noChangeAspect="1"/>
+          </p:cNvPicPr>
+          <p:nvPr/>
+        </p:nvPicPr>
+        <p:blipFill>
+          <a:blip r:embed="rId4">
+            <a:extLst>
+              <a:ext uri="{28A0092B-C50C-407E-A947-70E740481C1C}">
+                <a14:useLocalDpi xmlns:a14="http://schemas.microsoft.com/office/drawing/2010/main" val="0"/>
+              </a:ext>
+            </a:extLst>
+          </a:blip>
+          <a:stretch>
+            <a:fillRect/>
+          </a:stretch>
+        </p:blipFill>
+        <p:spPr>
+          <a:xfrm>
+            <a:off x="336776" y="194284"/>
+            <a:ext cx="2059134" cy="2160000"/>
+          </a:xfrm>
+          <a:prstGeom prst="rect">
+            <a:avLst/>
+          </a:prstGeom>
+        </p:spPr>
+      </p:pic>
+      <p:sp>
+        <p:nvSpPr>
+          <p:cNvPr id="10" name="Retângulo 9">
+            <a:extLst>
+              <a:ext uri="{FF2B5EF4-FFF2-40B4-BE49-F238E27FC236}">
+                <a16:creationId xmlns:a16="http://schemas.microsoft.com/office/drawing/2014/main" id="{838BDC98-3287-4575-8574-56F716FB2440}"/>
+              </a:ext>
+            </a:extLst>
+          </p:cNvPr>
+          <p:cNvSpPr/>
+          <p:nvPr/>
+        </p:nvSpPr>
+        <p:spPr>
+          <a:xfrm>
+            <a:off x="581891" y="2892935"/>
+            <a:ext cx="13267927" cy="3039825"/>
+          </a:xfrm>
+          <a:prstGeom prst="rect">
+            <a:avLst/>
+          </a:prstGeom>
+          <a:solidFill>
+            <a:schemeClr val="tx1">
+              <a:alpha val="81000"/>
+            </a:schemeClr>
+          </a:solidFill>
+        </p:spPr>
+        <p:style>
+          <a:lnRef idx="2">
+            <a:schemeClr val="accent1">
+              <a:shade val="50000"/>
+            </a:schemeClr>
+          </a:lnRef>
+          <a:fillRef idx="1">
+            <a:schemeClr val="accent1"/>
+          </a:fillRef>
+          <a:effectRef idx="0">
+            <a:schemeClr val="accent1"/>
+          </a:effectRef>
+          <a:fontRef idx="minor">
+            <a:schemeClr val="lt1"/>
+          </a:fontRef>
+        </p:style>
+        <p:txBody>
+          <a:bodyPr rtlCol="0" anchor="ctr"/>
+          <a:lstStyle/>
+          <a:p>
+            <a:pPr algn="ctr"/>
+            <a:endParaRPr lang="pt-BR"/>
+          </a:p>
+        </p:txBody>
+      </p:sp>
+      <p:sp>
+        <p:nvSpPr>
+          <p:cNvPr id="21" name="Retângulo 20">
+            <a:extLst>
+              <a:ext uri="{FF2B5EF4-FFF2-40B4-BE49-F238E27FC236}">
+                <a16:creationId xmlns:a16="http://schemas.microsoft.com/office/drawing/2014/main" id="{95EDB8CB-8377-4925-B478-560C3F615037}"/>
+              </a:ext>
+            </a:extLst>
+          </p:cNvPr>
+          <p:cNvSpPr/>
+          <p:nvPr/>
+        </p:nvSpPr>
+        <p:spPr>
+          <a:xfrm>
+            <a:off x="581891" y="6704292"/>
+            <a:ext cx="13267927" cy="3038400"/>
+          </a:xfrm>
+          <a:prstGeom prst="rect">
+            <a:avLst/>
+          </a:prstGeom>
+          <a:solidFill>
+            <a:schemeClr val="tx1">
+              <a:alpha val="81000"/>
+            </a:schemeClr>
+          </a:solidFill>
+        </p:spPr>
+        <p:style>
+          <a:lnRef idx="2">
+            <a:schemeClr val="accent1">
+              <a:shade val="50000"/>
+            </a:schemeClr>
+          </a:lnRef>
+          <a:fillRef idx="1">
+            <a:schemeClr val="accent1"/>
+          </a:fillRef>
+          <a:effectRef idx="0">
+            <a:schemeClr val="accent1"/>
+          </a:effectRef>
+          <a:fontRef idx="minor">
+            <a:schemeClr val="lt1"/>
+          </a:fontRef>
+        </p:style>
+        <p:txBody>
+          <a:bodyPr rtlCol="0" anchor="ctr"/>
+          <a:lstStyle/>
+          <a:p>
+            <a:pPr algn="ctr"/>
+            <a:endParaRPr lang="pt-BR"/>
+          </a:p>
+        </p:txBody>
+      </p:sp>
+      <p:sp>
+        <p:nvSpPr>
+          <p:cNvPr id="23" name="Retângulo 22">
+            <a:extLst>
+              <a:ext uri="{FF2B5EF4-FFF2-40B4-BE49-F238E27FC236}">
+                <a16:creationId xmlns:a16="http://schemas.microsoft.com/office/drawing/2014/main" id="{ED87CD67-A438-4F74-986A-3704AF997953}"/>
+              </a:ext>
+            </a:extLst>
+          </p:cNvPr>
+          <p:cNvSpPr/>
+          <p:nvPr/>
+        </p:nvSpPr>
+        <p:spPr>
+          <a:xfrm>
+            <a:off x="5308448" y="2906454"/>
+            <a:ext cx="3789504" cy="684807"/>
+          </a:xfrm>
+          <a:prstGeom prst="rect">
+            <a:avLst/>
+          </a:prstGeom>
+          <a:noFill/>
+        </p:spPr>
+        <p:txBody>
+          <a:bodyPr wrap="square" lIns="68584" tIns="34292" rIns="68584" bIns="34292">
+            <a:spAutoFit/>
+          </a:bodyPr>
+          <a:lstStyle/>
+          <a:p>
+            <a:pPr algn="ctr"/>
+            <a:r>
+              <a:rPr lang="pt-BR" sz="4000" dirty="0">
+                <a:ln w="0">
+                  <a:noFill/>
+                </a:ln>
+                <a:solidFill>
+                  <a:srgbClr val="0070C0"/>
+                </a:solidFill>
+                <a:effectLst>
+                  <a:outerShdw blurRad="38100" dist="19050" dir="2700000" algn="tl" rotWithShape="0">
+                    <a:schemeClr val="dk1">
+                      <a:alpha val="40000"/>
+                    </a:schemeClr>
+                  </a:outerShdw>
+                </a:effectLst>
+                <a:latin typeface="Exo 2 Extra Bold" panose="00000900000000000000" pitchFamily="50" charset="0"/>
+              </a:rPr>
+              <a:t>Chave 1</a:t>
+            </a:r>
+          </a:p>
+        </p:txBody>
+      </p:sp>
+      <p:sp>
+        <p:nvSpPr>
+          <p:cNvPr id="24" name="Retângulo 23">
+            <a:extLst>
+              <a:ext uri="{FF2B5EF4-FFF2-40B4-BE49-F238E27FC236}">
+                <a16:creationId xmlns:a16="http://schemas.microsoft.com/office/drawing/2014/main" id="{522A4ACC-EC27-4A14-BA66-B0EB03535C7B}"/>
+              </a:ext>
+            </a:extLst>
+          </p:cNvPr>
+          <p:cNvSpPr/>
+          <p:nvPr/>
+        </p:nvSpPr>
+        <p:spPr>
+          <a:xfrm>
+            <a:off x="5321993" y="6726594"/>
+            <a:ext cx="3789503" cy="684807"/>
+          </a:xfrm>
+          <a:prstGeom prst="rect">
+            <a:avLst/>
+          </a:prstGeom>
+          <a:noFill/>
+        </p:spPr>
+        <p:txBody>
+          <a:bodyPr wrap="square" lIns="68584" tIns="34292" rIns="68584" bIns="34292">
+            <a:spAutoFit/>
+          </a:bodyPr>
+          <a:lstStyle/>
+          <a:p>
+            <a:pPr algn="ctr"/>
+            <a:r>
+              <a:rPr lang="pt-BR" sz="4000" dirty="0">
+                <a:ln w="0">
+                  <a:noFill/>
+                </a:ln>
+                <a:solidFill>
+                  <a:srgbClr val="0070C0"/>
+                </a:solidFill>
+                <a:effectLst>
+                  <a:outerShdw blurRad="38100" dist="19050" dir="2700000" algn="tl" rotWithShape="0">
+                    <a:schemeClr val="dk1">
+                      <a:alpha val="40000"/>
+                    </a:schemeClr>
+                  </a:outerShdw>
+                </a:effectLst>
+                <a:latin typeface="Exo 2 Extra Bold" panose="00000900000000000000" pitchFamily="50" charset="0"/>
+              </a:rPr>
+              <a:t>Chave 2</a:t>
+            </a:r>
+          </a:p>
+        </p:txBody>
+      </p:sp>
+      <p:pic>
+        <p:nvPicPr>
+          <p:cNvPr id="2" name="Imagem 1">
+            <a:extLst>
+              <a:ext uri="{FF2B5EF4-FFF2-40B4-BE49-F238E27FC236}">
+                <a16:creationId xmlns:a16="http://schemas.microsoft.com/office/drawing/2014/main" id="{B5C8A060-E06E-4A37-897B-DFAF18FE6269}"/>
+              </a:ext>
+            </a:extLst>
+          </p:cNvPr>
+          <p:cNvPicPr>
+            <a:picLocks noChangeAspect="1"/>
+          </p:cNvPicPr>
+          <p:nvPr/>
+        </p:nvPicPr>
+        <p:blipFill>
+          <a:blip r:embed="rId5"/>
+          <a:stretch>
+            <a:fillRect/>
+          </a:stretch>
+        </p:blipFill>
+        <p:spPr>
+          <a:xfrm>
+            <a:off x="902160" y="4017762"/>
+            <a:ext cx="12600000" cy="1054245"/>
+          </a:xfrm>
+          <a:prstGeom prst="rect">
+            <a:avLst/>
+          </a:prstGeom>
+        </p:spPr>
+      </p:pic>
+      <p:pic>
+        <p:nvPicPr>
+          <p:cNvPr id="3" name="Imagem 2">
+            <a:extLst>
+              <a:ext uri="{FF2B5EF4-FFF2-40B4-BE49-F238E27FC236}">
+                <a16:creationId xmlns:a16="http://schemas.microsoft.com/office/drawing/2014/main" id="{2D727AB9-B288-40A3-B86F-F255A1B598A5}"/>
+              </a:ext>
+            </a:extLst>
+          </p:cNvPr>
+          <p:cNvPicPr>
+            <a:picLocks noChangeAspect="1"/>
+          </p:cNvPicPr>
+          <p:nvPr/>
+        </p:nvPicPr>
+        <p:blipFill>
+          <a:blip r:embed="rId6"/>
+          <a:stretch>
+            <a:fillRect/>
+          </a:stretch>
+        </p:blipFill>
+        <p:spPr>
+          <a:xfrm>
+            <a:off x="908729" y="7946333"/>
+            <a:ext cx="12600000" cy="1054245"/>
+          </a:xfrm>
+          <a:prstGeom prst="rect">
+            <a:avLst/>
+          </a:prstGeom>
+        </p:spPr>
+      </p:pic>
+    </p:spTree>
+    <p:extLst>
+      <p:ext uri="{BB962C8B-B14F-4D97-AF65-F5344CB8AC3E}">
+        <p14:creationId xmlns:p14="http://schemas.microsoft.com/office/powerpoint/2010/main" val="2200666842"/>
+      </p:ext>
+    </p:extLst>
+  </p:cSld>
+  <p:clrMapOvr>
+    <a:masterClrMapping/>
+  </p:clrMapOvr>
+</p:sld>
+</file>
+
+<file path=ppt/slides/slide12.xml><?xml version="1.0" encoding="utf-8"?>
 <p:sld xmlns:a="http://schemas.openxmlformats.org/drawingml/2006/main" xmlns:r="http://schemas.openxmlformats.org/officeDocument/2006/relationships" xmlns:p="http://schemas.openxmlformats.org/presentationml/2006/main">
   <p:cSld>
     <p:bg>
@@ -5437,7 +6885,7 @@
                 </a:effectLst>
                 <a:latin typeface="Exo 2 Extra Bold" panose="00000900000000000000" pitchFamily="50" charset="0"/>
               </a:rPr>
-              <a:t>MATA-MATA SÉRIE A 3</a:t>
+              <a:t>MATA-MATA SÉRIE C 3</a:t>
             </a:r>
           </a:p>
         </p:txBody>
@@ -5684,10 +7132,10 @@
       </p:sp>
       <p:pic>
         <p:nvPicPr>
-          <p:cNvPr id="6" name="Imagem 5">
-            <a:extLst>
-              <a:ext uri="{FF2B5EF4-FFF2-40B4-BE49-F238E27FC236}">
-                <a16:creationId xmlns:a16="http://schemas.microsoft.com/office/drawing/2014/main" id="{9B4FD904-D82C-4A82-8176-0997459CE424}"/>
+          <p:cNvPr id="2" name="Imagem 1">
+            <a:extLst>
+              <a:ext uri="{FF2B5EF4-FFF2-40B4-BE49-F238E27FC236}">
+                <a16:creationId xmlns:a16="http://schemas.microsoft.com/office/drawing/2014/main" id="{FEC08D37-209D-43E1-9029-F5820ED64DCC}"/>
               </a:ext>
             </a:extLst>
           </p:cNvPr>
@@ -5704,8 +7152,8 @@
         </p:blipFill>
         <p:spPr>
           <a:xfrm>
-            <a:off x="347228" y="3872449"/>
-            <a:ext cx="6531196" cy="5580000"/>
+            <a:off x="327251" y="3872449"/>
+            <a:ext cx="6543248" cy="5580000"/>
           </a:xfrm>
           <a:prstGeom prst="rect">
             <a:avLst/>
@@ -5714,10 +7162,10 @@
       </p:pic>
       <p:pic>
         <p:nvPicPr>
-          <p:cNvPr id="8" name="Imagem 7">
-            <a:extLst>
-              <a:ext uri="{FF2B5EF4-FFF2-40B4-BE49-F238E27FC236}">
-                <a16:creationId xmlns:a16="http://schemas.microsoft.com/office/drawing/2014/main" id="{AF4DBD4C-5CA4-491F-865C-B353B7C1186D}"/>
+          <p:cNvPr id="3" name="Imagem 2">
+            <a:extLst>
+              <a:ext uri="{FF2B5EF4-FFF2-40B4-BE49-F238E27FC236}">
+                <a16:creationId xmlns:a16="http://schemas.microsoft.com/office/drawing/2014/main" id="{CC60CB82-F0A1-4A79-A9D0-7BCE404CFA5C}"/>
               </a:ext>
             </a:extLst>
           </p:cNvPr>
@@ -5734,748 +7182,8 @@
         </p:blipFill>
         <p:spPr>
           <a:xfrm>
-            <a:off x="7567445" y="3872449"/>
-            <a:ext cx="6521526" cy="5580000"/>
-          </a:xfrm>
-          <a:prstGeom prst="rect">
-            <a:avLst/>
-          </a:prstGeom>
-        </p:spPr>
-      </p:pic>
-    </p:spTree>
-    <p:extLst>
-      <p:ext uri="{BB962C8B-B14F-4D97-AF65-F5344CB8AC3E}">
-        <p14:creationId xmlns:p14="http://schemas.microsoft.com/office/powerpoint/2010/main" val="2841975907"/>
-      </p:ext>
-    </p:extLst>
-  </p:cSld>
-  <p:clrMapOvr>
-    <a:masterClrMapping/>
-  </p:clrMapOvr>
-</p:sld>
-</file>
-
-<file path=ppt/slides/slide3.xml><?xml version="1.0" encoding="utf-8"?>
-<p:sld xmlns:a="http://schemas.openxmlformats.org/drawingml/2006/main" xmlns:r="http://schemas.openxmlformats.org/officeDocument/2006/relationships" xmlns:p="http://schemas.openxmlformats.org/presentationml/2006/main">
-  <p:cSld>
-    <p:bg>
-      <p:bgPr>
-        <a:solidFill>
-          <a:schemeClr val="bg1"/>
-        </a:solidFill>
-        <a:effectLst/>
-      </p:bgPr>
-    </p:bg>
-    <p:spTree>
-      <p:nvGrpSpPr>
-        <p:cNvPr id="1" name=""/>
-        <p:cNvGrpSpPr/>
-        <p:nvPr/>
-      </p:nvGrpSpPr>
-      <p:grpSpPr>
-        <a:xfrm>
-          <a:off x="0" y="0"/>
-          <a:ext cx="0" cy="0"/>
-          <a:chOff x="0" y="0"/>
-          <a:chExt cx="0" cy="0"/>
-        </a:xfrm>
-      </p:grpSpPr>
-      <p:sp>
-        <p:nvSpPr>
-          <p:cNvPr id="13" name="Rectangle 9">
-            <a:extLst>
-              <a:ext uri="{FF2B5EF4-FFF2-40B4-BE49-F238E27FC236}">
-                <a16:creationId xmlns:a16="http://schemas.microsoft.com/office/drawing/2014/main" id="{0BABF38A-8A0D-492E-BD20-6CF4D46B50BD}"/>
-              </a:ext>
-              <a:ext uri="{C183D7F6-B498-43B3-948B-1728B52AA6E4}">
-                <adec:decorative xmlns:adec="http://schemas.microsoft.com/office/drawing/2017/decorative" val="1"/>
-              </a:ext>
-            </a:extLst>
-          </p:cNvPr>
-          <p:cNvSpPr>
-            <a:spLocks noGrp="1" noRot="1" noChangeAspect="1" noMove="1" noResize="1" noEditPoints="1" noAdjustHandles="1" noChangeArrowheads="1" noChangeShapeType="1" noTextEdit="1"/>
-          </p:cNvSpPr>
-          <p:nvPr>
-            <p:extLst>
-              <p:ext uri="{386F3935-93C4-4BCD-93E2-E3B085C9AB24}">
-                <p16:designElem xmlns:p16="http://schemas.microsoft.com/office/powerpoint/2015/main" val="1"/>
-              </p:ext>
-            </p:extLst>
-          </p:nvPr>
-        </p:nvSpPr>
-        <p:spPr>
-          <a:xfrm>
-            <a:off x="3149972" y="3121681"/>
-            <a:ext cx="8100269" cy="4556404"/>
-          </a:xfrm>
-          <a:prstGeom prst="rect">
-            <a:avLst/>
-          </a:prstGeom>
-          <a:solidFill>
-            <a:schemeClr val="bg2">
-              <a:lumMod val="90000"/>
-              <a:alpha val="70000"/>
-            </a:schemeClr>
-          </a:solidFill>
-          <a:ln>
-            <a:noFill/>
-          </a:ln>
-        </p:spPr>
-        <p:style>
-          <a:lnRef idx="2">
-            <a:schemeClr val="accent1">
-              <a:shade val="50000"/>
-            </a:schemeClr>
-          </a:lnRef>
-          <a:fillRef idx="1">
-            <a:schemeClr val="accent1"/>
-          </a:fillRef>
-          <a:effectRef idx="0">
-            <a:schemeClr val="accent1"/>
-          </a:effectRef>
-          <a:fontRef idx="minor">
-            <a:schemeClr val="lt1"/>
-          </a:fontRef>
-        </p:style>
-        <p:txBody>
-          <a:bodyPr rtlCol="0" anchor="ctr"/>
-          <a:lstStyle/>
-          <a:p>
-            <a:pPr algn="ctr">
-              <a:defRPr/>
-            </a:pPr>
-            <a:endParaRPr lang="en-US" sz="1196" dirty="0">
-              <a:solidFill>
-                <a:prstClr val="black">
-                  <a:lumMod val="65000"/>
-                  <a:lumOff val="35000"/>
-                </a:prstClr>
-              </a:solidFill>
-              <a:latin typeface="AvenirNext LT Pro Medium" panose="020B0504020202020204" pitchFamily="34" charset="0"/>
-            </a:endParaRPr>
-          </a:p>
-        </p:txBody>
-      </p:sp>
-      <p:pic>
-        <p:nvPicPr>
-          <p:cNvPr id="12" name="Picture 11">
-            <a:extLst>
-              <a:ext uri="{FF2B5EF4-FFF2-40B4-BE49-F238E27FC236}">
-                <a16:creationId xmlns:a16="http://schemas.microsoft.com/office/drawing/2014/main" id="{BC526B7A-4801-4FD1-95C8-03AF22629E87}"/>
-              </a:ext>
-              <a:ext uri="{C183D7F6-B498-43B3-948B-1728B52AA6E4}">
-                <adec:decorative xmlns:adec="http://schemas.microsoft.com/office/drawing/2017/decorative" val="1"/>
-              </a:ext>
-            </a:extLst>
-          </p:cNvPr>
-          <p:cNvPicPr>
-            <a:picLocks noGrp="1" noRot="1" noChangeAspect="1" noMove="1" noResize="1" noEditPoints="1" noAdjustHandles="1" noChangeArrowheads="1" noChangeShapeType="1" noCrop="1"/>
-          </p:cNvPicPr>
-          <p:nvPr>
-            <p:extLst>
-              <p:ext uri="{386F3935-93C4-4BCD-93E2-E3B085C9AB24}">
-                <p16:designElem xmlns:p16="http://schemas.microsoft.com/office/powerpoint/2015/main" val="1"/>
-              </p:ext>
-            </p:extLst>
-          </p:nvPr>
-        </p:nvPicPr>
-        <p:blipFill>
-          <a:blip r:embed="rId2">
-            <a:alphaModFix amt="10000"/>
-            <a:extLst>
-              <a:ext uri="{28A0092B-C50C-407E-A947-70E740481C1C}">
-                <a14:useLocalDpi xmlns:a14="http://schemas.microsoft.com/office/drawing/2010/main" val="0"/>
-              </a:ext>
-            </a:extLst>
-          </a:blip>
-          <a:stretch>
-            <a:fillRect/>
-          </a:stretch>
-        </p:blipFill>
-        <p:spPr>
-          <a:xfrm>
-            <a:off x="8820159" y="3121682"/>
-            <a:ext cx="2428095" cy="3039825"/>
-          </a:xfrm>
-          <a:prstGeom prst="rect">
-            <a:avLst/>
-          </a:prstGeom>
-        </p:spPr>
-      </p:pic>
-      <p:sp useBgFill="1">
-        <p:nvSpPr>
-          <p:cNvPr id="14" name="Rectangle 13">
-            <a:extLst>
-              <a:ext uri="{FF2B5EF4-FFF2-40B4-BE49-F238E27FC236}">
-                <a16:creationId xmlns:a16="http://schemas.microsoft.com/office/drawing/2014/main" id="{37FDDF72-DE39-4F99-A3C1-DD9D7815D7DB}"/>
-              </a:ext>
-              <a:ext uri="{C183D7F6-B498-43B3-948B-1728B52AA6E4}">
-                <adec:decorative xmlns:adec="http://schemas.microsoft.com/office/drawing/2017/decorative" val="1"/>
-              </a:ext>
-            </a:extLst>
-          </p:cNvPr>
-          <p:cNvSpPr>
-            <a:spLocks noGrp="1" noRot="1" noChangeAspect="1" noMove="1" noResize="1" noEditPoints="1" noAdjustHandles="1" noChangeArrowheads="1" noChangeShapeType="1" noTextEdit="1"/>
-          </p:cNvSpPr>
-          <p:nvPr>
-            <p:extLst>
-              <p:ext uri="{386F3935-93C4-4BCD-93E2-E3B085C9AB24}">
-                <p16:designElem xmlns:p16="http://schemas.microsoft.com/office/powerpoint/2015/main" val="1"/>
-              </p:ext>
-            </p:extLst>
-          </p:nvPr>
-        </p:nvSpPr>
-        <p:spPr>
-          <a:xfrm>
-            <a:off x="3149972" y="3121681"/>
-            <a:ext cx="8100269" cy="4556401"/>
-          </a:xfrm>
-          <a:prstGeom prst="rect">
-            <a:avLst/>
-          </a:prstGeom>
-          <a:ln>
-            <a:noFill/>
-          </a:ln>
-        </p:spPr>
-        <p:style>
-          <a:lnRef idx="2">
-            <a:schemeClr val="accent1">
-              <a:shade val="50000"/>
-            </a:schemeClr>
-          </a:lnRef>
-          <a:fillRef idx="1">
-            <a:schemeClr val="accent1"/>
-          </a:fillRef>
-          <a:effectRef idx="0">
-            <a:schemeClr val="accent1"/>
-          </a:effectRef>
-          <a:fontRef idx="minor">
-            <a:schemeClr val="lt1"/>
-          </a:fontRef>
-        </p:style>
-        <p:txBody>
-          <a:bodyPr rtlCol="0" anchor="ctr"/>
-          <a:lstStyle/>
-          <a:p>
-            <a:pPr algn="ctr">
-              <a:defRPr/>
-            </a:pPr>
-            <a:endParaRPr lang="en-US" sz="1196" dirty="0">
-              <a:solidFill>
-                <a:prstClr val="black">
-                  <a:lumMod val="65000"/>
-                  <a:lumOff val="35000"/>
-                </a:prstClr>
-              </a:solidFill>
-              <a:latin typeface="AvenirNext LT Pro Medium" panose="020B0504020202020204" pitchFamily="34" charset="0"/>
-            </a:endParaRPr>
-          </a:p>
-        </p:txBody>
-      </p:sp>
-      <p:sp>
-        <p:nvSpPr>
-          <p:cNvPr id="16" name="Rectangle 15">
-            <a:extLst>
-              <a:ext uri="{FF2B5EF4-FFF2-40B4-BE49-F238E27FC236}">
-                <a16:creationId xmlns:a16="http://schemas.microsoft.com/office/drawing/2014/main" id="{5E4ECE80-3AD1-450C-B62A-98788F193948}"/>
-              </a:ext>
-              <a:ext uri="{C183D7F6-B498-43B3-948B-1728B52AA6E4}">
-                <adec:decorative xmlns:adec="http://schemas.microsoft.com/office/drawing/2017/decorative" val="1"/>
-              </a:ext>
-            </a:extLst>
-          </p:cNvPr>
-          <p:cNvSpPr>
-            <a:spLocks noGrp="1" noRot="1" noChangeAspect="1" noMove="1" noResize="1" noEditPoints="1" noAdjustHandles="1" noChangeArrowheads="1" noChangeShapeType="1" noTextEdit="1"/>
-          </p:cNvSpPr>
-          <p:nvPr>
-            <p:extLst>
-              <p:ext uri="{386F3935-93C4-4BCD-93E2-E3B085C9AB24}">
-                <p16:designElem xmlns:p16="http://schemas.microsoft.com/office/powerpoint/2015/main" val="1"/>
-              </p:ext>
-            </p:extLst>
-          </p:nvPr>
-        </p:nvSpPr>
-        <p:spPr>
-          <a:xfrm>
-            <a:off x="3149972" y="3121681"/>
-            <a:ext cx="8100269" cy="4556401"/>
-          </a:xfrm>
-          <a:prstGeom prst="rect">
-            <a:avLst/>
-          </a:prstGeom>
-          <a:solidFill>
-            <a:srgbClr val="000000"/>
-          </a:solidFill>
-          <a:ln>
-            <a:noFill/>
-          </a:ln>
-        </p:spPr>
-        <p:style>
-          <a:lnRef idx="2">
-            <a:schemeClr val="accent1">
-              <a:shade val="50000"/>
-            </a:schemeClr>
-          </a:lnRef>
-          <a:fillRef idx="1">
-            <a:schemeClr val="accent1"/>
-          </a:fillRef>
-          <a:effectRef idx="0">
-            <a:schemeClr val="accent1"/>
-          </a:effectRef>
-          <a:fontRef idx="minor">
-            <a:schemeClr val="lt1"/>
-          </a:fontRef>
-        </p:style>
-        <p:txBody>
-          <a:bodyPr rtlCol="0" anchor="ctr"/>
-          <a:lstStyle/>
-          <a:p>
-            <a:pPr algn="ctr">
-              <a:defRPr/>
-            </a:pPr>
-            <a:endParaRPr lang="en-US" sz="1196" dirty="0">
-              <a:solidFill>
-                <a:prstClr val="black">
-                  <a:lumMod val="65000"/>
-                  <a:lumOff val="35000"/>
-                </a:prstClr>
-              </a:solidFill>
-              <a:latin typeface="AvenirNext LT Pro Medium" panose="020B0504020202020204" pitchFamily="34" charset="0"/>
-            </a:endParaRPr>
-          </a:p>
-        </p:txBody>
-      </p:sp>
-      <p:pic>
-        <p:nvPicPr>
-          <p:cNvPr id="5" name="Imagem 4">
-            <a:extLst>
-              <a:ext uri="{FF2B5EF4-FFF2-40B4-BE49-F238E27FC236}">
-                <a16:creationId xmlns:a16="http://schemas.microsoft.com/office/drawing/2014/main" id="{F1433EF1-FB6D-4913-96C9-08F0B1B3CA7A}"/>
-              </a:ext>
-            </a:extLst>
-          </p:cNvPr>
-          <p:cNvPicPr>
-            <a:picLocks noChangeAspect="1"/>
-          </p:cNvPicPr>
-          <p:nvPr/>
-        </p:nvPicPr>
-        <p:blipFill rotWithShape="1">
-          <a:blip r:embed="rId3">
-            <a:alphaModFix/>
-            <a:extLst>
-              <a:ext uri="{28A0092B-C50C-407E-A947-70E740481C1C}">
-                <a14:useLocalDpi xmlns:a14="http://schemas.microsoft.com/office/drawing/2010/main" val="0"/>
-              </a:ext>
-            </a:extLst>
-          </a:blip>
-          <a:srcRect l="5233" t="-2125" r="6244" b="-538"/>
-          <a:stretch/>
-        </p:blipFill>
-        <p:spPr>
-          <a:xfrm>
-            <a:off x="-1" y="-248909"/>
-            <a:ext cx="14400213" cy="11147555"/>
-          </a:xfrm>
-          <a:prstGeom prst="rect">
-            <a:avLst/>
-          </a:prstGeom>
-        </p:spPr>
-      </p:pic>
-      <p:sp>
-        <p:nvSpPr>
-          <p:cNvPr id="50" name="Retângulo 49">
-            <a:extLst>
-              <a:ext uri="{FF2B5EF4-FFF2-40B4-BE49-F238E27FC236}">
-                <a16:creationId xmlns:a16="http://schemas.microsoft.com/office/drawing/2014/main" id="{50614AED-75DE-4550-9029-54313F89BD12}"/>
-              </a:ext>
-            </a:extLst>
-          </p:cNvPr>
-          <p:cNvSpPr/>
-          <p:nvPr/>
-        </p:nvSpPr>
-        <p:spPr>
-          <a:xfrm>
-            <a:off x="3186646" y="311571"/>
-            <a:ext cx="8052791" cy="992583"/>
-          </a:xfrm>
-          <a:prstGeom prst="rect">
-            <a:avLst/>
-          </a:prstGeom>
-          <a:noFill/>
-        </p:spPr>
-        <p:txBody>
-          <a:bodyPr wrap="square" lIns="68584" tIns="34292" rIns="68584" bIns="34292">
-            <a:spAutoFit/>
-          </a:bodyPr>
-          <a:lstStyle/>
-          <a:p>
-            <a:pPr algn="ctr"/>
-            <a:r>
-              <a:rPr lang="pt-BR" sz="6000" dirty="0">
-                <a:ln w="38100">
-                  <a:solidFill>
-                    <a:schemeClr val="bg1"/>
-                  </a:solidFill>
-                </a:ln>
-                <a:solidFill>
-                  <a:srgbClr val="00B050"/>
-                </a:solidFill>
-                <a:effectLst>
-                  <a:outerShdw blurRad="38100" dist="19050" dir="2700000" algn="tl" rotWithShape="0">
-                    <a:schemeClr val="dk1">
-                      <a:alpha val="40000"/>
-                    </a:schemeClr>
-                  </a:outerShdw>
-                </a:effectLst>
-                <a:latin typeface="Exo 2 Extra Bold" panose="00000900000000000000" pitchFamily="50" charset="0"/>
-              </a:rPr>
-              <a:t>Liga Principal</a:t>
-            </a:r>
-          </a:p>
-        </p:txBody>
-      </p:sp>
-      <p:sp>
-        <p:nvSpPr>
-          <p:cNvPr id="53" name="Retângulo 52">
-            <a:extLst>
-              <a:ext uri="{FF2B5EF4-FFF2-40B4-BE49-F238E27FC236}">
-                <a16:creationId xmlns:a16="http://schemas.microsoft.com/office/drawing/2014/main" id="{F101E0BF-8A68-40B9-BC26-35C299182F52}"/>
-              </a:ext>
-            </a:extLst>
-          </p:cNvPr>
-          <p:cNvSpPr/>
-          <p:nvPr/>
-        </p:nvSpPr>
-        <p:spPr>
-          <a:xfrm>
-            <a:off x="336776" y="1104608"/>
-            <a:ext cx="13909452" cy="1177249"/>
-          </a:xfrm>
-          <a:prstGeom prst="rect">
-            <a:avLst/>
-          </a:prstGeom>
-          <a:noFill/>
-        </p:spPr>
-        <p:txBody>
-          <a:bodyPr wrap="square" lIns="68584" tIns="34292" rIns="68584" bIns="34292">
-            <a:spAutoFit/>
-          </a:bodyPr>
-          <a:lstStyle/>
-          <a:p>
-            <a:pPr algn="ctr"/>
-            <a:r>
-              <a:rPr lang="pt-BR" sz="7200" dirty="0">
-                <a:ln w="0">
-                  <a:noFill/>
-                </a:ln>
-                <a:effectLst>
-                  <a:outerShdw blurRad="38100" dist="19050" dir="2700000" algn="tl" rotWithShape="0">
-                    <a:schemeClr val="dk1">
-                      <a:alpha val="40000"/>
-                    </a:schemeClr>
-                  </a:outerShdw>
-                </a:effectLst>
-                <a:latin typeface="Exo 2 Extra Bold" panose="00000900000000000000" pitchFamily="50" charset="0"/>
-              </a:rPr>
-              <a:t>MATA-MATA SÉRIE C 3</a:t>
-            </a:r>
-          </a:p>
-        </p:txBody>
-      </p:sp>
-      <p:pic>
-        <p:nvPicPr>
-          <p:cNvPr id="15" name="Imagem 14">
-            <a:extLst>
-              <a:ext uri="{FF2B5EF4-FFF2-40B4-BE49-F238E27FC236}">
-                <a16:creationId xmlns:a16="http://schemas.microsoft.com/office/drawing/2014/main" id="{780D6AE4-2B31-43CF-8A3B-9ACC73C32FE9}"/>
-              </a:ext>
-            </a:extLst>
-          </p:cNvPr>
-          <p:cNvPicPr>
-            <a:picLocks noChangeAspect="1"/>
-          </p:cNvPicPr>
-          <p:nvPr/>
-        </p:nvPicPr>
-        <p:blipFill>
-          <a:blip r:embed="rId4">
-            <a:extLst>
-              <a:ext uri="{28A0092B-C50C-407E-A947-70E740481C1C}">
-                <a14:useLocalDpi xmlns:a14="http://schemas.microsoft.com/office/drawing/2010/main" val="0"/>
-              </a:ext>
-            </a:extLst>
-          </a:blip>
-          <a:stretch>
-            <a:fillRect/>
-          </a:stretch>
-        </p:blipFill>
-        <p:spPr>
-          <a:xfrm>
-            <a:off x="336776" y="194284"/>
-            <a:ext cx="2059134" cy="2160000"/>
-          </a:xfrm>
-          <a:prstGeom prst="rect">
-            <a:avLst/>
-          </a:prstGeom>
-        </p:spPr>
-      </p:pic>
-      <p:sp>
-        <p:nvSpPr>
-          <p:cNvPr id="10" name="Retângulo 9">
-            <a:extLst>
-              <a:ext uri="{FF2B5EF4-FFF2-40B4-BE49-F238E27FC236}">
-                <a16:creationId xmlns:a16="http://schemas.microsoft.com/office/drawing/2014/main" id="{838BDC98-3287-4575-8574-56F716FB2440}"/>
-              </a:ext>
-            </a:extLst>
-          </p:cNvPr>
-          <p:cNvSpPr/>
-          <p:nvPr/>
-        </p:nvSpPr>
-        <p:spPr>
-          <a:xfrm>
-            <a:off x="178700" y="2996119"/>
-            <a:ext cx="6850745" cy="6618957"/>
-          </a:xfrm>
-          <a:prstGeom prst="rect">
-            <a:avLst/>
-          </a:prstGeom>
-          <a:solidFill>
-            <a:schemeClr val="tx1">
-              <a:alpha val="81000"/>
-            </a:schemeClr>
-          </a:solidFill>
-        </p:spPr>
-        <p:style>
-          <a:lnRef idx="2">
-            <a:schemeClr val="accent1">
-              <a:shade val="50000"/>
-            </a:schemeClr>
-          </a:lnRef>
-          <a:fillRef idx="1">
-            <a:schemeClr val="accent1"/>
-          </a:fillRef>
-          <a:effectRef idx="0">
-            <a:schemeClr val="accent1"/>
-          </a:effectRef>
-          <a:fontRef idx="minor">
-            <a:schemeClr val="lt1"/>
-          </a:fontRef>
-        </p:style>
-        <p:txBody>
-          <a:bodyPr rtlCol="0" anchor="ctr"/>
-          <a:lstStyle/>
-          <a:p>
-            <a:pPr algn="ctr"/>
-            <a:endParaRPr lang="pt-BR"/>
-          </a:p>
-        </p:txBody>
-      </p:sp>
-      <p:sp>
-        <p:nvSpPr>
-          <p:cNvPr id="21" name="Retângulo 20">
-            <a:extLst>
-              <a:ext uri="{FF2B5EF4-FFF2-40B4-BE49-F238E27FC236}">
-                <a16:creationId xmlns:a16="http://schemas.microsoft.com/office/drawing/2014/main" id="{95EDB8CB-8377-4925-B478-560C3F615037}"/>
-              </a:ext>
-            </a:extLst>
-          </p:cNvPr>
-          <p:cNvSpPr/>
-          <p:nvPr/>
-        </p:nvSpPr>
-        <p:spPr>
-          <a:xfrm>
-            <a:off x="7395483" y="2996119"/>
-            <a:ext cx="6850745" cy="6622759"/>
-          </a:xfrm>
-          <a:prstGeom prst="rect">
-            <a:avLst/>
-          </a:prstGeom>
-          <a:solidFill>
-            <a:schemeClr val="tx1">
-              <a:alpha val="81000"/>
-            </a:schemeClr>
-          </a:solidFill>
-        </p:spPr>
-        <p:style>
-          <a:lnRef idx="2">
-            <a:schemeClr val="accent1">
-              <a:shade val="50000"/>
-            </a:schemeClr>
-          </a:lnRef>
-          <a:fillRef idx="1">
-            <a:schemeClr val="accent1"/>
-          </a:fillRef>
-          <a:effectRef idx="0">
-            <a:schemeClr val="accent1"/>
-          </a:effectRef>
-          <a:fontRef idx="minor">
-            <a:schemeClr val="lt1"/>
-          </a:fontRef>
-        </p:style>
-        <p:txBody>
-          <a:bodyPr rtlCol="0" anchor="ctr"/>
-          <a:lstStyle/>
-          <a:p>
-            <a:pPr algn="ctr"/>
-            <a:endParaRPr lang="pt-BR"/>
-          </a:p>
-        </p:txBody>
-      </p:sp>
-      <p:sp>
-        <p:nvSpPr>
-          <p:cNvPr id="23" name="Retângulo 22">
-            <a:extLst>
-              <a:ext uri="{FF2B5EF4-FFF2-40B4-BE49-F238E27FC236}">
-                <a16:creationId xmlns:a16="http://schemas.microsoft.com/office/drawing/2014/main" id="{ED87CD67-A438-4F74-986A-3704AF997953}"/>
-              </a:ext>
-            </a:extLst>
-          </p:cNvPr>
-          <p:cNvSpPr/>
-          <p:nvPr/>
-        </p:nvSpPr>
-        <p:spPr>
-          <a:xfrm>
-            <a:off x="2102178" y="2948022"/>
-            <a:ext cx="3010153" cy="684807"/>
-          </a:xfrm>
-          <a:prstGeom prst="rect">
-            <a:avLst/>
-          </a:prstGeom>
-          <a:noFill/>
-        </p:spPr>
-        <p:txBody>
-          <a:bodyPr wrap="square" lIns="68584" tIns="34292" rIns="68584" bIns="34292">
-            <a:spAutoFit/>
-          </a:bodyPr>
-          <a:lstStyle/>
-          <a:p>
-            <a:pPr algn="ctr"/>
-            <a:r>
-              <a:rPr lang="pt-BR" sz="4000" dirty="0">
-                <a:ln w="0">
-                  <a:noFill/>
-                </a:ln>
-                <a:solidFill>
-                  <a:srgbClr val="0070C0"/>
-                </a:solidFill>
-                <a:effectLst>
-                  <a:outerShdw blurRad="38100" dist="19050" dir="2700000" algn="tl" rotWithShape="0">
-                    <a:schemeClr val="dk1">
-                      <a:alpha val="40000"/>
-                    </a:schemeClr>
-                  </a:outerShdw>
-                </a:effectLst>
-                <a:latin typeface="Exo 2 Extra Bold" panose="00000900000000000000" pitchFamily="50" charset="0"/>
-              </a:rPr>
-              <a:t>Chave 1</a:t>
-            </a:r>
-          </a:p>
-        </p:txBody>
-      </p:sp>
-      <p:sp>
-        <p:nvSpPr>
-          <p:cNvPr id="24" name="Retângulo 23">
-            <a:extLst>
-              <a:ext uri="{FF2B5EF4-FFF2-40B4-BE49-F238E27FC236}">
-                <a16:creationId xmlns:a16="http://schemas.microsoft.com/office/drawing/2014/main" id="{522A4ACC-EC27-4A14-BA66-B0EB03535C7B}"/>
-              </a:ext>
-            </a:extLst>
-          </p:cNvPr>
-          <p:cNvSpPr/>
-          <p:nvPr/>
-        </p:nvSpPr>
-        <p:spPr>
-          <a:xfrm>
-            <a:off x="9315778" y="2946575"/>
-            <a:ext cx="3010153" cy="684807"/>
-          </a:xfrm>
-          <a:prstGeom prst="rect">
-            <a:avLst/>
-          </a:prstGeom>
-          <a:noFill/>
-        </p:spPr>
-        <p:txBody>
-          <a:bodyPr wrap="square" lIns="68584" tIns="34292" rIns="68584" bIns="34292">
-            <a:spAutoFit/>
-          </a:bodyPr>
-          <a:lstStyle/>
-          <a:p>
-            <a:pPr algn="ctr"/>
-            <a:r>
-              <a:rPr lang="pt-BR" sz="4000" dirty="0">
-                <a:ln w="0">
-                  <a:noFill/>
-                </a:ln>
-                <a:solidFill>
-                  <a:srgbClr val="0070C0"/>
-                </a:solidFill>
-                <a:effectLst>
-                  <a:outerShdw blurRad="38100" dist="19050" dir="2700000" algn="tl" rotWithShape="0">
-                    <a:schemeClr val="dk1">
-                      <a:alpha val="40000"/>
-                    </a:schemeClr>
-                  </a:outerShdw>
-                </a:effectLst>
-                <a:latin typeface="Exo 2 Extra Bold" panose="00000900000000000000" pitchFamily="50" charset="0"/>
-              </a:rPr>
-              <a:t>Chave 2</a:t>
-            </a:r>
-          </a:p>
-        </p:txBody>
-      </p:sp>
-      <p:pic>
-        <p:nvPicPr>
-          <p:cNvPr id="6" name="Imagem 5">
-            <a:extLst>
-              <a:ext uri="{FF2B5EF4-FFF2-40B4-BE49-F238E27FC236}">
-                <a16:creationId xmlns:a16="http://schemas.microsoft.com/office/drawing/2014/main" id="{F92420AC-701F-4CC0-AC77-F36BE846F9F2}"/>
-              </a:ext>
-            </a:extLst>
-          </p:cNvPr>
-          <p:cNvPicPr>
-            <a:picLocks noChangeAspect="1"/>
-          </p:cNvPicPr>
-          <p:nvPr/>
-        </p:nvPicPr>
-        <p:blipFill>
-          <a:blip r:embed="rId5"/>
-          <a:stretch>
-            <a:fillRect/>
-          </a:stretch>
-        </p:blipFill>
-        <p:spPr>
-          <a:xfrm>
-            <a:off x="343972" y="3872449"/>
-            <a:ext cx="6531196" cy="5580000"/>
-          </a:xfrm>
-          <a:prstGeom prst="rect">
-            <a:avLst/>
-          </a:prstGeom>
-        </p:spPr>
-      </p:pic>
-      <p:pic>
-        <p:nvPicPr>
-          <p:cNvPr id="8" name="Imagem 7">
-            <a:extLst>
-              <a:ext uri="{FF2B5EF4-FFF2-40B4-BE49-F238E27FC236}">
-                <a16:creationId xmlns:a16="http://schemas.microsoft.com/office/drawing/2014/main" id="{D74F05B4-74CE-4E8D-B2DD-442A091391C1}"/>
-              </a:ext>
-            </a:extLst>
-          </p:cNvPr>
-          <p:cNvPicPr>
-            <a:picLocks noChangeAspect="1"/>
-          </p:cNvPicPr>
-          <p:nvPr/>
-        </p:nvPicPr>
-        <p:blipFill>
-          <a:blip r:embed="rId6"/>
-          <a:stretch>
-            <a:fillRect/>
-          </a:stretch>
-        </p:blipFill>
-        <p:spPr>
-          <a:xfrm>
-            <a:off x="7563185" y="3872449"/>
-            <a:ext cx="6521526" cy="5580000"/>
+            <a:off x="7546899" y="3872449"/>
+            <a:ext cx="6533549" cy="5580000"/>
           </a:xfrm>
           <a:prstGeom prst="rect">
             <a:avLst/>
@@ -6495,7 +7203,7 @@
 </p:sld>
 </file>
 
-<file path=ppt/slides/slide4.xml><?xml version="1.0" encoding="utf-8"?>
+<file path=ppt/slides/slide3.xml><?xml version="1.0" encoding="utf-8"?>
 <p:sld xmlns:a="http://schemas.openxmlformats.org/drawingml/2006/main" xmlns:r="http://schemas.openxmlformats.org/officeDocument/2006/relationships" xmlns:p="http://schemas.openxmlformats.org/presentationml/2006/main">
   <p:cSld>
     <p:bg>
@@ -7028,10 +7736,10 @@
       </p:sp>
       <p:pic>
         <p:nvPicPr>
-          <p:cNvPr id="3" name="Imagem 2">
-            <a:extLst>
-              <a:ext uri="{FF2B5EF4-FFF2-40B4-BE49-F238E27FC236}">
-                <a16:creationId xmlns:a16="http://schemas.microsoft.com/office/drawing/2014/main" id="{66CDCB07-F02E-446A-9B73-E6219BEA863D}"/>
+          <p:cNvPr id="2" name="Imagem 1">
+            <a:extLst>
+              <a:ext uri="{FF2B5EF4-FFF2-40B4-BE49-F238E27FC236}">
+                <a16:creationId xmlns:a16="http://schemas.microsoft.com/office/drawing/2014/main" id="{00FBD914-C33F-4302-8225-C9A066F5E0F3}"/>
               </a:ext>
             </a:extLst>
           </p:cNvPr>
@@ -7048,8 +7756,8 @@
         </p:blipFill>
         <p:spPr>
           <a:xfrm>
-            <a:off x="629948" y="3565663"/>
-            <a:ext cx="13188980" cy="5760000"/>
+            <a:off x="439081" y="3565663"/>
+            <a:ext cx="13581643" cy="5760000"/>
           </a:xfrm>
           <a:prstGeom prst="rect">
             <a:avLst/>
@@ -7069,7 +7777,7 @@
 </p:sld>
 </file>
 
-<file path=ppt/slides/slide5.xml><?xml version="1.0" encoding="utf-8"?>
+<file path=ppt/slides/slide4.xml><?xml version="1.0" encoding="utf-8"?>
 <p:sld xmlns:a="http://schemas.openxmlformats.org/drawingml/2006/main" xmlns:r="http://schemas.openxmlformats.org/officeDocument/2006/relationships" xmlns:p="http://schemas.openxmlformats.org/presentationml/2006/main">
   <p:cSld>
     <p:bg>
@@ -7602,10 +8310,10 @@
       </p:sp>
       <p:pic>
         <p:nvPicPr>
-          <p:cNvPr id="4" name="Imagem 3">
-            <a:extLst>
-              <a:ext uri="{FF2B5EF4-FFF2-40B4-BE49-F238E27FC236}">
-                <a16:creationId xmlns:a16="http://schemas.microsoft.com/office/drawing/2014/main" id="{5154A22B-1F07-4EC2-921F-8822F5BE208D}"/>
+          <p:cNvPr id="2" name="Imagem 1">
+            <a:extLst>
+              <a:ext uri="{FF2B5EF4-FFF2-40B4-BE49-F238E27FC236}">
+                <a16:creationId xmlns:a16="http://schemas.microsoft.com/office/drawing/2014/main" id="{D2A3A366-4D68-4A50-BF95-B2DB57839BE3}"/>
               </a:ext>
             </a:extLst>
           </p:cNvPr>
@@ -7622,8 +8330,8 @@
         </p:blipFill>
         <p:spPr>
           <a:xfrm>
-            <a:off x="624485" y="3565663"/>
-            <a:ext cx="13188980" cy="5760000"/>
+            <a:off x="429701" y="3565663"/>
+            <a:ext cx="13581643" cy="5760000"/>
           </a:xfrm>
           <a:prstGeom prst="rect">
             <a:avLst/>
@@ -7634,6 +8342,746 @@
     <p:extLst>
       <p:ext uri="{BB962C8B-B14F-4D97-AF65-F5344CB8AC3E}">
         <p14:creationId xmlns:p14="http://schemas.microsoft.com/office/powerpoint/2010/main" val="3986168047"/>
+      </p:ext>
+    </p:extLst>
+  </p:cSld>
+  <p:clrMapOvr>
+    <a:masterClrMapping/>
+  </p:clrMapOvr>
+</p:sld>
+</file>
+
+<file path=ppt/slides/slide5.xml><?xml version="1.0" encoding="utf-8"?>
+<p:sld xmlns:a="http://schemas.openxmlformats.org/drawingml/2006/main" xmlns:r="http://schemas.openxmlformats.org/officeDocument/2006/relationships" xmlns:p="http://schemas.openxmlformats.org/presentationml/2006/main">
+  <p:cSld>
+    <p:bg>
+      <p:bgPr>
+        <a:solidFill>
+          <a:schemeClr val="bg1"/>
+        </a:solidFill>
+        <a:effectLst/>
+      </p:bgPr>
+    </p:bg>
+    <p:spTree>
+      <p:nvGrpSpPr>
+        <p:cNvPr id="1" name=""/>
+        <p:cNvGrpSpPr/>
+        <p:nvPr/>
+      </p:nvGrpSpPr>
+      <p:grpSpPr>
+        <a:xfrm>
+          <a:off x="0" y="0"/>
+          <a:ext cx="0" cy="0"/>
+          <a:chOff x="0" y="0"/>
+          <a:chExt cx="0" cy="0"/>
+        </a:xfrm>
+      </p:grpSpPr>
+      <p:sp>
+        <p:nvSpPr>
+          <p:cNvPr id="13" name="Rectangle 9">
+            <a:extLst>
+              <a:ext uri="{FF2B5EF4-FFF2-40B4-BE49-F238E27FC236}">
+                <a16:creationId xmlns:a16="http://schemas.microsoft.com/office/drawing/2014/main" id="{0BABF38A-8A0D-492E-BD20-6CF4D46B50BD}"/>
+              </a:ext>
+              <a:ext uri="{C183D7F6-B498-43B3-948B-1728B52AA6E4}">
+                <adec:decorative xmlns:adec="http://schemas.microsoft.com/office/drawing/2017/decorative" val="1"/>
+              </a:ext>
+            </a:extLst>
+          </p:cNvPr>
+          <p:cNvSpPr>
+            <a:spLocks noGrp="1" noRot="1" noChangeAspect="1" noMove="1" noResize="1" noEditPoints="1" noAdjustHandles="1" noChangeArrowheads="1" noChangeShapeType="1" noTextEdit="1"/>
+          </p:cNvSpPr>
+          <p:nvPr>
+            <p:extLst>
+              <p:ext uri="{386F3935-93C4-4BCD-93E2-E3B085C9AB24}">
+                <p16:designElem xmlns:p16="http://schemas.microsoft.com/office/powerpoint/2015/main" val="1"/>
+              </p:ext>
+            </p:extLst>
+          </p:nvPr>
+        </p:nvSpPr>
+        <p:spPr>
+          <a:xfrm>
+            <a:off x="3149972" y="3121681"/>
+            <a:ext cx="8100269" cy="4556404"/>
+          </a:xfrm>
+          <a:prstGeom prst="rect">
+            <a:avLst/>
+          </a:prstGeom>
+          <a:solidFill>
+            <a:schemeClr val="bg2">
+              <a:lumMod val="90000"/>
+              <a:alpha val="70000"/>
+            </a:schemeClr>
+          </a:solidFill>
+          <a:ln>
+            <a:noFill/>
+          </a:ln>
+        </p:spPr>
+        <p:style>
+          <a:lnRef idx="2">
+            <a:schemeClr val="accent1">
+              <a:shade val="50000"/>
+            </a:schemeClr>
+          </a:lnRef>
+          <a:fillRef idx="1">
+            <a:schemeClr val="accent1"/>
+          </a:fillRef>
+          <a:effectRef idx="0">
+            <a:schemeClr val="accent1"/>
+          </a:effectRef>
+          <a:fontRef idx="minor">
+            <a:schemeClr val="lt1"/>
+          </a:fontRef>
+        </p:style>
+        <p:txBody>
+          <a:bodyPr rtlCol="0" anchor="ctr"/>
+          <a:lstStyle/>
+          <a:p>
+            <a:pPr algn="ctr">
+              <a:defRPr/>
+            </a:pPr>
+            <a:endParaRPr lang="en-US" sz="1196" dirty="0">
+              <a:solidFill>
+                <a:prstClr val="black">
+                  <a:lumMod val="65000"/>
+                  <a:lumOff val="35000"/>
+                </a:prstClr>
+              </a:solidFill>
+              <a:latin typeface="AvenirNext LT Pro Medium" panose="020B0504020202020204" pitchFamily="34" charset="0"/>
+            </a:endParaRPr>
+          </a:p>
+        </p:txBody>
+      </p:sp>
+      <p:pic>
+        <p:nvPicPr>
+          <p:cNvPr id="12" name="Picture 11">
+            <a:extLst>
+              <a:ext uri="{FF2B5EF4-FFF2-40B4-BE49-F238E27FC236}">
+                <a16:creationId xmlns:a16="http://schemas.microsoft.com/office/drawing/2014/main" id="{BC526B7A-4801-4FD1-95C8-03AF22629E87}"/>
+              </a:ext>
+              <a:ext uri="{C183D7F6-B498-43B3-948B-1728B52AA6E4}">
+                <adec:decorative xmlns:adec="http://schemas.microsoft.com/office/drawing/2017/decorative" val="1"/>
+              </a:ext>
+            </a:extLst>
+          </p:cNvPr>
+          <p:cNvPicPr>
+            <a:picLocks noGrp="1" noRot="1" noChangeAspect="1" noMove="1" noResize="1" noEditPoints="1" noAdjustHandles="1" noChangeArrowheads="1" noChangeShapeType="1" noCrop="1"/>
+          </p:cNvPicPr>
+          <p:nvPr>
+            <p:extLst>
+              <p:ext uri="{386F3935-93C4-4BCD-93E2-E3B085C9AB24}">
+                <p16:designElem xmlns:p16="http://schemas.microsoft.com/office/powerpoint/2015/main" val="1"/>
+              </p:ext>
+            </p:extLst>
+          </p:nvPr>
+        </p:nvPicPr>
+        <p:blipFill>
+          <a:blip r:embed="rId2">
+            <a:alphaModFix amt="10000"/>
+            <a:extLst>
+              <a:ext uri="{28A0092B-C50C-407E-A947-70E740481C1C}">
+                <a14:useLocalDpi xmlns:a14="http://schemas.microsoft.com/office/drawing/2010/main" val="0"/>
+              </a:ext>
+            </a:extLst>
+          </a:blip>
+          <a:stretch>
+            <a:fillRect/>
+          </a:stretch>
+        </p:blipFill>
+        <p:spPr>
+          <a:xfrm>
+            <a:off x="8820159" y="3121682"/>
+            <a:ext cx="2428095" cy="3039825"/>
+          </a:xfrm>
+          <a:prstGeom prst="rect">
+            <a:avLst/>
+          </a:prstGeom>
+        </p:spPr>
+      </p:pic>
+      <p:sp useBgFill="1">
+        <p:nvSpPr>
+          <p:cNvPr id="14" name="Rectangle 13">
+            <a:extLst>
+              <a:ext uri="{FF2B5EF4-FFF2-40B4-BE49-F238E27FC236}">
+                <a16:creationId xmlns:a16="http://schemas.microsoft.com/office/drawing/2014/main" id="{37FDDF72-DE39-4F99-A3C1-DD9D7815D7DB}"/>
+              </a:ext>
+              <a:ext uri="{C183D7F6-B498-43B3-948B-1728B52AA6E4}">
+                <adec:decorative xmlns:adec="http://schemas.microsoft.com/office/drawing/2017/decorative" val="1"/>
+              </a:ext>
+            </a:extLst>
+          </p:cNvPr>
+          <p:cNvSpPr>
+            <a:spLocks noGrp="1" noRot="1" noChangeAspect="1" noMove="1" noResize="1" noEditPoints="1" noAdjustHandles="1" noChangeArrowheads="1" noChangeShapeType="1" noTextEdit="1"/>
+          </p:cNvSpPr>
+          <p:nvPr>
+            <p:extLst>
+              <p:ext uri="{386F3935-93C4-4BCD-93E2-E3B085C9AB24}">
+                <p16:designElem xmlns:p16="http://schemas.microsoft.com/office/powerpoint/2015/main" val="1"/>
+              </p:ext>
+            </p:extLst>
+          </p:nvPr>
+        </p:nvSpPr>
+        <p:spPr>
+          <a:xfrm>
+            <a:off x="3149972" y="3121681"/>
+            <a:ext cx="8100269" cy="4556401"/>
+          </a:xfrm>
+          <a:prstGeom prst="rect">
+            <a:avLst/>
+          </a:prstGeom>
+          <a:ln>
+            <a:noFill/>
+          </a:ln>
+        </p:spPr>
+        <p:style>
+          <a:lnRef idx="2">
+            <a:schemeClr val="accent1">
+              <a:shade val="50000"/>
+            </a:schemeClr>
+          </a:lnRef>
+          <a:fillRef idx="1">
+            <a:schemeClr val="accent1"/>
+          </a:fillRef>
+          <a:effectRef idx="0">
+            <a:schemeClr val="accent1"/>
+          </a:effectRef>
+          <a:fontRef idx="minor">
+            <a:schemeClr val="lt1"/>
+          </a:fontRef>
+        </p:style>
+        <p:txBody>
+          <a:bodyPr rtlCol="0" anchor="ctr"/>
+          <a:lstStyle/>
+          <a:p>
+            <a:pPr algn="ctr">
+              <a:defRPr/>
+            </a:pPr>
+            <a:endParaRPr lang="en-US" sz="1196" dirty="0">
+              <a:solidFill>
+                <a:prstClr val="black">
+                  <a:lumMod val="65000"/>
+                  <a:lumOff val="35000"/>
+                </a:prstClr>
+              </a:solidFill>
+              <a:latin typeface="AvenirNext LT Pro Medium" panose="020B0504020202020204" pitchFamily="34" charset="0"/>
+            </a:endParaRPr>
+          </a:p>
+        </p:txBody>
+      </p:sp>
+      <p:sp>
+        <p:nvSpPr>
+          <p:cNvPr id="16" name="Rectangle 15">
+            <a:extLst>
+              <a:ext uri="{FF2B5EF4-FFF2-40B4-BE49-F238E27FC236}">
+                <a16:creationId xmlns:a16="http://schemas.microsoft.com/office/drawing/2014/main" id="{5E4ECE80-3AD1-450C-B62A-98788F193948}"/>
+              </a:ext>
+              <a:ext uri="{C183D7F6-B498-43B3-948B-1728B52AA6E4}">
+                <adec:decorative xmlns:adec="http://schemas.microsoft.com/office/drawing/2017/decorative" val="1"/>
+              </a:ext>
+            </a:extLst>
+          </p:cNvPr>
+          <p:cNvSpPr>
+            <a:spLocks noGrp="1" noRot="1" noChangeAspect="1" noMove="1" noResize="1" noEditPoints="1" noAdjustHandles="1" noChangeArrowheads="1" noChangeShapeType="1" noTextEdit="1"/>
+          </p:cNvSpPr>
+          <p:nvPr>
+            <p:extLst>
+              <p:ext uri="{386F3935-93C4-4BCD-93E2-E3B085C9AB24}">
+                <p16:designElem xmlns:p16="http://schemas.microsoft.com/office/powerpoint/2015/main" val="1"/>
+              </p:ext>
+            </p:extLst>
+          </p:nvPr>
+        </p:nvSpPr>
+        <p:spPr>
+          <a:xfrm>
+            <a:off x="3149972" y="3121681"/>
+            <a:ext cx="8100269" cy="4556401"/>
+          </a:xfrm>
+          <a:prstGeom prst="rect">
+            <a:avLst/>
+          </a:prstGeom>
+          <a:solidFill>
+            <a:srgbClr val="000000"/>
+          </a:solidFill>
+          <a:ln>
+            <a:noFill/>
+          </a:ln>
+        </p:spPr>
+        <p:style>
+          <a:lnRef idx="2">
+            <a:schemeClr val="accent1">
+              <a:shade val="50000"/>
+            </a:schemeClr>
+          </a:lnRef>
+          <a:fillRef idx="1">
+            <a:schemeClr val="accent1"/>
+          </a:fillRef>
+          <a:effectRef idx="0">
+            <a:schemeClr val="accent1"/>
+          </a:effectRef>
+          <a:fontRef idx="minor">
+            <a:schemeClr val="lt1"/>
+          </a:fontRef>
+        </p:style>
+        <p:txBody>
+          <a:bodyPr rtlCol="0" anchor="ctr"/>
+          <a:lstStyle/>
+          <a:p>
+            <a:pPr algn="ctr">
+              <a:defRPr/>
+            </a:pPr>
+            <a:endParaRPr lang="en-US" sz="1196" dirty="0">
+              <a:solidFill>
+                <a:prstClr val="black">
+                  <a:lumMod val="65000"/>
+                  <a:lumOff val="35000"/>
+                </a:prstClr>
+              </a:solidFill>
+              <a:latin typeface="AvenirNext LT Pro Medium" panose="020B0504020202020204" pitchFamily="34" charset="0"/>
+            </a:endParaRPr>
+          </a:p>
+        </p:txBody>
+      </p:sp>
+      <p:pic>
+        <p:nvPicPr>
+          <p:cNvPr id="5" name="Imagem 4">
+            <a:extLst>
+              <a:ext uri="{FF2B5EF4-FFF2-40B4-BE49-F238E27FC236}">
+                <a16:creationId xmlns:a16="http://schemas.microsoft.com/office/drawing/2014/main" id="{F1433EF1-FB6D-4913-96C9-08F0B1B3CA7A}"/>
+              </a:ext>
+            </a:extLst>
+          </p:cNvPr>
+          <p:cNvPicPr>
+            <a:picLocks noChangeAspect="1"/>
+          </p:cNvPicPr>
+          <p:nvPr/>
+        </p:nvPicPr>
+        <p:blipFill rotWithShape="1">
+          <a:blip r:embed="rId3">
+            <a:alphaModFix/>
+            <a:extLst>
+              <a:ext uri="{28A0092B-C50C-407E-A947-70E740481C1C}">
+                <a14:useLocalDpi xmlns:a14="http://schemas.microsoft.com/office/drawing/2010/main" val="0"/>
+              </a:ext>
+            </a:extLst>
+          </a:blip>
+          <a:srcRect l="5233" t="-2125" r="6244" b="-538"/>
+          <a:stretch/>
+        </p:blipFill>
+        <p:spPr>
+          <a:xfrm>
+            <a:off x="-1" y="-248909"/>
+            <a:ext cx="14400213" cy="11147555"/>
+          </a:xfrm>
+          <a:prstGeom prst="rect">
+            <a:avLst/>
+          </a:prstGeom>
+        </p:spPr>
+      </p:pic>
+      <p:sp>
+        <p:nvSpPr>
+          <p:cNvPr id="50" name="Retângulo 49">
+            <a:extLst>
+              <a:ext uri="{FF2B5EF4-FFF2-40B4-BE49-F238E27FC236}">
+                <a16:creationId xmlns:a16="http://schemas.microsoft.com/office/drawing/2014/main" id="{50614AED-75DE-4550-9029-54313F89BD12}"/>
+              </a:ext>
+            </a:extLst>
+          </p:cNvPr>
+          <p:cNvSpPr/>
+          <p:nvPr/>
+        </p:nvSpPr>
+        <p:spPr>
+          <a:xfrm>
+            <a:off x="3186646" y="311571"/>
+            <a:ext cx="8052791" cy="992583"/>
+          </a:xfrm>
+          <a:prstGeom prst="rect">
+            <a:avLst/>
+          </a:prstGeom>
+          <a:noFill/>
+        </p:spPr>
+        <p:txBody>
+          <a:bodyPr wrap="square" lIns="68584" tIns="34292" rIns="68584" bIns="34292">
+            <a:spAutoFit/>
+          </a:bodyPr>
+          <a:lstStyle/>
+          <a:p>
+            <a:pPr algn="ctr"/>
+            <a:r>
+              <a:rPr lang="pt-BR" sz="6000" dirty="0">
+                <a:ln w="38100">
+                  <a:solidFill>
+                    <a:schemeClr val="bg1"/>
+                  </a:solidFill>
+                </a:ln>
+                <a:solidFill>
+                  <a:srgbClr val="00B050"/>
+                </a:solidFill>
+                <a:effectLst>
+                  <a:outerShdw blurRad="38100" dist="19050" dir="2700000" algn="tl" rotWithShape="0">
+                    <a:schemeClr val="dk1">
+                      <a:alpha val="40000"/>
+                    </a:schemeClr>
+                  </a:outerShdw>
+                </a:effectLst>
+                <a:latin typeface="Exo 2 Extra Bold" panose="00000900000000000000" pitchFamily="50" charset="0"/>
+              </a:rPr>
+              <a:t>Liga Principal</a:t>
+            </a:r>
+          </a:p>
+        </p:txBody>
+      </p:sp>
+      <p:sp>
+        <p:nvSpPr>
+          <p:cNvPr id="53" name="Retângulo 52">
+            <a:extLst>
+              <a:ext uri="{FF2B5EF4-FFF2-40B4-BE49-F238E27FC236}">
+                <a16:creationId xmlns:a16="http://schemas.microsoft.com/office/drawing/2014/main" id="{F101E0BF-8A68-40B9-BC26-35C299182F52}"/>
+              </a:ext>
+            </a:extLst>
+          </p:cNvPr>
+          <p:cNvSpPr/>
+          <p:nvPr/>
+        </p:nvSpPr>
+        <p:spPr>
+          <a:xfrm>
+            <a:off x="336776" y="1104608"/>
+            <a:ext cx="13909452" cy="1177249"/>
+          </a:xfrm>
+          <a:prstGeom prst="rect">
+            <a:avLst/>
+          </a:prstGeom>
+          <a:noFill/>
+        </p:spPr>
+        <p:txBody>
+          <a:bodyPr wrap="square" lIns="68584" tIns="34292" rIns="68584" bIns="34292">
+            <a:spAutoFit/>
+          </a:bodyPr>
+          <a:lstStyle/>
+          <a:p>
+            <a:pPr algn="ctr"/>
+            <a:r>
+              <a:rPr lang="pt-BR" sz="7200" dirty="0">
+                <a:ln w="0">
+                  <a:noFill/>
+                </a:ln>
+                <a:effectLst>
+                  <a:outerShdw blurRad="38100" dist="19050" dir="2700000" algn="tl" rotWithShape="0">
+                    <a:schemeClr val="dk1">
+                      <a:alpha val="40000"/>
+                    </a:schemeClr>
+                  </a:outerShdw>
+                </a:effectLst>
+                <a:latin typeface="Exo 2 Extra Bold" panose="00000900000000000000" pitchFamily="50" charset="0"/>
+              </a:rPr>
+              <a:t>MATA-MATA SÉRIE A 3</a:t>
+            </a:r>
+          </a:p>
+        </p:txBody>
+      </p:sp>
+      <p:pic>
+        <p:nvPicPr>
+          <p:cNvPr id="15" name="Imagem 14">
+            <a:extLst>
+              <a:ext uri="{FF2B5EF4-FFF2-40B4-BE49-F238E27FC236}">
+                <a16:creationId xmlns:a16="http://schemas.microsoft.com/office/drawing/2014/main" id="{780D6AE4-2B31-43CF-8A3B-9ACC73C32FE9}"/>
+              </a:ext>
+            </a:extLst>
+          </p:cNvPr>
+          <p:cNvPicPr>
+            <a:picLocks noChangeAspect="1"/>
+          </p:cNvPicPr>
+          <p:nvPr/>
+        </p:nvPicPr>
+        <p:blipFill>
+          <a:blip r:embed="rId4">
+            <a:extLst>
+              <a:ext uri="{28A0092B-C50C-407E-A947-70E740481C1C}">
+                <a14:useLocalDpi xmlns:a14="http://schemas.microsoft.com/office/drawing/2010/main" val="0"/>
+              </a:ext>
+            </a:extLst>
+          </a:blip>
+          <a:stretch>
+            <a:fillRect/>
+          </a:stretch>
+        </p:blipFill>
+        <p:spPr>
+          <a:xfrm>
+            <a:off x="336776" y="194284"/>
+            <a:ext cx="2059134" cy="2160000"/>
+          </a:xfrm>
+          <a:prstGeom prst="rect">
+            <a:avLst/>
+          </a:prstGeom>
+        </p:spPr>
+      </p:pic>
+      <p:sp>
+        <p:nvSpPr>
+          <p:cNvPr id="10" name="Retângulo 9">
+            <a:extLst>
+              <a:ext uri="{FF2B5EF4-FFF2-40B4-BE49-F238E27FC236}">
+                <a16:creationId xmlns:a16="http://schemas.microsoft.com/office/drawing/2014/main" id="{838BDC98-3287-4575-8574-56F716FB2440}"/>
+              </a:ext>
+            </a:extLst>
+          </p:cNvPr>
+          <p:cNvSpPr/>
+          <p:nvPr/>
+        </p:nvSpPr>
+        <p:spPr>
+          <a:xfrm>
+            <a:off x="2888673" y="2227185"/>
+            <a:ext cx="8624453" cy="4212000"/>
+          </a:xfrm>
+          <a:prstGeom prst="rect">
+            <a:avLst/>
+          </a:prstGeom>
+          <a:solidFill>
+            <a:schemeClr val="tx1">
+              <a:alpha val="81000"/>
+            </a:schemeClr>
+          </a:solidFill>
+        </p:spPr>
+        <p:style>
+          <a:lnRef idx="2">
+            <a:schemeClr val="accent1">
+              <a:shade val="50000"/>
+            </a:schemeClr>
+          </a:lnRef>
+          <a:fillRef idx="1">
+            <a:schemeClr val="accent1"/>
+          </a:fillRef>
+          <a:effectRef idx="0">
+            <a:schemeClr val="accent1"/>
+          </a:effectRef>
+          <a:fontRef idx="minor">
+            <a:schemeClr val="lt1"/>
+          </a:fontRef>
+        </p:style>
+        <p:txBody>
+          <a:bodyPr rtlCol="0" anchor="ctr"/>
+          <a:lstStyle/>
+          <a:p>
+            <a:pPr algn="ctr"/>
+            <a:endParaRPr lang="pt-BR"/>
+          </a:p>
+        </p:txBody>
+      </p:sp>
+      <p:sp>
+        <p:nvSpPr>
+          <p:cNvPr id="21" name="Retângulo 20">
+            <a:extLst>
+              <a:ext uri="{FF2B5EF4-FFF2-40B4-BE49-F238E27FC236}">
+                <a16:creationId xmlns:a16="http://schemas.microsoft.com/office/drawing/2014/main" id="{95EDB8CB-8377-4925-B478-560C3F615037}"/>
+              </a:ext>
+            </a:extLst>
+          </p:cNvPr>
+          <p:cNvSpPr/>
+          <p:nvPr/>
+        </p:nvSpPr>
+        <p:spPr>
+          <a:xfrm>
+            <a:off x="2887087" y="6505978"/>
+            <a:ext cx="8624453" cy="4212000"/>
+          </a:xfrm>
+          <a:prstGeom prst="rect">
+            <a:avLst/>
+          </a:prstGeom>
+          <a:solidFill>
+            <a:schemeClr val="tx1">
+              <a:alpha val="81000"/>
+            </a:schemeClr>
+          </a:solidFill>
+        </p:spPr>
+        <p:style>
+          <a:lnRef idx="2">
+            <a:schemeClr val="accent1">
+              <a:shade val="50000"/>
+            </a:schemeClr>
+          </a:lnRef>
+          <a:fillRef idx="1">
+            <a:schemeClr val="accent1"/>
+          </a:fillRef>
+          <a:effectRef idx="0">
+            <a:schemeClr val="accent1"/>
+          </a:effectRef>
+          <a:fontRef idx="minor">
+            <a:schemeClr val="lt1"/>
+          </a:fontRef>
+        </p:style>
+        <p:txBody>
+          <a:bodyPr rtlCol="0" anchor="ctr"/>
+          <a:lstStyle/>
+          <a:p>
+            <a:pPr algn="ctr"/>
+            <a:endParaRPr lang="pt-BR"/>
+          </a:p>
+        </p:txBody>
+      </p:sp>
+      <p:sp>
+        <p:nvSpPr>
+          <p:cNvPr id="23" name="Retângulo 22">
+            <a:extLst>
+              <a:ext uri="{FF2B5EF4-FFF2-40B4-BE49-F238E27FC236}">
+                <a16:creationId xmlns:a16="http://schemas.microsoft.com/office/drawing/2014/main" id="{ED87CD67-A438-4F74-986A-3704AF997953}"/>
+              </a:ext>
+            </a:extLst>
+          </p:cNvPr>
+          <p:cNvSpPr/>
+          <p:nvPr/>
+        </p:nvSpPr>
+        <p:spPr>
+          <a:xfrm>
+            <a:off x="5308448" y="2179089"/>
+            <a:ext cx="3789504" cy="684807"/>
+          </a:xfrm>
+          <a:prstGeom prst="rect">
+            <a:avLst/>
+          </a:prstGeom>
+          <a:noFill/>
+        </p:spPr>
+        <p:txBody>
+          <a:bodyPr wrap="square" lIns="68584" tIns="34292" rIns="68584" bIns="34292">
+            <a:spAutoFit/>
+          </a:bodyPr>
+          <a:lstStyle/>
+          <a:p>
+            <a:pPr algn="ctr"/>
+            <a:r>
+              <a:rPr lang="pt-BR" sz="4000" dirty="0">
+                <a:ln w="0">
+                  <a:noFill/>
+                </a:ln>
+                <a:solidFill>
+                  <a:srgbClr val="0070C0"/>
+                </a:solidFill>
+                <a:effectLst>
+                  <a:outerShdw blurRad="38100" dist="19050" dir="2700000" algn="tl" rotWithShape="0">
+                    <a:schemeClr val="dk1">
+                      <a:alpha val="40000"/>
+                    </a:schemeClr>
+                  </a:outerShdw>
+                </a:effectLst>
+                <a:latin typeface="Exo 2 Extra Bold" panose="00000900000000000000" pitchFamily="50" charset="0"/>
+              </a:rPr>
+              <a:t>Chave 1</a:t>
+            </a:r>
+          </a:p>
+        </p:txBody>
+      </p:sp>
+      <p:sp>
+        <p:nvSpPr>
+          <p:cNvPr id="24" name="Retângulo 23">
+            <a:extLst>
+              <a:ext uri="{FF2B5EF4-FFF2-40B4-BE49-F238E27FC236}">
+                <a16:creationId xmlns:a16="http://schemas.microsoft.com/office/drawing/2014/main" id="{522A4ACC-EC27-4A14-BA66-B0EB03535C7B}"/>
+              </a:ext>
+            </a:extLst>
+          </p:cNvPr>
+          <p:cNvSpPr/>
+          <p:nvPr/>
+        </p:nvSpPr>
+        <p:spPr>
+          <a:xfrm>
+            <a:off x="5321993" y="6456434"/>
+            <a:ext cx="3789503" cy="684807"/>
+          </a:xfrm>
+          <a:prstGeom prst="rect">
+            <a:avLst/>
+          </a:prstGeom>
+          <a:noFill/>
+        </p:spPr>
+        <p:txBody>
+          <a:bodyPr wrap="square" lIns="68584" tIns="34292" rIns="68584" bIns="34292">
+            <a:spAutoFit/>
+          </a:bodyPr>
+          <a:lstStyle/>
+          <a:p>
+            <a:pPr algn="ctr"/>
+            <a:r>
+              <a:rPr lang="pt-BR" sz="4000" dirty="0">
+                <a:ln w="0">
+                  <a:noFill/>
+                </a:ln>
+                <a:solidFill>
+                  <a:srgbClr val="0070C0"/>
+                </a:solidFill>
+                <a:effectLst>
+                  <a:outerShdw blurRad="38100" dist="19050" dir="2700000" algn="tl" rotWithShape="0">
+                    <a:schemeClr val="dk1">
+                      <a:alpha val="40000"/>
+                    </a:schemeClr>
+                  </a:outerShdw>
+                </a:effectLst>
+                <a:latin typeface="Exo 2 Extra Bold" panose="00000900000000000000" pitchFamily="50" charset="0"/>
+              </a:rPr>
+              <a:t>Chave 2</a:t>
+            </a:r>
+          </a:p>
+        </p:txBody>
+      </p:sp>
+      <p:pic>
+        <p:nvPicPr>
+          <p:cNvPr id="4" name="Imagem 3">
+            <a:extLst>
+              <a:ext uri="{FF2B5EF4-FFF2-40B4-BE49-F238E27FC236}">
+                <a16:creationId xmlns:a16="http://schemas.microsoft.com/office/drawing/2014/main" id="{6775C613-3F7F-4D89-8BFB-5CB979B73AFD}"/>
+              </a:ext>
+            </a:extLst>
+          </p:cNvPr>
+          <p:cNvPicPr>
+            <a:picLocks noChangeAspect="1"/>
+          </p:cNvPicPr>
+          <p:nvPr/>
+        </p:nvPicPr>
+        <p:blipFill>
+          <a:blip r:embed="rId5"/>
+          <a:stretch>
+            <a:fillRect/>
+          </a:stretch>
+        </p:blipFill>
+        <p:spPr>
+          <a:xfrm>
+            <a:off x="3268658" y="2977242"/>
+            <a:ext cx="7920000" cy="3273293"/>
+          </a:xfrm>
+          <a:prstGeom prst="rect">
+            <a:avLst/>
+          </a:prstGeom>
+        </p:spPr>
+      </p:pic>
+      <p:pic>
+        <p:nvPicPr>
+          <p:cNvPr id="6" name="Imagem 5">
+            <a:extLst>
+              <a:ext uri="{FF2B5EF4-FFF2-40B4-BE49-F238E27FC236}">
+                <a16:creationId xmlns:a16="http://schemas.microsoft.com/office/drawing/2014/main" id="{F9D47498-7D0A-420F-8AA5-6E1F98C6DD0D}"/>
+              </a:ext>
+            </a:extLst>
+          </p:cNvPr>
+          <p:cNvPicPr>
+            <a:picLocks noChangeAspect="1"/>
+          </p:cNvPicPr>
+          <p:nvPr/>
+        </p:nvPicPr>
+        <p:blipFill>
+          <a:blip r:embed="rId6"/>
+          <a:stretch>
+            <a:fillRect/>
+          </a:stretch>
+        </p:blipFill>
+        <p:spPr>
+          <a:xfrm>
+            <a:off x="3267010" y="7190785"/>
+            <a:ext cx="7920000" cy="3273293"/>
+          </a:xfrm>
+          <a:prstGeom prst="rect">
+            <a:avLst/>
+          </a:prstGeom>
+        </p:spPr>
+      </p:pic>
+    </p:spTree>
+    <p:extLst>
+      <p:ext uri="{BB962C8B-B14F-4D97-AF65-F5344CB8AC3E}">
+        <p14:creationId xmlns:p14="http://schemas.microsoft.com/office/powerpoint/2010/main" val="1429784431"/>
       </p:ext>
     </p:extLst>
   </p:cSld>
@@ -8065,7 +9513,7 @@
                 </a:effectLst>
                 <a:latin typeface="Exo 2 Extra Bold" panose="00000900000000000000" pitchFamily="50" charset="0"/>
               </a:rPr>
-              <a:t>MATA-MATA SÉRIE C 2</a:t>
+              <a:t>MATA-MATA SÉRIE C 3</a:t>
             </a:r>
           </a:p>
         </p:txBody>
@@ -8315,7 +9763,7 @@
           <p:cNvPr id="4" name="Imagem 3">
             <a:extLst>
               <a:ext uri="{FF2B5EF4-FFF2-40B4-BE49-F238E27FC236}">
-                <a16:creationId xmlns:a16="http://schemas.microsoft.com/office/drawing/2014/main" id="{512B9476-6A18-41D0-9B5B-12DF7EF0B1C3}"/>
+                <a16:creationId xmlns:a16="http://schemas.microsoft.com/office/drawing/2014/main" id="{CCA30825-B6E4-4780-ACCC-53F5167353E8}"/>
               </a:ext>
             </a:extLst>
           </p:cNvPr>
@@ -8332,7 +9780,7 @@
         </p:blipFill>
         <p:spPr>
           <a:xfrm>
-            <a:off x="3248992" y="2977248"/>
+            <a:off x="3267009" y="2977244"/>
             <a:ext cx="7920000" cy="3273293"/>
           </a:xfrm>
           <a:prstGeom prst="rect">
@@ -8345,7 +9793,7 @@
           <p:cNvPr id="6" name="Imagem 5">
             <a:extLst>
               <a:ext uri="{FF2B5EF4-FFF2-40B4-BE49-F238E27FC236}">
-                <a16:creationId xmlns:a16="http://schemas.microsoft.com/office/drawing/2014/main" id="{5414BE82-7E93-4FD0-B725-E6977C813D18}"/>
+                <a16:creationId xmlns:a16="http://schemas.microsoft.com/office/drawing/2014/main" id="{34BD732B-43D9-45BA-90AB-67B91539CACB}"/>
               </a:ext>
             </a:extLst>
           </p:cNvPr>
@@ -8362,7 +9810,7 @@
         </p:blipFill>
         <p:spPr>
           <a:xfrm>
-            <a:off x="3256744" y="7190785"/>
+            <a:off x="3267009" y="7190785"/>
             <a:ext cx="7920000" cy="3273293"/>
           </a:xfrm>
           <a:prstGeom prst="rect">
@@ -8373,7 +9821,7 @@
     </p:spTree>
     <p:extLst>
       <p:ext uri="{BB962C8B-B14F-4D97-AF65-F5344CB8AC3E}">
-        <p14:creationId xmlns:p14="http://schemas.microsoft.com/office/powerpoint/2010/main" val="1712634555"/>
+        <p14:creationId xmlns:p14="http://schemas.microsoft.com/office/powerpoint/2010/main" val="752585137"/>
       </p:ext>
     </p:extLst>
   </p:cSld>
@@ -8711,10 +10159,10 @@
       </p:pic>
       <p:sp>
         <p:nvSpPr>
-          <p:cNvPr id="50" name="Retângulo 49">
-            <a:extLst>
-              <a:ext uri="{FF2B5EF4-FFF2-40B4-BE49-F238E27FC236}">
-                <a16:creationId xmlns:a16="http://schemas.microsoft.com/office/drawing/2014/main" id="{50614AED-75DE-4550-9029-54313F89BD12}"/>
+          <p:cNvPr id="10" name="Retângulo 9">
+            <a:extLst>
+              <a:ext uri="{FF2B5EF4-FFF2-40B4-BE49-F238E27FC236}">
+                <a16:creationId xmlns:a16="http://schemas.microsoft.com/office/drawing/2014/main" id="{838BDC98-3287-4575-8574-56F716FB2440}"/>
               </a:ext>
             </a:extLst>
           </p:cNvPr>
@@ -8723,145 +10171,8 @@
         </p:nvSpPr>
         <p:spPr>
           <a:xfrm>
-            <a:off x="3186646" y="311571"/>
-            <a:ext cx="8052791" cy="992583"/>
-          </a:xfrm>
-          <a:prstGeom prst="rect">
-            <a:avLst/>
-          </a:prstGeom>
-          <a:noFill/>
-        </p:spPr>
-        <p:txBody>
-          <a:bodyPr wrap="square" lIns="68584" tIns="34292" rIns="68584" bIns="34292">
-            <a:spAutoFit/>
-          </a:bodyPr>
-          <a:lstStyle/>
-          <a:p>
-            <a:pPr algn="ctr"/>
-            <a:r>
-              <a:rPr lang="pt-BR" sz="6000" dirty="0">
-                <a:ln w="38100">
-                  <a:solidFill>
-                    <a:schemeClr val="bg1"/>
-                  </a:solidFill>
-                </a:ln>
-                <a:solidFill>
-                  <a:srgbClr val="00B050"/>
-                </a:solidFill>
-                <a:effectLst>
-                  <a:outerShdw blurRad="38100" dist="19050" dir="2700000" algn="tl" rotWithShape="0">
-                    <a:schemeClr val="dk1">
-                      <a:alpha val="40000"/>
-                    </a:schemeClr>
-                  </a:outerShdw>
-                </a:effectLst>
-                <a:latin typeface="Exo 2 Extra Bold" panose="00000900000000000000" pitchFamily="50" charset="0"/>
-              </a:rPr>
-              <a:t>Liga Principal</a:t>
-            </a:r>
-          </a:p>
-        </p:txBody>
-      </p:sp>
-      <p:sp>
-        <p:nvSpPr>
-          <p:cNvPr id="53" name="Retângulo 52">
-            <a:extLst>
-              <a:ext uri="{FF2B5EF4-FFF2-40B4-BE49-F238E27FC236}">
-                <a16:creationId xmlns:a16="http://schemas.microsoft.com/office/drawing/2014/main" id="{F101E0BF-8A68-40B9-BC26-35C299182F52}"/>
-              </a:ext>
-            </a:extLst>
-          </p:cNvPr>
-          <p:cNvSpPr/>
-          <p:nvPr/>
-        </p:nvSpPr>
-        <p:spPr>
-          <a:xfrm>
-            <a:off x="336776" y="1104608"/>
-            <a:ext cx="13909452" cy="1177249"/>
-          </a:xfrm>
-          <a:prstGeom prst="rect">
-            <a:avLst/>
-          </a:prstGeom>
-          <a:noFill/>
-        </p:spPr>
-        <p:txBody>
-          <a:bodyPr wrap="square" lIns="68584" tIns="34292" rIns="68584" bIns="34292">
-            <a:spAutoFit/>
-          </a:bodyPr>
-          <a:lstStyle/>
-          <a:p>
-            <a:pPr algn="ctr"/>
-            <a:r>
-              <a:rPr lang="pt-BR" sz="7200" dirty="0">
-                <a:ln w="0">
-                  <a:noFill/>
-                </a:ln>
-                <a:effectLst>
-                  <a:outerShdw blurRad="38100" dist="19050" dir="2700000" algn="tl" rotWithShape="0">
-                    <a:schemeClr val="dk1">
-                      <a:alpha val="40000"/>
-                    </a:schemeClr>
-                  </a:outerShdw>
-                </a:effectLst>
-                <a:latin typeface="Exo 2 Extra Bold" panose="00000900000000000000" pitchFamily="50" charset="0"/>
-              </a:rPr>
-              <a:t>MATA-MATA SÉRIE C 2</a:t>
-            </a:r>
-          </a:p>
-        </p:txBody>
-      </p:sp>
-      <p:pic>
-        <p:nvPicPr>
-          <p:cNvPr id="15" name="Imagem 14">
-            <a:extLst>
-              <a:ext uri="{FF2B5EF4-FFF2-40B4-BE49-F238E27FC236}">
-                <a16:creationId xmlns:a16="http://schemas.microsoft.com/office/drawing/2014/main" id="{780D6AE4-2B31-43CF-8A3B-9ACC73C32FE9}"/>
-              </a:ext>
-            </a:extLst>
-          </p:cNvPr>
-          <p:cNvPicPr>
-            <a:picLocks noChangeAspect="1"/>
-          </p:cNvPicPr>
-          <p:nvPr/>
-        </p:nvPicPr>
-        <p:blipFill>
-          <a:blip r:embed="rId4">
-            <a:extLst>
-              <a:ext uri="{28A0092B-C50C-407E-A947-70E740481C1C}">
-                <a14:useLocalDpi xmlns:a14="http://schemas.microsoft.com/office/drawing/2010/main" val="0"/>
-              </a:ext>
-            </a:extLst>
-          </a:blip>
-          <a:stretch>
-            <a:fillRect/>
-          </a:stretch>
-        </p:blipFill>
-        <p:spPr>
-          <a:xfrm>
-            <a:off x="336776" y="194284"/>
-            <a:ext cx="2059134" cy="2160000"/>
-          </a:xfrm>
-          <a:prstGeom prst="rect">
-            <a:avLst/>
-          </a:prstGeom>
-        </p:spPr>
-      </p:pic>
-      <p:sp>
-        <p:nvSpPr>
-          <p:cNvPr id="10" name="Retângulo 9">
-            <a:extLst>
-              <a:ext uri="{FF2B5EF4-FFF2-40B4-BE49-F238E27FC236}">
-                <a16:creationId xmlns:a16="http://schemas.microsoft.com/office/drawing/2014/main" id="{838BDC98-3287-4575-8574-56F716FB2440}"/>
-              </a:ext>
-            </a:extLst>
-          </p:cNvPr>
-          <p:cNvSpPr/>
-          <p:nvPr/>
-        </p:nvSpPr>
-        <p:spPr>
-          <a:xfrm>
-            <a:off x="2888673" y="2227185"/>
-            <a:ext cx="8624453" cy="4212000"/>
+            <a:off x="1" y="2227185"/>
+            <a:ext cx="14398626" cy="4212000"/>
           </a:xfrm>
           <a:prstGeom prst="rect">
             <a:avLst/>
@@ -8911,8 +10222,8 @@
         </p:nvSpPr>
         <p:spPr>
           <a:xfrm>
-            <a:off x="2887087" y="6505978"/>
-            <a:ext cx="8624453" cy="4212000"/>
+            <a:off x="-1" y="6505978"/>
+            <a:ext cx="14400214" cy="4212000"/>
           </a:xfrm>
           <a:prstGeom prst="rect">
             <a:avLst/>
@@ -9050,12 +10361,115 @@
           </a:p>
         </p:txBody>
       </p:sp>
+      <p:sp>
+        <p:nvSpPr>
+          <p:cNvPr id="17" name="Retângulo 16">
+            <a:extLst>
+              <a:ext uri="{FF2B5EF4-FFF2-40B4-BE49-F238E27FC236}">
+                <a16:creationId xmlns:a16="http://schemas.microsoft.com/office/drawing/2014/main" id="{88EB6171-837F-4F70-9333-AE42269DCBC0}"/>
+              </a:ext>
+            </a:extLst>
+          </p:cNvPr>
+          <p:cNvSpPr/>
+          <p:nvPr/>
+        </p:nvSpPr>
+        <p:spPr>
+          <a:xfrm>
+            <a:off x="989921" y="451466"/>
+            <a:ext cx="13909452" cy="1177249"/>
+          </a:xfrm>
+          <a:prstGeom prst="rect">
+            <a:avLst/>
+          </a:prstGeom>
+          <a:noFill/>
+        </p:spPr>
+        <p:txBody>
+          <a:bodyPr wrap="square" lIns="68584" tIns="34292" rIns="68584" bIns="34292">
+            <a:spAutoFit/>
+          </a:bodyPr>
+          <a:lstStyle/>
+          <a:p>
+            <a:pPr algn="ctr"/>
+            <a:r>
+              <a:rPr lang="pt-BR" sz="7200" dirty="0">
+                <a:ln w="0">
+                  <a:noFill/>
+                </a:ln>
+                <a:effectLst>
+                  <a:outerShdw blurRad="38100" dist="19050" dir="2700000" algn="tl" rotWithShape="0">
+                    <a:schemeClr val="dk1">
+                      <a:alpha val="40000"/>
+                    </a:schemeClr>
+                  </a:outerShdw>
+                </a:effectLst>
+                <a:latin typeface="Exo 2 Extra Bold" panose="00000900000000000000" pitchFamily="50" charset="0"/>
+              </a:rPr>
+              <a:t>MATA-MATA EM </a:t>
+            </a:r>
+            <a:r>
+              <a:rPr lang="pt-BR" sz="7200" dirty="0">
+                <a:ln w="0">
+                  <a:noFill/>
+                </a:ln>
+                <a:solidFill>
+                  <a:srgbClr val="00B050"/>
+                </a:solidFill>
+                <a:effectLst>
+                  <a:outerShdw blurRad="38100" dist="19050" dir="2700000" algn="tl" rotWithShape="0">
+                    <a:schemeClr val="dk1">
+                      <a:alpha val="40000"/>
+                    </a:schemeClr>
+                  </a:outerShdw>
+                </a:effectLst>
+                <a:latin typeface="Exo 2 Extra Bold" panose="00000900000000000000" pitchFamily="50" charset="0"/>
+              </a:rPr>
+              <a:t>DUPLAS</a:t>
+            </a:r>
+          </a:p>
+        </p:txBody>
+      </p:sp>
+      <p:pic>
+        <p:nvPicPr>
+          <p:cNvPr id="18" name="Imagem 17">
+            <a:extLst>
+              <a:ext uri="{FF2B5EF4-FFF2-40B4-BE49-F238E27FC236}">
+                <a16:creationId xmlns:a16="http://schemas.microsoft.com/office/drawing/2014/main" id="{A057130B-2A7D-4224-A2B3-9789D5569AB7}"/>
+              </a:ext>
+            </a:extLst>
+          </p:cNvPr>
+          <p:cNvPicPr>
+            <a:picLocks noChangeAspect="1"/>
+          </p:cNvPicPr>
+          <p:nvPr/>
+        </p:nvPicPr>
+        <p:blipFill>
+          <a:blip r:embed="rId4">
+            <a:extLst>
+              <a:ext uri="{28A0092B-C50C-407E-A947-70E740481C1C}">
+                <a14:useLocalDpi xmlns:a14="http://schemas.microsoft.com/office/drawing/2010/main" val="0"/>
+              </a:ext>
+            </a:extLst>
+          </a:blip>
+          <a:stretch>
+            <a:fillRect/>
+          </a:stretch>
+        </p:blipFill>
+        <p:spPr>
+          <a:xfrm>
+            <a:off x="31978" y="-1656"/>
+            <a:ext cx="2059134" cy="2160000"/>
+          </a:xfrm>
+          <a:prstGeom prst="rect">
+            <a:avLst/>
+          </a:prstGeom>
+        </p:spPr>
+      </p:pic>
       <p:pic>
         <p:nvPicPr>
           <p:cNvPr id="2" name="Imagem 1">
             <a:extLst>
               <a:ext uri="{FF2B5EF4-FFF2-40B4-BE49-F238E27FC236}">
-                <a16:creationId xmlns:a16="http://schemas.microsoft.com/office/drawing/2014/main" id="{3B4805D0-300A-4126-9E98-52EFD65B281A}"/>
+                <a16:creationId xmlns:a16="http://schemas.microsoft.com/office/drawing/2014/main" id="{7510BA6F-D14C-435F-8522-5F40C10D107A}"/>
               </a:ext>
             </a:extLst>
           </p:cNvPr>
@@ -9072,8 +10486,8 @@
         </p:blipFill>
         <p:spPr>
           <a:xfrm>
-            <a:off x="3250521" y="2977245"/>
-            <a:ext cx="7920000" cy="3273293"/>
+            <a:off x="127352" y="3145186"/>
+            <a:ext cx="14168703" cy="2880000"/>
           </a:xfrm>
           <a:prstGeom prst="rect">
             <a:avLst/>
@@ -9085,7 +10499,7 @@
           <p:cNvPr id="3" name="Imagem 2">
             <a:extLst>
               <a:ext uri="{FF2B5EF4-FFF2-40B4-BE49-F238E27FC236}">
-                <a16:creationId xmlns:a16="http://schemas.microsoft.com/office/drawing/2014/main" id="{3323EE1A-F29F-457E-BFE1-AEC339BAA3C6}"/>
+                <a16:creationId xmlns:a16="http://schemas.microsoft.com/office/drawing/2014/main" id="{B07718C3-9B00-4B70-9C29-CB43090E454E}"/>
               </a:ext>
             </a:extLst>
           </p:cNvPr>
@@ -9102,8 +10516,8 @@
         </p:blipFill>
         <p:spPr>
           <a:xfrm>
-            <a:off x="3260095" y="7248012"/>
-            <a:ext cx="7920000" cy="3273293"/>
+            <a:off x="137863" y="7358575"/>
+            <a:ext cx="14168703" cy="2880000"/>
           </a:xfrm>
           <a:prstGeom prst="rect">
             <a:avLst/>
@@ -9113,7 +10527,7 @@
     </p:spTree>
     <p:extLst>
       <p:ext uri="{BB962C8B-B14F-4D97-AF65-F5344CB8AC3E}">
-        <p14:creationId xmlns:p14="http://schemas.microsoft.com/office/powerpoint/2010/main" val="4244779241"/>
+        <p14:creationId xmlns:p14="http://schemas.microsoft.com/office/powerpoint/2010/main" val="607086005"/>
       </p:ext>
     </p:extLst>
   </p:cSld>
@@ -9545,7 +10959,7 @@
                 </a:effectLst>
                 <a:latin typeface="Exo 2 Extra Bold" panose="00000900000000000000" pitchFamily="50" charset="0"/>
               </a:rPr>
-              <a:t>MATA-MATA SÉRIE C 2</a:t>
+              <a:t>MATA-MATA SÉRIE A 3</a:t>
             </a:r>
           </a:p>
         </p:txBody>
@@ -9792,10 +11206,10 @@
       </p:sp>
       <p:pic>
         <p:nvPicPr>
-          <p:cNvPr id="2" name="Imagem 1">
-            <a:extLst>
-              <a:ext uri="{FF2B5EF4-FFF2-40B4-BE49-F238E27FC236}">
-                <a16:creationId xmlns:a16="http://schemas.microsoft.com/office/drawing/2014/main" id="{AF775348-342E-47C4-89EE-F209EA8AED5C}"/>
+          <p:cNvPr id="4" name="Imagem 3">
+            <a:extLst>
+              <a:ext uri="{FF2B5EF4-FFF2-40B4-BE49-F238E27FC236}">
+                <a16:creationId xmlns:a16="http://schemas.microsoft.com/office/drawing/2014/main" id="{94148678-E408-4851-8F60-C97707FEF003}"/>
               </a:ext>
             </a:extLst>
           </p:cNvPr>
@@ -9812,7 +11226,7 @@
         </p:blipFill>
         <p:spPr>
           <a:xfrm>
-            <a:off x="2370954" y="3269053"/>
+            <a:off x="2367587" y="3269053"/>
             <a:ext cx="9720000" cy="1881294"/>
           </a:xfrm>
           <a:prstGeom prst="rect">
@@ -9822,10 +11236,10 @@
       </p:pic>
       <p:pic>
         <p:nvPicPr>
-          <p:cNvPr id="3" name="Imagem 2">
-            <a:extLst>
-              <a:ext uri="{FF2B5EF4-FFF2-40B4-BE49-F238E27FC236}">
-                <a16:creationId xmlns:a16="http://schemas.microsoft.com/office/drawing/2014/main" id="{387EBEBF-A691-46F6-9D5E-CCC60E53F97E}"/>
+          <p:cNvPr id="6" name="Imagem 5">
+            <a:extLst>
+              <a:ext uri="{FF2B5EF4-FFF2-40B4-BE49-F238E27FC236}">
+                <a16:creationId xmlns:a16="http://schemas.microsoft.com/office/drawing/2014/main" id="{CE695067-E9EF-4B16-9E30-55A6487F4854}"/>
               </a:ext>
             </a:extLst>
           </p:cNvPr>
@@ -9842,7 +11256,7 @@
         </p:blipFill>
         <p:spPr>
           <a:xfrm>
-            <a:off x="2369191" y="7589429"/>
+            <a:off x="2356939" y="7589429"/>
             <a:ext cx="9720000" cy="1881294"/>
           </a:xfrm>
           <a:prstGeom prst="rect">
@@ -10285,7 +11699,7 @@
                 </a:effectLst>
                 <a:latin typeface="Exo 2 Extra Bold" panose="00000900000000000000" pitchFamily="50" charset="0"/>
               </a:rPr>
-              <a:t>MATA-MATA SÉRIE C 2</a:t>
+              <a:t>MATA-MATA SÉRIE C 3</a:t>
             </a:r>
           </a:p>
         </p:txBody>
@@ -10340,8 +11754,8 @@
         </p:nvSpPr>
         <p:spPr>
           <a:xfrm>
-            <a:off x="581891" y="2892935"/>
-            <a:ext cx="13267927" cy="3039825"/>
+            <a:off x="1911927" y="2227185"/>
+            <a:ext cx="10476677" cy="3934322"/>
           </a:xfrm>
           <a:prstGeom prst="rect">
             <a:avLst/>
@@ -10391,8 +11805,8 @@
         </p:nvSpPr>
         <p:spPr>
           <a:xfrm>
-            <a:off x="581891" y="6704292"/>
-            <a:ext cx="13267927" cy="3038400"/>
+            <a:off x="1911927" y="6505978"/>
+            <a:ext cx="10476677" cy="3934322"/>
           </a:xfrm>
           <a:prstGeom prst="rect">
             <a:avLst/>
@@ -10442,7 +11856,7 @@
         </p:nvSpPr>
         <p:spPr>
           <a:xfrm>
-            <a:off x="5308448" y="2906454"/>
+            <a:off x="5308448" y="2179089"/>
             <a:ext cx="3789504" cy="684807"/>
           </a:xfrm>
           <a:prstGeom prst="rect">
@@ -10493,7 +11907,7 @@
         </p:nvSpPr>
         <p:spPr>
           <a:xfrm>
-            <a:off x="5321993" y="6726594"/>
+            <a:off x="5321993" y="6456434"/>
             <a:ext cx="3789503" cy="684807"/>
           </a:xfrm>
           <a:prstGeom prst="rect">
@@ -10532,10 +11946,10 @@
       </p:sp>
       <p:pic>
         <p:nvPicPr>
-          <p:cNvPr id="2" name="Imagem 1">
-            <a:extLst>
-              <a:ext uri="{FF2B5EF4-FFF2-40B4-BE49-F238E27FC236}">
-                <a16:creationId xmlns:a16="http://schemas.microsoft.com/office/drawing/2014/main" id="{B5C8A060-E06E-4A37-897B-DFAF18FE6269}"/>
+          <p:cNvPr id="4" name="Imagem 3">
+            <a:extLst>
+              <a:ext uri="{FF2B5EF4-FFF2-40B4-BE49-F238E27FC236}">
+                <a16:creationId xmlns:a16="http://schemas.microsoft.com/office/drawing/2014/main" id="{2428D1C9-89C6-49BB-9378-C3C8A8D226D2}"/>
               </a:ext>
             </a:extLst>
           </p:cNvPr>
@@ -10552,8 +11966,8 @@
         </p:blipFill>
         <p:spPr>
           <a:xfrm>
-            <a:off x="902160" y="4017762"/>
-            <a:ext cx="12600000" cy="1054245"/>
+            <a:off x="2367370" y="3287154"/>
+            <a:ext cx="9720000" cy="1881271"/>
           </a:xfrm>
           <a:prstGeom prst="rect">
             <a:avLst/>
@@ -10562,10 +11976,10 @@
       </p:pic>
       <p:pic>
         <p:nvPicPr>
-          <p:cNvPr id="3" name="Imagem 2">
-            <a:extLst>
-              <a:ext uri="{FF2B5EF4-FFF2-40B4-BE49-F238E27FC236}">
-                <a16:creationId xmlns:a16="http://schemas.microsoft.com/office/drawing/2014/main" id="{2D727AB9-B288-40A3-B86F-F255A1B598A5}"/>
+          <p:cNvPr id="6" name="Imagem 5">
+            <a:extLst>
+              <a:ext uri="{FF2B5EF4-FFF2-40B4-BE49-F238E27FC236}">
+                <a16:creationId xmlns:a16="http://schemas.microsoft.com/office/drawing/2014/main" id="{EDF1DAFB-53C5-4CAC-9E3C-DAA8DF2B5EC2}"/>
               </a:ext>
             </a:extLst>
           </p:cNvPr>
@@ -10582,8 +11996,8 @@
         </p:blipFill>
         <p:spPr>
           <a:xfrm>
-            <a:off x="908729" y="7946333"/>
-            <a:ext cx="12600000" cy="1054245"/>
+            <a:off x="2352756" y="7592065"/>
+            <a:ext cx="9720000" cy="1881271"/>
           </a:xfrm>
           <a:prstGeom prst="rect">
             <a:avLst/>
@@ -10593,7 +12007,7 @@
     </p:spTree>
     <p:extLst>
       <p:ext uri="{BB962C8B-B14F-4D97-AF65-F5344CB8AC3E}">
-        <p14:creationId xmlns:p14="http://schemas.microsoft.com/office/powerpoint/2010/main" val="2200666842"/>
+        <p14:creationId xmlns:p14="http://schemas.microsoft.com/office/powerpoint/2010/main" val="93566465"/>
       </p:ext>
     </p:extLst>
   </p:cSld>

--- a/MataMataPlanilha.pptx
+++ b/MataMataPlanilha.pptx
@@ -13,10 +13,12 @@
     <p:sldId id="274" r:id="rId7"/>
     <p:sldId id="276" r:id="rId8"/>
     <p:sldId id="267" r:id="rId9"/>
-    <p:sldId id="278" r:id="rId10"/>
+    <p:sldId id="281" r:id="rId10"/>
     <p:sldId id="277" r:id="rId11"/>
     <p:sldId id="268" r:id="rId12"/>
-    <p:sldId id="269" r:id="rId13"/>
+    <p:sldId id="279" r:id="rId13"/>
+    <p:sldId id="280" r:id="rId14"/>
+    <p:sldId id="269" r:id="rId15"/>
   </p:sldIdLst>
   <p:sldSz cx="14400213" cy="10799763"/>
   <p:notesSz cx="6858000" cy="9144000"/>
@@ -297,7 +299,7 @@
             <a:fld id="{11A6662E-FAF4-44BC-88B5-85A7CBFB6D30}" type="datetime1">
               <a:rPr lang="en-US" smtClean="0"/>
               <a:pPr/>
-              <a:t>8/10/2021</a:t>
+              <a:t>8/17/2021</a:t>
             </a:fld>
             <a:endParaRPr lang="en-US" dirty="0"/>
           </a:p>
@@ -524,7 +526,7 @@
           <a:p>
             <a:fld id="{4C559632-1575-4E14-B53B-3DC3D5ED3947}" type="datetime1">
               <a:rPr lang="en-US" smtClean="0"/>
-              <a:t>8/10/2021</a:t>
+              <a:t>8/17/2021</a:t>
             </a:fld>
             <a:endParaRPr lang="en-US"/>
           </a:p>
@@ -732,7 +734,7 @@
           <a:p>
             <a:fld id="{CC4A6868-2568-4CC9-B302-F37117B01A6E}" type="datetime1">
               <a:rPr lang="en-US" smtClean="0"/>
-              <a:t>8/10/2021</a:t>
+              <a:t>8/17/2021</a:t>
             </a:fld>
             <a:endParaRPr lang="en-US"/>
           </a:p>
@@ -937,7 +939,7 @@
           <a:p>
             <a:fld id="{0055F08A-1E71-4B2B-BB49-E743F2903911}" type="datetime1">
               <a:rPr lang="en-US" smtClean="0"/>
-              <a:t>8/10/2021</a:t>
+              <a:t>8/17/2021</a:t>
             </a:fld>
             <a:endParaRPr lang="en-US" dirty="0"/>
           </a:p>
@@ -1211,7 +1213,7 @@
           <a:p>
             <a:fld id="{15417D9E-721A-44BB-8863-9873FE64DA75}" type="datetime1">
               <a:rPr lang="en-US" smtClean="0"/>
-              <a:t>8/10/2021</a:t>
+              <a:t>8/17/2021</a:t>
             </a:fld>
             <a:endParaRPr lang="en-US"/>
           </a:p>
@@ -1484,7 +1486,7 @@
           <a:p>
             <a:fld id="{5F31DA2F-80B8-49CF-99FB-5ABCA53A607A}" type="datetime1">
               <a:rPr lang="en-US" smtClean="0"/>
-              <a:t>8/10/2021</a:t>
+              <a:t>8/17/2021</a:t>
             </a:fld>
             <a:endParaRPr lang="en-US"/>
           </a:p>
@@ -1899,7 +1901,7 @@
           <a:p>
             <a:fld id="{28852172-E6C9-4B6C-929A-A9DE3837BBF1}" type="datetime1">
               <a:rPr lang="en-US" smtClean="0"/>
-              <a:t>8/10/2021</a:t>
+              <a:t>8/17/2021</a:t>
             </a:fld>
             <a:endParaRPr lang="en-US"/>
           </a:p>
@@ -2051,7 +2053,7 @@
           <a:p>
             <a:fld id="{3AB41CFF-90C9-47B3-9DA1-F2BF8D839F7E}" type="datetime1">
               <a:rPr lang="en-US" smtClean="0"/>
-              <a:t>8/10/2021</a:t>
+              <a:t>8/17/2021</a:t>
             </a:fld>
             <a:endParaRPr lang="en-US"/>
           </a:p>
@@ -2164,7 +2166,7 @@
           <a:p>
             <a:fld id="{F06048FA-06AB-4884-A69B-986B96E68A24}" type="datetime1">
               <a:rPr lang="en-US" smtClean="0"/>
-              <a:t>8/10/2021</a:t>
+              <a:t>8/17/2021</a:t>
             </a:fld>
             <a:endParaRPr lang="en-US"/>
           </a:p>
@@ -2475,7 +2477,7 @@
           <a:p>
             <a:fld id="{50DB7ABA-0172-4F9C-889D-567164F66BCD}" type="datetime1">
               <a:rPr lang="en-US" smtClean="0"/>
-              <a:t>8/10/2021</a:t>
+              <a:t>8/17/2021</a:t>
             </a:fld>
             <a:endParaRPr lang="en-US"/>
           </a:p>
@@ -2766,7 +2768,7 @@
           <a:p>
             <a:fld id="{78AC6A5B-8AE7-4A41-B5A7-9ADC6686DC18}" type="datetime1">
               <a:rPr lang="en-US" smtClean="0"/>
-              <a:t>8/10/2021</a:t>
+              <a:t>8/17/2021</a:t>
             </a:fld>
             <a:endParaRPr lang="en-US"/>
           </a:p>
@@ -3075,7 +3077,7 @@
             <a:fld id="{57E0CF6C-748E-4B7A-BC8B-3011EF78ED13}" type="datetime1">
               <a:rPr lang="en-US" smtClean="0"/>
               <a:pPr/>
-              <a:t>8/10/2021</a:t>
+              <a:t>8/17/2021</a:t>
             </a:fld>
             <a:endParaRPr lang="en-US" dirty="0"/>
           </a:p>
@@ -4618,7 +4620,7 @@
         <p:spPr>
           <a:xfrm>
             <a:off x="-1" y="2227185"/>
-            <a:ext cx="14400214" cy="3934322"/>
+            <a:ext cx="14400214" cy="2116143"/>
           </a:xfrm>
           <a:prstGeom prst="rect">
             <a:avLst/>
@@ -4668,8 +4670,8 @@
         </p:nvSpPr>
         <p:spPr>
           <a:xfrm>
-            <a:off x="-1" y="6505978"/>
-            <a:ext cx="14400213" cy="3934322"/>
+            <a:off x="-1" y="4510923"/>
+            <a:ext cx="14400213" cy="2114696"/>
           </a:xfrm>
           <a:prstGeom prst="rect">
             <a:avLst/>
@@ -4770,7 +4772,7 @@
         </p:nvSpPr>
         <p:spPr>
           <a:xfrm>
-            <a:off x="5321993" y="6456434"/>
+            <a:off x="5321993" y="4461379"/>
             <a:ext cx="3789503" cy="684807"/>
           </a:xfrm>
           <a:prstGeom prst="rect">
@@ -4912,10 +4914,10 @@
       </p:pic>
       <p:pic>
         <p:nvPicPr>
-          <p:cNvPr id="4" name="Imagem 3">
-            <a:extLst>
-              <a:ext uri="{FF2B5EF4-FFF2-40B4-BE49-F238E27FC236}">
-                <a16:creationId xmlns:a16="http://schemas.microsoft.com/office/drawing/2014/main" id="{C2A941AC-22DA-4B86-AC31-3B9EB65FA7DC}"/>
+          <p:cNvPr id="2" name="Imagem 1">
+            <a:extLst>
+              <a:ext uri="{FF2B5EF4-FFF2-40B4-BE49-F238E27FC236}">
+                <a16:creationId xmlns:a16="http://schemas.microsoft.com/office/drawing/2014/main" id="{E6DABCEA-B4EE-4A62-BC2A-8921D9EC088A}"/>
               </a:ext>
             </a:extLst>
           </p:cNvPr>
@@ -4932,8 +4934,8 @@
         </p:blipFill>
         <p:spPr>
           <a:xfrm>
-            <a:off x="439083" y="3578818"/>
-            <a:ext cx="13570795" cy="1260000"/>
+            <a:off x="440545" y="2913799"/>
+            <a:ext cx="13572000" cy="1260102"/>
           </a:xfrm>
           <a:prstGeom prst="rect">
             <a:avLst/>
@@ -4942,10 +4944,10 @@
       </p:pic>
       <p:pic>
         <p:nvPicPr>
-          <p:cNvPr id="6" name="Imagem 5">
-            <a:extLst>
-              <a:ext uri="{FF2B5EF4-FFF2-40B4-BE49-F238E27FC236}">
-                <a16:creationId xmlns:a16="http://schemas.microsoft.com/office/drawing/2014/main" id="{42E7E7BD-AB40-40A6-8270-C2402CC970AB}"/>
+          <p:cNvPr id="3" name="Imagem 2">
+            <a:extLst>
+              <a:ext uri="{FF2B5EF4-FFF2-40B4-BE49-F238E27FC236}">
+                <a16:creationId xmlns:a16="http://schemas.microsoft.com/office/drawing/2014/main" id="{496288C1-0203-4CE9-AEA6-02E6E0D05D11}"/>
               </a:ext>
             </a:extLst>
           </p:cNvPr>
@@ -4962,7 +4964,139 @@
         </p:blipFill>
         <p:spPr>
           <a:xfrm>
-            <a:off x="427213" y="7906684"/>
+            <a:off x="440545" y="5195730"/>
+            <a:ext cx="13572000" cy="1260102"/>
+          </a:xfrm>
+          <a:prstGeom prst="rect">
+            <a:avLst/>
+          </a:prstGeom>
+        </p:spPr>
+      </p:pic>
+      <p:sp>
+        <p:nvSpPr>
+          <p:cNvPr id="19" name="Retângulo 18">
+            <a:extLst>
+              <a:ext uri="{FF2B5EF4-FFF2-40B4-BE49-F238E27FC236}">
+                <a16:creationId xmlns:a16="http://schemas.microsoft.com/office/drawing/2014/main" id="{6E41CDF3-294C-476F-A5F8-9BB13129E4F9}"/>
+              </a:ext>
+            </a:extLst>
+          </p:cNvPr>
+          <p:cNvSpPr/>
+          <p:nvPr/>
+        </p:nvSpPr>
+        <p:spPr>
+          <a:xfrm>
+            <a:off x="0" y="7111645"/>
+            <a:ext cx="14400213" cy="2468774"/>
+          </a:xfrm>
+          <a:prstGeom prst="rect">
+            <a:avLst/>
+          </a:prstGeom>
+          <a:solidFill>
+            <a:schemeClr val="tx1">
+              <a:alpha val="81000"/>
+            </a:schemeClr>
+          </a:solidFill>
+        </p:spPr>
+        <p:style>
+          <a:lnRef idx="2">
+            <a:schemeClr val="accent1">
+              <a:shade val="50000"/>
+            </a:schemeClr>
+          </a:lnRef>
+          <a:fillRef idx="1">
+            <a:schemeClr val="accent1"/>
+          </a:fillRef>
+          <a:effectRef idx="0">
+            <a:schemeClr val="accent1"/>
+          </a:effectRef>
+          <a:fontRef idx="minor">
+            <a:schemeClr val="lt1"/>
+          </a:fontRef>
+        </p:style>
+        <p:txBody>
+          <a:bodyPr rtlCol="0" anchor="ctr"/>
+          <a:lstStyle/>
+          <a:p>
+            <a:pPr algn="ctr"/>
+            <a:endParaRPr lang="pt-BR"/>
+          </a:p>
+        </p:txBody>
+      </p:sp>
+      <p:sp>
+        <p:nvSpPr>
+          <p:cNvPr id="20" name="Retângulo 19">
+            <a:extLst>
+              <a:ext uri="{FF2B5EF4-FFF2-40B4-BE49-F238E27FC236}">
+                <a16:creationId xmlns:a16="http://schemas.microsoft.com/office/drawing/2014/main" id="{03113E6B-E8B7-40A4-ADCA-57903F47A825}"/>
+              </a:ext>
+            </a:extLst>
+          </p:cNvPr>
+          <p:cNvSpPr/>
+          <p:nvPr/>
+        </p:nvSpPr>
+        <p:spPr>
+          <a:xfrm>
+            <a:off x="5308448" y="7125163"/>
+            <a:ext cx="3789504" cy="684807"/>
+          </a:xfrm>
+          <a:prstGeom prst="rect">
+            <a:avLst/>
+          </a:prstGeom>
+          <a:noFill/>
+        </p:spPr>
+        <p:txBody>
+          <a:bodyPr wrap="square" lIns="68584" tIns="34292" rIns="68584" bIns="34292">
+            <a:spAutoFit/>
+          </a:bodyPr>
+          <a:lstStyle/>
+          <a:p>
+            <a:pPr algn="ctr"/>
+            <a:r>
+              <a:rPr lang="pt-BR" sz="4000" dirty="0">
+                <a:ln w="0">
+                  <a:noFill/>
+                </a:ln>
+                <a:solidFill>
+                  <a:srgbClr val="0070C0"/>
+                </a:solidFill>
+                <a:effectLst>
+                  <a:outerShdw blurRad="38100" dist="19050" dir="2700000" algn="tl" rotWithShape="0">
+                    <a:schemeClr val="dk1">
+                      <a:alpha val="40000"/>
+                    </a:schemeClr>
+                  </a:outerShdw>
+                </a:effectLst>
+                <a:latin typeface="Exo 2 Extra Bold" panose="00000900000000000000" pitchFamily="50" charset="0"/>
+              </a:rPr>
+              <a:t>Semifinal</a:t>
+            </a:r>
+          </a:p>
+        </p:txBody>
+      </p:sp>
+      <p:pic>
+        <p:nvPicPr>
+          <p:cNvPr id="22" name="Imagem 21">
+            <a:extLst>
+              <a:ext uri="{FF2B5EF4-FFF2-40B4-BE49-F238E27FC236}">
+                <a16:creationId xmlns:a16="http://schemas.microsoft.com/office/drawing/2014/main" id="{D6E3C0E9-5ED9-46A1-8CDB-9D29B4E00770}"/>
+              </a:ext>
+            </a:extLst>
+          </p:cNvPr>
+          <p:cNvPicPr>
+            <a:picLocks noChangeAspect="1"/>
+          </p:cNvPicPr>
+          <p:nvPr/>
+        </p:nvPicPr>
+        <p:blipFill>
+          <a:blip r:embed="rId7"/>
+          <a:stretch>
+            <a:fillRect/>
+          </a:stretch>
+        </p:blipFill>
+        <p:spPr>
+          <a:xfrm>
+            <a:off x="428660" y="8005055"/>
             <a:ext cx="13570795" cy="1260000"/>
           </a:xfrm>
           <a:prstGeom prst="rect">
@@ -5405,7 +5539,7 @@
                 </a:effectLst>
                 <a:latin typeface="Exo 2 Extra Bold" panose="00000900000000000000" pitchFamily="50" charset="0"/>
               </a:rPr>
-              <a:t>MATA-MATA SÉRIE C 2</a:t>
+              <a:t>MATA-MATA SÉRIE A 3</a:t>
             </a:r>
           </a:p>
         </p:txBody>
@@ -5652,10 +5786,10 @@
       </p:sp>
       <p:pic>
         <p:nvPicPr>
-          <p:cNvPr id="2" name="Imagem 1">
-            <a:extLst>
-              <a:ext uri="{FF2B5EF4-FFF2-40B4-BE49-F238E27FC236}">
-                <a16:creationId xmlns:a16="http://schemas.microsoft.com/office/drawing/2014/main" id="{B5C8A060-E06E-4A37-897B-DFAF18FE6269}"/>
+          <p:cNvPr id="4" name="Imagem 3">
+            <a:extLst>
+              <a:ext uri="{FF2B5EF4-FFF2-40B4-BE49-F238E27FC236}">
+                <a16:creationId xmlns:a16="http://schemas.microsoft.com/office/drawing/2014/main" id="{5CF366E0-D2C5-4FCB-A17F-DA976899D5D0}"/>
               </a:ext>
             </a:extLst>
           </p:cNvPr>
@@ -5672,7 +5806,7 @@
         </p:blipFill>
         <p:spPr>
           <a:xfrm>
-            <a:off x="902160" y="4017762"/>
+            <a:off x="930516" y="4017762"/>
             <a:ext cx="12600000" cy="1054245"/>
           </a:xfrm>
           <a:prstGeom prst="rect">
@@ -5682,10 +5816,10 @@
       </p:pic>
       <p:pic>
         <p:nvPicPr>
-          <p:cNvPr id="3" name="Imagem 2">
-            <a:extLst>
-              <a:ext uri="{FF2B5EF4-FFF2-40B4-BE49-F238E27FC236}">
-                <a16:creationId xmlns:a16="http://schemas.microsoft.com/office/drawing/2014/main" id="{2D727AB9-B288-40A3-B86F-F255A1B598A5}"/>
+          <p:cNvPr id="6" name="Imagem 5">
+            <a:extLst>
+              <a:ext uri="{FF2B5EF4-FFF2-40B4-BE49-F238E27FC236}">
+                <a16:creationId xmlns:a16="http://schemas.microsoft.com/office/drawing/2014/main" id="{CA16256D-0225-495F-B5CC-1A048F9541EA}"/>
               </a:ext>
             </a:extLst>
           </p:cNvPr>
@@ -5702,8 +5836,8 @@
         </p:blipFill>
         <p:spPr>
           <a:xfrm>
-            <a:off x="908729" y="7946333"/>
-            <a:ext cx="12600000" cy="1054245"/>
+            <a:off x="918246" y="7946333"/>
+            <a:ext cx="12600000" cy="1054279"/>
           </a:xfrm>
           <a:prstGeom prst="rect">
             <a:avLst/>
@@ -6041,6 +6175,1422 @@
         </p:blipFill>
         <p:spPr>
           <a:xfrm>
+            <a:off x="-1" y="-248909"/>
+            <a:ext cx="14400213" cy="11147555"/>
+          </a:xfrm>
+          <a:prstGeom prst="rect">
+            <a:avLst/>
+          </a:prstGeom>
+        </p:spPr>
+      </p:pic>
+      <p:sp>
+        <p:nvSpPr>
+          <p:cNvPr id="50" name="Retângulo 49">
+            <a:extLst>
+              <a:ext uri="{FF2B5EF4-FFF2-40B4-BE49-F238E27FC236}">
+                <a16:creationId xmlns:a16="http://schemas.microsoft.com/office/drawing/2014/main" id="{50614AED-75DE-4550-9029-54313F89BD12}"/>
+              </a:ext>
+            </a:extLst>
+          </p:cNvPr>
+          <p:cNvSpPr/>
+          <p:nvPr/>
+        </p:nvSpPr>
+        <p:spPr>
+          <a:xfrm>
+            <a:off x="3186646" y="311571"/>
+            <a:ext cx="8052791" cy="992583"/>
+          </a:xfrm>
+          <a:prstGeom prst="rect">
+            <a:avLst/>
+          </a:prstGeom>
+          <a:noFill/>
+        </p:spPr>
+        <p:txBody>
+          <a:bodyPr wrap="square" lIns="68584" tIns="34292" rIns="68584" bIns="34292">
+            <a:spAutoFit/>
+          </a:bodyPr>
+          <a:lstStyle/>
+          <a:p>
+            <a:pPr algn="ctr"/>
+            <a:r>
+              <a:rPr lang="pt-BR" sz="6000" dirty="0">
+                <a:ln w="38100">
+                  <a:solidFill>
+                    <a:schemeClr val="bg1"/>
+                  </a:solidFill>
+                </a:ln>
+                <a:solidFill>
+                  <a:srgbClr val="00B050"/>
+                </a:solidFill>
+                <a:effectLst>
+                  <a:outerShdw blurRad="38100" dist="19050" dir="2700000" algn="tl" rotWithShape="0">
+                    <a:schemeClr val="dk1">
+                      <a:alpha val="40000"/>
+                    </a:schemeClr>
+                  </a:outerShdw>
+                </a:effectLst>
+                <a:latin typeface="Exo 2 Extra Bold" panose="00000900000000000000" pitchFamily="50" charset="0"/>
+              </a:rPr>
+              <a:t>Liga Principal</a:t>
+            </a:r>
+          </a:p>
+        </p:txBody>
+      </p:sp>
+      <p:sp>
+        <p:nvSpPr>
+          <p:cNvPr id="53" name="Retângulo 52">
+            <a:extLst>
+              <a:ext uri="{FF2B5EF4-FFF2-40B4-BE49-F238E27FC236}">
+                <a16:creationId xmlns:a16="http://schemas.microsoft.com/office/drawing/2014/main" id="{F101E0BF-8A68-40B9-BC26-35C299182F52}"/>
+              </a:ext>
+            </a:extLst>
+          </p:cNvPr>
+          <p:cNvSpPr/>
+          <p:nvPr/>
+        </p:nvSpPr>
+        <p:spPr>
+          <a:xfrm>
+            <a:off x="336776" y="1104608"/>
+            <a:ext cx="13909452" cy="1177249"/>
+          </a:xfrm>
+          <a:prstGeom prst="rect">
+            <a:avLst/>
+          </a:prstGeom>
+          <a:noFill/>
+        </p:spPr>
+        <p:txBody>
+          <a:bodyPr wrap="square" lIns="68584" tIns="34292" rIns="68584" bIns="34292">
+            <a:spAutoFit/>
+          </a:bodyPr>
+          <a:lstStyle/>
+          <a:p>
+            <a:pPr algn="ctr"/>
+            <a:r>
+              <a:rPr lang="pt-BR" sz="7200" dirty="0">
+                <a:ln w="0">
+                  <a:noFill/>
+                </a:ln>
+                <a:effectLst>
+                  <a:outerShdw blurRad="38100" dist="19050" dir="2700000" algn="tl" rotWithShape="0">
+                    <a:schemeClr val="dk1">
+                      <a:alpha val="40000"/>
+                    </a:schemeClr>
+                  </a:outerShdw>
+                </a:effectLst>
+                <a:latin typeface="Exo 2 Extra Bold" panose="00000900000000000000" pitchFamily="50" charset="0"/>
+              </a:rPr>
+              <a:t>MATA-MATA SÉRIE C 3</a:t>
+            </a:r>
+          </a:p>
+        </p:txBody>
+      </p:sp>
+      <p:pic>
+        <p:nvPicPr>
+          <p:cNvPr id="15" name="Imagem 14">
+            <a:extLst>
+              <a:ext uri="{FF2B5EF4-FFF2-40B4-BE49-F238E27FC236}">
+                <a16:creationId xmlns:a16="http://schemas.microsoft.com/office/drawing/2014/main" id="{780D6AE4-2B31-43CF-8A3B-9ACC73C32FE9}"/>
+              </a:ext>
+            </a:extLst>
+          </p:cNvPr>
+          <p:cNvPicPr>
+            <a:picLocks noChangeAspect="1"/>
+          </p:cNvPicPr>
+          <p:nvPr/>
+        </p:nvPicPr>
+        <p:blipFill>
+          <a:blip r:embed="rId4">
+            <a:extLst>
+              <a:ext uri="{28A0092B-C50C-407E-A947-70E740481C1C}">
+                <a14:useLocalDpi xmlns:a14="http://schemas.microsoft.com/office/drawing/2010/main" val="0"/>
+              </a:ext>
+            </a:extLst>
+          </a:blip>
+          <a:stretch>
+            <a:fillRect/>
+          </a:stretch>
+        </p:blipFill>
+        <p:spPr>
+          <a:xfrm>
+            <a:off x="336776" y="194284"/>
+            <a:ext cx="2059134" cy="2160000"/>
+          </a:xfrm>
+          <a:prstGeom prst="rect">
+            <a:avLst/>
+          </a:prstGeom>
+        </p:spPr>
+      </p:pic>
+      <p:sp>
+        <p:nvSpPr>
+          <p:cNvPr id="10" name="Retângulo 9">
+            <a:extLst>
+              <a:ext uri="{FF2B5EF4-FFF2-40B4-BE49-F238E27FC236}">
+                <a16:creationId xmlns:a16="http://schemas.microsoft.com/office/drawing/2014/main" id="{838BDC98-3287-4575-8574-56F716FB2440}"/>
+              </a:ext>
+            </a:extLst>
+          </p:cNvPr>
+          <p:cNvSpPr/>
+          <p:nvPr/>
+        </p:nvSpPr>
+        <p:spPr>
+          <a:xfrm>
+            <a:off x="581891" y="2892935"/>
+            <a:ext cx="13267927" cy="3039825"/>
+          </a:xfrm>
+          <a:prstGeom prst="rect">
+            <a:avLst/>
+          </a:prstGeom>
+          <a:solidFill>
+            <a:schemeClr val="tx1">
+              <a:alpha val="81000"/>
+            </a:schemeClr>
+          </a:solidFill>
+        </p:spPr>
+        <p:style>
+          <a:lnRef idx="2">
+            <a:schemeClr val="accent1">
+              <a:shade val="50000"/>
+            </a:schemeClr>
+          </a:lnRef>
+          <a:fillRef idx="1">
+            <a:schemeClr val="accent1"/>
+          </a:fillRef>
+          <a:effectRef idx="0">
+            <a:schemeClr val="accent1"/>
+          </a:effectRef>
+          <a:fontRef idx="minor">
+            <a:schemeClr val="lt1"/>
+          </a:fontRef>
+        </p:style>
+        <p:txBody>
+          <a:bodyPr rtlCol="0" anchor="ctr"/>
+          <a:lstStyle/>
+          <a:p>
+            <a:pPr algn="ctr"/>
+            <a:endParaRPr lang="pt-BR"/>
+          </a:p>
+        </p:txBody>
+      </p:sp>
+      <p:sp>
+        <p:nvSpPr>
+          <p:cNvPr id="21" name="Retângulo 20">
+            <a:extLst>
+              <a:ext uri="{FF2B5EF4-FFF2-40B4-BE49-F238E27FC236}">
+                <a16:creationId xmlns:a16="http://schemas.microsoft.com/office/drawing/2014/main" id="{95EDB8CB-8377-4925-B478-560C3F615037}"/>
+              </a:ext>
+            </a:extLst>
+          </p:cNvPr>
+          <p:cNvSpPr/>
+          <p:nvPr/>
+        </p:nvSpPr>
+        <p:spPr>
+          <a:xfrm>
+            <a:off x="581891" y="6704292"/>
+            <a:ext cx="13267927" cy="3038400"/>
+          </a:xfrm>
+          <a:prstGeom prst="rect">
+            <a:avLst/>
+          </a:prstGeom>
+          <a:solidFill>
+            <a:schemeClr val="tx1">
+              <a:alpha val="81000"/>
+            </a:schemeClr>
+          </a:solidFill>
+        </p:spPr>
+        <p:style>
+          <a:lnRef idx="2">
+            <a:schemeClr val="accent1">
+              <a:shade val="50000"/>
+            </a:schemeClr>
+          </a:lnRef>
+          <a:fillRef idx="1">
+            <a:schemeClr val="accent1"/>
+          </a:fillRef>
+          <a:effectRef idx="0">
+            <a:schemeClr val="accent1"/>
+          </a:effectRef>
+          <a:fontRef idx="minor">
+            <a:schemeClr val="lt1"/>
+          </a:fontRef>
+        </p:style>
+        <p:txBody>
+          <a:bodyPr rtlCol="0" anchor="ctr"/>
+          <a:lstStyle/>
+          <a:p>
+            <a:pPr algn="ctr"/>
+            <a:endParaRPr lang="pt-BR"/>
+          </a:p>
+        </p:txBody>
+      </p:sp>
+      <p:sp>
+        <p:nvSpPr>
+          <p:cNvPr id="23" name="Retângulo 22">
+            <a:extLst>
+              <a:ext uri="{FF2B5EF4-FFF2-40B4-BE49-F238E27FC236}">
+                <a16:creationId xmlns:a16="http://schemas.microsoft.com/office/drawing/2014/main" id="{ED87CD67-A438-4F74-986A-3704AF997953}"/>
+              </a:ext>
+            </a:extLst>
+          </p:cNvPr>
+          <p:cNvSpPr/>
+          <p:nvPr/>
+        </p:nvSpPr>
+        <p:spPr>
+          <a:xfrm>
+            <a:off x="5308448" y="2906454"/>
+            <a:ext cx="3789504" cy="684807"/>
+          </a:xfrm>
+          <a:prstGeom prst="rect">
+            <a:avLst/>
+          </a:prstGeom>
+          <a:noFill/>
+        </p:spPr>
+        <p:txBody>
+          <a:bodyPr wrap="square" lIns="68584" tIns="34292" rIns="68584" bIns="34292">
+            <a:spAutoFit/>
+          </a:bodyPr>
+          <a:lstStyle/>
+          <a:p>
+            <a:pPr algn="ctr"/>
+            <a:r>
+              <a:rPr lang="pt-BR" sz="4000" dirty="0">
+                <a:ln w="0">
+                  <a:noFill/>
+                </a:ln>
+                <a:solidFill>
+                  <a:srgbClr val="0070C0"/>
+                </a:solidFill>
+                <a:effectLst>
+                  <a:outerShdw blurRad="38100" dist="19050" dir="2700000" algn="tl" rotWithShape="0">
+                    <a:schemeClr val="dk1">
+                      <a:alpha val="40000"/>
+                    </a:schemeClr>
+                  </a:outerShdw>
+                </a:effectLst>
+                <a:latin typeface="Exo 2 Extra Bold" panose="00000900000000000000" pitchFamily="50" charset="0"/>
+              </a:rPr>
+              <a:t>Chave 1</a:t>
+            </a:r>
+          </a:p>
+        </p:txBody>
+      </p:sp>
+      <p:sp>
+        <p:nvSpPr>
+          <p:cNvPr id="24" name="Retângulo 23">
+            <a:extLst>
+              <a:ext uri="{FF2B5EF4-FFF2-40B4-BE49-F238E27FC236}">
+                <a16:creationId xmlns:a16="http://schemas.microsoft.com/office/drawing/2014/main" id="{522A4ACC-EC27-4A14-BA66-B0EB03535C7B}"/>
+              </a:ext>
+            </a:extLst>
+          </p:cNvPr>
+          <p:cNvSpPr/>
+          <p:nvPr/>
+        </p:nvSpPr>
+        <p:spPr>
+          <a:xfrm>
+            <a:off x="5321993" y="6726594"/>
+            <a:ext cx="3789503" cy="684807"/>
+          </a:xfrm>
+          <a:prstGeom prst="rect">
+            <a:avLst/>
+          </a:prstGeom>
+          <a:noFill/>
+        </p:spPr>
+        <p:txBody>
+          <a:bodyPr wrap="square" lIns="68584" tIns="34292" rIns="68584" bIns="34292">
+            <a:spAutoFit/>
+          </a:bodyPr>
+          <a:lstStyle/>
+          <a:p>
+            <a:pPr algn="ctr"/>
+            <a:r>
+              <a:rPr lang="pt-BR" sz="4000" dirty="0">
+                <a:ln w="0">
+                  <a:noFill/>
+                </a:ln>
+                <a:solidFill>
+                  <a:srgbClr val="0070C0"/>
+                </a:solidFill>
+                <a:effectLst>
+                  <a:outerShdw blurRad="38100" dist="19050" dir="2700000" algn="tl" rotWithShape="0">
+                    <a:schemeClr val="dk1">
+                      <a:alpha val="40000"/>
+                    </a:schemeClr>
+                  </a:outerShdw>
+                </a:effectLst>
+                <a:latin typeface="Exo 2 Extra Bold" panose="00000900000000000000" pitchFamily="50" charset="0"/>
+              </a:rPr>
+              <a:t>Chave 2</a:t>
+            </a:r>
+          </a:p>
+        </p:txBody>
+      </p:sp>
+      <p:pic>
+        <p:nvPicPr>
+          <p:cNvPr id="4" name="Imagem 3">
+            <a:extLst>
+              <a:ext uri="{FF2B5EF4-FFF2-40B4-BE49-F238E27FC236}">
+                <a16:creationId xmlns:a16="http://schemas.microsoft.com/office/drawing/2014/main" id="{595D0380-36B5-417C-A283-D734C6988265}"/>
+              </a:ext>
+            </a:extLst>
+          </p:cNvPr>
+          <p:cNvPicPr>
+            <a:picLocks noChangeAspect="1"/>
+          </p:cNvPicPr>
+          <p:nvPr/>
+        </p:nvPicPr>
+        <p:blipFill>
+          <a:blip r:embed="rId5"/>
+          <a:stretch>
+            <a:fillRect/>
+          </a:stretch>
+        </p:blipFill>
+        <p:spPr>
+          <a:xfrm>
+            <a:off x="924882" y="4017759"/>
+            <a:ext cx="12600000" cy="1054279"/>
+          </a:xfrm>
+          <a:prstGeom prst="rect">
+            <a:avLst/>
+          </a:prstGeom>
+        </p:spPr>
+      </p:pic>
+      <p:pic>
+        <p:nvPicPr>
+          <p:cNvPr id="6" name="Imagem 5">
+            <a:extLst>
+              <a:ext uri="{FF2B5EF4-FFF2-40B4-BE49-F238E27FC236}">
+                <a16:creationId xmlns:a16="http://schemas.microsoft.com/office/drawing/2014/main" id="{31E664DF-5DD8-44E6-8E6F-512A04160728}"/>
+              </a:ext>
+            </a:extLst>
+          </p:cNvPr>
+          <p:cNvPicPr>
+            <a:picLocks noChangeAspect="1"/>
+          </p:cNvPicPr>
+          <p:nvPr/>
+        </p:nvPicPr>
+        <p:blipFill>
+          <a:blip r:embed="rId6"/>
+          <a:stretch>
+            <a:fillRect/>
+          </a:stretch>
+        </p:blipFill>
+        <p:spPr>
+          <a:xfrm>
+            <a:off x="921597" y="7945663"/>
+            <a:ext cx="12600000" cy="1054279"/>
+          </a:xfrm>
+          <a:prstGeom prst="rect">
+            <a:avLst/>
+          </a:prstGeom>
+        </p:spPr>
+      </p:pic>
+    </p:spTree>
+    <p:extLst>
+      <p:ext uri="{BB962C8B-B14F-4D97-AF65-F5344CB8AC3E}">
+        <p14:creationId xmlns:p14="http://schemas.microsoft.com/office/powerpoint/2010/main" val="984674890"/>
+      </p:ext>
+    </p:extLst>
+  </p:cSld>
+  <p:clrMapOvr>
+    <a:masterClrMapping/>
+  </p:clrMapOvr>
+</p:sld>
+</file>
+
+<file path=ppt/slides/slide13.xml><?xml version="1.0" encoding="utf-8"?>
+<p:sld xmlns:a="http://schemas.openxmlformats.org/drawingml/2006/main" xmlns:r="http://schemas.openxmlformats.org/officeDocument/2006/relationships" xmlns:p="http://schemas.openxmlformats.org/presentationml/2006/main">
+  <p:cSld>
+    <p:bg>
+      <p:bgPr>
+        <a:solidFill>
+          <a:schemeClr val="bg1"/>
+        </a:solidFill>
+        <a:effectLst/>
+      </p:bgPr>
+    </p:bg>
+    <p:spTree>
+      <p:nvGrpSpPr>
+        <p:cNvPr id="1" name=""/>
+        <p:cNvGrpSpPr/>
+        <p:nvPr/>
+      </p:nvGrpSpPr>
+      <p:grpSpPr>
+        <a:xfrm>
+          <a:off x="0" y="0"/>
+          <a:ext cx="0" cy="0"/>
+          <a:chOff x="0" y="0"/>
+          <a:chExt cx="0" cy="0"/>
+        </a:xfrm>
+      </p:grpSpPr>
+      <p:sp>
+        <p:nvSpPr>
+          <p:cNvPr id="13" name="Rectangle 9">
+            <a:extLst>
+              <a:ext uri="{FF2B5EF4-FFF2-40B4-BE49-F238E27FC236}">
+                <a16:creationId xmlns:a16="http://schemas.microsoft.com/office/drawing/2014/main" id="{0BABF38A-8A0D-492E-BD20-6CF4D46B50BD}"/>
+              </a:ext>
+              <a:ext uri="{C183D7F6-B498-43B3-948B-1728B52AA6E4}">
+                <adec:decorative xmlns:adec="http://schemas.microsoft.com/office/drawing/2017/decorative" val="1"/>
+              </a:ext>
+            </a:extLst>
+          </p:cNvPr>
+          <p:cNvSpPr>
+            <a:spLocks noGrp="1" noRot="1" noChangeAspect="1" noMove="1" noResize="1" noEditPoints="1" noAdjustHandles="1" noChangeArrowheads="1" noChangeShapeType="1" noTextEdit="1"/>
+          </p:cNvSpPr>
+          <p:nvPr>
+            <p:extLst>
+              <p:ext uri="{386F3935-93C4-4BCD-93E2-E3B085C9AB24}">
+                <p16:designElem xmlns:p16="http://schemas.microsoft.com/office/powerpoint/2015/main" val="1"/>
+              </p:ext>
+            </p:extLst>
+          </p:nvPr>
+        </p:nvSpPr>
+        <p:spPr>
+          <a:xfrm>
+            <a:off x="3149972" y="3121681"/>
+            <a:ext cx="8100269" cy="4556404"/>
+          </a:xfrm>
+          <a:prstGeom prst="rect">
+            <a:avLst/>
+          </a:prstGeom>
+          <a:solidFill>
+            <a:schemeClr val="bg2">
+              <a:lumMod val="90000"/>
+              <a:alpha val="70000"/>
+            </a:schemeClr>
+          </a:solidFill>
+          <a:ln>
+            <a:noFill/>
+          </a:ln>
+        </p:spPr>
+        <p:style>
+          <a:lnRef idx="2">
+            <a:schemeClr val="accent1">
+              <a:shade val="50000"/>
+            </a:schemeClr>
+          </a:lnRef>
+          <a:fillRef idx="1">
+            <a:schemeClr val="accent1"/>
+          </a:fillRef>
+          <a:effectRef idx="0">
+            <a:schemeClr val="accent1"/>
+          </a:effectRef>
+          <a:fontRef idx="minor">
+            <a:schemeClr val="lt1"/>
+          </a:fontRef>
+        </p:style>
+        <p:txBody>
+          <a:bodyPr rtlCol="0" anchor="ctr"/>
+          <a:lstStyle/>
+          <a:p>
+            <a:pPr algn="ctr">
+              <a:defRPr/>
+            </a:pPr>
+            <a:endParaRPr lang="en-US" sz="1196" dirty="0">
+              <a:solidFill>
+                <a:prstClr val="black">
+                  <a:lumMod val="65000"/>
+                  <a:lumOff val="35000"/>
+                </a:prstClr>
+              </a:solidFill>
+              <a:latin typeface="AvenirNext LT Pro Medium" panose="020B0504020202020204" pitchFamily="34" charset="0"/>
+            </a:endParaRPr>
+          </a:p>
+        </p:txBody>
+      </p:sp>
+      <p:pic>
+        <p:nvPicPr>
+          <p:cNvPr id="12" name="Picture 11">
+            <a:extLst>
+              <a:ext uri="{FF2B5EF4-FFF2-40B4-BE49-F238E27FC236}">
+                <a16:creationId xmlns:a16="http://schemas.microsoft.com/office/drawing/2014/main" id="{BC526B7A-4801-4FD1-95C8-03AF22629E87}"/>
+              </a:ext>
+              <a:ext uri="{C183D7F6-B498-43B3-948B-1728B52AA6E4}">
+                <adec:decorative xmlns:adec="http://schemas.microsoft.com/office/drawing/2017/decorative" val="1"/>
+              </a:ext>
+            </a:extLst>
+          </p:cNvPr>
+          <p:cNvPicPr>
+            <a:picLocks noGrp="1" noRot="1" noChangeAspect="1" noMove="1" noResize="1" noEditPoints="1" noAdjustHandles="1" noChangeArrowheads="1" noChangeShapeType="1" noCrop="1"/>
+          </p:cNvPicPr>
+          <p:nvPr>
+            <p:extLst>
+              <p:ext uri="{386F3935-93C4-4BCD-93E2-E3B085C9AB24}">
+                <p16:designElem xmlns:p16="http://schemas.microsoft.com/office/powerpoint/2015/main" val="1"/>
+              </p:ext>
+            </p:extLst>
+          </p:nvPr>
+        </p:nvPicPr>
+        <p:blipFill>
+          <a:blip r:embed="rId2">
+            <a:alphaModFix amt="10000"/>
+            <a:extLst>
+              <a:ext uri="{28A0092B-C50C-407E-A947-70E740481C1C}">
+                <a14:useLocalDpi xmlns:a14="http://schemas.microsoft.com/office/drawing/2010/main" val="0"/>
+              </a:ext>
+            </a:extLst>
+          </a:blip>
+          <a:stretch>
+            <a:fillRect/>
+          </a:stretch>
+        </p:blipFill>
+        <p:spPr>
+          <a:xfrm>
+            <a:off x="8820159" y="3121682"/>
+            <a:ext cx="2428095" cy="3039825"/>
+          </a:xfrm>
+          <a:prstGeom prst="rect">
+            <a:avLst/>
+          </a:prstGeom>
+        </p:spPr>
+      </p:pic>
+      <p:sp useBgFill="1">
+        <p:nvSpPr>
+          <p:cNvPr id="14" name="Rectangle 13">
+            <a:extLst>
+              <a:ext uri="{FF2B5EF4-FFF2-40B4-BE49-F238E27FC236}">
+                <a16:creationId xmlns:a16="http://schemas.microsoft.com/office/drawing/2014/main" id="{37FDDF72-DE39-4F99-A3C1-DD9D7815D7DB}"/>
+              </a:ext>
+              <a:ext uri="{C183D7F6-B498-43B3-948B-1728B52AA6E4}">
+                <adec:decorative xmlns:adec="http://schemas.microsoft.com/office/drawing/2017/decorative" val="1"/>
+              </a:ext>
+            </a:extLst>
+          </p:cNvPr>
+          <p:cNvSpPr>
+            <a:spLocks noGrp="1" noRot="1" noChangeAspect="1" noMove="1" noResize="1" noEditPoints="1" noAdjustHandles="1" noChangeArrowheads="1" noChangeShapeType="1" noTextEdit="1"/>
+          </p:cNvSpPr>
+          <p:nvPr>
+            <p:extLst>
+              <p:ext uri="{386F3935-93C4-4BCD-93E2-E3B085C9AB24}">
+                <p16:designElem xmlns:p16="http://schemas.microsoft.com/office/powerpoint/2015/main" val="1"/>
+              </p:ext>
+            </p:extLst>
+          </p:nvPr>
+        </p:nvSpPr>
+        <p:spPr>
+          <a:xfrm>
+            <a:off x="3149972" y="3121681"/>
+            <a:ext cx="8100269" cy="4556401"/>
+          </a:xfrm>
+          <a:prstGeom prst="rect">
+            <a:avLst/>
+          </a:prstGeom>
+          <a:ln>
+            <a:noFill/>
+          </a:ln>
+        </p:spPr>
+        <p:style>
+          <a:lnRef idx="2">
+            <a:schemeClr val="accent1">
+              <a:shade val="50000"/>
+            </a:schemeClr>
+          </a:lnRef>
+          <a:fillRef idx="1">
+            <a:schemeClr val="accent1"/>
+          </a:fillRef>
+          <a:effectRef idx="0">
+            <a:schemeClr val="accent1"/>
+          </a:effectRef>
+          <a:fontRef idx="minor">
+            <a:schemeClr val="lt1"/>
+          </a:fontRef>
+        </p:style>
+        <p:txBody>
+          <a:bodyPr rtlCol="0" anchor="ctr"/>
+          <a:lstStyle/>
+          <a:p>
+            <a:pPr algn="ctr">
+              <a:defRPr/>
+            </a:pPr>
+            <a:endParaRPr lang="en-US" sz="1196" dirty="0">
+              <a:solidFill>
+                <a:prstClr val="black">
+                  <a:lumMod val="65000"/>
+                  <a:lumOff val="35000"/>
+                </a:prstClr>
+              </a:solidFill>
+              <a:latin typeface="AvenirNext LT Pro Medium" panose="020B0504020202020204" pitchFamily="34" charset="0"/>
+            </a:endParaRPr>
+          </a:p>
+        </p:txBody>
+      </p:sp>
+      <p:sp>
+        <p:nvSpPr>
+          <p:cNvPr id="16" name="Rectangle 15">
+            <a:extLst>
+              <a:ext uri="{FF2B5EF4-FFF2-40B4-BE49-F238E27FC236}">
+                <a16:creationId xmlns:a16="http://schemas.microsoft.com/office/drawing/2014/main" id="{5E4ECE80-3AD1-450C-B62A-98788F193948}"/>
+              </a:ext>
+              <a:ext uri="{C183D7F6-B498-43B3-948B-1728B52AA6E4}">
+                <adec:decorative xmlns:adec="http://schemas.microsoft.com/office/drawing/2017/decorative" val="1"/>
+              </a:ext>
+            </a:extLst>
+          </p:cNvPr>
+          <p:cNvSpPr>
+            <a:spLocks noGrp="1" noRot="1" noChangeAspect="1" noMove="1" noResize="1" noEditPoints="1" noAdjustHandles="1" noChangeArrowheads="1" noChangeShapeType="1" noTextEdit="1"/>
+          </p:cNvSpPr>
+          <p:nvPr>
+            <p:extLst>
+              <p:ext uri="{386F3935-93C4-4BCD-93E2-E3B085C9AB24}">
+                <p16:designElem xmlns:p16="http://schemas.microsoft.com/office/powerpoint/2015/main" val="1"/>
+              </p:ext>
+            </p:extLst>
+          </p:nvPr>
+        </p:nvSpPr>
+        <p:spPr>
+          <a:xfrm>
+            <a:off x="3149972" y="3121681"/>
+            <a:ext cx="8100269" cy="4556401"/>
+          </a:xfrm>
+          <a:prstGeom prst="rect">
+            <a:avLst/>
+          </a:prstGeom>
+          <a:solidFill>
+            <a:srgbClr val="000000"/>
+          </a:solidFill>
+          <a:ln>
+            <a:noFill/>
+          </a:ln>
+        </p:spPr>
+        <p:style>
+          <a:lnRef idx="2">
+            <a:schemeClr val="accent1">
+              <a:shade val="50000"/>
+            </a:schemeClr>
+          </a:lnRef>
+          <a:fillRef idx="1">
+            <a:schemeClr val="accent1"/>
+          </a:fillRef>
+          <a:effectRef idx="0">
+            <a:schemeClr val="accent1"/>
+          </a:effectRef>
+          <a:fontRef idx="minor">
+            <a:schemeClr val="lt1"/>
+          </a:fontRef>
+        </p:style>
+        <p:txBody>
+          <a:bodyPr rtlCol="0" anchor="ctr"/>
+          <a:lstStyle/>
+          <a:p>
+            <a:pPr algn="ctr">
+              <a:defRPr/>
+            </a:pPr>
+            <a:endParaRPr lang="en-US" sz="1196" dirty="0">
+              <a:solidFill>
+                <a:prstClr val="black">
+                  <a:lumMod val="65000"/>
+                  <a:lumOff val="35000"/>
+                </a:prstClr>
+              </a:solidFill>
+              <a:latin typeface="AvenirNext LT Pro Medium" panose="020B0504020202020204" pitchFamily="34" charset="0"/>
+            </a:endParaRPr>
+          </a:p>
+        </p:txBody>
+      </p:sp>
+      <p:pic>
+        <p:nvPicPr>
+          <p:cNvPr id="5" name="Imagem 4">
+            <a:extLst>
+              <a:ext uri="{FF2B5EF4-FFF2-40B4-BE49-F238E27FC236}">
+                <a16:creationId xmlns:a16="http://schemas.microsoft.com/office/drawing/2014/main" id="{F1433EF1-FB6D-4913-96C9-08F0B1B3CA7A}"/>
+              </a:ext>
+            </a:extLst>
+          </p:cNvPr>
+          <p:cNvPicPr>
+            <a:picLocks noChangeAspect="1"/>
+          </p:cNvPicPr>
+          <p:nvPr/>
+        </p:nvPicPr>
+        <p:blipFill rotWithShape="1">
+          <a:blip r:embed="rId3">
+            <a:alphaModFix/>
+            <a:extLst>
+              <a:ext uri="{28A0092B-C50C-407E-A947-70E740481C1C}">
+                <a14:useLocalDpi xmlns:a14="http://schemas.microsoft.com/office/drawing/2010/main" val="0"/>
+              </a:ext>
+            </a:extLst>
+          </a:blip>
+          <a:srcRect l="5233" t="-2125" r="6244" b="-538"/>
+          <a:stretch/>
+        </p:blipFill>
+        <p:spPr>
+          <a:xfrm>
+            <a:off x="-1" y="-248909"/>
+            <a:ext cx="14400213" cy="11147555"/>
+          </a:xfrm>
+          <a:prstGeom prst="rect">
+            <a:avLst/>
+          </a:prstGeom>
+        </p:spPr>
+      </p:pic>
+      <p:sp>
+        <p:nvSpPr>
+          <p:cNvPr id="10" name="Retângulo 9">
+            <a:extLst>
+              <a:ext uri="{FF2B5EF4-FFF2-40B4-BE49-F238E27FC236}">
+                <a16:creationId xmlns:a16="http://schemas.microsoft.com/office/drawing/2014/main" id="{838BDC98-3287-4575-8574-56F716FB2440}"/>
+              </a:ext>
+            </a:extLst>
+          </p:cNvPr>
+          <p:cNvSpPr/>
+          <p:nvPr/>
+        </p:nvSpPr>
+        <p:spPr>
+          <a:xfrm>
+            <a:off x="0" y="2892935"/>
+            <a:ext cx="14400213" cy="3039825"/>
+          </a:xfrm>
+          <a:prstGeom prst="rect">
+            <a:avLst/>
+          </a:prstGeom>
+          <a:solidFill>
+            <a:schemeClr val="tx1">
+              <a:alpha val="81000"/>
+            </a:schemeClr>
+          </a:solidFill>
+        </p:spPr>
+        <p:style>
+          <a:lnRef idx="2">
+            <a:schemeClr val="accent1">
+              <a:shade val="50000"/>
+            </a:schemeClr>
+          </a:lnRef>
+          <a:fillRef idx="1">
+            <a:schemeClr val="accent1"/>
+          </a:fillRef>
+          <a:effectRef idx="0">
+            <a:schemeClr val="accent1"/>
+          </a:effectRef>
+          <a:fontRef idx="minor">
+            <a:schemeClr val="lt1"/>
+          </a:fontRef>
+        </p:style>
+        <p:txBody>
+          <a:bodyPr rtlCol="0" anchor="ctr"/>
+          <a:lstStyle/>
+          <a:p>
+            <a:pPr algn="ctr"/>
+            <a:endParaRPr lang="pt-BR"/>
+          </a:p>
+        </p:txBody>
+      </p:sp>
+      <p:sp>
+        <p:nvSpPr>
+          <p:cNvPr id="21" name="Retângulo 20">
+            <a:extLst>
+              <a:ext uri="{FF2B5EF4-FFF2-40B4-BE49-F238E27FC236}">
+                <a16:creationId xmlns:a16="http://schemas.microsoft.com/office/drawing/2014/main" id="{95EDB8CB-8377-4925-B478-560C3F615037}"/>
+              </a:ext>
+            </a:extLst>
+          </p:cNvPr>
+          <p:cNvSpPr/>
+          <p:nvPr/>
+        </p:nvSpPr>
+        <p:spPr>
+          <a:xfrm>
+            <a:off x="-2" y="6704292"/>
+            <a:ext cx="14400215" cy="3038400"/>
+          </a:xfrm>
+          <a:prstGeom prst="rect">
+            <a:avLst/>
+          </a:prstGeom>
+          <a:solidFill>
+            <a:schemeClr val="tx1">
+              <a:alpha val="81000"/>
+            </a:schemeClr>
+          </a:solidFill>
+        </p:spPr>
+        <p:style>
+          <a:lnRef idx="2">
+            <a:schemeClr val="accent1">
+              <a:shade val="50000"/>
+            </a:schemeClr>
+          </a:lnRef>
+          <a:fillRef idx="1">
+            <a:schemeClr val="accent1"/>
+          </a:fillRef>
+          <a:effectRef idx="0">
+            <a:schemeClr val="accent1"/>
+          </a:effectRef>
+          <a:fontRef idx="minor">
+            <a:schemeClr val="lt1"/>
+          </a:fontRef>
+        </p:style>
+        <p:txBody>
+          <a:bodyPr rtlCol="0" anchor="ctr"/>
+          <a:lstStyle/>
+          <a:p>
+            <a:pPr algn="ctr"/>
+            <a:endParaRPr lang="pt-BR"/>
+          </a:p>
+        </p:txBody>
+      </p:sp>
+      <p:sp>
+        <p:nvSpPr>
+          <p:cNvPr id="23" name="Retângulo 22">
+            <a:extLst>
+              <a:ext uri="{FF2B5EF4-FFF2-40B4-BE49-F238E27FC236}">
+                <a16:creationId xmlns:a16="http://schemas.microsoft.com/office/drawing/2014/main" id="{ED87CD67-A438-4F74-986A-3704AF997953}"/>
+              </a:ext>
+            </a:extLst>
+          </p:cNvPr>
+          <p:cNvSpPr/>
+          <p:nvPr/>
+        </p:nvSpPr>
+        <p:spPr>
+          <a:xfrm>
+            <a:off x="5308448" y="2906454"/>
+            <a:ext cx="3789504" cy="684807"/>
+          </a:xfrm>
+          <a:prstGeom prst="rect">
+            <a:avLst/>
+          </a:prstGeom>
+          <a:noFill/>
+        </p:spPr>
+        <p:txBody>
+          <a:bodyPr wrap="square" lIns="68584" tIns="34292" rIns="68584" bIns="34292">
+            <a:spAutoFit/>
+          </a:bodyPr>
+          <a:lstStyle/>
+          <a:p>
+            <a:pPr algn="ctr"/>
+            <a:r>
+              <a:rPr lang="pt-BR" sz="4000" dirty="0">
+                <a:ln w="0">
+                  <a:noFill/>
+                </a:ln>
+                <a:solidFill>
+                  <a:srgbClr val="0070C0"/>
+                </a:solidFill>
+                <a:effectLst>
+                  <a:outerShdw blurRad="38100" dist="19050" dir="2700000" algn="tl" rotWithShape="0">
+                    <a:schemeClr val="dk1">
+                      <a:alpha val="40000"/>
+                    </a:schemeClr>
+                  </a:outerShdw>
+                </a:effectLst>
+                <a:latin typeface="Exo 2 Extra Bold" panose="00000900000000000000" pitchFamily="50" charset="0"/>
+              </a:rPr>
+              <a:t>Chave 1</a:t>
+            </a:r>
+          </a:p>
+        </p:txBody>
+      </p:sp>
+      <p:sp>
+        <p:nvSpPr>
+          <p:cNvPr id="24" name="Retângulo 23">
+            <a:extLst>
+              <a:ext uri="{FF2B5EF4-FFF2-40B4-BE49-F238E27FC236}">
+                <a16:creationId xmlns:a16="http://schemas.microsoft.com/office/drawing/2014/main" id="{522A4ACC-EC27-4A14-BA66-B0EB03535C7B}"/>
+              </a:ext>
+            </a:extLst>
+          </p:cNvPr>
+          <p:cNvSpPr/>
+          <p:nvPr/>
+        </p:nvSpPr>
+        <p:spPr>
+          <a:xfrm>
+            <a:off x="5321993" y="6726594"/>
+            <a:ext cx="3789503" cy="684807"/>
+          </a:xfrm>
+          <a:prstGeom prst="rect">
+            <a:avLst/>
+          </a:prstGeom>
+          <a:noFill/>
+        </p:spPr>
+        <p:txBody>
+          <a:bodyPr wrap="square" lIns="68584" tIns="34292" rIns="68584" bIns="34292">
+            <a:spAutoFit/>
+          </a:bodyPr>
+          <a:lstStyle/>
+          <a:p>
+            <a:pPr algn="ctr"/>
+            <a:r>
+              <a:rPr lang="pt-BR" sz="4000" dirty="0">
+                <a:ln w="0">
+                  <a:noFill/>
+                </a:ln>
+                <a:solidFill>
+                  <a:srgbClr val="0070C0"/>
+                </a:solidFill>
+                <a:effectLst>
+                  <a:outerShdw blurRad="38100" dist="19050" dir="2700000" algn="tl" rotWithShape="0">
+                    <a:schemeClr val="dk1">
+                      <a:alpha val="40000"/>
+                    </a:schemeClr>
+                  </a:outerShdw>
+                </a:effectLst>
+                <a:latin typeface="Exo 2 Extra Bold" panose="00000900000000000000" pitchFamily="50" charset="0"/>
+              </a:rPr>
+              <a:t>Chave 2</a:t>
+            </a:r>
+          </a:p>
+        </p:txBody>
+      </p:sp>
+      <p:sp>
+        <p:nvSpPr>
+          <p:cNvPr id="17" name="Retângulo 16">
+            <a:extLst>
+              <a:ext uri="{FF2B5EF4-FFF2-40B4-BE49-F238E27FC236}">
+                <a16:creationId xmlns:a16="http://schemas.microsoft.com/office/drawing/2014/main" id="{8794C713-7EA7-4B36-BA18-8311723E7777}"/>
+              </a:ext>
+            </a:extLst>
+          </p:cNvPr>
+          <p:cNvSpPr/>
+          <p:nvPr/>
+        </p:nvSpPr>
+        <p:spPr>
+          <a:xfrm>
+            <a:off x="989921" y="451466"/>
+            <a:ext cx="13909452" cy="1177249"/>
+          </a:xfrm>
+          <a:prstGeom prst="rect">
+            <a:avLst/>
+          </a:prstGeom>
+          <a:noFill/>
+        </p:spPr>
+        <p:txBody>
+          <a:bodyPr wrap="square" lIns="68584" tIns="34292" rIns="68584" bIns="34292">
+            <a:spAutoFit/>
+          </a:bodyPr>
+          <a:lstStyle/>
+          <a:p>
+            <a:pPr algn="ctr"/>
+            <a:r>
+              <a:rPr lang="pt-BR" sz="7200" dirty="0">
+                <a:ln w="0">
+                  <a:noFill/>
+                </a:ln>
+                <a:effectLst>
+                  <a:outerShdw blurRad="38100" dist="19050" dir="2700000" algn="tl" rotWithShape="0">
+                    <a:schemeClr val="dk1">
+                      <a:alpha val="40000"/>
+                    </a:schemeClr>
+                  </a:outerShdw>
+                </a:effectLst>
+                <a:latin typeface="Exo 2 Extra Bold" panose="00000900000000000000" pitchFamily="50" charset="0"/>
+              </a:rPr>
+              <a:t>MATA-MATA EM </a:t>
+            </a:r>
+            <a:r>
+              <a:rPr lang="pt-BR" sz="7200" dirty="0">
+                <a:ln w="0">
+                  <a:noFill/>
+                </a:ln>
+                <a:solidFill>
+                  <a:srgbClr val="00B050"/>
+                </a:solidFill>
+                <a:effectLst>
+                  <a:outerShdw blurRad="38100" dist="19050" dir="2700000" algn="tl" rotWithShape="0">
+                    <a:schemeClr val="dk1">
+                      <a:alpha val="40000"/>
+                    </a:schemeClr>
+                  </a:outerShdw>
+                </a:effectLst>
+                <a:latin typeface="Exo 2 Extra Bold" panose="00000900000000000000" pitchFamily="50" charset="0"/>
+              </a:rPr>
+              <a:t>DUPLAS</a:t>
+            </a:r>
+          </a:p>
+        </p:txBody>
+      </p:sp>
+      <p:pic>
+        <p:nvPicPr>
+          <p:cNvPr id="18" name="Imagem 17">
+            <a:extLst>
+              <a:ext uri="{FF2B5EF4-FFF2-40B4-BE49-F238E27FC236}">
+                <a16:creationId xmlns:a16="http://schemas.microsoft.com/office/drawing/2014/main" id="{D2C0C710-C4F6-415A-99C2-AE27C80A4587}"/>
+              </a:ext>
+            </a:extLst>
+          </p:cNvPr>
+          <p:cNvPicPr>
+            <a:picLocks noChangeAspect="1"/>
+          </p:cNvPicPr>
+          <p:nvPr/>
+        </p:nvPicPr>
+        <p:blipFill>
+          <a:blip r:embed="rId4">
+            <a:extLst>
+              <a:ext uri="{28A0092B-C50C-407E-A947-70E740481C1C}">
+                <a14:useLocalDpi xmlns:a14="http://schemas.microsoft.com/office/drawing/2010/main" val="0"/>
+              </a:ext>
+            </a:extLst>
+          </a:blip>
+          <a:stretch>
+            <a:fillRect/>
+          </a:stretch>
+        </p:blipFill>
+        <p:spPr>
+          <a:xfrm>
+            <a:off x="31978" y="-1656"/>
+            <a:ext cx="2059134" cy="2160000"/>
+          </a:xfrm>
+          <a:prstGeom prst="rect">
+            <a:avLst/>
+          </a:prstGeom>
+        </p:spPr>
+      </p:pic>
+      <p:pic>
+        <p:nvPicPr>
+          <p:cNvPr id="11" name="Imagem 10">
+            <a:extLst>
+              <a:ext uri="{FF2B5EF4-FFF2-40B4-BE49-F238E27FC236}">
+                <a16:creationId xmlns:a16="http://schemas.microsoft.com/office/drawing/2014/main" id="{DE2CD632-A947-4E93-967E-01553D8EFE6A}"/>
+              </a:ext>
+            </a:extLst>
+          </p:cNvPr>
+          <p:cNvPicPr>
+            <a:picLocks noChangeAspect="1"/>
+          </p:cNvPicPr>
+          <p:nvPr/>
+        </p:nvPicPr>
+        <p:blipFill>
+          <a:blip r:embed="rId5"/>
+          <a:stretch>
+            <a:fillRect/>
+          </a:stretch>
+        </p:blipFill>
+        <p:spPr>
+          <a:xfrm>
+            <a:off x="241621" y="3827910"/>
+            <a:ext cx="13958532" cy="1296000"/>
+          </a:xfrm>
+          <a:prstGeom prst="rect">
+            <a:avLst/>
+          </a:prstGeom>
+        </p:spPr>
+      </p:pic>
+    </p:spTree>
+    <p:extLst>
+      <p:ext uri="{BB962C8B-B14F-4D97-AF65-F5344CB8AC3E}">
+        <p14:creationId xmlns:p14="http://schemas.microsoft.com/office/powerpoint/2010/main" val="3197784014"/>
+      </p:ext>
+    </p:extLst>
+  </p:cSld>
+  <p:clrMapOvr>
+    <a:masterClrMapping/>
+  </p:clrMapOvr>
+</p:sld>
+</file>
+
+<file path=ppt/slides/slide14.xml><?xml version="1.0" encoding="utf-8"?>
+<p:sld xmlns:a="http://schemas.openxmlformats.org/drawingml/2006/main" xmlns:r="http://schemas.openxmlformats.org/officeDocument/2006/relationships" xmlns:p="http://schemas.openxmlformats.org/presentationml/2006/main">
+  <p:cSld>
+    <p:bg>
+      <p:bgPr>
+        <a:solidFill>
+          <a:schemeClr val="bg1"/>
+        </a:solidFill>
+        <a:effectLst/>
+      </p:bgPr>
+    </p:bg>
+    <p:spTree>
+      <p:nvGrpSpPr>
+        <p:cNvPr id="1" name=""/>
+        <p:cNvGrpSpPr/>
+        <p:nvPr/>
+      </p:nvGrpSpPr>
+      <p:grpSpPr>
+        <a:xfrm>
+          <a:off x="0" y="0"/>
+          <a:ext cx="0" cy="0"/>
+          <a:chOff x="0" y="0"/>
+          <a:chExt cx="0" cy="0"/>
+        </a:xfrm>
+      </p:grpSpPr>
+      <p:sp>
+        <p:nvSpPr>
+          <p:cNvPr id="13" name="Rectangle 9">
+            <a:extLst>
+              <a:ext uri="{FF2B5EF4-FFF2-40B4-BE49-F238E27FC236}">
+                <a16:creationId xmlns:a16="http://schemas.microsoft.com/office/drawing/2014/main" id="{0BABF38A-8A0D-492E-BD20-6CF4D46B50BD}"/>
+              </a:ext>
+              <a:ext uri="{C183D7F6-B498-43B3-948B-1728B52AA6E4}">
+                <adec:decorative xmlns:adec="http://schemas.microsoft.com/office/drawing/2017/decorative" val="1"/>
+              </a:ext>
+            </a:extLst>
+          </p:cNvPr>
+          <p:cNvSpPr>
+            <a:spLocks noGrp="1" noRot="1" noChangeAspect="1" noMove="1" noResize="1" noEditPoints="1" noAdjustHandles="1" noChangeArrowheads="1" noChangeShapeType="1" noTextEdit="1"/>
+          </p:cNvSpPr>
+          <p:nvPr>
+            <p:extLst>
+              <p:ext uri="{386F3935-93C4-4BCD-93E2-E3B085C9AB24}">
+                <p16:designElem xmlns:p16="http://schemas.microsoft.com/office/powerpoint/2015/main" val="1"/>
+              </p:ext>
+            </p:extLst>
+          </p:nvPr>
+        </p:nvSpPr>
+        <p:spPr>
+          <a:xfrm>
+            <a:off x="3149972" y="3121681"/>
+            <a:ext cx="8100269" cy="4556404"/>
+          </a:xfrm>
+          <a:prstGeom prst="rect">
+            <a:avLst/>
+          </a:prstGeom>
+          <a:solidFill>
+            <a:schemeClr val="bg2">
+              <a:lumMod val="90000"/>
+              <a:alpha val="70000"/>
+            </a:schemeClr>
+          </a:solidFill>
+          <a:ln>
+            <a:noFill/>
+          </a:ln>
+        </p:spPr>
+        <p:style>
+          <a:lnRef idx="2">
+            <a:schemeClr val="accent1">
+              <a:shade val="50000"/>
+            </a:schemeClr>
+          </a:lnRef>
+          <a:fillRef idx="1">
+            <a:schemeClr val="accent1"/>
+          </a:fillRef>
+          <a:effectRef idx="0">
+            <a:schemeClr val="accent1"/>
+          </a:effectRef>
+          <a:fontRef idx="minor">
+            <a:schemeClr val="lt1"/>
+          </a:fontRef>
+        </p:style>
+        <p:txBody>
+          <a:bodyPr rtlCol="0" anchor="ctr"/>
+          <a:lstStyle/>
+          <a:p>
+            <a:pPr algn="ctr">
+              <a:defRPr/>
+            </a:pPr>
+            <a:endParaRPr lang="en-US" sz="1196" dirty="0">
+              <a:solidFill>
+                <a:prstClr val="black">
+                  <a:lumMod val="65000"/>
+                  <a:lumOff val="35000"/>
+                </a:prstClr>
+              </a:solidFill>
+              <a:latin typeface="AvenirNext LT Pro Medium" panose="020B0504020202020204" pitchFamily="34" charset="0"/>
+            </a:endParaRPr>
+          </a:p>
+        </p:txBody>
+      </p:sp>
+      <p:pic>
+        <p:nvPicPr>
+          <p:cNvPr id="12" name="Picture 11">
+            <a:extLst>
+              <a:ext uri="{FF2B5EF4-FFF2-40B4-BE49-F238E27FC236}">
+                <a16:creationId xmlns:a16="http://schemas.microsoft.com/office/drawing/2014/main" id="{BC526B7A-4801-4FD1-95C8-03AF22629E87}"/>
+              </a:ext>
+              <a:ext uri="{C183D7F6-B498-43B3-948B-1728B52AA6E4}">
+                <adec:decorative xmlns:adec="http://schemas.microsoft.com/office/drawing/2017/decorative" val="1"/>
+              </a:ext>
+            </a:extLst>
+          </p:cNvPr>
+          <p:cNvPicPr>
+            <a:picLocks noGrp="1" noRot="1" noChangeAspect="1" noMove="1" noResize="1" noEditPoints="1" noAdjustHandles="1" noChangeArrowheads="1" noChangeShapeType="1" noCrop="1"/>
+          </p:cNvPicPr>
+          <p:nvPr>
+            <p:extLst>
+              <p:ext uri="{386F3935-93C4-4BCD-93E2-E3B085C9AB24}">
+                <p16:designElem xmlns:p16="http://schemas.microsoft.com/office/powerpoint/2015/main" val="1"/>
+              </p:ext>
+            </p:extLst>
+          </p:nvPr>
+        </p:nvPicPr>
+        <p:blipFill>
+          <a:blip r:embed="rId2">
+            <a:alphaModFix amt="10000"/>
+            <a:extLst>
+              <a:ext uri="{28A0092B-C50C-407E-A947-70E740481C1C}">
+                <a14:useLocalDpi xmlns:a14="http://schemas.microsoft.com/office/drawing/2010/main" val="0"/>
+              </a:ext>
+            </a:extLst>
+          </a:blip>
+          <a:stretch>
+            <a:fillRect/>
+          </a:stretch>
+        </p:blipFill>
+        <p:spPr>
+          <a:xfrm>
+            <a:off x="8820159" y="3121682"/>
+            <a:ext cx="2428095" cy="3039825"/>
+          </a:xfrm>
+          <a:prstGeom prst="rect">
+            <a:avLst/>
+          </a:prstGeom>
+        </p:spPr>
+      </p:pic>
+      <p:sp useBgFill="1">
+        <p:nvSpPr>
+          <p:cNvPr id="14" name="Rectangle 13">
+            <a:extLst>
+              <a:ext uri="{FF2B5EF4-FFF2-40B4-BE49-F238E27FC236}">
+                <a16:creationId xmlns:a16="http://schemas.microsoft.com/office/drawing/2014/main" id="{37FDDF72-DE39-4F99-A3C1-DD9D7815D7DB}"/>
+              </a:ext>
+              <a:ext uri="{C183D7F6-B498-43B3-948B-1728B52AA6E4}">
+                <adec:decorative xmlns:adec="http://schemas.microsoft.com/office/drawing/2017/decorative" val="1"/>
+              </a:ext>
+            </a:extLst>
+          </p:cNvPr>
+          <p:cNvSpPr>
+            <a:spLocks noGrp="1" noRot="1" noChangeAspect="1" noMove="1" noResize="1" noEditPoints="1" noAdjustHandles="1" noChangeArrowheads="1" noChangeShapeType="1" noTextEdit="1"/>
+          </p:cNvSpPr>
+          <p:nvPr>
+            <p:extLst>
+              <p:ext uri="{386F3935-93C4-4BCD-93E2-E3B085C9AB24}">
+                <p16:designElem xmlns:p16="http://schemas.microsoft.com/office/powerpoint/2015/main" val="1"/>
+              </p:ext>
+            </p:extLst>
+          </p:nvPr>
+        </p:nvSpPr>
+        <p:spPr>
+          <a:xfrm>
+            <a:off x="3149972" y="3121681"/>
+            <a:ext cx="8100269" cy="4556401"/>
+          </a:xfrm>
+          <a:prstGeom prst="rect">
+            <a:avLst/>
+          </a:prstGeom>
+          <a:ln>
+            <a:noFill/>
+          </a:ln>
+        </p:spPr>
+        <p:style>
+          <a:lnRef idx="2">
+            <a:schemeClr val="accent1">
+              <a:shade val="50000"/>
+            </a:schemeClr>
+          </a:lnRef>
+          <a:fillRef idx="1">
+            <a:schemeClr val="accent1"/>
+          </a:fillRef>
+          <a:effectRef idx="0">
+            <a:schemeClr val="accent1"/>
+          </a:effectRef>
+          <a:fontRef idx="minor">
+            <a:schemeClr val="lt1"/>
+          </a:fontRef>
+        </p:style>
+        <p:txBody>
+          <a:bodyPr rtlCol="0" anchor="ctr"/>
+          <a:lstStyle/>
+          <a:p>
+            <a:pPr algn="ctr">
+              <a:defRPr/>
+            </a:pPr>
+            <a:endParaRPr lang="en-US" sz="1196" dirty="0">
+              <a:solidFill>
+                <a:prstClr val="black">
+                  <a:lumMod val="65000"/>
+                  <a:lumOff val="35000"/>
+                </a:prstClr>
+              </a:solidFill>
+              <a:latin typeface="AvenirNext LT Pro Medium" panose="020B0504020202020204" pitchFamily="34" charset="0"/>
+            </a:endParaRPr>
+          </a:p>
+        </p:txBody>
+      </p:sp>
+      <p:sp>
+        <p:nvSpPr>
+          <p:cNvPr id="16" name="Rectangle 15">
+            <a:extLst>
+              <a:ext uri="{FF2B5EF4-FFF2-40B4-BE49-F238E27FC236}">
+                <a16:creationId xmlns:a16="http://schemas.microsoft.com/office/drawing/2014/main" id="{5E4ECE80-3AD1-450C-B62A-98788F193948}"/>
+              </a:ext>
+              <a:ext uri="{C183D7F6-B498-43B3-948B-1728B52AA6E4}">
+                <adec:decorative xmlns:adec="http://schemas.microsoft.com/office/drawing/2017/decorative" val="1"/>
+              </a:ext>
+            </a:extLst>
+          </p:cNvPr>
+          <p:cNvSpPr>
+            <a:spLocks noGrp="1" noRot="1" noChangeAspect="1" noMove="1" noResize="1" noEditPoints="1" noAdjustHandles="1" noChangeArrowheads="1" noChangeShapeType="1" noTextEdit="1"/>
+          </p:cNvSpPr>
+          <p:nvPr>
+            <p:extLst>
+              <p:ext uri="{386F3935-93C4-4BCD-93E2-E3B085C9AB24}">
+                <p16:designElem xmlns:p16="http://schemas.microsoft.com/office/powerpoint/2015/main" val="1"/>
+              </p:ext>
+            </p:extLst>
+          </p:nvPr>
+        </p:nvSpPr>
+        <p:spPr>
+          <a:xfrm>
+            <a:off x="3149972" y="3121681"/>
+            <a:ext cx="8100269" cy="4556401"/>
+          </a:xfrm>
+          <a:prstGeom prst="rect">
+            <a:avLst/>
+          </a:prstGeom>
+          <a:solidFill>
+            <a:srgbClr val="000000"/>
+          </a:solidFill>
+          <a:ln>
+            <a:noFill/>
+          </a:ln>
+        </p:spPr>
+        <p:style>
+          <a:lnRef idx="2">
+            <a:schemeClr val="accent1">
+              <a:shade val="50000"/>
+            </a:schemeClr>
+          </a:lnRef>
+          <a:fillRef idx="1">
+            <a:schemeClr val="accent1"/>
+          </a:fillRef>
+          <a:effectRef idx="0">
+            <a:schemeClr val="accent1"/>
+          </a:effectRef>
+          <a:fontRef idx="minor">
+            <a:schemeClr val="lt1"/>
+          </a:fontRef>
+        </p:style>
+        <p:txBody>
+          <a:bodyPr rtlCol="0" anchor="ctr"/>
+          <a:lstStyle/>
+          <a:p>
+            <a:pPr algn="ctr">
+              <a:defRPr/>
+            </a:pPr>
+            <a:endParaRPr lang="en-US" sz="1196" dirty="0">
+              <a:solidFill>
+                <a:prstClr val="black">
+                  <a:lumMod val="65000"/>
+                  <a:lumOff val="35000"/>
+                </a:prstClr>
+              </a:solidFill>
+              <a:latin typeface="AvenirNext LT Pro Medium" panose="020B0504020202020204" pitchFamily="34" charset="0"/>
+            </a:endParaRPr>
+          </a:p>
+        </p:txBody>
+      </p:sp>
+      <p:pic>
+        <p:nvPicPr>
+          <p:cNvPr id="5" name="Imagem 4">
+            <a:extLst>
+              <a:ext uri="{FF2B5EF4-FFF2-40B4-BE49-F238E27FC236}">
+                <a16:creationId xmlns:a16="http://schemas.microsoft.com/office/drawing/2014/main" id="{F1433EF1-FB6D-4913-96C9-08F0B1B3CA7A}"/>
+              </a:ext>
+            </a:extLst>
+          </p:cNvPr>
+          <p:cNvPicPr>
+            <a:picLocks noChangeAspect="1"/>
+          </p:cNvPicPr>
+          <p:nvPr/>
+        </p:nvPicPr>
+        <p:blipFill rotWithShape="1">
+          <a:blip r:embed="rId3">
+            <a:alphaModFix/>
+            <a:extLst>
+              <a:ext uri="{28A0092B-C50C-407E-A947-70E740481C1C}">
+                <a14:useLocalDpi xmlns:a14="http://schemas.microsoft.com/office/drawing/2010/main" val="0"/>
+              </a:ext>
+            </a:extLst>
+          </a:blip>
+          <a:srcRect l="5233" t="-2125" r="6244" b="-538"/>
+          <a:stretch/>
+        </p:blipFill>
+        <p:spPr>
+          <a:xfrm>
             <a:off x="-1" y="-347792"/>
             <a:ext cx="14400213" cy="11147555"/>
           </a:xfrm>
@@ -11015,7 +12565,7 @@
         <p:spPr>
           <a:xfrm>
             <a:off x="1911927" y="2227185"/>
-            <a:ext cx="10476677" cy="3934322"/>
+            <a:ext cx="10476677" cy="2718888"/>
           </a:xfrm>
           <a:prstGeom prst="rect">
             <a:avLst/>
@@ -11065,8 +12615,8 @@
         </p:nvSpPr>
         <p:spPr>
           <a:xfrm>
-            <a:off x="1911927" y="6505978"/>
-            <a:ext cx="10476677" cy="3934322"/>
+            <a:off x="1911927" y="5072033"/>
+            <a:ext cx="10476677" cy="2718888"/>
           </a:xfrm>
           <a:prstGeom prst="rect">
             <a:avLst/>
@@ -11167,7 +12717,7 @@
         </p:nvSpPr>
         <p:spPr>
           <a:xfrm>
-            <a:off x="5321993" y="6456434"/>
+            <a:off x="5321993" y="5022489"/>
             <a:ext cx="3789503" cy="684807"/>
           </a:xfrm>
           <a:prstGeom prst="rect">
@@ -11206,10 +12756,10 @@
       </p:sp>
       <p:pic>
         <p:nvPicPr>
-          <p:cNvPr id="4" name="Imagem 3">
-            <a:extLst>
-              <a:ext uri="{FF2B5EF4-FFF2-40B4-BE49-F238E27FC236}">
-                <a16:creationId xmlns:a16="http://schemas.microsoft.com/office/drawing/2014/main" id="{94148678-E408-4851-8F60-C97707FEF003}"/>
+          <p:cNvPr id="2" name="Imagem 1">
+            <a:extLst>
+              <a:ext uri="{FF2B5EF4-FFF2-40B4-BE49-F238E27FC236}">
+                <a16:creationId xmlns:a16="http://schemas.microsoft.com/office/drawing/2014/main" id="{1EA30457-056C-4857-B3A2-4A3B7706B511}"/>
               </a:ext>
             </a:extLst>
           </p:cNvPr>
@@ -11226,7 +12776,7 @@
         </p:blipFill>
         <p:spPr>
           <a:xfrm>
-            <a:off x="2367587" y="3269053"/>
+            <a:off x="2355335" y="2894981"/>
             <a:ext cx="9720000" cy="1881294"/>
           </a:xfrm>
           <a:prstGeom prst="rect">
@@ -11236,10 +12786,10 @@
       </p:pic>
       <p:pic>
         <p:nvPicPr>
-          <p:cNvPr id="6" name="Imagem 5">
-            <a:extLst>
-              <a:ext uri="{FF2B5EF4-FFF2-40B4-BE49-F238E27FC236}">
-                <a16:creationId xmlns:a16="http://schemas.microsoft.com/office/drawing/2014/main" id="{CE695067-E9EF-4B16-9E30-55A6487F4854}"/>
+          <p:cNvPr id="3" name="Imagem 2">
+            <a:extLst>
+              <a:ext uri="{FF2B5EF4-FFF2-40B4-BE49-F238E27FC236}">
+                <a16:creationId xmlns:a16="http://schemas.microsoft.com/office/drawing/2014/main" id="{7A4B5F47-D199-49A7-A4FE-538AB8634E21}"/>
               </a:ext>
             </a:extLst>
           </p:cNvPr>
@@ -11256,8 +12806,140 @@
         </p:blipFill>
         <p:spPr>
           <a:xfrm>
-            <a:off x="2356939" y="7589429"/>
+            <a:off x="2365543" y="5682507"/>
             <a:ext cx="9720000" cy="1881294"/>
+          </a:xfrm>
+          <a:prstGeom prst="rect">
+            <a:avLst/>
+          </a:prstGeom>
+        </p:spPr>
+      </p:pic>
+      <p:sp>
+        <p:nvSpPr>
+          <p:cNvPr id="18" name="Retângulo 17">
+            <a:extLst>
+              <a:ext uri="{FF2B5EF4-FFF2-40B4-BE49-F238E27FC236}">
+                <a16:creationId xmlns:a16="http://schemas.microsoft.com/office/drawing/2014/main" id="{3128898C-0A57-4F19-8491-B43E8301569E}"/>
+              </a:ext>
+            </a:extLst>
+          </p:cNvPr>
+          <p:cNvSpPr/>
+          <p:nvPr/>
+        </p:nvSpPr>
+        <p:spPr>
+          <a:xfrm>
+            <a:off x="1918853" y="7946853"/>
+            <a:ext cx="10476677" cy="2718888"/>
+          </a:xfrm>
+          <a:prstGeom prst="rect">
+            <a:avLst/>
+          </a:prstGeom>
+          <a:solidFill>
+            <a:schemeClr val="tx1">
+              <a:alpha val="81000"/>
+            </a:schemeClr>
+          </a:solidFill>
+        </p:spPr>
+        <p:style>
+          <a:lnRef idx="2">
+            <a:schemeClr val="accent1">
+              <a:shade val="50000"/>
+            </a:schemeClr>
+          </a:lnRef>
+          <a:fillRef idx="1">
+            <a:schemeClr val="accent1"/>
+          </a:fillRef>
+          <a:effectRef idx="0">
+            <a:schemeClr val="accent1"/>
+          </a:effectRef>
+          <a:fontRef idx="minor">
+            <a:schemeClr val="lt1"/>
+          </a:fontRef>
+        </p:style>
+        <p:txBody>
+          <a:bodyPr rtlCol="0" anchor="ctr"/>
+          <a:lstStyle/>
+          <a:p>
+            <a:pPr algn="ctr"/>
+            <a:endParaRPr lang="pt-BR"/>
+          </a:p>
+        </p:txBody>
+      </p:sp>
+      <p:sp>
+        <p:nvSpPr>
+          <p:cNvPr id="19" name="Retângulo 18">
+            <a:extLst>
+              <a:ext uri="{FF2B5EF4-FFF2-40B4-BE49-F238E27FC236}">
+                <a16:creationId xmlns:a16="http://schemas.microsoft.com/office/drawing/2014/main" id="{233846BD-32E7-4324-ADF6-449F12B78362}"/>
+              </a:ext>
+            </a:extLst>
+          </p:cNvPr>
+          <p:cNvSpPr/>
+          <p:nvPr/>
+        </p:nvSpPr>
+        <p:spPr>
+          <a:xfrm>
+            <a:off x="5328919" y="7897309"/>
+            <a:ext cx="3789503" cy="684807"/>
+          </a:xfrm>
+          <a:prstGeom prst="rect">
+            <a:avLst/>
+          </a:prstGeom>
+          <a:noFill/>
+        </p:spPr>
+        <p:txBody>
+          <a:bodyPr wrap="square" lIns="68584" tIns="34292" rIns="68584" bIns="34292">
+            <a:spAutoFit/>
+          </a:bodyPr>
+          <a:lstStyle/>
+          <a:p>
+            <a:pPr algn="ctr"/>
+            <a:r>
+              <a:rPr lang="pt-BR" sz="4000" dirty="0">
+                <a:ln w="0">
+                  <a:noFill/>
+                </a:ln>
+                <a:solidFill>
+                  <a:srgbClr val="0070C0"/>
+                </a:solidFill>
+                <a:effectLst>
+                  <a:outerShdw blurRad="38100" dist="19050" dir="2700000" algn="tl" rotWithShape="0">
+                    <a:schemeClr val="dk1">
+                      <a:alpha val="40000"/>
+                    </a:schemeClr>
+                  </a:outerShdw>
+                </a:effectLst>
+                <a:latin typeface="Exo 2 Extra Bold" panose="00000900000000000000" pitchFamily="50" charset="0"/>
+              </a:rPr>
+              <a:t>Semifinal</a:t>
+            </a:r>
+          </a:p>
+        </p:txBody>
+      </p:sp>
+      <p:pic>
+        <p:nvPicPr>
+          <p:cNvPr id="7" name="Imagem 6">
+            <a:extLst>
+              <a:ext uri="{FF2B5EF4-FFF2-40B4-BE49-F238E27FC236}">
+                <a16:creationId xmlns:a16="http://schemas.microsoft.com/office/drawing/2014/main" id="{0550EDED-79E2-4345-8D71-F0735441DA40}"/>
+              </a:ext>
+            </a:extLst>
+          </p:cNvPr>
+          <p:cNvPicPr>
+            <a:picLocks noChangeAspect="1"/>
+          </p:cNvPicPr>
+          <p:nvPr/>
+        </p:nvPicPr>
+        <p:blipFill>
+          <a:blip r:embed="rId7"/>
+          <a:stretch>
+            <a:fillRect/>
+          </a:stretch>
+        </p:blipFill>
+        <p:spPr>
+          <a:xfrm>
+            <a:off x="2356098" y="8593661"/>
+            <a:ext cx="9720000" cy="1881271"/>
           </a:xfrm>
           <a:prstGeom prst="rect">
             <a:avLst/>
@@ -11755,7 +13437,7 @@
         <p:spPr>
           <a:xfrm>
             <a:off x="1911927" y="2227185"/>
-            <a:ext cx="10476677" cy="3934322"/>
+            <a:ext cx="10476677" cy="2718888"/>
           </a:xfrm>
           <a:prstGeom prst="rect">
             <a:avLst/>
@@ -11805,8 +13487,8 @@
         </p:nvSpPr>
         <p:spPr>
           <a:xfrm>
-            <a:off x="1911927" y="6505978"/>
-            <a:ext cx="10476677" cy="3934322"/>
+            <a:off x="1911927" y="5072033"/>
+            <a:ext cx="10476677" cy="2718888"/>
           </a:xfrm>
           <a:prstGeom prst="rect">
             <a:avLst/>
@@ -11907,7 +13589,7 @@
         </p:nvSpPr>
         <p:spPr>
           <a:xfrm>
-            <a:off x="5321993" y="6456434"/>
+            <a:off x="5321993" y="5022489"/>
             <a:ext cx="3789503" cy="684807"/>
           </a:xfrm>
           <a:prstGeom prst="rect">
@@ -11944,12 +13626,114 @@
           </a:p>
         </p:txBody>
       </p:sp>
+      <p:sp>
+        <p:nvSpPr>
+          <p:cNvPr id="18" name="Retângulo 17">
+            <a:extLst>
+              <a:ext uri="{FF2B5EF4-FFF2-40B4-BE49-F238E27FC236}">
+                <a16:creationId xmlns:a16="http://schemas.microsoft.com/office/drawing/2014/main" id="{3128898C-0A57-4F19-8491-B43E8301569E}"/>
+              </a:ext>
+            </a:extLst>
+          </p:cNvPr>
+          <p:cNvSpPr/>
+          <p:nvPr/>
+        </p:nvSpPr>
+        <p:spPr>
+          <a:xfrm>
+            <a:off x="1918853" y="7946853"/>
+            <a:ext cx="10476677" cy="2718888"/>
+          </a:xfrm>
+          <a:prstGeom prst="rect">
+            <a:avLst/>
+          </a:prstGeom>
+          <a:solidFill>
+            <a:schemeClr val="tx1">
+              <a:alpha val="81000"/>
+            </a:schemeClr>
+          </a:solidFill>
+        </p:spPr>
+        <p:style>
+          <a:lnRef idx="2">
+            <a:schemeClr val="accent1">
+              <a:shade val="50000"/>
+            </a:schemeClr>
+          </a:lnRef>
+          <a:fillRef idx="1">
+            <a:schemeClr val="accent1"/>
+          </a:fillRef>
+          <a:effectRef idx="0">
+            <a:schemeClr val="accent1"/>
+          </a:effectRef>
+          <a:fontRef idx="minor">
+            <a:schemeClr val="lt1"/>
+          </a:fontRef>
+        </p:style>
+        <p:txBody>
+          <a:bodyPr rtlCol="0" anchor="ctr"/>
+          <a:lstStyle/>
+          <a:p>
+            <a:pPr algn="ctr"/>
+            <a:endParaRPr lang="pt-BR"/>
+          </a:p>
+        </p:txBody>
+      </p:sp>
+      <p:sp>
+        <p:nvSpPr>
+          <p:cNvPr id="19" name="Retângulo 18">
+            <a:extLst>
+              <a:ext uri="{FF2B5EF4-FFF2-40B4-BE49-F238E27FC236}">
+                <a16:creationId xmlns:a16="http://schemas.microsoft.com/office/drawing/2014/main" id="{233846BD-32E7-4324-ADF6-449F12B78362}"/>
+              </a:ext>
+            </a:extLst>
+          </p:cNvPr>
+          <p:cNvSpPr/>
+          <p:nvPr/>
+        </p:nvSpPr>
+        <p:spPr>
+          <a:xfrm>
+            <a:off x="5328919" y="7897309"/>
+            <a:ext cx="3789503" cy="684807"/>
+          </a:xfrm>
+          <a:prstGeom prst="rect">
+            <a:avLst/>
+          </a:prstGeom>
+          <a:noFill/>
+        </p:spPr>
+        <p:txBody>
+          <a:bodyPr wrap="square" lIns="68584" tIns="34292" rIns="68584" bIns="34292">
+            <a:spAutoFit/>
+          </a:bodyPr>
+          <a:lstStyle/>
+          <a:p>
+            <a:pPr algn="ctr"/>
+            <a:r>
+              <a:rPr lang="pt-BR" sz="4000" dirty="0">
+                <a:ln w="0">
+                  <a:noFill/>
+                </a:ln>
+                <a:solidFill>
+                  <a:srgbClr val="0070C0"/>
+                </a:solidFill>
+                <a:effectLst>
+                  <a:outerShdw blurRad="38100" dist="19050" dir="2700000" algn="tl" rotWithShape="0">
+                    <a:schemeClr val="dk1">
+                      <a:alpha val="40000"/>
+                    </a:schemeClr>
+                  </a:outerShdw>
+                </a:effectLst>
+                <a:latin typeface="Exo 2 Extra Bold" panose="00000900000000000000" pitchFamily="50" charset="0"/>
+              </a:rPr>
+              <a:t>Semifinal</a:t>
+            </a:r>
+          </a:p>
+        </p:txBody>
+      </p:sp>
       <p:pic>
         <p:nvPicPr>
-          <p:cNvPr id="4" name="Imagem 3">
-            <a:extLst>
-              <a:ext uri="{FF2B5EF4-FFF2-40B4-BE49-F238E27FC236}">
-                <a16:creationId xmlns:a16="http://schemas.microsoft.com/office/drawing/2014/main" id="{2428D1C9-89C6-49BB-9378-C3C8A8D226D2}"/>
+          <p:cNvPr id="20" name="Imagem 19">
+            <a:extLst>
+              <a:ext uri="{FF2B5EF4-FFF2-40B4-BE49-F238E27FC236}">
+                <a16:creationId xmlns:a16="http://schemas.microsoft.com/office/drawing/2014/main" id="{8B848E47-87C7-459A-921E-B11B387BE2C1}"/>
               </a:ext>
             </a:extLst>
           </p:cNvPr>
@@ -11966,8 +13750,8 @@
         </p:blipFill>
         <p:spPr>
           <a:xfrm>
-            <a:off x="2367370" y="3287154"/>
-            <a:ext cx="9720000" cy="1881271"/>
+            <a:off x="2368038" y="2892331"/>
+            <a:ext cx="9720000" cy="1881294"/>
           </a:xfrm>
           <a:prstGeom prst="rect">
             <a:avLst/>
@@ -11976,10 +13760,10 @@
       </p:pic>
       <p:pic>
         <p:nvPicPr>
-          <p:cNvPr id="6" name="Imagem 5">
-            <a:extLst>
-              <a:ext uri="{FF2B5EF4-FFF2-40B4-BE49-F238E27FC236}">
-                <a16:creationId xmlns:a16="http://schemas.microsoft.com/office/drawing/2014/main" id="{EDF1DAFB-53C5-4CAC-9E3C-DAA8DF2B5EC2}"/>
+          <p:cNvPr id="22" name="Imagem 21">
+            <a:extLst>
+              <a:ext uri="{FF2B5EF4-FFF2-40B4-BE49-F238E27FC236}">
+                <a16:creationId xmlns:a16="http://schemas.microsoft.com/office/drawing/2014/main" id="{9784EC47-DE15-4EF6-A72C-06FEE2FAB007}"/>
               </a:ext>
             </a:extLst>
           </p:cNvPr>
@@ -11996,7 +13780,37 @@
         </p:blipFill>
         <p:spPr>
           <a:xfrm>
-            <a:off x="2352756" y="7592065"/>
+            <a:off x="2363800" y="5682504"/>
+            <a:ext cx="9720000" cy="1881294"/>
+          </a:xfrm>
+          <a:prstGeom prst="rect">
+            <a:avLst/>
+          </a:prstGeom>
+        </p:spPr>
+      </p:pic>
+      <p:pic>
+        <p:nvPicPr>
+          <p:cNvPr id="4" name="Imagem 3">
+            <a:extLst>
+              <a:ext uri="{FF2B5EF4-FFF2-40B4-BE49-F238E27FC236}">
+                <a16:creationId xmlns:a16="http://schemas.microsoft.com/office/drawing/2014/main" id="{5DA06EFA-49C7-4CF0-AC9F-44E4C4BEE539}"/>
+              </a:ext>
+            </a:extLst>
+          </p:cNvPr>
+          <p:cNvPicPr>
+            <a:picLocks noChangeAspect="1"/>
+          </p:cNvPicPr>
+          <p:nvPr/>
+        </p:nvPicPr>
+        <p:blipFill>
+          <a:blip r:embed="rId7"/>
+          <a:stretch>
+            <a:fillRect/>
+          </a:stretch>
+        </p:blipFill>
+        <p:spPr>
+          <a:xfrm>
+            <a:off x="2370340" y="8593660"/>
             <a:ext cx="9720000" cy="1881271"/>
           </a:xfrm>
           <a:prstGeom prst="rect">
@@ -12007,7 +13821,7 @@
     </p:spTree>
     <p:extLst>
       <p:ext uri="{BB962C8B-B14F-4D97-AF65-F5344CB8AC3E}">
-        <p14:creationId xmlns:p14="http://schemas.microsoft.com/office/powerpoint/2010/main" val="93566465"/>
+        <p14:creationId xmlns:p14="http://schemas.microsoft.com/office/powerpoint/2010/main" val="995954941"/>
       </p:ext>
     </p:extLst>
   </p:cSld>

--- a/MataMataPlanilha.pptx
+++ b/MataMataPlanilha.pptx
@@ -15,10 +15,13 @@
     <p:sldId id="267" r:id="rId9"/>
     <p:sldId id="281" r:id="rId10"/>
     <p:sldId id="277" r:id="rId11"/>
-    <p:sldId id="268" r:id="rId12"/>
-    <p:sldId id="279" r:id="rId13"/>
-    <p:sldId id="280" r:id="rId14"/>
-    <p:sldId id="269" r:id="rId15"/>
+    <p:sldId id="282" r:id="rId12"/>
+    <p:sldId id="283" r:id="rId13"/>
+    <p:sldId id="284" r:id="rId14"/>
+    <p:sldId id="268" r:id="rId15"/>
+    <p:sldId id="279" r:id="rId16"/>
+    <p:sldId id="280" r:id="rId17"/>
+    <p:sldId id="269" r:id="rId18"/>
   </p:sldIdLst>
   <p:sldSz cx="14400213" cy="10799763"/>
   <p:notesSz cx="6858000" cy="9144000"/>
@@ -299,7 +302,7 @@
             <a:fld id="{11A6662E-FAF4-44BC-88B5-85A7CBFB6D30}" type="datetime1">
               <a:rPr lang="en-US" smtClean="0"/>
               <a:pPr/>
-              <a:t>8/17/2021</a:t>
+              <a:t>8/24/2021</a:t>
             </a:fld>
             <a:endParaRPr lang="en-US" dirty="0"/>
           </a:p>
@@ -526,7 +529,7 @@
           <a:p>
             <a:fld id="{4C559632-1575-4E14-B53B-3DC3D5ED3947}" type="datetime1">
               <a:rPr lang="en-US" smtClean="0"/>
-              <a:t>8/17/2021</a:t>
+              <a:t>8/24/2021</a:t>
             </a:fld>
             <a:endParaRPr lang="en-US"/>
           </a:p>
@@ -734,7 +737,7 @@
           <a:p>
             <a:fld id="{CC4A6868-2568-4CC9-B302-F37117B01A6E}" type="datetime1">
               <a:rPr lang="en-US" smtClean="0"/>
-              <a:t>8/17/2021</a:t>
+              <a:t>8/24/2021</a:t>
             </a:fld>
             <a:endParaRPr lang="en-US"/>
           </a:p>
@@ -939,7 +942,7 @@
           <a:p>
             <a:fld id="{0055F08A-1E71-4B2B-BB49-E743F2903911}" type="datetime1">
               <a:rPr lang="en-US" smtClean="0"/>
-              <a:t>8/17/2021</a:t>
+              <a:t>8/24/2021</a:t>
             </a:fld>
             <a:endParaRPr lang="en-US" dirty="0"/>
           </a:p>
@@ -1213,7 +1216,7 @@
           <a:p>
             <a:fld id="{15417D9E-721A-44BB-8863-9873FE64DA75}" type="datetime1">
               <a:rPr lang="en-US" smtClean="0"/>
-              <a:t>8/17/2021</a:t>
+              <a:t>8/24/2021</a:t>
             </a:fld>
             <a:endParaRPr lang="en-US"/>
           </a:p>
@@ -1486,7 +1489,7 @@
           <a:p>
             <a:fld id="{5F31DA2F-80B8-49CF-99FB-5ABCA53A607A}" type="datetime1">
               <a:rPr lang="en-US" smtClean="0"/>
-              <a:t>8/17/2021</a:t>
+              <a:t>8/24/2021</a:t>
             </a:fld>
             <a:endParaRPr lang="en-US"/>
           </a:p>
@@ -1901,7 +1904,7 @@
           <a:p>
             <a:fld id="{28852172-E6C9-4B6C-929A-A9DE3837BBF1}" type="datetime1">
               <a:rPr lang="en-US" smtClean="0"/>
-              <a:t>8/17/2021</a:t>
+              <a:t>8/24/2021</a:t>
             </a:fld>
             <a:endParaRPr lang="en-US"/>
           </a:p>
@@ -2053,7 +2056,7 @@
           <a:p>
             <a:fld id="{3AB41CFF-90C9-47B3-9DA1-F2BF8D839F7E}" type="datetime1">
               <a:rPr lang="en-US" smtClean="0"/>
-              <a:t>8/17/2021</a:t>
+              <a:t>8/24/2021</a:t>
             </a:fld>
             <a:endParaRPr lang="en-US"/>
           </a:p>
@@ -2166,7 +2169,7 @@
           <a:p>
             <a:fld id="{F06048FA-06AB-4884-A69B-986B96E68A24}" type="datetime1">
               <a:rPr lang="en-US" smtClean="0"/>
-              <a:t>8/17/2021</a:t>
+              <a:t>8/24/2021</a:t>
             </a:fld>
             <a:endParaRPr lang="en-US"/>
           </a:p>
@@ -2477,7 +2480,7 @@
           <a:p>
             <a:fld id="{50DB7ABA-0172-4F9C-889D-567164F66BCD}" type="datetime1">
               <a:rPr lang="en-US" smtClean="0"/>
-              <a:t>8/17/2021</a:t>
+              <a:t>8/24/2021</a:t>
             </a:fld>
             <a:endParaRPr lang="en-US"/>
           </a:p>
@@ -2768,7 +2771,7 @@
           <a:p>
             <a:fld id="{78AC6A5B-8AE7-4A41-B5A7-9ADC6686DC18}" type="datetime1">
               <a:rPr lang="en-US" smtClean="0"/>
-              <a:t>8/17/2021</a:t>
+              <a:t>8/24/2021</a:t>
             </a:fld>
             <a:endParaRPr lang="en-US"/>
           </a:p>
@@ -3077,7 +3080,7 @@
             <a:fld id="{57E0CF6C-748E-4B7A-BC8B-3011EF78ED13}" type="datetime1">
               <a:rPr lang="en-US" smtClean="0"/>
               <a:pPr/>
-              <a:t>8/17/2021</a:t>
+              <a:t>8/24/2021</a:t>
             </a:fld>
             <a:endParaRPr lang="en-US" dirty="0"/>
           </a:p>
@@ -5594,8 +5597,8 @@
         </p:nvSpPr>
         <p:spPr>
           <a:xfrm>
-            <a:off x="581891" y="2892935"/>
-            <a:ext cx="13267927" cy="3039825"/>
+            <a:off x="1911927" y="2227185"/>
+            <a:ext cx="10476677" cy="2718888"/>
           </a:xfrm>
           <a:prstGeom prst="rect">
             <a:avLst/>
@@ -5645,8 +5648,8 @@
         </p:nvSpPr>
         <p:spPr>
           <a:xfrm>
-            <a:off x="581891" y="6704292"/>
-            <a:ext cx="13267927" cy="3038400"/>
+            <a:off x="1911927" y="5072033"/>
+            <a:ext cx="10476677" cy="2718888"/>
           </a:xfrm>
           <a:prstGeom prst="rect">
             <a:avLst/>
@@ -5696,7 +5699,7 @@
         </p:nvSpPr>
         <p:spPr>
           <a:xfrm>
-            <a:off x="5308448" y="2906454"/>
+            <a:off x="5308448" y="2179089"/>
             <a:ext cx="3789504" cy="684807"/>
           </a:xfrm>
           <a:prstGeom prst="rect">
@@ -5728,7 +5731,7 @@
                 </a:effectLst>
                 <a:latin typeface="Exo 2 Extra Bold" panose="00000900000000000000" pitchFamily="50" charset="0"/>
               </a:rPr>
-              <a:t>Chave 1</a:t>
+              <a:t>Semifinal</a:t>
             </a:r>
           </a:p>
         </p:txBody>
@@ -5747,7 +5750,7 @@
         </p:nvSpPr>
         <p:spPr>
           <a:xfrm>
-            <a:off x="5321993" y="6726594"/>
+            <a:off x="5321993" y="5022489"/>
             <a:ext cx="3789503" cy="684807"/>
           </a:xfrm>
           <a:prstGeom prst="rect">
@@ -5779,7 +5782,109 @@
                 </a:effectLst>
                 <a:latin typeface="Exo 2 Extra Bold" panose="00000900000000000000" pitchFamily="50" charset="0"/>
               </a:rPr>
-              <a:t>Chave 2</a:t>
+              <a:t>Campeão</a:t>
+            </a:r>
+          </a:p>
+        </p:txBody>
+      </p:sp>
+      <p:sp>
+        <p:nvSpPr>
+          <p:cNvPr id="18" name="Retângulo 17">
+            <a:extLst>
+              <a:ext uri="{FF2B5EF4-FFF2-40B4-BE49-F238E27FC236}">
+                <a16:creationId xmlns:a16="http://schemas.microsoft.com/office/drawing/2014/main" id="{3128898C-0A57-4F19-8491-B43E8301569E}"/>
+              </a:ext>
+            </a:extLst>
+          </p:cNvPr>
+          <p:cNvSpPr/>
+          <p:nvPr/>
+        </p:nvSpPr>
+        <p:spPr>
+          <a:xfrm>
+            <a:off x="1918853" y="7946853"/>
+            <a:ext cx="10476677" cy="2718888"/>
+          </a:xfrm>
+          <a:prstGeom prst="rect">
+            <a:avLst/>
+          </a:prstGeom>
+          <a:solidFill>
+            <a:schemeClr val="tx1">
+              <a:alpha val="81000"/>
+            </a:schemeClr>
+          </a:solidFill>
+        </p:spPr>
+        <p:style>
+          <a:lnRef idx="2">
+            <a:schemeClr val="accent1">
+              <a:shade val="50000"/>
+            </a:schemeClr>
+          </a:lnRef>
+          <a:fillRef idx="1">
+            <a:schemeClr val="accent1"/>
+          </a:fillRef>
+          <a:effectRef idx="0">
+            <a:schemeClr val="accent1"/>
+          </a:effectRef>
+          <a:fontRef idx="minor">
+            <a:schemeClr val="lt1"/>
+          </a:fontRef>
+        </p:style>
+        <p:txBody>
+          <a:bodyPr rtlCol="0" anchor="ctr"/>
+          <a:lstStyle/>
+          <a:p>
+            <a:pPr algn="ctr"/>
+            <a:endParaRPr lang="pt-BR"/>
+          </a:p>
+        </p:txBody>
+      </p:sp>
+      <p:sp>
+        <p:nvSpPr>
+          <p:cNvPr id="19" name="Retângulo 18">
+            <a:extLst>
+              <a:ext uri="{FF2B5EF4-FFF2-40B4-BE49-F238E27FC236}">
+                <a16:creationId xmlns:a16="http://schemas.microsoft.com/office/drawing/2014/main" id="{233846BD-32E7-4324-ADF6-449F12B78362}"/>
+              </a:ext>
+            </a:extLst>
+          </p:cNvPr>
+          <p:cNvSpPr/>
+          <p:nvPr/>
+        </p:nvSpPr>
+        <p:spPr>
+          <a:xfrm>
+            <a:off x="5328919" y="7897309"/>
+            <a:ext cx="3789503" cy="684807"/>
+          </a:xfrm>
+          <a:prstGeom prst="rect">
+            <a:avLst/>
+          </a:prstGeom>
+          <a:noFill/>
+        </p:spPr>
+        <p:txBody>
+          <a:bodyPr wrap="square" lIns="68584" tIns="34292" rIns="68584" bIns="34292">
+            <a:spAutoFit/>
+          </a:bodyPr>
+          <a:lstStyle/>
+          <a:p>
+            <a:pPr algn="ctr"/>
+            <a:r>
+              <a:rPr lang="pt-BR" sz="4000" dirty="0">
+                <a:ln w="0">
+                  <a:noFill/>
+                </a:ln>
+                <a:solidFill>
+                  <a:srgbClr val="0070C0"/>
+                </a:solidFill>
+                <a:effectLst>
+                  <a:outerShdw blurRad="38100" dist="19050" dir="2700000" algn="tl" rotWithShape="0">
+                    <a:schemeClr val="dk1">
+                      <a:alpha val="40000"/>
+                    </a:schemeClr>
+                  </a:outerShdw>
+                </a:effectLst>
+                <a:latin typeface="Exo 2 Extra Bold" panose="00000900000000000000" pitchFamily="50" charset="0"/>
+              </a:rPr>
+              <a:t>3º Lugar</a:t>
             </a:r>
           </a:p>
         </p:txBody>
@@ -5789,7 +5894,7 @@
           <p:cNvPr id="4" name="Imagem 3">
             <a:extLst>
               <a:ext uri="{FF2B5EF4-FFF2-40B4-BE49-F238E27FC236}">
-                <a16:creationId xmlns:a16="http://schemas.microsoft.com/office/drawing/2014/main" id="{5CF366E0-D2C5-4FCB-A17F-DA976899D5D0}"/>
+                <a16:creationId xmlns:a16="http://schemas.microsoft.com/office/drawing/2014/main" id="{AAFFB090-0801-43D0-93D1-7A5BEEAED204}"/>
               </a:ext>
             </a:extLst>
           </p:cNvPr>
@@ -5806,8 +5911,8 @@
         </p:blipFill>
         <p:spPr>
           <a:xfrm>
-            <a:off x="930516" y="4017762"/>
-            <a:ext cx="12600000" cy="1054245"/>
+            <a:off x="2363670" y="2875136"/>
+            <a:ext cx="9720000" cy="1881294"/>
           </a:xfrm>
           <a:prstGeom prst="rect">
             <a:avLst/>
@@ -5819,7 +5924,7 @@
           <p:cNvPr id="6" name="Imagem 5">
             <a:extLst>
               <a:ext uri="{FF2B5EF4-FFF2-40B4-BE49-F238E27FC236}">
-                <a16:creationId xmlns:a16="http://schemas.microsoft.com/office/drawing/2014/main" id="{CA16256D-0225-495F-B5CC-1A048F9541EA}"/>
+                <a16:creationId xmlns:a16="http://schemas.microsoft.com/office/drawing/2014/main" id="{406FDB32-C915-446B-A3F0-36F5B9455173}"/>
               </a:ext>
             </a:extLst>
           </p:cNvPr>
@@ -5836,8 +5941,38 @@
         </p:blipFill>
         <p:spPr>
           <a:xfrm>
-            <a:off x="918246" y="7946333"/>
-            <a:ext cx="12600000" cy="1054279"/>
+            <a:off x="2353041" y="6157476"/>
+            <a:ext cx="9720000" cy="813285"/>
+          </a:xfrm>
+          <a:prstGeom prst="rect">
+            <a:avLst/>
+          </a:prstGeom>
+        </p:spPr>
+      </p:pic>
+      <p:pic>
+        <p:nvPicPr>
+          <p:cNvPr id="8" name="Imagem 7">
+            <a:extLst>
+              <a:ext uri="{FF2B5EF4-FFF2-40B4-BE49-F238E27FC236}">
+                <a16:creationId xmlns:a16="http://schemas.microsoft.com/office/drawing/2014/main" id="{5CC9C58A-8EDA-485C-B0A4-32CB078F1880}"/>
+              </a:ext>
+            </a:extLst>
+          </p:cNvPr>
+          <p:cNvPicPr>
+            <a:picLocks noChangeAspect="1"/>
+          </p:cNvPicPr>
+          <p:nvPr/>
+        </p:nvPicPr>
+        <p:blipFill>
+          <a:blip r:embed="rId7"/>
+          <a:stretch>
+            <a:fillRect/>
+          </a:stretch>
+        </p:blipFill>
+        <p:spPr>
+          <a:xfrm>
+            <a:off x="2359537" y="9033564"/>
+            <a:ext cx="9720000" cy="813285"/>
           </a:xfrm>
           <a:prstGeom prst="rect">
             <a:avLst/>
@@ -5847,7 +5982,7 @@
     </p:spTree>
     <p:extLst>
       <p:ext uri="{BB962C8B-B14F-4D97-AF65-F5344CB8AC3E}">
-        <p14:creationId xmlns:p14="http://schemas.microsoft.com/office/powerpoint/2010/main" val="2200666842"/>
+        <p14:creationId xmlns:p14="http://schemas.microsoft.com/office/powerpoint/2010/main" val="3809854354"/>
       </p:ext>
     </p:extLst>
   </p:cSld>
@@ -6334,8 +6469,8 @@
         </p:nvSpPr>
         <p:spPr>
           <a:xfrm>
-            <a:off x="581891" y="2892935"/>
-            <a:ext cx="13267927" cy="3039825"/>
+            <a:off x="1911927" y="2227185"/>
+            <a:ext cx="10476677" cy="2718888"/>
           </a:xfrm>
           <a:prstGeom prst="rect">
             <a:avLst/>
@@ -6385,8 +6520,8 @@
         </p:nvSpPr>
         <p:spPr>
           <a:xfrm>
-            <a:off x="581891" y="6704292"/>
-            <a:ext cx="13267927" cy="3038400"/>
+            <a:off x="1911927" y="5072033"/>
+            <a:ext cx="10476677" cy="2718888"/>
           </a:xfrm>
           <a:prstGeom prst="rect">
             <a:avLst/>
@@ -6424,10 +6559,10 @@
       </p:sp>
       <p:sp>
         <p:nvSpPr>
-          <p:cNvPr id="23" name="Retângulo 22">
-            <a:extLst>
-              <a:ext uri="{FF2B5EF4-FFF2-40B4-BE49-F238E27FC236}">
-                <a16:creationId xmlns:a16="http://schemas.microsoft.com/office/drawing/2014/main" id="{ED87CD67-A438-4F74-986A-3704AF997953}"/>
+          <p:cNvPr id="18" name="Retângulo 17">
+            <a:extLst>
+              <a:ext uri="{FF2B5EF4-FFF2-40B4-BE49-F238E27FC236}">
+                <a16:creationId xmlns:a16="http://schemas.microsoft.com/office/drawing/2014/main" id="{3128898C-0A57-4F19-8491-B43E8301569E}"/>
               </a:ext>
             </a:extLst>
           </p:cNvPr>
@@ -6436,7 +6571,58 @@
         </p:nvSpPr>
         <p:spPr>
           <a:xfrm>
-            <a:off x="5308448" y="2906454"/>
+            <a:off x="1918853" y="7946853"/>
+            <a:ext cx="10476677" cy="2718888"/>
+          </a:xfrm>
+          <a:prstGeom prst="rect">
+            <a:avLst/>
+          </a:prstGeom>
+          <a:solidFill>
+            <a:schemeClr val="tx1">
+              <a:alpha val="81000"/>
+            </a:schemeClr>
+          </a:solidFill>
+        </p:spPr>
+        <p:style>
+          <a:lnRef idx="2">
+            <a:schemeClr val="accent1">
+              <a:shade val="50000"/>
+            </a:schemeClr>
+          </a:lnRef>
+          <a:fillRef idx="1">
+            <a:schemeClr val="accent1"/>
+          </a:fillRef>
+          <a:effectRef idx="0">
+            <a:schemeClr val="accent1"/>
+          </a:effectRef>
+          <a:fontRef idx="minor">
+            <a:schemeClr val="lt1"/>
+          </a:fontRef>
+        </p:style>
+        <p:txBody>
+          <a:bodyPr rtlCol="0" anchor="ctr"/>
+          <a:lstStyle/>
+          <a:p>
+            <a:pPr algn="ctr"/>
+            <a:endParaRPr lang="pt-BR"/>
+          </a:p>
+        </p:txBody>
+      </p:sp>
+      <p:sp>
+        <p:nvSpPr>
+          <p:cNvPr id="25" name="Retângulo 24">
+            <a:extLst>
+              <a:ext uri="{FF2B5EF4-FFF2-40B4-BE49-F238E27FC236}">
+                <a16:creationId xmlns:a16="http://schemas.microsoft.com/office/drawing/2014/main" id="{A09E16B2-7C74-4C13-9219-0E6412B9F44B}"/>
+              </a:ext>
+            </a:extLst>
+          </p:cNvPr>
+          <p:cNvSpPr/>
+          <p:nvPr/>
+        </p:nvSpPr>
+        <p:spPr>
+          <a:xfrm>
+            <a:off x="5308448" y="2179089"/>
             <a:ext cx="3789504" cy="684807"/>
           </a:xfrm>
           <a:prstGeom prst="rect">
@@ -6468,17 +6654,17 @@
                 </a:effectLst>
                 <a:latin typeface="Exo 2 Extra Bold" panose="00000900000000000000" pitchFamily="50" charset="0"/>
               </a:rPr>
-              <a:t>Chave 1</a:t>
+              <a:t>Semifinal</a:t>
             </a:r>
           </a:p>
         </p:txBody>
       </p:sp>
       <p:sp>
         <p:nvSpPr>
-          <p:cNvPr id="24" name="Retângulo 23">
-            <a:extLst>
-              <a:ext uri="{FF2B5EF4-FFF2-40B4-BE49-F238E27FC236}">
-                <a16:creationId xmlns:a16="http://schemas.microsoft.com/office/drawing/2014/main" id="{522A4ACC-EC27-4A14-BA66-B0EB03535C7B}"/>
+          <p:cNvPr id="26" name="Retângulo 25">
+            <a:extLst>
+              <a:ext uri="{FF2B5EF4-FFF2-40B4-BE49-F238E27FC236}">
+                <a16:creationId xmlns:a16="http://schemas.microsoft.com/office/drawing/2014/main" id="{836C358E-4A49-45F6-A3E5-A798F09F5911}"/>
               </a:ext>
             </a:extLst>
           </p:cNvPr>
@@ -6487,7 +6673,7 @@
         </p:nvSpPr>
         <p:spPr>
           <a:xfrm>
-            <a:off x="5321993" y="6726594"/>
+            <a:off x="5321993" y="5022489"/>
             <a:ext cx="3789503" cy="684807"/>
           </a:xfrm>
           <a:prstGeom prst="rect">
@@ -6519,17 +6705,68 @@
                 </a:effectLst>
                 <a:latin typeface="Exo 2 Extra Bold" panose="00000900000000000000" pitchFamily="50" charset="0"/>
               </a:rPr>
-              <a:t>Chave 2</a:t>
+              <a:t>Campeão</a:t>
+            </a:r>
+          </a:p>
+        </p:txBody>
+      </p:sp>
+      <p:sp>
+        <p:nvSpPr>
+          <p:cNvPr id="27" name="Retângulo 26">
+            <a:extLst>
+              <a:ext uri="{FF2B5EF4-FFF2-40B4-BE49-F238E27FC236}">
+                <a16:creationId xmlns:a16="http://schemas.microsoft.com/office/drawing/2014/main" id="{4AC9D068-7C16-464F-89BF-6D23B2411B38}"/>
+              </a:ext>
+            </a:extLst>
+          </p:cNvPr>
+          <p:cNvSpPr/>
+          <p:nvPr/>
+        </p:nvSpPr>
+        <p:spPr>
+          <a:xfrm>
+            <a:off x="5328919" y="7897309"/>
+            <a:ext cx="3789503" cy="684807"/>
+          </a:xfrm>
+          <a:prstGeom prst="rect">
+            <a:avLst/>
+          </a:prstGeom>
+          <a:noFill/>
+        </p:spPr>
+        <p:txBody>
+          <a:bodyPr wrap="square" lIns="68584" tIns="34292" rIns="68584" bIns="34292">
+            <a:spAutoFit/>
+          </a:bodyPr>
+          <a:lstStyle/>
+          <a:p>
+            <a:pPr algn="ctr"/>
+            <a:r>
+              <a:rPr lang="pt-BR" sz="4000" dirty="0">
+                <a:ln w="0">
+                  <a:noFill/>
+                </a:ln>
+                <a:solidFill>
+                  <a:srgbClr val="0070C0"/>
+                </a:solidFill>
+                <a:effectLst>
+                  <a:outerShdw blurRad="38100" dist="19050" dir="2700000" algn="tl" rotWithShape="0">
+                    <a:schemeClr val="dk1">
+                      <a:alpha val="40000"/>
+                    </a:schemeClr>
+                  </a:outerShdw>
+                </a:effectLst>
+                <a:latin typeface="Exo 2 Extra Bold" panose="00000900000000000000" pitchFamily="50" charset="0"/>
+              </a:rPr>
+              <a:t>3º Lugar</a:t>
             </a:r>
           </a:p>
         </p:txBody>
       </p:sp>
       <p:pic>
         <p:nvPicPr>
-          <p:cNvPr id="4" name="Imagem 3">
-            <a:extLst>
-              <a:ext uri="{FF2B5EF4-FFF2-40B4-BE49-F238E27FC236}">
-                <a16:creationId xmlns:a16="http://schemas.microsoft.com/office/drawing/2014/main" id="{595D0380-36B5-417C-A283-D734C6988265}"/>
+          <p:cNvPr id="3" name="Imagem 2">
+            <a:extLst>
+              <a:ext uri="{FF2B5EF4-FFF2-40B4-BE49-F238E27FC236}">
+                <a16:creationId xmlns:a16="http://schemas.microsoft.com/office/drawing/2014/main" id="{4BD1389E-B67A-4C90-B26E-6DBF2E897F6D}"/>
               </a:ext>
             </a:extLst>
           </p:cNvPr>
@@ -6546,8 +6783,8 @@
         </p:blipFill>
         <p:spPr>
           <a:xfrm>
-            <a:off x="924882" y="4017759"/>
-            <a:ext cx="12600000" cy="1054279"/>
+            <a:off x="2359537" y="2876850"/>
+            <a:ext cx="9720000" cy="1881294"/>
           </a:xfrm>
           <a:prstGeom prst="rect">
             <a:avLst/>
@@ -6559,7 +6796,7 @@
           <p:cNvPr id="6" name="Imagem 5">
             <a:extLst>
               <a:ext uri="{FF2B5EF4-FFF2-40B4-BE49-F238E27FC236}">
-                <a16:creationId xmlns:a16="http://schemas.microsoft.com/office/drawing/2014/main" id="{31E664DF-5DD8-44E6-8E6F-512A04160728}"/>
+                <a16:creationId xmlns:a16="http://schemas.microsoft.com/office/drawing/2014/main" id="{B76B801F-5309-4D3A-B53B-F1AF855EFEB9}"/>
               </a:ext>
             </a:extLst>
           </p:cNvPr>
@@ -6576,8 +6813,38 @@
         </p:blipFill>
         <p:spPr>
           <a:xfrm>
-            <a:off x="921597" y="7945663"/>
-            <a:ext cx="12600000" cy="1054279"/>
+            <a:off x="2359537" y="6155639"/>
+            <a:ext cx="9720000" cy="813285"/>
+          </a:xfrm>
+          <a:prstGeom prst="rect">
+            <a:avLst/>
+          </a:prstGeom>
+        </p:spPr>
+      </p:pic>
+      <p:pic>
+        <p:nvPicPr>
+          <p:cNvPr id="7" name="Imagem 6">
+            <a:extLst>
+              <a:ext uri="{FF2B5EF4-FFF2-40B4-BE49-F238E27FC236}">
+                <a16:creationId xmlns:a16="http://schemas.microsoft.com/office/drawing/2014/main" id="{E5A85E8C-3599-439F-B68D-F3510F771DAA}"/>
+              </a:ext>
+            </a:extLst>
+          </p:cNvPr>
+          <p:cNvPicPr>
+            <a:picLocks noChangeAspect="1"/>
+          </p:cNvPicPr>
+          <p:nvPr/>
+        </p:nvPicPr>
+        <p:blipFill>
+          <a:blip r:embed="rId7"/>
+          <a:stretch>
+            <a:fillRect/>
+          </a:stretch>
+        </p:blipFill>
+        <p:spPr>
+          <a:xfrm>
+            <a:off x="2360887" y="9040952"/>
+            <a:ext cx="9720000" cy="813285"/>
           </a:xfrm>
           <a:prstGeom prst="rect">
             <a:avLst/>
@@ -6587,7 +6854,7 @@
     </p:spTree>
     <p:extLst>
       <p:ext uri="{BB962C8B-B14F-4D97-AF65-F5344CB8AC3E}">
-        <p14:creationId xmlns:p14="http://schemas.microsoft.com/office/powerpoint/2010/main" val="984674890"/>
+        <p14:creationId xmlns:p14="http://schemas.microsoft.com/office/powerpoint/2010/main" val="2723939736"/>
       </p:ext>
     </p:extLst>
   </p:cSld>
@@ -6937,8 +7204,8 @@
         </p:nvSpPr>
         <p:spPr>
           <a:xfrm>
-            <a:off x="0" y="2892935"/>
-            <a:ext cx="14400213" cy="3039825"/>
+            <a:off x="-1" y="2227185"/>
+            <a:ext cx="14400214" cy="2116143"/>
           </a:xfrm>
           <a:prstGeom prst="rect">
             <a:avLst/>
@@ -6988,8 +7255,8 @@
         </p:nvSpPr>
         <p:spPr>
           <a:xfrm>
-            <a:off x="-2" y="6704292"/>
-            <a:ext cx="14400215" cy="3038400"/>
+            <a:off x="-1" y="5072033"/>
+            <a:ext cx="14400213" cy="2114696"/>
           </a:xfrm>
           <a:prstGeom prst="rect">
             <a:avLst/>
@@ -7027,112 +7294,10 @@
       </p:sp>
       <p:sp>
         <p:nvSpPr>
-          <p:cNvPr id="23" name="Retângulo 22">
-            <a:extLst>
-              <a:ext uri="{FF2B5EF4-FFF2-40B4-BE49-F238E27FC236}">
-                <a16:creationId xmlns:a16="http://schemas.microsoft.com/office/drawing/2014/main" id="{ED87CD67-A438-4F74-986A-3704AF997953}"/>
-              </a:ext>
-            </a:extLst>
-          </p:cNvPr>
-          <p:cNvSpPr/>
-          <p:nvPr/>
-        </p:nvSpPr>
-        <p:spPr>
-          <a:xfrm>
-            <a:off x="5308448" y="2906454"/>
-            <a:ext cx="3789504" cy="684807"/>
-          </a:xfrm>
-          <a:prstGeom prst="rect">
-            <a:avLst/>
-          </a:prstGeom>
-          <a:noFill/>
-        </p:spPr>
-        <p:txBody>
-          <a:bodyPr wrap="square" lIns="68584" tIns="34292" rIns="68584" bIns="34292">
-            <a:spAutoFit/>
-          </a:bodyPr>
-          <a:lstStyle/>
-          <a:p>
-            <a:pPr algn="ctr"/>
-            <a:r>
-              <a:rPr lang="pt-BR" sz="4000" dirty="0">
-                <a:ln w="0">
-                  <a:noFill/>
-                </a:ln>
-                <a:solidFill>
-                  <a:srgbClr val="0070C0"/>
-                </a:solidFill>
-                <a:effectLst>
-                  <a:outerShdw blurRad="38100" dist="19050" dir="2700000" algn="tl" rotWithShape="0">
-                    <a:schemeClr val="dk1">
-                      <a:alpha val="40000"/>
-                    </a:schemeClr>
-                  </a:outerShdw>
-                </a:effectLst>
-                <a:latin typeface="Exo 2 Extra Bold" panose="00000900000000000000" pitchFamily="50" charset="0"/>
-              </a:rPr>
-              <a:t>Chave 1</a:t>
-            </a:r>
-          </a:p>
-        </p:txBody>
-      </p:sp>
-      <p:sp>
-        <p:nvSpPr>
-          <p:cNvPr id="24" name="Retângulo 23">
-            <a:extLst>
-              <a:ext uri="{FF2B5EF4-FFF2-40B4-BE49-F238E27FC236}">
-                <a16:creationId xmlns:a16="http://schemas.microsoft.com/office/drawing/2014/main" id="{522A4ACC-EC27-4A14-BA66-B0EB03535C7B}"/>
-              </a:ext>
-            </a:extLst>
-          </p:cNvPr>
-          <p:cNvSpPr/>
-          <p:nvPr/>
-        </p:nvSpPr>
-        <p:spPr>
-          <a:xfrm>
-            <a:off x="5321993" y="6726594"/>
-            <a:ext cx="3789503" cy="684807"/>
-          </a:xfrm>
-          <a:prstGeom prst="rect">
-            <a:avLst/>
-          </a:prstGeom>
-          <a:noFill/>
-        </p:spPr>
-        <p:txBody>
-          <a:bodyPr wrap="square" lIns="68584" tIns="34292" rIns="68584" bIns="34292">
-            <a:spAutoFit/>
-          </a:bodyPr>
-          <a:lstStyle/>
-          <a:p>
-            <a:pPr algn="ctr"/>
-            <a:r>
-              <a:rPr lang="pt-BR" sz="4000" dirty="0">
-                <a:ln w="0">
-                  <a:noFill/>
-                </a:ln>
-                <a:solidFill>
-                  <a:srgbClr val="0070C0"/>
-                </a:solidFill>
-                <a:effectLst>
-                  <a:outerShdw blurRad="38100" dist="19050" dir="2700000" algn="tl" rotWithShape="0">
-                    <a:schemeClr val="dk1">
-                      <a:alpha val="40000"/>
-                    </a:schemeClr>
-                  </a:outerShdw>
-                </a:effectLst>
-                <a:latin typeface="Exo 2 Extra Bold" panose="00000900000000000000" pitchFamily="50" charset="0"/>
-              </a:rPr>
-              <a:t>Chave 2</a:t>
-            </a:r>
-          </a:p>
-        </p:txBody>
-      </p:sp>
-      <p:sp>
-        <p:nvSpPr>
           <p:cNvPr id="17" name="Retângulo 16">
             <a:extLst>
               <a:ext uri="{FF2B5EF4-FFF2-40B4-BE49-F238E27FC236}">
-                <a16:creationId xmlns:a16="http://schemas.microsoft.com/office/drawing/2014/main" id="{8794C713-7EA7-4B36-BA18-8311723E7777}"/>
+                <a16:creationId xmlns:a16="http://schemas.microsoft.com/office/drawing/2014/main" id="{F4C7C691-6F84-4E8E-B003-B5927B18D3B6}"/>
               </a:ext>
             </a:extLst>
           </p:cNvPr>
@@ -7199,6 +7364,2426 @@
           <p:cNvPr id="18" name="Imagem 17">
             <a:extLst>
               <a:ext uri="{FF2B5EF4-FFF2-40B4-BE49-F238E27FC236}">
+                <a16:creationId xmlns:a16="http://schemas.microsoft.com/office/drawing/2014/main" id="{394785E9-7DAA-48F1-9BC9-ACFA4FBBA57B}"/>
+              </a:ext>
+            </a:extLst>
+          </p:cNvPr>
+          <p:cNvPicPr>
+            <a:picLocks noChangeAspect="1"/>
+          </p:cNvPicPr>
+          <p:nvPr/>
+        </p:nvPicPr>
+        <p:blipFill>
+          <a:blip r:embed="rId4">
+            <a:extLst>
+              <a:ext uri="{28A0092B-C50C-407E-A947-70E740481C1C}">
+                <a14:useLocalDpi xmlns:a14="http://schemas.microsoft.com/office/drawing/2010/main" val="0"/>
+              </a:ext>
+            </a:extLst>
+          </a:blip>
+          <a:stretch>
+            <a:fillRect/>
+          </a:stretch>
+        </p:blipFill>
+        <p:spPr>
+          <a:xfrm>
+            <a:off x="31978" y="-1656"/>
+            <a:ext cx="2059134" cy="2160000"/>
+          </a:xfrm>
+          <a:prstGeom prst="rect">
+            <a:avLst/>
+          </a:prstGeom>
+        </p:spPr>
+      </p:pic>
+      <p:sp>
+        <p:nvSpPr>
+          <p:cNvPr id="19" name="Retângulo 18">
+            <a:extLst>
+              <a:ext uri="{FF2B5EF4-FFF2-40B4-BE49-F238E27FC236}">
+                <a16:creationId xmlns:a16="http://schemas.microsoft.com/office/drawing/2014/main" id="{6E41CDF3-294C-476F-A5F8-9BB13129E4F9}"/>
+              </a:ext>
+            </a:extLst>
+          </p:cNvPr>
+          <p:cNvSpPr/>
+          <p:nvPr/>
+        </p:nvSpPr>
+        <p:spPr>
+          <a:xfrm>
+            <a:off x="0" y="7319465"/>
+            <a:ext cx="14400213" cy="2468774"/>
+          </a:xfrm>
+          <a:prstGeom prst="rect">
+            <a:avLst/>
+          </a:prstGeom>
+          <a:solidFill>
+            <a:schemeClr val="tx1">
+              <a:alpha val="81000"/>
+            </a:schemeClr>
+          </a:solidFill>
+        </p:spPr>
+        <p:style>
+          <a:lnRef idx="2">
+            <a:schemeClr val="accent1">
+              <a:shade val="50000"/>
+            </a:schemeClr>
+          </a:lnRef>
+          <a:fillRef idx="1">
+            <a:schemeClr val="accent1"/>
+          </a:fillRef>
+          <a:effectRef idx="0">
+            <a:schemeClr val="accent1"/>
+          </a:effectRef>
+          <a:fontRef idx="minor">
+            <a:schemeClr val="lt1"/>
+          </a:fontRef>
+        </p:style>
+        <p:txBody>
+          <a:bodyPr rtlCol="0" anchor="ctr"/>
+          <a:lstStyle/>
+          <a:p>
+            <a:pPr algn="ctr"/>
+            <a:endParaRPr lang="pt-BR"/>
+          </a:p>
+        </p:txBody>
+      </p:sp>
+      <p:sp>
+        <p:nvSpPr>
+          <p:cNvPr id="25" name="Retângulo 24">
+            <a:extLst>
+              <a:ext uri="{FF2B5EF4-FFF2-40B4-BE49-F238E27FC236}">
+                <a16:creationId xmlns:a16="http://schemas.microsoft.com/office/drawing/2014/main" id="{FF9F9529-1035-48B4-9B04-2F9F4C802C18}"/>
+              </a:ext>
+            </a:extLst>
+          </p:cNvPr>
+          <p:cNvSpPr/>
+          <p:nvPr/>
+        </p:nvSpPr>
+        <p:spPr>
+          <a:xfrm>
+            <a:off x="5308448" y="2241435"/>
+            <a:ext cx="3789504" cy="684807"/>
+          </a:xfrm>
+          <a:prstGeom prst="rect">
+            <a:avLst/>
+          </a:prstGeom>
+          <a:noFill/>
+        </p:spPr>
+        <p:txBody>
+          <a:bodyPr wrap="square" lIns="68584" tIns="34292" rIns="68584" bIns="34292">
+            <a:spAutoFit/>
+          </a:bodyPr>
+          <a:lstStyle/>
+          <a:p>
+            <a:pPr algn="ctr"/>
+            <a:r>
+              <a:rPr lang="pt-BR" sz="4000" dirty="0">
+                <a:ln w="0">
+                  <a:noFill/>
+                </a:ln>
+                <a:solidFill>
+                  <a:srgbClr val="0070C0"/>
+                </a:solidFill>
+                <a:effectLst>
+                  <a:outerShdw blurRad="38100" dist="19050" dir="2700000" algn="tl" rotWithShape="0">
+                    <a:schemeClr val="dk1">
+                      <a:alpha val="40000"/>
+                    </a:schemeClr>
+                  </a:outerShdw>
+                </a:effectLst>
+                <a:latin typeface="Exo 2 Extra Bold" panose="00000900000000000000" pitchFamily="50" charset="0"/>
+              </a:rPr>
+              <a:t>Semifinal</a:t>
+            </a:r>
+          </a:p>
+        </p:txBody>
+      </p:sp>
+      <p:sp>
+        <p:nvSpPr>
+          <p:cNvPr id="26" name="Retângulo 25">
+            <a:extLst>
+              <a:ext uri="{FF2B5EF4-FFF2-40B4-BE49-F238E27FC236}">
+                <a16:creationId xmlns:a16="http://schemas.microsoft.com/office/drawing/2014/main" id="{6EA7F4DA-5687-4D08-88B0-16C73AB4E246}"/>
+              </a:ext>
+            </a:extLst>
+          </p:cNvPr>
+          <p:cNvSpPr/>
+          <p:nvPr/>
+        </p:nvSpPr>
+        <p:spPr>
+          <a:xfrm>
+            <a:off x="5321993" y="5084836"/>
+            <a:ext cx="3789503" cy="684807"/>
+          </a:xfrm>
+          <a:prstGeom prst="rect">
+            <a:avLst/>
+          </a:prstGeom>
+          <a:noFill/>
+        </p:spPr>
+        <p:txBody>
+          <a:bodyPr wrap="square" lIns="68584" tIns="34292" rIns="68584" bIns="34292">
+            <a:spAutoFit/>
+          </a:bodyPr>
+          <a:lstStyle/>
+          <a:p>
+            <a:pPr algn="ctr"/>
+            <a:r>
+              <a:rPr lang="pt-BR" sz="4000" dirty="0">
+                <a:ln w="0">
+                  <a:noFill/>
+                </a:ln>
+                <a:solidFill>
+                  <a:srgbClr val="0070C0"/>
+                </a:solidFill>
+                <a:effectLst>
+                  <a:outerShdw blurRad="38100" dist="19050" dir="2700000" algn="tl" rotWithShape="0">
+                    <a:schemeClr val="dk1">
+                      <a:alpha val="40000"/>
+                    </a:schemeClr>
+                  </a:outerShdw>
+                </a:effectLst>
+                <a:latin typeface="Exo 2 Extra Bold" panose="00000900000000000000" pitchFamily="50" charset="0"/>
+              </a:rPr>
+              <a:t>Campeão</a:t>
+            </a:r>
+          </a:p>
+        </p:txBody>
+      </p:sp>
+      <p:sp>
+        <p:nvSpPr>
+          <p:cNvPr id="27" name="Retângulo 26">
+            <a:extLst>
+              <a:ext uri="{FF2B5EF4-FFF2-40B4-BE49-F238E27FC236}">
+                <a16:creationId xmlns:a16="http://schemas.microsoft.com/office/drawing/2014/main" id="{E76962F7-5742-4CA3-8EDA-CA35E06E82C3}"/>
+              </a:ext>
+            </a:extLst>
+          </p:cNvPr>
+          <p:cNvSpPr/>
+          <p:nvPr/>
+        </p:nvSpPr>
+        <p:spPr>
+          <a:xfrm>
+            <a:off x="5328919" y="7336199"/>
+            <a:ext cx="3789503" cy="684807"/>
+          </a:xfrm>
+          <a:prstGeom prst="rect">
+            <a:avLst/>
+          </a:prstGeom>
+          <a:noFill/>
+        </p:spPr>
+        <p:txBody>
+          <a:bodyPr wrap="square" lIns="68584" tIns="34292" rIns="68584" bIns="34292">
+            <a:spAutoFit/>
+          </a:bodyPr>
+          <a:lstStyle/>
+          <a:p>
+            <a:pPr algn="ctr"/>
+            <a:r>
+              <a:rPr lang="pt-BR" sz="4000" dirty="0">
+                <a:ln w="0">
+                  <a:noFill/>
+                </a:ln>
+                <a:solidFill>
+                  <a:srgbClr val="0070C0"/>
+                </a:solidFill>
+                <a:effectLst>
+                  <a:outerShdw blurRad="38100" dist="19050" dir="2700000" algn="tl" rotWithShape="0">
+                    <a:schemeClr val="dk1">
+                      <a:alpha val="40000"/>
+                    </a:schemeClr>
+                  </a:outerShdw>
+                </a:effectLst>
+                <a:latin typeface="Exo 2 Extra Bold" panose="00000900000000000000" pitchFamily="50" charset="0"/>
+              </a:rPr>
+              <a:t>3º Lugar</a:t>
+            </a:r>
+          </a:p>
+        </p:txBody>
+      </p:sp>
+      <p:pic>
+        <p:nvPicPr>
+          <p:cNvPr id="4" name="Imagem 3">
+            <a:extLst>
+              <a:ext uri="{FF2B5EF4-FFF2-40B4-BE49-F238E27FC236}">
+                <a16:creationId xmlns:a16="http://schemas.microsoft.com/office/drawing/2014/main" id="{BD82A187-FEBD-4398-B0C8-B59EA7BA1B8D}"/>
+              </a:ext>
+            </a:extLst>
+          </p:cNvPr>
+          <p:cNvPicPr>
+            <a:picLocks noChangeAspect="1"/>
+          </p:cNvPicPr>
+          <p:nvPr/>
+        </p:nvPicPr>
+        <p:blipFill>
+          <a:blip r:embed="rId5"/>
+          <a:stretch>
+            <a:fillRect/>
+          </a:stretch>
+        </p:blipFill>
+        <p:spPr>
+          <a:xfrm>
+            <a:off x="414707" y="2931343"/>
+            <a:ext cx="13570795" cy="1260000"/>
+          </a:xfrm>
+          <a:prstGeom prst="rect">
+            <a:avLst/>
+          </a:prstGeom>
+        </p:spPr>
+      </p:pic>
+      <p:pic>
+        <p:nvPicPr>
+          <p:cNvPr id="6" name="Imagem 5">
+            <a:extLst>
+              <a:ext uri="{FF2B5EF4-FFF2-40B4-BE49-F238E27FC236}">
+                <a16:creationId xmlns:a16="http://schemas.microsoft.com/office/drawing/2014/main" id="{3A78D86E-FD10-4BFE-98C2-501BF20EA8B7}"/>
+              </a:ext>
+            </a:extLst>
+          </p:cNvPr>
+          <p:cNvPicPr>
+            <a:picLocks noChangeAspect="1"/>
+          </p:cNvPicPr>
+          <p:nvPr/>
+        </p:nvPicPr>
+        <p:blipFill>
+          <a:blip r:embed="rId6"/>
+          <a:stretch>
+            <a:fillRect/>
+          </a:stretch>
+        </p:blipFill>
+        <p:spPr>
+          <a:xfrm>
+            <a:off x="437670" y="6070619"/>
+            <a:ext cx="13572000" cy="510814"/>
+          </a:xfrm>
+          <a:prstGeom prst="rect">
+            <a:avLst/>
+          </a:prstGeom>
+        </p:spPr>
+      </p:pic>
+      <p:pic>
+        <p:nvPicPr>
+          <p:cNvPr id="7" name="Imagem 6">
+            <a:extLst>
+              <a:ext uri="{FF2B5EF4-FFF2-40B4-BE49-F238E27FC236}">
+                <a16:creationId xmlns:a16="http://schemas.microsoft.com/office/drawing/2014/main" id="{E8F0A550-32E0-4230-8DC1-DAB4BDAA54FC}"/>
+              </a:ext>
+            </a:extLst>
+          </p:cNvPr>
+          <p:cNvPicPr>
+            <a:picLocks noChangeAspect="1"/>
+          </p:cNvPicPr>
+          <p:nvPr/>
+        </p:nvPicPr>
+        <p:blipFill>
+          <a:blip r:embed="rId7"/>
+          <a:stretch>
+            <a:fillRect/>
+          </a:stretch>
+        </p:blipFill>
+        <p:spPr>
+          <a:xfrm>
+            <a:off x="445936" y="8526407"/>
+            <a:ext cx="13572000" cy="510814"/>
+          </a:xfrm>
+          <a:prstGeom prst="rect">
+            <a:avLst/>
+          </a:prstGeom>
+        </p:spPr>
+      </p:pic>
+    </p:spTree>
+    <p:extLst>
+      <p:ext uri="{BB962C8B-B14F-4D97-AF65-F5344CB8AC3E}">
+        <p14:creationId xmlns:p14="http://schemas.microsoft.com/office/powerpoint/2010/main" val="3757178869"/>
+      </p:ext>
+    </p:extLst>
+  </p:cSld>
+  <p:clrMapOvr>
+    <a:masterClrMapping/>
+  </p:clrMapOvr>
+</p:sld>
+</file>
+
+<file path=ppt/slides/slide14.xml><?xml version="1.0" encoding="utf-8"?>
+<p:sld xmlns:a="http://schemas.openxmlformats.org/drawingml/2006/main" xmlns:r="http://schemas.openxmlformats.org/officeDocument/2006/relationships" xmlns:p="http://schemas.openxmlformats.org/presentationml/2006/main">
+  <p:cSld>
+    <p:bg>
+      <p:bgPr>
+        <a:solidFill>
+          <a:schemeClr val="bg1"/>
+        </a:solidFill>
+        <a:effectLst/>
+      </p:bgPr>
+    </p:bg>
+    <p:spTree>
+      <p:nvGrpSpPr>
+        <p:cNvPr id="1" name=""/>
+        <p:cNvGrpSpPr/>
+        <p:nvPr/>
+      </p:nvGrpSpPr>
+      <p:grpSpPr>
+        <a:xfrm>
+          <a:off x="0" y="0"/>
+          <a:ext cx="0" cy="0"/>
+          <a:chOff x="0" y="0"/>
+          <a:chExt cx="0" cy="0"/>
+        </a:xfrm>
+      </p:grpSpPr>
+      <p:sp>
+        <p:nvSpPr>
+          <p:cNvPr id="13" name="Rectangle 9">
+            <a:extLst>
+              <a:ext uri="{FF2B5EF4-FFF2-40B4-BE49-F238E27FC236}">
+                <a16:creationId xmlns:a16="http://schemas.microsoft.com/office/drawing/2014/main" id="{0BABF38A-8A0D-492E-BD20-6CF4D46B50BD}"/>
+              </a:ext>
+              <a:ext uri="{C183D7F6-B498-43B3-948B-1728B52AA6E4}">
+                <adec:decorative xmlns:adec="http://schemas.microsoft.com/office/drawing/2017/decorative" val="1"/>
+              </a:ext>
+            </a:extLst>
+          </p:cNvPr>
+          <p:cNvSpPr>
+            <a:spLocks noGrp="1" noRot="1" noChangeAspect="1" noMove="1" noResize="1" noEditPoints="1" noAdjustHandles="1" noChangeArrowheads="1" noChangeShapeType="1" noTextEdit="1"/>
+          </p:cNvSpPr>
+          <p:nvPr>
+            <p:extLst>
+              <p:ext uri="{386F3935-93C4-4BCD-93E2-E3B085C9AB24}">
+                <p16:designElem xmlns:p16="http://schemas.microsoft.com/office/powerpoint/2015/main" val="1"/>
+              </p:ext>
+            </p:extLst>
+          </p:nvPr>
+        </p:nvSpPr>
+        <p:spPr>
+          <a:xfrm>
+            <a:off x="3149972" y="3121681"/>
+            <a:ext cx="8100269" cy="4556404"/>
+          </a:xfrm>
+          <a:prstGeom prst="rect">
+            <a:avLst/>
+          </a:prstGeom>
+          <a:solidFill>
+            <a:schemeClr val="bg2">
+              <a:lumMod val="90000"/>
+              <a:alpha val="70000"/>
+            </a:schemeClr>
+          </a:solidFill>
+          <a:ln>
+            <a:noFill/>
+          </a:ln>
+        </p:spPr>
+        <p:style>
+          <a:lnRef idx="2">
+            <a:schemeClr val="accent1">
+              <a:shade val="50000"/>
+            </a:schemeClr>
+          </a:lnRef>
+          <a:fillRef idx="1">
+            <a:schemeClr val="accent1"/>
+          </a:fillRef>
+          <a:effectRef idx="0">
+            <a:schemeClr val="accent1"/>
+          </a:effectRef>
+          <a:fontRef idx="minor">
+            <a:schemeClr val="lt1"/>
+          </a:fontRef>
+        </p:style>
+        <p:txBody>
+          <a:bodyPr rtlCol="0" anchor="ctr"/>
+          <a:lstStyle/>
+          <a:p>
+            <a:pPr algn="ctr">
+              <a:defRPr/>
+            </a:pPr>
+            <a:endParaRPr lang="en-US" sz="1196" dirty="0">
+              <a:solidFill>
+                <a:prstClr val="black">
+                  <a:lumMod val="65000"/>
+                  <a:lumOff val="35000"/>
+                </a:prstClr>
+              </a:solidFill>
+              <a:latin typeface="AvenirNext LT Pro Medium" panose="020B0504020202020204" pitchFamily="34" charset="0"/>
+            </a:endParaRPr>
+          </a:p>
+        </p:txBody>
+      </p:sp>
+      <p:pic>
+        <p:nvPicPr>
+          <p:cNvPr id="12" name="Picture 11">
+            <a:extLst>
+              <a:ext uri="{FF2B5EF4-FFF2-40B4-BE49-F238E27FC236}">
+                <a16:creationId xmlns:a16="http://schemas.microsoft.com/office/drawing/2014/main" id="{BC526B7A-4801-4FD1-95C8-03AF22629E87}"/>
+              </a:ext>
+              <a:ext uri="{C183D7F6-B498-43B3-948B-1728B52AA6E4}">
+                <adec:decorative xmlns:adec="http://schemas.microsoft.com/office/drawing/2017/decorative" val="1"/>
+              </a:ext>
+            </a:extLst>
+          </p:cNvPr>
+          <p:cNvPicPr>
+            <a:picLocks noGrp="1" noRot="1" noChangeAspect="1" noMove="1" noResize="1" noEditPoints="1" noAdjustHandles="1" noChangeArrowheads="1" noChangeShapeType="1" noCrop="1"/>
+          </p:cNvPicPr>
+          <p:nvPr>
+            <p:extLst>
+              <p:ext uri="{386F3935-93C4-4BCD-93E2-E3B085C9AB24}">
+                <p16:designElem xmlns:p16="http://schemas.microsoft.com/office/powerpoint/2015/main" val="1"/>
+              </p:ext>
+            </p:extLst>
+          </p:nvPr>
+        </p:nvPicPr>
+        <p:blipFill>
+          <a:blip r:embed="rId2">
+            <a:alphaModFix amt="10000"/>
+            <a:extLst>
+              <a:ext uri="{28A0092B-C50C-407E-A947-70E740481C1C}">
+                <a14:useLocalDpi xmlns:a14="http://schemas.microsoft.com/office/drawing/2010/main" val="0"/>
+              </a:ext>
+            </a:extLst>
+          </a:blip>
+          <a:stretch>
+            <a:fillRect/>
+          </a:stretch>
+        </p:blipFill>
+        <p:spPr>
+          <a:xfrm>
+            <a:off x="8820159" y="3121682"/>
+            <a:ext cx="2428095" cy="3039825"/>
+          </a:xfrm>
+          <a:prstGeom prst="rect">
+            <a:avLst/>
+          </a:prstGeom>
+        </p:spPr>
+      </p:pic>
+      <p:sp useBgFill="1">
+        <p:nvSpPr>
+          <p:cNvPr id="14" name="Rectangle 13">
+            <a:extLst>
+              <a:ext uri="{FF2B5EF4-FFF2-40B4-BE49-F238E27FC236}">
+                <a16:creationId xmlns:a16="http://schemas.microsoft.com/office/drawing/2014/main" id="{37FDDF72-DE39-4F99-A3C1-DD9D7815D7DB}"/>
+              </a:ext>
+              <a:ext uri="{C183D7F6-B498-43B3-948B-1728B52AA6E4}">
+                <adec:decorative xmlns:adec="http://schemas.microsoft.com/office/drawing/2017/decorative" val="1"/>
+              </a:ext>
+            </a:extLst>
+          </p:cNvPr>
+          <p:cNvSpPr>
+            <a:spLocks noGrp="1" noRot="1" noChangeAspect="1" noMove="1" noResize="1" noEditPoints="1" noAdjustHandles="1" noChangeArrowheads="1" noChangeShapeType="1" noTextEdit="1"/>
+          </p:cNvSpPr>
+          <p:nvPr>
+            <p:extLst>
+              <p:ext uri="{386F3935-93C4-4BCD-93E2-E3B085C9AB24}">
+                <p16:designElem xmlns:p16="http://schemas.microsoft.com/office/powerpoint/2015/main" val="1"/>
+              </p:ext>
+            </p:extLst>
+          </p:nvPr>
+        </p:nvSpPr>
+        <p:spPr>
+          <a:xfrm>
+            <a:off x="3149972" y="3121681"/>
+            <a:ext cx="8100269" cy="4556401"/>
+          </a:xfrm>
+          <a:prstGeom prst="rect">
+            <a:avLst/>
+          </a:prstGeom>
+          <a:ln>
+            <a:noFill/>
+          </a:ln>
+        </p:spPr>
+        <p:style>
+          <a:lnRef idx="2">
+            <a:schemeClr val="accent1">
+              <a:shade val="50000"/>
+            </a:schemeClr>
+          </a:lnRef>
+          <a:fillRef idx="1">
+            <a:schemeClr val="accent1"/>
+          </a:fillRef>
+          <a:effectRef idx="0">
+            <a:schemeClr val="accent1"/>
+          </a:effectRef>
+          <a:fontRef idx="minor">
+            <a:schemeClr val="lt1"/>
+          </a:fontRef>
+        </p:style>
+        <p:txBody>
+          <a:bodyPr rtlCol="0" anchor="ctr"/>
+          <a:lstStyle/>
+          <a:p>
+            <a:pPr algn="ctr">
+              <a:defRPr/>
+            </a:pPr>
+            <a:endParaRPr lang="en-US" sz="1196" dirty="0">
+              <a:solidFill>
+                <a:prstClr val="black">
+                  <a:lumMod val="65000"/>
+                  <a:lumOff val="35000"/>
+                </a:prstClr>
+              </a:solidFill>
+              <a:latin typeface="AvenirNext LT Pro Medium" panose="020B0504020202020204" pitchFamily="34" charset="0"/>
+            </a:endParaRPr>
+          </a:p>
+        </p:txBody>
+      </p:sp>
+      <p:sp>
+        <p:nvSpPr>
+          <p:cNvPr id="16" name="Rectangle 15">
+            <a:extLst>
+              <a:ext uri="{FF2B5EF4-FFF2-40B4-BE49-F238E27FC236}">
+                <a16:creationId xmlns:a16="http://schemas.microsoft.com/office/drawing/2014/main" id="{5E4ECE80-3AD1-450C-B62A-98788F193948}"/>
+              </a:ext>
+              <a:ext uri="{C183D7F6-B498-43B3-948B-1728B52AA6E4}">
+                <adec:decorative xmlns:adec="http://schemas.microsoft.com/office/drawing/2017/decorative" val="1"/>
+              </a:ext>
+            </a:extLst>
+          </p:cNvPr>
+          <p:cNvSpPr>
+            <a:spLocks noGrp="1" noRot="1" noChangeAspect="1" noMove="1" noResize="1" noEditPoints="1" noAdjustHandles="1" noChangeArrowheads="1" noChangeShapeType="1" noTextEdit="1"/>
+          </p:cNvSpPr>
+          <p:nvPr>
+            <p:extLst>
+              <p:ext uri="{386F3935-93C4-4BCD-93E2-E3B085C9AB24}">
+                <p16:designElem xmlns:p16="http://schemas.microsoft.com/office/powerpoint/2015/main" val="1"/>
+              </p:ext>
+            </p:extLst>
+          </p:nvPr>
+        </p:nvSpPr>
+        <p:spPr>
+          <a:xfrm>
+            <a:off x="3149972" y="3121681"/>
+            <a:ext cx="8100269" cy="4556401"/>
+          </a:xfrm>
+          <a:prstGeom prst="rect">
+            <a:avLst/>
+          </a:prstGeom>
+          <a:solidFill>
+            <a:srgbClr val="000000"/>
+          </a:solidFill>
+          <a:ln>
+            <a:noFill/>
+          </a:ln>
+        </p:spPr>
+        <p:style>
+          <a:lnRef idx="2">
+            <a:schemeClr val="accent1">
+              <a:shade val="50000"/>
+            </a:schemeClr>
+          </a:lnRef>
+          <a:fillRef idx="1">
+            <a:schemeClr val="accent1"/>
+          </a:fillRef>
+          <a:effectRef idx="0">
+            <a:schemeClr val="accent1"/>
+          </a:effectRef>
+          <a:fontRef idx="minor">
+            <a:schemeClr val="lt1"/>
+          </a:fontRef>
+        </p:style>
+        <p:txBody>
+          <a:bodyPr rtlCol="0" anchor="ctr"/>
+          <a:lstStyle/>
+          <a:p>
+            <a:pPr algn="ctr">
+              <a:defRPr/>
+            </a:pPr>
+            <a:endParaRPr lang="en-US" sz="1196" dirty="0">
+              <a:solidFill>
+                <a:prstClr val="black">
+                  <a:lumMod val="65000"/>
+                  <a:lumOff val="35000"/>
+                </a:prstClr>
+              </a:solidFill>
+              <a:latin typeface="AvenirNext LT Pro Medium" panose="020B0504020202020204" pitchFamily="34" charset="0"/>
+            </a:endParaRPr>
+          </a:p>
+        </p:txBody>
+      </p:sp>
+      <p:pic>
+        <p:nvPicPr>
+          <p:cNvPr id="5" name="Imagem 4">
+            <a:extLst>
+              <a:ext uri="{FF2B5EF4-FFF2-40B4-BE49-F238E27FC236}">
+                <a16:creationId xmlns:a16="http://schemas.microsoft.com/office/drawing/2014/main" id="{F1433EF1-FB6D-4913-96C9-08F0B1B3CA7A}"/>
+              </a:ext>
+            </a:extLst>
+          </p:cNvPr>
+          <p:cNvPicPr>
+            <a:picLocks noChangeAspect="1"/>
+          </p:cNvPicPr>
+          <p:nvPr/>
+        </p:nvPicPr>
+        <p:blipFill rotWithShape="1">
+          <a:blip r:embed="rId3">
+            <a:alphaModFix/>
+            <a:extLst>
+              <a:ext uri="{28A0092B-C50C-407E-A947-70E740481C1C}">
+                <a14:useLocalDpi xmlns:a14="http://schemas.microsoft.com/office/drawing/2010/main" val="0"/>
+              </a:ext>
+            </a:extLst>
+          </a:blip>
+          <a:srcRect l="5233" t="-2125" r="6244" b="-538"/>
+          <a:stretch/>
+        </p:blipFill>
+        <p:spPr>
+          <a:xfrm>
+            <a:off x="-1" y="-248909"/>
+            <a:ext cx="14400213" cy="11147555"/>
+          </a:xfrm>
+          <a:prstGeom prst="rect">
+            <a:avLst/>
+          </a:prstGeom>
+        </p:spPr>
+      </p:pic>
+      <p:sp>
+        <p:nvSpPr>
+          <p:cNvPr id="50" name="Retângulo 49">
+            <a:extLst>
+              <a:ext uri="{FF2B5EF4-FFF2-40B4-BE49-F238E27FC236}">
+                <a16:creationId xmlns:a16="http://schemas.microsoft.com/office/drawing/2014/main" id="{50614AED-75DE-4550-9029-54313F89BD12}"/>
+              </a:ext>
+            </a:extLst>
+          </p:cNvPr>
+          <p:cNvSpPr/>
+          <p:nvPr/>
+        </p:nvSpPr>
+        <p:spPr>
+          <a:xfrm>
+            <a:off x="3186646" y="311571"/>
+            <a:ext cx="8052791" cy="992583"/>
+          </a:xfrm>
+          <a:prstGeom prst="rect">
+            <a:avLst/>
+          </a:prstGeom>
+          <a:noFill/>
+        </p:spPr>
+        <p:txBody>
+          <a:bodyPr wrap="square" lIns="68584" tIns="34292" rIns="68584" bIns="34292">
+            <a:spAutoFit/>
+          </a:bodyPr>
+          <a:lstStyle/>
+          <a:p>
+            <a:pPr algn="ctr"/>
+            <a:r>
+              <a:rPr lang="pt-BR" sz="6000" dirty="0">
+                <a:ln w="38100">
+                  <a:solidFill>
+                    <a:schemeClr val="bg1"/>
+                  </a:solidFill>
+                </a:ln>
+                <a:solidFill>
+                  <a:srgbClr val="00B050"/>
+                </a:solidFill>
+                <a:effectLst>
+                  <a:outerShdw blurRad="38100" dist="19050" dir="2700000" algn="tl" rotWithShape="0">
+                    <a:schemeClr val="dk1">
+                      <a:alpha val="40000"/>
+                    </a:schemeClr>
+                  </a:outerShdw>
+                </a:effectLst>
+                <a:latin typeface="Exo 2 Extra Bold" panose="00000900000000000000" pitchFamily="50" charset="0"/>
+              </a:rPr>
+              <a:t>Liga Principal</a:t>
+            </a:r>
+          </a:p>
+        </p:txBody>
+      </p:sp>
+      <p:sp>
+        <p:nvSpPr>
+          <p:cNvPr id="53" name="Retângulo 52">
+            <a:extLst>
+              <a:ext uri="{FF2B5EF4-FFF2-40B4-BE49-F238E27FC236}">
+                <a16:creationId xmlns:a16="http://schemas.microsoft.com/office/drawing/2014/main" id="{F101E0BF-8A68-40B9-BC26-35C299182F52}"/>
+              </a:ext>
+            </a:extLst>
+          </p:cNvPr>
+          <p:cNvSpPr/>
+          <p:nvPr/>
+        </p:nvSpPr>
+        <p:spPr>
+          <a:xfrm>
+            <a:off x="336776" y="1104608"/>
+            <a:ext cx="13909452" cy="1177249"/>
+          </a:xfrm>
+          <a:prstGeom prst="rect">
+            <a:avLst/>
+          </a:prstGeom>
+          <a:noFill/>
+        </p:spPr>
+        <p:txBody>
+          <a:bodyPr wrap="square" lIns="68584" tIns="34292" rIns="68584" bIns="34292">
+            <a:spAutoFit/>
+          </a:bodyPr>
+          <a:lstStyle/>
+          <a:p>
+            <a:pPr algn="ctr"/>
+            <a:r>
+              <a:rPr lang="pt-BR" sz="7200" dirty="0">
+                <a:ln w="0">
+                  <a:noFill/>
+                </a:ln>
+                <a:effectLst>
+                  <a:outerShdw blurRad="38100" dist="19050" dir="2700000" algn="tl" rotWithShape="0">
+                    <a:schemeClr val="dk1">
+                      <a:alpha val="40000"/>
+                    </a:schemeClr>
+                  </a:outerShdw>
+                </a:effectLst>
+                <a:latin typeface="Exo 2 Extra Bold" panose="00000900000000000000" pitchFamily="50" charset="0"/>
+              </a:rPr>
+              <a:t>MATA-MATA SÉRIE A 3</a:t>
+            </a:r>
+          </a:p>
+        </p:txBody>
+      </p:sp>
+      <p:pic>
+        <p:nvPicPr>
+          <p:cNvPr id="15" name="Imagem 14">
+            <a:extLst>
+              <a:ext uri="{FF2B5EF4-FFF2-40B4-BE49-F238E27FC236}">
+                <a16:creationId xmlns:a16="http://schemas.microsoft.com/office/drawing/2014/main" id="{780D6AE4-2B31-43CF-8A3B-9ACC73C32FE9}"/>
+              </a:ext>
+            </a:extLst>
+          </p:cNvPr>
+          <p:cNvPicPr>
+            <a:picLocks noChangeAspect="1"/>
+          </p:cNvPicPr>
+          <p:nvPr/>
+        </p:nvPicPr>
+        <p:blipFill>
+          <a:blip r:embed="rId4">
+            <a:extLst>
+              <a:ext uri="{28A0092B-C50C-407E-A947-70E740481C1C}">
+                <a14:useLocalDpi xmlns:a14="http://schemas.microsoft.com/office/drawing/2010/main" val="0"/>
+              </a:ext>
+            </a:extLst>
+          </a:blip>
+          <a:stretch>
+            <a:fillRect/>
+          </a:stretch>
+        </p:blipFill>
+        <p:spPr>
+          <a:xfrm>
+            <a:off x="336776" y="194284"/>
+            <a:ext cx="2059134" cy="2160000"/>
+          </a:xfrm>
+          <a:prstGeom prst="rect">
+            <a:avLst/>
+          </a:prstGeom>
+        </p:spPr>
+      </p:pic>
+      <p:sp>
+        <p:nvSpPr>
+          <p:cNvPr id="10" name="Retângulo 9">
+            <a:extLst>
+              <a:ext uri="{FF2B5EF4-FFF2-40B4-BE49-F238E27FC236}">
+                <a16:creationId xmlns:a16="http://schemas.microsoft.com/office/drawing/2014/main" id="{838BDC98-3287-4575-8574-56F716FB2440}"/>
+              </a:ext>
+            </a:extLst>
+          </p:cNvPr>
+          <p:cNvSpPr/>
+          <p:nvPr/>
+        </p:nvSpPr>
+        <p:spPr>
+          <a:xfrm>
+            <a:off x="581891" y="2892935"/>
+            <a:ext cx="13267927" cy="3039825"/>
+          </a:xfrm>
+          <a:prstGeom prst="rect">
+            <a:avLst/>
+          </a:prstGeom>
+          <a:solidFill>
+            <a:schemeClr val="tx1">
+              <a:alpha val="81000"/>
+            </a:schemeClr>
+          </a:solidFill>
+        </p:spPr>
+        <p:style>
+          <a:lnRef idx="2">
+            <a:schemeClr val="accent1">
+              <a:shade val="50000"/>
+            </a:schemeClr>
+          </a:lnRef>
+          <a:fillRef idx="1">
+            <a:schemeClr val="accent1"/>
+          </a:fillRef>
+          <a:effectRef idx="0">
+            <a:schemeClr val="accent1"/>
+          </a:effectRef>
+          <a:fontRef idx="minor">
+            <a:schemeClr val="lt1"/>
+          </a:fontRef>
+        </p:style>
+        <p:txBody>
+          <a:bodyPr rtlCol="0" anchor="ctr"/>
+          <a:lstStyle/>
+          <a:p>
+            <a:pPr algn="ctr"/>
+            <a:endParaRPr lang="pt-BR"/>
+          </a:p>
+        </p:txBody>
+      </p:sp>
+      <p:sp>
+        <p:nvSpPr>
+          <p:cNvPr id="21" name="Retângulo 20">
+            <a:extLst>
+              <a:ext uri="{FF2B5EF4-FFF2-40B4-BE49-F238E27FC236}">
+                <a16:creationId xmlns:a16="http://schemas.microsoft.com/office/drawing/2014/main" id="{95EDB8CB-8377-4925-B478-560C3F615037}"/>
+              </a:ext>
+            </a:extLst>
+          </p:cNvPr>
+          <p:cNvSpPr/>
+          <p:nvPr/>
+        </p:nvSpPr>
+        <p:spPr>
+          <a:xfrm>
+            <a:off x="581891" y="6704292"/>
+            <a:ext cx="13267927" cy="3038400"/>
+          </a:xfrm>
+          <a:prstGeom prst="rect">
+            <a:avLst/>
+          </a:prstGeom>
+          <a:solidFill>
+            <a:schemeClr val="tx1">
+              <a:alpha val="81000"/>
+            </a:schemeClr>
+          </a:solidFill>
+        </p:spPr>
+        <p:style>
+          <a:lnRef idx="2">
+            <a:schemeClr val="accent1">
+              <a:shade val="50000"/>
+            </a:schemeClr>
+          </a:lnRef>
+          <a:fillRef idx="1">
+            <a:schemeClr val="accent1"/>
+          </a:fillRef>
+          <a:effectRef idx="0">
+            <a:schemeClr val="accent1"/>
+          </a:effectRef>
+          <a:fontRef idx="minor">
+            <a:schemeClr val="lt1"/>
+          </a:fontRef>
+        </p:style>
+        <p:txBody>
+          <a:bodyPr rtlCol="0" anchor="ctr"/>
+          <a:lstStyle/>
+          <a:p>
+            <a:pPr algn="ctr"/>
+            <a:endParaRPr lang="pt-BR"/>
+          </a:p>
+        </p:txBody>
+      </p:sp>
+      <p:sp>
+        <p:nvSpPr>
+          <p:cNvPr id="23" name="Retângulo 22">
+            <a:extLst>
+              <a:ext uri="{FF2B5EF4-FFF2-40B4-BE49-F238E27FC236}">
+                <a16:creationId xmlns:a16="http://schemas.microsoft.com/office/drawing/2014/main" id="{ED87CD67-A438-4F74-986A-3704AF997953}"/>
+              </a:ext>
+            </a:extLst>
+          </p:cNvPr>
+          <p:cNvSpPr/>
+          <p:nvPr/>
+        </p:nvSpPr>
+        <p:spPr>
+          <a:xfrm>
+            <a:off x="5308448" y="2906454"/>
+            <a:ext cx="3789504" cy="684807"/>
+          </a:xfrm>
+          <a:prstGeom prst="rect">
+            <a:avLst/>
+          </a:prstGeom>
+          <a:noFill/>
+        </p:spPr>
+        <p:txBody>
+          <a:bodyPr wrap="square" lIns="68584" tIns="34292" rIns="68584" bIns="34292">
+            <a:spAutoFit/>
+          </a:bodyPr>
+          <a:lstStyle/>
+          <a:p>
+            <a:pPr algn="ctr"/>
+            <a:r>
+              <a:rPr lang="pt-BR" sz="4000" dirty="0">
+                <a:ln w="0">
+                  <a:noFill/>
+                </a:ln>
+                <a:solidFill>
+                  <a:srgbClr val="0070C0"/>
+                </a:solidFill>
+                <a:effectLst>
+                  <a:outerShdw blurRad="38100" dist="19050" dir="2700000" algn="tl" rotWithShape="0">
+                    <a:schemeClr val="dk1">
+                      <a:alpha val="40000"/>
+                    </a:schemeClr>
+                  </a:outerShdw>
+                </a:effectLst>
+                <a:latin typeface="Exo 2 Extra Bold" panose="00000900000000000000" pitchFamily="50" charset="0"/>
+              </a:rPr>
+              <a:t>Chave 1</a:t>
+            </a:r>
+          </a:p>
+        </p:txBody>
+      </p:sp>
+      <p:sp>
+        <p:nvSpPr>
+          <p:cNvPr id="24" name="Retângulo 23">
+            <a:extLst>
+              <a:ext uri="{FF2B5EF4-FFF2-40B4-BE49-F238E27FC236}">
+                <a16:creationId xmlns:a16="http://schemas.microsoft.com/office/drawing/2014/main" id="{522A4ACC-EC27-4A14-BA66-B0EB03535C7B}"/>
+              </a:ext>
+            </a:extLst>
+          </p:cNvPr>
+          <p:cNvSpPr/>
+          <p:nvPr/>
+        </p:nvSpPr>
+        <p:spPr>
+          <a:xfrm>
+            <a:off x="5321993" y="6726594"/>
+            <a:ext cx="3789503" cy="684807"/>
+          </a:xfrm>
+          <a:prstGeom prst="rect">
+            <a:avLst/>
+          </a:prstGeom>
+          <a:noFill/>
+        </p:spPr>
+        <p:txBody>
+          <a:bodyPr wrap="square" lIns="68584" tIns="34292" rIns="68584" bIns="34292">
+            <a:spAutoFit/>
+          </a:bodyPr>
+          <a:lstStyle/>
+          <a:p>
+            <a:pPr algn="ctr"/>
+            <a:r>
+              <a:rPr lang="pt-BR" sz="4000" dirty="0">
+                <a:ln w="0">
+                  <a:noFill/>
+                </a:ln>
+                <a:solidFill>
+                  <a:srgbClr val="0070C0"/>
+                </a:solidFill>
+                <a:effectLst>
+                  <a:outerShdw blurRad="38100" dist="19050" dir="2700000" algn="tl" rotWithShape="0">
+                    <a:schemeClr val="dk1">
+                      <a:alpha val="40000"/>
+                    </a:schemeClr>
+                  </a:outerShdw>
+                </a:effectLst>
+                <a:latin typeface="Exo 2 Extra Bold" panose="00000900000000000000" pitchFamily="50" charset="0"/>
+              </a:rPr>
+              <a:t>Chave 2</a:t>
+            </a:r>
+          </a:p>
+        </p:txBody>
+      </p:sp>
+      <p:pic>
+        <p:nvPicPr>
+          <p:cNvPr id="4" name="Imagem 3">
+            <a:extLst>
+              <a:ext uri="{FF2B5EF4-FFF2-40B4-BE49-F238E27FC236}">
+                <a16:creationId xmlns:a16="http://schemas.microsoft.com/office/drawing/2014/main" id="{5CF366E0-D2C5-4FCB-A17F-DA976899D5D0}"/>
+              </a:ext>
+            </a:extLst>
+          </p:cNvPr>
+          <p:cNvPicPr>
+            <a:picLocks noChangeAspect="1"/>
+          </p:cNvPicPr>
+          <p:nvPr/>
+        </p:nvPicPr>
+        <p:blipFill>
+          <a:blip r:embed="rId5"/>
+          <a:stretch>
+            <a:fillRect/>
+          </a:stretch>
+        </p:blipFill>
+        <p:spPr>
+          <a:xfrm>
+            <a:off x="930516" y="4017762"/>
+            <a:ext cx="12600000" cy="1054245"/>
+          </a:xfrm>
+          <a:prstGeom prst="rect">
+            <a:avLst/>
+          </a:prstGeom>
+        </p:spPr>
+      </p:pic>
+      <p:pic>
+        <p:nvPicPr>
+          <p:cNvPr id="6" name="Imagem 5">
+            <a:extLst>
+              <a:ext uri="{FF2B5EF4-FFF2-40B4-BE49-F238E27FC236}">
+                <a16:creationId xmlns:a16="http://schemas.microsoft.com/office/drawing/2014/main" id="{CA16256D-0225-495F-B5CC-1A048F9541EA}"/>
+              </a:ext>
+            </a:extLst>
+          </p:cNvPr>
+          <p:cNvPicPr>
+            <a:picLocks noChangeAspect="1"/>
+          </p:cNvPicPr>
+          <p:nvPr/>
+        </p:nvPicPr>
+        <p:blipFill>
+          <a:blip r:embed="rId6"/>
+          <a:stretch>
+            <a:fillRect/>
+          </a:stretch>
+        </p:blipFill>
+        <p:spPr>
+          <a:xfrm>
+            <a:off x="918246" y="7946333"/>
+            <a:ext cx="12600000" cy="1054279"/>
+          </a:xfrm>
+          <a:prstGeom prst="rect">
+            <a:avLst/>
+          </a:prstGeom>
+        </p:spPr>
+      </p:pic>
+    </p:spTree>
+    <p:extLst>
+      <p:ext uri="{BB962C8B-B14F-4D97-AF65-F5344CB8AC3E}">
+        <p14:creationId xmlns:p14="http://schemas.microsoft.com/office/powerpoint/2010/main" val="2200666842"/>
+      </p:ext>
+    </p:extLst>
+  </p:cSld>
+  <p:clrMapOvr>
+    <a:masterClrMapping/>
+  </p:clrMapOvr>
+</p:sld>
+</file>
+
+<file path=ppt/slides/slide15.xml><?xml version="1.0" encoding="utf-8"?>
+<p:sld xmlns:a="http://schemas.openxmlformats.org/drawingml/2006/main" xmlns:r="http://schemas.openxmlformats.org/officeDocument/2006/relationships" xmlns:p="http://schemas.openxmlformats.org/presentationml/2006/main">
+  <p:cSld>
+    <p:bg>
+      <p:bgPr>
+        <a:solidFill>
+          <a:schemeClr val="bg1"/>
+        </a:solidFill>
+        <a:effectLst/>
+      </p:bgPr>
+    </p:bg>
+    <p:spTree>
+      <p:nvGrpSpPr>
+        <p:cNvPr id="1" name=""/>
+        <p:cNvGrpSpPr/>
+        <p:nvPr/>
+      </p:nvGrpSpPr>
+      <p:grpSpPr>
+        <a:xfrm>
+          <a:off x="0" y="0"/>
+          <a:ext cx="0" cy="0"/>
+          <a:chOff x="0" y="0"/>
+          <a:chExt cx="0" cy="0"/>
+        </a:xfrm>
+      </p:grpSpPr>
+      <p:sp>
+        <p:nvSpPr>
+          <p:cNvPr id="13" name="Rectangle 9">
+            <a:extLst>
+              <a:ext uri="{FF2B5EF4-FFF2-40B4-BE49-F238E27FC236}">
+                <a16:creationId xmlns:a16="http://schemas.microsoft.com/office/drawing/2014/main" id="{0BABF38A-8A0D-492E-BD20-6CF4D46B50BD}"/>
+              </a:ext>
+              <a:ext uri="{C183D7F6-B498-43B3-948B-1728B52AA6E4}">
+                <adec:decorative xmlns:adec="http://schemas.microsoft.com/office/drawing/2017/decorative" val="1"/>
+              </a:ext>
+            </a:extLst>
+          </p:cNvPr>
+          <p:cNvSpPr>
+            <a:spLocks noGrp="1" noRot="1" noChangeAspect="1" noMove="1" noResize="1" noEditPoints="1" noAdjustHandles="1" noChangeArrowheads="1" noChangeShapeType="1" noTextEdit="1"/>
+          </p:cNvSpPr>
+          <p:nvPr>
+            <p:extLst>
+              <p:ext uri="{386F3935-93C4-4BCD-93E2-E3B085C9AB24}">
+                <p16:designElem xmlns:p16="http://schemas.microsoft.com/office/powerpoint/2015/main" val="1"/>
+              </p:ext>
+            </p:extLst>
+          </p:nvPr>
+        </p:nvSpPr>
+        <p:spPr>
+          <a:xfrm>
+            <a:off x="3149972" y="3121681"/>
+            <a:ext cx="8100269" cy="4556404"/>
+          </a:xfrm>
+          <a:prstGeom prst="rect">
+            <a:avLst/>
+          </a:prstGeom>
+          <a:solidFill>
+            <a:schemeClr val="bg2">
+              <a:lumMod val="90000"/>
+              <a:alpha val="70000"/>
+            </a:schemeClr>
+          </a:solidFill>
+          <a:ln>
+            <a:noFill/>
+          </a:ln>
+        </p:spPr>
+        <p:style>
+          <a:lnRef idx="2">
+            <a:schemeClr val="accent1">
+              <a:shade val="50000"/>
+            </a:schemeClr>
+          </a:lnRef>
+          <a:fillRef idx="1">
+            <a:schemeClr val="accent1"/>
+          </a:fillRef>
+          <a:effectRef idx="0">
+            <a:schemeClr val="accent1"/>
+          </a:effectRef>
+          <a:fontRef idx="minor">
+            <a:schemeClr val="lt1"/>
+          </a:fontRef>
+        </p:style>
+        <p:txBody>
+          <a:bodyPr rtlCol="0" anchor="ctr"/>
+          <a:lstStyle/>
+          <a:p>
+            <a:pPr algn="ctr">
+              <a:defRPr/>
+            </a:pPr>
+            <a:endParaRPr lang="en-US" sz="1196" dirty="0">
+              <a:solidFill>
+                <a:prstClr val="black">
+                  <a:lumMod val="65000"/>
+                  <a:lumOff val="35000"/>
+                </a:prstClr>
+              </a:solidFill>
+              <a:latin typeface="AvenirNext LT Pro Medium" panose="020B0504020202020204" pitchFamily="34" charset="0"/>
+            </a:endParaRPr>
+          </a:p>
+        </p:txBody>
+      </p:sp>
+      <p:pic>
+        <p:nvPicPr>
+          <p:cNvPr id="12" name="Picture 11">
+            <a:extLst>
+              <a:ext uri="{FF2B5EF4-FFF2-40B4-BE49-F238E27FC236}">
+                <a16:creationId xmlns:a16="http://schemas.microsoft.com/office/drawing/2014/main" id="{BC526B7A-4801-4FD1-95C8-03AF22629E87}"/>
+              </a:ext>
+              <a:ext uri="{C183D7F6-B498-43B3-948B-1728B52AA6E4}">
+                <adec:decorative xmlns:adec="http://schemas.microsoft.com/office/drawing/2017/decorative" val="1"/>
+              </a:ext>
+            </a:extLst>
+          </p:cNvPr>
+          <p:cNvPicPr>
+            <a:picLocks noGrp="1" noRot="1" noChangeAspect="1" noMove="1" noResize="1" noEditPoints="1" noAdjustHandles="1" noChangeArrowheads="1" noChangeShapeType="1" noCrop="1"/>
+          </p:cNvPicPr>
+          <p:nvPr>
+            <p:extLst>
+              <p:ext uri="{386F3935-93C4-4BCD-93E2-E3B085C9AB24}">
+                <p16:designElem xmlns:p16="http://schemas.microsoft.com/office/powerpoint/2015/main" val="1"/>
+              </p:ext>
+            </p:extLst>
+          </p:nvPr>
+        </p:nvPicPr>
+        <p:blipFill>
+          <a:blip r:embed="rId2">
+            <a:alphaModFix amt="10000"/>
+            <a:extLst>
+              <a:ext uri="{28A0092B-C50C-407E-A947-70E740481C1C}">
+                <a14:useLocalDpi xmlns:a14="http://schemas.microsoft.com/office/drawing/2010/main" val="0"/>
+              </a:ext>
+            </a:extLst>
+          </a:blip>
+          <a:stretch>
+            <a:fillRect/>
+          </a:stretch>
+        </p:blipFill>
+        <p:spPr>
+          <a:xfrm>
+            <a:off x="8820159" y="3121682"/>
+            <a:ext cx="2428095" cy="3039825"/>
+          </a:xfrm>
+          <a:prstGeom prst="rect">
+            <a:avLst/>
+          </a:prstGeom>
+        </p:spPr>
+      </p:pic>
+      <p:sp useBgFill="1">
+        <p:nvSpPr>
+          <p:cNvPr id="14" name="Rectangle 13">
+            <a:extLst>
+              <a:ext uri="{FF2B5EF4-FFF2-40B4-BE49-F238E27FC236}">
+                <a16:creationId xmlns:a16="http://schemas.microsoft.com/office/drawing/2014/main" id="{37FDDF72-DE39-4F99-A3C1-DD9D7815D7DB}"/>
+              </a:ext>
+              <a:ext uri="{C183D7F6-B498-43B3-948B-1728B52AA6E4}">
+                <adec:decorative xmlns:adec="http://schemas.microsoft.com/office/drawing/2017/decorative" val="1"/>
+              </a:ext>
+            </a:extLst>
+          </p:cNvPr>
+          <p:cNvSpPr>
+            <a:spLocks noGrp="1" noRot="1" noChangeAspect="1" noMove="1" noResize="1" noEditPoints="1" noAdjustHandles="1" noChangeArrowheads="1" noChangeShapeType="1" noTextEdit="1"/>
+          </p:cNvSpPr>
+          <p:nvPr>
+            <p:extLst>
+              <p:ext uri="{386F3935-93C4-4BCD-93E2-E3B085C9AB24}">
+                <p16:designElem xmlns:p16="http://schemas.microsoft.com/office/powerpoint/2015/main" val="1"/>
+              </p:ext>
+            </p:extLst>
+          </p:nvPr>
+        </p:nvSpPr>
+        <p:spPr>
+          <a:xfrm>
+            <a:off x="3149972" y="3121681"/>
+            <a:ext cx="8100269" cy="4556401"/>
+          </a:xfrm>
+          <a:prstGeom prst="rect">
+            <a:avLst/>
+          </a:prstGeom>
+          <a:ln>
+            <a:noFill/>
+          </a:ln>
+        </p:spPr>
+        <p:style>
+          <a:lnRef idx="2">
+            <a:schemeClr val="accent1">
+              <a:shade val="50000"/>
+            </a:schemeClr>
+          </a:lnRef>
+          <a:fillRef idx="1">
+            <a:schemeClr val="accent1"/>
+          </a:fillRef>
+          <a:effectRef idx="0">
+            <a:schemeClr val="accent1"/>
+          </a:effectRef>
+          <a:fontRef idx="minor">
+            <a:schemeClr val="lt1"/>
+          </a:fontRef>
+        </p:style>
+        <p:txBody>
+          <a:bodyPr rtlCol="0" anchor="ctr"/>
+          <a:lstStyle/>
+          <a:p>
+            <a:pPr algn="ctr">
+              <a:defRPr/>
+            </a:pPr>
+            <a:endParaRPr lang="en-US" sz="1196" dirty="0">
+              <a:solidFill>
+                <a:prstClr val="black">
+                  <a:lumMod val="65000"/>
+                  <a:lumOff val="35000"/>
+                </a:prstClr>
+              </a:solidFill>
+              <a:latin typeface="AvenirNext LT Pro Medium" panose="020B0504020202020204" pitchFamily="34" charset="0"/>
+            </a:endParaRPr>
+          </a:p>
+        </p:txBody>
+      </p:sp>
+      <p:sp>
+        <p:nvSpPr>
+          <p:cNvPr id="16" name="Rectangle 15">
+            <a:extLst>
+              <a:ext uri="{FF2B5EF4-FFF2-40B4-BE49-F238E27FC236}">
+                <a16:creationId xmlns:a16="http://schemas.microsoft.com/office/drawing/2014/main" id="{5E4ECE80-3AD1-450C-B62A-98788F193948}"/>
+              </a:ext>
+              <a:ext uri="{C183D7F6-B498-43B3-948B-1728B52AA6E4}">
+                <adec:decorative xmlns:adec="http://schemas.microsoft.com/office/drawing/2017/decorative" val="1"/>
+              </a:ext>
+            </a:extLst>
+          </p:cNvPr>
+          <p:cNvSpPr>
+            <a:spLocks noGrp="1" noRot="1" noChangeAspect="1" noMove="1" noResize="1" noEditPoints="1" noAdjustHandles="1" noChangeArrowheads="1" noChangeShapeType="1" noTextEdit="1"/>
+          </p:cNvSpPr>
+          <p:nvPr>
+            <p:extLst>
+              <p:ext uri="{386F3935-93C4-4BCD-93E2-E3B085C9AB24}">
+                <p16:designElem xmlns:p16="http://schemas.microsoft.com/office/powerpoint/2015/main" val="1"/>
+              </p:ext>
+            </p:extLst>
+          </p:nvPr>
+        </p:nvSpPr>
+        <p:spPr>
+          <a:xfrm>
+            <a:off x="3149972" y="3121681"/>
+            <a:ext cx="8100269" cy="4556401"/>
+          </a:xfrm>
+          <a:prstGeom prst="rect">
+            <a:avLst/>
+          </a:prstGeom>
+          <a:solidFill>
+            <a:srgbClr val="000000"/>
+          </a:solidFill>
+          <a:ln>
+            <a:noFill/>
+          </a:ln>
+        </p:spPr>
+        <p:style>
+          <a:lnRef idx="2">
+            <a:schemeClr val="accent1">
+              <a:shade val="50000"/>
+            </a:schemeClr>
+          </a:lnRef>
+          <a:fillRef idx="1">
+            <a:schemeClr val="accent1"/>
+          </a:fillRef>
+          <a:effectRef idx="0">
+            <a:schemeClr val="accent1"/>
+          </a:effectRef>
+          <a:fontRef idx="minor">
+            <a:schemeClr val="lt1"/>
+          </a:fontRef>
+        </p:style>
+        <p:txBody>
+          <a:bodyPr rtlCol="0" anchor="ctr"/>
+          <a:lstStyle/>
+          <a:p>
+            <a:pPr algn="ctr">
+              <a:defRPr/>
+            </a:pPr>
+            <a:endParaRPr lang="en-US" sz="1196" dirty="0">
+              <a:solidFill>
+                <a:prstClr val="black">
+                  <a:lumMod val="65000"/>
+                  <a:lumOff val="35000"/>
+                </a:prstClr>
+              </a:solidFill>
+              <a:latin typeface="AvenirNext LT Pro Medium" panose="020B0504020202020204" pitchFamily="34" charset="0"/>
+            </a:endParaRPr>
+          </a:p>
+        </p:txBody>
+      </p:sp>
+      <p:pic>
+        <p:nvPicPr>
+          <p:cNvPr id="5" name="Imagem 4">
+            <a:extLst>
+              <a:ext uri="{FF2B5EF4-FFF2-40B4-BE49-F238E27FC236}">
+                <a16:creationId xmlns:a16="http://schemas.microsoft.com/office/drawing/2014/main" id="{F1433EF1-FB6D-4913-96C9-08F0B1B3CA7A}"/>
+              </a:ext>
+            </a:extLst>
+          </p:cNvPr>
+          <p:cNvPicPr>
+            <a:picLocks noChangeAspect="1"/>
+          </p:cNvPicPr>
+          <p:nvPr/>
+        </p:nvPicPr>
+        <p:blipFill rotWithShape="1">
+          <a:blip r:embed="rId3">
+            <a:alphaModFix/>
+            <a:extLst>
+              <a:ext uri="{28A0092B-C50C-407E-A947-70E740481C1C}">
+                <a14:useLocalDpi xmlns:a14="http://schemas.microsoft.com/office/drawing/2010/main" val="0"/>
+              </a:ext>
+            </a:extLst>
+          </a:blip>
+          <a:srcRect l="5233" t="-2125" r="6244" b="-538"/>
+          <a:stretch/>
+        </p:blipFill>
+        <p:spPr>
+          <a:xfrm>
+            <a:off x="-1" y="-248909"/>
+            <a:ext cx="14400213" cy="11147555"/>
+          </a:xfrm>
+          <a:prstGeom prst="rect">
+            <a:avLst/>
+          </a:prstGeom>
+        </p:spPr>
+      </p:pic>
+      <p:sp>
+        <p:nvSpPr>
+          <p:cNvPr id="50" name="Retângulo 49">
+            <a:extLst>
+              <a:ext uri="{FF2B5EF4-FFF2-40B4-BE49-F238E27FC236}">
+                <a16:creationId xmlns:a16="http://schemas.microsoft.com/office/drawing/2014/main" id="{50614AED-75DE-4550-9029-54313F89BD12}"/>
+              </a:ext>
+            </a:extLst>
+          </p:cNvPr>
+          <p:cNvSpPr/>
+          <p:nvPr/>
+        </p:nvSpPr>
+        <p:spPr>
+          <a:xfrm>
+            <a:off x="3186646" y="311571"/>
+            <a:ext cx="8052791" cy="992583"/>
+          </a:xfrm>
+          <a:prstGeom prst="rect">
+            <a:avLst/>
+          </a:prstGeom>
+          <a:noFill/>
+        </p:spPr>
+        <p:txBody>
+          <a:bodyPr wrap="square" lIns="68584" tIns="34292" rIns="68584" bIns="34292">
+            <a:spAutoFit/>
+          </a:bodyPr>
+          <a:lstStyle/>
+          <a:p>
+            <a:pPr algn="ctr"/>
+            <a:r>
+              <a:rPr lang="pt-BR" sz="6000" dirty="0">
+                <a:ln w="38100">
+                  <a:solidFill>
+                    <a:schemeClr val="bg1"/>
+                  </a:solidFill>
+                </a:ln>
+                <a:solidFill>
+                  <a:srgbClr val="00B050"/>
+                </a:solidFill>
+                <a:effectLst>
+                  <a:outerShdw blurRad="38100" dist="19050" dir="2700000" algn="tl" rotWithShape="0">
+                    <a:schemeClr val="dk1">
+                      <a:alpha val="40000"/>
+                    </a:schemeClr>
+                  </a:outerShdw>
+                </a:effectLst>
+                <a:latin typeface="Exo 2 Extra Bold" panose="00000900000000000000" pitchFamily="50" charset="0"/>
+              </a:rPr>
+              <a:t>Liga Principal</a:t>
+            </a:r>
+          </a:p>
+        </p:txBody>
+      </p:sp>
+      <p:sp>
+        <p:nvSpPr>
+          <p:cNvPr id="53" name="Retângulo 52">
+            <a:extLst>
+              <a:ext uri="{FF2B5EF4-FFF2-40B4-BE49-F238E27FC236}">
+                <a16:creationId xmlns:a16="http://schemas.microsoft.com/office/drawing/2014/main" id="{F101E0BF-8A68-40B9-BC26-35C299182F52}"/>
+              </a:ext>
+            </a:extLst>
+          </p:cNvPr>
+          <p:cNvSpPr/>
+          <p:nvPr/>
+        </p:nvSpPr>
+        <p:spPr>
+          <a:xfrm>
+            <a:off x="336776" y="1104608"/>
+            <a:ext cx="13909452" cy="1177249"/>
+          </a:xfrm>
+          <a:prstGeom prst="rect">
+            <a:avLst/>
+          </a:prstGeom>
+          <a:noFill/>
+        </p:spPr>
+        <p:txBody>
+          <a:bodyPr wrap="square" lIns="68584" tIns="34292" rIns="68584" bIns="34292">
+            <a:spAutoFit/>
+          </a:bodyPr>
+          <a:lstStyle/>
+          <a:p>
+            <a:pPr algn="ctr"/>
+            <a:r>
+              <a:rPr lang="pt-BR" sz="7200" dirty="0">
+                <a:ln w="0">
+                  <a:noFill/>
+                </a:ln>
+                <a:effectLst>
+                  <a:outerShdw blurRad="38100" dist="19050" dir="2700000" algn="tl" rotWithShape="0">
+                    <a:schemeClr val="dk1">
+                      <a:alpha val="40000"/>
+                    </a:schemeClr>
+                  </a:outerShdw>
+                </a:effectLst>
+                <a:latin typeface="Exo 2 Extra Bold" panose="00000900000000000000" pitchFamily="50" charset="0"/>
+              </a:rPr>
+              <a:t>MATA-MATA SÉRIE C 3</a:t>
+            </a:r>
+          </a:p>
+        </p:txBody>
+      </p:sp>
+      <p:pic>
+        <p:nvPicPr>
+          <p:cNvPr id="15" name="Imagem 14">
+            <a:extLst>
+              <a:ext uri="{FF2B5EF4-FFF2-40B4-BE49-F238E27FC236}">
+                <a16:creationId xmlns:a16="http://schemas.microsoft.com/office/drawing/2014/main" id="{780D6AE4-2B31-43CF-8A3B-9ACC73C32FE9}"/>
+              </a:ext>
+            </a:extLst>
+          </p:cNvPr>
+          <p:cNvPicPr>
+            <a:picLocks noChangeAspect="1"/>
+          </p:cNvPicPr>
+          <p:nvPr/>
+        </p:nvPicPr>
+        <p:blipFill>
+          <a:blip r:embed="rId4">
+            <a:extLst>
+              <a:ext uri="{28A0092B-C50C-407E-A947-70E740481C1C}">
+                <a14:useLocalDpi xmlns:a14="http://schemas.microsoft.com/office/drawing/2010/main" val="0"/>
+              </a:ext>
+            </a:extLst>
+          </a:blip>
+          <a:stretch>
+            <a:fillRect/>
+          </a:stretch>
+        </p:blipFill>
+        <p:spPr>
+          <a:xfrm>
+            <a:off x="336776" y="194284"/>
+            <a:ext cx="2059134" cy="2160000"/>
+          </a:xfrm>
+          <a:prstGeom prst="rect">
+            <a:avLst/>
+          </a:prstGeom>
+        </p:spPr>
+      </p:pic>
+      <p:sp>
+        <p:nvSpPr>
+          <p:cNvPr id="10" name="Retângulo 9">
+            <a:extLst>
+              <a:ext uri="{FF2B5EF4-FFF2-40B4-BE49-F238E27FC236}">
+                <a16:creationId xmlns:a16="http://schemas.microsoft.com/office/drawing/2014/main" id="{838BDC98-3287-4575-8574-56F716FB2440}"/>
+              </a:ext>
+            </a:extLst>
+          </p:cNvPr>
+          <p:cNvSpPr/>
+          <p:nvPr/>
+        </p:nvSpPr>
+        <p:spPr>
+          <a:xfrm>
+            <a:off x="581891" y="2892935"/>
+            <a:ext cx="13267927" cy="3039825"/>
+          </a:xfrm>
+          <a:prstGeom prst="rect">
+            <a:avLst/>
+          </a:prstGeom>
+          <a:solidFill>
+            <a:schemeClr val="tx1">
+              <a:alpha val="81000"/>
+            </a:schemeClr>
+          </a:solidFill>
+        </p:spPr>
+        <p:style>
+          <a:lnRef idx="2">
+            <a:schemeClr val="accent1">
+              <a:shade val="50000"/>
+            </a:schemeClr>
+          </a:lnRef>
+          <a:fillRef idx="1">
+            <a:schemeClr val="accent1"/>
+          </a:fillRef>
+          <a:effectRef idx="0">
+            <a:schemeClr val="accent1"/>
+          </a:effectRef>
+          <a:fontRef idx="minor">
+            <a:schemeClr val="lt1"/>
+          </a:fontRef>
+        </p:style>
+        <p:txBody>
+          <a:bodyPr rtlCol="0" anchor="ctr"/>
+          <a:lstStyle/>
+          <a:p>
+            <a:pPr algn="ctr"/>
+            <a:endParaRPr lang="pt-BR"/>
+          </a:p>
+        </p:txBody>
+      </p:sp>
+      <p:sp>
+        <p:nvSpPr>
+          <p:cNvPr id="21" name="Retângulo 20">
+            <a:extLst>
+              <a:ext uri="{FF2B5EF4-FFF2-40B4-BE49-F238E27FC236}">
+                <a16:creationId xmlns:a16="http://schemas.microsoft.com/office/drawing/2014/main" id="{95EDB8CB-8377-4925-B478-560C3F615037}"/>
+              </a:ext>
+            </a:extLst>
+          </p:cNvPr>
+          <p:cNvSpPr/>
+          <p:nvPr/>
+        </p:nvSpPr>
+        <p:spPr>
+          <a:xfrm>
+            <a:off x="581891" y="6704292"/>
+            <a:ext cx="13267927" cy="3038400"/>
+          </a:xfrm>
+          <a:prstGeom prst="rect">
+            <a:avLst/>
+          </a:prstGeom>
+          <a:solidFill>
+            <a:schemeClr val="tx1">
+              <a:alpha val="81000"/>
+            </a:schemeClr>
+          </a:solidFill>
+        </p:spPr>
+        <p:style>
+          <a:lnRef idx="2">
+            <a:schemeClr val="accent1">
+              <a:shade val="50000"/>
+            </a:schemeClr>
+          </a:lnRef>
+          <a:fillRef idx="1">
+            <a:schemeClr val="accent1"/>
+          </a:fillRef>
+          <a:effectRef idx="0">
+            <a:schemeClr val="accent1"/>
+          </a:effectRef>
+          <a:fontRef idx="minor">
+            <a:schemeClr val="lt1"/>
+          </a:fontRef>
+        </p:style>
+        <p:txBody>
+          <a:bodyPr rtlCol="0" anchor="ctr"/>
+          <a:lstStyle/>
+          <a:p>
+            <a:pPr algn="ctr"/>
+            <a:endParaRPr lang="pt-BR"/>
+          </a:p>
+        </p:txBody>
+      </p:sp>
+      <p:sp>
+        <p:nvSpPr>
+          <p:cNvPr id="23" name="Retângulo 22">
+            <a:extLst>
+              <a:ext uri="{FF2B5EF4-FFF2-40B4-BE49-F238E27FC236}">
+                <a16:creationId xmlns:a16="http://schemas.microsoft.com/office/drawing/2014/main" id="{ED87CD67-A438-4F74-986A-3704AF997953}"/>
+              </a:ext>
+            </a:extLst>
+          </p:cNvPr>
+          <p:cNvSpPr/>
+          <p:nvPr/>
+        </p:nvSpPr>
+        <p:spPr>
+          <a:xfrm>
+            <a:off x="5308448" y="2906454"/>
+            <a:ext cx="3789504" cy="684807"/>
+          </a:xfrm>
+          <a:prstGeom prst="rect">
+            <a:avLst/>
+          </a:prstGeom>
+          <a:noFill/>
+        </p:spPr>
+        <p:txBody>
+          <a:bodyPr wrap="square" lIns="68584" tIns="34292" rIns="68584" bIns="34292">
+            <a:spAutoFit/>
+          </a:bodyPr>
+          <a:lstStyle/>
+          <a:p>
+            <a:pPr algn="ctr"/>
+            <a:r>
+              <a:rPr lang="pt-BR" sz="4000" dirty="0">
+                <a:ln w="0">
+                  <a:noFill/>
+                </a:ln>
+                <a:solidFill>
+                  <a:srgbClr val="0070C0"/>
+                </a:solidFill>
+                <a:effectLst>
+                  <a:outerShdw blurRad="38100" dist="19050" dir="2700000" algn="tl" rotWithShape="0">
+                    <a:schemeClr val="dk1">
+                      <a:alpha val="40000"/>
+                    </a:schemeClr>
+                  </a:outerShdw>
+                </a:effectLst>
+                <a:latin typeface="Exo 2 Extra Bold" panose="00000900000000000000" pitchFamily="50" charset="0"/>
+              </a:rPr>
+              <a:t>Chave 1</a:t>
+            </a:r>
+          </a:p>
+        </p:txBody>
+      </p:sp>
+      <p:sp>
+        <p:nvSpPr>
+          <p:cNvPr id="24" name="Retângulo 23">
+            <a:extLst>
+              <a:ext uri="{FF2B5EF4-FFF2-40B4-BE49-F238E27FC236}">
+                <a16:creationId xmlns:a16="http://schemas.microsoft.com/office/drawing/2014/main" id="{522A4ACC-EC27-4A14-BA66-B0EB03535C7B}"/>
+              </a:ext>
+            </a:extLst>
+          </p:cNvPr>
+          <p:cNvSpPr/>
+          <p:nvPr/>
+        </p:nvSpPr>
+        <p:spPr>
+          <a:xfrm>
+            <a:off x="5321993" y="6726594"/>
+            <a:ext cx="3789503" cy="684807"/>
+          </a:xfrm>
+          <a:prstGeom prst="rect">
+            <a:avLst/>
+          </a:prstGeom>
+          <a:noFill/>
+        </p:spPr>
+        <p:txBody>
+          <a:bodyPr wrap="square" lIns="68584" tIns="34292" rIns="68584" bIns="34292">
+            <a:spAutoFit/>
+          </a:bodyPr>
+          <a:lstStyle/>
+          <a:p>
+            <a:pPr algn="ctr"/>
+            <a:r>
+              <a:rPr lang="pt-BR" sz="4000" dirty="0">
+                <a:ln w="0">
+                  <a:noFill/>
+                </a:ln>
+                <a:solidFill>
+                  <a:srgbClr val="0070C0"/>
+                </a:solidFill>
+                <a:effectLst>
+                  <a:outerShdw blurRad="38100" dist="19050" dir="2700000" algn="tl" rotWithShape="0">
+                    <a:schemeClr val="dk1">
+                      <a:alpha val="40000"/>
+                    </a:schemeClr>
+                  </a:outerShdw>
+                </a:effectLst>
+                <a:latin typeface="Exo 2 Extra Bold" panose="00000900000000000000" pitchFamily="50" charset="0"/>
+              </a:rPr>
+              <a:t>Chave 2</a:t>
+            </a:r>
+          </a:p>
+        </p:txBody>
+      </p:sp>
+      <p:pic>
+        <p:nvPicPr>
+          <p:cNvPr id="4" name="Imagem 3">
+            <a:extLst>
+              <a:ext uri="{FF2B5EF4-FFF2-40B4-BE49-F238E27FC236}">
+                <a16:creationId xmlns:a16="http://schemas.microsoft.com/office/drawing/2014/main" id="{595D0380-36B5-417C-A283-D734C6988265}"/>
+              </a:ext>
+            </a:extLst>
+          </p:cNvPr>
+          <p:cNvPicPr>
+            <a:picLocks noChangeAspect="1"/>
+          </p:cNvPicPr>
+          <p:nvPr/>
+        </p:nvPicPr>
+        <p:blipFill>
+          <a:blip r:embed="rId5"/>
+          <a:stretch>
+            <a:fillRect/>
+          </a:stretch>
+        </p:blipFill>
+        <p:spPr>
+          <a:xfrm>
+            <a:off x="924882" y="4017759"/>
+            <a:ext cx="12600000" cy="1054279"/>
+          </a:xfrm>
+          <a:prstGeom prst="rect">
+            <a:avLst/>
+          </a:prstGeom>
+        </p:spPr>
+      </p:pic>
+      <p:pic>
+        <p:nvPicPr>
+          <p:cNvPr id="6" name="Imagem 5">
+            <a:extLst>
+              <a:ext uri="{FF2B5EF4-FFF2-40B4-BE49-F238E27FC236}">
+                <a16:creationId xmlns:a16="http://schemas.microsoft.com/office/drawing/2014/main" id="{31E664DF-5DD8-44E6-8E6F-512A04160728}"/>
+              </a:ext>
+            </a:extLst>
+          </p:cNvPr>
+          <p:cNvPicPr>
+            <a:picLocks noChangeAspect="1"/>
+          </p:cNvPicPr>
+          <p:nvPr/>
+        </p:nvPicPr>
+        <p:blipFill>
+          <a:blip r:embed="rId6"/>
+          <a:stretch>
+            <a:fillRect/>
+          </a:stretch>
+        </p:blipFill>
+        <p:spPr>
+          <a:xfrm>
+            <a:off x="921597" y="7945663"/>
+            <a:ext cx="12600000" cy="1054279"/>
+          </a:xfrm>
+          <a:prstGeom prst="rect">
+            <a:avLst/>
+          </a:prstGeom>
+        </p:spPr>
+      </p:pic>
+    </p:spTree>
+    <p:extLst>
+      <p:ext uri="{BB962C8B-B14F-4D97-AF65-F5344CB8AC3E}">
+        <p14:creationId xmlns:p14="http://schemas.microsoft.com/office/powerpoint/2010/main" val="984674890"/>
+      </p:ext>
+    </p:extLst>
+  </p:cSld>
+  <p:clrMapOvr>
+    <a:masterClrMapping/>
+  </p:clrMapOvr>
+</p:sld>
+</file>
+
+<file path=ppt/slides/slide16.xml><?xml version="1.0" encoding="utf-8"?>
+<p:sld xmlns:a="http://schemas.openxmlformats.org/drawingml/2006/main" xmlns:r="http://schemas.openxmlformats.org/officeDocument/2006/relationships" xmlns:p="http://schemas.openxmlformats.org/presentationml/2006/main">
+  <p:cSld>
+    <p:bg>
+      <p:bgPr>
+        <a:solidFill>
+          <a:schemeClr val="bg1"/>
+        </a:solidFill>
+        <a:effectLst/>
+      </p:bgPr>
+    </p:bg>
+    <p:spTree>
+      <p:nvGrpSpPr>
+        <p:cNvPr id="1" name=""/>
+        <p:cNvGrpSpPr/>
+        <p:nvPr/>
+      </p:nvGrpSpPr>
+      <p:grpSpPr>
+        <a:xfrm>
+          <a:off x="0" y="0"/>
+          <a:ext cx="0" cy="0"/>
+          <a:chOff x="0" y="0"/>
+          <a:chExt cx="0" cy="0"/>
+        </a:xfrm>
+      </p:grpSpPr>
+      <p:sp>
+        <p:nvSpPr>
+          <p:cNvPr id="13" name="Rectangle 9">
+            <a:extLst>
+              <a:ext uri="{FF2B5EF4-FFF2-40B4-BE49-F238E27FC236}">
+                <a16:creationId xmlns:a16="http://schemas.microsoft.com/office/drawing/2014/main" id="{0BABF38A-8A0D-492E-BD20-6CF4D46B50BD}"/>
+              </a:ext>
+              <a:ext uri="{C183D7F6-B498-43B3-948B-1728B52AA6E4}">
+                <adec:decorative xmlns:adec="http://schemas.microsoft.com/office/drawing/2017/decorative" val="1"/>
+              </a:ext>
+            </a:extLst>
+          </p:cNvPr>
+          <p:cNvSpPr>
+            <a:spLocks noGrp="1" noRot="1" noChangeAspect="1" noMove="1" noResize="1" noEditPoints="1" noAdjustHandles="1" noChangeArrowheads="1" noChangeShapeType="1" noTextEdit="1"/>
+          </p:cNvSpPr>
+          <p:nvPr>
+            <p:extLst>
+              <p:ext uri="{386F3935-93C4-4BCD-93E2-E3B085C9AB24}">
+                <p16:designElem xmlns:p16="http://schemas.microsoft.com/office/powerpoint/2015/main" val="1"/>
+              </p:ext>
+            </p:extLst>
+          </p:nvPr>
+        </p:nvSpPr>
+        <p:spPr>
+          <a:xfrm>
+            <a:off x="3149972" y="3121681"/>
+            <a:ext cx="8100269" cy="4556404"/>
+          </a:xfrm>
+          <a:prstGeom prst="rect">
+            <a:avLst/>
+          </a:prstGeom>
+          <a:solidFill>
+            <a:schemeClr val="bg2">
+              <a:lumMod val="90000"/>
+              <a:alpha val="70000"/>
+            </a:schemeClr>
+          </a:solidFill>
+          <a:ln>
+            <a:noFill/>
+          </a:ln>
+        </p:spPr>
+        <p:style>
+          <a:lnRef idx="2">
+            <a:schemeClr val="accent1">
+              <a:shade val="50000"/>
+            </a:schemeClr>
+          </a:lnRef>
+          <a:fillRef idx="1">
+            <a:schemeClr val="accent1"/>
+          </a:fillRef>
+          <a:effectRef idx="0">
+            <a:schemeClr val="accent1"/>
+          </a:effectRef>
+          <a:fontRef idx="minor">
+            <a:schemeClr val="lt1"/>
+          </a:fontRef>
+        </p:style>
+        <p:txBody>
+          <a:bodyPr rtlCol="0" anchor="ctr"/>
+          <a:lstStyle/>
+          <a:p>
+            <a:pPr algn="ctr">
+              <a:defRPr/>
+            </a:pPr>
+            <a:endParaRPr lang="en-US" sz="1196" dirty="0">
+              <a:solidFill>
+                <a:prstClr val="black">
+                  <a:lumMod val="65000"/>
+                  <a:lumOff val="35000"/>
+                </a:prstClr>
+              </a:solidFill>
+              <a:latin typeface="AvenirNext LT Pro Medium" panose="020B0504020202020204" pitchFamily="34" charset="0"/>
+            </a:endParaRPr>
+          </a:p>
+        </p:txBody>
+      </p:sp>
+      <p:pic>
+        <p:nvPicPr>
+          <p:cNvPr id="12" name="Picture 11">
+            <a:extLst>
+              <a:ext uri="{FF2B5EF4-FFF2-40B4-BE49-F238E27FC236}">
+                <a16:creationId xmlns:a16="http://schemas.microsoft.com/office/drawing/2014/main" id="{BC526B7A-4801-4FD1-95C8-03AF22629E87}"/>
+              </a:ext>
+              <a:ext uri="{C183D7F6-B498-43B3-948B-1728B52AA6E4}">
+                <adec:decorative xmlns:adec="http://schemas.microsoft.com/office/drawing/2017/decorative" val="1"/>
+              </a:ext>
+            </a:extLst>
+          </p:cNvPr>
+          <p:cNvPicPr>
+            <a:picLocks noGrp="1" noRot="1" noChangeAspect="1" noMove="1" noResize="1" noEditPoints="1" noAdjustHandles="1" noChangeArrowheads="1" noChangeShapeType="1" noCrop="1"/>
+          </p:cNvPicPr>
+          <p:nvPr>
+            <p:extLst>
+              <p:ext uri="{386F3935-93C4-4BCD-93E2-E3B085C9AB24}">
+                <p16:designElem xmlns:p16="http://schemas.microsoft.com/office/powerpoint/2015/main" val="1"/>
+              </p:ext>
+            </p:extLst>
+          </p:nvPr>
+        </p:nvPicPr>
+        <p:blipFill>
+          <a:blip r:embed="rId2">
+            <a:alphaModFix amt="10000"/>
+            <a:extLst>
+              <a:ext uri="{28A0092B-C50C-407E-A947-70E740481C1C}">
+                <a14:useLocalDpi xmlns:a14="http://schemas.microsoft.com/office/drawing/2010/main" val="0"/>
+              </a:ext>
+            </a:extLst>
+          </a:blip>
+          <a:stretch>
+            <a:fillRect/>
+          </a:stretch>
+        </p:blipFill>
+        <p:spPr>
+          <a:xfrm>
+            <a:off x="8820159" y="3121682"/>
+            <a:ext cx="2428095" cy="3039825"/>
+          </a:xfrm>
+          <a:prstGeom prst="rect">
+            <a:avLst/>
+          </a:prstGeom>
+        </p:spPr>
+      </p:pic>
+      <p:sp useBgFill="1">
+        <p:nvSpPr>
+          <p:cNvPr id="14" name="Rectangle 13">
+            <a:extLst>
+              <a:ext uri="{FF2B5EF4-FFF2-40B4-BE49-F238E27FC236}">
+                <a16:creationId xmlns:a16="http://schemas.microsoft.com/office/drawing/2014/main" id="{37FDDF72-DE39-4F99-A3C1-DD9D7815D7DB}"/>
+              </a:ext>
+              <a:ext uri="{C183D7F6-B498-43B3-948B-1728B52AA6E4}">
+                <adec:decorative xmlns:adec="http://schemas.microsoft.com/office/drawing/2017/decorative" val="1"/>
+              </a:ext>
+            </a:extLst>
+          </p:cNvPr>
+          <p:cNvSpPr>
+            <a:spLocks noGrp="1" noRot="1" noChangeAspect="1" noMove="1" noResize="1" noEditPoints="1" noAdjustHandles="1" noChangeArrowheads="1" noChangeShapeType="1" noTextEdit="1"/>
+          </p:cNvSpPr>
+          <p:nvPr>
+            <p:extLst>
+              <p:ext uri="{386F3935-93C4-4BCD-93E2-E3B085C9AB24}">
+                <p16:designElem xmlns:p16="http://schemas.microsoft.com/office/powerpoint/2015/main" val="1"/>
+              </p:ext>
+            </p:extLst>
+          </p:nvPr>
+        </p:nvSpPr>
+        <p:spPr>
+          <a:xfrm>
+            <a:off x="3149972" y="3121681"/>
+            <a:ext cx="8100269" cy="4556401"/>
+          </a:xfrm>
+          <a:prstGeom prst="rect">
+            <a:avLst/>
+          </a:prstGeom>
+          <a:ln>
+            <a:noFill/>
+          </a:ln>
+        </p:spPr>
+        <p:style>
+          <a:lnRef idx="2">
+            <a:schemeClr val="accent1">
+              <a:shade val="50000"/>
+            </a:schemeClr>
+          </a:lnRef>
+          <a:fillRef idx="1">
+            <a:schemeClr val="accent1"/>
+          </a:fillRef>
+          <a:effectRef idx="0">
+            <a:schemeClr val="accent1"/>
+          </a:effectRef>
+          <a:fontRef idx="minor">
+            <a:schemeClr val="lt1"/>
+          </a:fontRef>
+        </p:style>
+        <p:txBody>
+          <a:bodyPr rtlCol="0" anchor="ctr"/>
+          <a:lstStyle/>
+          <a:p>
+            <a:pPr algn="ctr">
+              <a:defRPr/>
+            </a:pPr>
+            <a:endParaRPr lang="en-US" sz="1196" dirty="0">
+              <a:solidFill>
+                <a:prstClr val="black">
+                  <a:lumMod val="65000"/>
+                  <a:lumOff val="35000"/>
+                </a:prstClr>
+              </a:solidFill>
+              <a:latin typeface="AvenirNext LT Pro Medium" panose="020B0504020202020204" pitchFamily="34" charset="0"/>
+            </a:endParaRPr>
+          </a:p>
+        </p:txBody>
+      </p:sp>
+      <p:sp>
+        <p:nvSpPr>
+          <p:cNvPr id="16" name="Rectangle 15">
+            <a:extLst>
+              <a:ext uri="{FF2B5EF4-FFF2-40B4-BE49-F238E27FC236}">
+                <a16:creationId xmlns:a16="http://schemas.microsoft.com/office/drawing/2014/main" id="{5E4ECE80-3AD1-450C-B62A-98788F193948}"/>
+              </a:ext>
+              <a:ext uri="{C183D7F6-B498-43B3-948B-1728B52AA6E4}">
+                <adec:decorative xmlns:adec="http://schemas.microsoft.com/office/drawing/2017/decorative" val="1"/>
+              </a:ext>
+            </a:extLst>
+          </p:cNvPr>
+          <p:cNvSpPr>
+            <a:spLocks noGrp="1" noRot="1" noChangeAspect="1" noMove="1" noResize="1" noEditPoints="1" noAdjustHandles="1" noChangeArrowheads="1" noChangeShapeType="1" noTextEdit="1"/>
+          </p:cNvSpPr>
+          <p:nvPr>
+            <p:extLst>
+              <p:ext uri="{386F3935-93C4-4BCD-93E2-E3B085C9AB24}">
+                <p16:designElem xmlns:p16="http://schemas.microsoft.com/office/powerpoint/2015/main" val="1"/>
+              </p:ext>
+            </p:extLst>
+          </p:nvPr>
+        </p:nvSpPr>
+        <p:spPr>
+          <a:xfrm>
+            <a:off x="3149972" y="3121681"/>
+            <a:ext cx="8100269" cy="4556401"/>
+          </a:xfrm>
+          <a:prstGeom prst="rect">
+            <a:avLst/>
+          </a:prstGeom>
+          <a:solidFill>
+            <a:srgbClr val="000000"/>
+          </a:solidFill>
+          <a:ln>
+            <a:noFill/>
+          </a:ln>
+        </p:spPr>
+        <p:style>
+          <a:lnRef idx="2">
+            <a:schemeClr val="accent1">
+              <a:shade val="50000"/>
+            </a:schemeClr>
+          </a:lnRef>
+          <a:fillRef idx="1">
+            <a:schemeClr val="accent1"/>
+          </a:fillRef>
+          <a:effectRef idx="0">
+            <a:schemeClr val="accent1"/>
+          </a:effectRef>
+          <a:fontRef idx="minor">
+            <a:schemeClr val="lt1"/>
+          </a:fontRef>
+        </p:style>
+        <p:txBody>
+          <a:bodyPr rtlCol="0" anchor="ctr"/>
+          <a:lstStyle/>
+          <a:p>
+            <a:pPr algn="ctr">
+              <a:defRPr/>
+            </a:pPr>
+            <a:endParaRPr lang="en-US" sz="1196" dirty="0">
+              <a:solidFill>
+                <a:prstClr val="black">
+                  <a:lumMod val="65000"/>
+                  <a:lumOff val="35000"/>
+                </a:prstClr>
+              </a:solidFill>
+              <a:latin typeface="AvenirNext LT Pro Medium" panose="020B0504020202020204" pitchFamily="34" charset="0"/>
+            </a:endParaRPr>
+          </a:p>
+        </p:txBody>
+      </p:sp>
+      <p:pic>
+        <p:nvPicPr>
+          <p:cNvPr id="5" name="Imagem 4">
+            <a:extLst>
+              <a:ext uri="{FF2B5EF4-FFF2-40B4-BE49-F238E27FC236}">
+                <a16:creationId xmlns:a16="http://schemas.microsoft.com/office/drawing/2014/main" id="{F1433EF1-FB6D-4913-96C9-08F0B1B3CA7A}"/>
+              </a:ext>
+            </a:extLst>
+          </p:cNvPr>
+          <p:cNvPicPr>
+            <a:picLocks noChangeAspect="1"/>
+          </p:cNvPicPr>
+          <p:nvPr/>
+        </p:nvPicPr>
+        <p:blipFill rotWithShape="1">
+          <a:blip r:embed="rId3">
+            <a:alphaModFix/>
+            <a:extLst>
+              <a:ext uri="{28A0092B-C50C-407E-A947-70E740481C1C}">
+                <a14:useLocalDpi xmlns:a14="http://schemas.microsoft.com/office/drawing/2010/main" val="0"/>
+              </a:ext>
+            </a:extLst>
+          </a:blip>
+          <a:srcRect l="5233" t="-2125" r="6244" b="-538"/>
+          <a:stretch/>
+        </p:blipFill>
+        <p:spPr>
+          <a:xfrm>
+            <a:off x="-1" y="-248909"/>
+            <a:ext cx="14400213" cy="11147555"/>
+          </a:xfrm>
+          <a:prstGeom prst="rect">
+            <a:avLst/>
+          </a:prstGeom>
+        </p:spPr>
+      </p:pic>
+      <p:sp>
+        <p:nvSpPr>
+          <p:cNvPr id="10" name="Retângulo 9">
+            <a:extLst>
+              <a:ext uri="{FF2B5EF4-FFF2-40B4-BE49-F238E27FC236}">
+                <a16:creationId xmlns:a16="http://schemas.microsoft.com/office/drawing/2014/main" id="{838BDC98-3287-4575-8574-56F716FB2440}"/>
+              </a:ext>
+            </a:extLst>
+          </p:cNvPr>
+          <p:cNvSpPr/>
+          <p:nvPr/>
+        </p:nvSpPr>
+        <p:spPr>
+          <a:xfrm>
+            <a:off x="0" y="2892935"/>
+            <a:ext cx="14400213" cy="3039825"/>
+          </a:xfrm>
+          <a:prstGeom prst="rect">
+            <a:avLst/>
+          </a:prstGeom>
+          <a:solidFill>
+            <a:schemeClr val="tx1">
+              <a:alpha val="81000"/>
+            </a:schemeClr>
+          </a:solidFill>
+        </p:spPr>
+        <p:style>
+          <a:lnRef idx="2">
+            <a:schemeClr val="accent1">
+              <a:shade val="50000"/>
+            </a:schemeClr>
+          </a:lnRef>
+          <a:fillRef idx="1">
+            <a:schemeClr val="accent1"/>
+          </a:fillRef>
+          <a:effectRef idx="0">
+            <a:schemeClr val="accent1"/>
+          </a:effectRef>
+          <a:fontRef idx="minor">
+            <a:schemeClr val="lt1"/>
+          </a:fontRef>
+        </p:style>
+        <p:txBody>
+          <a:bodyPr rtlCol="0" anchor="ctr"/>
+          <a:lstStyle/>
+          <a:p>
+            <a:pPr algn="ctr"/>
+            <a:endParaRPr lang="pt-BR"/>
+          </a:p>
+        </p:txBody>
+      </p:sp>
+      <p:sp>
+        <p:nvSpPr>
+          <p:cNvPr id="21" name="Retângulo 20">
+            <a:extLst>
+              <a:ext uri="{FF2B5EF4-FFF2-40B4-BE49-F238E27FC236}">
+                <a16:creationId xmlns:a16="http://schemas.microsoft.com/office/drawing/2014/main" id="{95EDB8CB-8377-4925-B478-560C3F615037}"/>
+              </a:ext>
+            </a:extLst>
+          </p:cNvPr>
+          <p:cNvSpPr/>
+          <p:nvPr/>
+        </p:nvSpPr>
+        <p:spPr>
+          <a:xfrm>
+            <a:off x="-2" y="6704292"/>
+            <a:ext cx="14400215" cy="3038400"/>
+          </a:xfrm>
+          <a:prstGeom prst="rect">
+            <a:avLst/>
+          </a:prstGeom>
+          <a:solidFill>
+            <a:schemeClr val="tx1">
+              <a:alpha val="81000"/>
+            </a:schemeClr>
+          </a:solidFill>
+        </p:spPr>
+        <p:style>
+          <a:lnRef idx="2">
+            <a:schemeClr val="accent1">
+              <a:shade val="50000"/>
+            </a:schemeClr>
+          </a:lnRef>
+          <a:fillRef idx="1">
+            <a:schemeClr val="accent1"/>
+          </a:fillRef>
+          <a:effectRef idx="0">
+            <a:schemeClr val="accent1"/>
+          </a:effectRef>
+          <a:fontRef idx="minor">
+            <a:schemeClr val="lt1"/>
+          </a:fontRef>
+        </p:style>
+        <p:txBody>
+          <a:bodyPr rtlCol="0" anchor="ctr"/>
+          <a:lstStyle/>
+          <a:p>
+            <a:pPr algn="ctr"/>
+            <a:endParaRPr lang="pt-BR"/>
+          </a:p>
+        </p:txBody>
+      </p:sp>
+      <p:sp>
+        <p:nvSpPr>
+          <p:cNvPr id="23" name="Retângulo 22">
+            <a:extLst>
+              <a:ext uri="{FF2B5EF4-FFF2-40B4-BE49-F238E27FC236}">
+                <a16:creationId xmlns:a16="http://schemas.microsoft.com/office/drawing/2014/main" id="{ED87CD67-A438-4F74-986A-3704AF997953}"/>
+              </a:ext>
+            </a:extLst>
+          </p:cNvPr>
+          <p:cNvSpPr/>
+          <p:nvPr/>
+        </p:nvSpPr>
+        <p:spPr>
+          <a:xfrm>
+            <a:off x="5308448" y="2906454"/>
+            <a:ext cx="3789504" cy="684807"/>
+          </a:xfrm>
+          <a:prstGeom prst="rect">
+            <a:avLst/>
+          </a:prstGeom>
+          <a:noFill/>
+        </p:spPr>
+        <p:txBody>
+          <a:bodyPr wrap="square" lIns="68584" tIns="34292" rIns="68584" bIns="34292">
+            <a:spAutoFit/>
+          </a:bodyPr>
+          <a:lstStyle/>
+          <a:p>
+            <a:pPr algn="ctr"/>
+            <a:r>
+              <a:rPr lang="pt-BR" sz="4000" dirty="0">
+                <a:ln w="0">
+                  <a:noFill/>
+                </a:ln>
+                <a:solidFill>
+                  <a:srgbClr val="0070C0"/>
+                </a:solidFill>
+                <a:effectLst>
+                  <a:outerShdw blurRad="38100" dist="19050" dir="2700000" algn="tl" rotWithShape="0">
+                    <a:schemeClr val="dk1">
+                      <a:alpha val="40000"/>
+                    </a:schemeClr>
+                  </a:outerShdw>
+                </a:effectLst>
+                <a:latin typeface="Exo 2 Extra Bold" panose="00000900000000000000" pitchFamily="50" charset="0"/>
+              </a:rPr>
+              <a:t>Chave 1</a:t>
+            </a:r>
+          </a:p>
+        </p:txBody>
+      </p:sp>
+      <p:sp>
+        <p:nvSpPr>
+          <p:cNvPr id="24" name="Retângulo 23">
+            <a:extLst>
+              <a:ext uri="{FF2B5EF4-FFF2-40B4-BE49-F238E27FC236}">
+                <a16:creationId xmlns:a16="http://schemas.microsoft.com/office/drawing/2014/main" id="{522A4ACC-EC27-4A14-BA66-B0EB03535C7B}"/>
+              </a:ext>
+            </a:extLst>
+          </p:cNvPr>
+          <p:cNvSpPr/>
+          <p:nvPr/>
+        </p:nvSpPr>
+        <p:spPr>
+          <a:xfrm>
+            <a:off x="5321993" y="6726594"/>
+            <a:ext cx="3789503" cy="684807"/>
+          </a:xfrm>
+          <a:prstGeom prst="rect">
+            <a:avLst/>
+          </a:prstGeom>
+          <a:noFill/>
+        </p:spPr>
+        <p:txBody>
+          <a:bodyPr wrap="square" lIns="68584" tIns="34292" rIns="68584" bIns="34292">
+            <a:spAutoFit/>
+          </a:bodyPr>
+          <a:lstStyle/>
+          <a:p>
+            <a:pPr algn="ctr"/>
+            <a:r>
+              <a:rPr lang="pt-BR" sz="4000" dirty="0">
+                <a:ln w="0">
+                  <a:noFill/>
+                </a:ln>
+                <a:solidFill>
+                  <a:srgbClr val="0070C0"/>
+                </a:solidFill>
+                <a:effectLst>
+                  <a:outerShdw blurRad="38100" dist="19050" dir="2700000" algn="tl" rotWithShape="0">
+                    <a:schemeClr val="dk1">
+                      <a:alpha val="40000"/>
+                    </a:schemeClr>
+                  </a:outerShdw>
+                </a:effectLst>
+                <a:latin typeface="Exo 2 Extra Bold" panose="00000900000000000000" pitchFamily="50" charset="0"/>
+              </a:rPr>
+              <a:t>Chave 2</a:t>
+            </a:r>
+          </a:p>
+        </p:txBody>
+      </p:sp>
+      <p:sp>
+        <p:nvSpPr>
+          <p:cNvPr id="17" name="Retângulo 16">
+            <a:extLst>
+              <a:ext uri="{FF2B5EF4-FFF2-40B4-BE49-F238E27FC236}">
+                <a16:creationId xmlns:a16="http://schemas.microsoft.com/office/drawing/2014/main" id="{8794C713-7EA7-4B36-BA18-8311723E7777}"/>
+              </a:ext>
+            </a:extLst>
+          </p:cNvPr>
+          <p:cNvSpPr/>
+          <p:nvPr/>
+        </p:nvSpPr>
+        <p:spPr>
+          <a:xfrm>
+            <a:off x="989921" y="451466"/>
+            <a:ext cx="13909452" cy="1177249"/>
+          </a:xfrm>
+          <a:prstGeom prst="rect">
+            <a:avLst/>
+          </a:prstGeom>
+          <a:noFill/>
+        </p:spPr>
+        <p:txBody>
+          <a:bodyPr wrap="square" lIns="68584" tIns="34292" rIns="68584" bIns="34292">
+            <a:spAutoFit/>
+          </a:bodyPr>
+          <a:lstStyle/>
+          <a:p>
+            <a:pPr algn="ctr"/>
+            <a:r>
+              <a:rPr lang="pt-BR" sz="7200" dirty="0">
+                <a:ln w="0">
+                  <a:noFill/>
+                </a:ln>
+                <a:effectLst>
+                  <a:outerShdw blurRad="38100" dist="19050" dir="2700000" algn="tl" rotWithShape="0">
+                    <a:schemeClr val="dk1">
+                      <a:alpha val="40000"/>
+                    </a:schemeClr>
+                  </a:outerShdw>
+                </a:effectLst>
+                <a:latin typeface="Exo 2 Extra Bold" panose="00000900000000000000" pitchFamily="50" charset="0"/>
+              </a:rPr>
+              <a:t>MATA-MATA EM </a:t>
+            </a:r>
+            <a:r>
+              <a:rPr lang="pt-BR" sz="7200" dirty="0">
+                <a:ln w="0">
+                  <a:noFill/>
+                </a:ln>
+                <a:solidFill>
+                  <a:srgbClr val="00B050"/>
+                </a:solidFill>
+                <a:effectLst>
+                  <a:outerShdw blurRad="38100" dist="19050" dir="2700000" algn="tl" rotWithShape="0">
+                    <a:schemeClr val="dk1">
+                      <a:alpha val="40000"/>
+                    </a:schemeClr>
+                  </a:outerShdw>
+                </a:effectLst>
+                <a:latin typeface="Exo 2 Extra Bold" panose="00000900000000000000" pitchFamily="50" charset="0"/>
+              </a:rPr>
+              <a:t>DUPLAS</a:t>
+            </a:r>
+          </a:p>
+        </p:txBody>
+      </p:sp>
+      <p:pic>
+        <p:nvPicPr>
+          <p:cNvPr id="18" name="Imagem 17">
+            <a:extLst>
+              <a:ext uri="{FF2B5EF4-FFF2-40B4-BE49-F238E27FC236}">
                 <a16:creationId xmlns:a16="http://schemas.microsoft.com/office/drawing/2014/main" id="{D2C0C710-C4F6-415A-99C2-AE27C80A4587}"/>
               </a:ext>
             </a:extLst>
@@ -7273,7 +9858,7 @@
 </p:sld>
 </file>
 
-<file path=ppt/slides/slide14.xml><?xml version="1.0" encoding="utf-8"?>
+<file path=ppt/slides/slide17.xml><?xml version="1.0" encoding="utf-8"?>
 <p:sld xmlns:a="http://schemas.openxmlformats.org/drawingml/2006/main" xmlns:r="http://schemas.openxmlformats.org/officeDocument/2006/relationships" xmlns:p="http://schemas.openxmlformats.org/presentationml/2006/main">
   <p:cSld>
     <p:bg>

--- a/MataMataPlanilha.pptx
+++ b/MataMataPlanilha.pptx
@@ -302,7 +302,7 @@
             <a:fld id="{11A6662E-FAF4-44BC-88B5-85A7CBFB6D30}" type="datetime1">
               <a:rPr lang="en-US" smtClean="0"/>
               <a:pPr/>
-              <a:t>8/24/2021</a:t>
+              <a:t>8/31/2021</a:t>
             </a:fld>
             <a:endParaRPr lang="en-US" dirty="0"/>
           </a:p>
@@ -529,7 +529,7 @@
           <a:p>
             <a:fld id="{4C559632-1575-4E14-B53B-3DC3D5ED3947}" type="datetime1">
               <a:rPr lang="en-US" smtClean="0"/>
-              <a:t>8/24/2021</a:t>
+              <a:t>8/31/2021</a:t>
             </a:fld>
             <a:endParaRPr lang="en-US"/>
           </a:p>
@@ -737,7 +737,7 @@
           <a:p>
             <a:fld id="{CC4A6868-2568-4CC9-B302-F37117B01A6E}" type="datetime1">
               <a:rPr lang="en-US" smtClean="0"/>
-              <a:t>8/24/2021</a:t>
+              <a:t>8/31/2021</a:t>
             </a:fld>
             <a:endParaRPr lang="en-US"/>
           </a:p>
@@ -942,7 +942,7 @@
           <a:p>
             <a:fld id="{0055F08A-1E71-4B2B-BB49-E743F2903911}" type="datetime1">
               <a:rPr lang="en-US" smtClean="0"/>
-              <a:t>8/24/2021</a:t>
+              <a:t>8/31/2021</a:t>
             </a:fld>
             <a:endParaRPr lang="en-US" dirty="0"/>
           </a:p>
@@ -1216,7 +1216,7 @@
           <a:p>
             <a:fld id="{15417D9E-721A-44BB-8863-9873FE64DA75}" type="datetime1">
               <a:rPr lang="en-US" smtClean="0"/>
-              <a:t>8/24/2021</a:t>
+              <a:t>8/31/2021</a:t>
             </a:fld>
             <a:endParaRPr lang="en-US"/>
           </a:p>
@@ -1489,7 +1489,7 @@
           <a:p>
             <a:fld id="{5F31DA2F-80B8-49CF-99FB-5ABCA53A607A}" type="datetime1">
               <a:rPr lang="en-US" smtClean="0"/>
-              <a:t>8/24/2021</a:t>
+              <a:t>8/31/2021</a:t>
             </a:fld>
             <a:endParaRPr lang="en-US"/>
           </a:p>
@@ -1904,7 +1904,7 @@
           <a:p>
             <a:fld id="{28852172-E6C9-4B6C-929A-A9DE3837BBF1}" type="datetime1">
               <a:rPr lang="en-US" smtClean="0"/>
-              <a:t>8/24/2021</a:t>
+              <a:t>8/31/2021</a:t>
             </a:fld>
             <a:endParaRPr lang="en-US"/>
           </a:p>
@@ -2056,7 +2056,7 @@
           <a:p>
             <a:fld id="{3AB41CFF-90C9-47B3-9DA1-F2BF8D839F7E}" type="datetime1">
               <a:rPr lang="en-US" smtClean="0"/>
-              <a:t>8/24/2021</a:t>
+              <a:t>8/31/2021</a:t>
             </a:fld>
             <a:endParaRPr lang="en-US"/>
           </a:p>
@@ -2169,7 +2169,7 @@
           <a:p>
             <a:fld id="{F06048FA-06AB-4884-A69B-986B96E68A24}" type="datetime1">
               <a:rPr lang="en-US" smtClean="0"/>
-              <a:t>8/24/2021</a:t>
+              <a:t>8/31/2021</a:t>
             </a:fld>
             <a:endParaRPr lang="en-US"/>
           </a:p>
@@ -2480,7 +2480,7 @@
           <a:p>
             <a:fld id="{50DB7ABA-0172-4F9C-889D-567164F66BCD}" type="datetime1">
               <a:rPr lang="en-US" smtClean="0"/>
-              <a:t>8/24/2021</a:t>
+              <a:t>8/31/2021</a:t>
             </a:fld>
             <a:endParaRPr lang="en-US"/>
           </a:p>
@@ -2771,7 +2771,7 @@
           <a:p>
             <a:fld id="{78AC6A5B-8AE7-4A41-B5A7-9ADC6686DC18}" type="datetime1">
               <a:rPr lang="en-US" smtClean="0"/>
-              <a:t>8/24/2021</a:t>
+              <a:t>8/31/2021</a:t>
             </a:fld>
             <a:endParaRPr lang="en-US"/>
           </a:p>
@@ -3080,7 +3080,7 @@
             <a:fld id="{57E0CF6C-748E-4B7A-BC8B-3011EF78ED13}" type="datetime1">
               <a:rPr lang="en-US" smtClean="0"/>
               <a:pPr/>
-              <a:t>8/24/2021</a:t>
+              <a:t>8/31/2021</a:t>
             </a:fld>
             <a:endParaRPr lang="en-US" dirty="0"/>
           </a:p>
@@ -5921,10 +5921,10 @@
       </p:pic>
       <p:pic>
         <p:nvPicPr>
-          <p:cNvPr id="6" name="Imagem 5">
-            <a:extLst>
-              <a:ext uri="{FF2B5EF4-FFF2-40B4-BE49-F238E27FC236}">
-                <a16:creationId xmlns:a16="http://schemas.microsoft.com/office/drawing/2014/main" id="{406FDB32-C915-446B-A3F0-36F5B9455173}"/>
+          <p:cNvPr id="2" name="Imagem 1">
+            <a:extLst>
+              <a:ext uri="{FF2B5EF4-FFF2-40B4-BE49-F238E27FC236}">
+                <a16:creationId xmlns:a16="http://schemas.microsoft.com/office/drawing/2014/main" id="{96BA5C16-362A-4975-B6AD-F0135C69C281}"/>
               </a:ext>
             </a:extLst>
           </p:cNvPr>
@@ -5941,8 +5941,8 @@
         </p:blipFill>
         <p:spPr>
           <a:xfrm>
-            <a:off x="2353041" y="6157476"/>
-            <a:ext cx="9720000" cy="813285"/>
+            <a:off x="2363800" y="6157473"/>
+            <a:ext cx="9720000" cy="813301"/>
           </a:xfrm>
           <a:prstGeom prst="rect">
             <a:avLst/>
@@ -5951,10 +5951,10 @@
       </p:pic>
       <p:pic>
         <p:nvPicPr>
-          <p:cNvPr id="8" name="Imagem 7">
-            <a:extLst>
-              <a:ext uri="{FF2B5EF4-FFF2-40B4-BE49-F238E27FC236}">
-                <a16:creationId xmlns:a16="http://schemas.microsoft.com/office/drawing/2014/main" id="{5CC9C58A-8EDA-485C-B0A4-32CB078F1880}"/>
+          <p:cNvPr id="3" name="Imagem 2">
+            <a:extLst>
+              <a:ext uri="{FF2B5EF4-FFF2-40B4-BE49-F238E27FC236}">
+                <a16:creationId xmlns:a16="http://schemas.microsoft.com/office/drawing/2014/main" id="{9B36036B-588D-4033-9D24-7CAD324A1C43}"/>
               </a:ext>
             </a:extLst>
           </p:cNvPr>
@@ -5971,8 +5971,8 @@
         </p:blipFill>
         <p:spPr>
           <a:xfrm>
-            <a:off x="2359537" y="9033564"/>
-            <a:ext cx="9720000" cy="813285"/>
+            <a:off x="2356874" y="9033548"/>
+            <a:ext cx="9720000" cy="813301"/>
           </a:xfrm>
           <a:prstGeom prst="rect">
             <a:avLst/>
@@ -6793,10 +6793,10 @@
       </p:pic>
       <p:pic>
         <p:nvPicPr>
-          <p:cNvPr id="6" name="Imagem 5">
-            <a:extLst>
-              <a:ext uri="{FF2B5EF4-FFF2-40B4-BE49-F238E27FC236}">
-                <a16:creationId xmlns:a16="http://schemas.microsoft.com/office/drawing/2014/main" id="{B76B801F-5309-4D3A-B53B-F1AF855EFEB9}"/>
+          <p:cNvPr id="2" name="Imagem 1">
+            <a:extLst>
+              <a:ext uri="{FF2B5EF4-FFF2-40B4-BE49-F238E27FC236}">
+                <a16:creationId xmlns:a16="http://schemas.microsoft.com/office/drawing/2014/main" id="{D62A6A17-3CEF-474F-9CAF-91575AABFA27}"/>
               </a:ext>
             </a:extLst>
           </p:cNvPr>
@@ -6813,8 +6813,8 @@
         </p:blipFill>
         <p:spPr>
           <a:xfrm>
-            <a:off x="2359537" y="6155639"/>
-            <a:ext cx="9720000" cy="813285"/>
+            <a:off x="2368067" y="6155636"/>
+            <a:ext cx="9720000" cy="813301"/>
           </a:xfrm>
           <a:prstGeom prst="rect">
             <a:avLst/>
@@ -6823,10 +6823,10 @@
       </p:pic>
       <p:pic>
         <p:nvPicPr>
-          <p:cNvPr id="7" name="Imagem 6">
-            <a:extLst>
-              <a:ext uri="{FF2B5EF4-FFF2-40B4-BE49-F238E27FC236}">
-                <a16:creationId xmlns:a16="http://schemas.microsoft.com/office/drawing/2014/main" id="{E5A85E8C-3599-439F-B68D-F3510F771DAA}"/>
+          <p:cNvPr id="4" name="Imagem 3">
+            <a:extLst>
+              <a:ext uri="{FF2B5EF4-FFF2-40B4-BE49-F238E27FC236}">
+                <a16:creationId xmlns:a16="http://schemas.microsoft.com/office/drawing/2014/main" id="{0CFE539A-045B-4250-BE07-22DB68540418}"/>
               </a:ext>
             </a:extLst>
           </p:cNvPr>
@@ -6843,8 +6843,8 @@
         </p:blipFill>
         <p:spPr>
           <a:xfrm>
-            <a:off x="2360887" y="9040952"/>
-            <a:ext cx="9720000" cy="813285"/>
+            <a:off x="2351953" y="9040952"/>
+            <a:ext cx="9720000" cy="813301"/>
           </a:xfrm>
           <a:prstGeom prst="rect">
             <a:avLst/>
@@ -7631,10 +7631,10 @@
       </p:pic>
       <p:pic>
         <p:nvPicPr>
-          <p:cNvPr id="6" name="Imagem 5">
-            <a:extLst>
-              <a:ext uri="{FF2B5EF4-FFF2-40B4-BE49-F238E27FC236}">
-                <a16:creationId xmlns:a16="http://schemas.microsoft.com/office/drawing/2014/main" id="{3A78D86E-FD10-4BFE-98C2-501BF20EA8B7}"/>
+          <p:cNvPr id="2" name="Imagem 1">
+            <a:extLst>
+              <a:ext uri="{FF2B5EF4-FFF2-40B4-BE49-F238E27FC236}">
+                <a16:creationId xmlns:a16="http://schemas.microsoft.com/office/drawing/2014/main" id="{BD398648-F619-4438-84A7-8AC860178081}"/>
               </a:ext>
             </a:extLst>
           </p:cNvPr>
@@ -7651,8 +7651,8 @@
         </p:blipFill>
         <p:spPr>
           <a:xfrm>
-            <a:off x="437670" y="6070619"/>
-            <a:ext cx="13572000" cy="510814"/>
+            <a:off x="437867" y="6074368"/>
+            <a:ext cx="13572000" cy="510813"/>
           </a:xfrm>
           <a:prstGeom prst="rect">
             <a:avLst/>
@@ -7661,10 +7661,10 @@
       </p:pic>
       <p:pic>
         <p:nvPicPr>
-          <p:cNvPr id="7" name="Imagem 6">
-            <a:extLst>
-              <a:ext uri="{FF2B5EF4-FFF2-40B4-BE49-F238E27FC236}">
-                <a16:creationId xmlns:a16="http://schemas.microsoft.com/office/drawing/2014/main" id="{E8F0A550-32E0-4230-8DC1-DAB4BDAA54FC}"/>
+          <p:cNvPr id="3" name="Imagem 2">
+            <a:extLst>
+              <a:ext uri="{FF2B5EF4-FFF2-40B4-BE49-F238E27FC236}">
+                <a16:creationId xmlns:a16="http://schemas.microsoft.com/office/drawing/2014/main" id="{DDD484CD-BBAA-4E4B-AD6F-3B377163C581}"/>
               </a:ext>
             </a:extLst>
           </p:cNvPr>
@@ -7681,7 +7681,7 @@
         </p:blipFill>
         <p:spPr>
           <a:xfrm>
-            <a:off x="445936" y="8526407"/>
+            <a:off x="433354" y="8526404"/>
             <a:ext cx="13572000" cy="510814"/>
           </a:xfrm>
           <a:prstGeom prst="rect">

--- a/MataMataPlanilha.pptx
+++ b/MataMataPlanilha.pptx
@@ -123,7 +123,7 @@
   <p:extLst>
     <p:ext uri="{EFAFB233-063F-42B5-8137-9DF3F51BA10A}">
       <p15:sldGuideLst xmlns:p15="http://schemas.microsoft.com/office/powerpoint/2012/main">
-        <p15:guide id="1" orient="horz" pos="3424" userDrawn="1">
+        <p15:guide id="1" orient="horz" pos="3402" userDrawn="1">
           <p15:clr>
             <a:srgbClr val="A4A3A4"/>
           </p15:clr>
@@ -302,7 +302,7 @@
             <a:fld id="{11A6662E-FAF4-44BC-88B5-85A7CBFB6D30}" type="datetime1">
               <a:rPr lang="en-US" smtClean="0"/>
               <a:pPr/>
-              <a:t>8/31/2021</a:t>
+              <a:t>9/28/2021</a:t>
             </a:fld>
             <a:endParaRPr lang="en-US" dirty="0"/>
           </a:p>
@@ -529,7 +529,7 @@
           <a:p>
             <a:fld id="{4C559632-1575-4E14-B53B-3DC3D5ED3947}" type="datetime1">
               <a:rPr lang="en-US" smtClean="0"/>
-              <a:t>8/31/2021</a:t>
+              <a:t>9/28/2021</a:t>
             </a:fld>
             <a:endParaRPr lang="en-US"/>
           </a:p>
@@ -737,7 +737,7 @@
           <a:p>
             <a:fld id="{CC4A6868-2568-4CC9-B302-F37117B01A6E}" type="datetime1">
               <a:rPr lang="en-US" smtClean="0"/>
-              <a:t>8/31/2021</a:t>
+              <a:t>9/28/2021</a:t>
             </a:fld>
             <a:endParaRPr lang="en-US"/>
           </a:p>
@@ -942,7 +942,7 @@
           <a:p>
             <a:fld id="{0055F08A-1E71-4B2B-BB49-E743F2903911}" type="datetime1">
               <a:rPr lang="en-US" smtClean="0"/>
-              <a:t>8/31/2021</a:t>
+              <a:t>9/28/2021</a:t>
             </a:fld>
             <a:endParaRPr lang="en-US" dirty="0"/>
           </a:p>
@@ -1216,7 +1216,7 @@
           <a:p>
             <a:fld id="{15417D9E-721A-44BB-8863-9873FE64DA75}" type="datetime1">
               <a:rPr lang="en-US" smtClean="0"/>
-              <a:t>8/31/2021</a:t>
+              <a:t>9/28/2021</a:t>
             </a:fld>
             <a:endParaRPr lang="en-US"/>
           </a:p>
@@ -1489,7 +1489,7 @@
           <a:p>
             <a:fld id="{5F31DA2F-80B8-49CF-99FB-5ABCA53A607A}" type="datetime1">
               <a:rPr lang="en-US" smtClean="0"/>
-              <a:t>8/31/2021</a:t>
+              <a:t>9/28/2021</a:t>
             </a:fld>
             <a:endParaRPr lang="en-US"/>
           </a:p>
@@ -1904,7 +1904,7 @@
           <a:p>
             <a:fld id="{28852172-E6C9-4B6C-929A-A9DE3837BBF1}" type="datetime1">
               <a:rPr lang="en-US" smtClean="0"/>
-              <a:t>8/31/2021</a:t>
+              <a:t>9/28/2021</a:t>
             </a:fld>
             <a:endParaRPr lang="en-US"/>
           </a:p>
@@ -2056,7 +2056,7 @@
           <a:p>
             <a:fld id="{3AB41CFF-90C9-47B3-9DA1-F2BF8D839F7E}" type="datetime1">
               <a:rPr lang="en-US" smtClean="0"/>
-              <a:t>8/31/2021</a:t>
+              <a:t>9/28/2021</a:t>
             </a:fld>
             <a:endParaRPr lang="en-US"/>
           </a:p>
@@ -2169,7 +2169,7 @@
           <a:p>
             <a:fld id="{F06048FA-06AB-4884-A69B-986B96E68A24}" type="datetime1">
               <a:rPr lang="en-US" smtClean="0"/>
-              <a:t>8/31/2021</a:t>
+              <a:t>9/28/2021</a:t>
             </a:fld>
             <a:endParaRPr lang="en-US"/>
           </a:p>
@@ -2480,7 +2480,7 @@
           <a:p>
             <a:fld id="{50DB7ABA-0172-4F9C-889D-567164F66BCD}" type="datetime1">
               <a:rPr lang="en-US" smtClean="0"/>
-              <a:t>8/31/2021</a:t>
+              <a:t>9/28/2021</a:t>
             </a:fld>
             <a:endParaRPr lang="en-US"/>
           </a:p>
@@ -2771,7 +2771,7 @@
           <a:p>
             <a:fld id="{78AC6A5B-8AE7-4A41-B5A7-9ADC6686DC18}" type="datetime1">
               <a:rPr lang="en-US" smtClean="0"/>
-              <a:t>8/31/2021</a:t>
+              <a:t>9/28/2021</a:t>
             </a:fld>
             <a:endParaRPr lang="en-US"/>
           </a:p>
@@ -3080,7 +3080,7 @@
             <a:fld id="{57E0CF6C-748E-4B7A-BC8B-3011EF78ED13}" type="datetime1">
               <a:rPr lang="en-US" smtClean="0"/>
               <a:pPr/>
-              <a:t>8/31/2021</a:t>
+              <a:t>9/28/2021</a:t>
             </a:fld>
             <a:endParaRPr lang="en-US" dirty="0"/>
           </a:p>
@@ -11871,10 +11871,10 @@
       </p:sp>
       <p:pic>
         <p:nvPicPr>
-          <p:cNvPr id="2" name="Imagem 1">
-            <a:extLst>
-              <a:ext uri="{FF2B5EF4-FFF2-40B4-BE49-F238E27FC236}">
-                <a16:creationId xmlns:a16="http://schemas.microsoft.com/office/drawing/2014/main" id="{00FBD914-C33F-4302-8225-C9A066F5E0F3}"/>
+          <p:cNvPr id="3" name="Imagem 2">
+            <a:extLst>
+              <a:ext uri="{FF2B5EF4-FFF2-40B4-BE49-F238E27FC236}">
+                <a16:creationId xmlns:a16="http://schemas.microsoft.com/office/drawing/2014/main" id="{756A0C0A-B280-4D4D-BADE-225DD26DE70F}"/>
               </a:ext>
             </a:extLst>
           </p:cNvPr>
@@ -11891,7 +11891,7 @@
         </p:blipFill>
         <p:spPr>
           <a:xfrm>
-            <a:off x="439081" y="3565663"/>
+            <a:off x="430662" y="3496173"/>
             <a:ext cx="13581643" cy="5760000"/>
           </a:xfrm>
           <a:prstGeom prst="rect">
@@ -12445,10 +12445,10 @@
       </p:sp>
       <p:pic>
         <p:nvPicPr>
-          <p:cNvPr id="2" name="Imagem 1">
-            <a:extLst>
-              <a:ext uri="{FF2B5EF4-FFF2-40B4-BE49-F238E27FC236}">
-                <a16:creationId xmlns:a16="http://schemas.microsoft.com/office/drawing/2014/main" id="{D2A3A366-4D68-4A50-BF95-B2DB57839BE3}"/>
+          <p:cNvPr id="3" name="Imagem 2">
+            <a:extLst>
+              <a:ext uri="{FF2B5EF4-FFF2-40B4-BE49-F238E27FC236}">
+                <a16:creationId xmlns:a16="http://schemas.microsoft.com/office/drawing/2014/main" id="{65B34843-EE59-4B82-9644-6E125E4D5489}"/>
               </a:ext>
             </a:extLst>
           </p:cNvPr>
@@ -12465,7 +12465,7 @@
         </p:blipFill>
         <p:spPr>
           <a:xfrm>
-            <a:off x="429701" y="3565663"/>
+            <a:off x="423714" y="3493261"/>
             <a:ext cx="13581643" cy="5760000"/>
           </a:xfrm>
           <a:prstGeom prst="rect">
@@ -14601,10 +14601,10 @@
       </p:pic>
       <p:pic>
         <p:nvPicPr>
-          <p:cNvPr id="2" name="Imagem 1">
-            <a:extLst>
-              <a:ext uri="{FF2B5EF4-FFF2-40B4-BE49-F238E27FC236}">
-                <a16:creationId xmlns:a16="http://schemas.microsoft.com/office/drawing/2014/main" id="{7510BA6F-D14C-435F-8522-5F40C10D107A}"/>
+          <p:cNvPr id="4" name="Imagem 3">
+            <a:extLst>
+              <a:ext uri="{FF2B5EF4-FFF2-40B4-BE49-F238E27FC236}">
+                <a16:creationId xmlns:a16="http://schemas.microsoft.com/office/drawing/2014/main" id="{F3C3EEC9-55B3-4682-8B60-25BCC2A6CA9A}"/>
               </a:ext>
             </a:extLst>
           </p:cNvPr>
@@ -14621,7 +14621,7 @@
         </p:blipFill>
         <p:spPr>
           <a:xfrm>
-            <a:off x="127352" y="3145186"/>
+            <a:off x="137862" y="3145183"/>
             <a:ext cx="14168703" cy="2880000"/>
           </a:xfrm>
           <a:prstGeom prst="rect">
@@ -14631,10 +14631,10 @@
       </p:pic>
       <p:pic>
         <p:nvPicPr>
-          <p:cNvPr id="3" name="Imagem 2">
-            <a:extLst>
-              <a:ext uri="{FF2B5EF4-FFF2-40B4-BE49-F238E27FC236}">
-                <a16:creationId xmlns:a16="http://schemas.microsoft.com/office/drawing/2014/main" id="{B07718C3-9B00-4B70-9C29-CB43090E454E}"/>
+          <p:cNvPr id="6" name="Imagem 5">
+            <a:extLst>
+              <a:ext uri="{FF2B5EF4-FFF2-40B4-BE49-F238E27FC236}">
+                <a16:creationId xmlns:a16="http://schemas.microsoft.com/office/drawing/2014/main" id="{DD303E11-FB1B-4E46-921D-0E29872DEBF1}"/>
               </a:ext>
             </a:extLst>
           </p:cNvPr>
@@ -14651,7 +14651,7 @@
         </p:blipFill>
         <p:spPr>
           <a:xfrm>
-            <a:off x="137863" y="7358575"/>
+            <a:off x="127796" y="7358575"/>
             <a:ext cx="14168703" cy="2880000"/>
           </a:xfrm>
           <a:prstGeom prst="rect">

--- a/MataMataPlanilha.pptx
+++ b/MataMataPlanilha.pptx
@@ -302,7 +302,7 @@
             <a:fld id="{11A6662E-FAF4-44BC-88B5-85A7CBFB6D30}" type="datetime1">
               <a:rPr lang="en-US" smtClean="0"/>
               <a:pPr/>
-              <a:t>9/28/2021</a:t>
+              <a:t>9/30/2021</a:t>
             </a:fld>
             <a:endParaRPr lang="en-US" dirty="0"/>
           </a:p>
@@ -529,7 +529,7 @@
           <a:p>
             <a:fld id="{4C559632-1575-4E14-B53B-3DC3D5ED3947}" type="datetime1">
               <a:rPr lang="en-US" smtClean="0"/>
-              <a:t>9/28/2021</a:t>
+              <a:t>9/30/2021</a:t>
             </a:fld>
             <a:endParaRPr lang="en-US"/>
           </a:p>
@@ -737,7 +737,7 @@
           <a:p>
             <a:fld id="{CC4A6868-2568-4CC9-B302-F37117B01A6E}" type="datetime1">
               <a:rPr lang="en-US" smtClean="0"/>
-              <a:t>9/28/2021</a:t>
+              <a:t>9/30/2021</a:t>
             </a:fld>
             <a:endParaRPr lang="en-US"/>
           </a:p>
@@ -942,7 +942,7 @@
           <a:p>
             <a:fld id="{0055F08A-1E71-4B2B-BB49-E743F2903911}" type="datetime1">
               <a:rPr lang="en-US" smtClean="0"/>
-              <a:t>9/28/2021</a:t>
+              <a:t>9/30/2021</a:t>
             </a:fld>
             <a:endParaRPr lang="en-US" dirty="0"/>
           </a:p>
@@ -1216,7 +1216,7 @@
           <a:p>
             <a:fld id="{15417D9E-721A-44BB-8863-9873FE64DA75}" type="datetime1">
               <a:rPr lang="en-US" smtClean="0"/>
-              <a:t>9/28/2021</a:t>
+              <a:t>9/30/2021</a:t>
             </a:fld>
             <a:endParaRPr lang="en-US"/>
           </a:p>
@@ -1489,7 +1489,7 @@
           <a:p>
             <a:fld id="{5F31DA2F-80B8-49CF-99FB-5ABCA53A607A}" type="datetime1">
               <a:rPr lang="en-US" smtClean="0"/>
-              <a:t>9/28/2021</a:t>
+              <a:t>9/30/2021</a:t>
             </a:fld>
             <a:endParaRPr lang="en-US"/>
           </a:p>
@@ -1904,7 +1904,7 @@
           <a:p>
             <a:fld id="{28852172-E6C9-4B6C-929A-A9DE3837BBF1}" type="datetime1">
               <a:rPr lang="en-US" smtClean="0"/>
-              <a:t>9/28/2021</a:t>
+              <a:t>9/30/2021</a:t>
             </a:fld>
             <a:endParaRPr lang="en-US"/>
           </a:p>
@@ -2056,7 +2056,7 @@
           <a:p>
             <a:fld id="{3AB41CFF-90C9-47B3-9DA1-F2BF8D839F7E}" type="datetime1">
               <a:rPr lang="en-US" smtClean="0"/>
-              <a:t>9/28/2021</a:t>
+              <a:t>9/30/2021</a:t>
             </a:fld>
             <a:endParaRPr lang="en-US"/>
           </a:p>
@@ -2169,7 +2169,7 @@
           <a:p>
             <a:fld id="{F06048FA-06AB-4884-A69B-986B96E68A24}" type="datetime1">
               <a:rPr lang="en-US" smtClean="0"/>
-              <a:t>9/28/2021</a:t>
+              <a:t>9/30/2021</a:t>
             </a:fld>
             <a:endParaRPr lang="en-US"/>
           </a:p>
@@ -2480,7 +2480,7 @@
           <a:p>
             <a:fld id="{50DB7ABA-0172-4F9C-889D-567164F66BCD}" type="datetime1">
               <a:rPr lang="en-US" smtClean="0"/>
-              <a:t>9/28/2021</a:t>
+              <a:t>9/30/2021</a:t>
             </a:fld>
             <a:endParaRPr lang="en-US"/>
           </a:p>
@@ -2771,7 +2771,7 @@
           <a:p>
             <a:fld id="{78AC6A5B-8AE7-4A41-B5A7-9ADC6686DC18}" type="datetime1">
               <a:rPr lang="en-US" smtClean="0"/>
-              <a:t>9/28/2021</a:t>
+              <a:t>9/30/2021</a:t>
             </a:fld>
             <a:endParaRPr lang="en-US"/>
           </a:p>
@@ -2874,7 +2874,7 @@
                 <a16:creationId xmlns:a16="http://schemas.microsoft.com/office/drawing/2014/main" id="{0BABF38A-8A0D-492E-BD20-6CF4D46B50BD}"/>
               </a:ext>
               <a:ext uri="{C183D7F6-B498-43B3-948B-1728B52AA6E4}">
-                <adec:decorative xmlns:adec="http://schemas.microsoft.com/office/drawing/2017/decorative" val="1"/>
+                <adec:decorative xmlns="" xmlns:adec="http://schemas.microsoft.com/office/drawing/2017/decorative" val="1"/>
               </a:ext>
             </a:extLst>
           </p:cNvPr>
@@ -3080,7 +3080,7 @@
             <a:fld id="{57E0CF6C-748E-4B7A-BC8B-3011EF78ED13}" type="datetime1">
               <a:rPr lang="en-US" smtClean="0"/>
               <a:pPr/>
-              <a:t>9/28/2021</a:t>
+              <a:t>9/30/2021</a:t>
             </a:fld>
             <a:endParaRPr lang="en-US" dirty="0"/>
           </a:p>
@@ -3575,7 +3575,7 @@
                 <a16:creationId xmlns:a16="http://schemas.microsoft.com/office/drawing/2014/main" id="{0BABF38A-8A0D-492E-BD20-6CF4D46B50BD}"/>
               </a:ext>
               <a:ext uri="{C183D7F6-B498-43B3-948B-1728B52AA6E4}">
-                <adec:decorative xmlns:adec="http://schemas.microsoft.com/office/drawing/2017/decorative" val="1"/>
+                <adec:decorative xmlns="" xmlns:adec="http://schemas.microsoft.com/office/drawing/2017/decorative" val="1"/>
               </a:ext>
             </a:extLst>
           </p:cNvPr>
@@ -3651,7 +3651,7 @@
                 <a16:creationId xmlns:a16="http://schemas.microsoft.com/office/drawing/2014/main" id="{BC526B7A-4801-4FD1-95C8-03AF22629E87}"/>
               </a:ext>
               <a:ext uri="{C183D7F6-B498-43B3-948B-1728B52AA6E4}">
-                <adec:decorative xmlns:adec="http://schemas.microsoft.com/office/drawing/2017/decorative" val="1"/>
+                <adec:decorative xmlns="" xmlns:adec="http://schemas.microsoft.com/office/drawing/2017/decorative" val="1"/>
               </a:ext>
             </a:extLst>
           </p:cNvPr>
@@ -3697,7 +3697,7 @@
                 <a16:creationId xmlns:a16="http://schemas.microsoft.com/office/drawing/2014/main" id="{37FDDF72-DE39-4F99-A3C1-DD9D7815D7DB}"/>
               </a:ext>
               <a:ext uri="{C183D7F6-B498-43B3-948B-1728B52AA6E4}">
-                <adec:decorative xmlns:adec="http://schemas.microsoft.com/office/drawing/2017/decorative" val="1"/>
+                <adec:decorative xmlns="" xmlns:adec="http://schemas.microsoft.com/office/drawing/2017/decorative" val="1"/>
               </a:ext>
             </a:extLst>
           </p:cNvPr>
@@ -3767,7 +3767,7 @@
                 <a16:creationId xmlns:a16="http://schemas.microsoft.com/office/drawing/2014/main" id="{5E4ECE80-3AD1-450C-B62A-98788F193948}"/>
               </a:ext>
               <a:ext uri="{C183D7F6-B498-43B3-948B-1728B52AA6E4}">
-                <adec:decorative xmlns:adec="http://schemas.microsoft.com/office/drawing/2017/decorative" val="1"/>
+                <adec:decorative xmlns="" xmlns:adec="http://schemas.microsoft.com/office/drawing/2017/decorative" val="1"/>
               </a:ext>
             </a:extLst>
           </p:cNvPr>
@@ -3984,7 +3984,7 @@
           <p:nvPr/>
         </p:nvPicPr>
         <p:blipFill>
-          <a:blip r:embed="rId4">
+          <a:blip r:embed="rId4" cstate="hqprint">
             <a:extLst>
               <a:ext uri="{28A0092B-C50C-407E-A947-70E740481C1C}">
                 <a14:useLocalDpi xmlns:a14="http://schemas.microsoft.com/office/drawing/2010/main" val="0"/>
@@ -4315,7 +4315,7 @@
                 <a16:creationId xmlns:a16="http://schemas.microsoft.com/office/drawing/2014/main" id="{0BABF38A-8A0D-492E-BD20-6CF4D46B50BD}"/>
               </a:ext>
               <a:ext uri="{C183D7F6-B498-43B3-948B-1728B52AA6E4}">
-                <adec:decorative xmlns:adec="http://schemas.microsoft.com/office/drawing/2017/decorative" val="1"/>
+                <adec:decorative xmlns="" xmlns:adec="http://schemas.microsoft.com/office/drawing/2017/decorative" val="1"/>
               </a:ext>
             </a:extLst>
           </p:cNvPr>
@@ -4391,7 +4391,7 @@
                 <a16:creationId xmlns:a16="http://schemas.microsoft.com/office/drawing/2014/main" id="{BC526B7A-4801-4FD1-95C8-03AF22629E87}"/>
               </a:ext>
               <a:ext uri="{C183D7F6-B498-43B3-948B-1728B52AA6E4}">
-                <adec:decorative xmlns:adec="http://schemas.microsoft.com/office/drawing/2017/decorative" val="1"/>
+                <adec:decorative xmlns="" xmlns:adec="http://schemas.microsoft.com/office/drawing/2017/decorative" val="1"/>
               </a:ext>
             </a:extLst>
           </p:cNvPr>
@@ -4437,7 +4437,7 @@
                 <a16:creationId xmlns:a16="http://schemas.microsoft.com/office/drawing/2014/main" id="{37FDDF72-DE39-4F99-A3C1-DD9D7815D7DB}"/>
               </a:ext>
               <a:ext uri="{C183D7F6-B498-43B3-948B-1728B52AA6E4}">
-                <adec:decorative xmlns:adec="http://schemas.microsoft.com/office/drawing/2017/decorative" val="1"/>
+                <adec:decorative xmlns="" xmlns:adec="http://schemas.microsoft.com/office/drawing/2017/decorative" val="1"/>
               </a:ext>
             </a:extLst>
           </p:cNvPr>
@@ -4507,7 +4507,7 @@
                 <a16:creationId xmlns:a16="http://schemas.microsoft.com/office/drawing/2014/main" id="{5E4ECE80-3AD1-450C-B62A-98788F193948}"/>
               </a:ext>
               <a:ext uri="{C183D7F6-B498-43B3-948B-1728B52AA6E4}">
-                <adec:decorative xmlns:adec="http://schemas.microsoft.com/office/drawing/2017/decorative" val="1"/>
+                <adec:decorative xmlns="" xmlns:adec="http://schemas.microsoft.com/office/drawing/2017/decorative" val="1"/>
               </a:ext>
             </a:extLst>
           </p:cNvPr>
@@ -4894,7 +4894,7 @@
           <p:nvPr/>
         </p:nvPicPr>
         <p:blipFill>
-          <a:blip r:embed="rId4">
+          <a:blip r:embed="rId4" cstate="hqprint">
             <a:extLst>
               <a:ext uri="{28A0092B-C50C-407E-A947-70E740481C1C}">
                 <a14:useLocalDpi xmlns:a14="http://schemas.microsoft.com/office/drawing/2010/main" val="0"/>
@@ -5153,7 +5153,7 @@
                 <a16:creationId xmlns:a16="http://schemas.microsoft.com/office/drawing/2014/main" id="{0BABF38A-8A0D-492E-BD20-6CF4D46B50BD}"/>
               </a:ext>
               <a:ext uri="{C183D7F6-B498-43B3-948B-1728B52AA6E4}">
-                <adec:decorative xmlns:adec="http://schemas.microsoft.com/office/drawing/2017/decorative" val="1"/>
+                <adec:decorative xmlns="" xmlns:adec="http://schemas.microsoft.com/office/drawing/2017/decorative" val="1"/>
               </a:ext>
             </a:extLst>
           </p:cNvPr>
@@ -5229,7 +5229,7 @@
                 <a16:creationId xmlns:a16="http://schemas.microsoft.com/office/drawing/2014/main" id="{BC526B7A-4801-4FD1-95C8-03AF22629E87}"/>
               </a:ext>
               <a:ext uri="{C183D7F6-B498-43B3-948B-1728B52AA6E4}">
-                <adec:decorative xmlns:adec="http://schemas.microsoft.com/office/drawing/2017/decorative" val="1"/>
+                <adec:decorative xmlns="" xmlns:adec="http://schemas.microsoft.com/office/drawing/2017/decorative" val="1"/>
               </a:ext>
             </a:extLst>
           </p:cNvPr>
@@ -5275,7 +5275,7 @@
                 <a16:creationId xmlns:a16="http://schemas.microsoft.com/office/drawing/2014/main" id="{37FDDF72-DE39-4F99-A3C1-DD9D7815D7DB}"/>
               </a:ext>
               <a:ext uri="{C183D7F6-B498-43B3-948B-1728B52AA6E4}">
-                <adec:decorative xmlns:adec="http://schemas.microsoft.com/office/drawing/2017/decorative" val="1"/>
+                <adec:decorative xmlns="" xmlns:adec="http://schemas.microsoft.com/office/drawing/2017/decorative" val="1"/>
               </a:ext>
             </a:extLst>
           </p:cNvPr>
@@ -5345,7 +5345,7 @@
                 <a16:creationId xmlns:a16="http://schemas.microsoft.com/office/drawing/2014/main" id="{5E4ECE80-3AD1-450C-B62A-98788F193948}"/>
               </a:ext>
               <a:ext uri="{C183D7F6-B498-43B3-948B-1728B52AA6E4}">
-                <adec:decorative xmlns:adec="http://schemas.microsoft.com/office/drawing/2017/decorative" val="1"/>
+                <adec:decorative xmlns="" xmlns:adec="http://schemas.microsoft.com/office/drawing/2017/decorative" val="1"/>
               </a:ext>
             </a:extLst>
           </p:cNvPr>
@@ -5562,7 +5562,7 @@
           <p:nvPr/>
         </p:nvPicPr>
         <p:blipFill>
-          <a:blip r:embed="rId4">
+          <a:blip r:embed="rId4" cstate="hqprint">
             <a:extLst>
               <a:ext uri="{28A0092B-C50C-407E-A947-70E740481C1C}">
                 <a14:useLocalDpi xmlns:a14="http://schemas.microsoft.com/office/drawing/2010/main" val="0"/>
@@ -6025,7 +6025,7 @@
                 <a16:creationId xmlns:a16="http://schemas.microsoft.com/office/drawing/2014/main" id="{0BABF38A-8A0D-492E-BD20-6CF4D46B50BD}"/>
               </a:ext>
               <a:ext uri="{C183D7F6-B498-43B3-948B-1728B52AA6E4}">
-                <adec:decorative xmlns:adec="http://schemas.microsoft.com/office/drawing/2017/decorative" val="1"/>
+                <adec:decorative xmlns="" xmlns:adec="http://schemas.microsoft.com/office/drawing/2017/decorative" val="1"/>
               </a:ext>
             </a:extLst>
           </p:cNvPr>
@@ -6101,7 +6101,7 @@
                 <a16:creationId xmlns:a16="http://schemas.microsoft.com/office/drawing/2014/main" id="{BC526B7A-4801-4FD1-95C8-03AF22629E87}"/>
               </a:ext>
               <a:ext uri="{C183D7F6-B498-43B3-948B-1728B52AA6E4}">
-                <adec:decorative xmlns:adec="http://schemas.microsoft.com/office/drawing/2017/decorative" val="1"/>
+                <adec:decorative xmlns="" xmlns:adec="http://schemas.microsoft.com/office/drawing/2017/decorative" val="1"/>
               </a:ext>
             </a:extLst>
           </p:cNvPr>
@@ -6147,7 +6147,7 @@
                 <a16:creationId xmlns:a16="http://schemas.microsoft.com/office/drawing/2014/main" id="{37FDDF72-DE39-4F99-A3C1-DD9D7815D7DB}"/>
               </a:ext>
               <a:ext uri="{C183D7F6-B498-43B3-948B-1728B52AA6E4}">
-                <adec:decorative xmlns:adec="http://schemas.microsoft.com/office/drawing/2017/decorative" val="1"/>
+                <adec:decorative xmlns="" xmlns:adec="http://schemas.microsoft.com/office/drawing/2017/decorative" val="1"/>
               </a:ext>
             </a:extLst>
           </p:cNvPr>
@@ -6217,7 +6217,7 @@
                 <a16:creationId xmlns:a16="http://schemas.microsoft.com/office/drawing/2014/main" id="{5E4ECE80-3AD1-450C-B62A-98788F193948}"/>
               </a:ext>
               <a:ext uri="{C183D7F6-B498-43B3-948B-1728B52AA6E4}">
-                <adec:decorative xmlns:adec="http://schemas.microsoft.com/office/drawing/2017/decorative" val="1"/>
+                <adec:decorative xmlns="" xmlns:adec="http://schemas.microsoft.com/office/drawing/2017/decorative" val="1"/>
               </a:ext>
             </a:extLst>
           </p:cNvPr>
@@ -6434,7 +6434,7 @@
           <p:nvPr/>
         </p:nvPicPr>
         <p:blipFill>
-          <a:blip r:embed="rId4">
+          <a:blip r:embed="rId4" cstate="hqprint">
             <a:extLst>
               <a:ext uri="{28A0092B-C50C-407E-A947-70E740481C1C}">
                 <a14:useLocalDpi xmlns:a14="http://schemas.microsoft.com/office/drawing/2010/main" val="0"/>
@@ -6897,7 +6897,7 @@
                 <a16:creationId xmlns:a16="http://schemas.microsoft.com/office/drawing/2014/main" id="{0BABF38A-8A0D-492E-BD20-6CF4D46B50BD}"/>
               </a:ext>
               <a:ext uri="{C183D7F6-B498-43B3-948B-1728B52AA6E4}">
-                <adec:decorative xmlns:adec="http://schemas.microsoft.com/office/drawing/2017/decorative" val="1"/>
+                <adec:decorative xmlns="" xmlns:adec="http://schemas.microsoft.com/office/drawing/2017/decorative" val="1"/>
               </a:ext>
             </a:extLst>
           </p:cNvPr>
@@ -6973,7 +6973,7 @@
                 <a16:creationId xmlns:a16="http://schemas.microsoft.com/office/drawing/2014/main" id="{BC526B7A-4801-4FD1-95C8-03AF22629E87}"/>
               </a:ext>
               <a:ext uri="{C183D7F6-B498-43B3-948B-1728B52AA6E4}">
-                <adec:decorative xmlns:adec="http://schemas.microsoft.com/office/drawing/2017/decorative" val="1"/>
+                <adec:decorative xmlns="" xmlns:adec="http://schemas.microsoft.com/office/drawing/2017/decorative" val="1"/>
               </a:ext>
             </a:extLst>
           </p:cNvPr>
@@ -7019,7 +7019,7 @@
                 <a16:creationId xmlns:a16="http://schemas.microsoft.com/office/drawing/2014/main" id="{37FDDF72-DE39-4F99-A3C1-DD9D7815D7DB}"/>
               </a:ext>
               <a:ext uri="{C183D7F6-B498-43B3-948B-1728B52AA6E4}">
-                <adec:decorative xmlns:adec="http://schemas.microsoft.com/office/drawing/2017/decorative" val="1"/>
+                <adec:decorative xmlns="" xmlns:adec="http://schemas.microsoft.com/office/drawing/2017/decorative" val="1"/>
               </a:ext>
             </a:extLst>
           </p:cNvPr>
@@ -7089,7 +7089,7 @@
                 <a16:creationId xmlns:a16="http://schemas.microsoft.com/office/drawing/2014/main" id="{5E4ECE80-3AD1-450C-B62A-98788F193948}"/>
               </a:ext>
               <a:ext uri="{C183D7F6-B498-43B3-948B-1728B52AA6E4}">
-                <adec:decorative xmlns:adec="http://schemas.microsoft.com/office/drawing/2017/decorative" val="1"/>
+                <adec:decorative xmlns="" xmlns:adec="http://schemas.microsoft.com/office/drawing/2017/decorative" val="1"/>
               </a:ext>
             </a:extLst>
           </p:cNvPr>
@@ -7374,7 +7374,7 @@
           <p:nvPr/>
         </p:nvPicPr>
         <p:blipFill>
-          <a:blip r:embed="rId4">
+          <a:blip r:embed="rId4" cstate="hqprint">
             <a:extLst>
               <a:ext uri="{28A0092B-C50C-407E-A947-70E740481C1C}">
                 <a14:useLocalDpi xmlns:a14="http://schemas.microsoft.com/office/drawing/2010/main" val="0"/>
@@ -7735,7 +7735,7 @@
                 <a16:creationId xmlns:a16="http://schemas.microsoft.com/office/drawing/2014/main" id="{0BABF38A-8A0D-492E-BD20-6CF4D46B50BD}"/>
               </a:ext>
               <a:ext uri="{C183D7F6-B498-43B3-948B-1728B52AA6E4}">
-                <adec:decorative xmlns:adec="http://schemas.microsoft.com/office/drawing/2017/decorative" val="1"/>
+                <adec:decorative xmlns="" xmlns:adec="http://schemas.microsoft.com/office/drawing/2017/decorative" val="1"/>
               </a:ext>
             </a:extLst>
           </p:cNvPr>
@@ -7811,7 +7811,7 @@
                 <a16:creationId xmlns:a16="http://schemas.microsoft.com/office/drawing/2014/main" id="{BC526B7A-4801-4FD1-95C8-03AF22629E87}"/>
               </a:ext>
               <a:ext uri="{C183D7F6-B498-43B3-948B-1728B52AA6E4}">
-                <adec:decorative xmlns:adec="http://schemas.microsoft.com/office/drawing/2017/decorative" val="1"/>
+                <adec:decorative xmlns="" xmlns:adec="http://schemas.microsoft.com/office/drawing/2017/decorative" val="1"/>
               </a:ext>
             </a:extLst>
           </p:cNvPr>
@@ -7857,7 +7857,7 @@
                 <a16:creationId xmlns:a16="http://schemas.microsoft.com/office/drawing/2014/main" id="{37FDDF72-DE39-4F99-A3C1-DD9D7815D7DB}"/>
               </a:ext>
               <a:ext uri="{C183D7F6-B498-43B3-948B-1728B52AA6E4}">
-                <adec:decorative xmlns:adec="http://schemas.microsoft.com/office/drawing/2017/decorative" val="1"/>
+                <adec:decorative xmlns="" xmlns:adec="http://schemas.microsoft.com/office/drawing/2017/decorative" val="1"/>
               </a:ext>
             </a:extLst>
           </p:cNvPr>
@@ -7927,7 +7927,7 @@
                 <a16:creationId xmlns:a16="http://schemas.microsoft.com/office/drawing/2014/main" id="{5E4ECE80-3AD1-450C-B62A-98788F193948}"/>
               </a:ext>
               <a:ext uri="{C183D7F6-B498-43B3-948B-1728B52AA6E4}">
-                <adec:decorative xmlns:adec="http://schemas.microsoft.com/office/drawing/2017/decorative" val="1"/>
+                <adec:decorative xmlns="" xmlns:adec="http://schemas.microsoft.com/office/drawing/2017/decorative" val="1"/>
               </a:ext>
             </a:extLst>
           </p:cNvPr>
@@ -8144,7 +8144,7 @@
           <p:nvPr/>
         </p:nvPicPr>
         <p:blipFill>
-          <a:blip r:embed="rId4">
+          <a:blip r:embed="rId4" cstate="hqprint">
             <a:extLst>
               <a:ext uri="{28A0092B-C50C-407E-A947-70E740481C1C}">
                 <a14:useLocalDpi xmlns:a14="http://schemas.microsoft.com/office/drawing/2010/main" val="0"/>
@@ -8475,7 +8475,7 @@
                 <a16:creationId xmlns:a16="http://schemas.microsoft.com/office/drawing/2014/main" id="{0BABF38A-8A0D-492E-BD20-6CF4D46B50BD}"/>
               </a:ext>
               <a:ext uri="{C183D7F6-B498-43B3-948B-1728B52AA6E4}">
-                <adec:decorative xmlns:adec="http://schemas.microsoft.com/office/drawing/2017/decorative" val="1"/>
+                <adec:decorative xmlns="" xmlns:adec="http://schemas.microsoft.com/office/drawing/2017/decorative" val="1"/>
               </a:ext>
             </a:extLst>
           </p:cNvPr>
@@ -8551,7 +8551,7 @@
                 <a16:creationId xmlns:a16="http://schemas.microsoft.com/office/drawing/2014/main" id="{BC526B7A-4801-4FD1-95C8-03AF22629E87}"/>
               </a:ext>
               <a:ext uri="{C183D7F6-B498-43B3-948B-1728B52AA6E4}">
-                <adec:decorative xmlns:adec="http://schemas.microsoft.com/office/drawing/2017/decorative" val="1"/>
+                <adec:decorative xmlns="" xmlns:adec="http://schemas.microsoft.com/office/drawing/2017/decorative" val="1"/>
               </a:ext>
             </a:extLst>
           </p:cNvPr>
@@ -8597,7 +8597,7 @@
                 <a16:creationId xmlns:a16="http://schemas.microsoft.com/office/drawing/2014/main" id="{37FDDF72-DE39-4F99-A3C1-DD9D7815D7DB}"/>
               </a:ext>
               <a:ext uri="{C183D7F6-B498-43B3-948B-1728B52AA6E4}">
-                <adec:decorative xmlns:adec="http://schemas.microsoft.com/office/drawing/2017/decorative" val="1"/>
+                <adec:decorative xmlns="" xmlns:adec="http://schemas.microsoft.com/office/drawing/2017/decorative" val="1"/>
               </a:ext>
             </a:extLst>
           </p:cNvPr>
@@ -8667,7 +8667,7 @@
                 <a16:creationId xmlns:a16="http://schemas.microsoft.com/office/drawing/2014/main" id="{5E4ECE80-3AD1-450C-B62A-98788F193948}"/>
               </a:ext>
               <a:ext uri="{C183D7F6-B498-43B3-948B-1728B52AA6E4}">
-                <adec:decorative xmlns:adec="http://schemas.microsoft.com/office/drawing/2017/decorative" val="1"/>
+                <adec:decorative xmlns="" xmlns:adec="http://schemas.microsoft.com/office/drawing/2017/decorative" val="1"/>
               </a:ext>
             </a:extLst>
           </p:cNvPr>
@@ -8884,7 +8884,7 @@
           <p:nvPr/>
         </p:nvPicPr>
         <p:blipFill>
-          <a:blip r:embed="rId4">
+          <a:blip r:embed="rId4" cstate="hqprint">
             <a:extLst>
               <a:ext uri="{28A0092B-C50C-407E-A947-70E740481C1C}">
                 <a14:useLocalDpi xmlns:a14="http://schemas.microsoft.com/office/drawing/2010/main" val="0"/>
@@ -9215,7 +9215,7 @@
                 <a16:creationId xmlns:a16="http://schemas.microsoft.com/office/drawing/2014/main" id="{0BABF38A-8A0D-492E-BD20-6CF4D46B50BD}"/>
               </a:ext>
               <a:ext uri="{C183D7F6-B498-43B3-948B-1728B52AA6E4}">
-                <adec:decorative xmlns:adec="http://schemas.microsoft.com/office/drawing/2017/decorative" val="1"/>
+                <adec:decorative xmlns="" xmlns:adec="http://schemas.microsoft.com/office/drawing/2017/decorative" val="1"/>
               </a:ext>
             </a:extLst>
           </p:cNvPr>
@@ -9291,7 +9291,7 @@
                 <a16:creationId xmlns:a16="http://schemas.microsoft.com/office/drawing/2014/main" id="{BC526B7A-4801-4FD1-95C8-03AF22629E87}"/>
               </a:ext>
               <a:ext uri="{C183D7F6-B498-43B3-948B-1728B52AA6E4}">
-                <adec:decorative xmlns:adec="http://schemas.microsoft.com/office/drawing/2017/decorative" val="1"/>
+                <adec:decorative xmlns="" xmlns:adec="http://schemas.microsoft.com/office/drawing/2017/decorative" val="1"/>
               </a:ext>
             </a:extLst>
           </p:cNvPr>
@@ -9337,7 +9337,7 @@
                 <a16:creationId xmlns:a16="http://schemas.microsoft.com/office/drawing/2014/main" id="{37FDDF72-DE39-4F99-A3C1-DD9D7815D7DB}"/>
               </a:ext>
               <a:ext uri="{C183D7F6-B498-43B3-948B-1728B52AA6E4}">
-                <adec:decorative xmlns:adec="http://schemas.microsoft.com/office/drawing/2017/decorative" val="1"/>
+                <adec:decorative xmlns="" xmlns:adec="http://schemas.microsoft.com/office/drawing/2017/decorative" val="1"/>
               </a:ext>
             </a:extLst>
           </p:cNvPr>
@@ -9407,7 +9407,7 @@
                 <a16:creationId xmlns:a16="http://schemas.microsoft.com/office/drawing/2014/main" id="{5E4ECE80-3AD1-450C-B62A-98788F193948}"/>
               </a:ext>
               <a:ext uri="{C183D7F6-B498-43B3-948B-1728B52AA6E4}">
-                <adec:decorative xmlns:adec="http://schemas.microsoft.com/office/drawing/2017/decorative" val="1"/>
+                <adec:decorative xmlns="" xmlns:adec="http://schemas.microsoft.com/office/drawing/2017/decorative" val="1"/>
               </a:ext>
             </a:extLst>
           </p:cNvPr>
@@ -9794,7 +9794,7 @@
           <p:nvPr/>
         </p:nvPicPr>
         <p:blipFill>
-          <a:blip r:embed="rId4">
+          <a:blip r:embed="rId4" cstate="hqprint">
             <a:extLst>
               <a:ext uri="{28A0092B-C50C-407E-A947-70E740481C1C}">
                 <a14:useLocalDpi xmlns:a14="http://schemas.microsoft.com/office/drawing/2010/main" val="0"/>
@@ -9891,7 +9891,7 @@
                 <a16:creationId xmlns:a16="http://schemas.microsoft.com/office/drawing/2014/main" id="{0BABF38A-8A0D-492E-BD20-6CF4D46B50BD}"/>
               </a:ext>
               <a:ext uri="{C183D7F6-B498-43B3-948B-1728B52AA6E4}">
-                <adec:decorative xmlns:adec="http://schemas.microsoft.com/office/drawing/2017/decorative" val="1"/>
+                <adec:decorative xmlns="" xmlns:adec="http://schemas.microsoft.com/office/drawing/2017/decorative" val="1"/>
               </a:ext>
             </a:extLst>
           </p:cNvPr>
@@ -9967,7 +9967,7 @@
                 <a16:creationId xmlns:a16="http://schemas.microsoft.com/office/drawing/2014/main" id="{BC526B7A-4801-4FD1-95C8-03AF22629E87}"/>
               </a:ext>
               <a:ext uri="{C183D7F6-B498-43B3-948B-1728B52AA6E4}">
-                <adec:decorative xmlns:adec="http://schemas.microsoft.com/office/drawing/2017/decorative" val="1"/>
+                <adec:decorative xmlns="" xmlns:adec="http://schemas.microsoft.com/office/drawing/2017/decorative" val="1"/>
               </a:ext>
             </a:extLst>
           </p:cNvPr>
@@ -10013,7 +10013,7 @@
                 <a16:creationId xmlns:a16="http://schemas.microsoft.com/office/drawing/2014/main" id="{37FDDF72-DE39-4F99-A3C1-DD9D7815D7DB}"/>
               </a:ext>
               <a:ext uri="{C183D7F6-B498-43B3-948B-1728B52AA6E4}">
-                <adec:decorative xmlns:adec="http://schemas.microsoft.com/office/drawing/2017/decorative" val="1"/>
+                <adec:decorative xmlns="" xmlns:adec="http://schemas.microsoft.com/office/drawing/2017/decorative" val="1"/>
               </a:ext>
             </a:extLst>
           </p:cNvPr>
@@ -10083,7 +10083,7 @@
                 <a16:creationId xmlns:a16="http://schemas.microsoft.com/office/drawing/2014/main" id="{5E4ECE80-3AD1-450C-B62A-98788F193948}"/>
               </a:ext>
               <a:ext uri="{C183D7F6-B498-43B3-948B-1728B52AA6E4}">
-                <adec:decorative xmlns:adec="http://schemas.microsoft.com/office/drawing/2017/decorative" val="1"/>
+                <adec:decorative xmlns="" xmlns:adec="http://schemas.microsoft.com/office/drawing/2017/decorative" val="1"/>
               </a:ext>
             </a:extLst>
           </p:cNvPr>
@@ -10300,7 +10300,7 @@
           <p:nvPr/>
         </p:nvPicPr>
         <p:blipFill>
-          <a:blip r:embed="rId4">
+          <a:blip r:embed="rId4" cstate="hqprint">
             <a:extLst>
               <a:ext uri="{28A0092B-C50C-407E-A947-70E740481C1C}">
                 <a14:useLocalDpi xmlns:a14="http://schemas.microsoft.com/office/drawing/2010/main" val="0"/>
@@ -10631,7 +10631,7 @@
                 <a16:creationId xmlns:a16="http://schemas.microsoft.com/office/drawing/2014/main" id="{0BABF38A-8A0D-492E-BD20-6CF4D46B50BD}"/>
               </a:ext>
               <a:ext uri="{C183D7F6-B498-43B3-948B-1728B52AA6E4}">
-                <adec:decorative xmlns:adec="http://schemas.microsoft.com/office/drawing/2017/decorative" val="1"/>
+                <adec:decorative xmlns="" xmlns:adec="http://schemas.microsoft.com/office/drawing/2017/decorative" val="1"/>
               </a:ext>
             </a:extLst>
           </p:cNvPr>
@@ -10707,7 +10707,7 @@
                 <a16:creationId xmlns:a16="http://schemas.microsoft.com/office/drawing/2014/main" id="{BC526B7A-4801-4FD1-95C8-03AF22629E87}"/>
               </a:ext>
               <a:ext uri="{C183D7F6-B498-43B3-948B-1728B52AA6E4}">
-                <adec:decorative xmlns:adec="http://schemas.microsoft.com/office/drawing/2017/decorative" val="1"/>
+                <adec:decorative xmlns="" xmlns:adec="http://schemas.microsoft.com/office/drawing/2017/decorative" val="1"/>
               </a:ext>
             </a:extLst>
           </p:cNvPr>
@@ -10753,7 +10753,7 @@
                 <a16:creationId xmlns:a16="http://schemas.microsoft.com/office/drawing/2014/main" id="{37FDDF72-DE39-4F99-A3C1-DD9D7815D7DB}"/>
               </a:ext>
               <a:ext uri="{C183D7F6-B498-43B3-948B-1728B52AA6E4}">
-                <adec:decorative xmlns:adec="http://schemas.microsoft.com/office/drawing/2017/decorative" val="1"/>
+                <adec:decorative xmlns="" xmlns:adec="http://schemas.microsoft.com/office/drawing/2017/decorative" val="1"/>
               </a:ext>
             </a:extLst>
           </p:cNvPr>
@@ -10823,7 +10823,7 @@
                 <a16:creationId xmlns:a16="http://schemas.microsoft.com/office/drawing/2014/main" id="{5E4ECE80-3AD1-450C-B62A-98788F193948}"/>
               </a:ext>
               <a:ext uri="{C183D7F6-B498-43B3-948B-1728B52AA6E4}">
-                <adec:decorative xmlns:adec="http://schemas.microsoft.com/office/drawing/2017/decorative" val="1"/>
+                <adec:decorative xmlns="" xmlns:adec="http://schemas.microsoft.com/office/drawing/2017/decorative" val="1"/>
               </a:ext>
             </a:extLst>
           </p:cNvPr>
@@ -11040,7 +11040,7 @@
           <p:nvPr/>
         </p:nvPicPr>
         <p:blipFill>
-          <a:blip r:embed="rId4">
+          <a:blip r:embed="rId4" cstate="hqprint">
             <a:extLst>
               <a:ext uri="{28A0092B-C50C-407E-A947-70E740481C1C}">
                 <a14:useLocalDpi xmlns:a14="http://schemas.microsoft.com/office/drawing/2010/main" val="0"/>
@@ -11371,7 +11371,7 @@
                 <a16:creationId xmlns:a16="http://schemas.microsoft.com/office/drawing/2014/main" id="{0BABF38A-8A0D-492E-BD20-6CF4D46B50BD}"/>
               </a:ext>
               <a:ext uri="{C183D7F6-B498-43B3-948B-1728B52AA6E4}">
-                <adec:decorative xmlns:adec="http://schemas.microsoft.com/office/drawing/2017/decorative" val="1"/>
+                <adec:decorative xmlns="" xmlns:adec="http://schemas.microsoft.com/office/drawing/2017/decorative" val="1"/>
               </a:ext>
             </a:extLst>
           </p:cNvPr>
@@ -11447,7 +11447,7 @@
                 <a16:creationId xmlns:a16="http://schemas.microsoft.com/office/drawing/2014/main" id="{BC526B7A-4801-4FD1-95C8-03AF22629E87}"/>
               </a:ext>
               <a:ext uri="{C183D7F6-B498-43B3-948B-1728B52AA6E4}">
-                <adec:decorative xmlns:adec="http://schemas.microsoft.com/office/drawing/2017/decorative" val="1"/>
+                <adec:decorative xmlns="" xmlns:adec="http://schemas.microsoft.com/office/drawing/2017/decorative" val="1"/>
               </a:ext>
             </a:extLst>
           </p:cNvPr>
@@ -11493,7 +11493,7 @@
                 <a16:creationId xmlns:a16="http://schemas.microsoft.com/office/drawing/2014/main" id="{37FDDF72-DE39-4F99-A3C1-DD9D7815D7DB}"/>
               </a:ext>
               <a:ext uri="{C183D7F6-B498-43B3-948B-1728B52AA6E4}">
-                <adec:decorative xmlns:adec="http://schemas.microsoft.com/office/drawing/2017/decorative" val="1"/>
+                <adec:decorative xmlns="" xmlns:adec="http://schemas.microsoft.com/office/drawing/2017/decorative" val="1"/>
               </a:ext>
             </a:extLst>
           </p:cNvPr>
@@ -11563,7 +11563,7 @@
                 <a16:creationId xmlns:a16="http://schemas.microsoft.com/office/drawing/2014/main" id="{5E4ECE80-3AD1-450C-B62A-98788F193948}"/>
               </a:ext>
               <a:ext uri="{C183D7F6-B498-43B3-948B-1728B52AA6E4}">
-                <adec:decorative xmlns:adec="http://schemas.microsoft.com/office/drawing/2017/decorative" val="1"/>
+                <adec:decorative xmlns="" xmlns:adec="http://schemas.microsoft.com/office/drawing/2017/decorative" val="1"/>
               </a:ext>
             </a:extLst>
           </p:cNvPr>
@@ -11746,7 +11746,7 @@
           <p:nvPr/>
         </p:nvPicPr>
         <p:blipFill>
-          <a:blip r:embed="rId4">
+          <a:blip r:embed="rId4" cstate="hqprint">
             <a:extLst>
               <a:ext uri="{28A0092B-C50C-407E-A947-70E740481C1C}">
                 <a14:useLocalDpi xmlns:a14="http://schemas.microsoft.com/office/drawing/2010/main" val="0"/>
@@ -11945,7 +11945,7 @@
                 <a16:creationId xmlns:a16="http://schemas.microsoft.com/office/drawing/2014/main" id="{0BABF38A-8A0D-492E-BD20-6CF4D46B50BD}"/>
               </a:ext>
               <a:ext uri="{C183D7F6-B498-43B3-948B-1728B52AA6E4}">
-                <adec:decorative xmlns:adec="http://schemas.microsoft.com/office/drawing/2017/decorative" val="1"/>
+                <adec:decorative xmlns="" xmlns:adec="http://schemas.microsoft.com/office/drawing/2017/decorative" val="1"/>
               </a:ext>
             </a:extLst>
           </p:cNvPr>
@@ -12021,7 +12021,7 @@
                 <a16:creationId xmlns:a16="http://schemas.microsoft.com/office/drawing/2014/main" id="{BC526B7A-4801-4FD1-95C8-03AF22629E87}"/>
               </a:ext>
               <a:ext uri="{C183D7F6-B498-43B3-948B-1728B52AA6E4}">
-                <adec:decorative xmlns:adec="http://schemas.microsoft.com/office/drawing/2017/decorative" val="1"/>
+                <adec:decorative xmlns="" xmlns:adec="http://schemas.microsoft.com/office/drawing/2017/decorative" val="1"/>
               </a:ext>
             </a:extLst>
           </p:cNvPr>
@@ -12067,7 +12067,7 @@
                 <a16:creationId xmlns:a16="http://schemas.microsoft.com/office/drawing/2014/main" id="{37FDDF72-DE39-4F99-A3C1-DD9D7815D7DB}"/>
               </a:ext>
               <a:ext uri="{C183D7F6-B498-43B3-948B-1728B52AA6E4}">
-                <adec:decorative xmlns:adec="http://schemas.microsoft.com/office/drawing/2017/decorative" val="1"/>
+                <adec:decorative xmlns="" xmlns:adec="http://schemas.microsoft.com/office/drawing/2017/decorative" val="1"/>
               </a:ext>
             </a:extLst>
           </p:cNvPr>
@@ -12137,7 +12137,7 @@
                 <a16:creationId xmlns:a16="http://schemas.microsoft.com/office/drawing/2014/main" id="{5E4ECE80-3AD1-450C-B62A-98788F193948}"/>
               </a:ext>
               <a:ext uri="{C183D7F6-B498-43B3-948B-1728B52AA6E4}">
-                <adec:decorative xmlns:adec="http://schemas.microsoft.com/office/drawing/2017/decorative" val="1"/>
+                <adec:decorative xmlns="" xmlns:adec="http://schemas.microsoft.com/office/drawing/2017/decorative" val="1"/>
               </a:ext>
             </a:extLst>
           </p:cNvPr>
@@ -12320,7 +12320,7 @@
           <p:nvPr/>
         </p:nvPicPr>
         <p:blipFill>
-          <a:blip r:embed="rId4">
+          <a:blip r:embed="rId4" cstate="hqprint">
             <a:extLst>
               <a:ext uri="{28A0092B-C50C-407E-A947-70E740481C1C}">
                 <a14:useLocalDpi xmlns:a14="http://schemas.microsoft.com/office/drawing/2010/main" val="0"/>
@@ -12519,7 +12519,7 @@
                 <a16:creationId xmlns:a16="http://schemas.microsoft.com/office/drawing/2014/main" id="{0BABF38A-8A0D-492E-BD20-6CF4D46B50BD}"/>
               </a:ext>
               <a:ext uri="{C183D7F6-B498-43B3-948B-1728B52AA6E4}">
-                <adec:decorative xmlns:adec="http://schemas.microsoft.com/office/drawing/2017/decorative" val="1"/>
+                <adec:decorative xmlns="" xmlns:adec="http://schemas.microsoft.com/office/drawing/2017/decorative" val="1"/>
               </a:ext>
             </a:extLst>
           </p:cNvPr>
@@ -12595,7 +12595,7 @@
                 <a16:creationId xmlns:a16="http://schemas.microsoft.com/office/drawing/2014/main" id="{BC526B7A-4801-4FD1-95C8-03AF22629E87}"/>
               </a:ext>
               <a:ext uri="{C183D7F6-B498-43B3-948B-1728B52AA6E4}">
-                <adec:decorative xmlns:adec="http://schemas.microsoft.com/office/drawing/2017/decorative" val="1"/>
+                <adec:decorative xmlns="" xmlns:adec="http://schemas.microsoft.com/office/drawing/2017/decorative" val="1"/>
               </a:ext>
             </a:extLst>
           </p:cNvPr>
@@ -12641,7 +12641,7 @@
                 <a16:creationId xmlns:a16="http://schemas.microsoft.com/office/drawing/2014/main" id="{37FDDF72-DE39-4F99-A3C1-DD9D7815D7DB}"/>
               </a:ext>
               <a:ext uri="{C183D7F6-B498-43B3-948B-1728B52AA6E4}">
-                <adec:decorative xmlns:adec="http://schemas.microsoft.com/office/drawing/2017/decorative" val="1"/>
+                <adec:decorative xmlns="" xmlns:adec="http://schemas.microsoft.com/office/drawing/2017/decorative" val="1"/>
               </a:ext>
             </a:extLst>
           </p:cNvPr>
@@ -12711,7 +12711,7 @@
                 <a16:creationId xmlns:a16="http://schemas.microsoft.com/office/drawing/2014/main" id="{5E4ECE80-3AD1-450C-B62A-98788F193948}"/>
               </a:ext>
               <a:ext uri="{C183D7F6-B498-43B3-948B-1728B52AA6E4}">
-                <adec:decorative xmlns:adec="http://schemas.microsoft.com/office/drawing/2017/decorative" val="1"/>
+                <adec:decorative xmlns="" xmlns:adec="http://schemas.microsoft.com/office/drawing/2017/decorative" val="1"/>
               </a:ext>
             </a:extLst>
           </p:cNvPr>
@@ -12928,7 +12928,7 @@
           <p:nvPr/>
         </p:nvPicPr>
         <p:blipFill>
-          <a:blip r:embed="rId4">
+          <a:blip r:embed="rId4" cstate="hqprint">
             <a:extLst>
               <a:ext uri="{28A0092B-C50C-407E-A947-70E740481C1C}">
                 <a14:useLocalDpi xmlns:a14="http://schemas.microsoft.com/office/drawing/2010/main" val="0"/>
@@ -13259,7 +13259,7 @@
                 <a16:creationId xmlns:a16="http://schemas.microsoft.com/office/drawing/2014/main" id="{0BABF38A-8A0D-492E-BD20-6CF4D46B50BD}"/>
               </a:ext>
               <a:ext uri="{C183D7F6-B498-43B3-948B-1728B52AA6E4}">
-                <adec:decorative xmlns:adec="http://schemas.microsoft.com/office/drawing/2017/decorative" val="1"/>
+                <adec:decorative xmlns="" xmlns:adec="http://schemas.microsoft.com/office/drawing/2017/decorative" val="1"/>
               </a:ext>
             </a:extLst>
           </p:cNvPr>
@@ -13335,7 +13335,7 @@
                 <a16:creationId xmlns:a16="http://schemas.microsoft.com/office/drawing/2014/main" id="{BC526B7A-4801-4FD1-95C8-03AF22629E87}"/>
               </a:ext>
               <a:ext uri="{C183D7F6-B498-43B3-948B-1728B52AA6E4}">
-                <adec:decorative xmlns:adec="http://schemas.microsoft.com/office/drawing/2017/decorative" val="1"/>
+                <adec:decorative xmlns="" xmlns:adec="http://schemas.microsoft.com/office/drawing/2017/decorative" val="1"/>
               </a:ext>
             </a:extLst>
           </p:cNvPr>
@@ -13381,7 +13381,7 @@
                 <a16:creationId xmlns:a16="http://schemas.microsoft.com/office/drawing/2014/main" id="{37FDDF72-DE39-4F99-A3C1-DD9D7815D7DB}"/>
               </a:ext>
               <a:ext uri="{C183D7F6-B498-43B3-948B-1728B52AA6E4}">
-                <adec:decorative xmlns:adec="http://schemas.microsoft.com/office/drawing/2017/decorative" val="1"/>
+                <adec:decorative xmlns="" xmlns:adec="http://schemas.microsoft.com/office/drawing/2017/decorative" val="1"/>
               </a:ext>
             </a:extLst>
           </p:cNvPr>
@@ -13451,7 +13451,7 @@
                 <a16:creationId xmlns:a16="http://schemas.microsoft.com/office/drawing/2014/main" id="{5E4ECE80-3AD1-450C-B62A-98788F193948}"/>
               </a:ext>
               <a:ext uri="{C183D7F6-B498-43B3-948B-1728B52AA6E4}">
-                <adec:decorative xmlns:adec="http://schemas.microsoft.com/office/drawing/2017/decorative" val="1"/>
+                <adec:decorative xmlns="" xmlns:adec="http://schemas.microsoft.com/office/drawing/2017/decorative" val="1"/>
               </a:ext>
             </a:extLst>
           </p:cNvPr>
@@ -13668,7 +13668,7 @@
           <p:nvPr/>
         </p:nvPicPr>
         <p:blipFill>
-          <a:blip r:embed="rId4">
+          <a:blip r:embed="rId4" cstate="hqprint">
             <a:extLst>
               <a:ext uri="{28A0092B-C50C-407E-A947-70E740481C1C}">
                 <a14:useLocalDpi xmlns:a14="http://schemas.microsoft.com/office/drawing/2010/main" val="0"/>
@@ -13999,7 +13999,7 @@
                 <a16:creationId xmlns:a16="http://schemas.microsoft.com/office/drawing/2014/main" id="{0BABF38A-8A0D-492E-BD20-6CF4D46B50BD}"/>
               </a:ext>
               <a:ext uri="{C183D7F6-B498-43B3-948B-1728B52AA6E4}">
-                <adec:decorative xmlns:adec="http://schemas.microsoft.com/office/drawing/2017/decorative" val="1"/>
+                <adec:decorative xmlns="" xmlns:adec="http://schemas.microsoft.com/office/drawing/2017/decorative" val="1"/>
               </a:ext>
             </a:extLst>
           </p:cNvPr>
@@ -14075,7 +14075,7 @@
                 <a16:creationId xmlns:a16="http://schemas.microsoft.com/office/drawing/2014/main" id="{BC526B7A-4801-4FD1-95C8-03AF22629E87}"/>
               </a:ext>
               <a:ext uri="{C183D7F6-B498-43B3-948B-1728B52AA6E4}">
-                <adec:decorative xmlns:adec="http://schemas.microsoft.com/office/drawing/2017/decorative" val="1"/>
+                <adec:decorative xmlns="" xmlns:adec="http://schemas.microsoft.com/office/drawing/2017/decorative" val="1"/>
               </a:ext>
             </a:extLst>
           </p:cNvPr>
@@ -14121,7 +14121,7 @@
                 <a16:creationId xmlns:a16="http://schemas.microsoft.com/office/drawing/2014/main" id="{37FDDF72-DE39-4F99-A3C1-DD9D7815D7DB}"/>
               </a:ext>
               <a:ext uri="{C183D7F6-B498-43B3-948B-1728B52AA6E4}">
-                <adec:decorative xmlns:adec="http://schemas.microsoft.com/office/drawing/2017/decorative" val="1"/>
+                <adec:decorative xmlns="" xmlns:adec="http://schemas.microsoft.com/office/drawing/2017/decorative" val="1"/>
               </a:ext>
             </a:extLst>
           </p:cNvPr>
@@ -14191,7 +14191,7 @@
                 <a16:creationId xmlns:a16="http://schemas.microsoft.com/office/drawing/2014/main" id="{5E4ECE80-3AD1-450C-B62A-98788F193948}"/>
               </a:ext>
               <a:ext uri="{C183D7F6-B498-43B3-948B-1728B52AA6E4}">
-                <adec:decorative xmlns:adec="http://schemas.microsoft.com/office/drawing/2017/decorative" val="1"/>
+                <adec:decorative xmlns="" xmlns:adec="http://schemas.microsoft.com/office/drawing/2017/decorative" val="1"/>
               </a:ext>
             </a:extLst>
           </p:cNvPr>
@@ -14578,7 +14578,7 @@
           <p:nvPr/>
         </p:nvPicPr>
         <p:blipFill>
-          <a:blip r:embed="rId4">
+          <a:blip r:embed="rId4" cstate="hqprint">
             <a:extLst>
               <a:ext uri="{28A0092B-C50C-407E-A947-70E740481C1C}">
                 <a14:useLocalDpi xmlns:a14="http://schemas.microsoft.com/office/drawing/2010/main" val="0"/>
@@ -14601,13 +14601,7 @@
       </p:pic>
       <p:pic>
         <p:nvPicPr>
-          <p:cNvPr id="4" name="Imagem 3">
-            <a:extLst>
-              <a:ext uri="{FF2B5EF4-FFF2-40B4-BE49-F238E27FC236}">
-                <a16:creationId xmlns:a16="http://schemas.microsoft.com/office/drawing/2014/main" id="{F3C3EEC9-55B3-4682-8B60-25BCC2A6CA9A}"/>
-              </a:ext>
-            </a:extLst>
-          </p:cNvPr>
+          <p:cNvPr id="3" name="Imagem 2"/>
           <p:cNvPicPr>
             <a:picLocks noChangeAspect="1"/>
           </p:cNvPicPr>
@@ -14621,8 +14615,8 @@
         </p:blipFill>
         <p:spPr>
           <a:xfrm>
-            <a:off x="137862" y="3145183"/>
-            <a:ext cx="14168703" cy="2880000"/>
+            <a:off x="142092" y="3162432"/>
+            <a:ext cx="14142069" cy="2880000"/>
           </a:xfrm>
           <a:prstGeom prst="rect">
             <a:avLst/>
@@ -14631,13 +14625,7 @@
       </p:pic>
       <p:pic>
         <p:nvPicPr>
-          <p:cNvPr id="6" name="Imagem 5">
-            <a:extLst>
-              <a:ext uri="{FF2B5EF4-FFF2-40B4-BE49-F238E27FC236}">
-                <a16:creationId xmlns:a16="http://schemas.microsoft.com/office/drawing/2014/main" id="{DD303E11-FB1B-4E46-921D-0E29872DEBF1}"/>
-              </a:ext>
-            </a:extLst>
-          </p:cNvPr>
+          <p:cNvPr id="4" name="Imagem 3"/>
           <p:cNvPicPr>
             <a:picLocks noChangeAspect="1"/>
           </p:cNvPicPr>
@@ -14651,8 +14639,8 @@
         </p:blipFill>
         <p:spPr>
           <a:xfrm>
-            <a:off x="127796" y="7358575"/>
-            <a:ext cx="14168703" cy="2880000"/>
+            <a:off x="127384" y="7345505"/>
+            <a:ext cx="14142069" cy="2880000"/>
           </a:xfrm>
           <a:prstGeom prst="rect">
             <a:avLst/>
@@ -14705,7 +14693,7 @@
                 <a16:creationId xmlns:a16="http://schemas.microsoft.com/office/drawing/2014/main" id="{0BABF38A-8A0D-492E-BD20-6CF4D46B50BD}"/>
               </a:ext>
               <a:ext uri="{C183D7F6-B498-43B3-948B-1728B52AA6E4}">
-                <adec:decorative xmlns:adec="http://schemas.microsoft.com/office/drawing/2017/decorative" val="1"/>
+                <adec:decorative xmlns="" xmlns:adec="http://schemas.microsoft.com/office/drawing/2017/decorative" val="1"/>
               </a:ext>
             </a:extLst>
           </p:cNvPr>
@@ -14781,7 +14769,7 @@
                 <a16:creationId xmlns:a16="http://schemas.microsoft.com/office/drawing/2014/main" id="{BC526B7A-4801-4FD1-95C8-03AF22629E87}"/>
               </a:ext>
               <a:ext uri="{C183D7F6-B498-43B3-948B-1728B52AA6E4}">
-                <adec:decorative xmlns:adec="http://schemas.microsoft.com/office/drawing/2017/decorative" val="1"/>
+                <adec:decorative xmlns="" xmlns:adec="http://schemas.microsoft.com/office/drawing/2017/decorative" val="1"/>
               </a:ext>
             </a:extLst>
           </p:cNvPr>
@@ -14827,7 +14815,7 @@
                 <a16:creationId xmlns:a16="http://schemas.microsoft.com/office/drawing/2014/main" id="{37FDDF72-DE39-4F99-A3C1-DD9D7815D7DB}"/>
               </a:ext>
               <a:ext uri="{C183D7F6-B498-43B3-948B-1728B52AA6E4}">
-                <adec:decorative xmlns:adec="http://schemas.microsoft.com/office/drawing/2017/decorative" val="1"/>
+                <adec:decorative xmlns="" xmlns:adec="http://schemas.microsoft.com/office/drawing/2017/decorative" val="1"/>
               </a:ext>
             </a:extLst>
           </p:cNvPr>
@@ -14897,7 +14885,7 @@
                 <a16:creationId xmlns:a16="http://schemas.microsoft.com/office/drawing/2014/main" id="{5E4ECE80-3AD1-450C-B62A-98788F193948}"/>
               </a:ext>
               <a:ext uri="{C183D7F6-B498-43B3-948B-1728B52AA6E4}">
-                <adec:decorative xmlns:adec="http://schemas.microsoft.com/office/drawing/2017/decorative" val="1"/>
+                <adec:decorative xmlns="" xmlns:adec="http://schemas.microsoft.com/office/drawing/2017/decorative" val="1"/>
               </a:ext>
             </a:extLst>
           </p:cNvPr>
@@ -15114,7 +15102,7 @@
           <p:nvPr/>
         </p:nvPicPr>
         <p:blipFill>
-          <a:blip r:embed="rId4">
+          <a:blip r:embed="rId4" cstate="hqprint">
             <a:extLst>
               <a:ext uri="{28A0092B-C50C-407E-A947-70E740481C1C}">
                 <a14:useLocalDpi xmlns:a14="http://schemas.microsoft.com/office/drawing/2010/main" val="0"/>
@@ -15577,7 +15565,7 @@
                 <a16:creationId xmlns:a16="http://schemas.microsoft.com/office/drawing/2014/main" id="{0BABF38A-8A0D-492E-BD20-6CF4D46B50BD}"/>
               </a:ext>
               <a:ext uri="{C183D7F6-B498-43B3-948B-1728B52AA6E4}">
-                <adec:decorative xmlns:adec="http://schemas.microsoft.com/office/drawing/2017/decorative" val="1"/>
+                <adec:decorative xmlns="" xmlns:adec="http://schemas.microsoft.com/office/drawing/2017/decorative" val="1"/>
               </a:ext>
             </a:extLst>
           </p:cNvPr>
@@ -15653,7 +15641,7 @@
                 <a16:creationId xmlns:a16="http://schemas.microsoft.com/office/drawing/2014/main" id="{BC526B7A-4801-4FD1-95C8-03AF22629E87}"/>
               </a:ext>
               <a:ext uri="{C183D7F6-B498-43B3-948B-1728B52AA6E4}">
-                <adec:decorative xmlns:adec="http://schemas.microsoft.com/office/drawing/2017/decorative" val="1"/>
+                <adec:decorative xmlns="" xmlns:adec="http://schemas.microsoft.com/office/drawing/2017/decorative" val="1"/>
               </a:ext>
             </a:extLst>
           </p:cNvPr>
@@ -15699,7 +15687,7 @@
                 <a16:creationId xmlns:a16="http://schemas.microsoft.com/office/drawing/2014/main" id="{37FDDF72-DE39-4F99-A3C1-DD9D7815D7DB}"/>
               </a:ext>
               <a:ext uri="{C183D7F6-B498-43B3-948B-1728B52AA6E4}">
-                <adec:decorative xmlns:adec="http://schemas.microsoft.com/office/drawing/2017/decorative" val="1"/>
+                <adec:decorative xmlns="" xmlns:adec="http://schemas.microsoft.com/office/drawing/2017/decorative" val="1"/>
               </a:ext>
             </a:extLst>
           </p:cNvPr>
@@ -15769,7 +15757,7 @@
                 <a16:creationId xmlns:a16="http://schemas.microsoft.com/office/drawing/2014/main" id="{5E4ECE80-3AD1-450C-B62A-98788F193948}"/>
               </a:ext>
               <a:ext uri="{C183D7F6-B498-43B3-948B-1728B52AA6E4}">
-                <adec:decorative xmlns:adec="http://schemas.microsoft.com/office/drawing/2017/decorative" val="1"/>
+                <adec:decorative xmlns="" xmlns:adec="http://schemas.microsoft.com/office/drawing/2017/decorative" val="1"/>
               </a:ext>
             </a:extLst>
           </p:cNvPr>
@@ -15986,7 +15974,7 @@
           <p:nvPr/>
         </p:nvPicPr>
         <p:blipFill>
-          <a:blip r:embed="rId4">
+          <a:blip r:embed="rId4" cstate="hqprint">
             <a:extLst>
               <a:ext uri="{28A0092B-C50C-407E-A947-70E740481C1C}">
                 <a14:useLocalDpi xmlns:a14="http://schemas.microsoft.com/office/drawing/2010/main" val="0"/>

--- a/MataMataPlanilha.pptx
+++ b/MataMataPlanilha.pptx
@@ -6,22 +6,23 @@
   </p:sldMasterIdLst>
   <p:sldIdLst>
     <p:sldId id="270" r:id="rId2"/>
-    <p:sldId id="271" r:id="rId3"/>
-    <p:sldId id="265" r:id="rId4"/>
-    <p:sldId id="273" r:id="rId5"/>
-    <p:sldId id="275" r:id="rId6"/>
-    <p:sldId id="274" r:id="rId7"/>
-    <p:sldId id="276" r:id="rId8"/>
-    <p:sldId id="267" r:id="rId9"/>
-    <p:sldId id="281" r:id="rId10"/>
-    <p:sldId id="277" r:id="rId11"/>
-    <p:sldId id="282" r:id="rId12"/>
-    <p:sldId id="283" r:id="rId13"/>
-    <p:sldId id="284" r:id="rId14"/>
-    <p:sldId id="268" r:id="rId15"/>
-    <p:sldId id="279" r:id="rId16"/>
-    <p:sldId id="280" r:id="rId17"/>
-    <p:sldId id="269" r:id="rId18"/>
+    <p:sldId id="285" r:id="rId3"/>
+    <p:sldId id="271" r:id="rId4"/>
+    <p:sldId id="265" r:id="rId5"/>
+    <p:sldId id="273" r:id="rId6"/>
+    <p:sldId id="275" r:id="rId7"/>
+    <p:sldId id="274" r:id="rId8"/>
+    <p:sldId id="276" r:id="rId9"/>
+    <p:sldId id="267" r:id="rId10"/>
+    <p:sldId id="281" r:id="rId11"/>
+    <p:sldId id="277" r:id="rId12"/>
+    <p:sldId id="282" r:id="rId13"/>
+    <p:sldId id="283" r:id="rId14"/>
+    <p:sldId id="284" r:id="rId15"/>
+    <p:sldId id="268" r:id="rId16"/>
+    <p:sldId id="279" r:id="rId17"/>
+    <p:sldId id="280" r:id="rId18"/>
+    <p:sldId id="269" r:id="rId19"/>
   </p:sldIdLst>
   <p:sldSz cx="14400213" cy="10799763"/>
   <p:notesSz cx="6858000" cy="9144000"/>
@@ -302,7 +303,7 @@
             <a:fld id="{11A6662E-FAF4-44BC-88B5-85A7CBFB6D30}" type="datetime1">
               <a:rPr lang="en-US" smtClean="0"/>
               <a:pPr/>
-              <a:t>9/30/2021</a:t>
+              <a:t>10/5/2021</a:t>
             </a:fld>
             <a:endParaRPr lang="en-US" dirty="0"/>
           </a:p>
@@ -529,7 +530,7 @@
           <a:p>
             <a:fld id="{4C559632-1575-4E14-B53B-3DC3D5ED3947}" type="datetime1">
               <a:rPr lang="en-US" smtClean="0"/>
-              <a:t>9/30/2021</a:t>
+              <a:t>10/5/2021</a:t>
             </a:fld>
             <a:endParaRPr lang="en-US"/>
           </a:p>
@@ -737,7 +738,7 @@
           <a:p>
             <a:fld id="{CC4A6868-2568-4CC9-B302-F37117B01A6E}" type="datetime1">
               <a:rPr lang="en-US" smtClean="0"/>
-              <a:t>9/30/2021</a:t>
+              <a:t>10/5/2021</a:t>
             </a:fld>
             <a:endParaRPr lang="en-US"/>
           </a:p>
@@ -942,7 +943,7 @@
           <a:p>
             <a:fld id="{0055F08A-1E71-4B2B-BB49-E743F2903911}" type="datetime1">
               <a:rPr lang="en-US" smtClean="0"/>
-              <a:t>9/30/2021</a:t>
+              <a:t>10/5/2021</a:t>
             </a:fld>
             <a:endParaRPr lang="en-US" dirty="0"/>
           </a:p>
@@ -1216,7 +1217,7 @@
           <a:p>
             <a:fld id="{15417D9E-721A-44BB-8863-9873FE64DA75}" type="datetime1">
               <a:rPr lang="en-US" smtClean="0"/>
-              <a:t>9/30/2021</a:t>
+              <a:t>10/5/2021</a:t>
             </a:fld>
             <a:endParaRPr lang="en-US"/>
           </a:p>
@@ -1489,7 +1490,7 @@
           <a:p>
             <a:fld id="{5F31DA2F-80B8-49CF-99FB-5ABCA53A607A}" type="datetime1">
               <a:rPr lang="en-US" smtClean="0"/>
-              <a:t>9/30/2021</a:t>
+              <a:t>10/5/2021</a:t>
             </a:fld>
             <a:endParaRPr lang="en-US"/>
           </a:p>
@@ -1904,7 +1905,7 @@
           <a:p>
             <a:fld id="{28852172-E6C9-4B6C-929A-A9DE3837BBF1}" type="datetime1">
               <a:rPr lang="en-US" smtClean="0"/>
-              <a:t>9/30/2021</a:t>
+              <a:t>10/5/2021</a:t>
             </a:fld>
             <a:endParaRPr lang="en-US"/>
           </a:p>
@@ -2056,7 +2057,7 @@
           <a:p>
             <a:fld id="{3AB41CFF-90C9-47B3-9DA1-F2BF8D839F7E}" type="datetime1">
               <a:rPr lang="en-US" smtClean="0"/>
-              <a:t>9/30/2021</a:t>
+              <a:t>10/5/2021</a:t>
             </a:fld>
             <a:endParaRPr lang="en-US"/>
           </a:p>
@@ -2169,7 +2170,7 @@
           <a:p>
             <a:fld id="{F06048FA-06AB-4884-A69B-986B96E68A24}" type="datetime1">
               <a:rPr lang="en-US" smtClean="0"/>
-              <a:t>9/30/2021</a:t>
+              <a:t>10/5/2021</a:t>
             </a:fld>
             <a:endParaRPr lang="en-US"/>
           </a:p>
@@ -2480,7 +2481,7 @@
           <a:p>
             <a:fld id="{50DB7ABA-0172-4F9C-889D-567164F66BCD}" type="datetime1">
               <a:rPr lang="en-US" smtClean="0"/>
-              <a:t>9/30/2021</a:t>
+              <a:t>10/5/2021</a:t>
             </a:fld>
             <a:endParaRPr lang="en-US"/>
           </a:p>
@@ -2771,7 +2772,7 @@
           <a:p>
             <a:fld id="{78AC6A5B-8AE7-4A41-B5A7-9ADC6686DC18}" type="datetime1">
               <a:rPr lang="en-US" smtClean="0"/>
-              <a:t>9/30/2021</a:t>
+              <a:t>10/5/2021</a:t>
             </a:fld>
             <a:endParaRPr lang="en-US"/>
           </a:p>
@@ -2874,7 +2875,7 @@
                 <a16:creationId xmlns:a16="http://schemas.microsoft.com/office/drawing/2014/main" id="{0BABF38A-8A0D-492E-BD20-6CF4D46B50BD}"/>
               </a:ext>
               <a:ext uri="{C183D7F6-B498-43B3-948B-1728B52AA6E4}">
-                <adec:decorative xmlns="" xmlns:adec="http://schemas.microsoft.com/office/drawing/2017/decorative" val="1"/>
+                <adec:decorative xmlns:adec="http://schemas.microsoft.com/office/drawing/2017/decorative" val="1"/>
               </a:ext>
             </a:extLst>
           </p:cNvPr>
@@ -3080,7 +3081,7 @@
             <a:fld id="{57E0CF6C-748E-4B7A-BC8B-3011EF78ED13}" type="datetime1">
               <a:rPr lang="en-US" smtClean="0"/>
               <a:pPr/>
-              <a:t>9/30/2021</a:t>
+              <a:t>10/5/2021</a:t>
             </a:fld>
             <a:endParaRPr lang="en-US" dirty="0"/>
           </a:p>
@@ -3575,7 +3576,7 @@
                 <a16:creationId xmlns:a16="http://schemas.microsoft.com/office/drawing/2014/main" id="{0BABF38A-8A0D-492E-BD20-6CF4D46B50BD}"/>
               </a:ext>
               <a:ext uri="{C183D7F6-B498-43B3-948B-1728B52AA6E4}">
-                <adec:decorative xmlns="" xmlns:adec="http://schemas.microsoft.com/office/drawing/2017/decorative" val="1"/>
+                <adec:decorative xmlns:adec="http://schemas.microsoft.com/office/drawing/2017/decorative" val="1"/>
               </a:ext>
             </a:extLst>
           </p:cNvPr>
@@ -3651,7 +3652,7 @@
                 <a16:creationId xmlns:a16="http://schemas.microsoft.com/office/drawing/2014/main" id="{BC526B7A-4801-4FD1-95C8-03AF22629E87}"/>
               </a:ext>
               <a:ext uri="{C183D7F6-B498-43B3-948B-1728B52AA6E4}">
-                <adec:decorative xmlns="" xmlns:adec="http://schemas.microsoft.com/office/drawing/2017/decorative" val="1"/>
+                <adec:decorative xmlns:adec="http://schemas.microsoft.com/office/drawing/2017/decorative" val="1"/>
               </a:ext>
             </a:extLst>
           </p:cNvPr>
@@ -3697,7 +3698,7 @@
                 <a16:creationId xmlns:a16="http://schemas.microsoft.com/office/drawing/2014/main" id="{37FDDF72-DE39-4F99-A3C1-DD9D7815D7DB}"/>
               </a:ext>
               <a:ext uri="{C183D7F6-B498-43B3-948B-1728B52AA6E4}">
-                <adec:decorative xmlns="" xmlns:adec="http://schemas.microsoft.com/office/drawing/2017/decorative" val="1"/>
+                <adec:decorative xmlns:adec="http://schemas.microsoft.com/office/drawing/2017/decorative" val="1"/>
               </a:ext>
             </a:extLst>
           </p:cNvPr>
@@ -3767,7 +3768,7 @@
                 <a16:creationId xmlns:a16="http://schemas.microsoft.com/office/drawing/2014/main" id="{5E4ECE80-3AD1-450C-B62A-98788F193948}"/>
               </a:ext>
               <a:ext uri="{C183D7F6-B498-43B3-948B-1728B52AA6E4}">
-                <adec:decorative xmlns="" xmlns:adec="http://schemas.microsoft.com/office/drawing/2017/decorative" val="1"/>
+                <adec:decorative xmlns:adec="http://schemas.microsoft.com/office/drawing/2017/decorative" val="1"/>
               </a:ext>
             </a:extLst>
           </p:cNvPr>
@@ -4315,7 +4316,7 @@
                 <a16:creationId xmlns:a16="http://schemas.microsoft.com/office/drawing/2014/main" id="{0BABF38A-8A0D-492E-BD20-6CF4D46B50BD}"/>
               </a:ext>
               <a:ext uri="{C183D7F6-B498-43B3-948B-1728B52AA6E4}">
-                <adec:decorative xmlns="" xmlns:adec="http://schemas.microsoft.com/office/drawing/2017/decorative" val="1"/>
+                <adec:decorative xmlns:adec="http://schemas.microsoft.com/office/drawing/2017/decorative" val="1"/>
               </a:ext>
             </a:extLst>
           </p:cNvPr>
@@ -4391,7 +4392,7 @@
                 <a16:creationId xmlns:a16="http://schemas.microsoft.com/office/drawing/2014/main" id="{BC526B7A-4801-4FD1-95C8-03AF22629E87}"/>
               </a:ext>
               <a:ext uri="{C183D7F6-B498-43B3-948B-1728B52AA6E4}">
-                <adec:decorative xmlns="" xmlns:adec="http://schemas.microsoft.com/office/drawing/2017/decorative" val="1"/>
+                <adec:decorative xmlns:adec="http://schemas.microsoft.com/office/drawing/2017/decorative" val="1"/>
               </a:ext>
             </a:extLst>
           </p:cNvPr>
@@ -4437,7 +4438,7 @@
                 <a16:creationId xmlns:a16="http://schemas.microsoft.com/office/drawing/2014/main" id="{37FDDF72-DE39-4F99-A3C1-DD9D7815D7DB}"/>
               </a:ext>
               <a:ext uri="{C183D7F6-B498-43B3-948B-1728B52AA6E4}">
-                <adec:decorative xmlns="" xmlns:adec="http://schemas.microsoft.com/office/drawing/2017/decorative" val="1"/>
+                <adec:decorative xmlns:adec="http://schemas.microsoft.com/office/drawing/2017/decorative" val="1"/>
               </a:ext>
             </a:extLst>
           </p:cNvPr>
@@ -4507,7 +4508,879 @@
                 <a16:creationId xmlns:a16="http://schemas.microsoft.com/office/drawing/2014/main" id="{5E4ECE80-3AD1-450C-B62A-98788F193948}"/>
               </a:ext>
               <a:ext uri="{C183D7F6-B498-43B3-948B-1728B52AA6E4}">
-                <adec:decorative xmlns="" xmlns:adec="http://schemas.microsoft.com/office/drawing/2017/decorative" val="1"/>
+                <adec:decorative xmlns:adec="http://schemas.microsoft.com/office/drawing/2017/decorative" val="1"/>
+              </a:ext>
+            </a:extLst>
+          </p:cNvPr>
+          <p:cNvSpPr>
+            <a:spLocks noGrp="1" noRot="1" noChangeAspect="1" noMove="1" noResize="1" noEditPoints="1" noAdjustHandles="1" noChangeArrowheads="1" noChangeShapeType="1" noTextEdit="1"/>
+          </p:cNvSpPr>
+          <p:nvPr>
+            <p:extLst>
+              <p:ext uri="{386F3935-93C4-4BCD-93E2-E3B085C9AB24}">
+                <p16:designElem xmlns:p16="http://schemas.microsoft.com/office/powerpoint/2015/main" val="1"/>
+              </p:ext>
+            </p:extLst>
+          </p:nvPr>
+        </p:nvSpPr>
+        <p:spPr>
+          <a:xfrm>
+            <a:off x="3149972" y="3121681"/>
+            <a:ext cx="8100269" cy="4556401"/>
+          </a:xfrm>
+          <a:prstGeom prst="rect">
+            <a:avLst/>
+          </a:prstGeom>
+          <a:solidFill>
+            <a:srgbClr val="000000"/>
+          </a:solidFill>
+          <a:ln>
+            <a:noFill/>
+          </a:ln>
+        </p:spPr>
+        <p:style>
+          <a:lnRef idx="2">
+            <a:schemeClr val="accent1">
+              <a:shade val="50000"/>
+            </a:schemeClr>
+          </a:lnRef>
+          <a:fillRef idx="1">
+            <a:schemeClr val="accent1"/>
+          </a:fillRef>
+          <a:effectRef idx="0">
+            <a:schemeClr val="accent1"/>
+          </a:effectRef>
+          <a:fontRef idx="minor">
+            <a:schemeClr val="lt1"/>
+          </a:fontRef>
+        </p:style>
+        <p:txBody>
+          <a:bodyPr rtlCol="0" anchor="ctr"/>
+          <a:lstStyle/>
+          <a:p>
+            <a:pPr algn="ctr">
+              <a:defRPr/>
+            </a:pPr>
+            <a:endParaRPr lang="en-US" sz="1196" dirty="0">
+              <a:solidFill>
+                <a:prstClr val="black">
+                  <a:lumMod val="65000"/>
+                  <a:lumOff val="35000"/>
+                </a:prstClr>
+              </a:solidFill>
+              <a:latin typeface="AvenirNext LT Pro Medium" panose="020B0504020202020204" pitchFamily="34" charset="0"/>
+            </a:endParaRPr>
+          </a:p>
+        </p:txBody>
+      </p:sp>
+      <p:pic>
+        <p:nvPicPr>
+          <p:cNvPr id="5" name="Imagem 4">
+            <a:extLst>
+              <a:ext uri="{FF2B5EF4-FFF2-40B4-BE49-F238E27FC236}">
+                <a16:creationId xmlns:a16="http://schemas.microsoft.com/office/drawing/2014/main" id="{F1433EF1-FB6D-4913-96C9-08F0B1B3CA7A}"/>
+              </a:ext>
+            </a:extLst>
+          </p:cNvPr>
+          <p:cNvPicPr>
+            <a:picLocks noChangeAspect="1"/>
+          </p:cNvPicPr>
+          <p:nvPr/>
+        </p:nvPicPr>
+        <p:blipFill rotWithShape="1">
+          <a:blip r:embed="rId3">
+            <a:alphaModFix/>
+            <a:extLst>
+              <a:ext uri="{28A0092B-C50C-407E-A947-70E740481C1C}">
+                <a14:useLocalDpi xmlns:a14="http://schemas.microsoft.com/office/drawing/2010/main" val="0"/>
+              </a:ext>
+            </a:extLst>
+          </a:blip>
+          <a:srcRect l="5233" t="-2125" r="6244" b="-538"/>
+          <a:stretch/>
+        </p:blipFill>
+        <p:spPr>
+          <a:xfrm>
+            <a:off x="-1" y="-248909"/>
+            <a:ext cx="14400213" cy="11147555"/>
+          </a:xfrm>
+          <a:prstGeom prst="rect">
+            <a:avLst/>
+          </a:prstGeom>
+        </p:spPr>
+      </p:pic>
+      <p:sp>
+        <p:nvSpPr>
+          <p:cNvPr id="50" name="Retângulo 49">
+            <a:extLst>
+              <a:ext uri="{FF2B5EF4-FFF2-40B4-BE49-F238E27FC236}">
+                <a16:creationId xmlns:a16="http://schemas.microsoft.com/office/drawing/2014/main" id="{50614AED-75DE-4550-9029-54313F89BD12}"/>
+              </a:ext>
+            </a:extLst>
+          </p:cNvPr>
+          <p:cNvSpPr/>
+          <p:nvPr/>
+        </p:nvSpPr>
+        <p:spPr>
+          <a:xfrm>
+            <a:off x="3186646" y="311571"/>
+            <a:ext cx="8052791" cy="992583"/>
+          </a:xfrm>
+          <a:prstGeom prst="rect">
+            <a:avLst/>
+          </a:prstGeom>
+          <a:noFill/>
+        </p:spPr>
+        <p:txBody>
+          <a:bodyPr wrap="square" lIns="68584" tIns="34292" rIns="68584" bIns="34292">
+            <a:spAutoFit/>
+          </a:bodyPr>
+          <a:lstStyle/>
+          <a:p>
+            <a:pPr algn="ctr"/>
+            <a:r>
+              <a:rPr lang="pt-BR" sz="6000" dirty="0">
+                <a:ln w="38100">
+                  <a:solidFill>
+                    <a:schemeClr val="bg1"/>
+                  </a:solidFill>
+                </a:ln>
+                <a:solidFill>
+                  <a:srgbClr val="00B050"/>
+                </a:solidFill>
+                <a:effectLst>
+                  <a:outerShdw blurRad="38100" dist="19050" dir="2700000" algn="tl" rotWithShape="0">
+                    <a:schemeClr val="dk1">
+                      <a:alpha val="40000"/>
+                    </a:schemeClr>
+                  </a:outerShdw>
+                </a:effectLst>
+                <a:latin typeface="Exo 2 Extra Bold" panose="00000900000000000000" pitchFamily="50" charset="0"/>
+              </a:rPr>
+              <a:t>Liga Principal</a:t>
+            </a:r>
+          </a:p>
+        </p:txBody>
+      </p:sp>
+      <p:sp>
+        <p:nvSpPr>
+          <p:cNvPr id="53" name="Retângulo 52">
+            <a:extLst>
+              <a:ext uri="{FF2B5EF4-FFF2-40B4-BE49-F238E27FC236}">
+                <a16:creationId xmlns:a16="http://schemas.microsoft.com/office/drawing/2014/main" id="{F101E0BF-8A68-40B9-BC26-35C299182F52}"/>
+              </a:ext>
+            </a:extLst>
+          </p:cNvPr>
+          <p:cNvSpPr/>
+          <p:nvPr/>
+        </p:nvSpPr>
+        <p:spPr>
+          <a:xfrm>
+            <a:off x="336776" y="1104608"/>
+            <a:ext cx="13909452" cy="1177249"/>
+          </a:xfrm>
+          <a:prstGeom prst="rect">
+            <a:avLst/>
+          </a:prstGeom>
+          <a:noFill/>
+        </p:spPr>
+        <p:txBody>
+          <a:bodyPr wrap="square" lIns="68584" tIns="34292" rIns="68584" bIns="34292">
+            <a:spAutoFit/>
+          </a:bodyPr>
+          <a:lstStyle/>
+          <a:p>
+            <a:pPr algn="ctr"/>
+            <a:r>
+              <a:rPr lang="pt-BR" sz="7200" dirty="0">
+                <a:ln w="0">
+                  <a:noFill/>
+                </a:ln>
+                <a:effectLst>
+                  <a:outerShdw blurRad="38100" dist="19050" dir="2700000" algn="tl" rotWithShape="0">
+                    <a:schemeClr val="dk1">
+                      <a:alpha val="40000"/>
+                    </a:schemeClr>
+                  </a:outerShdw>
+                </a:effectLst>
+                <a:latin typeface="Exo 2 Extra Bold" panose="00000900000000000000" pitchFamily="50" charset="0"/>
+              </a:rPr>
+              <a:t>MATA-MATA SÉRIE C 3</a:t>
+            </a:r>
+          </a:p>
+        </p:txBody>
+      </p:sp>
+      <p:pic>
+        <p:nvPicPr>
+          <p:cNvPr id="15" name="Imagem 14">
+            <a:extLst>
+              <a:ext uri="{FF2B5EF4-FFF2-40B4-BE49-F238E27FC236}">
+                <a16:creationId xmlns:a16="http://schemas.microsoft.com/office/drawing/2014/main" id="{780D6AE4-2B31-43CF-8A3B-9ACC73C32FE9}"/>
+              </a:ext>
+            </a:extLst>
+          </p:cNvPr>
+          <p:cNvPicPr>
+            <a:picLocks noChangeAspect="1"/>
+          </p:cNvPicPr>
+          <p:nvPr/>
+        </p:nvPicPr>
+        <p:blipFill>
+          <a:blip r:embed="rId4" cstate="hqprint">
+            <a:extLst>
+              <a:ext uri="{28A0092B-C50C-407E-A947-70E740481C1C}">
+                <a14:useLocalDpi xmlns:a14="http://schemas.microsoft.com/office/drawing/2010/main" val="0"/>
+              </a:ext>
+            </a:extLst>
+          </a:blip>
+          <a:stretch>
+            <a:fillRect/>
+          </a:stretch>
+        </p:blipFill>
+        <p:spPr>
+          <a:xfrm>
+            <a:off x="336776" y="194284"/>
+            <a:ext cx="2059134" cy="2160000"/>
+          </a:xfrm>
+          <a:prstGeom prst="rect">
+            <a:avLst/>
+          </a:prstGeom>
+        </p:spPr>
+      </p:pic>
+      <p:sp>
+        <p:nvSpPr>
+          <p:cNvPr id="10" name="Retângulo 9">
+            <a:extLst>
+              <a:ext uri="{FF2B5EF4-FFF2-40B4-BE49-F238E27FC236}">
+                <a16:creationId xmlns:a16="http://schemas.microsoft.com/office/drawing/2014/main" id="{838BDC98-3287-4575-8574-56F716FB2440}"/>
+              </a:ext>
+            </a:extLst>
+          </p:cNvPr>
+          <p:cNvSpPr/>
+          <p:nvPr/>
+        </p:nvSpPr>
+        <p:spPr>
+          <a:xfrm>
+            <a:off x="1911927" y="2227185"/>
+            <a:ext cx="10476677" cy="2718888"/>
+          </a:xfrm>
+          <a:prstGeom prst="rect">
+            <a:avLst/>
+          </a:prstGeom>
+          <a:solidFill>
+            <a:schemeClr val="tx1">
+              <a:alpha val="81000"/>
+            </a:schemeClr>
+          </a:solidFill>
+        </p:spPr>
+        <p:style>
+          <a:lnRef idx="2">
+            <a:schemeClr val="accent1">
+              <a:shade val="50000"/>
+            </a:schemeClr>
+          </a:lnRef>
+          <a:fillRef idx="1">
+            <a:schemeClr val="accent1"/>
+          </a:fillRef>
+          <a:effectRef idx="0">
+            <a:schemeClr val="accent1"/>
+          </a:effectRef>
+          <a:fontRef idx="minor">
+            <a:schemeClr val="lt1"/>
+          </a:fontRef>
+        </p:style>
+        <p:txBody>
+          <a:bodyPr rtlCol="0" anchor="ctr"/>
+          <a:lstStyle/>
+          <a:p>
+            <a:pPr algn="ctr"/>
+            <a:endParaRPr lang="pt-BR"/>
+          </a:p>
+        </p:txBody>
+      </p:sp>
+      <p:sp>
+        <p:nvSpPr>
+          <p:cNvPr id="21" name="Retângulo 20">
+            <a:extLst>
+              <a:ext uri="{FF2B5EF4-FFF2-40B4-BE49-F238E27FC236}">
+                <a16:creationId xmlns:a16="http://schemas.microsoft.com/office/drawing/2014/main" id="{95EDB8CB-8377-4925-B478-560C3F615037}"/>
+              </a:ext>
+            </a:extLst>
+          </p:cNvPr>
+          <p:cNvSpPr/>
+          <p:nvPr/>
+        </p:nvSpPr>
+        <p:spPr>
+          <a:xfrm>
+            <a:off x="1911927" y="5072033"/>
+            <a:ext cx="10476677" cy="2718888"/>
+          </a:xfrm>
+          <a:prstGeom prst="rect">
+            <a:avLst/>
+          </a:prstGeom>
+          <a:solidFill>
+            <a:schemeClr val="tx1">
+              <a:alpha val="81000"/>
+            </a:schemeClr>
+          </a:solidFill>
+        </p:spPr>
+        <p:style>
+          <a:lnRef idx="2">
+            <a:schemeClr val="accent1">
+              <a:shade val="50000"/>
+            </a:schemeClr>
+          </a:lnRef>
+          <a:fillRef idx="1">
+            <a:schemeClr val="accent1"/>
+          </a:fillRef>
+          <a:effectRef idx="0">
+            <a:schemeClr val="accent1"/>
+          </a:effectRef>
+          <a:fontRef idx="minor">
+            <a:schemeClr val="lt1"/>
+          </a:fontRef>
+        </p:style>
+        <p:txBody>
+          <a:bodyPr rtlCol="0" anchor="ctr"/>
+          <a:lstStyle/>
+          <a:p>
+            <a:pPr algn="ctr"/>
+            <a:endParaRPr lang="pt-BR"/>
+          </a:p>
+        </p:txBody>
+      </p:sp>
+      <p:sp>
+        <p:nvSpPr>
+          <p:cNvPr id="23" name="Retângulo 22">
+            <a:extLst>
+              <a:ext uri="{FF2B5EF4-FFF2-40B4-BE49-F238E27FC236}">
+                <a16:creationId xmlns:a16="http://schemas.microsoft.com/office/drawing/2014/main" id="{ED87CD67-A438-4F74-986A-3704AF997953}"/>
+              </a:ext>
+            </a:extLst>
+          </p:cNvPr>
+          <p:cNvSpPr/>
+          <p:nvPr/>
+        </p:nvSpPr>
+        <p:spPr>
+          <a:xfrm>
+            <a:off x="5308448" y="2179089"/>
+            <a:ext cx="3789504" cy="684807"/>
+          </a:xfrm>
+          <a:prstGeom prst="rect">
+            <a:avLst/>
+          </a:prstGeom>
+          <a:noFill/>
+        </p:spPr>
+        <p:txBody>
+          <a:bodyPr wrap="square" lIns="68584" tIns="34292" rIns="68584" bIns="34292">
+            <a:spAutoFit/>
+          </a:bodyPr>
+          <a:lstStyle/>
+          <a:p>
+            <a:pPr algn="ctr"/>
+            <a:r>
+              <a:rPr lang="pt-BR" sz="4000" dirty="0">
+                <a:ln w="0">
+                  <a:noFill/>
+                </a:ln>
+                <a:solidFill>
+                  <a:srgbClr val="0070C0"/>
+                </a:solidFill>
+                <a:effectLst>
+                  <a:outerShdw blurRad="38100" dist="19050" dir="2700000" algn="tl" rotWithShape="0">
+                    <a:schemeClr val="dk1">
+                      <a:alpha val="40000"/>
+                    </a:schemeClr>
+                  </a:outerShdw>
+                </a:effectLst>
+                <a:latin typeface="Exo 2 Extra Bold" panose="00000900000000000000" pitchFamily="50" charset="0"/>
+              </a:rPr>
+              <a:t>Chave 1</a:t>
+            </a:r>
+          </a:p>
+        </p:txBody>
+      </p:sp>
+      <p:sp>
+        <p:nvSpPr>
+          <p:cNvPr id="24" name="Retângulo 23">
+            <a:extLst>
+              <a:ext uri="{FF2B5EF4-FFF2-40B4-BE49-F238E27FC236}">
+                <a16:creationId xmlns:a16="http://schemas.microsoft.com/office/drawing/2014/main" id="{522A4ACC-EC27-4A14-BA66-B0EB03535C7B}"/>
+              </a:ext>
+            </a:extLst>
+          </p:cNvPr>
+          <p:cNvSpPr/>
+          <p:nvPr/>
+        </p:nvSpPr>
+        <p:spPr>
+          <a:xfrm>
+            <a:off x="5321993" y="5022489"/>
+            <a:ext cx="3789503" cy="684807"/>
+          </a:xfrm>
+          <a:prstGeom prst="rect">
+            <a:avLst/>
+          </a:prstGeom>
+          <a:noFill/>
+        </p:spPr>
+        <p:txBody>
+          <a:bodyPr wrap="square" lIns="68584" tIns="34292" rIns="68584" bIns="34292">
+            <a:spAutoFit/>
+          </a:bodyPr>
+          <a:lstStyle/>
+          <a:p>
+            <a:pPr algn="ctr"/>
+            <a:r>
+              <a:rPr lang="pt-BR" sz="4000" dirty="0">
+                <a:ln w="0">
+                  <a:noFill/>
+                </a:ln>
+                <a:solidFill>
+                  <a:srgbClr val="0070C0"/>
+                </a:solidFill>
+                <a:effectLst>
+                  <a:outerShdw blurRad="38100" dist="19050" dir="2700000" algn="tl" rotWithShape="0">
+                    <a:schemeClr val="dk1">
+                      <a:alpha val="40000"/>
+                    </a:schemeClr>
+                  </a:outerShdw>
+                </a:effectLst>
+                <a:latin typeface="Exo 2 Extra Bold" panose="00000900000000000000" pitchFamily="50" charset="0"/>
+              </a:rPr>
+              <a:t>Chave 2</a:t>
+            </a:r>
+          </a:p>
+        </p:txBody>
+      </p:sp>
+      <p:sp>
+        <p:nvSpPr>
+          <p:cNvPr id="18" name="Retângulo 17">
+            <a:extLst>
+              <a:ext uri="{FF2B5EF4-FFF2-40B4-BE49-F238E27FC236}">
+                <a16:creationId xmlns:a16="http://schemas.microsoft.com/office/drawing/2014/main" id="{3128898C-0A57-4F19-8491-B43E8301569E}"/>
+              </a:ext>
+            </a:extLst>
+          </p:cNvPr>
+          <p:cNvSpPr/>
+          <p:nvPr/>
+        </p:nvSpPr>
+        <p:spPr>
+          <a:xfrm>
+            <a:off x="1918853" y="7946853"/>
+            <a:ext cx="10476677" cy="2718888"/>
+          </a:xfrm>
+          <a:prstGeom prst="rect">
+            <a:avLst/>
+          </a:prstGeom>
+          <a:solidFill>
+            <a:schemeClr val="tx1">
+              <a:alpha val="81000"/>
+            </a:schemeClr>
+          </a:solidFill>
+        </p:spPr>
+        <p:style>
+          <a:lnRef idx="2">
+            <a:schemeClr val="accent1">
+              <a:shade val="50000"/>
+            </a:schemeClr>
+          </a:lnRef>
+          <a:fillRef idx="1">
+            <a:schemeClr val="accent1"/>
+          </a:fillRef>
+          <a:effectRef idx="0">
+            <a:schemeClr val="accent1"/>
+          </a:effectRef>
+          <a:fontRef idx="minor">
+            <a:schemeClr val="lt1"/>
+          </a:fontRef>
+        </p:style>
+        <p:txBody>
+          <a:bodyPr rtlCol="0" anchor="ctr"/>
+          <a:lstStyle/>
+          <a:p>
+            <a:pPr algn="ctr"/>
+            <a:endParaRPr lang="pt-BR"/>
+          </a:p>
+        </p:txBody>
+      </p:sp>
+      <p:sp>
+        <p:nvSpPr>
+          <p:cNvPr id="19" name="Retângulo 18">
+            <a:extLst>
+              <a:ext uri="{FF2B5EF4-FFF2-40B4-BE49-F238E27FC236}">
+                <a16:creationId xmlns:a16="http://schemas.microsoft.com/office/drawing/2014/main" id="{233846BD-32E7-4324-ADF6-449F12B78362}"/>
+              </a:ext>
+            </a:extLst>
+          </p:cNvPr>
+          <p:cNvSpPr/>
+          <p:nvPr/>
+        </p:nvSpPr>
+        <p:spPr>
+          <a:xfrm>
+            <a:off x="5328919" y="7897309"/>
+            <a:ext cx="3789503" cy="684807"/>
+          </a:xfrm>
+          <a:prstGeom prst="rect">
+            <a:avLst/>
+          </a:prstGeom>
+          <a:noFill/>
+        </p:spPr>
+        <p:txBody>
+          <a:bodyPr wrap="square" lIns="68584" tIns="34292" rIns="68584" bIns="34292">
+            <a:spAutoFit/>
+          </a:bodyPr>
+          <a:lstStyle/>
+          <a:p>
+            <a:pPr algn="ctr"/>
+            <a:r>
+              <a:rPr lang="pt-BR" sz="4000" dirty="0">
+                <a:ln w="0">
+                  <a:noFill/>
+                </a:ln>
+                <a:solidFill>
+                  <a:srgbClr val="0070C0"/>
+                </a:solidFill>
+                <a:effectLst>
+                  <a:outerShdw blurRad="38100" dist="19050" dir="2700000" algn="tl" rotWithShape="0">
+                    <a:schemeClr val="dk1">
+                      <a:alpha val="40000"/>
+                    </a:schemeClr>
+                  </a:outerShdw>
+                </a:effectLst>
+                <a:latin typeface="Exo 2 Extra Bold" panose="00000900000000000000" pitchFamily="50" charset="0"/>
+              </a:rPr>
+              <a:t>Semifinal</a:t>
+            </a:r>
+          </a:p>
+        </p:txBody>
+      </p:sp>
+      <p:pic>
+        <p:nvPicPr>
+          <p:cNvPr id="20" name="Imagem 19">
+            <a:extLst>
+              <a:ext uri="{FF2B5EF4-FFF2-40B4-BE49-F238E27FC236}">
+                <a16:creationId xmlns:a16="http://schemas.microsoft.com/office/drawing/2014/main" id="{8B848E47-87C7-459A-921E-B11B387BE2C1}"/>
+              </a:ext>
+            </a:extLst>
+          </p:cNvPr>
+          <p:cNvPicPr>
+            <a:picLocks noChangeAspect="1"/>
+          </p:cNvPicPr>
+          <p:nvPr/>
+        </p:nvPicPr>
+        <p:blipFill>
+          <a:blip r:embed="rId5"/>
+          <a:stretch>
+            <a:fillRect/>
+          </a:stretch>
+        </p:blipFill>
+        <p:spPr>
+          <a:xfrm>
+            <a:off x="2368038" y="2892331"/>
+            <a:ext cx="9720000" cy="1881294"/>
+          </a:xfrm>
+          <a:prstGeom prst="rect">
+            <a:avLst/>
+          </a:prstGeom>
+        </p:spPr>
+      </p:pic>
+      <p:pic>
+        <p:nvPicPr>
+          <p:cNvPr id="22" name="Imagem 21">
+            <a:extLst>
+              <a:ext uri="{FF2B5EF4-FFF2-40B4-BE49-F238E27FC236}">
+                <a16:creationId xmlns:a16="http://schemas.microsoft.com/office/drawing/2014/main" id="{9784EC47-DE15-4EF6-A72C-06FEE2FAB007}"/>
+              </a:ext>
+            </a:extLst>
+          </p:cNvPr>
+          <p:cNvPicPr>
+            <a:picLocks noChangeAspect="1"/>
+          </p:cNvPicPr>
+          <p:nvPr/>
+        </p:nvPicPr>
+        <p:blipFill>
+          <a:blip r:embed="rId6"/>
+          <a:stretch>
+            <a:fillRect/>
+          </a:stretch>
+        </p:blipFill>
+        <p:spPr>
+          <a:xfrm>
+            <a:off x="2363800" y="5682504"/>
+            <a:ext cx="9720000" cy="1881294"/>
+          </a:xfrm>
+          <a:prstGeom prst="rect">
+            <a:avLst/>
+          </a:prstGeom>
+        </p:spPr>
+      </p:pic>
+      <p:pic>
+        <p:nvPicPr>
+          <p:cNvPr id="4" name="Imagem 3">
+            <a:extLst>
+              <a:ext uri="{FF2B5EF4-FFF2-40B4-BE49-F238E27FC236}">
+                <a16:creationId xmlns:a16="http://schemas.microsoft.com/office/drawing/2014/main" id="{5DA06EFA-49C7-4CF0-AC9F-44E4C4BEE539}"/>
+              </a:ext>
+            </a:extLst>
+          </p:cNvPr>
+          <p:cNvPicPr>
+            <a:picLocks noChangeAspect="1"/>
+          </p:cNvPicPr>
+          <p:nvPr/>
+        </p:nvPicPr>
+        <p:blipFill>
+          <a:blip r:embed="rId7"/>
+          <a:stretch>
+            <a:fillRect/>
+          </a:stretch>
+        </p:blipFill>
+        <p:spPr>
+          <a:xfrm>
+            <a:off x="2370340" y="8593660"/>
+            <a:ext cx="9720000" cy="1881271"/>
+          </a:xfrm>
+          <a:prstGeom prst="rect">
+            <a:avLst/>
+          </a:prstGeom>
+        </p:spPr>
+      </p:pic>
+    </p:spTree>
+    <p:extLst>
+      <p:ext uri="{BB962C8B-B14F-4D97-AF65-F5344CB8AC3E}">
+        <p14:creationId xmlns:p14="http://schemas.microsoft.com/office/powerpoint/2010/main" val="995954941"/>
+      </p:ext>
+    </p:extLst>
+  </p:cSld>
+  <p:clrMapOvr>
+    <a:masterClrMapping/>
+  </p:clrMapOvr>
+</p:sld>
+</file>
+
+<file path=ppt/slides/slide11.xml><?xml version="1.0" encoding="utf-8"?>
+<p:sld xmlns:a="http://schemas.openxmlformats.org/drawingml/2006/main" xmlns:r="http://schemas.openxmlformats.org/officeDocument/2006/relationships" xmlns:p="http://schemas.openxmlformats.org/presentationml/2006/main">
+  <p:cSld>
+    <p:bg>
+      <p:bgPr>
+        <a:solidFill>
+          <a:schemeClr val="bg1"/>
+        </a:solidFill>
+        <a:effectLst/>
+      </p:bgPr>
+    </p:bg>
+    <p:spTree>
+      <p:nvGrpSpPr>
+        <p:cNvPr id="1" name=""/>
+        <p:cNvGrpSpPr/>
+        <p:nvPr/>
+      </p:nvGrpSpPr>
+      <p:grpSpPr>
+        <a:xfrm>
+          <a:off x="0" y="0"/>
+          <a:ext cx="0" cy="0"/>
+          <a:chOff x="0" y="0"/>
+          <a:chExt cx="0" cy="0"/>
+        </a:xfrm>
+      </p:grpSpPr>
+      <p:sp>
+        <p:nvSpPr>
+          <p:cNvPr id="13" name="Rectangle 9">
+            <a:extLst>
+              <a:ext uri="{FF2B5EF4-FFF2-40B4-BE49-F238E27FC236}">
+                <a16:creationId xmlns:a16="http://schemas.microsoft.com/office/drawing/2014/main" id="{0BABF38A-8A0D-492E-BD20-6CF4D46B50BD}"/>
+              </a:ext>
+              <a:ext uri="{C183D7F6-B498-43B3-948B-1728B52AA6E4}">
+                <adec:decorative xmlns:adec="http://schemas.microsoft.com/office/drawing/2017/decorative" val="1"/>
+              </a:ext>
+            </a:extLst>
+          </p:cNvPr>
+          <p:cNvSpPr>
+            <a:spLocks noGrp="1" noRot="1" noChangeAspect="1" noMove="1" noResize="1" noEditPoints="1" noAdjustHandles="1" noChangeArrowheads="1" noChangeShapeType="1" noTextEdit="1"/>
+          </p:cNvSpPr>
+          <p:nvPr>
+            <p:extLst>
+              <p:ext uri="{386F3935-93C4-4BCD-93E2-E3B085C9AB24}">
+                <p16:designElem xmlns:p16="http://schemas.microsoft.com/office/powerpoint/2015/main" val="1"/>
+              </p:ext>
+            </p:extLst>
+          </p:nvPr>
+        </p:nvSpPr>
+        <p:spPr>
+          <a:xfrm>
+            <a:off x="3149972" y="3121681"/>
+            <a:ext cx="8100269" cy="4556404"/>
+          </a:xfrm>
+          <a:prstGeom prst="rect">
+            <a:avLst/>
+          </a:prstGeom>
+          <a:solidFill>
+            <a:schemeClr val="bg2">
+              <a:lumMod val="90000"/>
+              <a:alpha val="70000"/>
+            </a:schemeClr>
+          </a:solidFill>
+          <a:ln>
+            <a:noFill/>
+          </a:ln>
+        </p:spPr>
+        <p:style>
+          <a:lnRef idx="2">
+            <a:schemeClr val="accent1">
+              <a:shade val="50000"/>
+            </a:schemeClr>
+          </a:lnRef>
+          <a:fillRef idx="1">
+            <a:schemeClr val="accent1"/>
+          </a:fillRef>
+          <a:effectRef idx="0">
+            <a:schemeClr val="accent1"/>
+          </a:effectRef>
+          <a:fontRef idx="minor">
+            <a:schemeClr val="lt1"/>
+          </a:fontRef>
+        </p:style>
+        <p:txBody>
+          <a:bodyPr rtlCol="0" anchor="ctr"/>
+          <a:lstStyle/>
+          <a:p>
+            <a:pPr algn="ctr">
+              <a:defRPr/>
+            </a:pPr>
+            <a:endParaRPr lang="en-US" sz="1196" dirty="0">
+              <a:solidFill>
+                <a:prstClr val="black">
+                  <a:lumMod val="65000"/>
+                  <a:lumOff val="35000"/>
+                </a:prstClr>
+              </a:solidFill>
+              <a:latin typeface="AvenirNext LT Pro Medium" panose="020B0504020202020204" pitchFamily="34" charset="0"/>
+            </a:endParaRPr>
+          </a:p>
+        </p:txBody>
+      </p:sp>
+      <p:pic>
+        <p:nvPicPr>
+          <p:cNvPr id="12" name="Picture 11">
+            <a:extLst>
+              <a:ext uri="{FF2B5EF4-FFF2-40B4-BE49-F238E27FC236}">
+                <a16:creationId xmlns:a16="http://schemas.microsoft.com/office/drawing/2014/main" id="{BC526B7A-4801-4FD1-95C8-03AF22629E87}"/>
+              </a:ext>
+              <a:ext uri="{C183D7F6-B498-43B3-948B-1728B52AA6E4}">
+                <adec:decorative xmlns:adec="http://schemas.microsoft.com/office/drawing/2017/decorative" val="1"/>
+              </a:ext>
+            </a:extLst>
+          </p:cNvPr>
+          <p:cNvPicPr>
+            <a:picLocks noGrp="1" noRot="1" noChangeAspect="1" noMove="1" noResize="1" noEditPoints="1" noAdjustHandles="1" noChangeArrowheads="1" noChangeShapeType="1" noCrop="1"/>
+          </p:cNvPicPr>
+          <p:nvPr>
+            <p:extLst>
+              <p:ext uri="{386F3935-93C4-4BCD-93E2-E3B085C9AB24}">
+                <p16:designElem xmlns:p16="http://schemas.microsoft.com/office/powerpoint/2015/main" val="1"/>
+              </p:ext>
+            </p:extLst>
+          </p:nvPr>
+        </p:nvPicPr>
+        <p:blipFill>
+          <a:blip r:embed="rId2">
+            <a:alphaModFix amt="10000"/>
+            <a:extLst>
+              <a:ext uri="{28A0092B-C50C-407E-A947-70E740481C1C}">
+                <a14:useLocalDpi xmlns:a14="http://schemas.microsoft.com/office/drawing/2010/main" val="0"/>
+              </a:ext>
+            </a:extLst>
+          </a:blip>
+          <a:stretch>
+            <a:fillRect/>
+          </a:stretch>
+        </p:blipFill>
+        <p:spPr>
+          <a:xfrm>
+            <a:off x="8820159" y="3121682"/>
+            <a:ext cx="2428095" cy="3039825"/>
+          </a:xfrm>
+          <a:prstGeom prst="rect">
+            <a:avLst/>
+          </a:prstGeom>
+        </p:spPr>
+      </p:pic>
+      <p:sp useBgFill="1">
+        <p:nvSpPr>
+          <p:cNvPr id="14" name="Rectangle 13">
+            <a:extLst>
+              <a:ext uri="{FF2B5EF4-FFF2-40B4-BE49-F238E27FC236}">
+                <a16:creationId xmlns:a16="http://schemas.microsoft.com/office/drawing/2014/main" id="{37FDDF72-DE39-4F99-A3C1-DD9D7815D7DB}"/>
+              </a:ext>
+              <a:ext uri="{C183D7F6-B498-43B3-948B-1728B52AA6E4}">
+                <adec:decorative xmlns:adec="http://schemas.microsoft.com/office/drawing/2017/decorative" val="1"/>
+              </a:ext>
+            </a:extLst>
+          </p:cNvPr>
+          <p:cNvSpPr>
+            <a:spLocks noGrp="1" noRot="1" noChangeAspect="1" noMove="1" noResize="1" noEditPoints="1" noAdjustHandles="1" noChangeArrowheads="1" noChangeShapeType="1" noTextEdit="1"/>
+          </p:cNvSpPr>
+          <p:nvPr>
+            <p:extLst>
+              <p:ext uri="{386F3935-93C4-4BCD-93E2-E3B085C9AB24}">
+                <p16:designElem xmlns:p16="http://schemas.microsoft.com/office/powerpoint/2015/main" val="1"/>
+              </p:ext>
+            </p:extLst>
+          </p:nvPr>
+        </p:nvSpPr>
+        <p:spPr>
+          <a:xfrm>
+            <a:off x="3149972" y="3121681"/>
+            <a:ext cx="8100269" cy="4556401"/>
+          </a:xfrm>
+          <a:prstGeom prst="rect">
+            <a:avLst/>
+          </a:prstGeom>
+          <a:ln>
+            <a:noFill/>
+          </a:ln>
+        </p:spPr>
+        <p:style>
+          <a:lnRef idx="2">
+            <a:schemeClr val="accent1">
+              <a:shade val="50000"/>
+            </a:schemeClr>
+          </a:lnRef>
+          <a:fillRef idx="1">
+            <a:schemeClr val="accent1"/>
+          </a:fillRef>
+          <a:effectRef idx="0">
+            <a:schemeClr val="accent1"/>
+          </a:effectRef>
+          <a:fontRef idx="minor">
+            <a:schemeClr val="lt1"/>
+          </a:fontRef>
+        </p:style>
+        <p:txBody>
+          <a:bodyPr rtlCol="0" anchor="ctr"/>
+          <a:lstStyle/>
+          <a:p>
+            <a:pPr algn="ctr">
+              <a:defRPr/>
+            </a:pPr>
+            <a:endParaRPr lang="en-US" sz="1196" dirty="0">
+              <a:solidFill>
+                <a:prstClr val="black">
+                  <a:lumMod val="65000"/>
+                  <a:lumOff val="35000"/>
+                </a:prstClr>
+              </a:solidFill>
+              <a:latin typeface="AvenirNext LT Pro Medium" panose="020B0504020202020204" pitchFamily="34" charset="0"/>
+            </a:endParaRPr>
+          </a:p>
+        </p:txBody>
+      </p:sp>
+      <p:sp>
+        <p:nvSpPr>
+          <p:cNvPr id="16" name="Rectangle 15">
+            <a:extLst>
+              <a:ext uri="{FF2B5EF4-FFF2-40B4-BE49-F238E27FC236}">
+                <a16:creationId xmlns:a16="http://schemas.microsoft.com/office/drawing/2014/main" id="{5E4ECE80-3AD1-450C-B62A-98788F193948}"/>
+              </a:ext>
+              <a:ext uri="{C183D7F6-B498-43B3-948B-1728B52AA6E4}">
+                <adec:decorative xmlns:adec="http://schemas.microsoft.com/office/drawing/2017/decorative" val="1"/>
               </a:ext>
             </a:extLst>
           </p:cNvPr>
@@ -4915,66 +5788,6 @@
           </a:prstGeom>
         </p:spPr>
       </p:pic>
-      <p:pic>
-        <p:nvPicPr>
-          <p:cNvPr id="2" name="Imagem 1">
-            <a:extLst>
-              <a:ext uri="{FF2B5EF4-FFF2-40B4-BE49-F238E27FC236}">
-                <a16:creationId xmlns:a16="http://schemas.microsoft.com/office/drawing/2014/main" id="{E6DABCEA-B4EE-4A62-BC2A-8921D9EC088A}"/>
-              </a:ext>
-            </a:extLst>
-          </p:cNvPr>
-          <p:cNvPicPr>
-            <a:picLocks noChangeAspect="1"/>
-          </p:cNvPicPr>
-          <p:nvPr/>
-        </p:nvPicPr>
-        <p:blipFill>
-          <a:blip r:embed="rId5"/>
-          <a:stretch>
-            <a:fillRect/>
-          </a:stretch>
-        </p:blipFill>
-        <p:spPr>
-          <a:xfrm>
-            <a:off x="440545" y="2913799"/>
-            <a:ext cx="13572000" cy="1260102"/>
-          </a:xfrm>
-          <a:prstGeom prst="rect">
-            <a:avLst/>
-          </a:prstGeom>
-        </p:spPr>
-      </p:pic>
-      <p:pic>
-        <p:nvPicPr>
-          <p:cNvPr id="3" name="Imagem 2">
-            <a:extLst>
-              <a:ext uri="{FF2B5EF4-FFF2-40B4-BE49-F238E27FC236}">
-                <a16:creationId xmlns:a16="http://schemas.microsoft.com/office/drawing/2014/main" id="{496288C1-0203-4CE9-AEA6-02E6E0D05D11}"/>
-              </a:ext>
-            </a:extLst>
-          </p:cNvPr>
-          <p:cNvPicPr>
-            <a:picLocks noChangeAspect="1"/>
-          </p:cNvPicPr>
-          <p:nvPr/>
-        </p:nvPicPr>
-        <p:blipFill>
-          <a:blip r:embed="rId6"/>
-          <a:stretch>
-            <a:fillRect/>
-          </a:stretch>
-        </p:blipFill>
-        <p:spPr>
-          <a:xfrm>
-            <a:off x="440545" y="5195730"/>
-            <a:ext cx="13572000" cy="1260102"/>
-          </a:xfrm>
-          <a:prstGeom prst="rect">
-            <a:avLst/>
-          </a:prstGeom>
-        </p:spPr>
-      </p:pic>
       <p:sp>
         <p:nvSpPr>
           <p:cNvPr id="19" name="Retângulo 18">
@@ -5079,822 +5892,10 @@
       </p:sp>
       <p:pic>
         <p:nvPicPr>
-          <p:cNvPr id="22" name="Imagem 21">
-            <a:extLst>
-              <a:ext uri="{FF2B5EF4-FFF2-40B4-BE49-F238E27FC236}">
-                <a16:creationId xmlns:a16="http://schemas.microsoft.com/office/drawing/2014/main" id="{D6E3C0E9-5ED9-46A1-8CDB-9D29B4E00770}"/>
-              </a:ext>
-            </a:extLst>
-          </p:cNvPr>
-          <p:cNvPicPr>
-            <a:picLocks noChangeAspect="1"/>
-          </p:cNvPicPr>
-          <p:nvPr/>
-        </p:nvPicPr>
-        <p:blipFill>
-          <a:blip r:embed="rId7"/>
-          <a:stretch>
-            <a:fillRect/>
-          </a:stretch>
-        </p:blipFill>
-        <p:spPr>
-          <a:xfrm>
-            <a:off x="428660" y="8005055"/>
-            <a:ext cx="13570795" cy="1260000"/>
-          </a:xfrm>
-          <a:prstGeom prst="rect">
-            <a:avLst/>
-          </a:prstGeom>
-        </p:spPr>
-      </p:pic>
-    </p:spTree>
-    <p:extLst>
-      <p:ext uri="{BB962C8B-B14F-4D97-AF65-F5344CB8AC3E}">
-        <p14:creationId xmlns:p14="http://schemas.microsoft.com/office/powerpoint/2010/main" val="2841869459"/>
-      </p:ext>
-    </p:extLst>
-  </p:cSld>
-  <p:clrMapOvr>
-    <a:masterClrMapping/>
-  </p:clrMapOvr>
-</p:sld>
-</file>
-
-<file path=ppt/slides/slide11.xml><?xml version="1.0" encoding="utf-8"?>
-<p:sld xmlns:a="http://schemas.openxmlformats.org/drawingml/2006/main" xmlns:r="http://schemas.openxmlformats.org/officeDocument/2006/relationships" xmlns:p="http://schemas.openxmlformats.org/presentationml/2006/main">
-  <p:cSld>
-    <p:bg>
-      <p:bgPr>
-        <a:solidFill>
-          <a:schemeClr val="bg1"/>
-        </a:solidFill>
-        <a:effectLst/>
-      </p:bgPr>
-    </p:bg>
-    <p:spTree>
-      <p:nvGrpSpPr>
-        <p:cNvPr id="1" name=""/>
-        <p:cNvGrpSpPr/>
-        <p:nvPr/>
-      </p:nvGrpSpPr>
-      <p:grpSpPr>
-        <a:xfrm>
-          <a:off x="0" y="0"/>
-          <a:ext cx="0" cy="0"/>
-          <a:chOff x="0" y="0"/>
-          <a:chExt cx="0" cy="0"/>
-        </a:xfrm>
-      </p:grpSpPr>
-      <p:sp>
-        <p:nvSpPr>
-          <p:cNvPr id="13" name="Rectangle 9">
-            <a:extLst>
-              <a:ext uri="{FF2B5EF4-FFF2-40B4-BE49-F238E27FC236}">
-                <a16:creationId xmlns:a16="http://schemas.microsoft.com/office/drawing/2014/main" id="{0BABF38A-8A0D-492E-BD20-6CF4D46B50BD}"/>
-              </a:ext>
-              <a:ext uri="{C183D7F6-B498-43B3-948B-1728B52AA6E4}">
-                <adec:decorative xmlns="" xmlns:adec="http://schemas.microsoft.com/office/drawing/2017/decorative" val="1"/>
-              </a:ext>
-            </a:extLst>
-          </p:cNvPr>
-          <p:cNvSpPr>
-            <a:spLocks noGrp="1" noRot="1" noChangeAspect="1" noMove="1" noResize="1" noEditPoints="1" noAdjustHandles="1" noChangeArrowheads="1" noChangeShapeType="1" noTextEdit="1"/>
-          </p:cNvSpPr>
-          <p:nvPr>
-            <p:extLst>
-              <p:ext uri="{386F3935-93C4-4BCD-93E2-E3B085C9AB24}">
-                <p16:designElem xmlns:p16="http://schemas.microsoft.com/office/powerpoint/2015/main" val="1"/>
-              </p:ext>
-            </p:extLst>
-          </p:nvPr>
-        </p:nvSpPr>
-        <p:spPr>
-          <a:xfrm>
-            <a:off x="3149972" y="3121681"/>
-            <a:ext cx="8100269" cy="4556404"/>
-          </a:xfrm>
-          <a:prstGeom prst="rect">
-            <a:avLst/>
-          </a:prstGeom>
-          <a:solidFill>
-            <a:schemeClr val="bg2">
-              <a:lumMod val="90000"/>
-              <a:alpha val="70000"/>
-            </a:schemeClr>
-          </a:solidFill>
-          <a:ln>
-            <a:noFill/>
-          </a:ln>
-        </p:spPr>
-        <p:style>
-          <a:lnRef idx="2">
-            <a:schemeClr val="accent1">
-              <a:shade val="50000"/>
-            </a:schemeClr>
-          </a:lnRef>
-          <a:fillRef idx="1">
-            <a:schemeClr val="accent1"/>
-          </a:fillRef>
-          <a:effectRef idx="0">
-            <a:schemeClr val="accent1"/>
-          </a:effectRef>
-          <a:fontRef idx="minor">
-            <a:schemeClr val="lt1"/>
-          </a:fontRef>
-        </p:style>
-        <p:txBody>
-          <a:bodyPr rtlCol="0" anchor="ctr"/>
-          <a:lstStyle/>
-          <a:p>
-            <a:pPr algn="ctr">
-              <a:defRPr/>
-            </a:pPr>
-            <a:endParaRPr lang="en-US" sz="1196" dirty="0">
-              <a:solidFill>
-                <a:prstClr val="black">
-                  <a:lumMod val="65000"/>
-                  <a:lumOff val="35000"/>
-                </a:prstClr>
-              </a:solidFill>
-              <a:latin typeface="AvenirNext LT Pro Medium" panose="020B0504020202020204" pitchFamily="34" charset="0"/>
-            </a:endParaRPr>
-          </a:p>
-        </p:txBody>
-      </p:sp>
-      <p:pic>
-        <p:nvPicPr>
-          <p:cNvPr id="12" name="Picture 11">
-            <a:extLst>
-              <a:ext uri="{FF2B5EF4-FFF2-40B4-BE49-F238E27FC236}">
-                <a16:creationId xmlns:a16="http://schemas.microsoft.com/office/drawing/2014/main" id="{BC526B7A-4801-4FD1-95C8-03AF22629E87}"/>
-              </a:ext>
-              <a:ext uri="{C183D7F6-B498-43B3-948B-1728B52AA6E4}">
-                <adec:decorative xmlns="" xmlns:adec="http://schemas.microsoft.com/office/drawing/2017/decorative" val="1"/>
-              </a:ext>
-            </a:extLst>
-          </p:cNvPr>
-          <p:cNvPicPr>
-            <a:picLocks noGrp="1" noRot="1" noChangeAspect="1" noMove="1" noResize="1" noEditPoints="1" noAdjustHandles="1" noChangeArrowheads="1" noChangeShapeType="1" noCrop="1"/>
-          </p:cNvPicPr>
-          <p:nvPr>
-            <p:extLst>
-              <p:ext uri="{386F3935-93C4-4BCD-93E2-E3B085C9AB24}">
-                <p16:designElem xmlns:p16="http://schemas.microsoft.com/office/powerpoint/2015/main" val="1"/>
-              </p:ext>
-            </p:extLst>
-          </p:nvPr>
-        </p:nvPicPr>
-        <p:blipFill>
-          <a:blip r:embed="rId2">
-            <a:alphaModFix amt="10000"/>
-            <a:extLst>
-              <a:ext uri="{28A0092B-C50C-407E-A947-70E740481C1C}">
-                <a14:useLocalDpi xmlns:a14="http://schemas.microsoft.com/office/drawing/2010/main" val="0"/>
-              </a:ext>
-            </a:extLst>
-          </a:blip>
-          <a:stretch>
-            <a:fillRect/>
-          </a:stretch>
-        </p:blipFill>
-        <p:spPr>
-          <a:xfrm>
-            <a:off x="8820159" y="3121682"/>
-            <a:ext cx="2428095" cy="3039825"/>
-          </a:xfrm>
-          <a:prstGeom prst="rect">
-            <a:avLst/>
-          </a:prstGeom>
-        </p:spPr>
-      </p:pic>
-      <p:sp useBgFill="1">
-        <p:nvSpPr>
-          <p:cNvPr id="14" name="Rectangle 13">
-            <a:extLst>
-              <a:ext uri="{FF2B5EF4-FFF2-40B4-BE49-F238E27FC236}">
-                <a16:creationId xmlns:a16="http://schemas.microsoft.com/office/drawing/2014/main" id="{37FDDF72-DE39-4F99-A3C1-DD9D7815D7DB}"/>
-              </a:ext>
-              <a:ext uri="{C183D7F6-B498-43B3-948B-1728B52AA6E4}">
-                <adec:decorative xmlns="" xmlns:adec="http://schemas.microsoft.com/office/drawing/2017/decorative" val="1"/>
-              </a:ext>
-            </a:extLst>
-          </p:cNvPr>
-          <p:cNvSpPr>
-            <a:spLocks noGrp="1" noRot="1" noChangeAspect="1" noMove="1" noResize="1" noEditPoints="1" noAdjustHandles="1" noChangeArrowheads="1" noChangeShapeType="1" noTextEdit="1"/>
-          </p:cNvSpPr>
-          <p:nvPr>
-            <p:extLst>
-              <p:ext uri="{386F3935-93C4-4BCD-93E2-E3B085C9AB24}">
-                <p16:designElem xmlns:p16="http://schemas.microsoft.com/office/powerpoint/2015/main" val="1"/>
-              </p:ext>
-            </p:extLst>
-          </p:nvPr>
-        </p:nvSpPr>
-        <p:spPr>
-          <a:xfrm>
-            <a:off x="3149972" y="3121681"/>
-            <a:ext cx="8100269" cy="4556401"/>
-          </a:xfrm>
-          <a:prstGeom prst="rect">
-            <a:avLst/>
-          </a:prstGeom>
-          <a:ln>
-            <a:noFill/>
-          </a:ln>
-        </p:spPr>
-        <p:style>
-          <a:lnRef idx="2">
-            <a:schemeClr val="accent1">
-              <a:shade val="50000"/>
-            </a:schemeClr>
-          </a:lnRef>
-          <a:fillRef idx="1">
-            <a:schemeClr val="accent1"/>
-          </a:fillRef>
-          <a:effectRef idx="0">
-            <a:schemeClr val="accent1"/>
-          </a:effectRef>
-          <a:fontRef idx="minor">
-            <a:schemeClr val="lt1"/>
-          </a:fontRef>
-        </p:style>
-        <p:txBody>
-          <a:bodyPr rtlCol="0" anchor="ctr"/>
-          <a:lstStyle/>
-          <a:p>
-            <a:pPr algn="ctr">
-              <a:defRPr/>
-            </a:pPr>
-            <a:endParaRPr lang="en-US" sz="1196" dirty="0">
-              <a:solidFill>
-                <a:prstClr val="black">
-                  <a:lumMod val="65000"/>
-                  <a:lumOff val="35000"/>
-                </a:prstClr>
-              </a:solidFill>
-              <a:latin typeface="AvenirNext LT Pro Medium" panose="020B0504020202020204" pitchFamily="34" charset="0"/>
-            </a:endParaRPr>
-          </a:p>
-        </p:txBody>
-      </p:sp>
-      <p:sp>
-        <p:nvSpPr>
-          <p:cNvPr id="16" name="Rectangle 15">
-            <a:extLst>
-              <a:ext uri="{FF2B5EF4-FFF2-40B4-BE49-F238E27FC236}">
-                <a16:creationId xmlns:a16="http://schemas.microsoft.com/office/drawing/2014/main" id="{5E4ECE80-3AD1-450C-B62A-98788F193948}"/>
-              </a:ext>
-              <a:ext uri="{C183D7F6-B498-43B3-948B-1728B52AA6E4}">
-                <adec:decorative xmlns="" xmlns:adec="http://schemas.microsoft.com/office/drawing/2017/decorative" val="1"/>
-              </a:ext>
-            </a:extLst>
-          </p:cNvPr>
-          <p:cNvSpPr>
-            <a:spLocks noGrp="1" noRot="1" noChangeAspect="1" noMove="1" noResize="1" noEditPoints="1" noAdjustHandles="1" noChangeArrowheads="1" noChangeShapeType="1" noTextEdit="1"/>
-          </p:cNvSpPr>
-          <p:nvPr>
-            <p:extLst>
-              <p:ext uri="{386F3935-93C4-4BCD-93E2-E3B085C9AB24}">
-                <p16:designElem xmlns:p16="http://schemas.microsoft.com/office/powerpoint/2015/main" val="1"/>
-              </p:ext>
-            </p:extLst>
-          </p:nvPr>
-        </p:nvSpPr>
-        <p:spPr>
-          <a:xfrm>
-            <a:off x="3149972" y="3121681"/>
-            <a:ext cx="8100269" cy="4556401"/>
-          </a:xfrm>
-          <a:prstGeom prst="rect">
-            <a:avLst/>
-          </a:prstGeom>
-          <a:solidFill>
-            <a:srgbClr val="000000"/>
-          </a:solidFill>
-          <a:ln>
-            <a:noFill/>
-          </a:ln>
-        </p:spPr>
-        <p:style>
-          <a:lnRef idx="2">
-            <a:schemeClr val="accent1">
-              <a:shade val="50000"/>
-            </a:schemeClr>
-          </a:lnRef>
-          <a:fillRef idx="1">
-            <a:schemeClr val="accent1"/>
-          </a:fillRef>
-          <a:effectRef idx="0">
-            <a:schemeClr val="accent1"/>
-          </a:effectRef>
-          <a:fontRef idx="minor">
-            <a:schemeClr val="lt1"/>
-          </a:fontRef>
-        </p:style>
-        <p:txBody>
-          <a:bodyPr rtlCol="0" anchor="ctr"/>
-          <a:lstStyle/>
-          <a:p>
-            <a:pPr algn="ctr">
-              <a:defRPr/>
-            </a:pPr>
-            <a:endParaRPr lang="en-US" sz="1196" dirty="0">
-              <a:solidFill>
-                <a:prstClr val="black">
-                  <a:lumMod val="65000"/>
-                  <a:lumOff val="35000"/>
-                </a:prstClr>
-              </a:solidFill>
-              <a:latin typeface="AvenirNext LT Pro Medium" panose="020B0504020202020204" pitchFamily="34" charset="0"/>
-            </a:endParaRPr>
-          </a:p>
-        </p:txBody>
-      </p:sp>
-      <p:pic>
-        <p:nvPicPr>
-          <p:cNvPr id="5" name="Imagem 4">
-            <a:extLst>
-              <a:ext uri="{FF2B5EF4-FFF2-40B4-BE49-F238E27FC236}">
-                <a16:creationId xmlns:a16="http://schemas.microsoft.com/office/drawing/2014/main" id="{F1433EF1-FB6D-4913-96C9-08F0B1B3CA7A}"/>
-              </a:ext>
-            </a:extLst>
-          </p:cNvPr>
-          <p:cNvPicPr>
-            <a:picLocks noChangeAspect="1"/>
-          </p:cNvPicPr>
-          <p:nvPr/>
-        </p:nvPicPr>
-        <p:blipFill rotWithShape="1">
-          <a:blip r:embed="rId3">
-            <a:alphaModFix/>
-            <a:extLst>
-              <a:ext uri="{28A0092B-C50C-407E-A947-70E740481C1C}">
-                <a14:useLocalDpi xmlns:a14="http://schemas.microsoft.com/office/drawing/2010/main" val="0"/>
-              </a:ext>
-            </a:extLst>
-          </a:blip>
-          <a:srcRect l="5233" t="-2125" r="6244" b="-538"/>
-          <a:stretch/>
-        </p:blipFill>
-        <p:spPr>
-          <a:xfrm>
-            <a:off x="-1" y="-248909"/>
-            <a:ext cx="14400213" cy="11147555"/>
-          </a:xfrm>
-          <a:prstGeom prst="rect">
-            <a:avLst/>
-          </a:prstGeom>
-        </p:spPr>
-      </p:pic>
-      <p:sp>
-        <p:nvSpPr>
-          <p:cNvPr id="50" name="Retângulo 49">
-            <a:extLst>
-              <a:ext uri="{FF2B5EF4-FFF2-40B4-BE49-F238E27FC236}">
-                <a16:creationId xmlns:a16="http://schemas.microsoft.com/office/drawing/2014/main" id="{50614AED-75DE-4550-9029-54313F89BD12}"/>
-              </a:ext>
-            </a:extLst>
-          </p:cNvPr>
-          <p:cNvSpPr/>
-          <p:nvPr/>
-        </p:nvSpPr>
-        <p:spPr>
-          <a:xfrm>
-            <a:off x="3186646" y="311571"/>
-            <a:ext cx="8052791" cy="992583"/>
-          </a:xfrm>
-          <a:prstGeom prst="rect">
-            <a:avLst/>
-          </a:prstGeom>
-          <a:noFill/>
-        </p:spPr>
-        <p:txBody>
-          <a:bodyPr wrap="square" lIns="68584" tIns="34292" rIns="68584" bIns="34292">
-            <a:spAutoFit/>
-          </a:bodyPr>
-          <a:lstStyle/>
-          <a:p>
-            <a:pPr algn="ctr"/>
-            <a:r>
-              <a:rPr lang="pt-BR" sz="6000" dirty="0">
-                <a:ln w="38100">
-                  <a:solidFill>
-                    <a:schemeClr val="bg1"/>
-                  </a:solidFill>
-                </a:ln>
-                <a:solidFill>
-                  <a:srgbClr val="00B050"/>
-                </a:solidFill>
-                <a:effectLst>
-                  <a:outerShdw blurRad="38100" dist="19050" dir="2700000" algn="tl" rotWithShape="0">
-                    <a:schemeClr val="dk1">
-                      <a:alpha val="40000"/>
-                    </a:schemeClr>
-                  </a:outerShdw>
-                </a:effectLst>
-                <a:latin typeface="Exo 2 Extra Bold" panose="00000900000000000000" pitchFamily="50" charset="0"/>
-              </a:rPr>
-              <a:t>Liga Principal</a:t>
-            </a:r>
-          </a:p>
-        </p:txBody>
-      </p:sp>
-      <p:sp>
-        <p:nvSpPr>
-          <p:cNvPr id="53" name="Retângulo 52">
-            <a:extLst>
-              <a:ext uri="{FF2B5EF4-FFF2-40B4-BE49-F238E27FC236}">
-                <a16:creationId xmlns:a16="http://schemas.microsoft.com/office/drawing/2014/main" id="{F101E0BF-8A68-40B9-BC26-35C299182F52}"/>
-              </a:ext>
-            </a:extLst>
-          </p:cNvPr>
-          <p:cNvSpPr/>
-          <p:nvPr/>
-        </p:nvSpPr>
-        <p:spPr>
-          <a:xfrm>
-            <a:off x="336776" y="1104608"/>
-            <a:ext cx="13909452" cy="1177249"/>
-          </a:xfrm>
-          <a:prstGeom prst="rect">
-            <a:avLst/>
-          </a:prstGeom>
-          <a:noFill/>
-        </p:spPr>
-        <p:txBody>
-          <a:bodyPr wrap="square" lIns="68584" tIns="34292" rIns="68584" bIns="34292">
-            <a:spAutoFit/>
-          </a:bodyPr>
-          <a:lstStyle/>
-          <a:p>
-            <a:pPr algn="ctr"/>
-            <a:r>
-              <a:rPr lang="pt-BR" sz="7200" dirty="0">
-                <a:ln w="0">
-                  <a:noFill/>
-                </a:ln>
-                <a:effectLst>
-                  <a:outerShdw blurRad="38100" dist="19050" dir="2700000" algn="tl" rotWithShape="0">
-                    <a:schemeClr val="dk1">
-                      <a:alpha val="40000"/>
-                    </a:schemeClr>
-                  </a:outerShdw>
-                </a:effectLst>
-                <a:latin typeface="Exo 2 Extra Bold" panose="00000900000000000000" pitchFamily="50" charset="0"/>
-              </a:rPr>
-              <a:t>MATA-MATA SÉRIE A 3</a:t>
-            </a:r>
-          </a:p>
-        </p:txBody>
-      </p:sp>
-      <p:pic>
-        <p:nvPicPr>
-          <p:cNvPr id="15" name="Imagem 14">
-            <a:extLst>
-              <a:ext uri="{FF2B5EF4-FFF2-40B4-BE49-F238E27FC236}">
-                <a16:creationId xmlns:a16="http://schemas.microsoft.com/office/drawing/2014/main" id="{780D6AE4-2B31-43CF-8A3B-9ACC73C32FE9}"/>
-              </a:ext>
-            </a:extLst>
-          </p:cNvPr>
-          <p:cNvPicPr>
-            <a:picLocks noChangeAspect="1"/>
-          </p:cNvPicPr>
-          <p:nvPr/>
-        </p:nvPicPr>
-        <p:blipFill>
-          <a:blip r:embed="rId4" cstate="hqprint">
-            <a:extLst>
-              <a:ext uri="{28A0092B-C50C-407E-A947-70E740481C1C}">
-                <a14:useLocalDpi xmlns:a14="http://schemas.microsoft.com/office/drawing/2010/main" val="0"/>
-              </a:ext>
-            </a:extLst>
-          </a:blip>
-          <a:stretch>
-            <a:fillRect/>
-          </a:stretch>
-        </p:blipFill>
-        <p:spPr>
-          <a:xfrm>
-            <a:off x="336776" y="194284"/>
-            <a:ext cx="2059134" cy="2160000"/>
-          </a:xfrm>
-          <a:prstGeom prst="rect">
-            <a:avLst/>
-          </a:prstGeom>
-        </p:spPr>
-      </p:pic>
-      <p:sp>
-        <p:nvSpPr>
-          <p:cNvPr id="10" name="Retângulo 9">
-            <a:extLst>
-              <a:ext uri="{FF2B5EF4-FFF2-40B4-BE49-F238E27FC236}">
-                <a16:creationId xmlns:a16="http://schemas.microsoft.com/office/drawing/2014/main" id="{838BDC98-3287-4575-8574-56F716FB2440}"/>
-              </a:ext>
-            </a:extLst>
-          </p:cNvPr>
-          <p:cNvSpPr/>
-          <p:nvPr/>
-        </p:nvSpPr>
-        <p:spPr>
-          <a:xfrm>
-            <a:off x="1911927" y="2227185"/>
-            <a:ext cx="10476677" cy="2718888"/>
-          </a:xfrm>
-          <a:prstGeom prst="rect">
-            <a:avLst/>
-          </a:prstGeom>
-          <a:solidFill>
-            <a:schemeClr val="tx1">
-              <a:alpha val="81000"/>
-            </a:schemeClr>
-          </a:solidFill>
-        </p:spPr>
-        <p:style>
-          <a:lnRef idx="2">
-            <a:schemeClr val="accent1">
-              <a:shade val="50000"/>
-            </a:schemeClr>
-          </a:lnRef>
-          <a:fillRef idx="1">
-            <a:schemeClr val="accent1"/>
-          </a:fillRef>
-          <a:effectRef idx="0">
-            <a:schemeClr val="accent1"/>
-          </a:effectRef>
-          <a:fontRef idx="minor">
-            <a:schemeClr val="lt1"/>
-          </a:fontRef>
-        </p:style>
-        <p:txBody>
-          <a:bodyPr rtlCol="0" anchor="ctr"/>
-          <a:lstStyle/>
-          <a:p>
-            <a:pPr algn="ctr"/>
-            <a:endParaRPr lang="pt-BR"/>
-          </a:p>
-        </p:txBody>
-      </p:sp>
-      <p:sp>
-        <p:nvSpPr>
-          <p:cNvPr id="21" name="Retângulo 20">
-            <a:extLst>
-              <a:ext uri="{FF2B5EF4-FFF2-40B4-BE49-F238E27FC236}">
-                <a16:creationId xmlns:a16="http://schemas.microsoft.com/office/drawing/2014/main" id="{95EDB8CB-8377-4925-B478-560C3F615037}"/>
-              </a:ext>
-            </a:extLst>
-          </p:cNvPr>
-          <p:cNvSpPr/>
-          <p:nvPr/>
-        </p:nvSpPr>
-        <p:spPr>
-          <a:xfrm>
-            <a:off x="1911927" y="5072033"/>
-            <a:ext cx="10476677" cy="2718888"/>
-          </a:xfrm>
-          <a:prstGeom prst="rect">
-            <a:avLst/>
-          </a:prstGeom>
-          <a:solidFill>
-            <a:schemeClr val="tx1">
-              <a:alpha val="81000"/>
-            </a:schemeClr>
-          </a:solidFill>
-        </p:spPr>
-        <p:style>
-          <a:lnRef idx="2">
-            <a:schemeClr val="accent1">
-              <a:shade val="50000"/>
-            </a:schemeClr>
-          </a:lnRef>
-          <a:fillRef idx="1">
-            <a:schemeClr val="accent1"/>
-          </a:fillRef>
-          <a:effectRef idx="0">
-            <a:schemeClr val="accent1"/>
-          </a:effectRef>
-          <a:fontRef idx="minor">
-            <a:schemeClr val="lt1"/>
-          </a:fontRef>
-        </p:style>
-        <p:txBody>
-          <a:bodyPr rtlCol="0" anchor="ctr"/>
-          <a:lstStyle/>
-          <a:p>
-            <a:pPr algn="ctr"/>
-            <a:endParaRPr lang="pt-BR"/>
-          </a:p>
-        </p:txBody>
-      </p:sp>
-      <p:sp>
-        <p:nvSpPr>
-          <p:cNvPr id="23" name="Retângulo 22">
-            <a:extLst>
-              <a:ext uri="{FF2B5EF4-FFF2-40B4-BE49-F238E27FC236}">
-                <a16:creationId xmlns:a16="http://schemas.microsoft.com/office/drawing/2014/main" id="{ED87CD67-A438-4F74-986A-3704AF997953}"/>
-              </a:ext>
-            </a:extLst>
-          </p:cNvPr>
-          <p:cNvSpPr/>
-          <p:nvPr/>
-        </p:nvSpPr>
-        <p:spPr>
-          <a:xfrm>
-            <a:off x="5308448" y="2179089"/>
-            <a:ext cx="3789504" cy="684807"/>
-          </a:xfrm>
-          <a:prstGeom prst="rect">
-            <a:avLst/>
-          </a:prstGeom>
-          <a:noFill/>
-        </p:spPr>
-        <p:txBody>
-          <a:bodyPr wrap="square" lIns="68584" tIns="34292" rIns="68584" bIns="34292">
-            <a:spAutoFit/>
-          </a:bodyPr>
-          <a:lstStyle/>
-          <a:p>
-            <a:pPr algn="ctr"/>
-            <a:r>
-              <a:rPr lang="pt-BR" sz="4000" dirty="0">
-                <a:ln w="0">
-                  <a:noFill/>
-                </a:ln>
-                <a:solidFill>
-                  <a:srgbClr val="0070C0"/>
-                </a:solidFill>
-                <a:effectLst>
-                  <a:outerShdw blurRad="38100" dist="19050" dir="2700000" algn="tl" rotWithShape="0">
-                    <a:schemeClr val="dk1">
-                      <a:alpha val="40000"/>
-                    </a:schemeClr>
-                  </a:outerShdw>
-                </a:effectLst>
-                <a:latin typeface="Exo 2 Extra Bold" panose="00000900000000000000" pitchFamily="50" charset="0"/>
-              </a:rPr>
-              <a:t>Semifinal</a:t>
-            </a:r>
-          </a:p>
-        </p:txBody>
-      </p:sp>
-      <p:sp>
-        <p:nvSpPr>
-          <p:cNvPr id="24" name="Retângulo 23">
-            <a:extLst>
-              <a:ext uri="{FF2B5EF4-FFF2-40B4-BE49-F238E27FC236}">
-                <a16:creationId xmlns:a16="http://schemas.microsoft.com/office/drawing/2014/main" id="{522A4ACC-EC27-4A14-BA66-B0EB03535C7B}"/>
-              </a:ext>
-            </a:extLst>
-          </p:cNvPr>
-          <p:cNvSpPr/>
-          <p:nvPr/>
-        </p:nvSpPr>
-        <p:spPr>
-          <a:xfrm>
-            <a:off x="5321993" y="5022489"/>
-            <a:ext cx="3789503" cy="684807"/>
-          </a:xfrm>
-          <a:prstGeom prst="rect">
-            <a:avLst/>
-          </a:prstGeom>
-          <a:noFill/>
-        </p:spPr>
-        <p:txBody>
-          <a:bodyPr wrap="square" lIns="68584" tIns="34292" rIns="68584" bIns="34292">
-            <a:spAutoFit/>
-          </a:bodyPr>
-          <a:lstStyle/>
-          <a:p>
-            <a:pPr algn="ctr"/>
-            <a:r>
-              <a:rPr lang="pt-BR" sz="4000" dirty="0">
-                <a:ln w="0">
-                  <a:noFill/>
-                </a:ln>
-                <a:solidFill>
-                  <a:srgbClr val="0070C0"/>
-                </a:solidFill>
-                <a:effectLst>
-                  <a:outerShdw blurRad="38100" dist="19050" dir="2700000" algn="tl" rotWithShape="0">
-                    <a:schemeClr val="dk1">
-                      <a:alpha val="40000"/>
-                    </a:schemeClr>
-                  </a:outerShdw>
-                </a:effectLst>
-                <a:latin typeface="Exo 2 Extra Bold" panose="00000900000000000000" pitchFamily="50" charset="0"/>
-              </a:rPr>
-              <a:t>Campeão</a:t>
-            </a:r>
-          </a:p>
-        </p:txBody>
-      </p:sp>
-      <p:sp>
-        <p:nvSpPr>
-          <p:cNvPr id="18" name="Retângulo 17">
-            <a:extLst>
-              <a:ext uri="{FF2B5EF4-FFF2-40B4-BE49-F238E27FC236}">
-                <a16:creationId xmlns:a16="http://schemas.microsoft.com/office/drawing/2014/main" id="{3128898C-0A57-4F19-8491-B43E8301569E}"/>
-              </a:ext>
-            </a:extLst>
-          </p:cNvPr>
-          <p:cNvSpPr/>
-          <p:nvPr/>
-        </p:nvSpPr>
-        <p:spPr>
-          <a:xfrm>
-            <a:off x="1918853" y="7946853"/>
-            <a:ext cx="10476677" cy="2718888"/>
-          </a:xfrm>
-          <a:prstGeom prst="rect">
-            <a:avLst/>
-          </a:prstGeom>
-          <a:solidFill>
-            <a:schemeClr val="tx1">
-              <a:alpha val="81000"/>
-            </a:schemeClr>
-          </a:solidFill>
-        </p:spPr>
-        <p:style>
-          <a:lnRef idx="2">
-            <a:schemeClr val="accent1">
-              <a:shade val="50000"/>
-            </a:schemeClr>
-          </a:lnRef>
-          <a:fillRef idx="1">
-            <a:schemeClr val="accent1"/>
-          </a:fillRef>
-          <a:effectRef idx="0">
-            <a:schemeClr val="accent1"/>
-          </a:effectRef>
-          <a:fontRef idx="minor">
-            <a:schemeClr val="lt1"/>
-          </a:fontRef>
-        </p:style>
-        <p:txBody>
-          <a:bodyPr rtlCol="0" anchor="ctr"/>
-          <a:lstStyle/>
-          <a:p>
-            <a:pPr algn="ctr"/>
-            <a:endParaRPr lang="pt-BR"/>
-          </a:p>
-        </p:txBody>
-      </p:sp>
-      <p:sp>
-        <p:nvSpPr>
-          <p:cNvPr id="19" name="Retângulo 18">
-            <a:extLst>
-              <a:ext uri="{FF2B5EF4-FFF2-40B4-BE49-F238E27FC236}">
-                <a16:creationId xmlns:a16="http://schemas.microsoft.com/office/drawing/2014/main" id="{233846BD-32E7-4324-ADF6-449F12B78362}"/>
-              </a:ext>
-            </a:extLst>
-          </p:cNvPr>
-          <p:cNvSpPr/>
-          <p:nvPr/>
-        </p:nvSpPr>
-        <p:spPr>
-          <a:xfrm>
-            <a:off x="5328919" y="7897309"/>
-            <a:ext cx="3789503" cy="684807"/>
-          </a:xfrm>
-          <a:prstGeom prst="rect">
-            <a:avLst/>
-          </a:prstGeom>
-          <a:noFill/>
-        </p:spPr>
-        <p:txBody>
-          <a:bodyPr wrap="square" lIns="68584" tIns="34292" rIns="68584" bIns="34292">
-            <a:spAutoFit/>
-          </a:bodyPr>
-          <a:lstStyle/>
-          <a:p>
-            <a:pPr algn="ctr"/>
-            <a:r>
-              <a:rPr lang="pt-BR" sz="4000" dirty="0">
-                <a:ln w="0">
-                  <a:noFill/>
-                </a:ln>
-                <a:solidFill>
-                  <a:srgbClr val="0070C0"/>
-                </a:solidFill>
-                <a:effectLst>
-                  <a:outerShdw blurRad="38100" dist="19050" dir="2700000" algn="tl" rotWithShape="0">
-                    <a:schemeClr val="dk1">
-                      <a:alpha val="40000"/>
-                    </a:schemeClr>
-                  </a:outerShdw>
-                </a:effectLst>
-                <a:latin typeface="Exo 2 Extra Bold" panose="00000900000000000000" pitchFamily="50" charset="0"/>
-              </a:rPr>
-              <a:t>3º Lugar</a:t>
-            </a:r>
-          </a:p>
-        </p:txBody>
-      </p:sp>
-      <p:pic>
-        <p:nvPicPr>
-          <p:cNvPr id="4" name="Imagem 3">
-            <a:extLst>
-              <a:ext uri="{FF2B5EF4-FFF2-40B4-BE49-F238E27FC236}">
-                <a16:creationId xmlns:a16="http://schemas.microsoft.com/office/drawing/2014/main" id="{AAFFB090-0801-43D0-93D1-7A5BEEAED204}"/>
+          <p:cNvPr id="6" name="Imagem 5">
+            <a:extLst>
+              <a:ext uri="{FF2B5EF4-FFF2-40B4-BE49-F238E27FC236}">
+                <a16:creationId xmlns:a16="http://schemas.microsoft.com/office/drawing/2014/main" id="{C6A26CC9-CC1D-4990-A941-2E76DBF33C5D}"/>
               </a:ext>
             </a:extLst>
           </p:cNvPr>
@@ -5911,8 +5912,8 @@
         </p:blipFill>
         <p:spPr>
           <a:xfrm>
-            <a:off x="2363670" y="2875136"/>
-            <a:ext cx="9720000" cy="1881294"/>
+            <a:off x="446154" y="2911992"/>
+            <a:ext cx="13545806" cy="1260000"/>
           </a:xfrm>
           <a:prstGeom prst="rect">
             <a:avLst/>
@@ -5921,10 +5922,10 @@
       </p:pic>
       <p:pic>
         <p:nvPicPr>
-          <p:cNvPr id="2" name="Imagem 1">
-            <a:extLst>
-              <a:ext uri="{FF2B5EF4-FFF2-40B4-BE49-F238E27FC236}">
-                <a16:creationId xmlns:a16="http://schemas.microsoft.com/office/drawing/2014/main" id="{96BA5C16-362A-4975-B6AD-F0135C69C281}"/>
+          <p:cNvPr id="8" name="Imagem 7">
+            <a:extLst>
+              <a:ext uri="{FF2B5EF4-FFF2-40B4-BE49-F238E27FC236}">
+                <a16:creationId xmlns:a16="http://schemas.microsoft.com/office/drawing/2014/main" id="{BFC56C76-F195-4A97-BF0E-63538F4F5129}"/>
               </a:ext>
             </a:extLst>
           </p:cNvPr>
@@ -5941,38 +5942,8 @@
         </p:blipFill>
         <p:spPr>
           <a:xfrm>
-            <a:off x="2363800" y="6157473"/>
-            <a:ext cx="9720000" cy="813301"/>
-          </a:xfrm>
-          <a:prstGeom prst="rect">
-            <a:avLst/>
-          </a:prstGeom>
-        </p:spPr>
-      </p:pic>
-      <p:pic>
-        <p:nvPicPr>
-          <p:cNvPr id="3" name="Imagem 2">
-            <a:extLst>
-              <a:ext uri="{FF2B5EF4-FFF2-40B4-BE49-F238E27FC236}">
-                <a16:creationId xmlns:a16="http://schemas.microsoft.com/office/drawing/2014/main" id="{9B36036B-588D-4033-9D24-7CAD324A1C43}"/>
-              </a:ext>
-            </a:extLst>
-          </p:cNvPr>
-          <p:cNvPicPr>
-            <a:picLocks noChangeAspect="1"/>
-          </p:cNvPicPr>
-          <p:nvPr/>
-        </p:nvPicPr>
-        <p:blipFill>
-          <a:blip r:embed="rId7"/>
-          <a:stretch>
-            <a:fillRect/>
-          </a:stretch>
-        </p:blipFill>
-        <p:spPr>
-          <a:xfrm>
-            <a:off x="2356874" y="9033548"/>
-            <a:ext cx="9720000" cy="813301"/>
+            <a:off x="452753" y="5195832"/>
+            <a:ext cx="13545806" cy="1260000"/>
           </a:xfrm>
           <a:prstGeom prst="rect">
             <a:avLst/>
@@ -5982,7 +5953,7 @@
     </p:spTree>
     <p:extLst>
       <p:ext uri="{BB962C8B-B14F-4D97-AF65-F5344CB8AC3E}">
-        <p14:creationId xmlns:p14="http://schemas.microsoft.com/office/powerpoint/2010/main" val="3809854354"/>
+        <p14:creationId xmlns:p14="http://schemas.microsoft.com/office/powerpoint/2010/main" val="2841869459"/>
       </p:ext>
     </p:extLst>
   </p:cSld>
@@ -6025,7 +5996,7 @@
                 <a16:creationId xmlns:a16="http://schemas.microsoft.com/office/drawing/2014/main" id="{0BABF38A-8A0D-492E-BD20-6CF4D46B50BD}"/>
               </a:ext>
               <a:ext uri="{C183D7F6-B498-43B3-948B-1728B52AA6E4}">
-                <adec:decorative xmlns="" xmlns:adec="http://schemas.microsoft.com/office/drawing/2017/decorative" val="1"/>
+                <adec:decorative xmlns:adec="http://schemas.microsoft.com/office/drawing/2017/decorative" val="1"/>
               </a:ext>
             </a:extLst>
           </p:cNvPr>
@@ -6101,7 +6072,7 @@
                 <a16:creationId xmlns:a16="http://schemas.microsoft.com/office/drawing/2014/main" id="{BC526B7A-4801-4FD1-95C8-03AF22629E87}"/>
               </a:ext>
               <a:ext uri="{C183D7F6-B498-43B3-948B-1728B52AA6E4}">
-                <adec:decorative xmlns="" xmlns:adec="http://schemas.microsoft.com/office/drawing/2017/decorative" val="1"/>
+                <adec:decorative xmlns:adec="http://schemas.microsoft.com/office/drawing/2017/decorative" val="1"/>
               </a:ext>
             </a:extLst>
           </p:cNvPr>
@@ -6147,7 +6118,7 @@
                 <a16:creationId xmlns:a16="http://schemas.microsoft.com/office/drawing/2014/main" id="{37FDDF72-DE39-4F99-A3C1-DD9D7815D7DB}"/>
               </a:ext>
               <a:ext uri="{C183D7F6-B498-43B3-948B-1728B52AA6E4}">
-                <adec:decorative xmlns="" xmlns:adec="http://schemas.microsoft.com/office/drawing/2017/decorative" val="1"/>
+                <adec:decorative xmlns:adec="http://schemas.microsoft.com/office/drawing/2017/decorative" val="1"/>
               </a:ext>
             </a:extLst>
           </p:cNvPr>
@@ -6217,7 +6188,7 @@
                 <a16:creationId xmlns:a16="http://schemas.microsoft.com/office/drawing/2014/main" id="{5E4ECE80-3AD1-450C-B62A-98788F193948}"/>
               </a:ext>
               <a:ext uri="{C183D7F6-B498-43B3-948B-1728B52AA6E4}">
-                <adec:decorative xmlns="" xmlns:adec="http://schemas.microsoft.com/office/drawing/2017/decorative" val="1"/>
+                <adec:decorative xmlns:adec="http://schemas.microsoft.com/office/drawing/2017/decorative" val="1"/>
               </a:ext>
             </a:extLst>
           </p:cNvPr>
@@ -6414,7 +6385,7 @@
                 </a:effectLst>
                 <a:latin typeface="Exo 2 Extra Bold" panose="00000900000000000000" pitchFamily="50" charset="0"/>
               </a:rPr>
-              <a:t>MATA-MATA SÉRIE C 3</a:t>
+              <a:t>MATA-MATA SÉRIE A 3</a:t>
             </a:r>
           </a:p>
         </p:txBody>
@@ -6559,61 +6530,10 @@
       </p:sp>
       <p:sp>
         <p:nvSpPr>
-          <p:cNvPr id="18" name="Retângulo 17">
-            <a:extLst>
-              <a:ext uri="{FF2B5EF4-FFF2-40B4-BE49-F238E27FC236}">
-                <a16:creationId xmlns:a16="http://schemas.microsoft.com/office/drawing/2014/main" id="{3128898C-0A57-4F19-8491-B43E8301569E}"/>
-              </a:ext>
-            </a:extLst>
-          </p:cNvPr>
-          <p:cNvSpPr/>
-          <p:nvPr/>
-        </p:nvSpPr>
-        <p:spPr>
-          <a:xfrm>
-            <a:off x="1918853" y="7946853"/>
-            <a:ext cx="10476677" cy="2718888"/>
-          </a:xfrm>
-          <a:prstGeom prst="rect">
-            <a:avLst/>
-          </a:prstGeom>
-          <a:solidFill>
-            <a:schemeClr val="tx1">
-              <a:alpha val="81000"/>
-            </a:schemeClr>
-          </a:solidFill>
-        </p:spPr>
-        <p:style>
-          <a:lnRef idx="2">
-            <a:schemeClr val="accent1">
-              <a:shade val="50000"/>
-            </a:schemeClr>
-          </a:lnRef>
-          <a:fillRef idx="1">
-            <a:schemeClr val="accent1"/>
-          </a:fillRef>
-          <a:effectRef idx="0">
-            <a:schemeClr val="accent1"/>
-          </a:effectRef>
-          <a:fontRef idx="minor">
-            <a:schemeClr val="lt1"/>
-          </a:fontRef>
-        </p:style>
-        <p:txBody>
-          <a:bodyPr rtlCol="0" anchor="ctr"/>
-          <a:lstStyle/>
-          <a:p>
-            <a:pPr algn="ctr"/>
-            <a:endParaRPr lang="pt-BR"/>
-          </a:p>
-        </p:txBody>
-      </p:sp>
-      <p:sp>
-        <p:nvSpPr>
-          <p:cNvPr id="25" name="Retângulo 24">
-            <a:extLst>
-              <a:ext uri="{FF2B5EF4-FFF2-40B4-BE49-F238E27FC236}">
-                <a16:creationId xmlns:a16="http://schemas.microsoft.com/office/drawing/2014/main" id="{A09E16B2-7C74-4C13-9219-0E6412B9F44B}"/>
+          <p:cNvPr id="23" name="Retângulo 22">
+            <a:extLst>
+              <a:ext uri="{FF2B5EF4-FFF2-40B4-BE49-F238E27FC236}">
+                <a16:creationId xmlns:a16="http://schemas.microsoft.com/office/drawing/2014/main" id="{ED87CD67-A438-4F74-986A-3704AF997953}"/>
               </a:ext>
             </a:extLst>
           </p:cNvPr>
@@ -6661,10 +6581,10 @@
       </p:sp>
       <p:sp>
         <p:nvSpPr>
-          <p:cNvPr id="26" name="Retângulo 25">
-            <a:extLst>
-              <a:ext uri="{FF2B5EF4-FFF2-40B4-BE49-F238E27FC236}">
-                <a16:creationId xmlns:a16="http://schemas.microsoft.com/office/drawing/2014/main" id="{836C358E-4A49-45F6-A3E5-A798F09F5911}"/>
+          <p:cNvPr id="24" name="Retângulo 23">
+            <a:extLst>
+              <a:ext uri="{FF2B5EF4-FFF2-40B4-BE49-F238E27FC236}">
+                <a16:creationId xmlns:a16="http://schemas.microsoft.com/office/drawing/2014/main" id="{522A4ACC-EC27-4A14-BA66-B0EB03535C7B}"/>
               </a:ext>
             </a:extLst>
           </p:cNvPr>
@@ -6712,10 +6632,61 @@
       </p:sp>
       <p:sp>
         <p:nvSpPr>
-          <p:cNvPr id="27" name="Retângulo 26">
-            <a:extLst>
-              <a:ext uri="{FF2B5EF4-FFF2-40B4-BE49-F238E27FC236}">
-                <a16:creationId xmlns:a16="http://schemas.microsoft.com/office/drawing/2014/main" id="{4AC9D068-7C16-464F-89BF-6D23B2411B38}"/>
+          <p:cNvPr id="18" name="Retângulo 17">
+            <a:extLst>
+              <a:ext uri="{FF2B5EF4-FFF2-40B4-BE49-F238E27FC236}">
+                <a16:creationId xmlns:a16="http://schemas.microsoft.com/office/drawing/2014/main" id="{3128898C-0A57-4F19-8491-B43E8301569E}"/>
+              </a:ext>
+            </a:extLst>
+          </p:cNvPr>
+          <p:cNvSpPr/>
+          <p:nvPr/>
+        </p:nvSpPr>
+        <p:spPr>
+          <a:xfrm>
+            <a:off x="1918853" y="7946853"/>
+            <a:ext cx="10476677" cy="2718888"/>
+          </a:xfrm>
+          <a:prstGeom prst="rect">
+            <a:avLst/>
+          </a:prstGeom>
+          <a:solidFill>
+            <a:schemeClr val="tx1">
+              <a:alpha val="81000"/>
+            </a:schemeClr>
+          </a:solidFill>
+        </p:spPr>
+        <p:style>
+          <a:lnRef idx="2">
+            <a:schemeClr val="accent1">
+              <a:shade val="50000"/>
+            </a:schemeClr>
+          </a:lnRef>
+          <a:fillRef idx="1">
+            <a:schemeClr val="accent1"/>
+          </a:fillRef>
+          <a:effectRef idx="0">
+            <a:schemeClr val="accent1"/>
+          </a:effectRef>
+          <a:fontRef idx="minor">
+            <a:schemeClr val="lt1"/>
+          </a:fontRef>
+        </p:style>
+        <p:txBody>
+          <a:bodyPr rtlCol="0" anchor="ctr"/>
+          <a:lstStyle/>
+          <a:p>
+            <a:pPr algn="ctr"/>
+            <a:endParaRPr lang="pt-BR"/>
+          </a:p>
+        </p:txBody>
+      </p:sp>
+      <p:sp>
+        <p:nvSpPr>
+          <p:cNvPr id="19" name="Retângulo 18">
+            <a:extLst>
+              <a:ext uri="{FF2B5EF4-FFF2-40B4-BE49-F238E27FC236}">
+                <a16:creationId xmlns:a16="http://schemas.microsoft.com/office/drawing/2014/main" id="{233846BD-32E7-4324-ADF6-449F12B78362}"/>
               </a:ext>
             </a:extLst>
           </p:cNvPr>
@@ -6763,10 +6734,10 @@
       </p:sp>
       <p:pic>
         <p:nvPicPr>
-          <p:cNvPr id="3" name="Imagem 2">
-            <a:extLst>
-              <a:ext uri="{FF2B5EF4-FFF2-40B4-BE49-F238E27FC236}">
-                <a16:creationId xmlns:a16="http://schemas.microsoft.com/office/drawing/2014/main" id="{4BD1389E-B67A-4C90-B26E-6DBF2E897F6D}"/>
+          <p:cNvPr id="4" name="Imagem 3">
+            <a:extLst>
+              <a:ext uri="{FF2B5EF4-FFF2-40B4-BE49-F238E27FC236}">
+                <a16:creationId xmlns:a16="http://schemas.microsoft.com/office/drawing/2014/main" id="{AAFFB090-0801-43D0-93D1-7A5BEEAED204}"/>
               </a:ext>
             </a:extLst>
           </p:cNvPr>
@@ -6783,7 +6754,7 @@
         </p:blipFill>
         <p:spPr>
           <a:xfrm>
-            <a:off x="2359537" y="2876850"/>
+            <a:off x="2363670" y="2875136"/>
             <a:ext cx="9720000" cy="1881294"/>
           </a:xfrm>
           <a:prstGeom prst="rect">
@@ -6796,7 +6767,7 @@
           <p:cNvPr id="2" name="Imagem 1">
             <a:extLst>
               <a:ext uri="{FF2B5EF4-FFF2-40B4-BE49-F238E27FC236}">
-                <a16:creationId xmlns:a16="http://schemas.microsoft.com/office/drawing/2014/main" id="{D62A6A17-3CEF-474F-9CAF-91575AABFA27}"/>
+                <a16:creationId xmlns:a16="http://schemas.microsoft.com/office/drawing/2014/main" id="{96BA5C16-362A-4975-B6AD-F0135C69C281}"/>
               </a:ext>
             </a:extLst>
           </p:cNvPr>
@@ -6813,7 +6784,7 @@
         </p:blipFill>
         <p:spPr>
           <a:xfrm>
-            <a:off x="2368067" y="6155636"/>
+            <a:off x="2363800" y="6157473"/>
             <a:ext cx="9720000" cy="813301"/>
           </a:xfrm>
           <a:prstGeom prst="rect">
@@ -6823,10 +6794,10 @@
       </p:pic>
       <p:pic>
         <p:nvPicPr>
-          <p:cNvPr id="4" name="Imagem 3">
-            <a:extLst>
-              <a:ext uri="{FF2B5EF4-FFF2-40B4-BE49-F238E27FC236}">
-                <a16:creationId xmlns:a16="http://schemas.microsoft.com/office/drawing/2014/main" id="{0CFE539A-045B-4250-BE07-22DB68540418}"/>
+          <p:cNvPr id="3" name="Imagem 2">
+            <a:extLst>
+              <a:ext uri="{FF2B5EF4-FFF2-40B4-BE49-F238E27FC236}">
+                <a16:creationId xmlns:a16="http://schemas.microsoft.com/office/drawing/2014/main" id="{9B36036B-588D-4033-9D24-7CAD324A1C43}"/>
               </a:ext>
             </a:extLst>
           </p:cNvPr>
@@ -6843,7 +6814,7 @@
         </p:blipFill>
         <p:spPr>
           <a:xfrm>
-            <a:off x="2351953" y="9040952"/>
+            <a:off x="2356874" y="9033548"/>
             <a:ext cx="9720000" cy="813301"/>
           </a:xfrm>
           <a:prstGeom prst="rect">
@@ -6854,7 +6825,7 @@
     </p:spTree>
     <p:extLst>
       <p:ext uri="{BB962C8B-B14F-4D97-AF65-F5344CB8AC3E}">
-        <p14:creationId xmlns:p14="http://schemas.microsoft.com/office/powerpoint/2010/main" val="2723939736"/>
+        <p14:creationId xmlns:p14="http://schemas.microsoft.com/office/powerpoint/2010/main" val="3809854354"/>
       </p:ext>
     </p:extLst>
   </p:cSld>
@@ -6897,7 +6868,7 @@
                 <a16:creationId xmlns:a16="http://schemas.microsoft.com/office/drawing/2014/main" id="{0BABF38A-8A0D-492E-BD20-6CF4D46B50BD}"/>
               </a:ext>
               <a:ext uri="{C183D7F6-B498-43B3-948B-1728B52AA6E4}">
-                <adec:decorative xmlns="" xmlns:adec="http://schemas.microsoft.com/office/drawing/2017/decorative" val="1"/>
+                <adec:decorative xmlns:adec="http://schemas.microsoft.com/office/drawing/2017/decorative" val="1"/>
               </a:ext>
             </a:extLst>
           </p:cNvPr>
@@ -6973,7 +6944,7 @@
                 <a16:creationId xmlns:a16="http://schemas.microsoft.com/office/drawing/2014/main" id="{BC526B7A-4801-4FD1-95C8-03AF22629E87}"/>
               </a:ext>
               <a:ext uri="{C183D7F6-B498-43B3-948B-1728B52AA6E4}">
-                <adec:decorative xmlns="" xmlns:adec="http://schemas.microsoft.com/office/drawing/2017/decorative" val="1"/>
+                <adec:decorative xmlns:adec="http://schemas.microsoft.com/office/drawing/2017/decorative" val="1"/>
               </a:ext>
             </a:extLst>
           </p:cNvPr>
@@ -7019,7 +6990,7 @@
                 <a16:creationId xmlns:a16="http://schemas.microsoft.com/office/drawing/2014/main" id="{37FDDF72-DE39-4F99-A3C1-DD9D7815D7DB}"/>
               </a:ext>
               <a:ext uri="{C183D7F6-B498-43B3-948B-1728B52AA6E4}">
-                <adec:decorative xmlns="" xmlns:adec="http://schemas.microsoft.com/office/drawing/2017/decorative" val="1"/>
+                <adec:decorative xmlns:adec="http://schemas.microsoft.com/office/drawing/2017/decorative" val="1"/>
               </a:ext>
             </a:extLst>
           </p:cNvPr>
@@ -7089,7 +7060,879 @@
                 <a16:creationId xmlns:a16="http://schemas.microsoft.com/office/drawing/2014/main" id="{5E4ECE80-3AD1-450C-B62A-98788F193948}"/>
               </a:ext>
               <a:ext uri="{C183D7F6-B498-43B3-948B-1728B52AA6E4}">
-                <adec:decorative xmlns="" xmlns:adec="http://schemas.microsoft.com/office/drawing/2017/decorative" val="1"/>
+                <adec:decorative xmlns:adec="http://schemas.microsoft.com/office/drawing/2017/decorative" val="1"/>
+              </a:ext>
+            </a:extLst>
+          </p:cNvPr>
+          <p:cNvSpPr>
+            <a:spLocks noGrp="1" noRot="1" noChangeAspect="1" noMove="1" noResize="1" noEditPoints="1" noAdjustHandles="1" noChangeArrowheads="1" noChangeShapeType="1" noTextEdit="1"/>
+          </p:cNvSpPr>
+          <p:nvPr>
+            <p:extLst>
+              <p:ext uri="{386F3935-93C4-4BCD-93E2-E3B085C9AB24}">
+                <p16:designElem xmlns:p16="http://schemas.microsoft.com/office/powerpoint/2015/main" val="1"/>
+              </p:ext>
+            </p:extLst>
+          </p:nvPr>
+        </p:nvSpPr>
+        <p:spPr>
+          <a:xfrm>
+            <a:off x="3149972" y="3121681"/>
+            <a:ext cx="8100269" cy="4556401"/>
+          </a:xfrm>
+          <a:prstGeom prst="rect">
+            <a:avLst/>
+          </a:prstGeom>
+          <a:solidFill>
+            <a:srgbClr val="000000"/>
+          </a:solidFill>
+          <a:ln>
+            <a:noFill/>
+          </a:ln>
+        </p:spPr>
+        <p:style>
+          <a:lnRef idx="2">
+            <a:schemeClr val="accent1">
+              <a:shade val="50000"/>
+            </a:schemeClr>
+          </a:lnRef>
+          <a:fillRef idx="1">
+            <a:schemeClr val="accent1"/>
+          </a:fillRef>
+          <a:effectRef idx="0">
+            <a:schemeClr val="accent1"/>
+          </a:effectRef>
+          <a:fontRef idx="minor">
+            <a:schemeClr val="lt1"/>
+          </a:fontRef>
+        </p:style>
+        <p:txBody>
+          <a:bodyPr rtlCol="0" anchor="ctr"/>
+          <a:lstStyle/>
+          <a:p>
+            <a:pPr algn="ctr">
+              <a:defRPr/>
+            </a:pPr>
+            <a:endParaRPr lang="en-US" sz="1196" dirty="0">
+              <a:solidFill>
+                <a:prstClr val="black">
+                  <a:lumMod val="65000"/>
+                  <a:lumOff val="35000"/>
+                </a:prstClr>
+              </a:solidFill>
+              <a:latin typeface="AvenirNext LT Pro Medium" panose="020B0504020202020204" pitchFamily="34" charset="0"/>
+            </a:endParaRPr>
+          </a:p>
+        </p:txBody>
+      </p:sp>
+      <p:pic>
+        <p:nvPicPr>
+          <p:cNvPr id="5" name="Imagem 4">
+            <a:extLst>
+              <a:ext uri="{FF2B5EF4-FFF2-40B4-BE49-F238E27FC236}">
+                <a16:creationId xmlns:a16="http://schemas.microsoft.com/office/drawing/2014/main" id="{F1433EF1-FB6D-4913-96C9-08F0B1B3CA7A}"/>
+              </a:ext>
+            </a:extLst>
+          </p:cNvPr>
+          <p:cNvPicPr>
+            <a:picLocks noChangeAspect="1"/>
+          </p:cNvPicPr>
+          <p:nvPr/>
+        </p:nvPicPr>
+        <p:blipFill rotWithShape="1">
+          <a:blip r:embed="rId3">
+            <a:alphaModFix/>
+            <a:extLst>
+              <a:ext uri="{28A0092B-C50C-407E-A947-70E740481C1C}">
+                <a14:useLocalDpi xmlns:a14="http://schemas.microsoft.com/office/drawing/2010/main" val="0"/>
+              </a:ext>
+            </a:extLst>
+          </a:blip>
+          <a:srcRect l="5233" t="-2125" r="6244" b="-538"/>
+          <a:stretch/>
+        </p:blipFill>
+        <p:spPr>
+          <a:xfrm>
+            <a:off x="-1" y="-248909"/>
+            <a:ext cx="14400213" cy="11147555"/>
+          </a:xfrm>
+          <a:prstGeom prst="rect">
+            <a:avLst/>
+          </a:prstGeom>
+        </p:spPr>
+      </p:pic>
+      <p:sp>
+        <p:nvSpPr>
+          <p:cNvPr id="50" name="Retângulo 49">
+            <a:extLst>
+              <a:ext uri="{FF2B5EF4-FFF2-40B4-BE49-F238E27FC236}">
+                <a16:creationId xmlns:a16="http://schemas.microsoft.com/office/drawing/2014/main" id="{50614AED-75DE-4550-9029-54313F89BD12}"/>
+              </a:ext>
+            </a:extLst>
+          </p:cNvPr>
+          <p:cNvSpPr/>
+          <p:nvPr/>
+        </p:nvSpPr>
+        <p:spPr>
+          <a:xfrm>
+            <a:off x="3186646" y="311571"/>
+            <a:ext cx="8052791" cy="992583"/>
+          </a:xfrm>
+          <a:prstGeom prst="rect">
+            <a:avLst/>
+          </a:prstGeom>
+          <a:noFill/>
+        </p:spPr>
+        <p:txBody>
+          <a:bodyPr wrap="square" lIns="68584" tIns="34292" rIns="68584" bIns="34292">
+            <a:spAutoFit/>
+          </a:bodyPr>
+          <a:lstStyle/>
+          <a:p>
+            <a:pPr algn="ctr"/>
+            <a:r>
+              <a:rPr lang="pt-BR" sz="6000" dirty="0">
+                <a:ln w="38100">
+                  <a:solidFill>
+                    <a:schemeClr val="bg1"/>
+                  </a:solidFill>
+                </a:ln>
+                <a:solidFill>
+                  <a:srgbClr val="00B050"/>
+                </a:solidFill>
+                <a:effectLst>
+                  <a:outerShdw blurRad="38100" dist="19050" dir="2700000" algn="tl" rotWithShape="0">
+                    <a:schemeClr val="dk1">
+                      <a:alpha val="40000"/>
+                    </a:schemeClr>
+                  </a:outerShdw>
+                </a:effectLst>
+                <a:latin typeface="Exo 2 Extra Bold" panose="00000900000000000000" pitchFamily="50" charset="0"/>
+              </a:rPr>
+              <a:t>Liga Principal</a:t>
+            </a:r>
+          </a:p>
+        </p:txBody>
+      </p:sp>
+      <p:sp>
+        <p:nvSpPr>
+          <p:cNvPr id="53" name="Retângulo 52">
+            <a:extLst>
+              <a:ext uri="{FF2B5EF4-FFF2-40B4-BE49-F238E27FC236}">
+                <a16:creationId xmlns:a16="http://schemas.microsoft.com/office/drawing/2014/main" id="{F101E0BF-8A68-40B9-BC26-35C299182F52}"/>
+              </a:ext>
+            </a:extLst>
+          </p:cNvPr>
+          <p:cNvSpPr/>
+          <p:nvPr/>
+        </p:nvSpPr>
+        <p:spPr>
+          <a:xfrm>
+            <a:off x="336776" y="1104608"/>
+            <a:ext cx="13909452" cy="1177249"/>
+          </a:xfrm>
+          <a:prstGeom prst="rect">
+            <a:avLst/>
+          </a:prstGeom>
+          <a:noFill/>
+        </p:spPr>
+        <p:txBody>
+          <a:bodyPr wrap="square" lIns="68584" tIns="34292" rIns="68584" bIns="34292">
+            <a:spAutoFit/>
+          </a:bodyPr>
+          <a:lstStyle/>
+          <a:p>
+            <a:pPr algn="ctr"/>
+            <a:r>
+              <a:rPr lang="pt-BR" sz="7200" dirty="0">
+                <a:ln w="0">
+                  <a:noFill/>
+                </a:ln>
+                <a:effectLst>
+                  <a:outerShdw blurRad="38100" dist="19050" dir="2700000" algn="tl" rotWithShape="0">
+                    <a:schemeClr val="dk1">
+                      <a:alpha val="40000"/>
+                    </a:schemeClr>
+                  </a:outerShdw>
+                </a:effectLst>
+                <a:latin typeface="Exo 2 Extra Bold" panose="00000900000000000000" pitchFamily="50" charset="0"/>
+              </a:rPr>
+              <a:t>MATA-MATA SÉRIE C 3</a:t>
+            </a:r>
+          </a:p>
+        </p:txBody>
+      </p:sp>
+      <p:pic>
+        <p:nvPicPr>
+          <p:cNvPr id="15" name="Imagem 14">
+            <a:extLst>
+              <a:ext uri="{FF2B5EF4-FFF2-40B4-BE49-F238E27FC236}">
+                <a16:creationId xmlns:a16="http://schemas.microsoft.com/office/drawing/2014/main" id="{780D6AE4-2B31-43CF-8A3B-9ACC73C32FE9}"/>
+              </a:ext>
+            </a:extLst>
+          </p:cNvPr>
+          <p:cNvPicPr>
+            <a:picLocks noChangeAspect="1"/>
+          </p:cNvPicPr>
+          <p:nvPr/>
+        </p:nvPicPr>
+        <p:blipFill>
+          <a:blip r:embed="rId4" cstate="hqprint">
+            <a:extLst>
+              <a:ext uri="{28A0092B-C50C-407E-A947-70E740481C1C}">
+                <a14:useLocalDpi xmlns:a14="http://schemas.microsoft.com/office/drawing/2010/main" val="0"/>
+              </a:ext>
+            </a:extLst>
+          </a:blip>
+          <a:stretch>
+            <a:fillRect/>
+          </a:stretch>
+        </p:blipFill>
+        <p:spPr>
+          <a:xfrm>
+            <a:off x="336776" y="194284"/>
+            <a:ext cx="2059134" cy="2160000"/>
+          </a:xfrm>
+          <a:prstGeom prst="rect">
+            <a:avLst/>
+          </a:prstGeom>
+        </p:spPr>
+      </p:pic>
+      <p:sp>
+        <p:nvSpPr>
+          <p:cNvPr id="10" name="Retângulo 9">
+            <a:extLst>
+              <a:ext uri="{FF2B5EF4-FFF2-40B4-BE49-F238E27FC236}">
+                <a16:creationId xmlns:a16="http://schemas.microsoft.com/office/drawing/2014/main" id="{838BDC98-3287-4575-8574-56F716FB2440}"/>
+              </a:ext>
+            </a:extLst>
+          </p:cNvPr>
+          <p:cNvSpPr/>
+          <p:nvPr/>
+        </p:nvSpPr>
+        <p:spPr>
+          <a:xfrm>
+            <a:off x="1911927" y="2227185"/>
+            <a:ext cx="10476677" cy="2718888"/>
+          </a:xfrm>
+          <a:prstGeom prst="rect">
+            <a:avLst/>
+          </a:prstGeom>
+          <a:solidFill>
+            <a:schemeClr val="tx1">
+              <a:alpha val="81000"/>
+            </a:schemeClr>
+          </a:solidFill>
+        </p:spPr>
+        <p:style>
+          <a:lnRef idx="2">
+            <a:schemeClr val="accent1">
+              <a:shade val="50000"/>
+            </a:schemeClr>
+          </a:lnRef>
+          <a:fillRef idx="1">
+            <a:schemeClr val="accent1"/>
+          </a:fillRef>
+          <a:effectRef idx="0">
+            <a:schemeClr val="accent1"/>
+          </a:effectRef>
+          <a:fontRef idx="minor">
+            <a:schemeClr val="lt1"/>
+          </a:fontRef>
+        </p:style>
+        <p:txBody>
+          <a:bodyPr rtlCol="0" anchor="ctr"/>
+          <a:lstStyle/>
+          <a:p>
+            <a:pPr algn="ctr"/>
+            <a:endParaRPr lang="pt-BR"/>
+          </a:p>
+        </p:txBody>
+      </p:sp>
+      <p:sp>
+        <p:nvSpPr>
+          <p:cNvPr id="21" name="Retângulo 20">
+            <a:extLst>
+              <a:ext uri="{FF2B5EF4-FFF2-40B4-BE49-F238E27FC236}">
+                <a16:creationId xmlns:a16="http://schemas.microsoft.com/office/drawing/2014/main" id="{95EDB8CB-8377-4925-B478-560C3F615037}"/>
+              </a:ext>
+            </a:extLst>
+          </p:cNvPr>
+          <p:cNvSpPr/>
+          <p:nvPr/>
+        </p:nvSpPr>
+        <p:spPr>
+          <a:xfrm>
+            <a:off x="1911927" y="5072033"/>
+            <a:ext cx="10476677" cy="2718888"/>
+          </a:xfrm>
+          <a:prstGeom prst="rect">
+            <a:avLst/>
+          </a:prstGeom>
+          <a:solidFill>
+            <a:schemeClr val="tx1">
+              <a:alpha val="81000"/>
+            </a:schemeClr>
+          </a:solidFill>
+        </p:spPr>
+        <p:style>
+          <a:lnRef idx="2">
+            <a:schemeClr val="accent1">
+              <a:shade val="50000"/>
+            </a:schemeClr>
+          </a:lnRef>
+          <a:fillRef idx="1">
+            <a:schemeClr val="accent1"/>
+          </a:fillRef>
+          <a:effectRef idx="0">
+            <a:schemeClr val="accent1"/>
+          </a:effectRef>
+          <a:fontRef idx="minor">
+            <a:schemeClr val="lt1"/>
+          </a:fontRef>
+        </p:style>
+        <p:txBody>
+          <a:bodyPr rtlCol="0" anchor="ctr"/>
+          <a:lstStyle/>
+          <a:p>
+            <a:pPr algn="ctr"/>
+            <a:endParaRPr lang="pt-BR"/>
+          </a:p>
+        </p:txBody>
+      </p:sp>
+      <p:sp>
+        <p:nvSpPr>
+          <p:cNvPr id="18" name="Retângulo 17">
+            <a:extLst>
+              <a:ext uri="{FF2B5EF4-FFF2-40B4-BE49-F238E27FC236}">
+                <a16:creationId xmlns:a16="http://schemas.microsoft.com/office/drawing/2014/main" id="{3128898C-0A57-4F19-8491-B43E8301569E}"/>
+              </a:ext>
+            </a:extLst>
+          </p:cNvPr>
+          <p:cNvSpPr/>
+          <p:nvPr/>
+        </p:nvSpPr>
+        <p:spPr>
+          <a:xfrm>
+            <a:off x="1918853" y="7946853"/>
+            <a:ext cx="10476677" cy="2718888"/>
+          </a:xfrm>
+          <a:prstGeom prst="rect">
+            <a:avLst/>
+          </a:prstGeom>
+          <a:solidFill>
+            <a:schemeClr val="tx1">
+              <a:alpha val="81000"/>
+            </a:schemeClr>
+          </a:solidFill>
+        </p:spPr>
+        <p:style>
+          <a:lnRef idx="2">
+            <a:schemeClr val="accent1">
+              <a:shade val="50000"/>
+            </a:schemeClr>
+          </a:lnRef>
+          <a:fillRef idx="1">
+            <a:schemeClr val="accent1"/>
+          </a:fillRef>
+          <a:effectRef idx="0">
+            <a:schemeClr val="accent1"/>
+          </a:effectRef>
+          <a:fontRef idx="minor">
+            <a:schemeClr val="lt1"/>
+          </a:fontRef>
+        </p:style>
+        <p:txBody>
+          <a:bodyPr rtlCol="0" anchor="ctr"/>
+          <a:lstStyle/>
+          <a:p>
+            <a:pPr algn="ctr"/>
+            <a:endParaRPr lang="pt-BR"/>
+          </a:p>
+        </p:txBody>
+      </p:sp>
+      <p:sp>
+        <p:nvSpPr>
+          <p:cNvPr id="25" name="Retângulo 24">
+            <a:extLst>
+              <a:ext uri="{FF2B5EF4-FFF2-40B4-BE49-F238E27FC236}">
+                <a16:creationId xmlns:a16="http://schemas.microsoft.com/office/drawing/2014/main" id="{A09E16B2-7C74-4C13-9219-0E6412B9F44B}"/>
+              </a:ext>
+            </a:extLst>
+          </p:cNvPr>
+          <p:cNvSpPr/>
+          <p:nvPr/>
+        </p:nvSpPr>
+        <p:spPr>
+          <a:xfrm>
+            <a:off x="5308448" y="2179089"/>
+            <a:ext cx="3789504" cy="684807"/>
+          </a:xfrm>
+          <a:prstGeom prst="rect">
+            <a:avLst/>
+          </a:prstGeom>
+          <a:noFill/>
+        </p:spPr>
+        <p:txBody>
+          <a:bodyPr wrap="square" lIns="68584" tIns="34292" rIns="68584" bIns="34292">
+            <a:spAutoFit/>
+          </a:bodyPr>
+          <a:lstStyle/>
+          <a:p>
+            <a:pPr algn="ctr"/>
+            <a:r>
+              <a:rPr lang="pt-BR" sz="4000" dirty="0">
+                <a:ln w="0">
+                  <a:noFill/>
+                </a:ln>
+                <a:solidFill>
+                  <a:srgbClr val="0070C0"/>
+                </a:solidFill>
+                <a:effectLst>
+                  <a:outerShdw blurRad="38100" dist="19050" dir="2700000" algn="tl" rotWithShape="0">
+                    <a:schemeClr val="dk1">
+                      <a:alpha val="40000"/>
+                    </a:schemeClr>
+                  </a:outerShdw>
+                </a:effectLst>
+                <a:latin typeface="Exo 2 Extra Bold" panose="00000900000000000000" pitchFamily="50" charset="0"/>
+              </a:rPr>
+              <a:t>Semifinal</a:t>
+            </a:r>
+          </a:p>
+        </p:txBody>
+      </p:sp>
+      <p:sp>
+        <p:nvSpPr>
+          <p:cNvPr id="26" name="Retângulo 25">
+            <a:extLst>
+              <a:ext uri="{FF2B5EF4-FFF2-40B4-BE49-F238E27FC236}">
+                <a16:creationId xmlns:a16="http://schemas.microsoft.com/office/drawing/2014/main" id="{836C358E-4A49-45F6-A3E5-A798F09F5911}"/>
+              </a:ext>
+            </a:extLst>
+          </p:cNvPr>
+          <p:cNvSpPr/>
+          <p:nvPr/>
+        </p:nvSpPr>
+        <p:spPr>
+          <a:xfrm>
+            <a:off x="5321993" y="5022489"/>
+            <a:ext cx="3789503" cy="684807"/>
+          </a:xfrm>
+          <a:prstGeom prst="rect">
+            <a:avLst/>
+          </a:prstGeom>
+          <a:noFill/>
+        </p:spPr>
+        <p:txBody>
+          <a:bodyPr wrap="square" lIns="68584" tIns="34292" rIns="68584" bIns="34292">
+            <a:spAutoFit/>
+          </a:bodyPr>
+          <a:lstStyle/>
+          <a:p>
+            <a:pPr algn="ctr"/>
+            <a:r>
+              <a:rPr lang="pt-BR" sz="4000" dirty="0">
+                <a:ln w="0">
+                  <a:noFill/>
+                </a:ln>
+                <a:solidFill>
+                  <a:srgbClr val="0070C0"/>
+                </a:solidFill>
+                <a:effectLst>
+                  <a:outerShdw blurRad="38100" dist="19050" dir="2700000" algn="tl" rotWithShape="0">
+                    <a:schemeClr val="dk1">
+                      <a:alpha val="40000"/>
+                    </a:schemeClr>
+                  </a:outerShdw>
+                </a:effectLst>
+                <a:latin typeface="Exo 2 Extra Bold" panose="00000900000000000000" pitchFamily="50" charset="0"/>
+              </a:rPr>
+              <a:t>Campeão</a:t>
+            </a:r>
+          </a:p>
+        </p:txBody>
+      </p:sp>
+      <p:sp>
+        <p:nvSpPr>
+          <p:cNvPr id="27" name="Retângulo 26">
+            <a:extLst>
+              <a:ext uri="{FF2B5EF4-FFF2-40B4-BE49-F238E27FC236}">
+                <a16:creationId xmlns:a16="http://schemas.microsoft.com/office/drawing/2014/main" id="{4AC9D068-7C16-464F-89BF-6D23B2411B38}"/>
+              </a:ext>
+            </a:extLst>
+          </p:cNvPr>
+          <p:cNvSpPr/>
+          <p:nvPr/>
+        </p:nvSpPr>
+        <p:spPr>
+          <a:xfrm>
+            <a:off x="5328919" y="7897309"/>
+            <a:ext cx="3789503" cy="684807"/>
+          </a:xfrm>
+          <a:prstGeom prst="rect">
+            <a:avLst/>
+          </a:prstGeom>
+          <a:noFill/>
+        </p:spPr>
+        <p:txBody>
+          <a:bodyPr wrap="square" lIns="68584" tIns="34292" rIns="68584" bIns="34292">
+            <a:spAutoFit/>
+          </a:bodyPr>
+          <a:lstStyle/>
+          <a:p>
+            <a:pPr algn="ctr"/>
+            <a:r>
+              <a:rPr lang="pt-BR" sz="4000" dirty="0">
+                <a:ln w="0">
+                  <a:noFill/>
+                </a:ln>
+                <a:solidFill>
+                  <a:srgbClr val="0070C0"/>
+                </a:solidFill>
+                <a:effectLst>
+                  <a:outerShdw blurRad="38100" dist="19050" dir="2700000" algn="tl" rotWithShape="0">
+                    <a:schemeClr val="dk1">
+                      <a:alpha val="40000"/>
+                    </a:schemeClr>
+                  </a:outerShdw>
+                </a:effectLst>
+                <a:latin typeface="Exo 2 Extra Bold" panose="00000900000000000000" pitchFamily="50" charset="0"/>
+              </a:rPr>
+              <a:t>3º Lugar</a:t>
+            </a:r>
+          </a:p>
+        </p:txBody>
+      </p:sp>
+      <p:pic>
+        <p:nvPicPr>
+          <p:cNvPr id="3" name="Imagem 2">
+            <a:extLst>
+              <a:ext uri="{FF2B5EF4-FFF2-40B4-BE49-F238E27FC236}">
+                <a16:creationId xmlns:a16="http://schemas.microsoft.com/office/drawing/2014/main" id="{4BD1389E-B67A-4C90-B26E-6DBF2E897F6D}"/>
+              </a:ext>
+            </a:extLst>
+          </p:cNvPr>
+          <p:cNvPicPr>
+            <a:picLocks noChangeAspect="1"/>
+          </p:cNvPicPr>
+          <p:nvPr/>
+        </p:nvPicPr>
+        <p:blipFill>
+          <a:blip r:embed="rId5"/>
+          <a:stretch>
+            <a:fillRect/>
+          </a:stretch>
+        </p:blipFill>
+        <p:spPr>
+          <a:xfrm>
+            <a:off x="2359537" y="2876850"/>
+            <a:ext cx="9720000" cy="1881294"/>
+          </a:xfrm>
+          <a:prstGeom prst="rect">
+            <a:avLst/>
+          </a:prstGeom>
+        </p:spPr>
+      </p:pic>
+      <p:pic>
+        <p:nvPicPr>
+          <p:cNvPr id="2" name="Imagem 1">
+            <a:extLst>
+              <a:ext uri="{FF2B5EF4-FFF2-40B4-BE49-F238E27FC236}">
+                <a16:creationId xmlns:a16="http://schemas.microsoft.com/office/drawing/2014/main" id="{D62A6A17-3CEF-474F-9CAF-91575AABFA27}"/>
+              </a:ext>
+            </a:extLst>
+          </p:cNvPr>
+          <p:cNvPicPr>
+            <a:picLocks noChangeAspect="1"/>
+          </p:cNvPicPr>
+          <p:nvPr/>
+        </p:nvPicPr>
+        <p:blipFill>
+          <a:blip r:embed="rId6"/>
+          <a:stretch>
+            <a:fillRect/>
+          </a:stretch>
+        </p:blipFill>
+        <p:spPr>
+          <a:xfrm>
+            <a:off x="2368067" y="6155636"/>
+            <a:ext cx="9720000" cy="813301"/>
+          </a:xfrm>
+          <a:prstGeom prst="rect">
+            <a:avLst/>
+          </a:prstGeom>
+        </p:spPr>
+      </p:pic>
+      <p:pic>
+        <p:nvPicPr>
+          <p:cNvPr id="4" name="Imagem 3">
+            <a:extLst>
+              <a:ext uri="{FF2B5EF4-FFF2-40B4-BE49-F238E27FC236}">
+                <a16:creationId xmlns:a16="http://schemas.microsoft.com/office/drawing/2014/main" id="{0CFE539A-045B-4250-BE07-22DB68540418}"/>
+              </a:ext>
+            </a:extLst>
+          </p:cNvPr>
+          <p:cNvPicPr>
+            <a:picLocks noChangeAspect="1"/>
+          </p:cNvPicPr>
+          <p:nvPr/>
+        </p:nvPicPr>
+        <p:blipFill>
+          <a:blip r:embed="rId7"/>
+          <a:stretch>
+            <a:fillRect/>
+          </a:stretch>
+        </p:blipFill>
+        <p:spPr>
+          <a:xfrm>
+            <a:off x="2351953" y="9040952"/>
+            <a:ext cx="9720000" cy="813301"/>
+          </a:xfrm>
+          <a:prstGeom prst="rect">
+            <a:avLst/>
+          </a:prstGeom>
+        </p:spPr>
+      </p:pic>
+    </p:spTree>
+    <p:extLst>
+      <p:ext uri="{BB962C8B-B14F-4D97-AF65-F5344CB8AC3E}">
+        <p14:creationId xmlns:p14="http://schemas.microsoft.com/office/powerpoint/2010/main" val="2723939736"/>
+      </p:ext>
+    </p:extLst>
+  </p:cSld>
+  <p:clrMapOvr>
+    <a:masterClrMapping/>
+  </p:clrMapOvr>
+</p:sld>
+</file>
+
+<file path=ppt/slides/slide14.xml><?xml version="1.0" encoding="utf-8"?>
+<p:sld xmlns:a="http://schemas.openxmlformats.org/drawingml/2006/main" xmlns:r="http://schemas.openxmlformats.org/officeDocument/2006/relationships" xmlns:p="http://schemas.openxmlformats.org/presentationml/2006/main">
+  <p:cSld>
+    <p:bg>
+      <p:bgPr>
+        <a:solidFill>
+          <a:schemeClr val="bg1"/>
+        </a:solidFill>
+        <a:effectLst/>
+      </p:bgPr>
+    </p:bg>
+    <p:spTree>
+      <p:nvGrpSpPr>
+        <p:cNvPr id="1" name=""/>
+        <p:cNvGrpSpPr/>
+        <p:nvPr/>
+      </p:nvGrpSpPr>
+      <p:grpSpPr>
+        <a:xfrm>
+          <a:off x="0" y="0"/>
+          <a:ext cx="0" cy="0"/>
+          <a:chOff x="0" y="0"/>
+          <a:chExt cx="0" cy="0"/>
+        </a:xfrm>
+      </p:grpSpPr>
+      <p:sp>
+        <p:nvSpPr>
+          <p:cNvPr id="13" name="Rectangle 9">
+            <a:extLst>
+              <a:ext uri="{FF2B5EF4-FFF2-40B4-BE49-F238E27FC236}">
+                <a16:creationId xmlns:a16="http://schemas.microsoft.com/office/drawing/2014/main" id="{0BABF38A-8A0D-492E-BD20-6CF4D46B50BD}"/>
+              </a:ext>
+              <a:ext uri="{C183D7F6-B498-43B3-948B-1728B52AA6E4}">
+                <adec:decorative xmlns:adec="http://schemas.microsoft.com/office/drawing/2017/decorative" val="1"/>
+              </a:ext>
+            </a:extLst>
+          </p:cNvPr>
+          <p:cNvSpPr>
+            <a:spLocks noGrp="1" noRot="1" noChangeAspect="1" noMove="1" noResize="1" noEditPoints="1" noAdjustHandles="1" noChangeArrowheads="1" noChangeShapeType="1" noTextEdit="1"/>
+          </p:cNvSpPr>
+          <p:nvPr>
+            <p:extLst>
+              <p:ext uri="{386F3935-93C4-4BCD-93E2-E3B085C9AB24}">
+                <p16:designElem xmlns:p16="http://schemas.microsoft.com/office/powerpoint/2015/main" val="1"/>
+              </p:ext>
+            </p:extLst>
+          </p:nvPr>
+        </p:nvSpPr>
+        <p:spPr>
+          <a:xfrm>
+            <a:off x="3149972" y="3121681"/>
+            <a:ext cx="8100269" cy="4556404"/>
+          </a:xfrm>
+          <a:prstGeom prst="rect">
+            <a:avLst/>
+          </a:prstGeom>
+          <a:solidFill>
+            <a:schemeClr val="bg2">
+              <a:lumMod val="90000"/>
+              <a:alpha val="70000"/>
+            </a:schemeClr>
+          </a:solidFill>
+          <a:ln>
+            <a:noFill/>
+          </a:ln>
+        </p:spPr>
+        <p:style>
+          <a:lnRef idx="2">
+            <a:schemeClr val="accent1">
+              <a:shade val="50000"/>
+            </a:schemeClr>
+          </a:lnRef>
+          <a:fillRef idx="1">
+            <a:schemeClr val="accent1"/>
+          </a:fillRef>
+          <a:effectRef idx="0">
+            <a:schemeClr val="accent1"/>
+          </a:effectRef>
+          <a:fontRef idx="minor">
+            <a:schemeClr val="lt1"/>
+          </a:fontRef>
+        </p:style>
+        <p:txBody>
+          <a:bodyPr rtlCol="0" anchor="ctr"/>
+          <a:lstStyle/>
+          <a:p>
+            <a:pPr algn="ctr">
+              <a:defRPr/>
+            </a:pPr>
+            <a:endParaRPr lang="en-US" sz="1196" dirty="0">
+              <a:solidFill>
+                <a:prstClr val="black">
+                  <a:lumMod val="65000"/>
+                  <a:lumOff val="35000"/>
+                </a:prstClr>
+              </a:solidFill>
+              <a:latin typeface="AvenirNext LT Pro Medium" panose="020B0504020202020204" pitchFamily="34" charset="0"/>
+            </a:endParaRPr>
+          </a:p>
+        </p:txBody>
+      </p:sp>
+      <p:pic>
+        <p:nvPicPr>
+          <p:cNvPr id="12" name="Picture 11">
+            <a:extLst>
+              <a:ext uri="{FF2B5EF4-FFF2-40B4-BE49-F238E27FC236}">
+                <a16:creationId xmlns:a16="http://schemas.microsoft.com/office/drawing/2014/main" id="{BC526B7A-4801-4FD1-95C8-03AF22629E87}"/>
+              </a:ext>
+              <a:ext uri="{C183D7F6-B498-43B3-948B-1728B52AA6E4}">
+                <adec:decorative xmlns:adec="http://schemas.microsoft.com/office/drawing/2017/decorative" val="1"/>
+              </a:ext>
+            </a:extLst>
+          </p:cNvPr>
+          <p:cNvPicPr>
+            <a:picLocks noGrp="1" noRot="1" noChangeAspect="1" noMove="1" noResize="1" noEditPoints="1" noAdjustHandles="1" noChangeArrowheads="1" noChangeShapeType="1" noCrop="1"/>
+          </p:cNvPicPr>
+          <p:nvPr>
+            <p:extLst>
+              <p:ext uri="{386F3935-93C4-4BCD-93E2-E3B085C9AB24}">
+                <p16:designElem xmlns:p16="http://schemas.microsoft.com/office/powerpoint/2015/main" val="1"/>
+              </p:ext>
+            </p:extLst>
+          </p:nvPr>
+        </p:nvPicPr>
+        <p:blipFill>
+          <a:blip r:embed="rId2">
+            <a:alphaModFix amt="10000"/>
+            <a:extLst>
+              <a:ext uri="{28A0092B-C50C-407E-A947-70E740481C1C}">
+                <a14:useLocalDpi xmlns:a14="http://schemas.microsoft.com/office/drawing/2010/main" val="0"/>
+              </a:ext>
+            </a:extLst>
+          </a:blip>
+          <a:stretch>
+            <a:fillRect/>
+          </a:stretch>
+        </p:blipFill>
+        <p:spPr>
+          <a:xfrm>
+            <a:off x="8820159" y="3121682"/>
+            <a:ext cx="2428095" cy="3039825"/>
+          </a:xfrm>
+          <a:prstGeom prst="rect">
+            <a:avLst/>
+          </a:prstGeom>
+        </p:spPr>
+      </p:pic>
+      <p:sp useBgFill="1">
+        <p:nvSpPr>
+          <p:cNvPr id="14" name="Rectangle 13">
+            <a:extLst>
+              <a:ext uri="{FF2B5EF4-FFF2-40B4-BE49-F238E27FC236}">
+                <a16:creationId xmlns:a16="http://schemas.microsoft.com/office/drawing/2014/main" id="{37FDDF72-DE39-4F99-A3C1-DD9D7815D7DB}"/>
+              </a:ext>
+              <a:ext uri="{C183D7F6-B498-43B3-948B-1728B52AA6E4}">
+                <adec:decorative xmlns:adec="http://schemas.microsoft.com/office/drawing/2017/decorative" val="1"/>
+              </a:ext>
+            </a:extLst>
+          </p:cNvPr>
+          <p:cNvSpPr>
+            <a:spLocks noGrp="1" noRot="1" noChangeAspect="1" noMove="1" noResize="1" noEditPoints="1" noAdjustHandles="1" noChangeArrowheads="1" noChangeShapeType="1" noTextEdit="1"/>
+          </p:cNvSpPr>
+          <p:nvPr>
+            <p:extLst>
+              <p:ext uri="{386F3935-93C4-4BCD-93E2-E3B085C9AB24}">
+                <p16:designElem xmlns:p16="http://schemas.microsoft.com/office/powerpoint/2015/main" val="1"/>
+              </p:ext>
+            </p:extLst>
+          </p:nvPr>
+        </p:nvSpPr>
+        <p:spPr>
+          <a:xfrm>
+            <a:off x="3149972" y="3121681"/>
+            <a:ext cx="8100269" cy="4556401"/>
+          </a:xfrm>
+          <a:prstGeom prst="rect">
+            <a:avLst/>
+          </a:prstGeom>
+          <a:ln>
+            <a:noFill/>
+          </a:ln>
+        </p:spPr>
+        <p:style>
+          <a:lnRef idx="2">
+            <a:schemeClr val="accent1">
+              <a:shade val="50000"/>
+            </a:schemeClr>
+          </a:lnRef>
+          <a:fillRef idx="1">
+            <a:schemeClr val="accent1"/>
+          </a:fillRef>
+          <a:effectRef idx="0">
+            <a:schemeClr val="accent1"/>
+          </a:effectRef>
+          <a:fontRef idx="minor">
+            <a:schemeClr val="lt1"/>
+          </a:fontRef>
+        </p:style>
+        <p:txBody>
+          <a:bodyPr rtlCol="0" anchor="ctr"/>
+          <a:lstStyle/>
+          <a:p>
+            <a:pPr algn="ctr">
+              <a:defRPr/>
+            </a:pPr>
+            <a:endParaRPr lang="en-US" sz="1196" dirty="0">
+              <a:solidFill>
+                <a:prstClr val="black">
+                  <a:lumMod val="65000"/>
+                  <a:lumOff val="35000"/>
+                </a:prstClr>
+              </a:solidFill>
+              <a:latin typeface="AvenirNext LT Pro Medium" panose="020B0504020202020204" pitchFamily="34" charset="0"/>
+            </a:endParaRPr>
+          </a:p>
+        </p:txBody>
+      </p:sp>
+      <p:sp>
+        <p:nvSpPr>
+          <p:cNvPr id="16" name="Rectangle 15">
+            <a:extLst>
+              <a:ext uri="{FF2B5EF4-FFF2-40B4-BE49-F238E27FC236}">
+                <a16:creationId xmlns:a16="http://schemas.microsoft.com/office/drawing/2014/main" id="{5E4ECE80-3AD1-450C-B62A-98788F193948}"/>
+              </a:ext>
+              <a:ext uri="{C183D7F6-B498-43B3-948B-1728B52AA6E4}">
+                <adec:decorative xmlns:adec="http://schemas.microsoft.com/office/drawing/2017/decorative" val="1"/>
               </a:ext>
             </a:extLst>
           </p:cNvPr>
@@ -7702,746 +8545,6 @@
 </p:sld>
 </file>
 
-<file path=ppt/slides/slide14.xml><?xml version="1.0" encoding="utf-8"?>
-<p:sld xmlns:a="http://schemas.openxmlformats.org/drawingml/2006/main" xmlns:r="http://schemas.openxmlformats.org/officeDocument/2006/relationships" xmlns:p="http://schemas.openxmlformats.org/presentationml/2006/main">
-  <p:cSld>
-    <p:bg>
-      <p:bgPr>
-        <a:solidFill>
-          <a:schemeClr val="bg1"/>
-        </a:solidFill>
-        <a:effectLst/>
-      </p:bgPr>
-    </p:bg>
-    <p:spTree>
-      <p:nvGrpSpPr>
-        <p:cNvPr id="1" name=""/>
-        <p:cNvGrpSpPr/>
-        <p:nvPr/>
-      </p:nvGrpSpPr>
-      <p:grpSpPr>
-        <a:xfrm>
-          <a:off x="0" y="0"/>
-          <a:ext cx="0" cy="0"/>
-          <a:chOff x="0" y="0"/>
-          <a:chExt cx="0" cy="0"/>
-        </a:xfrm>
-      </p:grpSpPr>
-      <p:sp>
-        <p:nvSpPr>
-          <p:cNvPr id="13" name="Rectangle 9">
-            <a:extLst>
-              <a:ext uri="{FF2B5EF4-FFF2-40B4-BE49-F238E27FC236}">
-                <a16:creationId xmlns:a16="http://schemas.microsoft.com/office/drawing/2014/main" id="{0BABF38A-8A0D-492E-BD20-6CF4D46B50BD}"/>
-              </a:ext>
-              <a:ext uri="{C183D7F6-B498-43B3-948B-1728B52AA6E4}">
-                <adec:decorative xmlns="" xmlns:adec="http://schemas.microsoft.com/office/drawing/2017/decorative" val="1"/>
-              </a:ext>
-            </a:extLst>
-          </p:cNvPr>
-          <p:cNvSpPr>
-            <a:spLocks noGrp="1" noRot="1" noChangeAspect="1" noMove="1" noResize="1" noEditPoints="1" noAdjustHandles="1" noChangeArrowheads="1" noChangeShapeType="1" noTextEdit="1"/>
-          </p:cNvSpPr>
-          <p:nvPr>
-            <p:extLst>
-              <p:ext uri="{386F3935-93C4-4BCD-93E2-E3B085C9AB24}">
-                <p16:designElem xmlns:p16="http://schemas.microsoft.com/office/powerpoint/2015/main" val="1"/>
-              </p:ext>
-            </p:extLst>
-          </p:nvPr>
-        </p:nvSpPr>
-        <p:spPr>
-          <a:xfrm>
-            <a:off x="3149972" y="3121681"/>
-            <a:ext cx="8100269" cy="4556404"/>
-          </a:xfrm>
-          <a:prstGeom prst="rect">
-            <a:avLst/>
-          </a:prstGeom>
-          <a:solidFill>
-            <a:schemeClr val="bg2">
-              <a:lumMod val="90000"/>
-              <a:alpha val="70000"/>
-            </a:schemeClr>
-          </a:solidFill>
-          <a:ln>
-            <a:noFill/>
-          </a:ln>
-        </p:spPr>
-        <p:style>
-          <a:lnRef idx="2">
-            <a:schemeClr val="accent1">
-              <a:shade val="50000"/>
-            </a:schemeClr>
-          </a:lnRef>
-          <a:fillRef idx="1">
-            <a:schemeClr val="accent1"/>
-          </a:fillRef>
-          <a:effectRef idx="0">
-            <a:schemeClr val="accent1"/>
-          </a:effectRef>
-          <a:fontRef idx="minor">
-            <a:schemeClr val="lt1"/>
-          </a:fontRef>
-        </p:style>
-        <p:txBody>
-          <a:bodyPr rtlCol="0" anchor="ctr"/>
-          <a:lstStyle/>
-          <a:p>
-            <a:pPr algn="ctr">
-              <a:defRPr/>
-            </a:pPr>
-            <a:endParaRPr lang="en-US" sz="1196" dirty="0">
-              <a:solidFill>
-                <a:prstClr val="black">
-                  <a:lumMod val="65000"/>
-                  <a:lumOff val="35000"/>
-                </a:prstClr>
-              </a:solidFill>
-              <a:latin typeface="AvenirNext LT Pro Medium" panose="020B0504020202020204" pitchFamily="34" charset="0"/>
-            </a:endParaRPr>
-          </a:p>
-        </p:txBody>
-      </p:sp>
-      <p:pic>
-        <p:nvPicPr>
-          <p:cNvPr id="12" name="Picture 11">
-            <a:extLst>
-              <a:ext uri="{FF2B5EF4-FFF2-40B4-BE49-F238E27FC236}">
-                <a16:creationId xmlns:a16="http://schemas.microsoft.com/office/drawing/2014/main" id="{BC526B7A-4801-4FD1-95C8-03AF22629E87}"/>
-              </a:ext>
-              <a:ext uri="{C183D7F6-B498-43B3-948B-1728B52AA6E4}">
-                <adec:decorative xmlns="" xmlns:adec="http://schemas.microsoft.com/office/drawing/2017/decorative" val="1"/>
-              </a:ext>
-            </a:extLst>
-          </p:cNvPr>
-          <p:cNvPicPr>
-            <a:picLocks noGrp="1" noRot="1" noChangeAspect="1" noMove="1" noResize="1" noEditPoints="1" noAdjustHandles="1" noChangeArrowheads="1" noChangeShapeType="1" noCrop="1"/>
-          </p:cNvPicPr>
-          <p:nvPr>
-            <p:extLst>
-              <p:ext uri="{386F3935-93C4-4BCD-93E2-E3B085C9AB24}">
-                <p16:designElem xmlns:p16="http://schemas.microsoft.com/office/powerpoint/2015/main" val="1"/>
-              </p:ext>
-            </p:extLst>
-          </p:nvPr>
-        </p:nvPicPr>
-        <p:blipFill>
-          <a:blip r:embed="rId2">
-            <a:alphaModFix amt="10000"/>
-            <a:extLst>
-              <a:ext uri="{28A0092B-C50C-407E-A947-70E740481C1C}">
-                <a14:useLocalDpi xmlns:a14="http://schemas.microsoft.com/office/drawing/2010/main" val="0"/>
-              </a:ext>
-            </a:extLst>
-          </a:blip>
-          <a:stretch>
-            <a:fillRect/>
-          </a:stretch>
-        </p:blipFill>
-        <p:spPr>
-          <a:xfrm>
-            <a:off x="8820159" y="3121682"/>
-            <a:ext cx="2428095" cy="3039825"/>
-          </a:xfrm>
-          <a:prstGeom prst="rect">
-            <a:avLst/>
-          </a:prstGeom>
-        </p:spPr>
-      </p:pic>
-      <p:sp useBgFill="1">
-        <p:nvSpPr>
-          <p:cNvPr id="14" name="Rectangle 13">
-            <a:extLst>
-              <a:ext uri="{FF2B5EF4-FFF2-40B4-BE49-F238E27FC236}">
-                <a16:creationId xmlns:a16="http://schemas.microsoft.com/office/drawing/2014/main" id="{37FDDF72-DE39-4F99-A3C1-DD9D7815D7DB}"/>
-              </a:ext>
-              <a:ext uri="{C183D7F6-B498-43B3-948B-1728B52AA6E4}">
-                <adec:decorative xmlns="" xmlns:adec="http://schemas.microsoft.com/office/drawing/2017/decorative" val="1"/>
-              </a:ext>
-            </a:extLst>
-          </p:cNvPr>
-          <p:cNvSpPr>
-            <a:spLocks noGrp="1" noRot="1" noChangeAspect="1" noMove="1" noResize="1" noEditPoints="1" noAdjustHandles="1" noChangeArrowheads="1" noChangeShapeType="1" noTextEdit="1"/>
-          </p:cNvSpPr>
-          <p:nvPr>
-            <p:extLst>
-              <p:ext uri="{386F3935-93C4-4BCD-93E2-E3B085C9AB24}">
-                <p16:designElem xmlns:p16="http://schemas.microsoft.com/office/powerpoint/2015/main" val="1"/>
-              </p:ext>
-            </p:extLst>
-          </p:nvPr>
-        </p:nvSpPr>
-        <p:spPr>
-          <a:xfrm>
-            <a:off x="3149972" y="3121681"/>
-            <a:ext cx="8100269" cy="4556401"/>
-          </a:xfrm>
-          <a:prstGeom prst="rect">
-            <a:avLst/>
-          </a:prstGeom>
-          <a:ln>
-            <a:noFill/>
-          </a:ln>
-        </p:spPr>
-        <p:style>
-          <a:lnRef idx="2">
-            <a:schemeClr val="accent1">
-              <a:shade val="50000"/>
-            </a:schemeClr>
-          </a:lnRef>
-          <a:fillRef idx="1">
-            <a:schemeClr val="accent1"/>
-          </a:fillRef>
-          <a:effectRef idx="0">
-            <a:schemeClr val="accent1"/>
-          </a:effectRef>
-          <a:fontRef idx="minor">
-            <a:schemeClr val="lt1"/>
-          </a:fontRef>
-        </p:style>
-        <p:txBody>
-          <a:bodyPr rtlCol="0" anchor="ctr"/>
-          <a:lstStyle/>
-          <a:p>
-            <a:pPr algn="ctr">
-              <a:defRPr/>
-            </a:pPr>
-            <a:endParaRPr lang="en-US" sz="1196" dirty="0">
-              <a:solidFill>
-                <a:prstClr val="black">
-                  <a:lumMod val="65000"/>
-                  <a:lumOff val="35000"/>
-                </a:prstClr>
-              </a:solidFill>
-              <a:latin typeface="AvenirNext LT Pro Medium" panose="020B0504020202020204" pitchFamily="34" charset="0"/>
-            </a:endParaRPr>
-          </a:p>
-        </p:txBody>
-      </p:sp>
-      <p:sp>
-        <p:nvSpPr>
-          <p:cNvPr id="16" name="Rectangle 15">
-            <a:extLst>
-              <a:ext uri="{FF2B5EF4-FFF2-40B4-BE49-F238E27FC236}">
-                <a16:creationId xmlns:a16="http://schemas.microsoft.com/office/drawing/2014/main" id="{5E4ECE80-3AD1-450C-B62A-98788F193948}"/>
-              </a:ext>
-              <a:ext uri="{C183D7F6-B498-43B3-948B-1728B52AA6E4}">
-                <adec:decorative xmlns="" xmlns:adec="http://schemas.microsoft.com/office/drawing/2017/decorative" val="1"/>
-              </a:ext>
-            </a:extLst>
-          </p:cNvPr>
-          <p:cNvSpPr>
-            <a:spLocks noGrp="1" noRot="1" noChangeAspect="1" noMove="1" noResize="1" noEditPoints="1" noAdjustHandles="1" noChangeArrowheads="1" noChangeShapeType="1" noTextEdit="1"/>
-          </p:cNvSpPr>
-          <p:nvPr>
-            <p:extLst>
-              <p:ext uri="{386F3935-93C4-4BCD-93E2-E3B085C9AB24}">
-                <p16:designElem xmlns:p16="http://schemas.microsoft.com/office/powerpoint/2015/main" val="1"/>
-              </p:ext>
-            </p:extLst>
-          </p:nvPr>
-        </p:nvSpPr>
-        <p:spPr>
-          <a:xfrm>
-            <a:off x="3149972" y="3121681"/>
-            <a:ext cx="8100269" cy="4556401"/>
-          </a:xfrm>
-          <a:prstGeom prst="rect">
-            <a:avLst/>
-          </a:prstGeom>
-          <a:solidFill>
-            <a:srgbClr val="000000"/>
-          </a:solidFill>
-          <a:ln>
-            <a:noFill/>
-          </a:ln>
-        </p:spPr>
-        <p:style>
-          <a:lnRef idx="2">
-            <a:schemeClr val="accent1">
-              <a:shade val="50000"/>
-            </a:schemeClr>
-          </a:lnRef>
-          <a:fillRef idx="1">
-            <a:schemeClr val="accent1"/>
-          </a:fillRef>
-          <a:effectRef idx="0">
-            <a:schemeClr val="accent1"/>
-          </a:effectRef>
-          <a:fontRef idx="minor">
-            <a:schemeClr val="lt1"/>
-          </a:fontRef>
-        </p:style>
-        <p:txBody>
-          <a:bodyPr rtlCol="0" anchor="ctr"/>
-          <a:lstStyle/>
-          <a:p>
-            <a:pPr algn="ctr">
-              <a:defRPr/>
-            </a:pPr>
-            <a:endParaRPr lang="en-US" sz="1196" dirty="0">
-              <a:solidFill>
-                <a:prstClr val="black">
-                  <a:lumMod val="65000"/>
-                  <a:lumOff val="35000"/>
-                </a:prstClr>
-              </a:solidFill>
-              <a:latin typeface="AvenirNext LT Pro Medium" panose="020B0504020202020204" pitchFamily="34" charset="0"/>
-            </a:endParaRPr>
-          </a:p>
-        </p:txBody>
-      </p:sp>
-      <p:pic>
-        <p:nvPicPr>
-          <p:cNvPr id="5" name="Imagem 4">
-            <a:extLst>
-              <a:ext uri="{FF2B5EF4-FFF2-40B4-BE49-F238E27FC236}">
-                <a16:creationId xmlns:a16="http://schemas.microsoft.com/office/drawing/2014/main" id="{F1433EF1-FB6D-4913-96C9-08F0B1B3CA7A}"/>
-              </a:ext>
-            </a:extLst>
-          </p:cNvPr>
-          <p:cNvPicPr>
-            <a:picLocks noChangeAspect="1"/>
-          </p:cNvPicPr>
-          <p:nvPr/>
-        </p:nvPicPr>
-        <p:blipFill rotWithShape="1">
-          <a:blip r:embed="rId3">
-            <a:alphaModFix/>
-            <a:extLst>
-              <a:ext uri="{28A0092B-C50C-407E-A947-70E740481C1C}">
-                <a14:useLocalDpi xmlns:a14="http://schemas.microsoft.com/office/drawing/2010/main" val="0"/>
-              </a:ext>
-            </a:extLst>
-          </a:blip>
-          <a:srcRect l="5233" t="-2125" r="6244" b="-538"/>
-          <a:stretch/>
-        </p:blipFill>
-        <p:spPr>
-          <a:xfrm>
-            <a:off x="-1" y="-248909"/>
-            <a:ext cx="14400213" cy="11147555"/>
-          </a:xfrm>
-          <a:prstGeom prst="rect">
-            <a:avLst/>
-          </a:prstGeom>
-        </p:spPr>
-      </p:pic>
-      <p:sp>
-        <p:nvSpPr>
-          <p:cNvPr id="50" name="Retângulo 49">
-            <a:extLst>
-              <a:ext uri="{FF2B5EF4-FFF2-40B4-BE49-F238E27FC236}">
-                <a16:creationId xmlns:a16="http://schemas.microsoft.com/office/drawing/2014/main" id="{50614AED-75DE-4550-9029-54313F89BD12}"/>
-              </a:ext>
-            </a:extLst>
-          </p:cNvPr>
-          <p:cNvSpPr/>
-          <p:nvPr/>
-        </p:nvSpPr>
-        <p:spPr>
-          <a:xfrm>
-            <a:off x="3186646" y="311571"/>
-            <a:ext cx="8052791" cy="992583"/>
-          </a:xfrm>
-          <a:prstGeom prst="rect">
-            <a:avLst/>
-          </a:prstGeom>
-          <a:noFill/>
-        </p:spPr>
-        <p:txBody>
-          <a:bodyPr wrap="square" lIns="68584" tIns="34292" rIns="68584" bIns="34292">
-            <a:spAutoFit/>
-          </a:bodyPr>
-          <a:lstStyle/>
-          <a:p>
-            <a:pPr algn="ctr"/>
-            <a:r>
-              <a:rPr lang="pt-BR" sz="6000" dirty="0">
-                <a:ln w="38100">
-                  <a:solidFill>
-                    <a:schemeClr val="bg1"/>
-                  </a:solidFill>
-                </a:ln>
-                <a:solidFill>
-                  <a:srgbClr val="00B050"/>
-                </a:solidFill>
-                <a:effectLst>
-                  <a:outerShdw blurRad="38100" dist="19050" dir="2700000" algn="tl" rotWithShape="0">
-                    <a:schemeClr val="dk1">
-                      <a:alpha val="40000"/>
-                    </a:schemeClr>
-                  </a:outerShdw>
-                </a:effectLst>
-                <a:latin typeface="Exo 2 Extra Bold" panose="00000900000000000000" pitchFamily="50" charset="0"/>
-              </a:rPr>
-              <a:t>Liga Principal</a:t>
-            </a:r>
-          </a:p>
-        </p:txBody>
-      </p:sp>
-      <p:sp>
-        <p:nvSpPr>
-          <p:cNvPr id="53" name="Retângulo 52">
-            <a:extLst>
-              <a:ext uri="{FF2B5EF4-FFF2-40B4-BE49-F238E27FC236}">
-                <a16:creationId xmlns:a16="http://schemas.microsoft.com/office/drawing/2014/main" id="{F101E0BF-8A68-40B9-BC26-35C299182F52}"/>
-              </a:ext>
-            </a:extLst>
-          </p:cNvPr>
-          <p:cNvSpPr/>
-          <p:nvPr/>
-        </p:nvSpPr>
-        <p:spPr>
-          <a:xfrm>
-            <a:off x="336776" y="1104608"/>
-            <a:ext cx="13909452" cy="1177249"/>
-          </a:xfrm>
-          <a:prstGeom prst="rect">
-            <a:avLst/>
-          </a:prstGeom>
-          <a:noFill/>
-        </p:spPr>
-        <p:txBody>
-          <a:bodyPr wrap="square" lIns="68584" tIns="34292" rIns="68584" bIns="34292">
-            <a:spAutoFit/>
-          </a:bodyPr>
-          <a:lstStyle/>
-          <a:p>
-            <a:pPr algn="ctr"/>
-            <a:r>
-              <a:rPr lang="pt-BR" sz="7200" dirty="0">
-                <a:ln w="0">
-                  <a:noFill/>
-                </a:ln>
-                <a:effectLst>
-                  <a:outerShdw blurRad="38100" dist="19050" dir="2700000" algn="tl" rotWithShape="0">
-                    <a:schemeClr val="dk1">
-                      <a:alpha val="40000"/>
-                    </a:schemeClr>
-                  </a:outerShdw>
-                </a:effectLst>
-                <a:latin typeface="Exo 2 Extra Bold" panose="00000900000000000000" pitchFamily="50" charset="0"/>
-              </a:rPr>
-              <a:t>MATA-MATA SÉRIE A 3</a:t>
-            </a:r>
-          </a:p>
-        </p:txBody>
-      </p:sp>
-      <p:pic>
-        <p:nvPicPr>
-          <p:cNvPr id="15" name="Imagem 14">
-            <a:extLst>
-              <a:ext uri="{FF2B5EF4-FFF2-40B4-BE49-F238E27FC236}">
-                <a16:creationId xmlns:a16="http://schemas.microsoft.com/office/drawing/2014/main" id="{780D6AE4-2B31-43CF-8A3B-9ACC73C32FE9}"/>
-              </a:ext>
-            </a:extLst>
-          </p:cNvPr>
-          <p:cNvPicPr>
-            <a:picLocks noChangeAspect="1"/>
-          </p:cNvPicPr>
-          <p:nvPr/>
-        </p:nvPicPr>
-        <p:blipFill>
-          <a:blip r:embed="rId4" cstate="hqprint">
-            <a:extLst>
-              <a:ext uri="{28A0092B-C50C-407E-A947-70E740481C1C}">
-                <a14:useLocalDpi xmlns:a14="http://schemas.microsoft.com/office/drawing/2010/main" val="0"/>
-              </a:ext>
-            </a:extLst>
-          </a:blip>
-          <a:stretch>
-            <a:fillRect/>
-          </a:stretch>
-        </p:blipFill>
-        <p:spPr>
-          <a:xfrm>
-            <a:off x="336776" y="194284"/>
-            <a:ext cx="2059134" cy="2160000"/>
-          </a:xfrm>
-          <a:prstGeom prst="rect">
-            <a:avLst/>
-          </a:prstGeom>
-        </p:spPr>
-      </p:pic>
-      <p:sp>
-        <p:nvSpPr>
-          <p:cNvPr id="10" name="Retângulo 9">
-            <a:extLst>
-              <a:ext uri="{FF2B5EF4-FFF2-40B4-BE49-F238E27FC236}">
-                <a16:creationId xmlns:a16="http://schemas.microsoft.com/office/drawing/2014/main" id="{838BDC98-3287-4575-8574-56F716FB2440}"/>
-              </a:ext>
-            </a:extLst>
-          </p:cNvPr>
-          <p:cNvSpPr/>
-          <p:nvPr/>
-        </p:nvSpPr>
-        <p:spPr>
-          <a:xfrm>
-            <a:off x="581891" y="2892935"/>
-            <a:ext cx="13267927" cy="3039825"/>
-          </a:xfrm>
-          <a:prstGeom prst="rect">
-            <a:avLst/>
-          </a:prstGeom>
-          <a:solidFill>
-            <a:schemeClr val="tx1">
-              <a:alpha val="81000"/>
-            </a:schemeClr>
-          </a:solidFill>
-        </p:spPr>
-        <p:style>
-          <a:lnRef idx="2">
-            <a:schemeClr val="accent1">
-              <a:shade val="50000"/>
-            </a:schemeClr>
-          </a:lnRef>
-          <a:fillRef idx="1">
-            <a:schemeClr val="accent1"/>
-          </a:fillRef>
-          <a:effectRef idx="0">
-            <a:schemeClr val="accent1"/>
-          </a:effectRef>
-          <a:fontRef idx="minor">
-            <a:schemeClr val="lt1"/>
-          </a:fontRef>
-        </p:style>
-        <p:txBody>
-          <a:bodyPr rtlCol="0" anchor="ctr"/>
-          <a:lstStyle/>
-          <a:p>
-            <a:pPr algn="ctr"/>
-            <a:endParaRPr lang="pt-BR"/>
-          </a:p>
-        </p:txBody>
-      </p:sp>
-      <p:sp>
-        <p:nvSpPr>
-          <p:cNvPr id="21" name="Retângulo 20">
-            <a:extLst>
-              <a:ext uri="{FF2B5EF4-FFF2-40B4-BE49-F238E27FC236}">
-                <a16:creationId xmlns:a16="http://schemas.microsoft.com/office/drawing/2014/main" id="{95EDB8CB-8377-4925-B478-560C3F615037}"/>
-              </a:ext>
-            </a:extLst>
-          </p:cNvPr>
-          <p:cNvSpPr/>
-          <p:nvPr/>
-        </p:nvSpPr>
-        <p:spPr>
-          <a:xfrm>
-            <a:off x="581891" y="6704292"/>
-            <a:ext cx="13267927" cy="3038400"/>
-          </a:xfrm>
-          <a:prstGeom prst="rect">
-            <a:avLst/>
-          </a:prstGeom>
-          <a:solidFill>
-            <a:schemeClr val="tx1">
-              <a:alpha val="81000"/>
-            </a:schemeClr>
-          </a:solidFill>
-        </p:spPr>
-        <p:style>
-          <a:lnRef idx="2">
-            <a:schemeClr val="accent1">
-              <a:shade val="50000"/>
-            </a:schemeClr>
-          </a:lnRef>
-          <a:fillRef idx="1">
-            <a:schemeClr val="accent1"/>
-          </a:fillRef>
-          <a:effectRef idx="0">
-            <a:schemeClr val="accent1"/>
-          </a:effectRef>
-          <a:fontRef idx="minor">
-            <a:schemeClr val="lt1"/>
-          </a:fontRef>
-        </p:style>
-        <p:txBody>
-          <a:bodyPr rtlCol="0" anchor="ctr"/>
-          <a:lstStyle/>
-          <a:p>
-            <a:pPr algn="ctr"/>
-            <a:endParaRPr lang="pt-BR"/>
-          </a:p>
-        </p:txBody>
-      </p:sp>
-      <p:sp>
-        <p:nvSpPr>
-          <p:cNvPr id="23" name="Retângulo 22">
-            <a:extLst>
-              <a:ext uri="{FF2B5EF4-FFF2-40B4-BE49-F238E27FC236}">
-                <a16:creationId xmlns:a16="http://schemas.microsoft.com/office/drawing/2014/main" id="{ED87CD67-A438-4F74-986A-3704AF997953}"/>
-              </a:ext>
-            </a:extLst>
-          </p:cNvPr>
-          <p:cNvSpPr/>
-          <p:nvPr/>
-        </p:nvSpPr>
-        <p:spPr>
-          <a:xfrm>
-            <a:off x="5308448" y="2906454"/>
-            <a:ext cx="3789504" cy="684807"/>
-          </a:xfrm>
-          <a:prstGeom prst="rect">
-            <a:avLst/>
-          </a:prstGeom>
-          <a:noFill/>
-        </p:spPr>
-        <p:txBody>
-          <a:bodyPr wrap="square" lIns="68584" tIns="34292" rIns="68584" bIns="34292">
-            <a:spAutoFit/>
-          </a:bodyPr>
-          <a:lstStyle/>
-          <a:p>
-            <a:pPr algn="ctr"/>
-            <a:r>
-              <a:rPr lang="pt-BR" sz="4000" dirty="0">
-                <a:ln w="0">
-                  <a:noFill/>
-                </a:ln>
-                <a:solidFill>
-                  <a:srgbClr val="0070C0"/>
-                </a:solidFill>
-                <a:effectLst>
-                  <a:outerShdw blurRad="38100" dist="19050" dir="2700000" algn="tl" rotWithShape="0">
-                    <a:schemeClr val="dk1">
-                      <a:alpha val="40000"/>
-                    </a:schemeClr>
-                  </a:outerShdw>
-                </a:effectLst>
-                <a:latin typeface="Exo 2 Extra Bold" panose="00000900000000000000" pitchFamily="50" charset="0"/>
-              </a:rPr>
-              <a:t>Chave 1</a:t>
-            </a:r>
-          </a:p>
-        </p:txBody>
-      </p:sp>
-      <p:sp>
-        <p:nvSpPr>
-          <p:cNvPr id="24" name="Retângulo 23">
-            <a:extLst>
-              <a:ext uri="{FF2B5EF4-FFF2-40B4-BE49-F238E27FC236}">
-                <a16:creationId xmlns:a16="http://schemas.microsoft.com/office/drawing/2014/main" id="{522A4ACC-EC27-4A14-BA66-B0EB03535C7B}"/>
-              </a:ext>
-            </a:extLst>
-          </p:cNvPr>
-          <p:cNvSpPr/>
-          <p:nvPr/>
-        </p:nvSpPr>
-        <p:spPr>
-          <a:xfrm>
-            <a:off x="5321993" y="6726594"/>
-            <a:ext cx="3789503" cy="684807"/>
-          </a:xfrm>
-          <a:prstGeom prst="rect">
-            <a:avLst/>
-          </a:prstGeom>
-          <a:noFill/>
-        </p:spPr>
-        <p:txBody>
-          <a:bodyPr wrap="square" lIns="68584" tIns="34292" rIns="68584" bIns="34292">
-            <a:spAutoFit/>
-          </a:bodyPr>
-          <a:lstStyle/>
-          <a:p>
-            <a:pPr algn="ctr"/>
-            <a:r>
-              <a:rPr lang="pt-BR" sz="4000" dirty="0">
-                <a:ln w="0">
-                  <a:noFill/>
-                </a:ln>
-                <a:solidFill>
-                  <a:srgbClr val="0070C0"/>
-                </a:solidFill>
-                <a:effectLst>
-                  <a:outerShdw blurRad="38100" dist="19050" dir="2700000" algn="tl" rotWithShape="0">
-                    <a:schemeClr val="dk1">
-                      <a:alpha val="40000"/>
-                    </a:schemeClr>
-                  </a:outerShdw>
-                </a:effectLst>
-                <a:latin typeface="Exo 2 Extra Bold" panose="00000900000000000000" pitchFamily="50" charset="0"/>
-              </a:rPr>
-              <a:t>Chave 2</a:t>
-            </a:r>
-          </a:p>
-        </p:txBody>
-      </p:sp>
-      <p:pic>
-        <p:nvPicPr>
-          <p:cNvPr id="4" name="Imagem 3">
-            <a:extLst>
-              <a:ext uri="{FF2B5EF4-FFF2-40B4-BE49-F238E27FC236}">
-                <a16:creationId xmlns:a16="http://schemas.microsoft.com/office/drawing/2014/main" id="{5CF366E0-D2C5-4FCB-A17F-DA976899D5D0}"/>
-              </a:ext>
-            </a:extLst>
-          </p:cNvPr>
-          <p:cNvPicPr>
-            <a:picLocks noChangeAspect="1"/>
-          </p:cNvPicPr>
-          <p:nvPr/>
-        </p:nvPicPr>
-        <p:blipFill>
-          <a:blip r:embed="rId5"/>
-          <a:stretch>
-            <a:fillRect/>
-          </a:stretch>
-        </p:blipFill>
-        <p:spPr>
-          <a:xfrm>
-            <a:off x="930516" y="4017762"/>
-            <a:ext cx="12600000" cy="1054245"/>
-          </a:xfrm>
-          <a:prstGeom prst="rect">
-            <a:avLst/>
-          </a:prstGeom>
-        </p:spPr>
-      </p:pic>
-      <p:pic>
-        <p:nvPicPr>
-          <p:cNvPr id="6" name="Imagem 5">
-            <a:extLst>
-              <a:ext uri="{FF2B5EF4-FFF2-40B4-BE49-F238E27FC236}">
-                <a16:creationId xmlns:a16="http://schemas.microsoft.com/office/drawing/2014/main" id="{CA16256D-0225-495F-B5CC-1A048F9541EA}"/>
-              </a:ext>
-            </a:extLst>
-          </p:cNvPr>
-          <p:cNvPicPr>
-            <a:picLocks noChangeAspect="1"/>
-          </p:cNvPicPr>
-          <p:nvPr/>
-        </p:nvPicPr>
-        <p:blipFill>
-          <a:blip r:embed="rId6"/>
-          <a:stretch>
-            <a:fillRect/>
-          </a:stretch>
-        </p:blipFill>
-        <p:spPr>
-          <a:xfrm>
-            <a:off x="918246" y="7946333"/>
-            <a:ext cx="12600000" cy="1054279"/>
-          </a:xfrm>
-          <a:prstGeom prst="rect">
-            <a:avLst/>
-          </a:prstGeom>
-        </p:spPr>
-      </p:pic>
-    </p:spTree>
-    <p:extLst>
-      <p:ext uri="{BB962C8B-B14F-4D97-AF65-F5344CB8AC3E}">
-        <p14:creationId xmlns:p14="http://schemas.microsoft.com/office/powerpoint/2010/main" val="2200666842"/>
-      </p:ext>
-    </p:extLst>
-  </p:cSld>
-  <p:clrMapOvr>
-    <a:masterClrMapping/>
-  </p:clrMapOvr>
-</p:sld>
-</file>
-
 <file path=ppt/slides/slide15.xml><?xml version="1.0" encoding="utf-8"?>
 <p:sld xmlns:a="http://schemas.openxmlformats.org/drawingml/2006/main" xmlns:r="http://schemas.openxmlformats.org/officeDocument/2006/relationships" xmlns:p="http://schemas.openxmlformats.org/presentationml/2006/main">
   <p:cSld>
@@ -8475,7 +8578,7 @@
                 <a16:creationId xmlns:a16="http://schemas.microsoft.com/office/drawing/2014/main" id="{0BABF38A-8A0D-492E-BD20-6CF4D46B50BD}"/>
               </a:ext>
               <a:ext uri="{C183D7F6-B498-43B3-948B-1728B52AA6E4}">
-                <adec:decorative xmlns="" xmlns:adec="http://schemas.microsoft.com/office/drawing/2017/decorative" val="1"/>
+                <adec:decorative xmlns:adec="http://schemas.microsoft.com/office/drawing/2017/decorative" val="1"/>
               </a:ext>
             </a:extLst>
           </p:cNvPr>
@@ -8551,7 +8654,7 @@
                 <a16:creationId xmlns:a16="http://schemas.microsoft.com/office/drawing/2014/main" id="{BC526B7A-4801-4FD1-95C8-03AF22629E87}"/>
               </a:ext>
               <a:ext uri="{C183D7F6-B498-43B3-948B-1728B52AA6E4}">
-                <adec:decorative xmlns="" xmlns:adec="http://schemas.microsoft.com/office/drawing/2017/decorative" val="1"/>
+                <adec:decorative xmlns:adec="http://schemas.microsoft.com/office/drawing/2017/decorative" val="1"/>
               </a:ext>
             </a:extLst>
           </p:cNvPr>
@@ -8597,7 +8700,7 @@
                 <a16:creationId xmlns:a16="http://schemas.microsoft.com/office/drawing/2014/main" id="{37FDDF72-DE39-4F99-A3C1-DD9D7815D7DB}"/>
               </a:ext>
               <a:ext uri="{C183D7F6-B498-43B3-948B-1728B52AA6E4}">
-                <adec:decorative xmlns="" xmlns:adec="http://schemas.microsoft.com/office/drawing/2017/decorative" val="1"/>
+                <adec:decorative xmlns:adec="http://schemas.microsoft.com/office/drawing/2017/decorative" val="1"/>
               </a:ext>
             </a:extLst>
           </p:cNvPr>
@@ -8667,7 +8770,7 @@
                 <a16:creationId xmlns:a16="http://schemas.microsoft.com/office/drawing/2014/main" id="{5E4ECE80-3AD1-450C-B62A-98788F193948}"/>
               </a:ext>
               <a:ext uri="{C183D7F6-B498-43B3-948B-1728B52AA6E4}">
-                <adec:decorative xmlns="" xmlns:adec="http://schemas.microsoft.com/office/drawing/2017/decorative" val="1"/>
+                <adec:decorative xmlns:adec="http://schemas.microsoft.com/office/drawing/2017/decorative" val="1"/>
               </a:ext>
             </a:extLst>
           </p:cNvPr>
@@ -8864,7 +8967,7 @@
                 </a:effectLst>
                 <a:latin typeface="Exo 2 Extra Bold" panose="00000900000000000000" pitchFamily="50" charset="0"/>
               </a:rPr>
-              <a:t>MATA-MATA SÉRIE C 3</a:t>
+              <a:t>MATA-MATA SÉRIE A 3</a:t>
             </a:r>
           </a:p>
         </p:txBody>
@@ -9114,7 +9217,7 @@
           <p:cNvPr id="4" name="Imagem 3">
             <a:extLst>
               <a:ext uri="{FF2B5EF4-FFF2-40B4-BE49-F238E27FC236}">
-                <a16:creationId xmlns:a16="http://schemas.microsoft.com/office/drawing/2014/main" id="{595D0380-36B5-417C-A283-D734C6988265}"/>
+                <a16:creationId xmlns:a16="http://schemas.microsoft.com/office/drawing/2014/main" id="{5CF366E0-D2C5-4FCB-A17F-DA976899D5D0}"/>
               </a:ext>
             </a:extLst>
           </p:cNvPr>
@@ -9131,8 +9234,8 @@
         </p:blipFill>
         <p:spPr>
           <a:xfrm>
-            <a:off x="924882" y="4017759"/>
-            <a:ext cx="12600000" cy="1054279"/>
+            <a:off x="930516" y="4017762"/>
+            <a:ext cx="12600000" cy="1054245"/>
           </a:xfrm>
           <a:prstGeom prst="rect">
             <a:avLst/>
@@ -9144,7 +9247,7 @@
           <p:cNvPr id="6" name="Imagem 5">
             <a:extLst>
               <a:ext uri="{FF2B5EF4-FFF2-40B4-BE49-F238E27FC236}">
-                <a16:creationId xmlns:a16="http://schemas.microsoft.com/office/drawing/2014/main" id="{31E664DF-5DD8-44E6-8E6F-512A04160728}"/>
+                <a16:creationId xmlns:a16="http://schemas.microsoft.com/office/drawing/2014/main" id="{CA16256D-0225-495F-B5CC-1A048F9541EA}"/>
               </a:ext>
             </a:extLst>
           </p:cNvPr>
@@ -9161,7 +9264,7 @@
         </p:blipFill>
         <p:spPr>
           <a:xfrm>
-            <a:off x="921597" y="7945663"/>
+            <a:off x="918246" y="7946333"/>
             <a:ext cx="12600000" cy="1054279"/>
           </a:xfrm>
           <a:prstGeom prst="rect">
@@ -9172,7 +9275,7 @@
     </p:spTree>
     <p:extLst>
       <p:ext uri="{BB962C8B-B14F-4D97-AF65-F5344CB8AC3E}">
-        <p14:creationId xmlns:p14="http://schemas.microsoft.com/office/powerpoint/2010/main" val="984674890"/>
+        <p14:creationId xmlns:p14="http://schemas.microsoft.com/office/powerpoint/2010/main" val="2200666842"/>
       </p:ext>
     </p:extLst>
   </p:cSld>
@@ -9215,7 +9318,7 @@
                 <a16:creationId xmlns:a16="http://schemas.microsoft.com/office/drawing/2014/main" id="{0BABF38A-8A0D-492E-BD20-6CF4D46B50BD}"/>
               </a:ext>
               <a:ext uri="{C183D7F6-B498-43B3-948B-1728B52AA6E4}">
-                <adec:decorative xmlns="" xmlns:adec="http://schemas.microsoft.com/office/drawing/2017/decorative" val="1"/>
+                <adec:decorative xmlns:adec="http://schemas.microsoft.com/office/drawing/2017/decorative" val="1"/>
               </a:ext>
             </a:extLst>
           </p:cNvPr>
@@ -9291,7 +9394,7 @@
                 <a16:creationId xmlns:a16="http://schemas.microsoft.com/office/drawing/2014/main" id="{BC526B7A-4801-4FD1-95C8-03AF22629E87}"/>
               </a:ext>
               <a:ext uri="{C183D7F6-B498-43B3-948B-1728B52AA6E4}">
-                <adec:decorative xmlns="" xmlns:adec="http://schemas.microsoft.com/office/drawing/2017/decorative" val="1"/>
+                <adec:decorative xmlns:adec="http://schemas.microsoft.com/office/drawing/2017/decorative" val="1"/>
               </a:ext>
             </a:extLst>
           </p:cNvPr>
@@ -9337,7 +9440,7 @@
                 <a16:creationId xmlns:a16="http://schemas.microsoft.com/office/drawing/2014/main" id="{37FDDF72-DE39-4F99-A3C1-DD9D7815D7DB}"/>
               </a:ext>
               <a:ext uri="{C183D7F6-B498-43B3-948B-1728B52AA6E4}">
-                <adec:decorative xmlns="" xmlns:adec="http://schemas.microsoft.com/office/drawing/2017/decorative" val="1"/>
+                <adec:decorative xmlns:adec="http://schemas.microsoft.com/office/drawing/2017/decorative" val="1"/>
               </a:ext>
             </a:extLst>
           </p:cNvPr>
@@ -9407,7 +9510,747 @@
                 <a16:creationId xmlns:a16="http://schemas.microsoft.com/office/drawing/2014/main" id="{5E4ECE80-3AD1-450C-B62A-98788F193948}"/>
               </a:ext>
               <a:ext uri="{C183D7F6-B498-43B3-948B-1728B52AA6E4}">
-                <adec:decorative xmlns="" xmlns:adec="http://schemas.microsoft.com/office/drawing/2017/decorative" val="1"/>
+                <adec:decorative xmlns:adec="http://schemas.microsoft.com/office/drawing/2017/decorative" val="1"/>
+              </a:ext>
+            </a:extLst>
+          </p:cNvPr>
+          <p:cNvSpPr>
+            <a:spLocks noGrp="1" noRot="1" noChangeAspect="1" noMove="1" noResize="1" noEditPoints="1" noAdjustHandles="1" noChangeArrowheads="1" noChangeShapeType="1" noTextEdit="1"/>
+          </p:cNvSpPr>
+          <p:nvPr>
+            <p:extLst>
+              <p:ext uri="{386F3935-93C4-4BCD-93E2-E3B085C9AB24}">
+                <p16:designElem xmlns:p16="http://schemas.microsoft.com/office/powerpoint/2015/main" val="1"/>
+              </p:ext>
+            </p:extLst>
+          </p:nvPr>
+        </p:nvSpPr>
+        <p:spPr>
+          <a:xfrm>
+            <a:off x="3149972" y="3121681"/>
+            <a:ext cx="8100269" cy="4556401"/>
+          </a:xfrm>
+          <a:prstGeom prst="rect">
+            <a:avLst/>
+          </a:prstGeom>
+          <a:solidFill>
+            <a:srgbClr val="000000"/>
+          </a:solidFill>
+          <a:ln>
+            <a:noFill/>
+          </a:ln>
+        </p:spPr>
+        <p:style>
+          <a:lnRef idx="2">
+            <a:schemeClr val="accent1">
+              <a:shade val="50000"/>
+            </a:schemeClr>
+          </a:lnRef>
+          <a:fillRef idx="1">
+            <a:schemeClr val="accent1"/>
+          </a:fillRef>
+          <a:effectRef idx="0">
+            <a:schemeClr val="accent1"/>
+          </a:effectRef>
+          <a:fontRef idx="minor">
+            <a:schemeClr val="lt1"/>
+          </a:fontRef>
+        </p:style>
+        <p:txBody>
+          <a:bodyPr rtlCol="0" anchor="ctr"/>
+          <a:lstStyle/>
+          <a:p>
+            <a:pPr algn="ctr">
+              <a:defRPr/>
+            </a:pPr>
+            <a:endParaRPr lang="en-US" sz="1196" dirty="0">
+              <a:solidFill>
+                <a:prstClr val="black">
+                  <a:lumMod val="65000"/>
+                  <a:lumOff val="35000"/>
+                </a:prstClr>
+              </a:solidFill>
+              <a:latin typeface="AvenirNext LT Pro Medium" panose="020B0504020202020204" pitchFamily="34" charset="0"/>
+            </a:endParaRPr>
+          </a:p>
+        </p:txBody>
+      </p:sp>
+      <p:pic>
+        <p:nvPicPr>
+          <p:cNvPr id="5" name="Imagem 4">
+            <a:extLst>
+              <a:ext uri="{FF2B5EF4-FFF2-40B4-BE49-F238E27FC236}">
+                <a16:creationId xmlns:a16="http://schemas.microsoft.com/office/drawing/2014/main" id="{F1433EF1-FB6D-4913-96C9-08F0B1B3CA7A}"/>
+              </a:ext>
+            </a:extLst>
+          </p:cNvPr>
+          <p:cNvPicPr>
+            <a:picLocks noChangeAspect="1"/>
+          </p:cNvPicPr>
+          <p:nvPr/>
+        </p:nvPicPr>
+        <p:blipFill rotWithShape="1">
+          <a:blip r:embed="rId3">
+            <a:alphaModFix/>
+            <a:extLst>
+              <a:ext uri="{28A0092B-C50C-407E-A947-70E740481C1C}">
+                <a14:useLocalDpi xmlns:a14="http://schemas.microsoft.com/office/drawing/2010/main" val="0"/>
+              </a:ext>
+            </a:extLst>
+          </a:blip>
+          <a:srcRect l="5233" t="-2125" r="6244" b="-538"/>
+          <a:stretch/>
+        </p:blipFill>
+        <p:spPr>
+          <a:xfrm>
+            <a:off x="-1" y="-248909"/>
+            <a:ext cx="14400213" cy="11147555"/>
+          </a:xfrm>
+          <a:prstGeom prst="rect">
+            <a:avLst/>
+          </a:prstGeom>
+        </p:spPr>
+      </p:pic>
+      <p:sp>
+        <p:nvSpPr>
+          <p:cNvPr id="50" name="Retângulo 49">
+            <a:extLst>
+              <a:ext uri="{FF2B5EF4-FFF2-40B4-BE49-F238E27FC236}">
+                <a16:creationId xmlns:a16="http://schemas.microsoft.com/office/drawing/2014/main" id="{50614AED-75DE-4550-9029-54313F89BD12}"/>
+              </a:ext>
+            </a:extLst>
+          </p:cNvPr>
+          <p:cNvSpPr/>
+          <p:nvPr/>
+        </p:nvSpPr>
+        <p:spPr>
+          <a:xfrm>
+            <a:off x="3186646" y="311571"/>
+            <a:ext cx="8052791" cy="992583"/>
+          </a:xfrm>
+          <a:prstGeom prst="rect">
+            <a:avLst/>
+          </a:prstGeom>
+          <a:noFill/>
+        </p:spPr>
+        <p:txBody>
+          <a:bodyPr wrap="square" lIns="68584" tIns="34292" rIns="68584" bIns="34292">
+            <a:spAutoFit/>
+          </a:bodyPr>
+          <a:lstStyle/>
+          <a:p>
+            <a:pPr algn="ctr"/>
+            <a:r>
+              <a:rPr lang="pt-BR" sz="6000" dirty="0">
+                <a:ln w="38100">
+                  <a:solidFill>
+                    <a:schemeClr val="bg1"/>
+                  </a:solidFill>
+                </a:ln>
+                <a:solidFill>
+                  <a:srgbClr val="00B050"/>
+                </a:solidFill>
+                <a:effectLst>
+                  <a:outerShdw blurRad="38100" dist="19050" dir="2700000" algn="tl" rotWithShape="0">
+                    <a:schemeClr val="dk1">
+                      <a:alpha val="40000"/>
+                    </a:schemeClr>
+                  </a:outerShdw>
+                </a:effectLst>
+                <a:latin typeface="Exo 2 Extra Bold" panose="00000900000000000000" pitchFamily="50" charset="0"/>
+              </a:rPr>
+              <a:t>Liga Principal</a:t>
+            </a:r>
+          </a:p>
+        </p:txBody>
+      </p:sp>
+      <p:sp>
+        <p:nvSpPr>
+          <p:cNvPr id="53" name="Retângulo 52">
+            <a:extLst>
+              <a:ext uri="{FF2B5EF4-FFF2-40B4-BE49-F238E27FC236}">
+                <a16:creationId xmlns:a16="http://schemas.microsoft.com/office/drawing/2014/main" id="{F101E0BF-8A68-40B9-BC26-35C299182F52}"/>
+              </a:ext>
+            </a:extLst>
+          </p:cNvPr>
+          <p:cNvSpPr/>
+          <p:nvPr/>
+        </p:nvSpPr>
+        <p:spPr>
+          <a:xfrm>
+            <a:off x="336776" y="1104608"/>
+            <a:ext cx="13909452" cy="1177249"/>
+          </a:xfrm>
+          <a:prstGeom prst="rect">
+            <a:avLst/>
+          </a:prstGeom>
+          <a:noFill/>
+        </p:spPr>
+        <p:txBody>
+          <a:bodyPr wrap="square" lIns="68584" tIns="34292" rIns="68584" bIns="34292">
+            <a:spAutoFit/>
+          </a:bodyPr>
+          <a:lstStyle/>
+          <a:p>
+            <a:pPr algn="ctr"/>
+            <a:r>
+              <a:rPr lang="pt-BR" sz="7200" dirty="0">
+                <a:ln w="0">
+                  <a:noFill/>
+                </a:ln>
+                <a:effectLst>
+                  <a:outerShdw blurRad="38100" dist="19050" dir="2700000" algn="tl" rotWithShape="0">
+                    <a:schemeClr val="dk1">
+                      <a:alpha val="40000"/>
+                    </a:schemeClr>
+                  </a:outerShdw>
+                </a:effectLst>
+                <a:latin typeface="Exo 2 Extra Bold" panose="00000900000000000000" pitchFamily="50" charset="0"/>
+              </a:rPr>
+              <a:t>MATA-MATA SÉRIE C 3</a:t>
+            </a:r>
+          </a:p>
+        </p:txBody>
+      </p:sp>
+      <p:pic>
+        <p:nvPicPr>
+          <p:cNvPr id="15" name="Imagem 14">
+            <a:extLst>
+              <a:ext uri="{FF2B5EF4-FFF2-40B4-BE49-F238E27FC236}">
+                <a16:creationId xmlns:a16="http://schemas.microsoft.com/office/drawing/2014/main" id="{780D6AE4-2B31-43CF-8A3B-9ACC73C32FE9}"/>
+              </a:ext>
+            </a:extLst>
+          </p:cNvPr>
+          <p:cNvPicPr>
+            <a:picLocks noChangeAspect="1"/>
+          </p:cNvPicPr>
+          <p:nvPr/>
+        </p:nvPicPr>
+        <p:blipFill>
+          <a:blip r:embed="rId4" cstate="hqprint">
+            <a:extLst>
+              <a:ext uri="{28A0092B-C50C-407E-A947-70E740481C1C}">
+                <a14:useLocalDpi xmlns:a14="http://schemas.microsoft.com/office/drawing/2010/main" val="0"/>
+              </a:ext>
+            </a:extLst>
+          </a:blip>
+          <a:stretch>
+            <a:fillRect/>
+          </a:stretch>
+        </p:blipFill>
+        <p:spPr>
+          <a:xfrm>
+            <a:off x="336776" y="194284"/>
+            <a:ext cx="2059134" cy="2160000"/>
+          </a:xfrm>
+          <a:prstGeom prst="rect">
+            <a:avLst/>
+          </a:prstGeom>
+        </p:spPr>
+      </p:pic>
+      <p:sp>
+        <p:nvSpPr>
+          <p:cNvPr id="10" name="Retângulo 9">
+            <a:extLst>
+              <a:ext uri="{FF2B5EF4-FFF2-40B4-BE49-F238E27FC236}">
+                <a16:creationId xmlns:a16="http://schemas.microsoft.com/office/drawing/2014/main" id="{838BDC98-3287-4575-8574-56F716FB2440}"/>
+              </a:ext>
+            </a:extLst>
+          </p:cNvPr>
+          <p:cNvSpPr/>
+          <p:nvPr/>
+        </p:nvSpPr>
+        <p:spPr>
+          <a:xfrm>
+            <a:off x="581891" y="2892935"/>
+            <a:ext cx="13267927" cy="3039825"/>
+          </a:xfrm>
+          <a:prstGeom prst="rect">
+            <a:avLst/>
+          </a:prstGeom>
+          <a:solidFill>
+            <a:schemeClr val="tx1">
+              <a:alpha val="81000"/>
+            </a:schemeClr>
+          </a:solidFill>
+        </p:spPr>
+        <p:style>
+          <a:lnRef idx="2">
+            <a:schemeClr val="accent1">
+              <a:shade val="50000"/>
+            </a:schemeClr>
+          </a:lnRef>
+          <a:fillRef idx="1">
+            <a:schemeClr val="accent1"/>
+          </a:fillRef>
+          <a:effectRef idx="0">
+            <a:schemeClr val="accent1"/>
+          </a:effectRef>
+          <a:fontRef idx="minor">
+            <a:schemeClr val="lt1"/>
+          </a:fontRef>
+        </p:style>
+        <p:txBody>
+          <a:bodyPr rtlCol="0" anchor="ctr"/>
+          <a:lstStyle/>
+          <a:p>
+            <a:pPr algn="ctr"/>
+            <a:endParaRPr lang="pt-BR"/>
+          </a:p>
+        </p:txBody>
+      </p:sp>
+      <p:sp>
+        <p:nvSpPr>
+          <p:cNvPr id="21" name="Retângulo 20">
+            <a:extLst>
+              <a:ext uri="{FF2B5EF4-FFF2-40B4-BE49-F238E27FC236}">
+                <a16:creationId xmlns:a16="http://schemas.microsoft.com/office/drawing/2014/main" id="{95EDB8CB-8377-4925-B478-560C3F615037}"/>
+              </a:ext>
+            </a:extLst>
+          </p:cNvPr>
+          <p:cNvSpPr/>
+          <p:nvPr/>
+        </p:nvSpPr>
+        <p:spPr>
+          <a:xfrm>
+            <a:off x="581891" y="6704292"/>
+            <a:ext cx="13267927" cy="3038400"/>
+          </a:xfrm>
+          <a:prstGeom prst="rect">
+            <a:avLst/>
+          </a:prstGeom>
+          <a:solidFill>
+            <a:schemeClr val="tx1">
+              <a:alpha val="81000"/>
+            </a:schemeClr>
+          </a:solidFill>
+        </p:spPr>
+        <p:style>
+          <a:lnRef idx="2">
+            <a:schemeClr val="accent1">
+              <a:shade val="50000"/>
+            </a:schemeClr>
+          </a:lnRef>
+          <a:fillRef idx="1">
+            <a:schemeClr val="accent1"/>
+          </a:fillRef>
+          <a:effectRef idx="0">
+            <a:schemeClr val="accent1"/>
+          </a:effectRef>
+          <a:fontRef idx="minor">
+            <a:schemeClr val="lt1"/>
+          </a:fontRef>
+        </p:style>
+        <p:txBody>
+          <a:bodyPr rtlCol="0" anchor="ctr"/>
+          <a:lstStyle/>
+          <a:p>
+            <a:pPr algn="ctr"/>
+            <a:endParaRPr lang="pt-BR"/>
+          </a:p>
+        </p:txBody>
+      </p:sp>
+      <p:sp>
+        <p:nvSpPr>
+          <p:cNvPr id="23" name="Retângulo 22">
+            <a:extLst>
+              <a:ext uri="{FF2B5EF4-FFF2-40B4-BE49-F238E27FC236}">
+                <a16:creationId xmlns:a16="http://schemas.microsoft.com/office/drawing/2014/main" id="{ED87CD67-A438-4F74-986A-3704AF997953}"/>
+              </a:ext>
+            </a:extLst>
+          </p:cNvPr>
+          <p:cNvSpPr/>
+          <p:nvPr/>
+        </p:nvSpPr>
+        <p:spPr>
+          <a:xfrm>
+            <a:off x="5308448" y="2906454"/>
+            <a:ext cx="3789504" cy="684807"/>
+          </a:xfrm>
+          <a:prstGeom prst="rect">
+            <a:avLst/>
+          </a:prstGeom>
+          <a:noFill/>
+        </p:spPr>
+        <p:txBody>
+          <a:bodyPr wrap="square" lIns="68584" tIns="34292" rIns="68584" bIns="34292">
+            <a:spAutoFit/>
+          </a:bodyPr>
+          <a:lstStyle/>
+          <a:p>
+            <a:pPr algn="ctr"/>
+            <a:r>
+              <a:rPr lang="pt-BR" sz="4000" dirty="0">
+                <a:ln w="0">
+                  <a:noFill/>
+                </a:ln>
+                <a:solidFill>
+                  <a:srgbClr val="0070C0"/>
+                </a:solidFill>
+                <a:effectLst>
+                  <a:outerShdw blurRad="38100" dist="19050" dir="2700000" algn="tl" rotWithShape="0">
+                    <a:schemeClr val="dk1">
+                      <a:alpha val="40000"/>
+                    </a:schemeClr>
+                  </a:outerShdw>
+                </a:effectLst>
+                <a:latin typeface="Exo 2 Extra Bold" panose="00000900000000000000" pitchFamily="50" charset="0"/>
+              </a:rPr>
+              <a:t>Chave 1</a:t>
+            </a:r>
+          </a:p>
+        </p:txBody>
+      </p:sp>
+      <p:sp>
+        <p:nvSpPr>
+          <p:cNvPr id="24" name="Retângulo 23">
+            <a:extLst>
+              <a:ext uri="{FF2B5EF4-FFF2-40B4-BE49-F238E27FC236}">
+                <a16:creationId xmlns:a16="http://schemas.microsoft.com/office/drawing/2014/main" id="{522A4ACC-EC27-4A14-BA66-B0EB03535C7B}"/>
+              </a:ext>
+            </a:extLst>
+          </p:cNvPr>
+          <p:cNvSpPr/>
+          <p:nvPr/>
+        </p:nvSpPr>
+        <p:spPr>
+          <a:xfrm>
+            <a:off x="5321993" y="6726594"/>
+            <a:ext cx="3789503" cy="684807"/>
+          </a:xfrm>
+          <a:prstGeom prst="rect">
+            <a:avLst/>
+          </a:prstGeom>
+          <a:noFill/>
+        </p:spPr>
+        <p:txBody>
+          <a:bodyPr wrap="square" lIns="68584" tIns="34292" rIns="68584" bIns="34292">
+            <a:spAutoFit/>
+          </a:bodyPr>
+          <a:lstStyle/>
+          <a:p>
+            <a:pPr algn="ctr"/>
+            <a:r>
+              <a:rPr lang="pt-BR" sz="4000" dirty="0">
+                <a:ln w="0">
+                  <a:noFill/>
+                </a:ln>
+                <a:solidFill>
+                  <a:srgbClr val="0070C0"/>
+                </a:solidFill>
+                <a:effectLst>
+                  <a:outerShdw blurRad="38100" dist="19050" dir="2700000" algn="tl" rotWithShape="0">
+                    <a:schemeClr val="dk1">
+                      <a:alpha val="40000"/>
+                    </a:schemeClr>
+                  </a:outerShdw>
+                </a:effectLst>
+                <a:latin typeface="Exo 2 Extra Bold" panose="00000900000000000000" pitchFamily="50" charset="0"/>
+              </a:rPr>
+              <a:t>Chave 2</a:t>
+            </a:r>
+          </a:p>
+        </p:txBody>
+      </p:sp>
+      <p:pic>
+        <p:nvPicPr>
+          <p:cNvPr id="4" name="Imagem 3">
+            <a:extLst>
+              <a:ext uri="{FF2B5EF4-FFF2-40B4-BE49-F238E27FC236}">
+                <a16:creationId xmlns:a16="http://schemas.microsoft.com/office/drawing/2014/main" id="{595D0380-36B5-417C-A283-D734C6988265}"/>
+              </a:ext>
+            </a:extLst>
+          </p:cNvPr>
+          <p:cNvPicPr>
+            <a:picLocks noChangeAspect="1"/>
+          </p:cNvPicPr>
+          <p:nvPr/>
+        </p:nvPicPr>
+        <p:blipFill>
+          <a:blip r:embed="rId5"/>
+          <a:stretch>
+            <a:fillRect/>
+          </a:stretch>
+        </p:blipFill>
+        <p:spPr>
+          <a:xfrm>
+            <a:off x="924882" y="4017759"/>
+            <a:ext cx="12600000" cy="1054279"/>
+          </a:xfrm>
+          <a:prstGeom prst="rect">
+            <a:avLst/>
+          </a:prstGeom>
+        </p:spPr>
+      </p:pic>
+      <p:pic>
+        <p:nvPicPr>
+          <p:cNvPr id="6" name="Imagem 5">
+            <a:extLst>
+              <a:ext uri="{FF2B5EF4-FFF2-40B4-BE49-F238E27FC236}">
+                <a16:creationId xmlns:a16="http://schemas.microsoft.com/office/drawing/2014/main" id="{31E664DF-5DD8-44E6-8E6F-512A04160728}"/>
+              </a:ext>
+            </a:extLst>
+          </p:cNvPr>
+          <p:cNvPicPr>
+            <a:picLocks noChangeAspect="1"/>
+          </p:cNvPicPr>
+          <p:nvPr/>
+        </p:nvPicPr>
+        <p:blipFill>
+          <a:blip r:embed="rId6"/>
+          <a:stretch>
+            <a:fillRect/>
+          </a:stretch>
+        </p:blipFill>
+        <p:spPr>
+          <a:xfrm>
+            <a:off x="921597" y="7945663"/>
+            <a:ext cx="12600000" cy="1054279"/>
+          </a:xfrm>
+          <a:prstGeom prst="rect">
+            <a:avLst/>
+          </a:prstGeom>
+        </p:spPr>
+      </p:pic>
+    </p:spTree>
+    <p:extLst>
+      <p:ext uri="{BB962C8B-B14F-4D97-AF65-F5344CB8AC3E}">
+        <p14:creationId xmlns:p14="http://schemas.microsoft.com/office/powerpoint/2010/main" val="984674890"/>
+      </p:ext>
+    </p:extLst>
+  </p:cSld>
+  <p:clrMapOvr>
+    <a:masterClrMapping/>
+  </p:clrMapOvr>
+</p:sld>
+</file>
+
+<file path=ppt/slides/slide17.xml><?xml version="1.0" encoding="utf-8"?>
+<p:sld xmlns:a="http://schemas.openxmlformats.org/drawingml/2006/main" xmlns:r="http://schemas.openxmlformats.org/officeDocument/2006/relationships" xmlns:p="http://schemas.openxmlformats.org/presentationml/2006/main">
+  <p:cSld>
+    <p:bg>
+      <p:bgPr>
+        <a:solidFill>
+          <a:schemeClr val="bg1"/>
+        </a:solidFill>
+        <a:effectLst/>
+      </p:bgPr>
+    </p:bg>
+    <p:spTree>
+      <p:nvGrpSpPr>
+        <p:cNvPr id="1" name=""/>
+        <p:cNvGrpSpPr/>
+        <p:nvPr/>
+      </p:nvGrpSpPr>
+      <p:grpSpPr>
+        <a:xfrm>
+          <a:off x="0" y="0"/>
+          <a:ext cx="0" cy="0"/>
+          <a:chOff x="0" y="0"/>
+          <a:chExt cx="0" cy="0"/>
+        </a:xfrm>
+      </p:grpSpPr>
+      <p:sp>
+        <p:nvSpPr>
+          <p:cNvPr id="13" name="Rectangle 9">
+            <a:extLst>
+              <a:ext uri="{FF2B5EF4-FFF2-40B4-BE49-F238E27FC236}">
+                <a16:creationId xmlns:a16="http://schemas.microsoft.com/office/drawing/2014/main" id="{0BABF38A-8A0D-492E-BD20-6CF4D46B50BD}"/>
+              </a:ext>
+              <a:ext uri="{C183D7F6-B498-43B3-948B-1728B52AA6E4}">
+                <adec:decorative xmlns:adec="http://schemas.microsoft.com/office/drawing/2017/decorative" val="1"/>
+              </a:ext>
+            </a:extLst>
+          </p:cNvPr>
+          <p:cNvSpPr>
+            <a:spLocks noGrp="1" noRot="1" noChangeAspect="1" noMove="1" noResize="1" noEditPoints="1" noAdjustHandles="1" noChangeArrowheads="1" noChangeShapeType="1" noTextEdit="1"/>
+          </p:cNvSpPr>
+          <p:nvPr>
+            <p:extLst>
+              <p:ext uri="{386F3935-93C4-4BCD-93E2-E3B085C9AB24}">
+                <p16:designElem xmlns:p16="http://schemas.microsoft.com/office/powerpoint/2015/main" val="1"/>
+              </p:ext>
+            </p:extLst>
+          </p:nvPr>
+        </p:nvSpPr>
+        <p:spPr>
+          <a:xfrm>
+            <a:off x="3149972" y="3121681"/>
+            <a:ext cx="8100269" cy="4556404"/>
+          </a:xfrm>
+          <a:prstGeom prst="rect">
+            <a:avLst/>
+          </a:prstGeom>
+          <a:solidFill>
+            <a:schemeClr val="bg2">
+              <a:lumMod val="90000"/>
+              <a:alpha val="70000"/>
+            </a:schemeClr>
+          </a:solidFill>
+          <a:ln>
+            <a:noFill/>
+          </a:ln>
+        </p:spPr>
+        <p:style>
+          <a:lnRef idx="2">
+            <a:schemeClr val="accent1">
+              <a:shade val="50000"/>
+            </a:schemeClr>
+          </a:lnRef>
+          <a:fillRef idx="1">
+            <a:schemeClr val="accent1"/>
+          </a:fillRef>
+          <a:effectRef idx="0">
+            <a:schemeClr val="accent1"/>
+          </a:effectRef>
+          <a:fontRef idx="minor">
+            <a:schemeClr val="lt1"/>
+          </a:fontRef>
+        </p:style>
+        <p:txBody>
+          <a:bodyPr rtlCol="0" anchor="ctr"/>
+          <a:lstStyle/>
+          <a:p>
+            <a:pPr algn="ctr">
+              <a:defRPr/>
+            </a:pPr>
+            <a:endParaRPr lang="en-US" sz="1196" dirty="0">
+              <a:solidFill>
+                <a:prstClr val="black">
+                  <a:lumMod val="65000"/>
+                  <a:lumOff val="35000"/>
+                </a:prstClr>
+              </a:solidFill>
+              <a:latin typeface="AvenirNext LT Pro Medium" panose="020B0504020202020204" pitchFamily="34" charset="0"/>
+            </a:endParaRPr>
+          </a:p>
+        </p:txBody>
+      </p:sp>
+      <p:pic>
+        <p:nvPicPr>
+          <p:cNvPr id="12" name="Picture 11">
+            <a:extLst>
+              <a:ext uri="{FF2B5EF4-FFF2-40B4-BE49-F238E27FC236}">
+                <a16:creationId xmlns:a16="http://schemas.microsoft.com/office/drawing/2014/main" id="{BC526B7A-4801-4FD1-95C8-03AF22629E87}"/>
+              </a:ext>
+              <a:ext uri="{C183D7F6-B498-43B3-948B-1728B52AA6E4}">
+                <adec:decorative xmlns:adec="http://schemas.microsoft.com/office/drawing/2017/decorative" val="1"/>
+              </a:ext>
+            </a:extLst>
+          </p:cNvPr>
+          <p:cNvPicPr>
+            <a:picLocks noGrp="1" noRot="1" noChangeAspect="1" noMove="1" noResize="1" noEditPoints="1" noAdjustHandles="1" noChangeArrowheads="1" noChangeShapeType="1" noCrop="1"/>
+          </p:cNvPicPr>
+          <p:nvPr>
+            <p:extLst>
+              <p:ext uri="{386F3935-93C4-4BCD-93E2-E3B085C9AB24}">
+                <p16:designElem xmlns:p16="http://schemas.microsoft.com/office/powerpoint/2015/main" val="1"/>
+              </p:ext>
+            </p:extLst>
+          </p:nvPr>
+        </p:nvPicPr>
+        <p:blipFill>
+          <a:blip r:embed="rId2">
+            <a:alphaModFix amt="10000"/>
+            <a:extLst>
+              <a:ext uri="{28A0092B-C50C-407E-A947-70E740481C1C}">
+                <a14:useLocalDpi xmlns:a14="http://schemas.microsoft.com/office/drawing/2010/main" val="0"/>
+              </a:ext>
+            </a:extLst>
+          </a:blip>
+          <a:stretch>
+            <a:fillRect/>
+          </a:stretch>
+        </p:blipFill>
+        <p:spPr>
+          <a:xfrm>
+            <a:off x="8820159" y="3121682"/>
+            <a:ext cx="2428095" cy="3039825"/>
+          </a:xfrm>
+          <a:prstGeom prst="rect">
+            <a:avLst/>
+          </a:prstGeom>
+        </p:spPr>
+      </p:pic>
+      <p:sp useBgFill="1">
+        <p:nvSpPr>
+          <p:cNvPr id="14" name="Rectangle 13">
+            <a:extLst>
+              <a:ext uri="{FF2B5EF4-FFF2-40B4-BE49-F238E27FC236}">
+                <a16:creationId xmlns:a16="http://schemas.microsoft.com/office/drawing/2014/main" id="{37FDDF72-DE39-4F99-A3C1-DD9D7815D7DB}"/>
+              </a:ext>
+              <a:ext uri="{C183D7F6-B498-43B3-948B-1728B52AA6E4}">
+                <adec:decorative xmlns:adec="http://schemas.microsoft.com/office/drawing/2017/decorative" val="1"/>
+              </a:ext>
+            </a:extLst>
+          </p:cNvPr>
+          <p:cNvSpPr>
+            <a:spLocks noGrp="1" noRot="1" noChangeAspect="1" noMove="1" noResize="1" noEditPoints="1" noAdjustHandles="1" noChangeArrowheads="1" noChangeShapeType="1" noTextEdit="1"/>
+          </p:cNvSpPr>
+          <p:nvPr>
+            <p:extLst>
+              <p:ext uri="{386F3935-93C4-4BCD-93E2-E3B085C9AB24}">
+                <p16:designElem xmlns:p16="http://schemas.microsoft.com/office/powerpoint/2015/main" val="1"/>
+              </p:ext>
+            </p:extLst>
+          </p:nvPr>
+        </p:nvSpPr>
+        <p:spPr>
+          <a:xfrm>
+            <a:off x="3149972" y="3121681"/>
+            <a:ext cx="8100269" cy="4556401"/>
+          </a:xfrm>
+          <a:prstGeom prst="rect">
+            <a:avLst/>
+          </a:prstGeom>
+          <a:ln>
+            <a:noFill/>
+          </a:ln>
+        </p:spPr>
+        <p:style>
+          <a:lnRef idx="2">
+            <a:schemeClr val="accent1">
+              <a:shade val="50000"/>
+            </a:schemeClr>
+          </a:lnRef>
+          <a:fillRef idx="1">
+            <a:schemeClr val="accent1"/>
+          </a:fillRef>
+          <a:effectRef idx="0">
+            <a:schemeClr val="accent1"/>
+          </a:effectRef>
+          <a:fontRef idx="minor">
+            <a:schemeClr val="lt1"/>
+          </a:fontRef>
+        </p:style>
+        <p:txBody>
+          <a:bodyPr rtlCol="0" anchor="ctr"/>
+          <a:lstStyle/>
+          <a:p>
+            <a:pPr algn="ctr">
+              <a:defRPr/>
+            </a:pPr>
+            <a:endParaRPr lang="en-US" sz="1196" dirty="0">
+              <a:solidFill>
+                <a:prstClr val="black">
+                  <a:lumMod val="65000"/>
+                  <a:lumOff val="35000"/>
+                </a:prstClr>
+              </a:solidFill>
+              <a:latin typeface="AvenirNext LT Pro Medium" panose="020B0504020202020204" pitchFamily="34" charset="0"/>
+            </a:endParaRPr>
+          </a:p>
+        </p:txBody>
+      </p:sp>
+      <p:sp>
+        <p:nvSpPr>
+          <p:cNvPr id="16" name="Rectangle 15">
+            <a:extLst>
+              <a:ext uri="{FF2B5EF4-FFF2-40B4-BE49-F238E27FC236}">
+                <a16:creationId xmlns:a16="http://schemas.microsoft.com/office/drawing/2014/main" id="{5E4ECE80-3AD1-450C-B62A-98788F193948}"/>
+              </a:ext>
+              <a:ext uri="{C183D7F6-B498-43B3-948B-1728B52AA6E4}">
+                <adec:decorative xmlns:adec="http://schemas.microsoft.com/office/drawing/2017/decorative" val="1"/>
               </a:ext>
             </a:extLst>
           </p:cNvPr>
@@ -9858,7 +10701,7 @@
 </p:sld>
 </file>
 
-<file path=ppt/slides/slide17.xml><?xml version="1.0" encoding="utf-8"?>
+<file path=ppt/slides/slide18.xml><?xml version="1.0" encoding="utf-8"?>
 <p:sld xmlns:a="http://schemas.openxmlformats.org/drawingml/2006/main" xmlns:r="http://schemas.openxmlformats.org/officeDocument/2006/relationships" xmlns:p="http://schemas.openxmlformats.org/presentationml/2006/main">
   <p:cSld>
     <p:bg>
@@ -9891,7 +10734,7 @@
                 <a16:creationId xmlns:a16="http://schemas.microsoft.com/office/drawing/2014/main" id="{0BABF38A-8A0D-492E-BD20-6CF4D46B50BD}"/>
               </a:ext>
               <a:ext uri="{C183D7F6-B498-43B3-948B-1728B52AA6E4}">
-                <adec:decorative xmlns="" xmlns:adec="http://schemas.microsoft.com/office/drawing/2017/decorative" val="1"/>
+                <adec:decorative xmlns:adec="http://schemas.microsoft.com/office/drawing/2017/decorative" val="1"/>
               </a:ext>
             </a:extLst>
           </p:cNvPr>
@@ -9967,7 +10810,7 @@
                 <a16:creationId xmlns:a16="http://schemas.microsoft.com/office/drawing/2014/main" id="{BC526B7A-4801-4FD1-95C8-03AF22629E87}"/>
               </a:ext>
               <a:ext uri="{C183D7F6-B498-43B3-948B-1728B52AA6E4}">
-                <adec:decorative xmlns="" xmlns:adec="http://schemas.microsoft.com/office/drawing/2017/decorative" val="1"/>
+                <adec:decorative xmlns:adec="http://schemas.microsoft.com/office/drawing/2017/decorative" val="1"/>
               </a:ext>
             </a:extLst>
           </p:cNvPr>
@@ -10013,7 +10856,7 @@
                 <a16:creationId xmlns:a16="http://schemas.microsoft.com/office/drawing/2014/main" id="{37FDDF72-DE39-4F99-A3C1-DD9D7815D7DB}"/>
               </a:ext>
               <a:ext uri="{C183D7F6-B498-43B3-948B-1728B52AA6E4}">
-                <adec:decorative xmlns="" xmlns:adec="http://schemas.microsoft.com/office/drawing/2017/decorative" val="1"/>
+                <adec:decorative xmlns:adec="http://schemas.microsoft.com/office/drawing/2017/decorative" val="1"/>
               </a:ext>
             </a:extLst>
           </p:cNvPr>
@@ -10083,7 +10926,7 @@
                 <a16:creationId xmlns:a16="http://schemas.microsoft.com/office/drawing/2014/main" id="{5E4ECE80-3AD1-450C-B62A-98788F193948}"/>
               </a:ext>
               <a:ext uri="{C183D7F6-B498-43B3-948B-1728B52AA6E4}">
-                <adec:decorative xmlns="" xmlns:adec="http://schemas.microsoft.com/office/drawing/2017/decorative" val="1"/>
+                <adec:decorative xmlns:adec="http://schemas.microsoft.com/office/drawing/2017/decorative" val="1"/>
               </a:ext>
             </a:extLst>
           </p:cNvPr>
@@ -10631,7 +11474,7 @@
                 <a16:creationId xmlns:a16="http://schemas.microsoft.com/office/drawing/2014/main" id="{0BABF38A-8A0D-492E-BD20-6CF4D46B50BD}"/>
               </a:ext>
               <a:ext uri="{C183D7F6-B498-43B3-948B-1728B52AA6E4}">
-                <adec:decorative xmlns="" xmlns:adec="http://schemas.microsoft.com/office/drawing/2017/decorative" val="1"/>
+                <adec:decorative xmlns:adec="http://schemas.microsoft.com/office/drawing/2017/decorative" val="1"/>
               </a:ext>
             </a:extLst>
           </p:cNvPr>
@@ -10707,7 +11550,7 @@
                 <a16:creationId xmlns:a16="http://schemas.microsoft.com/office/drawing/2014/main" id="{BC526B7A-4801-4FD1-95C8-03AF22629E87}"/>
               </a:ext>
               <a:ext uri="{C183D7F6-B498-43B3-948B-1728B52AA6E4}">
-                <adec:decorative xmlns="" xmlns:adec="http://schemas.microsoft.com/office/drawing/2017/decorative" val="1"/>
+                <adec:decorative xmlns:adec="http://schemas.microsoft.com/office/drawing/2017/decorative" val="1"/>
               </a:ext>
             </a:extLst>
           </p:cNvPr>
@@ -10753,7 +11596,7 @@
                 <a16:creationId xmlns:a16="http://schemas.microsoft.com/office/drawing/2014/main" id="{37FDDF72-DE39-4F99-A3C1-DD9D7815D7DB}"/>
               </a:ext>
               <a:ext uri="{C183D7F6-B498-43B3-948B-1728B52AA6E4}">
-                <adec:decorative xmlns="" xmlns:adec="http://schemas.microsoft.com/office/drawing/2017/decorative" val="1"/>
+                <adec:decorative xmlns:adec="http://schemas.microsoft.com/office/drawing/2017/decorative" val="1"/>
               </a:ext>
             </a:extLst>
           </p:cNvPr>
@@ -10823,7 +11666,7 @@
                 <a16:creationId xmlns:a16="http://schemas.microsoft.com/office/drawing/2014/main" id="{5E4ECE80-3AD1-450C-B62A-98788F193948}"/>
               </a:ext>
               <a:ext uri="{C183D7F6-B498-43B3-948B-1728B52AA6E4}">
-                <adec:decorative xmlns="" xmlns:adec="http://schemas.microsoft.com/office/drawing/2017/decorative" val="1"/>
+                <adec:decorative xmlns:adec="http://schemas.microsoft.com/office/drawing/2017/decorative" val="1"/>
               </a:ext>
             </a:extLst>
           </p:cNvPr>
@@ -11020,7 +11863,7 @@
                 </a:effectLst>
                 <a:latin typeface="Exo 2 Extra Bold" panose="00000900000000000000" pitchFamily="50" charset="0"/>
               </a:rPr>
-              <a:t>MATA-MATA SÉRIE C 3</a:t>
+              <a:t>MATA-MATA SÉRIE B 5</a:t>
             </a:r>
           </a:p>
         </p:txBody>
@@ -11267,10 +12110,10 @@
       </p:sp>
       <p:pic>
         <p:nvPicPr>
-          <p:cNvPr id="2" name="Imagem 1">
-            <a:extLst>
-              <a:ext uri="{FF2B5EF4-FFF2-40B4-BE49-F238E27FC236}">
-                <a16:creationId xmlns:a16="http://schemas.microsoft.com/office/drawing/2014/main" id="{FEC08D37-209D-43E1-9029-F5820ED64DCC}"/>
+          <p:cNvPr id="6" name="Imagem 5">
+            <a:extLst>
+              <a:ext uri="{FF2B5EF4-FFF2-40B4-BE49-F238E27FC236}">
+                <a16:creationId xmlns:a16="http://schemas.microsoft.com/office/drawing/2014/main" id="{A7563ACF-531A-4A12-8D69-BD0B5441456A}"/>
               </a:ext>
             </a:extLst>
           </p:cNvPr>
@@ -11287,8 +12130,8 @@
         </p:blipFill>
         <p:spPr>
           <a:xfrm>
-            <a:off x="327251" y="3872449"/>
-            <a:ext cx="6543248" cy="5580000"/>
+            <a:off x="342671" y="3872449"/>
+            <a:ext cx="6531196" cy="5580000"/>
           </a:xfrm>
           <a:prstGeom prst="rect">
             <a:avLst/>
@@ -11297,10 +12140,10 @@
       </p:pic>
       <p:pic>
         <p:nvPicPr>
-          <p:cNvPr id="3" name="Imagem 2">
-            <a:extLst>
-              <a:ext uri="{FF2B5EF4-FFF2-40B4-BE49-F238E27FC236}">
-                <a16:creationId xmlns:a16="http://schemas.microsoft.com/office/drawing/2014/main" id="{CC60CB82-F0A1-4A79-A9D0-7BCE404CFA5C}"/>
+          <p:cNvPr id="9" name="Imagem 8">
+            <a:extLst>
+              <a:ext uri="{FF2B5EF4-FFF2-40B4-BE49-F238E27FC236}">
+                <a16:creationId xmlns:a16="http://schemas.microsoft.com/office/drawing/2014/main" id="{9D5A4AD4-EB3D-45A1-8857-F8EA981BC5DB}"/>
               </a:ext>
             </a:extLst>
           </p:cNvPr>
@@ -11317,8 +12160,8 @@
         </p:blipFill>
         <p:spPr>
           <a:xfrm>
-            <a:off x="7546899" y="3872449"/>
-            <a:ext cx="6533549" cy="5580000"/>
+            <a:off x="7667247" y="3872449"/>
+            <a:ext cx="6311156" cy="5400000"/>
           </a:xfrm>
           <a:prstGeom prst="rect">
             <a:avLst/>
@@ -11328,7 +12171,7 @@
     </p:spTree>
     <p:extLst>
       <p:ext uri="{BB962C8B-B14F-4D97-AF65-F5344CB8AC3E}">
-        <p14:creationId xmlns:p14="http://schemas.microsoft.com/office/powerpoint/2010/main" val="2893842562"/>
+        <p14:creationId xmlns:p14="http://schemas.microsoft.com/office/powerpoint/2010/main" val="3089260622"/>
       </p:ext>
     </p:extLst>
   </p:cSld>
@@ -11371,7 +12214,7 @@
                 <a16:creationId xmlns:a16="http://schemas.microsoft.com/office/drawing/2014/main" id="{0BABF38A-8A0D-492E-BD20-6CF4D46B50BD}"/>
               </a:ext>
               <a:ext uri="{C183D7F6-B498-43B3-948B-1728B52AA6E4}">
-                <adec:decorative xmlns="" xmlns:adec="http://schemas.microsoft.com/office/drawing/2017/decorative" val="1"/>
+                <adec:decorative xmlns:adec="http://schemas.microsoft.com/office/drawing/2017/decorative" val="1"/>
               </a:ext>
             </a:extLst>
           </p:cNvPr>
@@ -11447,7 +12290,7 @@
                 <a16:creationId xmlns:a16="http://schemas.microsoft.com/office/drawing/2014/main" id="{BC526B7A-4801-4FD1-95C8-03AF22629E87}"/>
               </a:ext>
               <a:ext uri="{C183D7F6-B498-43B3-948B-1728B52AA6E4}">
-                <adec:decorative xmlns="" xmlns:adec="http://schemas.microsoft.com/office/drawing/2017/decorative" val="1"/>
+                <adec:decorative xmlns:adec="http://schemas.microsoft.com/office/drawing/2017/decorative" val="1"/>
               </a:ext>
             </a:extLst>
           </p:cNvPr>
@@ -11493,7 +12336,7 @@
                 <a16:creationId xmlns:a16="http://schemas.microsoft.com/office/drawing/2014/main" id="{37FDDF72-DE39-4F99-A3C1-DD9D7815D7DB}"/>
               </a:ext>
               <a:ext uri="{C183D7F6-B498-43B3-948B-1728B52AA6E4}">
-                <adec:decorative xmlns="" xmlns:adec="http://schemas.microsoft.com/office/drawing/2017/decorative" val="1"/>
+                <adec:decorative xmlns:adec="http://schemas.microsoft.com/office/drawing/2017/decorative" val="1"/>
               </a:ext>
             </a:extLst>
           </p:cNvPr>
@@ -11563,7 +12406,747 @@
                 <a16:creationId xmlns:a16="http://schemas.microsoft.com/office/drawing/2014/main" id="{5E4ECE80-3AD1-450C-B62A-98788F193948}"/>
               </a:ext>
               <a:ext uri="{C183D7F6-B498-43B3-948B-1728B52AA6E4}">
-                <adec:decorative xmlns="" xmlns:adec="http://schemas.microsoft.com/office/drawing/2017/decorative" val="1"/>
+                <adec:decorative xmlns:adec="http://schemas.microsoft.com/office/drawing/2017/decorative" val="1"/>
+              </a:ext>
+            </a:extLst>
+          </p:cNvPr>
+          <p:cNvSpPr>
+            <a:spLocks noGrp="1" noRot="1" noChangeAspect="1" noMove="1" noResize="1" noEditPoints="1" noAdjustHandles="1" noChangeArrowheads="1" noChangeShapeType="1" noTextEdit="1"/>
+          </p:cNvSpPr>
+          <p:nvPr>
+            <p:extLst>
+              <p:ext uri="{386F3935-93C4-4BCD-93E2-E3B085C9AB24}">
+                <p16:designElem xmlns:p16="http://schemas.microsoft.com/office/powerpoint/2015/main" val="1"/>
+              </p:ext>
+            </p:extLst>
+          </p:nvPr>
+        </p:nvSpPr>
+        <p:spPr>
+          <a:xfrm>
+            <a:off x="3149972" y="3121681"/>
+            <a:ext cx="8100269" cy="4556401"/>
+          </a:xfrm>
+          <a:prstGeom prst="rect">
+            <a:avLst/>
+          </a:prstGeom>
+          <a:solidFill>
+            <a:srgbClr val="000000"/>
+          </a:solidFill>
+          <a:ln>
+            <a:noFill/>
+          </a:ln>
+        </p:spPr>
+        <p:style>
+          <a:lnRef idx="2">
+            <a:schemeClr val="accent1">
+              <a:shade val="50000"/>
+            </a:schemeClr>
+          </a:lnRef>
+          <a:fillRef idx="1">
+            <a:schemeClr val="accent1"/>
+          </a:fillRef>
+          <a:effectRef idx="0">
+            <a:schemeClr val="accent1"/>
+          </a:effectRef>
+          <a:fontRef idx="minor">
+            <a:schemeClr val="lt1"/>
+          </a:fontRef>
+        </p:style>
+        <p:txBody>
+          <a:bodyPr rtlCol="0" anchor="ctr"/>
+          <a:lstStyle/>
+          <a:p>
+            <a:pPr algn="ctr">
+              <a:defRPr/>
+            </a:pPr>
+            <a:endParaRPr lang="en-US" sz="1196" dirty="0">
+              <a:solidFill>
+                <a:prstClr val="black">
+                  <a:lumMod val="65000"/>
+                  <a:lumOff val="35000"/>
+                </a:prstClr>
+              </a:solidFill>
+              <a:latin typeface="AvenirNext LT Pro Medium" panose="020B0504020202020204" pitchFamily="34" charset="0"/>
+            </a:endParaRPr>
+          </a:p>
+        </p:txBody>
+      </p:sp>
+      <p:pic>
+        <p:nvPicPr>
+          <p:cNvPr id="5" name="Imagem 4">
+            <a:extLst>
+              <a:ext uri="{FF2B5EF4-FFF2-40B4-BE49-F238E27FC236}">
+                <a16:creationId xmlns:a16="http://schemas.microsoft.com/office/drawing/2014/main" id="{F1433EF1-FB6D-4913-96C9-08F0B1B3CA7A}"/>
+              </a:ext>
+            </a:extLst>
+          </p:cNvPr>
+          <p:cNvPicPr>
+            <a:picLocks noChangeAspect="1"/>
+          </p:cNvPicPr>
+          <p:nvPr/>
+        </p:nvPicPr>
+        <p:blipFill rotWithShape="1">
+          <a:blip r:embed="rId3">
+            <a:alphaModFix/>
+            <a:extLst>
+              <a:ext uri="{28A0092B-C50C-407E-A947-70E740481C1C}">
+                <a14:useLocalDpi xmlns:a14="http://schemas.microsoft.com/office/drawing/2010/main" val="0"/>
+              </a:ext>
+            </a:extLst>
+          </a:blip>
+          <a:srcRect l="5233" t="-2125" r="6244" b="-538"/>
+          <a:stretch/>
+        </p:blipFill>
+        <p:spPr>
+          <a:xfrm>
+            <a:off x="-1" y="-248909"/>
+            <a:ext cx="14400213" cy="11147555"/>
+          </a:xfrm>
+          <a:prstGeom prst="rect">
+            <a:avLst/>
+          </a:prstGeom>
+        </p:spPr>
+      </p:pic>
+      <p:sp>
+        <p:nvSpPr>
+          <p:cNvPr id="50" name="Retângulo 49">
+            <a:extLst>
+              <a:ext uri="{FF2B5EF4-FFF2-40B4-BE49-F238E27FC236}">
+                <a16:creationId xmlns:a16="http://schemas.microsoft.com/office/drawing/2014/main" id="{50614AED-75DE-4550-9029-54313F89BD12}"/>
+              </a:ext>
+            </a:extLst>
+          </p:cNvPr>
+          <p:cNvSpPr/>
+          <p:nvPr/>
+        </p:nvSpPr>
+        <p:spPr>
+          <a:xfrm>
+            <a:off x="3186646" y="311571"/>
+            <a:ext cx="8052791" cy="992583"/>
+          </a:xfrm>
+          <a:prstGeom prst="rect">
+            <a:avLst/>
+          </a:prstGeom>
+          <a:noFill/>
+        </p:spPr>
+        <p:txBody>
+          <a:bodyPr wrap="square" lIns="68584" tIns="34292" rIns="68584" bIns="34292">
+            <a:spAutoFit/>
+          </a:bodyPr>
+          <a:lstStyle/>
+          <a:p>
+            <a:pPr algn="ctr"/>
+            <a:r>
+              <a:rPr lang="pt-BR" sz="6000" dirty="0">
+                <a:ln w="38100">
+                  <a:solidFill>
+                    <a:schemeClr val="bg1"/>
+                  </a:solidFill>
+                </a:ln>
+                <a:solidFill>
+                  <a:srgbClr val="00B050"/>
+                </a:solidFill>
+                <a:effectLst>
+                  <a:outerShdw blurRad="38100" dist="19050" dir="2700000" algn="tl" rotWithShape="0">
+                    <a:schemeClr val="dk1">
+                      <a:alpha val="40000"/>
+                    </a:schemeClr>
+                  </a:outerShdw>
+                </a:effectLst>
+                <a:latin typeface="Exo 2 Extra Bold" panose="00000900000000000000" pitchFamily="50" charset="0"/>
+              </a:rPr>
+              <a:t>Liga Principal</a:t>
+            </a:r>
+          </a:p>
+        </p:txBody>
+      </p:sp>
+      <p:sp>
+        <p:nvSpPr>
+          <p:cNvPr id="53" name="Retângulo 52">
+            <a:extLst>
+              <a:ext uri="{FF2B5EF4-FFF2-40B4-BE49-F238E27FC236}">
+                <a16:creationId xmlns:a16="http://schemas.microsoft.com/office/drawing/2014/main" id="{F101E0BF-8A68-40B9-BC26-35C299182F52}"/>
+              </a:ext>
+            </a:extLst>
+          </p:cNvPr>
+          <p:cNvSpPr/>
+          <p:nvPr/>
+        </p:nvSpPr>
+        <p:spPr>
+          <a:xfrm>
+            <a:off x="336776" y="1104608"/>
+            <a:ext cx="13909452" cy="1177249"/>
+          </a:xfrm>
+          <a:prstGeom prst="rect">
+            <a:avLst/>
+          </a:prstGeom>
+          <a:noFill/>
+        </p:spPr>
+        <p:txBody>
+          <a:bodyPr wrap="square" lIns="68584" tIns="34292" rIns="68584" bIns="34292">
+            <a:spAutoFit/>
+          </a:bodyPr>
+          <a:lstStyle/>
+          <a:p>
+            <a:pPr algn="ctr"/>
+            <a:r>
+              <a:rPr lang="pt-BR" sz="7200" dirty="0">
+                <a:ln w="0">
+                  <a:noFill/>
+                </a:ln>
+                <a:effectLst>
+                  <a:outerShdw blurRad="38100" dist="19050" dir="2700000" algn="tl" rotWithShape="0">
+                    <a:schemeClr val="dk1">
+                      <a:alpha val="40000"/>
+                    </a:schemeClr>
+                  </a:outerShdw>
+                </a:effectLst>
+                <a:latin typeface="Exo 2 Extra Bold" panose="00000900000000000000" pitchFamily="50" charset="0"/>
+              </a:rPr>
+              <a:t>MATA-MATA SÉRIE C 5</a:t>
+            </a:r>
+          </a:p>
+        </p:txBody>
+      </p:sp>
+      <p:pic>
+        <p:nvPicPr>
+          <p:cNvPr id="15" name="Imagem 14">
+            <a:extLst>
+              <a:ext uri="{FF2B5EF4-FFF2-40B4-BE49-F238E27FC236}">
+                <a16:creationId xmlns:a16="http://schemas.microsoft.com/office/drawing/2014/main" id="{780D6AE4-2B31-43CF-8A3B-9ACC73C32FE9}"/>
+              </a:ext>
+            </a:extLst>
+          </p:cNvPr>
+          <p:cNvPicPr>
+            <a:picLocks noChangeAspect="1"/>
+          </p:cNvPicPr>
+          <p:nvPr/>
+        </p:nvPicPr>
+        <p:blipFill>
+          <a:blip r:embed="rId4" cstate="hqprint">
+            <a:extLst>
+              <a:ext uri="{28A0092B-C50C-407E-A947-70E740481C1C}">
+                <a14:useLocalDpi xmlns:a14="http://schemas.microsoft.com/office/drawing/2010/main" val="0"/>
+              </a:ext>
+            </a:extLst>
+          </a:blip>
+          <a:stretch>
+            <a:fillRect/>
+          </a:stretch>
+        </p:blipFill>
+        <p:spPr>
+          <a:xfrm>
+            <a:off x="336776" y="194284"/>
+            <a:ext cx="2059134" cy="2160000"/>
+          </a:xfrm>
+          <a:prstGeom prst="rect">
+            <a:avLst/>
+          </a:prstGeom>
+        </p:spPr>
+      </p:pic>
+      <p:sp>
+        <p:nvSpPr>
+          <p:cNvPr id="10" name="Retângulo 9">
+            <a:extLst>
+              <a:ext uri="{FF2B5EF4-FFF2-40B4-BE49-F238E27FC236}">
+                <a16:creationId xmlns:a16="http://schemas.microsoft.com/office/drawing/2014/main" id="{838BDC98-3287-4575-8574-56F716FB2440}"/>
+              </a:ext>
+            </a:extLst>
+          </p:cNvPr>
+          <p:cNvSpPr/>
+          <p:nvPr/>
+        </p:nvSpPr>
+        <p:spPr>
+          <a:xfrm>
+            <a:off x="178700" y="2996119"/>
+            <a:ext cx="6850745" cy="6618957"/>
+          </a:xfrm>
+          <a:prstGeom prst="rect">
+            <a:avLst/>
+          </a:prstGeom>
+          <a:solidFill>
+            <a:schemeClr val="tx1">
+              <a:alpha val="81000"/>
+            </a:schemeClr>
+          </a:solidFill>
+        </p:spPr>
+        <p:style>
+          <a:lnRef idx="2">
+            <a:schemeClr val="accent1">
+              <a:shade val="50000"/>
+            </a:schemeClr>
+          </a:lnRef>
+          <a:fillRef idx="1">
+            <a:schemeClr val="accent1"/>
+          </a:fillRef>
+          <a:effectRef idx="0">
+            <a:schemeClr val="accent1"/>
+          </a:effectRef>
+          <a:fontRef idx="minor">
+            <a:schemeClr val="lt1"/>
+          </a:fontRef>
+        </p:style>
+        <p:txBody>
+          <a:bodyPr rtlCol="0" anchor="ctr"/>
+          <a:lstStyle/>
+          <a:p>
+            <a:pPr algn="ctr"/>
+            <a:endParaRPr lang="pt-BR"/>
+          </a:p>
+        </p:txBody>
+      </p:sp>
+      <p:sp>
+        <p:nvSpPr>
+          <p:cNvPr id="21" name="Retângulo 20">
+            <a:extLst>
+              <a:ext uri="{FF2B5EF4-FFF2-40B4-BE49-F238E27FC236}">
+                <a16:creationId xmlns:a16="http://schemas.microsoft.com/office/drawing/2014/main" id="{95EDB8CB-8377-4925-B478-560C3F615037}"/>
+              </a:ext>
+            </a:extLst>
+          </p:cNvPr>
+          <p:cNvSpPr/>
+          <p:nvPr/>
+        </p:nvSpPr>
+        <p:spPr>
+          <a:xfrm>
+            <a:off x="7395483" y="2996119"/>
+            <a:ext cx="6850745" cy="6622759"/>
+          </a:xfrm>
+          <a:prstGeom prst="rect">
+            <a:avLst/>
+          </a:prstGeom>
+          <a:solidFill>
+            <a:schemeClr val="tx1">
+              <a:alpha val="81000"/>
+            </a:schemeClr>
+          </a:solidFill>
+        </p:spPr>
+        <p:style>
+          <a:lnRef idx="2">
+            <a:schemeClr val="accent1">
+              <a:shade val="50000"/>
+            </a:schemeClr>
+          </a:lnRef>
+          <a:fillRef idx="1">
+            <a:schemeClr val="accent1"/>
+          </a:fillRef>
+          <a:effectRef idx="0">
+            <a:schemeClr val="accent1"/>
+          </a:effectRef>
+          <a:fontRef idx="minor">
+            <a:schemeClr val="lt1"/>
+          </a:fontRef>
+        </p:style>
+        <p:txBody>
+          <a:bodyPr rtlCol="0" anchor="ctr"/>
+          <a:lstStyle/>
+          <a:p>
+            <a:pPr algn="ctr"/>
+            <a:endParaRPr lang="pt-BR"/>
+          </a:p>
+        </p:txBody>
+      </p:sp>
+      <p:sp>
+        <p:nvSpPr>
+          <p:cNvPr id="23" name="Retângulo 22">
+            <a:extLst>
+              <a:ext uri="{FF2B5EF4-FFF2-40B4-BE49-F238E27FC236}">
+                <a16:creationId xmlns:a16="http://schemas.microsoft.com/office/drawing/2014/main" id="{ED87CD67-A438-4F74-986A-3704AF997953}"/>
+              </a:ext>
+            </a:extLst>
+          </p:cNvPr>
+          <p:cNvSpPr/>
+          <p:nvPr/>
+        </p:nvSpPr>
+        <p:spPr>
+          <a:xfrm>
+            <a:off x="2102178" y="2948022"/>
+            <a:ext cx="3010153" cy="684807"/>
+          </a:xfrm>
+          <a:prstGeom prst="rect">
+            <a:avLst/>
+          </a:prstGeom>
+          <a:noFill/>
+        </p:spPr>
+        <p:txBody>
+          <a:bodyPr wrap="square" lIns="68584" tIns="34292" rIns="68584" bIns="34292">
+            <a:spAutoFit/>
+          </a:bodyPr>
+          <a:lstStyle/>
+          <a:p>
+            <a:pPr algn="ctr"/>
+            <a:r>
+              <a:rPr lang="pt-BR" sz="4000" dirty="0">
+                <a:ln w="0">
+                  <a:noFill/>
+                </a:ln>
+                <a:solidFill>
+                  <a:srgbClr val="0070C0"/>
+                </a:solidFill>
+                <a:effectLst>
+                  <a:outerShdw blurRad="38100" dist="19050" dir="2700000" algn="tl" rotWithShape="0">
+                    <a:schemeClr val="dk1">
+                      <a:alpha val="40000"/>
+                    </a:schemeClr>
+                  </a:outerShdw>
+                </a:effectLst>
+                <a:latin typeface="Exo 2 Extra Bold" panose="00000900000000000000" pitchFamily="50" charset="0"/>
+              </a:rPr>
+              <a:t>Chave 1</a:t>
+            </a:r>
+          </a:p>
+        </p:txBody>
+      </p:sp>
+      <p:sp>
+        <p:nvSpPr>
+          <p:cNvPr id="24" name="Retângulo 23">
+            <a:extLst>
+              <a:ext uri="{FF2B5EF4-FFF2-40B4-BE49-F238E27FC236}">
+                <a16:creationId xmlns:a16="http://schemas.microsoft.com/office/drawing/2014/main" id="{522A4ACC-EC27-4A14-BA66-B0EB03535C7B}"/>
+              </a:ext>
+            </a:extLst>
+          </p:cNvPr>
+          <p:cNvSpPr/>
+          <p:nvPr/>
+        </p:nvSpPr>
+        <p:spPr>
+          <a:xfrm>
+            <a:off x="9315778" y="2946575"/>
+            <a:ext cx="3010153" cy="684807"/>
+          </a:xfrm>
+          <a:prstGeom prst="rect">
+            <a:avLst/>
+          </a:prstGeom>
+          <a:noFill/>
+        </p:spPr>
+        <p:txBody>
+          <a:bodyPr wrap="square" lIns="68584" tIns="34292" rIns="68584" bIns="34292">
+            <a:spAutoFit/>
+          </a:bodyPr>
+          <a:lstStyle/>
+          <a:p>
+            <a:pPr algn="ctr"/>
+            <a:r>
+              <a:rPr lang="pt-BR" sz="4000" dirty="0">
+                <a:ln w="0">
+                  <a:noFill/>
+                </a:ln>
+                <a:solidFill>
+                  <a:srgbClr val="0070C0"/>
+                </a:solidFill>
+                <a:effectLst>
+                  <a:outerShdw blurRad="38100" dist="19050" dir="2700000" algn="tl" rotWithShape="0">
+                    <a:schemeClr val="dk1">
+                      <a:alpha val="40000"/>
+                    </a:schemeClr>
+                  </a:outerShdw>
+                </a:effectLst>
+                <a:latin typeface="Exo 2 Extra Bold" panose="00000900000000000000" pitchFamily="50" charset="0"/>
+              </a:rPr>
+              <a:t>Chave 2</a:t>
+            </a:r>
+          </a:p>
+        </p:txBody>
+      </p:sp>
+      <p:pic>
+        <p:nvPicPr>
+          <p:cNvPr id="6" name="Imagem 5">
+            <a:extLst>
+              <a:ext uri="{FF2B5EF4-FFF2-40B4-BE49-F238E27FC236}">
+                <a16:creationId xmlns:a16="http://schemas.microsoft.com/office/drawing/2014/main" id="{83522362-5E57-4D9B-B2AD-D1BE37EC5FF3}"/>
+              </a:ext>
+            </a:extLst>
+          </p:cNvPr>
+          <p:cNvPicPr>
+            <a:picLocks noChangeAspect="1"/>
+          </p:cNvPicPr>
+          <p:nvPr/>
+        </p:nvPicPr>
+        <p:blipFill>
+          <a:blip r:embed="rId5"/>
+          <a:stretch>
+            <a:fillRect/>
+          </a:stretch>
+        </p:blipFill>
+        <p:spPr>
+          <a:xfrm>
+            <a:off x="335092" y="3872449"/>
+            <a:ext cx="6531196" cy="5580000"/>
+          </a:xfrm>
+          <a:prstGeom prst="rect">
+            <a:avLst/>
+          </a:prstGeom>
+        </p:spPr>
+      </p:pic>
+      <p:pic>
+        <p:nvPicPr>
+          <p:cNvPr id="8" name="Imagem 7">
+            <a:extLst>
+              <a:ext uri="{FF2B5EF4-FFF2-40B4-BE49-F238E27FC236}">
+                <a16:creationId xmlns:a16="http://schemas.microsoft.com/office/drawing/2014/main" id="{4E839014-08D6-44DB-A1E5-FE22820B5776}"/>
+              </a:ext>
+            </a:extLst>
+          </p:cNvPr>
+          <p:cNvPicPr>
+            <a:picLocks noChangeAspect="1"/>
+          </p:cNvPicPr>
+          <p:nvPr/>
+        </p:nvPicPr>
+        <p:blipFill>
+          <a:blip r:embed="rId6"/>
+          <a:stretch>
+            <a:fillRect/>
+          </a:stretch>
+        </p:blipFill>
+        <p:spPr>
+          <a:xfrm>
+            <a:off x="7556344" y="3872449"/>
+            <a:ext cx="6521526" cy="5580000"/>
+          </a:xfrm>
+          <a:prstGeom prst="rect">
+            <a:avLst/>
+          </a:prstGeom>
+        </p:spPr>
+      </p:pic>
+    </p:spTree>
+    <p:extLst>
+      <p:ext uri="{BB962C8B-B14F-4D97-AF65-F5344CB8AC3E}">
+        <p14:creationId xmlns:p14="http://schemas.microsoft.com/office/powerpoint/2010/main" val="2893842562"/>
+      </p:ext>
+    </p:extLst>
+  </p:cSld>
+  <p:clrMapOvr>
+    <a:masterClrMapping/>
+  </p:clrMapOvr>
+</p:sld>
+</file>
+
+<file path=ppt/slides/slide4.xml><?xml version="1.0" encoding="utf-8"?>
+<p:sld xmlns:a="http://schemas.openxmlformats.org/drawingml/2006/main" xmlns:r="http://schemas.openxmlformats.org/officeDocument/2006/relationships" xmlns:p="http://schemas.openxmlformats.org/presentationml/2006/main">
+  <p:cSld>
+    <p:bg>
+      <p:bgPr>
+        <a:solidFill>
+          <a:schemeClr val="bg1"/>
+        </a:solidFill>
+        <a:effectLst/>
+      </p:bgPr>
+    </p:bg>
+    <p:spTree>
+      <p:nvGrpSpPr>
+        <p:cNvPr id="1" name=""/>
+        <p:cNvGrpSpPr/>
+        <p:nvPr/>
+      </p:nvGrpSpPr>
+      <p:grpSpPr>
+        <a:xfrm>
+          <a:off x="0" y="0"/>
+          <a:ext cx="0" cy="0"/>
+          <a:chOff x="0" y="0"/>
+          <a:chExt cx="0" cy="0"/>
+        </a:xfrm>
+      </p:grpSpPr>
+      <p:sp>
+        <p:nvSpPr>
+          <p:cNvPr id="13" name="Rectangle 9">
+            <a:extLst>
+              <a:ext uri="{FF2B5EF4-FFF2-40B4-BE49-F238E27FC236}">
+                <a16:creationId xmlns:a16="http://schemas.microsoft.com/office/drawing/2014/main" id="{0BABF38A-8A0D-492E-BD20-6CF4D46B50BD}"/>
+              </a:ext>
+              <a:ext uri="{C183D7F6-B498-43B3-948B-1728B52AA6E4}">
+                <adec:decorative xmlns:adec="http://schemas.microsoft.com/office/drawing/2017/decorative" val="1"/>
+              </a:ext>
+            </a:extLst>
+          </p:cNvPr>
+          <p:cNvSpPr>
+            <a:spLocks noGrp="1" noRot="1" noChangeAspect="1" noMove="1" noResize="1" noEditPoints="1" noAdjustHandles="1" noChangeArrowheads="1" noChangeShapeType="1" noTextEdit="1"/>
+          </p:cNvSpPr>
+          <p:nvPr>
+            <p:extLst>
+              <p:ext uri="{386F3935-93C4-4BCD-93E2-E3B085C9AB24}">
+                <p16:designElem xmlns:p16="http://schemas.microsoft.com/office/powerpoint/2015/main" val="1"/>
+              </p:ext>
+            </p:extLst>
+          </p:nvPr>
+        </p:nvSpPr>
+        <p:spPr>
+          <a:xfrm>
+            <a:off x="3149972" y="3121681"/>
+            <a:ext cx="8100269" cy="4556404"/>
+          </a:xfrm>
+          <a:prstGeom prst="rect">
+            <a:avLst/>
+          </a:prstGeom>
+          <a:solidFill>
+            <a:schemeClr val="bg2">
+              <a:lumMod val="90000"/>
+              <a:alpha val="70000"/>
+            </a:schemeClr>
+          </a:solidFill>
+          <a:ln>
+            <a:noFill/>
+          </a:ln>
+        </p:spPr>
+        <p:style>
+          <a:lnRef idx="2">
+            <a:schemeClr val="accent1">
+              <a:shade val="50000"/>
+            </a:schemeClr>
+          </a:lnRef>
+          <a:fillRef idx="1">
+            <a:schemeClr val="accent1"/>
+          </a:fillRef>
+          <a:effectRef idx="0">
+            <a:schemeClr val="accent1"/>
+          </a:effectRef>
+          <a:fontRef idx="minor">
+            <a:schemeClr val="lt1"/>
+          </a:fontRef>
+        </p:style>
+        <p:txBody>
+          <a:bodyPr rtlCol="0" anchor="ctr"/>
+          <a:lstStyle/>
+          <a:p>
+            <a:pPr algn="ctr">
+              <a:defRPr/>
+            </a:pPr>
+            <a:endParaRPr lang="en-US" sz="1196" dirty="0">
+              <a:solidFill>
+                <a:prstClr val="black">
+                  <a:lumMod val="65000"/>
+                  <a:lumOff val="35000"/>
+                </a:prstClr>
+              </a:solidFill>
+              <a:latin typeface="AvenirNext LT Pro Medium" panose="020B0504020202020204" pitchFamily="34" charset="0"/>
+            </a:endParaRPr>
+          </a:p>
+        </p:txBody>
+      </p:sp>
+      <p:pic>
+        <p:nvPicPr>
+          <p:cNvPr id="12" name="Picture 11">
+            <a:extLst>
+              <a:ext uri="{FF2B5EF4-FFF2-40B4-BE49-F238E27FC236}">
+                <a16:creationId xmlns:a16="http://schemas.microsoft.com/office/drawing/2014/main" id="{BC526B7A-4801-4FD1-95C8-03AF22629E87}"/>
+              </a:ext>
+              <a:ext uri="{C183D7F6-B498-43B3-948B-1728B52AA6E4}">
+                <adec:decorative xmlns:adec="http://schemas.microsoft.com/office/drawing/2017/decorative" val="1"/>
+              </a:ext>
+            </a:extLst>
+          </p:cNvPr>
+          <p:cNvPicPr>
+            <a:picLocks noGrp="1" noRot="1" noChangeAspect="1" noMove="1" noResize="1" noEditPoints="1" noAdjustHandles="1" noChangeArrowheads="1" noChangeShapeType="1" noCrop="1"/>
+          </p:cNvPicPr>
+          <p:nvPr>
+            <p:extLst>
+              <p:ext uri="{386F3935-93C4-4BCD-93E2-E3B085C9AB24}">
+                <p16:designElem xmlns:p16="http://schemas.microsoft.com/office/powerpoint/2015/main" val="1"/>
+              </p:ext>
+            </p:extLst>
+          </p:nvPr>
+        </p:nvPicPr>
+        <p:blipFill>
+          <a:blip r:embed="rId2">
+            <a:alphaModFix amt="10000"/>
+            <a:extLst>
+              <a:ext uri="{28A0092B-C50C-407E-A947-70E740481C1C}">
+                <a14:useLocalDpi xmlns:a14="http://schemas.microsoft.com/office/drawing/2010/main" val="0"/>
+              </a:ext>
+            </a:extLst>
+          </a:blip>
+          <a:stretch>
+            <a:fillRect/>
+          </a:stretch>
+        </p:blipFill>
+        <p:spPr>
+          <a:xfrm>
+            <a:off x="8820159" y="3121682"/>
+            <a:ext cx="2428095" cy="3039825"/>
+          </a:xfrm>
+          <a:prstGeom prst="rect">
+            <a:avLst/>
+          </a:prstGeom>
+        </p:spPr>
+      </p:pic>
+      <p:sp useBgFill="1">
+        <p:nvSpPr>
+          <p:cNvPr id="14" name="Rectangle 13">
+            <a:extLst>
+              <a:ext uri="{FF2B5EF4-FFF2-40B4-BE49-F238E27FC236}">
+                <a16:creationId xmlns:a16="http://schemas.microsoft.com/office/drawing/2014/main" id="{37FDDF72-DE39-4F99-A3C1-DD9D7815D7DB}"/>
+              </a:ext>
+              <a:ext uri="{C183D7F6-B498-43B3-948B-1728B52AA6E4}">
+                <adec:decorative xmlns:adec="http://schemas.microsoft.com/office/drawing/2017/decorative" val="1"/>
+              </a:ext>
+            </a:extLst>
+          </p:cNvPr>
+          <p:cNvSpPr>
+            <a:spLocks noGrp="1" noRot="1" noChangeAspect="1" noMove="1" noResize="1" noEditPoints="1" noAdjustHandles="1" noChangeArrowheads="1" noChangeShapeType="1" noTextEdit="1"/>
+          </p:cNvSpPr>
+          <p:nvPr>
+            <p:extLst>
+              <p:ext uri="{386F3935-93C4-4BCD-93E2-E3B085C9AB24}">
+                <p16:designElem xmlns:p16="http://schemas.microsoft.com/office/powerpoint/2015/main" val="1"/>
+              </p:ext>
+            </p:extLst>
+          </p:nvPr>
+        </p:nvSpPr>
+        <p:spPr>
+          <a:xfrm>
+            <a:off x="3149972" y="3121681"/>
+            <a:ext cx="8100269" cy="4556401"/>
+          </a:xfrm>
+          <a:prstGeom prst="rect">
+            <a:avLst/>
+          </a:prstGeom>
+          <a:ln>
+            <a:noFill/>
+          </a:ln>
+        </p:spPr>
+        <p:style>
+          <a:lnRef idx="2">
+            <a:schemeClr val="accent1">
+              <a:shade val="50000"/>
+            </a:schemeClr>
+          </a:lnRef>
+          <a:fillRef idx="1">
+            <a:schemeClr val="accent1"/>
+          </a:fillRef>
+          <a:effectRef idx="0">
+            <a:schemeClr val="accent1"/>
+          </a:effectRef>
+          <a:fontRef idx="minor">
+            <a:schemeClr val="lt1"/>
+          </a:fontRef>
+        </p:style>
+        <p:txBody>
+          <a:bodyPr rtlCol="0" anchor="ctr"/>
+          <a:lstStyle/>
+          <a:p>
+            <a:pPr algn="ctr">
+              <a:defRPr/>
+            </a:pPr>
+            <a:endParaRPr lang="en-US" sz="1196" dirty="0">
+              <a:solidFill>
+                <a:prstClr val="black">
+                  <a:lumMod val="65000"/>
+                  <a:lumOff val="35000"/>
+                </a:prstClr>
+              </a:solidFill>
+              <a:latin typeface="AvenirNext LT Pro Medium" panose="020B0504020202020204" pitchFamily="34" charset="0"/>
+            </a:endParaRPr>
+          </a:p>
+        </p:txBody>
+      </p:sp>
+      <p:sp>
+        <p:nvSpPr>
+          <p:cNvPr id="16" name="Rectangle 15">
+            <a:extLst>
+              <a:ext uri="{FF2B5EF4-FFF2-40B4-BE49-F238E27FC236}">
+                <a16:creationId xmlns:a16="http://schemas.microsoft.com/office/drawing/2014/main" id="{5E4ECE80-3AD1-450C-B62A-98788F193948}"/>
+              </a:ext>
+              <a:ext uri="{C183D7F6-B498-43B3-948B-1728B52AA6E4}">
+                <adec:decorative xmlns:adec="http://schemas.microsoft.com/office/drawing/2017/decorative" val="1"/>
               </a:ext>
             </a:extLst>
           </p:cNvPr>
@@ -11912,7 +13495,7 @@
 </p:sld>
 </file>
 
-<file path=ppt/slides/slide4.xml><?xml version="1.0" encoding="utf-8"?>
+<file path=ppt/slides/slide5.xml><?xml version="1.0" encoding="utf-8"?>
 <p:sld xmlns:a="http://schemas.openxmlformats.org/drawingml/2006/main" xmlns:r="http://schemas.openxmlformats.org/officeDocument/2006/relationships" xmlns:p="http://schemas.openxmlformats.org/presentationml/2006/main">
   <p:cSld>
     <p:bg>
@@ -11945,7 +13528,7 @@
                 <a16:creationId xmlns:a16="http://schemas.microsoft.com/office/drawing/2014/main" id="{0BABF38A-8A0D-492E-BD20-6CF4D46B50BD}"/>
               </a:ext>
               <a:ext uri="{C183D7F6-B498-43B3-948B-1728B52AA6E4}">
-                <adec:decorative xmlns="" xmlns:adec="http://schemas.microsoft.com/office/drawing/2017/decorative" val="1"/>
+                <adec:decorative xmlns:adec="http://schemas.microsoft.com/office/drawing/2017/decorative" val="1"/>
               </a:ext>
             </a:extLst>
           </p:cNvPr>
@@ -12021,7 +13604,7 @@
                 <a16:creationId xmlns:a16="http://schemas.microsoft.com/office/drawing/2014/main" id="{BC526B7A-4801-4FD1-95C8-03AF22629E87}"/>
               </a:ext>
               <a:ext uri="{C183D7F6-B498-43B3-948B-1728B52AA6E4}">
-                <adec:decorative xmlns="" xmlns:adec="http://schemas.microsoft.com/office/drawing/2017/decorative" val="1"/>
+                <adec:decorative xmlns:adec="http://schemas.microsoft.com/office/drawing/2017/decorative" val="1"/>
               </a:ext>
             </a:extLst>
           </p:cNvPr>
@@ -12067,7 +13650,7 @@
                 <a16:creationId xmlns:a16="http://schemas.microsoft.com/office/drawing/2014/main" id="{37FDDF72-DE39-4F99-A3C1-DD9D7815D7DB}"/>
               </a:ext>
               <a:ext uri="{C183D7F6-B498-43B3-948B-1728B52AA6E4}">
-                <adec:decorative xmlns="" xmlns:adec="http://schemas.microsoft.com/office/drawing/2017/decorative" val="1"/>
+                <adec:decorative xmlns:adec="http://schemas.microsoft.com/office/drawing/2017/decorative" val="1"/>
               </a:ext>
             </a:extLst>
           </p:cNvPr>
@@ -12137,7 +13720,7 @@
                 <a16:creationId xmlns:a16="http://schemas.microsoft.com/office/drawing/2014/main" id="{5E4ECE80-3AD1-450C-B62A-98788F193948}"/>
               </a:ext>
               <a:ext uri="{C183D7F6-B498-43B3-948B-1728B52AA6E4}">
-                <adec:decorative xmlns="" xmlns:adec="http://schemas.microsoft.com/office/drawing/2017/decorative" val="1"/>
+                <adec:decorative xmlns:adec="http://schemas.microsoft.com/office/drawing/2017/decorative" val="1"/>
               </a:ext>
             </a:extLst>
           </p:cNvPr>
@@ -12486,746 +14069,6 @@
 </p:sld>
 </file>
 
-<file path=ppt/slides/slide5.xml><?xml version="1.0" encoding="utf-8"?>
-<p:sld xmlns:a="http://schemas.openxmlformats.org/drawingml/2006/main" xmlns:r="http://schemas.openxmlformats.org/officeDocument/2006/relationships" xmlns:p="http://schemas.openxmlformats.org/presentationml/2006/main">
-  <p:cSld>
-    <p:bg>
-      <p:bgPr>
-        <a:solidFill>
-          <a:schemeClr val="bg1"/>
-        </a:solidFill>
-        <a:effectLst/>
-      </p:bgPr>
-    </p:bg>
-    <p:spTree>
-      <p:nvGrpSpPr>
-        <p:cNvPr id="1" name=""/>
-        <p:cNvGrpSpPr/>
-        <p:nvPr/>
-      </p:nvGrpSpPr>
-      <p:grpSpPr>
-        <a:xfrm>
-          <a:off x="0" y="0"/>
-          <a:ext cx="0" cy="0"/>
-          <a:chOff x="0" y="0"/>
-          <a:chExt cx="0" cy="0"/>
-        </a:xfrm>
-      </p:grpSpPr>
-      <p:sp>
-        <p:nvSpPr>
-          <p:cNvPr id="13" name="Rectangle 9">
-            <a:extLst>
-              <a:ext uri="{FF2B5EF4-FFF2-40B4-BE49-F238E27FC236}">
-                <a16:creationId xmlns:a16="http://schemas.microsoft.com/office/drawing/2014/main" id="{0BABF38A-8A0D-492E-BD20-6CF4D46B50BD}"/>
-              </a:ext>
-              <a:ext uri="{C183D7F6-B498-43B3-948B-1728B52AA6E4}">
-                <adec:decorative xmlns="" xmlns:adec="http://schemas.microsoft.com/office/drawing/2017/decorative" val="1"/>
-              </a:ext>
-            </a:extLst>
-          </p:cNvPr>
-          <p:cNvSpPr>
-            <a:spLocks noGrp="1" noRot="1" noChangeAspect="1" noMove="1" noResize="1" noEditPoints="1" noAdjustHandles="1" noChangeArrowheads="1" noChangeShapeType="1" noTextEdit="1"/>
-          </p:cNvSpPr>
-          <p:nvPr>
-            <p:extLst>
-              <p:ext uri="{386F3935-93C4-4BCD-93E2-E3B085C9AB24}">
-                <p16:designElem xmlns:p16="http://schemas.microsoft.com/office/powerpoint/2015/main" val="1"/>
-              </p:ext>
-            </p:extLst>
-          </p:nvPr>
-        </p:nvSpPr>
-        <p:spPr>
-          <a:xfrm>
-            <a:off x="3149972" y="3121681"/>
-            <a:ext cx="8100269" cy="4556404"/>
-          </a:xfrm>
-          <a:prstGeom prst="rect">
-            <a:avLst/>
-          </a:prstGeom>
-          <a:solidFill>
-            <a:schemeClr val="bg2">
-              <a:lumMod val="90000"/>
-              <a:alpha val="70000"/>
-            </a:schemeClr>
-          </a:solidFill>
-          <a:ln>
-            <a:noFill/>
-          </a:ln>
-        </p:spPr>
-        <p:style>
-          <a:lnRef idx="2">
-            <a:schemeClr val="accent1">
-              <a:shade val="50000"/>
-            </a:schemeClr>
-          </a:lnRef>
-          <a:fillRef idx="1">
-            <a:schemeClr val="accent1"/>
-          </a:fillRef>
-          <a:effectRef idx="0">
-            <a:schemeClr val="accent1"/>
-          </a:effectRef>
-          <a:fontRef idx="minor">
-            <a:schemeClr val="lt1"/>
-          </a:fontRef>
-        </p:style>
-        <p:txBody>
-          <a:bodyPr rtlCol="0" anchor="ctr"/>
-          <a:lstStyle/>
-          <a:p>
-            <a:pPr algn="ctr">
-              <a:defRPr/>
-            </a:pPr>
-            <a:endParaRPr lang="en-US" sz="1196" dirty="0">
-              <a:solidFill>
-                <a:prstClr val="black">
-                  <a:lumMod val="65000"/>
-                  <a:lumOff val="35000"/>
-                </a:prstClr>
-              </a:solidFill>
-              <a:latin typeface="AvenirNext LT Pro Medium" panose="020B0504020202020204" pitchFamily="34" charset="0"/>
-            </a:endParaRPr>
-          </a:p>
-        </p:txBody>
-      </p:sp>
-      <p:pic>
-        <p:nvPicPr>
-          <p:cNvPr id="12" name="Picture 11">
-            <a:extLst>
-              <a:ext uri="{FF2B5EF4-FFF2-40B4-BE49-F238E27FC236}">
-                <a16:creationId xmlns:a16="http://schemas.microsoft.com/office/drawing/2014/main" id="{BC526B7A-4801-4FD1-95C8-03AF22629E87}"/>
-              </a:ext>
-              <a:ext uri="{C183D7F6-B498-43B3-948B-1728B52AA6E4}">
-                <adec:decorative xmlns="" xmlns:adec="http://schemas.microsoft.com/office/drawing/2017/decorative" val="1"/>
-              </a:ext>
-            </a:extLst>
-          </p:cNvPr>
-          <p:cNvPicPr>
-            <a:picLocks noGrp="1" noRot="1" noChangeAspect="1" noMove="1" noResize="1" noEditPoints="1" noAdjustHandles="1" noChangeArrowheads="1" noChangeShapeType="1" noCrop="1"/>
-          </p:cNvPicPr>
-          <p:nvPr>
-            <p:extLst>
-              <p:ext uri="{386F3935-93C4-4BCD-93E2-E3B085C9AB24}">
-                <p16:designElem xmlns:p16="http://schemas.microsoft.com/office/powerpoint/2015/main" val="1"/>
-              </p:ext>
-            </p:extLst>
-          </p:nvPr>
-        </p:nvPicPr>
-        <p:blipFill>
-          <a:blip r:embed="rId2">
-            <a:alphaModFix amt="10000"/>
-            <a:extLst>
-              <a:ext uri="{28A0092B-C50C-407E-A947-70E740481C1C}">
-                <a14:useLocalDpi xmlns:a14="http://schemas.microsoft.com/office/drawing/2010/main" val="0"/>
-              </a:ext>
-            </a:extLst>
-          </a:blip>
-          <a:stretch>
-            <a:fillRect/>
-          </a:stretch>
-        </p:blipFill>
-        <p:spPr>
-          <a:xfrm>
-            <a:off x="8820159" y="3121682"/>
-            <a:ext cx="2428095" cy="3039825"/>
-          </a:xfrm>
-          <a:prstGeom prst="rect">
-            <a:avLst/>
-          </a:prstGeom>
-        </p:spPr>
-      </p:pic>
-      <p:sp useBgFill="1">
-        <p:nvSpPr>
-          <p:cNvPr id="14" name="Rectangle 13">
-            <a:extLst>
-              <a:ext uri="{FF2B5EF4-FFF2-40B4-BE49-F238E27FC236}">
-                <a16:creationId xmlns:a16="http://schemas.microsoft.com/office/drawing/2014/main" id="{37FDDF72-DE39-4F99-A3C1-DD9D7815D7DB}"/>
-              </a:ext>
-              <a:ext uri="{C183D7F6-B498-43B3-948B-1728B52AA6E4}">
-                <adec:decorative xmlns="" xmlns:adec="http://schemas.microsoft.com/office/drawing/2017/decorative" val="1"/>
-              </a:ext>
-            </a:extLst>
-          </p:cNvPr>
-          <p:cNvSpPr>
-            <a:spLocks noGrp="1" noRot="1" noChangeAspect="1" noMove="1" noResize="1" noEditPoints="1" noAdjustHandles="1" noChangeArrowheads="1" noChangeShapeType="1" noTextEdit="1"/>
-          </p:cNvSpPr>
-          <p:nvPr>
-            <p:extLst>
-              <p:ext uri="{386F3935-93C4-4BCD-93E2-E3B085C9AB24}">
-                <p16:designElem xmlns:p16="http://schemas.microsoft.com/office/powerpoint/2015/main" val="1"/>
-              </p:ext>
-            </p:extLst>
-          </p:nvPr>
-        </p:nvSpPr>
-        <p:spPr>
-          <a:xfrm>
-            <a:off x="3149972" y="3121681"/>
-            <a:ext cx="8100269" cy="4556401"/>
-          </a:xfrm>
-          <a:prstGeom prst="rect">
-            <a:avLst/>
-          </a:prstGeom>
-          <a:ln>
-            <a:noFill/>
-          </a:ln>
-        </p:spPr>
-        <p:style>
-          <a:lnRef idx="2">
-            <a:schemeClr val="accent1">
-              <a:shade val="50000"/>
-            </a:schemeClr>
-          </a:lnRef>
-          <a:fillRef idx="1">
-            <a:schemeClr val="accent1"/>
-          </a:fillRef>
-          <a:effectRef idx="0">
-            <a:schemeClr val="accent1"/>
-          </a:effectRef>
-          <a:fontRef idx="minor">
-            <a:schemeClr val="lt1"/>
-          </a:fontRef>
-        </p:style>
-        <p:txBody>
-          <a:bodyPr rtlCol="0" anchor="ctr"/>
-          <a:lstStyle/>
-          <a:p>
-            <a:pPr algn="ctr">
-              <a:defRPr/>
-            </a:pPr>
-            <a:endParaRPr lang="en-US" sz="1196" dirty="0">
-              <a:solidFill>
-                <a:prstClr val="black">
-                  <a:lumMod val="65000"/>
-                  <a:lumOff val="35000"/>
-                </a:prstClr>
-              </a:solidFill>
-              <a:latin typeface="AvenirNext LT Pro Medium" panose="020B0504020202020204" pitchFamily="34" charset="0"/>
-            </a:endParaRPr>
-          </a:p>
-        </p:txBody>
-      </p:sp>
-      <p:sp>
-        <p:nvSpPr>
-          <p:cNvPr id="16" name="Rectangle 15">
-            <a:extLst>
-              <a:ext uri="{FF2B5EF4-FFF2-40B4-BE49-F238E27FC236}">
-                <a16:creationId xmlns:a16="http://schemas.microsoft.com/office/drawing/2014/main" id="{5E4ECE80-3AD1-450C-B62A-98788F193948}"/>
-              </a:ext>
-              <a:ext uri="{C183D7F6-B498-43B3-948B-1728B52AA6E4}">
-                <adec:decorative xmlns="" xmlns:adec="http://schemas.microsoft.com/office/drawing/2017/decorative" val="1"/>
-              </a:ext>
-            </a:extLst>
-          </p:cNvPr>
-          <p:cNvSpPr>
-            <a:spLocks noGrp="1" noRot="1" noChangeAspect="1" noMove="1" noResize="1" noEditPoints="1" noAdjustHandles="1" noChangeArrowheads="1" noChangeShapeType="1" noTextEdit="1"/>
-          </p:cNvSpPr>
-          <p:nvPr>
-            <p:extLst>
-              <p:ext uri="{386F3935-93C4-4BCD-93E2-E3B085C9AB24}">
-                <p16:designElem xmlns:p16="http://schemas.microsoft.com/office/powerpoint/2015/main" val="1"/>
-              </p:ext>
-            </p:extLst>
-          </p:nvPr>
-        </p:nvSpPr>
-        <p:spPr>
-          <a:xfrm>
-            <a:off x="3149972" y="3121681"/>
-            <a:ext cx="8100269" cy="4556401"/>
-          </a:xfrm>
-          <a:prstGeom prst="rect">
-            <a:avLst/>
-          </a:prstGeom>
-          <a:solidFill>
-            <a:srgbClr val="000000"/>
-          </a:solidFill>
-          <a:ln>
-            <a:noFill/>
-          </a:ln>
-        </p:spPr>
-        <p:style>
-          <a:lnRef idx="2">
-            <a:schemeClr val="accent1">
-              <a:shade val="50000"/>
-            </a:schemeClr>
-          </a:lnRef>
-          <a:fillRef idx="1">
-            <a:schemeClr val="accent1"/>
-          </a:fillRef>
-          <a:effectRef idx="0">
-            <a:schemeClr val="accent1"/>
-          </a:effectRef>
-          <a:fontRef idx="minor">
-            <a:schemeClr val="lt1"/>
-          </a:fontRef>
-        </p:style>
-        <p:txBody>
-          <a:bodyPr rtlCol="0" anchor="ctr"/>
-          <a:lstStyle/>
-          <a:p>
-            <a:pPr algn="ctr">
-              <a:defRPr/>
-            </a:pPr>
-            <a:endParaRPr lang="en-US" sz="1196" dirty="0">
-              <a:solidFill>
-                <a:prstClr val="black">
-                  <a:lumMod val="65000"/>
-                  <a:lumOff val="35000"/>
-                </a:prstClr>
-              </a:solidFill>
-              <a:latin typeface="AvenirNext LT Pro Medium" panose="020B0504020202020204" pitchFamily="34" charset="0"/>
-            </a:endParaRPr>
-          </a:p>
-        </p:txBody>
-      </p:sp>
-      <p:pic>
-        <p:nvPicPr>
-          <p:cNvPr id="5" name="Imagem 4">
-            <a:extLst>
-              <a:ext uri="{FF2B5EF4-FFF2-40B4-BE49-F238E27FC236}">
-                <a16:creationId xmlns:a16="http://schemas.microsoft.com/office/drawing/2014/main" id="{F1433EF1-FB6D-4913-96C9-08F0B1B3CA7A}"/>
-              </a:ext>
-            </a:extLst>
-          </p:cNvPr>
-          <p:cNvPicPr>
-            <a:picLocks noChangeAspect="1"/>
-          </p:cNvPicPr>
-          <p:nvPr/>
-        </p:nvPicPr>
-        <p:blipFill rotWithShape="1">
-          <a:blip r:embed="rId3">
-            <a:alphaModFix/>
-            <a:extLst>
-              <a:ext uri="{28A0092B-C50C-407E-A947-70E740481C1C}">
-                <a14:useLocalDpi xmlns:a14="http://schemas.microsoft.com/office/drawing/2010/main" val="0"/>
-              </a:ext>
-            </a:extLst>
-          </a:blip>
-          <a:srcRect l="5233" t="-2125" r="6244" b="-538"/>
-          <a:stretch/>
-        </p:blipFill>
-        <p:spPr>
-          <a:xfrm>
-            <a:off x="-1" y="-248909"/>
-            <a:ext cx="14400213" cy="11147555"/>
-          </a:xfrm>
-          <a:prstGeom prst="rect">
-            <a:avLst/>
-          </a:prstGeom>
-        </p:spPr>
-      </p:pic>
-      <p:sp>
-        <p:nvSpPr>
-          <p:cNvPr id="50" name="Retângulo 49">
-            <a:extLst>
-              <a:ext uri="{FF2B5EF4-FFF2-40B4-BE49-F238E27FC236}">
-                <a16:creationId xmlns:a16="http://schemas.microsoft.com/office/drawing/2014/main" id="{50614AED-75DE-4550-9029-54313F89BD12}"/>
-              </a:ext>
-            </a:extLst>
-          </p:cNvPr>
-          <p:cNvSpPr/>
-          <p:nvPr/>
-        </p:nvSpPr>
-        <p:spPr>
-          <a:xfrm>
-            <a:off x="3186646" y="311571"/>
-            <a:ext cx="8052791" cy="992583"/>
-          </a:xfrm>
-          <a:prstGeom prst="rect">
-            <a:avLst/>
-          </a:prstGeom>
-          <a:noFill/>
-        </p:spPr>
-        <p:txBody>
-          <a:bodyPr wrap="square" lIns="68584" tIns="34292" rIns="68584" bIns="34292">
-            <a:spAutoFit/>
-          </a:bodyPr>
-          <a:lstStyle/>
-          <a:p>
-            <a:pPr algn="ctr"/>
-            <a:r>
-              <a:rPr lang="pt-BR" sz="6000" dirty="0">
-                <a:ln w="38100">
-                  <a:solidFill>
-                    <a:schemeClr val="bg1"/>
-                  </a:solidFill>
-                </a:ln>
-                <a:solidFill>
-                  <a:srgbClr val="00B050"/>
-                </a:solidFill>
-                <a:effectLst>
-                  <a:outerShdw blurRad="38100" dist="19050" dir="2700000" algn="tl" rotWithShape="0">
-                    <a:schemeClr val="dk1">
-                      <a:alpha val="40000"/>
-                    </a:schemeClr>
-                  </a:outerShdw>
-                </a:effectLst>
-                <a:latin typeface="Exo 2 Extra Bold" panose="00000900000000000000" pitchFamily="50" charset="0"/>
-              </a:rPr>
-              <a:t>Liga Principal</a:t>
-            </a:r>
-          </a:p>
-        </p:txBody>
-      </p:sp>
-      <p:sp>
-        <p:nvSpPr>
-          <p:cNvPr id="53" name="Retângulo 52">
-            <a:extLst>
-              <a:ext uri="{FF2B5EF4-FFF2-40B4-BE49-F238E27FC236}">
-                <a16:creationId xmlns:a16="http://schemas.microsoft.com/office/drawing/2014/main" id="{F101E0BF-8A68-40B9-BC26-35C299182F52}"/>
-              </a:ext>
-            </a:extLst>
-          </p:cNvPr>
-          <p:cNvSpPr/>
-          <p:nvPr/>
-        </p:nvSpPr>
-        <p:spPr>
-          <a:xfrm>
-            <a:off x="336776" y="1104608"/>
-            <a:ext cx="13909452" cy="1177249"/>
-          </a:xfrm>
-          <a:prstGeom prst="rect">
-            <a:avLst/>
-          </a:prstGeom>
-          <a:noFill/>
-        </p:spPr>
-        <p:txBody>
-          <a:bodyPr wrap="square" lIns="68584" tIns="34292" rIns="68584" bIns="34292">
-            <a:spAutoFit/>
-          </a:bodyPr>
-          <a:lstStyle/>
-          <a:p>
-            <a:pPr algn="ctr"/>
-            <a:r>
-              <a:rPr lang="pt-BR" sz="7200" dirty="0">
-                <a:ln w="0">
-                  <a:noFill/>
-                </a:ln>
-                <a:effectLst>
-                  <a:outerShdw blurRad="38100" dist="19050" dir="2700000" algn="tl" rotWithShape="0">
-                    <a:schemeClr val="dk1">
-                      <a:alpha val="40000"/>
-                    </a:schemeClr>
-                  </a:outerShdw>
-                </a:effectLst>
-                <a:latin typeface="Exo 2 Extra Bold" panose="00000900000000000000" pitchFamily="50" charset="0"/>
-              </a:rPr>
-              <a:t>MATA-MATA SÉRIE A 3</a:t>
-            </a:r>
-          </a:p>
-        </p:txBody>
-      </p:sp>
-      <p:pic>
-        <p:nvPicPr>
-          <p:cNvPr id="15" name="Imagem 14">
-            <a:extLst>
-              <a:ext uri="{FF2B5EF4-FFF2-40B4-BE49-F238E27FC236}">
-                <a16:creationId xmlns:a16="http://schemas.microsoft.com/office/drawing/2014/main" id="{780D6AE4-2B31-43CF-8A3B-9ACC73C32FE9}"/>
-              </a:ext>
-            </a:extLst>
-          </p:cNvPr>
-          <p:cNvPicPr>
-            <a:picLocks noChangeAspect="1"/>
-          </p:cNvPicPr>
-          <p:nvPr/>
-        </p:nvPicPr>
-        <p:blipFill>
-          <a:blip r:embed="rId4" cstate="hqprint">
-            <a:extLst>
-              <a:ext uri="{28A0092B-C50C-407E-A947-70E740481C1C}">
-                <a14:useLocalDpi xmlns:a14="http://schemas.microsoft.com/office/drawing/2010/main" val="0"/>
-              </a:ext>
-            </a:extLst>
-          </a:blip>
-          <a:stretch>
-            <a:fillRect/>
-          </a:stretch>
-        </p:blipFill>
-        <p:spPr>
-          <a:xfrm>
-            <a:off x="336776" y="194284"/>
-            <a:ext cx="2059134" cy="2160000"/>
-          </a:xfrm>
-          <a:prstGeom prst="rect">
-            <a:avLst/>
-          </a:prstGeom>
-        </p:spPr>
-      </p:pic>
-      <p:sp>
-        <p:nvSpPr>
-          <p:cNvPr id="10" name="Retângulo 9">
-            <a:extLst>
-              <a:ext uri="{FF2B5EF4-FFF2-40B4-BE49-F238E27FC236}">
-                <a16:creationId xmlns:a16="http://schemas.microsoft.com/office/drawing/2014/main" id="{838BDC98-3287-4575-8574-56F716FB2440}"/>
-              </a:ext>
-            </a:extLst>
-          </p:cNvPr>
-          <p:cNvSpPr/>
-          <p:nvPr/>
-        </p:nvSpPr>
-        <p:spPr>
-          <a:xfrm>
-            <a:off x="2888673" y="2227185"/>
-            <a:ext cx="8624453" cy="4212000"/>
-          </a:xfrm>
-          <a:prstGeom prst="rect">
-            <a:avLst/>
-          </a:prstGeom>
-          <a:solidFill>
-            <a:schemeClr val="tx1">
-              <a:alpha val="81000"/>
-            </a:schemeClr>
-          </a:solidFill>
-        </p:spPr>
-        <p:style>
-          <a:lnRef idx="2">
-            <a:schemeClr val="accent1">
-              <a:shade val="50000"/>
-            </a:schemeClr>
-          </a:lnRef>
-          <a:fillRef idx="1">
-            <a:schemeClr val="accent1"/>
-          </a:fillRef>
-          <a:effectRef idx="0">
-            <a:schemeClr val="accent1"/>
-          </a:effectRef>
-          <a:fontRef idx="minor">
-            <a:schemeClr val="lt1"/>
-          </a:fontRef>
-        </p:style>
-        <p:txBody>
-          <a:bodyPr rtlCol="0" anchor="ctr"/>
-          <a:lstStyle/>
-          <a:p>
-            <a:pPr algn="ctr"/>
-            <a:endParaRPr lang="pt-BR"/>
-          </a:p>
-        </p:txBody>
-      </p:sp>
-      <p:sp>
-        <p:nvSpPr>
-          <p:cNvPr id="21" name="Retângulo 20">
-            <a:extLst>
-              <a:ext uri="{FF2B5EF4-FFF2-40B4-BE49-F238E27FC236}">
-                <a16:creationId xmlns:a16="http://schemas.microsoft.com/office/drawing/2014/main" id="{95EDB8CB-8377-4925-B478-560C3F615037}"/>
-              </a:ext>
-            </a:extLst>
-          </p:cNvPr>
-          <p:cNvSpPr/>
-          <p:nvPr/>
-        </p:nvSpPr>
-        <p:spPr>
-          <a:xfrm>
-            <a:off x="2887087" y="6505978"/>
-            <a:ext cx="8624453" cy="4212000"/>
-          </a:xfrm>
-          <a:prstGeom prst="rect">
-            <a:avLst/>
-          </a:prstGeom>
-          <a:solidFill>
-            <a:schemeClr val="tx1">
-              <a:alpha val="81000"/>
-            </a:schemeClr>
-          </a:solidFill>
-        </p:spPr>
-        <p:style>
-          <a:lnRef idx="2">
-            <a:schemeClr val="accent1">
-              <a:shade val="50000"/>
-            </a:schemeClr>
-          </a:lnRef>
-          <a:fillRef idx="1">
-            <a:schemeClr val="accent1"/>
-          </a:fillRef>
-          <a:effectRef idx="0">
-            <a:schemeClr val="accent1"/>
-          </a:effectRef>
-          <a:fontRef idx="minor">
-            <a:schemeClr val="lt1"/>
-          </a:fontRef>
-        </p:style>
-        <p:txBody>
-          <a:bodyPr rtlCol="0" anchor="ctr"/>
-          <a:lstStyle/>
-          <a:p>
-            <a:pPr algn="ctr"/>
-            <a:endParaRPr lang="pt-BR"/>
-          </a:p>
-        </p:txBody>
-      </p:sp>
-      <p:sp>
-        <p:nvSpPr>
-          <p:cNvPr id="23" name="Retângulo 22">
-            <a:extLst>
-              <a:ext uri="{FF2B5EF4-FFF2-40B4-BE49-F238E27FC236}">
-                <a16:creationId xmlns:a16="http://schemas.microsoft.com/office/drawing/2014/main" id="{ED87CD67-A438-4F74-986A-3704AF997953}"/>
-              </a:ext>
-            </a:extLst>
-          </p:cNvPr>
-          <p:cNvSpPr/>
-          <p:nvPr/>
-        </p:nvSpPr>
-        <p:spPr>
-          <a:xfrm>
-            <a:off x="5308448" y="2179089"/>
-            <a:ext cx="3789504" cy="684807"/>
-          </a:xfrm>
-          <a:prstGeom prst="rect">
-            <a:avLst/>
-          </a:prstGeom>
-          <a:noFill/>
-        </p:spPr>
-        <p:txBody>
-          <a:bodyPr wrap="square" lIns="68584" tIns="34292" rIns="68584" bIns="34292">
-            <a:spAutoFit/>
-          </a:bodyPr>
-          <a:lstStyle/>
-          <a:p>
-            <a:pPr algn="ctr"/>
-            <a:r>
-              <a:rPr lang="pt-BR" sz="4000" dirty="0">
-                <a:ln w="0">
-                  <a:noFill/>
-                </a:ln>
-                <a:solidFill>
-                  <a:srgbClr val="0070C0"/>
-                </a:solidFill>
-                <a:effectLst>
-                  <a:outerShdw blurRad="38100" dist="19050" dir="2700000" algn="tl" rotWithShape="0">
-                    <a:schemeClr val="dk1">
-                      <a:alpha val="40000"/>
-                    </a:schemeClr>
-                  </a:outerShdw>
-                </a:effectLst>
-                <a:latin typeface="Exo 2 Extra Bold" panose="00000900000000000000" pitchFamily="50" charset="0"/>
-              </a:rPr>
-              <a:t>Chave 1</a:t>
-            </a:r>
-          </a:p>
-        </p:txBody>
-      </p:sp>
-      <p:sp>
-        <p:nvSpPr>
-          <p:cNvPr id="24" name="Retângulo 23">
-            <a:extLst>
-              <a:ext uri="{FF2B5EF4-FFF2-40B4-BE49-F238E27FC236}">
-                <a16:creationId xmlns:a16="http://schemas.microsoft.com/office/drawing/2014/main" id="{522A4ACC-EC27-4A14-BA66-B0EB03535C7B}"/>
-              </a:ext>
-            </a:extLst>
-          </p:cNvPr>
-          <p:cNvSpPr/>
-          <p:nvPr/>
-        </p:nvSpPr>
-        <p:spPr>
-          <a:xfrm>
-            <a:off x="5321993" y="6456434"/>
-            <a:ext cx="3789503" cy="684807"/>
-          </a:xfrm>
-          <a:prstGeom prst="rect">
-            <a:avLst/>
-          </a:prstGeom>
-          <a:noFill/>
-        </p:spPr>
-        <p:txBody>
-          <a:bodyPr wrap="square" lIns="68584" tIns="34292" rIns="68584" bIns="34292">
-            <a:spAutoFit/>
-          </a:bodyPr>
-          <a:lstStyle/>
-          <a:p>
-            <a:pPr algn="ctr"/>
-            <a:r>
-              <a:rPr lang="pt-BR" sz="4000" dirty="0">
-                <a:ln w="0">
-                  <a:noFill/>
-                </a:ln>
-                <a:solidFill>
-                  <a:srgbClr val="0070C0"/>
-                </a:solidFill>
-                <a:effectLst>
-                  <a:outerShdw blurRad="38100" dist="19050" dir="2700000" algn="tl" rotWithShape="0">
-                    <a:schemeClr val="dk1">
-                      <a:alpha val="40000"/>
-                    </a:schemeClr>
-                  </a:outerShdw>
-                </a:effectLst>
-                <a:latin typeface="Exo 2 Extra Bold" panose="00000900000000000000" pitchFamily="50" charset="0"/>
-              </a:rPr>
-              <a:t>Chave 2</a:t>
-            </a:r>
-          </a:p>
-        </p:txBody>
-      </p:sp>
-      <p:pic>
-        <p:nvPicPr>
-          <p:cNvPr id="4" name="Imagem 3">
-            <a:extLst>
-              <a:ext uri="{FF2B5EF4-FFF2-40B4-BE49-F238E27FC236}">
-                <a16:creationId xmlns:a16="http://schemas.microsoft.com/office/drawing/2014/main" id="{6775C613-3F7F-4D89-8BFB-5CB979B73AFD}"/>
-              </a:ext>
-            </a:extLst>
-          </p:cNvPr>
-          <p:cNvPicPr>
-            <a:picLocks noChangeAspect="1"/>
-          </p:cNvPicPr>
-          <p:nvPr/>
-        </p:nvPicPr>
-        <p:blipFill>
-          <a:blip r:embed="rId5"/>
-          <a:stretch>
-            <a:fillRect/>
-          </a:stretch>
-        </p:blipFill>
-        <p:spPr>
-          <a:xfrm>
-            <a:off x="3268658" y="2977242"/>
-            <a:ext cx="7920000" cy="3273293"/>
-          </a:xfrm>
-          <a:prstGeom prst="rect">
-            <a:avLst/>
-          </a:prstGeom>
-        </p:spPr>
-      </p:pic>
-      <p:pic>
-        <p:nvPicPr>
-          <p:cNvPr id="6" name="Imagem 5">
-            <a:extLst>
-              <a:ext uri="{FF2B5EF4-FFF2-40B4-BE49-F238E27FC236}">
-                <a16:creationId xmlns:a16="http://schemas.microsoft.com/office/drawing/2014/main" id="{F9D47498-7D0A-420F-8AA5-6E1F98C6DD0D}"/>
-              </a:ext>
-            </a:extLst>
-          </p:cNvPr>
-          <p:cNvPicPr>
-            <a:picLocks noChangeAspect="1"/>
-          </p:cNvPicPr>
-          <p:nvPr/>
-        </p:nvPicPr>
-        <p:blipFill>
-          <a:blip r:embed="rId6"/>
-          <a:stretch>
-            <a:fillRect/>
-          </a:stretch>
-        </p:blipFill>
-        <p:spPr>
-          <a:xfrm>
-            <a:off x="3267010" y="7190785"/>
-            <a:ext cx="7920000" cy="3273293"/>
-          </a:xfrm>
-          <a:prstGeom prst="rect">
-            <a:avLst/>
-          </a:prstGeom>
-        </p:spPr>
-      </p:pic>
-    </p:spTree>
-    <p:extLst>
-      <p:ext uri="{BB962C8B-B14F-4D97-AF65-F5344CB8AC3E}">
-        <p14:creationId xmlns:p14="http://schemas.microsoft.com/office/powerpoint/2010/main" val="1429784431"/>
-      </p:ext>
-    </p:extLst>
-  </p:cSld>
-  <p:clrMapOvr>
-    <a:masterClrMapping/>
-  </p:clrMapOvr>
-</p:sld>
-</file>
-
 <file path=ppt/slides/slide6.xml><?xml version="1.0" encoding="utf-8"?>
 <p:sld xmlns:a="http://schemas.openxmlformats.org/drawingml/2006/main" xmlns:r="http://schemas.openxmlformats.org/officeDocument/2006/relationships" xmlns:p="http://schemas.openxmlformats.org/presentationml/2006/main">
   <p:cSld>
@@ -13259,7 +14102,7 @@
                 <a16:creationId xmlns:a16="http://schemas.microsoft.com/office/drawing/2014/main" id="{0BABF38A-8A0D-492E-BD20-6CF4D46B50BD}"/>
               </a:ext>
               <a:ext uri="{C183D7F6-B498-43B3-948B-1728B52AA6E4}">
-                <adec:decorative xmlns="" xmlns:adec="http://schemas.microsoft.com/office/drawing/2017/decorative" val="1"/>
+                <adec:decorative xmlns:adec="http://schemas.microsoft.com/office/drawing/2017/decorative" val="1"/>
               </a:ext>
             </a:extLst>
           </p:cNvPr>
@@ -13335,7 +14178,7 @@
                 <a16:creationId xmlns:a16="http://schemas.microsoft.com/office/drawing/2014/main" id="{BC526B7A-4801-4FD1-95C8-03AF22629E87}"/>
               </a:ext>
               <a:ext uri="{C183D7F6-B498-43B3-948B-1728B52AA6E4}">
-                <adec:decorative xmlns="" xmlns:adec="http://schemas.microsoft.com/office/drawing/2017/decorative" val="1"/>
+                <adec:decorative xmlns:adec="http://schemas.microsoft.com/office/drawing/2017/decorative" val="1"/>
               </a:ext>
             </a:extLst>
           </p:cNvPr>
@@ -13381,7 +14224,7 @@
                 <a16:creationId xmlns:a16="http://schemas.microsoft.com/office/drawing/2014/main" id="{37FDDF72-DE39-4F99-A3C1-DD9D7815D7DB}"/>
               </a:ext>
               <a:ext uri="{C183D7F6-B498-43B3-948B-1728B52AA6E4}">
-                <adec:decorative xmlns="" xmlns:adec="http://schemas.microsoft.com/office/drawing/2017/decorative" val="1"/>
+                <adec:decorative xmlns:adec="http://schemas.microsoft.com/office/drawing/2017/decorative" val="1"/>
               </a:ext>
             </a:extLst>
           </p:cNvPr>
@@ -13451,7 +14294,7 @@
                 <a16:creationId xmlns:a16="http://schemas.microsoft.com/office/drawing/2014/main" id="{5E4ECE80-3AD1-450C-B62A-98788F193948}"/>
               </a:ext>
               <a:ext uri="{C183D7F6-B498-43B3-948B-1728B52AA6E4}">
-                <adec:decorative xmlns="" xmlns:adec="http://schemas.microsoft.com/office/drawing/2017/decorative" val="1"/>
+                <adec:decorative xmlns:adec="http://schemas.microsoft.com/office/drawing/2017/decorative" val="1"/>
               </a:ext>
             </a:extLst>
           </p:cNvPr>
@@ -13648,7 +14491,7 @@
                 </a:effectLst>
                 <a:latin typeface="Exo 2 Extra Bold" panose="00000900000000000000" pitchFamily="50" charset="0"/>
               </a:rPr>
-              <a:t>MATA-MATA SÉRIE C 3</a:t>
+              <a:t>MATA-MATA SÉRIE A 3</a:t>
             </a:r>
           </a:p>
         </p:txBody>
@@ -13898,7 +14741,7 @@
           <p:cNvPr id="4" name="Imagem 3">
             <a:extLst>
               <a:ext uri="{FF2B5EF4-FFF2-40B4-BE49-F238E27FC236}">
-                <a16:creationId xmlns:a16="http://schemas.microsoft.com/office/drawing/2014/main" id="{CCA30825-B6E4-4780-ACCC-53F5167353E8}"/>
+                <a16:creationId xmlns:a16="http://schemas.microsoft.com/office/drawing/2014/main" id="{6775C613-3F7F-4D89-8BFB-5CB979B73AFD}"/>
               </a:ext>
             </a:extLst>
           </p:cNvPr>
@@ -13915,7 +14758,7 @@
         </p:blipFill>
         <p:spPr>
           <a:xfrm>
-            <a:off x="3267009" y="2977244"/>
+            <a:off x="3268658" y="2977242"/>
             <a:ext cx="7920000" cy="3273293"/>
           </a:xfrm>
           <a:prstGeom prst="rect">
@@ -13928,7 +14771,7 @@
           <p:cNvPr id="6" name="Imagem 5">
             <a:extLst>
               <a:ext uri="{FF2B5EF4-FFF2-40B4-BE49-F238E27FC236}">
-                <a16:creationId xmlns:a16="http://schemas.microsoft.com/office/drawing/2014/main" id="{34BD732B-43D9-45BA-90AB-67B91539CACB}"/>
+                <a16:creationId xmlns:a16="http://schemas.microsoft.com/office/drawing/2014/main" id="{F9D47498-7D0A-420F-8AA5-6E1F98C6DD0D}"/>
               </a:ext>
             </a:extLst>
           </p:cNvPr>
@@ -13945,7 +14788,7 @@
         </p:blipFill>
         <p:spPr>
           <a:xfrm>
-            <a:off x="3267009" y="7190785"/>
+            <a:off x="3267010" y="7190785"/>
             <a:ext cx="7920000" cy="3273293"/>
           </a:xfrm>
           <a:prstGeom prst="rect">
@@ -13956,7 +14799,7 @@
     </p:spTree>
     <p:extLst>
       <p:ext uri="{BB962C8B-B14F-4D97-AF65-F5344CB8AC3E}">
-        <p14:creationId xmlns:p14="http://schemas.microsoft.com/office/powerpoint/2010/main" val="752585137"/>
+        <p14:creationId xmlns:p14="http://schemas.microsoft.com/office/powerpoint/2010/main" val="1429784431"/>
       </p:ext>
     </p:extLst>
   </p:cSld>
@@ -13999,7 +14842,7 @@
                 <a16:creationId xmlns:a16="http://schemas.microsoft.com/office/drawing/2014/main" id="{0BABF38A-8A0D-492E-BD20-6CF4D46B50BD}"/>
               </a:ext>
               <a:ext uri="{C183D7F6-B498-43B3-948B-1728B52AA6E4}">
-                <adec:decorative xmlns="" xmlns:adec="http://schemas.microsoft.com/office/drawing/2017/decorative" val="1"/>
+                <adec:decorative xmlns:adec="http://schemas.microsoft.com/office/drawing/2017/decorative" val="1"/>
               </a:ext>
             </a:extLst>
           </p:cNvPr>
@@ -14075,7 +14918,7 @@
                 <a16:creationId xmlns:a16="http://schemas.microsoft.com/office/drawing/2014/main" id="{BC526B7A-4801-4FD1-95C8-03AF22629E87}"/>
               </a:ext>
               <a:ext uri="{C183D7F6-B498-43B3-948B-1728B52AA6E4}">
-                <adec:decorative xmlns="" xmlns:adec="http://schemas.microsoft.com/office/drawing/2017/decorative" val="1"/>
+                <adec:decorative xmlns:adec="http://schemas.microsoft.com/office/drawing/2017/decorative" val="1"/>
               </a:ext>
             </a:extLst>
           </p:cNvPr>
@@ -14121,7 +14964,7 @@
                 <a16:creationId xmlns:a16="http://schemas.microsoft.com/office/drawing/2014/main" id="{37FDDF72-DE39-4F99-A3C1-DD9D7815D7DB}"/>
               </a:ext>
               <a:ext uri="{C183D7F6-B498-43B3-948B-1728B52AA6E4}">
-                <adec:decorative xmlns="" xmlns:adec="http://schemas.microsoft.com/office/drawing/2017/decorative" val="1"/>
+                <adec:decorative xmlns:adec="http://schemas.microsoft.com/office/drawing/2017/decorative" val="1"/>
               </a:ext>
             </a:extLst>
           </p:cNvPr>
@@ -14191,7 +15034,747 @@
                 <a16:creationId xmlns:a16="http://schemas.microsoft.com/office/drawing/2014/main" id="{5E4ECE80-3AD1-450C-B62A-98788F193948}"/>
               </a:ext>
               <a:ext uri="{C183D7F6-B498-43B3-948B-1728B52AA6E4}">
-                <adec:decorative xmlns="" xmlns:adec="http://schemas.microsoft.com/office/drawing/2017/decorative" val="1"/>
+                <adec:decorative xmlns:adec="http://schemas.microsoft.com/office/drawing/2017/decorative" val="1"/>
+              </a:ext>
+            </a:extLst>
+          </p:cNvPr>
+          <p:cNvSpPr>
+            <a:spLocks noGrp="1" noRot="1" noChangeAspect="1" noMove="1" noResize="1" noEditPoints="1" noAdjustHandles="1" noChangeArrowheads="1" noChangeShapeType="1" noTextEdit="1"/>
+          </p:cNvSpPr>
+          <p:nvPr>
+            <p:extLst>
+              <p:ext uri="{386F3935-93C4-4BCD-93E2-E3B085C9AB24}">
+                <p16:designElem xmlns:p16="http://schemas.microsoft.com/office/powerpoint/2015/main" val="1"/>
+              </p:ext>
+            </p:extLst>
+          </p:nvPr>
+        </p:nvSpPr>
+        <p:spPr>
+          <a:xfrm>
+            <a:off x="3149972" y="3121681"/>
+            <a:ext cx="8100269" cy="4556401"/>
+          </a:xfrm>
+          <a:prstGeom prst="rect">
+            <a:avLst/>
+          </a:prstGeom>
+          <a:solidFill>
+            <a:srgbClr val="000000"/>
+          </a:solidFill>
+          <a:ln>
+            <a:noFill/>
+          </a:ln>
+        </p:spPr>
+        <p:style>
+          <a:lnRef idx="2">
+            <a:schemeClr val="accent1">
+              <a:shade val="50000"/>
+            </a:schemeClr>
+          </a:lnRef>
+          <a:fillRef idx="1">
+            <a:schemeClr val="accent1"/>
+          </a:fillRef>
+          <a:effectRef idx="0">
+            <a:schemeClr val="accent1"/>
+          </a:effectRef>
+          <a:fontRef idx="minor">
+            <a:schemeClr val="lt1"/>
+          </a:fontRef>
+        </p:style>
+        <p:txBody>
+          <a:bodyPr rtlCol="0" anchor="ctr"/>
+          <a:lstStyle/>
+          <a:p>
+            <a:pPr algn="ctr">
+              <a:defRPr/>
+            </a:pPr>
+            <a:endParaRPr lang="en-US" sz="1196" dirty="0">
+              <a:solidFill>
+                <a:prstClr val="black">
+                  <a:lumMod val="65000"/>
+                  <a:lumOff val="35000"/>
+                </a:prstClr>
+              </a:solidFill>
+              <a:latin typeface="AvenirNext LT Pro Medium" panose="020B0504020202020204" pitchFamily="34" charset="0"/>
+            </a:endParaRPr>
+          </a:p>
+        </p:txBody>
+      </p:sp>
+      <p:pic>
+        <p:nvPicPr>
+          <p:cNvPr id="5" name="Imagem 4">
+            <a:extLst>
+              <a:ext uri="{FF2B5EF4-FFF2-40B4-BE49-F238E27FC236}">
+                <a16:creationId xmlns:a16="http://schemas.microsoft.com/office/drawing/2014/main" id="{F1433EF1-FB6D-4913-96C9-08F0B1B3CA7A}"/>
+              </a:ext>
+            </a:extLst>
+          </p:cNvPr>
+          <p:cNvPicPr>
+            <a:picLocks noChangeAspect="1"/>
+          </p:cNvPicPr>
+          <p:nvPr/>
+        </p:nvPicPr>
+        <p:blipFill rotWithShape="1">
+          <a:blip r:embed="rId3">
+            <a:alphaModFix/>
+            <a:extLst>
+              <a:ext uri="{28A0092B-C50C-407E-A947-70E740481C1C}">
+                <a14:useLocalDpi xmlns:a14="http://schemas.microsoft.com/office/drawing/2010/main" val="0"/>
+              </a:ext>
+            </a:extLst>
+          </a:blip>
+          <a:srcRect l="5233" t="-2125" r="6244" b="-538"/>
+          <a:stretch/>
+        </p:blipFill>
+        <p:spPr>
+          <a:xfrm>
+            <a:off x="-1" y="-248909"/>
+            <a:ext cx="14400213" cy="11147555"/>
+          </a:xfrm>
+          <a:prstGeom prst="rect">
+            <a:avLst/>
+          </a:prstGeom>
+        </p:spPr>
+      </p:pic>
+      <p:sp>
+        <p:nvSpPr>
+          <p:cNvPr id="50" name="Retângulo 49">
+            <a:extLst>
+              <a:ext uri="{FF2B5EF4-FFF2-40B4-BE49-F238E27FC236}">
+                <a16:creationId xmlns:a16="http://schemas.microsoft.com/office/drawing/2014/main" id="{50614AED-75DE-4550-9029-54313F89BD12}"/>
+              </a:ext>
+            </a:extLst>
+          </p:cNvPr>
+          <p:cNvSpPr/>
+          <p:nvPr/>
+        </p:nvSpPr>
+        <p:spPr>
+          <a:xfrm>
+            <a:off x="3186646" y="311571"/>
+            <a:ext cx="8052791" cy="992583"/>
+          </a:xfrm>
+          <a:prstGeom prst="rect">
+            <a:avLst/>
+          </a:prstGeom>
+          <a:noFill/>
+        </p:spPr>
+        <p:txBody>
+          <a:bodyPr wrap="square" lIns="68584" tIns="34292" rIns="68584" bIns="34292">
+            <a:spAutoFit/>
+          </a:bodyPr>
+          <a:lstStyle/>
+          <a:p>
+            <a:pPr algn="ctr"/>
+            <a:r>
+              <a:rPr lang="pt-BR" sz="6000" dirty="0">
+                <a:ln w="38100">
+                  <a:solidFill>
+                    <a:schemeClr val="bg1"/>
+                  </a:solidFill>
+                </a:ln>
+                <a:solidFill>
+                  <a:srgbClr val="00B050"/>
+                </a:solidFill>
+                <a:effectLst>
+                  <a:outerShdw blurRad="38100" dist="19050" dir="2700000" algn="tl" rotWithShape="0">
+                    <a:schemeClr val="dk1">
+                      <a:alpha val="40000"/>
+                    </a:schemeClr>
+                  </a:outerShdw>
+                </a:effectLst>
+                <a:latin typeface="Exo 2 Extra Bold" panose="00000900000000000000" pitchFamily="50" charset="0"/>
+              </a:rPr>
+              <a:t>Liga Principal</a:t>
+            </a:r>
+          </a:p>
+        </p:txBody>
+      </p:sp>
+      <p:sp>
+        <p:nvSpPr>
+          <p:cNvPr id="53" name="Retângulo 52">
+            <a:extLst>
+              <a:ext uri="{FF2B5EF4-FFF2-40B4-BE49-F238E27FC236}">
+                <a16:creationId xmlns:a16="http://schemas.microsoft.com/office/drawing/2014/main" id="{F101E0BF-8A68-40B9-BC26-35C299182F52}"/>
+              </a:ext>
+            </a:extLst>
+          </p:cNvPr>
+          <p:cNvSpPr/>
+          <p:nvPr/>
+        </p:nvSpPr>
+        <p:spPr>
+          <a:xfrm>
+            <a:off x="336776" y="1104608"/>
+            <a:ext cx="13909452" cy="1177249"/>
+          </a:xfrm>
+          <a:prstGeom prst="rect">
+            <a:avLst/>
+          </a:prstGeom>
+          <a:noFill/>
+        </p:spPr>
+        <p:txBody>
+          <a:bodyPr wrap="square" lIns="68584" tIns="34292" rIns="68584" bIns="34292">
+            <a:spAutoFit/>
+          </a:bodyPr>
+          <a:lstStyle/>
+          <a:p>
+            <a:pPr algn="ctr"/>
+            <a:r>
+              <a:rPr lang="pt-BR" sz="7200" dirty="0">
+                <a:ln w="0">
+                  <a:noFill/>
+                </a:ln>
+                <a:effectLst>
+                  <a:outerShdw blurRad="38100" dist="19050" dir="2700000" algn="tl" rotWithShape="0">
+                    <a:schemeClr val="dk1">
+                      <a:alpha val="40000"/>
+                    </a:schemeClr>
+                  </a:outerShdw>
+                </a:effectLst>
+                <a:latin typeface="Exo 2 Extra Bold" panose="00000900000000000000" pitchFamily="50" charset="0"/>
+              </a:rPr>
+              <a:t>MATA-MATA SÉRIE C 3</a:t>
+            </a:r>
+          </a:p>
+        </p:txBody>
+      </p:sp>
+      <p:pic>
+        <p:nvPicPr>
+          <p:cNvPr id="15" name="Imagem 14">
+            <a:extLst>
+              <a:ext uri="{FF2B5EF4-FFF2-40B4-BE49-F238E27FC236}">
+                <a16:creationId xmlns:a16="http://schemas.microsoft.com/office/drawing/2014/main" id="{780D6AE4-2B31-43CF-8A3B-9ACC73C32FE9}"/>
+              </a:ext>
+            </a:extLst>
+          </p:cNvPr>
+          <p:cNvPicPr>
+            <a:picLocks noChangeAspect="1"/>
+          </p:cNvPicPr>
+          <p:nvPr/>
+        </p:nvPicPr>
+        <p:blipFill>
+          <a:blip r:embed="rId4" cstate="hqprint">
+            <a:extLst>
+              <a:ext uri="{28A0092B-C50C-407E-A947-70E740481C1C}">
+                <a14:useLocalDpi xmlns:a14="http://schemas.microsoft.com/office/drawing/2010/main" val="0"/>
+              </a:ext>
+            </a:extLst>
+          </a:blip>
+          <a:stretch>
+            <a:fillRect/>
+          </a:stretch>
+        </p:blipFill>
+        <p:spPr>
+          <a:xfrm>
+            <a:off x="336776" y="194284"/>
+            <a:ext cx="2059134" cy="2160000"/>
+          </a:xfrm>
+          <a:prstGeom prst="rect">
+            <a:avLst/>
+          </a:prstGeom>
+        </p:spPr>
+      </p:pic>
+      <p:sp>
+        <p:nvSpPr>
+          <p:cNvPr id="10" name="Retângulo 9">
+            <a:extLst>
+              <a:ext uri="{FF2B5EF4-FFF2-40B4-BE49-F238E27FC236}">
+                <a16:creationId xmlns:a16="http://schemas.microsoft.com/office/drawing/2014/main" id="{838BDC98-3287-4575-8574-56F716FB2440}"/>
+              </a:ext>
+            </a:extLst>
+          </p:cNvPr>
+          <p:cNvSpPr/>
+          <p:nvPr/>
+        </p:nvSpPr>
+        <p:spPr>
+          <a:xfrm>
+            <a:off x="2888673" y="2227185"/>
+            <a:ext cx="8624453" cy="4212000"/>
+          </a:xfrm>
+          <a:prstGeom prst="rect">
+            <a:avLst/>
+          </a:prstGeom>
+          <a:solidFill>
+            <a:schemeClr val="tx1">
+              <a:alpha val="81000"/>
+            </a:schemeClr>
+          </a:solidFill>
+        </p:spPr>
+        <p:style>
+          <a:lnRef idx="2">
+            <a:schemeClr val="accent1">
+              <a:shade val="50000"/>
+            </a:schemeClr>
+          </a:lnRef>
+          <a:fillRef idx="1">
+            <a:schemeClr val="accent1"/>
+          </a:fillRef>
+          <a:effectRef idx="0">
+            <a:schemeClr val="accent1"/>
+          </a:effectRef>
+          <a:fontRef idx="minor">
+            <a:schemeClr val="lt1"/>
+          </a:fontRef>
+        </p:style>
+        <p:txBody>
+          <a:bodyPr rtlCol="0" anchor="ctr"/>
+          <a:lstStyle/>
+          <a:p>
+            <a:pPr algn="ctr"/>
+            <a:endParaRPr lang="pt-BR"/>
+          </a:p>
+        </p:txBody>
+      </p:sp>
+      <p:sp>
+        <p:nvSpPr>
+          <p:cNvPr id="21" name="Retângulo 20">
+            <a:extLst>
+              <a:ext uri="{FF2B5EF4-FFF2-40B4-BE49-F238E27FC236}">
+                <a16:creationId xmlns:a16="http://schemas.microsoft.com/office/drawing/2014/main" id="{95EDB8CB-8377-4925-B478-560C3F615037}"/>
+              </a:ext>
+            </a:extLst>
+          </p:cNvPr>
+          <p:cNvSpPr/>
+          <p:nvPr/>
+        </p:nvSpPr>
+        <p:spPr>
+          <a:xfrm>
+            <a:off x="2887087" y="6505978"/>
+            <a:ext cx="8624453" cy="4212000"/>
+          </a:xfrm>
+          <a:prstGeom prst="rect">
+            <a:avLst/>
+          </a:prstGeom>
+          <a:solidFill>
+            <a:schemeClr val="tx1">
+              <a:alpha val="81000"/>
+            </a:schemeClr>
+          </a:solidFill>
+        </p:spPr>
+        <p:style>
+          <a:lnRef idx="2">
+            <a:schemeClr val="accent1">
+              <a:shade val="50000"/>
+            </a:schemeClr>
+          </a:lnRef>
+          <a:fillRef idx="1">
+            <a:schemeClr val="accent1"/>
+          </a:fillRef>
+          <a:effectRef idx="0">
+            <a:schemeClr val="accent1"/>
+          </a:effectRef>
+          <a:fontRef idx="minor">
+            <a:schemeClr val="lt1"/>
+          </a:fontRef>
+        </p:style>
+        <p:txBody>
+          <a:bodyPr rtlCol="0" anchor="ctr"/>
+          <a:lstStyle/>
+          <a:p>
+            <a:pPr algn="ctr"/>
+            <a:endParaRPr lang="pt-BR"/>
+          </a:p>
+        </p:txBody>
+      </p:sp>
+      <p:sp>
+        <p:nvSpPr>
+          <p:cNvPr id="23" name="Retângulo 22">
+            <a:extLst>
+              <a:ext uri="{FF2B5EF4-FFF2-40B4-BE49-F238E27FC236}">
+                <a16:creationId xmlns:a16="http://schemas.microsoft.com/office/drawing/2014/main" id="{ED87CD67-A438-4F74-986A-3704AF997953}"/>
+              </a:ext>
+            </a:extLst>
+          </p:cNvPr>
+          <p:cNvSpPr/>
+          <p:nvPr/>
+        </p:nvSpPr>
+        <p:spPr>
+          <a:xfrm>
+            <a:off x="5308448" y="2179089"/>
+            <a:ext cx="3789504" cy="684807"/>
+          </a:xfrm>
+          <a:prstGeom prst="rect">
+            <a:avLst/>
+          </a:prstGeom>
+          <a:noFill/>
+        </p:spPr>
+        <p:txBody>
+          <a:bodyPr wrap="square" lIns="68584" tIns="34292" rIns="68584" bIns="34292">
+            <a:spAutoFit/>
+          </a:bodyPr>
+          <a:lstStyle/>
+          <a:p>
+            <a:pPr algn="ctr"/>
+            <a:r>
+              <a:rPr lang="pt-BR" sz="4000" dirty="0">
+                <a:ln w="0">
+                  <a:noFill/>
+                </a:ln>
+                <a:solidFill>
+                  <a:srgbClr val="0070C0"/>
+                </a:solidFill>
+                <a:effectLst>
+                  <a:outerShdw blurRad="38100" dist="19050" dir="2700000" algn="tl" rotWithShape="0">
+                    <a:schemeClr val="dk1">
+                      <a:alpha val="40000"/>
+                    </a:schemeClr>
+                  </a:outerShdw>
+                </a:effectLst>
+                <a:latin typeface="Exo 2 Extra Bold" panose="00000900000000000000" pitchFamily="50" charset="0"/>
+              </a:rPr>
+              <a:t>Chave 1</a:t>
+            </a:r>
+          </a:p>
+        </p:txBody>
+      </p:sp>
+      <p:sp>
+        <p:nvSpPr>
+          <p:cNvPr id="24" name="Retângulo 23">
+            <a:extLst>
+              <a:ext uri="{FF2B5EF4-FFF2-40B4-BE49-F238E27FC236}">
+                <a16:creationId xmlns:a16="http://schemas.microsoft.com/office/drawing/2014/main" id="{522A4ACC-EC27-4A14-BA66-B0EB03535C7B}"/>
+              </a:ext>
+            </a:extLst>
+          </p:cNvPr>
+          <p:cNvSpPr/>
+          <p:nvPr/>
+        </p:nvSpPr>
+        <p:spPr>
+          <a:xfrm>
+            <a:off x="5321993" y="6456434"/>
+            <a:ext cx="3789503" cy="684807"/>
+          </a:xfrm>
+          <a:prstGeom prst="rect">
+            <a:avLst/>
+          </a:prstGeom>
+          <a:noFill/>
+        </p:spPr>
+        <p:txBody>
+          <a:bodyPr wrap="square" lIns="68584" tIns="34292" rIns="68584" bIns="34292">
+            <a:spAutoFit/>
+          </a:bodyPr>
+          <a:lstStyle/>
+          <a:p>
+            <a:pPr algn="ctr"/>
+            <a:r>
+              <a:rPr lang="pt-BR" sz="4000" dirty="0">
+                <a:ln w="0">
+                  <a:noFill/>
+                </a:ln>
+                <a:solidFill>
+                  <a:srgbClr val="0070C0"/>
+                </a:solidFill>
+                <a:effectLst>
+                  <a:outerShdw blurRad="38100" dist="19050" dir="2700000" algn="tl" rotWithShape="0">
+                    <a:schemeClr val="dk1">
+                      <a:alpha val="40000"/>
+                    </a:schemeClr>
+                  </a:outerShdw>
+                </a:effectLst>
+                <a:latin typeface="Exo 2 Extra Bold" panose="00000900000000000000" pitchFamily="50" charset="0"/>
+              </a:rPr>
+              <a:t>Chave 2</a:t>
+            </a:r>
+          </a:p>
+        </p:txBody>
+      </p:sp>
+      <p:pic>
+        <p:nvPicPr>
+          <p:cNvPr id="4" name="Imagem 3">
+            <a:extLst>
+              <a:ext uri="{FF2B5EF4-FFF2-40B4-BE49-F238E27FC236}">
+                <a16:creationId xmlns:a16="http://schemas.microsoft.com/office/drawing/2014/main" id="{CCA30825-B6E4-4780-ACCC-53F5167353E8}"/>
+              </a:ext>
+            </a:extLst>
+          </p:cNvPr>
+          <p:cNvPicPr>
+            <a:picLocks noChangeAspect="1"/>
+          </p:cNvPicPr>
+          <p:nvPr/>
+        </p:nvPicPr>
+        <p:blipFill>
+          <a:blip r:embed="rId5"/>
+          <a:stretch>
+            <a:fillRect/>
+          </a:stretch>
+        </p:blipFill>
+        <p:spPr>
+          <a:xfrm>
+            <a:off x="3267009" y="2977244"/>
+            <a:ext cx="7920000" cy="3273293"/>
+          </a:xfrm>
+          <a:prstGeom prst="rect">
+            <a:avLst/>
+          </a:prstGeom>
+        </p:spPr>
+      </p:pic>
+      <p:pic>
+        <p:nvPicPr>
+          <p:cNvPr id="6" name="Imagem 5">
+            <a:extLst>
+              <a:ext uri="{FF2B5EF4-FFF2-40B4-BE49-F238E27FC236}">
+                <a16:creationId xmlns:a16="http://schemas.microsoft.com/office/drawing/2014/main" id="{34BD732B-43D9-45BA-90AB-67B91539CACB}"/>
+              </a:ext>
+            </a:extLst>
+          </p:cNvPr>
+          <p:cNvPicPr>
+            <a:picLocks noChangeAspect="1"/>
+          </p:cNvPicPr>
+          <p:nvPr/>
+        </p:nvPicPr>
+        <p:blipFill>
+          <a:blip r:embed="rId6"/>
+          <a:stretch>
+            <a:fillRect/>
+          </a:stretch>
+        </p:blipFill>
+        <p:spPr>
+          <a:xfrm>
+            <a:off x="3267009" y="7190785"/>
+            <a:ext cx="7920000" cy="3273293"/>
+          </a:xfrm>
+          <a:prstGeom prst="rect">
+            <a:avLst/>
+          </a:prstGeom>
+        </p:spPr>
+      </p:pic>
+    </p:spTree>
+    <p:extLst>
+      <p:ext uri="{BB962C8B-B14F-4D97-AF65-F5344CB8AC3E}">
+        <p14:creationId xmlns:p14="http://schemas.microsoft.com/office/powerpoint/2010/main" val="752585137"/>
+      </p:ext>
+    </p:extLst>
+  </p:cSld>
+  <p:clrMapOvr>
+    <a:masterClrMapping/>
+  </p:clrMapOvr>
+</p:sld>
+</file>
+
+<file path=ppt/slides/slide8.xml><?xml version="1.0" encoding="utf-8"?>
+<p:sld xmlns:a="http://schemas.openxmlformats.org/drawingml/2006/main" xmlns:r="http://schemas.openxmlformats.org/officeDocument/2006/relationships" xmlns:p="http://schemas.openxmlformats.org/presentationml/2006/main">
+  <p:cSld>
+    <p:bg>
+      <p:bgPr>
+        <a:solidFill>
+          <a:schemeClr val="bg1"/>
+        </a:solidFill>
+        <a:effectLst/>
+      </p:bgPr>
+    </p:bg>
+    <p:spTree>
+      <p:nvGrpSpPr>
+        <p:cNvPr id="1" name=""/>
+        <p:cNvGrpSpPr/>
+        <p:nvPr/>
+      </p:nvGrpSpPr>
+      <p:grpSpPr>
+        <a:xfrm>
+          <a:off x="0" y="0"/>
+          <a:ext cx="0" cy="0"/>
+          <a:chOff x="0" y="0"/>
+          <a:chExt cx="0" cy="0"/>
+        </a:xfrm>
+      </p:grpSpPr>
+      <p:sp>
+        <p:nvSpPr>
+          <p:cNvPr id="13" name="Rectangle 9">
+            <a:extLst>
+              <a:ext uri="{FF2B5EF4-FFF2-40B4-BE49-F238E27FC236}">
+                <a16:creationId xmlns:a16="http://schemas.microsoft.com/office/drawing/2014/main" id="{0BABF38A-8A0D-492E-BD20-6CF4D46B50BD}"/>
+              </a:ext>
+              <a:ext uri="{C183D7F6-B498-43B3-948B-1728B52AA6E4}">
+                <adec:decorative xmlns:adec="http://schemas.microsoft.com/office/drawing/2017/decorative" val="1"/>
+              </a:ext>
+            </a:extLst>
+          </p:cNvPr>
+          <p:cNvSpPr>
+            <a:spLocks noGrp="1" noRot="1" noChangeAspect="1" noMove="1" noResize="1" noEditPoints="1" noAdjustHandles="1" noChangeArrowheads="1" noChangeShapeType="1" noTextEdit="1"/>
+          </p:cNvSpPr>
+          <p:nvPr>
+            <p:extLst>
+              <p:ext uri="{386F3935-93C4-4BCD-93E2-E3B085C9AB24}">
+                <p16:designElem xmlns:p16="http://schemas.microsoft.com/office/powerpoint/2015/main" val="1"/>
+              </p:ext>
+            </p:extLst>
+          </p:nvPr>
+        </p:nvSpPr>
+        <p:spPr>
+          <a:xfrm>
+            <a:off x="3149972" y="3121681"/>
+            <a:ext cx="8100269" cy="4556404"/>
+          </a:xfrm>
+          <a:prstGeom prst="rect">
+            <a:avLst/>
+          </a:prstGeom>
+          <a:solidFill>
+            <a:schemeClr val="bg2">
+              <a:lumMod val="90000"/>
+              <a:alpha val="70000"/>
+            </a:schemeClr>
+          </a:solidFill>
+          <a:ln>
+            <a:noFill/>
+          </a:ln>
+        </p:spPr>
+        <p:style>
+          <a:lnRef idx="2">
+            <a:schemeClr val="accent1">
+              <a:shade val="50000"/>
+            </a:schemeClr>
+          </a:lnRef>
+          <a:fillRef idx="1">
+            <a:schemeClr val="accent1"/>
+          </a:fillRef>
+          <a:effectRef idx="0">
+            <a:schemeClr val="accent1"/>
+          </a:effectRef>
+          <a:fontRef idx="minor">
+            <a:schemeClr val="lt1"/>
+          </a:fontRef>
+        </p:style>
+        <p:txBody>
+          <a:bodyPr rtlCol="0" anchor="ctr"/>
+          <a:lstStyle/>
+          <a:p>
+            <a:pPr algn="ctr">
+              <a:defRPr/>
+            </a:pPr>
+            <a:endParaRPr lang="en-US" sz="1196" dirty="0">
+              <a:solidFill>
+                <a:prstClr val="black">
+                  <a:lumMod val="65000"/>
+                  <a:lumOff val="35000"/>
+                </a:prstClr>
+              </a:solidFill>
+              <a:latin typeface="AvenirNext LT Pro Medium" panose="020B0504020202020204" pitchFamily="34" charset="0"/>
+            </a:endParaRPr>
+          </a:p>
+        </p:txBody>
+      </p:sp>
+      <p:pic>
+        <p:nvPicPr>
+          <p:cNvPr id="12" name="Picture 11">
+            <a:extLst>
+              <a:ext uri="{FF2B5EF4-FFF2-40B4-BE49-F238E27FC236}">
+                <a16:creationId xmlns:a16="http://schemas.microsoft.com/office/drawing/2014/main" id="{BC526B7A-4801-4FD1-95C8-03AF22629E87}"/>
+              </a:ext>
+              <a:ext uri="{C183D7F6-B498-43B3-948B-1728B52AA6E4}">
+                <adec:decorative xmlns:adec="http://schemas.microsoft.com/office/drawing/2017/decorative" val="1"/>
+              </a:ext>
+            </a:extLst>
+          </p:cNvPr>
+          <p:cNvPicPr>
+            <a:picLocks noGrp="1" noRot="1" noChangeAspect="1" noMove="1" noResize="1" noEditPoints="1" noAdjustHandles="1" noChangeArrowheads="1" noChangeShapeType="1" noCrop="1"/>
+          </p:cNvPicPr>
+          <p:nvPr>
+            <p:extLst>
+              <p:ext uri="{386F3935-93C4-4BCD-93E2-E3B085C9AB24}">
+                <p16:designElem xmlns:p16="http://schemas.microsoft.com/office/powerpoint/2015/main" val="1"/>
+              </p:ext>
+            </p:extLst>
+          </p:nvPr>
+        </p:nvPicPr>
+        <p:blipFill>
+          <a:blip r:embed="rId2">
+            <a:alphaModFix amt="10000"/>
+            <a:extLst>
+              <a:ext uri="{28A0092B-C50C-407E-A947-70E740481C1C}">
+                <a14:useLocalDpi xmlns:a14="http://schemas.microsoft.com/office/drawing/2010/main" val="0"/>
+              </a:ext>
+            </a:extLst>
+          </a:blip>
+          <a:stretch>
+            <a:fillRect/>
+          </a:stretch>
+        </p:blipFill>
+        <p:spPr>
+          <a:xfrm>
+            <a:off x="8820159" y="3121682"/>
+            <a:ext cx="2428095" cy="3039825"/>
+          </a:xfrm>
+          <a:prstGeom prst="rect">
+            <a:avLst/>
+          </a:prstGeom>
+        </p:spPr>
+      </p:pic>
+      <p:sp useBgFill="1">
+        <p:nvSpPr>
+          <p:cNvPr id="14" name="Rectangle 13">
+            <a:extLst>
+              <a:ext uri="{FF2B5EF4-FFF2-40B4-BE49-F238E27FC236}">
+                <a16:creationId xmlns:a16="http://schemas.microsoft.com/office/drawing/2014/main" id="{37FDDF72-DE39-4F99-A3C1-DD9D7815D7DB}"/>
+              </a:ext>
+              <a:ext uri="{C183D7F6-B498-43B3-948B-1728B52AA6E4}">
+                <adec:decorative xmlns:adec="http://schemas.microsoft.com/office/drawing/2017/decorative" val="1"/>
+              </a:ext>
+            </a:extLst>
+          </p:cNvPr>
+          <p:cNvSpPr>
+            <a:spLocks noGrp="1" noRot="1" noChangeAspect="1" noMove="1" noResize="1" noEditPoints="1" noAdjustHandles="1" noChangeArrowheads="1" noChangeShapeType="1" noTextEdit="1"/>
+          </p:cNvSpPr>
+          <p:nvPr>
+            <p:extLst>
+              <p:ext uri="{386F3935-93C4-4BCD-93E2-E3B085C9AB24}">
+                <p16:designElem xmlns:p16="http://schemas.microsoft.com/office/powerpoint/2015/main" val="1"/>
+              </p:ext>
+            </p:extLst>
+          </p:nvPr>
+        </p:nvSpPr>
+        <p:spPr>
+          <a:xfrm>
+            <a:off x="3149972" y="3121681"/>
+            <a:ext cx="8100269" cy="4556401"/>
+          </a:xfrm>
+          <a:prstGeom prst="rect">
+            <a:avLst/>
+          </a:prstGeom>
+          <a:ln>
+            <a:noFill/>
+          </a:ln>
+        </p:spPr>
+        <p:style>
+          <a:lnRef idx="2">
+            <a:schemeClr val="accent1">
+              <a:shade val="50000"/>
+            </a:schemeClr>
+          </a:lnRef>
+          <a:fillRef idx="1">
+            <a:schemeClr val="accent1"/>
+          </a:fillRef>
+          <a:effectRef idx="0">
+            <a:schemeClr val="accent1"/>
+          </a:effectRef>
+          <a:fontRef idx="minor">
+            <a:schemeClr val="lt1"/>
+          </a:fontRef>
+        </p:style>
+        <p:txBody>
+          <a:bodyPr rtlCol="0" anchor="ctr"/>
+          <a:lstStyle/>
+          <a:p>
+            <a:pPr algn="ctr">
+              <a:defRPr/>
+            </a:pPr>
+            <a:endParaRPr lang="en-US" sz="1196" dirty="0">
+              <a:solidFill>
+                <a:prstClr val="black">
+                  <a:lumMod val="65000"/>
+                  <a:lumOff val="35000"/>
+                </a:prstClr>
+              </a:solidFill>
+              <a:latin typeface="AvenirNext LT Pro Medium" panose="020B0504020202020204" pitchFamily="34" charset="0"/>
+            </a:endParaRPr>
+          </a:p>
+        </p:txBody>
+      </p:sp>
+      <p:sp>
+        <p:nvSpPr>
+          <p:cNvPr id="16" name="Rectangle 15">
+            <a:extLst>
+              <a:ext uri="{FF2B5EF4-FFF2-40B4-BE49-F238E27FC236}">
+                <a16:creationId xmlns:a16="http://schemas.microsoft.com/office/drawing/2014/main" id="{5E4ECE80-3AD1-450C-B62A-98788F193948}"/>
+              </a:ext>
+              <a:ext uri="{C183D7F6-B498-43B3-948B-1728B52AA6E4}">
+                <adec:decorative xmlns:adec="http://schemas.microsoft.com/office/drawing/2017/decorative" val="1"/>
               </a:ext>
             </a:extLst>
           </p:cNvPr>
@@ -14601,7 +16184,13 @@
       </p:pic>
       <p:pic>
         <p:nvPicPr>
-          <p:cNvPr id="3" name="Imagem 2"/>
+          <p:cNvPr id="8" name="Imagem 7">
+            <a:extLst>
+              <a:ext uri="{FF2B5EF4-FFF2-40B4-BE49-F238E27FC236}">
+                <a16:creationId xmlns:a16="http://schemas.microsoft.com/office/drawing/2014/main" id="{A086E634-B6AC-4AC9-ABDE-21300EE470E0}"/>
+              </a:ext>
+            </a:extLst>
+          </p:cNvPr>
           <p:cNvPicPr>
             <a:picLocks noChangeAspect="1"/>
           </p:cNvPicPr>
@@ -14615,8 +16204,8 @@
         </p:blipFill>
         <p:spPr>
           <a:xfrm>
-            <a:off x="142092" y="3162432"/>
-            <a:ext cx="14142069" cy="2880000"/>
+            <a:off x="148715" y="3162011"/>
+            <a:ext cx="14142619" cy="2880000"/>
           </a:xfrm>
           <a:prstGeom prst="rect">
             <a:avLst/>
@@ -14625,7 +16214,13 @@
       </p:pic>
       <p:pic>
         <p:nvPicPr>
-          <p:cNvPr id="4" name="Imagem 3"/>
+          <p:cNvPr id="11" name="Imagem 10">
+            <a:extLst>
+              <a:ext uri="{FF2B5EF4-FFF2-40B4-BE49-F238E27FC236}">
+                <a16:creationId xmlns:a16="http://schemas.microsoft.com/office/drawing/2014/main" id="{1472E86E-5ADC-4B3B-9D91-A9D193B1D60C}"/>
+              </a:ext>
+            </a:extLst>
+          </p:cNvPr>
           <p:cNvPicPr>
             <a:picLocks noChangeAspect="1"/>
           </p:cNvPicPr>
@@ -14639,8 +16234,8 @@
         </p:blipFill>
         <p:spPr>
           <a:xfrm>
-            <a:off x="127384" y="7345505"/>
-            <a:ext cx="14142069" cy="2880000"/>
+            <a:off x="154077" y="7345505"/>
+            <a:ext cx="14142619" cy="2880000"/>
           </a:xfrm>
           <a:prstGeom prst="rect">
             <a:avLst/>
@@ -14651,878 +16246,6 @@
     <p:extLst>
       <p:ext uri="{BB962C8B-B14F-4D97-AF65-F5344CB8AC3E}">
         <p14:creationId xmlns:p14="http://schemas.microsoft.com/office/powerpoint/2010/main" val="607086005"/>
-      </p:ext>
-    </p:extLst>
-  </p:cSld>
-  <p:clrMapOvr>
-    <a:masterClrMapping/>
-  </p:clrMapOvr>
-</p:sld>
-</file>
-
-<file path=ppt/slides/slide8.xml><?xml version="1.0" encoding="utf-8"?>
-<p:sld xmlns:a="http://schemas.openxmlformats.org/drawingml/2006/main" xmlns:r="http://schemas.openxmlformats.org/officeDocument/2006/relationships" xmlns:p="http://schemas.openxmlformats.org/presentationml/2006/main">
-  <p:cSld>
-    <p:bg>
-      <p:bgPr>
-        <a:solidFill>
-          <a:schemeClr val="bg1"/>
-        </a:solidFill>
-        <a:effectLst/>
-      </p:bgPr>
-    </p:bg>
-    <p:spTree>
-      <p:nvGrpSpPr>
-        <p:cNvPr id="1" name=""/>
-        <p:cNvGrpSpPr/>
-        <p:nvPr/>
-      </p:nvGrpSpPr>
-      <p:grpSpPr>
-        <a:xfrm>
-          <a:off x="0" y="0"/>
-          <a:ext cx="0" cy="0"/>
-          <a:chOff x="0" y="0"/>
-          <a:chExt cx="0" cy="0"/>
-        </a:xfrm>
-      </p:grpSpPr>
-      <p:sp>
-        <p:nvSpPr>
-          <p:cNvPr id="13" name="Rectangle 9">
-            <a:extLst>
-              <a:ext uri="{FF2B5EF4-FFF2-40B4-BE49-F238E27FC236}">
-                <a16:creationId xmlns:a16="http://schemas.microsoft.com/office/drawing/2014/main" id="{0BABF38A-8A0D-492E-BD20-6CF4D46B50BD}"/>
-              </a:ext>
-              <a:ext uri="{C183D7F6-B498-43B3-948B-1728B52AA6E4}">
-                <adec:decorative xmlns="" xmlns:adec="http://schemas.microsoft.com/office/drawing/2017/decorative" val="1"/>
-              </a:ext>
-            </a:extLst>
-          </p:cNvPr>
-          <p:cNvSpPr>
-            <a:spLocks noGrp="1" noRot="1" noChangeAspect="1" noMove="1" noResize="1" noEditPoints="1" noAdjustHandles="1" noChangeArrowheads="1" noChangeShapeType="1" noTextEdit="1"/>
-          </p:cNvSpPr>
-          <p:nvPr>
-            <p:extLst>
-              <p:ext uri="{386F3935-93C4-4BCD-93E2-E3B085C9AB24}">
-                <p16:designElem xmlns:p16="http://schemas.microsoft.com/office/powerpoint/2015/main" val="1"/>
-              </p:ext>
-            </p:extLst>
-          </p:nvPr>
-        </p:nvSpPr>
-        <p:spPr>
-          <a:xfrm>
-            <a:off x="3149972" y="3121681"/>
-            <a:ext cx="8100269" cy="4556404"/>
-          </a:xfrm>
-          <a:prstGeom prst="rect">
-            <a:avLst/>
-          </a:prstGeom>
-          <a:solidFill>
-            <a:schemeClr val="bg2">
-              <a:lumMod val="90000"/>
-              <a:alpha val="70000"/>
-            </a:schemeClr>
-          </a:solidFill>
-          <a:ln>
-            <a:noFill/>
-          </a:ln>
-        </p:spPr>
-        <p:style>
-          <a:lnRef idx="2">
-            <a:schemeClr val="accent1">
-              <a:shade val="50000"/>
-            </a:schemeClr>
-          </a:lnRef>
-          <a:fillRef idx="1">
-            <a:schemeClr val="accent1"/>
-          </a:fillRef>
-          <a:effectRef idx="0">
-            <a:schemeClr val="accent1"/>
-          </a:effectRef>
-          <a:fontRef idx="minor">
-            <a:schemeClr val="lt1"/>
-          </a:fontRef>
-        </p:style>
-        <p:txBody>
-          <a:bodyPr rtlCol="0" anchor="ctr"/>
-          <a:lstStyle/>
-          <a:p>
-            <a:pPr algn="ctr">
-              <a:defRPr/>
-            </a:pPr>
-            <a:endParaRPr lang="en-US" sz="1196" dirty="0">
-              <a:solidFill>
-                <a:prstClr val="black">
-                  <a:lumMod val="65000"/>
-                  <a:lumOff val="35000"/>
-                </a:prstClr>
-              </a:solidFill>
-              <a:latin typeface="AvenirNext LT Pro Medium" panose="020B0504020202020204" pitchFamily="34" charset="0"/>
-            </a:endParaRPr>
-          </a:p>
-        </p:txBody>
-      </p:sp>
-      <p:pic>
-        <p:nvPicPr>
-          <p:cNvPr id="12" name="Picture 11">
-            <a:extLst>
-              <a:ext uri="{FF2B5EF4-FFF2-40B4-BE49-F238E27FC236}">
-                <a16:creationId xmlns:a16="http://schemas.microsoft.com/office/drawing/2014/main" id="{BC526B7A-4801-4FD1-95C8-03AF22629E87}"/>
-              </a:ext>
-              <a:ext uri="{C183D7F6-B498-43B3-948B-1728B52AA6E4}">
-                <adec:decorative xmlns="" xmlns:adec="http://schemas.microsoft.com/office/drawing/2017/decorative" val="1"/>
-              </a:ext>
-            </a:extLst>
-          </p:cNvPr>
-          <p:cNvPicPr>
-            <a:picLocks noGrp="1" noRot="1" noChangeAspect="1" noMove="1" noResize="1" noEditPoints="1" noAdjustHandles="1" noChangeArrowheads="1" noChangeShapeType="1" noCrop="1"/>
-          </p:cNvPicPr>
-          <p:nvPr>
-            <p:extLst>
-              <p:ext uri="{386F3935-93C4-4BCD-93E2-E3B085C9AB24}">
-                <p16:designElem xmlns:p16="http://schemas.microsoft.com/office/powerpoint/2015/main" val="1"/>
-              </p:ext>
-            </p:extLst>
-          </p:nvPr>
-        </p:nvPicPr>
-        <p:blipFill>
-          <a:blip r:embed="rId2">
-            <a:alphaModFix amt="10000"/>
-            <a:extLst>
-              <a:ext uri="{28A0092B-C50C-407E-A947-70E740481C1C}">
-                <a14:useLocalDpi xmlns:a14="http://schemas.microsoft.com/office/drawing/2010/main" val="0"/>
-              </a:ext>
-            </a:extLst>
-          </a:blip>
-          <a:stretch>
-            <a:fillRect/>
-          </a:stretch>
-        </p:blipFill>
-        <p:spPr>
-          <a:xfrm>
-            <a:off x="8820159" y="3121682"/>
-            <a:ext cx="2428095" cy="3039825"/>
-          </a:xfrm>
-          <a:prstGeom prst="rect">
-            <a:avLst/>
-          </a:prstGeom>
-        </p:spPr>
-      </p:pic>
-      <p:sp useBgFill="1">
-        <p:nvSpPr>
-          <p:cNvPr id="14" name="Rectangle 13">
-            <a:extLst>
-              <a:ext uri="{FF2B5EF4-FFF2-40B4-BE49-F238E27FC236}">
-                <a16:creationId xmlns:a16="http://schemas.microsoft.com/office/drawing/2014/main" id="{37FDDF72-DE39-4F99-A3C1-DD9D7815D7DB}"/>
-              </a:ext>
-              <a:ext uri="{C183D7F6-B498-43B3-948B-1728B52AA6E4}">
-                <adec:decorative xmlns="" xmlns:adec="http://schemas.microsoft.com/office/drawing/2017/decorative" val="1"/>
-              </a:ext>
-            </a:extLst>
-          </p:cNvPr>
-          <p:cNvSpPr>
-            <a:spLocks noGrp="1" noRot="1" noChangeAspect="1" noMove="1" noResize="1" noEditPoints="1" noAdjustHandles="1" noChangeArrowheads="1" noChangeShapeType="1" noTextEdit="1"/>
-          </p:cNvSpPr>
-          <p:nvPr>
-            <p:extLst>
-              <p:ext uri="{386F3935-93C4-4BCD-93E2-E3B085C9AB24}">
-                <p16:designElem xmlns:p16="http://schemas.microsoft.com/office/powerpoint/2015/main" val="1"/>
-              </p:ext>
-            </p:extLst>
-          </p:nvPr>
-        </p:nvSpPr>
-        <p:spPr>
-          <a:xfrm>
-            <a:off x="3149972" y="3121681"/>
-            <a:ext cx="8100269" cy="4556401"/>
-          </a:xfrm>
-          <a:prstGeom prst="rect">
-            <a:avLst/>
-          </a:prstGeom>
-          <a:ln>
-            <a:noFill/>
-          </a:ln>
-        </p:spPr>
-        <p:style>
-          <a:lnRef idx="2">
-            <a:schemeClr val="accent1">
-              <a:shade val="50000"/>
-            </a:schemeClr>
-          </a:lnRef>
-          <a:fillRef idx="1">
-            <a:schemeClr val="accent1"/>
-          </a:fillRef>
-          <a:effectRef idx="0">
-            <a:schemeClr val="accent1"/>
-          </a:effectRef>
-          <a:fontRef idx="minor">
-            <a:schemeClr val="lt1"/>
-          </a:fontRef>
-        </p:style>
-        <p:txBody>
-          <a:bodyPr rtlCol="0" anchor="ctr"/>
-          <a:lstStyle/>
-          <a:p>
-            <a:pPr algn="ctr">
-              <a:defRPr/>
-            </a:pPr>
-            <a:endParaRPr lang="en-US" sz="1196" dirty="0">
-              <a:solidFill>
-                <a:prstClr val="black">
-                  <a:lumMod val="65000"/>
-                  <a:lumOff val="35000"/>
-                </a:prstClr>
-              </a:solidFill>
-              <a:latin typeface="AvenirNext LT Pro Medium" panose="020B0504020202020204" pitchFamily="34" charset="0"/>
-            </a:endParaRPr>
-          </a:p>
-        </p:txBody>
-      </p:sp>
-      <p:sp>
-        <p:nvSpPr>
-          <p:cNvPr id="16" name="Rectangle 15">
-            <a:extLst>
-              <a:ext uri="{FF2B5EF4-FFF2-40B4-BE49-F238E27FC236}">
-                <a16:creationId xmlns:a16="http://schemas.microsoft.com/office/drawing/2014/main" id="{5E4ECE80-3AD1-450C-B62A-98788F193948}"/>
-              </a:ext>
-              <a:ext uri="{C183D7F6-B498-43B3-948B-1728B52AA6E4}">
-                <adec:decorative xmlns="" xmlns:adec="http://schemas.microsoft.com/office/drawing/2017/decorative" val="1"/>
-              </a:ext>
-            </a:extLst>
-          </p:cNvPr>
-          <p:cNvSpPr>
-            <a:spLocks noGrp="1" noRot="1" noChangeAspect="1" noMove="1" noResize="1" noEditPoints="1" noAdjustHandles="1" noChangeArrowheads="1" noChangeShapeType="1" noTextEdit="1"/>
-          </p:cNvSpPr>
-          <p:nvPr>
-            <p:extLst>
-              <p:ext uri="{386F3935-93C4-4BCD-93E2-E3B085C9AB24}">
-                <p16:designElem xmlns:p16="http://schemas.microsoft.com/office/powerpoint/2015/main" val="1"/>
-              </p:ext>
-            </p:extLst>
-          </p:nvPr>
-        </p:nvSpPr>
-        <p:spPr>
-          <a:xfrm>
-            <a:off x="3149972" y="3121681"/>
-            <a:ext cx="8100269" cy="4556401"/>
-          </a:xfrm>
-          <a:prstGeom prst="rect">
-            <a:avLst/>
-          </a:prstGeom>
-          <a:solidFill>
-            <a:srgbClr val="000000"/>
-          </a:solidFill>
-          <a:ln>
-            <a:noFill/>
-          </a:ln>
-        </p:spPr>
-        <p:style>
-          <a:lnRef idx="2">
-            <a:schemeClr val="accent1">
-              <a:shade val="50000"/>
-            </a:schemeClr>
-          </a:lnRef>
-          <a:fillRef idx="1">
-            <a:schemeClr val="accent1"/>
-          </a:fillRef>
-          <a:effectRef idx="0">
-            <a:schemeClr val="accent1"/>
-          </a:effectRef>
-          <a:fontRef idx="minor">
-            <a:schemeClr val="lt1"/>
-          </a:fontRef>
-        </p:style>
-        <p:txBody>
-          <a:bodyPr rtlCol="0" anchor="ctr"/>
-          <a:lstStyle/>
-          <a:p>
-            <a:pPr algn="ctr">
-              <a:defRPr/>
-            </a:pPr>
-            <a:endParaRPr lang="en-US" sz="1196" dirty="0">
-              <a:solidFill>
-                <a:prstClr val="black">
-                  <a:lumMod val="65000"/>
-                  <a:lumOff val="35000"/>
-                </a:prstClr>
-              </a:solidFill>
-              <a:latin typeface="AvenirNext LT Pro Medium" panose="020B0504020202020204" pitchFamily="34" charset="0"/>
-            </a:endParaRPr>
-          </a:p>
-        </p:txBody>
-      </p:sp>
-      <p:pic>
-        <p:nvPicPr>
-          <p:cNvPr id="5" name="Imagem 4">
-            <a:extLst>
-              <a:ext uri="{FF2B5EF4-FFF2-40B4-BE49-F238E27FC236}">
-                <a16:creationId xmlns:a16="http://schemas.microsoft.com/office/drawing/2014/main" id="{F1433EF1-FB6D-4913-96C9-08F0B1B3CA7A}"/>
-              </a:ext>
-            </a:extLst>
-          </p:cNvPr>
-          <p:cNvPicPr>
-            <a:picLocks noChangeAspect="1"/>
-          </p:cNvPicPr>
-          <p:nvPr/>
-        </p:nvPicPr>
-        <p:blipFill rotWithShape="1">
-          <a:blip r:embed="rId3">
-            <a:alphaModFix/>
-            <a:extLst>
-              <a:ext uri="{28A0092B-C50C-407E-A947-70E740481C1C}">
-                <a14:useLocalDpi xmlns:a14="http://schemas.microsoft.com/office/drawing/2010/main" val="0"/>
-              </a:ext>
-            </a:extLst>
-          </a:blip>
-          <a:srcRect l="5233" t="-2125" r="6244" b="-538"/>
-          <a:stretch/>
-        </p:blipFill>
-        <p:spPr>
-          <a:xfrm>
-            <a:off x="-1" y="-248909"/>
-            <a:ext cx="14400213" cy="11147555"/>
-          </a:xfrm>
-          <a:prstGeom prst="rect">
-            <a:avLst/>
-          </a:prstGeom>
-        </p:spPr>
-      </p:pic>
-      <p:sp>
-        <p:nvSpPr>
-          <p:cNvPr id="50" name="Retângulo 49">
-            <a:extLst>
-              <a:ext uri="{FF2B5EF4-FFF2-40B4-BE49-F238E27FC236}">
-                <a16:creationId xmlns:a16="http://schemas.microsoft.com/office/drawing/2014/main" id="{50614AED-75DE-4550-9029-54313F89BD12}"/>
-              </a:ext>
-            </a:extLst>
-          </p:cNvPr>
-          <p:cNvSpPr/>
-          <p:nvPr/>
-        </p:nvSpPr>
-        <p:spPr>
-          <a:xfrm>
-            <a:off x="3186646" y="311571"/>
-            <a:ext cx="8052791" cy="992583"/>
-          </a:xfrm>
-          <a:prstGeom prst="rect">
-            <a:avLst/>
-          </a:prstGeom>
-          <a:noFill/>
-        </p:spPr>
-        <p:txBody>
-          <a:bodyPr wrap="square" lIns="68584" tIns="34292" rIns="68584" bIns="34292">
-            <a:spAutoFit/>
-          </a:bodyPr>
-          <a:lstStyle/>
-          <a:p>
-            <a:pPr algn="ctr"/>
-            <a:r>
-              <a:rPr lang="pt-BR" sz="6000" dirty="0">
-                <a:ln w="38100">
-                  <a:solidFill>
-                    <a:schemeClr val="bg1"/>
-                  </a:solidFill>
-                </a:ln>
-                <a:solidFill>
-                  <a:srgbClr val="00B050"/>
-                </a:solidFill>
-                <a:effectLst>
-                  <a:outerShdw blurRad="38100" dist="19050" dir="2700000" algn="tl" rotWithShape="0">
-                    <a:schemeClr val="dk1">
-                      <a:alpha val="40000"/>
-                    </a:schemeClr>
-                  </a:outerShdw>
-                </a:effectLst>
-                <a:latin typeface="Exo 2 Extra Bold" panose="00000900000000000000" pitchFamily="50" charset="0"/>
-              </a:rPr>
-              <a:t>Liga Principal</a:t>
-            </a:r>
-          </a:p>
-        </p:txBody>
-      </p:sp>
-      <p:sp>
-        <p:nvSpPr>
-          <p:cNvPr id="53" name="Retângulo 52">
-            <a:extLst>
-              <a:ext uri="{FF2B5EF4-FFF2-40B4-BE49-F238E27FC236}">
-                <a16:creationId xmlns:a16="http://schemas.microsoft.com/office/drawing/2014/main" id="{F101E0BF-8A68-40B9-BC26-35C299182F52}"/>
-              </a:ext>
-            </a:extLst>
-          </p:cNvPr>
-          <p:cNvSpPr/>
-          <p:nvPr/>
-        </p:nvSpPr>
-        <p:spPr>
-          <a:xfrm>
-            <a:off x="336776" y="1104608"/>
-            <a:ext cx="13909452" cy="1177249"/>
-          </a:xfrm>
-          <a:prstGeom prst="rect">
-            <a:avLst/>
-          </a:prstGeom>
-          <a:noFill/>
-        </p:spPr>
-        <p:txBody>
-          <a:bodyPr wrap="square" lIns="68584" tIns="34292" rIns="68584" bIns="34292">
-            <a:spAutoFit/>
-          </a:bodyPr>
-          <a:lstStyle/>
-          <a:p>
-            <a:pPr algn="ctr"/>
-            <a:r>
-              <a:rPr lang="pt-BR" sz="7200" dirty="0">
-                <a:ln w="0">
-                  <a:noFill/>
-                </a:ln>
-                <a:effectLst>
-                  <a:outerShdw blurRad="38100" dist="19050" dir="2700000" algn="tl" rotWithShape="0">
-                    <a:schemeClr val="dk1">
-                      <a:alpha val="40000"/>
-                    </a:schemeClr>
-                  </a:outerShdw>
-                </a:effectLst>
-                <a:latin typeface="Exo 2 Extra Bold" panose="00000900000000000000" pitchFamily="50" charset="0"/>
-              </a:rPr>
-              <a:t>MATA-MATA SÉRIE A 3</a:t>
-            </a:r>
-          </a:p>
-        </p:txBody>
-      </p:sp>
-      <p:pic>
-        <p:nvPicPr>
-          <p:cNvPr id="15" name="Imagem 14">
-            <a:extLst>
-              <a:ext uri="{FF2B5EF4-FFF2-40B4-BE49-F238E27FC236}">
-                <a16:creationId xmlns:a16="http://schemas.microsoft.com/office/drawing/2014/main" id="{780D6AE4-2B31-43CF-8A3B-9ACC73C32FE9}"/>
-              </a:ext>
-            </a:extLst>
-          </p:cNvPr>
-          <p:cNvPicPr>
-            <a:picLocks noChangeAspect="1"/>
-          </p:cNvPicPr>
-          <p:nvPr/>
-        </p:nvPicPr>
-        <p:blipFill>
-          <a:blip r:embed="rId4" cstate="hqprint">
-            <a:extLst>
-              <a:ext uri="{28A0092B-C50C-407E-A947-70E740481C1C}">
-                <a14:useLocalDpi xmlns:a14="http://schemas.microsoft.com/office/drawing/2010/main" val="0"/>
-              </a:ext>
-            </a:extLst>
-          </a:blip>
-          <a:stretch>
-            <a:fillRect/>
-          </a:stretch>
-        </p:blipFill>
-        <p:spPr>
-          <a:xfrm>
-            <a:off x="336776" y="194284"/>
-            <a:ext cx="2059134" cy="2160000"/>
-          </a:xfrm>
-          <a:prstGeom prst="rect">
-            <a:avLst/>
-          </a:prstGeom>
-        </p:spPr>
-      </p:pic>
-      <p:sp>
-        <p:nvSpPr>
-          <p:cNvPr id="10" name="Retângulo 9">
-            <a:extLst>
-              <a:ext uri="{FF2B5EF4-FFF2-40B4-BE49-F238E27FC236}">
-                <a16:creationId xmlns:a16="http://schemas.microsoft.com/office/drawing/2014/main" id="{838BDC98-3287-4575-8574-56F716FB2440}"/>
-              </a:ext>
-            </a:extLst>
-          </p:cNvPr>
-          <p:cNvSpPr/>
-          <p:nvPr/>
-        </p:nvSpPr>
-        <p:spPr>
-          <a:xfrm>
-            <a:off x="1911927" y="2227185"/>
-            <a:ext cx="10476677" cy="2718888"/>
-          </a:xfrm>
-          <a:prstGeom prst="rect">
-            <a:avLst/>
-          </a:prstGeom>
-          <a:solidFill>
-            <a:schemeClr val="tx1">
-              <a:alpha val="81000"/>
-            </a:schemeClr>
-          </a:solidFill>
-        </p:spPr>
-        <p:style>
-          <a:lnRef idx="2">
-            <a:schemeClr val="accent1">
-              <a:shade val="50000"/>
-            </a:schemeClr>
-          </a:lnRef>
-          <a:fillRef idx="1">
-            <a:schemeClr val="accent1"/>
-          </a:fillRef>
-          <a:effectRef idx="0">
-            <a:schemeClr val="accent1"/>
-          </a:effectRef>
-          <a:fontRef idx="minor">
-            <a:schemeClr val="lt1"/>
-          </a:fontRef>
-        </p:style>
-        <p:txBody>
-          <a:bodyPr rtlCol="0" anchor="ctr"/>
-          <a:lstStyle/>
-          <a:p>
-            <a:pPr algn="ctr"/>
-            <a:endParaRPr lang="pt-BR"/>
-          </a:p>
-        </p:txBody>
-      </p:sp>
-      <p:sp>
-        <p:nvSpPr>
-          <p:cNvPr id="21" name="Retângulo 20">
-            <a:extLst>
-              <a:ext uri="{FF2B5EF4-FFF2-40B4-BE49-F238E27FC236}">
-                <a16:creationId xmlns:a16="http://schemas.microsoft.com/office/drawing/2014/main" id="{95EDB8CB-8377-4925-B478-560C3F615037}"/>
-              </a:ext>
-            </a:extLst>
-          </p:cNvPr>
-          <p:cNvSpPr/>
-          <p:nvPr/>
-        </p:nvSpPr>
-        <p:spPr>
-          <a:xfrm>
-            <a:off x="1911927" y="5072033"/>
-            <a:ext cx="10476677" cy="2718888"/>
-          </a:xfrm>
-          <a:prstGeom prst="rect">
-            <a:avLst/>
-          </a:prstGeom>
-          <a:solidFill>
-            <a:schemeClr val="tx1">
-              <a:alpha val="81000"/>
-            </a:schemeClr>
-          </a:solidFill>
-        </p:spPr>
-        <p:style>
-          <a:lnRef idx="2">
-            <a:schemeClr val="accent1">
-              <a:shade val="50000"/>
-            </a:schemeClr>
-          </a:lnRef>
-          <a:fillRef idx="1">
-            <a:schemeClr val="accent1"/>
-          </a:fillRef>
-          <a:effectRef idx="0">
-            <a:schemeClr val="accent1"/>
-          </a:effectRef>
-          <a:fontRef idx="minor">
-            <a:schemeClr val="lt1"/>
-          </a:fontRef>
-        </p:style>
-        <p:txBody>
-          <a:bodyPr rtlCol="0" anchor="ctr"/>
-          <a:lstStyle/>
-          <a:p>
-            <a:pPr algn="ctr"/>
-            <a:endParaRPr lang="pt-BR"/>
-          </a:p>
-        </p:txBody>
-      </p:sp>
-      <p:sp>
-        <p:nvSpPr>
-          <p:cNvPr id="23" name="Retângulo 22">
-            <a:extLst>
-              <a:ext uri="{FF2B5EF4-FFF2-40B4-BE49-F238E27FC236}">
-                <a16:creationId xmlns:a16="http://schemas.microsoft.com/office/drawing/2014/main" id="{ED87CD67-A438-4F74-986A-3704AF997953}"/>
-              </a:ext>
-            </a:extLst>
-          </p:cNvPr>
-          <p:cNvSpPr/>
-          <p:nvPr/>
-        </p:nvSpPr>
-        <p:spPr>
-          <a:xfrm>
-            <a:off x="5308448" y="2179089"/>
-            <a:ext cx="3789504" cy="684807"/>
-          </a:xfrm>
-          <a:prstGeom prst="rect">
-            <a:avLst/>
-          </a:prstGeom>
-          <a:noFill/>
-        </p:spPr>
-        <p:txBody>
-          <a:bodyPr wrap="square" lIns="68584" tIns="34292" rIns="68584" bIns="34292">
-            <a:spAutoFit/>
-          </a:bodyPr>
-          <a:lstStyle/>
-          <a:p>
-            <a:pPr algn="ctr"/>
-            <a:r>
-              <a:rPr lang="pt-BR" sz="4000" dirty="0">
-                <a:ln w="0">
-                  <a:noFill/>
-                </a:ln>
-                <a:solidFill>
-                  <a:srgbClr val="0070C0"/>
-                </a:solidFill>
-                <a:effectLst>
-                  <a:outerShdw blurRad="38100" dist="19050" dir="2700000" algn="tl" rotWithShape="0">
-                    <a:schemeClr val="dk1">
-                      <a:alpha val="40000"/>
-                    </a:schemeClr>
-                  </a:outerShdw>
-                </a:effectLst>
-                <a:latin typeface="Exo 2 Extra Bold" panose="00000900000000000000" pitchFamily="50" charset="0"/>
-              </a:rPr>
-              <a:t>Chave 1</a:t>
-            </a:r>
-          </a:p>
-        </p:txBody>
-      </p:sp>
-      <p:sp>
-        <p:nvSpPr>
-          <p:cNvPr id="24" name="Retângulo 23">
-            <a:extLst>
-              <a:ext uri="{FF2B5EF4-FFF2-40B4-BE49-F238E27FC236}">
-                <a16:creationId xmlns:a16="http://schemas.microsoft.com/office/drawing/2014/main" id="{522A4ACC-EC27-4A14-BA66-B0EB03535C7B}"/>
-              </a:ext>
-            </a:extLst>
-          </p:cNvPr>
-          <p:cNvSpPr/>
-          <p:nvPr/>
-        </p:nvSpPr>
-        <p:spPr>
-          <a:xfrm>
-            <a:off x="5321993" y="5022489"/>
-            <a:ext cx="3789503" cy="684807"/>
-          </a:xfrm>
-          <a:prstGeom prst="rect">
-            <a:avLst/>
-          </a:prstGeom>
-          <a:noFill/>
-        </p:spPr>
-        <p:txBody>
-          <a:bodyPr wrap="square" lIns="68584" tIns="34292" rIns="68584" bIns="34292">
-            <a:spAutoFit/>
-          </a:bodyPr>
-          <a:lstStyle/>
-          <a:p>
-            <a:pPr algn="ctr"/>
-            <a:r>
-              <a:rPr lang="pt-BR" sz="4000" dirty="0">
-                <a:ln w="0">
-                  <a:noFill/>
-                </a:ln>
-                <a:solidFill>
-                  <a:srgbClr val="0070C0"/>
-                </a:solidFill>
-                <a:effectLst>
-                  <a:outerShdw blurRad="38100" dist="19050" dir="2700000" algn="tl" rotWithShape="0">
-                    <a:schemeClr val="dk1">
-                      <a:alpha val="40000"/>
-                    </a:schemeClr>
-                  </a:outerShdw>
-                </a:effectLst>
-                <a:latin typeface="Exo 2 Extra Bold" panose="00000900000000000000" pitchFamily="50" charset="0"/>
-              </a:rPr>
-              <a:t>Chave 2</a:t>
-            </a:r>
-          </a:p>
-        </p:txBody>
-      </p:sp>
-      <p:pic>
-        <p:nvPicPr>
-          <p:cNvPr id="2" name="Imagem 1">
-            <a:extLst>
-              <a:ext uri="{FF2B5EF4-FFF2-40B4-BE49-F238E27FC236}">
-                <a16:creationId xmlns:a16="http://schemas.microsoft.com/office/drawing/2014/main" id="{1EA30457-056C-4857-B3A2-4A3B7706B511}"/>
-              </a:ext>
-            </a:extLst>
-          </p:cNvPr>
-          <p:cNvPicPr>
-            <a:picLocks noChangeAspect="1"/>
-          </p:cNvPicPr>
-          <p:nvPr/>
-        </p:nvPicPr>
-        <p:blipFill>
-          <a:blip r:embed="rId5"/>
-          <a:stretch>
-            <a:fillRect/>
-          </a:stretch>
-        </p:blipFill>
-        <p:spPr>
-          <a:xfrm>
-            <a:off x="2355335" y="2894981"/>
-            <a:ext cx="9720000" cy="1881294"/>
-          </a:xfrm>
-          <a:prstGeom prst="rect">
-            <a:avLst/>
-          </a:prstGeom>
-        </p:spPr>
-      </p:pic>
-      <p:pic>
-        <p:nvPicPr>
-          <p:cNvPr id="3" name="Imagem 2">
-            <a:extLst>
-              <a:ext uri="{FF2B5EF4-FFF2-40B4-BE49-F238E27FC236}">
-                <a16:creationId xmlns:a16="http://schemas.microsoft.com/office/drawing/2014/main" id="{7A4B5F47-D199-49A7-A4FE-538AB8634E21}"/>
-              </a:ext>
-            </a:extLst>
-          </p:cNvPr>
-          <p:cNvPicPr>
-            <a:picLocks noChangeAspect="1"/>
-          </p:cNvPicPr>
-          <p:nvPr/>
-        </p:nvPicPr>
-        <p:blipFill>
-          <a:blip r:embed="rId6"/>
-          <a:stretch>
-            <a:fillRect/>
-          </a:stretch>
-        </p:blipFill>
-        <p:spPr>
-          <a:xfrm>
-            <a:off x="2365543" y="5682507"/>
-            <a:ext cx="9720000" cy="1881294"/>
-          </a:xfrm>
-          <a:prstGeom prst="rect">
-            <a:avLst/>
-          </a:prstGeom>
-        </p:spPr>
-      </p:pic>
-      <p:sp>
-        <p:nvSpPr>
-          <p:cNvPr id="18" name="Retângulo 17">
-            <a:extLst>
-              <a:ext uri="{FF2B5EF4-FFF2-40B4-BE49-F238E27FC236}">
-                <a16:creationId xmlns:a16="http://schemas.microsoft.com/office/drawing/2014/main" id="{3128898C-0A57-4F19-8491-B43E8301569E}"/>
-              </a:ext>
-            </a:extLst>
-          </p:cNvPr>
-          <p:cNvSpPr/>
-          <p:nvPr/>
-        </p:nvSpPr>
-        <p:spPr>
-          <a:xfrm>
-            <a:off x="1918853" y="7946853"/>
-            <a:ext cx="10476677" cy="2718888"/>
-          </a:xfrm>
-          <a:prstGeom prst="rect">
-            <a:avLst/>
-          </a:prstGeom>
-          <a:solidFill>
-            <a:schemeClr val="tx1">
-              <a:alpha val="81000"/>
-            </a:schemeClr>
-          </a:solidFill>
-        </p:spPr>
-        <p:style>
-          <a:lnRef idx="2">
-            <a:schemeClr val="accent1">
-              <a:shade val="50000"/>
-            </a:schemeClr>
-          </a:lnRef>
-          <a:fillRef idx="1">
-            <a:schemeClr val="accent1"/>
-          </a:fillRef>
-          <a:effectRef idx="0">
-            <a:schemeClr val="accent1"/>
-          </a:effectRef>
-          <a:fontRef idx="minor">
-            <a:schemeClr val="lt1"/>
-          </a:fontRef>
-        </p:style>
-        <p:txBody>
-          <a:bodyPr rtlCol="0" anchor="ctr"/>
-          <a:lstStyle/>
-          <a:p>
-            <a:pPr algn="ctr"/>
-            <a:endParaRPr lang="pt-BR"/>
-          </a:p>
-        </p:txBody>
-      </p:sp>
-      <p:sp>
-        <p:nvSpPr>
-          <p:cNvPr id="19" name="Retângulo 18">
-            <a:extLst>
-              <a:ext uri="{FF2B5EF4-FFF2-40B4-BE49-F238E27FC236}">
-                <a16:creationId xmlns:a16="http://schemas.microsoft.com/office/drawing/2014/main" id="{233846BD-32E7-4324-ADF6-449F12B78362}"/>
-              </a:ext>
-            </a:extLst>
-          </p:cNvPr>
-          <p:cNvSpPr/>
-          <p:nvPr/>
-        </p:nvSpPr>
-        <p:spPr>
-          <a:xfrm>
-            <a:off x="5328919" y="7897309"/>
-            <a:ext cx="3789503" cy="684807"/>
-          </a:xfrm>
-          <a:prstGeom prst="rect">
-            <a:avLst/>
-          </a:prstGeom>
-          <a:noFill/>
-        </p:spPr>
-        <p:txBody>
-          <a:bodyPr wrap="square" lIns="68584" tIns="34292" rIns="68584" bIns="34292">
-            <a:spAutoFit/>
-          </a:bodyPr>
-          <a:lstStyle/>
-          <a:p>
-            <a:pPr algn="ctr"/>
-            <a:r>
-              <a:rPr lang="pt-BR" sz="4000" dirty="0">
-                <a:ln w="0">
-                  <a:noFill/>
-                </a:ln>
-                <a:solidFill>
-                  <a:srgbClr val="0070C0"/>
-                </a:solidFill>
-                <a:effectLst>
-                  <a:outerShdw blurRad="38100" dist="19050" dir="2700000" algn="tl" rotWithShape="0">
-                    <a:schemeClr val="dk1">
-                      <a:alpha val="40000"/>
-                    </a:schemeClr>
-                  </a:outerShdw>
-                </a:effectLst>
-                <a:latin typeface="Exo 2 Extra Bold" panose="00000900000000000000" pitchFamily="50" charset="0"/>
-              </a:rPr>
-              <a:t>Semifinal</a:t>
-            </a:r>
-          </a:p>
-        </p:txBody>
-      </p:sp>
-      <p:pic>
-        <p:nvPicPr>
-          <p:cNvPr id="7" name="Imagem 6">
-            <a:extLst>
-              <a:ext uri="{FF2B5EF4-FFF2-40B4-BE49-F238E27FC236}">
-                <a16:creationId xmlns:a16="http://schemas.microsoft.com/office/drawing/2014/main" id="{0550EDED-79E2-4345-8D71-F0735441DA40}"/>
-              </a:ext>
-            </a:extLst>
-          </p:cNvPr>
-          <p:cNvPicPr>
-            <a:picLocks noChangeAspect="1"/>
-          </p:cNvPicPr>
-          <p:nvPr/>
-        </p:nvPicPr>
-        <p:blipFill>
-          <a:blip r:embed="rId7"/>
-          <a:stretch>
-            <a:fillRect/>
-          </a:stretch>
-        </p:blipFill>
-        <p:spPr>
-          <a:xfrm>
-            <a:off x="2356098" y="8593661"/>
-            <a:ext cx="9720000" cy="1881271"/>
-          </a:xfrm>
-          <a:prstGeom prst="rect">
-            <a:avLst/>
-          </a:prstGeom>
-        </p:spPr>
-      </p:pic>
-    </p:spTree>
-    <p:extLst>
-      <p:ext uri="{BB962C8B-B14F-4D97-AF65-F5344CB8AC3E}">
-        <p14:creationId xmlns:p14="http://schemas.microsoft.com/office/powerpoint/2010/main" val="2211690294"/>
       </p:ext>
     </p:extLst>
   </p:cSld>
@@ -15565,7 +16288,7 @@
                 <a16:creationId xmlns:a16="http://schemas.microsoft.com/office/drawing/2014/main" id="{0BABF38A-8A0D-492E-BD20-6CF4D46B50BD}"/>
               </a:ext>
               <a:ext uri="{C183D7F6-B498-43B3-948B-1728B52AA6E4}">
-                <adec:decorative xmlns="" xmlns:adec="http://schemas.microsoft.com/office/drawing/2017/decorative" val="1"/>
+                <adec:decorative xmlns:adec="http://schemas.microsoft.com/office/drawing/2017/decorative" val="1"/>
               </a:ext>
             </a:extLst>
           </p:cNvPr>
@@ -15641,7 +16364,7 @@
                 <a16:creationId xmlns:a16="http://schemas.microsoft.com/office/drawing/2014/main" id="{BC526B7A-4801-4FD1-95C8-03AF22629E87}"/>
               </a:ext>
               <a:ext uri="{C183D7F6-B498-43B3-948B-1728B52AA6E4}">
-                <adec:decorative xmlns="" xmlns:adec="http://schemas.microsoft.com/office/drawing/2017/decorative" val="1"/>
+                <adec:decorative xmlns:adec="http://schemas.microsoft.com/office/drawing/2017/decorative" val="1"/>
               </a:ext>
             </a:extLst>
           </p:cNvPr>
@@ -15687,7 +16410,7 @@
                 <a16:creationId xmlns:a16="http://schemas.microsoft.com/office/drawing/2014/main" id="{37FDDF72-DE39-4F99-A3C1-DD9D7815D7DB}"/>
               </a:ext>
               <a:ext uri="{C183D7F6-B498-43B3-948B-1728B52AA6E4}">
-                <adec:decorative xmlns="" xmlns:adec="http://schemas.microsoft.com/office/drawing/2017/decorative" val="1"/>
+                <adec:decorative xmlns:adec="http://schemas.microsoft.com/office/drawing/2017/decorative" val="1"/>
               </a:ext>
             </a:extLst>
           </p:cNvPr>
@@ -15757,7 +16480,7 @@
                 <a16:creationId xmlns:a16="http://schemas.microsoft.com/office/drawing/2014/main" id="{5E4ECE80-3AD1-450C-B62A-98788F193948}"/>
               </a:ext>
               <a:ext uri="{C183D7F6-B498-43B3-948B-1728B52AA6E4}">
-                <adec:decorative xmlns="" xmlns:adec="http://schemas.microsoft.com/office/drawing/2017/decorative" val="1"/>
+                <adec:decorative xmlns:adec="http://schemas.microsoft.com/office/drawing/2017/decorative" val="1"/>
               </a:ext>
             </a:extLst>
           </p:cNvPr>
@@ -15954,7 +16677,7 @@
                 </a:effectLst>
                 <a:latin typeface="Exo 2 Extra Bold" panose="00000900000000000000" pitchFamily="50" charset="0"/>
               </a:rPr>
-              <a:t>MATA-MATA SÉRIE C 3</a:t>
+              <a:t>MATA-MATA SÉRIE A 3</a:t>
             </a:r>
           </a:p>
         </p:txBody>
@@ -16199,6 +16922,66 @@
           </a:p>
         </p:txBody>
       </p:sp>
+      <p:pic>
+        <p:nvPicPr>
+          <p:cNvPr id="2" name="Imagem 1">
+            <a:extLst>
+              <a:ext uri="{FF2B5EF4-FFF2-40B4-BE49-F238E27FC236}">
+                <a16:creationId xmlns:a16="http://schemas.microsoft.com/office/drawing/2014/main" id="{1EA30457-056C-4857-B3A2-4A3B7706B511}"/>
+              </a:ext>
+            </a:extLst>
+          </p:cNvPr>
+          <p:cNvPicPr>
+            <a:picLocks noChangeAspect="1"/>
+          </p:cNvPicPr>
+          <p:nvPr/>
+        </p:nvPicPr>
+        <p:blipFill>
+          <a:blip r:embed="rId5"/>
+          <a:stretch>
+            <a:fillRect/>
+          </a:stretch>
+        </p:blipFill>
+        <p:spPr>
+          <a:xfrm>
+            <a:off x="2355335" y="2894981"/>
+            <a:ext cx="9720000" cy="1881294"/>
+          </a:xfrm>
+          <a:prstGeom prst="rect">
+            <a:avLst/>
+          </a:prstGeom>
+        </p:spPr>
+      </p:pic>
+      <p:pic>
+        <p:nvPicPr>
+          <p:cNvPr id="3" name="Imagem 2">
+            <a:extLst>
+              <a:ext uri="{FF2B5EF4-FFF2-40B4-BE49-F238E27FC236}">
+                <a16:creationId xmlns:a16="http://schemas.microsoft.com/office/drawing/2014/main" id="{7A4B5F47-D199-49A7-A4FE-538AB8634E21}"/>
+              </a:ext>
+            </a:extLst>
+          </p:cNvPr>
+          <p:cNvPicPr>
+            <a:picLocks noChangeAspect="1"/>
+          </p:cNvPicPr>
+          <p:nvPr/>
+        </p:nvPicPr>
+        <p:blipFill>
+          <a:blip r:embed="rId6"/>
+          <a:stretch>
+            <a:fillRect/>
+          </a:stretch>
+        </p:blipFill>
+        <p:spPr>
+          <a:xfrm>
+            <a:off x="2365543" y="5682507"/>
+            <a:ext cx="9720000" cy="1881294"/>
+          </a:xfrm>
+          <a:prstGeom prst="rect">
+            <a:avLst/>
+          </a:prstGeom>
+        </p:spPr>
+      </p:pic>
       <p:sp>
         <p:nvSpPr>
           <p:cNvPr id="18" name="Retângulo 17">
@@ -16303,70 +17086,10 @@
       </p:sp>
       <p:pic>
         <p:nvPicPr>
-          <p:cNvPr id="20" name="Imagem 19">
-            <a:extLst>
-              <a:ext uri="{FF2B5EF4-FFF2-40B4-BE49-F238E27FC236}">
-                <a16:creationId xmlns:a16="http://schemas.microsoft.com/office/drawing/2014/main" id="{8B848E47-87C7-459A-921E-B11B387BE2C1}"/>
-              </a:ext>
-            </a:extLst>
-          </p:cNvPr>
-          <p:cNvPicPr>
-            <a:picLocks noChangeAspect="1"/>
-          </p:cNvPicPr>
-          <p:nvPr/>
-        </p:nvPicPr>
-        <p:blipFill>
-          <a:blip r:embed="rId5"/>
-          <a:stretch>
-            <a:fillRect/>
-          </a:stretch>
-        </p:blipFill>
-        <p:spPr>
-          <a:xfrm>
-            <a:off x="2368038" y="2892331"/>
-            <a:ext cx="9720000" cy="1881294"/>
-          </a:xfrm>
-          <a:prstGeom prst="rect">
-            <a:avLst/>
-          </a:prstGeom>
-        </p:spPr>
-      </p:pic>
-      <p:pic>
-        <p:nvPicPr>
-          <p:cNvPr id="22" name="Imagem 21">
-            <a:extLst>
-              <a:ext uri="{FF2B5EF4-FFF2-40B4-BE49-F238E27FC236}">
-                <a16:creationId xmlns:a16="http://schemas.microsoft.com/office/drawing/2014/main" id="{9784EC47-DE15-4EF6-A72C-06FEE2FAB007}"/>
-              </a:ext>
-            </a:extLst>
-          </p:cNvPr>
-          <p:cNvPicPr>
-            <a:picLocks noChangeAspect="1"/>
-          </p:cNvPicPr>
-          <p:nvPr/>
-        </p:nvPicPr>
-        <p:blipFill>
-          <a:blip r:embed="rId6"/>
-          <a:stretch>
-            <a:fillRect/>
-          </a:stretch>
-        </p:blipFill>
-        <p:spPr>
-          <a:xfrm>
-            <a:off x="2363800" y="5682504"/>
-            <a:ext cx="9720000" cy="1881294"/>
-          </a:xfrm>
-          <a:prstGeom prst="rect">
-            <a:avLst/>
-          </a:prstGeom>
-        </p:spPr>
-      </p:pic>
-      <p:pic>
-        <p:nvPicPr>
-          <p:cNvPr id="4" name="Imagem 3">
-            <a:extLst>
-              <a:ext uri="{FF2B5EF4-FFF2-40B4-BE49-F238E27FC236}">
-                <a16:creationId xmlns:a16="http://schemas.microsoft.com/office/drawing/2014/main" id="{5DA06EFA-49C7-4CF0-AC9F-44E4C4BEE539}"/>
+          <p:cNvPr id="7" name="Imagem 6">
+            <a:extLst>
+              <a:ext uri="{FF2B5EF4-FFF2-40B4-BE49-F238E27FC236}">
+                <a16:creationId xmlns:a16="http://schemas.microsoft.com/office/drawing/2014/main" id="{0550EDED-79E2-4345-8D71-F0735441DA40}"/>
               </a:ext>
             </a:extLst>
           </p:cNvPr>
@@ -16383,7 +17106,7 @@
         </p:blipFill>
         <p:spPr>
           <a:xfrm>
-            <a:off x="2370340" y="8593660"/>
+            <a:off x="2356098" y="8593661"/>
             <a:ext cx="9720000" cy="1881271"/>
           </a:xfrm>
           <a:prstGeom prst="rect">
@@ -16394,7 +17117,7 @@
     </p:spTree>
     <p:extLst>
       <p:ext uri="{BB962C8B-B14F-4D97-AF65-F5344CB8AC3E}">
-        <p14:creationId xmlns:p14="http://schemas.microsoft.com/office/powerpoint/2010/main" val="995954941"/>
+        <p14:creationId xmlns:p14="http://schemas.microsoft.com/office/powerpoint/2010/main" val="2211690294"/>
       </p:ext>
     </p:extLst>
   </p:cSld>

--- a/MataMataPlanilha.pptx
+++ b/MataMataPlanilha.pptx
@@ -11,18 +11,19 @@
     <p:sldId id="265" r:id="rId5"/>
     <p:sldId id="273" r:id="rId6"/>
     <p:sldId id="275" r:id="rId7"/>
-    <p:sldId id="274" r:id="rId8"/>
-    <p:sldId id="276" r:id="rId9"/>
-    <p:sldId id="267" r:id="rId10"/>
-    <p:sldId id="281" r:id="rId11"/>
-    <p:sldId id="277" r:id="rId12"/>
-    <p:sldId id="282" r:id="rId13"/>
-    <p:sldId id="283" r:id="rId14"/>
-    <p:sldId id="284" r:id="rId15"/>
-    <p:sldId id="268" r:id="rId16"/>
-    <p:sldId id="279" r:id="rId17"/>
-    <p:sldId id="280" r:id="rId18"/>
-    <p:sldId id="269" r:id="rId19"/>
+    <p:sldId id="286" r:id="rId8"/>
+    <p:sldId id="274" r:id="rId9"/>
+    <p:sldId id="276" r:id="rId10"/>
+    <p:sldId id="267" r:id="rId11"/>
+    <p:sldId id="281" r:id="rId12"/>
+    <p:sldId id="277" r:id="rId13"/>
+    <p:sldId id="282" r:id="rId14"/>
+    <p:sldId id="283" r:id="rId15"/>
+    <p:sldId id="284" r:id="rId16"/>
+    <p:sldId id="268" r:id="rId17"/>
+    <p:sldId id="279" r:id="rId18"/>
+    <p:sldId id="280" r:id="rId19"/>
+    <p:sldId id="269" r:id="rId20"/>
   </p:sldIdLst>
   <p:sldSz cx="14400213" cy="10799763"/>
   <p:notesSz cx="6858000" cy="9144000"/>
@@ -303,7 +304,7 @@
             <a:fld id="{11A6662E-FAF4-44BC-88B5-85A7CBFB6D30}" type="datetime1">
               <a:rPr lang="en-US" smtClean="0"/>
               <a:pPr/>
-              <a:t>10/5/2021</a:t>
+              <a:t>10/8/2021</a:t>
             </a:fld>
             <a:endParaRPr lang="en-US" dirty="0"/>
           </a:p>
@@ -530,7 +531,7 @@
           <a:p>
             <a:fld id="{4C559632-1575-4E14-B53B-3DC3D5ED3947}" type="datetime1">
               <a:rPr lang="en-US" smtClean="0"/>
-              <a:t>10/5/2021</a:t>
+              <a:t>10/8/2021</a:t>
             </a:fld>
             <a:endParaRPr lang="en-US"/>
           </a:p>
@@ -738,7 +739,7 @@
           <a:p>
             <a:fld id="{CC4A6868-2568-4CC9-B302-F37117B01A6E}" type="datetime1">
               <a:rPr lang="en-US" smtClean="0"/>
-              <a:t>10/5/2021</a:t>
+              <a:t>10/8/2021</a:t>
             </a:fld>
             <a:endParaRPr lang="en-US"/>
           </a:p>
@@ -943,7 +944,7 @@
           <a:p>
             <a:fld id="{0055F08A-1E71-4B2B-BB49-E743F2903911}" type="datetime1">
               <a:rPr lang="en-US" smtClean="0"/>
-              <a:t>10/5/2021</a:t>
+              <a:t>10/8/2021</a:t>
             </a:fld>
             <a:endParaRPr lang="en-US" dirty="0"/>
           </a:p>
@@ -1217,7 +1218,7 @@
           <a:p>
             <a:fld id="{15417D9E-721A-44BB-8863-9873FE64DA75}" type="datetime1">
               <a:rPr lang="en-US" smtClean="0"/>
-              <a:t>10/5/2021</a:t>
+              <a:t>10/8/2021</a:t>
             </a:fld>
             <a:endParaRPr lang="en-US"/>
           </a:p>
@@ -1490,7 +1491,7 @@
           <a:p>
             <a:fld id="{5F31DA2F-80B8-49CF-99FB-5ABCA53A607A}" type="datetime1">
               <a:rPr lang="en-US" smtClean="0"/>
-              <a:t>10/5/2021</a:t>
+              <a:t>10/8/2021</a:t>
             </a:fld>
             <a:endParaRPr lang="en-US"/>
           </a:p>
@@ -1905,7 +1906,7 @@
           <a:p>
             <a:fld id="{28852172-E6C9-4B6C-929A-A9DE3837BBF1}" type="datetime1">
               <a:rPr lang="en-US" smtClean="0"/>
-              <a:t>10/5/2021</a:t>
+              <a:t>10/8/2021</a:t>
             </a:fld>
             <a:endParaRPr lang="en-US"/>
           </a:p>
@@ -2057,7 +2058,7 @@
           <a:p>
             <a:fld id="{3AB41CFF-90C9-47B3-9DA1-F2BF8D839F7E}" type="datetime1">
               <a:rPr lang="en-US" smtClean="0"/>
-              <a:t>10/5/2021</a:t>
+              <a:t>10/8/2021</a:t>
             </a:fld>
             <a:endParaRPr lang="en-US"/>
           </a:p>
@@ -2170,7 +2171,7 @@
           <a:p>
             <a:fld id="{F06048FA-06AB-4884-A69B-986B96E68A24}" type="datetime1">
               <a:rPr lang="en-US" smtClean="0"/>
-              <a:t>10/5/2021</a:t>
+              <a:t>10/8/2021</a:t>
             </a:fld>
             <a:endParaRPr lang="en-US"/>
           </a:p>
@@ -2481,7 +2482,7 @@
           <a:p>
             <a:fld id="{50DB7ABA-0172-4F9C-889D-567164F66BCD}" type="datetime1">
               <a:rPr lang="en-US" smtClean="0"/>
-              <a:t>10/5/2021</a:t>
+              <a:t>10/8/2021</a:t>
             </a:fld>
             <a:endParaRPr lang="en-US"/>
           </a:p>
@@ -2772,7 +2773,7 @@
           <a:p>
             <a:fld id="{78AC6A5B-8AE7-4A41-B5A7-9ADC6686DC18}" type="datetime1">
               <a:rPr lang="en-US" smtClean="0"/>
-              <a:t>10/5/2021</a:t>
+              <a:t>10/8/2021</a:t>
             </a:fld>
             <a:endParaRPr lang="en-US"/>
           </a:p>
@@ -3081,7 +3082,7 @@
             <a:fld id="{57E0CF6C-748E-4B7A-BC8B-3011EF78ED13}" type="datetime1">
               <a:rPr lang="en-US" smtClean="0"/>
               <a:pPr/>
-              <a:t>10/5/2021</a:t>
+              <a:t>10/8/2021</a:t>
             </a:fld>
             <a:endParaRPr lang="en-US" dirty="0"/>
           </a:p>
@@ -4705,7 +4706,7 @@
                 </a:effectLst>
                 <a:latin typeface="Exo 2 Extra Bold" panose="00000900000000000000" pitchFamily="50" charset="0"/>
               </a:rPr>
-              <a:t>MATA-MATA SÉRIE C 3</a:t>
+              <a:t>MATA-MATA SÉRIE A 3</a:t>
             </a:r>
           </a:p>
         </p:txBody>
@@ -4950,6 +4951,66 @@
           </a:p>
         </p:txBody>
       </p:sp>
+      <p:pic>
+        <p:nvPicPr>
+          <p:cNvPr id="2" name="Imagem 1">
+            <a:extLst>
+              <a:ext uri="{FF2B5EF4-FFF2-40B4-BE49-F238E27FC236}">
+                <a16:creationId xmlns:a16="http://schemas.microsoft.com/office/drawing/2014/main" id="{1EA30457-056C-4857-B3A2-4A3B7706B511}"/>
+              </a:ext>
+            </a:extLst>
+          </p:cNvPr>
+          <p:cNvPicPr>
+            <a:picLocks noChangeAspect="1"/>
+          </p:cNvPicPr>
+          <p:nvPr/>
+        </p:nvPicPr>
+        <p:blipFill>
+          <a:blip r:embed="rId5"/>
+          <a:stretch>
+            <a:fillRect/>
+          </a:stretch>
+        </p:blipFill>
+        <p:spPr>
+          <a:xfrm>
+            <a:off x="2355335" y="2894981"/>
+            <a:ext cx="9720000" cy="1881294"/>
+          </a:xfrm>
+          <a:prstGeom prst="rect">
+            <a:avLst/>
+          </a:prstGeom>
+        </p:spPr>
+      </p:pic>
+      <p:pic>
+        <p:nvPicPr>
+          <p:cNvPr id="3" name="Imagem 2">
+            <a:extLst>
+              <a:ext uri="{FF2B5EF4-FFF2-40B4-BE49-F238E27FC236}">
+                <a16:creationId xmlns:a16="http://schemas.microsoft.com/office/drawing/2014/main" id="{7A4B5F47-D199-49A7-A4FE-538AB8634E21}"/>
+              </a:ext>
+            </a:extLst>
+          </p:cNvPr>
+          <p:cNvPicPr>
+            <a:picLocks noChangeAspect="1"/>
+          </p:cNvPicPr>
+          <p:nvPr/>
+        </p:nvPicPr>
+        <p:blipFill>
+          <a:blip r:embed="rId6"/>
+          <a:stretch>
+            <a:fillRect/>
+          </a:stretch>
+        </p:blipFill>
+        <p:spPr>
+          <a:xfrm>
+            <a:off x="2365543" y="5682507"/>
+            <a:ext cx="9720000" cy="1881294"/>
+          </a:xfrm>
+          <a:prstGeom prst="rect">
+            <a:avLst/>
+          </a:prstGeom>
+        </p:spPr>
+      </p:pic>
       <p:sp>
         <p:nvSpPr>
           <p:cNvPr id="18" name="Retângulo 17">
@@ -5054,6 +5115,818 @@
       </p:sp>
       <p:pic>
         <p:nvPicPr>
+          <p:cNvPr id="7" name="Imagem 6">
+            <a:extLst>
+              <a:ext uri="{FF2B5EF4-FFF2-40B4-BE49-F238E27FC236}">
+                <a16:creationId xmlns:a16="http://schemas.microsoft.com/office/drawing/2014/main" id="{0550EDED-79E2-4345-8D71-F0735441DA40}"/>
+              </a:ext>
+            </a:extLst>
+          </p:cNvPr>
+          <p:cNvPicPr>
+            <a:picLocks noChangeAspect="1"/>
+          </p:cNvPicPr>
+          <p:nvPr/>
+        </p:nvPicPr>
+        <p:blipFill>
+          <a:blip r:embed="rId7"/>
+          <a:stretch>
+            <a:fillRect/>
+          </a:stretch>
+        </p:blipFill>
+        <p:spPr>
+          <a:xfrm>
+            <a:off x="2356098" y="8593661"/>
+            <a:ext cx="9720000" cy="1881271"/>
+          </a:xfrm>
+          <a:prstGeom prst="rect">
+            <a:avLst/>
+          </a:prstGeom>
+        </p:spPr>
+      </p:pic>
+    </p:spTree>
+    <p:extLst>
+      <p:ext uri="{BB962C8B-B14F-4D97-AF65-F5344CB8AC3E}">
+        <p14:creationId xmlns:p14="http://schemas.microsoft.com/office/powerpoint/2010/main" val="2211690294"/>
+      </p:ext>
+    </p:extLst>
+  </p:cSld>
+  <p:clrMapOvr>
+    <a:masterClrMapping/>
+  </p:clrMapOvr>
+</p:sld>
+</file>
+
+<file path=ppt/slides/slide11.xml><?xml version="1.0" encoding="utf-8"?>
+<p:sld xmlns:a="http://schemas.openxmlformats.org/drawingml/2006/main" xmlns:r="http://schemas.openxmlformats.org/officeDocument/2006/relationships" xmlns:p="http://schemas.openxmlformats.org/presentationml/2006/main">
+  <p:cSld>
+    <p:bg>
+      <p:bgPr>
+        <a:solidFill>
+          <a:schemeClr val="bg1"/>
+        </a:solidFill>
+        <a:effectLst/>
+      </p:bgPr>
+    </p:bg>
+    <p:spTree>
+      <p:nvGrpSpPr>
+        <p:cNvPr id="1" name=""/>
+        <p:cNvGrpSpPr/>
+        <p:nvPr/>
+      </p:nvGrpSpPr>
+      <p:grpSpPr>
+        <a:xfrm>
+          <a:off x="0" y="0"/>
+          <a:ext cx="0" cy="0"/>
+          <a:chOff x="0" y="0"/>
+          <a:chExt cx="0" cy="0"/>
+        </a:xfrm>
+      </p:grpSpPr>
+      <p:sp>
+        <p:nvSpPr>
+          <p:cNvPr id="13" name="Rectangle 9">
+            <a:extLst>
+              <a:ext uri="{FF2B5EF4-FFF2-40B4-BE49-F238E27FC236}">
+                <a16:creationId xmlns:a16="http://schemas.microsoft.com/office/drawing/2014/main" id="{0BABF38A-8A0D-492E-BD20-6CF4D46B50BD}"/>
+              </a:ext>
+              <a:ext uri="{C183D7F6-B498-43B3-948B-1728B52AA6E4}">
+                <adec:decorative xmlns:adec="http://schemas.microsoft.com/office/drawing/2017/decorative" val="1"/>
+              </a:ext>
+            </a:extLst>
+          </p:cNvPr>
+          <p:cNvSpPr>
+            <a:spLocks noGrp="1" noRot="1" noChangeAspect="1" noMove="1" noResize="1" noEditPoints="1" noAdjustHandles="1" noChangeArrowheads="1" noChangeShapeType="1" noTextEdit="1"/>
+          </p:cNvSpPr>
+          <p:nvPr>
+            <p:extLst>
+              <p:ext uri="{386F3935-93C4-4BCD-93E2-E3B085C9AB24}">
+                <p16:designElem xmlns:p16="http://schemas.microsoft.com/office/powerpoint/2015/main" val="1"/>
+              </p:ext>
+            </p:extLst>
+          </p:nvPr>
+        </p:nvSpPr>
+        <p:spPr>
+          <a:xfrm>
+            <a:off x="3149972" y="3121681"/>
+            <a:ext cx="8100269" cy="4556404"/>
+          </a:xfrm>
+          <a:prstGeom prst="rect">
+            <a:avLst/>
+          </a:prstGeom>
+          <a:solidFill>
+            <a:schemeClr val="bg2">
+              <a:lumMod val="90000"/>
+              <a:alpha val="70000"/>
+            </a:schemeClr>
+          </a:solidFill>
+          <a:ln>
+            <a:noFill/>
+          </a:ln>
+        </p:spPr>
+        <p:style>
+          <a:lnRef idx="2">
+            <a:schemeClr val="accent1">
+              <a:shade val="50000"/>
+            </a:schemeClr>
+          </a:lnRef>
+          <a:fillRef idx="1">
+            <a:schemeClr val="accent1"/>
+          </a:fillRef>
+          <a:effectRef idx="0">
+            <a:schemeClr val="accent1"/>
+          </a:effectRef>
+          <a:fontRef idx="minor">
+            <a:schemeClr val="lt1"/>
+          </a:fontRef>
+        </p:style>
+        <p:txBody>
+          <a:bodyPr rtlCol="0" anchor="ctr"/>
+          <a:lstStyle/>
+          <a:p>
+            <a:pPr algn="ctr">
+              <a:defRPr/>
+            </a:pPr>
+            <a:endParaRPr lang="en-US" sz="1196" dirty="0">
+              <a:solidFill>
+                <a:prstClr val="black">
+                  <a:lumMod val="65000"/>
+                  <a:lumOff val="35000"/>
+                </a:prstClr>
+              </a:solidFill>
+              <a:latin typeface="AvenirNext LT Pro Medium" panose="020B0504020202020204" pitchFamily="34" charset="0"/>
+            </a:endParaRPr>
+          </a:p>
+        </p:txBody>
+      </p:sp>
+      <p:pic>
+        <p:nvPicPr>
+          <p:cNvPr id="12" name="Picture 11">
+            <a:extLst>
+              <a:ext uri="{FF2B5EF4-FFF2-40B4-BE49-F238E27FC236}">
+                <a16:creationId xmlns:a16="http://schemas.microsoft.com/office/drawing/2014/main" id="{BC526B7A-4801-4FD1-95C8-03AF22629E87}"/>
+              </a:ext>
+              <a:ext uri="{C183D7F6-B498-43B3-948B-1728B52AA6E4}">
+                <adec:decorative xmlns:adec="http://schemas.microsoft.com/office/drawing/2017/decorative" val="1"/>
+              </a:ext>
+            </a:extLst>
+          </p:cNvPr>
+          <p:cNvPicPr>
+            <a:picLocks noGrp="1" noRot="1" noChangeAspect="1" noMove="1" noResize="1" noEditPoints="1" noAdjustHandles="1" noChangeArrowheads="1" noChangeShapeType="1" noCrop="1"/>
+          </p:cNvPicPr>
+          <p:nvPr>
+            <p:extLst>
+              <p:ext uri="{386F3935-93C4-4BCD-93E2-E3B085C9AB24}">
+                <p16:designElem xmlns:p16="http://schemas.microsoft.com/office/powerpoint/2015/main" val="1"/>
+              </p:ext>
+            </p:extLst>
+          </p:nvPr>
+        </p:nvPicPr>
+        <p:blipFill>
+          <a:blip r:embed="rId2">
+            <a:alphaModFix amt="10000"/>
+            <a:extLst>
+              <a:ext uri="{28A0092B-C50C-407E-A947-70E740481C1C}">
+                <a14:useLocalDpi xmlns:a14="http://schemas.microsoft.com/office/drawing/2010/main" val="0"/>
+              </a:ext>
+            </a:extLst>
+          </a:blip>
+          <a:stretch>
+            <a:fillRect/>
+          </a:stretch>
+        </p:blipFill>
+        <p:spPr>
+          <a:xfrm>
+            <a:off x="8820159" y="3121682"/>
+            <a:ext cx="2428095" cy="3039825"/>
+          </a:xfrm>
+          <a:prstGeom prst="rect">
+            <a:avLst/>
+          </a:prstGeom>
+        </p:spPr>
+      </p:pic>
+      <p:sp useBgFill="1">
+        <p:nvSpPr>
+          <p:cNvPr id="14" name="Rectangle 13">
+            <a:extLst>
+              <a:ext uri="{FF2B5EF4-FFF2-40B4-BE49-F238E27FC236}">
+                <a16:creationId xmlns:a16="http://schemas.microsoft.com/office/drawing/2014/main" id="{37FDDF72-DE39-4F99-A3C1-DD9D7815D7DB}"/>
+              </a:ext>
+              <a:ext uri="{C183D7F6-B498-43B3-948B-1728B52AA6E4}">
+                <adec:decorative xmlns:adec="http://schemas.microsoft.com/office/drawing/2017/decorative" val="1"/>
+              </a:ext>
+            </a:extLst>
+          </p:cNvPr>
+          <p:cNvSpPr>
+            <a:spLocks noGrp="1" noRot="1" noChangeAspect="1" noMove="1" noResize="1" noEditPoints="1" noAdjustHandles="1" noChangeArrowheads="1" noChangeShapeType="1" noTextEdit="1"/>
+          </p:cNvSpPr>
+          <p:nvPr>
+            <p:extLst>
+              <p:ext uri="{386F3935-93C4-4BCD-93E2-E3B085C9AB24}">
+                <p16:designElem xmlns:p16="http://schemas.microsoft.com/office/powerpoint/2015/main" val="1"/>
+              </p:ext>
+            </p:extLst>
+          </p:nvPr>
+        </p:nvSpPr>
+        <p:spPr>
+          <a:xfrm>
+            <a:off x="3149972" y="3121681"/>
+            <a:ext cx="8100269" cy="4556401"/>
+          </a:xfrm>
+          <a:prstGeom prst="rect">
+            <a:avLst/>
+          </a:prstGeom>
+          <a:ln>
+            <a:noFill/>
+          </a:ln>
+        </p:spPr>
+        <p:style>
+          <a:lnRef idx="2">
+            <a:schemeClr val="accent1">
+              <a:shade val="50000"/>
+            </a:schemeClr>
+          </a:lnRef>
+          <a:fillRef idx="1">
+            <a:schemeClr val="accent1"/>
+          </a:fillRef>
+          <a:effectRef idx="0">
+            <a:schemeClr val="accent1"/>
+          </a:effectRef>
+          <a:fontRef idx="minor">
+            <a:schemeClr val="lt1"/>
+          </a:fontRef>
+        </p:style>
+        <p:txBody>
+          <a:bodyPr rtlCol="0" anchor="ctr"/>
+          <a:lstStyle/>
+          <a:p>
+            <a:pPr algn="ctr">
+              <a:defRPr/>
+            </a:pPr>
+            <a:endParaRPr lang="en-US" sz="1196" dirty="0">
+              <a:solidFill>
+                <a:prstClr val="black">
+                  <a:lumMod val="65000"/>
+                  <a:lumOff val="35000"/>
+                </a:prstClr>
+              </a:solidFill>
+              <a:latin typeface="AvenirNext LT Pro Medium" panose="020B0504020202020204" pitchFamily="34" charset="0"/>
+            </a:endParaRPr>
+          </a:p>
+        </p:txBody>
+      </p:sp>
+      <p:sp>
+        <p:nvSpPr>
+          <p:cNvPr id="16" name="Rectangle 15">
+            <a:extLst>
+              <a:ext uri="{FF2B5EF4-FFF2-40B4-BE49-F238E27FC236}">
+                <a16:creationId xmlns:a16="http://schemas.microsoft.com/office/drawing/2014/main" id="{5E4ECE80-3AD1-450C-B62A-98788F193948}"/>
+              </a:ext>
+              <a:ext uri="{C183D7F6-B498-43B3-948B-1728B52AA6E4}">
+                <adec:decorative xmlns:adec="http://schemas.microsoft.com/office/drawing/2017/decorative" val="1"/>
+              </a:ext>
+            </a:extLst>
+          </p:cNvPr>
+          <p:cNvSpPr>
+            <a:spLocks noGrp="1" noRot="1" noChangeAspect="1" noMove="1" noResize="1" noEditPoints="1" noAdjustHandles="1" noChangeArrowheads="1" noChangeShapeType="1" noTextEdit="1"/>
+          </p:cNvSpPr>
+          <p:nvPr>
+            <p:extLst>
+              <p:ext uri="{386F3935-93C4-4BCD-93E2-E3B085C9AB24}">
+                <p16:designElem xmlns:p16="http://schemas.microsoft.com/office/powerpoint/2015/main" val="1"/>
+              </p:ext>
+            </p:extLst>
+          </p:nvPr>
+        </p:nvSpPr>
+        <p:spPr>
+          <a:xfrm>
+            <a:off x="3149972" y="3121681"/>
+            <a:ext cx="8100269" cy="4556401"/>
+          </a:xfrm>
+          <a:prstGeom prst="rect">
+            <a:avLst/>
+          </a:prstGeom>
+          <a:solidFill>
+            <a:srgbClr val="000000"/>
+          </a:solidFill>
+          <a:ln>
+            <a:noFill/>
+          </a:ln>
+        </p:spPr>
+        <p:style>
+          <a:lnRef idx="2">
+            <a:schemeClr val="accent1">
+              <a:shade val="50000"/>
+            </a:schemeClr>
+          </a:lnRef>
+          <a:fillRef idx="1">
+            <a:schemeClr val="accent1"/>
+          </a:fillRef>
+          <a:effectRef idx="0">
+            <a:schemeClr val="accent1"/>
+          </a:effectRef>
+          <a:fontRef idx="minor">
+            <a:schemeClr val="lt1"/>
+          </a:fontRef>
+        </p:style>
+        <p:txBody>
+          <a:bodyPr rtlCol="0" anchor="ctr"/>
+          <a:lstStyle/>
+          <a:p>
+            <a:pPr algn="ctr">
+              <a:defRPr/>
+            </a:pPr>
+            <a:endParaRPr lang="en-US" sz="1196" dirty="0">
+              <a:solidFill>
+                <a:prstClr val="black">
+                  <a:lumMod val="65000"/>
+                  <a:lumOff val="35000"/>
+                </a:prstClr>
+              </a:solidFill>
+              <a:latin typeface="AvenirNext LT Pro Medium" panose="020B0504020202020204" pitchFamily="34" charset="0"/>
+            </a:endParaRPr>
+          </a:p>
+        </p:txBody>
+      </p:sp>
+      <p:pic>
+        <p:nvPicPr>
+          <p:cNvPr id="5" name="Imagem 4">
+            <a:extLst>
+              <a:ext uri="{FF2B5EF4-FFF2-40B4-BE49-F238E27FC236}">
+                <a16:creationId xmlns:a16="http://schemas.microsoft.com/office/drawing/2014/main" id="{F1433EF1-FB6D-4913-96C9-08F0B1B3CA7A}"/>
+              </a:ext>
+            </a:extLst>
+          </p:cNvPr>
+          <p:cNvPicPr>
+            <a:picLocks noChangeAspect="1"/>
+          </p:cNvPicPr>
+          <p:nvPr/>
+        </p:nvPicPr>
+        <p:blipFill rotWithShape="1">
+          <a:blip r:embed="rId3">
+            <a:alphaModFix/>
+            <a:extLst>
+              <a:ext uri="{28A0092B-C50C-407E-A947-70E740481C1C}">
+                <a14:useLocalDpi xmlns:a14="http://schemas.microsoft.com/office/drawing/2010/main" val="0"/>
+              </a:ext>
+            </a:extLst>
+          </a:blip>
+          <a:srcRect l="5233" t="-2125" r="6244" b="-538"/>
+          <a:stretch/>
+        </p:blipFill>
+        <p:spPr>
+          <a:xfrm>
+            <a:off x="-1" y="-248909"/>
+            <a:ext cx="14400213" cy="11147555"/>
+          </a:xfrm>
+          <a:prstGeom prst="rect">
+            <a:avLst/>
+          </a:prstGeom>
+        </p:spPr>
+      </p:pic>
+      <p:sp>
+        <p:nvSpPr>
+          <p:cNvPr id="50" name="Retângulo 49">
+            <a:extLst>
+              <a:ext uri="{FF2B5EF4-FFF2-40B4-BE49-F238E27FC236}">
+                <a16:creationId xmlns:a16="http://schemas.microsoft.com/office/drawing/2014/main" id="{50614AED-75DE-4550-9029-54313F89BD12}"/>
+              </a:ext>
+            </a:extLst>
+          </p:cNvPr>
+          <p:cNvSpPr/>
+          <p:nvPr/>
+        </p:nvSpPr>
+        <p:spPr>
+          <a:xfrm>
+            <a:off x="3186646" y="311571"/>
+            <a:ext cx="8052791" cy="992583"/>
+          </a:xfrm>
+          <a:prstGeom prst="rect">
+            <a:avLst/>
+          </a:prstGeom>
+          <a:noFill/>
+        </p:spPr>
+        <p:txBody>
+          <a:bodyPr wrap="square" lIns="68584" tIns="34292" rIns="68584" bIns="34292">
+            <a:spAutoFit/>
+          </a:bodyPr>
+          <a:lstStyle/>
+          <a:p>
+            <a:pPr algn="ctr"/>
+            <a:r>
+              <a:rPr lang="pt-BR" sz="6000" dirty="0">
+                <a:ln w="38100">
+                  <a:solidFill>
+                    <a:schemeClr val="bg1"/>
+                  </a:solidFill>
+                </a:ln>
+                <a:solidFill>
+                  <a:srgbClr val="00B050"/>
+                </a:solidFill>
+                <a:effectLst>
+                  <a:outerShdw blurRad="38100" dist="19050" dir="2700000" algn="tl" rotWithShape="0">
+                    <a:schemeClr val="dk1">
+                      <a:alpha val="40000"/>
+                    </a:schemeClr>
+                  </a:outerShdw>
+                </a:effectLst>
+                <a:latin typeface="Exo 2 Extra Bold" panose="00000900000000000000" pitchFamily="50" charset="0"/>
+              </a:rPr>
+              <a:t>Liga Principal</a:t>
+            </a:r>
+          </a:p>
+        </p:txBody>
+      </p:sp>
+      <p:sp>
+        <p:nvSpPr>
+          <p:cNvPr id="53" name="Retângulo 52">
+            <a:extLst>
+              <a:ext uri="{FF2B5EF4-FFF2-40B4-BE49-F238E27FC236}">
+                <a16:creationId xmlns:a16="http://schemas.microsoft.com/office/drawing/2014/main" id="{F101E0BF-8A68-40B9-BC26-35C299182F52}"/>
+              </a:ext>
+            </a:extLst>
+          </p:cNvPr>
+          <p:cNvSpPr/>
+          <p:nvPr/>
+        </p:nvSpPr>
+        <p:spPr>
+          <a:xfrm>
+            <a:off x="336776" y="1104608"/>
+            <a:ext cx="13909452" cy="1177249"/>
+          </a:xfrm>
+          <a:prstGeom prst="rect">
+            <a:avLst/>
+          </a:prstGeom>
+          <a:noFill/>
+        </p:spPr>
+        <p:txBody>
+          <a:bodyPr wrap="square" lIns="68584" tIns="34292" rIns="68584" bIns="34292">
+            <a:spAutoFit/>
+          </a:bodyPr>
+          <a:lstStyle/>
+          <a:p>
+            <a:pPr algn="ctr"/>
+            <a:r>
+              <a:rPr lang="pt-BR" sz="7200" dirty="0">
+                <a:ln w="0">
+                  <a:noFill/>
+                </a:ln>
+                <a:effectLst>
+                  <a:outerShdw blurRad="38100" dist="19050" dir="2700000" algn="tl" rotWithShape="0">
+                    <a:schemeClr val="dk1">
+                      <a:alpha val="40000"/>
+                    </a:schemeClr>
+                  </a:outerShdw>
+                </a:effectLst>
+                <a:latin typeface="Exo 2 Extra Bold" panose="00000900000000000000" pitchFamily="50" charset="0"/>
+              </a:rPr>
+              <a:t>MATA-MATA SÉRIE C 3</a:t>
+            </a:r>
+          </a:p>
+        </p:txBody>
+      </p:sp>
+      <p:pic>
+        <p:nvPicPr>
+          <p:cNvPr id="15" name="Imagem 14">
+            <a:extLst>
+              <a:ext uri="{FF2B5EF4-FFF2-40B4-BE49-F238E27FC236}">
+                <a16:creationId xmlns:a16="http://schemas.microsoft.com/office/drawing/2014/main" id="{780D6AE4-2B31-43CF-8A3B-9ACC73C32FE9}"/>
+              </a:ext>
+            </a:extLst>
+          </p:cNvPr>
+          <p:cNvPicPr>
+            <a:picLocks noChangeAspect="1"/>
+          </p:cNvPicPr>
+          <p:nvPr/>
+        </p:nvPicPr>
+        <p:blipFill>
+          <a:blip r:embed="rId4" cstate="hqprint">
+            <a:extLst>
+              <a:ext uri="{28A0092B-C50C-407E-A947-70E740481C1C}">
+                <a14:useLocalDpi xmlns:a14="http://schemas.microsoft.com/office/drawing/2010/main" val="0"/>
+              </a:ext>
+            </a:extLst>
+          </a:blip>
+          <a:stretch>
+            <a:fillRect/>
+          </a:stretch>
+        </p:blipFill>
+        <p:spPr>
+          <a:xfrm>
+            <a:off x="336776" y="194284"/>
+            <a:ext cx="2059134" cy="2160000"/>
+          </a:xfrm>
+          <a:prstGeom prst="rect">
+            <a:avLst/>
+          </a:prstGeom>
+        </p:spPr>
+      </p:pic>
+      <p:sp>
+        <p:nvSpPr>
+          <p:cNvPr id="10" name="Retângulo 9">
+            <a:extLst>
+              <a:ext uri="{FF2B5EF4-FFF2-40B4-BE49-F238E27FC236}">
+                <a16:creationId xmlns:a16="http://schemas.microsoft.com/office/drawing/2014/main" id="{838BDC98-3287-4575-8574-56F716FB2440}"/>
+              </a:ext>
+            </a:extLst>
+          </p:cNvPr>
+          <p:cNvSpPr/>
+          <p:nvPr/>
+        </p:nvSpPr>
+        <p:spPr>
+          <a:xfrm>
+            <a:off x="1911927" y="2227185"/>
+            <a:ext cx="10476677" cy="2718888"/>
+          </a:xfrm>
+          <a:prstGeom prst="rect">
+            <a:avLst/>
+          </a:prstGeom>
+          <a:solidFill>
+            <a:schemeClr val="tx1">
+              <a:alpha val="81000"/>
+            </a:schemeClr>
+          </a:solidFill>
+        </p:spPr>
+        <p:style>
+          <a:lnRef idx="2">
+            <a:schemeClr val="accent1">
+              <a:shade val="50000"/>
+            </a:schemeClr>
+          </a:lnRef>
+          <a:fillRef idx="1">
+            <a:schemeClr val="accent1"/>
+          </a:fillRef>
+          <a:effectRef idx="0">
+            <a:schemeClr val="accent1"/>
+          </a:effectRef>
+          <a:fontRef idx="minor">
+            <a:schemeClr val="lt1"/>
+          </a:fontRef>
+        </p:style>
+        <p:txBody>
+          <a:bodyPr rtlCol="0" anchor="ctr"/>
+          <a:lstStyle/>
+          <a:p>
+            <a:pPr algn="ctr"/>
+            <a:endParaRPr lang="pt-BR"/>
+          </a:p>
+        </p:txBody>
+      </p:sp>
+      <p:sp>
+        <p:nvSpPr>
+          <p:cNvPr id="21" name="Retângulo 20">
+            <a:extLst>
+              <a:ext uri="{FF2B5EF4-FFF2-40B4-BE49-F238E27FC236}">
+                <a16:creationId xmlns:a16="http://schemas.microsoft.com/office/drawing/2014/main" id="{95EDB8CB-8377-4925-B478-560C3F615037}"/>
+              </a:ext>
+            </a:extLst>
+          </p:cNvPr>
+          <p:cNvSpPr/>
+          <p:nvPr/>
+        </p:nvSpPr>
+        <p:spPr>
+          <a:xfrm>
+            <a:off x="1911927" y="5072033"/>
+            <a:ext cx="10476677" cy="2718888"/>
+          </a:xfrm>
+          <a:prstGeom prst="rect">
+            <a:avLst/>
+          </a:prstGeom>
+          <a:solidFill>
+            <a:schemeClr val="tx1">
+              <a:alpha val="81000"/>
+            </a:schemeClr>
+          </a:solidFill>
+        </p:spPr>
+        <p:style>
+          <a:lnRef idx="2">
+            <a:schemeClr val="accent1">
+              <a:shade val="50000"/>
+            </a:schemeClr>
+          </a:lnRef>
+          <a:fillRef idx="1">
+            <a:schemeClr val="accent1"/>
+          </a:fillRef>
+          <a:effectRef idx="0">
+            <a:schemeClr val="accent1"/>
+          </a:effectRef>
+          <a:fontRef idx="minor">
+            <a:schemeClr val="lt1"/>
+          </a:fontRef>
+        </p:style>
+        <p:txBody>
+          <a:bodyPr rtlCol="0" anchor="ctr"/>
+          <a:lstStyle/>
+          <a:p>
+            <a:pPr algn="ctr"/>
+            <a:endParaRPr lang="pt-BR"/>
+          </a:p>
+        </p:txBody>
+      </p:sp>
+      <p:sp>
+        <p:nvSpPr>
+          <p:cNvPr id="23" name="Retângulo 22">
+            <a:extLst>
+              <a:ext uri="{FF2B5EF4-FFF2-40B4-BE49-F238E27FC236}">
+                <a16:creationId xmlns:a16="http://schemas.microsoft.com/office/drawing/2014/main" id="{ED87CD67-A438-4F74-986A-3704AF997953}"/>
+              </a:ext>
+            </a:extLst>
+          </p:cNvPr>
+          <p:cNvSpPr/>
+          <p:nvPr/>
+        </p:nvSpPr>
+        <p:spPr>
+          <a:xfrm>
+            <a:off x="5308448" y="2179089"/>
+            <a:ext cx="3789504" cy="684807"/>
+          </a:xfrm>
+          <a:prstGeom prst="rect">
+            <a:avLst/>
+          </a:prstGeom>
+          <a:noFill/>
+        </p:spPr>
+        <p:txBody>
+          <a:bodyPr wrap="square" lIns="68584" tIns="34292" rIns="68584" bIns="34292">
+            <a:spAutoFit/>
+          </a:bodyPr>
+          <a:lstStyle/>
+          <a:p>
+            <a:pPr algn="ctr"/>
+            <a:r>
+              <a:rPr lang="pt-BR" sz="4000" dirty="0">
+                <a:ln w="0">
+                  <a:noFill/>
+                </a:ln>
+                <a:solidFill>
+                  <a:srgbClr val="0070C0"/>
+                </a:solidFill>
+                <a:effectLst>
+                  <a:outerShdw blurRad="38100" dist="19050" dir="2700000" algn="tl" rotWithShape="0">
+                    <a:schemeClr val="dk1">
+                      <a:alpha val="40000"/>
+                    </a:schemeClr>
+                  </a:outerShdw>
+                </a:effectLst>
+                <a:latin typeface="Exo 2 Extra Bold" panose="00000900000000000000" pitchFamily="50" charset="0"/>
+              </a:rPr>
+              <a:t>Chave 1</a:t>
+            </a:r>
+          </a:p>
+        </p:txBody>
+      </p:sp>
+      <p:sp>
+        <p:nvSpPr>
+          <p:cNvPr id="24" name="Retângulo 23">
+            <a:extLst>
+              <a:ext uri="{FF2B5EF4-FFF2-40B4-BE49-F238E27FC236}">
+                <a16:creationId xmlns:a16="http://schemas.microsoft.com/office/drawing/2014/main" id="{522A4ACC-EC27-4A14-BA66-B0EB03535C7B}"/>
+              </a:ext>
+            </a:extLst>
+          </p:cNvPr>
+          <p:cNvSpPr/>
+          <p:nvPr/>
+        </p:nvSpPr>
+        <p:spPr>
+          <a:xfrm>
+            <a:off x="5321993" y="5022489"/>
+            <a:ext cx="3789503" cy="684807"/>
+          </a:xfrm>
+          <a:prstGeom prst="rect">
+            <a:avLst/>
+          </a:prstGeom>
+          <a:noFill/>
+        </p:spPr>
+        <p:txBody>
+          <a:bodyPr wrap="square" lIns="68584" tIns="34292" rIns="68584" bIns="34292">
+            <a:spAutoFit/>
+          </a:bodyPr>
+          <a:lstStyle/>
+          <a:p>
+            <a:pPr algn="ctr"/>
+            <a:r>
+              <a:rPr lang="pt-BR" sz="4000" dirty="0">
+                <a:ln w="0">
+                  <a:noFill/>
+                </a:ln>
+                <a:solidFill>
+                  <a:srgbClr val="0070C0"/>
+                </a:solidFill>
+                <a:effectLst>
+                  <a:outerShdw blurRad="38100" dist="19050" dir="2700000" algn="tl" rotWithShape="0">
+                    <a:schemeClr val="dk1">
+                      <a:alpha val="40000"/>
+                    </a:schemeClr>
+                  </a:outerShdw>
+                </a:effectLst>
+                <a:latin typeface="Exo 2 Extra Bold" panose="00000900000000000000" pitchFamily="50" charset="0"/>
+              </a:rPr>
+              <a:t>Chave 2</a:t>
+            </a:r>
+          </a:p>
+        </p:txBody>
+      </p:sp>
+      <p:sp>
+        <p:nvSpPr>
+          <p:cNvPr id="18" name="Retângulo 17">
+            <a:extLst>
+              <a:ext uri="{FF2B5EF4-FFF2-40B4-BE49-F238E27FC236}">
+                <a16:creationId xmlns:a16="http://schemas.microsoft.com/office/drawing/2014/main" id="{3128898C-0A57-4F19-8491-B43E8301569E}"/>
+              </a:ext>
+            </a:extLst>
+          </p:cNvPr>
+          <p:cNvSpPr/>
+          <p:nvPr/>
+        </p:nvSpPr>
+        <p:spPr>
+          <a:xfrm>
+            <a:off x="1918853" y="7946853"/>
+            <a:ext cx="10476677" cy="2718888"/>
+          </a:xfrm>
+          <a:prstGeom prst="rect">
+            <a:avLst/>
+          </a:prstGeom>
+          <a:solidFill>
+            <a:schemeClr val="tx1">
+              <a:alpha val="81000"/>
+            </a:schemeClr>
+          </a:solidFill>
+        </p:spPr>
+        <p:style>
+          <a:lnRef idx="2">
+            <a:schemeClr val="accent1">
+              <a:shade val="50000"/>
+            </a:schemeClr>
+          </a:lnRef>
+          <a:fillRef idx="1">
+            <a:schemeClr val="accent1"/>
+          </a:fillRef>
+          <a:effectRef idx="0">
+            <a:schemeClr val="accent1"/>
+          </a:effectRef>
+          <a:fontRef idx="minor">
+            <a:schemeClr val="lt1"/>
+          </a:fontRef>
+        </p:style>
+        <p:txBody>
+          <a:bodyPr rtlCol="0" anchor="ctr"/>
+          <a:lstStyle/>
+          <a:p>
+            <a:pPr algn="ctr"/>
+            <a:endParaRPr lang="pt-BR"/>
+          </a:p>
+        </p:txBody>
+      </p:sp>
+      <p:sp>
+        <p:nvSpPr>
+          <p:cNvPr id="19" name="Retângulo 18">
+            <a:extLst>
+              <a:ext uri="{FF2B5EF4-FFF2-40B4-BE49-F238E27FC236}">
+                <a16:creationId xmlns:a16="http://schemas.microsoft.com/office/drawing/2014/main" id="{233846BD-32E7-4324-ADF6-449F12B78362}"/>
+              </a:ext>
+            </a:extLst>
+          </p:cNvPr>
+          <p:cNvSpPr/>
+          <p:nvPr/>
+        </p:nvSpPr>
+        <p:spPr>
+          <a:xfrm>
+            <a:off x="5328919" y="7897309"/>
+            <a:ext cx="3789503" cy="684807"/>
+          </a:xfrm>
+          <a:prstGeom prst="rect">
+            <a:avLst/>
+          </a:prstGeom>
+          <a:noFill/>
+        </p:spPr>
+        <p:txBody>
+          <a:bodyPr wrap="square" lIns="68584" tIns="34292" rIns="68584" bIns="34292">
+            <a:spAutoFit/>
+          </a:bodyPr>
+          <a:lstStyle/>
+          <a:p>
+            <a:pPr algn="ctr"/>
+            <a:r>
+              <a:rPr lang="pt-BR" sz="4000" dirty="0">
+                <a:ln w="0">
+                  <a:noFill/>
+                </a:ln>
+                <a:solidFill>
+                  <a:srgbClr val="0070C0"/>
+                </a:solidFill>
+                <a:effectLst>
+                  <a:outerShdw blurRad="38100" dist="19050" dir="2700000" algn="tl" rotWithShape="0">
+                    <a:schemeClr val="dk1">
+                      <a:alpha val="40000"/>
+                    </a:schemeClr>
+                  </a:outerShdw>
+                </a:effectLst>
+                <a:latin typeface="Exo 2 Extra Bold" panose="00000900000000000000" pitchFamily="50" charset="0"/>
+              </a:rPr>
+              <a:t>Semifinal</a:t>
+            </a:r>
+          </a:p>
+        </p:txBody>
+      </p:sp>
+      <p:pic>
+        <p:nvPicPr>
           <p:cNvPr id="20" name="Imagem 19">
             <a:extLst>
               <a:ext uri="{FF2B5EF4-FFF2-40B4-BE49-F238E27FC236}">
@@ -5155,7 +6028,7 @@
 </p:sld>
 </file>
 
-<file path=ppt/slides/slide11.xml><?xml version="1.0" encoding="utf-8"?>
+<file path=ppt/slides/slide12.xml><?xml version="1.0" encoding="utf-8"?>
 <p:sld xmlns:a="http://schemas.openxmlformats.org/drawingml/2006/main" xmlns:r="http://schemas.openxmlformats.org/officeDocument/2006/relationships" xmlns:p="http://schemas.openxmlformats.org/presentationml/2006/main">
   <p:cSld>
     <p:bg>
@@ -5892,10 +6765,10 @@
       </p:sp>
       <p:pic>
         <p:nvPicPr>
-          <p:cNvPr id="6" name="Imagem 5">
-            <a:extLst>
-              <a:ext uri="{FF2B5EF4-FFF2-40B4-BE49-F238E27FC236}">
-                <a16:creationId xmlns:a16="http://schemas.microsoft.com/office/drawing/2014/main" id="{C6A26CC9-CC1D-4990-A941-2E76DBF33C5D}"/>
+          <p:cNvPr id="3" name="Imagem 2">
+            <a:extLst>
+              <a:ext uri="{FF2B5EF4-FFF2-40B4-BE49-F238E27FC236}">
+                <a16:creationId xmlns:a16="http://schemas.microsoft.com/office/drawing/2014/main" id="{68C9FDF4-0C1A-40AB-B55E-D4A218B3470C}"/>
               </a:ext>
             </a:extLst>
           </p:cNvPr>
@@ -5912,7 +6785,7 @@
         </p:blipFill>
         <p:spPr>
           <a:xfrm>
-            <a:off x="446154" y="2911992"/>
+            <a:off x="434483" y="2908469"/>
             <a:ext cx="13545806" cy="1260000"/>
           </a:xfrm>
           <a:prstGeom prst="rect">
@@ -5922,10 +6795,10 @@
       </p:pic>
       <p:pic>
         <p:nvPicPr>
-          <p:cNvPr id="8" name="Imagem 7">
-            <a:extLst>
-              <a:ext uri="{FF2B5EF4-FFF2-40B4-BE49-F238E27FC236}">
-                <a16:creationId xmlns:a16="http://schemas.microsoft.com/office/drawing/2014/main" id="{BFC56C76-F195-4A97-BF0E-63538F4F5129}"/>
+          <p:cNvPr id="7" name="Imagem 6">
+            <a:extLst>
+              <a:ext uri="{FF2B5EF4-FFF2-40B4-BE49-F238E27FC236}">
+                <a16:creationId xmlns:a16="http://schemas.microsoft.com/office/drawing/2014/main" id="{A67E9A84-FB58-4EFF-B2C8-DAAAE23C8CC3}"/>
               </a:ext>
             </a:extLst>
           </p:cNvPr>
@@ -5942,820 +6815,8 @@
         </p:blipFill>
         <p:spPr>
           <a:xfrm>
-            <a:off x="452753" y="5195832"/>
+            <a:off x="448312" y="5195832"/>
             <a:ext cx="13545806" cy="1260000"/>
-          </a:xfrm>
-          <a:prstGeom prst="rect">
-            <a:avLst/>
-          </a:prstGeom>
-        </p:spPr>
-      </p:pic>
-    </p:spTree>
-    <p:extLst>
-      <p:ext uri="{BB962C8B-B14F-4D97-AF65-F5344CB8AC3E}">
-        <p14:creationId xmlns:p14="http://schemas.microsoft.com/office/powerpoint/2010/main" val="2841869459"/>
-      </p:ext>
-    </p:extLst>
-  </p:cSld>
-  <p:clrMapOvr>
-    <a:masterClrMapping/>
-  </p:clrMapOvr>
-</p:sld>
-</file>
-
-<file path=ppt/slides/slide12.xml><?xml version="1.0" encoding="utf-8"?>
-<p:sld xmlns:a="http://schemas.openxmlformats.org/drawingml/2006/main" xmlns:r="http://schemas.openxmlformats.org/officeDocument/2006/relationships" xmlns:p="http://schemas.openxmlformats.org/presentationml/2006/main">
-  <p:cSld>
-    <p:bg>
-      <p:bgPr>
-        <a:solidFill>
-          <a:schemeClr val="bg1"/>
-        </a:solidFill>
-        <a:effectLst/>
-      </p:bgPr>
-    </p:bg>
-    <p:spTree>
-      <p:nvGrpSpPr>
-        <p:cNvPr id="1" name=""/>
-        <p:cNvGrpSpPr/>
-        <p:nvPr/>
-      </p:nvGrpSpPr>
-      <p:grpSpPr>
-        <a:xfrm>
-          <a:off x="0" y="0"/>
-          <a:ext cx="0" cy="0"/>
-          <a:chOff x="0" y="0"/>
-          <a:chExt cx="0" cy="0"/>
-        </a:xfrm>
-      </p:grpSpPr>
-      <p:sp>
-        <p:nvSpPr>
-          <p:cNvPr id="13" name="Rectangle 9">
-            <a:extLst>
-              <a:ext uri="{FF2B5EF4-FFF2-40B4-BE49-F238E27FC236}">
-                <a16:creationId xmlns:a16="http://schemas.microsoft.com/office/drawing/2014/main" id="{0BABF38A-8A0D-492E-BD20-6CF4D46B50BD}"/>
-              </a:ext>
-              <a:ext uri="{C183D7F6-B498-43B3-948B-1728B52AA6E4}">
-                <adec:decorative xmlns:adec="http://schemas.microsoft.com/office/drawing/2017/decorative" val="1"/>
-              </a:ext>
-            </a:extLst>
-          </p:cNvPr>
-          <p:cNvSpPr>
-            <a:spLocks noGrp="1" noRot="1" noChangeAspect="1" noMove="1" noResize="1" noEditPoints="1" noAdjustHandles="1" noChangeArrowheads="1" noChangeShapeType="1" noTextEdit="1"/>
-          </p:cNvSpPr>
-          <p:nvPr>
-            <p:extLst>
-              <p:ext uri="{386F3935-93C4-4BCD-93E2-E3B085C9AB24}">
-                <p16:designElem xmlns:p16="http://schemas.microsoft.com/office/powerpoint/2015/main" val="1"/>
-              </p:ext>
-            </p:extLst>
-          </p:nvPr>
-        </p:nvSpPr>
-        <p:spPr>
-          <a:xfrm>
-            <a:off x="3149972" y="3121681"/>
-            <a:ext cx="8100269" cy="4556404"/>
-          </a:xfrm>
-          <a:prstGeom prst="rect">
-            <a:avLst/>
-          </a:prstGeom>
-          <a:solidFill>
-            <a:schemeClr val="bg2">
-              <a:lumMod val="90000"/>
-              <a:alpha val="70000"/>
-            </a:schemeClr>
-          </a:solidFill>
-          <a:ln>
-            <a:noFill/>
-          </a:ln>
-        </p:spPr>
-        <p:style>
-          <a:lnRef idx="2">
-            <a:schemeClr val="accent1">
-              <a:shade val="50000"/>
-            </a:schemeClr>
-          </a:lnRef>
-          <a:fillRef idx="1">
-            <a:schemeClr val="accent1"/>
-          </a:fillRef>
-          <a:effectRef idx="0">
-            <a:schemeClr val="accent1"/>
-          </a:effectRef>
-          <a:fontRef idx="minor">
-            <a:schemeClr val="lt1"/>
-          </a:fontRef>
-        </p:style>
-        <p:txBody>
-          <a:bodyPr rtlCol="0" anchor="ctr"/>
-          <a:lstStyle/>
-          <a:p>
-            <a:pPr algn="ctr">
-              <a:defRPr/>
-            </a:pPr>
-            <a:endParaRPr lang="en-US" sz="1196" dirty="0">
-              <a:solidFill>
-                <a:prstClr val="black">
-                  <a:lumMod val="65000"/>
-                  <a:lumOff val="35000"/>
-                </a:prstClr>
-              </a:solidFill>
-              <a:latin typeface="AvenirNext LT Pro Medium" panose="020B0504020202020204" pitchFamily="34" charset="0"/>
-            </a:endParaRPr>
-          </a:p>
-        </p:txBody>
-      </p:sp>
-      <p:pic>
-        <p:nvPicPr>
-          <p:cNvPr id="12" name="Picture 11">
-            <a:extLst>
-              <a:ext uri="{FF2B5EF4-FFF2-40B4-BE49-F238E27FC236}">
-                <a16:creationId xmlns:a16="http://schemas.microsoft.com/office/drawing/2014/main" id="{BC526B7A-4801-4FD1-95C8-03AF22629E87}"/>
-              </a:ext>
-              <a:ext uri="{C183D7F6-B498-43B3-948B-1728B52AA6E4}">
-                <adec:decorative xmlns:adec="http://schemas.microsoft.com/office/drawing/2017/decorative" val="1"/>
-              </a:ext>
-            </a:extLst>
-          </p:cNvPr>
-          <p:cNvPicPr>
-            <a:picLocks noGrp="1" noRot="1" noChangeAspect="1" noMove="1" noResize="1" noEditPoints="1" noAdjustHandles="1" noChangeArrowheads="1" noChangeShapeType="1" noCrop="1"/>
-          </p:cNvPicPr>
-          <p:nvPr>
-            <p:extLst>
-              <p:ext uri="{386F3935-93C4-4BCD-93E2-E3B085C9AB24}">
-                <p16:designElem xmlns:p16="http://schemas.microsoft.com/office/powerpoint/2015/main" val="1"/>
-              </p:ext>
-            </p:extLst>
-          </p:nvPr>
-        </p:nvPicPr>
-        <p:blipFill>
-          <a:blip r:embed="rId2">
-            <a:alphaModFix amt="10000"/>
-            <a:extLst>
-              <a:ext uri="{28A0092B-C50C-407E-A947-70E740481C1C}">
-                <a14:useLocalDpi xmlns:a14="http://schemas.microsoft.com/office/drawing/2010/main" val="0"/>
-              </a:ext>
-            </a:extLst>
-          </a:blip>
-          <a:stretch>
-            <a:fillRect/>
-          </a:stretch>
-        </p:blipFill>
-        <p:spPr>
-          <a:xfrm>
-            <a:off x="8820159" y="3121682"/>
-            <a:ext cx="2428095" cy="3039825"/>
-          </a:xfrm>
-          <a:prstGeom prst="rect">
-            <a:avLst/>
-          </a:prstGeom>
-        </p:spPr>
-      </p:pic>
-      <p:sp useBgFill="1">
-        <p:nvSpPr>
-          <p:cNvPr id="14" name="Rectangle 13">
-            <a:extLst>
-              <a:ext uri="{FF2B5EF4-FFF2-40B4-BE49-F238E27FC236}">
-                <a16:creationId xmlns:a16="http://schemas.microsoft.com/office/drawing/2014/main" id="{37FDDF72-DE39-4F99-A3C1-DD9D7815D7DB}"/>
-              </a:ext>
-              <a:ext uri="{C183D7F6-B498-43B3-948B-1728B52AA6E4}">
-                <adec:decorative xmlns:adec="http://schemas.microsoft.com/office/drawing/2017/decorative" val="1"/>
-              </a:ext>
-            </a:extLst>
-          </p:cNvPr>
-          <p:cNvSpPr>
-            <a:spLocks noGrp="1" noRot="1" noChangeAspect="1" noMove="1" noResize="1" noEditPoints="1" noAdjustHandles="1" noChangeArrowheads="1" noChangeShapeType="1" noTextEdit="1"/>
-          </p:cNvSpPr>
-          <p:nvPr>
-            <p:extLst>
-              <p:ext uri="{386F3935-93C4-4BCD-93E2-E3B085C9AB24}">
-                <p16:designElem xmlns:p16="http://schemas.microsoft.com/office/powerpoint/2015/main" val="1"/>
-              </p:ext>
-            </p:extLst>
-          </p:nvPr>
-        </p:nvSpPr>
-        <p:spPr>
-          <a:xfrm>
-            <a:off x="3149972" y="3121681"/>
-            <a:ext cx="8100269" cy="4556401"/>
-          </a:xfrm>
-          <a:prstGeom prst="rect">
-            <a:avLst/>
-          </a:prstGeom>
-          <a:ln>
-            <a:noFill/>
-          </a:ln>
-        </p:spPr>
-        <p:style>
-          <a:lnRef idx="2">
-            <a:schemeClr val="accent1">
-              <a:shade val="50000"/>
-            </a:schemeClr>
-          </a:lnRef>
-          <a:fillRef idx="1">
-            <a:schemeClr val="accent1"/>
-          </a:fillRef>
-          <a:effectRef idx="0">
-            <a:schemeClr val="accent1"/>
-          </a:effectRef>
-          <a:fontRef idx="minor">
-            <a:schemeClr val="lt1"/>
-          </a:fontRef>
-        </p:style>
-        <p:txBody>
-          <a:bodyPr rtlCol="0" anchor="ctr"/>
-          <a:lstStyle/>
-          <a:p>
-            <a:pPr algn="ctr">
-              <a:defRPr/>
-            </a:pPr>
-            <a:endParaRPr lang="en-US" sz="1196" dirty="0">
-              <a:solidFill>
-                <a:prstClr val="black">
-                  <a:lumMod val="65000"/>
-                  <a:lumOff val="35000"/>
-                </a:prstClr>
-              </a:solidFill>
-              <a:latin typeface="AvenirNext LT Pro Medium" panose="020B0504020202020204" pitchFamily="34" charset="0"/>
-            </a:endParaRPr>
-          </a:p>
-        </p:txBody>
-      </p:sp>
-      <p:sp>
-        <p:nvSpPr>
-          <p:cNvPr id="16" name="Rectangle 15">
-            <a:extLst>
-              <a:ext uri="{FF2B5EF4-FFF2-40B4-BE49-F238E27FC236}">
-                <a16:creationId xmlns:a16="http://schemas.microsoft.com/office/drawing/2014/main" id="{5E4ECE80-3AD1-450C-B62A-98788F193948}"/>
-              </a:ext>
-              <a:ext uri="{C183D7F6-B498-43B3-948B-1728B52AA6E4}">
-                <adec:decorative xmlns:adec="http://schemas.microsoft.com/office/drawing/2017/decorative" val="1"/>
-              </a:ext>
-            </a:extLst>
-          </p:cNvPr>
-          <p:cNvSpPr>
-            <a:spLocks noGrp="1" noRot="1" noChangeAspect="1" noMove="1" noResize="1" noEditPoints="1" noAdjustHandles="1" noChangeArrowheads="1" noChangeShapeType="1" noTextEdit="1"/>
-          </p:cNvSpPr>
-          <p:nvPr>
-            <p:extLst>
-              <p:ext uri="{386F3935-93C4-4BCD-93E2-E3B085C9AB24}">
-                <p16:designElem xmlns:p16="http://schemas.microsoft.com/office/powerpoint/2015/main" val="1"/>
-              </p:ext>
-            </p:extLst>
-          </p:nvPr>
-        </p:nvSpPr>
-        <p:spPr>
-          <a:xfrm>
-            <a:off x="3149972" y="3121681"/>
-            <a:ext cx="8100269" cy="4556401"/>
-          </a:xfrm>
-          <a:prstGeom prst="rect">
-            <a:avLst/>
-          </a:prstGeom>
-          <a:solidFill>
-            <a:srgbClr val="000000"/>
-          </a:solidFill>
-          <a:ln>
-            <a:noFill/>
-          </a:ln>
-        </p:spPr>
-        <p:style>
-          <a:lnRef idx="2">
-            <a:schemeClr val="accent1">
-              <a:shade val="50000"/>
-            </a:schemeClr>
-          </a:lnRef>
-          <a:fillRef idx="1">
-            <a:schemeClr val="accent1"/>
-          </a:fillRef>
-          <a:effectRef idx="0">
-            <a:schemeClr val="accent1"/>
-          </a:effectRef>
-          <a:fontRef idx="minor">
-            <a:schemeClr val="lt1"/>
-          </a:fontRef>
-        </p:style>
-        <p:txBody>
-          <a:bodyPr rtlCol="0" anchor="ctr"/>
-          <a:lstStyle/>
-          <a:p>
-            <a:pPr algn="ctr">
-              <a:defRPr/>
-            </a:pPr>
-            <a:endParaRPr lang="en-US" sz="1196" dirty="0">
-              <a:solidFill>
-                <a:prstClr val="black">
-                  <a:lumMod val="65000"/>
-                  <a:lumOff val="35000"/>
-                </a:prstClr>
-              </a:solidFill>
-              <a:latin typeface="AvenirNext LT Pro Medium" panose="020B0504020202020204" pitchFamily="34" charset="0"/>
-            </a:endParaRPr>
-          </a:p>
-        </p:txBody>
-      </p:sp>
-      <p:pic>
-        <p:nvPicPr>
-          <p:cNvPr id="5" name="Imagem 4">
-            <a:extLst>
-              <a:ext uri="{FF2B5EF4-FFF2-40B4-BE49-F238E27FC236}">
-                <a16:creationId xmlns:a16="http://schemas.microsoft.com/office/drawing/2014/main" id="{F1433EF1-FB6D-4913-96C9-08F0B1B3CA7A}"/>
-              </a:ext>
-            </a:extLst>
-          </p:cNvPr>
-          <p:cNvPicPr>
-            <a:picLocks noChangeAspect="1"/>
-          </p:cNvPicPr>
-          <p:nvPr/>
-        </p:nvPicPr>
-        <p:blipFill rotWithShape="1">
-          <a:blip r:embed="rId3">
-            <a:alphaModFix/>
-            <a:extLst>
-              <a:ext uri="{28A0092B-C50C-407E-A947-70E740481C1C}">
-                <a14:useLocalDpi xmlns:a14="http://schemas.microsoft.com/office/drawing/2010/main" val="0"/>
-              </a:ext>
-            </a:extLst>
-          </a:blip>
-          <a:srcRect l="5233" t="-2125" r="6244" b="-538"/>
-          <a:stretch/>
-        </p:blipFill>
-        <p:spPr>
-          <a:xfrm>
-            <a:off x="-1" y="-248909"/>
-            <a:ext cx="14400213" cy="11147555"/>
-          </a:xfrm>
-          <a:prstGeom prst="rect">
-            <a:avLst/>
-          </a:prstGeom>
-        </p:spPr>
-      </p:pic>
-      <p:sp>
-        <p:nvSpPr>
-          <p:cNvPr id="50" name="Retângulo 49">
-            <a:extLst>
-              <a:ext uri="{FF2B5EF4-FFF2-40B4-BE49-F238E27FC236}">
-                <a16:creationId xmlns:a16="http://schemas.microsoft.com/office/drawing/2014/main" id="{50614AED-75DE-4550-9029-54313F89BD12}"/>
-              </a:ext>
-            </a:extLst>
-          </p:cNvPr>
-          <p:cNvSpPr/>
-          <p:nvPr/>
-        </p:nvSpPr>
-        <p:spPr>
-          <a:xfrm>
-            <a:off x="3186646" y="311571"/>
-            <a:ext cx="8052791" cy="992583"/>
-          </a:xfrm>
-          <a:prstGeom prst="rect">
-            <a:avLst/>
-          </a:prstGeom>
-          <a:noFill/>
-        </p:spPr>
-        <p:txBody>
-          <a:bodyPr wrap="square" lIns="68584" tIns="34292" rIns="68584" bIns="34292">
-            <a:spAutoFit/>
-          </a:bodyPr>
-          <a:lstStyle/>
-          <a:p>
-            <a:pPr algn="ctr"/>
-            <a:r>
-              <a:rPr lang="pt-BR" sz="6000" dirty="0">
-                <a:ln w="38100">
-                  <a:solidFill>
-                    <a:schemeClr val="bg1"/>
-                  </a:solidFill>
-                </a:ln>
-                <a:solidFill>
-                  <a:srgbClr val="00B050"/>
-                </a:solidFill>
-                <a:effectLst>
-                  <a:outerShdw blurRad="38100" dist="19050" dir="2700000" algn="tl" rotWithShape="0">
-                    <a:schemeClr val="dk1">
-                      <a:alpha val="40000"/>
-                    </a:schemeClr>
-                  </a:outerShdw>
-                </a:effectLst>
-                <a:latin typeface="Exo 2 Extra Bold" panose="00000900000000000000" pitchFamily="50" charset="0"/>
-              </a:rPr>
-              <a:t>Liga Principal</a:t>
-            </a:r>
-          </a:p>
-        </p:txBody>
-      </p:sp>
-      <p:sp>
-        <p:nvSpPr>
-          <p:cNvPr id="53" name="Retângulo 52">
-            <a:extLst>
-              <a:ext uri="{FF2B5EF4-FFF2-40B4-BE49-F238E27FC236}">
-                <a16:creationId xmlns:a16="http://schemas.microsoft.com/office/drawing/2014/main" id="{F101E0BF-8A68-40B9-BC26-35C299182F52}"/>
-              </a:ext>
-            </a:extLst>
-          </p:cNvPr>
-          <p:cNvSpPr/>
-          <p:nvPr/>
-        </p:nvSpPr>
-        <p:spPr>
-          <a:xfrm>
-            <a:off x="336776" y="1104608"/>
-            <a:ext cx="13909452" cy="1177249"/>
-          </a:xfrm>
-          <a:prstGeom prst="rect">
-            <a:avLst/>
-          </a:prstGeom>
-          <a:noFill/>
-        </p:spPr>
-        <p:txBody>
-          <a:bodyPr wrap="square" lIns="68584" tIns="34292" rIns="68584" bIns="34292">
-            <a:spAutoFit/>
-          </a:bodyPr>
-          <a:lstStyle/>
-          <a:p>
-            <a:pPr algn="ctr"/>
-            <a:r>
-              <a:rPr lang="pt-BR" sz="7200" dirty="0">
-                <a:ln w="0">
-                  <a:noFill/>
-                </a:ln>
-                <a:effectLst>
-                  <a:outerShdw blurRad="38100" dist="19050" dir="2700000" algn="tl" rotWithShape="0">
-                    <a:schemeClr val="dk1">
-                      <a:alpha val="40000"/>
-                    </a:schemeClr>
-                  </a:outerShdw>
-                </a:effectLst>
-                <a:latin typeface="Exo 2 Extra Bold" panose="00000900000000000000" pitchFamily="50" charset="0"/>
-              </a:rPr>
-              <a:t>MATA-MATA SÉRIE A 3</a:t>
-            </a:r>
-          </a:p>
-        </p:txBody>
-      </p:sp>
-      <p:pic>
-        <p:nvPicPr>
-          <p:cNvPr id="15" name="Imagem 14">
-            <a:extLst>
-              <a:ext uri="{FF2B5EF4-FFF2-40B4-BE49-F238E27FC236}">
-                <a16:creationId xmlns:a16="http://schemas.microsoft.com/office/drawing/2014/main" id="{780D6AE4-2B31-43CF-8A3B-9ACC73C32FE9}"/>
-              </a:ext>
-            </a:extLst>
-          </p:cNvPr>
-          <p:cNvPicPr>
-            <a:picLocks noChangeAspect="1"/>
-          </p:cNvPicPr>
-          <p:nvPr/>
-        </p:nvPicPr>
-        <p:blipFill>
-          <a:blip r:embed="rId4" cstate="hqprint">
-            <a:extLst>
-              <a:ext uri="{28A0092B-C50C-407E-A947-70E740481C1C}">
-                <a14:useLocalDpi xmlns:a14="http://schemas.microsoft.com/office/drawing/2010/main" val="0"/>
-              </a:ext>
-            </a:extLst>
-          </a:blip>
-          <a:stretch>
-            <a:fillRect/>
-          </a:stretch>
-        </p:blipFill>
-        <p:spPr>
-          <a:xfrm>
-            <a:off x="336776" y="194284"/>
-            <a:ext cx="2059134" cy="2160000"/>
-          </a:xfrm>
-          <a:prstGeom prst="rect">
-            <a:avLst/>
-          </a:prstGeom>
-        </p:spPr>
-      </p:pic>
-      <p:sp>
-        <p:nvSpPr>
-          <p:cNvPr id="10" name="Retângulo 9">
-            <a:extLst>
-              <a:ext uri="{FF2B5EF4-FFF2-40B4-BE49-F238E27FC236}">
-                <a16:creationId xmlns:a16="http://schemas.microsoft.com/office/drawing/2014/main" id="{838BDC98-3287-4575-8574-56F716FB2440}"/>
-              </a:ext>
-            </a:extLst>
-          </p:cNvPr>
-          <p:cNvSpPr/>
-          <p:nvPr/>
-        </p:nvSpPr>
-        <p:spPr>
-          <a:xfrm>
-            <a:off x="1911927" y="2227185"/>
-            <a:ext cx="10476677" cy="2718888"/>
-          </a:xfrm>
-          <a:prstGeom prst="rect">
-            <a:avLst/>
-          </a:prstGeom>
-          <a:solidFill>
-            <a:schemeClr val="tx1">
-              <a:alpha val="81000"/>
-            </a:schemeClr>
-          </a:solidFill>
-        </p:spPr>
-        <p:style>
-          <a:lnRef idx="2">
-            <a:schemeClr val="accent1">
-              <a:shade val="50000"/>
-            </a:schemeClr>
-          </a:lnRef>
-          <a:fillRef idx="1">
-            <a:schemeClr val="accent1"/>
-          </a:fillRef>
-          <a:effectRef idx="0">
-            <a:schemeClr val="accent1"/>
-          </a:effectRef>
-          <a:fontRef idx="minor">
-            <a:schemeClr val="lt1"/>
-          </a:fontRef>
-        </p:style>
-        <p:txBody>
-          <a:bodyPr rtlCol="0" anchor="ctr"/>
-          <a:lstStyle/>
-          <a:p>
-            <a:pPr algn="ctr"/>
-            <a:endParaRPr lang="pt-BR"/>
-          </a:p>
-        </p:txBody>
-      </p:sp>
-      <p:sp>
-        <p:nvSpPr>
-          <p:cNvPr id="21" name="Retângulo 20">
-            <a:extLst>
-              <a:ext uri="{FF2B5EF4-FFF2-40B4-BE49-F238E27FC236}">
-                <a16:creationId xmlns:a16="http://schemas.microsoft.com/office/drawing/2014/main" id="{95EDB8CB-8377-4925-B478-560C3F615037}"/>
-              </a:ext>
-            </a:extLst>
-          </p:cNvPr>
-          <p:cNvSpPr/>
-          <p:nvPr/>
-        </p:nvSpPr>
-        <p:spPr>
-          <a:xfrm>
-            <a:off x="1911927" y="5072033"/>
-            <a:ext cx="10476677" cy="2718888"/>
-          </a:xfrm>
-          <a:prstGeom prst="rect">
-            <a:avLst/>
-          </a:prstGeom>
-          <a:solidFill>
-            <a:schemeClr val="tx1">
-              <a:alpha val="81000"/>
-            </a:schemeClr>
-          </a:solidFill>
-        </p:spPr>
-        <p:style>
-          <a:lnRef idx="2">
-            <a:schemeClr val="accent1">
-              <a:shade val="50000"/>
-            </a:schemeClr>
-          </a:lnRef>
-          <a:fillRef idx="1">
-            <a:schemeClr val="accent1"/>
-          </a:fillRef>
-          <a:effectRef idx="0">
-            <a:schemeClr val="accent1"/>
-          </a:effectRef>
-          <a:fontRef idx="minor">
-            <a:schemeClr val="lt1"/>
-          </a:fontRef>
-        </p:style>
-        <p:txBody>
-          <a:bodyPr rtlCol="0" anchor="ctr"/>
-          <a:lstStyle/>
-          <a:p>
-            <a:pPr algn="ctr"/>
-            <a:endParaRPr lang="pt-BR"/>
-          </a:p>
-        </p:txBody>
-      </p:sp>
-      <p:sp>
-        <p:nvSpPr>
-          <p:cNvPr id="23" name="Retângulo 22">
-            <a:extLst>
-              <a:ext uri="{FF2B5EF4-FFF2-40B4-BE49-F238E27FC236}">
-                <a16:creationId xmlns:a16="http://schemas.microsoft.com/office/drawing/2014/main" id="{ED87CD67-A438-4F74-986A-3704AF997953}"/>
-              </a:ext>
-            </a:extLst>
-          </p:cNvPr>
-          <p:cNvSpPr/>
-          <p:nvPr/>
-        </p:nvSpPr>
-        <p:spPr>
-          <a:xfrm>
-            <a:off x="5308448" y="2179089"/>
-            <a:ext cx="3789504" cy="684807"/>
-          </a:xfrm>
-          <a:prstGeom prst="rect">
-            <a:avLst/>
-          </a:prstGeom>
-          <a:noFill/>
-        </p:spPr>
-        <p:txBody>
-          <a:bodyPr wrap="square" lIns="68584" tIns="34292" rIns="68584" bIns="34292">
-            <a:spAutoFit/>
-          </a:bodyPr>
-          <a:lstStyle/>
-          <a:p>
-            <a:pPr algn="ctr"/>
-            <a:r>
-              <a:rPr lang="pt-BR" sz="4000" dirty="0">
-                <a:ln w="0">
-                  <a:noFill/>
-                </a:ln>
-                <a:solidFill>
-                  <a:srgbClr val="0070C0"/>
-                </a:solidFill>
-                <a:effectLst>
-                  <a:outerShdw blurRad="38100" dist="19050" dir="2700000" algn="tl" rotWithShape="0">
-                    <a:schemeClr val="dk1">
-                      <a:alpha val="40000"/>
-                    </a:schemeClr>
-                  </a:outerShdw>
-                </a:effectLst>
-                <a:latin typeface="Exo 2 Extra Bold" panose="00000900000000000000" pitchFamily="50" charset="0"/>
-              </a:rPr>
-              <a:t>Semifinal</a:t>
-            </a:r>
-          </a:p>
-        </p:txBody>
-      </p:sp>
-      <p:sp>
-        <p:nvSpPr>
-          <p:cNvPr id="24" name="Retângulo 23">
-            <a:extLst>
-              <a:ext uri="{FF2B5EF4-FFF2-40B4-BE49-F238E27FC236}">
-                <a16:creationId xmlns:a16="http://schemas.microsoft.com/office/drawing/2014/main" id="{522A4ACC-EC27-4A14-BA66-B0EB03535C7B}"/>
-              </a:ext>
-            </a:extLst>
-          </p:cNvPr>
-          <p:cNvSpPr/>
-          <p:nvPr/>
-        </p:nvSpPr>
-        <p:spPr>
-          <a:xfrm>
-            <a:off x="5321993" y="5022489"/>
-            <a:ext cx="3789503" cy="684807"/>
-          </a:xfrm>
-          <a:prstGeom prst="rect">
-            <a:avLst/>
-          </a:prstGeom>
-          <a:noFill/>
-        </p:spPr>
-        <p:txBody>
-          <a:bodyPr wrap="square" lIns="68584" tIns="34292" rIns="68584" bIns="34292">
-            <a:spAutoFit/>
-          </a:bodyPr>
-          <a:lstStyle/>
-          <a:p>
-            <a:pPr algn="ctr"/>
-            <a:r>
-              <a:rPr lang="pt-BR" sz="4000" dirty="0">
-                <a:ln w="0">
-                  <a:noFill/>
-                </a:ln>
-                <a:solidFill>
-                  <a:srgbClr val="0070C0"/>
-                </a:solidFill>
-                <a:effectLst>
-                  <a:outerShdw blurRad="38100" dist="19050" dir="2700000" algn="tl" rotWithShape="0">
-                    <a:schemeClr val="dk1">
-                      <a:alpha val="40000"/>
-                    </a:schemeClr>
-                  </a:outerShdw>
-                </a:effectLst>
-                <a:latin typeface="Exo 2 Extra Bold" panose="00000900000000000000" pitchFamily="50" charset="0"/>
-              </a:rPr>
-              <a:t>Campeão</a:t>
-            </a:r>
-          </a:p>
-        </p:txBody>
-      </p:sp>
-      <p:sp>
-        <p:nvSpPr>
-          <p:cNvPr id="18" name="Retângulo 17">
-            <a:extLst>
-              <a:ext uri="{FF2B5EF4-FFF2-40B4-BE49-F238E27FC236}">
-                <a16:creationId xmlns:a16="http://schemas.microsoft.com/office/drawing/2014/main" id="{3128898C-0A57-4F19-8491-B43E8301569E}"/>
-              </a:ext>
-            </a:extLst>
-          </p:cNvPr>
-          <p:cNvSpPr/>
-          <p:nvPr/>
-        </p:nvSpPr>
-        <p:spPr>
-          <a:xfrm>
-            <a:off x="1918853" y="7946853"/>
-            <a:ext cx="10476677" cy="2718888"/>
-          </a:xfrm>
-          <a:prstGeom prst="rect">
-            <a:avLst/>
-          </a:prstGeom>
-          <a:solidFill>
-            <a:schemeClr val="tx1">
-              <a:alpha val="81000"/>
-            </a:schemeClr>
-          </a:solidFill>
-        </p:spPr>
-        <p:style>
-          <a:lnRef idx="2">
-            <a:schemeClr val="accent1">
-              <a:shade val="50000"/>
-            </a:schemeClr>
-          </a:lnRef>
-          <a:fillRef idx="1">
-            <a:schemeClr val="accent1"/>
-          </a:fillRef>
-          <a:effectRef idx="0">
-            <a:schemeClr val="accent1"/>
-          </a:effectRef>
-          <a:fontRef idx="minor">
-            <a:schemeClr val="lt1"/>
-          </a:fontRef>
-        </p:style>
-        <p:txBody>
-          <a:bodyPr rtlCol="0" anchor="ctr"/>
-          <a:lstStyle/>
-          <a:p>
-            <a:pPr algn="ctr"/>
-            <a:endParaRPr lang="pt-BR"/>
-          </a:p>
-        </p:txBody>
-      </p:sp>
-      <p:sp>
-        <p:nvSpPr>
-          <p:cNvPr id="19" name="Retângulo 18">
-            <a:extLst>
-              <a:ext uri="{FF2B5EF4-FFF2-40B4-BE49-F238E27FC236}">
-                <a16:creationId xmlns:a16="http://schemas.microsoft.com/office/drawing/2014/main" id="{233846BD-32E7-4324-ADF6-449F12B78362}"/>
-              </a:ext>
-            </a:extLst>
-          </p:cNvPr>
-          <p:cNvSpPr/>
-          <p:nvPr/>
-        </p:nvSpPr>
-        <p:spPr>
-          <a:xfrm>
-            <a:off x="5328919" y="7897309"/>
-            <a:ext cx="3789503" cy="684807"/>
-          </a:xfrm>
-          <a:prstGeom prst="rect">
-            <a:avLst/>
-          </a:prstGeom>
-          <a:noFill/>
-        </p:spPr>
-        <p:txBody>
-          <a:bodyPr wrap="square" lIns="68584" tIns="34292" rIns="68584" bIns="34292">
-            <a:spAutoFit/>
-          </a:bodyPr>
-          <a:lstStyle/>
-          <a:p>
-            <a:pPr algn="ctr"/>
-            <a:r>
-              <a:rPr lang="pt-BR" sz="4000" dirty="0">
-                <a:ln w="0">
-                  <a:noFill/>
-                </a:ln>
-                <a:solidFill>
-                  <a:srgbClr val="0070C0"/>
-                </a:solidFill>
-                <a:effectLst>
-                  <a:outerShdw blurRad="38100" dist="19050" dir="2700000" algn="tl" rotWithShape="0">
-                    <a:schemeClr val="dk1">
-                      <a:alpha val="40000"/>
-                    </a:schemeClr>
-                  </a:outerShdw>
-                </a:effectLst>
-                <a:latin typeface="Exo 2 Extra Bold" panose="00000900000000000000" pitchFamily="50" charset="0"/>
-              </a:rPr>
-              <a:t>3º Lugar</a:t>
-            </a:r>
-          </a:p>
-        </p:txBody>
-      </p:sp>
-      <p:pic>
-        <p:nvPicPr>
-          <p:cNvPr id="4" name="Imagem 3">
-            <a:extLst>
-              <a:ext uri="{FF2B5EF4-FFF2-40B4-BE49-F238E27FC236}">
-                <a16:creationId xmlns:a16="http://schemas.microsoft.com/office/drawing/2014/main" id="{AAFFB090-0801-43D0-93D1-7A5BEEAED204}"/>
-              </a:ext>
-            </a:extLst>
-          </p:cNvPr>
-          <p:cNvPicPr>
-            <a:picLocks noChangeAspect="1"/>
-          </p:cNvPicPr>
-          <p:nvPr/>
-        </p:nvPicPr>
-        <p:blipFill>
-          <a:blip r:embed="rId5"/>
-          <a:stretch>
-            <a:fillRect/>
-          </a:stretch>
-        </p:blipFill>
-        <p:spPr>
-          <a:xfrm>
-            <a:off x="2363670" y="2875136"/>
-            <a:ext cx="9720000" cy="1881294"/>
           </a:xfrm>
           <a:prstGeom prst="rect">
             <a:avLst/>
@@ -6764,40 +6825,10 @@
       </p:pic>
       <p:pic>
         <p:nvPicPr>
-          <p:cNvPr id="2" name="Imagem 1">
-            <a:extLst>
-              <a:ext uri="{FF2B5EF4-FFF2-40B4-BE49-F238E27FC236}">
-                <a16:creationId xmlns:a16="http://schemas.microsoft.com/office/drawing/2014/main" id="{96BA5C16-362A-4975-B6AD-F0135C69C281}"/>
-              </a:ext>
-            </a:extLst>
-          </p:cNvPr>
-          <p:cNvPicPr>
-            <a:picLocks noChangeAspect="1"/>
-          </p:cNvPicPr>
-          <p:nvPr/>
-        </p:nvPicPr>
-        <p:blipFill>
-          <a:blip r:embed="rId6"/>
-          <a:stretch>
-            <a:fillRect/>
-          </a:stretch>
-        </p:blipFill>
-        <p:spPr>
-          <a:xfrm>
-            <a:off x="2363800" y="6157473"/>
-            <a:ext cx="9720000" cy="813301"/>
-          </a:xfrm>
-          <a:prstGeom prst="rect">
-            <a:avLst/>
-          </a:prstGeom>
-        </p:spPr>
-      </p:pic>
-      <p:pic>
-        <p:nvPicPr>
-          <p:cNvPr id="3" name="Imagem 2">
-            <a:extLst>
-              <a:ext uri="{FF2B5EF4-FFF2-40B4-BE49-F238E27FC236}">
-                <a16:creationId xmlns:a16="http://schemas.microsoft.com/office/drawing/2014/main" id="{9B36036B-588D-4033-9D24-7CAD324A1C43}"/>
+          <p:cNvPr id="11" name="Imagem 10">
+            <a:extLst>
+              <a:ext uri="{FF2B5EF4-FFF2-40B4-BE49-F238E27FC236}">
+                <a16:creationId xmlns:a16="http://schemas.microsoft.com/office/drawing/2014/main" id="{2B18D8D1-5ACB-492C-96A5-DBADBFC2AA6A}"/>
               </a:ext>
             </a:extLst>
           </p:cNvPr>
@@ -6814,8 +6845,8 @@
         </p:blipFill>
         <p:spPr>
           <a:xfrm>
-            <a:off x="2356874" y="9033548"/>
-            <a:ext cx="9720000" cy="813301"/>
+            <a:off x="448973" y="7999252"/>
+            <a:ext cx="13545806" cy="1260000"/>
           </a:xfrm>
           <a:prstGeom prst="rect">
             <a:avLst/>
@@ -6825,7 +6856,7 @@
     </p:spTree>
     <p:extLst>
       <p:ext uri="{BB962C8B-B14F-4D97-AF65-F5344CB8AC3E}">
-        <p14:creationId xmlns:p14="http://schemas.microsoft.com/office/powerpoint/2010/main" val="3809854354"/>
+        <p14:creationId xmlns:p14="http://schemas.microsoft.com/office/powerpoint/2010/main" val="2841869459"/>
       </p:ext>
     </p:extLst>
   </p:cSld>
@@ -7257,7 +7288,7 @@
                 </a:effectLst>
                 <a:latin typeface="Exo 2 Extra Bold" panose="00000900000000000000" pitchFamily="50" charset="0"/>
               </a:rPr>
-              <a:t>MATA-MATA SÉRIE C 3</a:t>
+              <a:t>MATA-MATA SÉRIE A 3</a:t>
             </a:r>
           </a:p>
         </p:txBody>
@@ -7402,61 +7433,10 @@
       </p:sp>
       <p:sp>
         <p:nvSpPr>
-          <p:cNvPr id="18" name="Retângulo 17">
-            <a:extLst>
-              <a:ext uri="{FF2B5EF4-FFF2-40B4-BE49-F238E27FC236}">
-                <a16:creationId xmlns:a16="http://schemas.microsoft.com/office/drawing/2014/main" id="{3128898C-0A57-4F19-8491-B43E8301569E}"/>
-              </a:ext>
-            </a:extLst>
-          </p:cNvPr>
-          <p:cNvSpPr/>
-          <p:nvPr/>
-        </p:nvSpPr>
-        <p:spPr>
-          <a:xfrm>
-            <a:off x="1918853" y="7946853"/>
-            <a:ext cx="10476677" cy="2718888"/>
-          </a:xfrm>
-          <a:prstGeom prst="rect">
-            <a:avLst/>
-          </a:prstGeom>
-          <a:solidFill>
-            <a:schemeClr val="tx1">
-              <a:alpha val="81000"/>
-            </a:schemeClr>
-          </a:solidFill>
-        </p:spPr>
-        <p:style>
-          <a:lnRef idx="2">
-            <a:schemeClr val="accent1">
-              <a:shade val="50000"/>
-            </a:schemeClr>
-          </a:lnRef>
-          <a:fillRef idx="1">
-            <a:schemeClr val="accent1"/>
-          </a:fillRef>
-          <a:effectRef idx="0">
-            <a:schemeClr val="accent1"/>
-          </a:effectRef>
-          <a:fontRef idx="minor">
-            <a:schemeClr val="lt1"/>
-          </a:fontRef>
-        </p:style>
-        <p:txBody>
-          <a:bodyPr rtlCol="0" anchor="ctr"/>
-          <a:lstStyle/>
-          <a:p>
-            <a:pPr algn="ctr"/>
-            <a:endParaRPr lang="pt-BR"/>
-          </a:p>
-        </p:txBody>
-      </p:sp>
-      <p:sp>
-        <p:nvSpPr>
-          <p:cNvPr id="25" name="Retângulo 24">
-            <a:extLst>
-              <a:ext uri="{FF2B5EF4-FFF2-40B4-BE49-F238E27FC236}">
-                <a16:creationId xmlns:a16="http://schemas.microsoft.com/office/drawing/2014/main" id="{A09E16B2-7C74-4C13-9219-0E6412B9F44B}"/>
+          <p:cNvPr id="23" name="Retângulo 22">
+            <a:extLst>
+              <a:ext uri="{FF2B5EF4-FFF2-40B4-BE49-F238E27FC236}">
+                <a16:creationId xmlns:a16="http://schemas.microsoft.com/office/drawing/2014/main" id="{ED87CD67-A438-4F74-986A-3704AF997953}"/>
               </a:ext>
             </a:extLst>
           </p:cNvPr>
@@ -7504,10 +7484,10 @@
       </p:sp>
       <p:sp>
         <p:nvSpPr>
-          <p:cNvPr id="26" name="Retângulo 25">
-            <a:extLst>
-              <a:ext uri="{FF2B5EF4-FFF2-40B4-BE49-F238E27FC236}">
-                <a16:creationId xmlns:a16="http://schemas.microsoft.com/office/drawing/2014/main" id="{836C358E-4A49-45F6-A3E5-A798F09F5911}"/>
+          <p:cNvPr id="24" name="Retângulo 23">
+            <a:extLst>
+              <a:ext uri="{FF2B5EF4-FFF2-40B4-BE49-F238E27FC236}">
+                <a16:creationId xmlns:a16="http://schemas.microsoft.com/office/drawing/2014/main" id="{522A4ACC-EC27-4A14-BA66-B0EB03535C7B}"/>
               </a:ext>
             </a:extLst>
           </p:cNvPr>
@@ -7555,10 +7535,61 @@
       </p:sp>
       <p:sp>
         <p:nvSpPr>
-          <p:cNvPr id="27" name="Retângulo 26">
-            <a:extLst>
-              <a:ext uri="{FF2B5EF4-FFF2-40B4-BE49-F238E27FC236}">
-                <a16:creationId xmlns:a16="http://schemas.microsoft.com/office/drawing/2014/main" id="{4AC9D068-7C16-464F-89BF-6D23B2411B38}"/>
+          <p:cNvPr id="18" name="Retângulo 17">
+            <a:extLst>
+              <a:ext uri="{FF2B5EF4-FFF2-40B4-BE49-F238E27FC236}">
+                <a16:creationId xmlns:a16="http://schemas.microsoft.com/office/drawing/2014/main" id="{3128898C-0A57-4F19-8491-B43E8301569E}"/>
+              </a:ext>
+            </a:extLst>
+          </p:cNvPr>
+          <p:cNvSpPr/>
+          <p:nvPr/>
+        </p:nvSpPr>
+        <p:spPr>
+          <a:xfrm>
+            <a:off x="1918853" y="7946853"/>
+            <a:ext cx="10476677" cy="2718888"/>
+          </a:xfrm>
+          <a:prstGeom prst="rect">
+            <a:avLst/>
+          </a:prstGeom>
+          <a:solidFill>
+            <a:schemeClr val="tx1">
+              <a:alpha val="81000"/>
+            </a:schemeClr>
+          </a:solidFill>
+        </p:spPr>
+        <p:style>
+          <a:lnRef idx="2">
+            <a:schemeClr val="accent1">
+              <a:shade val="50000"/>
+            </a:schemeClr>
+          </a:lnRef>
+          <a:fillRef idx="1">
+            <a:schemeClr val="accent1"/>
+          </a:fillRef>
+          <a:effectRef idx="0">
+            <a:schemeClr val="accent1"/>
+          </a:effectRef>
+          <a:fontRef idx="minor">
+            <a:schemeClr val="lt1"/>
+          </a:fontRef>
+        </p:style>
+        <p:txBody>
+          <a:bodyPr rtlCol="0" anchor="ctr"/>
+          <a:lstStyle/>
+          <a:p>
+            <a:pPr algn="ctr"/>
+            <a:endParaRPr lang="pt-BR"/>
+          </a:p>
+        </p:txBody>
+      </p:sp>
+      <p:sp>
+        <p:nvSpPr>
+          <p:cNvPr id="19" name="Retângulo 18">
+            <a:extLst>
+              <a:ext uri="{FF2B5EF4-FFF2-40B4-BE49-F238E27FC236}">
+                <a16:creationId xmlns:a16="http://schemas.microsoft.com/office/drawing/2014/main" id="{233846BD-32E7-4324-ADF6-449F12B78362}"/>
               </a:ext>
             </a:extLst>
           </p:cNvPr>
@@ -7606,6 +7637,878 @@
       </p:sp>
       <p:pic>
         <p:nvPicPr>
+          <p:cNvPr id="4" name="Imagem 3">
+            <a:extLst>
+              <a:ext uri="{FF2B5EF4-FFF2-40B4-BE49-F238E27FC236}">
+                <a16:creationId xmlns:a16="http://schemas.microsoft.com/office/drawing/2014/main" id="{AAFFB090-0801-43D0-93D1-7A5BEEAED204}"/>
+              </a:ext>
+            </a:extLst>
+          </p:cNvPr>
+          <p:cNvPicPr>
+            <a:picLocks noChangeAspect="1"/>
+          </p:cNvPicPr>
+          <p:nvPr/>
+        </p:nvPicPr>
+        <p:blipFill>
+          <a:blip r:embed="rId5"/>
+          <a:stretch>
+            <a:fillRect/>
+          </a:stretch>
+        </p:blipFill>
+        <p:spPr>
+          <a:xfrm>
+            <a:off x="2363670" y="2875136"/>
+            <a:ext cx="9720000" cy="1881294"/>
+          </a:xfrm>
+          <a:prstGeom prst="rect">
+            <a:avLst/>
+          </a:prstGeom>
+        </p:spPr>
+      </p:pic>
+      <p:pic>
+        <p:nvPicPr>
+          <p:cNvPr id="2" name="Imagem 1">
+            <a:extLst>
+              <a:ext uri="{FF2B5EF4-FFF2-40B4-BE49-F238E27FC236}">
+                <a16:creationId xmlns:a16="http://schemas.microsoft.com/office/drawing/2014/main" id="{96BA5C16-362A-4975-B6AD-F0135C69C281}"/>
+              </a:ext>
+            </a:extLst>
+          </p:cNvPr>
+          <p:cNvPicPr>
+            <a:picLocks noChangeAspect="1"/>
+          </p:cNvPicPr>
+          <p:nvPr/>
+        </p:nvPicPr>
+        <p:blipFill>
+          <a:blip r:embed="rId6"/>
+          <a:stretch>
+            <a:fillRect/>
+          </a:stretch>
+        </p:blipFill>
+        <p:spPr>
+          <a:xfrm>
+            <a:off x="2363800" y="6157473"/>
+            <a:ext cx="9720000" cy="813301"/>
+          </a:xfrm>
+          <a:prstGeom prst="rect">
+            <a:avLst/>
+          </a:prstGeom>
+        </p:spPr>
+      </p:pic>
+      <p:pic>
+        <p:nvPicPr>
+          <p:cNvPr id="3" name="Imagem 2">
+            <a:extLst>
+              <a:ext uri="{FF2B5EF4-FFF2-40B4-BE49-F238E27FC236}">
+                <a16:creationId xmlns:a16="http://schemas.microsoft.com/office/drawing/2014/main" id="{9B36036B-588D-4033-9D24-7CAD324A1C43}"/>
+              </a:ext>
+            </a:extLst>
+          </p:cNvPr>
+          <p:cNvPicPr>
+            <a:picLocks noChangeAspect="1"/>
+          </p:cNvPicPr>
+          <p:nvPr/>
+        </p:nvPicPr>
+        <p:blipFill>
+          <a:blip r:embed="rId7"/>
+          <a:stretch>
+            <a:fillRect/>
+          </a:stretch>
+        </p:blipFill>
+        <p:spPr>
+          <a:xfrm>
+            <a:off x="2356874" y="9033548"/>
+            <a:ext cx="9720000" cy="813301"/>
+          </a:xfrm>
+          <a:prstGeom prst="rect">
+            <a:avLst/>
+          </a:prstGeom>
+        </p:spPr>
+      </p:pic>
+    </p:spTree>
+    <p:extLst>
+      <p:ext uri="{BB962C8B-B14F-4D97-AF65-F5344CB8AC3E}">
+        <p14:creationId xmlns:p14="http://schemas.microsoft.com/office/powerpoint/2010/main" val="3809854354"/>
+      </p:ext>
+    </p:extLst>
+  </p:cSld>
+  <p:clrMapOvr>
+    <a:masterClrMapping/>
+  </p:clrMapOvr>
+</p:sld>
+</file>
+
+<file path=ppt/slides/slide14.xml><?xml version="1.0" encoding="utf-8"?>
+<p:sld xmlns:a="http://schemas.openxmlformats.org/drawingml/2006/main" xmlns:r="http://schemas.openxmlformats.org/officeDocument/2006/relationships" xmlns:p="http://schemas.openxmlformats.org/presentationml/2006/main">
+  <p:cSld>
+    <p:bg>
+      <p:bgPr>
+        <a:solidFill>
+          <a:schemeClr val="bg1"/>
+        </a:solidFill>
+        <a:effectLst/>
+      </p:bgPr>
+    </p:bg>
+    <p:spTree>
+      <p:nvGrpSpPr>
+        <p:cNvPr id="1" name=""/>
+        <p:cNvGrpSpPr/>
+        <p:nvPr/>
+      </p:nvGrpSpPr>
+      <p:grpSpPr>
+        <a:xfrm>
+          <a:off x="0" y="0"/>
+          <a:ext cx="0" cy="0"/>
+          <a:chOff x="0" y="0"/>
+          <a:chExt cx="0" cy="0"/>
+        </a:xfrm>
+      </p:grpSpPr>
+      <p:sp>
+        <p:nvSpPr>
+          <p:cNvPr id="13" name="Rectangle 9">
+            <a:extLst>
+              <a:ext uri="{FF2B5EF4-FFF2-40B4-BE49-F238E27FC236}">
+                <a16:creationId xmlns:a16="http://schemas.microsoft.com/office/drawing/2014/main" id="{0BABF38A-8A0D-492E-BD20-6CF4D46B50BD}"/>
+              </a:ext>
+              <a:ext uri="{C183D7F6-B498-43B3-948B-1728B52AA6E4}">
+                <adec:decorative xmlns:adec="http://schemas.microsoft.com/office/drawing/2017/decorative" val="1"/>
+              </a:ext>
+            </a:extLst>
+          </p:cNvPr>
+          <p:cNvSpPr>
+            <a:spLocks noGrp="1" noRot="1" noChangeAspect="1" noMove="1" noResize="1" noEditPoints="1" noAdjustHandles="1" noChangeArrowheads="1" noChangeShapeType="1" noTextEdit="1"/>
+          </p:cNvSpPr>
+          <p:nvPr>
+            <p:extLst>
+              <p:ext uri="{386F3935-93C4-4BCD-93E2-E3B085C9AB24}">
+                <p16:designElem xmlns:p16="http://schemas.microsoft.com/office/powerpoint/2015/main" val="1"/>
+              </p:ext>
+            </p:extLst>
+          </p:nvPr>
+        </p:nvSpPr>
+        <p:spPr>
+          <a:xfrm>
+            <a:off x="3149972" y="3121681"/>
+            <a:ext cx="8100269" cy="4556404"/>
+          </a:xfrm>
+          <a:prstGeom prst="rect">
+            <a:avLst/>
+          </a:prstGeom>
+          <a:solidFill>
+            <a:schemeClr val="bg2">
+              <a:lumMod val="90000"/>
+              <a:alpha val="70000"/>
+            </a:schemeClr>
+          </a:solidFill>
+          <a:ln>
+            <a:noFill/>
+          </a:ln>
+        </p:spPr>
+        <p:style>
+          <a:lnRef idx="2">
+            <a:schemeClr val="accent1">
+              <a:shade val="50000"/>
+            </a:schemeClr>
+          </a:lnRef>
+          <a:fillRef idx="1">
+            <a:schemeClr val="accent1"/>
+          </a:fillRef>
+          <a:effectRef idx="0">
+            <a:schemeClr val="accent1"/>
+          </a:effectRef>
+          <a:fontRef idx="minor">
+            <a:schemeClr val="lt1"/>
+          </a:fontRef>
+        </p:style>
+        <p:txBody>
+          <a:bodyPr rtlCol="0" anchor="ctr"/>
+          <a:lstStyle/>
+          <a:p>
+            <a:pPr algn="ctr">
+              <a:defRPr/>
+            </a:pPr>
+            <a:endParaRPr lang="en-US" sz="1196" dirty="0">
+              <a:solidFill>
+                <a:prstClr val="black">
+                  <a:lumMod val="65000"/>
+                  <a:lumOff val="35000"/>
+                </a:prstClr>
+              </a:solidFill>
+              <a:latin typeface="AvenirNext LT Pro Medium" panose="020B0504020202020204" pitchFamily="34" charset="0"/>
+            </a:endParaRPr>
+          </a:p>
+        </p:txBody>
+      </p:sp>
+      <p:pic>
+        <p:nvPicPr>
+          <p:cNvPr id="12" name="Picture 11">
+            <a:extLst>
+              <a:ext uri="{FF2B5EF4-FFF2-40B4-BE49-F238E27FC236}">
+                <a16:creationId xmlns:a16="http://schemas.microsoft.com/office/drawing/2014/main" id="{BC526B7A-4801-4FD1-95C8-03AF22629E87}"/>
+              </a:ext>
+              <a:ext uri="{C183D7F6-B498-43B3-948B-1728B52AA6E4}">
+                <adec:decorative xmlns:adec="http://schemas.microsoft.com/office/drawing/2017/decorative" val="1"/>
+              </a:ext>
+            </a:extLst>
+          </p:cNvPr>
+          <p:cNvPicPr>
+            <a:picLocks noGrp="1" noRot="1" noChangeAspect="1" noMove="1" noResize="1" noEditPoints="1" noAdjustHandles="1" noChangeArrowheads="1" noChangeShapeType="1" noCrop="1"/>
+          </p:cNvPicPr>
+          <p:nvPr>
+            <p:extLst>
+              <p:ext uri="{386F3935-93C4-4BCD-93E2-E3B085C9AB24}">
+                <p16:designElem xmlns:p16="http://schemas.microsoft.com/office/powerpoint/2015/main" val="1"/>
+              </p:ext>
+            </p:extLst>
+          </p:nvPr>
+        </p:nvPicPr>
+        <p:blipFill>
+          <a:blip r:embed="rId2">
+            <a:alphaModFix amt="10000"/>
+            <a:extLst>
+              <a:ext uri="{28A0092B-C50C-407E-A947-70E740481C1C}">
+                <a14:useLocalDpi xmlns:a14="http://schemas.microsoft.com/office/drawing/2010/main" val="0"/>
+              </a:ext>
+            </a:extLst>
+          </a:blip>
+          <a:stretch>
+            <a:fillRect/>
+          </a:stretch>
+        </p:blipFill>
+        <p:spPr>
+          <a:xfrm>
+            <a:off x="8820159" y="3121682"/>
+            <a:ext cx="2428095" cy="3039825"/>
+          </a:xfrm>
+          <a:prstGeom prst="rect">
+            <a:avLst/>
+          </a:prstGeom>
+        </p:spPr>
+      </p:pic>
+      <p:sp useBgFill="1">
+        <p:nvSpPr>
+          <p:cNvPr id="14" name="Rectangle 13">
+            <a:extLst>
+              <a:ext uri="{FF2B5EF4-FFF2-40B4-BE49-F238E27FC236}">
+                <a16:creationId xmlns:a16="http://schemas.microsoft.com/office/drawing/2014/main" id="{37FDDF72-DE39-4F99-A3C1-DD9D7815D7DB}"/>
+              </a:ext>
+              <a:ext uri="{C183D7F6-B498-43B3-948B-1728B52AA6E4}">
+                <adec:decorative xmlns:adec="http://schemas.microsoft.com/office/drawing/2017/decorative" val="1"/>
+              </a:ext>
+            </a:extLst>
+          </p:cNvPr>
+          <p:cNvSpPr>
+            <a:spLocks noGrp="1" noRot="1" noChangeAspect="1" noMove="1" noResize="1" noEditPoints="1" noAdjustHandles="1" noChangeArrowheads="1" noChangeShapeType="1" noTextEdit="1"/>
+          </p:cNvSpPr>
+          <p:nvPr>
+            <p:extLst>
+              <p:ext uri="{386F3935-93C4-4BCD-93E2-E3B085C9AB24}">
+                <p16:designElem xmlns:p16="http://schemas.microsoft.com/office/powerpoint/2015/main" val="1"/>
+              </p:ext>
+            </p:extLst>
+          </p:nvPr>
+        </p:nvSpPr>
+        <p:spPr>
+          <a:xfrm>
+            <a:off x="3149972" y="3121681"/>
+            <a:ext cx="8100269" cy="4556401"/>
+          </a:xfrm>
+          <a:prstGeom prst="rect">
+            <a:avLst/>
+          </a:prstGeom>
+          <a:ln>
+            <a:noFill/>
+          </a:ln>
+        </p:spPr>
+        <p:style>
+          <a:lnRef idx="2">
+            <a:schemeClr val="accent1">
+              <a:shade val="50000"/>
+            </a:schemeClr>
+          </a:lnRef>
+          <a:fillRef idx="1">
+            <a:schemeClr val="accent1"/>
+          </a:fillRef>
+          <a:effectRef idx="0">
+            <a:schemeClr val="accent1"/>
+          </a:effectRef>
+          <a:fontRef idx="minor">
+            <a:schemeClr val="lt1"/>
+          </a:fontRef>
+        </p:style>
+        <p:txBody>
+          <a:bodyPr rtlCol="0" anchor="ctr"/>
+          <a:lstStyle/>
+          <a:p>
+            <a:pPr algn="ctr">
+              <a:defRPr/>
+            </a:pPr>
+            <a:endParaRPr lang="en-US" sz="1196" dirty="0">
+              <a:solidFill>
+                <a:prstClr val="black">
+                  <a:lumMod val="65000"/>
+                  <a:lumOff val="35000"/>
+                </a:prstClr>
+              </a:solidFill>
+              <a:latin typeface="AvenirNext LT Pro Medium" panose="020B0504020202020204" pitchFamily="34" charset="0"/>
+            </a:endParaRPr>
+          </a:p>
+        </p:txBody>
+      </p:sp>
+      <p:sp>
+        <p:nvSpPr>
+          <p:cNvPr id="16" name="Rectangle 15">
+            <a:extLst>
+              <a:ext uri="{FF2B5EF4-FFF2-40B4-BE49-F238E27FC236}">
+                <a16:creationId xmlns:a16="http://schemas.microsoft.com/office/drawing/2014/main" id="{5E4ECE80-3AD1-450C-B62A-98788F193948}"/>
+              </a:ext>
+              <a:ext uri="{C183D7F6-B498-43B3-948B-1728B52AA6E4}">
+                <adec:decorative xmlns:adec="http://schemas.microsoft.com/office/drawing/2017/decorative" val="1"/>
+              </a:ext>
+            </a:extLst>
+          </p:cNvPr>
+          <p:cNvSpPr>
+            <a:spLocks noGrp="1" noRot="1" noChangeAspect="1" noMove="1" noResize="1" noEditPoints="1" noAdjustHandles="1" noChangeArrowheads="1" noChangeShapeType="1" noTextEdit="1"/>
+          </p:cNvSpPr>
+          <p:nvPr>
+            <p:extLst>
+              <p:ext uri="{386F3935-93C4-4BCD-93E2-E3B085C9AB24}">
+                <p16:designElem xmlns:p16="http://schemas.microsoft.com/office/powerpoint/2015/main" val="1"/>
+              </p:ext>
+            </p:extLst>
+          </p:nvPr>
+        </p:nvSpPr>
+        <p:spPr>
+          <a:xfrm>
+            <a:off x="3149972" y="3121681"/>
+            <a:ext cx="8100269" cy="4556401"/>
+          </a:xfrm>
+          <a:prstGeom prst="rect">
+            <a:avLst/>
+          </a:prstGeom>
+          <a:solidFill>
+            <a:srgbClr val="000000"/>
+          </a:solidFill>
+          <a:ln>
+            <a:noFill/>
+          </a:ln>
+        </p:spPr>
+        <p:style>
+          <a:lnRef idx="2">
+            <a:schemeClr val="accent1">
+              <a:shade val="50000"/>
+            </a:schemeClr>
+          </a:lnRef>
+          <a:fillRef idx="1">
+            <a:schemeClr val="accent1"/>
+          </a:fillRef>
+          <a:effectRef idx="0">
+            <a:schemeClr val="accent1"/>
+          </a:effectRef>
+          <a:fontRef idx="minor">
+            <a:schemeClr val="lt1"/>
+          </a:fontRef>
+        </p:style>
+        <p:txBody>
+          <a:bodyPr rtlCol="0" anchor="ctr"/>
+          <a:lstStyle/>
+          <a:p>
+            <a:pPr algn="ctr">
+              <a:defRPr/>
+            </a:pPr>
+            <a:endParaRPr lang="en-US" sz="1196" dirty="0">
+              <a:solidFill>
+                <a:prstClr val="black">
+                  <a:lumMod val="65000"/>
+                  <a:lumOff val="35000"/>
+                </a:prstClr>
+              </a:solidFill>
+              <a:latin typeface="AvenirNext LT Pro Medium" panose="020B0504020202020204" pitchFamily="34" charset="0"/>
+            </a:endParaRPr>
+          </a:p>
+        </p:txBody>
+      </p:sp>
+      <p:pic>
+        <p:nvPicPr>
+          <p:cNvPr id="5" name="Imagem 4">
+            <a:extLst>
+              <a:ext uri="{FF2B5EF4-FFF2-40B4-BE49-F238E27FC236}">
+                <a16:creationId xmlns:a16="http://schemas.microsoft.com/office/drawing/2014/main" id="{F1433EF1-FB6D-4913-96C9-08F0B1B3CA7A}"/>
+              </a:ext>
+            </a:extLst>
+          </p:cNvPr>
+          <p:cNvPicPr>
+            <a:picLocks noChangeAspect="1"/>
+          </p:cNvPicPr>
+          <p:nvPr/>
+        </p:nvPicPr>
+        <p:blipFill rotWithShape="1">
+          <a:blip r:embed="rId3">
+            <a:alphaModFix/>
+            <a:extLst>
+              <a:ext uri="{28A0092B-C50C-407E-A947-70E740481C1C}">
+                <a14:useLocalDpi xmlns:a14="http://schemas.microsoft.com/office/drawing/2010/main" val="0"/>
+              </a:ext>
+            </a:extLst>
+          </a:blip>
+          <a:srcRect l="5233" t="-2125" r="6244" b="-538"/>
+          <a:stretch/>
+        </p:blipFill>
+        <p:spPr>
+          <a:xfrm>
+            <a:off x="-1" y="-248909"/>
+            <a:ext cx="14400213" cy="11147555"/>
+          </a:xfrm>
+          <a:prstGeom prst="rect">
+            <a:avLst/>
+          </a:prstGeom>
+        </p:spPr>
+      </p:pic>
+      <p:sp>
+        <p:nvSpPr>
+          <p:cNvPr id="50" name="Retângulo 49">
+            <a:extLst>
+              <a:ext uri="{FF2B5EF4-FFF2-40B4-BE49-F238E27FC236}">
+                <a16:creationId xmlns:a16="http://schemas.microsoft.com/office/drawing/2014/main" id="{50614AED-75DE-4550-9029-54313F89BD12}"/>
+              </a:ext>
+            </a:extLst>
+          </p:cNvPr>
+          <p:cNvSpPr/>
+          <p:nvPr/>
+        </p:nvSpPr>
+        <p:spPr>
+          <a:xfrm>
+            <a:off x="3186646" y="311571"/>
+            <a:ext cx="8052791" cy="992583"/>
+          </a:xfrm>
+          <a:prstGeom prst="rect">
+            <a:avLst/>
+          </a:prstGeom>
+          <a:noFill/>
+        </p:spPr>
+        <p:txBody>
+          <a:bodyPr wrap="square" lIns="68584" tIns="34292" rIns="68584" bIns="34292">
+            <a:spAutoFit/>
+          </a:bodyPr>
+          <a:lstStyle/>
+          <a:p>
+            <a:pPr algn="ctr"/>
+            <a:r>
+              <a:rPr lang="pt-BR" sz="6000" dirty="0">
+                <a:ln w="38100">
+                  <a:solidFill>
+                    <a:schemeClr val="bg1"/>
+                  </a:solidFill>
+                </a:ln>
+                <a:solidFill>
+                  <a:srgbClr val="00B050"/>
+                </a:solidFill>
+                <a:effectLst>
+                  <a:outerShdw blurRad="38100" dist="19050" dir="2700000" algn="tl" rotWithShape="0">
+                    <a:schemeClr val="dk1">
+                      <a:alpha val="40000"/>
+                    </a:schemeClr>
+                  </a:outerShdw>
+                </a:effectLst>
+                <a:latin typeface="Exo 2 Extra Bold" panose="00000900000000000000" pitchFamily="50" charset="0"/>
+              </a:rPr>
+              <a:t>Liga Principal</a:t>
+            </a:r>
+          </a:p>
+        </p:txBody>
+      </p:sp>
+      <p:sp>
+        <p:nvSpPr>
+          <p:cNvPr id="53" name="Retângulo 52">
+            <a:extLst>
+              <a:ext uri="{FF2B5EF4-FFF2-40B4-BE49-F238E27FC236}">
+                <a16:creationId xmlns:a16="http://schemas.microsoft.com/office/drawing/2014/main" id="{F101E0BF-8A68-40B9-BC26-35C299182F52}"/>
+              </a:ext>
+            </a:extLst>
+          </p:cNvPr>
+          <p:cNvSpPr/>
+          <p:nvPr/>
+        </p:nvSpPr>
+        <p:spPr>
+          <a:xfrm>
+            <a:off x="336776" y="1104608"/>
+            <a:ext cx="13909452" cy="1177249"/>
+          </a:xfrm>
+          <a:prstGeom prst="rect">
+            <a:avLst/>
+          </a:prstGeom>
+          <a:noFill/>
+        </p:spPr>
+        <p:txBody>
+          <a:bodyPr wrap="square" lIns="68584" tIns="34292" rIns="68584" bIns="34292">
+            <a:spAutoFit/>
+          </a:bodyPr>
+          <a:lstStyle/>
+          <a:p>
+            <a:pPr algn="ctr"/>
+            <a:r>
+              <a:rPr lang="pt-BR" sz="7200" dirty="0">
+                <a:ln w="0">
+                  <a:noFill/>
+                </a:ln>
+                <a:effectLst>
+                  <a:outerShdw blurRad="38100" dist="19050" dir="2700000" algn="tl" rotWithShape="0">
+                    <a:schemeClr val="dk1">
+                      <a:alpha val="40000"/>
+                    </a:schemeClr>
+                  </a:outerShdw>
+                </a:effectLst>
+                <a:latin typeface="Exo 2 Extra Bold" panose="00000900000000000000" pitchFamily="50" charset="0"/>
+              </a:rPr>
+              <a:t>MATA-MATA SÉRIE C 3</a:t>
+            </a:r>
+          </a:p>
+        </p:txBody>
+      </p:sp>
+      <p:pic>
+        <p:nvPicPr>
+          <p:cNvPr id="15" name="Imagem 14">
+            <a:extLst>
+              <a:ext uri="{FF2B5EF4-FFF2-40B4-BE49-F238E27FC236}">
+                <a16:creationId xmlns:a16="http://schemas.microsoft.com/office/drawing/2014/main" id="{780D6AE4-2B31-43CF-8A3B-9ACC73C32FE9}"/>
+              </a:ext>
+            </a:extLst>
+          </p:cNvPr>
+          <p:cNvPicPr>
+            <a:picLocks noChangeAspect="1"/>
+          </p:cNvPicPr>
+          <p:nvPr/>
+        </p:nvPicPr>
+        <p:blipFill>
+          <a:blip r:embed="rId4" cstate="hqprint">
+            <a:extLst>
+              <a:ext uri="{28A0092B-C50C-407E-A947-70E740481C1C}">
+                <a14:useLocalDpi xmlns:a14="http://schemas.microsoft.com/office/drawing/2010/main" val="0"/>
+              </a:ext>
+            </a:extLst>
+          </a:blip>
+          <a:stretch>
+            <a:fillRect/>
+          </a:stretch>
+        </p:blipFill>
+        <p:spPr>
+          <a:xfrm>
+            <a:off x="336776" y="194284"/>
+            <a:ext cx="2059134" cy="2160000"/>
+          </a:xfrm>
+          <a:prstGeom prst="rect">
+            <a:avLst/>
+          </a:prstGeom>
+        </p:spPr>
+      </p:pic>
+      <p:sp>
+        <p:nvSpPr>
+          <p:cNvPr id="10" name="Retângulo 9">
+            <a:extLst>
+              <a:ext uri="{FF2B5EF4-FFF2-40B4-BE49-F238E27FC236}">
+                <a16:creationId xmlns:a16="http://schemas.microsoft.com/office/drawing/2014/main" id="{838BDC98-3287-4575-8574-56F716FB2440}"/>
+              </a:ext>
+            </a:extLst>
+          </p:cNvPr>
+          <p:cNvSpPr/>
+          <p:nvPr/>
+        </p:nvSpPr>
+        <p:spPr>
+          <a:xfrm>
+            <a:off x="1911927" y="2227185"/>
+            <a:ext cx="10476677" cy="2718888"/>
+          </a:xfrm>
+          <a:prstGeom prst="rect">
+            <a:avLst/>
+          </a:prstGeom>
+          <a:solidFill>
+            <a:schemeClr val="tx1">
+              <a:alpha val="81000"/>
+            </a:schemeClr>
+          </a:solidFill>
+        </p:spPr>
+        <p:style>
+          <a:lnRef idx="2">
+            <a:schemeClr val="accent1">
+              <a:shade val="50000"/>
+            </a:schemeClr>
+          </a:lnRef>
+          <a:fillRef idx="1">
+            <a:schemeClr val="accent1"/>
+          </a:fillRef>
+          <a:effectRef idx="0">
+            <a:schemeClr val="accent1"/>
+          </a:effectRef>
+          <a:fontRef idx="minor">
+            <a:schemeClr val="lt1"/>
+          </a:fontRef>
+        </p:style>
+        <p:txBody>
+          <a:bodyPr rtlCol="0" anchor="ctr"/>
+          <a:lstStyle/>
+          <a:p>
+            <a:pPr algn="ctr"/>
+            <a:endParaRPr lang="pt-BR"/>
+          </a:p>
+        </p:txBody>
+      </p:sp>
+      <p:sp>
+        <p:nvSpPr>
+          <p:cNvPr id="21" name="Retângulo 20">
+            <a:extLst>
+              <a:ext uri="{FF2B5EF4-FFF2-40B4-BE49-F238E27FC236}">
+                <a16:creationId xmlns:a16="http://schemas.microsoft.com/office/drawing/2014/main" id="{95EDB8CB-8377-4925-B478-560C3F615037}"/>
+              </a:ext>
+            </a:extLst>
+          </p:cNvPr>
+          <p:cNvSpPr/>
+          <p:nvPr/>
+        </p:nvSpPr>
+        <p:spPr>
+          <a:xfrm>
+            <a:off x="1911927" y="5072033"/>
+            <a:ext cx="10476677" cy="2718888"/>
+          </a:xfrm>
+          <a:prstGeom prst="rect">
+            <a:avLst/>
+          </a:prstGeom>
+          <a:solidFill>
+            <a:schemeClr val="tx1">
+              <a:alpha val="81000"/>
+            </a:schemeClr>
+          </a:solidFill>
+        </p:spPr>
+        <p:style>
+          <a:lnRef idx="2">
+            <a:schemeClr val="accent1">
+              <a:shade val="50000"/>
+            </a:schemeClr>
+          </a:lnRef>
+          <a:fillRef idx="1">
+            <a:schemeClr val="accent1"/>
+          </a:fillRef>
+          <a:effectRef idx="0">
+            <a:schemeClr val="accent1"/>
+          </a:effectRef>
+          <a:fontRef idx="minor">
+            <a:schemeClr val="lt1"/>
+          </a:fontRef>
+        </p:style>
+        <p:txBody>
+          <a:bodyPr rtlCol="0" anchor="ctr"/>
+          <a:lstStyle/>
+          <a:p>
+            <a:pPr algn="ctr"/>
+            <a:endParaRPr lang="pt-BR"/>
+          </a:p>
+        </p:txBody>
+      </p:sp>
+      <p:sp>
+        <p:nvSpPr>
+          <p:cNvPr id="18" name="Retângulo 17">
+            <a:extLst>
+              <a:ext uri="{FF2B5EF4-FFF2-40B4-BE49-F238E27FC236}">
+                <a16:creationId xmlns:a16="http://schemas.microsoft.com/office/drawing/2014/main" id="{3128898C-0A57-4F19-8491-B43E8301569E}"/>
+              </a:ext>
+            </a:extLst>
+          </p:cNvPr>
+          <p:cNvSpPr/>
+          <p:nvPr/>
+        </p:nvSpPr>
+        <p:spPr>
+          <a:xfrm>
+            <a:off x="1918853" y="7946853"/>
+            <a:ext cx="10476677" cy="2718888"/>
+          </a:xfrm>
+          <a:prstGeom prst="rect">
+            <a:avLst/>
+          </a:prstGeom>
+          <a:solidFill>
+            <a:schemeClr val="tx1">
+              <a:alpha val="81000"/>
+            </a:schemeClr>
+          </a:solidFill>
+        </p:spPr>
+        <p:style>
+          <a:lnRef idx="2">
+            <a:schemeClr val="accent1">
+              <a:shade val="50000"/>
+            </a:schemeClr>
+          </a:lnRef>
+          <a:fillRef idx="1">
+            <a:schemeClr val="accent1"/>
+          </a:fillRef>
+          <a:effectRef idx="0">
+            <a:schemeClr val="accent1"/>
+          </a:effectRef>
+          <a:fontRef idx="minor">
+            <a:schemeClr val="lt1"/>
+          </a:fontRef>
+        </p:style>
+        <p:txBody>
+          <a:bodyPr rtlCol="0" anchor="ctr"/>
+          <a:lstStyle/>
+          <a:p>
+            <a:pPr algn="ctr"/>
+            <a:endParaRPr lang="pt-BR"/>
+          </a:p>
+        </p:txBody>
+      </p:sp>
+      <p:sp>
+        <p:nvSpPr>
+          <p:cNvPr id="25" name="Retângulo 24">
+            <a:extLst>
+              <a:ext uri="{FF2B5EF4-FFF2-40B4-BE49-F238E27FC236}">
+                <a16:creationId xmlns:a16="http://schemas.microsoft.com/office/drawing/2014/main" id="{A09E16B2-7C74-4C13-9219-0E6412B9F44B}"/>
+              </a:ext>
+            </a:extLst>
+          </p:cNvPr>
+          <p:cNvSpPr/>
+          <p:nvPr/>
+        </p:nvSpPr>
+        <p:spPr>
+          <a:xfrm>
+            <a:off x="5308448" y="2179089"/>
+            <a:ext cx="3789504" cy="684807"/>
+          </a:xfrm>
+          <a:prstGeom prst="rect">
+            <a:avLst/>
+          </a:prstGeom>
+          <a:noFill/>
+        </p:spPr>
+        <p:txBody>
+          <a:bodyPr wrap="square" lIns="68584" tIns="34292" rIns="68584" bIns="34292">
+            <a:spAutoFit/>
+          </a:bodyPr>
+          <a:lstStyle/>
+          <a:p>
+            <a:pPr algn="ctr"/>
+            <a:r>
+              <a:rPr lang="pt-BR" sz="4000" dirty="0">
+                <a:ln w="0">
+                  <a:noFill/>
+                </a:ln>
+                <a:solidFill>
+                  <a:srgbClr val="0070C0"/>
+                </a:solidFill>
+                <a:effectLst>
+                  <a:outerShdw blurRad="38100" dist="19050" dir="2700000" algn="tl" rotWithShape="0">
+                    <a:schemeClr val="dk1">
+                      <a:alpha val="40000"/>
+                    </a:schemeClr>
+                  </a:outerShdw>
+                </a:effectLst>
+                <a:latin typeface="Exo 2 Extra Bold" panose="00000900000000000000" pitchFamily="50" charset="0"/>
+              </a:rPr>
+              <a:t>Semifinal</a:t>
+            </a:r>
+          </a:p>
+        </p:txBody>
+      </p:sp>
+      <p:sp>
+        <p:nvSpPr>
+          <p:cNvPr id="26" name="Retângulo 25">
+            <a:extLst>
+              <a:ext uri="{FF2B5EF4-FFF2-40B4-BE49-F238E27FC236}">
+                <a16:creationId xmlns:a16="http://schemas.microsoft.com/office/drawing/2014/main" id="{836C358E-4A49-45F6-A3E5-A798F09F5911}"/>
+              </a:ext>
+            </a:extLst>
+          </p:cNvPr>
+          <p:cNvSpPr/>
+          <p:nvPr/>
+        </p:nvSpPr>
+        <p:spPr>
+          <a:xfrm>
+            <a:off x="5321993" y="5022489"/>
+            <a:ext cx="3789503" cy="684807"/>
+          </a:xfrm>
+          <a:prstGeom prst="rect">
+            <a:avLst/>
+          </a:prstGeom>
+          <a:noFill/>
+        </p:spPr>
+        <p:txBody>
+          <a:bodyPr wrap="square" lIns="68584" tIns="34292" rIns="68584" bIns="34292">
+            <a:spAutoFit/>
+          </a:bodyPr>
+          <a:lstStyle/>
+          <a:p>
+            <a:pPr algn="ctr"/>
+            <a:r>
+              <a:rPr lang="pt-BR" sz="4000" dirty="0">
+                <a:ln w="0">
+                  <a:noFill/>
+                </a:ln>
+                <a:solidFill>
+                  <a:srgbClr val="0070C0"/>
+                </a:solidFill>
+                <a:effectLst>
+                  <a:outerShdw blurRad="38100" dist="19050" dir="2700000" algn="tl" rotWithShape="0">
+                    <a:schemeClr val="dk1">
+                      <a:alpha val="40000"/>
+                    </a:schemeClr>
+                  </a:outerShdw>
+                </a:effectLst>
+                <a:latin typeface="Exo 2 Extra Bold" panose="00000900000000000000" pitchFamily="50" charset="0"/>
+              </a:rPr>
+              <a:t>Campeão</a:t>
+            </a:r>
+          </a:p>
+        </p:txBody>
+      </p:sp>
+      <p:sp>
+        <p:nvSpPr>
+          <p:cNvPr id="27" name="Retângulo 26">
+            <a:extLst>
+              <a:ext uri="{FF2B5EF4-FFF2-40B4-BE49-F238E27FC236}">
+                <a16:creationId xmlns:a16="http://schemas.microsoft.com/office/drawing/2014/main" id="{4AC9D068-7C16-464F-89BF-6D23B2411B38}"/>
+              </a:ext>
+            </a:extLst>
+          </p:cNvPr>
+          <p:cNvSpPr/>
+          <p:nvPr/>
+        </p:nvSpPr>
+        <p:spPr>
+          <a:xfrm>
+            <a:off x="5328919" y="7897309"/>
+            <a:ext cx="3789503" cy="684807"/>
+          </a:xfrm>
+          <a:prstGeom prst="rect">
+            <a:avLst/>
+          </a:prstGeom>
+          <a:noFill/>
+        </p:spPr>
+        <p:txBody>
+          <a:bodyPr wrap="square" lIns="68584" tIns="34292" rIns="68584" bIns="34292">
+            <a:spAutoFit/>
+          </a:bodyPr>
+          <a:lstStyle/>
+          <a:p>
+            <a:pPr algn="ctr"/>
+            <a:r>
+              <a:rPr lang="pt-BR" sz="4000" dirty="0">
+                <a:ln w="0">
+                  <a:noFill/>
+                </a:ln>
+                <a:solidFill>
+                  <a:srgbClr val="0070C0"/>
+                </a:solidFill>
+                <a:effectLst>
+                  <a:outerShdw blurRad="38100" dist="19050" dir="2700000" algn="tl" rotWithShape="0">
+                    <a:schemeClr val="dk1">
+                      <a:alpha val="40000"/>
+                    </a:schemeClr>
+                  </a:outerShdw>
+                </a:effectLst>
+                <a:latin typeface="Exo 2 Extra Bold" panose="00000900000000000000" pitchFamily="50" charset="0"/>
+              </a:rPr>
+              <a:t>3º Lugar</a:t>
+            </a:r>
+          </a:p>
+        </p:txBody>
+      </p:sp>
+      <p:pic>
+        <p:nvPicPr>
           <p:cNvPr id="3" name="Imagem 2">
             <a:extLst>
               <a:ext uri="{FF2B5EF4-FFF2-40B4-BE49-F238E27FC236}">
@@ -7707,7 +8610,7 @@
 </p:sld>
 </file>
 
-<file path=ppt/slides/slide14.xml><?xml version="1.0" encoding="utf-8"?>
+<file path=ppt/slides/slide15.xml><?xml version="1.0" encoding="utf-8"?>
 <p:sld xmlns:a="http://schemas.openxmlformats.org/drawingml/2006/main" xmlns:r="http://schemas.openxmlformats.org/officeDocument/2006/relationships" xmlns:p="http://schemas.openxmlformats.org/presentationml/2006/main">
   <p:cSld>
     <p:bg>
@@ -8545,746 +9448,6 @@
 </p:sld>
 </file>
 
-<file path=ppt/slides/slide15.xml><?xml version="1.0" encoding="utf-8"?>
-<p:sld xmlns:a="http://schemas.openxmlformats.org/drawingml/2006/main" xmlns:r="http://schemas.openxmlformats.org/officeDocument/2006/relationships" xmlns:p="http://schemas.openxmlformats.org/presentationml/2006/main">
-  <p:cSld>
-    <p:bg>
-      <p:bgPr>
-        <a:solidFill>
-          <a:schemeClr val="bg1"/>
-        </a:solidFill>
-        <a:effectLst/>
-      </p:bgPr>
-    </p:bg>
-    <p:spTree>
-      <p:nvGrpSpPr>
-        <p:cNvPr id="1" name=""/>
-        <p:cNvGrpSpPr/>
-        <p:nvPr/>
-      </p:nvGrpSpPr>
-      <p:grpSpPr>
-        <a:xfrm>
-          <a:off x="0" y="0"/>
-          <a:ext cx="0" cy="0"/>
-          <a:chOff x="0" y="0"/>
-          <a:chExt cx="0" cy="0"/>
-        </a:xfrm>
-      </p:grpSpPr>
-      <p:sp>
-        <p:nvSpPr>
-          <p:cNvPr id="13" name="Rectangle 9">
-            <a:extLst>
-              <a:ext uri="{FF2B5EF4-FFF2-40B4-BE49-F238E27FC236}">
-                <a16:creationId xmlns:a16="http://schemas.microsoft.com/office/drawing/2014/main" id="{0BABF38A-8A0D-492E-BD20-6CF4D46B50BD}"/>
-              </a:ext>
-              <a:ext uri="{C183D7F6-B498-43B3-948B-1728B52AA6E4}">
-                <adec:decorative xmlns:adec="http://schemas.microsoft.com/office/drawing/2017/decorative" val="1"/>
-              </a:ext>
-            </a:extLst>
-          </p:cNvPr>
-          <p:cNvSpPr>
-            <a:spLocks noGrp="1" noRot="1" noChangeAspect="1" noMove="1" noResize="1" noEditPoints="1" noAdjustHandles="1" noChangeArrowheads="1" noChangeShapeType="1" noTextEdit="1"/>
-          </p:cNvSpPr>
-          <p:nvPr>
-            <p:extLst>
-              <p:ext uri="{386F3935-93C4-4BCD-93E2-E3B085C9AB24}">
-                <p16:designElem xmlns:p16="http://schemas.microsoft.com/office/powerpoint/2015/main" val="1"/>
-              </p:ext>
-            </p:extLst>
-          </p:nvPr>
-        </p:nvSpPr>
-        <p:spPr>
-          <a:xfrm>
-            <a:off x="3149972" y="3121681"/>
-            <a:ext cx="8100269" cy="4556404"/>
-          </a:xfrm>
-          <a:prstGeom prst="rect">
-            <a:avLst/>
-          </a:prstGeom>
-          <a:solidFill>
-            <a:schemeClr val="bg2">
-              <a:lumMod val="90000"/>
-              <a:alpha val="70000"/>
-            </a:schemeClr>
-          </a:solidFill>
-          <a:ln>
-            <a:noFill/>
-          </a:ln>
-        </p:spPr>
-        <p:style>
-          <a:lnRef idx="2">
-            <a:schemeClr val="accent1">
-              <a:shade val="50000"/>
-            </a:schemeClr>
-          </a:lnRef>
-          <a:fillRef idx="1">
-            <a:schemeClr val="accent1"/>
-          </a:fillRef>
-          <a:effectRef idx="0">
-            <a:schemeClr val="accent1"/>
-          </a:effectRef>
-          <a:fontRef idx="minor">
-            <a:schemeClr val="lt1"/>
-          </a:fontRef>
-        </p:style>
-        <p:txBody>
-          <a:bodyPr rtlCol="0" anchor="ctr"/>
-          <a:lstStyle/>
-          <a:p>
-            <a:pPr algn="ctr">
-              <a:defRPr/>
-            </a:pPr>
-            <a:endParaRPr lang="en-US" sz="1196" dirty="0">
-              <a:solidFill>
-                <a:prstClr val="black">
-                  <a:lumMod val="65000"/>
-                  <a:lumOff val="35000"/>
-                </a:prstClr>
-              </a:solidFill>
-              <a:latin typeface="AvenirNext LT Pro Medium" panose="020B0504020202020204" pitchFamily="34" charset="0"/>
-            </a:endParaRPr>
-          </a:p>
-        </p:txBody>
-      </p:sp>
-      <p:pic>
-        <p:nvPicPr>
-          <p:cNvPr id="12" name="Picture 11">
-            <a:extLst>
-              <a:ext uri="{FF2B5EF4-FFF2-40B4-BE49-F238E27FC236}">
-                <a16:creationId xmlns:a16="http://schemas.microsoft.com/office/drawing/2014/main" id="{BC526B7A-4801-4FD1-95C8-03AF22629E87}"/>
-              </a:ext>
-              <a:ext uri="{C183D7F6-B498-43B3-948B-1728B52AA6E4}">
-                <adec:decorative xmlns:adec="http://schemas.microsoft.com/office/drawing/2017/decorative" val="1"/>
-              </a:ext>
-            </a:extLst>
-          </p:cNvPr>
-          <p:cNvPicPr>
-            <a:picLocks noGrp="1" noRot="1" noChangeAspect="1" noMove="1" noResize="1" noEditPoints="1" noAdjustHandles="1" noChangeArrowheads="1" noChangeShapeType="1" noCrop="1"/>
-          </p:cNvPicPr>
-          <p:nvPr>
-            <p:extLst>
-              <p:ext uri="{386F3935-93C4-4BCD-93E2-E3B085C9AB24}">
-                <p16:designElem xmlns:p16="http://schemas.microsoft.com/office/powerpoint/2015/main" val="1"/>
-              </p:ext>
-            </p:extLst>
-          </p:nvPr>
-        </p:nvPicPr>
-        <p:blipFill>
-          <a:blip r:embed="rId2">
-            <a:alphaModFix amt="10000"/>
-            <a:extLst>
-              <a:ext uri="{28A0092B-C50C-407E-A947-70E740481C1C}">
-                <a14:useLocalDpi xmlns:a14="http://schemas.microsoft.com/office/drawing/2010/main" val="0"/>
-              </a:ext>
-            </a:extLst>
-          </a:blip>
-          <a:stretch>
-            <a:fillRect/>
-          </a:stretch>
-        </p:blipFill>
-        <p:spPr>
-          <a:xfrm>
-            <a:off x="8820159" y="3121682"/>
-            <a:ext cx="2428095" cy="3039825"/>
-          </a:xfrm>
-          <a:prstGeom prst="rect">
-            <a:avLst/>
-          </a:prstGeom>
-        </p:spPr>
-      </p:pic>
-      <p:sp useBgFill="1">
-        <p:nvSpPr>
-          <p:cNvPr id="14" name="Rectangle 13">
-            <a:extLst>
-              <a:ext uri="{FF2B5EF4-FFF2-40B4-BE49-F238E27FC236}">
-                <a16:creationId xmlns:a16="http://schemas.microsoft.com/office/drawing/2014/main" id="{37FDDF72-DE39-4F99-A3C1-DD9D7815D7DB}"/>
-              </a:ext>
-              <a:ext uri="{C183D7F6-B498-43B3-948B-1728B52AA6E4}">
-                <adec:decorative xmlns:adec="http://schemas.microsoft.com/office/drawing/2017/decorative" val="1"/>
-              </a:ext>
-            </a:extLst>
-          </p:cNvPr>
-          <p:cNvSpPr>
-            <a:spLocks noGrp="1" noRot="1" noChangeAspect="1" noMove="1" noResize="1" noEditPoints="1" noAdjustHandles="1" noChangeArrowheads="1" noChangeShapeType="1" noTextEdit="1"/>
-          </p:cNvSpPr>
-          <p:nvPr>
-            <p:extLst>
-              <p:ext uri="{386F3935-93C4-4BCD-93E2-E3B085C9AB24}">
-                <p16:designElem xmlns:p16="http://schemas.microsoft.com/office/powerpoint/2015/main" val="1"/>
-              </p:ext>
-            </p:extLst>
-          </p:nvPr>
-        </p:nvSpPr>
-        <p:spPr>
-          <a:xfrm>
-            <a:off x="3149972" y="3121681"/>
-            <a:ext cx="8100269" cy="4556401"/>
-          </a:xfrm>
-          <a:prstGeom prst="rect">
-            <a:avLst/>
-          </a:prstGeom>
-          <a:ln>
-            <a:noFill/>
-          </a:ln>
-        </p:spPr>
-        <p:style>
-          <a:lnRef idx="2">
-            <a:schemeClr val="accent1">
-              <a:shade val="50000"/>
-            </a:schemeClr>
-          </a:lnRef>
-          <a:fillRef idx="1">
-            <a:schemeClr val="accent1"/>
-          </a:fillRef>
-          <a:effectRef idx="0">
-            <a:schemeClr val="accent1"/>
-          </a:effectRef>
-          <a:fontRef idx="minor">
-            <a:schemeClr val="lt1"/>
-          </a:fontRef>
-        </p:style>
-        <p:txBody>
-          <a:bodyPr rtlCol="0" anchor="ctr"/>
-          <a:lstStyle/>
-          <a:p>
-            <a:pPr algn="ctr">
-              <a:defRPr/>
-            </a:pPr>
-            <a:endParaRPr lang="en-US" sz="1196" dirty="0">
-              <a:solidFill>
-                <a:prstClr val="black">
-                  <a:lumMod val="65000"/>
-                  <a:lumOff val="35000"/>
-                </a:prstClr>
-              </a:solidFill>
-              <a:latin typeface="AvenirNext LT Pro Medium" panose="020B0504020202020204" pitchFamily="34" charset="0"/>
-            </a:endParaRPr>
-          </a:p>
-        </p:txBody>
-      </p:sp>
-      <p:sp>
-        <p:nvSpPr>
-          <p:cNvPr id="16" name="Rectangle 15">
-            <a:extLst>
-              <a:ext uri="{FF2B5EF4-FFF2-40B4-BE49-F238E27FC236}">
-                <a16:creationId xmlns:a16="http://schemas.microsoft.com/office/drawing/2014/main" id="{5E4ECE80-3AD1-450C-B62A-98788F193948}"/>
-              </a:ext>
-              <a:ext uri="{C183D7F6-B498-43B3-948B-1728B52AA6E4}">
-                <adec:decorative xmlns:adec="http://schemas.microsoft.com/office/drawing/2017/decorative" val="1"/>
-              </a:ext>
-            </a:extLst>
-          </p:cNvPr>
-          <p:cNvSpPr>
-            <a:spLocks noGrp="1" noRot="1" noChangeAspect="1" noMove="1" noResize="1" noEditPoints="1" noAdjustHandles="1" noChangeArrowheads="1" noChangeShapeType="1" noTextEdit="1"/>
-          </p:cNvSpPr>
-          <p:nvPr>
-            <p:extLst>
-              <p:ext uri="{386F3935-93C4-4BCD-93E2-E3B085C9AB24}">
-                <p16:designElem xmlns:p16="http://schemas.microsoft.com/office/powerpoint/2015/main" val="1"/>
-              </p:ext>
-            </p:extLst>
-          </p:nvPr>
-        </p:nvSpPr>
-        <p:spPr>
-          <a:xfrm>
-            <a:off x="3149972" y="3121681"/>
-            <a:ext cx="8100269" cy="4556401"/>
-          </a:xfrm>
-          <a:prstGeom prst="rect">
-            <a:avLst/>
-          </a:prstGeom>
-          <a:solidFill>
-            <a:srgbClr val="000000"/>
-          </a:solidFill>
-          <a:ln>
-            <a:noFill/>
-          </a:ln>
-        </p:spPr>
-        <p:style>
-          <a:lnRef idx="2">
-            <a:schemeClr val="accent1">
-              <a:shade val="50000"/>
-            </a:schemeClr>
-          </a:lnRef>
-          <a:fillRef idx="1">
-            <a:schemeClr val="accent1"/>
-          </a:fillRef>
-          <a:effectRef idx="0">
-            <a:schemeClr val="accent1"/>
-          </a:effectRef>
-          <a:fontRef idx="minor">
-            <a:schemeClr val="lt1"/>
-          </a:fontRef>
-        </p:style>
-        <p:txBody>
-          <a:bodyPr rtlCol="0" anchor="ctr"/>
-          <a:lstStyle/>
-          <a:p>
-            <a:pPr algn="ctr">
-              <a:defRPr/>
-            </a:pPr>
-            <a:endParaRPr lang="en-US" sz="1196" dirty="0">
-              <a:solidFill>
-                <a:prstClr val="black">
-                  <a:lumMod val="65000"/>
-                  <a:lumOff val="35000"/>
-                </a:prstClr>
-              </a:solidFill>
-              <a:latin typeface="AvenirNext LT Pro Medium" panose="020B0504020202020204" pitchFamily="34" charset="0"/>
-            </a:endParaRPr>
-          </a:p>
-        </p:txBody>
-      </p:sp>
-      <p:pic>
-        <p:nvPicPr>
-          <p:cNvPr id="5" name="Imagem 4">
-            <a:extLst>
-              <a:ext uri="{FF2B5EF4-FFF2-40B4-BE49-F238E27FC236}">
-                <a16:creationId xmlns:a16="http://schemas.microsoft.com/office/drawing/2014/main" id="{F1433EF1-FB6D-4913-96C9-08F0B1B3CA7A}"/>
-              </a:ext>
-            </a:extLst>
-          </p:cNvPr>
-          <p:cNvPicPr>
-            <a:picLocks noChangeAspect="1"/>
-          </p:cNvPicPr>
-          <p:nvPr/>
-        </p:nvPicPr>
-        <p:blipFill rotWithShape="1">
-          <a:blip r:embed="rId3">
-            <a:alphaModFix/>
-            <a:extLst>
-              <a:ext uri="{28A0092B-C50C-407E-A947-70E740481C1C}">
-                <a14:useLocalDpi xmlns:a14="http://schemas.microsoft.com/office/drawing/2010/main" val="0"/>
-              </a:ext>
-            </a:extLst>
-          </a:blip>
-          <a:srcRect l="5233" t="-2125" r="6244" b="-538"/>
-          <a:stretch/>
-        </p:blipFill>
-        <p:spPr>
-          <a:xfrm>
-            <a:off x="-1" y="-248909"/>
-            <a:ext cx="14400213" cy="11147555"/>
-          </a:xfrm>
-          <a:prstGeom prst="rect">
-            <a:avLst/>
-          </a:prstGeom>
-        </p:spPr>
-      </p:pic>
-      <p:sp>
-        <p:nvSpPr>
-          <p:cNvPr id="50" name="Retângulo 49">
-            <a:extLst>
-              <a:ext uri="{FF2B5EF4-FFF2-40B4-BE49-F238E27FC236}">
-                <a16:creationId xmlns:a16="http://schemas.microsoft.com/office/drawing/2014/main" id="{50614AED-75DE-4550-9029-54313F89BD12}"/>
-              </a:ext>
-            </a:extLst>
-          </p:cNvPr>
-          <p:cNvSpPr/>
-          <p:nvPr/>
-        </p:nvSpPr>
-        <p:spPr>
-          <a:xfrm>
-            <a:off x="3186646" y="311571"/>
-            <a:ext cx="8052791" cy="992583"/>
-          </a:xfrm>
-          <a:prstGeom prst="rect">
-            <a:avLst/>
-          </a:prstGeom>
-          <a:noFill/>
-        </p:spPr>
-        <p:txBody>
-          <a:bodyPr wrap="square" lIns="68584" tIns="34292" rIns="68584" bIns="34292">
-            <a:spAutoFit/>
-          </a:bodyPr>
-          <a:lstStyle/>
-          <a:p>
-            <a:pPr algn="ctr"/>
-            <a:r>
-              <a:rPr lang="pt-BR" sz="6000" dirty="0">
-                <a:ln w="38100">
-                  <a:solidFill>
-                    <a:schemeClr val="bg1"/>
-                  </a:solidFill>
-                </a:ln>
-                <a:solidFill>
-                  <a:srgbClr val="00B050"/>
-                </a:solidFill>
-                <a:effectLst>
-                  <a:outerShdw blurRad="38100" dist="19050" dir="2700000" algn="tl" rotWithShape="0">
-                    <a:schemeClr val="dk1">
-                      <a:alpha val="40000"/>
-                    </a:schemeClr>
-                  </a:outerShdw>
-                </a:effectLst>
-                <a:latin typeface="Exo 2 Extra Bold" panose="00000900000000000000" pitchFamily="50" charset="0"/>
-              </a:rPr>
-              <a:t>Liga Principal</a:t>
-            </a:r>
-          </a:p>
-        </p:txBody>
-      </p:sp>
-      <p:sp>
-        <p:nvSpPr>
-          <p:cNvPr id="53" name="Retângulo 52">
-            <a:extLst>
-              <a:ext uri="{FF2B5EF4-FFF2-40B4-BE49-F238E27FC236}">
-                <a16:creationId xmlns:a16="http://schemas.microsoft.com/office/drawing/2014/main" id="{F101E0BF-8A68-40B9-BC26-35C299182F52}"/>
-              </a:ext>
-            </a:extLst>
-          </p:cNvPr>
-          <p:cNvSpPr/>
-          <p:nvPr/>
-        </p:nvSpPr>
-        <p:spPr>
-          <a:xfrm>
-            <a:off x="336776" y="1104608"/>
-            <a:ext cx="13909452" cy="1177249"/>
-          </a:xfrm>
-          <a:prstGeom prst="rect">
-            <a:avLst/>
-          </a:prstGeom>
-          <a:noFill/>
-        </p:spPr>
-        <p:txBody>
-          <a:bodyPr wrap="square" lIns="68584" tIns="34292" rIns="68584" bIns="34292">
-            <a:spAutoFit/>
-          </a:bodyPr>
-          <a:lstStyle/>
-          <a:p>
-            <a:pPr algn="ctr"/>
-            <a:r>
-              <a:rPr lang="pt-BR" sz="7200" dirty="0">
-                <a:ln w="0">
-                  <a:noFill/>
-                </a:ln>
-                <a:effectLst>
-                  <a:outerShdw blurRad="38100" dist="19050" dir="2700000" algn="tl" rotWithShape="0">
-                    <a:schemeClr val="dk1">
-                      <a:alpha val="40000"/>
-                    </a:schemeClr>
-                  </a:outerShdw>
-                </a:effectLst>
-                <a:latin typeface="Exo 2 Extra Bold" panose="00000900000000000000" pitchFamily="50" charset="0"/>
-              </a:rPr>
-              <a:t>MATA-MATA SÉRIE A 3</a:t>
-            </a:r>
-          </a:p>
-        </p:txBody>
-      </p:sp>
-      <p:pic>
-        <p:nvPicPr>
-          <p:cNvPr id="15" name="Imagem 14">
-            <a:extLst>
-              <a:ext uri="{FF2B5EF4-FFF2-40B4-BE49-F238E27FC236}">
-                <a16:creationId xmlns:a16="http://schemas.microsoft.com/office/drawing/2014/main" id="{780D6AE4-2B31-43CF-8A3B-9ACC73C32FE9}"/>
-              </a:ext>
-            </a:extLst>
-          </p:cNvPr>
-          <p:cNvPicPr>
-            <a:picLocks noChangeAspect="1"/>
-          </p:cNvPicPr>
-          <p:nvPr/>
-        </p:nvPicPr>
-        <p:blipFill>
-          <a:blip r:embed="rId4" cstate="hqprint">
-            <a:extLst>
-              <a:ext uri="{28A0092B-C50C-407E-A947-70E740481C1C}">
-                <a14:useLocalDpi xmlns:a14="http://schemas.microsoft.com/office/drawing/2010/main" val="0"/>
-              </a:ext>
-            </a:extLst>
-          </a:blip>
-          <a:stretch>
-            <a:fillRect/>
-          </a:stretch>
-        </p:blipFill>
-        <p:spPr>
-          <a:xfrm>
-            <a:off x="336776" y="194284"/>
-            <a:ext cx="2059134" cy="2160000"/>
-          </a:xfrm>
-          <a:prstGeom prst="rect">
-            <a:avLst/>
-          </a:prstGeom>
-        </p:spPr>
-      </p:pic>
-      <p:sp>
-        <p:nvSpPr>
-          <p:cNvPr id="10" name="Retângulo 9">
-            <a:extLst>
-              <a:ext uri="{FF2B5EF4-FFF2-40B4-BE49-F238E27FC236}">
-                <a16:creationId xmlns:a16="http://schemas.microsoft.com/office/drawing/2014/main" id="{838BDC98-3287-4575-8574-56F716FB2440}"/>
-              </a:ext>
-            </a:extLst>
-          </p:cNvPr>
-          <p:cNvSpPr/>
-          <p:nvPr/>
-        </p:nvSpPr>
-        <p:spPr>
-          <a:xfrm>
-            <a:off x="581891" y="2892935"/>
-            <a:ext cx="13267927" cy="3039825"/>
-          </a:xfrm>
-          <a:prstGeom prst="rect">
-            <a:avLst/>
-          </a:prstGeom>
-          <a:solidFill>
-            <a:schemeClr val="tx1">
-              <a:alpha val="81000"/>
-            </a:schemeClr>
-          </a:solidFill>
-        </p:spPr>
-        <p:style>
-          <a:lnRef idx="2">
-            <a:schemeClr val="accent1">
-              <a:shade val="50000"/>
-            </a:schemeClr>
-          </a:lnRef>
-          <a:fillRef idx="1">
-            <a:schemeClr val="accent1"/>
-          </a:fillRef>
-          <a:effectRef idx="0">
-            <a:schemeClr val="accent1"/>
-          </a:effectRef>
-          <a:fontRef idx="minor">
-            <a:schemeClr val="lt1"/>
-          </a:fontRef>
-        </p:style>
-        <p:txBody>
-          <a:bodyPr rtlCol="0" anchor="ctr"/>
-          <a:lstStyle/>
-          <a:p>
-            <a:pPr algn="ctr"/>
-            <a:endParaRPr lang="pt-BR"/>
-          </a:p>
-        </p:txBody>
-      </p:sp>
-      <p:sp>
-        <p:nvSpPr>
-          <p:cNvPr id="21" name="Retângulo 20">
-            <a:extLst>
-              <a:ext uri="{FF2B5EF4-FFF2-40B4-BE49-F238E27FC236}">
-                <a16:creationId xmlns:a16="http://schemas.microsoft.com/office/drawing/2014/main" id="{95EDB8CB-8377-4925-B478-560C3F615037}"/>
-              </a:ext>
-            </a:extLst>
-          </p:cNvPr>
-          <p:cNvSpPr/>
-          <p:nvPr/>
-        </p:nvSpPr>
-        <p:spPr>
-          <a:xfrm>
-            <a:off x="581891" y="6704292"/>
-            <a:ext cx="13267927" cy="3038400"/>
-          </a:xfrm>
-          <a:prstGeom prst="rect">
-            <a:avLst/>
-          </a:prstGeom>
-          <a:solidFill>
-            <a:schemeClr val="tx1">
-              <a:alpha val="81000"/>
-            </a:schemeClr>
-          </a:solidFill>
-        </p:spPr>
-        <p:style>
-          <a:lnRef idx="2">
-            <a:schemeClr val="accent1">
-              <a:shade val="50000"/>
-            </a:schemeClr>
-          </a:lnRef>
-          <a:fillRef idx="1">
-            <a:schemeClr val="accent1"/>
-          </a:fillRef>
-          <a:effectRef idx="0">
-            <a:schemeClr val="accent1"/>
-          </a:effectRef>
-          <a:fontRef idx="minor">
-            <a:schemeClr val="lt1"/>
-          </a:fontRef>
-        </p:style>
-        <p:txBody>
-          <a:bodyPr rtlCol="0" anchor="ctr"/>
-          <a:lstStyle/>
-          <a:p>
-            <a:pPr algn="ctr"/>
-            <a:endParaRPr lang="pt-BR"/>
-          </a:p>
-        </p:txBody>
-      </p:sp>
-      <p:sp>
-        <p:nvSpPr>
-          <p:cNvPr id="23" name="Retângulo 22">
-            <a:extLst>
-              <a:ext uri="{FF2B5EF4-FFF2-40B4-BE49-F238E27FC236}">
-                <a16:creationId xmlns:a16="http://schemas.microsoft.com/office/drawing/2014/main" id="{ED87CD67-A438-4F74-986A-3704AF997953}"/>
-              </a:ext>
-            </a:extLst>
-          </p:cNvPr>
-          <p:cNvSpPr/>
-          <p:nvPr/>
-        </p:nvSpPr>
-        <p:spPr>
-          <a:xfrm>
-            <a:off x="5308448" y="2906454"/>
-            <a:ext cx="3789504" cy="684807"/>
-          </a:xfrm>
-          <a:prstGeom prst="rect">
-            <a:avLst/>
-          </a:prstGeom>
-          <a:noFill/>
-        </p:spPr>
-        <p:txBody>
-          <a:bodyPr wrap="square" lIns="68584" tIns="34292" rIns="68584" bIns="34292">
-            <a:spAutoFit/>
-          </a:bodyPr>
-          <a:lstStyle/>
-          <a:p>
-            <a:pPr algn="ctr"/>
-            <a:r>
-              <a:rPr lang="pt-BR" sz="4000" dirty="0">
-                <a:ln w="0">
-                  <a:noFill/>
-                </a:ln>
-                <a:solidFill>
-                  <a:srgbClr val="0070C0"/>
-                </a:solidFill>
-                <a:effectLst>
-                  <a:outerShdw blurRad="38100" dist="19050" dir="2700000" algn="tl" rotWithShape="0">
-                    <a:schemeClr val="dk1">
-                      <a:alpha val="40000"/>
-                    </a:schemeClr>
-                  </a:outerShdw>
-                </a:effectLst>
-                <a:latin typeface="Exo 2 Extra Bold" panose="00000900000000000000" pitchFamily="50" charset="0"/>
-              </a:rPr>
-              <a:t>Chave 1</a:t>
-            </a:r>
-          </a:p>
-        </p:txBody>
-      </p:sp>
-      <p:sp>
-        <p:nvSpPr>
-          <p:cNvPr id="24" name="Retângulo 23">
-            <a:extLst>
-              <a:ext uri="{FF2B5EF4-FFF2-40B4-BE49-F238E27FC236}">
-                <a16:creationId xmlns:a16="http://schemas.microsoft.com/office/drawing/2014/main" id="{522A4ACC-EC27-4A14-BA66-B0EB03535C7B}"/>
-              </a:ext>
-            </a:extLst>
-          </p:cNvPr>
-          <p:cNvSpPr/>
-          <p:nvPr/>
-        </p:nvSpPr>
-        <p:spPr>
-          <a:xfrm>
-            <a:off x="5321993" y="6726594"/>
-            <a:ext cx="3789503" cy="684807"/>
-          </a:xfrm>
-          <a:prstGeom prst="rect">
-            <a:avLst/>
-          </a:prstGeom>
-          <a:noFill/>
-        </p:spPr>
-        <p:txBody>
-          <a:bodyPr wrap="square" lIns="68584" tIns="34292" rIns="68584" bIns="34292">
-            <a:spAutoFit/>
-          </a:bodyPr>
-          <a:lstStyle/>
-          <a:p>
-            <a:pPr algn="ctr"/>
-            <a:r>
-              <a:rPr lang="pt-BR" sz="4000" dirty="0">
-                <a:ln w="0">
-                  <a:noFill/>
-                </a:ln>
-                <a:solidFill>
-                  <a:srgbClr val="0070C0"/>
-                </a:solidFill>
-                <a:effectLst>
-                  <a:outerShdw blurRad="38100" dist="19050" dir="2700000" algn="tl" rotWithShape="0">
-                    <a:schemeClr val="dk1">
-                      <a:alpha val="40000"/>
-                    </a:schemeClr>
-                  </a:outerShdw>
-                </a:effectLst>
-                <a:latin typeface="Exo 2 Extra Bold" panose="00000900000000000000" pitchFamily="50" charset="0"/>
-              </a:rPr>
-              <a:t>Chave 2</a:t>
-            </a:r>
-          </a:p>
-        </p:txBody>
-      </p:sp>
-      <p:pic>
-        <p:nvPicPr>
-          <p:cNvPr id="4" name="Imagem 3">
-            <a:extLst>
-              <a:ext uri="{FF2B5EF4-FFF2-40B4-BE49-F238E27FC236}">
-                <a16:creationId xmlns:a16="http://schemas.microsoft.com/office/drawing/2014/main" id="{5CF366E0-D2C5-4FCB-A17F-DA976899D5D0}"/>
-              </a:ext>
-            </a:extLst>
-          </p:cNvPr>
-          <p:cNvPicPr>
-            <a:picLocks noChangeAspect="1"/>
-          </p:cNvPicPr>
-          <p:nvPr/>
-        </p:nvPicPr>
-        <p:blipFill>
-          <a:blip r:embed="rId5"/>
-          <a:stretch>
-            <a:fillRect/>
-          </a:stretch>
-        </p:blipFill>
-        <p:spPr>
-          <a:xfrm>
-            <a:off x="930516" y="4017762"/>
-            <a:ext cx="12600000" cy="1054245"/>
-          </a:xfrm>
-          <a:prstGeom prst="rect">
-            <a:avLst/>
-          </a:prstGeom>
-        </p:spPr>
-      </p:pic>
-      <p:pic>
-        <p:nvPicPr>
-          <p:cNvPr id="6" name="Imagem 5">
-            <a:extLst>
-              <a:ext uri="{FF2B5EF4-FFF2-40B4-BE49-F238E27FC236}">
-                <a16:creationId xmlns:a16="http://schemas.microsoft.com/office/drawing/2014/main" id="{CA16256D-0225-495F-B5CC-1A048F9541EA}"/>
-              </a:ext>
-            </a:extLst>
-          </p:cNvPr>
-          <p:cNvPicPr>
-            <a:picLocks noChangeAspect="1"/>
-          </p:cNvPicPr>
-          <p:nvPr/>
-        </p:nvPicPr>
-        <p:blipFill>
-          <a:blip r:embed="rId6"/>
-          <a:stretch>
-            <a:fillRect/>
-          </a:stretch>
-        </p:blipFill>
-        <p:spPr>
-          <a:xfrm>
-            <a:off x="918246" y="7946333"/>
-            <a:ext cx="12600000" cy="1054279"/>
-          </a:xfrm>
-          <a:prstGeom prst="rect">
-            <a:avLst/>
-          </a:prstGeom>
-        </p:spPr>
-      </p:pic>
-    </p:spTree>
-    <p:extLst>
-      <p:ext uri="{BB962C8B-B14F-4D97-AF65-F5344CB8AC3E}">
-        <p14:creationId xmlns:p14="http://schemas.microsoft.com/office/powerpoint/2010/main" val="2200666842"/>
-      </p:ext>
-    </p:extLst>
-  </p:cSld>
-  <p:clrMapOvr>
-    <a:masterClrMapping/>
-  </p:clrMapOvr>
-</p:sld>
-</file>
-
 <file path=ppt/slides/slide16.xml><?xml version="1.0" encoding="utf-8"?>
 <p:sld xmlns:a="http://schemas.openxmlformats.org/drawingml/2006/main" xmlns:r="http://schemas.openxmlformats.org/officeDocument/2006/relationships" xmlns:p="http://schemas.openxmlformats.org/presentationml/2006/main">
   <p:cSld>
@@ -9707,7 +9870,7 @@
                 </a:effectLst>
                 <a:latin typeface="Exo 2 Extra Bold" panose="00000900000000000000" pitchFamily="50" charset="0"/>
               </a:rPr>
-              <a:t>MATA-MATA SÉRIE C 3</a:t>
+              <a:t>MATA-MATA SÉRIE A 3</a:t>
             </a:r>
           </a:p>
         </p:txBody>
@@ -9957,6 +10120,746 @@
           <p:cNvPr id="4" name="Imagem 3">
             <a:extLst>
               <a:ext uri="{FF2B5EF4-FFF2-40B4-BE49-F238E27FC236}">
+                <a16:creationId xmlns:a16="http://schemas.microsoft.com/office/drawing/2014/main" id="{5CF366E0-D2C5-4FCB-A17F-DA976899D5D0}"/>
+              </a:ext>
+            </a:extLst>
+          </p:cNvPr>
+          <p:cNvPicPr>
+            <a:picLocks noChangeAspect="1"/>
+          </p:cNvPicPr>
+          <p:nvPr/>
+        </p:nvPicPr>
+        <p:blipFill>
+          <a:blip r:embed="rId5"/>
+          <a:stretch>
+            <a:fillRect/>
+          </a:stretch>
+        </p:blipFill>
+        <p:spPr>
+          <a:xfrm>
+            <a:off x="930516" y="4017762"/>
+            <a:ext cx="12600000" cy="1054245"/>
+          </a:xfrm>
+          <a:prstGeom prst="rect">
+            <a:avLst/>
+          </a:prstGeom>
+        </p:spPr>
+      </p:pic>
+      <p:pic>
+        <p:nvPicPr>
+          <p:cNvPr id="6" name="Imagem 5">
+            <a:extLst>
+              <a:ext uri="{FF2B5EF4-FFF2-40B4-BE49-F238E27FC236}">
+                <a16:creationId xmlns:a16="http://schemas.microsoft.com/office/drawing/2014/main" id="{CA16256D-0225-495F-B5CC-1A048F9541EA}"/>
+              </a:ext>
+            </a:extLst>
+          </p:cNvPr>
+          <p:cNvPicPr>
+            <a:picLocks noChangeAspect="1"/>
+          </p:cNvPicPr>
+          <p:nvPr/>
+        </p:nvPicPr>
+        <p:blipFill>
+          <a:blip r:embed="rId6"/>
+          <a:stretch>
+            <a:fillRect/>
+          </a:stretch>
+        </p:blipFill>
+        <p:spPr>
+          <a:xfrm>
+            <a:off x="918246" y="7946333"/>
+            <a:ext cx="12600000" cy="1054279"/>
+          </a:xfrm>
+          <a:prstGeom prst="rect">
+            <a:avLst/>
+          </a:prstGeom>
+        </p:spPr>
+      </p:pic>
+    </p:spTree>
+    <p:extLst>
+      <p:ext uri="{BB962C8B-B14F-4D97-AF65-F5344CB8AC3E}">
+        <p14:creationId xmlns:p14="http://schemas.microsoft.com/office/powerpoint/2010/main" val="2200666842"/>
+      </p:ext>
+    </p:extLst>
+  </p:cSld>
+  <p:clrMapOvr>
+    <a:masterClrMapping/>
+  </p:clrMapOvr>
+</p:sld>
+</file>
+
+<file path=ppt/slides/slide17.xml><?xml version="1.0" encoding="utf-8"?>
+<p:sld xmlns:a="http://schemas.openxmlformats.org/drawingml/2006/main" xmlns:r="http://schemas.openxmlformats.org/officeDocument/2006/relationships" xmlns:p="http://schemas.openxmlformats.org/presentationml/2006/main">
+  <p:cSld>
+    <p:bg>
+      <p:bgPr>
+        <a:solidFill>
+          <a:schemeClr val="bg1"/>
+        </a:solidFill>
+        <a:effectLst/>
+      </p:bgPr>
+    </p:bg>
+    <p:spTree>
+      <p:nvGrpSpPr>
+        <p:cNvPr id="1" name=""/>
+        <p:cNvGrpSpPr/>
+        <p:nvPr/>
+      </p:nvGrpSpPr>
+      <p:grpSpPr>
+        <a:xfrm>
+          <a:off x="0" y="0"/>
+          <a:ext cx="0" cy="0"/>
+          <a:chOff x="0" y="0"/>
+          <a:chExt cx="0" cy="0"/>
+        </a:xfrm>
+      </p:grpSpPr>
+      <p:sp>
+        <p:nvSpPr>
+          <p:cNvPr id="13" name="Rectangle 9">
+            <a:extLst>
+              <a:ext uri="{FF2B5EF4-FFF2-40B4-BE49-F238E27FC236}">
+                <a16:creationId xmlns:a16="http://schemas.microsoft.com/office/drawing/2014/main" id="{0BABF38A-8A0D-492E-BD20-6CF4D46B50BD}"/>
+              </a:ext>
+              <a:ext uri="{C183D7F6-B498-43B3-948B-1728B52AA6E4}">
+                <adec:decorative xmlns:adec="http://schemas.microsoft.com/office/drawing/2017/decorative" val="1"/>
+              </a:ext>
+            </a:extLst>
+          </p:cNvPr>
+          <p:cNvSpPr>
+            <a:spLocks noGrp="1" noRot="1" noChangeAspect="1" noMove="1" noResize="1" noEditPoints="1" noAdjustHandles="1" noChangeArrowheads="1" noChangeShapeType="1" noTextEdit="1"/>
+          </p:cNvSpPr>
+          <p:nvPr>
+            <p:extLst>
+              <p:ext uri="{386F3935-93C4-4BCD-93E2-E3B085C9AB24}">
+                <p16:designElem xmlns:p16="http://schemas.microsoft.com/office/powerpoint/2015/main" val="1"/>
+              </p:ext>
+            </p:extLst>
+          </p:nvPr>
+        </p:nvSpPr>
+        <p:spPr>
+          <a:xfrm>
+            <a:off x="3149972" y="3121681"/>
+            <a:ext cx="8100269" cy="4556404"/>
+          </a:xfrm>
+          <a:prstGeom prst="rect">
+            <a:avLst/>
+          </a:prstGeom>
+          <a:solidFill>
+            <a:schemeClr val="bg2">
+              <a:lumMod val="90000"/>
+              <a:alpha val="70000"/>
+            </a:schemeClr>
+          </a:solidFill>
+          <a:ln>
+            <a:noFill/>
+          </a:ln>
+        </p:spPr>
+        <p:style>
+          <a:lnRef idx="2">
+            <a:schemeClr val="accent1">
+              <a:shade val="50000"/>
+            </a:schemeClr>
+          </a:lnRef>
+          <a:fillRef idx="1">
+            <a:schemeClr val="accent1"/>
+          </a:fillRef>
+          <a:effectRef idx="0">
+            <a:schemeClr val="accent1"/>
+          </a:effectRef>
+          <a:fontRef idx="minor">
+            <a:schemeClr val="lt1"/>
+          </a:fontRef>
+        </p:style>
+        <p:txBody>
+          <a:bodyPr rtlCol="0" anchor="ctr"/>
+          <a:lstStyle/>
+          <a:p>
+            <a:pPr algn="ctr">
+              <a:defRPr/>
+            </a:pPr>
+            <a:endParaRPr lang="en-US" sz="1196" dirty="0">
+              <a:solidFill>
+                <a:prstClr val="black">
+                  <a:lumMod val="65000"/>
+                  <a:lumOff val="35000"/>
+                </a:prstClr>
+              </a:solidFill>
+              <a:latin typeface="AvenirNext LT Pro Medium" panose="020B0504020202020204" pitchFamily="34" charset="0"/>
+            </a:endParaRPr>
+          </a:p>
+        </p:txBody>
+      </p:sp>
+      <p:pic>
+        <p:nvPicPr>
+          <p:cNvPr id="12" name="Picture 11">
+            <a:extLst>
+              <a:ext uri="{FF2B5EF4-FFF2-40B4-BE49-F238E27FC236}">
+                <a16:creationId xmlns:a16="http://schemas.microsoft.com/office/drawing/2014/main" id="{BC526B7A-4801-4FD1-95C8-03AF22629E87}"/>
+              </a:ext>
+              <a:ext uri="{C183D7F6-B498-43B3-948B-1728B52AA6E4}">
+                <adec:decorative xmlns:adec="http://schemas.microsoft.com/office/drawing/2017/decorative" val="1"/>
+              </a:ext>
+            </a:extLst>
+          </p:cNvPr>
+          <p:cNvPicPr>
+            <a:picLocks noGrp="1" noRot="1" noChangeAspect="1" noMove="1" noResize="1" noEditPoints="1" noAdjustHandles="1" noChangeArrowheads="1" noChangeShapeType="1" noCrop="1"/>
+          </p:cNvPicPr>
+          <p:nvPr>
+            <p:extLst>
+              <p:ext uri="{386F3935-93C4-4BCD-93E2-E3B085C9AB24}">
+                <p16:designElem xmlns:p16="http://schemas.microsoft.com/office/powerpoint/2015/main" val="1"/>
+              </p:ext>
+            </p:extLst>
+          </p:nvPr>
+        </p:nvPicPr>
+        <p:blipFill>
+          <a:blip r:embed="rId2">
+            <a:alphaModFix amt="10000"/>
+            <a:extLst>
+              <a:ext uri="{28A0092B-C50C-407E-A947-70E740481C1C}">
+                <a14:useLocalDpi xmlns:a14="http://schemas.microsoft.com/office/drawing/2010/main" val="0"/>
+              </a:ext>
+            </a:extLst>
+          </a:blip>
+          <a:stretch>
+            <a:fillRect/>
+          </a:stretch>
+        </p:blipFill>
+        <p:spPr>
+          <a:xfrm>
+            <a:off x="8820159" y="3121682"/>
+            <a:ext cx="2428095" cy="3039825"/>
+          </a:xfrm>
+          <a:prstGeom prst="rect">
+            <a:avLst/>
+          </a:prstGeom>
+        </p:spPr>
+      </p:pic>
+      <p:sp useBgFill="1">
+        <p:nvSpPr>
+          <p:cNvPr id="14" name="Rectangle 13">
+            <a:extLst>
+              <a:ext uri="{FF2B5EF4-FFF2-40B4-BE49-F238E27FC236}">
+                <a16:creationId xmlns:a16="http://schemas.microsoft.com/office/drawing/2014/main" id="{37FDDF72-DE39-4F99-A3C1-DD9D7815D7DB}"/>
+              </a:ext>
+              <a:ext uri="{C183D7F6-B498-43B3-948B-1728B52AA6E4}">
+                <adec:decorative xmlns:adec="http://schemas.microsoft.com/office/drawing/2017/decorative" val="1"/>
+              </a:ext>
+            </a:extLst>
+          </p:cNvPr>
+          <p:cNvSpPr>
+            <a:spLocks noGrp="1" noRot="1" noChangeAspect="1" noMove="1" noResize="1" noEditPoints="1" noAdjustHandles="1" noChangeArrowheads="1" noChangeShapeType="1" noTextEdit="1"/>
+          </p:cNvSpPr>
+          <p:nvPr>
+            <p:extLst>
+              <p:ext uri="{386F3935-93C4-4BCD-93E2-E3B085C9AB24}">
+                <p16:designElem xmlns:p16="http://schemas.microsoft.com/office/powerpoint/2015/main" val="1"/>
+              </p:ext>
+            </p:extLst>
+          </p:nvPr>
+        </p:nvSpPr>
+        <p:spPr>
+          <a:xfrm>
+            <a:off x="3149972" y="3121681"/>
+            <a:ext cx="8100269" cy="4556401"/>
+          </a:xfrm>
+          <a:prstGeom prst="rect">
+            <a:avLst/>
+          </a:prstGeom>
+          <a:ln>
+            <a:noFill/>
+          </a:ln>
+        </p:spPr>
+        <p:style>
+          <a:lnRef idx="2">
+            <a:schemeClr val="accent1">
+              <a:shade val="50000"/>
+            </a:schemeClr>
+          </a:lnRef>
+          <a:fillRef idx="1">
+            <a:schemeClr val="accent1"/>
+          </a:fillRef>
+          <a:effectRef idx="0">
+            <a:schemeClr val="accent1"/>
+          </a:effectRef>
+          <a:fontRef idx="minor">
+            <a:schemeClr val="lt1"/>
+          </a:fontRef>
+        </p:style>
+        <p:txBody>
+          <a:bodyPr rtlCol="0" anchor="ctr"/>
+          <a:lstStyle/>
+          <a:p>
+            <a:pPr algn="ctr">
+              <a:defRPr/>
+            </a:pPr>
+            <a:endParaRPr lang="en-US" sz="1196" dirty="0">
+              <a:solidFill>
+                <a:prstClr val="black">
+                  <a:lumMod val="65000"/>
+                  <a:lumOff val="35000"/>
+                </a:prstClr>
+              </a:solidFill>
+              <a:latin typeface="AvenirNext LT Pro Medium" panose="020B0504020202020204" pitchFamily="34" charset="0"/>
+            </a:endParaRPr>
+          </a:p>
+        </p:txBody>
+      </p:sp>
+      <p:sp>
+        <p:nvSpPr>
+          <p:cNvPr id="16" name="Rectangle 15">
+            <a:extLst>
+              <a:ext uri="{FF2B5EF4-FFF2-40B4-BE49-F238E27FC236}">
+                <a16:creationId xmlns:a16="http://schemas.microsoft.com/office/drawing/2014/main" id="{5E4ECE80-3AD1-450C-B62A-98788F193948}"/>
+              </a:ext>
+              <a:ext uri="{C183D7F6-B498-43B3-948B-1728B52AA6E4}">
+                <adec:decorative xmlns:adec="http://schemas.microsoft.com/office/drawing/2017/decorative" val="1"/>
+              </a:ext>
+            </a:extLst>
+          </p:cNvPr>
+          <p:cNvSpPr>
+            <a:spLocks noGrp="1" noRot="1" noChangeAspect="1" noMove="1" noResize="1" noEditPoints="1" noAdjustHandles="1" noChangeArrowheads="1" noChangeShapeType="1" noTextEdit="1"/>
+          </p:cNvSpPr>
+          <p:nvPr>
+            <p:extLst>
+              <p:ext uri="{386F3935-93C4-4BCD-93E2-E3B085C9AB24}">
+                <p16:designElem xmlns:p16="http://schemas.microsoft.com/office/powerpoint/2015/main" val="1"/>
+              </p:ext>
+            </p:extLst>
+          </p:nvPr>
+        </p:nvSpPr>
+        <p:spPr>
+          <a:xfrm>
+            <a:off x="3149972" y="3121681"/>
+            <a:ext cx="8100269" cy="4556401"/>
+          </a:xfrm>
+          <a:prstGeom prst="rect">
+            <a:avLst/>
+          </a:prstGeom>
+          <a:solidFill>
+            <a:srgbClr val="000000"/>
+          </a:solidFill>
+          <a:ln>
+            <a:noFill/>
+          </a:ln>
+        </p:spPr>
+        <p:style>
+          <a:lnRef idx="2">
+            <a:schemeClr val="accent1">
+              <a:shade val="50000"/>
+            </a:schemeClr>
+          </a:lnRef>
+          <a:fillRef idx="1">
+            <a:schemeClr val="accent1"/>
+          </a:fillRef>
+          <a:effectRef idx="0">
+            <a:schemeClr val="accent1"/>
+          </a:effectRef>
+          <a:fontRef idx="minor">
+            <a:schemeClr val="lt1"/>
+          </a:fontRef>
+        </p:style>
+        <p:txBody>
+          <a:bodyPr rtlCol="0" anchor="ctr"/>
+          <a:lstStyle/>
+          <a:p>
+            <a:pPr algn="ctr">
+              <a:defRPr/>
+            </a:pPr>
+            <a:endParaRPr lang="en-US" sz="1196" dirty="0">
+              <a:solidFill>
+                <a:prstClr val="black">
+                  <a:lumMod val="65000"/>
+                  <a:lumOff val="35000"/>
+                </a:prstClr>
+              </a:solidFill>
+              <a:latin typeface="AvenirNext LT Pro Medium" panose="020B0504020202020204" pitchFamily="34" charset="0"/>
+            </a:endParaRPr>
+          </a:p>
+        </p:txBody>
+      </p:sp>
+      <p:pic>
+        <p:nvPicPr>
+          <p:cNvPr id="5" name="Imagem 4">
+            <a:extLst>
+              <a:ext uri="{FF2B5EF4-FFF2-40B4-BE49-F238E27FC236}">
+                <a16:creationId xmlns:a16="http://schemas.microsoft.com/office/drawing/2014/main" id="{F1433EF1-FB6D-4913-96C9-08F0B1B3CA7A}"/>
+              </a:ext>
+            </a:extLst>
+          </p:cNvPr>
+          <p:cNvPicPr>
+            <a:picLocks noChangeAspect="1"/>
+          </p:cNvPicPr>
+          <p:nvPr/>
+        </p:nvPicPr>
+        <p:blipFill rotWithShape="1">
+          <a:blip r:embed="rId3">
+            <a:alphaModFix/>
+            <a:extLst>
+              <a:ext uri="{28A0092B-C50C-407E-A947-70E740481C1C}">
+                <a14:useLocalDpi xmlns:a14="http://schemas.microsoft.com/office/drawing/2010/main" val="0"/>
+              </a:ext>
+            </a:extLst>
+          </a:blip>
+          <a:srcRect l="5233" t="-2125" r="6244" b="-538"/>
+          <a:stretch/>
+        </p:blipFill>
+        <p:spPr>
+          <a:xfrm>
+            <a:off x="-1" y="-248909"/>
+            <a:ext cx="14400213" cy="11147555"/>
+          </a:xfrm>
+          <a:prstGeom prst="rect">
+            <a:avLst/>
+          </a:prstGeom>
+        </p:spPr>
+      </p:pic>
+      <p:sp>
+        <p:nvSpPr>
+          <p:cNvPr id="50" name="Retângulo 49">
+            <a:extLst>
+              <a:ext uri="{FF2B5EF4-FFF2-40B4-BE49-F238E27FC236}">
+                <a16:creationId xmlns:a16="http://schemas.microsoft.com/office/drawing/2014/main" id="{50614AED-75DE-4550-9029-54313F89BD12}"/>
+              </a:ext>
+            </a:extLst>
+          </p:cNvPr>
+          <p:cNvSpPr/>
+          <p:nvPr/>
+        </p:nvSpPr>
+        <p:spPr>
+          <a:xfrm>
+            <a:off x="3186646" y="311571"/>
+            <a:ext cx="8052791" cy="992583"/>
+          </a:xfrm>
+          <a:prstGeom prst="rect">
+            <a:avLst/>
+          </a:prstGeom>
+          <a:noFill/>
+        </p:spPr>
+        <p:txBody>
+          <a:bodyPr wrap="square" lIns="68584" tIns="34292" rIns="68584" bIns="34292">
+            <a:spAutoFit/>
+          </a:bodyPr>
+          <a:lstStyle/>
+          <a:p>
+            <a:pPr algn="ctr"/>
+            <a:r>
+              <a:rPr lang="pt-BR" sz="6000" dirty="0">
+                <a:ln w="38100">
+                  <a:solidFill>
+                    <a:schemeClr val="bg1"/>
+                  </a:solidFill>
+                </a:ln>
+                <a:solidFill>
+                  <a:srgbClr val="00B050"/>
+                </a:solidFill>
+                <a:effectLst>
+                  <a:outerShdw blurRad="38100" dist="19050" dir="2700000" algn="tl" rotWithShape="0">
+                    <a:schemeClr val="dk1">
+                      <a:alpha val="40000"/>
+                    </a:schemeClr>
+                  </a:outerShdw>
+                </a:effectLst>
+                <a:latin typeface="Exo 2 Extra Bold" panose="00000900000000000000" pitchFamily="50" charset="0"/>
+              </a:rPr>
+              <a:t>Liga Principal</a:t>
+            </a:r>
+          </a:p>
+        </p:txBody>
+      </p:sp>
+      <p:sp>
+        <p:nvSpPr>
+          <p:cNvPr id="53" name="Retângulo 52">
+            <a:extLst>
+              <a:ext uri="{FF2B5EF4-FFF2-40B4-BE49-F238E27FC236}">
+                <a16:creationId xmlns:a16="http://schemas.microsoft.com/office/drawing/2014/main" id="{F101E0BF-8A68-40B9-BC26-35C299182F52}"/>
+              </a:ext>
+            </a:extLst>
+          </p:cNvPr>
+          <p:cNvSpPr/>
+          <p:nvPr/>
+        </p:nvSpPr>
+        <p:spPr>
+          <a:xfrm>
+            <a:off x="336776" y="1104608"/>
+            <a:ext cx="13909452" cy="1177249"/>
+          </a:xfrm>
+          <a:prstGeom prst="rect">
+            <a:avLst/>
+          </a:prstGeom>
+          <a:noFill/>
+        </p:spPr>
+        <p:txBody>
+          <a:bodyPr wrap="square" lIns="68584" tIns="34292" rIns="68584" bIns="34292">
+            <a:spAutoFit/>
+          </a:bodyPr>
+          <a:lstStyle/>
+          <a:p>
+            <a:pPr algn="ctr"/>
+            <a:r>
+              <a:rPr lang="pt-BR" sz="7200" dirty="0">
+                <a:ln w="0">
+                  <a:noFill/>
+                </a:ln>
+                <a:effectLst>
+                  <a:outerShdw blurRad="38100" dist="19050" dir="2700000" algn="tl" rotWithShape="0">
+                    <a:schemeClr val="dk1">
+                      <a:alpha val="40000"/>
+                    </a:schemeClr>
+                  </a:outerShdw>
+                </a:effectLst>
+                <a:latin typeface="Exo 2 Extra Bold" panose="00000900000000000000" pitchFamily="50" charset="0"/>
+              </a:rPr>
+              <a:t>MATA-MATA SÉRIE C 3</a:t>
+            </a:r>
+          </a:p>
+        </p:txBody>
+      </p:sp>
+      <p:pic>
+        <p:nvPicPr>
+          <p:cNvPr id="15" name="Imagem 14">
+            <a:extLst>
+              <a:ext uri="{FF2B5EF4-FFF2-40B4-BE49-F238E27FC236}">
+                <a16:creationId xmlns:a16="http://schemas.microsoft.com/office/drawing/2014/main" id="{780D6AE4-2B31-43CF-8A3B-9ACC73C32FE9}"/>
+              </a:ext>
+            </a:extLst>
+          </p:cNvPr>
+          <p:cNvPicPr>
+            <a:picLocks noChangeAspect="1"/>
+          </p:cNvPicPr>
+          <p:nvPr/>
+        </p:nvPicPr>
+        <p:blipFill>
+          <a:blip r:embed="rId4" cstate="hqprint">
+            <a:extLst>
+              <a:ext uri="{28A0092B-C50C-407E-A947-70E740481C1C}">
+                <a14:useLocalDpi xmlns:a14="http://schemas.microsoft.com/office/drawing/2010/main" val="0"/>
+              </a:ext>
+            </a:extLst>
+          </a:blip>
+          <a:stretch>
+            <a:fillRect/>
+          </a:stretch>
+        </p:blipFill>
+        <p:spPr>
+          <a:xfrm>
+            <a:off x="336776" y="194284"/>
+            <a:ext cx="2059134" cy="2160000"/>
+          </a:xfrm>
+          <a:prstGeom prst="rect">
+            <a:avLst/>
+          </a:prstGeom>
+        </p:spPr>
+      </p:pic>
+      <p:sp>
+        <p:nvSpPr>
+          <p:cNvPr id="10" name="Retângulo 9">
+            <a:extLst>
+              <a:ext uri="{FF2B5EF4-FFF2-40B4-BE49-F238E27FC236}">
+                <a16:creationId xmlns:a16="http://schemas.microsoft.com/office/drawing/2014/main" id="{838BDC98-3287-4575-8574-56F716FB2440}"/>
+              </a:ext>
+            </a:extLst>
+          </p:cNvPr>
+          <p:cNvSpPr/>
+          <p:nvPr/>
+        </p:nvSpPr>
+        <p:spPr>
+          <a:xfrm>
+            <a:off x="581891" y="2892935"/>
+            <a:ext cx="13267927" cy="3039825"/>
+          </a:xfrm>
+          <a:prstGeom prst="rect">
+            <a:avLst/>
+          </a:prstGeom>
+          <a:solidFill>
+            <a:schemeClr val="tx1">
+              <a:alpha val="81000"/>
+            </a:schemeClr>
+          </a:solidFill>
+        </p:spPr>
+        <p:style>
+          <a:lnRef idx="2">
+            <a:schemeClr val="accent1">
+              <a:shade val="50000"/>
+            </a:schemeClr>
+          </a:lnRef>
+          <a:fillRef idx="1">
+            <a:schemeClr val="accent1"/>
+          </a:fillRef>
+          <a:effectRef idx="0">
+            <a:schemeClr val="accent1"/>
+          </a:effectRef>
+          <a:fontRef idx="minor">
+            <a:schemeClr val="lt1"/>
+          </a:fontRef>
+        </p:style>
+        <p:txBody>
+          <a:bodyPr rtlCol="0" anchor="ctr"/>
+          <a:lstStyle/>
+          <a:p>
+            <a:pPr algn="ctr"/>
+            <a:endParaRPr lang="pt-BR"/>
+          </a:p>
+        </p:txBody>
+      </p:sp>
+      <p:sp>
+        <p:nvSpPr>
+          <p:cNvPr id="21" name="Retângulo 20">
+            <a:extLst>
+              <a:ext uri="{FF2B5EF4-FFF2-40B4-BE49-F238E27FC236}">
+                <a16:creationId xmlns:a16="http://schemas.microsoft.com/office/drawing/2014/main" id="{95EDB8CB-8377-4925-B478-560C3F615037}"/>
+              </a:ext>
+            </a:extLst>
+          </p:cNvPr>
+          <p:cNvSpPr/>
+          <p:nvPr/>
+        </p:nvSpPr>
+        <p:spPr>
+          <a:xfrm>
+            <a:off x="581891" y="6704292"/>
+            <a:ext cx="13267927" cy="3038400"/>
+          </a:xfrm>
+          <a:prstGeom prst="rect">
+            <a:avLst/>
+          </a:prstGeom>
+          <a:solidFill>
+            <a:schemeClr val="tx1">
+              <a:alpha val="81000"/>
+            </a:schemeClr>
+          </a:solidFill>
+        </p:spPr>
+        <p:style>
+          <a:lnRef idx="2">
+            <a:schemeClr val="accent1">
+              <a:shade val="50000"/>
+            </a:schemeClr>
+          </a:lnRef>
+          <a:fillRef idx="1">
+            <a:schemeClr val="accent1"/>
+          </a:fillRef>
+          <a:effectRef idx="0">
+            <a:schemeClr val="accent1"/>
+          </a:effectRef>
+          <a:fontRef idx="minor">
+            <a:schemeClr val="lt1"/>
+          </a:fontRef>
+        </p:style>
+        <p:txBody>
+          <a:bodyPr rtlCol="0" anchor="ctr"/>
+          <a:lstStyle/>
+          <a:p>
+            <a:pPr algn="ctr"/>
+            <a:endParaRPr lang="pt-BR"/>
+          </a:p>
+        </p:txBody>
+      </p:sp>
+      <p:sp>
+        <p:nvSpPr>
+          <p:cNvPr id="23" name="Retângulo 22">
+            <a:extLst>
+              <a:ext uri="{FF2B5EF4-FFF2-40B4-BE49-F238E27FC236}">
+                <a16:creationId xmlns:a16="http://schemas.microsoft.com/office/drawing/2014/main" id="{ED87CD67-A438-4F74-986A-3704AF997953}"/>
+              </a:ext>
+            </a:extLst>
+          </p:cNvPr>
+          <p:cNvSpPr/>
+          <p:nvPr/>
+        </p:nvSpPr>
+        <p:spPr>
+          <a:xfrm>
+            <a:off x="5308448" y="2906454"/>
+            <a:ext cx="3789504" cy="684807"/>
+          </a:xfrm>
+          <a:prstGeom prst="rect">
+            <a:avLst/>
+          </a:prstGeom>
+          <a:noFill/>
+        </p:spPr>
+        <p:txBody>
+          <a:bodyPr wrap="square" lIns="68584" tIns="34292" rIns="68584" bIns="34292">
+            <a:spAutoFit/>
+          </a:bodyPr>
+          <a:lstStyle/>
+          <a:p>
+            <a:pPr algn="ctr"/>
+            <a:r>
+              <a:rPr lang="pt-BR" sz="4000" dirty="0">
+                <a:ln w="0">
+                  <a:noFill/>
+                </a:ln>
+                <a:solidFill>
+                  <a:srgbClr val="0070C0"/>
+                </a:solidFill>
+                <a:effectLst>
+                  <a:outerShdw blurRad="38100" dist="19050" dir="2700000" algn="tl" rotWithShape="0">
+                    <a:schemeClr val="dk1">
+                      <a:alpha val="40000"/>
+                    </a:schemeClr>
+                  </a:outerShdw>
+                </a:effectLst>
+                <a:latin typeface="Exo 2 Extra Bold" panose="00000900000000000000" pitchFamily="50" charset="0"/>
+              </a:rPr>
+              <a:t>Chave 1</a:t>
+            </a:r>
+          </a:p>
+        </p:txBody>
+      </p:sp>
+      <p:sp>
+        <p:nvSpPr>
+          <p:cNvPr id="24" name="Retângulo 23">
+            <a:extLst>
+              <a:ext uri="{FF2B5EF4-FFF2-40B4-BE49-F238E27FC236}">
+                <a16:creationId xmlns:a16="http://schemas.microsoft.com/office/drawing/2014/main" id="{522A4ACC-EC27-4A14-BA66-B0EB03535C7B}"/>
+              </a:ext>
+            </a:extLst>
+          </p:cNvPr>
+          <p:cNvSpPr/>
+          <p:nvPr/>
+        </p:nvSpPr>
+        <p:spPr>
+          <a:xfrm>
+            <a:off x="5321993" y="6726594"/>
+            <a:ext cx="3789503" cy="684807"/>
+          </a:xfrm>
+          <a:prstGeom prst="rect">
+            <a:avLst/>
+          </a:prstGeom>
+          <a:noFill/>
+        </p:spPr>
+        <p:txBody>
+          <a:bodyPr wrap="square" lIns="68584" tIns="34292" rIns="68584" bIns="34292">
+            <a:spAutoFit/>
+          </a:bodyPr>
+          <a:lstStyle/>
+          <a:p>
+            <a:pPr algn="ctr"/>
+            <a:r>
+              <a:rPr lang="pt-BR" sz="4000" dirty="0">
+                <a:ln w="0">
+                  <a:noFill/>
+                </a:ln>
+                <a:solidFill>
+                  <a:srgbClr val="0070C0"/>
+                </a:solidFill>
+                <a:effectLst>
+                  <a:outerShdw blurRad="38100" dist="19050" dir="2700000" algn="tl" rotWithShape="0">
+                    <a:schemeClr val="dk1">
+                      <a:alpha val="40000"/>
+                    </a:schemeClr>
+                  </a:outerShdw>
+                </a:effectLst>
+                <a:latin typeface="Exo 2 Extra Bold" panose="00000900000000000000" pitchFamily="50" charset="0"/>
+              </a:rPr>
+              <a:t>Chave 2</a:t>
+            </a:r>
+          </a:p>
+        </p:txBody>
+      </p:sp>
+      <p:pic>
+        <p:nvPicPr>
+          <p:cNvPr id="4" name="Imagem 3">
+            <a:extLst>
+              <a:ext uri="{FF2B5EF4-FFF2-40B4-BE49-F238E27FC236}">
                 <a16:creationId xmlns:a16="http://schemas.microsoft.com/office/drawing/2014/main" id="{595D0380-36B5-417C-A283-D734C6988265}"/>
               </a:ext>
             </a:extLst>
@@ -10025,7 +10928,7 @@
 </p:sld>
 </file>
 
-<file path=ppt/slides/slide17.xml><?xml version="1.0" encoding="utf-8"?>
+<file path=ppt/slides/slide18.xml><?xml version="1.0" encoding="utf-8"?>
 <p:sld xmlns:a="http://schemas.openxmlformats.org/drawingml/2006/main" xmlns:r="http://schemas.openxmlformats.org/officeDocument/2006/relationships" xmlns:p="http://schemas.openxmlformats.org/presentationml/2006/main">
   <p:cSld>
     <p:bg>
@@ -10701,7 +11604,7 @@
 </p:sld>
 </file>
 
-<file path=ppt/slides/slide18.xml><?xml version="1.0" encoding="utf-8"?>
+<file path=ppt/slides/slide19.xml><?xml version="1.0" encoding="utf-8"?>
 <p:sld xmlns:a="http://schemas.openxmlformats.org/drawingml/2006/main" xmlns:r="http://schemas.openxmlformats.org/officeDocument/2006/relationships" xmlns:p="http://schemas.openxmlformats.org/presentationml/2006/main">
   <p:cSld>
     <p:bg>
@@ -12110,10 +13013,10 @@
       </p:sp>
       <p:pic>
         <p:nvPicPr>
-          <p:cNvPr id="6" name="Imagem 5">
-            <a:extLst>
-              <a:ext uri="{FF2B5EF4-FFF2-40B4-BE49-F238E27FC236}">
-                <a16:creationId xmlns:a16="http://schemas.microsoft.com/office/drawing/2014/main" id="{A7563ACF-531A-4A12-8D69-BD0B5441456A}"/>
+          <p:cNvPr id="3" name="Imagem 2">
+            <a:extLst>
+              <a:ext uri="{FF2B5EF4-FFF2-40B4-BE49-F238E27FC236}">
+                <a16:creationId xmlns:a16="http://schemas.microsoft.com/office/drawing/2014/main" id="{497D7C66-564B-4AEF-A693-D69923EA7197}"/>
               </a:ext>
             </a:extLst>
           </p:cNvPr>
@@ -12130,7 +13033,7 @@
         </p:blipFill>
         <p:spPr>
           <a:xfrm>
-            <a:off x="342671" y="3872449"/>
+            <a:off x="335503" y="3872449"/>
             <a:ext cx="6531196" cy="5580000"/>
           </a:xfrm>
           <a:prstGeom prst="rect">
@@ -12140,10 +13043,10 @@
       </p:pic>
       <p:pic>
         <p:nvPicPr>
-          <p:cNvPr id="9" name="Imagem 8">
-            <a:extLst>
-              <a:ext uri="{FF2B5EF4-FFF2-40B4-BE49-F238E27FC236}">
-                <a16:creationId xmlns:a16="http://schemas.microsoft.com/office/drawing/2014/main" id="{9D5A4AD4-EB3D-45A1-8857-F8EA981BC5DB}"/>
+          <p:cNvPr id="7" name="Imagem 6">
+            <a:extLst>
+              <a:ext uri="{FF2B5EF4-FFF2-40B4-BE49-F238E27FC236}">
+                <a16:creationId xmlns:a16="http://schemas.microsoft.com/office/drawing/2014/main" id="{0B8B080D-487C-4953-B928-DBDE0C3285E9}"/>
               </a:ext>
             </a:extLst>
           </p:cNvPr>
@@ -12160,8 +13063,8 @@
         </p:blipFill>
         <p:spPr>
           <a:xfrm>
-            <a:off x="7667247" y="3872449"/>
-            <a:ext cx="6311156" cy="5400000"/>
+            <a:off x="7545681" y="3872449"/>
+            <a:ext cx="6521526" cy="5580000"/>
           </a:xfrm>
           <a:prstGeom prst="rect">
             <a:avLst/>
@@ -12850,10 +13753,10 @@
       </p:sp>
       <p:pic>
         <p:nvPicPr>
-          <p:cNvPr id="6" name="Imagem 5">
-            <a:extLst>
-              <a:ext uri="{FF2B5EF4-FFF2-40B4-BE49-F238E27FC236}">
-                <a16:creationId xmlns:a16="http://schemas.microsoft.com/office/drawing/2014/main" id="{83522362-5E57-4D9B-B2AD-D1BE37EC5FF3}"/>
+          <p:cNvPr id="3" name="Imagem 2">
+            <a:extLst>
+              <a:ext uri="{FF2B5EF4-FFF2-40B4-BE49-F238E27FC236}">
+                <a16:creationId xmlns:a16="http://schemas.microsoft.com/office/drawing/2014/main" id="{D588B59D-24BA-4479-A30A-4EF6F9DE90B5}"/>
               </a:ext>
             </a:extLst>
           </p:cNvPr>
@@ -12870,7 +13773,7 @@
         </p:blipFill>
         <p:spPr>
           <a:xfrm>
-            <a:off x="335092" y="3872449"/>
+            <a:off x="342947" y="3872449"/>
             <a:ext cx="6531196" cy="5580000"/>
           </a:xfrm>
           <a:prstGeom prst="rect">
@@ -12880,10 +13783,10 @@
       </p:pic>
       <p:pic>
         <p:nvPicPr>
-          <p:cNvPr id="8" name="Imagem 7">
-            <a:extLst>
-              <a:ext uri="{FF2B5EF4-FFF2-40B4-BE49-F238E27FC236}">
-                <a16:creationId xmlns:a16="http://schemas.microsoft.com/office/drawing/2014/main" id="{4E839014-08D6-44DB-A1E5-FE22820B5776}"/>
+          <p:cNvPr id="7" name="Imagem 6">
+            <a:extLst>
+              <a:ext uri="{FF2B5EF4-FFF2-40B4-BE49-F238E27FC236}">
+                <a16:creationId xmlns:a16="http://schemas.microsoft.com/office/drawing/2014/main" id="{6066C6E3-65AC-45C9-B917-8CE68674096F}"/>
               </a:ext>
             </a:extLst>
           </p:cNvPr>
@@ -12900,7 +13803,7 @@
         </p:blipFill>
         <p:spPr>
           <a:xfrm>
-            <a:off x="7556344" y="3872449"/>
+            <a:off x="7552117" y="3872449"/>
             <a:ext cx="6521526" cy="5580000"/>
           </a:xfrm>
           <a:prstGeom prst="rect">
@@ -15231,7 +16134,7 @@
                 </a:effectLst>
                 <a:latin typeface="Exo 2 Extra Bold" panose="00000900000000000000" pitchFamily="50" charset="0"/>
               </a:rPr>
-              <a:t>MATA-MATA SÉRIE C 3</a:t>
+              <a:t>MATA-MATA SÉRIE B 5</a:t>
             </a:r>
           </a:p>
         </p:txBody>
@@ -15478,10 +16381,10 @@
       </p:sp>
       <p:pic>
         <p:nvPicPr>
-          <p:cNvPr id="4" name="Imagem 3">
-            <a:extLst>
-              <a:ext uri="{FF2B5EF4-FFF2-40B4-BE49-F238E27FC236}">
-                <a16:creationId xmlns:a16="http://schemas.microsoft.com/office/drawing/2014/main" id="{CCA30825-B6E4-4780-ACCC-53F5167353E8}"/>
+          <p:cNvPr id="3" name="Imagem 2">
+            <a:extLst>
+              <a:ext uri="{FF2B5EF4-FFF2-40B4-BE49-F238E27FC236}">
+                <a16:creationId xmlns:a16="http://schemas.microsoft.com/office/drawing/2014/main" id="{B81576BF-7B2A-4477-A9F5-E6003B8F3754}"/>
               </a:ext>
             </a:extLst>
           </p:cNvPr>
@@ -15498,8 +16401,8 @@
         </p:blipFill>
         <p:spPr>
           <a:xfrm>
-            <a:off x="3267009" y="2977244"/>
-            <a:ext cx="7920000" cy="3273293"/>
+            <a:off x="3267077" y="2971214"/>
+            <a:ext cx="7920000" cy="3279322"/>
           </a:xfrm>
           <a:prstGeom prst="rect">
             <a:avLst/>
@@ -15508,10 +16411,10 @@
       </p:pic>
       <p:pic>
         <p:nvPicPr>
-          <p:cNvPr id="6" name="Imagem 5">
-            <a:extLst>
-              <a:ext uri="{FF2B5EF4-FFF2-40B4-BE49-F238E27FC236}">
-                <a16:creationId xmlns:a16="http://schemas.microsoft.com/office/drawing/2014/main" id="{34BD732B-43D9-45BA-90AB-67B91539CACB}"/>
+          <p:cNvPr id="8" name="Imagem 7">
+            <a:extLst>
+              <a:ext uri="{FF2B5EF4-FFF2-40B4-BE49-F238E27FC236}">
+                <a16:creationId xmlns:a16="http://schemas.microsoft.com/office/drawing/2014/main" id="{01C21879-9D7F-4150-9A59-EB53D98AC31A}"/>
               </a:ext>
             </a:extLst>
           </p:cNvPr>
@@ -15528,8 +16431,748 @@
         </p:blipFill>
         <p:spPr>
           <a:xfrm>
-            <a:off x="3267009" y="7190785"/>
-            <a:ext cx="7920000" cy="3273293"/>
+            <a:off x="3253069" y="7190785"/>
+            <a:ext cx="7920000" cy="3284186"/>
+          </a:xfrm>
+          <a:prstGeom prst="rect">
+            <a:avLst/>
+          </a:prstGeom>
+        </p:spPr>
+      </p:pic>
+    </p:spTree>
+    <p:extLst>
+      <p:ext uri="{BB962C8B-B14F-4D97-AF65-F5344CB8AC3E}">
+        <p14:creationId xmlns:p14="http://schemas.microsoft.com/office/powerpoint/2010/main" val="1630932964"/>
+      </p:ext>
+    </p:extLst>
+  </p:cSld>
+  <p:clrMapOvr>
+    <a:masterClrMapping/>
+  </p:clrMapOvr>
+</p:sld>
+</file>
+
+<file path=ppt/slides/slide8.xml><?xml version="1.0" encoding="utf-8"?>
+<p:sld xmlns:a="http://schemas.openxmlformats.org/drawingml/2006/main" xmlns:r="http://schemas.openxmlformats.org/officeDocument/2006/relationships" xmlns:p="http://schemas.openxmlformats.org/presentationml/2006/main">
+  <p:cSld>
+    <p:bg>
+      <p:bgPr>
+        <a:solidFill>
+          <a:schemeClr val="bg1"/>
+        </a:solidFill>
+        <a:effectLst/>
+      </p:bgPr>
+    </p:bg>
+    <p:spTree>
+      <p:nvGrpSpPr>
+        <p:cNvPr id="1" name=""/>
+        <p:cNvGrpSpPr/>
+        <p:nvPr/>
+      </p:nvGrpSpPr>
+      <p:grpSpPr>
+        <a:xfrm>
+          <a:off x="0" y="0"/>
+          <a:ext cx="0" cy="0"/>
+          <a:chOff x="0" y="0"/>
+          <a:chExt cx="0" cy="0"/>
+        </a:xfrm>
+      </p:grpSpPr>
+      <p:sp>
+        <p:nvSpPr>
+          <p:cNvPr id="13" name="Rectangle 9">
+            <a:extLst>
+              <a:ext uri="{FF2B5EF4-FFF2-40B4-BE49-F238E27FC236}">
+                <a16:creationId xmlns:a16="http://schemas.microsoft.com/office/drawing/2014/main" id="{0BABF38A-8A0D-492E-BD20-6CF4D46B50BD}"/>
+              </a:ext>
+              <a:ext uri="{C183D7F6-B498-43B3-948B-1728B52AA6E4}">
+                <adec:decorative xmlns:adec="http://schemas.microsoft.com/office/drawing/2017/decorative" val="1"/>
+              </a:ext>
+            </a:extLst>
+          </p:cNvPr>
+          <p:cNvSpPr>
+            <a:spLocks noGrp="1" noRot="1" noChangeAspect="1" noMove="1" noResize="1" noEditPoints="1" noAdjustHandles="1" noChangeArrowheads="1" noChangeShapeType="1" noTextEdit="1"/>
+          </p:cNvSpPr>
+          <p:nvPr>
+            <p:extLst>
+              <p:ext uri="{386F3935-93C4-4BCD-93E2-E3B085C9AB24}">
+                <p16:designElem xmlns:p16="http://schemas.microsoft.com/office/powerpoint/2015/main" val="1"/>
+              </p:ext>
+            </p:extLst>
+          </p:nvPr>
+        </p:nvSpPr>
+        <p:spPr>
+          <a:xfrm>
+            <a:off x="3149972" y="3121681"/>
+            <a:ext cx="8100269" cy="4556404"/>
+          </a:xfrm>
+          <a:prstGeom prst="rect">
+            <a:avLst/>
+          </a:prstGeom>
+          <a:solidFill>
+            <a:schemeClr val="bg2">
+              <a:lumMod val="90000"/>
+              <a:alpha val="70000"/>
+            </a:schemeClr>
+          </a:solidFill>
+          <a:ln>
+            <a:noFill/>
+          </a:ln>
+        </p:spPr>
+        <p:style>
+          <a:lnRef idx="2">
+            <a:schemeClr val="accent1">
+              <a:shade val="50000"/>
+            </a:schemeClr>
+          </a:lnRef>
+          <a:fillRef idx="1">
+            <a:schemeClr val="accent1"/>
+          </a:fillRef>
+          <a:effectRef idx="0">
+            <a:schemeClr val="accent1"/>
+          </a:effectRef>
+          <a:fontRef idx="minor">
+            <a:schemeClr val="lt1"/>
+          </a:fontRef>
+        </p:style>
+        <p:txBody>
+          <a:bodyPr rtlCol="0" anchor="ctr"/>
+          <a:lstStyle/>
+          <a:p>
+            <a:pPr algn="ctr">
+              <a:defRPr/>
+            </a:pPr>
+            <a:endParaRPr lang="en-US" sz="1196" dirty="0">
+              <a:solidFill>
+                <a:prstClr val="black">
+                  <a:lumMod val="65000"/>
+                  <a:lumOff val="35000"/>
+                </a:prstClr>
+              </a:solidFill>
+              <a:latin typeface="AvenirNext LT Pro Medium" panose="020B0504020202020204" pitchFamily="34" charset="0"/>
+            </a:endParaRPr>
+          </a:p>
+        </p:txBody>
+      </p:sp>
+      <p:pic>
+        <p:nvPicPr>
+          <p:cNvPr id="12" name="Picture 11">
+            <a:extLst>
+              <a:ext uri="{FF2B5EF4-FFF2-40B4-BE49-F238E27FC236}">
+                <a16:creationId xmlns:a16="http://schemas.microsoft.com/office/drawing/2014/main" id="{BC526B7A-4801-4FD1-95C8-03AF22629E87}"/>
+              </a:ext>
+              <a:ext uri="{C183D7F6-B498-43B3-948B-1728B52AA6E4}">
+                <adec:decorative xmlns:adec="http://schemas.microsoft.com/office/drawing/2017/decorative" val="1"/>
+              </a:ext>
+            </a:extLst>
+          </p:cNvPr>
+          <p:cNvPicPr>
+            <a:picLocks noGrp="1" noRot="1" noChangeAspect="1" noMove="1" noResize="1" noEditPoints="1" noAdjustHandles="1" noChangeArrowheads="1" noChangeShapeType="1" noCrop="1"/>
+          </p:cNvPicPr>
+          <p:nvPr>
+            <p:extLst>
+              <p:ext uri="{386F3935-93C4-4BCD-93E2-E3B085C9AB24}">
+                <p16:designElem xmlns:p16="http://schemas.microsoft.com/office/powerpoint/2015/main" val="1"/>
+              </p:ext>
+            </p:extLst>
+          </p:nvPr>
+        </p:nvPicPr>
+        <p:blipFill>
+          <a:blip r:embed="rId2">
+            <a:alphaModFix amt="10000"/>
+            <a:extLst>
+              <a:ext uri="{28A0092B-C50C-407E-A947-70E740481C1C}">
+                <a14:useLocalDpi xmlns:a14="http://schemas.microsoft.com/office/drawing/2010/main" val="0"/>
+              </a:ext>
+            </a:extLst>
+          </a:blip>
+          <a:stretch>
+            <a:fillRect/>
+          </a:stretch>
+        </p:blipFill>
+        <p:spPr>
+          <a:xfrm>
+            <a:off x="8820159" y="3121682"/>
+            <a:ext cx="2428095" cy="3039825"/>
+          </a:xfrm>
+          <a:prstGeom prst="rect">
+            <a:avLst/>
+          </a:prstGeom>
+        </p:spPr>
+      </p:pic>
+      <p:sp useBgFill="1">
+        <p:nvSpPr>
+          <p:cNvPr id="14" name="Rectangle 13">
+            <a:extLst>
+              <a:ext uri="{FF2B5EF4-FFF2-40B4-BE49-F238E27FC236}">
+                <a16:creationId xmlns:a16="http://schemas.microsoft.com/office/drawing/2014/main" id="{37FDDF72-DE39-4F99-A3C1-DD9D7815D7DB}"/>
+              </a:ext>
+              <a:ext uri="{C183D7F6-B498-43B3-948B-1728B52AA6E4}">
+                <adec:decorative xmlns:adec="http://schemas.microsoft.com/office/drawing/2017/decorative" val="1"/>
+              </a:ext>
+            </a:extLst>
+          </p:cNvPr>
+          <p:cNvSpPr>
+            <a:spLocks noGrp="1" noRot="1" noChangeAspect="1" noMove="1" noResize="1" noEditPoints="1" noAdjustHandles="1" noChangeArrowheads="1" noChangeShapeType="1" noTextEdit="1"/>
+          </p:cNvSpPr>
+          <p:nvPr>
+            <p:extLst>
+              <p:ext uri="{386F3935-93C4-4BCD-93E2-E3B085C9AB24}">
+                <p16:designElem xmlns:p16="http://schemas.microsoft.com/office/powerpoint/2015/main" val="1"/>
+              </p:ext>
+            </p:extLst>
+          </p:nvPr>
+        </p:nvSpPr>
+        <p:spPr>
+          <a:xfrm>
+            <a:off x="3149972" y="3121681"/>
+            <a:ext cx="8100269" cy="4556401"/>
+          </a:xfrm>
+          <a:prstGeom prst="rect">
+            <a:avLst/>
+          </a:prstGeom>
+          <a:ln>
+            <a:noFill/>
+          </a:ln>
+        </p:spPr>
+        <p:style>
+          <a:lnRef idx="2">
+            <a:schemeClr val="accent1">
+              <a:shade val="50000"/>
+            </a:schemeClr>
+          </a:lnRef>
+          <a:fillRef idx="1">
+            <a:schemeClr val="accent1"/>
+          </a:fillRef>
+          <a:effectRef idx="0">
+            <a:schemeClr val="accent1"/>
+          </a:effectRef>
+          <a:fontRef idx="minor">
+            <a:schemeClr val="lt1"/>
+          </a:fontRef>
+        </p:style>
+        <p:txBody>
+          <a:bodyPr rtlCol="0" anchor="ctr"/>
+          <a:lstStyle/>
+          <a:p>
+            <a:pPr algn="ctr">
+              <a:defRPr/>
+            </a:pPr>
+            <a:endParaRPr lang="en-US" sz="1196" dirty="0">
+              <a:solidFill>
+                <a:prstClr val="black">
+                  <a:lumMod val="65000"/>
+                  <a:lumOff val="35000"/>
+                </a:prstClr>
+              </a:solidFill>
+              <a:latin typeface="AvenirNext LT Pro Medium" panose="020B0504020202020204" pitchFamily="34" charset="0"/>
+            </a:endParaRPr>
+          </a:p>
+        </p:txBody>
+      </p:sp>
+      <p:sp>
+        <p:nvSpPr>
+          <p:cNvPr id="16" name="Rectangle 15">
+            <a:extLst>
+              <a:ext uri="{FF2B5EF4-FFF2-40B4-BE49-F238E27FC236}">
+                <a16:creationId xmlns:a16="http://schemas.microsoft.com/office/drawing/2014/main" id="{5E4ECE80-3AD1-450C-B62A-98788F193948}"/>
+              </a:ext>
+              <a:ext uri="{C183D7F6-B498-43B3-948B-1728B52AA6E4}">
+                <adec:decorative xmlns:adec="http://schemas.microsoft.com/office/drawing/2017/decorative" val="1"/>
+              </a:ext>
+            </a:extLst>
+          </p:cNvPr>
+          <p:cNvSpPr>
+            <a:spLocks noGrp="1" noRot="1" noChangeAspect="1" noMove="1" noResize="1" noEditPoints="1" noAdjustHandles="1" noChangeArrowheads="1" noChangeShapeType="1" noTextEdit="1"/>
+          </p:cNvSpPr>
+          <p:nvPr>
+            <p:extLst>
+              <p:ext uri="{386F3935-93C4-4BCD-93E2-E3B085C9AB24}">
+                <p16:designElem xmlns:p16="http://schemas.microsoft.com/office/powerpoint/2015/main" val="1"/>
+              </p:ext>
+            </p:extLst>
+          </p:nvPr>
+        </p:nvSpPr>
+        <p:spPr>
+          <a:xfrm>
+            <a:off x="3149972" y="3121681"/>
+            <a:ext cx="8100269" cy="4556401"/>
+          </a:xfrm>
+          <a:prstGeom prst="rect">
+            <a:avLst/>
+          </a:prstGeom>
+          <a:solidFill>
+            <a:srgbClr val="000000"/>
+          </a:solidFill>
+          <a:ln>
+            <a:noFill/>
+          </a:ln>
+        </p:spPr>
+        <p:style>
+          <a:lnRef idx="2">
+            <a:schemeClr val="accent1">
+              <a:shade val="50000"/>
+            </a:schemeClr>
+          </a:lnRef>
+          <a:fillRef idx="1">
+            <a:schemeClr val="accent1"/>
+          </a:fillRef>
+          <a:effectRef idx="0">
+            <a:schemeClr val="accent1"/>
+          </a:effectRef>
+          <a:fontRef idx="minor">
+            <a:schemeClr val="lt1"/>
+          </a:fontRef>
+        </p:style>
+        <p:txBody>
+          <a:bodyPr rtlCol="0" anchor="ctr"/>
+          <a:lstStyle/>
+          <a:p>
+            <a:pPr algn="ctr">
+              <a:defRPr/>
+            </a:pPr>
+            <a:endParaRPr lang="en-US" sz="1196" dirty="0">
+              <a:solidFill>
+                <a:prstClr val="black">
+                  <a:lumMod val="65000"/>
+                  <a:lumOff val="35000"/>
+                </a:prstClr>
+              </a:solidFill>
+              <a:latin typeface="AvenirNext LT Pro Medium" panose="020B0504020202020204" pitchFamily="34" charset="0"/>
+            </a:endParaRPr>
+          </a:p>
+        </p:txBody>
+      </p:sp>
+      <p:pic>
+        <p:nvPicPr>
+          <p:cNvPr id="5" name="Imagem 4">
+            <a:extLst>
+              <a:ext uri="{FF2B5EF4-FFF2-40B4-BE49-F238E27FC236}">
+                <a16:creationId xmlns:a16="http://schemas.microsoft.com/office/drawing/2014/main" id="{F1433EF1-FB6D-4913-96C9-08F0B1B3CA7A}"/>
+              </a:ext>
+            </a:extLst>
+          </p:cNvPr>
+          <p:cNvPicPr>
+            <a:picLocks noChangeAspect="1"/>
+          </p:cNvPicPr>
+          <p:nvPr/>
+        </p:nvPicPr>
+        <p:blipFill rotWithShape="1">
+          <a:blip r:embed="rId3">
+            <a:alphaModFix/>
+            <a:extLst>
+              <a:ext uri="{28A0092B-C50C-407E-A947-70E740481C1C}">
+                <a14:useLocalDpi xmlns:a14="http://schemas.microsoft.com/office/drawing/2010/main" val="0"/>
+              </a:ext>
+            </a:extLst>
+          </a:blip>
+          <a:srcRect l="5233" t="-2125" r="6244" b="-538"/>
+          <a:stretch/>
+        </p:blipFill>
+        <p:spPr>
+          <a:xfrm>
+            <a:off x="-1" y="-248909"/>
+            <a:ext cx="14400213" cy="11147555"/>
+          </a:xfrm>
+          <a:prstGeom prst="rect">
+            <a:avLst/>
+          </a:prstGeom>
+        </p:spPr>
+      </p:pic>
+      <p:sp>
+        <p:nvSpPr>
+          <p:cNvPr id="50" name="Retângulo 49">
+            <a:extLst>
+              <a:ext uri="{FF2B5EF4-FFF2-40B4-BE49-F238E27FC236}">
+                <a16:creationId xmlns:a16="http://schemas.microsoft.com/office/drawing/2014/main" id="{50614AED-75DE-4550-9029-54313F89BD12}"/>
+              </a:ext>
+            </a:extLst>
+          </p:cNvPr>
+          <p:cNvSpPr/>
+          <p:nvPr/>
+        </p:nvSpPr>
+        <p:spPr>
+          <a:xfrm>
+            <a:off x="3186646" y="311571"/>
+            <a:ext cx="8052791" cy="992583"/>
+          </a:xfrm>
+          <a:prstGeom prst="rect">
+            <a:avLst/>
+          </a:prstGeom>
+          <a:noFill/>
+        </p:spPr>
+        <p:txBody>
+          <a:bodyPr wrap="square" lIns="68584" tIns="34292" rIns="68584" bIns="34292">
+            <a:spAutoFit/>
+          </a:bodyPr>
+          <a:lstStyle/>
+          <a:p>
+            <a:pPr algn="ctr"/>
+            <a:r>
+              <a:rPr lang="pt-BR" sz="6000" dirty="0">
+                <a:ln w="38100">
+                  <a:solidFill>
+                    <a:schemeClr val="bg1"/>
+                  </a:solidFill>
+                </a:ln>
+                <a:solidFill>
+                  <a:srgbClr val="00B050"/>
+                </a:solidFill>
+                <a:effectLst>
+                  <a:outerShdw blurRad="38100" dist="19050" dir="2700000" algn="tl" rotWithShape="0">
+                    <a:schemeClr val="dk1">
+                      <a:alpha val="40000"/>
+                    </a:schemeClr>
+                  </a:outerShdw>
+                </a:effectLst>
+                <a:latin typeface="Exo 2 Extra Bold" panose="00000900000000000000" pitchFamily="50" charset="0"/>
+              </a:rPr>
+              <a:t>Liga Principal</a:t>
+            </a:r>
+          </a:p>
+        </p:txBody>
+      </p:sp>
+      <p:sp>
+        <p:nvSpPr>
+          <p:cNvPr id="53" name="Retângulo 52">
+            <a:extLst>
+              <a:ext uri="{FF2B5EF4-FFF2-40B4-BE49-F238E27FC236}">
+                <a16:creationId xmlns:a16="http://schemas.microsoft.com/office/drawing/2014/main" id="{F101E0BF-8A68-40B9-BC26-35C299182F52}"/>
+              </a:ext>
+            </a:extLst>
+          </p:cNvPr>
+          <p:cNvSpPr/>
+          <p:nvPr/>
+        </p:nvSpPr>
+        <p:spPr>
+          <a:xfrm>
+            <a:off x="336776" y="1104608"/>
+            <a:ext cx="13909452" cy="1177249"/>
+          </a:xfrm>
+          <a:prstGeom prst="rect">
+            <a:avLst/>
+          </a:prstGeom>
+          <a:noFill/>
+        </p:spPr>
+        <p:txBody>
+          <a:bodyPr wrap="square" lIns="68584" tIns="34292" rIns="68584" bIns="34292">
+            <a:spAutoFit/>
+          </a:bodyPr>
+          <a:lstStyle/>
+          <a:p>
+            <a:pPr algn="ctr"/>
+            <a:r>
+              <a:rPr lang="pt-BR" sz="7200" dirty="0">
+                <a:ln w="0">
+                  <a:noFill/>
+                </a:ln>
+                <a:effectLst>
+                  <a:outerShdw blurRad="38100" dist="19050" dir="2700000" algn="tl" rotWithShape="0">
+                    <a:schemeClr val="dk1">
+                      <a:alpha val="40000"/>
+                    </a:schemeClr>
+                  </a:outerShdw>
+                </a:effectLst>
+                <a:latin typeface="Exo 2 Extra Bold" panose="00000900000000000000" pitchFamily="50" charset="0"/>
+              </a:rPr>
+              <a:t>MATA-MATA SÉRIE C 5</a:t>
+            </a:r>
+          </a:p>
+        </p:txBody>
+      </p:sp>
+      <p:pic>
+        <p:nvPicPr>
+          <p:cNvPr id="15" name="Imagem 14">
+            <a:extLst>
+              <a:ext uri="{FF2B5EF4-FFF2-40B4-BE49-F238E27FC236}">
+                <a16:creationId xmlns:a16="http://schemas.microsoft.com/office/drawing/2014/main" id="{780D6AE4-2B31-43CF-8A3B-9ACC73C32FE9}"/>
+              </a:ext>
+            </a:extLst>
+          </p:cNvPr>
+          <p:cNvPicPr>
+            <a:picLocks noChangeAspect="1"/>
+          </p:cNvPicPr>
+          <p:nvPr/>
+        </p:nvPicPr>
+        <p:blipFill>
+          <a:blip r:embed="rId4" cstate="hqprint">
+            <a:extLst>
+              <a:ext uri="{28A0092B-C50C-407E-A947-70E740481C1C}">
+                <a14:useLocalDpi xmlns:a14="http://schemas.microsoft.com/office/drawing/2010/main" val="0"/>
+              </a:ext>
+            </a:extLst>
+          </a:blip>
+          <a:stretch>
+            <a:fillRect/>
+          </a:stretch>
+        </p:blipFill>
+        <p:spPr>
+          <a:xfrm>
+            <a:off x="336776" y="194284"/>
+            <a:ext cx="2059134" cy="2160000"/>
+          </a:xfrm>
+          <a:prstGeom prst="rect">
+            <a:avLst/>
+          </a:prstGeom>
+        </p:spPr>
+      </p:pic>
+      <p:sp>
+        <p:nvSpPr>
+          <p:cNvPr id="10" name="Retângulo 9">
+            <a:extLst>
+              <a:ext uri="{FF2B5EF4-FFF2-40B4-BE49-F238E27FC236}">
+                <a16:creationId xmlns:a16="http://schemas.microsoft.com/office/drawing/2014/main" id="{838BDC98-3287-4575-8574-56F716FB2440}"/>
+              </a:ext>
+            </a:extLst>
+          </p:cNvPr>
+          <p:cNvSpPr/>
+          <p:nvPr/>
+        </p:nvSpPr>
+        <p:spPr>
+          <a:xfrm>
+            <a:off x="2888673" y="2227185"/>
+            <a:ext cx="8624453" cy="4212000"/>
+          </a:xfrm>
+          <a:prstGeom prst="rect">
+            <a:avLst/>
+          </a:prstGeom>
+          <a:solidFill>
+            <a:schemeClr val="tx1">
+              <a:alpha val="81000"/>
+            </a:schemeClr>
+          </a:solidFill>
+        </p:spPr>
+        <p:style>
+          <a:lnRef idx="2">
+            <a:schemeClr val="accent1">
+              <a:shade val="50000"/>
+            </a:schemeClr>
+          </a:lnRef>
+          <a:fillRef idx="1">
+            <a:schemeClr val="accent1"/>
+          </a:fillRef>
+          <a:effectRef idx="0">
+            <a:schemeClr val="accent1"/>
+          </a:effectRef>
+          <a:fontRef idx="minor">
+            <a:schemeClr val="lt1"/>
+          </a:fontRef>
+        </p:style>
+        <p:txBody>
+          <a:bodyPr rtlCol="0" anchor="ctr"/>
+          <a:lstStyle/>
+          <a:p>
+            <a:pPr algn="ctr"/>
+            <a:endParaRPr lang="pt-BR"/>
+          </a:p>
+        </p:txBody>
+      </p:sp>
+      <p:sp>
+        <p:nvSpPr>
+          <p:cNvPr id="21" name="Retângulo 20">
+            <a:extLst>
+              <a:ext uri="{FF2B5EF4-FFF2-40B4-BE49-F238E27FC236}">
+                <a16:creationId xmlns:a16="http://schemas.microsoft.com/office/drawing/2014/main" id="{95EDB8CB-8377-4925-B478-560C3F615037}"/>
+              </a:ext>
+            </a:extLst>
+          </p:cNvPr>
+          <p:cNvSpPr/>
+          <p:nvPr/>
+        </p:nvSpPr>
+        <p:spPr>
+          <a:xfrm>
+            <a:off x="2887087" y="6505978"/>
+            <a:ext cx="8624453" cy="4212000"/>
+          </a:xfrm>
+          <a:prstGeom prst="rect">
+            <a:avLst/>
+          </a:prstGeom>
+          <a:solidFill>
+            <a:schemeClr val="tx1">
+              <a:alpha val="81000"/>
+            </a:schemeClr>
+          </a:solidFill>
+        </p:spPr>
+        <p:style>
+          <a:lnRef idx="2">
+            <a:schemeClr val="accent1">
+              <a:shade val="50000"/>
+            </a:schemeClr>
+          </a:lnRef>
+          <a:fillRef idx="1">
+            <a:schemeClr val="accent1"/>
+          </a:fillRef>
+          <a:effectRef idx="0">
+            <a:schemeClr val="accent1"/>
+          </a:effectRef>
+          <a:fontRef idx="minor">
+            <a:schemeClr val="lt1"/>
+          </a:fontRef>
+        </p:style>
+        <p:txBody>
+          <a:bodyPr rtlCol="0" anchor="ctr"/>
+          <a:lstStyle/>
+          <a:p>
+            <a:pPr algn="ctr"/>
+            <a:endParaRPr lang="pt-BR"/>
+          </a:p>
+        </p:txBody>
+      </p:sp>
+      <p:sp>
+        <p:nvSpPr>
+          <p:cNvPr id="23" name="Retângulo 22">
+            <a:extLst>
+              <a:ext uri="{FF2B5EF4-FFF2-40B4-BE49-F238E27FC236}">
+                <a16:creationId xmlns:a16="http://schemas.microsoft.com/office/drawing/2014/main" id="{ED87CD67-A438-4F74-986A-3704AF997953}"/>
+              </a:ext>
+            </a:extLst>
+          </p:cNvPr>
+          <p:cNvSpPr/>
+          <p:nvPr/>
+        </p:nvSpPr>
+        <p:spPr>
+          <a:xfrm>
+            <a:off x="5308448" y="2179089"/>
+            <a:ext cx="3789504" cy="684807"/>
+          </a:xfrm>
+          <a:prstGeom prst="rect">
+            <a:avLst/>
+          </a:prstGeom>
+          <a:noFill/>
+        </p:spPr>
+        <p:txBody>
+          <a:bodyPr wrap="square" lIns="68584" tIns="34292" rIns="68584" bIns="34292">
+            <a:spAutoFit/>
+          </a:bodyPr>
+          <a:lstStyle/>
+          <a:p>
+            <a:pPr algn="ctr"/>
+            <a:r>
+              <a:rPr lang="pt-BR" sz="4000" dirty="0">
+                <a:ln w="0">
+                  <a:noFill/>
+                </a:ln>
+                <a:solidFill>
+                  <a:srgbClr val="0070C0"/>
+                </a:solidFill>
+                <a:effectLst>
+                  <a:outerShdw blurRad="38100" dist="19050" dir="2700000" algn="tl" rotWithShape="0">
+                    <a:schemeClr val="dk1">
+                      <a:alpha val="40000"/>
+                    </a:schemeClr>
+                  </a:outerShdw>
+                </a:effectLst>
+                <a:latin typeface="Exo 2 Extra Bold" panose="00000900000000000000" pitchFamily="50" charset="0"/>
+              </a:rPr>
+              <a:t>Chave 1</a:t>
+            </a:r>
+          </a:p>
+        </p:txBody>
+      </p:sp>
+      <p:sp>
+        <p:nvSpPr>
+          <p:cNvPr id="24" name="Retângulo 23">
+            <a:extLst>
+              <a:ext uri="{FF2B5EF4-FFF2-40B4-BE49-F238E27FC236}">
+                <a16:creationId xmlns:a16="http://schemas.microsoft.com/office/drawing/2014/main" id="{522A4ACC-EC27-4A14-BA66-B0EB03535C7B}"/>
+              </a:ext>
+            </a:extLst>
+          </p:cNvPr>
+          <p:cNvSpPr/>
+          <p:nvPr/>
+        </p:nvSpPr>
+        <p:spPr>
+          <a:xfrm>
+            <a:off x="5321993" y="6456434"/>
+            <a:ext cx="3789503" cy="684807"/>
+          </a:xfrm>
+          <a:prstGeom prst="rect">
+            <a:avLst/>
+          </a:prstGeom>
+          <a:noFill/>
+        </p:spPr>
+        <p:txBody>
+          <a:bodyPr wrap="square" lIns="68584" tIns="34292" rIns="68584" bIns="34292">
+            <a:spAutoFit/>
+          </a:bodyPr>
+          <a:lstStyle/>
+          <a:p>
+            <a:pPr algn="ctr"/>
+            <a:r>
+              <a:rPr lang="pt-BR" sz="4000" dirty="0">
+                <a:ln w="0">
+                  <a:noFill/>
+                </a:ln>
+                <a:solidFill>
+                  <a:srgbClr val="0070C0"/>
+                </a:solidFill>
+                <a:effectLst>
+                  <a:outerShdw blurRad="38100" dist="19050" dir="2700000" algn="tl" rotWithShape="0">
+                    <a:schemeClr val="dk1">
+                      <a:alpha val="40000"/>
+                    </a:schemeClr>
+                  </a:outerShdw>
+                </a:effectLst>
+                <a:latin typeface="Exo 2 Extra Bold" panose="00000900000000000000" pitchFamily="50" charset="0"/>
+              </a:rPr>
+              <a:t>Chave 2</a:t>
+            </a:r>
+          </a:p>
+        </p:txBody>
+      </p:sp>
+      <p:pic>
+        <p:nvPicPr>
+          <p:cNvPr id="3" name="Imagem 2">
+            <a:extLst>
+              <a:ext uri="{FF2B5EF4-FFF2-40B4-BE49-F238E27FC236}">
+                <a16:creationId xmlns:a16="http://schemas.microsoft.com/office/drawing/2014/main" id="{92769F6A-6AFD-48D9-8EA3-E575C64D0842}"/>
+              </a:ext>
+            </a:extLst>
+          </p:cNvPr>
+          <p:cNvPicPr>
+            <a:picLocks noChangeAspect="1"/>
+          </p:cNvPicPr>
+          <p:nvPr/>
+        </p:nvPicPr>
+        <p:blipFill>
+          <a:blip r:embed="rId5"/>
+          <a:stretch>
+            <a:fillRect/>
+          </a:stretch>
+        </p:blipFill>
+        <p:spPr>
+          <a:xfrm>
+            <a:off x="3253462" y="2971216"/>
+            <a:ext cx="7920000" cy="3279322"/>
+          </a:xfrm>
+          <a:prstGeom prst="rect">
+            <a:avLst/>
+          </a:prstGeom>
+        </p:spPr>
+      </p:pic>
+      <p:pic>
+        <p:nvPicPr>
+          <p:cNvPr id="8" name="Imagem 7">
+            <a:extLst>
+              <a:ext uri="{FF2B5EF4-FFF2-40B4-BE49-F238E27FC236}">
+                <a16:creationId xmlns:a16="http://schemas.microsoft.com/office/drawing/2014/main" id="{0803FAD6-C5E6-467A-846C-40D9BE9A2EC3}"/>
+              </a:ext>
+            </a:extLst>
+          </p:cNvPr>
+          <p:cNvPicPr>
+            <a:picLocks noChangeAspect="1"/>
+          </p:cNvPicPr>
+          <p:nvPr/>
+        </p:nvPicPr>
+        <p:blipFill>
+          <a:blip r:embed="rId6"/>
+          <a:stretch>
+            <a:fillRect/>
+          </a:stretch>
+        </p:blipFill>
+        <p:spPr>
+          <a:xfrm>
+            <a:off x="3253026" y="7193703"/>
+            <a:ext cx="7920000" cy="3284186"/>
           </a:xfrm>
           <a:prstGeom prst="rect">
             <a:avLst/>
@@ -15549,7 +17192,7 @@
 </p:sld>
 </file>
 
-<file path=ppt/slides/slide8.xml><?xml version="1.0" encoding="utf-8"?>
+<file path=ppt/slides/slide9.xml><?xml version="1.0" encoding="utf-8"?>
 <p:sld xmlns:a="http://schemas.openxmlformats.org/drawingml/2006/main" xmlns:r="http://schemas.openxmlformats.org/officeDocument/2006/relationships" xmlns:p="http://schemas.openxmlformats.org/presentationml/2006/main">
   <p:cSld>
     <p:bg>
@@ -16246,878 +17889,6 @@
     <p:extLst>
       <p:ext uri="{BB962C8B-B14F-4D97-AF65-F5344CB8AC3E}">
         <p14:creationId xmlns:p14="http://schemas.microsoft.com/office/powerpoint/2010/main" val="607086005"/>
-      </p:ext>
-    </p:extLst>
-  </p:cSld>
-  <p:clrMapOvr>
-    <a:masterClrMapping/>
-  </p:clrMapOvr>
-</p:sld>
-</file>
-
-<file path=ppt/slides/slide9.xml><?xml version="1.0" encoding="utf-8"?>
-<p:sld xmlns:a="http://schemas.openxmlformats.org/drawingml/2006/main" xmlns:r="http://schemas.openxmlformats.org/officeDocument/2006/relationships" xmlns:p="http://schemas.openxmlformats.org/presentationml/2006/main">
-  <p:cSld>
-    <p:bg>
-      <p:bgPr>
-        <a:solidFill>
-          <a:schemeClr val="bg1"/>
-        </a:solidFill>
-        <a:effectLst/>
-      </p:bgPr>
-    </p:bg>
-    <p:spTree>
-      <p:nvGrpSpPr>
-        <p:cNvPr id="1" name=""/>
-        <p:cNvGrpSpPr/>
-        <p:nvPr/>
-      </p:nvGrpSpPr>
-      <p:grpSpPr>
-        <a:xfrm>
-          <a:off x="0" y="0"/>
-          <a:ext cx="0" cy="0"/>
-          <a:chOff x="0" y="0"/>
-          <a:chExt cx="0" cy="0"/>
-        </a:xfrm>
-      </p:grpSpPr>
-      <p:sp>
-        <p:nvSpPr>
-          <p:cNvPr id="13" name="Rectangle 9">
-            <a:extLst>
-              <a:ext uri="{FF2B5EF4-FFF2-40B4-BE49-F238E27FC236}">
-                <a16:creationId xmlns:a16="http://schemas.microsoft.com/office/drawing/2014/main" id="{0BABF38A-8A0D-492E-BD20-6CF4D46B50BD}"/>
-              </a:ext>
-              <a:ext uri="{C183D7F6-B498-43B3-948B-1728B52AA6E4}">
-                <adec:decorative xmlns:adec="http://schemas.microsoft.com/office/drawing/2017/decorative" val="1"/>
-              </a:ext>
-            </a:extLst>
-          </p:cNvPr>
-          <p:cNvSpPr>
-            <a:spLocks noGrp="1" noRot="1" noChangeAspect="1" noMove="1" noResize="1" noEditPoints="1" noAdjustHandles="1" noChangeArrowheads="1" noChangeShapeType="1" noTextEdit="1"/>
-          </p:cNvSpPr>
-          <p:nvPr>
-            <p:extLst>
-              <p:ext uri="{386F3935-93C4-4BCD-93E2-E3B085C9AB24}">
-                <p16:designElem xmlns:p16="http://schemas.microsoft.com/office/powerpoint/2015/main" val="1"/>
-              </p:ext>
-            </p:extLst>
-          </p:nvPr>
-        </p:nvSpPr>
-        <p:spPr>
-          <a:xfrm>
-            <a:off x="3149972" y="3121681"/>
-            <a:ext cx="8100269" cy="4556404"/>
-          </a:xfrm>
-          <a:prstGeom prst="rect">
-            <a:avLst/>
-          </a:prstGeom>
-          <a:solidFill>
-            <a:schemeClr val="bg2">
-              <a:lumMod val="90000"/>
-              <a:alpha val="70000"/>
-            </a:schemeClr>
-          </a:solidFill>
-          <a:ln>
-            <a:noFill/>
-          </a:ln>
-        </p:spPr>
-        <p:style>
-          <a:lnRef idx="2">
-            <a:schemeClr val="accent1">
-              <a:shade val="50000"/>
-            </a:schemeClr>
-          </a:lnRef>
-          <a:fillRef idx="1">
-            <a:schemeClr val="accent1"/>
-          </a:fillRef>
-          <a:effectRef idx="0">
-            <a:schemeClr val="accent1"/>
-          </a:effectRef>
-          <a:fontRef idx="minor">
-            <a:schemeClr val="lt1"/>
-          </a:fontRef>
-        </p:style>
-        <p:txBody>
-          <a:bodyPr rtlCol="0" anchor="ctr"/>
-          <a:lstStyle/>
-          <a:p>
-            <a:pPr algn="ctr">
-              <a:defRPr/>
-            </a:pPr>
-            <a:endParaRPr lang="en-US" sz="1196" dirty="0">
-              <a:solidFill>
-                <a:prstClr val="black">
-                  <a:lumMod val="65000"/>
-                  <a:lumOff val="35000"/>
-                </a:prstClr>
-              </a:solidFill>
-              <a:latin typeface="AvenirNext LT Pro Medium" panose="020B0504020202020204" pitchFamily="34" charset="0"/>
-            </a:endParaRPr>
-          </a:p>
-        </p:txBody>
-      </p:sp>
-      <p:pic>
-        <p:nvPicPr>
-          <p:cNvPr id="12" name="Picture 11">
-            <a:extLst>
-              <a:ext uri="{FF2B5EF4-FFF2-40B4-BE49-F238E27FC236}">
-                <a16:creationId xmlns:a16="http://schemas.microsoft.com/office/drawing/2014/main" id="{BC526B7A-4801-4FD1-95C8-03AF22629E87}"/>
-              </a:ext>
-              <a:ext uri="{C183D7F6-B498-43B3-948B-1728B52AA6E4}">
-                <adec:decorative xmlns:adec="http://schemas.microsoft.com/office/drawing/2017/decorative" val="1"/>
-              </a:ext>
-            </a:extLst>
-          </p:cNvPr>
-          <p:cNvPicPr>
-            <a:picLocks noGrp="1" noRot="1" noChangeAspect="1" noMove="1" noResize="1" noEditPoints="1" noAdjustHandles="1" noChangeArrowheads="1" noChangeShapeType="1" noCrop="1"/>
-          </p:cNvPicPr>
-          <p:nvPr>
-            <p:extLst>
-              <p:ext uri="{386F3935-93C4-4BCD-93E2-E3B085C9AB24}">
-                <p16:designElem xmlns:p16="http://schemas.microsoft.com/office/powerpoint/2015/main" val="1"/>
-              </p:ext>
-            </p:extLst>
-          </p:nvPr>
-        </p:nvPicPr>
-        <p:blipFill>
-          <a:blip r:embed="rId2">
-            <a:alphaModFix amt="10000"/>
-            <a:extLst>
-              <a:ext uri="{28A0092B-C50C-407E-A947-70E740481C1C}">
-                <a14:useLocalDpi xmlns:a14="http://schemas.microsoft.com/office/drawing/2010/main" val="0"/>
-              </a:ext>
-            </a:extLst>
-          </a:blip>
-          <a:stretch>
-            <a:fillRect/>
-          </a:stretch>
-        </p:blipFill>
-        <p:spPr>
-          <a:xfrm>
-            <a:off x="8820159" y="3121682"/>
-            <a:ext cx="2428095" cy="3039825"/>
-          </a:xfrm>
-          <a:prstGeom prst="rect">
-            <a:avLst/>
-          </a:prstGeom>
-        </p:spPr>
-      </p:pic>
-      <p:sp useBgFill="1">
-        <p:nvSpPr>
-          <p:cNvPr id="14" name="Rectangle 13">
-            <a:extLst>
-              <a:ext uri="{FF2B5EF4-FFF2-40B4-BE49-F238E27FC236}">
-                <a16:creationId xmlns:a16="http://schemas.microsoft.com/office/drawing/2014/main" id="{37FDDF72-DE39-4F99-A3C1-DD9D7815D7DB}"/>
-              </a:ext>
-              <a:ext uri="{C183D7F6-B498-43B3-948B-1728B52AA6E4}">
-                <adec:decorative xmlns:adec="http://schemas.microsoft.com/office/drawing/2017/decorative" val="1"/>
-              </a:ext>
-            </a:extLst>
-          </p:cNvPr>
-          <p:cNvSpPr>
-            <a:spLocks noGrp="1" noRot="1" noChangeAspect="1" noMove="1" noResize="1" noEditPoints="1" noAdjustHandles="1" noChangeArrowheads="1" noChangeShapeType="1" noTextEdit="1"/>
-          </p:cNvSpPr>
-          <p:nvPr>
-            <p:extLst>
-              <p:ext uri="{386F3935-93C4-4BCD-93E2-E3B085C9AB24}">
-                <p16:designElem xmlns:p16="http://schemas.microsoft.com/office/powerpoint/2015/main" val="1"/>
-              </p:ext>
-            </p:extLst>
-          </p:nvPr>
-        </p:nvSpPr>
-        <p:spPr>
-          <a:xfrm>
-            <a:off x="3149972" y="3121681"/>
-            <a:ext cx="8100269" cy="4556401"/>
-          </a:xfrm>
-          <a:prstGeom prst="rect">
-            <a:avLst/>
-          </a:prstGeom>
-          <a:ln>
-            <a:noFill/>
-          </a:ln>
-        </p:spPr>
-        <p:style>
-          <a:lnRef idx="2">
-            <a:schemeClr val="accent1">
-              <a:shade val="50000"/>
-            </a:schemeClr>
-          </a:lnRef>
-          <a:fillRef idx="1">
-            <a:schemeClr val="accent1"/>
-          </a:fillRef>
-          <a:effectRef idx="0">
-            <a:schemeClr val="accent1"/>
-          </a:effectRef>
-          <a:fontRef idx="minor">
-            <a:schemeClr val="lt1"/>
-          </a:fontRef>
-        </p:style>
-        <p:txBody>
-          <a:bodyPr rtlCol="0" anchor="ctr"/>
-          <a:lstStyle/>
-          <a:p>
-            <a:pPr algn="ctr">
-              <a:defRPr/>
-            </a:pPr>
-            <a:endParaRPr lang="en-US" sz="1196" dirty="0">
-              <a:solidFill>
-                <a:prstClr val="black">
-                  <a:lumMod val="65000"/>
-                  <a:lumOff val="35000"/>
-                </a:prstClr>
-              </a:solidFill>
-              <a:latin typeface="AvenirNext LT Pro Medium" panose="020B0504020202020204" pitchFamily="34" charset="0"/>
-            </a:endParaRPr>
-          </a:p>
-        </p:txBody>
-      </p:sp>
-      <p:sp>
-        <p:nvSpPr>
-          <p:cNvPr id="16" name="Rectangle 15">
-            <a:extLst>
-              <a:ext uri="{FF2B5EF4-FFF2-40B4-BE49-F238E27FC236}">
-                <a16:creationId xmlns:a16="http://schemas.microsoft.com/office/drawing/2014/main" id="{5E4ECE80-3AD1-450C-B62A-98788F193948}"/>
-              </a:ext>
-              <a:ext uri="{C183D7F6-B498-43B3-948B-1728B52AA6E4}">
-                <adec:decorative xmlns:adec="http://schemas.microsoft.com/office/drawing/2017/decorative" val="1"/>
-              </a:ext>
-            </a:extLst>
-          </p:cNvPr>
-          <p:cNvSpPr>
-            <a:spLocks noGrp="1" noRot="1" noChangeAspect="1" noMove="1" noResize="1" noEditPoints="1" noAdjustHandles="1" noChangeArrowheads="1" noChangeShapeType="1" noTextEdit="1"/>
-          </p:cNvSpPr>
-          <p:nvPr>
-            <p:extLst>
-              <p:ext uri="{386F3935-93C4-4BCD-93E2-E3B085C9AB24}">
-                <p16:designElem xmlns:p16="http://schemas.microsoft.com/office/powerpoint/2015/main" val="1"/>
-              </p:ext>
-            </p:extLst>
-          </p:nvPr>
-        </p:nvSpPr>
-        <p:spPr>
-          <a:xfrm>
-            <a:off x="3149972" y="3121681"/>
-            <a:ext cx="8100269" cy="4556401"/>
-          </a:xfrm>
-          <a:prstGeom prst="rect">
-            <a:avLst/>
-          </a:prstGeom>
-          <a:solidFill>
-            <a:srgbClr val="000000"/>
-          </a:solidFill>
-          <a:ln>
-            <a:noFill/>
-          </a:ln>
-        </p:spPr>
-        <p:style>
-          <a:lnRef idx="2">
-            <a:schemeClr val="accent1">
-              <a:shade val="50000"/>
-            </a:schemeClr>
-          </a:lnRef>
-          <a:fillRef idx="1">
-            <a:schemeClr val="accent1"/>
-          </a:fillRef>
-          <a:effectRef idx="0">
-            <a:schemeClr val="accent1"/>
-          </a:effectRef>
-          <a:fontRef idx="minor">
-            <a:schemeClr val="lt1"/>
-          </a:fontRef>
-        </p:style>
-        <p:txBody>
-          <a:bodyPr rtlCol="0" anchor="ctr"/>
-          <a:lstStyle/>
-          <a:p>
-            <a:pPr algn="ctr">
-              <a:defRPr/>
-            </a:pPr>
-            <a:endParaRPr lang="en-US" sz="1196" dirty="0">
-              <a:solidFill>
-                <a:prstClr val="black">
-                  <a:lumMod val="65000"/>
-                  <a:lumOff val="35000"/>
-                </a:prstClr>
-              </a:solidFill>
-              <a:latin typeface="AvenirNext LT Pro Medium" panose="020B0504020202020204" pitchFamily="34" charset="0"/>
-            </a:endParaRPr>
-          </a:p>
-        </p:txBody>
-      </p:sp>
-      <p:pic>
-        <p:nvPicPr>
-          <p:cNvPr id="5" name="Imagem 4">
-            <a:extLst>
-              <a:ext uri="{FF2B5EF4-FFF2-40B4-BE49-F238E27FC236}">
-                <a16:creationId xmlns:a16="http://schemas.microsoft.com/office/drawing/2014/main" id="{F1433EF1-FB6D-4913-96C9-08F0B1B3CA7A}"/>
-              </a:ext>
-            </a:extLst>
-          </p:cNvPr>
-          <p:cNvPicPr>
-            <a:picLocks noChangeAspect="1"/>
-          </p:cNvPicPr>
-          <p:nvPr/>
-        </p:nvPicPr>
-        <p:blipFill rotWithShape="1">
-          <a:blip r:embed="rId3">
-            <a:alphaModFix/>
-            <a:extLst>
-              <a:ext uri="{28A0092B-C50C-407E-A947-70E740481C1C}">
-                <a14:useLocalDpi xmlns:a14="http://schemas.microsoft.com/office/drawing/2010/main" val="0"/>
-              </a:ext>
-            </a:extLst>
-          </a:blip>
-          <a:srcRect l="5233" t="-2125" r="6244" b="-538"/>
-          <a:stretch/>
-        </p:blipFill>
-        <p:spPr>
-          <a:xfrm>
-            <a:off x="-1" y="-248909"/>
-            <a:ext cx="14400213" cy="11147555"/>
-          </a:xfrm>
-          <a:prstGeom prst="rect">
-            <a:avLst/>
-          </a:prstGeom>
-        </p:spPr>
-      </p:pic>
-      <p:sp>
-        <p:nvSpPr>
-          <p:cNvPr id="50" name="Retângulo 49">
-            <a:extLst>
-              <a:ext uri="{FF2B5EF4-FFF2-40B4-BE49-F238E27FC236}">
-                <a16:creationId xmlns:a16="http://schemas.microsoft.com/office/drawing/2014/main" id="{50614AED-75DE-4550-9029-54313F89BD12}"/>
-              </a:ext>
-            </a:extLst>
-          </p:cNvPr>
-          <p:cNvSpPr/>
-          <p:nvPr/>
-        </p:nvSpPr>
-        <p:spPr>
-          <a:xfrm>
-            <a:off x="3186646" y="311571"/>
-            <a:ext cx="8052791" cy="992583"/>
-          </a:xfrm>
-          <a:prstGeom prst="rect">
-            <a:avLst/>
-          </a:prstGeom>
-          <a:noFill/>
-        </p:spPr>
-        <p:txBody>
-          <a:bodyPr wrap="square" lIns="68584" tIns="34292" rIns="68584" bIns="34292">
-            <a:spAutoFit/>
-          </a:bodyPr>
-          <a:lstStyle/>
-          <a:p>
-            <a:pPr algn="ctr"/>
-            <a:r>
-              <a:rPr lang="pt-BR" sz="6000" dirty="0">
-                <a:ln w="38100">
-                  <a:solidFill>
-                    <a:schemeClr val="bg1"/>
-                  </a:solidFill>
-                </a:ln>
-                <a:solidFill>
-                  <a:srgbClr val="00B050"/>
-                </a:solidFill>
-                <a:effectLst>
-                  <a:outerShdw blurRad="38100" dist="19050" dir="2700000" algn="tl" rotWithShape="0">
-                    <a:schemeClr val="dk1">
-                      <a:alpha val="40000"/>
-                    </a:schemeClr>
-                  </a:outerShdw>
-                </a:effectLst>
-                <a:latin typeface="Exo 2 Extra Bold" panose="00000900000000000000" pitchFamily="50" charset="0"/>
-              </a:rPr>
-              <a:t>Liga Principal</a:t>
-            </a:r>
-          </a:p>
-        </p:txBody>
-      </p:sp>
-      <p:sp>
-        <p:nvSpPr>
-          <p:cNvPr id="53" name="Retângulo 52">
-            <a:extLst>
-              <a:ext uri="{FF2B5EF4-FFF2-40B4-BE49-F238E27FC236}">
-                <a16:creationId xmlns:a16="http://schemas.microsoft.com/office/drawing/2014/main" id="{F101E0BF-8A68-40B9-BC26-35C299182F52}"/>
-              </a:ext>
-            </a:extLst>
-          </p:cNvPr>
-          <p:cNvSpPr/>
-          <p:nvPr/>
-        </p:nvSpPr>
-        <p:spPr>
-          <a:xfrm>
-            <a:off x="336776" y="1104608"/>
-            <a:ext cx="13909452" cy="1177249"/>
-          </a:xfrm>
-          <a:prstGeom prst="rect">
-            <a:avLst/>
-          </a:prstGeom>
-          <a:noFill/>
-        </p:spPr>
-        <p:txBody>
-          <a:bodyPr wrap="square" lIns="68584" tIns="34292" rIns="68584" bIns="34292">
-            <a:spAutoFit/>
-          </a:bodyPr>
-          <a:lstStyle/>
-          <a:p>
-            <a:pPr algn="ctr"/>
-            <a:r>
-              <a:rPr lang="pt-BR" sz="7200" dirty="0">
-                <a:ln w="0">
-                  <a:noFill/>
-                </a:ln>
-                <a:effectLst>
-                  <a:outerShdw blurRad="38100" dist="19050" dir="2700000" algn="tl" rotWithShape="0">
-                    <a:schemeClr val="dk1">
-                      <a:alpha val="40000"/>
-                    </a:schemeClr>
-                  </a:outerShdw>
-                </a:effectLst>
-                <a:latin typeface="Exo 2 Extra Bold" panose="00000900000000000000" pitchFamily="50" charset="0"/>
-              </a:rPr>
-              <a:t>MATA-MATA SÉRIE A 3</a:t>
-            </a:r>
-          </a:p>
-        </p:txBody>
-      </p:sp>
-      <p:pic>
-        <p:nvPicPr>
-          <p:cNvPr id="15" name="Imagem 14">
-            <a:extLst>
-              <a:ext uri="{FF2B5EF4-FFF2-40B4-BE49-F238E27FC236}">
-                <a16:creationId xmlns:a16="http://schemas.microsoft.com/office/drawing/2014/main" id="{780D6AE4-2B31-43CF-8A3B-9ACC73C32FE9}"/>
-              </a:ext>
-            </a:extLst>
-          </p:cNvPr>
-          <p:cNvPicPr>
-            <a:picLocks noChangeAspect="1"/>
-          </p:cNvPicPr>
-          <p:nvPr/>
-        </p:nvPicPr>
-        <p:blipFill>
-          <a:blip r:embed="rId4" cstate="hqprint">
-            <a:extLst>
-              <a:ext uri="{28A0092B-C50C-407E-A947-70E740481C1C}">
-                <a14:useLocalDpi xmlns:a14="http://schemas.microsoft.com/office/drawing/2010/main" val="0"/>
-              </a:ext>
-            </a:extLst>
-          </a:blip>
-          <a:stretch>
-            <a:fillRect/>
-          </a:stretch>
-        </p:blipFill>
-        <p:spPr>
-          <a:xfrm>
-            <a:off x="336776" y="194284"/>
-            <a:ext cx="2059134" cy="2160000"/>
-          </a:xfrm>
-          <a:prstGeom prst="rect">
-            <a:avLst/>
-          </a:prstGeom>
-        </p:spPr>
-      </p:pic>
-      <p:sp>
-        <p:nvSpPr>
-          <p:cNvPr id="10" name="Retângulo 9">
-            <a:extLst>
-              <a:ext uri="{FF2B5EF4-FFF2-40B4-BE49-F238E27FC236}">
-                <a16:creationId xmlns:a16="http://schemas.microsoft.com/office/drawing/2014/main" id="{838BDC98-3287-4575-8574-56F716FB2440}"/>
-              </a:ext>
-            </a:extLst>
-          </p:cNvPr>
-          <p:cNvSpPr/>
-          <p:nvPr/>
-        </p:nvSpPr>
-        <p:spPr>
-          <a:xfrm>
-            <a:off x="1911927" y="2227185"/>
-            <a:ext cx="10476677" cy="2718888"/>
-          </a:xfrm>
-          <a:prstGeom prst="rect">
-            <a:avLst/>
-          </a:prstGeom>
-          <a:solidFill>
-            <a:schemeClr val="tx1">
-              <a:alpha val="81000"/>
-            </a:schemeClr>
-          </a:solidFill>
-        </p:spPr>
-        <p:style>
-          <a:lnRef idx="2">
-            <a:schemeClr val="accent1">
-              <a:shade val="50000"/>
-            </a:schemeClr>
-          </a:lnRef>
-          <a:fillRef idx="1">
-            <a:schemeClr val="accent1"/>
-          </a:fillRef>
-          <a:effectRef idx="0">
-            <a:schemeClr val="accent1"/>
-          </a:effectRef>
-          <a:fontRef idx="minor">
-            <a:schemeClr val="lt1"/>
-          </a:fontRef>
-        </p:style>
-        <p:txBody>
-          <a:bodyPr rtlCol="0" anchor="ctr"/>
-          <a:lstStyle/>
-          <a:p>
-            <a:pPr algn="ctr"/>
-            <a:endParaRPr lang="pt-BR"/>
-          </a:p>
-        </p:txBody>
-      </p:sp>
-      <p:sp>
-        <p:nvSpPr>
-          <p:cNvPr id="21" name="Retângulo 20">
-            <a:extLst>
-              <a:ext uri="{FF2B5EF4-FFF2-40B4-BE49-F238E27FC236}">
-                <a16:creationId xmlns:a16="http://schemas.microsoft.com/office/drawing/2014/main" id="{95EDB8CB-8377-4925-B478-560C3F615037}"/>
-              </a:ext>
-            </a:extLst>
-          </p:cNvPr>
-          <p:cNvSpPr/>
-          <p:nvPr/>
-        </p:nvSpPr>
-        <p:spPr>
-          <a:xfrm>
-            <a:off x="1911927" y="5072033"/>
-            <a:ext cx="10476677" cy="2718888"/>
-          </a:xfrm>
-          <a:prstGeom prst="rect">
-            <a:avLst/>
-          </a:prstGeom>
-          <a:solidFill>
-            <a:schemeClr val="tx1">
-              <a:alpha val="81000"/>
-            </a:schemeClr>
-          </a:solidFill>
-        </p:spPr>
-        <p:style>
-          <a:lnRef idx="2">
-            <a:schemeClr val="accent1">
-              <a:shade val="50000"/>
-            </a:schemeClr>
-          </a:lnRef>
-          <a:fillRef idx="1">
-            <a:schemeClr val="accent1"/>
-          </a:fillRef>
-          <a:effectRef idx="0">
-            <a:schemeClr val="accent1"/>
-          </a:effectRef>
-          <a:fontRef idx="minor">
-            <a:schemeClr val="lt1"/>
-          </a:fontRef>
-        </p:style>
-        <p:txBody>
-          <a:bodyPr rtlCol="0" anchor="ctr"/>
-          <a:lstStyle/>
-          <a:p>
-            <a:pPr algn="ctr"/>
-            <a:endParaRPr lang="pt-BR"/>
-          </a:p>
-        </p:txBody>
-      </p:sp>
-      <p:sp>
-        <p:nvSpPr>
-          <p:cNvPr id="23" name="Retângulo 22">
-            <a:extLst>
-              <a:ext uri="{FF2B5EF4-FFF2-40B4-BE49-F238E27FC236}">
-                <a16:creationId xmlns:a16="http://schemas.microsoft.com/office/drawing/2014/main" id="{ED87CD67-A438-4F74-986A-3704AF997953}"/>
-              </a:ext>
-            </a:extLst>
-          </p:cNvPr>
-          <p:cNvSpPr/>
-          <p:nvPr/>
-        </p:nvSpPr>
-        <p:spPr>
-          <a:xfrm>
-            <a:off x="5308448" y="2179089"/>
-            <a:ext cx="3789504" cy="684807"/>
-          </a:xfrm>
-          <a:prstGeom prst="rect">
-            <a:avLst/>
-          </a:prstGeom>
-          <a:noFill/>
-        </p:spPr>
-        <p:txBody>
-          <a:bodyPr wrap="square" lIns="68584" tIns="34292" rIns="68584" bIns="34292">
-            <a:spAutoFit/>
-          </a:bodyPr>
-          <a:lstStyle/>
-          <a:p>
-            <a:pPr algn="ctr"/>
-            <a:r>
-              <a:rPr lang="pt-BR" sz="4000" dirty="0">
-                <a:ln w="0">
-                  <a:noFill/>
-                </a:ln>
-                <a:solidFill>
-                  <a:srgbClr val="0070C0"/>
-                </a:solidFill>
-                <a:effectLst>
-                  <a:outerShdw blurRad="38100" dist="19050" dir="2700000" algn="tl" rotWithShape="0">
-                    <a:schemeClr val="dk1">
-                      <a:alpha val="40000"/>
-                    </a:schemeClr>
-                  </a:outerShdw>
-                </a:effectLst>
-                <a:latin typeface="Exo 2 Extra Bold" panose="00000900000000000000" pitchFamily="50" charset="0"/>
-              </a:rPr>
-              <a:t>Chave 1</a:t>
-            </a:r>
-          </a:p>
-        </p:txBody>
-      </p:sp>
-      <p:sp>
-        <p:nvSpPr>
-          <p:cNvPr id="24" name="Retângulo 23">
-            <a:extLst>
-              <a:ext uri="{FF2B5EF4-FFF2-40B4-BE49-F238E27FC236}">
-                <a16:creationId xmlns:a16="http://schemas.microsoft.com/office/drawing/2014/main" id="{522A4ACC-EC27-4A14-BA66-B0EB03535C7B}"/>
-              </a:ext>
-            </a:extLst>
-          </p:cNvPr>
-          <p:cNvSpPr/>
-          <p:nvPr/>
-        </p:nvSpPr>
-        <p:spPr>
-          <a:xfrm>
-            <a:off x="5321993" y="5022489"/>
-            <a:ext cx="3789503" cy="684807"/>
-          </a:xfrm>
-          <a:prstGeom prst="rect">
-            <a:avLst/>
-          </a:prstGeom>
-          <a:noFill/>
-        </p:spPr>
-        <p:txBody>
-          <a:bodyPr wrap="square" lIns="68584" tIns="34292" rIns="68584" bIns="34292">
-            <a:spAutoFit/>
-          </a:bodyPr>
-          <a:lstStyle/>
-          <a:p>
-            <a:pPr algn="ctr"/>
-            <a:r>
-              <a:rPr lang="pt-BR" sz="4000" dirty="0">
-                <a:ln w="0">
-                  <a:noFill/>
-                </a:ln>
-                <a:solidFill>
-                  <a:srgbClr val="0070C0"/>
-                </a:solidFill>
-                <a:effectLst>
-                  <a:outerShdw blurRad="38100" dist="19050" dir="2700000" algn="tl" rotWithShape="0">
-                    <a:schemeClr val="dk1">
-                      <a:alpha val="40000"/>
-                    </a:schemeClr>
-                  </a:outerShdw>
-                </a:effectLst>
-                <a:latin typeface="Exo 2 Extra Bold" panose="00000900000000000000" pitchFamily="50" charset="0"/>
-              </a:rPr>
-              <a:t>Chave 2</a:t>
-            </a:r>
-          </a:p>
-        </p:txBody>
-      </p:sp>
-      <p:pic>
-        <p:nvPicPr>
-          <p:cNvPr id="2" name="Imagem 1">
-            <a:extLst>
-              <a:ext uri="{FF2B5EF4-FFF2-40B4-BE49-F238E27FC236}">
-                <a16:creationId xmlns:a16="http://schemas.microsoft.com/office/drawing/2014/main" id="{1EA30457-056C-4857-B3A2-4A3B7706B511}"/>
-              </a:ext>
-            </a:extLst>
-          </p:cNvPr>
-          <p:cNvPicPr>
-            <a:picLocks noChangeAspect="1"/>
-          </p:cNvPicPr>
-          <p:nvPr/>
-        </p:nvPicPr>
-        <p:blipFill>
-          <a:blip r:embed="rId5"/>
-          <a:stretch>
-            <a:fillRect/>
-          </a:stretch>
-        </p:blipFill>
-        <p:spPr>
-          <a:xfrm>
-            <a:off x="2355335" y="2894981"/>
-            <a:ext cx="9720000" cy="1881294"/>
-          </a:xfrm>
-          <a:prstGeom prst="rect">
-            <a:avLst/>
-          </a:prstGeom>
-        </p:spPr>
-      </p:pic>
-      <p:pic>
-        <p:nvPicPr>
-          <p:cNvPr id="3" name="Imagem 2">
-            <a:extLst>
-              <a:ext uri="{FF2B5EF4-FFF2-40B4-BE49-F238E27FC236}">
-                <a16:creationId xmlns:a16="http://schemas.microsoft.com/office/drawing/2014/main" id="{7A4B5F47-D199-49A7-A4FE-538AB8634E21}"/>
-              </a:ext>
-            </a:extLst>
-          </p:cNvPr>
-          <p:cNvPicPr>
-            <a:picLocks noChangeAspect="1"/>
-          </p:cNvPicPr>
-          <p:nvPr/>
-        </p:nvPicPr>
-        <p:blipFill>
-          <a:blip r:embed="rId6"/>
-          <a:stretch>
-            <a:fillRect/>
-          </a:stretch>
-        </p:blipFill>
-        <p:spPr>
-          <a:xfrm>
-            <a:off x="2365543" y="5682507"/>
-            <a:ext cx="9720000" cy="1881294"/>
-          </a:xfrm>
-          <a:prstGeom prst="rect">
-            <a:avLst/>
-          </a:prstGeom>
-        </p:spPr>
-      </p:pic>
-      <p:sp>
-        <p:nvSpPr>
-          <p:cNvPr id="18" name="Retângulo 17">
-            <a:extLst>
-              <a:ext uri="{FF2B5EF4-FFF2-40B4-BE49-F238E27FC236}">
-                <a16:creationId xmlns:a16="http://schemas.microsoft.com/office/drawing/2014/main" id="{3128898C-0A57-4F19-8491-B43E8301569E}"/>
-              </a:ext>
-            </a:extLst>
-          </p:cNvPr>
-          <p:cNvSpPr/>
-          <p:nvPr/>
-        </p:nvSpPr>
-        <p:spPr>
-          <a:xfrm>
-            <a:off x="1918853" y="7946853"/>
-            <a:ext cx="10476677" cy="2718888"/>
-          </a:xfrm>
-          <a:prstGeom prst="rect">
-            <a:avLst/>
-          </a:prstGeom>
-          <a:solidFill>
-            <a:schemeClr val="tx1">
-              <a:alpha val="81000"/>
-            </a:schemeClr>
-          </a:solidFill>
-        </p:spPr>
-        <p:style>
-          <a:lnRef idx="2">
-            <a:schemeClr val="accent1">
-              <a:shade val="50000"/>
-            </a:schemeClr>
-          </a:lnRef>
-          <a:fillRef idx="1">
-            <a:schemeClr val="accent1"/>
-          </a:fillRef>
-          <a:effectRef idx="0">
-            <a:schemeClr val="accent1"/>
-          </a:effectRef>
-          <a:fontRef idx="minor">
-            <a:schemeClr val="lt1"/>
-          </a:fontRef>
-        </p:style>
-        <p:txBody>
-          <a:bodyPr rtlCol="0" anchor="ctr"/>
-          <a:lstStyle/>
-          <a:p>
-            <a:pPr algn="ctr"/>
-            <a:endParaRPr lang="pt-BR"/>
-          </a:p>
-        </p:txBody>
-      </p:sp>
-      <p:sp>
-        <p:nvSpPr>
-          <p:cNvPr id="19" name="Retângulo 18">
-            <a:extLst>
-              <a:ext uri="{FF2B5EF4-FFF2-40B4-BE49-F238E27FC236}">
-                <a16:creationId xmlns:a16="http://schemas.microsoft.com/office/drawing/2014/main" id="{233846BD-32E7-4324-ADF6-449F12B78362}"/>
-              </a:ext>
-            </a:extLst>
-          </p:cNvPr>
-          <p:cNvSpPr/>
-          <p:nvPr/>
-        </p:nvSpPr>
-        <p:spPr>
-          <a:xfrm>
-            <a:off x="5328919" y="7897309"/>
-            <a:ext cx="3789503" cy="684807"/>
-          </a:xfrm>
-          <a:prstGeom prst="rect">
-            <a:avLst/>
-          </a:prstGeom>
-          <a:noFill/>
-        </p:spPr>
-        <p:txBody>
-          <a:bodyPr wrap="square" lIns="68584" tIns="34292" rIns="68584" bIns="34292">
-            <a:spAutoFit/>
-          </a:bodyPr>
-          <a:lstStyle/>
-          <a:p>
-            <a:pPr algn="ctr"/>
-            <a:r>
-              <a:rPr lang="pt-BR" sz="4000" dirty="0">
-                <a:ln w="0">
-                  <a:noFill/>
-                </a:ln>
-                <a:solidFill>
-                  <a:srgbClr val="0070C0"/>
-                </a:solidFill>
-                <a:effectLst>
-                  <a:outerShdw blurRad="38100" dist="19050" dir="2700000" algn="tl" rotWithShape="0">
-                    <a:schemeClr val="dk1">
-                      <a:alpha val="40000"/>
-                    </a:schemeClr>
-                  </a:outerShdw>
-                </a:effectLst>
-                <a:latin typeface="Exo 2 Extra Bold" panose="00000900000000000000" pitchFamily="50" charset="0"/>
-              </a:rPr>
-              <a:t>Semifinal</a:t>
-            </a:r>
-          </a:p>
-        </p:txBody>
-      </p:sp>
-      <p:pic>
-        <p:nvPicPr>
-          <p:cNvPr id="7" name="Imagem 6">
-            <a:extLst>
-              <a:ext uri="{FF2B5EF4-FFF2-40B4-BE49-F238E27FC236}">
-                <a16:creationId xmlns:a16="http://schemas.microsoft.com/office/drawing/2014/main" id="{0550EDED-79E2-4345-8D71-F0735441DA40}"/>
-              </a:ext>
-            </a:extLst>
-          </p:cNvPr>
-          <p:cNvPicPr>
-            <a:picLocks noChangeAspect="1"/>
-          </p:cNvPicPr>
-          <p:nvPr/>
-        </p:nvPicPr>
-        <p:blipFill>
-          <a:blip r:embed="rId7"/>
-          <a:stretch>
-            <a:fillRect/>
-          </a:stretch>
-        </p:blipFill>
-        <p:spPr>
-          <a:xfrm>
-            <a:off x="2356098" y="8593661"/>
-            <a:ext cx="9720000" cy="1881271"/>
-          </a:xfrm>
-          <a:prstGeom prst="rect">
-            <a:avLst/>
-          </a:prstGeom>
-        </p:spPr>
-      </p:pic>
-    </p:spTree>
-    <p:extLst>
-      <p:ext uri="{BB962C8B-B14F-4D97-AF65-F5344CB8AC3E}">
-        <p14:creationId xmlns:p14="http://schemas.microsoft.com/office/powerpoint/2010/main" val="2211690294"/>
       </p:ext>
     </p:extLst>
   </p:cSld>

--- a/MataMataPlanilha.pptx
+++ b/MataMataPlanilha.pptx
@@ -15,15 +15,16 @@
     <p:sldId id="274" r:id="rId9"/>
     <p:sldId id="276" r:id="rId10"/>
     <p:sldId id="267" r:id="rId11"/>
-    <p:sldId id="281" r:id="rId12"/>
-    <p:sldId id="277" r:id="rId13"/>
-    <p:sldId id="282" r:id="rId14"/>
-    <p:sldId id="283" r:id="rId15"/>
-    <p:sldId id="284" r:id="rId16"/>
-    <p:sldId id="268" r:id="rId17"/>
-    <p:sldId id="279" r:id="rId18"/>
-    <p:sldId id="280" r:id="rId19"/>
-    <p:sldId id="269" r:id="rId20"/>
+    <p:sldId id="287" r:id="rId12"/>
+    <p:sldId id="281" r:id="rId13"/>
+    <p:sldId id="277" r:id="rId14"/>
+    <p:sldId id="282" r:id="rId15"/>
+    <p:sldId id="283" r:id="rId16"/>
+    <p:sldId id="284" r:id="rId17"/>
+    <p:sldId id="268" r:id="rId18"/>
+    <p:sldId id="279" r:id="rId19"/>
+    <p:sldId id="280" r:id="rId20"/>
+    <p:sldId id="269" r:id="rId21"/>
   </p:sldIdLst>
   <p:sldSz cx="14400213" cy="10799763"/>
   <p:notesSz cx="6858000" cy="9144000"/>
@@ -304,7 +305,7 @@
             <a:fld id="{11A6662E-FAF4-44BC-88B5-85A7CBFB6D30}" type="datetime1">
               <a:rPr lang="en-US" smtClean="0"/>
               <a:pPr/>
-              <a:t>10/8/2021</a:t>
+              <a:t>10/11/2021</a:t>
             </a:fld>
             <a:endParaRPr lang="en-US" dirty="0"/>
           </a:p>
@@ -531,7 +532,7 @@
           <a:p>
             <a:fld id="{4C559632-1575-4E14-B53B-3DC3D5ED3947}" type="datetime1">
               <a:rPr lang="en-US" smtClean="0"/>
-              <a:t>10/8/2021</a:t>
+              <a:t>10/11/2021</a:t>
             </a:fld>
             <a:endParaRPr lang="en-US"/>
           </a:p>
@@ -739,7 +740,7 @@
           <a:p>
             <a:fld id="{CC4A6868-2568-4CC9-B302-F37117B01A6E}" type="datetime1">
               <a:rPr lang="en-US" smtClean="0"/>
-              <a:t>10/8/2021</a:t>
+              <a:t>10/11/2021</a:t>
             </a:fld>
             <a:endParaRPr lang="en-US"/>
           </a:p>
@@ -944,7 +945,7 @@
           <a:p>
             <a:fld id="{0055F08A-1E71-4B2B-BB49-E743F2903911}" type="datetime1">
               <a:rPr lang="en-US" smtClean="0"/>
-              <a:t>10/8/2021</a:t>
+              <a:t>10/11/2021</a:t>
             </a:fld>
             <a:endParaRPr lang="en-US" dirty="0"/>
           </a:p>
@@ -1218,7 +1219,7 @@
           <a:p>
             <a:fld id="{15417D9E-721A-44BB-8863-9873FE64DA75}" type="datetime1">
               <a:rPr lang="en-US" smtClean="0"/>
-              <a:t>10/8/2021</a:t>
+              <a:t>10/11/2021</a:t>
             </a:fld>
             <a:endParaRPr lang="en-US"/>
           </a:p>
@@ -1491,7 +1492,7 @@
           <a:p>
             <a:fld id="{5F31DA2F-80B8-49CF-99FB-5ABCA53A607A}" type="datetime1">
               <a:rPr lang="en-US" smtClean="0"/>
-              <a:t>10/8/2021</a:t>
+              <a:t>10/11/2021</a:t>
             </a:fld>
             <a:endParaRPr lang="en-US"/>
           </a:p>
@@ -1906,7 +1907,7 @@
           <a:p>
             <a:fld id="{28852172-E6C9-4B6C-929A-A9DE3837BBF1}" type="datetime1">
               <a:rPr lang="en-US" smtClean="0"/>
-              <a:t>10/8/2021</a:t>
+              <a:t>10/11/2021</a:t>
             </a:fld>
             <a:endParaRPr lang="en-US"/>
           </a:p>
@@ -2058,7 +2059,7 @@
           <a:p>
             <a:fld id="{3AB41CFF-90C9-47B3-9DA1-F2BF8D839F7E}" type="datetime1">
               <a:rPr lang="en-US" smtClean="0"/>
-              <a:t>10/8/2021</a:t>
+              <a:t>10/11/2021</a:t>
             </a:fld>
             <a:endParaRPr lang="en-US"/>
           </a:p>
@@ -2171,7 +2172,7 @@
           <a:p>
             <a:fld id="{F06048FA-06AB-4884-A69B-986B96E68A24}" type="datetime1">
               <a:rPr lang="en-US" smtClean="0"/>
-              <a:t>10/8/2021</a:t>
+              <a:t>10/11/2021</a:t>
             </a:fld>
             <a:endParaRPr lang="en-US"/>
           </a:p>
@@ -2482,7 +2483,7 @@
           <a:p>
             <a:fld id="{50DB7ABA-0172-4F9C-889D-567164F66BCD}" type="datetime1">
               <a:rPr lang="en-US" smtClean="0"/>
-              <a:t>10/8/2021</a:t>
+              <a:t>10/11/2021</a:t>
             </a:fld>
             <a:endParaRPr lang="en-US"/>
           </a:p>
@@ -2773,7 +2774,7 @@
           <a:p>
             <a:fld id="{78AC6A5B-8AE7-4A41-B5A7-9ADC6686DC18}" type="datetime1">
               <a:rPr lang="en-US" smtClean="0"/>
-              <a:t>10/8/2021</a:t>
+              <a:t>10/11/2021</a:t>
             </a:fld>
             <a:endParaRPr lang="en-US"/>
           </a:p>
@@ -3082,7 +3083,7 @@
             <a:fld id="{57E0CF6C-748E-4B7A-BC8B-3011EF78ED13}" type="datetime1">
               <a:rPr lang="en-US" smtClean="0"/>
               <a:pPr/>
-              <a:t>10/8/2021</a:t>
+              <a:t>10/11/2021</a:t>
             </a:fld>
             <a:endParaRPr lang="en-US" dirty="0"/>
           </a:p>
@@ -5578,7 +5579,7 @@
                 </a:effectLst>
                 <a:latin typeface="Exo 2 Extra Bold" panose="00000900000000000000" pitchFamily="50" charset="0"/>
               </a:rPr>
-              <a:t>MATA-MATA SÉRIE C 3</a:t>
+              <a:t>MATA-MATA SÉRIE B 5</a:t>
             </a:r>
           </a:p>
         </p:txBody>
@@ -5927,10 +5928,10 @@
       </p:sp>
       <p:pic>
         <p:nvPicPr>
-          <p:cNvPr id="20" name="Imagem 19">
-            <a:extLst>
-              <a:ext uri="{FF2B5EF4-FFF2-40B4-BE49-F238E27FC236}">
-                <a16:creationId xmlns:a16="http://schemas.microsoft.com/office/drawing/2014/main" id="{8B848E47-87C7-459A-921E-B11B387BE2C1}"/>
+          <p:cNvPr id="6" name="Imagem 5">
+            <a:extLst>
+              <a:ext uri="{FF2B5EF4-FFF2-40B4-BE49-F238E27FC236}">
+                <a16:creationId xmlns:a16="http://schemas.microsoft.com/office/drawing/2014/main" id="{AB6F86A5-D358-47F1-BD6D-AE7FD8B19AA5}"/>
               </a:ext>
             </a:extLst>
           </p:cNvPr>
@@ -5947,8 +5948,8 @@
         </p:blipFill>
         <p:spPr>
           <a:xfrm>
-            <a:off x="2368038" y="2892331"/>
-            <a:ext cx="9720000" cy="1881294"/>
+            <a:off x="2366208" y="2893485"/>
+            <a:ext cx="9720000" cy="1884742"/>
           </a:xfrm>
           <a:prstGeom prst="rect">
             <a:avLst/>
@@ -5957,10 +5958,10 @@
       </p:pic>
       <p:pic>
         <p:nvPicPr>
-          <p:cNvPr id="22" name="Imagem 21">
-            <a:extLst>
-              <a:ext uri="{FF2B5EF4-FFF2-40B4-BE49-F238E27FC236}">
-                <a16:creationId xmlns:a16="http://schemas.microsoft.com/office/drawing/2014/main" id="{9784EC47-DE15-4EF6-A72C-06FEE2FAB007}"/>
+          <p:cNvPr id="9" name="Imagem 8">
+            <a:extLst>
+              <a:ext uri="{FF2B5EF4-FFF2-40B4-BE49-F238E27FC236}">
+                <a16:creationId xmlns:a16="http://schemas.microsoft.com/office/drawing/2014/main" id="{09A4CB3A-93AA-4385-93B3-12EA4FC1BF31}"/>
               </a:ext>
             </a:extLst>
           </p:cNvPr>
@@ -5977,38 +5978,850 @@
         </p:blipFill>
         <p:spPr>
           <a:xfrm>
-            <a:off x="2363800" y="5682504"/>
-            <a:ext cx="9720000" cy="1881294"/>
+            <a:off x="2362940" y="5685525"/>
+            <a:ext cx="9720000" cy="1884742"/>
           </a:xfrm>
           <a:prstGeom prst="rect">
             <a:avLst/>
           </a:prstGeom>
         </p:spPr>
       </p:pic>
+    </p:spTree>
+    <p:extLst>
+      <p:ext uri="{BB962C8B-B14F-4D97-AF65-F5344CB8AC3E}">
+        <p14:creationId xmlns:p14="http://schemas.microsoft.com/office/powerpoint/2010/main" val="282579954"/>
+      </p:ext>
+    </p:extLst>
+  </p:cSld>
+  <p:clrMapOvr>
+    <a:masterClrMapping/>
+  </p:clrMapOvr>
+</p:sld>
+</file>
+
+<file path=ppt/slides/slide12.xml><?xml version="1.0" encoding="utf-8"?>
+<p:sld xmlns:a="http://schemas.openxmlformats.org/drawingml/2006/main" xmlns:r="http://schemas.openxmlformats.org/officeDocument/2006/relationships" xmlns:p="http://schemas.openxmlformats.org/presentationml/2006/main">
+  <p:cSld>
+    <p:bg>
+      <p:bgPr>
+        <a:solidFill>
+          <a:schemeClr val="bg1"/>
+        </a:solidFill>
+        <a:effectLst/>
+      </p:bgPr>
+    </p:bg>
+    <p:spTree>
+      <p:nvGrpSpPr>
+        <p:cNvPr id="1" name=""/>
+        <p:cNvGrpSpPr/>
+        <p:nvPr/>
+      </p:nvGrpSpPr>
+      <p:grpSpPr>
+        <a:xfrm>
+          <a:off x="0" y="0"/>
+          <a:ext cx="0" cy="0"/>
+          <a:chOff x="0" y="0"/>
+          <a:chExt cx="0" cy="0"/>
+        </a:xfrm>
+      </p:grpSpPr>
+      <p:sp>
+        <p:nvSpPr>
+          <p:cNvPr id="13" name="Rectangle 9">
+            <a:extLst>
+              <a:ext uri="{FF2B5EF4-FFF2-40B4-BE49-F238E27FC236}">
+                <a16:creationId xmlns:a16="http://schemas.microsoft.com/office/drawing/2014/main" id="{0BABF38A-8A0D-492E-BD20-6CF4D46B50BD}"/>
+              </a:ext>
+              <a:ext uri="{C183D7F6-B498-43B3-948B-1728B52AA6E4}">
+                <adec:decorative xmlns:adec="http://schemas.microsoft.com/office/drawing/2017/decorative" val="1"/>
+              </a:ext>
+            </a:extLst>
+          </p:cNvPr>
+          <p:cNvSpPr>
+            <a:spLocks noGrp="1" noRot="1" noChangeAspect="1" noMove="1" noResize="1" noEditPoints="1" noAdjustHandles="1" noChangeArrowheads="1" noChangeShapeType="1" noTextEdit="1"/>
+          </p:cNvSpPr>
+          <p:nvPr>
+            <p:extLst>
+              <p:ext uri="{386F3935-93C4-4BCD-93E2-E3B085C9AB24}">
+                <p16:designElem xmlns:p16="http://schemas.microsoft.com/office/powerpoint/2015/main" val="1"/>
+              </p:ext>
+            </p:extLst>
+          </p:nvPr>
+        </p:nvSpPr>
+        <p:spPr>
+          <a:xfrm>
+            <a:off x="3149972" y="3121681"/>
+            <a:ext cx="8100269" cy="4556404"/>
+          </a:xfrm>
+          <a:prstGeom prst="rect">
+            <a:avLst/>
+          </a:prstGeom>
+          <a:solidFill>
+            <a:schemeClr val="bg2">
+              <a:lumMod val="90000"/>
+              <a:alpha val="70000"/>
+            </a:schemeClr>
+          </a:solidFill>
+          <a:ln>
+            <a:noFill/>
+          </a:ln>
+        </p:spPr>
+        <p:style>
+          <a:lnRef idx="2">
+            <a:schemeClr val="accent1">
+              <a:shade val="50000"/>
+            </a:schemeClr>
+          </a:lnRef>
+          <a:fillRef idx="1">
+            <a:schemeClr val="accent1"/>
+          </a:fillRef>
+          <a:effectRef idx="0">
+            <a:schemeClr val="accent1"/>
+          </a:effectRef>
+          <a:fontRef idx="minor">
+            <a:schemeClr val="lt1"/>
+          </a:fontRef>
+        </p:style>
+        <p:txBody>
+          <a:bodyPr rtlCol="0" anchor="ctr"/>
+          <a:lstStyle/>
+          <a:p>
+            <a:pPr algn="ctr">
+              <a:defRPr/>
+            </a:pPr>
+            <a:endParaRPr lang="en-US" sz="1196" dirty="0">
+              <a:solidFill>
+                <a:prstClr val="black">
+                  <a:lumMod val="65000"/>
+                  <a:lumOff val="35000"/>
+                </a:prstClr>
+              </a:solidFill>
+              <a:latin typeface="AvenirNext LT Pro Medium" panose="020B0504020202020204" pitchFamily="34" charset="0"/>
+            </a:endParaRPr>
+          </a:p>
+        </p:txBody>
+      </p:sp>
       <p:pic>
         <p:nvPicPr>
-          <p:cNvPr id="4" name="Imagem 3">
-            <a:extLst>
-              <a:ext uri="{FF2B5EF4-FFF2-40B4-BE49-F238E27FC236}">
-                <a16:creationId xmlns:a16="http://schemas.microsoft.com/office/drawing/2014/main" id="{5DA06EFA-49C7-4CF0-AC9F-44E4C4BEE539}"/>
+          <p:cNvPr id="12" name="Picture 11">
+            <a:extLst>
+              <a:ext uri="{FF2B5EF4-FFF2-40B4-BE49-F238E27FC236}">
+                <a16:creationId xmlns:a16="http://schemas.microsoft.com/office/drawing/2014/main" id="{BC526B7A-4801-4FD1-95C8-03AF22629E87}"/>
+              </a:ext>
+              <a:ext uri="{C183D7F6-B498-43B3-948B-1728B52AA6E4}">
+                <adec:decorative xmlns:adec="http://schemas.microsoft.com/office/drawing/2017/decorative" val="1"/>
               </a:ext>
             </a:extLst>
           </p:cNvPr>
           <p:cNvPicPr>
-            <a:picLocks noChangeAspect="1"/>
+            <a:picLocks noGrp="1" noRot="1" noChangeAspect="1" noMove="1" noResize="1" noEditPoints="1" noAdjustHandles="1" noChangeArrowheads="1" noChangeShapeType="1" noCrop="1"/>
           </p:cNvPicPr>
-          <p:nvPr/>
+          <p:nvPr>
+            <p:extLst>
+              <p:ext uri="{386F3935-93C4-4BCD-93E2-E3B085C9AB24}">
+                <p16:designElem xmlns:p16="http://schemas.microsoft.com/office/powerpoint/2015/main" val="1"/>
+              </p:ext>
+            </p:extLst>
+          </p:nvPr>
         </p:nvPicPr>
         <p:blipFill>
-          <a:blip r:embed="rId7"/>
+          <a:blip r:embed="rId2">
+            <a:alphaModFix amt="10000"/>
+            <a:extLst>
+              <a:ext uri="{28A0092B-C50C-407E-A947-70E740481C1C}">
+                <a14:useLocalDpi xmlns:a14="http://schemas.microsoft.com/office/drawing/2010/main" val="0"/>
+              </a:ext>
+            </a:extLst>
+          </a:blip>
           <a:stretch>
             <a:fillRect/>
           </a:stretch>
         </p:blipFill>
         <p:spPr>
           <a:xfrm>
-            <a:off x="2370340" y="8593660"/>
-            <a:ext cx="9720000" cy="1881271"/>
+            <a:off x="8820159" y="3121682"/>
+            <a:ext cx="2428095" cy="3039825"/>
+          </a:xfrm>
+          <a:prstGeom prst="rect">
+            <a:avLst/>
+          </a:prstGeom>
+        </p:spPr>
+      </p:pic>
+      <p:sp useBgFill="1">
+        <p:nvSpPr>
+          <p:cNvPr id="14" name="Rectangle 13">
+            <a:extLst>
+              <a:ext uri="{FF2B5EF4-FFF2-40B4-BE49-F238E27FC236}">
+                <a16:creationId xmlns:a16="http://schemas.microsoft.com/office/drawing/2014/main" id="{37FDDF72-DE39-4F99-A3C1-DD9D7815D7DB}"/>
+              </a:ext>
+              <a:ext uri="{C183D7F6-B498-43B3-948B-1728B52AA6E4}">
+                <adec:decorative xmlns:adec="http://schemas.microsoft.com/office/drawing/2017/decorative" val="1"/>
+              </a:ext>
+            </a:extLst>
+          </p:cNvPr>
+          <p:cNvSpPr>
+            <a:spLocks noGrp="1" noRot="1" noChangeAspect="1" noMove="1" noResize="1" noEditPoints="1" noAdjustHandles="1" noChangeArrowheads="1" noChangeShapeType="1" noTextEdit="1"/>
+          </p:cNvSpPr>
+          <p:nvPr>
+            <p:extLst>
+              <p:ext uri="{386F3935-93C4-4BCD-93E2-E3B085C9AB24}">
+                <p16:designElem xmlns:p16="http://schemas.microsoft.com/office/powerpoint/2015/main" val="1"/>
+              </p:ext>
+            </p:extLst>
+          </p:nvPr>
+        </p:nvSpPr>
+        <p:spPr>
+          <a:xfrm>
+            <a:off x="3149972" y="3121681"/>
+            <a:ext cx="8100269" cy="4556401"/>
+          </a:xfrm>
+          <a:prstGeom prst="rect">
+            <a:avLst/>
+          </a:prstGeom>
+          <a:ln>
+            <a:noFill/>
+          </a:ln>
+        </p:spPr>
+        <p:style>
+          <a:lnRef idx="2">
+            <a:schemeClr val="accent1">
+              <a:shade val="50000"/>
+            </a:schemeClr>
+          </a:lnRef>
+          <a:fillRef idx="1">
+            <a:schemeClr val="accent1"/>
+          </a:fillRef>
+          <a:effectRef idx="0">
+            <a:schemeClr val="accent1"/>
+          </a:effectRef>
+          <a:fontRef idx="minor">
+            <a:schemeClr val="lt1"/>
+          </a:fontRef>
+        </p:style>
+        <p:txBody>
+          <a:bodyPr rtlCol="0" anchor="ctr"/>
+          <a:lstStyle/>
+          <a:p>
+            <a:pPr algn="ctr">
+              <a:defRPr/>
+            </a:pPr>
+            <a:endParaRPr lang="en-US" sz="1196" dirty="0">
+              <a:solidFill>
+                <a:prstClr val="black">
+                  <a:lumMod val="65000"/>
+                  <a:lumOff val="35000"/>
+                </a:prstClr>
+              </a:solidFill>
+              <a:latin typeface="AvenirNext LT Pro Medium" panose="020B0504020202020204" pitchFamily="34" charset="0"/>
+            </a:endParaRPr>
+          </a:p>
+        </p:txBody>
+      </p:sp>
+      <p:sp>
+        <p:nvSpPr>
+          <p:cNvPr id="16" name="Rectangle 15">
+            <a:extLst>
+              <a:ext uri="{FF2B5EF4-FFF2-40B4-BE49-F238E27FC236}">
+                <a16:creationId xmlns:a16="http://schemas.microsoft.com/office/drawing/2014/main" id="{5E4ECE80-3AD1-450C-B62A-98788F193948}"/>
+              </a:ext>
+              <a:ext uri="{C183D7F6-B498-43B3-948B-1728B52AA6E4}">
+                <adec:decorative xmlns:adec="http://schemas.microsoft.com/office/drawing/2017/decorative" val="1"/>
+              </a:ext>
+            </a:extLst>
+          </p:cNvPr>
+          <p:cNvSpPr>
+            <a:spLocks noGrp="1" noRot="1" noChangeAspect="1" noMove="1" noResize="1" noEditPoints="1" noAdjustHandles="1" noChangeArrowheads="1" noChangeShapeType="1" noTextEdit="1"/>
+          </p:cNvSpPr>
+          <p:nvPr>
+            <p:extLst>
+              <p:ext uri="{386F3935-93C4-4BCD-93E2-E3B085C9AB24}">
+                <p16:designElem xmlns:p16="http://schemas.microsoft.com/office/powerpoint/2015/main" val="1"/>
+              </p:ext>
+            </p:extLst>
+          </p:nvPr>
+        </p:nvSpPr>
+        <p:spPr>
+          <a:xfrm>
+            <a:off x="3149972" y="3121681"/>
+            <a:ext cx="8100269" cy="4556401"/>
+          </a:xfrm>
+          <a:prstGeom prst="rect">
+            <a:avLst/>
+          </a:prstGeom>
+          <a:solidFill>
+            <a:srgbClr val="000000"/>
+          </a:solidFill>
+          <a:ln>
+            <a:noFill/>
+          </a:ln>
+        </p:spPr>
+        <p:style>
+          <a:lnRef idx="2">
+            <a:schemeClr val="accent1">
+              <a:shade val="50000"/>
+            </a:schemeClr>
+          </a:lnRef>
+          <a:fillRef idx="1">
+            <a:schemeClr val="accent1"/>
+          </a:fillRef>
+          <a:effectRef idx="0">
+            <a:schemeClr val="accent1"/>
+          </a:effectRef>
+          <a:fontRef idx="minor">
+            <a:schemeClr val="lt1"/>
+          </a:fontRef>
+        </p:style>
+        <p:txBody>
+          <a:bodyPr rtlCol="0" anchor="ctr"/>
+          <a:lstStyle/>
+          <a:p>
+            <a:pPr algn="ctr">
+              <a:defRPr/>
+            </a:pPr>
+            <a:endParaRPr lang="en-US" sz="1196" dirty="0">
+              <a:solidFill>
+                <a:prstClr val="black">
+                  <a:lumMod val="65000"/>
+                  <a:lumOff val="35000"/>
+                </a:prstClr>
+              </a:solidFill>
+              <a:latin typeface="AvenirNext LT Pro Medium" panose="020B0504020202020204" pitchFamily="34" charset="0"/>
+            </a:endParaRPr>
+          </a:p>
+        </p:txBody>
+      </p:sp>
+      <p:pic>
+        <p:nvPicPr>
+          <p:cNvPr id="5" name="Imagem 4">
+            <a:extLst>
+              <a:ext uri="{FF2B5EF4-FFF2-40B4-BE49-F238E27FC236}">
+                <a16:creationId xmlns:a16="http://schemas.microsoft.com/office/drawing/2014/main" id="{F1433EF1-FB6D-4913-96C9-08F0B1B3CA7A}"/>
+              </a:ext>
+            </a:extLst>
+          </p:cNvPr>
+          <p:cNvPicPr>
+            <a:picLocks noChangeAspect="1"/>
+          </p:cNvPicPr>
+          <p:nvPr/>
+        </p:nvPicPr>
+        <p:blipFill rotWithShape="1">
+          <a:blip r:embed="rId3">
+            <a:alphaModFix/>
+            <a:extLst>
+              <a:ext uri="{28A0092B-C50C-407E-A947-70E740481C1C}">
+                <a14:useLocalDpi xmlns:a14="http://schemas.microsoft.com/office/drawing/2010/main" val="0"/>
+              </a:ext>
+            </a:extLst>
+          </a:blip>
+          <a:srcRect l="5233" t="-2125" r="6244" b="-538"/>
+          <a:stretch/>
+        </p:blipFill>
+        <p:spPr>
+          <a:xfrm>
+            <a:off x="-1" y="-248909"/>
+            <a:ext cx="14400213" cy="11147555"/>
+          </a:xfrm>
+          <a:prstGeom prst="rect">
+            <a:avLst/>
+          </a:prstGeom>
+        </p:spPr>
+      </p:pic>
+      <p:sp>
+        <p:nvSpPr>
+          <p:cNvPr id="50" name="Retângulo 49">
+            <a:extLst>
+              <a:ext uri="{FF2B5EF4-FFF2-40B4-BE49-F238E27FC236}">
+                <a16:creationId xmlns:a16="http://schemas.microsoft.com/office/drawing/2014/main" id="{50614AED-75DE-4550-9029-54313F89BD12}"/>
+              </a:ext>
+            </a:extLst>
+          </p:cNvPr>
+          <p:cNvSpPr/>
+          <p:nvPr/>
+        </p:nvSpPr>
+        <p:spPr>
+          <a:xfrm>
+            <a:off x="3186646" y="311571"/>
+            <a:ext cx="8052791" cy="992583"/>
+          </a:xfrm>
+          <a:prstGeom prst="rect">
+            <a:avLst/>
+          </a:prstGeom>
+          <a:noFill/>
+        </p:spPr>
+        <p:txBody>
+          <a:bodyPr wrap="square" lIns="68584" tIns="34292" rIns="68584" bIns="34292">
+            <a:spAutoFit/>
+          </a:bodyPr>
+          <a:lstStyle/>
+          <a:p>
+            <a:pPr algn="ctr"/>
+            <a:r>
+              <a:rPr lang="pt-BR" sz="6000" dirty="0">
+                <a:ln w="38100">
+                  <a:solidFill>
+                    <a:schemeClr val="bg1"/>
+                  </a:solidFill>
+                </a:ln>
+                <a:solidFill>
+                  <a:srgbClr val="00B050"/>
+                </a:solidFill>
+                <a:effectLst>
+                  <a:outerShdw blurRad="38100" dist="19050" dir="2700000" algn="tl" rotWithShape="0">
+                    <a:schemeClr val="dk1">
+                      <a:alpha val="40000"/>
+                    </a:schemeClr>
+                  </a:outerShdw>
+                </a:effectLst>
+                <a:latin typeface="Exo 2 Extra Bold" panose="00000900000000000000" pitchFamily="50" charset="0"/>
+              </a:rPr>
+              <a:t>Liga Principal</a:t>
+            </a:r>
+          </a:p>
+        </p:txBody>
+      </p:sp>
+      <p:sp>
+        <p:nvSpPr>
+          <p:cNvPr id="53" name="Retângulo 52">
+            <a:extLst>
+              <a:ext uri="{FF2B5EF4-FFF2-40B4-BE49-F238E27FC236}">
+                <a16:creationId xmlns:a16="http://schemas.microsoft.com/office/drawing/2014/main" id="{F101E0BF-8A68-40B9-BC26-35C299182F52}"/>
+              </a:ext>
+            </a:extLst>
+          </p:cNvPr>
+          <p:cNvSpPr/>
+          <p:nvPr/>
+        </p:nvSpPr>
+        <p:spPr>
+          <a:xfrm>
+            <a:off x="336776" y="1104608"/>
+            <a:ext cx="13909452" cy="1177249"/>
+          </a:xfrm>
+          <a:prstGeom prst="rect">
+            <a:avLst/>
+          </a:prstGeom>
+          <a:noFill/>
+        </p:spPr>
+        <p:txBody>
+          <a:bodyPr wrap="square" lIns="68584" tIns="34292" rIns="68584" bIns="34292">
+            <a:spAutoFit/>
+          </a:bodyPr>
+          <a:lstStyle/>
+          <a:p>
+            <a:pPr algn="ctr"/>
+            <a:r>
+              <a:rPr lang="pt-BR" sz="7200" dirty="0">
+                <a:ln w="0">
+                  <a:noFill/>
+                </a:ln>
+                <a:effectLst>
+                  <a:outerShdw blurRad="38100" dist="19050" dir="2700000" algn="tl" rotWithShape="0">
+                    <a:schemeClr val="dk1">
+                      <a:alpha val="40000"/>
+                    </a:schemeClr>
+                  </a:outerShdw>
+                </a:effectLst>
+                <a:latin typeface="Exo 2 Extra Bold" panose="00000900000000000000" pitchFamily="50" charset="0"/>
+              </a:rPr>
+              <a:t>MATA-MATA SÉRIE C 5</a:t>
+            </a:r>
+          </a:p>
+        </p:txBody>
+      </p:sp>
+      <p:pic>
+        <p:nvPicPr>
+          <p:cNvPr id="15" name="Imagem 14">
+            <a:extLst>
+              <a:ext uri="{FF2B5EF4-FFF2-40B4-BE49-F238E27FC236}">
+                <a16:creationId xmlns:a16="http://schemas.microsoft.com/office/drawing/2014/main" id="{780D6AE4-2B31-43CF-8A3B-9ACC73C32FE9}"/>
+              </a:ext>
+            </a:extLst>
+          </p:cNvPr>
+          <p:cNvPicPr>
+            <a:picLocks noChangeAspect="1"/>
+          </p:cNvPicPr>
+          <p:nvPr/>
+        </p:nvPicPr>
+        <p:blipFill>
+          <a:blip r:embed="rId4" cstate="hqprint">
+            <a:extLst>
+              <a:ext uri="{28A0092B-C50C-407E-A947-70E740481C1C}">
+                <a14:useLocalDpi xmlns:a14="http://schemas.microsoft.com/office/drawing/2010/main" val="0"/>
+              </a:ext>
+            </a:extLst>
+          </a:blip>
+          <a:stretch>
+            <a:fillRect/>
+          </a:stretch>
+        </p:blipFill>
+        <p:spPr>
+          <a:xfrm>
+            <a:off x="336776" y="194284"/>
+            <a:ext cx="2059134" cy="2160000"/>
+          </a:xfrm>
+          <a:prstGeom prst="rect">
+            <a:avLst/>
+          </a:prstGeom>
+        </p:spPr>
+      </p:pic>
+      <p:sp>
+        <p:nvSpPr>
+          <p:cNvPr id="10" name="Retângulo 9">
+            <a:extLst>
+              <a:ext uri="{FF2B5EF4-FFF2-40B4-BE49-F238E27FC236}">
+                <a16:creationId xmlns:a16="http://schemas.microsoft.com/office/drawing/2014/main" id="{838BDC98-3287-4575-8574-56F716FB2440}"/>
+              </a:ext>
+            </a:extLst>
+          </p:cNvPr>
+          <p:cNvSpPr/>
+          <p:nvPr/>
+        </p:nvSpPr>
+        <p:spPr>
+          <a:xfrm>
+            <a:off x="1911927" y="2227185"/>
+            <a:ext cx="10476677" cy="2718888"/>
+          </a:xfrm>
+          <a:prstGeom prst="rect">
+            <a:avLst/>
+          </a:prstGeom>
+          <a:solidFill>
+            <a:schemeClr val="tx1">
+              <a:alpha val="81000"/>
+            </a:schemeClr>
+          </a:solidFill>
+        </p:spPr>
+        <p:style>
+          <a:lnRef idx="2">
+            <a:schemeClr val="accent1">
+              <a:shade val="50000"/>
+            </a:schemeClr>
+          </a:lnRef>
+          <a:fillRef idx="1">
+            <a:schemeClr val="accent1"/>
+          </a:fillRef>
+          <a:effectRef idx="0">
+            <a:schemeClr val="accent1"/>
+          </a:effectRef>
+          <a:fontRef idx="minor">
+            <a:schemeClr val="lt1"/>
+          </a:fontRef>
+        </p:style>
+        <p:txBody>
+          <a:bodyPr rtlCol="0" anchor="ctr"/>
+          <a:lstStyle/>
+          <a:p>
+            <a:pPr algn="ctr"/>
+            <a:endParaRPr lang="pt-BR"/>
+          </a:p>
+        </p:txBody>
+      </p:sp>
+      <p:sp>
+        <p:nvSpPr>
+          <p:cNvPr id="21" name="Retângulo 20">
+            <a:extLst>
+              <a:ext uri="{FF2B5EF4-FFF2-40B4-BE49-F238E27FC236}">
+                <a16:creationId xmlns:a16="http://schemas.microsoft.com/office/drawing/2014/main" id="{95EDB8CB-8377-4925-B478-560C3F615037}"/>
+              </a:ext>
+            </a:extLst>
+          </p:cNvPr>
+          <p:cNvSpPr/>
+          <p:nvPr/>
+        </p:nvSpPr>
+        <p:spPr>
+          <a:xfrm>
+            <a:off x="1911927" y="5072033"/>
+            <a:ext cx="10476677" cy="2718888"/>
+          </a:xfrm>
+          <a:prstGeom prst="rect">
+            <a:avLst/>
+          </a:prstGeom>
+          <a:solidFill>
+            <a:schemeClr val="tx1">
+              <a:alpha val="81000"/>
+            </a:schemeClr>
+          </a:solidFill>
+        </p:spPr>
+        <p:style>
+          <a:lnRef idx="2">
+            <a:schemeClr val="accent1">
+              <a:shade val="50000"/>
+            </a:schemeClr>
+          </a:lnRef>
+          <a:fillRef idx="1">
+            <a:schemeClr val="accent1"/>
+          </a:fillRef>
+          <a:effectRef idx="0">
+            <a:schemeClr val="accent1"/>
+          </a:effectRef>
+          <a:fontRef idx="minor">
+            <a:schemeClr val="lt1"/>
+          </a:fontRef>
+        </p:style>
+        <p:txBody>
+          <a:bodyPr rtlCol="0" anchor="ctr"/>
+          <a:lstStyle/>
+          <a:p>
+            <a:pPr algn="ctr"/>
+            <a:endParaRPr lang="pt-BR"/>
+          </a:p>
+        </p:txBody>
+      </p:sp>
+      <p:sp>
+        <p:nvSpPr>
+          <p:cNvPr id="23" name="Retângulo 22">
+            <a:extLst>
+              <a:ext uri="{FF2B5EF4-FFF2-40B4-BE49-F238E27FC236}">
+                <a16:creationId xmlns:a16="http://schemas.microsoft.com/office/drawing/2014/main" id="{ED87CD67-A438-4F74-986A-3704AF997953}"/>
+              </a:ext>
+            </a:extLst>
+          </p:cNvPr>
+          <p:cNvSpPr/>
+          <p:nvPr/>
+        </p:nvSpPr>
+        <p:spPr>
+          <a:xfrm>
+            <a:off x="5308448" y="2179089"/>
+            <a:ext cx="3789504" cy="684807"/>
+          </a:xfrm>
+          <a:prstGeom prst="rect">
+            <a:avLst/>
+          </a:prstGeom>
+          <a:noFill/>
+        </p:spPr>
+        <p:txBody>
+          <a:bodyPr wrap="square" lIns="68584" tIns="34292" rIns="68584" bIns="34292">
+            <a:spAutoFit/>
+          </a:bodyPr>
+          <a:lstStyle/>
+          <a:p>
+            <a:pPr algn="ctr"/>
+            <a:r>
+              <a:rPr lang="pt-BR" sz="4000" dirty="0">
+                <a:ln w="0">
+                  <a:noFill/>
+                </a:ln>
+                <a:solidFill>
+                  <a:srgbClr val="0070C0"/>
+                </a:solidFill>
+                <a:effectLst>
+                  <a:outerShdw blurRad="38100" dist="19050" dir="2700000" algn="tl" rotWithShape="0">
+                    <a:schemeClr val="dk1">
+                      <a:alpha val="40000"/>
+                    </a:schemeClr>
+                  </a:outerShdw>
+                </a:effectLst>
+                <a:latin typeface="Exo 2 Extra Bold" panose="00000900000000000000" pitchFamily="50" charset="0"/>
+              </a:rPr>
+              <a:t>Chave 1</a:t>
+            </a:r>
+          </a:p>
+        </p:txBody>
+      </p:sp>
+      <p:sp>
+        <p:nvSpPr>
+          <p:cNvPr id="24" name="Retângulo 23">
+            <a:extLst>
+              <a:ext uri="{FF2B5EF4-FFF2-40B4-BE49-F238E27FC236}">
+                <a16:creationId xmlns:a16="http://schemas.microsoft.com/office/drawing/2014/main" id="{522A4ACC-EC27-4A14-BA66-B0EB03535C7B}"/>
+              </a:ext>
+            </a:extLst>
+          </p:cNvPr>
+          <p:cNvSpPr/>
+          <p:nvPr/>
+        </p:nvSpPr>
+        <p:spPr>
+          <a:xfrm>
+            <a:off x="5321993" y="5022489"/>
+            <a:ext cx="3789503" cy="684807"/>
+          </a:xfrm>
+          <a:prstGeom prst="rect">
+            <a:avLst/>
+          </a:prstGeom>
+          <a:noFill/>
+        </p:spPr>
+        <p:txBody>
+          <a:bodyPr wrap="square" lIns="68584" tIns="34292" rIns="68584" bIns="34292">
+            <a:spAutoFit/>
+          </a:bodyPr>
+          <a:lstStyle/>
+          <a:p>
+            <a:pPr algn="ctr"/>
+            <a:r>
+              <a:rPr lang="pt-BR" sz="4000" dirty="0">
+                <a:ln w="0">
+                  <a:noFill/>
+                </a:ln>
+                <a:solidFill>
+                  <a:srgbClr val="0070C0"/>
+                </a:solidFill>
+                <a:effectLst>
+                  <a:outerShdw blurRad="38100" dist="19050" dir="2700000" algn="tl" rotWithShape="0">
+                    <a:schemeClr val="dk1">
+                      <a:alpha val="40000"/>
+                    </a:schemeClr>
+                  </a:outerShdw>
+                </a:effectLst>
+                <a:latin typeface="Exo 2 Extra Bold" panose="00000900000000000000" pitchFamily="50" charset="0"/>
+              </a:rPr>
+              <a:t>Chave 2</a:t>
+            </a:r>
+          </a:p>
+        </p:txBody>
+      </p:sp>
+      <p:sp>
+        <p:nvSpPr>
+          <p:cNvPr id="18" name="Retângulo 17">
+            <a:extLst>
+              <a:ext uri="{FF2B5EF4-FFF2-40B4-BE49-F238E27FC236}">
+                <a16:creationId xmlns:a16="http://schemas.microsoft.com/office/drawing/2014/main" id="{3128898C-0A57-4F19-8491-B43E8301569E}"/>
+              </a:ext>
+            </a:extLst>
+          </p:cNvPr>
+          <p:cNvSpPr/>
+          <p:nvPr/>
+        </p:nvSpPr>
+        <p:spPr>
+          <a:xfrm>
+            <a:off x="1918853" y="7946853"/>
+            <a:ext cx="10476677" cy="2718888"/>
+          </a:xfrm>
+          <a:prstGeom prst="rect">
+            <a:avLst/>
+          </a:prstGeom>
+          <a:solidFill>
+            <a:schemeClr val="tx1">
+              <a:alpha val="81000"/>
+            </a:schemeClr>
+          </a:solidFill>
+        </p:spPr>
+        <p:style>
+          <a:lnRef idx="2">
+            <a:schemeClr val="accent1">
+              <a:shade val="50000"/>
+            </a:schemeClr>
+          </a:lnRef>
+          <a:fillRef idx="1">
+            <a:schemeClr val="accent1"/>
+          </a:fillRef>
+          <a:effectRef idx="0">
+            <a:schemeClr val="accent1"/>
+          </a:effectRef>
+          <a:fontRef idx="minor">
+            <a:schemeClr val="lt1"/>
+          </a:fontRef>
+        </p:style>
+        <p:txBody>
+          <a:bodyPr rtlCol="0" anchor="ctr"/>
+          <a:lstStyle/>
+          <a:p>
+            <a:pPr algn="ctr"/>
+            <a:endParaRPr lang="pt-BR"/>
+          </a:p>
+        </p:txBody>
+      </p:sp>
+      <p:sp>
+        <p:nvSpPr>
+          <p:cNvPr id="19" name="Retângulo 18">
+            <a:extLst>
+              <a:ext uri="{FF2B5EF4-FFF2-40B4-BE49-F238E27FC236}">
+                <a16:creationId xmlns:a16="http://schemas.microsoft.com/office/drawing/2014/main" id="{233846BD-32E7-4324-ADF6-449F12B78362}"/>
+              </a:ext>
+            </a:extLst>
+          </p:cNvPr>
+          <p:cNvSpPr/>
+          <p:nvPr/>
+        </p:nvSpPr>
+        <p:spPr>
+          <a:xfrm>
+            <a:off x="5328919" y="7897309"/>
+            <a:ext cx="3789503" cy="684807"/>
+          </a:xfrm>
+          <a:prstGeom prst="rect">
+            <a:avLst/>
+          </a:prstGeom>
+          <a:noFill/>
+        </p:spPr>
+        <p:txBody>
+          <a:bodyPr wrap="square" lIns="68584" tIns="34292" rIns="68584" bIns="34292">
+            <a:spAutoFit/>
+          </a:bodyPr>
+          <a:lstStyle/>
+          <a:p>
+            <a:pPr algn="ctr"/>
+            <a:r>
+              <a:rPr lang="pt-BR" sz="4000" dirty="0">
+                <a:ln w="0">
+                  <a:noFill/>
+                </a:ln>
+                <a:solidFill>
+                  <a:srgbClr val="0070C0"/>
+                </a:solidFill>
+                <a:effectLst>
+                  <a:outerShdw blurRad="38100" dist="19050" dir="2700000" algn="tl" rotWithShape="0">
+                    <a:schemeClr val="dk1">
+                      <a:alpha val="40000"/>
+                    </a:schemeClr>
+                  </a:outerShdw>
+                </a:effectLst>
+                <a:latin typeface="Exo 2 Extra Bold" panose="00000900000000000000" pitchFamily="50" charset="0"/>
+              </a:rPr>
+              <a:t>Semifinal</a:t>
+            </a:r>
+          </a:p>
+        </p:txBody>
+      </p:sp>
+      <p:pic>
+        <p:nvPicPr>
+          <p:cNvPr id="3" name="Imagem 2">
+            <a:extLst>
+              <a:ext uri="{FF2B5EF4-FFF2-40B4-BE49-F238E27FC236}">
+                <a16:creationId xmlns:a16="http://schemas.microsoft.com/office/drawing/2014/main" id="{43146417-9A96-4C70-B583-635DA467899B}"/>
+              </a:ext>
+            </a:extLst>
+          </p:cNvPr>
+          <p:cNvPicPr>
+            <a:picLocks noChangeAspect="1"/>
+          </p:cNvPicPr>
+          <p:nvPr/>
+        </p:nvPicPr>
+        <p:blipFill>
+          <a:blip r:embed="rId5"/>
+          <a:stretch>
+            <a:fillRect/>
+          </a:stretch>
+        </p:blipFill>
+        <p:spPr>
+          <a:xfrm>
+            <a:off x="2366955" y="2888884"/>
+            <a:ext cx="9720000" cy="1884742"/>
+          </a:xfrm>
+          <a:prstGeom prst="rect">
+            <a:avLst/>
+          </a:prstGeom>
+        </p:spPr>
+      </p:pic>
+      <p:pic>
+        <p:nvPicPr>
+          <p:cNvPr id="7" name="Imagem 6">
+            <a:extLst>
+              <a:ext uri="{FF2B5EF4-FFF2-40B4-BE49-F238E27FC236}">
+                <a16:creationId xmlns:a16="http://schemas.microsoft.com/office/drawing/2014/main" id="{55CFD9E5-D7E9-43BE-9F6B-79A0805596B5}"/>
+              </a:ext>
+            </a:extLst>
+          </p:cNvPr>
+          <p:cNvPicPr>
+            <a:picLocks noChangeAspect="1"/>
+          </p:cNvPicPr>
+          <p:nvPr/>
+        </p:nvPicPr>
+        <p:blipFill>
+          <a:blip r:embed="rId6"/>
+          <a:stretch>
+            <a:fillRect/>
+          </a:stretch>
+        </p:blipFill>
+        <p:spPr>
+          <a:xfrm>
+            <a:off x="2355973" y="5682501"/>
+            <a:ext cx="9720000" cy="1884742"/>
           </a:xfrm>
           <a:prstGeom prst="rect">
             <a:avLst/>
@@ -6028,7 +6841,7 @@
 </p:sld>
 </file>
 
-<file path=ppt/slides/slide12.xml><?xml version="1.0" encoding="utf-8"?>
+<file path=ppt/slides/slide13.xml><?xml version="1.0" encoding="utf-8"?>
 <p:sld xmlns:a="http://schemas.openxmlformats.org/drawingml/2006/main" xmlns:r="http://schemas.openxmlformats.org/officeDocument/2006/relationships" xmlns:p="http://schemas.openxmlformats.org/presentationml/2006/main">
   <p:cSld>
     <p:bg>
@@ -6825,10 +7638,10 @@
       </p:pic>
       <p:pic>
         <p:nvPicPr>
-          <p:cNvPr id="11" name="Imagem 10">
-            <a:extLst>
-              <a:ext uri="{FF2B5EF4-FFF2-40B4-BE49-F238E27FC236}">
-                <a16:creationId xmlns:a16="http://schemas.microsoft.com/office/drawing/2014/main" id="{2B18D8D1-5ACB-492C-96A5-DBADBFC2AA6A}"/>
+          <p:cNvPr id="4" name="Imagem 3">
+            <a:extLst>
+              <a:ext uri="{FF2B5EF4-FFF2-40B4-BE49-F238E27FC236}">
+                <a16:creationId xmlns:a16="http://schemas.microsoft.com/office/drawing/2014/main" id="{8776AC6C-12D1-4C9B-83B2-9C194F2B0443}"/>
               </a:ext>
             </a:extLst>
           </p:cNvPr>
@@ -6845,7 +7658,7 @@
         </p:blipFill>
         <p:spPr>
           <a:xfrm>
-            <a:off x="448973" y="7999252"/>
+            <a:off x="437302" y="7999252"/>
             <a:ext cx="13545806" cy="1260000"/>
           </a:xfrm>
           <a:prstGeom prst="rect">
@@ -6857,878 +7670,6 @@
     <p:extLst>
       <p:ext uri="{BB962C8B-B14F-4D97-AF65-F5344CB8AC3E}">
         <p14:creationId xmlns:p14="http://schemas.microsoft.com/office/powerpoint/2010/main" val="2841869459"/>
-      </p:ext>
-    </p:extLst>
-  </p:cSld>
-  <p:clrMapOvr>
-    <a:masterClrMapping/>
-  </p:clrMapOvr>
-</p:sld>
-</file>
-
-<file path=ppt/slides/slide13.xml><?xml version="1.0" encoding="utf-8"?>
-<p:sld xmlns:a="http://schemas.openxmlformats.org/drawingml/2006/main" xmlns:r="http://schemas.openxmlformats.org/officeDocument/2006/relationships" xmlns:p="http://schemas.openxmlformats.org/presentationml/2006/main">
-  <p:cSld>
-    <p:bg>
-      <p:bgPr>
-        <a:solidFill>
-          <a:schemeClr val="bg1"/>
-        </a:solidFill>
-        <a:effectLst/>
-      </p:bgPr>
-    </p:bg>
-    <p:spTree>
-      <p:nvGrpSpPr>
-        <p:cNvPr id="1" name=""/>
-        <p:cNvGrpSpPr/>
-        <p:nvPr/>
-      </p:nvGrpSpPr>
-      <p:grpSpPr>
-        <a:xfrm>
-          <a:off x="0" y="0"/>
-          <a:ext cx="0" cy="0"/>
-          <a:chOff x="0" y="0"/>
-          <a:chExt cx="0" cy="0"/>
-        </a:xfrm>
-      </p:grpSpPr>
-      <p:sp>
-        <p:nvSpPr>
-          <p:cNvPr id="13" name="Rectangle 9">
-            <a:extLst>
-              <a:ext uri="{FF2B5EF4-FFF2-40B4-BE49-F238E27FC236}">
-                <a16:creationId xmlns:a16="http://schemas.microsoft.com/office/drawing/2014/main" id="{0BABF38A-8A0D-492E-BD20-6CF4D46B50BD}"/>
-              </a:ext>
-              <a:ext uri="{C183D7F6-B498-43B3-948B-1728B52AA6E4}">
-                <adec:decorative xmlns:adec="http://schemas.microsoft.com/office/drawing/2017/decorative" val="1"/>
-              </a:ext>
-            </a:extLst>
-          </p:cNvPr>
-          <p:cNvSpPr>
-            <a:spLocks noGrp="1" noRot="1" noChangeAspect="1" noMove="1" noResize="1" noEditPoints="1" noAdjustHandles="1" noChangeArrowheads="1" noChangeShapeType="1" noTextEdit="1"/>
-          </p:cNvSpPr>
-          <p:nvPr>
-            <p:extLst>
-              <p:ext uri="{386F3935-93C4-4BCD-93E2-E3B085C9AB24}">
-                <p16:designElem xmlns:p16="http://schemas.microsoft.com/office/powerpoint/2015/main" val="1"/>
-              </p:ext>
-            </p:extLst>
-          </p:nvPr>
-        </p:nvSpPr>
-        <p:spPr>
-          <a:xfrm>
-            <a:off x="3149972" y="3121681"/>
-            <a:ext cx="8100269" cy="4556404"/>
-          </a:xfrm>
-          <a:prstGeom prst="rect">
-            <a:avLst/>
-          </a:prstGeom>
-          <a:solidFill>
-            <a:schemeClr val="bg2">
-              <a:lumMod val="90000"/>
-              <a:alpha val="70000"/>
-            </a:schemeClr>
-          </a:solidFill>
-          <a:ln>
-            <a:noFill/>
-          </a:ln>
-        </p:spPr>
-        <p:style>
-          <a:lnRef idx="2">
-            <a:schemeClr val="accent1">
-              <a:shade val="50000"/>
-            </a:schemeClr>
-          </a:lnRef>
-          <a:fillRef idx="1">
-            <a:schemeClr val="accent1"/>
-          </a:fillRef>
-          <a:effectRef idx="0">
-            <a:schemeClr val="accent1"/>
-          </a:effectRef>
-          <a:fontRef idx="minor">
-            <a:schemeClr val="lt1"/>
-          </a:fontRef>
-        </p:style>
-        <p:txBody>
-          <a:bodyPr rtlCol="0" anchor="ctr"/>
-          <a:lstStyle/>
-          <a:p>
-            <a:pPr algn="ctr">
-              <a:defRPr/>
-            </a:pPr>
-            <a:endParaRPr lang="en-US" sz="1196" dirty="0">
-              <a:solidFill>
-                <a:prstClr val="black">
-                  <a:lumMod val="65000"/>
-                  <a:lumOff val="35000"/>
-                </a:prstClr>
-              </a:solidFill>
-              <a:latin typeface="AvenirNext LT Pro Medium" panose="020B0504020202020204" pitchFamily="34" charset="0"/>
-            </a:endParaRPr>
-          </a:p>
-        </p:txBody>
-      </p:sp>
-      <p:pic>
-        <p:nvPicPr>
-          <p:cNvPr id="12" name="Picture 11">
-            <a:extLst>
-              <a:ext uri="{FF2B5EF4-FFF2-40B4-BE49-F238E27FC236}">
-                <a16:creationId xmlns:a16="http://schemas.microsoft.com/office/drawing/2014/main" id="{BC526B7A-4801-4FD1-95C8-03AF22629E87}"/>
-              </a:ext>
-              <a:ext uri="{C183D7F6-B498-43B3-948B-1728B52AA6E4}">
-                <adec:decorative xmlns:adec="http://schemas.microsoft.com/office/drawing/2017/decorative" val="1"/>
-              </a:ext>
-            </a:extLst>
-          </p:cNvPr>
-          <p:cNvPicPr>
-            <a:picLocks noGrp="1" noRot="1" noChangeAspect="1" noMove="1" noResize="1" noEditPoints="1" noAdjustHandles="1" noChangeArrowheads="1" noChangeShapeType="1" noCrop="1"/>
-          </p:cNvPicPr>
-          <p:nvPr>
-            <p:extLst>
-              <p:ext uri="{386F3935-93C4-4BCD-93E2-E3B085C9AB24}">
-                <p16:designElem xmlns:p16="http://schemas.microsoft.com/office/powerpoint/2015/main" val="1"/>
-              </p:ext>
-            </p:extLst>
-          </p:nvPr>
-        </p:nvPicPr>
-        <p:blipFill>
-          <a:blip r:embed="rId2">
-            <a:alphaModFix amt="10000"/>
-            <a:extLst>
-              <a:ext uri="{28A0092B-C50C-407E-A947-70E740481C1C}">
-                <a14:useLocalDpi xmlns:a14="http://schemas.microsoft.com/office/drawing/2010/main" val="0"/>
-              </a:ext>
-            </a:extLst>
-          </a:blip>
-          <a:stretch>
-            <a:fillRect/>
-          </a:stretch>
-        </p:blipFill>
-        <p:spPr>
-          <a:xfrm>
-            <a:off x="8820159" y="3121682"/>
-            <a:ext cx="2428095" cy="3039825"/>
-          </a:xfrm>
-          <a:prstGeom prst="rect">
-            <a:avLst/>
-          </a:prstGeom>
-        </p:spPr>
-      </p:pic>
-      <p:sp useBgFill="1">
-        <p:nvSpPr>
-          <p:cNvPr id="14" name="Rectangle 13">
-            <a:extLst>
-              <a:ext uri="{FF2B5EF4-FFF2-40B4-BE49-F238E27FC236}">
-                <a16:creationId xmlns:a16="http://schemas.microsoft.com/office/drawing/2014/main" id="{37FDDF72-DE39-4F99-A3C1-DD9D7815D7DB}"/>
-              </a:ext>
-              <a:ext uri="{C183D7F6-B498-43B3-948B-1728B52AA6E4}">
-                <adec:decorative xmlns:adec="http://schemas.microsoft.com/office/drawing/2017/decorative" val="1"/>
-              </a:ext>
-            </a:extLst>
-          </p:cNvPr>
-          <p:cNvSpPr>
-            <a:spLocks noGrp="1" noRot="1" noChangeAspect="1" noMove="1" noResize="1" noEditPoints="1" noAdjustHandles="1" noChangeArrowheads="1" noChangeShapeType="1" noTextEdit="1"/>
-          </p:cNvSpPr>
-          <p:nvPr>
-            <p:extLst>
-              <p:ext uri="{386F3935-93C4-4BCD-93E2-E3B085C9AB24}">
-                <p16:designElem xmlns:p16="http://schemas.microsoft.com/office/powerpoint/2015/main" val="1"/>
-              </p:ext>
-            </p:extLst>
-          </p:nvPr>
-        </p:nvSpPr>
-        <p:spPr>
-          <a:xfrm>
-            <a:off x="3149972" y="3121681"/>
-            <a:ext cx="8100269" cy="4556401"/>
-          </a:xfrm>
-          <a:prstGeom prst="rect">
-            <a:avLst/>
-          </a:prstGeom>
-          <a:ln>
-            <a:noFill/>
-          </a:ln>
-        </p:spPr>
-        <p:style>
-          <a:lnRef idx="2">
-            <a:schemeClr val="accent1">
-              <a:shade val="50000"/>
-            </a:schemeClr>
-          </a:lnRef>
-          <a:fillRef idx="1">
-            <a:schemeClr val="accent1"/>
-          </a:fillRef>
-          <a:effectRef idx="0">
-            <a:schemeClr val="accent1"/>
-          </a:effectRef>
-          <a:fontRef idx="minor">
-            <a:schemeClr val="lt1"/>
-          </a:fontRef>
-        </p:style>
-        <p:txBody>
-          <a:bodyPr rtlCol="0" anchor="ctr"/>
-          <a:lstStyle/>
-          <a:p>
-            <a:pPr algn="ctr">
-              <a:defRPr/>
-            </a:pPr>
-            <a:endParaRPr lang="en-US" sz="1196" dirty="0">
-              <a:solidFill>
-                <a:prstClr val="black">
-                  <a:lumMod val="65000"/>
-                  <a:lumOff val="35000"/>
-                </a:prstClr>
-              </a:solidFill>
-              <a:latin typeface="AvenirNext LT Pro Medium" panose="020B0504020202020204" pitchFamily="34" charset="0"/>
-            </a:endParaRPr>
-          </a:p>
-        </p:txBody>
-      </p:sp>
-      <p:sp>
-        <p:nvSpPr>
-          <p:cNvPr id="16" name="Rectangle 15">
-            <a:extLst>
-              <a:ext uri="{FF2B5EF4-FFF2-40B4-BE49-F238E27FC236}">
-                <a16:creationId xmlns:a16="http://schemas.microsoft.com/office/drawing/2014/main" id="{5E4ECE80-3AD1-450C-B62A-98788F193948}"/>
-              </a:ext>
-              <a:ext uri="{C183D7F6-B498-43B3-948B-1728B52AA6E4}">
-                <adec:decorative xmlns:adec="http://schemas.microsoft.com/office/drawing/2017/decorative" val="1"/>
-              </a:ext>
-            </a:extLst>
-          </p:cNvPr>
-          <p:cNvSpPr>
-            <a:spLocks noGrp="1" noRot="1" noChangeAspect="1" noMove="1" noResize="1" noEditPoints="1" noAdjustHandles="1" noChangeArrowheads="1" noChangeShapeType="1" noTextEdit="1"/>
-          </p:cNvSpPr>
-          <p:nvPr>
-            <p:extLst>
-              <p:ext uri="{386F3935-93C4-4BCD-93E2-E3B085C9AB24}">
-                <p16:designElem xmlns:p16="http://schemas.microsoft.com/office/powerpoint/2015/main" val="1"/>
-              </p:ext>
-            </p:extLst>
-          </p:nvPr>
-        </p:nvSpPr>
-        <p:spPr>
-          <a:xfrm>
-            <a:off x="3149972" y="3121681"/>
-            <a:ext cx="8100269" cy="4556401"/>
-          </a:xfrm>
-          <a:prstGeom prst="rect">
-            <a:avLst/>
-          </a:prstGeom>
-          <a:solidFill>
-            <a:srgbClr val="000000"/>
-          </a:solidFill>
-          <a:ln>
-            <a:noFill/>
-          </a:ln>
-        </p:spPr>
-        <p:style>
-          <a:lnRef idx="2">
-            <a:schemeClr val="accent1">
-              <a:shade val="50000"/>
-            </a:schemeClr>
-          </a:lnRef>
-          <a:fillRef idx="1">
-            <a:schemeClr val="accent1"/>
-          </a:fillRef>
-          <a:effectRef idx="0">
-            <a:schemeClr val="accent1"/>
-          </a:effectRef>
-          <a:fontRef idx="minor">
-            <a:schemeClr val="lt1"/>
-          </a:fontRef>
-        </p:style>
-        <p:txBody>
-          <a:bodyPr rtlCol="0" anchor="ctr"/>
-          <a:lstStyle/>
-          <a:p>
-            <a:pPr algn="ctr">
-              <a:defRPr/>
-            </a:pPr>
-            <a:endParaRPr lang="en-US" sz="1196" dirty="0">
-              <a:solidFill>
-                <a:prstClr val="black">
-                  <a:lumMod val="65000"/>
-                  <a:lumOff val="35000"/>
-                </a:prstClr>
-              </a:solidFill>
-              <a:latin typeface="AvenirNext LT Pro Medium" panose="020B0504020202020204" pitchFamily="34" charset="0"/>
-            </a:endParaRPr>
-          </a:p>
-        </p:txBody>
-      </p:sp>
-      <p:pic>
-        <p:nvPicPr>
-          <p:cNvPr id="5" name="Imagem 4">
-            <a:extLst>
-              <a:ext uri="{FF2B5EF4-FFF2-40B4-BE49-F238E27FC236}">
-                <a16:creationId xmlns:a16="http://schemas.microsoft.com/office/drawing/2014/main" id="{F1433EF1-FB6D-4913-96C9-08F0B1B3CA7A}"/>
-              </a:ext>
-            </a:extLst>
-          </p:cNvPr>
-          <p:cNvPicPr>
-            <a:picLocks noChangeAspect="1"/>
-          </p:cNvPicPr>
-          <p:nvPr/>
-        </p:nvPicPr>
-        <p:blipFill rotWithShape="1">
-          <a:blip r:embed="rId3">
-            <a:alphaModFix/>
-            <a:extLst>
-              <a:ext uri="{28A0092B-C50C-407E-A947-70E740481C1C}">
-                <a14:useLocalDpi xmlns:a14="http://schemas.microsoft.com/office/drawing/2010/main" val="0"/>
-              </a:ext>
-            </a:extLst>
-          </a:blip>
-          <a:srcRect l="5233" t="-2125" r="6244" b="-538"/>
-          <a:stretch/>
-        </p:blipFill>
-        <p:spPr>
-          <a:xfrm>
-            <a:off x="-1" y="-248909"/>
-            <a:ext cx="14400213" cy="11147555"/>
-          </a:xfrm>
-          <a:prstGeom prst="rect">
-            <a:avLst/>
-          </a:prstGeom>
-        </p:spPr>
-      </p:pic>
-      <p:sp>
-        <p:nvSpPr>
-          <p:cNvPr id="50" name="Retângulo 49">
-            <a:extLst>
-              <a:ext uri="{FF2B5EF4-FFF2-40B4-BE49-F238E27FC236}">
-                <a16:creationId xmlns:a16="http://schemas.microsoft.com/office/drawing/2014/main" id="{50614AED-75DE-4550-9029-54313F89BD12}"/>
-              </a:ext>
-            </a:extLst>
-          </p:cNvPr>
-          <p:cNvSpPr/>
-          <p:nvPr/>
-        </p:nvSpPr>
-        <p:spPr>
-          <a:xfrm>
-            <a:off x="3186646" y="311571"/>
-            <a:ext cx="8052791" cy="992583"/>
-          </a:xfrm>
-          <a:prstGeom prst="rect">
-            <a:avLst/>
-          </a:prstGeom>
-          <a:noFill/>
-        </p:spPr>
-        <p:txBody>
-          <a:bodyPr wrap="square" lIns="68584" tIns="34292" rIns="68584" bIns="34292">
-            <a:spAutoFit/>
-          </a:bodyPr>
-          <a:lstStyle/>
-          <a:p>
-            <a:pPr algn="ctr"/>
-            <a:r>
-              <a:rPr lang="pt-BR" sz="6000" dirty="0">
-                <a:ln w="38100">
-                  <a:solidFill>
-                    <a:schemeClr val="bg1"/>
-                  </a:solidFill>
-                </a:ln>
-                <a:solidFill>
-                  <a:srgbClr val="00B050"/>
-                </a:solidFill>
-                <a:effectLst>
-                  <a:outerShdw blurRad="38100" dist="19050" dir="2700000" algn="tl" rotWithShape="0">
-                    <a:schemeClr val="dk1">
-                      <a:alpha val="40000"/>
-                    </a:schemeClr>
-                  </a:outerShdw>
-                </a:effectLst>
-                <a:latin typeface="Exo 2 Extra Bold" panose="00000900000000000000" pitchFamily="50" charset="0"/>
-              </a:rPr>
-              <a:t>Liga Principal</a:t>
-            </a:r>
-          </a:p>
-        </p:txBody>
-      </p:sp>
-      <p:sp>
-        <p:nvSpPr>
-          <p:cNvPr id="53" name="Retângulo 52">
-            <a:extLst>
-              <a:ext uri="{FF2B5EF4-FFF2-40B4-BE49-F238E27FC236}">
-                <a16:creationId xmlns:a16="http://schemas.microsoft.com/office/drawing/2014/main" id="{F101E0BF-8A68-40B9-BC26-35C299182F52}"/>
-              </a:ext>
-            </a:extLst>
-          </p:cNvPr>
-          <p:cNvSpPr/>
-          <p:nvPr/>
-        </p:nvSpPr>
-        <p:spPr>
-          <a:xfrm>
-            <a:off x="336776" y="1104608"/>
-            <a:ext cx="13909452" cy="1177249"/>
-          </a:xfrm>
-          <a:prstGeom prst="rect">
-            <a:avLst/>
-          </a:prstGeom>
-          <a:noFill/>
-        </p:spPr>
-        <p:txBody>
-          <a:bodyPr wrap="square" lIns="68584" tIns="34292" rIns="68584" bIns="34292">
-            <a:spAutoFit/>
-          </a:bodyPr>
-          <a:lstStyle/>
-          <a:p>
-            <a:pPr algn="ctr"/>
-            <a:r>
-              <a:rPr lang="pt-BR" sz="7200" dirty="0">
-                <a:ln w="0">
-                  <a:noFill/>
-                </a:ln>
-                <a:effectLst>
-                  <a:outerShdw blurRad="38100" dist="19050" dir="2700000" algn="tl" rotWithShape="0">
-                    <a:schemeClr val="dk1">
-                      <a:alpha val="40000"/>
-                    </a:schemeClr>
-                  </a:outerShdw>
-                </a:effectLst>
-                <a:latin typeface="Exo 2 Extra Bold" panose="00000900000000000000" pitchFamily="50" charset="0"/>
-              </a:rPr>
-              <a:t>MATA-MATA SÉRIE A 3</a:t>
-            </a:r>
-          </a:p>
-        </p:txBody>
-      </p:sp>
-      <p:pic>
-        <p:nvPicPr>
-          <p:cNvPr id="15" name="Imagem 14">
-            <a:extLst>
-              <a:ext uri="{FF2B5EF4-FFF2-40B4-BE49-F238E27FC236}">
-                <a16:creationId xmlns:a16="http://schemas.microsoft.com/office/drawing/2014/main" id="{780D6AE4-2B31-43CF-8A3B-9ACC73C32FE9}"/>
-              </a:ext>
-            </a:extLst>
-          </p:cNvPr>
-          <p:cNvPicPr>
-            <a:picLocks noChangeAspect="1"/>
-          </p:cNvPicPr>
-          <p:nvPr/>
-        </p:nvPicPr>
-        <p:blipFill>
-          <a:blip r:embed="rId4" cstate="hqprint">
-            <a:extLst>
-              <a:ext uri="{28A0092B-C50C-407E-A947-70E740481C1C}">
-                <a14:useLocalDpi xmlns:a14="http://schemas.microsoft.com/office/drawing/2010/main" val="0"/>
-              </a:ext>
-            </a:extLst>
-          </a:blip>
-          <a:stretch>
-            <a:fillRect/>
-          </a:stretch>
-        </p:blipFill>
-        <p:spPr>
-          <a:xfrm>
-            <a:off x="336776" y="194284"/>
-            <a:ext cx="2059134" cy="2160000"/>
-          </a:xfrm>
-          <a:prstGeom prst="rect">
-            <a:avLst/>
-          </a:prstGeom>
-        </p:spPr>
-      </p:pic>
-      <p:sp>
-        <p:nvSpPr>
-          <p:cNvPr id="10" name="Retângulo 9">
-            <a:extLst>
-              <a:ext uri="{FF2B5EF4-FFF2-40B4-BE49-F238E27FC236}">
-                <a16:creationId xmlns:a16="http://schemas.microsoft.com/office/drawing/2014/main" id="{838BDC98-3287-4575-8574-56F716FB2440}"/>
-              </a:ext>
-            </a:extLst>
-          </p:cNvPr>
-          <p:cNvSpPr/>
-          <p:nvPr/>
-        </p:nvSpPr>
-        <p:spPr>
-          <a:xfrm>
-            <a:off x="1911927" y="2227185"/>
-            <a:ext cx="10476677" cy="2718888"/>
-          </a:xfrm>
-          <a:prstGeom prst="rect">
-            <a:avLst/>
-          </a:prstGeom>
-          <a:solidFill>
-            <a:schemeClr val="tx1">
-              <a:alpha val="81000"/>
-            </a:schemeClr>
-          </a:solidFill>
-        </p:spPr>
-        <p:style>
-          <a:lnRef idx="2">
-            <a:schemeClr val="accent1">
-              <a:shade val="50000"/>
-            </a:schemeClr>
-          </a:lnRef>
-          <a:fillRef idx="1">
-            <a:schemeClr val="accent1"/>
-          </a:fillRef>
-          <a:effectRef idx="0">
-            <a:schemeClr val="accent1"/>
-          </a:effectRef>
-          <a:fontRef idx="minor">
-            <a:schemeClr val="lt1"/>
-          </a:fontRef>
-        </p:style>
-        <p:txBody>
-          <a:bodyPr rtlCol="0" anchor="ctr"/>
-          <a:lstStyle/>
-          <a:p>
-            <a:pPr algn="ctr"/>
-            <a:endParaRPr lang="pt-BR"/>
-          </a:p>
-        </p:txBody>
-      </p:sp>
-      <p:sp>
-        <p:nvSpPr>
-          <p:cNvPr id="21" name="Retângulo 20">
-            <a:extLst>
-              <a:ext uri="{FF2B5EF4-FFF2-40B4-BE49-F238E27FC236}">
-                <a16:creationId xmlns:a16="http://schemas.microsoft.com/office/drawing/2014/main" id="{95EDB8CB-8377-4925-B478-560C3F615037}"/>
-              </a:ext>
-            </a:extLst>
-          </p:cNvPr>
-          <p:cNvSpPr/>
-          <p:nvPr/>
-        </p:nvSpPr>
-        <p:spPr>
-          <a:xfrm>
-            <a:off x="1911927" y="5072033"/>
-            <a:ext cx="10476677" cy="2718888"/>
-          </a:xfrm>
-          <a:prstGeom prst="rect">
-            <a:avLst/>
-          </a:prstGeom>
-          <a:solidFill>
-            <a:schemeClr val="tx1">
-              <a:alpha val="81000"/>
-            </a:schemeClr>
-          </a:solidFill>
-        </p:spPr>
-        <p:style>
-          <a:lnRef idx="2">
-            <a:schemeClr val="accent1">
-              <a:shade val="50000"/>
-            </a:schemeClr>
-          </a:lnRef>
-          <a:fillRef idx="1">
-            <a:schemeClr val="accent1"/>
-          </a:fillRef>
-          <a:effectRef idx="0">
-            <a:schemeClr val="accent1"/>
-          </a:effectRef>
-          <a:fontRef idx="minor">
-            <a:schemeClr val="lt1"/>
-          </a:fontRef>
-        </p:style>
-        <p:txBody>
-          <a:bodyPr rtlCol="0" anchor="ctr"/>
-          <a:lstStyle/>
-          <a:p>
-            <a:pPr algn="ctr"/>
-            <a:endParaRPr lang="pt-BR"/>
-          </a:p>
-        </p:txBody>
-      </p:sp>
-      <p:sp>
-        <p:nvSpPr>
-          <p:cNvPr id="23" name="Retângulo 22">
-            <a:extLst>
-              <a:ext uri="{FF2B5EF4-FFF2-40B4-BE49-F238E27FC236}">
-                <a16:creationId xmlns:a16="http://schemas.microsoft.com/office/drawing/2014/main" id="{ED87CD67-A438-4F74-986A-3704AF997953}"/>
-              </a:ext>
-            </a:extLst>
-          </p:cNvPr>
-          <p:cNvSpPr/>
-          <p:nvPr/>
-        </p:nvSpPr>
-        <p:spPr>
-          <a:xfrm>
-            <a:off x="5308448" y="2179089"/>
-            <a:ext cx="3789504" cy="684807"/>
-          </a:xfrm>
-          <a:prstGeom prst="rect">
-            <a:avLst/>
-          </a:prstGeom>
-          <a:noFill/>
-        </p:spPr>
-        <p:txBody>
-          <a:bodyPr wrap="square" lIns="68584" tIns="34292" rIns="68584" bIns="34292">
-            <a:spAutoFit/>
-          </a:bodyPr>
-          <a:lstStyle/>
-          <a:p>
-            <a:pPr algn="ctr"/>
-            <a:r>
-              <a:rPr lang="pt-BR" sz="4000" dirty="0">
-                <a:ln w="0">
-                  <a:noFill/>
-                </a:ln>
-                <a:solidFill>
-                  <a:srgbClr val="0070C0"/>
-                </a:solidFill>
-                <a:effectLst>
-                  <a:outerShdw blurRad="38100" dist="19050" dir="2700000" algn="tl" rotWithShape="0">
-                    <a:schemeClr val="dk1">
-                      <a:alpha val="40000"/>
-                    </a:schemeClr>
-                  </a:outerShdw>
-                </a:effectLst>
-                <a:latin typeface="Exo 2 Extra Bold" panose="00000900000000000000" pitchFamily="50" charset="0"/>
-              </a:rPr>
-              <a:t>Semifinal</a:t>
-            </a:r>
-          </a:p>
-        </p:txBody>
-      </p:sp>
-      <p:sp>
-        <p:nvSpPr>
-          <p:cNvPr id="24" name="Retângulo 23">
-            <a:extLst>
-              <a:ext uri="{FF2B5EF4-FFF2-40B4-BE49-F238E27FC236}">
-                <a16:creationId xmlns:a16="http://schemas.microsoft.com/office/drawing/2014/main" id="{522A4ACC-EC27-4A14-BA66-B0EB03535C7B}"/>
-              </a:ext>
-            </a:extLst>
-          </p:cNvPr>
-          <p:cNvSpPr/>
-          <p:nvPr/>
-        </p:nvSpPr>
-        <p:spPr>
-          <a:xfrm>
-            <a:off x="5321993" y="5022489"/>
-            <a:ext cx="3789503" cy="684807"/>
-          </a:xfrm>
-          <a:prstGeom prst="rect">
-            <a:avLst/>
-          </a:prstGeom>
-          <a:noFill/>
-        </p:spPr>
-        <p:txBody>
-          <a:bodyPr wrap="square" lIns="68584" tIns="34292" rIns="68584" bIns="34292">
-            <a:spAutoFit/>
-          </a:bodyPr>
-          <a:lstStyle/>
-          <a:p>
-            <a:pPr algn="ctr"/>
-            <a:r>
-              <a:rPr lang="pt-BR" sz="4000" dirty="0">
-                <a:ln w="0">
-                  <a:noFill/>
-                </a:ln>
-                <a:solidFill>
-                  <a:srgbClr val="0070C0"/>
-                </a:solidFill>
-                <a:effectLst>
-                  <a:outerShdw blurRad="38100" dist="19050" dir="2700000" algn="tl" rotWithShape="0">
-                    <a:schemeClr val="dk1">
-                      <a:alpha val="40000"/>
-                    </a:schemeClr>
-                  </a:outerShdw>
-                </a:effectLst>
-                <a:latin typeface="Exo 2 Extra Bold" panose="00000900000000000000" pitchFamily="50" charset="0"/>
-              </a:rPr>
-              <a:t>Campeão</a:t>
-            </a:r>
-          </a:p>
-        </p:txBody>
-      </p:sp>
-      <p:sp>
-        <p:nvSpPr>
-          <p:cNvPr id="18" name="Retângulo 17">
-            <a:extLst>
-              <a:ext uri="{FF2B5EF4-FFF2-40B4-BE49-F238E27FC236}">
-                <a16:creationId xmlns:a16="http://schemas.microsoft.com/office/drawing/2014/main" id="{3128898C-0A57-4F19-8491-B43E8301569E}"/>
-              </a:ext>
-            </a:extLst>
-          </p:cNvPr>
-          <p:cNvSpPr/>
-          <p:nvPr/>
-        </p:nvSpPr>
-        <p:spPr>
-          <a:xfrm>
-            <a:off x="1918853" y="7946853"/>
-            <a:ext cx="10476677" cy="2718888"/>
-          </a:xfrm>
-          <a:prstGeom prst="rect">
-            <a:avLst/>
-          </a:prstGeom>
-          <a:solidFill>
-            <a:schemeClr val="tx1">
-              <a:alpha val="81000"/>
-            </a:schemeClr>
-          </a:solidFill>
-        </p:spPr>
-        <p:style>
-          <a:lnRef idx="2">
-            <a:schemeClr val="accent1">
-              <a:shade val="50000"/>
-            </a:schemeClr>
-          </a:lnRef>
-          <a:fillRef idx="1">
-            <a:schemeClr val="accent1"/>
-          </a:fillRef>
-          <a:effectRef idx="0">
-            <a:schemeClr val="accent1"/>
-          </a:effectRef>
-          <a:fontRef idx="minor">
-            <a:schemeClr val="lt1"/>
-          </a:fontRef>
-        </p:style>
-        <p:txBody>
-          <a:bodyPr rtlCol="0" anchor="ctr"/>
-          <a:lstStyle/>
-          <a:p>
-            <a:pPr algn="ctr"/>
-            <a:endParaRPr lang="pt-BR"/>
-          </a:p>
-        </p:txBody>
-      </p:sp>
-      <p:sp>
-        <p:nvSpPr>
-          <p:cNvPr id="19" name="Retângulo 18">
-            <a:extLst>
-              <a:ext uri="{FF2B5EF4-FFF2-40B4-BE49-F238E27FC236}">
-                <a16:creationId xmlns:a16="http://schemas.microsoft.com/office/drawing/2014/main" id="{233846BD-32E7-4324-ADF6-449F12B78362}"/>
-              </a:ext>
-            </a:extLst>
-          </p:cNvPr>
-          <p:cNvSpPr/>
-          <p:nvPr/>
-        </p:nvSpPr>
-        <p:spPr>
-          <a:xfrm>
-            <a:off x="5328919" y="7897309"/>
-            <a:ext cx="3789503" cy="684807"/>
-          </a:xfrm>
-          <a:prstGeom prst="rect">
-            <a:avLst/>
-          </a:prstGeom>
-          <a:noFill/>
-        </p:spPr>
-        <p:txBody>
-          <a:bodyPr wrap="square" lIns="68584" tIns="34292" rIns="68584" bIns="34292">
-            <a:spAutoFit/>
-          </a:bodyPr>
-          <a:lstStyle/>
-          <a:p>
-            <a:pPr algn="ctr"/>
-            <a:r>
-              <a:rPr lang="pt-BR" sz="4000" dirty="0">
-                <a:ln w="0">
-                  <a:noFill/>
-                </a:ln>
-                <a:solidFill>
-                  <a:srgbClr val="0070C0"/>
-                </a:solidFill>
-                <a:effectLst>
-                  <a:outerShdw blurRad="38100" dist="19050" dir="2700000" algn="tl" rotWithShape="0">
-                    <a:schemeClr val="dk1">
-                      <a:alpha val="40000"/>
-                    </a:schemeClr>
-                  </a:outerShdw>
-                </a:effectLst>
-                <a:latin typeface="Exo 2 Extra Bold" panose="00000900000000000000" pitchFamily="50" charset="0"/>
-              </a:rPr>
-              <a:t>3º Lugar</a:t>
-            </a:r>
-          </a:p>
-        </p:txBody>
-      </p:sp>
-      <p:pic>
-        <p:nvPicPr>
-          <p:cNvPr id="4" name="Imagem 3">
-            <a:extLst>
-              <a:ext uri="{FF2B5EF4-FFF2-40B4-BE49-F238E27FC236}">
-                <a16:creationId xmlns:a16="http://schemas.microsoft.com/office/drawing/2014/main" id="{AAFFB090-0801-43D0-93D1-7A5BEEAED204}"/>
-              </a:ext>
-            </a:extLst>
-          </p:cNvPr>
-          <p:cNvPicPr>
-            <a:picLocks noChangeAspect="1"/>
-          </p:cNvPicPr>
-          <p:nvPr/>
-        </p:nvPicPr>
-        <p:blipFill>
-          <a:blip r:embed="rId5"/>
-          <a:stretch>
-            <a:fillRect/>
-          </a:stretch>
-        </p:blipFill>
-        <p:spPr>
-          <a:xfrm>
-            <a:off x="2363670" y="2875136"/>
-            <a:ext cx="9720000" cy="1881294"/>
-          </a:xfrm>
-          <a:prstGeom prst="rect">
-            <a:avLst/>
-          </a:prstGeom>
-        </p:spPr>
-      </p:pic>
-      <p:pic>
-        <p:nvPicPr>
-          <p:cNvPr id="2" name="Imagem 1">
-            <a:extLst>
-              <a:ext uri="{FF2B5EF4-FFF2-40B4-BE49-F238E27FC236}">
-                <a16:creationId xmlns:a16="http://schemas.microsoft.com/office/drawing/2014/main" id="{96BA5C16-362A-4975-B6AD-F0135C69C281}"/>
-              </a:ext>
-            </a:extLst>
-          </p:cNvPr>
-          <p:cNvPicPr>
-            <a:picLocks noChangeAspect="1"/>
-          </p:cNvPicPr>
-          <p:nvPr/>
-        </p:nvPicPr>
-        <p:blipFill>
-          <a:blip r:embed="rId6"/>
-          <a:stretch>
-            <a:fillRect/>
-          </a:stretch>
-        </p:blipFill>
-        <p:spPr>
-          <a:xfrm>
-            <a:off x="2363800" y="6157473"/>
-            <a:ext cx="9720000" cy="813301"/>
-          </a:xfrm>
-          <a:prstGeom prst="rect">
-            <a:avLst/>
-          </a:prstGeom>
-        </p:spPr>
-      </p:pic>
-      <p:pic>
-        <p:nvPicPr>
-          <p:cNvPr id="3" name="Imagem 2">
-            <a:extLst>
-              <a:ext uri="{FF2B5EF4-FFF2-40B4-BE49-F238E27FC236}">
-                <a16:creationId xmlns:a16="http://schemas.microsoft.com/office/drawing/2014/main" id="{9B36036B-588D-4033-9D24-7CAD324A1C43}"/>
-              </a:ext>
-            </a:extLst>
-          </p:cNvPr>
-          <p:cNvPicPr>
-            <a:picLocks noChangeAspect="1"/>
-          </p:cNvPicPr>
-          <p:nvPr/>
-        </p:nvPicPr>
-        <p:blipFill>
-          <a:blip r:embed="rId7"/>
-          <a:stretch>
-            <a:fillRect/>
-          </a:stretch>
-        </p:blipFill>
-        <p:spPr>
-          <a:xfrm>
-            <a:off x="2356874" y="9033548"/>
-            <a:ext cx="9720000" cy="813301"/>
-          </a:xfrm>
-          <a:prstGeom prst="rect">
-            <a:avLst/>
-          </a:prstGeom>
-        </p:spPr>
-      </p:pic>
-    </p:spTree>
-    <p:extLst>
-      <p:ext uri="{BB962C8B-B14F-4D97-AF65-F5344CB8AC3E}">
-        <p14:creationId xmlns:p14="http://schemas.microsoft.com/office/powerpoint/2010/main" val="3809854354"/>
       </p:ext>
     </p:extLst>
   </p:cSld>
@@ -8160,7 +8101,7 @@
                 </a:effectLst>
                 <a:latin typeface="Exo 2 Extra Bold" panose="00000900000000000000" pitchFamily="50" charset="0"/>
               </a:rPr>
-              <a:t>MATA-MATA SÉRIE C 3</a:t>
+              <a:t>MATA-MATA SÉRIE A 3</a:t>
             </a:r>
           </a:p>
         </p:txBody>
@@ -8305,61 +8246,10 @@
       </p:sp>
       <p:sp>
         <p:nvSpPr>
-          <p:cNvPr id="18" name="Retângulo 17">
-            <a:extLst>
-              <a:ext uri="{FF2B5EF4-FFF2-40B4-BE49-F238E27FC236}">
-                <a16:creationId xmlns:a16="http://schemas.microsoft.com/office/drawing/2014/main" id="{3128898C-0A57-4F19-8491-B43E8301569E}"/>
-              </a:ext>
-            </a:extLst>
-          </p:cNvPr>
-          <p:cNvSpPr/>
-          <p:nvPr/>
-        </p:nvSpPr>
-        <p:spPr>
-          <a:xfrm>
-            <a:off x="1918853" y="7946853"/>
-            <a:ext cx="10476677" cy="2718888"/>
-          </a:xfrm>
-          <a:prstGeom prst="rect">
-            <a:avLst/>
-          </a:prstGeom>
-          <a:solidFill>
-            <a:schemeClr val="tx1">
-              <a:alpha val="81000"/>
-            </a:schemeClr>
-          </a:solidFill>
-        </p:spPr>
-        <p:style>
-          <a:lnRef idx="2">
-            <a:schemeClr val="accent1">
-              <a:shade val="50000"/>
-            </a:schemeClr>
-          </a:lnRef>
-          <a:fillRef idx="1">
-            <a:schemeClr val="accent1"/>
-          </a:fillRef>
-          <a:effectRef idx="0">
-            <a:schemeClr val="accent1"/>
-          </a:effectRef>
-          <a:fontRef idx="minor">
-            <a:schemeClr val="lt1"/>
-          </a:fontRef>
-        </p:style>
-        <p:txBody>
-          <a:bodyPr rtlCol="0" anchor="ctr"/>
-          <a:lstStyle/>
-          <a:p>
-            <a:pPr algn="ctr"/>
-            <a:endParaRPr lang="pt-BR"/>
-          </a:p>
-        </p:txBody>
-      </p:sp>
-      <p:sp>
-        <p:nvSpPr>
-          <p:cNvPr id="25" name="Retângulo 24">
-            <a:extLst>
-              <a:ext uri="{FF2B5EF4-FFF2-40B4-BE49-F238E27FC236}">
-                <a16:creationId xmlns:a16="http://schemas.microsoft.com/office/drawing/2014/main" id="{A09E16B2-7C74-4C13-9219-0E6412B9F44B}"/>
+          <p:cNvPr id="23" name="Retângulo 22">
+            <a:extLst>
+              <a:ext uri="{FF2B5EF4-FFF2-40B4-BE49-F238E27FC236}">
+                <a16:creationId xmlns:a16="http://schemas.microsoft.com/office/drawing/2014/main" id="{ED87CD67-A438-4F74-986A-3704AF997953}"/>
               </a:ext>
             </a:extLst>
           </p:cNvPr>
@@ -8407,10 +8297,10 @@
       </p:sp>
       <p:sp>
         <p:nvSpPr>
-          <p:cNvPr id="26" name="Retângulo 25">
-            <a:extLst>
-              <a:ext uri="{FF2B5EF4-FFF2-40B4-BE49-F238E27FC236}">
-                <a16:creationId xmlns:a16="http://schemas.microsoft.com/office/drawing/2014/main" id="{836C358E-4A49-45F6-A3E5-A798F09F5911}"/>
+          <p:cNvPr id="24" name="Retângulo 23">
+            <a:extLst>
+              <a:ext uri="{FF2B5EF4-FFF2-40B4-BE49-F238E27FC236}">
+                <a16:creationId xmlns:a16="http://schemas.microsoft.com/office/drawing/2014/main" id="{522A4ACC-EC27-4A14-BA66-B0EB03535C7B}"/>
               </a:ext>
             </a:extLst>
           </p:cNvPr>
@@ -8458,10 +8348,61 @@
       </p:sp>
       <p:sp>
         <p:nvSpPr>
-          <p:cNvPr id="27" name="Retângulo 26">
-            <a:extLst>
-              <a:ext uri="{FF2B5EF4-FFF2-40B4-BE49-F238E27FC236}">
-                <a16:creationId xmlns:a16="http://schemas.microsoft.com/office/drawing/2014/main" id="{4AC9D068-7C16-464F-89BF-6D23B2411B38}"/>
+          <p:cNvPr id="18" name="Retângulo 17">
+            <a:extLst>
+              <a:ext uri="{FF2B5EF4-FFF2-40B4-BE49-F238E27FC236}">
+                <a16:creationId xmlns:a16="http://schemas.microsoft.com/office/drawing/2014/main" id="{3128898C-0A57-4F19-8491-B43E8301569E}"/>
+              </a:ext>
+            </a:extLst>
+          </p:cNvPr>
+          <p:cNvSpPr/>
+          <p:nvPr/>
+        </p:nvSpPr>
+        <p:spPr>
+          <a:xfrm>
+            <a:off x="1918853" y="7946853"/>
+            <a:ext cx="10476677" cy="2718888"/>
+          </a:xfrm>
+          <a:prstGeom prst="rect">
+            <a:avLst/>
+          </a:prstGeom>
+          <a:solidFill>
+            <a:schemeClr val="tx1">
+              <a:alpha val="81000"/>
+            </a:schemeClr>
+          </a:solidFill>
+        </p:spPr>
+        <p:style>
+          <a:lnRef idx="2">
+            <a:schemeClr val="accent1">
+              <a:shade val="50000"/>
+            </a:schemeClr>
+          </a:lnRef>
+          <a:fillRef idx="1">
+            <a:schemeClr val="accent1"/>
+          </a:fillRef>
+          <a:effectRef idx="0">
+            <a:schemeClr val="accent1"/>
+          </a:effectRef>
+          <a:fontRef idx="minor">
+            <a:schemeClr val="lt1"/>
+          </a:fontRef>
+        </p:style>
+        <p:txBody>
+          <a:bodyPr rtlCol="0" anchor="ctr"/>
+          <a:lstStyle/>
+          <a:p>
+            <a:pPr algn="ctr"/>
+            <a:endParaRPr lang="pt-BR"/>
+          </a:p>
+        </p:txBody>
+      </p:sp>
+      <p:sp>
+        <p:nvSpPr>
+          <p:cNvPr id="19" name="Retângulo 18">
+            <a:extLst>
+              <a:ext uri="{FF2B5EF4-FFF2-40B4-BE49-F238E27FC236}">
+                <a16:creationId xmlns:a16="http://schemas.microsoft.com/office/drawing/2014/main" id="{233846BD-32E7-4324-ADF6-449F12B78362}"/>
               </a:ext>
             </a:extLst>
           </p:cNvPr>
@@ -8509,6 +8450,878 @@
       </p:sp>
       <p:pic>
         <p:nvPicPr>
+          <p:cNvPr id="4" name="Imagem 3">
+            <a:extLst>
+              <a:ext uri="{FF2B5EF4-FFF2-40B4-BE49-F238E27FC236}">
+                <a16:creationId xmlns:a16="http://schemas.microsoft.com/office/drawing/2014/main" id="{AAFFB090-0801-43D0-93D1-7A5BEEAED204}"/>
+              </a:ext>
+            </a:extLst>
+          </p:cNvPr>
+          <p:cNvPicPr>
+            <a:picLocks noChangeAspect="1"/>
+          </p:cNvPicPr>
+          <p:nvPr/>
+        </p:nvPicPr>
+        <p:blipFill>
+          <a:blip r:embed="rId5"/>
+          <a:stretch>
+            <a:fillRect/>
+          </a:stretch>
+        </p:blipFill>
+        <p:spPr>
+          <a:xfrm>
+            <a:off x="2363670" y="2875136"/>
+            <a:ext cx="9720000" cy="1881294"/>
+          </a:xfrm>
+          <a:prstGeom prst="rect">
+            <a:avLst/>
+          </a:prstGeom>
+        </p:spPr>
+      </p:pic>
+      <p:pic>
+        <p:nvPicPr>
+          <p:cNvPr id="2" name="Imagem 1">
+            <a:extLst>
+              <a:ext uri="{FF2B5EF4-FFF2-40B4-BE49-F238E27FC236}">
+                <a16:creationId xmlns:a16="http://schemas.microsoft.com/office/drawing/2014/main" id="{96BA5C16-362A-4975-B6AD-F0135C69C281}"/>
+              </a:ext>
+            </a:extLst>
+          </p:cNvPr>
+          <p:cNvPicPr>
+            <a:picLocks noChangeAspect="1"/>
+          </p:cNvPicPr>
+          <p:nvPr/>
+        </p:nvPicPr>
+        <p:blipFill>
+          <a:blip r:embed="rId6"/>
+          <a:stretch>
+            <a:fillRect/>
+          </a:stretch>
+        </p:blipFill>
+        <p:spPr>
+          <a:xfrm>
+            <a:off x="2363800" y="6157473"/>
+            <a:ext cx="9720000" cy="813301"/>
+          </a:xfrm>
+          <a:prstGeom prst="rect">
+            <a:avLst/>
+          </a:prstGeom>
+        </p:spPr>
+      </p:pic>
+      <p:pic>
+        <p:nvPicPr>
+          <p:cNvPr id="3" name="Imagem 2">
+            <a:extLst>
+              <a:ext uri="{FF2B5EF4-FFF2-40B4-BE49-F238E27FC236}">
+                <a16:creationId xmlns:a16="http://schemas.microsoft.com/office/drawing/2014/main" id="{9B36036B-588D-4033-9D24-7CAD324A1C43}"/>
+              </a:ext>
+            </a:extLst>
+          </p:cNvPr>
+          <p:cNvPicPr>
+            <a:picLocks noChangeAspect="1"/>
+          </p:cNvPicPr>
+          <p:nvPr/>
+        </p:nvPicPr>
+        <p:blipFill>
+          <a:blip r:embed="rId7"/>
+          <a:stretch>
+            <a:fillRect/>
+          </a:stretch>
+        </p:blipFill>
+        <p:spPr>
+          <a:xfrm>
+            <a:off x="2356874" y="9033548"/>
+            <a:ext cx="9720000" cy="813301"/>
+          </a:xfrm>
+          <a:prstGeom prst="rect">
+            <a:avLst/>
+          </a:prstGeom>
+        </p:spPr>
+      </p:pic>
+    </p:spTree>
+    <p:extLst>
+      <p:ext uri="{BB962C8B-B14F-4D97-AF65-F5344CB8AC3E}">
+        <p14:creationId xmlns:p14="http://schemas.microsoft.com/office/powerpoint/2010/main" val="3809854354"/>
+      </p:ext>
+    </p:extLst>
+  </p:cSld>
+  <p:clrMapOvr>
+    <a:masterClrMapping/>
+  </p:clrMapOvr>
+</p:sld>
+</file>
+
+<file path=ppt/slides/slide15.xml><?xml version="1.0" encoding="utf-8"?>
+<p:sld xmlns:a="http://schemas.openxmlformats.org/drawingml/2006/main" xmlns:r="http://schemas.openxmlformats.org/officeDocument/2006/relationships" xmlns:p="http://schemas.openxmlformats.org/presentationml/2006/main">
+  <p:cSld>
+    <p:bg>
+      <p:bgPr>
+        <a:solidFill>
+          <a:schemeClr val="bg1"/>
+        </a:solidFill>
+        <a:effectLst/>
+      </p:bgPr>
+    </p:bg>
+    <p:spTree>
+      <p:nvGrpSpPr>
+        <p:cNvPr id="1" name=""/>
+        <p:cNvGrpSpPr/>
+        <p:nvPr/>
+      </p:nvGrpSpPr>
+      <p:grpSpPr>
+        <a:xfrm>
+          <a:off x="0" y="0"/>
+          <a:ext cx="0" cy="0"/>
+          <a:chOff x="0" y="0"/>
+          <a:chExt cx="0" cy="0"/>
+        </a:xfrm>
+      </p:grpSpPr>
+      <p:sp>
+        <p:nvSpPr>
+          <p:cNvPr id="13" name="Rectangle 9">
+            <a:extLst>
+              <a:ext uri="{FF2B5EF4-FFF2-40B4-BE49-F238E27FC236}">
+                <a16:creationId xmlns:a16="http://schemas.microsoft.com/office/drawing/2014/main" id="{0BABF38A-8A0D-492E-BD20-6CF4D46B50BD}"/>
+              </a:ext>
+              <a:ext uri="{C183D7F6-B498-43B3-948B-1728B52AA6E4}">
+                <adec:decorative xmlns:adec="http://schemas.microsoft.com/office/drawing/2017/decorative" val="1"/>
+              </a:ext>
+            </a:extLst>
+          </p:cNvPr>
+          <p:cNvSpPr>
+            <a:spLocks noGrp="1" noRot="1" noChangeAspect="1" noMove="1" noResize="1" noEditPoints="1" noAdjustHandles="1" noChangeArrowheads="1" noChangeShapeType="1" noTextEdit="1"/>
+          </p:cNvSpPr>
+          <p:nvPr>
+            <p:extLst>
+              <p:ext uri="{386F3935-93C4-4BCD-93E2-E3B085C9AB24}">
+                <p16:designElem xmlns:p16="http://schemas.microsoft.com/office/powerpoint/2015/main" val="1"/>
+              </p:ext>
+            </p:extLst>
+          </p:nvPr>
+        </p:nvSpPr>
+        <p:spPr>
+          <a:xfrm>
+            <a:off x="3149972" y="3121681"/>
+            <a:ext cx="8100269" cy="4556404"/>
+          </a:xfrm>
+          <a:prstGeom prst="rect">
+            <a:avLst/>
+          </a:prstGeom>
+          <a:solidFill>
+            <a:schemeClr val="bg2">
+              <a:lumMod val="90000"/>
+              <a:alpha val="70000"/>
+            </a:schemeClr>
+          </a:solidFill>
+          <a:ln>
+            <a:noFill/>
+          </a:ln>
+        </p:spPr>
+        <p:style>
+          <a:lnRef idx="2">
+            <a:schemeClr val="accent1">
+              <a:shade val="50000"/>
+            </a:schemeClr>
+          </a:lnRef>
+          <a:fillRef idx="1">
+            <a:schemeClr val="accent1"/>
+          </a:fillRef>
+          <a:effectRef idx="0">
+            <a:schemeClr val="accent1"/>
+          </a:effectRef>
+          <a:fontRef idx="minor">
+            <a:schemeClr val="lt1"/>
+          </a:fontRef>
+        </p:style>
+        <p:txBody>
+          <a:bodyPr rtlCol="0" anchor="ctr"/>
+          <a:lstStyle/>
+          <a:p>
+            <a:pPr algn="ctr">
+              <a:defRPr/>
+            </a:pPr>
+            <a:endParaRPr lang="en-US" sz="1196" dirty="0">
+              <a:solidFill>
+                <a:prstClr val="black">
+                  <a:lumMod val="65000"/>
+                  <a:lumOff val="35000"/>
+                </a:prstClr>
+              </a:solidFill>
+              <a:latin typeface="AvenirNext LT Pro Medium" panose="020B0504020202020204" pitchFamily="34" charset="0"/>
+            </a:endParaRPr>
+          </a:p>
+        </p:txBody>
+      </p:sp>
+      <p:pic>
+        <p:nvPicPr>
+          <p:cNvPr id="12" name="Picture 11">
+            <a:extLst>
+              <a:ext uri="{FF2B5EF4-FFF2-40B4-BE49-F238E27FC236}">
+                <a16:creationId xmlns:a16="http://schemas.microsoft.com/office/drawing/2014/main" id="{BC526B7A-4801-4FD1-95C8-03AF22629E87}"/>
+              </a:ext>
+              <a:ext uri="{C183D7F6-B498-43B3-948B-1728B52AA6E4}">
+                <adec:decorative xmlns:adec="http://schemas.microsoft.com/office/drawing/2017/decorative" val="1"/>
+              </a:ext>
+            </a:extLst>
+          </p:cNvPr>
+          <p:cNvPicPr>
+            <a:picLocks noGrp="1" noRot="1" noChangeAspect="1" noMove="1" noResize="1" noEditPoints="1" noAdjustHandles="1" noChangeArrowheads="1" noChangeShapeType="1" noCrop="1"/>
+          </p:cNvPicPr>
+          <p:nvPr>
+            <p:extLst>
+              <p:ext uri="{386F3935-93C4-4BCD-93E2-E3B085C9AB24}">
+                <p16:designElem xmlns:p16="http://schemas.microsoft.com/office/powerpoint/2015/main" val="1"/>
+              </p:ext>
+            </p:extLst>
+          </p:nvPr>
+        </p:nvPicPr>
+        <p:blipFill>
+          <a:blip r:embed="rId2">
+            <a:alphaModFix amt="10000"/>
+            <a:extLst>
+              <a:ext uri="{28A0092B-C50C-407E-A947-70E740481C1C}">
+                <a14:useLocalDpi xmlns:a14="http://schemas.microsoft.com/office/drawing/2010/main" val="0"/>
+              </a:ext>
+            </a:extLst>
+          </a:blip>
+          <a:stretch>
+            <a:fillRect/>
+          </a:stretch>
+        </p:blipFill>
+        <p:spPr>
+          <a:xfrm>
+            <a:off x="8820159" y="3121682"/>
+            <a:ext cx="2428095" cy="3039825"/>
+          </a:xfrm>
+          <a:prstGeom prst="rect">
+            <a:avLst/>
+          </a:prstGeom>
+        </p:spPr>
+      </p:pic>
+      <p:sp useBgFill="1">
+        <p:nvSpPr>
+          <p:cNvPr id="14" name="Rectangle 13">
+            <a:extLst>
+              <a:ext uri="{FF2B5EF4-FFF2-40B4-BE49-F238E27FC236}">
+                <a16:creationId xmlns:a16="http://schemas.microsoft.com/office/drawing/2014/main" id="{37FDDF72-DE39-4F99-A3C1-DD9D7815D7DB}"/>
+              </a:ext>
+              <a:ext uri="{C183D7F6-B498-43B3-948B-1728B52AA6E4}">
+                <adec:decorative xmlns:adec="http://schemas.microsoft.com/office/drawing/2017/decorative" val="1"/>
+              </a:ext>
+            </a:extLst>
+          </p:cNvPr>
+          <p:cNvSpPr>
+            <a:spLocks noGrp="1" noRot="1" noChangeAspect="1" noMove="1" noResize="1" noEditPoints="1" noAdjustHandles="1" noChangeArrowheads="1" noChangeShapeType="1" noTextEdit="1"/>
+          </p:cNvSpPr>
+          <p:nvPr>
+            <p:extLst>
+              <p:ext uri="{386F3935-93C4-4BCD-93E2-E3B085C9AB24}">
+                <p16:designElem xmlns:p16="http://schemas.microsoft.com/office/powerpoint/2015/main" val="1"/>
+              </p:ext>
+            </p:extLst>
+          </p:nvPr>
+        </p:nvSpPr>
+        <p:spPr>
+          <a:xfrm>
+            <a:off x="3149972" y="3121681"/>
+            <a:ext cx="8100269" cy="4556401"/>
+          </a:xfrm>
+          <a:prstGeom prst="rect">
+            <a:avLst/>
+          </a:prstGeom>
+          <a:ln>
+            <a:noFill/>
+          </a:ln>
+        </p:spPr>
+        <p:style>
+          <a:lnRef idx="2">
+            <a:schemeClr val="accent1">
+              <a:shade val="50000"/>
+            </a:schemeClr>
+          </a:lnRef>
+          <a:fillRef idx="1">
+            <a:schemeClr val="accent1"/>
+          </a:fillRef>
+          <a:effectRef idx="0">
+            <a:schemeClr val="accent1"/>
+          </a:effectRef>
+          <a:fontRef idx="minor">
+            <a:schemeClr val="lt1"/>
+          </a:fontRef>
+        </p:style>
+        <p:txBody>
+          <a:bodyPr rtlCol="0" anchor="ctr"/>
+          <a:lstStyle/>
+          <a:p>
+            <a:pPr algn="ctr">
+              <a:defRPr/>
+            </a:pPr>
+            <a:endParaRPr lang="en-US" sz="1196" dirty="0">
+              <a:solidFill>
+                <a:prstClr val="black">
+                  <a:lumMod val="65000"/>
+                  <a:lumOff val="35000"/>
+                </a:prstClr>
+              </a:solidFill>
+              <a:latin typeface="AvenirNext LT Pro Medium" panose="020B0504020202020204" pitchFamily="34" charset="0"/>
+            </a:endParaRPr>
+          </a:p>
+        </p:txBody>
+      </p:sp>
+      <p:sp>
+        <p:nvSpPr>
+          <p:cNvPr id="16" name="Rectangle 15">
+            <a:extLst>
+              <a:ext uri="{FF2B5EF4-FFF2-40B4-BE49-F238E27FC236}">
+                <a16:creationId xmlns:a16="http://schemas.microsoft.com/office/drawing/2014/main" id="{5E4ECE80-3AD1-450C-B62A-98788F193948}"/>
+              </a:ext>
+              <a:ext uri="{C183D7F6-B498-43B3-948B-1728B52AA6E4}">
+                <adec:decorative xmlns:adec="http://schemas.microsoft.com/office/drawing/2017/decorative" val="1"/>
+              </a:ext>
+            </a:extLst>
+          </p:cNvPr>
+          <p:cNvSpPr>
+            <a:spLocks noGrp="1" noRot="1" noChangeAspect="1" noMove="1" noResize="1" noEditPoints="1" noAdjustHandles="1" noChangeArrowheads="1" noChangeShapeType="1" noTextEdit="1"/>
+          </p:cNvSpPr>
+          <p:nvPr>
+            <p:extLst>
+              <p:ext uri="{386F3935-93C4-4BCD-93E2-E3B085C9AB24}">
+                <p16:designElem xmlns:p16="http://schemas.microsoft.com/office/powerpoint/2015/main" val="1"/>
+              </p:ext>
+            </p:extLst>
+          </p:nvPr>
+        </p:nvSpPr>
+        <p:spPr>
+          <a:xfrm>
+            <a:off x="3149972" y="3121681"/>
+            <a:ext cx="8100269" cy="4556401"/>
+          </a:xfrm>
+          <a:prstGeom prst="rect">
+            <a:avLst/>
+          </a:prstGeom>
+          <a:solidFill>
+            <a:srgbClr val="000000"/>
+          </a:solidFill>
+          <a:ln>
+            <a:noFill/>
+          </a:ln>
+        </p:spPr>
+        <p:style>
+          <a:lnRef idx="2">
+            <a:schemeClr val="accent1">
+              <a:shade val="50000"/>
+            </a:schemeClr>
+          </a:lnRef>
+          <a:fillRef idx="1">
+            <a:schemeClr val="accent1"/>
+          </a:fillRef>
+          <a:effectRef idx="0">
+            <a:schemeClr val="accent1"/>
+          </a:effectRef>
+          <a:fontRef idx="minor">
+            <a:schemeClr val="lt1"/>
+          </a:fontRef>
+        </p:style>
+        <p:txBody>
+          <a:bodyPr rtlCol="0" anchor="ctr"/>
+          <a:lstStyle/>
+          <a:p>
+            <a:pPr algn="ctr">
+              <a:defRPr/>
+            </a:pPr>
+            <a:endParaRPr lang="en-US" sz="1196" dirty="0">
+              <a:solidFill>
+                <a:prstClr val="black">
+                  <a:lumMod val="65000"/>
+                  <a:lumOff val="35000"/>
+                </a:prstClr>
+              </a:solidFill>
+              <a:latin typeface="AvenirNext LT Pro Medium" panose="020B0504020202020204" pitchFamily="34" charset="0"/>
+            </a:endParaRPr>
+          </a:p>
+        </p:txBody>
+      </p:sp>
+      <p:pic>
+        <p:nvPicPr>
+          <p:cNvPr id="5" name="Imagem 4">
+            <a:extLst>
+              <a:ext uri="{FF2B5EF4-FFF2-40B4-BE49-F238E27FC236}">
+                <a16:creationId xmlns:a16="http://schemas.microsoft.com/office/drawing/2014/main" id="{F1433EF1-FB6D-4913-96C9-08F0B1B3CA7A}"/>
+              </a:ext>
+            </a:extLst>
+          </p:cNvPr>
+          <p:cNvPicPr>
+            <a:picLocks noChangeAspect="1"/>
+          </p:cNvPicPr>
+          <p:nvPr/>
+        </p:nvPicPr>
+        <p:blipFill rotWithShape="1">
+          <a:blip r:embed="rId3">
+            <a:alphaModFix/>
+            <a:extLst>
+              <a:ext uri="{28A0092B-C50C-407E-A947-70E740481C1C}">
+                <a14:useLocalDpi xmlns:a14="http://schemas.microsoft.com/office/drawing/2010/main" val="0"/>
+              </a:ext>
+            </a:extLst>
+          </a:blip>
+          <a:srcRect l="5233" t="-2125" r="6244" b="-538"/>
+          <a:stretch/>
+        </p:blipFill>
+        <p:spPr>
+          <a:xfrm>
+            <a:off x="-1" y="-248909"/>
+            <a:ext cx="14400213" cy="11147555"/>
+          </a:xfrm>
+          <a:prstGeom prst="rect">
+            <a:avLst/>
+          </a:prstGeom>
+        </p:spPr>
+      </p:pic>
+      <p:sp>
+        <p:nvSpPr>
+          <p:cNvPr id="50" name="Retângulo 49">
+            <a:extLst>
+              <a:ext uri="{FF2B5EF4-FFF2-40B4-BE49-F238E27FC236}">
+                <a16:creationId xmlns:a16="http://schemas.microsoft.com/office/drawing/2014/main" id="{50614AED-75DE-4550-9029-54313F89BD12}"/>
+              </a:ext>
+            </a:extLst>
+          </p:cNvPr>
+          <p:cNvSpPr/>
+          <p:nvPr/>
+        </p:nvSpPr>
+        <p:spPr>
+          <a:xfrm>
+            <a:off x="3186646" y="311571"/>
+            <a:ext cx="8052791" cy="992583"/>
+          </a:xfrm>
+          <a:prstGeom prst="rect">
+            <a:avLst/>
+          </a:prstGeom>
+          <a:noFill/>
+        </p:spPr>
+        <p:txBody>
+          <a:bodyPr wrap="square" lIns="68584" tIns="34292" rIns="68584" bIns="34292">
+            <a:spAutoFit/>
+          </a:bodyPr>
+          <a:lstStyle/>
+          <a:p>
+            <a:pPr algn="ctr"/>
+            <a:r>
+              <a:rPr lang="pt-BR" sz="6000" dirty="0">
+                <a:ln w="38100">
+                  <a:solidFill>
+                    <a:schemeClr val="bg1"/>
+                  </a:solidFill>
+                </a:ln>
+                <a:solidFill>
+                  <a:srgbClr val="00B050"/>
+                </a:solidFill>
+                <a:effectLst>
+                  <a:outerShdw blurRad="38100" dist="19050" dir="2700000" algn="tl" rotWithShape="0">
+                    <a:schemeClr val="dk1">
+                      <a:alpha val="40000"/>
+                    </a:schemeClr>
+                  </a:outerShdw>
+                </a:effectLst>
+                <a:latin typeface="Exo 2 Extra Bold" panose="00000900000000000000" pitchFamily="50" charset="0"/>
+              </a:rPr>
+              <a:t>Liga Principal</a:t>
+            </a:r>
+          </a:p>
+        </p:txBody>
+      </p:sp>
+      <p:sp>
+        <p:nvSpPr>
+          <p:cNvPr id="53" name="Retângulo 52">
+            <a:extLst>
+              <a:ext uri="{FF2B5EF4-FFF2-40B4-BE49-F238E27FC236}">
+                <a16:creationId xmlns:a16="http://schemas.microsoft.com/office/drawing/2014/main" id="{F101E0BF-8A68-40B9-BC26-35C299182F52}"/>
+              </a:ext>
+            </a:extLst>
+          </p:cNvPr>
+          <p:cNvSpPr/>
+          <p:nvPr/>
+        </p:nvSpPr>
+        <p:spPr>
+          <a:xfrm>
+            <a:off x="336776" y="1104608"/>
+            <a:ext cx="13909452" cy="1177249"/>
+          </a:xfrm>
+          <a:prstGeom prst="rect">
+            <a:avLst/>
+          </a:prstGeom>
+          <a:noFill/>
+        </p:spPr>
+        <p:txBody>
+          <a:bodyPr wrap="square" lIns="68584" tIns="34292" rIns="68584" bIns="34292">
+            <a:spAutoFit/>
+          </a:bodyPr>
+          <a:lstStyle/>
+          <a:p>
+            <a:pPr algn="ctr"/>
+            <a:r>
+              <a:rPr lang="pt-BR" sz="7200" dirty="0">
+                <a:ln w="0">
+                  <a:noFill/>
+                </a:ln>
+                <a:effectLst>
+                  <a:outerShdw blurRad="38100" dist="19050" dir="2700000" algn="tl" rotWithShape="0">
+                    <a:schemeClr val="dk1">
+                      <a:alpha val="40000"/>
+                    </a:schemeClr>
+                  </a:outerShdw>
+                </a:effectLst>
+                <a:latin typeface="Exo 2 Extra Bold" panose="00000900000000000000" pitchFamily="50" charset="0"/>
+              </a:rPr>
+              <a:t>MATA-MATA SÉRIE C 3</a:t>
+            </a:r>
+          </a:p>
+        </p:txBody>
+      </p:sp>
+      <p:pic>
+        <p:nvPicPr>
+          <p:cNvPr id="15" name="Imagem 14">
+            <a:extLst>
+              <a:ext uri="{FF2B5EF4-FFF2-40B4-BE49-F238E27FC236}">
+                <a16:creationId xmlns:a16="http://schemas.microsoft.com/office/drawing/2014/main" id="{780D6AE4-2B31-43CF-8A3B-9ACC73C32FE9}"/>
+              </a:ext>
+            </a:extLst>
+          </p:cNvPr>
+          <p:cNvPicPr>
+            <a:picLocks noChangeAspect="1"/>
+          </p:cNvPicPr>
+          <p:nvPr/>
+        </p:nvPicPr>
+        <p:blipFill>
+          <a:blip r:embed="rId4" cstate="hqprint">
+            <a:extLst>
+              <a:ext uri="{28A0092B-C50C-407E-A947-70E740481C1C}">
+                <a14:useLocalDpi xmlns:a14="http://schemas.microsoft.com/office/drawing/2010/main" val="0"/>
+              </a:ext>
+            </a:extLst>
+          </a:blip>
+          <a:stretch>
+            <a:fillRect/>
+          </a:stretch>
+        </p:blipFill>
+        <p:spPr>
+          <a:xfrm>
+            <a:off x="336776" y="194284"/>
+            <a:ext cx="2059134" cy="2160000"/>
+          </a:xfrm>
+          <a:prstGeom prst="rect">
+            <a:avLst/>
+          </a:prstGeom>
+        </p:spPr>
+      </p:pic>
+      <p:sp>
+        <p:nvSpPr>
+          <p:cNvPr id="10" name="Retângulo 9">
+            <a:extLst>
+              <a:ext uri="{FF2B5EF4-FFF2-40B4-BE49-F238E27FC236}">
+                <a16:creationId xmlns:a16="http://schemas.microsoft.com/office/drawing/2014/main" id="{838BDC98-3287-4575-8574-56F716FB2440}"/>
+              </a:ext>
+            </a:extLst>
+          </p:cNvPr>
+          <p:cNvSpPr/>
+          <p:nvPr/>
+        </p:nvSpPr>
+        <p:spPr>
+          <a:xfrm>
+            <a:off x="1911927" y="2227185"/>
+            <a:ext cx="10476677" cy="2718888"/>
+          </a:xfrm>
+          <a:prstGeom prst="rect">
+            <a:avLst/>
+          </a:prstGeom>
+          <a:solidFill>
+            <a:schemeClr val="tx1">
+              <a:alpha val="81000"/>
+            </a:schemeClr>
+          </a:solidFill>
+        </p:spPr>
+        <p:style>
+          <a:lnRef idx="2">
+            <a:schemeClr val="accent1">
+              <a:shade val="50000"/>
+            </a:schemeClr>
+          </a:lnRef>
+          <a:fillRef idx="1">
+            <a:schemeClr val="accent1"/>
+          </a:fillRef>
+          <a:effectRef idx="0">
+            <a:schemeClr val="accent1"/>
+          </a:effectRef>
+          <a:fontRef idx="minor">
+            <a:schemeClr val="lt1"/>
+          </a:fontRef>
+        </p:style>
+        <p:txBody>
+          <a:bodyPr rtlCol="0" anchor="ctr"/>
+          <a:lstStyle/>
+          <a:p>
+            <a:pPr algn="ctr"/>
+            <a:endParaRPr lang="pt-BR"/>
+          </a:p>
+        </p:txBody>
+      </p:sp>
+      <p:sp>
+        <p:nvSpPr>
+          <p:cNvPr id="21" name="Retângulo 20">
+            <a:extLst>
+              <a:ext uri="{FF2B5EF4-FFF2-40B4-BE49-F238E27FC236}">
+                <a16:creationId xmlns:a16="http://schemas.microsoft.com/office/drawing/2014/main" id="{95EDB8CB-8377-4925-B478-560C3F615037}"/>
+              </a:ext>
+            </a:extLst>
+          </p:cNvPr>
+          <p:cNvSpPr/>
+          <p:nvPr/>
+        </p:nvSpPr>
+        <p:spPr>
+          <a:xfrm>
+            <a:off x="1911927" y="5072033"/>
+            <a:ext cx="10476677" cy="2718888"/>
+          </a:xfrm>
+          <a:prstGeom prst="rect">
+            <a:avLst/>
+          </a:prstGeom>
+          <a:solidFill>
+            <a:schemeClr val="tx1">
+              <a:alpha val="81000"/>
+            </a:schemeClr>
+          </a:solidFill>
+        </p:spPr>
+        <p:style>
+          <a:lnRef idx="2">
+            <a:schemeClr val="accent1">
+              <a:shade val="50000"/>
+            </a:schemeClr>
+          </a:lnRef>
+          <a:fillRef idx="1">
+            <a:schemeClr val="accent1"/>
+          </a:fillRef>
+          <a:effectRef idx="0">
+            <a:schemeClr val="accent1"/>
+          </a:effectRef>
+          <a:fontRef idx="minor">
+            <a:schemeClr val="lt1"/>
+          </a:fontRef>
+        </p:style>
+        <p:txBody>
+          <a:bodyPr rtlCol="0" anchor="ctr"/>
+          <a:lstStyle/>
+          <a:p>
+            <a:pPr algn="ctr"/>
+            <a:endParaRPr lang="pt-BR"/>
+          </a:p>
+        </p:txBody>
+      </p:sp>
+      <p:sp>
+        <p:nvSpPr>
+          <p:cNvPr id="18" name="Retângulo 17">
+            <a:extLst>
+              <a:ext uri="{FF2B5EF4-FFF2-40B4-BE49-F238E27FC236}">
+                <a16:creationId xmlns:a16="http://schemas.microsoft.com/office/drawing/2014/main" id="{3128898C-0A57-4F19-8491-B43E8301569E}"/>
+              </a:ext>
+            </a:extLst>
+          </p:cNvPr>
+          <p:cNvSpPr/>
+          <p:nvPr/>
+        </p:nvSpPr>
+        <p:spPr>
+          <a:xfrm>
+            <a:off x="1918853" y="7946853"/>
+            <a:ext cx="10476677" cy="2718888"/>
+          </a:xfrm>
+          <a:prstGeom prst="rect">
+            <a:avLst/>
+          </a:prstGeom>
+          <a:solidFill>
+            <a:schemeClr val="tx1">
+              <a:alpha val="81000"/>
+            </a:schemeClr>
+          </a:solidFill>
+        </p:spPr>
+        <p:style>
+          <a:lnRef idx="2">
+            <a:schemeClr val="accent1">
+              <a:shade val="50000"/>
+            </a:schemeClr>
+          </a:lnRef>
+          <a:fillRef idx="1">
+            <a:schemeClr val="accent1"/>
+          </a:fillRef>
+          <a:effectRef idx="0">
+            <a:schemeClr val="accent1"/>
+          </a:effectRef>
+          <a:fontRef idx="minor">
+            <a:schemeClr val="lt1"/>
+          </a:fontRef>
+        </p:style>
+        <p:txBody>
+          <a:bodyPr rtlCol="0" anchor="ctr"/>
+          <a:lstStyle/>
+          <a:p>
+            <a:pPr algn="ctr"/>
+            <a:endParaRPr lang="pt-BR"/>
+          </a:p>
+        </p:txBody>
+      </p:sp>
+      <p:sp>
+        <p:nvSpPr>
+          <p:cNvPr id="25" name="Retângulo 24">
+            <a:extLst>
+              <a:ext uri="{FF2B5EF4-FFF2-40B4-BE49-F238E27FC236}">
+                <a16:creationId xmlns:a16="http://schemas.microsoft.com/office/drawing/2014/main" id="{A09E16B2-7C74-4C13-9219-0E6412B9F44B}"/>
+              </a:ext>
+            </a:extLst>
+          </p:cNvPr>
+          <p:cNvSpPr/>
+          <p:nvPr/>
+        </p:nvSpPr>
+        <p:spPr>
+          <a:xfrm>
+            <a:off x="5308448" y="2179089"/>
+            <a:ext cx="3789504" cy="684807"/>
+          </a:xfrm>
+          <a:prstGeom prst="rect">
+            <a:avLst/>
+          </a:prstGeom>
+          <a:noFill/>
+        </p:spPr>
+        <p:txBody>
+          <a:bodyPr wrap="square" lIns="68584" tIns="34292" rIns="68584" bIns="34292">
+            <a:spAutoFit/>
+          </a:bodyPr>
+          <a:lstStyle/>
+          <a:p>
+            <a:pPr algn="ctr"/>
+            <a:r>
+              <a:rPr lang="pt-BR" sz="4000" dirty="0">
+                <a:ln w="0">
+                  <a:noFill/>
+                </a:ln>
+                <a:solidFill>
+                  <a:srgbClr val="0070C0"/>
+                </a:solidFill>
+                <a:effectLst>
+                  <a:outerShdw blurRad="38100" dist="19050" dir="2700000" algn="tl" rotWithShape="0">
+                    <a:schemeClr val="dk1">
+                      <a:alpha val="40000"/>
+                    </a:schemeClr>
+                  </a:outerShdw>
+                </a:effectLst>
+                <a:latin typeface="Exo 2 Extra Bold" panose="00000900000000000000" pitchFamily="50" charset="0"/>
+              </a:rPr>
+              <a:t>Semifinal</a:t>
+            </a:r>
+          </a:p>
+        </p:txBody>
+      </p:sp>
+      <p:sp>
+        <p:nvSpPr>
+          <p:cNvPr id="26" name="Retângulo 25">
+            <a:extLst>
+              <a:ext uri="{FF2B5EF4-FFF2-40B4-BE49-F238E27FC236}">
+                <a16:creationId xmlns:a16="http://schemas.microsoft.com/office/drawing/2014/main" id="{836C358E-4A49-45F6-A3E5-A798F09F5911}"/>
+              </a:ext>
+            </a:extLst>
+          </p:cNvPr>
+          <p:cNvSpPr/>
+          <p:nvPr/>
+        </p:nvSpPr>
+        <p:spPr>
+          <a:xfrm>
+            <a:off x="5321993" y="5022489"/>
+            <a:ext cx="3789503" cy="684807"/>
+          </a:xfrm>
+          <a:prstGeom prst="rect">
+            <a:avLst/>
+          </a:prstGeom>
+          <a:noFill/>
+        </p:spPr>
+        <p:txBody>
+          <a:bodyPr wrap="square" lIns="68584" tIns="34292" rIns="68584" bIns="34292">
+            <a:spAutoFit/>
+          </a:bodyPr>
+          <a:lstStyle/>
+          <a:p>
+            <a:pPr algn="ctr"/>
+            <a:r>
+              <a:rPr lang="pt-BR" sz="4000" dirty="0">
+                <a:ln w="0">
+                  <a:noFill/>
+                </a:ln>
+                <a:solidFill>
+                  <a:srgbClr val="0070C0"/>
+                </a:solidFill>
+                <a:effectLst>
+                  <a:outerShdw blurRad="38100" dist="19050" dir="2700000" algn="tl" rotWithShape="0">
+                    <a:schemeClr val="dk1">
+                      <a:alpha val="40000"/>
+                    </a:schemeClr>
+                  </a:outerShdw>
+                </a:effectLst>
+                <a:latin typeface="Exo 2 Extra Bold" panose="00000900000000000000" pitchFamily="50" charset="0"/>
+              </a:rPr>
+              <a:t>Campeão</a:t>
+            </a:r>
+          </a:p>
+        </p:txBody>
+      </p:sp>
+      <p:sp>
+        <p:nvSpPr>
+          <p:cNvPr id="27" name="Retângulo 26">
+            <a:extLst>
+              <a:ext uri="{FF2B5EF4-FFF2-40B4-BE49-F238E27FC236}">
+                <a16:creationId xmlns:a16="http://schemas.microsoft.com/office/drawing/2014/main" id="{4AC9D068-7C16-464F-89BF-6D23B2411B38}"/>
+              </a:ext>
+            </a:extLst>
+          </p:cNvPr>
+          <p:cNvSpPr/>
+          <p:nvPr/>
+        </p:nvSpPr>
+        <p:spPr>
+          <a:xfrm>
+            <a:off x="5328919" y="7897309"/>
+            <a:ext cx="3789503" cy="684807"/>
+          </a:xfrm>
+          <a:prstGeom prst="rect">
+            <a:avLst/>
+          </a:prstGeom>
+          <a:noFill/>
+        </p:spPr>
+        <p:txBody>
+          <a:bodyPr wrap="square" lIns="68584" tIns="34292" rIns="68584" bIns="34292">
+            <a:spAutoFit/>
+          </a:bodyPr>
+          <a:lstStyle/>
+          <a:p>
+            <a:pPr algn="ctr"/>
+            <a:r>
+              <a:rPr lang="pt-BR" sz="4000" dirty="0">
+                <a:ln w="0">
+                  <a:noFill/>
+                </a:ln>
+                <a:solidFill>
+                  <a:srgbClr val="0070C0"/>
+                </a:solidFill>
+                <a:effectLst>
+                  <a:outerShdw blurRad="38100" dist="19050" dir="2700000" algn="tl" rotWithShape="0">
+                    <a:schemeClr val="dk1">
+                      <a:alpha val="40000"/>
+                    </a:schemeClr>
+                  </a:outerShdw>
+                </a:effectLst>
+                <a:latin typeface="Exo 2 Extra Bold" panose="00000900000000000000" pitchFamily="50" charset="0"/>
+              </a:rPr>
+              <a:t>3º Lugar</a:t>
+            </a:r>
+          </a:p>
+        </p:txBody>
+      </p:sp>
+      <p:pic>
+        <p:nvPicPr>
           <p:cNvPr id="3" name="Imagem 2">
             <a:extLst>
               <a:ext uri="{FF2B5EF4-FFF2-40B4-BE49-F238E27FC236}">
@@ -8610,7 +9423,7 @@
 </p:sld>
 </file>
 
-<file path=ppt/slides/slide15.xml><?xml version="1.0" encoding="utf-8"?>
+<file path=ppt/slides/slide16.xml><?xml version="1.0" encoding="utf-8"?>
 <p:sld xmlns:a="http://schemas.openxmlformats.org/drawingml/2006/main" xmlns:r="http://schemas.openxmlformats.org/officeDocument/2006/relationships" xmlns:p="http://schemas.openxmlformats.org/presentationml/2006/main">
   <p:cSld>
     <p:bg>
@@ -9347,10 +10160,10 @@
       </p:sp>
       <p:pic>
         <p:nvPicPr>
-          <p:cNvPr id="4" name="Imagem 3">
-            <a:extLst>
-              <a:ext uri="{FF2B5EF4-FFF2-40B4-BE49-F238E27FC236}">
-                <a16:creationId xmlns:a16="http://schemas.microsoft.com/office/drawing/2014/main" id="{BD82A187-FEBD-4398-B0C8-B59EA7BA1B8D}"/>
+          <p:cNvPr id="7" name="Imagem 6">
+            <a:extLst>
+              <a:ext uri="{FF2B5EF4-FFF2-40B4-BE49-F238E27FC236}">
+                <a16:creationId xmlns:a16="http://schemas.microsoft.com/office/drawing/2014/main" id="{B8CE1FFE-5098-4D31-ADE3-4B3F8A8FBABC}"/>
               </a:ext>
             </a:extLst>
           </p:cNvPr>
@@ -9367,8 +10180,8 @@
         </p:blipFill>
         <p:spPr>
           <a:xfrm>
-            <a:off x="414707" y="2931343"/>
-            <a:ext cx="13570795" cy="1260000"/>
+            <a:off x="440754" y="2932194"/>
+            <a:ext cx="13545806" cy="1260000"/>
           </a:xfrm>
           <a:prstGeom prst="rect">
             <a:avLst/>
@@ -9377,10 +10190,10 @@
       </p:pic>
       <p:pic>
         <p:nvPicPr>
-          <p:cNvPr id="2" name="Imagem 1">
-            <a:extLst>
-              <a:ext uri="{FF2B5EF4-FFF2-40B4-BE49-F238E27FC236}">
-                <a16:creationId xmlns:a16="http://schemas.microsoft.com/office/drawing/2014/main" id="{BD398648-F619-4438-84A7-8AC860178081}"/>
+          <p:cNvPr id="9" name="Imagem 8">
+            <a:extLst>
+              <a:ext uri="{FF2B5EF4-FFF2-40B4-BE49-F238E27FC236}">
+                <a16:creationId xmlns:a16="http://schemas.microsoft.com/office/drawing/2014/main" id="{BB12FB1E-6156-455E-833A-D70421EA08AD}"/>
               </a:ext>
             </a:extLst>
           </p:cNvPr>
@@ -9397,8 +10210,8 @@
         </p:blipFill>
         <p:spPr>
           <a:xfrm>
-            <a:off x="437867" y="6074368"/>
-            <a:ext cx="13572000" cy="510813"/>
+            <a:off x="544630" y="6078820"/>
+            <a:ext cx="13366334" cy="504000"/>
           </a:xfrm>
           <a:prstGeom prst="rect">
             <a:avLst/>
@@ -9407,10 +10220,10 @@
       </p:pic>
       <p:pic>
         <p:nvPicPr>
-          <p:cNvPr id="3" name="Imagem 2">
-            <a:extLst>
-              <a:ext uri="{FF2B5EF4-FFF2-40B4-BE49-F238E27FC236}">
-                <a16:creationId xmlns:a16="http://schemas.microsoft.com/office/drawing/2014/main" id="{DDD484CD-BBAA-4E4B-AD6F-3B377163C581}"/>
+          <p:cNvPr id="15" name="Imagem 14">
+            <a:extLst>
+              <a:ext uri="{FF2B5EF4-FFF2-40B4-BE49-F238E27FC236}">
+                <a16:creationId xmlns:a16="http://schemas.microsoft.com/office/drawing/2014/main" id="{5A434843-1DB3-4E0E-91B9-EE0D2DDB3596}"/>
               </a:ext>
             </a:extLst>
           </p:cNvPr>
@@ -9427,8 +10240,8 @@
         </p:blipFill>
         <p:spPr>
           <a:xfrm>
-            <a:off x="433354" y="8526404"/>
-            <a:ext cx="13572000" cy="510814"/>
+            <a:off x="531653" y="8533218"/>
+            <a:ext cx="13366334" cy="504000"/>
           </a:xfrm>
           <a:prstGeom prst="rect">
             <a:avLst/>
@@ -9439,746 +10252,6 @@
     <p:extLst>
       <p:ext uri="{BB962C8B-B14F-4D97-AF65-F5344CB8AC3E}">
         <p14:creationId xmlns:p14="http://schemas.microsoft.com/office/powerpoint/2010/main" val="3757178869"/>
-      </p:ext>
-    </p:extLst>
-  </p:cSld>
-  <p:clrMapOvr>
-    <a:masterClrMapping/>
-  </p:clrMapOvr>
-</p:sld>
-</file>
-
-<file path=ppt/slides/slide16.xml><?xml version="1.0" encoding="utf-8"?>
-<p:sld xmlns:a="http://schemas.openxmlformats.org/drawingml/2006/main" xmlns:r="http://schemas.openxmlformats.org/officeDocument/2006/relationships" xmlns:p="http://schemas.openxmlformats.org/presentationml/2006/main">
-  <p:cSld>
-    <p:bg>
-      <p:bgPr>
-        <a:solidFill>
-          <a:schemeClr val="bg1"/>
-        </a:solidFill>
-        <a:effectLst/>
-      </p:bgPr>
-    </p:bg>
-    <p:spTree>
-      <p:nvGrpSpPr>
-        <p:cNvPr id="1" name=""/>
-        <p:cNvGrpSpPr/>
-        <p:nvPr/>
-      </p:nvGrpSpPr>
-      <p:grpSpPr>
-        <a:xfrm>
-          <a:off x="0" y="0"/>
-          <a:ext cx="0" cy="0"/>
-          <a:chOff x="0" y="0"/>
-          <a:chExt cx="0" cy="0"/>
-        </a:xfrm>
-      </p:grpSpPr>
-      <p:sp>
-        <p:nvSpPr>
-          <p:cNvPr id="13" name="Rectangle 9">
-            <a:extLst>
-              <a:ext uri="{FF2B5EF4-FFF2-40B4-BE49-F238E27FC236}">
-                <a16:creationId xmlns:a16="http://schemas.microsoft.com/office/drawing/2014/main" id="{0BABF38A-8A0D-492E-BD20-6CF4D46B50BD}"/>
-              </a:ext>
-              <a:ext uri="{C183D7F6-B498-43B3-948B-1728B52AA6E4}">
-                <adec:decorative xmlns:adec="http://schemas.microsoft.com/office/drawing/2017/decorative" val="1"/>
-              </a:ext>
-            </a:extLst>
-          </p:cNvPr>
-          <p:cNvSpPr>
-            <a:spLocks noGrp="1" noRot="1" noChangeAspect="1" noMove="1" noResize="1" noEditPoints="1" noAdjustHandles="1" noChangeArrowheads="1" noChangeShapeType="1" noTextEdit="1"/>
-          </p:cNvSpPr>
-          <p:nvPr>
-            <p:extLst>
-              <p:ext uri="{386F3935-93C4-4BCD-93E2-E3B085C9AB24}">
-                <p16:designElem xmlns:p16="http://schemas.microsoft.com/office/powerpoint/2015/main" val="1"/>
-              </p:ext>
-            </p:extLst>
-          </p:nvPr>
-        </p:nvSpPr>
-        <p:spPr>
-          <a:xfrm>
-            <a:off x="3149972" y="3121681"/>
-            <a:ext cx="8100269" cy="4556404"/>
-          </a:xfrm>
-          <a:prstGeom prst="rect">
-            <a:avLst/>
-          </a:prstGeom>
-          <a:solidFill>
-            <a:schemeClr val="bg2">
-              <a:lumMod val="90000"/>
-              <a:alpha val="70000"/>
-            </a:schemeClr>
-          </a:solidFill>
-          <a:ln>
-            <a:noFill/>
-          </a:ln>
-        </p:spPr>
-        <p:style>
-          <a:lnRef idx="2">
-            <a:schemeClr val="accent1">
-              <a:shade val="50000"/>
-            </a:schemeClr>
-          </a:lnRef>
-          <a:fillRef idx="1">
-            <a:schemeClr val="accent1"/>
-          </a:fillRef>
-          <a:effectRef idx="0">
-            <a:schemeClr val="accent1"/>
-          </a:effectRef>
-          <a:fontRef idx="minor">
-            <a:schemeClr val="lt1"/>
-          </a:fontRef>
-        </p:style>
-        <p:txBody>
-          <a:bodyPr rtlCol="0" anchor="ctr"/>
-          <a:lstStyle/>
-          <a:p>
-            <a:pPr algn="ctr">
-              <a:defRPr/>
-            </a:pPr>
-            <a:endParaRPr lang="en-US" sz="1196" dirty="0">
-              <a:solidFill>
-                <a:prstClr val="black">
-                  <a:lumMod val="65000"/>
-                  <a:lumOff val="35000"/>
-                </a:prstClr>
-              </a:solidFill>
-              <a:latin typeface="AvenirNext LT Pro Medium" panose="020B0504020202020204" pitchFamily="34" charset="0"/>
-            </a:endParaRPr>
-          </a:p>
-        </p:txBody>
-      </p:sp>
-      <p:pic>
-        <p:nvPicPr>
-          <p:cNvPr id="12" name="Picture 11">
-            <a:extLst>
-              <a:ext uri="{FF2B5EF4-FFF2-40B4-BE49-F238E27FC236}">
-                <a16:creationId xmlns:a16="http://schemas.microsoft.com/office/drawing/2014/main" id="{BC526B7A-4801-4FD1-95C8-03AF22629E87}"/>
-              </a:ext>
-              <a:ext uri="{C183D7F6-B498-43B3-948B-1728B52AA6E4}">
-                <adec:decorative xmlns:adec="http://schemas.microsoft.com/office/drawing/2017/decorative" val="1"/>
-              </a:ext>
-            </a:extLst>
-          </p:cNvPr>
-          <p:cNvPicPr>
-            <a:picLocks noGrp="1" noRot="1" noChangeAspect="1" noMove="1" noResize="1" noEditPoints="1" noAdjustHandles="1" noChangeArrowheads="1" noChangeShapeType="1" noCrop="1"/>
-          </p:cNvPicPr>
-          <p:nvPr>
-            <p:extLst>
-              <p:ext uri="{386F3935-93C4-4BCD-93E2-E3B085C9AB24}">
-                <p16:designElem xmlns:p16="http://schemas.microsoft.com/office/powerpoint/2015/main" val="1"/>
-              </p:ext>
-            </p:extLst>
-          </p:nvPr>
-        </p:nvPicPr>
-        <p:blipFill>
-          <a:blip r:embed="rId2">
-            <a:alphaModFix amt="10000"/>
-            <a:extLst>
-              <a:ext uri="{28A0092B-C50C-407E-A947-70E740481C1C}">
-                <a14:useLocalDpi xmlns:a14="http://schemas.microsoft.com/office/drawing/2010/main" val="0"/>
-              </a:ext>
-            </a:extLst>
-          </a:blip>
-          <a:stretch>
-            <a:fillRect/>
-          </a:stretch>
-        </p:blipFill>
-        <p:spPr>
-          <a:xfrm>
-            <a:off x="8820159" y="3121682"/>
-            <a:ext cx="2428095" cy="3039825"/>
-          </a:xfrm>
-          <a:prstGeom prst="rect">
-            <a:avLst/>
-          </a:prstGeom>
-        </p:spPr>
-      </p:pic>
-      <p:sp useBgFill="1">
-        <p:nvSpPr>
-          <p:cNvPr id="14" name="Rectangle 13">
-            <a:extLst>
-              <a:ext uri="{FF2B5EF4-FFF2-40B4-BE49-F238E27FC236}">
-                <a16:creationId xmlns:a16="http://schemas.microsoft.com/office/drawing/2014/main" id="{37FDDF72-DE39-4F99-A3C1-DD9D7815D7DB}"/>
-              </a:ext>
-              <a:ext uri="{C183D7F6-B498-43B3-948B-1728B52AA6E4}">
-                <adec:decorative xmlns:adec="http://schemas.microsoft.com/office/drawing/2017/decorative" val="1"/>
-              </a:ext>
-            </a:extLst>
-          </p:cNvPr>
-          <p:cNvSpPr>
-            <a:spLocks noGrp="1" noRot="1" noChangeAspect="1" noMove="1" noResize="1" noEditPoints="1" noAdjustHandles="1" noChangeArrowheads="1" noChangeShapeType="1" noTextEdit="1"/>
-          </p:cNvSpPr>
-          <p:nvPr>
-            <p:extLst>
-              <p:ext uri="{386F3935-93C4-4BCD-93E2-E3B085C9AB24}">
-                <p16:designElem xmlns:p16="http://schemas.microsoft.com/office/powerpoint/2015/main" val="1"/>
-              </p:ext>
-            </p:extLst>
-          </p:nvPr>
-        </p:nvSpPr>
-        <p:spPr>
-          <a:xfrm>
-            <a:off x="3149972" y="3121681"/>
-            <a:ext cx="8100269" cy="4556401"/>
-          </a:xfrm>
-          <a:prstGeom prst="rect">
-            <a:avLst/>
-          </a:prstGeom>
-          <a:ln>
-            <a:noFill/>
-          </a:ln>
-        </p:spPr>
-        <p:style>
-          <a:lnRef idx="2">
-            <a:schemeClr val="accent1">
-              <a:shade val="50000"/>
-            </a:schemeClr>
-          </a:lnRef>
-          <a:fillRef idx="1">
-            <a:schemeClr val="accent1"/>
-          </a:fillRef>
-          <a:effectRef idx="0">
-            <a:schemeClr val="accent1"/>
-          </a:effectRef>
-          <a:fontRef idx="minor">
-            <a:schemeClr val="lt1"/>
-          </a:fontRef>
-        </p:style>
-        <p:txBody>
-          <a:bodyPr rtlCol="0" anchor="ctr"/>
-          <a:lstStyle/>
-          <a:p>
-            <a:pPr algn="ctr">
-              <a:defRPr/>
-            </a:pPr>
-            <a:endParaRPr lang="en-US" sz="1196" dirty="0">
-              <a:solidFill>
-                <a:prstClr val="black">
-                  <a:lumMod val="65000"/>
-                  <a:lumOff val="35000"/>
-                </a:prstClr>
-              </a:solidFill>
-              <a:latin typeface="AvenirNext LT Pro Medium" panose="020B0504020202020204" pitchFamily="34" charset="0"/>
-            </a:endParaRPr>
-          </a:p>
-        </p:txBody>
-      </p:sp>
-      <p:sp>
-        <p:nvSpPr>
-          <p:cNvPr id="16" name="Rectangle 15">
-            <a:extLst>
-              <a:ext uri="{FF2B5EF4-FFF2-40B4-BE49-F238E27FC236}">
-                <a16:creationId xmlns:a16="http://schemas.microsoft.com/office/drawing/2014/main" id="{5E4ECE80-3AD1-450C-B62A-98788F193948}"/>
-              </a:ext>
-              <a:ext uri="{C183D7F6-B498-43B3-948B-1728B52AA6E4}">
-                <adec:decorative xmlns:adec="http://schemas.microsoft.com/office/drawing/2017/decorative" val="1"/>
-              </a:ext>
-            </a:extLst>
-          </p:cNvPr>
-          <p:cNvSpPr>
-            <a:spLocks noGrp="1" noRot="1" noChangeAspect="1" noMove="1" noResize="1" noEditPoints="1" noAdjustHandles="1" noChangeArrowheads="1" noChangeShapeType="1" noTextEdit="1"/>
-          </p:cNvSpPr>
-          <p:nvPr>
-            <p:extLst>
-              <p:ext uri="{386F3935-93C4-4BCD-93E2-E3B085C9AB24}">
-                <p16:designElem xmlns:p16="http://schemas.microsoft.com/office/powerpoint/2015/main" val="1"/>
-              </p:ext>
-            </p:extLst>
-          </p:nvPr>
-        </p:nvSpPr>
-        <p:spPr>
-          <a:xfrm>
-            <a:off x="3149972" y="3121681"/>
-            <a:ext cx="8100269" cy="4556401"/>
-          </a:xfrm>
-          <a:prstGeom prst="rect">
-            <a:avLst/>
-          </a:prstGeom>
-          <a:solidFill>
-            <a:srgbClr val="000000"/>
-          </a:solidFill>
-          <a:ln>
-            <a:noFill/>
-          </a:ln>
-        </p:spPr>
-        <p:style>
-          <a:lnRef idx="2">
-            <a:schemeClr val="accent1">
-              <a:shade val="50000"/>
-            </a:schemeClr>
-          </a:lnRef>
-          <a:fillRef idx="1">
-            <a:schemeClr val="accent1"/>
-          </a:fillRef>
-          <a:effectRef idx="0">
-            <a:schemeClr val="accent1"/>
-          </a:effectRef>
-          <a:fontRef idx="minor">
-            <a:schemeClr val="lt1"/>
-          </a:fontRef>
-        </p:style>
-        <p:txBody>
-          <a:bodyPr rtlCol="0" anchor="ctr"/>
-          <a:lstStyle/>
-          <a:p>
-            <a:pPr algn="ctr">
-              <a:defRPr/>
-            </a:pPr>
-            <a:endParaRPr lang="en-US" sz="1196" dirty="0">
-              <a:solidFill>
-                <a:prstClr val="black">
-                  <a:lumMod val="65000"/>
-                  <a:lumOff val="35000"/>
-                </a:prstClr>
-              </a:solidFill>
-              <a:latin typeface="AvenirNext LT Pro Medium" panose="020B0504020202020204" pitchFamily="34" charset="0"/>
-            </a:endParaRPr>
-          </a:p>
-        </p:txBody>
-      </p:sp>
-      <p:pic>
-        <p:nvPicPr>
-          <p:cNvPr id="5" name="Imagem 4">
-            <a:extLst>
-              <a:ext uri="{FF2B5EF4-FFF2-40B4-BE49-F238E27FC236}">
-                <a16:creationId xmlns:a16="http://schemas.microsoft.com/office/drawing/2014/main" id="{F1433EF1-FB6D-4913-96C9-08F0B1B3CA7A}"/>
-              </a:ext>
-            </a:extLst>
-          </p:cNvPr>
-          <p:cNvPicPr>
-            <a:picLocks noChangeAspect="1"/>
-          </p:cNvPicPr>
-          <p:nvPr/>
-        </p:nvPicPr>
-        <p:blipFill rotWithShape="1">
-          <a:blip r:embed="rId3">
-            <a:alphaModFix/>
-            <a:extLst>
-              <a:ext uri="{28A0092B-C50C-407E-A947-70E740481C1C}">
-                <a14:useLocalDpi xmlns:a14="http://schemas.microsoft.com/office/drawing/2010/main" val="0"/>
-              </a:ext>
-            </a:extLst>
-          </a:blip>
-          <a:srcRect l="5233" t="-2125" r="6244" b="-538"/>
-          <a:stretch/>
-        </p:blipFill>
-        <p:spPr>
-          <a:xfrm>
-            <a:off x="-1" y="-248909"/>
-            <a:ext cx="14400213" cy="11147555"/>
-          </a:xfrm>
-          <a:prstGeom prst="rect">
-            <a:avLst/>
-          </a:prstGeom>
-        </p:spPr>
-      </p:pic>
-      <p:sp>
-        <p:nvSpPr>
-          <p:cNvPr id="50" name="Retângulo 49">
-            <a:extLst>
-              <a:ext uri="{FF2B5EF4-FFF2-40B4-BE49-F238E27FC236}">
-                <a16:creationId xmlns:a16="http://schemas.microsoft.com/office/drawing/2014/main" id="{50614AED-75DE-4550-9029-54313F89BD12}"/>
-              </a:ext>
-            </a:extLst>
-          </p:cNvPr>
-          <p:cNvSpPr/>
-          <p:nvPr/>
-        </p:nvSpPr>
-        <p:spPr>
-          <a:xfrm>
-            <a:off x="3186646" y="311571"/>
-            <a:ext cx="8052791" cy="992583"/>
-          </a:xfrm>
-          <a:prstGeom prst="rect">
-            <a:avLst/>
-          </a:prstGeom>
-          <a:noFill/>
-        </p:spPr>
-        <p:txBody>
-          <a:bodyPr wrap="square" lIns="68584" tIns="34292" rIns="68584" bIns="34292">
-            <a:spAutoFit/>
-          </a:bodyPr>
-          <a:lstStyle/>
-          <a:p>
-            <a:pPr algn="ctr"/>
-            <a:r>
-              <a:rPr lang="pt-BR" sz="6000" dirty="0">
-                <a:ln w="38100">
-                  <a:solidFill>
-                    <a:schemeClr val="bg1"/>
-                  </a:solidFill>
-                </a:ln>
-                <a:solidFill>
-                  <a:srgbClr val="00B050"/>
-                </a:solidFill>
-                <a:effectLst>
-                  <a:outerShdw blurRad="38100" dist="19050" dir="2700000" algn="tl" rotWithShape="0">
-                    <a:schemeClr val="dk1">
-                      <a:alpha val="40000"/>
-                    </a:schemeClr>
-                  </a:outerShdw>
-                </a:effectLst>
-                <a:latin typeface="Exo 2 Extra Bold" panose="00000900000000000000" pitchFamily="50" charset="0"/>
-              </a:rPr>
-              <a:t>Liga Principal</a:t>
-            </a:r>
-          </a:p>
-        </p:txBody>
-      </p:sp>
-      <p:sp>
-        <p:nvSpPr>
-          <p:cNvPr id="53" name="Retângulo 52">
-            <a:extLst>
-              <a:ext uri="{FF2B5EF4-FFF2-40B4-BE49-F238E27FC236}">
-                <a16:creationId xmlns:a16="http://schemas.microsoft.com/office/drawing/2014/main" id="{F101E0BF-8A68-40B9-BC26-35C299182F52}"/>
-              </a:ext>
-            </a:extLst>
-          </p:cNvPr>
-          <p:cNvSpPr/>
-          <p:nvPr/>
-        </p:nvSpPr>
-        <p:spPr>
-          <a:xfrm>
-            <a:off x="336776" y="1104608"/>
-            <a:ext cx="13909452" cy="1177249"/>
-          </a:xfrm>
-          <a:prstGeom prst="rect">
-            <a:avLst/>
-          </a:prstGeom>
-          <a:noFill/>
-        </p:spPr>
-        <p:txBody>
-          <a:bodyPr wrap="square" lIns="68584" tIns="34292" rIns="68584" bIns="34292">
-            <a:spAutoFit/>
-          </a:bodyPr>
-          <a:lstStyle/>
-          <a:p>
-            <a:pPr algn="ctr"/>
-            <a:r>
-              <a:rPr lang="pt-BR" sz="7200" dirty="0">
-                <a:ln w="0">
-                  <a:noFill/>
-                </a:ln>
-                <a:effectLst>
-                  <a:outerShdw blurRad="38100" dist="19050" dir="2700000" algn="tl" rotWithShape="0">
-                    <a:schemeClr val="dk1">
-                      <a:alpha val="40000"/>
-                    </a:schemeClr>
-                  </a:outerShdw>
-                </a:effectLst>
-                <a:latin typeface="Exo 2 Extra Bold" panose="00000900000000000000" pitchFamily="50" charset="0"/>
-              </a:rPr>
-              <a:t>MATA-MATA SÉRIE A 3</a:t>
-            </a:r>
-          </a:p>
-        </p:txBody>
-      </p:sp>
-      <p:pic>
-        <p:nvPicPr>
-          <p:cNvPr id="15" name="Imagem 14">
-            <a:extLst>
-              <a:ext uri="{FF2B5EF4-FFF2-40B4-BE49-F238E27FC236}">
-                <a16:creationId xmlns:a16="http://schemas.microsoft.com/office/drawing/2014/main" id="{780D6AE4-2B31-43CF-8A3B-9ACC73C32FE9}"/>
-              </a:ext>
-            </a:extLst>
-          </p:cNvPr>
-          <p:cNvPicPr>
-            <a:picLocks noChangeAspect="1"/>
-          </p:cNvPicPr>
-          <p:nvPr/>
-        </p:nvPicPr>
-        <p:blipFill>
-          <a:blip r:embed="rId4" cstate="hqprint">
-            <a:extLst>
-              <a:ext uri="{28A0092B-C50C-407E-A947-70E740481C1C}">
-                <a14:useLocalDpi xmlns:a14="http://schemas.microsoft.com/office/drawing/2010/main" val="0"/>
-              </a:ext>
-            </a:extLst>
-          </a:blip>
-          <a:stretch>
-            <a:fillRect/>
-          </a:stretch>
-        </p:blipFill>
-        <p:spPr>
-          <a:xfrm>
-            <a:off x="336776" y="194284"/>
-            <a:ext cx="2059134" cy="2160000"/>
-          </a:xfrm>
-          <a:prstGeom prst="rect">
-            <a:avLst/>
-          </a:prstGeom>
-        </p:spPr>
-      </p:pic>
-      <p:sp>
-        <p:nvSpPr>
-          <p:cNvPr id="10" name="Retângulo 9">
-            <a:extLst>
-              <a:ext uri="{FF2B5EF4-FFF2-40B4-BE49-F238E27FC236}">
-                <a16:creationId xmlns:a16="http://schemas.microsoft.com/office/drawing/2014/main" id="{838BDC98-3287-4575-8574-56F716FB2440}"/>
-              </a:ext>
-            </a:extLst>
-          </p:cNvPr>
-          <p:cNvSpPr/>
-          <p:nvPr/>
-        </p:nvSpPr>
-        <p:spPr>
-          <a:xfrm>
-            <a:off x="581891" y="2892935"/>
-            <a:ext cx="13267927" cy="3039825"/>
-          </a:xfrm>
-          <a:prstGeom prst="rect">
-            <a:avLst/>
-          </a:prstGeom>
-          <a:solidFill>
-            <a:schemeClr val="tx1">
-              <a:alpha val="81000"/>
-            </a:schemeClr>
-          </a:solidFill>
-        </p:spPr>
-        <p:style>
-          <a:lnRef idx="2">
-            <a:schemeClr val="accent1">
-              <a:shade val="50000"/>
-            </a:schemeClr>
-          </a:lnRef>
-          <a:fillRef idx="1">
-            <a:schemeClr val="accent1"/>
-          </a:fillRef>
-          <a:effectRef idx="0">
-            <a:schemeClr val="accent1"/>
-          </a:effectRef>
-          <a:fontRef idx="minor">
-            <a:schemeClr val="lt1"/>
-          </a:fontRef>
-        </p:style>
-        <p:txBody>
-          <a:bodyPr rtlCol="0" anchor="ctr"/>
-          <a:lstStyle/>
-          <a:p>
-            <a:pPr algn="ctr"/>
-            <a:endParaRPr lang="pt-BR"/>
-          </a:p>
-        </p:txBody>
-      </p:sp>
-      <p:sp>
-        <p:nvSpPr>
-          <p:cNvPr id="21" name="Retângulo 20">
-            <a:extLst>
-              <a:ext uri="{FF2B5EF4-FFF2-40B4-BE49-F238E27FC236}">
-                <a16:creationId xmlns:a16="http://schemas.microsoft.com/office/drawing/2014/main" id="{95EDB8CB-8377-4925-B478-560C3F615037}"/>
-              </a:ext>
-            </a:extLst>
-          </p:cNvPr>
-          <p:cNvSpPr/>
-          <p:nvPr/>
-        </p:nvSpPr>
-        <p:spPr>
-          <a:xfrm>
-            <a:off x="581891" y="6704292"/>
-            <a:ext cx="13267927" cy="3038400"/>
-          </a:xfrm>
-          <a:prstGeom prst="rect">
-            <a:avLst/>
-          </a:prstGeom>
-          <a:solidFill>
-            <a:schemeClr val="tx1">
-              <a:alpha val="81000"/>
-            </a:schemeClr>
-          </a:solidFill>
-        </p:spPr>
-        <p:style>
-          <a:lnRef idx="2">
-            <a:schemeClr val="accent1">
-              <a:shade val="50000"/>
-            </a:schemeClr>
-          </a:lnRef>
-          <a:fillRef idx="1">
-            <a:schemeClr val="accent1"/>
-          </a:fillRef>
-          <a:effectRef idx="0">
-            <a:schemeClr val="accent1"/>
-          </a:effectRef>
-          <a:fontRef idx="minor">
-            <a:schemeClr val="lt1"/>
-          </a:fontRef>
-        </p:style>
-        <p:txBody>
-          <a:bodyPr rtlCol="0" anchor="ctr"/>
-          <a:lstStyle/>
-          <a:p>
-            <a:pPr algn="ctr"/>
-            <a:endParaRPr lang="pt-BR"/>
-          </a:p>
-        </p:txBody>
-      </p:sp>
-      <p:sp>
-        <p:nvSpPr>
-          <p:cNvPr id="23" name="Retângulo 22">
-            <a:extLst>
-              <a:ext uri="{FF2B5EF4-FFF2-40B4-BE49-F238E27FC236}">
-                <a16:creationId xmlns:a16="http://schemas.microsoft.com/office/drawing/2014/main" id="{ED87CD67-A438-4F74-986A-3704AF997953}"/>
-              </a:ext>
-            </a:extLst>
-          </p:cNvPr>
-          <p:cNvSpPr/>
-          <p:nvPr/>
-        </p:nvSpPr>
-        <p:spPr>
-          <a:xfrm>
-            <a:off x="5308448" y="2906454"/>
-            <a:ext cx="3789504" cy="684807"/>
-          </a:xfrm>
-          <a:prstGeom prst="rect">
-            <a:avLst/>
-          </a:prstGeom>
-          <a:noFill/>
-        </p:spPr>
-        <p:txBody>
-          <a:bodyPr wrap="square" lIns="68584" tIns="34292" rIns="68584" bIns="34292">
-            <a:spAutoFit/>
-          </a:bodyPr>
-          <a:lstStyle/>
-          <a:p>
-            <a:pPr algn="ctr"/>
-            <a:r>
-              <a:rPr lang="pt-BR" sz="4000" dirty="0">
-                <a:ln w="0">
-                  <a:noFill/>
-                </a:ln>
-                <a:solidFill>
-                  <a:srgbClr val="0070C0"/>
-                </a:solidFill>
-                <a:effectLst>
-                  <a:outerShdw blurRad="38100" dist="19050" dir="2700000" algn="tl" rotWithShape="0">
-                    <a:schemeClr val="dk1">
-                      <a:alpha val="40000"/>
-                    </a:schemeClr>
-                  </a:outerShdw>
-                </a:effectLst>
-                <a:latin typeface="Exo 2 Extra Bold" panose="00000900000000000000" pitchFamily="50" charset="0"/>
-              </a:rPr>
-              <a:t>Chave 1</a:t>
-            </a:r>
-          </a:p>
-        </p:txBody>
-      </p:sp>
-      <p:sp>
-        <p:nvSpPr>
-          <p:cNvPr id="24" name="Retângulo 23">
-            <a:extLst>
-              <a:ext uri="{FF2B5EF4-FFF2-40B4-BE49-F238E27FC236}">
-                <a16:creationId xmlns:a16="http://schemas.microsoft.com/office/drawing/2014/main" id="{522A4ACC-EC27-4A14-BA66-B0EB03535C7B}"/>
-              </a:ext>
-            </a:extLst>
-          </p:cNvPr>
-          <p:cNvSpPr/>
-          <p:nvPr/>
-        </p:nvSpPr>
-        <p:spPr>
-          <a:xfrm>
-            <a:off x="5321993" y="6726594"/>
-            <a:ext cx="3789503" cy="684807"/>
-          </a:xfrm>
-          <a:prstGeom prst="rect">
-            <a:avLst/>
-          </a:prstGeom>
-          <a:noFill/>
-        </p:spPr>
-        <p:txBody>
-          <a:bodyPr wrap="square" lIns="68584" tIns="34292" rIns="68584" bIns="34292">
-            <a:spAutoFit/>
-          </a:bodyPr>
-          <a:lstStyle/>
-          <a:p>
-            <a:pPr algn="ctr"/>
-            <a:r>
-              <a:rPr lang="pt-BR" sz="4000" dirty="0">
-                <a:ln w="0">
-                  <a:noFill/>
-                </a:ln>
-                <a:solidFill>
-                  <a:srgbClr val="0070C0"/>
-                </a:solidFill>
-                <a:effectLst>
-                  <a:outerShdw blurRad="38100" dist="19050" dir="2700000" algn="tl" rotWithShape="0">
-                    <a:schemeClr val="dk1">
-                      <a:alpha val="40000"/>
-                    </a:schemeClr>
-                  </a:outerShdw>
-                </a:effectLst>
-                <a:latin typeface="Exo 2 Extra Bold" panose="00000900000000000000" pitchFamily="50" charset="0"/>
-              </a:rPr>
-              <a:t>Chave 2</a:t>
-            </a:r>
-          </a:p>
-        </p:txBody>
-      </p:sp>
-      <p:pic>
-        <p:nvPicPr>
-          <p:cNvPr id="4" name="Imagem 3">
-            <a:extLst>
-              <a:ext uri="{FF2B5EF4-FFF2-40B4-BE49-F238E27FC236}">
-                <a16:creationId xmlns:a16="http://schemas.microsoft.com/office/drawing/2014/main" id="{5CF366E0-D2C5-4FCB-A17F-DA976899D5D0}"/>
-              </a:ext>
-            </a:extLst>
-          </p:cNvPr>
-          <p:cNvPicPr>
-            <a:picLocks noChangeAspect="1"/>
-          </p:cNvPicPr>
-          <p:nvPr/>
-        </p:nvPicPr>
-        <p:blipFill>
-          <a:blip r:embed="rId5"/>
-          <a:stretch>
-            <a:fillRect/>
-          </a:stretch>
-        </p:blipFill>
-        <p:spPr>
-          <a:xfrm>
-            <a:off x="930516" y="4017762"/>
-            <a:ext cx="12600000" cy="1054245"/>
-          </a:xfrm>
-          <a:prstGeom prst="rect">
-            <a:avLst/>
-          </a:prstGeom>
-        </p:spPr>
-      </p:pic>
-      <p:pic>
-        <p:nvPicPr>
-          <p:cNvPr id="6" name="Imagem 5">
-            <a:extLst>
-              <a:ext uri="{FF2B5EF4-FFF2-40B4-BE49-F238E27FC236}">
-                <a16:creationId xmlns:a16="http://schemas.microsoft.com/office/drawing/2014/main" id="{CA16256D-0225-495F-B5CC-1A048F9541EA}"/>
-              </a:ext>
-            </a:extLst>
-          </p:cNvPr>
-          <p:cNvPicPr>
-            <a:picLocks noChangeAspect="1"/>
-          </p:cNvPicPr>
-          <p:nvPr/>
-        </p:nvPicPr>
-        <p:blipFill>
-          <a:blip r:embed="rId6"/>
-          <a:stretch>
-            <a:fillRect/>
-          </a:stretch>
-        </p:blipFill>
-        <p:spPr>
-          <a:xfrm>
-            <a:off x="918246" y="7946333"/>
-            <a:ext cx="12600000" cy="1054279"/>
-          </a:xfrm>
-          <a:prstGeom prst="rect">
-            <a:avLst/>
-          </a:prstGeom>
-        </p:spPr>
-      </p:pic>
-    </p:spTree>
-    <p:extLst>
-      <p:ext uri="{BB962C8B-B14F-4D97-AF65-F5344CB8AC3E}">
-        <p14:creationId xmlns:p14="http://schemas.microsoft.com/office/powerpoint/2010/main" val="2200666842"/>
       </p:ext>
     </p:extLst>
   </p:cSld>
@@ -10610,7 +10683,7 @@
                 </a:effectLst>
                 <a:latin typeface="Exo 2 Extra Bold" panose="00000900000000000000" pitchFamily="50" charset="0"/>
               </a:rPr>
-              <a:t>MATA-MATA SÉRIE C 3</a:t>
+              <a:t>MATA-MATA SÉRIE A 3</a:t>
             </a:r>
           </a:p>
         </p:txBody>
@@ -10860,6 +10933,746 @@
           <p:cNvPr id="4" name="Imagem 3">
             <a:extLst>
               <a:ext uri="{FF2B5EF4-FFF2-40B4-BE49-F238E27FC236}">
+                <a16:creationId xmlns:a16="http://schemas.microsoft.com/office/drawing/2014/main" id="{5CF366E0-D2C5-4FCB-A17F-DA976899D5D0}"/>
+              </a:ext>
+            </a:extLst>
+          </p:cNvPr>
+          <p:cNvPicPr>
+            <a:picLocks noChangeAspect="1"/>
+          </p:cNvPicPr>
+          <p:nvPr/>
+        </p:nvPicPr>
+        <p:blipFill>
+          <a:blip r:embed="rId5"/>
+          <a:stretch>
+            <a:fillRect/>
+          </a:stretch>
+        </p:blipFill>
+        <p:spPr>
+          <a:xfrm>
+            <a:off x="930516" y="4017762"/>
+            <a:ext cx="12600000" cy="1054245"/>
+          </a:xfrm>
+          <a:prstGeom prst="rect">
+            <a:avLst/>
+          </a:prstGeom>
+        </p:spPr>
+      </p:pic>
+      <p:pic>
+        <p:nvPicPr>
+          <p:cNvPr id="6" name="Imagem 5">
+            <a:extLst>
+              <a:ext uri="{FF2B5EF4-FFF2-40B4-BE49-F238E27FC236}">
+                <a16:creationId xmlns:a16="http://schemas.microsoft.com/office/drawing/2014/main" id="{CA16256D-0225-495F-B5CC-1A048F9541EA}"/>
+              </a:ext>
+            </a:extLst>
+          </p:cNvPr>
+          <p:cNvPicPr>
+            <a:picLocks noChangeAspect="1"/>
+          </p:cNvPicPr>
+          <p:nvPr/>
+        </p:nvPicPr>
+        <p:blipFill>
+          <a:blip r:embed="rId6"/>
+          <a:stretch>
+            <a:fillRect/>
+          </a:stretch>
+        </p:blipFill>
+        <p:spPr>
+          <a:xfrm>
+            <a:off x="918246" y="7946333"/>
+            <a:ext cx="12600000" cy="1054279"/>
+          </a:xfrm>
+          <a:prstGeom prst="rect">
+            <a:avLst/>
+          </a:prstGeom>
+        </p:spPr>
+      </p:pic>
+    </p:spTree>
+    <p:extLst>
+      <p:ext uri="{BB962C8B-B14F-4D97-AF65-F5344CB8AC3E}">
+        <p14:creationId xmlns:p14="http://schemas.microsoft.com/office/powerpoint/2010/main" val="2200666842"/>
+      </p:ext>
+    </p:extLst>
+  </p:cSld>
+  <p:clrMapOvr>
+    <a:masterClrMapping/>
+  </p:clrMapOvr>
+</p:sld>
+</file>
+
+<file path=ppt/slides/slide18.xml><?xml version="1.0" encoding="utf-8"?>
+<p:sld xmlns:a="http://schemas.openxmlformats.org/drawingml/2006/main" xmlns:r="http://schemas.openxmlformats.org/officeDocument/2006/relationships" xmlns:p="http://schemas.openxmlformats.org/presentationml/2006/main">
+  <p:cSld>
+    <p:bg>
+      <p:bgPr>
+        <a:solidFill>
+          <a:schemeClr val="bg1"/>
+        </a:solidFill>
+        <a:effectLst/>
+      </p:bgPr>
+    </p:bg>
+    <p:spTree>
+      <p:nvGrpSpPr>
+        <p:cNvPr id="1" name=""/>
+        <p:cNvGrpSpPr/>
+        <p:nvPr/>
+      </p:nvGrpSpPr>
+      <p:grpSpPr>
+        <a:xfrm>
+          <a:off x="0" y="0"/>
+          <a:ext cx="0" cy="0"/>
+          <a:chOff x="0" y="0"/>
+          <a:chExt cx="0" cy="0"/>
+        </a:xfrm>
+      </p:grpSpPr>
+      <p:sp>
+        <p:nvSpPr>
+          <p:cNvPr id="13" name="Rectangle 9">
+            <a:extLst>
+              <a:ext uri="{FF2B5EF4-FFF2-40B4-BE49-F238E27FC236}">
+                <a16:creationId xmlns:a16="http://schemas.microsoft.com/office/drawing/2014/main" id="{0BABF38A-8A0D-492E-BD20-6CF4D46B50BD}"/>
+              </a:ext>
+              <a:ext uri="{C183D7F6-B498-43B3-948B-1728B52AA6E4}">
+                <adec:decorative xmlns:adec="http://schemas.microsoft.com/office/drawing/2017/decorative" val="1"/>
+              </a:ext>
+            </a:extLst>
+          </p:cNvPr>
+          <p:cNvSpPr>
+            <a:spLocks noGrp="1" noRot="1" noChangeAspect="1" noMove="1" noResize="1" noEditPoints="1" noAdjustHandles="1" noChangeArrowheads="1" noChangeShapeType="1" noTextEdit="1"/>
+          </p:cNvSpPr>
+          <p:nvPr>
+            <p:extLst>
+              <p:ext uri="{386F3935-93C4-4BCD-93E2-E3B085C9AB24}">
+                <p16:designElem xmlns:p16="http://schemas.microsoft.com/office/powerpoint/2015/main" val="1"/>
+              </p:ext>
+            </p:extLst>
+          </p:nvPr>
+        </p:nvSpPr>
+        <p:spPr>
+          <a:xfrm>
+            <a:off x="3149972" y="3121681"/>
+            <a:ext cx="8100269" cy="4556404"/>
+          </a:xfrm>
+          <a:prstGeom prst="rect">
+            <a:avLst/>
+          </a:prstGeom>
+          <a:solidFill>
+            <a:schemeClr val="bg2">
+              <a:lumMod val="90000"/>
+              <a:alpha val="70000"/>
+            </a:schemeClr>
+          </a:solidFill>
+          <a:ln>
+            <a:noFill/>
+          </a:ln>
+        </p:spPr>
+        <p:style>
+          <a:lnRef idx="2">
+            <a:schemeClr val="accent1">
+              <a:shade val="50000"/>
+            </a:schemeClr>
+          </a:lnRef>
+          <a:fillRef idx="1">
+            <a:schemeClr val="accent1"/>
+          </a:fillRef>
+          <a:effectRef idx="0">
+            <a:schemeClr val="accent1"/>
+          </a:effectRef>
+          <a:fontRef idx="minor">
+            <a:schemeClr val="lt1"/>
+          </a:fontRef>
+        </p:style>
+        <p:txBody>
+          <a:bodyPr rtlCol="0" anchor="ctr"/>
+          <a:lstStyle/>
+          <a:p>
+            <a:pPr algn="ctr">
+              <a:defRPr/>
+            </a:pPr>
+            <a:endParaRPr lang="en-US" sz="1196" dirty="0">
+              <a:solidFill>
+                <a:prstClr val="black">
+                  <a:lumMod val="65000"/>
+                  <a:lumOff val="35000"/>
+                </a:prstClr>
+              </a:solidFill>
+              <a:latin typeface="AvenirNext LT Pro Medium" panose="020B0504020202020204" pitchFamily="34" charset="0"/>
+            </a:endParaRPr>
+          </a:p>
+        </p:txBody>
+      </p:sp>
+      <p:pic>
+        <p:nvPicPr>
+          <p:cNvPr id="12" name="Picture 11">
+            <a:extLst>
+              <a:ext uri="{FF2B5EF4-FFF2-40B4-BE49-F238E27FC236}">
+                <a16:creationId xmlns:a16="http://schemas.microsoft.com/office/drawing/2014/main" id="{BC526B7A-4801-4FD1-95C8-03AF22629E87}"/>
+              </a:ext>
+              <a:ext uri="{C183D7F6-B498-43B3-948B-1728B52AA6E4}">
+                <adec:decorative xmlns:adec="http://schemas.microsoft.com/office/drawing/2017/decorative" val="1"/>
+              </a:ext>
+            </a:extLst>
+          </p:cNvPr>
+          <p:cNvPicPr>
+            <a:picLocks noGrp="1" noRot="1" noChangeAspect="1" noMove="1" noResize="1" noEditPoints="1" noAdjustHandles="1" noChangeArrowheads="1" noChangeShapeType="1" noCrop="1"/>
+          </p:cNvPicPr>
+          <p:nvPr>
+            <p:extLst>
+              <p:ext uri="{386F3935-93C4-4BCD-93E2-E3B085C9AB24}">
+                <p16:designElem xmlns:p16="http://schemas.microsoft.com/office/powerpoint/2015/main" val="1"/>
+              </p:ext>
+            </p:extLst>
+          </p:nvPr>
+        </p:nvPicPr>
+        <p:blipFill>
+          <a:blip r:embed="rId2">
+            <a:alphaModFix amt="10000"/>
+            <a:extLst>
+              <a:ext uri="{28A0092B-C50C-407E-A947-70E740481C1C}">
+                <a14:useLocalDpi xmlns:a14="http://schemas.microsoft.com/office/drawing/2010/main" val="0"/>
+              </a:ext>
+            </a:extLst>
+          </a:blip>
+          <a:stretch>
+            <a:fillRect/>
+          </a:stretch>
+        </p:blipFill>
+        <p:spPr>
+          <a:xfrm>
+            <a:off x="8820159" y="3121682"/>
+            <a:ext cx="2428095" cy="3039825"/>
+          </a:xfrm>
+          <a:prstGeom prst="rect">
+            <a:avLst/>
+          </a:prstGeom>
+        </p:spPr>
+      </p:pic>
+      <p:sp useBgFill="1">
+        <p:nvSpPr>
+          <p:cNvPr id="14" name="Rectangle 13">
+            <a:extLst>
+              <a:ext uri="{FF2B5EF4-FFF2-40B4-BE49-F238E27FC236}">
+                <a16:creationId xmlns:a16="http://schemas.microsoft.com/office/drawing/2014/main" id="{37FDDF72-DE39-4F99-A3C1-DD9D7815D7DB}"/>
+              </a:ext>
+              <a:ext uri="{C183D7F6-B498-43B3-948B-1728B52AA6E4}">
+                <adec:decorative xmlns:adec="http://schemas.microsoft.com/office/drawing/2017/decorative" val="1"/>
+              </a:ext>
+            </a:extLst>
+          </p:cNvPr>
+          <p:cNvSpPr>
+            <a:spLocks noGrp="1" noRot="1" noChangeAspect="1" noMove="1" noResize="1" noEditPoints="1" noAdjustHandles="1" noChangeArrowheads="1" noChangeShapeType="1" noTextEdit="1"/>
+          </p:cNvSpPr>
+          <p:nvPr>
+            <p:extLst>
+              <p:ext uri="{386F3935-93C4-4BCD-93E2-E3B085C9AB24}">
+                <p16:designElem xmlns:p16="http://schemas.microsoft.com/office/powerpoint/2015/main" val="1"/>
+              </p:ext>
+            </p:extLst>
+          </p:nvPr>
+        </p:nvSpPr>
+        <p:spPr>
+          <a:xfrm>
+            <a:off x="3149972" y="3121681"/>
+            <a:ext cx="8100269" cy="4556401"/>
+          </a:xfrm>
+          <a:prstGeom prst="rect">
+            <a:avLst/>
+          </a:prstGeom>
+          <a:ln>
+            <a:noFill/>
+          </a:ln>
+        </p:spPr>
+        <p:style>
+          <a:lnRef idx="2">
+            <a:schemeClr val="accent1">
+              <a:shade val="50000"/>
+            </a:schemeClr>
+          </a:lnRef>
+          <a:fillRef idx="1">
+            <a:schemeClr val="accent1"/>
+          </a:fillRef>
+          <a:effectRef idx="0">
+            <a:schemeClr val="accent1"/>
+          </a:effectRef>
+          <a:fontRef idx="minor">
+            <a:schemeClr val="lt1"/>
+          </a:fontRef>
+        </p:style>
+        <p:txBody>
+          <a:bodyPr rtlCol="0" anchor="ctr"/>
+          <a:lstStyle/>
+          <a:p>
+            <a:pPr algn="ctr">
+              <a:defRPr/>
+            </a:pPr>
+            <a:endParaRPr lang="en-US" sz="1196" dirty="0">
+              <a:solidFill>
+                <a:prstClr val="black">
+                  <a:lumMod val="65000"/>
+                  <a:lumOff val="35000"/>
+                </a:prstClr>
+              </a:solidFill>
+              <a:latin typeface="AvenirNext LT Pro Medium" panose="020B0504020202020204" pitchFamily="34" charset="0"/>
+            </a:endParaRPr>
+          </a:p>
+        </p:txBody>
+      </p:sp>
+      <p:sp>
+        <p:nvSpPr>
+          <p:cNvPr id="16" name="Rectangle 15">
+            <a:extLst>
+              <a:ext uri="{FF2B5EF4-FFF2-40B4-BE49-F238E27FC236}">
+                <a16:creationId xmlns:a16="http://schemas.microsoft.com/office/drawing/2014/main" id="{5E4ECE80-3AD1-450C-B62A-98788F193948}"/>
+              </a:ext>
+              <a:ext uri="{C183D7F6-B498-43B3-948B-1728B52AA6E4}">
+                <adec:decorative xmlns:adec="http://schemas.microsoft.com/office/drawing/2017/decorative" val="1"/>
+              </a:ext>
+            </a:extLst>
+          </p:cNvPr>
+          <p:cNvSpPr>
+            <a:spLocks noGrp="1" noRot="1" noChangeAspect="1" noMove="1" noResize="1" noEditPoints="1" noAdjustHandles="1" noChangeArrowheads="1" noChangeShapeType="1" noTextEdit="1"/>
+          </p:cNvSpPr>
+          <p:nvPr>
+            <p:extLst>
+              <p:ext uri="{386F3935-93C4-4BCD-93E2-E3B085C9AB24}">
+                <p16:designElem xmlns:p16="http://schemas.microsoft.com/office/powerpoint/2015/main" val="1"/>
+              </p:ext>
+            </p:extLst>
+          </p:nvPr>
+        </p:nvSpPr>
+        <p:spPr>
+          <a:xfrm>
+            <a:off x="3149972" y="3121681"/>
+            <a:ext cx="8100269" cy="4556401"/>
+          </a:xfrm>
+          <a:prstGeom prst="rect">
+            <a:avLst/>
+          </a:prstGeom>
+          <a:solidFill>
+            <a:srgbClr val="000000"/>
+          </a:solidFill>
+          <a:ln>
+            <a:noFill/>
+          </a:ln>
+        </p:spPr>
+        <p:style>
+          <a:lnRef idx="2">
+            <a:schemeClr val="accent1">
+              <a:shade val="50000"/>
+            </a:schemeClr>
+          </a:lnRef>
+          <a:fillRef idx="1">
+            <a:schemeClr val="accent1"/>
+          </a:fillRef>
+          <a:effectRef idx="0">
+            <a:schemeClr val="accent1"/>
+          </a:effectRef>
+          <a:fontRef idx="minor">
+            <a:schemeClr val="lt1"/>
+          </a:fontRef>
+        </p:style>
+        <p:txBody>
+          <a:bodyPr rtlCol="0" anchor="ctr"/>
+          <a:lstStyle/>
+          <a:p>
+            <a:pPr algn="ctr">
+              <a:defRPr/>
+            </a:pPr>
+            <a:endParaRPr lang="en-US" sz="1196" dirty="0">
+              <a:solidFill>
+                <a:prstClr val="black">
+                  <a:lumMod val="65000"/>
+                  <a:lumOff val="35000"/>
+                </a:prstClr>
+              </a:solidFill>
+              <a:latin typeface="AvenirNext LT Pro Medium" panose="020B0504020202020204" pitchFamily="34" charset="0"/>
+            </a:endParaRPr>
+          </a:p>
+        </p:txBody>
+      </p:sp>
+      <p:pic>
+        <p:nvPicPr>
+          <p:cNvPr id="5" name="Imagem 4">
+            <a:extLst>
+              <a:ext uri="{FF2B5EF4-FFF2-40B4-BE49-F238E27FC236}">
+                <a16:creationId xmlns:a16="http://schemas.microsoft.com/office/drawing/2014/main" id="{F1433EF1-FB6D-4913-96C9-08F0B1B3CA7A}"/>
+              </a:ext>
+            </a:extLst>
+          </p:cNvPr>
+          <p:cNvPicPr>
+            <a:picLocks noChangeAspect="1"/>
+          </p:cNvPicPr>
+          <p:nvPr/>
+        </p:nvPicPr>
+        <p:blipFill rotWithShape="1">
+          <a:blip r:embed="rId3">
+            <a:alphaModFix/>
+            <a:extLst>
+              <a:ext uri="{28A0092B-C50C-407E-A947-70E740481C1C}">
+                <a14:useLocalDpi xmlns:a14="http://schemas.microsoft.com/office/drawing/2010/main" val="0"/>
+              </a:ext>
+            </a:extLst>
+          </a:blip>
+          <a:srcRect l="5233" t="-2125" r="6244" b="-538"/>
+          <a:stretch/>
+        </p:blipFill>
+        <p:spPr>
+          <a:xfrm>
+            <a:off x="-1" y="-248909"/>
+            <a:ext cx="14400213" cy="11147555"/>
+          </a:xfrm>
+          <a:prstGeom prst="rect">
+            <a:avLst/>
+          </a:prstGeom>
+        </p:spPr>
+      </p:pic>
+      <p:sp>
+        <p:nvSpPr>
+          <p:cNvPr id="50" name="Retângulo 49">
+            <a:extLst>
+              <a:ext uri="{FF2B5EF4-FFF2-40B4-BE49-F238E27FC236}">
+                <a16:creationId xmlns:a16="http://schemas.microsoft.com/office/drawing/2014/main" id="{50614AED-75DE-4550-9029-54313F89BD12}"/>
+              </a:ext>
+            </a:extLst>
+          </p:cNvPr>
+          <p:cNvSpPr/>
+          <p:nvPr/>
+        </p:nvSpPr>
+        <p:spPr>
+          <a:xfrm>
+            <a:off x="3186646" y="311571"/>
+            <a:ext cx="8052791" cy="992583"/>
+          </a:xfrm>
+          <a:prstGeom prst="rect">
+            <a:avLst/>
+          </a:prstGeom>
+          <a:noFill/>
+        </p:spPr>
+        <p:txBody>
+          <a:bodyPr wrap="square" lIns="68584" tIns="34292" rIns="68584" bIns="34292">
+            <a:spAutoFit/>
+          </a:bodyPr>
+          <a:lstStyle/>
+          <a:p>
+            <a:pPr algn="ctr"/>
+            <a:r>
+              <a:rPr lang="pt-BR" sz="6000" dirty="0">
+                <a:ln w="38100">
+                  <a:solidFill>
+                    <a:schemeClr val="bg1"/>
+                  </a:solidFill>
+                </a:ln>
+                <a:solidFill>
+                  <a:srgbClr val="00B050"/>
+                </a:solidFill>
+                <a:effectLst>
+                  <a:outerShdw blurRad="38100" dist="19050" dir="2700000" algn="tl" rotWithShape="0">
+                    <a:schemeClr val="dk1">
+                      <a:alpha val="40000"/>
+                    </a:schemeClr>
+                  </a:outerShdw>
+                </a:effectLst>
+                <a:latin typeface="Exo 2 Extra Bold" panose="00000900000000000000" pitchFamily="50" charset="0"/>
+              </a:rPr>
+              <a:t>Liga Principal</a:t>
+            </a:r>
+          </a:p>
+        </p:txBody>
+      </p:sp>
+      <p:sp>
+        <p:nvSpPr>
+          <p:cNvPr id="53" name="Retângulo 52">
+            <a:extLst>
+              <a:ext uri="{FF2B5EF4-FFF2-40B4-BE49-F238E27FC236}">
+                <a16:creationId xmlns:a16="http://schemas.microsoft.com/office/drawing/2014/main" id="{F101E0BF-8A68-40B9-BC26-35C299182F52}"/>
+              </a:ext>
+            </a:extLst>
+          </p:cNvPr>
+          <p:cNvSpPr/>
+          <p:nvPr/>
+        </p:nvSpPr>
+        <p:spPr>
+          <a:xfrm>
+            <a:off x="336776" y="1104608"/>
+            <a:ext cx="13909452" cy="1177249"/>
+          </a:xfrm>
+          <a:prstGeom prst="rect">
+            <a:avLst/>
+          </a:prstGeom>
+          <a:noFill/>
+        </p:spPr>
+        <p:txBody>
+          <a:bodyPr wrap="square" lIns="68584" tIns="34292" rIns="68584" bIns="34292">
+            <a:spAutoFit/>
+          </a:bodyPr>
+          <a:lstStyle/>
+          <a:p>
+            <a:pPr algn="ctr"/>
+            <a:r>
+              <a:rPr lang="pt-BR" sz="7200" dirty="0">
+                <a:ln w="0">
+                  <a:noFill/>
+                </a:ln>
+                <a:effectLst>
+                  <a:outerShdw blurRad="38100" dist="19050" dir="2700000" algn="tl" rotWithShape="0">
+                    <a:schemeClr val="dk1">
+                      <a:alpha val="40000"/>
+                    </a:schemeClr>
+                  </a:outerShdw>
+                </a:effectLst>
+                <a:latin typeface="Exo 2 Extra Bold" panose="00000900000000000000" pitchFamily="50" charset="0"/>
+              </a:rPr>
+              <a:t>MATA-MATA SÉRIE C 3</a:t>
+            </a:r>
+          </a:p>
+        </p:txBody>
+      </p:sp>
+      <p:pic>
+        <p:nvPicPr>
+          <p:cNvPr id="15" name="Imagem 14">
+            <a:extLst>
+              <a:ext uri="{FF2B5EF4-FFF2-40B4-BE49-F238E27FC236}">
+                <a16:creationId xmlns:a16="http://schemas.microsoft.com/office/drawing/2014/main" id="{780D6AE4-2B31-43CF-8A3B-9ACC73C32FE9}"/>
+              </a:ext>
+            </a:extLst>
+          </p:cNvPr>
+          <p:cNvPicPr>
+            <a:picLocks noChangeAspect="1"/>
+          </p:cNvPicPr>
+          <p:nvPr/>
+        </p:nvPicPr>
+        <p:blipFill>
+          <a:blip r:embed="rId4" cstate="hqprint">
+            <a:extLst>
+              <a:ext uri="{28A0092B-C50C-407E-A947-70E740481C1C}">
+                <a14:useLocalDpi xmlns:a14="http://schemas.microsoft.com/office/drawing/2010/main" val="0"/>
+              </a:ext>
+            </a:extLst>
+          </a:blip>
+          <a:stretch>
+            <a:fillRect/>
+          </a:stretch>
+        </p:blipFill>
+        <p:spPr>
+          <a:xfrm>
+            <a:off x="336776" y="194284"/>
+            <a:ext cx="2059134" cy="2160000"/>
+          </a:xfrm>
+          <a:prstGeom prst="rect">
+            <a:avLst/>
+          </a:prstGeom>
+        </p:spPr>
+      </p:pic>
+      <p:sp>
+        <p:nvSpPr>
+          <p:cNvPr id="10" name="Retângulo 9">
+            <a:extLst>
+              <a:ext uri="{FF2B5EF4-FFF2-40B4-BE49-F238E27FC236}">
+                <a16:creationId xmlns:a16="http://schemas.microsoft.com/office/drawing/2014/main" id="{838BDC98-3287-4575-8574-56F716FB2440}"/>
+              </a:ext>
+            </a:extLst>
+          </p:cNvPr>
+          <p:cNvSpPr/>
+          <p:nvPr/>
+        </p:nvSpPr>
+        <p:spPr>
+          <a:xfrm>
+            <a:off x="581891" y="2892935"/>
+            <a:ext cx="13267927" cy="3039825"/>
+          </a:xfrm>
+          <a:prstGeom prst="rect">
+            <a:avLst/>
+          </a:prstGeom>
+          <a:solidFill>
+            <a:schemeClr val="tx1">
+              <a:alpha val="81000"/>
+            </a:schemeClr>
+          </a:solidFill>
+        </p:spPr>
+        <p:style>
+          <a:lnRef idx="2">
+            <a:schemeClr val="accent1">
+              <a:shade val="50000"/>
+            </a:schemeClr>
+          </a:lnRef>
+          <a:fillRef idx="1">
+            <a:schemeClr val="accent1"/>
+          </a:fillRef>
+          <a:effectRef idx="0">
+            <a:schemeClr val="accent1"/>
+          </a:effectRef>
+          <a:fontRef idx="minor">
+            <a:schemeClr val="lt1"/>
+          </a:fontRef>
+        </p:style>
+        <p:txBody>
+          <a:bodyPr rtlCol="0" anchor="ctr"/>
+          <a:lstStyle/>
+          <a:p>
+            <a:pPr algn="ctr"/>
+            <a:endParaRPr lang="pt-BR"/>
+          </a:p>
+        </p:txBody>
+      </p:sp>
+      <p:sp>
+        <p:nvSpPr>
+          <p:cNvPr id="21" name="Retângulo 20">
+            <a:extLst>
+              <a:ext uri="{FF2B5EF4-FFF2-40B4-BE49-F238E27FC236}">
+                <a16:creationId xmlns:a16="http://schemas.microsoft.com/office/drawing/2014/main" id="{95EDB8CB-8377-4925-B478-560C3F615037}"/>
+              </a:ext>
+            </a:extLst>
+          </p:cNvPr>
+          <p:cNvSpPr/>
+          <p:nvPr/>
+        </p:nvSpPr>
+        <p:spPr>
+          <a:xfrm>
+            <a:off x="581891" y="6704292"/>
+            <a:ext cx="13267927" cy="3038400"/>
+          </a:xfrm>
+          <a:prstGeom prst="rect">
+            <a:avLst/>
+          </a:prstGeom>
+          <a:solidFill>
+            <a:schemeClr val="tx1">
+              <a:alpha val="81000"/>
+            </a:schemeClr>
+          </a:solidFill>
+        </p:spPr>
+        <p:style>
+          <a:lnRef idx="2">
+            <a:schemeClr val="accent1">
+              <a:shade val="50000"/>
+            </a:schemeClr>
+          </a:lnRef>
+          <a:fillRef idx="1">
+            <a:schemeClr val="accent1"/>
+          </a:fillRef>
+          <a:effectRef idx="0">
+            <a:schemeClr val="accent1"/>
+          </a:effectRef>
+          <a:fontRef idx="minor">
+            <a:schemeClr val="lt1"/>
+          </a:fontRef>
+        </p:style>
+        <p:txBody>
+          <a:bodyPr rtlCol="0" anchor="ctr"/>
+          <a:lstStyle/>
+          <a:p>
+            <a:pPr algn="ctr"/>
+            <a:endParaRPr lang="pt-BR"/>
+          </a:p>
+        </p:txBody>
+      </p:sp>
+      <p:sp>
+        <p:nvSpPr>
+          <p:cNvPr id="23" name="Retângulo 22">
+            <a:extLst>
+              <a:ext uri="{FF2B5EF4-FFF2-40B4-BE49-F238E27FC236}">
+                <a16:creationId xmlns:a16="http://schemas.microsoft.com/office/drawing/2014/main" id="{ED87CD67-A438-4F74-986A-3704AF997953}"/>
+              </a:ext>
+            </a:extLst>
+          </p:cNvPr>
+          <p:cNvSpPr/>
+          <p:nvPr/>
+        </p:nvSpPr>
+        <p:spPr>
+          <a:xfrm>
+            <a:off x="5308448" y="2906454"/>
+            <a:ext cx="3789504" cy="684807"/>
+          </a:xfrm>
+          <a:prstGeom prst="rect">
+            <a:avLst/>
+          </a:prstGeom>
+          <a:noFill/>
+        </p:spPr>
+        <p:txBody>
+          <a:bodyPr wrap="square" lIns="68584" tIns="34292" rIns="68584" bIns="34292">
+            <a:spAutoFit/>
+          </a:bodyPr>
+          <a:lstStyle/>
+          <a:p>
+            <a:pPr algn="ctr"/>
+            <a:r>
+              <a:rPr lang="pt-BR" sz="4000" dirty="0">
+                <a:ln w="0">
+                  <a:noFill/>
+                </a:ln>
+                <a:solidFill>
+                  <a:srgbClr val="0070C0"/>
+                </a:solidFill>
+                <a:effectLst>
+                  <a:outerShdw blurRad="38100" dist="19050" dir="2700000" algn="tl" rotWithShape="0">
+                    <a:schemeClr val="dk1">
+                      <a:alpha val="40000"/>
+                    </a:schemeClr>
+                  </a:outerShdw>
+                </a:effectLst>
+                <a:latin typeface="Exo 2 Extra Bold" panose="00000900000000000000" pitchFamily="50" charset="0"/>
+              </a:rPr>
+              <a:t>Chave 1</a:t>
+            </a:r>
+          </a:p>
+        </p:txBody>
+      </p:sp>
+      <p:sp>
+        <p:nvSpPr>
+          <p:cNvPr id="24" name="Retângulo 23">
+            <a:extLst>
+              <a:ext uri="{FF2B5EF4-FFF2-40B4-BE49-F238E27FC236}">
+                <a16:creationId xmlns:a16="http://schemas.microsoft.com/office/drawing/2014/main" id="{522A4ACC-EC27-4A14-BA66-B0EB03535C7B}"/>
+              </a:ext>
+            </a:extLst>
+          </p:cNvPr>
+          <p:cNvSpPr/>
+          <p:nvPr/>
+        </p:nvSpPr>
+        <p:spPr>
+          <a:xfrm>
+            <a:off x="5321993" y="6726594"/>
+            <a:ext cx="3789503" cy="684807"/>
+          </a:xfrm>
+          <a:prstGeom prst="rect">
+            <a:avLst/>
+          </a:prstGeom>
+          <a:noFill/>
+        </p:spPr>
+        <p:txBody>
+          <a:bodyPr wrap="square" lIns="68584" tIns="34292" rIns="68584" bIns="34292">
+            <a:spAutoFit/>
+          </a:bodyPr>
+          <a:lstStyle/>
+          <a:p>
+            <a:pPr algn="ctr"/>
+            <a:r>
+              <a:rPr lang="pt-BR" sz="4000" dirty="0">
+                <a:ln w="0">
+                  <a:noFill/>
+                </a:ln>
+                <a:solidFill>
+                  <a:srgbClr val="0070C0"/>
+                </a:solidFill>
+                <a:effectLst>
+                  <a:outerShdw blurRad="38100" dist="19050" dir="2700000" algn="tl" rotWithShape="0">
+                    <a:schemeClr val="dk1">
+                      <a:alpha val="40000"/>
+                    </a:schemeClr>
+                  </a:outerShdw>
+                </a:effectLst>
+                <a:latin typeface="Exo 2 Extra Bold" panose="00000900000000000000" pitchFamily="50" charset="0"/>
+              </a:rPr>
+              <a:t>Chave 2</a:t>
+            </a:r>
+          </a:p>
+        </p:txBody>
+      </p:sp>
+      <p:pic>
+        <p:nvPicPr>
+          <p:cNvPr id="4" name="Imagem 3">
+            <a:extLst>
+              <a:ext uri="{FF2B5EF4-FFF2-40B4-BE49-F238E27FC236}">
                 <a16:creationId xmlns:a16="http://schemas.microsoft.com/office/drawing/2014/main" id="{595D0380-36B5-417C-A283-D734C6988265}"/>
               </a:ext>
             </a:extLst>
@@ -10928,7 +11741,7 @@
 </p:sld>
 </file>
 
-<file path=ppt/slides/slide18.xml><?xml version="1.0" encoding="utf-8"?>
+<file path=ppt/slides/slide19.xml><?xml version="1.0" encoding="utf-8"?>
 <p:sld xmlns:a="http://schemas.openxmlformats.org/drawingml/2006/main" xmlns:r="http://schemas.openxmlformats.org/officeDocument/2006/relationships" xmlns:p="http://schemas.openxmlformats.org/presentationml/2006/main">
   <p:cSld>
     <p:bg>
@@ -11604,746 +12417,6 @@
 </p:sld>
 </file>
 
-<file path=ppt/slides/slide19.xml><?xml version="1.0" encoding="utf-8"?>
-<p:sld xmlns:a="http://schemas.openxmlformats.org/drawingml/2006/main" xmlns:r="http://schemas.openxmlformats.org/officeDocument/2006/relationships" xmlns:p="http://schemas.openxmlformats.org/presentationml/2006/main">
-  <p:cSld>
-    <p:bg>
-      <p:bgPr>
-        <a:solidFill>
-          <a:schemeClr val="bg1"/>
-        </a:solidFill>
-        <a:effectLst/>
-      </p:bgPr>
-    </p:bg>
-    <p:spTree>
-      <p:nvGrpSpPr>
-        <p:cNvPr id="1" name=""/>
-        <p:cNvGrpSpPr/>
-        <p:nvPr/>
-      </p:nvGrpSpPr>
-      <p:grpSpPr>
-        <a:xfrm>
-          <a:off x="0" y="0"/>
-          <a:ext cx="0" cy="0"/>
-          <a:chOff x="0" y="0"/>
-          <a:chExt cx="0" cy="0"/>
-        </a:xfrm>
-      </p:grpSpPr>
-      <p:sp>
-        <p:nvSpPr>
-          <p:cNvPr id="13" name="Rectangle 9">
-            <a:extLst>
-              <a:ext uri="{FF2B5EF4-FFF2-40B4-BE49-F238E27FC236}">
-                <a16:creationId xmlns:a16="http://schemas.microsoft.com/office/drawing/2014/main" id="{0BABF38A-8A0D-492E-BD20-6CF4D46B50BD}"/>
-              </a:ext>
-              <a:ext uri="{C183D7F6-B498-43B3-948B-1728B52AA6E4}">
-                <adec:decorative xmlns:adec="http://schemas.microsoft.com/office/drawing/2017/decorative" val="1"/>
-              </a:ext>
-            </a:extLst>
-          </p:cNvPr>
-          <p:cNvSpPr>
-            <a:spLocks noGrp="1" noRot="1" noChangeAspect="1" noMove="1" noResize="1" noEditPoints="1" noAdjustHandles="1" noChangeArrowheads="1" noChangeShapeType="1" noTextEdit="1"/>
-          </p:cNvSpPr>
-          <p:nvPr>
-            <p:extLst>
-              <p:ext uri="{386F3935-93C4-4BCD-93E2-E3B085C9AB24}">
-                <p16:designElem xmlns:p16="http://schemas.microsoft.com/office/powerpoint/2015/main" val="1"/>
-              </p:ext>
-            </p:extLst>
-          </p:nvPr>
-        </p:nvSpPr>
-        <p:spPr>
-          <a:xfrm>
-            <a:off x="3149972" y="3121681"/>
-            <a:ext cx="8100269" cy="4556404"/>
-          </a:xfrm>
-          <a:prstGeom prst="rect">
-            <a:avLst/>
-          </a:prstGeom>
-          <a:solidFill>
-            <a:schemeClr val="bg2">
-              <a:lumMod val="90000"/>
-              <a:alpha val="70000"/>
-            </a:schemeClr>
-          </a:solidFill>
-          <a:ln>
-            <a:noFill/>
-          </a:ln>
-        </p:spPr>
-        <p:style>
-          <a:lnRef idx="2">
-            <a:schemeClr val="accent1">
-              <a:shade val="50000"/>
-            </a:schemeClr>
-          </a:lnRef>
-          <a:fillRef idx="1">
-            <a:schemeClr val="accent1"/>
-          </a:fillRef>
-          <a:effectRef idx="0">
-            <a:schemeClr val="accent1"/>
-          </a:effectRef>
-          <a:fontRef idx="minor">
-            <a:schemeClr val="lt1"/>
-          </a:fontRef>
-        </p:style>
-        <p:txBody>
-          <a:bodyPr rtlCol="0" anchor="ctr"/>
-          <a:lstStyle/>
-          <a:p>
-            <a:pPr algn="ctr">
-              <a:defRPr/>
-            </a:pPr>
-            <a:endParaRPr lang="en-US" sz="1196" dirty="0">
-              <a:solidFill>
-                <a:prstClr val="black">
-                  <a:lumMod val="65000"/>
-                  <a:lumOff val="35000"/>
-                </a:prstClr>
-              </a:solidFill>
-              <a:latin typeface="AvenirNext LT Pro Medium" panose="020B0504020202020204" pitchFamily="34" charset="0"/>
-            </a:endParaRPr>
-          </a:p>
-        </p:txBody>
-      </p:sp>
-      <p:pic>
-        <p:nvPicPr>
-          <p:cNvPr id="12" name="Picture 11">
-            <a:extLst>
-              <a:ext uri="{FF2B5EF4-FFF2-40B4-BE49-F238E27FC236}">
-                <a16:creationId xmlns:a16="http://schemas.microsoft.com/office/drawing/2014/main" id="{BC526B7A-4801-4FD1-95C8-03AF22629E87}"/>
-              </a:ext>
-              <a:ext uri="{C183D7F6-B498-43B3-948B-1728B52AA6E4}">
-                <adec:decorative xmlns:adec="http://schemas.microsoft.com/office/drawing/2017/decorative" val="1"/>
-              </a:ext>
-            </a:extLst>
-          </p:cNvPr>
-          <p:cNvPicPr>
-            <a:picLocks noGrp="1" noRot="1" noChangeAspect="1" noMove="1" noResize="1" noEditPoints="1" noAdjustHandles="1" noChangeArrowheads="1" noChangeShapeType="1" noCrop="1"/>
-          </p:cNvPicPr>
-          <p:nvPr>
-            <p:extLst>
-              <p:ext uri="{386F3935-93C4-4BCD-93E2-E3B085C9AB24}">
-                <p16:designElem xmlns:p16="http://schemas.microsoft.com/office/powerpoint/2015/main" val="1"/>
-              </p:ext>
-            </p:extLst>
-          </p:nvPr>
-        </p:nvPicPr>
-        <p:blipFill>
-          <a:blip r:embed="rId2">
-            <a:alphaModFix amt="10000"/>
-            <a:extLst>
-              <a:ext uri="{28A0092B-C50C-407E-A947-70E740481C1C}">
-                <a14:useLocalDpi xmlns:a14="http://schemas.microsoft.com/office/drawing/2010/main" val="0"/>
-              </a:ext>
-            </a:extLst>
-          </a:blip>
-          <a:stretch>
-            <a:fillRect/>
-          </a:stretch>
-        </p:blipFill>
-        <p:spPr>
-          <a:xfrm>
-            <a:off x="8820159" y="3121682"/>
-            <a:ext cx="2428095" cy="3039825"/>
-          </a:xfrm>
-          <a:prstGeom prst="rect">
-            <a:avLst/>
-          </a:prstGeom>
-        </p:spPr>
-      </p:pic>
-      <p:sp useBgFill="1">
-        <p:nvSpPr>
-          <p:cNvPr id="14" name="Rectangle 13">
-            <a:extLst>
-              <a:ext uri="{FF2B5EF4-FFF2-40B4-BE49-F238E27FC236}">
-                <a16:creationId xmlns:a16="http://schemas.microsoft.com/office/drawing/2014/main" id="{37FDDF72-DE39-4F99-A3C1-DD9D7815D7DB}"/>
-              </a:ext>
-              <a:ext uri="{C183D7F6-B498-43B3-948B-1728B52AA6E4}">
-                <adec:decorative xmlns:adec="http://schemas.microsoft.com/office/drawing/2017/decorative" val="1"/>
-              </a:ext>
-            </a:extLst>
-          </p:cNvPr>
-          <p:cNvSpPr>
-            <a:spLocks noGrp="1" noRot="1" noChangeAspect="1" noMove="1" noResize="1" noEditPoints="1" noAdjustHandles="1" noChangeArrowheads="1" noChangeShapeType="1" noTextEdit="1"/>
-          </p:cNvSpPr>
-          <p:nvPr>
-            <p:extLst>
-              <p:ext uri="{386F3935-93C4-4BCD-93E2-E3B085C9AB24}">
-                <p16:designElem xmlns:p16="http://schemas.microsoft.com/office/powerpoint/2015/main" val="1"/>
-              </p:ext>
-            </p:extLst>
-          </p:nvPr>
-        </p:nvSpPr>
-        <p:spPr>
-          <a:xfrm>
-            <a:off x="3149972" y="3121681"/>
-            <a:ext cx="8100269" cy="4556401"/>
-          </a:xfrm>
-          <a:prstGeom prst="rect">
-            <a:avLst/>
-          </a:prstGeom>
-          <a:ln>
-            <a:noFill/>
-          </a:ln>
-        </p:spPr>
-        <p:style>
-          <a:lnRef idx="2">
-            <a:schemeClr val="accent1">
-              <a:shade val="50000"/>
-            </a:schemeClr>
-          </a:lnRef>
-          <a:fillRef idx="1">
-            <a:schemeClr val="accent1"/>
-          </a:fillRef>
-          <a:effectRef idx="0">
-            <a:schemeClr val="accent1"/>
-          </a:effectRef>
-          <a:fontRef idx="minor">
-            <a:schemeClr val="lt1"/>
-          </a:fontRef>
-        </p:style>
-        <p:txBody>
-          <a:bodyPr rtlCol="0" anchor="ctr"/>
-          <a:lstStyle/>
-          <a:p>
-            <a:pPr algn="ctr">
-              <a:defRPr/>
-            </a:pPr>
-            <a:endParaRPr lang="en-US" sz="1196" dirty="0">
-              <a:solidFill>
-                <a:prstClr val="black">
-                  <a:lumMod val="65000"/>
-                  <a:lumOff val="35000"/>
-                </a:prstClr>
-              </a:solidFill>
-              <a:latin typeface="AvenirNext LT Pro Medium" panose="020B0504020202020204" pitchFamily="34" charset="0"/>
-            </a:endParaRPr>
-          </a:p>
-        </p:txBody>
-      </p:sp>
-      <p:sp>
-        <p:nvSpPr>
-          <p:cNvPr id="16" name="Rectangle 15">
-            <a:extLst>
-              <a:ext uri="{FF2B5EF4-FFF2-40B4-BE49-F238E27FC236}">
-                <a16:creationId xmlns:a16="http://schemas.microsoft.com/office/drawing/2014/main" id="{5E4ECE80-3AD1-450C-B62A-98788F193948}"/>
-              </a:ext>
-              <a:ext uri="{C183D7F6-B498-43B3-948B-1728B52AA6E4}">
-                <adec:decorative xmlns:adec="http://schemas.microsoft.com/office/drawing/2017/decorative" val="1"/>
-              </a:ext>
-            </a:extLst>
-          </p:cNvPr>
-          <p:cNvSpPr>
-            <a:spLocks noGrp="1" noRot="1" noChangeAspect="1" noMove="1" noResize="1" noEditPoints="1" noAdjustHandles="1" noChangeArrowheads="1" noChangeShapeType="1" noTextEdit="1"/>
-          </p:cNvSpPr>
-          <p:nvPr>
-            <p:extLst>
-              <p:ext uri="{386F3935-93C4-4BCD-93E2-E3B085C9AB24}">
-                <p16:designElem xmlns:p16="http://schemas.microsoft.com/office/powerpoint/2015/main" val="1"/>
-              </p:ext>
-            </p:extLst>
-          </p:nvPr>
-        </p:nvSpPr>
-        <p:spPr>
-          <a:xfrm>
-            <a:off x="3149972" y="3121681"/>
-            <a:ext cx="8100269" cy="4556401"/>
-          </a:xfrm>
-          <a:prstGeom prst="rect">
-            <a:avLst/>
-          </a:prstGeom>
-          <a:solidFill>
-            <a:srgbClr val="000000"/>
-          </a:solidFill>
-          <a:ln>
-            <a:noFill/>
-          </a:ln>
-        </p:spPr>
-        <p:style>
-          <a:lnRef idx="2">
-            <a:schemeClr val="accent1">
-              <a:shade val="50000"/>
-            </a:schemeClr>
-          </a:lnRef>
-          <a:fillRef idx="1">
-            <a:schemeClr val="accent1"/>
-          </a:fillRef>
-          <a:effectRef idx="0">
-            <a:schemeClr val="accent1"/>
-          </a:effectRef>
-          <a:fontRef idx="minor">
-            <a:schemeClr val="lt1"/>
-          </a:fontRef>
-        </p:style>
-        <p:txBody>
-          <a:bodyPr rtlCol="0" anchor="ctr"/>
-          <a:lstStyle/>
-          <a:p>
-            <a:pPr algn="ctr">
-              <a:defRPr/>
-            </a:pPr>
-            <a:endParaRPr lang="en-US" sz="1196" dirty="0">
-              <a:solidFill>
-                <a:prstClr val="black">
-                  <a:lumMod val="65000"/>
-                  <a:lumOff val="35000"/>
-                </a:prstClr>
-              </a:solidFill>
-              <a:latin typeface="AvenirNext LT Pro Medium" panose="020B0504020202020204" pitchFamily="34" charset="0"/>
-            </a:endParaRPr>
-          </a:p>
-        </p:txBody>
-      </p:sp>
-      <p:pic>
-        <p:nvPicPr>
-          <p:cNvPr id="5" name="Imagem 4">
-            <a:extLst>
-              <a:ext uri="{FF2B5EF4-FFF2-40B4-BE49-F238E27FC236}">
-                <a16:creationId xmlns:a16="http://schemas.microsoft.com/office/drawing/2014/main" id="{F1433EF1-FB6D-4913-96C9-08F0B1B3CA7A}"/>
-              </a:ext>
-            </a:extLst>
-          </p:cNvPr>
-          <p:cNvPicPr>
-            <a:picLocks noChangeAspect="1"/>
-          </p:cNvPicPr>
-          <p:nvPr/>
-        </p:nvPicPr>
-        <p:blipFill rotWithShape="1">
-          <a:blip r:embed="rId3">
-            <a:alphaModFix/>
-            <a:extLst>
-              <a:ext uri="{28A0092B-C50C-407E-A947-70E740481C1C}">
-                <a14:useLocalDpi xmlns:a14="http://schemas.microsoft.com/office/drawing/2010/main" val="0"/>
-              </a:ext>
-            </a:extLst>
-          </a:blip>
-          <a:srcRect l="5233" t="-2125" r="6244" b="-538"/>
-          <a:stretch/>
-        </p:blipFill>
-        <p:spPr>
-          <a:xfrm>
-            <a:off x="-1" y="-347792"/>
-            <a:ext cx="14400213" cy="11147555"/>
-          </a:xfrm>
-          <a:prstGeom prst="rect">
-            <a:avLst/>
-          </a:prstGeom>
-        </p:spPr>
-      </p:pic>
-      <p:sp>
-        <p:nvSpPr>
-          <p:cNvPr id="50" name="Retângulo 49">
-            <a:extLst>
-              <a:ext uri="{FF2B5EF4-FFF2-40B4-BE49-F238E27FC236}">
-                <a16:creationId xmlns:a16="http://schemas.microsoft.com/office/drawing/2014/main" id="{50614AED-75DE-4550-9029-54313F89BD12}"/>
-              </a:ext>
-            </a:extLst>
-          </p:cNvPr>
-          <p:cNvSpPr/>
-          <p:nvPr/>
-        </p:nvSpPr>
-        <p:spPr>
-          <a:xfrm>
-            <a:off x="3186646" y="311571"/>
-            <a:ext cx="8052791" cy="992583"/>
-          </a:xfrm>
-          <a:prstGeom prst="rect">
-            <a:avLst/>
-          </a:prstGeom>
-          <a:noFill/>
-        </p:spPr>
-        <p:txBody>
-          <a:bodyPr wrap="square" lIns="68584" tIns="34292" rIns="68584" bIns="34292">
-            <a:spAutoFit/>
-          </a:bodyPr>
-          <a:lstStyle/>
-          <a:p>
-            <a:pPr algn="ctr"/>
-            <a:r>
-              <a:rPr lang="pt-BR" sz="6000" dirty="0">
-                <a:ln w="38100">
-                  <a:solidFill>
-                    <a:schemeClr val="bg1"/>
-                  </a:solidFill>
-                </a:ln>
-                <a:solidFill>
-                  <a:srgbClr val="00B050"/>
-                </a:solidFill>
-                <a:effectLst>
-                  <a:outerShdw blurRad="38100" dist="19050" dir="2700000" algn="tl" rotWithShape="0">
-                    <a:schemeClr val="dk1">
-                      <a:alpha val="40000"/>
-                    </a:schemeClr>
-                  </a:outerShdw>
-                </a:effectLst>
-                <a:latin typeface="Exo 2 Extra Bold" panose="00000900000000000000" pitchFamily="50" charset="0"/>
-              </a:rPr>
-              <a:t>Liga Principal</a:t>
-            </a:r>
-          </a:p>
-        </p:txBody>
-      </p:sp>
-      <p:sp>
-        <p:nvSpPr>
-          <p:cNvPr id="53" name="Retângulo 52">
-            <a:extLst>
-              <a:ext uri="{FF2B5EF4-FFF2-40B4-BE49-F238E27FC236}">
-                <a16:creationId xmlns:a16="http://schemas.microsoft.com/office/drawing/2014/main" id="{F101E0BF-8A68-40B9-BC26-35C299182F52}"/>
-              </a:ext>
-            </a:extLst>
-          </p:cNvPr>
-          <p:cNvSpPr/>
-          <p:nvPr/>
-        </p:nvSpPr>
-        <p:spPr>
-          <a:xfrm>
-            <a:off x="336776" y="1104608"/>
-            <a:ext cx="13909452" cy="1177249"/>
-          </a:xfrm>
-          <a:prstGeom prst="rect">
-            <a:avLst/>
-          </a:prstGeom>
-          <a:noFill/>
-        </p:spPr>
-        <p:txBody>
-          <a:bodyPr wrap="square" lIns="68584" tIns="34292" rIns="68584" bIns="34292">
-            <a:spAutoFit/>
-          </a:bodyPr>
-          <a:lstStyle/>
-          <a:p>
-            <a:pPr algn="ctr"/>
-            <a:r>
-              <a:rPr lang="pt-BR" sz="7200" dirty="0">
-                <a:ln w="0">
-                  <a:noFill/>
-                </a:ln>
-                <a:effectLst>
-                  <a:outerShdw blurRad="38100" dist="19050" dir="2700000" algn="tl" rotWithShape="0">
-                    <a:schemeClr val="dk1">
-                      <a:alpha val="40000"/>
-                    </a:schemeClr>
-                  </a:outerShdw>
-                </a:effectLst>
-                <a:latin typeface="Exo 2 Extra Bold" panose="00000900000000000000" pitchFamily="50" charset="0"/>
-              </a:rPr>
-              <a:t>MATA-MATA SÉRIE C 2</a:t>
-            </a:r>
-          </a:p>
-        </p:txBody>
-      </p:sp>
-      <p:pic>
-        <p:nvPicPr>
-          <p:cNvPr id="15" name="Imagem 14">
-            <a:extLst>
-              <a:ext uri="{FF2B5EF4-FFF2-40B4-BE49-F238E27FC236}">
-                <a16:creationId xmlns:a16="http://schemas.microsoft.com/office/drawing/2014/main" id="{780D6AE4-2B31-43CF-8A3B-9ACC73C32FE9}"/>
-              </a:ext>
-            </a:extLst>
-          </p:cNvPr>
-          <p:cNvPicPr>
-            <a:picLocks noChangeAspect="1"/>
-          </p:cNvPicPr>
-          <p:nvPr/>
-        </p:nvPicPr>
-        <p:blipFill>
-          <a:blip r:embed="rId4" cstate="hqprint">
-            <a:extLst>
-              <a:ext uri="{28A0092B-C50C-407E-A947-70E740481C1C}">
-                <a14:useLocalDpi xmlns:a14="http://schemas.microsoft.com/office/drawing/2010/main" val="0"/>
-              </a:ext>
-            </a:extLst>
-          </a:blip>
-          <a:stretch>
-            <a:fillRect/>
-          </a:stretch>
-        </p:blipFill>
-        <p:spPr>
-          <a:xfrm>
-            <a:off x="336776" y="194284"/>
-            <a:ext cx="2059134" cy="2160000"/>
-          </a:xfrm>
-          <a:prstGeom prst="rect">
-            <a:avLst/>
-          </a:prstGeom>
-        </p:spPr>
-      </p:pic>
-      <p:sp>
-        <p:nvSpPr>
-          <p:cNvPr id="10" name="Retângulo 9">
-            <a:extLst>
-              <a:ext uri="{FF2B5EF4-FFF2-40B4-BE49-F238E27FC236}">
-                <a16:creationId xmlns:a16="http://schemas.microsoft.com/office/drawing/2014/main" id="{838BDC98-3287-4575-8574-56F716FB2440}"/>
-              </a:ext>
-            </a:extLst>
-          </p:cNvPr>
-          <p:cNvSpPr/>
-          <p:nvPr/>
-        </p:nvSpPr>
-        <p:spPr>
-          <a:xfrm>
-            <a:off x="581891" y="2892935"/>
-            <a:ext cx="13267927" cy="3039825"/>
-          </a:xfrm>
-          <a:prstGeom prst="rect">
-            <a:avLst/>
-          </a:prstGeom>
-          <a:solidFill>
-            <a:schemeClr val="tx1">
-              <a:alpha val="81000"/>
-            </a:schemeClr>
-          </a:solidFill>
-        </p:spPr>
-        <p:style>
-          <a:lnRef idx="2">
-            <a:schemeClr val="accent1">
-              <a:shade val="50000"/>
-            </a:schemeClr>
-          </a:lnRef>
-          <a:fillRef idx="1">
-            <a:schemeClr val="accent1"/>
-          </a:fillRef>
-          <a:effectRef idx="0">
-            <a:schemeClr val="accent1"/>
-          </a:effectRef>
-          <a:fontRef idx="minor">
-            <a:schemeClr val="lt1"/>
-          </a:fontRef>
-        </p:style>
-        <p:txBody>
-          <a:bodyPr rtlCol="0" anchor="ctr"/>
-          <a:lstStyle/>
-          <a:p>
-            <a:pPr algn="ctr"/>
-            <a:endParaRPr lang="pt-BR"/>
-          </a:p>
-        </p:txBody>
-      </p:sp>
-      <p:sp>
-        <p:nvSpPr>
-          <p:cNvPr id="21" name="Retângulo 20">
-            <a:extLst>
-              <a:ext uri="{FF2B5EF4-FFF2-40B4-BE49-F238E27FC236}">
-                <a16:creationId xmlns:a16="http://schemas.microsoft.com/office/drawing/2014/main" id="{95EDB8CB-8377-4925-B478-560C3F615037}"/>
-              </a:ext>
-            </a:extLst>
-          </p:cNvPr>
-          <p:cNvSpPr/>
-          <p:nvPr/>
-        </p:nvSpPr>
-        <p:spPr>
-          <a:xfrm>
-            <a:off x="581891" y="6704292"/>
-            <a:ext cx="13267927" cy="3038400"/>
-          </a:xfrm>
-          <a:prstGeom prst="rect">
-            <a:avLst/>
-          </a:prstGeom>
-          <a:solidFill>
-            <a:schemeClr val="tx1">
-              <a:alpha val="81000"/>
-            </a:schemeClr>
-          </a:solidFill>
-        </p:spPr>
-        <p:style>
-          <a:lnRef idx="2">
-            <a:schemeClr val="accent1">
-              <a:shade val="50000"/>
-            </a:schemeClr>
-          </a:lnRef>
-          <a:fillRef idx="1">
-            <a:schemeClr val="accent1"/>
-          </a:fillRef>
-          <a:effectRef idx="0">
-            <a:schemeClr val="accent1"/>
-          </a:effectRef>
-          <a:fontRef idx="minor">
-            <a:schemeClr val="lt1"/>
-          </a:fontRef>
-        </p:style>
-        <p:txBody>
-          <a:bodyPr rtlCol="0" anchor="ctr"/>
-          <a:lstStyle/>
-          <a:p>
-            <a:pPr algn="ctr"/>
-            <a:endParaRPr lang="pt-BR"/>
-          </a:p>
-        </p:txBody>
-      </p:sp>
-      <p:sp>
-        <p:nvSpPr>
-          <p:cNvPr id="23" name="Retângulo 22">
-            <a:extLst>
-              <a:ext uri="{FF2B5EF4-FFF2-40B4-BE49-F238E27FC236}">
-                <a16:creationId xmlns:a16="http://schemas.microsoft.com/office/drawing/2014/main" id="{ED87CD67-A438-4F74-986A-3704AF997953}"/>
-              </a:ext>
-            </a:extLst>
-          </p:cNvPr>
-          <p:cNvSpPr/>
-          <p:nvPr/>
-        </p:nvSpPr>
-        <p:spPr>
-          <a:xfrm>
-            <a:off x="5308448" y="2906454"/>
-            <a:ext cx="3789504" cy="684807"/>
-          </a:xfrm>
-          <a:prstGeom prst="rect">
-            <a:avLst/>
-          </a:prstGeom>
-          <a:noFill/>
-        </p:spPr>
-        <p:txBody>
-          <a:bodyPr wrap="square" lIns="68584" tIns="34292" rIns="68584" bIns="34292">
-            <a:spAutoFit/>
-          </a:bodyPr>
-          <a:lstStyle/>
-          <a:p>
-            <a:pPr algn="ctr"/>
-            <a:r>
-              <a:rPr lang="pt-BR" sz="4000" dirty="0">
-                <a:ln w="0">
-                  <a:noFill/>
-                </a:ln>
-                <a:solidFill>
-                  <a:srgbClr val="0070C0"/>
-                </a:solidFill>
-                <a:effectLst>
-                  <a:outerShdw blurRad="38100" dist="19050" dir="2700000" algn="tl" rotWithShape="0">
-                    <a:schemeClr val="dk1">
-                      <a:alpha val="40000"/>
-                    </a:schemeClr>
-                  </a:outerShdw>
-                </a:effectLst>
-                <a:latin typeface="Exo 2 Extra Bold" panose="00000900000000000000" pitchFamily="50" charset="0"/>
-              </a:rPr>
-              <a:t>Final</a:t>
-            </a:r>
-          </a:p>
-        </p:txBody>
-      </p:sp>
-      <p:sp>
-        <p:nvSpPr>
-          <p:cNvPr id="24" name="Retângulo 23">
-            <a:extLst>
-              <a:ext uri="{FF2B5EF4-FFF2-40B4-BE49-F238E27FC236}">
-                <a16:creationId xmlns:a16="http://schemas.microsoft.com/office/drawing/2014/main" id="{522A4ACC-EC27-4A14-BA66-B0EB03535C7B}"/>
-              </a:ext>
-            </a:extLst>
-          </p:cNvPr>
-          <p:cNvSpPr/>
-          <p:nvPr/>
-        </p:nvSpPr>
-        <p:spPr>
-          <a:xfrm>
-            <a:off x="5321993" y="6726594"/>
-            <a:ext cx="3789503" cy="684807"/>
-          </a:xfrm>
-          <a:prstGeom prst="rect">
-            <a:avLst/>
-          </a:prstGeom>
-          <a:noFill/>
-        </p:spPr>
-        <p:txBody>
-          <a:bodyPr wrap="square" lIns="68584" tIns="34292" rIns="68584" bIns="34292">
-            <a:spAutoFit/>
-          </a:bodyPr>
-          <a:lstStyle/>
-          <a:p>
-            <a:pPr algn="ctr"/>
-            <a:r>
-              <a:rPr lang="pt-BR" sz="4000" dirty="0">
-                <a:ln w="0">
-                  <a:noFill/>
-                </a:ln>
-                <a:solidFill>
-                  <a:srgbClr val="0070C0"/>
-                </a:solidFill>
-                <a:effectLst>
-                  <a:outerShdw blurRad="38100" dist="19050" dir="2700000" algn="tl" rotWithShape="0">
-                    <a:schemeClr val="dk1">
-                      <a:alpha val="40000"/>
-                    </a:schemeClr>
-                  </a:outerShdw>
-                </a:effectLst>
-                <a:latin typeface="Exo 2 Extra Bold" panose="00000900000000000000" pitchFamily="50" charset="0"/>
-              </a:rPr>
-              <a:t>3º Lugar</a:t>
-            </a:r>
-          </a:p>
-        </p:txBody>
-      </p:sp>
-      <p:pic>
-        <p:nvPicPr>
-          <p:cNvPr id="2" name="Imagem 1">
-            <a:extLst>
-              <a:ext uri="{FF2B5EF4-FFF2-40B4-BE49-F238E27FC236}">
-                <a16:creationId xmlns:a16="http://schemas.microsoft.com/office/drawing/2014/main" id="{F7E77FFA-E3B9-4BA3-9340-F08F7F50B63F}"/>
-              </a:ext>
-            </a:extLst>
-          </p:cNvPr>
-          <p:cNvPicPr>
-            <a:picLocks noChangeAspect="1"/>
-          </p:cNvPicPr>
-          <p:nvPr/>
-        </p:nvPicPr>
-        <p:blipFill>
-          <a:blip r:embed="rId5"/>
-          <a:stretch>
-            <a:fillRect/>
-          </a:stretch>
-        </p:blipFill>
-        <p:spPr>
-          <a:xfrm>
-            <a:off x="911744" y="4039885"/>
-            <a:ext cx="12600000" cy="1054245"/>
-          </a:xfrm>
-          <a:prstGeom prst="rect">
-            <a:avLst/>
-          </a:prstGeom>
-        </p:spPr>
-      </p:pic>
-      <p:pic>
-        <p:nvPicPr>
-          <p:cNvPr id="3" name="Imagem 2">
-            <a:extLst>
-              <a:ext uri="{FF2B5EF4-FFF2-40B4-BE49-F238E27FC236}">
-                <a16:creationId xmlns:a16="http://schemas.microsoft.com/office/drawing/2014/main" id="{A92ADFA9-CAC0-48FF-B052-748A47B49FE8}"/>
-              </a:ext>
-            </a:extLst>
-          </p:cNvPr>
-          <p:cNvPicPr>
-            <a:picLocks noChangeAspect="1"/>
-          </p:cNvPicPr>
-          <p:nvPr/>
-        </p:nvPicPr>
-        <p:blipFill>
-          <a:blip r:embed="rId6"/>
-          <a:stretch>
-            <a:fillRect/>
-          </a:stretch>
-        </p:blipFill>
-        <p:spPr>
-          <a:xfrm>
-            <a:off x="913581" y="7945200"/>
-            <a:ext cx="12600000" cy="1054245"/>
-          </a:xfrm>
-          <a:prstGeom prst="rect">
-            <a:avLst/>
-          </a:prstGeom>
-        </p:spPr>
-      </p:pic>
-    </p:spTree>
-    <p:extLst>
-      <p:ext uri="{BB962C8B-B14F-4D97-AF65-F5344CB8AC3E}">
-        <p14:creationId xmlns:p14="http://schemas.microsoft.com/office/powerpoint/2010/main" val="591961572"/>
-      </p:ext>
-    </p:extLst>
-  </p:cSld>
-  <p:clrMapOvr>
-    <a:masterClrMapping/>
-  </p:clrMapOvr>
-</p:sld>
-</file>
-
 <file path=ppt/slides/slide2.xml><?xml version="1.0" encoding="utf-8"?>
 <p:sld xmlns:a="http://schemas.openxmlformats.org/drawingml/2006/main" xmlns:r="http://schemas.openxmlformats.org/officeDocument/2006/relationships" xmlns:p="http://schemas.openxmlformats.org/presentationml/2006/main">
   <p:cSld>
@@ -13075,6 +13148,746 @@
     <p:extLst>
       <p:ext uri="{BB962C8B-B14F-4D97-AF65-F5344CB8AC3E}">
         <p14:creationId xmlns:p14="http://schemas.microsoft.com/office/powerpoint/2010/main" val="3089260622"/>
+      </p:ext>
+    </p:extLst>
+  </p:cSld>
+  <p:clrMapOvr>
+    <a:masterClrMapping/>
+  </p:clrMapOvr>
+</p:sld>
+</file>
+
+<file path=ppt/slides/slide20.xml><?xml version="1.0" encoding="utf-8"?>
+<p:sld xmlns:a="http://schemas.openxmlformats.org/drawingml/2006/main" xmlns:r="http://schemas.openxmlformats.org/officeDocument/2006/relationships" xmlns:p="http://schemas.openxmlformats.org/presentationml/2006/main">
+  <p:cSld>
+    <p:bg>
+      <p:bgPr>
+        <a:solidFill>
+          <a:schemeClr val="bg1"/>
+        </a:solidFill>
+        <a:effectLst/>
+      </p:bgPr>
+    </p:bg>
+    <p:spTree>
+      <p:nvGrpSpPr>
+        <p:cNvPr id="1" name=""/>
+        <p:cNvGrpSpPr/>
+        <p:nvPr/>
+      </p:nvGrpSpPr>
+      <p:grpSpPr>
+        <a:xfrm>
+          <a:off x="0" y="0"/>
+          <a:ext cx="0" cy="0"/>
+          <a:chOff x="0" y="0"/>
+          <a:chExt cx="0" cy="0"/>
+        </a:xfrm>
+      </p:grpSpPr>
+      <p:sp>
+        <p:nvSpPr>
+          <p:cNvPr id="13" name="Rectangle 9">
+            <a:extLst>
+              <a:ext uri="{FF2B5EF4-FFF2-40B4-BE49-F238E27FC236}">
+                <a16:creationId xmlns:a16="http://schemas.microsoft.com/office/drawing/2014/main" id="{0BABF38A-8A0D-492E-BD20-6CF4D46B50BD}"/>
+              </a:ext>
+              <a:ext uri="{C183D7F6-B498-43B3-948B-1728B52AA6E4}">
+                <adec:decorative xmlns:adec="http://schemas.microsoft.com/office/drawing/2017/decorative" val="1"/>
+              </a:ext>
+            </a:extLst>
+          </p:cNvPr>
+          <p:cNvSpPr>
+            <a:spLocks noGrp="1" noRot="1" noChangeAspect="1" noMove="1" noResize="1" noEditPoints="1" noAdjustHandles="1" noChangeArrowheads="1" noChangeShapeType="1" noTextEdit="1"/>
+          </p:cNvSpPr>
+          <p:nvPr>
+            <p:extLst>
+              <p:ext uri="{386F3935-93C4-4BCD-93E2-E3B085C9AB24}">
+                <p16:designElem xmlns:p16="http://schemas.microsoft.com/office/powerpoint/2015/main" val="1"/>
+              </p:ext>
+            </p:extLst>
+          </p:nvPr>
+        </p:nvSpPr>
+        <p:spPr>
+          <a:xfrm>
+            <a:off x="3149972" y="3121681"/>
+            <a:ext cx="8100269" cy="4556404"/>
+          </a:xfrm>
+          <a:prstGeom prst="rect">
+            <a:avLst/>
+          </a:prstGeom>
+          <a:solidFill>
+            <a:schemeClr val="bg2">
+              <a:lumMod val="90000"/>
+              <a:alpha val="70000"/>
+            </a:schemeClr>
+          </a:solidFill>
+          <a:ln>
+            <a:noFill/>
+          </a:ln>
+        </p:spPr>
+        <p:style>
+          <a:lnRef idx="2">
+            <a:schemeClr val="accent1">
+              <a:shade val="50000"/>
+            </a:schemeClr>
+          </a:lnRef>
+          <a:fillRef idx="1">
+            <a:schemeClr val="accent1"/>
+          </a:fillRef>
+          <a:effectRef idx="0">
+            <a:schemeClr val="accent1"/>
+          </a:effectRef>
+          <a:fontRef idx="minor">
+            <a:schemeClr val="lt1"/>
+          </a:fontRef>
+        </p:style>
+        <p:txBody>
+          <a:bodyPr rtlCol="0" anchor="ctr"/>
+          <a:lstStyle/>
+          <a:p>
+            <a:pPr algn="ctr">
+              <a:defRPr/>
+            </a:pPr>
+            <a:endParaRPr lang="en-US" sz="1196" dirty="0">
+              <a:solidFill>
+                <a:prstClr val="black">
+                  <a:lumMod val="65000"/>
+                  <a:lumOff val="35000"/>
+                </a:prstClr>
+              </a:solidFill>
+              <a:latin typeface="AvenirNext LT Pro Medium" panose="020B0504020202020204" pitchFamily="34" charset="0"/>
+            </a:endParaRPr>
+          </a:p>
+        </p:txBody>
+      </p:sp>
+      <p:pic>
+        <p:nvPicPr>
+          <p:cNvPr id="12" name="Picture 11">
+            <a:extLst>
+              <a:ext uri="{FF2B5EF4-FFF2-40B4-BE49-F238E27FC236}">
+                <a16:creationId xmlns:a16="http://schemas.microsoft.com/office/drawing/2014/main" id="{BC526B7A-4801-4FD1-95C8-03AF22629E87}"/>
+              </a:ext>
+              <a:ext uri="{C183D7F6-B498-43B3-948B-1728B52AA6E4}">
+                <adec:decorative xmlns:adec="http://schemas.microsoft.com/office/drawing/2017/decorative" val="1"/>
+              </a:ext>
+            </a:extLst>
+          </p:cNvPr>
+          <p:cNvPicPr>
+            <a:picLocks noGrp="1" noRot="1" noChangeAspect="1" noMove="1" noResize="1" noEditPoints="1" noAdjustHandles="1" noChangeArrowheads="1" noChangeShapeType="1" noCrop="1"/>
+          </p:cNvPicPr>
+          <p:nvPr>
+            <p:extLst>
+              <p:ext uri="{386F3935-93C4-4BCD-93E2-E3B085C9AB24}">
+                <p16:designElem xmlns:p16="http://schemas.microsoft.com/office/powerpoint/2015/main" val="1"/>
+              </p:ext>
+            </p:extLst>
+          </p:nvPr>
+        </p:nvPicPr>
+        <p:blipFill>
+          <a:blip r:embed="rId2">
+            <a:alphaModFix amt="10000"/>
+            <a:extLst>
+              <a:ext uri="{28A0092B-C50C-407E-A947-70E740481C1C}">
+                <a14:useLocalDpi xmlns:a14="http://schemas.microsoft.com/office/drawing/2010/main" val="0"/>
+              </a:ext>
+            </a:extLst>
+          </a:blip>
+          <a:stretch>
+            <a:fillRect/>
+          </a:stretch>
+        </p:blipFill>
+        <p:spPr>
+          <a:xfrm>
+            <a:off x="8820159" y="3121682"/>
+            <a:ext cx="2428095" cy="3039825"/>
+          </a:xfrm>
+          <a:prstGeom prst="rect">
+            <a:avLst/>
+          </a:prstGeom>
+        </p:spPr>
+      </p:pic>
+      <p:sp useBgFill="1">
+        <p:nvSpPr>
+          <p:cNvPr id="14" name="Rectangle 13">
+            <a:extLst>
+              <a:ext uri="{FF2B5EF4-FFF2-40B4-BE49-F238E27FC236}">
+                <a16:creationId xmlns:a16="http://schemas.microsoft.com/office/drawing/2014/main" id="{37FDDF72-DE39-4F99-A3C1-DD9D7815D7DB}"/>
+              </a:ext>
+              <a:ext uri="{C183D7F6-B498-43B3-948B-1728B52AA6E4}">
+                <adec:decorative xmlns:adec="http://schemas.microsoft.com/office/drawing/2017/decorative" val="1"/>
+              </a:ext>
+            </a:extLst>
+          </p:cNvPr>
+          <p:cNvSpPr>
+            <a:spLocks noGrp="1" noRot="1" noChangeAspect="1" noMove="1" noResize="1" noEditPoints="1" noAdjustHandles="1" noChangeArrowheads="1" noChangeShapeType="1" noTextEdit="1"/>
+          </p:cNvSpPr>
+          <p:nvPr>
+            <p:extLst>
+              <p:ext uri="{386F3935-93C4-4BCD-93E2-E3B085C9AB24}">
+                <p16:designElem xmlns:p16="http://schemas.microsoft.com/office/powerpoint/2015/main" val="1"/>
+              </p:ext>
+            </p:extLst>
+          </p:nvPr>
+        </p:nvSpPr>
+        <p:spPr>
+          <a:xfrm>
+            <a:off x="3149972" y="3121681"/>
+            <a:ext cx="8100269" cy="4556401"/>
+          </a:xfrm>
+          <a:prstGeom prst="rect">
+            <a:avLst/>
+          </a:prstGeom>
+          <a:ln>
+            <a:noFill/>
+          </a:ln>
+        </p:spPr>
+        <p:style>
+          <a:lnRef idx="2">
+            <a:schemeClr val="accent1">
+              <a:shade val="50000"/>
+            </a:schemeClr>
+          </a:lnRef>
+          <a:fillRef idx="1">
+            <a:schemeClr val="accent1"/>
+          </a:fillRef>
+          <a:effectRef idx="0">
+            <a:schemeClr val="accent1"/>
+          </a:effectRef>
+          <a:fontRef idx="minor">
+            <a:schemeClr val="lt1"/>
+          </a:fontRef>
+        </p:style>
+        <p:txBody>
+          <a:bodyPr rtlCol="0" anchor="ctr"/>
+          <a:lstStyle/>
+          <a:p>
+            <a:pPr algn="ctr">
+              <a:defRPr/>
+            </a:pPr>
+            <a:endParaRPr lang="en-US" sz="1196" dirty="0">
+              <a:solidFill>
+                <a:prstClr val="black">
+                  <a:lumMod val="65000"/>
+                  <a:lumOff val="35000"/>
+                </a:prstClr>
+              </a:solidFill>
+              <a:latin typeface="AvenirNext LT Pro Medium" panose="020B0504020202020204" pitchFamily="34" charset="0"/>
+            </a:endParaRPr>
+          </a:p>
+        </p:txBody>
+      </p:sp>
+      <p:sp>
+        <p:nvSpPr>
+          <p:cNvPr id="16" name="Rectangle 15">
+            <a:extLst>
+              <a:ext uri="{FF2B5EF4-FFF2-40B4-BE49-F238E27FC236}">
+                <a16:creationId xmlns:a16="http://schemas.microsoft.com/office/drawing/2014/main" id="{5E4ECE80-3AD1-450C-B62A-98788F193948}"/>
+              </a:ext>
+              <a:ext uri="{C183D7F6-B498-43B3-948B-1728B52AA6E4}">
+                <adec:decorative xmlns:adec="http://schemas.microsoft.com/office/drawing/2017/decorative" val="1"/>
+              </a:ext>
+            </a:extLst>
+          </p:cNvPr>
+          <p:cNvSpPr>
+            <a:spLocks noGrp="1" noRot="1" noChangeAspect="1" noMove="1" noResize="1" noEditPoints="1" noAdjustHandles="1" noChangeArrowheads="1" noChangeShapeType="1" noTextEdit="1"/>
+          </p:cNvSpPr>
+          <p:nvPr>
+            <p:extLst>
+              <p:ext uri="{386F3935-93C4-4BCD-93E2-E3B085C9AB24}">
+                <p16:designElem xmlns:p16="http://schemas.microsoft.com/office/powerpoint/2015/main" val="1"/>
+              </p:ext>
+            </p:extLst>
+          </p:nvPr>
+        </p:nvSpPr>
+        <p:spPr>
+          <a:xfrm>
+            <a:off x="3149972" y="3121681"/>
+            <a:ext cx="8100269" cy="4556401"/>
+          </a:xfrm>
+          <a:prstGeom prst="rect">
+            <a:avLst/>
+          </a:prstGeom>
+          <a:solidFill>
+            <a:srgbClr val="000000"/>
+          </a:solidFill>
+          <a:ln>
+            <a:noFill/>
+          </a:ln>
+        </p:spPr>
+        <p:style>
+          <a:lnRef idx="2">
+            <a:schemeClr val="accent1">
+              <a:shade val="50000"/>
+            </a:schemeClr>
+          </a:lnRef>
+          <a:fillRef idx="1">
+            <a:schemeClr val="accent1"/>
+          </a:fillRef>
+          <a:effectRef idx="0">
+            <a:schemeClr val="accent1"/>
+          </a:effectRef>
+          <a:fontRef idx="minor">
+            <a:schemeClr val="lt1"/>
+          </a:fontRef>
+        </p:style>
+        <p:txBody>
+          <a:bodyPr rtlCol="0" anchor="ctr"/>
+          <a:lstStyle/>
+          <a:p>
+            <a:pPr algn="ctr">
+              <a:defRPr/>
+            </a:pPr>
+            <a:endParaRPr lang="en-US" sz="1196" dirty="0">
+              <a:solidFill>
+                <a:prstClr val="black">
+                  <a:lumMod val="65000"/>
+                  <a:lumOff val="35000"/>
+                </a:prstClr>
+              </a:solidFill>
+              <a:latin typeface="AvenirNext LT Pro Medium" panose="020B0504020202020204" pitchFamily="34" charset="0"/>
+            </a:endParaRPr>
+          </a:p>
+        </p:txBody>
+      </p:sp>
+      <p:pic>
+        <p:nvPicPr>
+          <p:cNvPr id="5" name="Imagem 4">
+            <a:extLst>
+              <a:ext uri="{FF2B5EF4-FFF2-40B4-BE49-F238E27FC236}">
+                <a16:creationId xmlns:a16="http://schemas.microsoft.com/office/drawing/2014/main" id="{F1433EF1-FB6D-4913-96C9-08F0B1B3CA7A}"/>
+              </a:ext>
+            </a:extLst>
+          </p:cNvPr>
+          <p:cNvPicPr>
+            <a:picLocks noChangeAspect="1"/>
+          </p:cNvPicPr>
+          <p:nvPr/>
+        </p:nvPicPr>
+        <p:blipFill rotWithShape="1">
+          <a:blip r:embed="rId3">
+            <a:alphaModFix/>
+            <a:extLst>
+              <a:ext uri="{28A0092B-C50C-407E-A947-70E740481C1C}">
+                <a14:useLocalDpi xmlns:a14="http://schemas.microsoft.com/office/drawing/2010/main" val="0"/>
+              </a:ext>
+            </a:extLst>
+          </a:blip>
+          <a:srcRect l="5233" t="-2125" r="6244" b="-538"/>
+          <a:stretch/>
+        </p:blipFill>
+        <p:spPr>
+          <a:xfrm>
+            <a:off x="-1" y="-347792"/>
+            <a:ext cx="14400213" cy="11147555"/>
+          </a:xfrm>
+          <a:prstGeom prst="rect">
+            <a:avLst/>
+          </a:prstGeom>
+        </p:spPr>
+      </p:pic>
+      <p:sp>
+        <p:nvSpPr>
+          <p:cNvPr id="50" name="Retângulo 49">
+            <a:extLst>
+              <a:ext uri="{FF2B5EF4-FFF2-40B4-BE49-F238E27FC236}">
+                <a16:creationId xmlns:a16="http://schemas.microsoft.com/office/drawing/2014/main" id="{50614AED-75DE-4550-9029-54313F89BD12}"/>
+              </a:ext>
+            </a:extLst>
+          </p:cNvPr>
+          <p:cNvSpPr/>
+          <p:nvPr/>
+        </p:nvSpPr>
+        <p:spPr>
+          <a:xfrm>
+            <a:off x="3186646" y="311571"/>
+            <a:ext cx="8052791" cy="992583"/>
+          </a:xfrm>
+          <a:prstGeom prst="rect">
+            <a:avLst/>
+          </a:prstGeom>
+          <a:noFill/>
+        </p:spPr>
+        <p:txBody>
+          <a:bodyPr wrap="square" lIns="68584" tIns="34292" rIns="68584" bIns="34292">
+            <a:spAutoFit/>
+          </a:bodyPr>
+          <a:lstStyle/>
+          <a:p>
+            <a:pPr algn="ctr"/>
+            <a:r>
+              <a:rPr lang="pt-BR" sz="6000" dirty="0">
+                <a:ln w="38100">
+                  <a:solidFill>
+                    <a:schemeClr val="bg1"/>
+                  </a:solidFill>
+                </a:ln>
+                <a:solidFill>
+                  <a:srgbClr val="00B050"/>
+                </a:solidFill>
+                <a:effectLst>
+                  <a:outerShdw blurRad="38100" dist="19050" dir="2700000" algn="tl" rotWithShape="0">
+                    <a:schemeClr val="dk1">
+                      <a:alpha val="40000"/>
+                    </a:schemeClr>
+                  </a:outerShdw>
+                </a:effectLst>
+                <a:latin typeface="Exo 2 Extra Bold" panose="00000900000000000000" pitchFamily="50" charset="0"/>
+              </a:rPr>
+              <a:t>Liga Principal</a:t>
+            </a:r>
+          </a:p>
+        </p:txBody>
+      </p:sp>
+      <p:sp>
+        <p:nvSpPr>
+          <p:cNvPr id="53" name="Retângulo 52">
+            <a:extLst>
+              <a:ext uri="{FF2B5EF4-FFF2-40B4-BE49-F238E27FC236}">
+                <a16:creationId xmlns:a16="http://schemas.microsoft.com/office/drawing/2014/main" id="{F101E0BF-8A68-40B9-BC26-35C299182F52}"/>
+              </a:ext>
+            </a:extLst>
+          </p:cNvPr>
+          <p:cNvSpPr/>
+          <p:nvPr/>
+        </p:nvSpPr>
+        <p:spPr>
+          <a:xfrm>
+            <a:off x="336776" y="1104608"/>
+            <a:ext cx="13909452" cy="1177249"/>
+          </a:xfrm>
+          <a:prstGeom prst="rect">
+            <a:avLst/>
+          </a:prstGeom>
+          <a:noFill/>
+        </p:spPr>
+        <p:txBody>
+          <a:bodyPr wrap="square" lIns="68584" tIns="34292" rIns="68584" bIns="34292">
+            <a:spAutoFit/>
+          </a:bodyPr>
+          <a:lstStyle/>
+          <a:p>
+            <a:pPr algn="ctr"/>
+            <a:r>
+              <a:rPr lang="pt-BR" sz="7200" dirty="0">
+                <a:ln w="0">
+                  <a:noFill/>
+                </a:ln>
+                <a:effectLst>
+                  <a:outerShdw blurRad="38100" dist="19050" dir="2700000" algn="tl" rotWithShape="0">
+                    <a:schemeClr val="dk1">
+                      <a:alpha val="40000"/>
+                    </a:schemeClr>
+                  </a:outerShdw>
+                </a:effectLst>
+                <a:latin typeface="Exo 2 Extra Bold" panose="00000900000000000000" pitchFamily="50" charset="0"/>
+              </a:rPr>
+              <a:t>MATA-MATA SÉRIE C 2</a:t>
+            </a:r>
+          </a:p>
+        </p:txBody>
+      </p:sp>
+      <p:pic>
+        <p:nvPicPr>
+          <p:cNvPr id="15" name="Imagem 14">
+            <a:extLst>
+              <a:ext uri="{FF2B5EF4-FFF2-40B4-BE49-F238E27FC236}">
+                <a16:creationId xmlns:a16="http://schemas.microsoft.com/office/drawing/2014/main" id="{780D6AE4-2B31-43CF-8A3B-9ACC73C32FE9}"/>
+              </a:ext>
+            </a:extLst>
+          </p:cNvPr>
+          <p:cNvPicPr>
+            <a:picLocks noChangeAspect="1"/>
+          </p:cNvPicPr>
+          <p:nvPr/>
+        </p:nvPicPr>
+        <p:blipFill>
+          <a:blip r:embed="rId4" cstate="hqprint">
+            <a:extLst>
+              <a:ext uri="{28A0092B-C50C-407E-A947-70E740481C1C}">
+                <a14:useLocalDpi xmlns:a14="http://schemas.microsoft.com/office/drawing/2010/main" val="0"/>
+              </a:ext>
+            </a:extLst>
+          </a:blip>
+          <a:stretch>
+            <a:fillRect/>
+          </a:stretch>
+        </p:blipFill>
+        <p:spPr>
+          <a:xfrm>
+            <a:off x="336776" y="194284"/>
+            <a:ext cx="2059134" cy="2160000"/>
+          </a:xfrm>
+          <a:prstGeom prst="rect">
+            <a:avLst/>
+          </a:prstGeom>
+        </p:spPr>
+      </p:pic>
+      <p:sp>
+        <p:nvSpPr>
+          <p:cNvPr id="10" name="Retângulo 9">
+            <a:extLst>
+              <a:ext uri="{FF2B5EF4-FFF2-40B4-BE49-F238E27FC236}">
+                <a16:creationId xmlns:a16="http://schemas.microsoft.com/office/drawing/2014/main" id="{838BDC98-3287-4575-8574-56F716FB2440}"/>
+              </a:ext>
+            </a:extLst>
+          </p:cNvPr>
+          <p:cNvSpPr/>
+          <p:nvPr/>
+        </p:nvSpPr>
+        <p:spPr>
+          <a:xfrm>
+            <a:off x="581891" y="2892935"/>
+            <a:ext cx="13267927" cy="3039825"/>
+          </a:xfrm>
+          <a:prstGeom prst="rect">
+            <a:avLst/>
+          </a:prstGeom>
+          <a:solidFill>
+            <a:schemeClr val="tx1">
+              <a:alpha val="81000"/>
+            </a:schemeClr>
+          </a:solidFill>
+        </p:spPr>
+        <p:style>
+          <a:lnRef idx="2">
+            <a:schemeClr val="accent1">
+              <a:shade val="50000"/>
+            </a:schemeClr>
+          </a:lnRef>
+          <a:fillRef idx="1">
+            <a:schemeClr val="accent1"/>
+          </a:fillRef>
+          <a:effectRef idx="0">
+            <a:schemeClr val="accent1"/>
+          </a:effectRef>
+          <a:fontRef idx="minor">
+            <a:schemeClr val="lt1"/>
+          </a:fontRef>
+        </p:style>
+        <p:txBody>
+          <a:bodyPr rtlCol="0" anchor="ctr"/>
+          <a:lstStyle/>
+          <a:p>
+            <a:pPr algn="ctr"/>
+            <a:endParaRPr lang="pt-BR"/>
+          </a:p>
+        </p:txBody>
+      </p:sp>
+      <p:sp>
+        <p:nvSpPr>
+          <p:cNvPr id="21" name="Retângulo 20">
+            <a:extLst>
+              <a:ext uri="{FF2B5EF4-FFF2-40B4-BE49-F238E27FC236}">
+                <a16:creationId xmlns:a16="http://schemas.microsoft.com/office/drawing/2014/main" id="{95EDB8CB-8377-4925-B478-560C3F615037}"/>
+              </a:ext>
+            </a:extLst>
+          </p:cNvPr>
+          <p:cNvSpPr/>
+          <p:nvPr/>
+        </p:nvSpPr>
+        <p:spPr>
+          <a:xfrm>
+            <a:off x="581891" y="6704292"/>
+            <a:ext cx="13267927" cy="3038400"/>
+          </a:xfrm>
+          <a:prstGeom prst="rect">
+            <a:avLst/>
+          </a:prstGeom>
+          <a:solidFill>
+            <a:schemeClr val="tx1">
+              <a:alpha val="81000"/>
+            </a:schemeClr>
+          </a:solidFill>
+        </p:spPr>
+        <p:style>
+          <a:lnRef idx="2">
+            <a:schemeClr val="accent1">
+              <a:shade val="50000"/>
+            </a:schemeClr>
+          </a:lnRef>
+          <a:fillRef idx="1">
+            <a:schemeClr val="accent1"/>
+          </a:fillRef>
+          <a:effectRef idx="0">
+            <a:schemeClr val="accent1"/>
+          </a:effectRef>
+          <a:fontRef idx="minor">
+            <a:schemeClr val="lt1"/>
+          </a:fontRef>
+        </p:style>
+        <p:txBody>
+          <a:bodyPr rtlCol="0" anchor="ctr"/>
+          <a:lstStyle/>
+          <a:p>
+            <a:pPr algn="ctr"/>
+            <a:endParaRPr lang="pt-BR"/>
+          </a:p>
+        </p:txBody>
+      </p:sp>
+      <p:sp>
+        <p:nvSpPr>
+          <p:cNvPr id="23" name="Retângulo 22">
+            <a:extLst>
+              <a:ext uri="{FF2B5EF4-FFF2-40B4-BE49-F238E27FC236}">
+                <a16:creationId xmlns:a16="http://schemas.microsoft.com/office/drawing/2014/main" id="{ED87CD67-A438-4F74-986A-3704AF997953}"/>
+              </a:ext>
+            </a:extLst>
+          </p:cNvPr>
+          <p:cNvSpPr/>
+          <p:nvPr/>
+        </p:nvSpPr>
+        <p:spPr>
+          <a:xfrm>
+            <a:off x="5308448" y="2906454"/>
+            <a:ext cx="3789504" cy="684807"/>
+          </a:xfrm>
+          <a:prstGeom prst="rect">
+            <a:avLst/>
+          </a:prstGeom>
+          <a:noFill/>
+        </p:spPr>
+        <p:txBody>
+          <a:bodyPr wrap="square" lIns="68584" tIns="34292" rIns="68584" bIns="34292">
+            <a:spAutoFit/>
+          </a:bodyPr>
+          <a:lstStyle/>
+          <a:p>
+            <a:pPr algn="ctr"/>
+            <a:r>
+              <a:rPr lang="pt-BR" sz="4000" dirty="0">
+                <a:ln w="0">
+                  <a:noFill/>
+                </a:ln>
+                <a:solidFill>
+                  <a:srgbClr val="0070C0"/>
+                </a:solidFill>
+                <a:effectLst>
+                  <a:outerShdw blurRad="38100" dist="19050" dir="2700000" algn="tl" rotWithShape="0">
+                    <a:schemeClr val="dk1">
+                      <a:alpha val="40000"/>
+                    </a:schemeClr>
+                  </a:outerShdw>
+                </a:effectLst>
+                <a:latin typeface="Exo 2 Extra Bold" panose="00000900000000000000" pitchFamily="50" charset="0"/>
+              </a:rPr>
+              <a:t>Final</a:t>
+            </a:r>
+          </a:p>
+        </p:txBody>
+      </p:sp>
+      <p:sp>
+        <p:nvSpPr>
+          <p:cNvPr id="24" name="Retângulo 23">
+            <a:extLst>
+              <a:ext uri="{FF2B5EF4-FFF2-40B4-BE49-F238E27FC236}">
+                <a16:creationId xmlns:a16="http://schemas.microsoft.com/office/drawing/2014/main" id="{522A4ACC-EC27-4A14-BA66-B0EB03535C7B}"/>
+              </a:ext>
+            </a:extLst>
+          </p:cNvPr>
+          <p:cNvSpPr/>
+          <p:nvPr/>
+        </p:nvSpPr>
+        <p:spPr>
+          <a:xfrm>
+            <a:off x="5321993" y="6726594"/>
+            <a:ext cx="3789503" cy="684807"/>
+          </a:xfrm>
+          <a:prstGeom prst="rect">
+            <a:avLst/>
+          </a:prstGeom>
+          <a:noFill/>
+        </p:spPr>
+        <p:txBody>
+          <a:bodyPr wrap="square" lIns="68584" tIns="34292" rIns="68584" bIns="34292">
+            <a:spAutoFit/>
+          </a:bodyPr>
+          <a:lstStyle/>
+          <a:p>
+            <a:pPr algn="ctr"/>
+            <a:r>
+              <a:rPr lang="pt-BR" sz="4000" dirty="0">
+                <a:ln w="0">
+                  <a:noFill/>
+                </a:ln>
+                <a:solidFill>
+                  <a:srgbClr val="0070C0"/>
+                </a:solidFill>
+                <a:effectLst>
+                  <a:outerShdw blurRad="38100" dist="19050" dir="2700000" algn="tl" rotWithShape="0">
+                    <a:schemeClr val="dk1">
+                      <a:alpha val="40000"/>
+                    </a:schemeClr>
+                  </a:outerShdw>
+                </a:effectLst>
+                <a:latin typeface="Exo 2 Extra Bold" panose="00000900000000000000" pitchFamily="50" charset="0"/>
+              </a:rPr>
+              <a:t>3º Lugar</a:t>
+            </a:r>
+          </a:p>
+        </p:txBody>
+      </p:sp>
+      <p:pic>
+        <p:nvPicPr>
+          <p:cNvPr id="2" name="Imagem 1">
+            <a:extLst>
+              <a:ext uri="{FF2B5EF4-FFF2-40B4-BE49-F238E27FC236}">
+                <a16:creationId xmlns:a16="http://schemas.microsoft.com/office/drawing/2014/main" id="{F7E77FFA-E3B9-4BA3-9340-F08F7F50B63F}"/>
+              </a:ext>
+            </a:extLst>
+          </p:cNvPr>
+          <p:cNvPicPr>
+            <a:picLocks noChangeAspect="1"/>
+          </p:cNvPicPr>
+          <p:nvPr/>
+        </p:nvPicPr>
+        <p:blipFill>
+          <a:blip r:embed="rId5"/>
+          <a:stretch>
+            <a:fillRect/>
+          </a:stretch>
+        </p:blipFill>
+        <p:spPr>
+          <a:xfrm>
+            <a:off x="911744" y="4039885"/>
+            <a:ext cx="12600000" cy="1054245"/>
+          </a:xfrm>
+          <a:prstGeom prst="rect">
+            <a:avLst/>
+          </a:prstGeom>
+        </p:spPr>
+      </p:pic>
+      <p:pic>
+        <p:nvPicPr>
+          <p:cNvPr id="3" name="Imagem 2">
+            <a:extLst>
+              <a:ext uri="{FF2B5EF4-FFF2-40B4-BE49-F238E27FC236}">
+                <a16:creationId xmlns:a16="http://schemas.microsoft.com/office/drawing/2014/main" id="{A92ADFA9-CAC0-48FF-B052-748A47B49FE8}"/>
+              </a:ext>
+            </a:extLst>
+          </p:cNvPr>
+          <p:cNvPicPr>
+            <a:picLocks noChangeAspect="1"/>
+          </p:cNvPicPr>
+          <p:nvPr/>
+        </p:nvPicPr>
+        <p:blipFill>
+          <a:blip r:embed="rId6"/>
+          <a:stretch>
+            <a:fillRect/>
+          </a:stretch>
+        </p:blipFill>
+        <p:spPr>
+          <a:xfrm>
+            <a:off x="913581" y="7945200"/>
+            <a:ext cx="12600000" cy="1054245"/>
+          </a:xfrm>
+          <a:prstGeom prst="rect">
+            <a:avLst/>
+          </a:prstGeom>
+        </p:spPr>
+      </p:pic>
+    </p:spTree>
+    <p:extLst>
+      <p:ext uri="{BB962C8B-B14F-4D97-AF65-F5344CB8AC3E}">
+        <p14:creationId xmlns:p14="http://schemas.microsoft.com/office/powerpoint/2010/main" val="591961572"/>
       </p:ext>
     </p:extLst>
   </p:cSld>
@@ -16381,10 +17194,10 @@
       </p:sp>
       <p:pic>
         <p:nvPicPr>
-          <p:cNvPr id="3" name="Imagem 2">
-            <a:extLst>
-              <a:ext uri="{FF2B5EF4-FFF2-40B4-BE49-F238E27FC236}">
-                <a16:creationId xmlns:a16="http://schemas.microsoft.com/office/drawing/2014/main" id="{B81576BF-7B2A-4477-A9F5-E6003B8F3754}"/>
+          <p:cNvPr id="4" name="Imagem 3">
+            <a:extLst>
+              <a:ext uri="{FF2B5EF4-FFF2-40B4-BE49-F238E27FC236}">
+                <a16:creationId xmlns:a16="http://schemas.microsoft.com/office/drawing/2014/main" id="{5CC3AA65-7944-4D86-8A33-AF2E6D647BB9}"/>
               </a:ext>
             </a:extLst>
           </p:cNvPr>
@@ -16401,7 +17214,7 @@
         </p:blipFill>
         <p:spPr>
           <a:xfrm>
-            <a:off x="3267077" y="2971214"/>
+            <a:off x="3253081" y="2966664"/>
             <a:ext cx="7920000" cy="3279322"/>
           </a:xfrm>
           <a:prstGeom prst="rect">
@@ -16411,10 +17224,10 @@
       </p:pic>
       <p:pic>
         <p:nvPicPr>
-          <p:cNvPr id="8" name="Imagem 7">
-            <a:extLst>
-              <a:ext uri="{FF2B5EF4-FFF2-40B4-BE49-F238E27FC236}">
-                <a16:creationId xmlns:a16="http://schemas.microsoft.com/office/drawing/2014/main" id="{01C21879-9D7F-4150-9A59-EB53D98AC31A}"/>
+          <p:cNvPr id="7" name="Imagem 6">
+            <a:extLst>
+              <a:ext uri="{FF2B5EF4-FFF2-40B4-BE49-F238E27FC236}">
+                <a16:creationId xmlns:a16="http://schemas.microsoft.com/office/drawing/2014/main" id="{D002BA06-0D5E-43B4-8A3D-DCF49A38BE55}"/>
               </a:ext>
             </a:extLst>
           </p:cNvPr>
@@ -16431,8 +17244,8 @@
         </p:blipFill>
         <p:spPr>
           <a:xfrm>
-            <a:off x="3253069" y="7190785"/>
-            <a:ext cx="7920000" cy="3284186"/>
+            <a:off x="3248137" y="7173416"/>
+            <a:ext cx="7920000" cy="3279323"/>
           </a:xfrm>
           <a:prstGeom prst="rect">
             <a:avLst/>
@@ -17121,10 +17934,10 @@
       </p:sp>
       <p:pic>
         <p:nvPicPr>
-          <p:cNvPr id="3" name="Imagem 2">
-            <a:extLst>
-              <a:ext uri="{FF2B5EF4-FFF2-40B4-BE49-F238E27FC236}">
-                <a16:creationId xmlns:a16="http://schemas.microsoft.com/office/drawing/2014/main" id="{92769F6A-6AFD-48D9-8EA3-E575C64D0842}"/>
+          <p:cNvPr id="4" name="Imagem 3">
+            <a:extLst>
+              <a:ext uri="{FF2B5EF4-FFF2-40B4-BE49-F238E27FC236}">
+                <a16:creationId xmlns:a16="http://schemas.microsoft.com/office/drawing/2014/main" id="{CC416E3B-33C8-4CBC-9A94-91F276900CFF}"/>
               </a:ext>
             </a:extLst>
           </p:cNvPr>
@@ -17141,8 +17954,8 @@
         </p:blipFill>
         <p:spPr>
           <a:xfrm>
-            <a:off x="3253462" y="2971216"/>
-            <a:ext cx="7920000" cy="3279322"/>
+            <a:off x="3260412" y="2971215"/>
+            <a:ext cx="7920000" cy="3279323"/>
           </a:xfrm>
           <a:prstGeom prst="rect">
             <a:avLst/>
@@ -17151,10 +17964,10 @@
       </p:pic>
       <p:pic>
         <p:nvPicPr>
-          <p:cNvPr id="8" name="Imagem 7">
-            <a:extLst>
-              <a:ext uri="{FF2B5EF4-FFF2-40B4-BE49-F238E27FC236}">
-                <a16:creationId xmlns:a16="http://schemas.microsoft.com/office/drawing/2014/main" id="{0803FAD6-C5E6-467A-846C-40D9BE9A2EC3}"/>
+          <p:cNvPr id="7" name="Imagem 6">
+            <a:extLst>
+              <a:ext uri="{FF2B5EF4-FFF2-40B4-BE49-F238E27FC236}">
+                <a16:creationId xmlns:a16="http://schemas.microsoft.com/office/drawing/2014/main" id="{6D767F3B-916E-4194-A34D-A41B4B56CE87}"/>
               </a:ext>
             </a:extLst>
           </p:cNvPr>
@@ -17171,8 +17984,8 @@
         </p:blipFill>
         <p:spPr>
           <a:xfrm>
-            <a:off x="3253026" y="7193703"/>
-            <a:ext cx="7920000" cy="3284186"/>
+            <a:off x="3260015" y="7196134"/>
+            <a:ext cx="7920000" cy="3279323"/>
           </a:xfrm>
           <a:prstGeom prst="rect">
             <a:avLst/>

--- a/MataMataPlanilha.pptx
+++ b/MataMataPlanilha.pptx
@@ -305,7 +305,7 @@
             <a:fld id="{11A6662E-FAF4-44BC-88B5-85A7CBFB6D30}" type="datetime1">
               <a:rPr lang="en-US" smtClean="0"/>
               <a:pPr/>
-              <a:t>10/11/2021</a:t>
+              <a:t>10/15/2021</a:t>
             </a:fld>
             <a:endParaRPr lang="en-US" dirty="0"/>
           </a:p>
@@ -532,7 +532,7 @@
           <a:p>
             <a:fld id="{4C559632-1575-4E14-B53B-3DC3D5ED3947}" type="datetime1">
               <a:rPr lang="en-US" smtClean="0"/>
-              <a:t>10/11/2021</a:t>
+              <a:t>10/15/2021</a:t>
             </a:fld>
             <a:endParaRPr lang="en-US"/>
           </a:p>
@@ -740,7 +740,7 @@
           <a:p>
             <a:fld id="{CC4A6868-2568-4CC9-B302-F37117B01A6E}" type="datetime1">
               <a:rPr lang="en-US" smtClean="0"/>
-              <a:t>10/11/2021</a:t>
+              <a:t>10/15/2021</a:t>
             </a:fld>
             <a:endParaRPr lang="en-US"/>
           </a:p>
@@ -945,7 +945,7 @@
           <a:p>
             <a:fld id="{0055F08A-1E71-4B2B-BB49-E743F2903911}" type="datetime1">
               <a:rPr lang="en-US" smtClean="0"/>
-              <a:t>10/11/2021</a:t>
+              <a:t>10/15/2021</a:t>
             </a:fld>
             <a:endParaRPr lang="en-US" dirty="0"/>
           </a:p>
@@ -1219,7 +1219,7 @@
           <a:p>
             <a:fld id="{15417D9E-721A-44BB-8863-9873FE64DA75}" type="datetime1">
               <a:rPr lang="en-US" smtClean="0"/>
-              <a:t>10/11/2021</a:t>
+              <a:t>10/15/2021</a:t>
             </a:fld>
             <a:endParaRPr lang="en-US"/>
           </a:p>
@@ -1492,7 +1492,7 @@
           <a:p>
             <a:fld id="{5F31DA2F-80B8-49CF-99FB-5ABCA53A607A}" type="datetime1">
               <a:rPr lang="en-US" smtClean="0"/>
-              <a:t>10/11/2021</a:t>
+              <a:t>10/15/2021</a:t>
             </a:fld>
             <a:endParaRPr lang="en-US"/>
           </a:p>
@@ -1907,7 +1907,7 @@
           <a:p>
             <a:fld id="{28852172-E6C9-4B6C-929A-A9DE3837BBF1}" type="datetime1">
               <a:rPr lang="en-US" smtClean="0"/>
-              <a:t>10/11/2021</a:t>
+              <a:t>10/15/2021</a:t>
             </a:fld>
             <a:endParaRPr lang="en-US"/>
           </a:p>
@@ -2059,7 +2059,7 @@
           <a:p>
             <a:fld id="{3AB41CFF-90C9-47B3-9DA1-F2BF8D839F7E}" type="datetime1">
               <a:rPr lang="en-US" smtClean="0"/>
-              <a:t>10/11/2021</a:t>
+              <a:t>10/15/2021</a:t>
             </a:fld>
             <a:endParaRPr lang="en-US"/>
           </a:p>
@@ -2172,7 +2172,7 @@
           <a:p>
             <a:fld id="{F06048FA-06AB-4884-A69B-986B96E68A24}" type="datetime1">
               <a:rPr lang="en-US" smtClean="0"/>
-              <a:t>10/11/2021</a:t>
+              <a:t>10/15/2021</a:t>
             </a:fld>
             <a:endParaRPr lang="en-US"/>
           </a:p>
@@ -2483,7 +2483,7 @@
           <a:p>
             <a:fld id="{50DB7ABA-0172-4F9C-889D-567164F66BCD}" type="datetime1">
               <a:rPr lang="en-US" smtClean="0"/>
-              <a:t>10/11/2021</a:t>
+              <a:t>10/15/2021</a:t>
             </a:fld>
             <a:endParaRPr lang="en-US"/>
           </a:p>
@@ -2774,7 +2774,7 @@
           <a:p>
             <a:fld id="{78AC6A5B-8AE7-4A41-B5A7-9ADC6686DC18}" type="datetime1">
               <a:rPr lang="en-US" smtClean="0"/>
-              <a:t>10/11/2021</a:t>
+              <a:t>10/15/2021</a:t>
             </a:fld>
             <a:endParaRPr lang="en-US"/>
           </a:p>
@@ -3083,7 +3083,7 @@
             <a:fld id="{57E0CF6C-748E-4B7A-BC8B-3011EF78ED13}" type="datetime1">
               <a:rPr lang="en-US" smtClean="0"/>
               <a:pPr/>
-              <a:t>10/11/2021</a:t>
+              <a:t>10/15/2021</a:t>
             </a:fld>
             <a:endParaRPr lang="en-US" dirty="0"/>
           </a:p>
@@ -5928,10 +5928,10 @@
       </p:sp>
       <p:pic>
         <p:nvPicPr>
-          <p:cNvPr id="6" name="Imagem 5">
-            <a:extLst>
-              <a:ext uri="{FF2B5EF4-FFF2-40B4-BE49-F238E27FC236}">
-                <a16:creationId xmlns:a16="http://schemas.microsoft.com/office/drawing/2014/main" id="{AB6F86A5-D358-47F1-BD6D-AE7FD8B19AA5}"/>
+          <p:cNvPr id="3" name="Imagem 2">
+            <a:extLst>
+              <a:ext uri="{FF2B5EF4-FFF2-40B4-BE49-F238E27FC236}">
+                <a16:creationId xmlns:a16="http://schemas.microsoft.com/office/drawing/2014/main" id="{4445779E-25A7-47CF-812B-CF385BBA6313}"/>
               </a:ext>
             </a:extLst>
           </p:cNvPr>
@@ -5948,7 +5948,7 @@
         </p:blipFill>
         <p:spPr>
           <a:xfrm>
-            <a:off x="2366208" y="2893485"/>
+            <a:off x="2354633" y="2895349"/>
             <a:ext cx="9720000" cy="1884742"/>
           </a:xfrm>
           <a:prstGeom prst="rect">
@@ -5958,10 +5958,10 @@
       </p:pic>
       <p:pic>
         <p:nvPicPr>
-          <p:cNvPr id="9" name="Imagem 8">
-            <a:extLst>
-              <a:ext uri="{FF2B5EF4-FFF2-40B4-BE49-F238E27FC236}">
-                <a16:creationId xmlns:a16="http://schemas.microsoft.com/office/drawing/2014/main" id="{09A4CB3A-93AA-4385-93B3-12EA4FC1BF31}"/>
+          <p:cNvPr id="7" name="Imagem 6">
+            <a:extLst>
+              <a:ext uri="{FF2B5EF4-FFF2-40B4-BE49-F238E27FC236}">
+                <a16:creationId xmlns:a16="http://schemas.microsoft.com/office/drawing/2014/main" id="{7F3402C1-373C-4E8C-BAB0-C5D927B2C6CF}"/>
               </a:ext>
             </a:extLst>
           </p:cNvPr>
@@ -5978,7 +5978,37 @@
         </p:blipFill>
         <p:spPr>
           <a:xfrm>
-            <a:off x="2362940" y="5685525"/>
+            <a:off x="2348965" y="5707296"/>
+            <a:ext cx="9720000" cy="1884742"/>
+          </a:xfrm>
+          <a:prstGeom prst="rect">
+            <a:avLst/>
+          </a:prstGeom>
+        </p:spPr>
+      </p:pic>
+      <p:pic>
+        <p:nvPicPr>
+          <p:cNvPr id="11" name="Imagem 10">
+            <a:extLst>
+              <a:ext uri="{FF2B5EF4-FFF2-40B4-BE49-F238E27FC236}">
+                <a16:creationId xmlns:a16="http://schemas.microsoft.com/office/drawing/2014/main" id="{A455ADFF-7D2B-438A-9B57-133B4B4F2462}"/>
+              </a:ext>
+            </a:extLst>
+          </p:cNvPr>
+          <p:cNvPicPr>
+            <a:picLocks noChangeAspect="1"/>
+          </p:cNvPicPr>
+          <p:nvPr/>
+        </p:nvPicPr>
+        <p:blipFill>
+          <a:blip r:embed="rId7"/>
+          <a:stretch>
+            <a:fillRect/>
+          </a:stretch>
+        </p:blipFill>
+        <p:spPr>
+          <a:xfrm>
+            <a:off x="2356744" y="8622160"/>
             <a:ext cx="9720000" cy="1884742"/>
           </a:xfrm>
           <a:prstGeom prst="rect">
@@ -6770,10 +6800,10 @@
       </p:sp>
       <p:pic>
         <p:nvPicPr>
-          <p:cNvPr id="3" name="Imagem 2">
-            <a:extLst>
-              <a:ext uri="{FF2B5EF4-FFF2-40B4-BE49-F238E27FC236}">
-                <a16:creationId xmlns:a16="http://schemas.microsoft.com/office/drawing/2014/main" id="{43146417-9A96-4C70-B583-635DA467899B}"/>
+          <p:cNvPr id="4" name="Imagem 3">
+            <a:extLst>
+              <a:ext uri="{FF2B5EF4-FFF2-40B4-BE49-F238E27FC236}">
+                <a16:creationId xmlns:a16="http://schemas.microsoft.com/office/drawing/2014/main" id="{589F51C7-FB7F-4600-88D4-1B5BEB579377}"/>
               </a:ext>
             </a:extLst>
           </p:cNvPr>
@@ -6790,7 +6820,7 @@
         </p:blipFill>
         <p:spPr>
           <a:xfrm>
-            <a:off x="2366955" y="2888884"/>
+            <a:off x="2354633" y="2895514"/>
             <a:ext cx="9720000" cy="1884742"/>
           </a:xfrm>
           <a:prstGeom prst="rect">
@@ -6800,10 +6830,10 @@
       </p:pic>
       <p:pic>
         <p:nvPicPr>
-          <p:cNvPr id="7" name="Imagem 6">
-            <a:extLst>
-              <a:ext uri="{FF2B5EF4-FFF2-40B4-BE49-F238E27FC236}">
-                <a16:creationId xmlns:a16="http://schemas.microsoft.com/office/drawing/2014/main" id="{55CFD9E5-D7E9-43BE-9F6B-79A0805596B5}"/>
+          <p:cNvPr id="8" name="Imagem 7">
+            <a:extLst>
+              <a:ext uri="{FF2B5EF4-FFF2-40B4-BE49-F238E27FC236}">
+                <a16:creationId xmlns:a16="http://schemas.microsoft.com/office/drawing/2014/main" id="{13C967A5-8540-4D1D-B6E7-3386E7545378}"/>
               </a:ext>
             </a:extLst>
           </p:cNvPr>
@@ -6820,7 +6850,37 @@
         </p:blipFill>
         <p:spPr>
           <a:xfrm>
-            <a:off x="2355973" y="5682501"/>
+            <a:off x="2354627" y="5682498"/>
+            <a:ext cx="9720000" cy="1884742"/>
+          </a:xfrm>
+          <a:prstGeom prst="rect">
+            <a:avLst/>
+          </a:prstGeom>
+        </p:spPr>
+      </p:pic>
+      <p:pic>
+        <p:nvPicPr>
+          <p:cNvPr id="11" name="Imagem 10">
+            <a:extLst>
+              <a:ext uri="{FF2B5EF4-FFF2-40B4-BE49-F238E27FC236}">
+                <a16:creationId xmlns:a16="http://schemas.microsoft.com/office/drawing/2014/main" id="{BF6342D8-ABCC-4706-9DD5-AD9E3E3E7015}"/>
+              </a:ext>
+            </a:extLst>
+          </p:cNvPr>
+          <p:cNvPicPr>
+            <a:picLocks noChangeAspect="1"/>
+          </p:cNvPicPr>
+          <p:nvPr/>
+        </p:nvPicPr>
+        <p:blipFill>
+          <a:blip r:embed="rId7"/>
+          <a:stretch>
+            <a:fillRect/>
+          </a:stretch>
+        </p:blipFill>
+        <p:spPr>
+          <a:xfrm>
+            <a:off x="2337673" y="8620742"/>
             <a:ext cx="9720000" cy="1884742"/>
           </a:xfrm>
           <a:prstGeom prst="rect">
@@ -10190,10 +10250,10 @@
       </p:pic>
       <p:pic>
         <p:nvPicPr>
-          <p:cNvPr id="9" name="Imagem 8">
-            <a:extLst>
-              <a:ext uri="{FF2B5EF4-FFF2-40B4-BE49-F238E27FC236}">
-                <a16:creationId xmlns:a16="http://schemas.microsoft.com/office/drawing/2014/main" id="{BB12FB1E-6156-455E-833A-D70421EA08AD}"/>
+          <p:cNvPr id="3" name="Imagem 2">
+            <a:extLst>
+              <a:ext uri="{FF2B5EF4-FFF2-40B4-BE49-F238E27FC236}">
+                <a16:creationId xmlns:a16="http://schemas.microsoft.com/office/drawing/2014/main" id="{FDEBC3B0-8A5E-4E53-A255-8F25A98CD3E2}"/>
               </a:ext>
             </a:extLst>
           </p:cNvPr>
@@ -10210,7 +10270,7 @@
         </p:blipFill>
         <p:spPr>
           <a:xfrm>
-            <a:off x="544630" y="6078820"/>
+            <a:off x="528001" y="6072846"/>
             <a:ext cx="13366334" cy="504000"/>
           </a:xfrm>
           <a:prstGeom prst="rect">
@@ -10220,10 +10280,10 @@
       </p:pic>
       <p:pic>
         <p:nvPicPr>
-          <p:cNvPr id="15" name="Imagem 14">
-            <a:extLst>
-              <a:ext uri="{FF2B5EF4-FFF2-40B4-BE49-F238E27FC236}">
-                <a16:creationId xmlns:a16="http://schemas.microsoft.com/office/drawing/2014/main" id="{5A434843-1DB3-4E0E-91B9-EE0D2DDB3596}"/>
+          <p:cNvPr id="6" name="Imagem 5">
+            <a:extLst>
+              <a:ext uri="{FF2B5EF4-FFF2-40B4-BE49-F238E27FC236}">
+                <a16:creationId xmlns:a16="http://schemas.microsoft.com/office/drawing/2014/main" id="{2E19BFD4-FAF6-4CB6-86DD-6078EB8BF34C}"/>
               </a:ext>
             </a:extLst>
           </p:cNvPr>
@@ -10240,7 +10300,7 @@
         </p:blipFill>
         <p:spPr>
           <a:xfrm>
-            <a:off x="531653" y="8533218"/>
+            <a:off x="532725" y="8553852"/>
             <a:ext cx="13366334" cy="504000"/>
           </a:xfrm>
           <a:prstGeom prst="rect">

--- a/MataMataPlanilha.pptx
+++ b/MataMataPlanilha.pptx
@@ -19,12 +19,13 @@
     <p:sldId id="281" r:id="rId13"/>
     <p:sldId id="277" r:id="rId14"/>
     <p:sldId id="282" r:id="rId15"/>
-    <p:sldId id="283" r:id="rId16"/>
-    <p:sldId id="284" r:id="rId17"/>
-    <p:sldId id="268" r:id="rId18"/>
-    <p:sldId id="279" r:id="rId19"/>
-    <p:sldId id="280" r:id="rId20"/>
-    <p:sldId id="269" r:id="rId21"/>
+    <p:sldId id="288" r:id="rId16"/>
+    <p:sldId id="283" r:id="rId17"/>
+    <p:sldId id="284" r:id="rId18"/>
+    <p:sldId id="268" r:id="rId19"/>
+    <p:sldId id="279" r:id="rId20"/>
+    <p:sldId id="280" r:id="rId21"/>
+    <p:sldId id="269" r:id="rId22"/>
   </p:sldIdLst>
   <p:sldSz cx="14400213" cy="10799763"/>
   <p:notesSz cx="6858000" cy="9144000"/>
@@ -305,7 +306,7 @@
             <a:fld id="{11A6662E-FAF4-44BC-88B5-85A7CBFB6D30}" type="datetime1">
               <a:rPr lang="en-US" smtClean="0"/>
               <a:pPr/>
-              <a:t>10/15/2021</a:t>
+              <a:t>10/19/2021</a:t>
             </a:fld>
             <a:endParaRPr lang="en-US" dirty="0"/>
           </a:p>
@@ -532,7 +533,7 @@
           <a:p>
             <a:fld id="{4C559632-1575-4E14-B53B-3DC3D5ED3947}" type="datetime1">
               <a:rPr lang="en-US" smtClean="0"/>
-              <a:t>10/15/2021</a:t>
+              <a:t>10/19/2021</a:t>
             </a:fld>
             <a:endParaRPr lang="en-US"/>
           </a:p>
@@ -740,7 +741,7 @@
           <a:p>
             <a:fld id="{CC4A6868-2568-4CC9-B302-F37117B01A6E}" type="datetime1">
               <a:rPr lang="en-US" smtClean="0"/>
-              <a:t>10/15/2021</a:t>
+              <a:t>10/19/2021</a:t>
             </a:fld>
             <a:endParaRPr lang="en-US"/>
           </a:p>
@@ -945,7 +946,7 @@
           <a:p>
             <a:fld id="{0055F08A-1E71-4B2B-BB49-E743F2903911}" type="datetime1">
               <a:rPr lang="en-US" smtClean="0"/>
-              <a:t>10/15/2021</a:t>
+              <a:t>10/19/2021</a:t>
             </a:fld>
             <a:endParaRPr lang="en-US" dirty="0"/>
           </a:p>
@@ -1219,7 +1220,7 @@
           <a:p>
             <a:fld id="{15417D9E-721A-44BB-8863-9873FE64DA75}" type="datetime1">
               <a:rPr lang="en-US" smtClean="0"/>
-              <a:t>10/15/2021</a:t>
+              <a:t>10/19/2021</a:t>
             </a:fld>
             <a:endParaRPr lang="en-US"/>
           </a:p>
@@ -1492,7 +1493,7 @@
           <a:p>
             <a:fld id="{5F31DA2F-80B8-49CF-99FB-5ABCA53A607A}" type="datetime1">
               <a:rPr lang="en-US" smtClean="0"/>
-              <a:t>10/15/2021</a:t>
+              <a:t>10/19/2021</a:t>
             </a:fld>
             <a:endParaRPr lang="en-US"/>
           </a:p>
@@ -1907,7 +1908,7 @@
           <a:p>
             <a:fld id="{28852172-E6C9-4B6C-929A-A9DE3837BBF1}" type="datetime1">
               <a:rPr lang="en-US" smtClean="0"/>
-              <a:t>10/15/2021</a:t>
+              <a:t>10/19/2021</a:t>
             </a:fld>
             <a:endParaRPr lang="en-US"/>
           </a:p>
@@ -2059,7 +2060,7 @@
           <a:p>
             <a:fld id="{3AB41CFF-90C9-47B3-9DA1-F2BF8D839F7E}" type="datetime1">
               <a:rPr lang="en-US" smtClean="0"/>
-              <a:t>10/15/2021</a:t>
+              <a:t>10/19/2021</a:t>
             </a:fld>
             <a:endParaRPr lang="en-US"/>
           </a:p>
@@ -2172,7 +2173,7 @@
           <a:p>
             <a:fld id="{F06048FA-06AB-4884-A69B-986B96E68A24}" type="datetime1">
               <a:rPr lang="en-US" smtClean="0"/>
-              <a:t>10/15/2021</a:t>
+              <a:t>10/19/2021</a:t>
             </a:fld>
             <a:endParaRPr lang="en-US"/>
           </a:p>
@@ -2483,7 +2484,7 @@
           <a:p>
             <a:fld id="{50DB7ABA-0172-4F9C-889D-567164F66BCD}" type="datetime1">
               <a:rPr lang="en-US" smtClean="0"/>
-              <a:t>10/15/2021</a:t>
+              <a:t>10/19/2021</a:t>
             </a:fld>
             <a:endParaRPr lang="en-US"/>
           </a:p>
@@ -2774,7 +2775,7 @@
           <a:p>
             <a:fld id="{78AC6A5B-8AE7-4A41-B5A7-9ADC6686DC18}" type="datetime1">
               <a:rPr lang="en-US" smtClean="0"/>
-              <a:t>10/15/2021</a:t>
+              <a:t>10/19/2021</a:t>
             </a:fld>
             <a:endParaRPr lang="en-US"/>
           </a:p>
@@ -3083,7 +3084,7 @@
             <a:fld id="{57E0CF6C-748E-4B7A-BC8B-3011EF78ED13}" type="datetime1">
               <a:rPr lang="en-US" smtClean="0"/>
               <a:pPr/>
-              <a:t>10/15/2021</a:t>
+              <a:t>10/19/2021</a:t>
             </a:fld>
             <a:endParaRPr lang="en-US" dirty="0"/>
           </a:p>
@@ -8929,7 +8930,7 @@
         </p:blipFill>
         <p:spPr>
           <a:xfrm>
-            <a:off x="-1" y="-248909"/>
+            <a:off x="-1" y="-347792"/>
             <a:ext cx="14400213" cy="11147555"/>
           </a:xfrm>
           <a:prstGeom prst="rect">
@@ -9033,7 +9034,7 @@
                 </a:effectLst>
                 <a:latin typeface="Exo 2 Extra Bold" panose="00000900000000000000" pitchFamily="50" charset="0"/>
               </a:rPr>
-              <a:t>MATA-MATA SÉRIE C 3</a:t>
+              <a:t>MATA-MATA SÉRIE B 5</a:t>
             </a:r>
           </a:p>
         </p:txBody>
@@ -9178,61 +9179,10 @@
       </p:sp>
       <p:sp>
         <p:nvSpPr>
-          <p:cNvPr id="18" name="Retângulo 17">
-            <a:extLst>
-              <a:ext uri="{FF2B5EF4-FFF2-40B4-BE49-F238E27FC236}">
-                <a16:creationId xmlns:a16="http://schemas.microsoft.com/office/drawing/2014/main" id="{3128898C-0A57-4F19-8491-B43E8301569E}"/>
-              </a:ext>
-            </a:extLst>
-          </p:cNvPr>
-          <p:cNvSpPr/>
-          <p:nvPr/>
-        </p:nvSpPr>
-        <p:spPr>
-          <a:xfrm>
-            <a:off x="1918853" y="7946853"/>
-            <a:ext cx="10476677" cy="2718888"/>
-          </a:xfrm>
-          <a:prstGeom prst="rect">
-            <a:avLst/>
-          </a:prstGeom>
-          <a:solidFill>
-            <a:schemeClr val="tx1">
-              <a:alpha val="81000"/>
-            </a:schemeClr>
-          </a:solidFill>
-        </p:spPr>
-        <p:style>
-          <a:lnRef idx="2">
-            <a:schemeClr val="accent1">
-              <a:shade val="50000"/>
-            </a:schemeClr>
-          </a:lnRef>
-          <a:fillRef idx="1">
-            <a:schemeClr val="accent1"/>
-          </a:fillRef>
-          <a:effectRef idx="0">
-            <a:schemeClr val="accent1"/>
-          </a:effectRef>
-          <a:fontRef idx="minor">
-            <a:schemeClr val="lt1"/>
-          </a:fontRef>
-        </p:style>
-        <p:txBody>
-          <a:bodyPr rtlCol="0" anchor="ctr"/>
-          <a:lstStyle/>
-          <a:p>
-            <a:pPr algn="ctr"/>
-            <a:endParaRPr lang="pt-BR"/>
-          </a:p>
-        </p:txBody>
-      </p:sp>
-      <p:sp>
-        <p:nvSpPr>
-          <p:cNvPr id="25" name="Retângulo 24">
-            <a:extLst>
-              <a:ext uri="{FF2B5EF4-FFF2-40B4-BE49-F238E27FC236}">
-                <a16:creationId xmlns:a16="http://schemas.microsoft.com/office/drawing/2014/main" id="{A09E16B2-7C74-4C13-9219-0E6412B9F44B}"/>
+          <p:cNvPr id="23" name="Retângulo 22">
+            <a:extLst>
+              <a:ext uri="{FF2B5EF4-FFF2-40B4-BE49-F238E27FC236}">
+                <a16:creationId xmlns:a16="http://schemas.microsoft.com/office/drawing/2014/main" id="{ED87CD67-A438-4F74-986A-3704AF997953}"/>
               </a:ext>
             </a:extLst>
           </p:cNvPr>
@@ -9280,10 +9230,10 @@
       </p:sp>
       <p:sp>
         <p:nvSpPr>
-          <p:cNvPr id="26" name="Retângulo 25">
-            <a:extLst>
-              <a:ext uri="{FF2B5EF4-FFF2-40B4-BE49-F238E27FC236}">
-                <a16:creationId xmlns:a16="http://schemas.microsoft.com/office/drawing/2014/main" id="{836C358E-4A49-45F6-A3E5-A798F09F5911}"/>
+          <p:cNvPr id="24" name="Retângulo 23">
+            <a:extLst>
+              <a:ext uri="{FF2B5EF4-FFF2-40B4-BE49-F238E27FC236}">
+                <a16:creationId xmlns:a16="http://schemas.microsoft.com/office/drawing/2014/main" id="{522A4ACC-EC27-4A14-BA66-B0EB03535C7B}"/>
               </a:ext>
             </a:extLst>
           </p:cNvPr>
@@ -9331,10 +9281,61 @@
       </p:sp>
       <p:sp>
         <p:nvSpPr>
-          <p:cNvPr id="27" name="Retângulo 26">
-            <a:extLst>
-              <a:ext uri="{FF2B5EF4-FFF2-40B4-BE49-F238E27FC236}">
-                <a16:creationId xmlns:a16="http://schemas.microsoft.com/office/drawing/2014/main" id="{4AC9D068-7C16-464F-89BF-6D23B2411B38}"/>
+          <p:cNvPr id="18" name="Retângulo 17">
+            <a:extLst>
+              <a:ext uri="{FF2B5EF4-FFF2-40B4-BE49-F238E27FC236}">
+                <a16:creationId xmlns:a16="http://schemas.microsoft.com/office/drawing/2014/main" id="{3128898C-0A57-4F19-8491-B43E8301569E}"/>
+              </a:ext>
+            </a:extLst>
+          </p:cNvPr>
+          <p:cNvSpPr/>
+          <p:nvPr/>
+        </p:nvSpPr>
+        <p:spPr>
+          <a:xfrm>
+            <a:off x="1918853" y="7946853"/>
+            <a:ext cx="10476677" cy="2718888"/>
+          </a:xfrm>
+          <a:prstGeom prst="rect">
+            <a:avLst/>
+          </a:prstGeom>
+          <a:solidFill>
+            <a:schemeClr val="tx1">
+              <a:alpha val="81000"/>
+            </a:schemeClr>
+          </a:solidFill>
+        </p:spPr>
+        <p:style>
+          <a:lnRef idx="2">
+            <a:schemeClr val="accent1">
+              <a:shade val="50000"/>
+            </a:schemeClr>
+          </a:lnRef>
+          <a:fillRef idx="1">
+            <a:schemeClr val="accent1"/>
+          </a:fillRef>
+          <a:effectRef idx="0">
+            <a:schemeClr val="accent1"/>
+          </a:effectRef>
+          <a:fontRef idx="minor">
+            <a:schemeClr val="lt1"/>
+          </a:fontRef>
+        </p:style>
+        <p:txBody>
+          <a:bodyPr rtlCol="0" anchor="ctr"/>
+          <a:lstStyle/>
+          <a:p>
+            <a:pPr algn="ctr"/>
+            <a:endParaRPr lang="pt-BR"/>
+          </a:p>
+        </p:txBody>
+      </p:sp>
+      <p:sp>
+        <p:nvSpPr>
+          <p:cNvPr id="19" name="Retângulo 18">
+            <a:extLst>
+              <a:ext uri="{FF2B5EF4-FFF2-40B4-BE49-F238E27FC236}">
+                <a16:creationId xmlns:a16="http://schemas.microsoft.com/office/drawing/2014/main" id="{233846BD-32E7-4324-ADF6-449F12B78362}"/>
               </a:ext>
             </a:extLst>
           </p:cNvPr>
@@ -9382,10 +9383,10 @@
       </p:sp>
       <p:pic>
         <p:nvPicPr>
-          <p:cNvPr id="3" name="Imagem 2">
-            <a:extLst>
-              <a:ext uri="{FF2B5EF4-FFF2-40B4-BE49-F238E27FC236}">
-                <a16:creationId xmlns:a16="http://schemas.microsoft.com/office/drawing/2014/main" id="{4BD1389E-B67A-4C90-B26E-6DBF2E897F6D}"/>
+          <p:cNvPr id="7" name="Imagem 6">
+            <a:extLst>
+              <a:ext uri="{FF2B5EF4-FFF2-40B4-BE49-F238E27FC236}">
+                <a16:creationId xmlns:a16="http://schemas.microsoft.com/office/drawing/2014/main" id="{AA139F46-18E8-469B-9B54-7FD82198F2DB}"/>
               </a:ext>
             </a:extLst>
           </p:cNvPr>
@@ -9402,8 +9403,8 @@
         </p:blipFill>
         <p:spPr>
           <a:xfrm>
-            <a:off x="2359537" y="2876850"/>
-            <a:ext cx="9720000" cy="1881294"/>
+            <a:off x="2352647" y="2871689"/>
+            <a:ext cx="9720000" cy="1884742"/>
           </a:xfrm>
           <a:prstGeom prst="rect">
             <a:avLst/>
@@ -9412,10 +9413,10 @@
       </p:pic>
       <p:pic>
         <p:nvPicPr>
-          <p:cNvPr id="2" name="Imagem 1">
-            <a:extLst>
-              <a:ext uri="{FF2B5EF4-FFF2-40B4-BE49-F238E27FC236}">
-                <a16:creationId xmlns:a16="http://schemas.microsoft.com/office/drawing/2014/main" id="{D62A6A17-3CEF-474F-9CAF-91575AABFA27}"/>
+          <p:cNvPr id="9" name="Imagem 8">
+            <a:extLst>
+              <a:ext uri="{FF2B5EF4-FFF2-40B4-BE49-F238E27FC236}">
+                <a16:creationId xmlns:a16="http://schemas.microsoft.com/office/drawing/2014/main" id="{0B16AF35-358E-4FF5-9BAB-DB14FF109E36}"/>
               </a:ext>
             </a:extLst>
           </p:cNvPr>
@@ -9432,8 +9433,8 @@
         </p:blipFill>
         <p:spPr>
           <a:xfrm>
-            <a:off x="2368067" y="6155636"/>
-            <a:ext cx="9720000" cy="813301"/>
+            <a:off x="2368632" y="6157470"/>
+            <a:ext cx="9720000" cy="814801"/>
           </a:xfrm>
           <a:prstGeom prst="rect">
             <a:avLst/>
@@ -9442,10 +9443,10 @@
       </p:pic>
       <p:pic>
         <p:nvPicPr>
-          <p:cNvPr id="4" name="Imagem 3">
-            <a:extLst>
-              <a:ext uri="{FF2B5EF4-FFF2-40B4-BE49-F238E27FC236}">
-                <a16:creationId xmlns:a16="http://schemas.microsoft.com/office/drawing/2014/main" id="{0CFE539A-045B-4250-BE07-22DB68540418}"/>
+          <p:cNvPr id="17" name="Imagem 16">
+            <a:extLst>
+              <a:ext uri="{FF2B5EF4-FFF2-40B4-BE49-F238E27FC236}">
+                <a16:creationId xmlns:a16="http://schemas.microsoft.com/office/drawing/2014/main" id="{1FE58DAE-41AC-4BDC-87C2-277D95B4CD56}"/>
               </a:ext>
             </a:extLst>
           </p:cNvPr>
@@ -9462,8 +9463,880 @@
         </p:blipFill>
         <p:spPr>
           <a:xfrm>
-            <a:off x="2351953" y="9040952"/>
-            <a:ext cx="9720000" cy="813301"/>
+            <a:off x="2356875" y="9048872"/>
+            <a:ext cx="9720000" cy="814801"/>
+          </a:xfrm>
+          <a:prstGeom prst="rect">
+            <a:avLst/>
+          </a:prstGeom>
+        </p:spPr>
+      </p:pic>
+    </p:spTree>
+    <p:extLst>
+      <p:ext uri="{BB962C8B-B14F-4D97-AF65-F5344CB8AC3E}">
+        <p14:creationId xmlns:p14="http://schemas.microsoft.com/office/powerpoint/2010/main" val="1022757930"/>
+      </p:ext>
+    </p:extLst>
+  </p:cSld>
+  <p:clrMapOvr>
+    <a:masterClrMapping/>
+  </p:clrMapOvr>
+</p:sld>
+</file>
+
+<file path=ppt/slides/slide16.xml><?xml version="1.0" encoding="utf-8"?>
+<p:sld xmlns:a="http://schemas.openxmlformats.org/drawingml/2006/main" xmlns:r="http://schemas.openxmlformats.org/officeDocument/2006/relationships" xmlns:p="http://schemas.openxmlformats.org/presentationml/2006/main">
+  <p:cSld>
+    <p:bg>
+      <p:bgPr>
+        <a:solidFill>
+          <a:schemeClr val="bg1"/>
+        </a:solidFill>
+        <a:effectLst/>
+      </p:bgPr>
+    </p:bg>
+    <p:spTree>
+      <p:nvGrpSpPr>
+        <p:cNvPr id="1" name=""/>
+        <p:cNvGrpSpPr/>
+        <p:nvPr/>
+      </p:nvGrpSpPr>
+      <p:grpSpPr>
+        <a:xfrm>
+          <a:off x="0" y="0"/>
+          <a:ext cx="0" cy="0"/>
+          <a:chOff x="0" y="0"/>
+          <a:chExt cx="0" cy="0"/>
+        </a:xfrm>
+      </p:grpSpPr>
+      <p:sp>
+        <p:nvSpPr>
+          <p:cNvPr id="13" name="Rectangle 9">
+            <a:extLst>
+              <a:ext uri="{FF2B5EF4-FFF2-40B4-BE49-F238E27FC236}">
+                <a16:creationId xmlns:a16="http://schemas.microsoft.com/office/drawing/2014/main" id="{0BABF38A-8A0D-492E-BD20-6CF4D46B50BD}"/>
+              </a:ext>
+              <a:ext uri="{C183D7F6-B498-43B3-948B-1728B52AA6E4}">
+                <adec:decorative xmlns:adec="http://schemas.microsoft.com/office/drawing/2017/decorative" val="1"/>
+              </a:ext>
+            </a:extLst>
+          </p:cNvPr>
+          <p:cNvSpPr>
+            <a:spLocks noGrp="1" noRot="1" noChangeAspect="1" noMove="1" noResize="1" noEditPoints="1" noAdjustHandles="1" noChangeArrowheads="1" noChangeShapeType="1" noTextEdit="1"/>
+          </p:cNvSpPr>
+          <p:nvPr>
+            <p:extLst>
+              <p:ext uri="{386F3935-93C4-4BCD-93E2-E3B085C9AB24}">
+                <p16:designElem xmlns:p16="http://schemas.microsoft.com/office/powerpoint/2015/main" val="1"/>
+              </p:ext>
+            </p:extLst>
+          </p:nvPr>
+        </p:nvSpPr>
+        <p:spPr>
+          <a:xfrm>
+            <a:off x="3149972" y="3121681"/>
+            <a:ext cx="8100269" cy="4556404"/>
+          </a:xfrm>
+          <a:prstGeom prst="rect">
+            <a:avLst/>
+          </a:prstGeom>
+          <a:solidFill>
+            <a:schemeClr val="bg2">
+              <a:lumMod val="90000"/>
+              <a:alpha val="70000"/>
+            </a:schemeClr>
+          </a:solidFill>
+          <a:ln>
+            <a:noFill/>
+          </a:ln>
+        </p:spPr>
+        <p:style>
+          <a:lnRef idx="2">
+            <a:schemeClr val="accent1">
+              <a:shade val="50000"/>
+            </a:schemeClr>
+          </a:lnRef>
+          <a:fillRef idx="1">
+            <a:schemeClr val="accent1"/>
+          </a:fillRef>
+          <a:effectRef idx="0">
+            <a:schemeClr val="accent1"/>
+          </a:effectRef>
+          <a:fontRef idx="minor">
+            <a:schemeClr val="lt1"/>
+          </a:fontRef>
+        </p:style>
+        <p:txBody>
+          <a:bodyPr rtlCol="0" anchor="ctr"/>
+          <a:lstStyle/>
+          <a:p>
+            <a:pPr algn="ctr">
+              <a:defRPr/>
+            </a:pPr>
+            <a:endParaRPr lang="en-US" sz="1196" dirty="0">
+              <a:solidFill>
+                <a:prstClr val="black">
+                  <a:lumMod val="65000"/>
+                  <a:lumOff val="35000"/>
+                </a:prstClr>
+              </a:solidFill>
+              <a:latin typeface="AvenirNext LT Pro Medium" panose="020B0504020202020204" pitchFamily="34" charset="0"/>
+            </a:endParaRPr>
+          </a:p>
+        </p:txBody>
+      </p:sp>
+      <p:pic>
+        <p:nvPicPr>
+          <p:cNvPr id="12" name="Picture 11">
+            <a:extLst>
+              <a:ext uri="{FF2B5EF4-FFF2-40B4-BE49-F238E27FC236}">
+                <a16:creationId xmlns:a16="http://schemas.microsoft.com/office/drawing/2014/main" id="{BC526B7A-4801-4FD1-95C8-03AF22629E87}"/>
+              </a:ext>
+              <a:ext uri="{C183D7F6-B498-43B3-948B-1728B52AA6E4}">
+                <adec:decorative xmlns:adec="http://schemas.microsoft.com/office/drawing/2017/decorative" val="1"/>
+              </a:ext>
+            </a:extLst>
+          </p:cNvPr>
+          <p:cNvPicPr>
+            <a:picLocks noGrp="1" noRot="1" noChangeAspect="1" noMove="1" noResize="1" noEditPoints="1" noAdjustHandles="1" noChangeArrowheads="1" noChangeShapeType="1" noCrop="1"/>
+          </p:cNvPicPr>
+          <p:nvPr>
+            <p:extLst>
+              <p:ext uri="{386F3935-93C4-4BCD-93E2-E3B085C9AB24}">
+                <p16:designElem xmlns:p16="http://schemas.microsoft.com/office/powerpoint/2015/main" val="1"/>
+              </p:ext>
+            </p:extLst>
+          </p:nvPr>
+        </p:nvPicPr>
+        <p:blipFill>
+          <a:blip r:embed="rId2">
+            <a:alphaModFix amt="10000"/>
+            <a:extLst>
+              <a:ext uri="{28A0092B-C50C-407E-A947-70E740481C1C}">
+                <a14:useLocalDpi xmlns:a14="http://schemas.microsoft.com/office/drawing/2010/main" val="0"/>
+              </a:ext>
+            </a:extLst>
+          </a:blip>
+          <a:stretch>
+            <a:fillRect/>
+          </a:stretch>
+        </p:blipFill>
+        <p:spPr>
+          <a:xfrm>
+            <a:off x="8820159" y="3121682"/>
+            <a:ext cx="2428095" cy="3039825"/>
+          </a:xfrm>
+          <a:prstGeom prst="rect">
+            <a:avLst/>
+          </a:prstGeom>
+        </p:spPr>
+      </p:pic>
+      <p:sp useBgFill="1">
+        <p:nvSpPr>
+          <p:cNvPr id="14" name="Rectangle 13">
+            <a:extLst>
+              <a:ext uri="{FF2B5EF4-FFF2-40B4-BE49-F238E27FC236}">
+                <a16:creationId xmlns:a16="http://schemas.microsoft.com/office/drawing/2014/main" id="{37FDDF72-DE39-4F99-A3C1-DD9D7815D7DB}"/>
+              </a:ext>
+              <a:ext uri="{C183D7F6-B498-43B3-948B-1728B52AA6E4}">
+                <adec:decorative xmlns:adec="http://schemas.microsoft.com/office/drawing/2017/decorative" val="1"/>
+              </a:ext>
+            </a:extLst>
+          </p:cNvPr>
+          <p:cNvSpPr>
+            <a:spLocks noGrp="1" noRot="1" noChangeAspect="1" noMove="1" noResize="1" noEditPoints="1" noAdjustHandles="1" noChangeArrowheads="1" noChangeShapeType="1" noTextEdit="1"/>
+          </p:cNvSpPr>
+          <p:nvPr>
+            <p:extLst>
+              <p:ext uri="{386F3935-93C4-4BCD-93E2-E3B085C9AB24}">
+                <p16:designElem xmlns:p16="http://schemas.microsoft.com/office/powerpoint/2015/main" val="1"/>
+              </p:ext>
+            </p:extLst>
+          </p:nvPr>
+        </p:nvSpPr>
+        <p:spPr>
+          <a:xfrm>
+            <a:off x="3149972" y="3121681"/>
+            <a:ext cx="8100269" cy="4556401"/>
+          </a:xfrm>
+          <a:prstGeom prst="rect">
+            <a:avLst/>
+          </a:prstGeom>
+          <a:ln>
+            <a:noFill/>
+          </a:ln>
+        </p:spPr>
+        <p:style>
+          <a:lnRef idx="2">
+            <a:schemeClr val="accent1">
+              <a:shade val="50000"/>
+            </a:schemeClr>
+          </a:lnRef>
+          <a:fillRef idx="1">
+            <a:schemeClr val="accent1"/>
+          </a:fillRef>
+          <a:effectRef idx="0">
+            <a:schemeClr val="accent1"/>
+          </a:effectRef>
+          <a:fontRef idx="minor">
+            <a:schemeClr val="lt1"/>
+          </a:fontRef>
+        </p:style>
+        <p:txBody>
+          <a:bodyPr rtlCol="0" anchor="ctr"/>
+          <a:lstStyle/>
+          <a:p>
+            <a:pPr algn="ctr">
+              <a:defRPr/>
+            </a:pPr>
+            <a:endParaRPr lang="en-US" sz="1196" dirty="0">
+              <a:solidFill>
+                <a:prstClr val="black">
+                  <a:lumMod val="65000"/>
+                  <a:lumOff val="35000"/>
+                </a:prstClr>
+              </a:solidFill>
+              <a:latin typeface="AvenirNext LT Pro Medium" panose="020B0504020202020204" pitchFamily="34" charset="0"/>
+            </a:endParaRPr>
+          </a:p>
+        </p:txBody>
+      </p:sp>
+      <p:sp>
+        <p:nvSpPr>
+          <p:cNvPr id="16" name="Rectangle 15">
+            <a:extLst>
+              <a:ext uri="{FF2B5EF4-FFF2-40B4-BE49-F238E27FC236}">
+                <a16:creationId xmlns:a16="http://schemas.microsoft.com/office/drawing/2014/main" id="{5E4ECE80-3AD1-450C-B62A-98788F193948}"/>
+              </a:ext>
+              <a:ext uri="{C183D7F6-B498-43B3-948B-1728B52AA6E4}">
+                <adec:decorative xmlns:adec="http://schemas.microsoft.com/office/drawing/2017/decorative" val="1"/>
+              </a:ext>
+            </a:extLst>
+          </p:cNvPr>
+          <p:cNvSpPr>
+            <a:spLocks noGrp="1" noRot="1" noChangeAspect="1" noMove="1" noResize="1" noEditPoints="1" noAdjustHandles="1" noChangeArrowheads="1" noChangeShapeType="1" noTextEdit="1"/>
+          </p:cNvSpPr>
+          <p:nvPr>
+            <p:extLst>
+              <p:ext uri="{386F3935-93C4-4BCD-93E2-E3B085C9AB24}">
+                <p16:designElem xmlns:p16="http://schemas.microsoft.com/office/powerpoint/2015/main" val="1"/>
+              </p:ext>
+            </p:extLst>
+          </p:nvPr>
+        </p:nvSpPr>
+        <p:spPr>
+          <a:xfrm>
+            <a:off x="3149972" y="3121681"/>
+            <a:ext cx="8100269" cy="4556401"/>
+          </a:xfrm>
+          <a:prstGeom prst="rect">
+            <a:avLst/>
+          </a:prstGeom>
+          <a:solidFill>
+            <a:srgbClr val="000000"/>
+          </a:solidFill>
+          <a:ln>
+            <a:noFill/>
+          </a:ln>
+        </p:spPr>
+        <p:style>
+          <a:lnRef idx="2">
+            <a:schemeClr val="accent1">
+              <a:shade val="50000"/>
+            </a:schemeClr>
+          </a:lnRef>
+          <a:fillRef idx="1">
+            <a:schemeClr val="accent1"/>
+          </a:fillRef>
+          <a:effectRef idx="0">
+            <a:schemeClr val="accent1"/>
+          </a:effectRef>
+          <a:fontRef idx="minor">
+            <a:schemeClr val="lt1"/>
+          </a:fontRef>
+        </p:style>
+        <p:txBody>
+          <a:bodyPr rtlCol="0" anchor="ctr"/>
+          <a:lstStyle/>
+          <a:p>
+            <a:pPr algn="ctr">
+              <a:defRPr/>
+            </a:pPr>
+            <a:endParaRPr lang="en-US" sz="1196" dirty="0">
+              <a:solidFill>
+                <a:prstClr val="black">
+                  <a:lumMod val="65000"/>
+                  <a:lumOff val="35000"/>
+                </a:prstClr>
+              </a:solidFill>
+              <a:latin typeface="AvenirNext LT Pro Medium" panose="020B0504020202020204" pitchFamily="34" charset="0"/>
+            </a:endParaRPr>
+          </a:p>
+        </p:txBody>
+      </p:sp>
+      <p:pic>
+        <p:nvPicPr>
+          <p:cNvPr id="5" name="Imagem 4">
+            <a:extLst>
+              <a:ext uri="{FF2B5EF4-FFF2-40B4-BE49-F238E27FC236}">
+                <a16:creationId xmlns:a16="http://schemas.microsoft.com/office/drawing/2014/main" id="{F1433EF1-FB6D-4913-96C9-08F0B1B3CA7A}"/>
+              </a:ext>
+            </a:extLst>
+          </p:cNvPr>
+          <p:cNvPicPr>
+            <a:picLocks noChangeAspect="1"/>
+          </p:cNvPicPr>
+          <p:nvPr/>
+        </p:nvPicPr>
+        <p:blipFill rotWithShape="1">
+          <a:blip r:embed="rId3">
+            <a:alphaModFix/>
+            <a:extLst>
+              <a:ext uri="{28A0092B-C50C-407E-A947-70E740481C1C}">
+                <a14:useLocalDpi xmlns:a14="http://schemas.microsoft.com/office/drawing/2010/main" val="0"/>
+              </a:ext>
+            </a:extLst>
+          </a:blip>
+          <a:srcRect l="5233" t="-2125" r="6244" b="-538"/>
+          <a:stretch/>
+        </p:blipFill>
+        <p:spPr>
+          <a:xfrm>
+            <a:off x="-1" y="-248909"/>
+            <a:ext cx="14400213" cy="11147555"/>
+          </a:xfrm>
+          <a:prstGeom prst="rect">
+            <a:avLst/>
+          </a:prstGeom>
+        </p:spPr>
+      </p:pic>
+      <p:sp>
+        <p:nvSpPr>
+          <p:cNvPr id="50" name="Retângulo 49">
+            <a:extLst>
+              <a:ext uri="{FF2B5EF4-FFF2-40B4-BE49-F238E27FC236}">
+                <a16:creationId xmlns:a16="http://schemas.microsoft.com/office/drawing/2014/main" id="{50614AED-75DE-4550-9029-54313F89BD12}"/>
+              </a:ext>
+            </a:extLst>
+          </p:cNvPr>
+          <p:cNvSpPr/>
+          <p:nvPr/>
+        </p:nvSpPr>
+        <p:spPr>
+          <a:xfrm>
+            <a:off x="3186646" y="311571"/>
+            <a:ext cx="8052791" cy="992583"/>
+          </a:xfrm>
+          <a:prstGeom prst="rect">
+            <a:avLst/>
+          </a:prstGeom>
+          <a:noFill/>
+        </p:spPr>
+        <p:txBody>
+          <a:bodyPr wrap="square" lIns="68584" tIns="34292" rIns="68584" bIns="34292">
+            <a:spAutoFit/>
+          </a:bodyPr>
+          <a:lstStyle/>
+          <a:p>
+            <a:pPr algn="ctr"/>
+            <a:r>
+              <a:rPr lang="pt-BR" sz="6000" dirty="0">
+                <a:ln w="38100">
+                  <a:solidFill>
+                    <a:schemeClr val="bg1"/>
+                  </a:solidFill>
+                </a:ln>
+                <a:solidFill>
+                  <a:srgbClr val="00B050"/>
+                </a:solidFill>
+                <a:effectLst>
+                  <a:outerShdw blurRad="38100" dist="19050" dir="2700000" algn="tl" rotWithShape="0">
+                    <a:schemeClr val="dk1">
+                      <a:alpha val="40000"/>
+                    </a:schemeClr>
+                  </a:outerShdw>
+                </a:effectLst>
+                <a:latin typeface="Exo 2 Extra Bold" panose="00000900000000000000" pitchFamily="50" charset="0"/>
+              </a:rPr>
+              <a:t>Liga Principal</a:t>
+            </a:r>
+          </a:p>
+        </p:txBody>
+      </p:sp>
+      <p:sp>
+        <p:nvSpPr>
+          <p:cNvPr id="53" name="Retângulo 52">
+            <a:extLst>
+              <a:ext uri="{FF2B5EF4-FFF2-40B4-BE49-F238E27FC236}">
+                <a16:creationId xmlns:a16="http://schemas.microsoft.com/office/drawing/2014/main" id="{F101E0BF-8A68-40B9-BC26-35C299182F52}"/>
+              </a:ext>
+            </a:extLst>
+          </p:cNvPr>
+          <p:cNvSpPr/>
+          <p:nvPr/>
+        </p:nvSpPr>
+        <p:spPr>
+          <a:xfrm>
+            <a:off x="336776" y="1104608"/>
+            <a:ext cx="13909452" cy="1177249"/>
+          </a:xfrm>
+          <a:prstGeom prst="rect">
+            <a:avLst/>
+          </a:prstGeom>
+          <a:noFill/>
+        </p:spPr>
+        <p:txBody>
+          <a:bodyPr wrap="square" lIns="68584" tIns="34292" rIns="68584" bIns="34292">
+            <a:spAutoFit/>
+          </a:bodyPr>
+          <a:lstStyle/>
+          <a:p>
+            <a:pPr algn="ctr"/>
+            <a:r>
+              <a:rPr lang="pt-BR" sz="7200" dirty="0">
+                <a:ln w="0">
+                  <a:noFill/>
+                </a:ln>
+                <a:effectLst>
+                  <a:outerShdw blurRad="38100" dist="19050" dir="2700000" algn="tl" rotWithShape="0">
+                    <a:schemeClr val="dk1">
+                      <a:alpha val="40000"/>
+                    </a:schemeClr>
+                  </a:outerShdw>
+                </a:effectLst>
+                <a:latin typeface="Exo 2 Extra Bold" panose="00000900000000000000" pitchFamily="50" charset="0"/>
+              </a:rPr>
+              <a:t>MATA-MATA SÉRIE C 5</a:t>
+            </a:r>
+          </a:p>
+        </p:txBody>
+      </p:sp>
+      <p:pic>
+        <p:nvPicPr>
+          <p:cNvPr id="15" name="Imagem 14">
+            <a:extLst>
+              <a:ext uri="{FF2B5EF4-FFF2-40B4-BE49-F238E27FC236}">
+                <a16:creationId xmlns:a16="http://schemas.microsoft.com/office/drawing/2014/main" id="{780D6AE4-2B31-43CF-8A3B-9ACC73C32FE9}"/>
+              </a:ext>
+            </a:extLst>
+          </p:cNvPr>
+          <p:cNvPicPr>
+            <a:picLocks noChangeAspect="1"/>
+          </p:cNvPicPr>
+          <p:nvPr/>
+        </p:nvPicPr>
+        <p:blipFill>
+          <a:blip r:embed="rId4" cstate="hqprint">
+            <a:extLst>
+              <a:ext uri="{28A0092B-C50C-407E-A947-70E740481C1C}">
+                <a14:useLocalDpi xmlns:a14="http://schemas.microsoft.com/office/drawing/2010/main" val="0"/>
+              </a:ext>
+            </a:extLst>
+          </a:blip>
+          <a:stretch>
+            <a:fillRect/>
+          </a:stretch>
+        </p:blipFill>
+        <p:spPr>
+          <a:xfrm>
+            <a:off x="336776" y="194284"/>
+            <a:ext cx="2059134" cy="2160000"/>
+          </a:xfrm>
+          <a:prstGeom prst="rect">
+            <a:avLst/>
+          </a:prstGeom>
+        </p:spPr>
+      </p:pic>
+      <p:sp>
+        <p:nvSpPr>
+          <p:cNvPr id="10" name="Retângulo 9">
+            <a:extLst>
+              <a:ext uri="{FF2B5EF4-FFF2-40B4-BE49-F238E27FC236}">
+                <a16:creationId xmlns:a16="http://schemas.microsoft.com/office/drawing/2014/main" id="{838BDC98-3287-4575-8574-56F716FB2440}"/>
+              </a:ext>
+            </a:extLst>
+          </p:cNvPr>
+          <p:cNvSpPr/>
+          <p:nvPr/>
+        </p:nvSpPr>
+        <p:spPr>
+          <a:xfrm>
+            <a:off x="1911927" y="2227185"/>
+            <a:ext cx="10476677" cy="2718888"/>
+          </a:xfrm>
+          <a:prstGeom prst="rect">
+            <a:avLst/>
+          </a:prstGeom>
+          <a:solidFill>
+            <a:schemeClr val="tx1">
+              <a:alpha val="81000"/>
+            </a:schemeClr>
+          </a:solidFill>
+        </p:spPr>
+        <p:style>
+          <a:lnRef idx="2">
+            <a:schemeClr val="accent1">
+              <a:shade val="50000"/>
+            </a:schemeClr>
+          </a:lnRef>
+          <a:fillRef idx="1">
+            <a:schemeClr val="accent1"/>
+          </a:fillRef>
+          <a:effectRef idx="0">
+            <a:schemeClr val="accent1"/>
+          </a:effectRef>
+          <a:fontRef idx="minor">
+            <a:schemeClr val="lt1"/>
+          </a:fontRef>
+        </p:style>
+        <p:txBody>
+          <a:bodyPr rtlCol="0" anchor="ctr"/>
+          <a:lstStyle/>
+          <a:p>
+            <a:pPr algn="ctr"/>
+            <a:endParaRPr lang="pt-BR"/>
+          </a:p>
+        </p:txBody>
+      </p:sp>
+      <p:sp>
+        <p:nvSpPr>
+          <p:cNvPr id="21" name="Retângulo 20">
+            <a:extLst>
+              <a:ext uri="{FF2B5EF4-FFF2-40B4-BE49-F238E27FC236}">
+                <a16:creationId xmlns:a16="http://schemas.microsoft.com/office/drawing/2014/main" id="{95EDB8CB-8377-4925-B478-560C3F615037}"/>
+              </a:ext>
+            </a:extLst>
+          </p:cNvPr>
+          <p:cNvSpPr/>
+          <p:nvPr/>
+        </p:nvSpPr>
+        <p:spPr>
+          <a:xfrm>
+            <a:off x="1911927" y="5072033"/>
+            <a:ext cx="10476677" cy="2718888"/>
+          </a:xfrm>
+          <a:prstGeom prst="rect">
+            <a:avLst/>
+          </a:prstGeom>
+          <a:solidFill>
+            <a:schemeClr val="tx1">
+              <a:alpha val="81000"/>
+            </a:schemeClr>
+          </a:solidFill>
+        </p:spPr>
+        <p:style>
+          <a:lnRef idx="2">
+            <a:schemeClr val="accent1">
+              <a:shade val="50000"/>
+            </a:schemeClr>
+          </a:lnRef>
+          <a:fillRef idx="1">
+            <a:schemeClr val="accent1"/>
+          </a:fillRef>
+          <a:effectRef idx="0">
+            <a:schemeClr val="accent1"/>
+          </a:effectRef>
+          <a:fontRef idx="minor">
+            <a:schemeClr val="lt1"/>
+          </a:fontRef>
+        </p:style>
+        <p:txBody>
+          <a:bodyPr rtlCol="0" anchor="ctr"/>
+          <a:lstStyle/>
+          <a:p>
+            <a:pPr algn="ctr"/>
+            <a:endParaRPr lang="pt-BR"/>
+          </a:p>
+        </p:txBody>
+      </p:sp>
+      <p:sp>
+        <p:nvSpPr>
+          <p:cNvPr id="18" name="Retângulo 17">
+            <a:extLst>
+              <a:ext uri="{FF2B5EF4-FFF2-40B4-BE49-F238E27FC236}">
+                <a16:creationId xmlns:a16="http://schemas.microsoft.com/office/drawing/2014/main" id="{3128898C-0A57-4F19-8491-B43E8301569E}"/>
+              </a:ext>
+            </a:extLst>
+          </p:cNvPr>
+          <p:cNvSpPr/>
+          <p:nvPr/>
+        </p:nvSpPr>
+        <p:spPr>
+          <a:xfrm>
+            <a:off x="1918853" y="7946853"/>
+            <a:ext cx="10476677" cy="2718888"/>
+          </a:xfrm>
+          <a:prstGeom prst="rect">
+            <a:avLst/>
+          </a:prstGeom>
+          <a:solidFill>
+            <a:schemeClr val="tx1">
+              <a:alpha val="81000"/>
+            </a:schemeClr>
+          </a:solidFill>
+        </p:spPr>
+        <p:style>
+          <a:lnRef idx="2">
+            <a:schemeClr val="accent1">
+              <a:shade val="50000"/>
+            </a:schemeClr>
+          </a:lnRef>
+          <a:fillRef idx="1">
+            <a:schemeClr val="accent1"/>
+          </a:fillRef>
+          <a:effectRef idx="0">
+            <a:schemeClr val="accent1"/>
+          </a:effectRef>
+          <a:fontRef idx="minor">
+            <a:schemeClr val="lt1"/>
+          </a:fontRef>
+        </p:style>
+        <p:txBody>
+          <a:bodyPr rtlCol="0" anchor="ctr"/>
+          <a:lstStyle/>
+          <a:p>
+            <a:pPr algn="ctr"/>
+            <a:endParaRPr lang="pt-BR"/>
+          </a:p>
+        </p:txBody>
+      </p:sp>
+      <p:sp>
+        <p:nvSpPr>
+          <p:cNvPr id="25" name="Retângulo 24">
+            <a:extLst>
+              <a:ext uri="{FF2B5EF4-FFF2-40B4-BE49-F238E27FC236}">
+                <a16:creationId xmlns:a16="http://schemas.microsoft.com/office/drawing/2014/main" id="{A09E16B2-7C74-4C13-9219-0E6412B9F44B}"/>
+              </a:ext>
+            </a:extLst>
+          </p:cNvPr>
+          <p:cNvSpPr/>
+          <p:nvPr/>
+        </p:nvSpPr>
+        <p:spPr>
+          <a:xfrm>
+            <a:off x="5308448" y="2179089"/>
+            <a:ext cx="3789504" cy="684807"/>
+          </a:xfrm>
+          <a:prstGeom prst="rect">
+            <a:avLst/>
+          </a:prstGeom>
+          <a:noFill/>
+        </p:spPr>
+        <p:txBody>
+          <a:bodyPr wrap="square" lIns="68584" tIns="34292" rIns="68584" bIns="34292">
+            <a:spAutoFit/>
+          </a:bodyPr>
+          <a:lstStyle/>
+          <a:p>
+            <a:pPr algn="ctr"/>
+            <a:r>
+              <a:rPr lang="pt-BR" sz="4000" dirty="0">
+                <a:ln w="0">
+                  <a:noFill/>
+                </a:ln>
+                <a:solidFill>
+                  <a:srgbClr val="0070C0"/>
+                </a:solidFill>
+                <a:effectLst>
+                  <a:outerShdw blurRad="38100" dist="19050" dir="2700000" algn="tl" rotWithShape="0">
+                    <a:schemeClr val="dk1">
+                      <a:alpha val="40000"/>
+                    </a:schemeClr>
+                  </a:outerShdw>
+                </a:effectLst>
+                <a:latin typeface="Exo 2 Extra Bold" panose="00000900000000000000" pitchFamily="50" charset="0"/>
+              </a:rPr>
+              <a:t>Semifinal</a:t>
+            </a:r>
+          </a:p>
+        </p:txBody>
+      </p:sp>
+      <p:sp>
+        <p:nvSpPr>
+          <p:cNvPr id="26" name="Retângulo 25">
+            <a:extLst>
+              <a:ext uri="{FF2B5EF4-FFF2-40B4-BE49-F238E27FC236}">
+                <a16:creationId xmlns:a16="http://schemas.microsoft.com/office/drawing/2014/main" id="{836C358E-4A49-45F6-A3E5-A798F09F5911}"/>
+              </a:ext>
+            </a:extLst>
+          </p:cNvPr>
+          <p:cNvSpPr/>
+          <p:nvPr/>
+        </p:nvSpPr>
+        <p:spPr>
+          <a:xfrm>
+            <a:off x="5321993" y="5022489"/>
+            <a:ext cx="3789503" cy="684807"/>
+          </a:xfrm>
+          <a:prstGeom prst="rect">
+            <a:avLst/>
+          </a:prstGeom>
+          <a:noFill/>
+        </p:spPr>
+        <p:txBody>
+          <a:bodyPr wrap="square" lIns="68584" tIns="34292" rIns="68584" bIns="34292">
+            <a:spAutoFit/>
+          </a:bodyPr>
+          <a:lstStyle/>
+          <a:p>
+            <a:pPr algn="ctr"/>
+            <a:r>
+              <a:rPr lang="pt-BR" sz="4000" dirty="0">
+                <a:ln w="0">
+                  <a:noFill/>
+                </a:ln>
+                <a:solidFill>
+                  <a:srgbClr val="0070C0"/>
+                </a:solidFill>
+                <a:effectLst>
+                  <a:outerShdw blurRad="38100" dist="19050" dir="2700000" algn="tl" rotWithShape="0">
+                    <a:schemeClr val="dk1">
+                      <a:alpha val="40000"/>
+                    </a:schemeClr>
+                  </a:outerShdw>
+                </a:effectLst>
+                <a:latin typeface="Exo 2 Extra Bold" panose="00000900000000000000" pitchFamily="50" charset="0"/>
+              </a:rPr>
+              <a:t>Campeão</a:t>
+            </a:r>
+          </a:p>
+        </p:txBody>
+      </p:sp>
+      <p:sp>
+        <p:nvSpPr>
+          <p:cNvPr id="27" name="Retângulo 26">
+            <a:extLst>
+              <a:ext uri="{FF2B5EF4-FFF2-40B4-BE49-F238E27FC236}">
+                <a16:creationId xmlns:a16="http://schemas.microsoft.com/office/drawing/2014/main" id="{4AC9D068-7C16-464F-89BF-6D23B2411B38}"/>
+              </a:ext>
+            </a:extLst>
+          </p:cNvPr>
+          <p:cNvSpPr/>
+          <p:nvPr/>
+        </p:nvSpPr>
+        <p:spPr>
+          <a:xfrm>
+            <a:off x="5328919" y="7897309"/>
+            <a:ext cx="3789503" cy="684807"/>
+          </a:xfrm>
+          <a:prstGeom prst="rect">
+            <a:avLst/>
+          </a:prstGeom>
+          <a:noFill/>
+        </p:spPr>
+        <p:txBody>
+          <a:bodyPr wrap="square" lIns="68584" tIns="34292" rIns="68584" bIns="34292">
+            <a:spAutoFit/>
+          </a:bodyPr>
+          <a:lstStyle/>
+          <a:p>
+            <a:pPr algn="ctr"/>
+            <a:r>
+              <a:rPr lang="pt-BR" sz="4000" dirty="0">
+                <a:ln w="0">
+                  <a:noFill/>
+                </a:ln>
+                <a:solidFill>
+                  <a:srgbClr val="0070C0"/>
+                </a:solidFill>
+                <a:effectLst>
+                  <a:outerShdw blurRad="38100" dist="19050" dir="2700000" algn="tl" rotWithShape="0">
+                    <a:schemeClr val="dk1">
+                      <a:alpha val="40000"/>
+                    </a:schemeClr>
+                  </a:outerShdw>
+                </a:effectLst>
+                <a:latin typeface="Exo 2 Extra Bold" panose="00000900000000000000" pitchFamily="50" charset="0"/>
+              </a:rPr>
+              <a:t>3º Lugar</a:t>
+            </a:r>
+          </a:p>
+        </p:txBody>
+      </p:sp>
+      <p:pic>
+        <p:nvPicPr>
+          <p:cNvPr id="7" name="Imagem 6">
+            <a:extLst>
+              <a:ext uri="{FF2B5EF4-FFF2-40B4-BE49-F238E27FC236}">
+                <a16:creationId xmlns:a16="http://schemas.microsoft.com/office/drawing/2014/main" id="{343B9E5A-6042-46D7-A9AA-9FB304FD7F3A}"/>
+              </a:ext>
+            </a:extLst>
+          </p:cNvPr>
+          <p:cNvPicPr>
+            <a:picLocks noChangeAspect="1"/>
+          </p:cNvPicPr>
+          <p:nvPr/>
+        </p:nvPicPr>
+        <p:blipFill>
+          <a:blip r:embed="rId5"/>
+          <a:stretch>
+            <a:fillRect/>
+          </a:stretch>
+        </p:blipFill>
+        <p:spPr>
+          <a:xfrm>
+            <a:off x="2356875" y="2873402"/>
+            <a:ext cx="9720000" cy="1884742"/>
+          </a:xfrm>
+          <a:prstGeom prst="rect">
+            <a:avLst/>
+          </a:prstGeom>
+        </p:spPr>
+      </p:pic>
+      <p:pic>
+        <p:nvPicPr>
+          <p:cNvPr id="3" name="Imagem 2">
+            <a:extLst>
+              <a:ext uri="{FF2B5EF4-FFF2-40B4-BE49-F238E27FC236}">
+                <a16:creationId xmlns:a16="http://schemas.microsoft.com/office/drawing/2014/main" id="{2E48AC7F-72F5-4607-A43A-6528B24AC0E4}"/>
+              </a:ext>
+            </a:extLst>
+          </p:cNvPr>
+          <p:cNvPicPr>
+            <a:picLocks noChangeAspect="1"/>
+          </p:cNvPicPr>
+          <p:nvPr/>
+        </p:nvPicPr>
+        <p:blipFill>
+          <a:blip r:embed="rId6"/>
+          <a:stretch>
+            <a:fillRect/>
+          </a:stretch>
+        </p:blipFill>
+        <p:spPr>
+          <a:xfrm>
+            <a:off x="2363942" y="6159468"/>
+            <a:ext cx="9720000" cy="814801"/>
+          </a:xfrm>
+          <a:prstGeom prst="rect">
+            <a:avLst/>
+          </a:prstGeom>
+        </p:spPr>
+      </p:pic>
+      <p:pic>
+        <p:nvPicPr>
+          <p:cNvPr id="6" name="Imagem 5">
+            <a:extLst>
+              <a:ext uri="{FF2B5EF4-FFF2-40B4-BE49-F238E27FC236}">
+                <a16:creationId xmlns:a16="http://schemas.microsoft.com/office/drawing/2014/main" id="{D31EFAD8-179D-4D23-A1A8-D679243412F0}"/>
+              </a:ext>
+            </a:extLst>
+          </p:cNvPr>
+          <p:cNvPicPr>
+            <a:picLocks noChangeAspect="1"/>
+          </p:cNvPicPr>
+          <p:nvPr/>
+        </p:nvPicPr>
+        <p:blipFill>
+          <a:blip r:embed="rId7"/>
+          <a:stretch>
+            <a:fillRect/>
+          </a:stretch>
+        </p:blipFill>
+        <p:spPr>
+          <a:xfrm>
+            <a:off x="2363800" y="9036968"/>
+            <a:ext cx="9720000" cy="814801"/>
           </a:xfrm>
           <a:prstGeom prst="rect">
             <a:avLst/>
@@ -9483,7 +10356,7 @@
 </p:sld>
 </file>
 
-<file path=ppt/slides/slide16.xml><?xml version="1.0" encoding="utf-8"?>
+<file path=ppt/slides/slide17.xml><?xml version="1.0" encoding="utf-8"?>
 <p:sld xmlns:a="http://schemas.openxmlformats.org/drawingml/2006/main" xmlns:r="http://schemas.openxmlformats.org/officeDocument/2006/relationships" xmlns:p="http://schemas.openxmlformats.org/presentationml/2006/main">
   <p:cSld>
     <p:bg>
@@ -10321,746 +11194,6 @@
 </p:sld>
 </file>
 
-<file path=ppt/slides/slide17.xml><?xml version="1.0" encoding="utf-8"?>
-<p:sld xmlns:a="http://schemas.openxmlformats.org/drawingml/2006/main" xmlns:r="http://schemas.openxmlformats.org/officeDocument/2006/relationships" xmlns:p="http://schemas.openxmlformats.org/presentationml/2006/main">
-  <p:cSld>
-    <p:bg>
-      <p:bgPr>
-        <a:solidFill>
-          <a:schemeClr val="bg1"/>
-        </a:solidFill>
-        <a:effectLst/>
-      </p:bgPr>
-    </p:bg>
-    <p:spTree>
-      <p:nvGrpSpPr>
-        <p:cNvPr id="1" name=""/>
-        <p:cNvGrpSpPr/>
-        <p:nvPr/>
-      </p:nvGrpSpPr>
-      <p:grpSpPr>
-        <a:xfrm>
-          <a:off x="0" y="0"/>
-          <a:ext cx="0" cy="0"/>
-          <a:chOff x="0" y="0"/>
-          <a:chExt cx="0" cy="0"/>
-        </a:xfrm>
-      </p:grpSpPr>
-      <p:sp>
-        <p:nvSpPr>
-          <p:cNvPr id="13" name="Rectangle 9">
-            <a:extLst>
-              <a:ext uri="{FF2B5EF4-FFF2-40B4-BE49-F238E27FC236}">
-                <a16:creationId xmlns:a16="http://schemas.microsoft.com/office/drawing/2014/main" id="{0BABF38A-8A0D-492E-BD20-6CF4D46B50BD}"/>
-              </a:ext>
-              <a:ext uri="{C183D7F6-B498-43B3-948B-1728B52AA6E4}">
-                <adec:decorative xmlns:adec="http://schemas.microsoft.com/office/drawing/2017/decorative" val="1"/>
-              </a:ext>
-            </a:extLst>
-          </p:cNvPr>
-          <p:cNvSpPr>
-            <a:spLocks noGrp="1" noRot="1" noChangeAspect="1" noMove="1" noResize="1" noEditPoints="1" noAdjustHandles="1" noChangeArrowheads="1" noChangeShapeType="1" noTextEdit="1"/>
-          </p:cNvSpPr>
-          <p:nvPr>
-            <p:extLst>
-              <p:ext uri="{386F3935-93C4-4BCD-93E2-E3B085C9AB24}">
-                <p16:designElem xmlns:p16="http://schemas.microsoft.com/office/powerpoint/2015/main" val="1"/>
-              </p:ext>
-            </p:extLst>
-          </p:nvPr>
-        </p:nvSpPr>
-        <p:spPr>
-          <a:xfrm>
-            <a:off x="3149972" y="3121681"/>
-            <a:ext cx="8100269" cy="4556404"/>
-          </a:xfrm>
-          <a:prstGeom prst="rect">
-            <a:avLst/>
-          </a:prstGeom>
-          <a:solidFill>
-            <a:schemeClr val="bg2">
-              <a:lumMod val="90000"/>
-              <a:alpha val="70000"/>
-            </a:schemeClr>
-          </a:solidFill>
-          <a:ln>
-            <a:noFill/>
-          </a:ln>
-        </p:spPr>
-        <p:style>
-          <a:lnRef idx="2">
-            <a:schemeClr val="accent1">
-              <a:shade val="50000"/>
-            </a:schemeClr>
-          </a:lnRef>
-          <a:fillRef idx="1">
-            <a:schemeClr val="accent1"/>
-          </a:fillRef>
-          <a:effectRef idx="0">
-            <a:schemeClr val="accent1"/>
-          </a:effectRef>
-          <a:fontRef idx="minor">
-            <a:schemeClr val="lt1"/>
-          </a:fontRef>
-        </p:style>
-        <p:txBody>
-          <a:bodyPr rtlCol="0" anchor="ctr"/>
-          <a:lstStyle/>
-          <a:p>
-            <a:pPr algn="ctr">
-              <a:defRPr/>
-            </a:pPr>
-            <a:endParaRPr lang="en-US" sz="1196" dirty="0">
-              <a:solidFill>
-                <a:prstClr val="black">
-                  <a:lumMod val="65000"/>
-                  <a:lumOff val="35000"/>
-                </a:prstClr>
-              </a:solidFill>
-              <a:latin typeface="AvenirNext LT Pro Medium" panose="020B0504020202020204" pitchFamily="34" charset="0"/>
-            </a:endParaRPr>
-          </a:p>
-        </p:txBody>
-      </p:sp>
-      <p:pic>
-        <p:nvPicPr>
-          <p:cNvPr id="12" name="Picture 11">
-            <a:extLst>
-              <a:ext uri="{FF2B5EF4-FFF2-40B4-BE49-F238E27FC236}">
-                <a16:creationId xmlns:a16="http://schemas.microsoft.com/office/drawing/2014/main" id="{BC526B7A-4801-4FD1-95C8-03AF22629E87}"/>
-              </a:ext>
-              <a:ext uri="{C183D7F6-B498-43B3-948B-1728B52AA6E4}">
-                <adec:decorative xmlns:adec="http://schemas.microsoft.com/office/drawing/2017/decorative" val="1"/>
-              </a:ext>
-            </a:extLst>
-          </p:cNvPr>
-          <p:cNvPicPr>
-            <a:picLocks noGrp="1" noRot="1" noChangeAspect="1" noMove="1" noResize="1" noEditPoints="1" noAdjustHandles="1" noChangeArrowheads="1" noChangeShapeType="1" noCrop="1"/>
-          </p:cNvPicPr>
-          <p:nvPr>
-            <p:extLst>
-              <p:ext uri="{386F3935-93C4-4BCD-93E2-E3B085C9AB24}">
-                <p16:designElem xmlns:p16="http://schemas.microsoft.com/office/powerpoint/2015/main" val="1"/>
-              </p:ext>
-            </p:extLst>
-          </p:nvPr>
-        </p:nvPicPr>
-        <p:blipFill>
-          <a:blip r:embed="rId2">
-            <a:alphaModFix amt="10000"/>
-            <a:extLst>
-              <a:ext uri="{28A0092B-C50C-407E-A947-70E740481C1C}">
-                <a14:useLocalDpi xmlns:a14="http://schemas.microsoft.com/office/drawing/2010/main" val="0"/>
-              </a:ext>
-            </a:extLst>
-          </a:blip>
-          <a:stretch>
-            <a:fillRect/>
-          </a:stretch>
-        </p:blipFill>
-        <p:spPr>
-          <a:xfrm>
-            <a:off x="8820159" y="3121682"/>
-            <a:ext cx="2428095" cy="3039825"/>
-          </a:xfrm>
-          <a:prstGeom prst="rect">
-            <a:avLst/>
-          </a:prstGeom>
-        </p:spPr>
-      </p:pic>
-      <p:sp useBgFill="1">
-        <p:nvSpPr>
-          <p:cNvPr id="14" name="Rectangle 13">
-            <a:extLst>
-              <a:ext uri="{FF2B5EF4-FFF2-40B4-BE49-F238E27FC236}">
-                <a16:creationId xmlns:a16="http://schemas.microsoft.com/office/drawing/2014/main" id="{37FDDF72-DE39-4F99-A3C1-DD9D7815D7DB}"/>
-              </a:ext>
-              <a:ext uri="{C183D7F6-B498-43B3-948B-1728B52AA6E4}">
-                <adec:decorative xmlns:adec="http://schemas.microsoft.com/office/drawing/2017/decorative" val="1"/>
-              </a:ext>
-            </a:extLst>
-          </p:cNvPr>
-          <p:cNvSpPr>
-            <a:spLocks noGrp="1" noRot="1" noChangeAspect="1" noMove="1" noResize="1" noEditPoints="1" noAdjustHandles="1" noChangeArrowheads="1" noChangeShapeType="1" noTextEdit="1"/>
-          </p:cNvSpPr>
-          <p:nvPr>
-            <p:extLst>
-              <p:ext uri="{386F3935-93C4-4BCD-93E2-E3B085C9AB24}">
-                <p16:designElem xmlns:p16="http://schemas.microsoft.com/office/powerpoint/2015/main" val="1"/>
-              </p:ext>
-            </p:extLst>
-          </p:nvPr>
-        </p:nvSpPr>
-        <p:spPr>
-          <a:xfrm>
-            <a:off x="3149972" y="3121681"/>
-            <a:ext cx="8100269" cy="4556401"/>
-          </a:xfrm>
-          <a:prstGeom prst="rect">
-            <a:avLst/>
-          </a:prstGeom>
-          <a:ln>
-            <a:noFill/>
-          </a:ln>
-        </p:spPr>
-        <p:style>
-          <a:lnRef idx="2">
-            <a:schemeClr val="accent1">
-              <a:shade val="50000"/>
-            </a:schemeClr>
-          </a:lnRef>
-          <a:fillRef idx="1">
-            <a:schemeClr val="accent1"/>
-          </a:fillRef>
-          <a:effectRef idx="0">
-            <a:schemeClr val="accent1"/>
-          </a:effectRef>
-          <a:fontRef idx="minor">
-            <a:schemeClr val="lt1"/>
-          </a:fontRef>
-        </p:style>
-        <p:txBody>
-          <a:bodyPr rtlCol="0" anchor="ctr"/>
-          <a:lstStyle/>
-          <a:p>
-            <a:pPr algn="ctr">
-              <a:defRPr/>
-            </a:pPr>
-            <a:endParaRPr lang="en-US" sz="1196" dirty="0">
-              <a:solidFill>
-                <a:prstClr val="black">
-                  <a:lumMod val="65000"/>
-                  <a:lumOff val="35000"/>
-                </a:prstClr>
-              </a:solidFill>
-              <a:latin typeface="AvenirNext LT Pro Medium" panose="020B0504020202020204" pitchFamily="34" charset="0"/>
-            </a:endParaRPr>
-          </a:p>
-        </p:txBody>
-      </p:sp>
-      <p:sp>
-        <p:nvSpPr>
-          <p:cNvPr id="16" name="Rectangle 15">
-            <a:extLst>
-              <a:ext uri="{FF2B5EF4-FFF2-40B4-BE49-F238E27FC236}">
-                <a16:creationId xmlns:a16="http://schemas.microsoft.com/office/drawing/2014/main" id="{5E4ECE80-3AD1-450C-B62A-98788F193948}"/>
-              </a:ext>
-              <a:ext uri="{C183D7F6-B498-43B3-948B-1728B52AA6E4}">
-                <adec:decorative xmlns:adec="http://schemas.microsoft.com/office/drawing/2017/decorative" val="1"/>
-              </a:ext>
-            </a:extLst>
-          </p:cNvPr>
-          <p:cNvSpPr>
-            <a:spLocks noGrp="1" noRot="1" noChangeAspect="1" noMove="1" noResize="1" noEditPoints="1" noAdjustHandles="1" noChangeArrowheads="1" noChangeShapeType="1" noTextEdit="1"/>
-          </p:cNvSpPr>
-          <p:nvPr>
-            <p:extLst>
-              <p:ext uri="{386F3935-93C4-4BCD-93E2-E3B085C9AB24}">
-                <p16:designElem xmlns:p16="http://schemas.microsoft.com/office/powerpoint/2015/main" val="1"/>
-              </p:ext>
-            </p:extLst>
-          </p:nvPr>
-        </p:nvSpPr>
-        <p:spPr>
-          <a:xfrm>
-            <a:off x="3149972" y="3121681"/>
-            <a:ext cx="8100269" cy="4556401"/>
-          </a:xfrm>
-          <a:prstGeom prst="rect">
-            <a:avLst/>
-          </a:prstGeom>
-          <a:solidFill>
-            <a:srgbClr val="000000"/>
-          </a:solidFill>
-          <a:ln>
-            <a:noFill/>
-          </a:ln>
-        </p:spPr>
-        <p:style>
-          <a:lnRef idx="2">
-            <a:schemeClr val="accent1">
-              <a:shade val="50000"/>
-            </a:schemeClr>
-          </a:lnRef>
-          <a:fillRef idx="1">
-            <a:schemeClr val="accent1"/>
-          </a:fillRef>
-          <a:effectRef idx="0">
-            <a:schemeClr val="accent1"/>
-          </a:effectRef>
-          <a:fontRef idx="minor">
-            <a:schemeClr val="lt1"/>
-          </a:fontRef>
-        </p:style>
-        <p:txBody>
-          <a:bodyPr rtlCol="0" anchor="ctr"/>
-          <a:lstStyle/>
-          <a:p>
-            <a:pPr algn="ctr">
-              <a:defRPr/>
-            </a:pPr>
-            <a:endParaRPr lang="en-US" sz="1196" dirty="0">
-              <a:solidFill>
-                <a:prstClr val="black">
-                  <a:lumMod val="65000"/>
-                  <a:lumOff val="35000"/>
-                </a:prstClr>
-              </a:solidFill>
-              <a:latin typeface="AvenirNext LT Pro Medium" panose="020B0504020202020204" pitchFamily="34" charset="0"/>
-            </a:endParaRPr>
-          </a:p>
-        </p:txBody>
-      </p:sp>
-      <p:pic>
-        <p:nvPicPr>
-          <p:cNvPr id="5" name="Imagem 4">
-            <a:extLst>
-              <a:ext uri="{FF2B5EF4-FFF2-40B4-BE49-F238E27FC236}">
-                <a16:creationId xmlns:a16="http://schemas.microsoft.com/office/drawing/2014/main" id="{F1433EF1-FB6D-4913-96C9-08F0B1B3CA7A}"/>
-              </a:ext>
-            </a:extLst>
-          </p:cNvPr>
-          <p:cNvPicPr>
-            <a:picLocks noChangeAspect="1"/>
-          </p:cNvPicPr>
-          <p:nvPr/>
-        </p:nvPicPr>
-        <p:blipFill rotWithShape="1">
-          <a:blip r:embed="rId3">
-            <a:alphaModFix/>
-            <a:extLst>
-              <a:ext uri="{28A0092B-C50C-407E-A947-70E740481C1C}">
-                <a14:useLocalDpi xmlns:a14="http://schemas.microsoft.com/office/drawing/2010/main" val="0"/>
-              </a:ext>
-            </a:extLst>
-          </a:blip>
-          <a:srcRect l="5233" t="-2125" r="6244" b="-538"/>
-          <a:stretch/>
-        </p:blipFill>
-        <p:spPr>
-          <a:xfrm>
-            <a:off x="-1" y="-248909"/>
-            <a:ext cx="14400213" cy="11147555"/>
-          </a:xfrm>
-          <a:prstGeom prst="rect">
-            <a:avLst/>
-          </a:prstGeom>
-        </p:spPr>
-      </p:pic>
-      <p:sp>
-        <p:nvSpPr>
-          <p:cNvPr id="50" name="Retângulo 49">
-            <a:extLst>
-              <a:ext uri="{FF2B5EF4-FFF2-40B4-BE49-F238E27FC236}">
-                <a16:creationId xmlns:a16="http://schemas.microsoft.com/office/drawing/2014/main" id="{50614AED-75DE-4550-9029-54313F89BD12}"/>
-              </a:ext>
-            </a:extLst>
-          </p:cNvPr>
-          <p:cNvSpPr/>
-          <p:nvPr/>
-        </p:nvSpPr>
-        <p:spPr>
-          <a:xfrm>
-            <a:off x="3186646" y="311571"/>
-            <a:ext cx="8052791" cy="992583"/>
-          </a:xfrm>
-          <a:prstGeom prst="rect">
-            <a:avLst/>
-          </a:prstGeom>
-          <a:noFill/>
-        </p:spPr>
-        <p:txBody>
-          <a:bodyPr wrap="square" lIns="68584" tIns="34292" rIns="68584" bIns="34292">
-            <a:spAutoFit/>
-          </a:bodyPr>
-          <a:lstStyle/>
-          <a:p>
-            <a:pPr algn="ctr"/>
-            <a:r>
-              <a:rPr lang="pt-BR" sz="6000" dirty="0">
-                <a:ln w="38100">
-                  <a:solidFill>
-                    <a:schemeClr val="bg1"/>
-                  </a:solidFill>
-                </a:ln>
-                <a:solidFill>
-                  <a:srgbClr val="00B050"/>
-                </a:solidFill>
-                <a:effectLst>
-                  <a:outerShdw blurRad="38100" dist="19050" dir="2700000" algn="tl" rotWithShape="0">
-                    <a:schemeClr val="dk1">
-                      <a:alpha val="40000"/>
-                    </a:schemeClr>
-                  </a:outerShdw>
-                </a:effectLst>
-                <a:latin typeface="Exo 2 Extra Bold" panose="00000900000000000000" pitchFamily="50" charset="0"/>
-              </a:rPr>
-              <a:t>Liga Principal</a:t>
-            </a:r>
-          </a:p>
-        </p:txBody>
-      </p:sp>
-      <p:sp>
-        <p:nvSpPr>
-          <p:cNvPr id="53" name="Retângulo 52">
-            <a:extLst>
-              <a:ext uri="{FF2B5EF4-FFF2-40B4-BE49-F238E27FC236}">
-                <a16:creationId xmlns:a16="http://schemas.microsoft.com/office/drawing/2014/main" id="{F101E0BF-8A68-40B9-BC26-35C299182F52}"/>
-              </a:ext>
-            </a:extLst>
-          </p:cNvPr>
-          <p:cNvSpPr/>
-          <p:nvPr/>
-        </p:nvSpPr>
-        <p:spPr>
-          <a:xfrm>
-            <a:off x="336776" y="1104608"/>
-            <a:ext cx="13909452" cy="1177249"/>
-          </a:xfrm>
-          <a:prstGeom prst="rect">
-            <a:avLst/>
-          </a:prstGeom>
-          <a:noFill/>
-        </p:spPr>
-        <p:txBody>
-          <a:bodyPr wrap="square" lIns="68584" tIns="34292" rIns="68584" bIns="34292">
-            <a:spAutoFit/>
-          </a:bodyPr>
-          <a:lstStyle/>
-          <a:p>
-            <a:pPr algn="ctr"/>
-            <a:r>
-              <a:rPr lang="pt-BR" sz="7200" dirty="0">
-                <a:ln w="0">
-                  <a:noFill/>
-                </a:ln>
-                <a:effectLst>
-                  <a:outerShdw blurRad="38100" dist="19050" dir="2700000" algn="tl" rotWithShape="0">
-                    <a:schemeClr val="dk1">
-                      <a:alpha val="40000"/>
-                    </a:schemeClr>
-                  </a:outerShdw>
-                </a:effectLst>
-                <a:latin typeface="Exo 2 Extra Bold" panose="00000900000000000000" pitchFamily="50" charset="0"/>
-              </a:rPr>
-              <a:t>MATA-MATA SÉRIE A 3</a:t>
-            </a:r>
-          </a:p>
-        </p:txBody>
-      </p:sp>
-      <p:pic>
-        <p:nvPicPr>
-          <p:cNvPr id="15" name="Imagem 14">
-            <a:extLst>
-              <a:ext uri="{FF2B5EF4-FFF2-40B4-BE49-F238E27FC236}">
-                <a16:creationId xmlns:a16="http://schemas.microsoft.com/office/drawing/2014/main" id="{780D6AE4-2B31-43CF-8A3B-9ACC73C32FE9}"/>
-              </a:ext>
-            </a:extLst>
-          </p:cNvPr>
-          <p:cNvPicPr>
-            <a:picLocks noChangeAspect="1"/>
-          </p:cNvPicPr>
-          <p:nvPr/>
-        </p:nvPicPr>
-        <p:blipFill>
-          <a:blip r:embed="rId4" cstate="hqprint">
-            <a:extLst>
-              <a:ext uri="{28A0092B-C50C-407E-A947-70E740481C1C}">
-                <a14:useLocalDpi xmlns:a14="http://schemas.microsoft.com/office/drawing/2010/main" val="0"/>
-              </a:ext>
-            </a:extLst>
-          </a:blip>
-          <a:stretch>
-            <a:fillRect/>
-          </a:stretch>
-        </p:blipFill>
-        <p:spPr>
-          <a:xfrm>
-            <a:off x="336776" y="194284"/>
-            <a:ext cx="2059134" cy="2160000"/>
-          </a:xfrm>
-          <a:prstGeom prst="rect">
-            <a:avLst/>
-          </a:prstGeom>
-        </p:spPr>
-      </p:pic>
-      <p:sp>
-        <p:nvSpPr>
-          <p:cNvPr id="10" name="Retângulo 9">
-            <a:extLst>
-              <a:ext uri="{FF2B5EF4-FFF2-40B4-BE49-F238E27FC236}">
-                <a16:creationId xmlns:a16="http://schemas.microsoft.com/office/drawing/2014/main" id="{838BDC98-3287-4575-8574-56F716FB2440}"/>
-              </a:ext>
-            </a:extLst>
-          </p:cNvPr>
-          <p:cNvSpPr/>
-          <p:nvPr/>
-        </p:nvSpPr>
-        <p:spPr>
-          <a:xfrm>
-            <a:off x="581891" y="2892935"/>
-            <a:ext cx="13267927" cy="3039825"/>
-          </a:xfrm>
-          <a:prstGeom prst="rect">
-            <a:avLst/>
-          </a:prstGeom>
-          <a:solidFill>
-            <a:schemeClr val="tx1">
-              <a:alpha val="81000"/>
-            </a:schemeClr>
-          </a:solidFill>
-        </p:spPr>
-        <p:style>
-          <a:lnRef idx="2">
-            <a:schemeClr val="accent1">
-              <a:shade val="50000"/>
-            </a:schemeClr>
-          </a:lnRef>
-          <a:fillRef idx="1">
-            <a:schemeClr val="accent1"/>
-          </a:fillRef>
-          <a:effectRef idx="0">
-            <a:schemeClr val="accent1"/>
-          </a:effectRef>
-          <a:fontRef idx="minor">
-            <a:schemeClr val="lt1"/>
-          </a:fontRef>
-        </p:style>
-        <p:txBody>
-          <a:bodyPr rtlCol="0" anchor="ctr"/>
-          <a:lstStyle/>
-          <a:p>
-            <a:pPr algn="ctr"/>
-            <a:endParaRPr lang="pt-BR"/>
-          </a:p>
-        </p:txBody>
-      </p:sp>
-      <p:sp>
-        <p:nvSpPr>
-          <p:cNvPr id="21" name="Retângulo 20">
-            <a:extLst>
-              <a:ext uri="{FF2B5EF4-FFF2-40B4-BE49-F238E27FC236}">
-                <a16:creationId xmlns:a16="http://schemas.microsoft.com/office/drawing/2014/main" id="{95EDB8CB-8377-4925-B478-560C3F615037}"/>
-              </a:ext>
-            </a:extLst>
-          </p:cNvPr>
-          <p:cNvSpPr/>
-          <p:nvPr/>
-        </p:nvSpPr>
-        <p:spPr>
-          <a:xfrm>
-            <a:off x="581891" y="6704292"/>
-            <a:ext cx="13267927" cy="3038400"/>
-          </a:xfrm>
-          <a:prstGeom prst="rect">
-            <a:avLst/>
-          </a:prstGeom>
-          <a:solidFill>
-            <a:schemeClr val="tx1">
-              <a:alpha val="81000"/>
-            </a:schemeClr>
-          </a:solidFill>
-        </p:spPr>
-        <p:style>
-          <a:lnRef idx="2">
-            <a:schemeClr val="accent1">
-              <a:shade val="50000"/>
-            </a:schemeClr>
-          </a:lnRef>
-          <a:fillRef idx="1">
-            <a:schemeClr val="accent1"/>
-          </a:fillRef>
-          <a:effectRef idx="0">
-            <a:schemeClr val="accent1"/>
-          </a:effectRef>
-          <a:fontRef idx="minor">
-            <a:schemeClr val="lt1"/>
-          </a:fontRef>
-        </p:style>
-        <p:txBody>
-          <a:bodyPr rtlCol="0" anchor="ctr"/>
-          <a:lstStyle/>
-          <a:p>
-            <a:pPr algn="ctr"/>
-            <a:endParaRPr lang="pt-BR"/>
-          </a:p>
-        </p:txBody>
-      </p:sp>
-      <p:sp>
-        <p:nvSpPr>
-          <p:cNvPr id="23" name="Retângulo 22">
-            <a:extLst>
-              <a:ext uri="{FF2B5EF4-FFF2-40B4-BE49-F238E27FC236}">
-                <a16:creationId xmlns:a16="http://schemas.microsoft.com/office/drawing/2014/main" id="{ED87CD67-A438-4F74-986A-3704AF997953}"/>
-              </a:ext>
-            </a:extLst>
-          </p:cNvPr>
-          <p:cNvSpPr/>
-          <p:nvPr/>
-        </p:nvSpPr>
-        <p:spPr>
-          <a:xfrm>
-            <a:off x="5308448" y="2906454"/>
-            <a:ext cx="3789504" cy="684807"/>
-          </a:xfrm>
-          <a:prstGeom prst="rect">
-            <a:avLst/>
-          </a:prstGeom>
-          <a:noFill/>
-        </p:spPr>
-        <p:txBody>
-          <a:bodyPr wrap="square" lIns="68584" tIns="34292" rIns="68584" bIns="34292">
-            <a:spAutoFit/>
-          </a:bodyPr>
-          <a:lstStyle/>
-          <a:p>
-            <a:pPr algn="ctr"/>
-            <a:r>
-              <a:rPr lang="pt-BR" sz="4000" dirty="0">
-                <a:ln w="0">
-                  <a:noFill/>
-                </a:ln>
-                <a:solidFill>
-                  <a:srgbClr val="0070C0"/>
-                </a:solidFill>
-                <a:effectLst>
-                  <a:outerShdw blurRad="38100" dist="19050" dir="2700000" algn="tl" rotWithShape="0">
-                    <a:schemeClr val="dk1">
-                      <a:alpha val="40000"/>
-                    </a:schemeClr>
-                  </a:outerShdw>
-                </a:effectLst>
-                <a:latin typeface="Exo 2 Extra Bold" panose="00000900000000000000" pitchFamily="50" charset="0"/>
-              </a:rPr>
-              <a:t>Chave 1</a:t>
-            </a:r>
-          </a:p>
-        </p:txBody>
-      </p:sp>
-      <p:sp>
-        <p:nvSpPr>
-          <p:cNvPr id="24" name="Retângulo 23">
-            <a:extLst>
-              <a:ext uri="{FF2B5EF4-FFF2-40B4-BE49-F238E27FC236}">
-                <a16:creationId xmlns:a16="http://schemas.microsoft.com/office/drawing/2014/main" id="{522A4ACC-EC27-4A14-BA66-B0EB03535C7B}"/>
-              </a:ext>
-            </a:extLst>
-          </p:cNvPr>
-          <p:cNvSpPr/>
-          <p:nvPr/>
-        </p:nvSpPr>
-        <p:spPr>
-          <a:xfrm>
-            <a:off x="5321993" y="6726594"/>
-            <a:ext cx="3789503" cy="684807"/>
-          </a:xfrm>
-          <a:prstGeom prst="rect">
-            <a:avLst/>
-          </a:prstGeom>
-          <a:noFill/>
-        </p:spPr>
-        <p:txBody>
-          <a:bodyPr wrap="square" lIns="68584" tIns="34292" rIns="68584" bIns="34292">
-            <a:spAutoFit/>
-          </a:bodyPr>
-          <a:lstStyle/>
-          <a:p>
-            <a:pPr algn="ctr"/>
-            <a:r>
-              <a:rPr lang="pt-BR" sz="4000" dirty="0">
-                <a:ln w="0">
-                  <a:noFill/>
-                </a:ln>
-                <a:solidFill>
-                  <a:srgbClr val="0070C0"/>
-                </a:solidFill>
-                <a:effectLst>
-                  <a:outerShdw blurRad="38100" dist="19050" dir="2700000" algn="tl" rotWithShape="0">
-                    <a:schemeClr val="dk1">
-                      <a:alpha val="40000"/>
-                    </a:schemeClr>
-                  </a:outerShdw>
-                </a:effectLst>
-                <a:latin typeface="Exo 2 Extra Bold" panose="00000900000000000000" pitchFamily="50" charset="0"/>
-              </a:rPr>
-              <a:t>Chave 2</a:t>
-            </a:r>
-          </a:p>
-        </p:txBody>
-      </p:sp>
-      <p:pic>
-        <p:nvPicPr>
-          <p:cNvPr id="4" name="Imagem 3">
-            <a:extLst>
-              <a:ext uri="{FF2B5EF4-FFF2-40B4-BE49-F238E27FC236}">
-                <a16:creationId xmlns:a16="http://schemas.microsoft.com/office/drawing/2014/main" id="{5CF366E0-D2C5-4FCB-A17F-DA976899D5D0}"/>
-              </a:ext>
-            </a:extLst>
-          </p:cNvPr>
-          <p:cNvPicPr>
-            <a:picLocks noChangeAspect="1"/>
-          </p:cNvPicPr>
-          <p:nvPr/>
-        </p:nvPicPr>
-        <p:blipFill>
-          <a:blip r:embed="rId5"/>
-          <a:stretch>
-            <a:fillRect/>
-          </a:stretch>
-        </p:blipFill>
-        <p:spPr>
-          <a:xfrm>
-            <a:off x="930516" y="4017762"/>
-            <a:ext cx="12600000" cy="1054245"/>
-          </a:xfrm>
-          <a:prstGeom prst="rect">
-            <a:avLst/>
-          </a:prstGeom>
-        </p:spPr>
-      </p:pic>
-      <p:pic>
-        <p:nvPicPr>
-          <p:cNvPr id="6" name="Imagem 5">
-            <a:extLst>
-              <a:ext uri="{FF2B5EF4-FFF2-40B4-BE49-F238E27FC236}">
-                <a16:creationId xmlns:a16="http://schemas.microsoft.com/office/drawing/2014/main" id="{CA16256D-0225-495F-B5CC-1A048F9541EA}"/>
-              </a:ext>
-            </a:extLst>
-          </p:cNvPr>
-          <p:cNvPicPr>
-            <a:picLocks noChangeAspect="1"/>
-          </p:cNvPicPr>
-          <p:nvPr/>
-        </p:nvPicPr>
-        <p:blipFill>
-          <a:blip r:embed="rId6"/>
-          <a:stretch>
-            <a:fillRect/>
-          </a:stretch>
-        </p:blipFill>
-        <p:spPr>
-          <a:xfrm>
-            <a:off x="918246" y="7946333"/>
-            <a:ext cx="12600000" cy="1054279"/>
-          </a:xfrm>
-          <a:prstGeom prst="rect">
-            <a:avLst/>
-          </a:prstGeom>
-        </p:spPr>
-      </p:pic>
-    </p:spTree>
-    <p:extLst>
-      <p:ext uri="{BB962C8B-B14F-4D97-AF65-F5344CB8AC3E}">
-        <p14:creationId xmlns:p14="http://schemas.microsoft.com/office/powerpoint/2010/main" val="2200666842"/>
-      </p:ext>
-    </p:extLst>
-  </p:cSld>
-  <p:clrMapOvr>
-    <a:masterClrMapping/>
-  </p:clrMapOvr>
-</p:sld>
-</file>
-
 <file path=ppt/slides/slide18.xml><?xml version="1.0" encoding="utf-8"?>
 <p:sld xmlns:a="http://schemas.openxmlformats.org/drawingml/2006/main" xmlns:r="http://schemas.openxmlformats.org/officeDocument/2006/relationships" xmlns:p="http://schemas.openxmlformats.org/presentationml/2006/main">
   <p:cSld>
@@ -11483,7 +11616,7 @@
                 </a:effectLst>
                 <a:latin typeface="Exo 2 Extra Bold" panose="00000900000000000000" pitchFamily="50" charset="0"/>
               </a:rPr>
-              <a:t>MATA-MATA SÉRIE C 3</a:t>
+              <a:t>MATA-MATA SÉRIE A 3</a:t>
             </a:r>
           </a:p>
         </p:txBody>
@@ -11733,6 +11866,746 @@
           <p:cNvPr id="4" name="Imagem 3">
             <a:extLst>
               <a:ext uri="{FF2B5EF4-FFF2-40B4-BE49-F238E27FC236}">
+                <a16:creationId xmlns:a16="http://schemas.microsoft.com/office/drawing/2014/main" id="{5CF366E0-D2C5-4FCB-A17F-DA976899D5D0}"/>
+              </a:ext>
+            </a:extLst>
+          </p:cNvPr>
+          <p:cNvPicPr>
+            <a:picLocks noChangeAspect="1"/>
+          </p:cNvPicPr>
+          <p:nvPr/>
+        </p:nvPicPr>
+        <p:blipFill>
+          <a:blip r:embed="rId5"/>
+          <a:stretch>
+            <a:fillRect/>
+          </a:stretch>
+        </p:blipFill>
+        <p:spPr>
+          <a:xfrm>
+            <a:off x="930516" y="4017762"/>
+            <a:ext cx="12600000" cy="1054245"/>
+          </a:xfrm>
+          <a:prstGeom prst="rect">
+            <a:avLst/>
+          </a:prstGeom>
+        </p:spPr>
+      </p:pic>
+      <p:pic>
+        <p:nvPicPr>
+          <p:cNvPr id="6" name="Imagem 5">
+            <a:extLst>
+              <a:ext uri="{FF2B5EF4-FFF2-40B4-BE49-F238E27FC236}">
+                <a16:creationId xmlns:a16="http://schemas.microsoft.com/office/drawing/2014/main" id="{CA16256D-0225-495F-B5CC-1A048F9541EA}"/>
+              </a:ext>
+            </a:extLst>
+          </p:cNvPr>
+          <p:cNvPicPr>
+            <a:picLocks noChangeAspect="1"/>
+          </p:cNvPicPr>
+          <p:nvPr/>
+        </p:nvPicPr>
+        <p:blipFill>
+          <a:blip r:embed="rId6"/>
+          <a:stretch>
+            <a:fillRect/>
+          </a:stretch>
+        </p:blipFill>
+        <p:spPr>
+          <a:xfrm>
+            <a:off x="918246" y="7946333"/>
+            <a:ext cx="12600000" cy="1054279"/>
+          </a:xfrm>
+          <a:prstGeom prst="rect">
+            <a:avLst/>
+          </a:prstGeom>
+        </p:spPr>
+      </p:pic>
+    </p:spTree>
+    <p:extLst>
+      <p:ext uri="{BB962C8B-B14F-4D97-AF65-F5344CB8AC3E}">
+        <p14:creationId xmlns:p14="http://schemas.microsoft.com/office/powerpoint/2010/main" val="2200666842"/>
+      </p:ext>
+    </p:extLst>
+  </p:cSld>
+  <p:clrMapOvr>
+    <a:masterClrMapping/>
+  </p:clrMapOvr>
+</p:sld>
+</file>
+
+<file path=ppt/slides/slide19.xml><?xml version="1.0" encoding="utf-8"?>
+<p:sld xmlns:a="http://schemas.openxmlformats.org/drawingml/2006/main" xmlns:r="http://schemas.openxmlformats.org/officeDocument/2006/relationships" xmlns:p="http://schemas.openxmlformats.org/presentationml/2006/main">
+  <p:cSld>
+    <p:bg>
+      <p:bgPr>
+        <a:solidFill>
+          <a:schemeClr val="bg1"/>
+        </a:solidFill>
+        <a:effectLst/>
+      </p:bgPr>
+    </p:bg>
+    <p:spTree>
+      <p:nvGrpSpPr>
+        <p:cNvPr id="1" name=""/>
+        <p:cNvGrpSpPr/>
+        <p:nvPr/>
+      </p:nvGrpSpPr>
+      <p:grpSpPr>
+        <a:xfrm>
+          <a:off x="0" y="0"/>
+          <a:ext cx="0" cy="0"/>
+          <a:chOff x="0" y="0"/>
+          <a:chExt cx="0" cy="0"/>
+        </a:xfrm>
+      </p:grpSpPr>
+      <p:sp>
+        <p:nvSpPr>
+          <p:cNvPr id="13" name="Rectangle 9">
+            <a:extLst>
+              <a:ext uri="{FF2B5EF4-FFF2-40B4-BE49-F238E27FC236}">
+                <a16:creationId xmlns:a16="http://schemas.microsoft.com/office/drawing/2014/main" id="{0BABF38A-8A0D-492E-BD20-6CF4D46B50BD}"/>
+              </a:ext>
+              <a:ext uri="{C183D7F6-B498-43B3-948B-1728B52AA6E4}">
+                <adec:decorative xmlns:adec="http://schemas.microsoft.com/office/drawing/2017/decorative" val="1"/>
+              </a:ext>
+            </a:extLst>
+          </p:cNvPr>
+          <p:cNvSpPr>
+            <a:spLocks noGrp="1" noRot="1" noChangeAspect="1" noMove="1" noResize="1" noEditPoints="1" noAdjustHandles="1" noChangeArrowheads="1" noChangeShapeType="1" noTextEdit="1"/>
+          </p:cNvSpPr>
+          <p:nvPr>
+            <p:extLst>
+              <p:ext uri="{386F3935-93C4-4BCD-93E2-E3B085C9AB24}">
+                <p16:designElem xmlns:p16="http://schemas.microsoft.com/office/powerpoint/2015/main" val="1"/>
+              </p:ext>
+            </p:extLst>
+          </p:nvPr>
+        </p:nvSpPr>
+        <p:spPr>
+          <a:xfrm>
+            <a:off x="3149972" y="3121681"/>
+            <a:ext cx="8100269" cy="4556404"/>
+          </a:xfrm>
+          <a:prstGeom prst="rect">
+            <a:avLst/>
+          </a:prstGeom>
+          <a:solidFill>
+            <a:schemeClr val="bg2">
+              <a:lumMod val="90000"/>
+              <a:alpha val="70000"/>
+            </a:schemeClr>
+          </a:solidFill>
+          <a:ln>
+            <a:noFill/>
+          </a:ln>
+        </p:spPr>
+        <p:style>
+          <a:lnRef idx="2">
+            <a:schemeClr val="accent1">
+              <a:shade val="50000"/>
+            </a:schemeClr>
+          </a:lnRef>
+          <a:fillRef idx="1">
+            <a:schemeClr val="accent1"/>
+          </a:fillRef>
+          <a:effectRef idx="0">
+            <a:schemeClr val="accent1"/>
+          </a:effectRef>
+          <a:fontRef idx="minor">
+            <a:schemeClr val="lt1"/>
+          </a:fontRef>
+        </p:style>
+        <p:txBody>
+          <a:bodyPr rtlCol="0" anchor="ctr"/>
+          <a:lstStyle/>
+          <a:p>
+            <a:pPr algn="ctr">
+              <a:defRPr/>
+            </a:pPr>
+            <a:endParaRPr lang="en-US" sz="1196" dirty="0">
+              <a:solidFill>
+                <a:prstClr val="black">
+                  <a:lumMod val="65000"/>
+                  <a:lumOff val="35000"/>
+                </a:prstClr>
+              </a:solidFill>
+              <a:latin typeface="AvenirNext LT Pro Medium" panose="020B0504020202020204" pitchFamily="34" charset="0"/>
+            </a:endParaRPr>
+          </a:p>
+        </p:txBody>
+      </p:sp>
+      <p:pic>
+        <p:nvPicPr>
+          <p:cNvPr id="12" name="Picture 11">
+            <a:extLst>
+              <a:ext uri="{FF2B5EF4-FFF2-40B4-BE49-F238E27FC236}">
+                <a16:creationId xmlns:a16="http://schemas.microsoft.com/office/drawing/2014/main" id="{BC526B7A-4801-4FD1-95C8-03AF22629E87}"/>
+              </a:ext>
+              <a:ext uri="{C183D7F6-B498-43B3-948B-1728B52AA6E4}">
+                <adec:decorative xmlns:adec="http://schemas.microsoft.com/office/drawing/2017/decorative" val="1"/>
+              </a:ext>
+            </a:extLst>
+          </p:cNvPr>
+          <p:cNvPicPr>
+            <a:picLocks noGrp="1" noRot="1" noChangeAspect="1" noMove="1" noResize="1" noEditPoints="1" noAdjustHandles="1" noChangeArrowheads="1" noChangeShapeType="1" noCrop="1"/>
+          </p:cNvPicPr>
+          <p:nvPr>
+            <p:extLst>
+              <p:ext uri="{386F3935-93C4-4BCD-93E2-E3B085C9AB24}">
+                <p16:designElem xmlns:p16="http://schemas.microsoft.com/office/powerpoint/2015/main" val="1"/>
+              </p:ext>
+            </p:extLst>
+          </p:nvPr>
+        </p:nvPicPr>
+        <p:blipFill>
+          <a:blip r:embed="rId2">
+            <a:alphaModFix amt="10000"/>
+            <a:extLst>
+              <a:ext uri="{28A0092B-C50C-407E-A947-70E740481C1C}">
+                <a14:useLocalDpi xmlns:a14="http://schemas.microsoft.com/office/drawing/2010/main" val="0"/>
+              </a:ext>
+            </a:extLst>
+          </a:blip>
+          <a:stretch>
+            <a:fillRect/>
+          </a:stretch>
+        </p:blipFill>
+        <p:spPr>
+          <a:xfrm>
+            <a:off x="8820159" y="3121682"/>
+            <a:ext cx="2428095" cy="3039825"/>
+          </a:xfrm>
+          <a:prstGeom prst="rect">
+            <a:avLst/>
+          </a:prstGeom>
+        </p:spPr>
+      </p:pic>
+      <p:sp useBgFill="1">
+        <p:nvSpPr>
+          <p:cNvPr id="14" name="Rectangle 13">
+            <a:extLst>
+              <a:ext uri="{FF2B5EF4-FFF2-40B4-BE49-F238E27FC236}">
+                <a16:creationId xmlns:a16="http://schemas.microsoft.com/office/drawing/2014/main" id="{37FDDF72-DE39-4F99-A3C1-DD9D7815D7DB}"/>
+              </a:ext>
+              <a:ext uri="{C183D7F6-B498-43B3-948B-1728B52AA6E4}">
+                <adec:decorative xmlns:adec="http://schemas.microsoft.com/office/drawing/2017/decorative" val="1"/>
+              </a:ext>
+            </a:extLst>
+          </p:cNvPr>
+          <p:cNvSpPr>
+            <a:spLocks noGrp="1" noRot="1" noChangeAspect="1" noMove="1" noResize="1" noEditPoints="1" noAdjustHandles="1" noChangeArrowheads="1" noChangeShapeType="1" noTextEdit="1"/>
+          </p:cNvSpPr>
+          <p:nvPr>
+            <p:extLst>
+              <p:ext uri="{386F3935-93C4-4BCD-93E2-E3B085C9AB24}">
+                <p16:designElem xmlns:p16="http://schemas.microsoft.com/office/powerpoint/2015/main" val="1"/>
+              </p:ext>
+            </p:extLst>
+          </p:nvPr>
+        </p:nvSpPr>
+        <p:spPr>
+          <a:xfrm>
+            <a:off x="3149972" y="3121681"/>
+            <a:ext cx="8100269" cy="4556401"/>
+          </a:xfrm>
+          <a:prstGeom prst="rect">
+            <a:avLst/>
+          </a:prstGeom>
+          <a:ln>
+            <a:noFill/>
+          </a:ln>
+        </p:spPr>
+        <p:style>
+          <a:lnRef idx="2">
+            <a:schemeClr val="accent1">
+              <a:shade val="50000"/>
+            </a:schemeClr>
+          </a:lnRef>
+          <a:fillRef idx="1">
+            <a:schemeClr val="accent1"/>
+          </a:fillRef>
+          <a:effectRef idx="0">
+            <a:schemeClr val="accent1"/>
+          </a:effectRef>
+          <a:fontRef idx="minor">
+            <a:schemeClr val="lt1"/>
+          </a:fontRef>
+        </p:style>
+        <p:txBody>
+          <a:bodyPr rtlCol="0" anchor="ctr"/>
+          <a:lstStyle/>
+          <a:p>
+            <a:pPr algn="ctr">
+              <a:defRPr/>
+            </a:pPr>
+            <a:endParaRPr lang="en-US" sz="1196" dirty="0">
+              <a:solidFill>
+                <a:prstClr val="black">
+                  <a:lumMod val="65000"/>
+                  <a:lumOff val="35000"/>
+                </a:prstClr>
+              </a:solidFill>
+              <a:latin typeface="AvenirNext LT Pro Medium" panose="020B0504020202020204" pitchFamily="34" charset="0"/>
+            </a:endParaRPr>
+          </a:p>
+        </p:txBody>
+      </p:sp>
+      <p:sp>
+        <p:nvSpPr>
+          <p:cNvPr id="16" name="Rectangle 15">
+            <a:extLst>
+              <a:ext uri="{FF2B5EF4-FFF2-40B4-BE49-F238E27FC236}">
+                <a16:creationId xmlns:a16="http://schemas.microsoft.com/office/drawing/2014/main" id="{5E4ECE80-3AD1-450C-B62A-98788F193948}"/>
+              </a:ext>
+              <a:ext uri="{C183D7F6-B498-43B3-948B-1728B52AA6E4}">
+                <adec:decorative xmlns:adec="http://schemas.microsoft.com/office/drawing/2017/decorative" val="1"/>
+              </a:ext>
+            </a:extLst>
+          </p:cNvPr>
+          <p:cNvSpPr>
+            <a:spLocks noGrp="1" noRot="1" noChangeAspect="1" noMove="1" noResize="1" noEditPoints="1" noAdjustHandles="1" noChangeArrowheads="1" noChangeShapeType="1" noTextEdit="1"/>
+          </p:cNvSpPr>
+          <p:nvPr>
+            <p:extLst>
+              <p:ext uri="{386F3935-93C4-4BCD-93E2-E3B085C9AB24}">
+                <p16:designElem xmlns:p16="http://schemas.microsoft.com/office/powerpoint/2015/main" val="1"/>
+              </p:ext>
+            </p:extLst>
+          </p:nvPr>
+        </p:nvSpPr>
+        <p:spPr>
+          <a:xfrm>
+            <a:off x="3149972" y="3121681"/>
+            <a:ext cx="8100269" cy="4556401"/>
+          </a:xfrm>
+          <a:prstGeom prst="rect">
+            <a:avLst/>
+          </a:prstGeom>
+          <a:solidFill>
+            <a:srgbClr val="000000"/>
+          </a:solidFill>
+          <a:ln>
+            <a:noFill/>
+          </a:ln>
+        </p:spPr>
+        <p:style>
+          <a:lnRef idx="2">
+            <a:schemeClr val="accent1">
+              <a:shade val="50000"/>
+            </a:schemeClr>
+          </a:lnRef>
+          <a:fillRef idx="1">
+            <a:schemeClr val="accent1"/>
+          </a:fillRef>
+          <a:effectRef idx="0">
+            <a:schemeClr val="accent1"/>
+          </a:effectRef>
+          <a:fontRef idx="minor">
+            <a:schemeClr val="lt1"/>
+          </a:fontRef>
+        </p:style>
+        <p:txBody>
+          <a:bodyPr rtlCol="0" anchor="ctr"/>
+          <a:lstStyle/>
+          <a:p>
+            <a:pPr algn="ctr">
+              <a:defRPr/>
+            </a:pPr>
+            <a:endParaRPr lang="en-US" sz="1196" dirty="0">
+              <a:solidFill>
+                <a:prstClr val="black">
+                  <a:lumMod val="65000"/>
+                  <a:lumOff val="35000"/>
+                </a:prstClr>
+              </a:solidFill>
+              <a:latin typeface="AvenirNext LT Pro Medium" panose="020B0504020202020204" pitchFamily="34" charset="0"/>
+            </a:endParaRPr>
+          </a:p>
+        </p:txBody>
+      </p:sp>
+      <p:pic>
+        <p:nvPicPr>
+          <p:cNvPr id="5" name="Imagem 4">
+            <a:extLst>
+              <a:ext uri="{FF2B5EF4-FFF2-40B4-BE49-F238E27FC236}">
+                <a16:creationId xmlns:a16="http://schemas.microsoft.com/office/drawing/2014/main" id="{F1433EF1-FB6D-4913-96C9-08F0B1B3CA7A}"/>
+              </a:ext>
+            </a:extLst>
+          </p:cNvPr>
+          <p:cNvPicPr>
+            <a:picLocks noChangeAspect="1"/>
+          </p:cNvPicPr>
+          <p:nvPr/>
+        </p:nvPicPr>
+        <p:blipFill rotWithShape="1">
+          <a:blip r:embed="rId3">
+            <a:alphaModFix/>
+            <a:extLst>
+              <a:ext uri="{28A0092B-C50C-407E-A947-70E740481C1C}">
+                <a14:useLocalDpi xmlns:a14="http://schemas.microsoft.com/office/drawing/2010/main" val="0"/>
+              </a:ext>
+            </a:extLst>
+          </a:blip>
+          <a:srcRect l="5233" t="-2125" r="6244" b="-538"/>
+          <a:stretch/>
+        </p:blipFill>
+        <p:spPr>
+          <a:xfrm>
+            <a:off x="-1" y="-248909"/>
+            <a:ext cx="14400213" cy="11147555"/>
+          </a:xfrm>
+          <a:prstGeom prst="rect">
+            <a:avLst/>
+          </a:prstGeom>
+        </p:spPr>
+      </p:pic>
+      <p:sp>
+        <p:nvSpPr>
+          <p:cNvPr id="50" name="Retângulo 49">
+            <a:extLst>
+              <a:ext uri="{FF2B5EF4-FFF2-40B4-BE49-F238E27FC236}">
+                <a16:creationId xmlns:a16="http://schemas.microsoft.com/office/drawing/2014/main" id="{50614AED-75DE-4550-9029-54313F89BD12}"/>
+              </a:ext>
+            </a:extLst>
+          </p:cNvPr>
+          <p:cNvSpPr/>
+          <p:nvPr/>
+        </p:nvSpPr>
+        <p:spPr>
+          <a:xfrm>
+            <a:off x="3186646" y="311571"/>
+            <a:ext cx="8052791" cy="992583"/>
+          </a:xfrm>
+          <a:prstGeom prst="rect">
+            <a:avLst/>
+          </a:prstGeom>
+          <a:noFill/>
+        </p:spPr>
+        <p:txBody>
+          <a:bodyPr wrap="square" lIns="68584" tIns="34292" rIns="68584" bIns="34292">
+            <a:spAutoFit/>
+          </a:bodyPr>
+          <a:lstStyle/>
+          <a:p>
+            <a:pPr algn="ctr"/>
+            <a:r>
+              <a:rPr lang="pt-BR" sz="6000" dirty="0">
+                <a:ln w="38100">
+                  <a:solidFill>
+                    <a:schemeClr val="bg1"/>
+                  </a:solidFill>
+                </a:ln>
+                <a:solidFill>
+                  <a:srgbClr val="00B050"/>
+                </a:solidFill>
+                <a:effectLst>
+                  <a:outerShdw blurRad="38100" dist="19050" dir="2700000" algn="tl" rotWithShape="0">
+                    <a:schemeClr val="dk1">
+                      <a:alpha val="40000"/>
+                    </a:schemeClr>
+                  </a:outerShdw>
+                </a:effectLst>
+                <a:latin typeface="Exo 2 Extra Bold" panose="00000900000000000000" pitchFamily="50" charset="0"/>
+              </a:rPr>
+              <a:t>Liga Principal</a:t>
+            </a:r>
+          </a:p>
+        </p:txBody>
+      </p:sp>
+      <p:sp>
+        <p:nvSpPr>
+          <p:cNvPr id="53" name="Retângulo 52">
+            <a:extLst>
+              <a:ext uri="{FF2B5EF4-FFF2-40B4-BE49-F238E27FC236}">
+                <a16:creationId xmlns:a16="http://schemas.microsoft.com/office/drawing/2014/main" id="{F101E0BF-8A68-40B9-BC26-35C299182F52}"/>
+              </a:ext>
+            </a:extLst>
+          </p:cNvPr>
+          <p:cNvSpPr/>
+          <p:nvPr/>
+        </p:nvSpPr>
+        <p:spPr>
+          <a:xfrm>
+            <a:off x="336776" y="1104608"/>
+            <a:ext cx="13909452" cy="1177249"/>
+          </a:xfrm>
+          <a:prstGeom prst="rect">
+            <a:avLst/>
+          </a:prstGeom>
+          <a:noFill/>
+        </p:spPr>
+        <p:txBody>
+          <a:bodyPr wrap="square" lIns="68584" tIns="34292" rIns="68584" bIns="34292">
+            <a:spAutoFit/>
+          </a:bodyPr>
+          <a:lstStyle/>
+          <a:p>
+            <a:pPr algn="ctr"/>
+            <a:r>
+              <a:rPr lang="pt-BR" sz="7200" dirty="0">
+                <a:ln w="0">
+                  <a:noFill/>
+                </a:ln>
+                <a:effectLst>
+                  <a:outerShdw blurRad="38100" dist="19050" dir="2700000" algn="tl" rotWithShape="0">
+                    <a:schemeClr val="dk1">
+                      <a:alpha val="40000"/>
+                    </a:schemeClr>
+                  </a:outerShdw>
+                </a:effectLst>
+                <a:latin typeface="Exo 2 Extra Bold" panose="00000900000000000000" pitchFamily="50" charset="0"/>
+              </a:rPr>
+              <a:t>MATA-MATA SÉRIE C 3</a:t>
+            </a:r>
+          </a:p>
+        </p:txBody>
+      </p:sp>
+      <p:pic>
+        <p:nvPicPr>
+          <p:cNvPr id="15" name="Imagem 14">
+            <a:extLst>
+              <a:ext uri="{FF2B5EF4-FFF2-40B4-BE49-F238E27FC236}">
+                <a16:creationId xmlns:a16="http://schemas.microsoft.com/office/drawing/2014/main" id="{780D6AE4-2B31-43CF-8A3B-9ACC73C32FE9}"/>
+              </a:ext>
+            </a:extLst>
+          </p:cNvPr>
+          <p:cNvPicPr>
+            <a:picLocks noChangeAspect="1"/>
+          </p:cNvPicPr>
+          <p:nvPr/>
+        </p:nvPicPr>
+        <p:blipFill>
+          <a:blip r:embed="rId4" cstate="hqprint">
+            <a:extLst>
+              <a:ext uri="{28A0092B-C50C-407E-A947-70E740481C1C}">
+                <a14:useLocalDpi xmlns:a14="http://schemas.microsoft.com/office/drawing/2010/main" val="0"/>
+              </a:ext>
+            </a:extLst>
+          </a:blip>
+          <a:stretch>
+            <a:fillRect/>
+          </a:stretch>
+        </p:blipFill>
+        <p:spPr>
+          <a:xfrm>
+            <a:off x="336776" y="194284"/>
+            <a:ext cx="2059134" cy="2160000"/>
+          </a:xfrm>
+          <a:prstGeom prst="rect">
+            <a:avLst/>
+          </a:prstGeom>
+        </p:spPr>
+      </p:pic>
+      <p:sp>
+        <p:nvSpPr>
+          <p:cNvPr id="10" name="Retângulo 9">
+            <a:extLst>
+              <a:ext uri="{FF2B5EF4-FFF2-40B4-BE49-F238E27FC236}">
+                <a16:creationId xmlns:a16="http://schemas.microsoft.com/office/drawing/2014/main" id="{838BDC98-3287-4575-8574-56F716FB2440}"/>
+              </a:ext>
+            </a:extLst>
+          </p:cNvPr>
+          <p:cNvSpPr/>
+          <p:nvPr/>
+        </p:nvSpPr>
+        <p:spPr>
+          <a:xfrm>
+            <a:off x="581891" y="2892935"/>
+            <a:ext cx="13267927" cy="3039825"/>
+          </a:xfrm>
+          <a:prstGeom prst="rect">
+            <a:avLst/>
+          </a:prstGeom>
+          <a:solidFill>
+            <a:schemeClr val="tx1">
+              <a:alpha val="81000"/>
+            </a:schemeClr>
+          </a:solidFill>
+        </p:spPr>
+        <p:style>
+          <a:lnRef idx="2">
+            <a:schemeClr val="accent1">
+              <a:shade val="50000"/>
+            </a:schemeClr>
+          </a:lnRef>
+          <a:fillRef idx="1">
+            <a:schemeClr val="accent1"/>
+          </a:fillRef>
+          <a:effectRef idx="0">
+            <a:schemeClr val="accent1"/>
+          </a:effectRef>
+          <a:fontRef idx="minor">
+            <a:schemeClr val="lt1"/>
+          </a:fontRef>
+        </p:style>
+        <p:txBody>
+          <a:bodyPr rtlCol="0" anchor="ctr"/>
+          <a:lstStyle/>
+          <a:p>
+            <a:pPr algn="ctr"/>
+            <a:endParaRPr lang="pt-BR"/>
+          </a:p>
+        </p:txBody>
+      </p:sp>
+      <p:sp>
+        <p:nvSpPr>
+          <p:cNvPr id="21" name="Retângulo 20">
+            <a:extLst>
+              <a:ext uri="{FF2B5EF4-FFF2-40B4-BE49-F238E27FC236}">
+                <a16:creationId xmlns:a16="http://schemas.microsoft.com/office/drawing/2014/main" id="{95EDB8CB-8377-4925-B478-560C3F615037}"/>
+              </a:ext>
+            </a:extLst>
+          </p:cNvPr>
+          <p:cNvSpPr/>
+          <p:nvPr/>
+        </p:nvSpPr>
+        <p:spPr>
+          <a:xfrm>
+            <a:off x="581891" y="6704292"/>
+            <a:ext cx="13267927" cy="3038400"/>
+          </a:xfrm>
+          <a:prstGeom prst="rect">
+            <a:avLst/>
+          </a:prstGeom>
+          <a:solidFill>
+            <a:schemeClr val="tx1">
+              <a:alpha val="81000"/>
+            </a:schemeClr>
+          </a:solidFill>
+        </p:spPr>
+        <p:style>
+          <a:lnRef idx="2">
+            <a:schemeClr val="accent1">
+              <a:shade val="50000"/>
+            </a:schemeClr>
+          </a:lnRef>
+          <a:fillRef idx="1">
+            <a:schemeClr val="accent1"/>
+          </a:fillRef>
+          <a:effectRef idx="0">
+            <a:schemeClr val="accent1"/>
+          </a:effectRef>
+          <a:fontRef idx="minor">
+            <a:schemeClr val="lt1"/>
+          </a:fontRef>
+        </p:style>
+        <p:txBody>
+          <a:bodyPr rtlCol="0" anchor="ctr"/>
+          <a:lstStyle/>
+          <a:p>
+            <a:pPr algn="ctr"/>
+            <a:endParaRPr lang="pt-BR"/>
+          </a:p>
+        </p:txBody>
+      </p:sp>
+      <p:sp>
+        <p:nvSpPr>
+          <p:cNvPr id="23" name="Retângulo 22">
+            <a:extLst>
+              <a:ext uri="{FF2B5EF4-FFF2-40B4-BE49-F238E27FC236}">
+                <a16:creationId xmlns:a16="http://schemas.microsoft.com/office/drawing/2014/main" id="{ED87CD67-A438-4F74-986A-3704AF997953}"/>
+              </a:ext>
+            </a:extLst>
+          </p:cNvPr>
+          <p:cNvSpPr/>
+          <p:nvPr/>
+        </p:nvSpPr>
+        <p:spPr>
+          <a:xfrm>
+            <a:off x="5308448" y="2906454"/>
+            <a:ext cx="3789504" cy="684807"/>
+          </a:xfrm>
+          <a:prstGeom prst="rect">
+            <a:avLst/>
+          </a:prstGeom>
+          <a:noFill/>
+        </p:spPr>
+        <p:txBody>
+          <a:bodyPr wrap="square" lIns="68584" tIns="34292" rIns="68584" bIns="34292">
+            <a:spAutoFit/>
+          </a:bodyPr>
+          <a:lstStyle/>
+          <a:p>
+            <a:pPr algn="ctr"/>
+            <a:r>
+              <a:rPr lang="pt-BR" sz="4000" dirty="0">
+                <a:ln w="0">
+                  <a:noFill/>
+                </a:ln>
+                <a:solidFill>
+                  <a:srgbClr val="0070C0"/>
+                </a:solidFill>
+                <a:effectLst>
+                  <a:outerShdw blurRad="38100" dist="19050" dir="2700000" algn="tl" rotWithShape="0">
+                    <a:schemeClr val="dk1">
+                      <a:alpha val="40000"/>
+                    </a:schemeClr>
+                  </a:outerShdw>
+                </a:effectLst>
+                <a:latin typeface="Exo 2 Extra Bold" panose="00000900000000000000" pitchFamily="50" charset="0"/>
+              </a:rPr>
+              <a:t>Chave 1</a:t>
+            </a:r>
+          </a:p>
+        </p:txBody>
+      </p:sp>
+      <p:sp>
+        <p:nvSpPr>
+          <p:cNvPr id="24" name="Retângulo 23">
+            <a:extLst>
+              <a:ext uri="{FF2B5EF4-FFF2-40B4-BE49-F238E27FC236}">
+                <a16:creationId xmlns:a16="http://schemas.microsoft.com/office/drawing/2014/main" id="{522A4ACC-EC27-4A14-BA66-B0EB03535C7B}"/>
+              </a:ext>
+            </a:extLst>
+          </p:cNvPr>
+          <p:cNvSpPr/>
+          <p:nvPr/>
+        </p:nvSpPr>
+        <p:spPr>
+          <a:xfrm>
+            <a:off x="5321993" y="6726594"/>
+            <a:ext cx="3789503" cy="684807"/>
+          </a:xfrm>
+          <a:prstGeom prst="rect">
+            <a:avLst/>
+          </a:prstGeom>
+          <a:noFill/>
+        </p:spPr>
+        <p:txBody>
+          <a:bodyPr wrap="square" lIns="68584" tIns="34292" rIns="68584" bIns="34292">
+            <a:spAutoFit/>
+          </a:bodyPr>
+          <a:lstStyle/>
+          <a:p>
+            <a:pPr algn="ctr"/>
+            <a:r>
+              <a:rPr lang="pt-BR" sz="4000" dirty="0">
+                <a:ln w="0">
+                  <a:noFill/>
+                </a:ln>
+                <a:solidFill>
+                  <a:srgbClr val="0070C0"/>
+                </a:solidFill>
+                <a:effectLst>
+                  <a:outerShdw blurRad="38100" dist="19050" dir="2700000" algn="tl" rotWithShape="0">
+                    <a:schemeClr val="dk1">
+                      <a:alpha val="40000"/>
+                    </a:schemeClr>
+                  </a:outerShdw>
+                </a:effectLst>
+                <a:latin typeface="Exo 2 Extra Bold" panose="00000900000000000000" pitchFamily="50" charset="0"/>
+              </a:rPr>
+              <a:t>Chave 2</a:t>
+            </a:r>
+          </a:p>
+        </p:txBody>
+      </p:sp>
+      <p:pic>
+        <p:nvPicPr>
+          <p:cNvPr id="4" name="Imagem 3">
+            <a:extLst>
+              <a:ext uri="{FF2B5EF4-FFF2-40B4-BE49-F238E27FC236}">
                 <a16:creationId xmlns:a16="http://schemas.microsoft.com/office/drawing/2014/main" id="{595D0380-36B5-417C-A283-D734C6988265}"/>
               </a:ext>
             </a:extLst>
@@ -11801,7 +12674,747 @@
 </p:sld>
 </file>
 
-<file path=ppt/slides/slide19.xml><?xml version="1.0" encoding="utf-8"?>
+<file path=ppt/slides/slide2.xml><?xml version="1.0" encoding="utf-8"?>
+<p:sld xmlns:a="http://schemas.openxmlformats.org/drawingml/2006/main" xmlns:r="http://schemas.openxmlformats.org/officeDocument/2006/relationships" xmlns:p="http://schemas.openxmlformats.org/presentationml/2006/main">
+  <p:cSld>
+    <p:bg>
+      <p:bgPr>
+        <a:solidFill>
+          <a:schemeClr val="bg1"/>
+        </a:solidFill>
+        <a:effectLst/>
+      </p:bgPr>
+    </p:bg>
+    <p:spTree>
+      <p:nvGrpSpPr>
+        <p:cNvPr id="1" name=""/>
+        <p:cNvGrpSpPr/>
+        <p:nvPr/>
+      </p:nvGrpSpPr>
+      <p:grpSpPr>
+        <a:xfrm>
+          <a:off x="0" y="0"/>
+          <a:ext cx="0" cy="0"/>
+          <a:chOff x="0" y="0"/>
+          <a:chExt cx="0" cy="0"/>
+        </a:xfrm>
+      </p:grpSpPr>
+      <p:sp>
+        <p:nvSpPr>
+          <p:cNvPr id="13" name="Rectangle 9">
+            <a:extLst>
+              <a:ext uri="{FF2B5EF4-FFF2-40B4-BE49-F238E27FC236}">
+                <a16:creationId xmlns:a16="http://schemas.microsoft.com/office/drawing/2014/main" id="{0BABF38A-8A0D-492E-BD20-6CF4D46B50BD}"/>
+              </a:ext>
+              <a:ext uri="{C183D7F6-B498-43B3-948B-1728B52AA6E4}">
+                <adec:decorative xmlns:adec="http://schemas.microsoft.com/office/drawing/2017/decorative" val="1"/>
+              </a:ext>
+            </a:extLst>
+          </p:cNvPr>
+          <p:cNvSpPr>
+            <a:spLocks noGrp="1" noRot="1" noChangeAspect="1" noMove="1" noResize="1" noEditPoints="1" noAdjustHandles="1" noChangeArrowheads="1" noChangeShapeType="1" noTextEdit="1"/>
+          </p:cNvSpPr>
+          <p:nvPr>
+            <p:extLst>
+              <p:ext uri="{386F3935-93C4-4BCD-93E2-E3B085C9AB24}">
+                <p16:designElem xmlns:p16="http://schemas.microsoft.com/office/powerpoint/2015/main" val="1"/>
+              </p:ext>
+            </p:extLst>
+          </p:nvPr>
+        </p:nvSpPr>
+        <p:spPr>
+          <a:xfrm>
+            <a:off x="3149972" y="3121681"/>
+            <a:ext cx="8100269" cy="4556404"/>
+          </a:xfrm>
+          <a:prstGeom prst="rect">
+            <a:avLst/>
+          </a:prstGeom>
+          <a:solidFill>
+            <a:schemeClr val="bg2">
+              <a:lumMod val="90000"/>
+              <a:alpha val="70000"/>
+            </a:schemeClr>
+          </a:solidFill>
+          <a:ln>
+            <a:noFill/>
+          </a:ln>
+        </p:spPr>
+        <p:style>
+          <a:lnRef idx="2">
+            <a:schemeClr val="accent1">
+              <a:shade val="50000"/>
+            </a:schemeClr>
+          </a:lnRef>
+          <a:fillRef idx="1">
+            <a:schemeClr val="accent1"/>
+          </a:fillRef>
+          <a:effectRef idx="0">
+            <a:schemeClr val="accent1"/>
+          </a:effectRef>
+          <a:fontRef idx="minor">
+            <a:schemeClr val="lt1"/>
+          </a:fontRef>
+        </p:style>
+        <p:txBody>
+          <a:bodyPr rtlCol="0" anchor="ctr"/>
+          <a:lstStyle/>
+          <a:p>
+            <a:pPr algn="ctr">
+              <a:defRPr/>
+            </a:pPr>
+            <a:endParaRPr lang="en-US" sz="1196" dirty="0">
+              <a:solidFill>
+                <a:prstClr val="black">
+                  <a:lumMod val="65000"/>
+                  <a:lumOff val="35000"/>
+                </a:prstClr>
+              </a:solidFill>
+              <a:latin typeface="AvenirNext LT Pro Medium" panose="020B0504020202020204" pitchFamily="34" charset="0"/>
+            </a:endParaRPr>
+          </a:p>
+        </p:txBody>
+      </p:sp>
+      <p:pic>
+        <p:nvPicPr>
+          <p:cNvPr id="12" name="Picture 11">
+            <a:extLst>
+              <a:ext uri="{FF2B5EF4-FFF2-40B4-BE49-F238E27FC236}">
+                <a16:creationId xmlns:a16="http://schemas.microsoft.com/office/drawing/2014/main" id="{BC526B7A-4801-4FD1-95C8-03AF22629E87}"/>
+              </a:ext>
+              <a:ext uri="{C183D7F6-B498-43B3-948B-1728B52AA6E4}">
+                <adec:decorative xmlns:adec="http://schemas.microsoft.com/office/drawing/2017/decorative" val="1"/>
+              </a:ext>
+            </a:extLst>
+          </p:cNvPr>
+          <p:cNvPicPr>
+            <a:picLocks noGrp="1" noRot="1" noChangeAspect="1" noMove="1" noResize="1" noEditPoints="1" noAdjustHandles="1" noChangeArrowheads="1" noChangeShapeType="1" noCrop="1"/>
+          </p:cNvPicPr>
+          <p:nvPr>
+            <p:extLst>
+              <p:ext uri="{386F3935-93C4-4BCD-93E2-E3B085C9AB24}">
+                <p16:designElem xmlns:p16="http://schemas.microsoft.com/office/powerpoint/2015/main" val="1"/>
+              </p:ext>
+            </p:extLst>
+          </p:nvPr>
+        </p:nvPicPr>
+        <p:blipFill>
+          <a:blip r:embed="rId2">
+            <a:alphaModFix amt="10000"/>
+            <a:extLst>
+              <a:ext uri="{28A0092B-C50C-407E-A947-70E740481C1C}">
+                <a14:useLocalDpi xmlns:a14="http://schemas.microsoft.com/office/drawing/2010/main" val="0"/>
+              </a:ext>
+            </a:extLst>
+          </a:blip>
+          <a:stretch>
+            <a:fillRect/>
+          </a:stretch>
+        </p:blipFill>
+        <p:spPr>
+          <a:xfrm>
+            <a:off x="8820159" y="3121682"/>
+            <a:ext cx="2428095" cy="3039825"/>
+          </a:xfrm>
+          <a:prstGeom prst="rect">
+            <a:avLst/>
+          </a:prstGeom>
+        </p:spPr>
+      </p:pic>
+      <p:sp useBgFill="1">
+        <p:nvSpPr>
+          <p:cNvPr id="14" name="Rectangle 13">
+            <a:extLst>
+              <a:ext uri="{FF2B5EF4-FFF2-40B4-BE49-F238E27FC236}">
+                <a16:creationId xmlns:a16="http://schemas.microsoft.com/office/drawing/2014/main" id="{37FDDF72-DE39-4F99-A3C1-DD9D7815D7DB}"/>
+              </a:ext>
+              <a:ext uri="{C183D7F6-B498-43B3-948B-1728B52AA6E4}">
+                <adec:decorative xmlns:adec="http://schemas.microsoft.com/office/drawing/2017/decorative" val="1"/>
+              </a:ext>
+            </a:extLst>
+          </p:cNvPr>
+          <p:cNvSpPr>
+            <a:spLocks noGrp="1" noRot="1" noChangeAspect="1" noMove="1" noResize="1" noEditPoints="1" noAdjustHandles="1" noChangeArrowheads="1" noChangeShapeType="1" noTextEdit="1"/>
+          </p:cNvSpPr>
+          <p:nvPr>
+            <p:extLst>
+              <p:ext uri="{386F3935-93C4-4BCD-93E2-E3B085C9AB24}">
+                <p16:designElem xmlns:p16="http://schemas.microsoft.com/office/powerpoint/2015/main" val="1"/>
+              </p:ext>
+            </p:extLst>
+          </p:nvPr>
+        </p:nvSpPr>
+        <p:spPr>
+          <a:xfrm>
+            <a:off x="3149972" y="3121681"/>
+            <a:ext cx="8100269" cy="4556401"/>
+          </a:xfrm>
+          <a:prstGeom prst="rect">
+            <a:avLst/>
+          </a:prstGeom>
+          <a:ln>
+            <a:noFill/>
+          </a:ln>
+        </p:spPr>
+        <p:style>
+          <a:lnRef idx="2">
+            <a:schemeClr val="accent1">
+              <a:shade val="50000"/>
+            </a:schemeClr>
+          </a:lnRef>
+          <a:fillRef idx="1">
+            <a:schemeClr val="accent1"/>
+          </a:fillRef>
+          <a:effectRef idx="0">
+            <a:schemeClr val="accent1"/>
+          </a:effectRef>
+          <a:fontRef idx="minor">
+            <a:schemeClr val="lt1"/>
+          </a:fontRef>
+        </p:style>
+        <p:txBody>
+          <a:bodyPr rtlCol="0" anchor="ctr"/>
+          <a:lstStyle/>
+          <a:p>
+            <a:pPr algn="ctr">
+              <a:defRPr/>
+            </a:pPr>
+            <a:endParaRPr lang="en-US" sz="1196" dirty="0">
+              <a:solidFill>
+                <a:prstClr val="black">
+                  <a:lumMod val="65000"/>
+                  <a:lumOff val="35000"/>
+                </a:prstClr>
+              </a:solidFill>
+              <a:latin typeface="AvenirNext LT Pro Medium" panose="020B0504020202020204" pitchFamily="34" charset="0"/>
+            </a:endParaRPr>
+          </a:p>
+        </p:txBody>
+      </p:sp>
+      <p:sp>
+        <p:nvSpPr>
+          <p:cNvPr id="16" name="Rectangle 15">
+            <a:extLst>
+              <a:ext uri="{FF2B5EF4-FFF2-40B4-BE49-F238E27FC236}">
+                <a16:creationId xmlns:a16="http://schemas.microsoft.com/office/drawing/2014/main" id="{5E4ECE80-3AD1-450C-B62A-98788F193948}"/>
+              </a:ext>
+              <a:ext uri="{C183D7F6-B498-43B3-948B-1728B52AA6E4}">
+                <adec:decorative xmlns:adec="http://schemas.microsoft.com/office/drawing/2017/decorative" val="1"/>
+              </a:ext>
+            </a:extLst>
+          </p:cNvPr>
+          <p:cNvSpPr>
+            <a:spLocks noGrp="1" noRot="1" noChangeAspect="1" noMove="1" noResize="1" noEditPoints="1" noAdjustHandles="1" noChangeArrowheads="1" noChangeShapeType="1" noTextEdit="1"/>
+          </p:cNvSpPr>
+          <p:nvPr>
+            <p:extLst>
+              <p:ext uri="{386F3935-93C4-4BCD-93E2-E3B085C9AB24}">
+                <p16:designElem xmlns:p16="http://schemas.microsoft.com/office/powerpoint/2015/main" val="1"/>
+              </p:ext>
+            </p:extLst>
+          </p:nvPr>
+        </p:nvSpPr>
+        <p:spPr>
+          <a:xfrm>
+            <a:off x="3149972" y="3121681"/>
+            <a:ext cx="8100269" cy="4556401"/>
+          </a:xfrm>
+          <a:prstGeom prst="rect">
+            <a:avLst/>
+          </a:prstGeom>
+          <a:solidFill>
+            <a:srgbClr val="000000"/>
+          </a:solidFill>
+          <a:ln>
+            <a:noFill/>
+          </a:ln>
+        </p:spPr>
+        <p:style>
+          <a:lnRef idx="2">
+            <a:schemeClr val="accent1">
+              <a:shade val="50000"/>
+            </a:schemeClr>
+          </a:lnRef>
+          <a:fillRef idx="1">
+            <a:schemeClr val="accent1"/>
+          </a:fillRef>
+          <a:effectRef idx="0">
+            <a:schemeClr val="accent1"/>
+          </a:effectRef>
+          <a:fontRef idx="minor">
+            <a:schemeClr val="lt1"/>
+          </a:fontRef>
+        </p:style>
+        <p:txBody>
+          <a:bodyPr rtlCol="0" anchor="ctr"/>
+          <a:lstStyle/>
+          <a:p>
+            <a:pPr algn="ctr">
+              <a:defRPr/>
+            </a:pPr>
+            <a:endParaRPr lang="en-US" sz="1196" dirty="0">
+              <a:solidFill>
+                <a:prstClr val="black">
+                  <a:lumMod val="65000"/>
+                  <a:lumOff val="35000"/>
+                </a:prstClr>
+              </a:solidFill>
+              <a:latin typeface="AvenirNext LT Pro Medium" panose="020B0504020202020204" pitchFamily="34" charset="0"/>
+            </a:endParaRPr>
+          </a:p>
+        </p:txBody>
+      </p:sp>
+      <p:pic>
+        <p:nvPicPr>
+          <p:cNvPr id="5" name="Imagem 4">
+            <a:extLst>
+              <a:ext uri="{FF2B5EF4-FFF2-40B4-BE49-F238E27FC236}">
+                <a16:creationId xmlns:a16="http://schemas.microsoft.com/office/drawing/2014/main" id="{F1433EF1-FB6D-4913-96C9-08F0B1B3CA7A}"/>
+              </a:ext>
+            </a:extLst>
+          </p:cNvPr>
+          <p:cNvPicPr>
+            <a:picLocks noChangeAspect="1"/>
+          </p:cNvPicPr>
+          <p:nvPr/>
+        </p:nvPicPr>
+        <p:blipFill rotWithShape="1">
+          <a:blip r:embed="rId3">
+            <a:alphaModFix/>
+            <a:extLst>
+              <a:ext uri="{28A0092B-C50C-407E-A947-70E740481C1C}">
+                <a14:useLocalDpi xmlns:a14="http://schemas.microsoft.com/office/drawing/2010/main" val="0"/>
+              </a:ext>
+            </a:extLst>
+          </a:blip>
+          <a:srcRect l="5233" t="-2125" r="6244" b="-538"/>
+          <a:stretch/>
+        </p:blipFill>
+        <p:spPr>
+          <a:xfrm>
+            <a:off x="-1" y="-248909"/>
+            <a:ext cx="14400213" cy="11147555"/>
+          </a:xfrm>
+          <a:prstGeom prst="rect">
+            <a:avLst/>
+          </a:prstGeom>
+        </p:spPr>
+      </p:pic>
+      <p:sp>
+        <p:nvSpPr>
+          <p:cNvPr id="50" name="Retângulo 49">
+            <a:extLst>
+              <a:ext uri="{FF2B5EF4-FFF2-40B4-BE49-F238E27FC236}">
+                <a16:creationId xmlns:a16="http://schemas.microsoft.com/office/drawing/2014/main" id="{50614AED-75DE-4550-9029-54313F89BD12}"/>
+              </a:ext>
+            </a:extLst>
+          </p:cNvPr>
+          <p:cNvSpPr/>
+          <p:nvPr/>
+        </p:nvSpPr>
+        <p:spPr>
+          <a:xfrm>
+            <a:off x="3186646" y="311571"/>
+            <a:ext cx="8052791" cy="992583"/>
+          </a:xfrm>
+          <a:prstGeom prst="rect">
+            <a:avLst/>
+          </a:prstGeom>
+          <a:noFill/>
+        </p:spPr>
+        <p:txBody>
+          <a:bodyPr wrap="square" lIns="68584" tIns="34292" rIns="68584" bIns="34292">
+            <a:spAutoFit/>
+          </a:bodyPr>
+          <a:lstStyle/>
+          <a:p>
+            <a:pPr algn="ctr"/>
+            <a:r>
+              <a:rPr lang="pt-BR" sz="6000" dirty="0">
+                <a:ln w="38100">
+                  <a:solidFill>
+                    <a:schemeClr val="bg1"/>
+                  </a:solidFill>
+                </a:ln>
+                <a:solidFill>
+                  <a:srgbClr val="00B050"/>
+                </a:solidFill>
+                <a:effectLst>
+                  <a:outerShdw blurRad="38100" dist="19050" dir="2700000" algn="tl" rotWithShape="0">
+                    <a:schemeClr val="dk1">
+                      <a:alpha val="40000"/>
+                    </a:schemeClr>
+                  </a:outerShdw>
+                </a:effectLst>
+                <a:latin typeface="Exo 2 Extra Bold" panose="00000900000000000000" pitchFamily="50" charset="0"/>
+              </a:rPr>
+              <a:t>Liga Principal</a:t>
+            </a:r>
+          </a:p>
+        </p:txBody>
+      </p:sp>
+      <p:sp>
+        <p:nvSpPr>
+          <p:cNvPr id="53" name="Retângulo 52">
+            <a:extLst>
+              <a:ext uri="{FF2B5EF4-FFF2-40B4-BE49-F238E27FC236}">
+                <a16:creationId xmlns:a16="http://schemas.microsoft.com/office/drawing/2014/main" id="{F101E0BF-8A68-40B9-BC26-35C299182F52}"/>
+              </a:ext>
+            </a:extLst>
+          </p:cNvPr>
+          <p:cNvSpPr/>
+          <p:nvPr/>
+        </p:nvSpPr>
+        <p:spPr>
+          <a:xfrm>
+            <a:off x="336776" y="1104608"/>
+            <a:ext cx="13909452" cy="1177249"/>
+          </a:xfrm>
+          <a:prstGeom prst="rect">
+            <a:avLst/>
+          </a:prstGeom>
+          <a:noFill/>
+        </p:spPr>
+        <p:txBody>
+          <a:bodyPr wrap="square" lIns="68584" tIns="34292" rIns="68584" bIns="34292">
+            <a:spAutoFit/>
+          </a:bodyPr>
+          <a:lstStyle/>
+          <a:p>
+            <a:pPr algn="ctr"/>
+            <a:r>
+              <a:rPr lang="pt-BR" sz="7200" dirty="0">
+                <a:ln w="0">
+                  <a:noFill/>
+                </a:ln>
+                <a:effectLst>
+                  <a:outerShdw blurRad="38100" dist="19050" dir="2700000" algn="tl" rotWithShape="0">
+                    <a:schemeClr val="dk1">
+                      <a:alpha val="40000"/>
+                    </a:schemeClr>
+                  </a:outerShdw>
+                </a:effectLst>
+                <a:latin typeface="Exo 2 Extra Bold" panose="00000900000000000000" pitchFamily="50" charset="0"/>
+              </a:rPr>
+              <a:t>MATA-MATA SÉRIE B 5</a:t>
+            </a:r>
+          </a:p>
+        </p:txBody>
+      </p:sp>
+      <p:pic>
+        <p:nvPicPr>
+          <p:cNvPr id="15" name="Imagem 14">
+            <a:extLst>
+              <a:ext uri="{FF2B5EF4-FFF2-40B4-BE49-F238E27FC236}">
+                <a16:creationId xmlns:a16="http://schemas.microsoft.com/office/drawing/2014/main" id="{780D6AE4-2B31-43CF-8A3B-9ACC73C32FE9}"/>
+              </a:ext>
+            </a:extLst>
+          </p:cNvPr>
+          <p:cNvPicPr>
+            <a:picLocks noChangeAspect="1"/>
+          </p:cNvPicPr>
+          <p:nvPr/>
+        </p:nvPicPr>
+        <p:blipFill>
+          <a:blip r:embed="rId4" cstate="hqprint">
+            <a:extLst>
+              <a:ext uri="{28A0092B-C50C-407E-A947-70E740481C1C}">
+                <a14:useLocalDpi xmlns:a14="http://schemas.microsoft.com/office/drawing/2010/main" val="0"/>
+              </a:ext>
+            </a:extLst>
+          </a:blip>
+          <a:stretch>
+            <a:fillRect/>
+          </a:stretch>
+        </p:blipFill>
+        <p:spPr>
+          <a:xfrm>
+            <a:off x="336776" y="194284"/>
+            <a:ext cx="2059134" cy="2160000"/>
+          </a:xfrm>
+          <a:prstGeom prst="rect">
+            <a:avLst/>
+          </a:prstGeom>
+        </p:spPr>
+      </p:pic>
+      <p:sp>
+        <p:nvSpPr>
+          <p:cNvPr id="10" name="Retângulo 9">
+            <a:extLst>
+              <a:ext uri="{FF2B5EF4-FFF2-40B4-BE49-F238E27FC236}">
+                <a16:creationId xmlns:a16="http://schemas.microsoft.com/office/drawing/2014/main" id="{838BDC98-3287-4575-8574-56F716FB2440}"/>
+              </a:ext>
+            </a:extLst>
+          </p:cNvPr>
+          <p:cNvSpPr/>
+          <p:nvPr/>
+        </p:nvSpPr>
+        <p:spPr>
+          <a:xfrm>
+            <a:off x="178700" y="2996119"/>
+            <a:ext cx="6850745" cy="6618957"/>
+          </a:xfrm>
+          <a:prstGeom prst="rect">
+            <a:avLst/>
+          </a:prstGeom>
+          <a:solidFill>
+            <a:schemeClr val="tx1">
+              <a:alpha val="81000"/>
+            </a:schemeClr>
+          </a:solidFill>
+        </p:spPr>
+        <p:style>
+          <a:lnRef idx="2">
+            <a:schemeClr val="accent1">
+              <a:shade val="50000"/>
+            </a:schemeClr>
+          </a:lnRef>
+          <a:fillRef idx="1">
+            <a:schemeClr val="accent1"/>
+          </a:fillRef>
+          <a:effectRef idx="0">
+            <a:schemeClr val="accent1"/>
+          </a:effectRef>
+          <a:fontRef idx="minor">
+            <a:schemeClr val="lt1"/>
+          </a:fontRef>
+        </p:style>
+        <p:txBody>
+          <a:bodyPr rtlCol="0" anchor="ctr"/>
+          <a:lstStyle/>
+          <a:p>
+            <a:pPr algn="ctr"/>
+            <a:endParaRPr lang="pt-BR"/>
+          </a:p>
+        </p:txBody>
+      </p:sp>
+      <p:sp>
+        <p:nvSpPr>
+          <p:cNvPr id="21" name="Retângulo 20">
+            <a:extLst>
+              <a:ext uri="{FF2B5EF4-FFF2-40B4-BE49-F238E27FC236}">
+                <a16:creationId xmlns:a16="http://schemas.microsoft.com/office/drawing/2014/main" id="{95EDB8CB-8377-4925-B478-560C3F615037}"/>
+              </a:ext>
+            </a:extLst>
+          </p:cNvPr>
+          <p:cNvSpPr/>
+          <p:nvPr/>
+        </p:nvSpPr>
+        <p:spPr>
+          <a:xfrm>
+            <a:off x="7395483" y="2996119"/>
+            <a:ext cx="6850745" cy="6622759"/>
+          </a:xfrm>
+          <a:prstGeom prst="rect">
+            <a:avLst/>
+          </a:prstGeom>
+          <a:solidFill>
+            <a:schemeClr val="tx1">
+              <a:alpha val="81000"/>
+            </a:schemeClr>
+          </a:solidFill>
+        </p:spPr>
+        <p:style>
+          <a:lnRef idx="2">
+            <a:schemeClr val="accent1">
+              <a:shade val="50000"/>
+            </a:schemeClr>
+          </a:lnRef>
+          <a:fillRef idx="1">
+            <a:schemeClr val="accent1"/>
+          </a:fillRef>
+          <a:effectRef idx="0">
+            <a:schemeClr val="accent1"/>
+          </a:effectRef>
+          <a:fontRef idx="minor">
+            <a:schemeClr val="lt1"/>
+          </a:fontRef>
+        </p:style>
+        <p:txBody>
+          <a:bodyPr rtlCol="0" anchor="ctr"/>
+          <a:lstStyle/>
+          <a:p>
+            <a:pPr algn="ctr"/>
+            <a:endParaRPr lang="pt-BR"/>
+          </a:p>
+        </p:txBody>
+      </p:sp>
+      <p:sp>
+        <p:nvSpPr>
+          <p:cNvPr id="23" name="Retângulo 22">
+            <a:extLst>
+              <a:ext uri="{FF2B5EF4-FFF2-40B4-BE49-F238E27FC236}">
+                <a16:creationId xmlns:a16="http://schemas.microsoft.com/office/drawing/2014/main" id="{ED87CD67-A438-4F74-986A-3704AF997953}"/>
+              </a:ext>
+            </a:extLst>
+          </p:cNvPr>
+          <p:cNvSpPr/>
+          <p:nvPr/>
+        </p:nvSpPr>
+        <p:spPr>
+          <a:xfrm>
+            <a:off x="2102178" y="2948022"/>
+            <a:ext cx="3010153" cy="684807"/>
+          </a:xfrm>
+          <a:prstGeom prst="rect">
+            <a:avLst/>
+          </a:prstGeom>
+          <a:noFill/>
+        </p:spPr>
+        <p:txBody>
+          <a:bodyPr wrap="square" lIns="68584" tIns="34292" rIns="68584" bIns="34292">
+            <a:spAutoFit/>
+          </a:bodyPr>
+          <a:lstStyle/>
+          <a:p>
+            <a:pPr algn="ctr"/>
+            <a:r>
+              <a:rPr lang="pt-BR" sz="4000" dirty="0">
+                <a:ln w="0">
+                  <a:noFill/>
+                </a:ln>
+                <a:solidFill>
+                  <a:srgbClr val="0070C0"/>
+                </a:solidFill>
+                <a:effectLst>
+                  <a:outerShdw blurRad="38100" dist="19050" dir="2700000" algn="tl" rotWithShape="0">
+                    <a:schemeClr val="dk1">
+                      <a:alpha val="40000"/>
+                    </a:schemeClr>
+                  </a:outerShdw>
+                </a:effectLst>
+                <a:latin typeface="Exo 2 Extra Bold" panose="00000900000000000000" pitchFamily="50" charset="0"/>
+              </a:rPr>
+              <a:t>Chave 1</a:t>
+            </a:r>
+          </a:p>
+        </p:txBody>
+      </p:sp>
+      <p:sp>
+        <p:nvSpPr>
+          <p:cNvPr id="24" name="Retângulo 23">
+            <a:extLst>
+              <a:ext uri="{FF2B5EF4-FFF2-40B4-BE49-F238E27FC236}">
+                <a16:creationId xmlns:a16="http://schemas.microsoft.com/office/drawing/2014/main" id="{522A4ACC-EC27-4A14-BA66-B0EB03535C7B}"/>
+              </a:ext>
+            </a:extLst>
+          </p:cNvPr>
+          <p:cNvSpPr/>
+          <p:nvPr/>
+        </p:nvSpPr>
+        <p:spPr>
+          <a:xfrm>
+            <a:off x="9315778" y="2946575"/>
+            <a:ext cx="3010153" cy="684807"/>
+          </a:xfrm>
+          <a:prstGeom prst="rect">
+            <a:avLst/>
+          </a:prstGeom>
+          <a:noFill/>
+        </p:spPr>
+        <p:txBody>
+          <a:bodyPr wrap="square" lIns="68584" tIns="34292" rIns="68584" bIns="34292">
+            <a:spAutoFit/>
+          </a:bodyPr>
+          <a:lstStyle/>
+          <a:p>
+            <a:pPr algn="ctr"/>
+            <a:r>
+              <a:rPr lang="pt-BR" sz="4000" dirty="0">
+                <a:ln w="0">
+                  <a:noFill/>
+                </a:ln>
+                <a:solidFill>
+                  <a:srgbClr val="0070C0"/>
+                </a:solidFill>
+                <a:effectLst>
+                  <a:outerShdw blurRad="38100" dist="19050" dir="2700000" algn="tl" rotWithShape="0">
+                    <a:schemeClr val="dk1">
+                      <a:alpha val="40000"/>
+                    </a:schemeClr>
+                  </a:outerShdw>
+                </a:effectLst>
+                <a:latin typeface="Exo 2 Extra Bold" panose="00000900000000000000" pitchFamily="50" charset="0"/>
+              </a:rPr>
+              <a:t>Chave 2</a:t>
+            </a:r>
+          </a:p>
+        </p:txBody>
+      </p:sp>
+      <p:pic>
+        <p:nvPicPr>
+          <p:cNvPr id="3" name="Imagem 2">
+            <a:extLst>
+              <a:ext uri="{FF2B5EF4-FFF2-40B4-BE49-F238E27FC236}">
+                <a16:creationId xmlns:a16="http://schemas.microsoft.com/office/drawing/2014/main" id="{497D7C66-564B-4AEF-A693-D69923EA7197}"/>
+              </a:ext>
+            </a:extLst>
+          </p:cNvPr>
+          <p:cNvPicPr>
+            <a:picLocks noChangeAspect="1"/>
+          </p:cNvPicPr>
+          <p:nvPr/>
+        </p:nvPicPr>
+        <p:blipFill>
+          <a:blip r:embed="rId5"/>
+          <a:stretch>
+            <a:fillRect/>
+          </a:stretch>
+        </p:blipFill>
+        <p:spPr>
+          <a:xfrm>
+            <a:off x="335503" y="3872449"/>
+            <a:ext cx="6531196" cy="5580000"/>
+          </a:xfrm>
+          <a:prstGeom prst="rect">
+            <a:avLst/>
+          </a:prstGeom>
+        </p:spPr>
+      </p:pic>
+      <p:pic>
+        <p:nvPicPr>
+          <p:cNvPr id="7" name="Imagem 6">
+            <a:extLst>
+              <a:ext uri="{FF2B5EF4-FFF2-40B4-BE49-F238E27FC236}">
+                <a16:creationId xmlns:a16="http://schemas.microsoft.com/office/drawing/2014/main" id="{0B8B080D-487C-4953-B928-DBDE0C3285E9}"/>
+              </a:ext>
+            </a:extLst>
+          </p:cNvPr>
+          <p:cNvPicPr>
+            <a:picLocks noChangeAspect="1"/>
+          </p:cNvPicPr>
+          <p:nvPr/>
+        </p:nvPicPr>
+        <p:blipFill>
+          <a:blip r:embed="rId6"/>
+          <a:stretch>
+            <a:fillRect/>
+          </a:stretch>
+        </p:blipFill>
+        <p:spPr>
+          <a:xfrm>
+            <a:off x="7545681" y="3872449"/>
+            <a:ext cx="6521526" cy="5580000"/>
+          </a:xfrm>
+          <a:prstGeom prst="rect">
+            <a:avLst/>
+          </a:prstGeom>
+        </p:spPr>
+      </p:pic>
+    </p:spTree>
+    <p:extLst>
+      <p:ext uri="{BB962C8B-B14F-4D97-AF65-F5344CB8AC3E}">
+        <p14:creationId xmlns:p14="http://schemas.microsoft.com/office/powerpoint/2010/main" val="3089260622"/>
+      </p:ext>
+    </p:extLst>
+  </p:cSld>
+  <p:clrMapOvr>
+    <a:masterClrMapping/>
+  </p:clrMapOvr>
+</p:sld>
+</file>
+
+<file path=ppt/slides/slide20.xml><?xml version="1.0" encoding="utf-8"?>
 <p:sld xmlns:a="http://schemas.openxmlformats.org/drawingml/2006/main" xmlns:r="http://schemas.openxmlformats.org/officeDocument/2006/relationships" xmlns:p="http://schemas.openxmlformats.org/presentationml/2006/main">
   <p:cSld>
     <p:bg>
@@ -12477,747 +14090,7 @@
 </p:sld>
 </file>
 
-<file path=ppt/slides/slide2.xml><?xml version="1.0" encoding="utf-8"?>
-<p:sld xmlns:a="http://schemas.openxmlformats.org/drawingml/2006/main" xmlns:r="http://schemas.openxmlformats.org/officeDocument/2006/relationships" xmlns:p="http://schemas.openxmlformats.org/presentationml/2006/main">
-  <p:cSld>
-    <p:bg>
-      <p:bgPr>
-        <a:solidFill>
-          <a:schemeClr val="bg1"/>
-        </a:solidFill>
-        <a:effectLst/>
-      </p:bgPr>
-    </p:bg>
-    <p:spTree>
-      <p:nvGrpSpPr>
-        <p:cNvPr id="1" name=""/>
-        <p:cNvGrpSpPr/>
-        <p:nvPr/>
-      </p:nvGrpSpPr>
-      <p:grpSpPr>
-        <a:xfrm>
-          <a:off x="0" y="0"/>
-          <a:ext cx="0" cy="0"/>
-          <a:chOff x="0" y="0"/>
-          <a:chExt cx="0" cy="0"/>
-        </a:xfrm>
-      </p:grpSpPr>
-      <p:sp>
-        <p:nvSpPr>
-          <p:cNvPr id="13" name="Rectangle 9">
-            <a:extLst>
-              <a:ext uri="{FF2B5EF4-FFF2-40B4-BE49-F238E27FC236}">
-                <a16:creationId xmlns:a16="http://schemas.microsoft.com/office/drawing/2014/main" id="{0BABF38A-8A0D-492E-BD20-6CF4D46B50BD}"/>
-              </a:ext>
-              <a:ext uri="{C183D7F6-B498-43B3-948B-1728B52AA6E4}">
-                <adec:decorative xmlns:adec="http://schemas.microsoft.com/office/drawing/2017/decorative" val="1"/>
-              </a:ext>
-            </a:extLst>
-          </p:cNvPr>
-          <p:cNvSpPr>
-            <a:spLocks noGrp="1" noRot="1" noChangeAspect="1" noMove="1" noResize="1" noEditPoints="1" noAdjustHandles="1" noChangeArrowheads="1" noChangeShapeType="1" noTextEdit="1"/>
-          </p:cNvSpPr>
-          <p:nvPr>
-            <p:extLst>
-              <p:ext uri="{386F3935-93C4-4BCD-93E2-E3B085C9AB24}">
-                <p16:designElem xmlns:p16="http://schemas.microsoft.com/office/powerpoint/2015/main" val="1"/>
-              </p:ext>
-            </p:extLst>
-          </p:nvPr>
-        </p:nvSpPr>
-        <p:spPr>
-          <a:xfrm>
-            <a:off x="3149972" y="3121681"/>
-            <a:ext cx="8100269" cy="4556404"/>
-          </a:xfrm>
-          <a:prstGeom prst="rect">
-            <a:avLst/>
-          </a:prstGeom>
-          <a:solidFill>
-            <a:schemeClr val="bg2">
-              <a:lumMod val="90000"/>
-              <a:alpha val="70000"/>
-            </a:schemeClr>
-          </a:solidFill>
-          <a:ln>
-            <a:noFill/>
-          </a:ln>
-        </p:spPr>
-        <p:style>
-          <a:lnRef idx="2">
-            <a:schemeClr val="accent1">
-              <a:shade val="50000"/>
-            </a:schemeClr>
-          </a:lnRef>
-          <a:fillRef idx="1">
-            <a:schemeClr val="accent1"/>
-          </a:fillRef>
-          <a:effectRef idx="0">
-            <a:schemeClr val="accent1"/>
-          </a:effectRef>
-          <a:fontRef idx="minor">
-            <a:schemeClr val="lt1"/>
-          </a:fontRef>
-        </p:style>
-        <p:txBody>
-          <a:bodyPr rtlCol="0" anchor="ctr"/>
-          <a:lstStyle/>
-          <a:p>
-            <a:pPr algn="ctr">
-              <a:defRPr/>
-            </a:pPr>
-            <a:endParaRPr lang="en-US" sz="1196" dirty="0">
-              <a:solidFill>
-                <a:prstClr val="black">
-                  <a:lumMod val="65000"/>
-                  <a:lumOff val="35000"/>
-                </a:prstClr>
-              </a:solidFill>
-              <a:latin typeface="AvenirNext LT Pro Medium" panose="020B0504020202020204" pitchFamily="34" charset="0"/>
-            </a:endParaRPr>
-          </a:p>
-        </p:txBody>
-      </p:sp>
-      <p:pic>
-        <p:nvPicPr>
-          <p:cNvPr id="12" name="Picture 11">
-            <a:extLst>
-              <a:ext uri="{FF2B5EF4-FFF2-40B4-BE49-F238E27FC236}">
-                <a16:creationId xmlns:a16="http://schemas.microsoft.com/office/drawing/2014/main" id="{BC526B7A-4801-4FD1-95C8-03AF22629E87}"/>
-              </a:ext>
-              <a:ext uri="{C183D7F6-B498-43B3-948B-1728B52AA6E4}">
-                <adec:decorative xmlns:adec="http://schemas.microsoft.com/office/drawing/2017/decorative" val="1"/>
-              </a:ext>
-            </a:extLst>
-          </p:cNvPr>
-          <p:cNvPicPr>
-            <a:picLocks noGrp="1" noRot="1" noChangeAspect="1" noMove="1" noResize="1" noEditPoints="1" noAdjustHandles="1" noChangeArrowheads="1" noChangeShapeType="1" noCrop="1"/>
-          </p:cNvPicPr>
-          <p:nvPr>
-            <p:extLst>
-              <p:ext uri="{386F3935-93C4-4BCD-93E2-E3B085C9AB24}">
-                <p16:designElem xmlns:p16="http://schemas.microsoft.com/office/powerpoint/2015/main" val="1"/>
-              </p:ext>
-            </p:extLst>
-          </p:nvPr>
-        </p:nvPicPr>
-        <p:blipFill>
-          <a:blip r:embed="rId2">
-            <a:alphaModFix amt="10000"/>
-            <a:extLst>
-              <a:ext uri="{28A0092B-C50C-407E-A947-70E740481C1C}">
-                <a14:useLocalDpi xmlns:a14="http://schemas.microsoft.com/office/drawing/2010/main" val="0"/>
-              </a:ext>
-            </a:extLst>
-          </a:blip>
-          <a:stretch>
-            <a:fillRect/>
-          </a:stretch>
-        </p:blipFill>
-        <p:spPr>
-          <a:xfrm>
-            <a:off x="8820159" y="3121682"/>
-            <a:ext cx="2428095" cy="3039825"/>
-          </a:xfrm>
-          <a:prstGeom prst="rect">
-            <a:avLst/>
-          </a:prstGeom>
-        </p:spPr>
-      </p:pic>
-      <p:sp useBgFill="1">
-        <p:nvSpPr>
-          <p:cNvPr id="14" name="Rectangle 13">
-            <a:extLst>
-              <a:ext uri="{FF2B5EF4-FFF2-40B4-BE49-F238E27FC236}">
-                <a16:creationId xmlns:a16="http://schemas.microsoft.com/office/drawing/2014/main" id="{37FDDF72-DE39-4F99-A3C1-DD9D7815D7DB}"/>
-              </a:ext>
-              <a:ext uri="{C183D7F6-B498-43B3-948B-1728B52AA6E4}">
-                <adec:decorative xmlns:adec="http://schemas.microsoft.com/office/drawing/2017/decorative" val="1"/>
-              </a:ext>
-            </a:extLst>
-          </p:cNvPr>
-          <p:cNvSpPr>
-            <a:spLocks noGrp="1" noRot="1" noChangeAspect="1" noMove="1" noResize="1" noEditPoints="1" noAdjustHandles="1" noChangeArrowheads="1" noChangeShapeType="1" noTextEdit="1"/>
-          </p:cNvSpPr>
-          <p:nvPr>
-            <p:extLst>
-              <p:ext uri="{386F3935-93C4-4BCD-93E2-E3B085C9AB24}">
-                <p16:designElem xmlns:p16="http://schemas.microsoft.com/office/powerpoint/2015/main" val="1"/>
-              </p:ext>
-            </p:extLst>
-          </p:nvPr>
-        </p:nvSpPr>
-        <p:spPr>
-          <a:xfrm>
-            <a:off x="3149972" y="3121681"/>
-            <a:ext cx="8100269" cy="4556401"/>
-          </a:xfrm>
-          <a:prstGeom prst="rect">
-            <a:avLst/>
-          </a:prstGeom>
-          <a:ln>
-            <a:noFill/>
-          </a:ln>
-        </p:spPr>
-        <p:style>
-          <a:lnRef idx="2">
-            <a:schemeClr val="accent1">
-              <a:shade val="50000"/>
-            </a:schemeClr>
-          </a:lnRef>
-          <a:fillRef idx="1">
-            <a:schemeClr val="accent1"/>
-          </a:fillRef>
-          <a:effectRef idx="0">
-            <a:schemeClr val="accent1"/>
-          </a:effectRef>
-          <a:fontRef idx="minor">
-            <a:schemeClr val="lt1"/>
-          </a:fontRef>
-        </p:style>
-        <p:txBody>
-          <a:bodyPr rtlCol="0" anchor="ctr"/>
-          <a:lstStyle/>
-          <a:p>
-            <a:pPr algn="ctr">
-              <a:defRPr/>
-            </a:pPr>
-            <a:endParaRPr lang="en-US" sz="1196" dirty="0">
-              <a:solidFill>
-                <a:prstClr val="black">
-                  <a:lumMod val="65000"/>
-                  <a:lumOff val="35000"/>
-                </a:prstClr>
-              </a:solidFill>
-              <a:latin typeface="AvenirNext LT Pro Medium" panose="020B0504020202020204" pitchFamily="34" charset="0"/>
-            </a:endParaRPr>
-          </a:p>
-        </p:txBody>
-      </p:sp>
-      <p:sp>
-        <p:nvSpPr>
-          <p:cNvPr id="16" name="Rectangle 15">
-            <a:extLst>
-              <a:ext uri="{FF2B5EF4-FFF2-40B4-BE49-F238E27FC236}">
-                <a16:creationId xmlns:a16="http://schemas.microsoft.com/office/drawing/2014/main" id="{5E4ECE80-3AD1-450C-B62A-98788F193948}"/>
-              </a:ext>
-              <a:ext uri="{C183D7F6-B498-43B3-948B-1728B52AA6E4}">
-                <adec:decorative xmlns:adec="http://schemas.microsoft.com/office/drawing/2017/decorative" val="1"/>
-              </a:ext>
-            </a:extLst>
-          </p:cNvPr>
-          <p:cNvSpPr>
-            <a:spLocks noGrp="1" noRot="1" noChangeAspect="1" noMove="1" noResize="1" noEditPoints="1" noAdjustHandles="1" noChangeArrowheads="1" noChangeShapeType="1" noTextEdit="1"/>
-          </p:cNvSpPr>
-          <p:nvPr>
-            <p:extLst>
-              <p:ext uri="{386F3935-93C4-4BCD-93E2-E3B085C9AB24}">
-                <p16:designElem xmlns:p16="http://schemas.microsoft.com/office/powerpoint/2015/main" val="1"/>
-              </p:ext>
-            </p:extLst>
-          </p:nvPr>
-        </p:nvSpPr>
-        <p:spPr>
-          <a:xfrm>
-            <a:off x="3149972" y="3121681"/>
-            <a:ext cx="8100269" cy="4556401"/>
-          </a:xfrm>
-          <a:prstGeom prst="rect">
-            <a:avLst/>
-          </a:prstGeom>
-          <a:solidFill>
-            <a:srgbClr val="000000"/>
-          </a:solidFill>
-          <a:ln>
-            <a:noFill/>
-          </a:ln>
-        </p:spPr>
-        <p:style>
-          <a:lnRef idx="2">
-            <a:schemeClr val="accent1">
-              <a:shade val="50000"/>
-            </a:schemeClr>
-          </a:lnRef>
-          <a:fillRef idx="1">
-            <a:schemeClr val="accent1"/>
-          </a:fillRef>
-          <a:effectRef idx="0">
-            <a:schemeClr val="accent1"/>
-          </a:effectRef>
-          <a:fontRef idx="minor">
-            <a:schemeClr val="lt1"/>
-          </a:fontRef>
-        </p:style>
-        <p:txBody>
-          <a:bodyPr rtlCol="0" anchor="ctr"/>
-          <a:lstStyle/>
-          <a:p>
-            <a:pPr algn="ctr">
-              <a:defRPr/>
-            </a:pPr>
-            <a:endParaRPr lang="en-US" sz="1196" dirty="0">
-              <a:solidFill>
-                <a:prstClr val="black">
-                  <a:lumMod val="65000"/>
-                  <a:lumOff val="35000"/>
-                </a:prstClr>
-              </a:solidFill>
-              <a:latin typeface="AvenirNext LT Pro Medium" panose="020B0504020202020204" pitchFamily="34" charset="0"/>
-            </a:endParaRPr>
-          </a:p>
-        </p:txBody>
-      </p:sp>
-      <p:pic>
-        <p:nvPicPr>
-          <p:cNvPr id="5" name="Imagem 4">
-            <a:extLst>
-              <a:ext uri="{FF2B5EF4-FFF2-40B4-BE49-F238E27FC236}">
-                <a16:creationId xmlns:a16="http://schemas.microsoft.com/office/drawing/2014/main" id="{F1433EF1-FB6D-4913-96C9-08F0B1B3CA7A}"/>
-              </a:ext>
-            </a:extLst>
-          </p:cNvPr>
-          <p:cNvPicPr>
-            <a:picLocks noChangeAspect="1"/>
-          </p:cNvPicPr>
-          <p:nvPr/>
-        </p:nvPicPr>
-        <p:blipFill rotWithShape="1">
-          <a:blip r:embed="rId3">
-            <a:alphaModFix/>
-            <a:extLst>
-              <a:ext uri="{28A0092B-C50C-407E-A947-70E740481C1C}">
-                <a14:useLocalDpi xmlns:a14="http://schemas.microsoft.com/office/drawing/2010/main" val="0"/>
-              </a:ext>
-            </a:extLst>
-          </a:blip>
-          <a:srcRect l="5233" t="-2125" r="6244" b="-538"/>
-          <a:stretch/>
-        </p:blipFill>
-        <p:spPr>
-          <a:xfrm>
-            <a:off x="-1" y="-248909"/>
-            <a:ext cx="14400213" cy="11147555"/>
-          </a:xfrm>
-          <a:prstGeom prst="rect">
-            <a:avLst/>
-          </a:prstGeom>
-        </p:spPr>
-      </p:pic>
-      <p:sp>
-        <p:nvSpPr>
-          <p:cNvPr id="50" name="Retângulo 49">
-            <a:extLst>
-              <a:ext uri="{FF2B5EF4-FFF2-40B4-BE49-F238E27FC236}">
-                <a16:creationId xmlns:a16="http://schemas.microsoft.com/office/drawing/2014/main" id="{50614AED-75DE-4550-9029-54313F89BD12}"/>
-              </a:ext>
-            </a:extLst>
-          </p:cNvPr>
-          <p:cNvSpPr/>
-          <p:nvPr/>
-        </p:nvSpPr>
-        <p:spPr>
-          <a:xfrm>
-            <a:off x="3186646" y="311571"/>
-            <a:ext cx="8052791" cy="992583"/>
-          </a:xfrm>
-          <a:prstGeom prst="rect">
-            <a:avLst/>
-          </a:prstGeom>
-          <a:noFill/>
-        </p:spPr>
-        <p:txBody>
-          <a:bodyPr wrap="square" lIns="68584" tIns="34292" rIns="68584" bIns="34292">
-            <a:spAutoFit/>
-          </a:bodyPr>
-          <a:lstStyle/>
-          <a:p>
-            <a:pPr algn="ctr"/>
-            <a:r>
-              <a:rPr lang="pt-BR" sz="6000" dirty="0">
-                <a:ln w="38100">
-                  <a:solidFill>
-                    <a:schemeClr val="bg1"/>
-                  </a:solidFill>
-                </a:ln>
-                <a:solidFill>
-                  <a:srgbClr val="00B050"/>
-                </a:solidFill>
-                <a:effectLst>
-                  <a:outerShdw blurRad="38100" dist="19050" dir="2700000" algn="tl" rotWithShape="0">
-                    <a:schemeClr val="dk1">
-                      <a:alpha val="40000"/>
-                    </a:schemeClr>
-                  </a:outerShdw>
-                </a:effectLst>
-                <a:latin typeface="Exo 2 Extra Bold" panose="00000900000000000000" pitchFamily="50" charset="0"/>
-              </a:rPr>
-              <a:t>Liga Principal</a:t>
-            </a:r>
-          </a:p>
-        </p:txBody>
-      </p:sp>
-      <p:sp>
-        <p:nvSpPr>
-          <p:cNvPr id="53" name="Retângulo 52">
-            <a:extLst>
-              <a:ext uri="{FF2B5EF4-FFF2-40B4-BE49-F238E27FC236}">
-                <a16:creationId xmlns:a16="http://schemas.microsoft.com/office/drawing/2014/main" id="{F101E0BF-8A68-40B9-BC26-35C299182F52}"/>
-              </a:ext>
-            </a:extLst>
-          </p:cNvPr>
-          <p:cNvSpPr/>
-          <p:nvPr/>
-        </p:nvSpPr>
-        <p:spPr>
-          <a:xfrm>
-            <a:off x="336776" y="1104608"/>
-            <a:ext cx="13909452" cy="1177249"/>
-          </a:xfrm>
-          <a:prstGeom prst="rect">
-            <a:avLst/>
-          </a:prstGeom>
-          <a:noFill/>
-        </p:spPr>
-        <p:txBody>
-          <a:bodyPr wrap="square" lIns="68584" tIns="34292" rIns="68584" bIns="34292">
-            <a:spAutoFit/>
-          </a:bodyPr>
-          <a:lstStyle/>
-          <a:p>
-            <a:pPr algn="ctr"/>
-            <a:r>
-              <a:rPr lang="pt-BR" sz="7200" dirty="0">
-                <a:ln w="0">
-                  <a:noFill/>
-                </a:ln>
-                <a:effectLst>
-                  <a:outerShdw blurRad="38100" dist="19050" dir="2700000" algn="tl" rotWithShape="0">
-                    <a:schemeClr val="dk1">
-                      <a:alpha val="40000"/>
-                    </a:schemeClr>
-                  </a:outerShdw>
-                </a:effectLst>
-                <a:latin typeface="Exo 2 Extra Bold" panose="00000900000000000000" pitchFamily="50" charset="0"/>
-              </a:rPr>
-              <a:t>MATA-MATA SÉRIE B 5</a:t>
-            </a:r>
-          </a:p>
-        </p:txBody>
-      </p:sp>
-      <p:pic>
-        <p:nvPicPr>
-          <p:cNvPr id="15" name="Imagem 14">
-            <a:extLst>
-              <a:ext uri="{FF2B5EF4-FFF2-40B4-BE49-F238E27FC236}">
-                <a16:creationId xmlns:a16="http://schemas.microsoft.com/office/drawing/2014/main" id="{780D6AE4-2B31-43CF-8A3B-9ACC73C32FE9}"/>
-              </a:ext>
-            </a:extLst>
-          </p:cNvPr>
-          <p:cNvPicPr>
-            <a:picLocks noChangeAspect="1"/>
-          </p:cNvPicPr>
-          <p:nvPr/>
-        </p:nvPicPr>
-        <p:blipFill>
-          <a:blip r:embed="rId4" cstate="hqprint">
-            <a:extLst>
-              <a:ext uri="{28A0092B-C50C-407E-A947-70E740481C1C}">
-                <a14:useLocalDpi xmlns:a14="http://schemas.microsoft.com/office/drawing/2010/main" val="0"/>
-              </a:ext>
-            </a:extLst>
-          </a:blip>
-          <a:stretch>
-            <a:fillRect/>
-          </a:stretch>
-        </p:blipFill>
-        <p:spPr>
-          <a:xfrm>
-            <a:off x="336776" y="194284"/>
-            <a:ext cx="2059134" cy="2160000"/>
-          </a:xfrm>
-          <a:prstGeom prst="rect">
-            <a:avLst/>
-          </a:prstGeom>
-        </p:spPr>
-      </p:pic>
-      <p:sp>
-        <p:nvSpPr>
-          <p:cNvPr id="10" name="Retângulo 9">
-            <a:extLst>
-              <a:ext uri="{FF2B5EF4-FFF2-40B4-BE49-F238E27FC236}">
-                <a16:creationId xmlns:a16="http://schemas.microsoft.com/office/drawing/2014/main" id="{838BDC98-3287-4575-8574-56F716FB2440}"/>
-              </a:ext>
-            </a:extLst>
-          </p:cNvPr>
-          <p:cNvSpPr/>
-          <p:nvPr/>
-        </p:nvSpPr>
-        <p:spPr>
-          <a:xfrm>
-            <a:off x="178700" y="2996119"/>
-            <a:ext cx="6850745" cy="6618957"/>
-          </a:xfrm>
-          <a:prstGeom prst="rect">
-            <a:avLst/>
-          </a:prstGeom>
-          <a:solidFill>
-            <a:schemeClr val="tx1">
-              <a:alpha val="81000"/>
-            </a:schemeClr>
-          </a:solidFill>
-        </p:spPr>
-        <p:style>
-          <a:lnRef idx="2">
-            <a:schemeClr val="accent1">
-              <a:shade val="50000"/>
-            </a:schemeClr>
-          </a:lnRef>
-          <a:fillRef idx="1">
-            <a:schemeClr val="accent1"/>
-          </a:fillRef>
-          <a:effectRef idx="0">
-            <a:schemeClr val="accent1"/>
-          </a:effectRef>
-          <a:fontRef idx="minor">
-            <a:schemeClr val="lt1"/>
-          </a:fontRef>
-        </p:style>
-        <p:txBody>
-          <a:bodyPr rtlCol="0" anchor="ctr"/>
-          <a:lstStyle/>
-          <a:p>
-            <a:pPr algn="ctr"/>
-            <a:endParaRPr lang="pt-BR"/>
-          </a:p>
-        </p:txBody>
-      </p:sp>
-      <p:sp>
-        <p:nvSpPr>
-          <p:cNvPr id="21" name="Retângulo 20">
-            <a:extLst>
-              <a:ext uri="{FF2B5EF4-FFF2-40B4-BE49-F238E27FC236}">
-                <a16:creationId xmlns:a16="http://schemas.microsoft.com/office/drawing/2014/main" id="{95EDB8CB-8377-4925-B478-560C3F615037}"/>
-              </a:ext>
-            </a:extLst>
-          </p:cNvPr>
-          <p:cNvSpPr/>
-          <p:nvPr/>
-        </p:nvSpPr>
-        <p:spPr>
-          <a:xfrm>
-            <a:off x="7395483" y="2996119"/>
-            <a:ext cx="6850745" cy="6622759"/>
-          </a:xfrm>
-          <a:prstGeom prst="rect">
-            <a:avLst/>
-          </a:prstGeom>
-          <a:solidFill>
-            <a:schemeClr val="tx1">
-              <a:alpha val="81000"/>
-            </a:schemeClr>
-          </a:solidFill>
-        </p:spPr>
-        <p:style>
-          <a:lnRef idx="2">
-            <a:schemeClr val="accent1">
-              <a:shade val="50000"/>
-            </a:schemeClr>
-          </a:lnRef>
-          <a:fillRef idx="1">
-            <a:schemeClr val="accent1"/>
-          </a:fillRef>
-          <a:effectRef idx="0">
-            <a:schemeClr val="accent1"/>
-          </a:effectRef>
-          <a:fontRef idx="minor">
-            <a:schemeClr val="lt1"/>
-          </a:fontRef>
-        </p:style>
-        <p:txBody>
-          <a:bodyPr rtlCol="0" anchor="ctr"/>
-          <a:lstStyle/>
-          <a:p>
-            <a:pPr algn="ctr"/>
-            <a:endParaRPr lang="pt-BR"/>
-          </a:p>
-        </p:txBody>
-      </p:sp>
-      <p:sp>
-        <p:nvSpPr>
-          <p:cNvPr id="23" name="Retângulo 22">
-            <a:extLst>
-              <a:ext uri="{FF2B5EF4-FFF2-40B4-BE49-F238E27FC236}">
-                <a16:creationId xmlns:a16="http://schemas.microsoft.com/office/drawing/2014/main" id="{ED87CD67-A438-4F74-986A-3704AF997953}"/>
-              </a:ext>
-            </a:extLst>
-          </p:cNvPr>
-          <p:cNvSpPr/>
-          <p:nvPr/>
-        </p:nvSpPr>
-        <p:spPr>
-          <a:xfrm>
-            <a:off x="2102178" y="2948022"/>
-            <a:ext cx="3010153" cy="684807"/>
-          </a:xfrm>
-          <a:prstGeom prst="rect">
-            <a:avLst/>
-          </a:prstGeom>
-          <a:noFill/>
-        </p:spPr>
-        <p:txBody>
-          <a:bodyPr wrap="square" lIns="68584" tIns="34292" rIns="68584" bIns="34292">
-            <a:spAutoFit/>
-          </a:bodyPr>
-          <a:lstStyle/>
-          <a:p>
-            <a:pPr algn="ctr"/>
-            <a:r>
-              <a:rPr lang="pt-BR" sz="4000" dirty="0">
-                <a:ln w="0">
-                  <a:noFill/>
-                </a:ln>
-                <a:solidFill>
-                  <a:srgbClr val="0070C0"/>
-                </a:solidFill>
-                <a:effectLst>
-                  <a:outerShdw blurRad="38100" dist="19050" dir="2700000" algn="tl" rotWithShape="0">
-                    <a:schemeClr val="dk1">
-                      <a:alpha val="40000"/>
-                    </a:schemeClr>
-                  </a:outerShdw>
-                </a:effectLst>
-                <a:latin typeface="Exo 2 Extra Bold" panose="00000900000000000000" pitchFamily="50" charset="0"/>
-              </a:rPr>
-              <a:t>Chave 1</a:t>
-            </a:r>
-          </a:p>
-        </p:txBody>
-      </p:sp>
-      <p:sp>
-        <p:nvSpPr>
-          <p:cNvPr id="24" name="Retângulo 23">
-            <a:extLst>
-              <a:ext uri="{FF2B5EF4-FFF2-40B4-BE49-F238E27FC236}">
-                <a16:creationId xmlns:a16="http://schemas.microsoft.com/office/drawing/2014/main" id="{522A4ACC-EC27-4A14-BA66-B0EB03535C7B}"/>
-              </a:ext>
-            </a:extLst>
-          </p:cNvPr>
-          <p:cNvSpPr/>
-          <p:nvPr/>
-        </p:nvSpPr>
-        <p:spPr>
-          <a:xfrm>
-            <a:off x="9315778" y="2946575"/>
-            <a:ext cx="3010153" cy="684807"/>
-          </a:xfrm>
-          <a:prstGeom prst="rect">
-            <a:avLst/>
-          </a:prstGeom>
-          <a:noFill/>
-        </p:spPr>
-        <p:txBody>
-          <a:bodyPr wrap="square" lIns="68584" tIns="34292" rIns="68584" bIns="34292">
-            <a:spAutoFit/>
-          </a:bodyPr>
-          <a:lstStyle/>
-          <a:p>
-            <a:pPr algn="ctr"/>
-            <a:r>
-              <a:rPr lang="pt-BR" sz="4000" dirty="0">
-                <a:ln w="0">
-                  <a:noFill/>
-                </a:ln>
-                <a:solidFill>
-                  <a:srgbClr val="0070C0"/>
-                </a:solidFill>
-                <a:effectLst>
-                  <a:outerShdw blurRad="38100" dist="19050" dir="2700000" algn="tl" rotWithShape="0">
-                    <a:schemeClr val="dk1">
-                      <a:alpha val="40000"/>
-                    </a:schemeClr>
-                  </a:outerShdw>
-                </a:effectLst>
-                <a:latin typeface="Exo 2 Extra Bold" panose="00000900000000000000" pitchFamily="50" charset="0"/>
-              </a:rPr>
-              <a:t>Chave 2</a:t>
-            </a:r>
-          </a:p>
-        </p:txBody>
-      </p:sp>
-      <p:pic>
-        <p:nvPicPr>
-          <p:cNvPr id="3" name="Imagem 2">
-            <a:extLst>
-              <a:ext uri="{FF2B5EF4-FFF2-40B4-BE49-F238E27FC236}">
-                <a16:creationId xmlns:a16="http://schemas.microsoft.com/office/drawing/2014/main" id="{497D7C66-564B-4AEF-A693-D69923EA7197}"/>
-              </a:ext>
-            </a:extLst>
-          </p:cNvPr>
-          <p:cNvPicPr>
-            <a:picLocks noChangeAspect="1"/>
-          </p:cNvPicPr>
-          <p:nvPr/>
-        </p:nvPicPr>
-        <p:blipFill>
-          <a:blip r:embed="rId5"/>
-          <a:stretch>
-            <a:fillRect/>
-          </a:stretch>
-        </p:blipFill>
-        <p:spPr>
-          <a:xfrm>
-            <a:off x="335503" y="3872449"/>
-            <a:ext cx="6531196" cy="5580000"/>
-          </a:xfrm>
-          <a:prstGeom prst="rect">
-            <a:avLst/>
-          </a:prstGeom>
-        </p:spPr>
-      </p:pic>
-      <p:pic>
-        <p:nvPicPr>
-          <p:cNvPr id="7" name="Imagem 6">
-            <a:extLst>
-              <a:ext uri="{FF2B5EF4-FFF2-40B4-BE49-F238E27FC236}">
-                <a16:creationId xmlns:a16="http://schemas.microsoft.com/office/drawing/2014/main" id="{0B8B080D-487C-4953-B928-DBDE0C3285E9}"/>
-              </a:ext>
-            </a:extLst>
-          </p:cNvPr>
-          <p:cNvPicPr>
-            <a:picLocks noChangeAspect="1"/>
-          </p:cNvPicPr>
-          <p:nvPr/>
-        </p:nvPicPr>
-        <p:blipFill>
-          <a:blip r:embed="rId6"/>
-          <a:stretch>
-            <a:fillRect/>
-          </a:stretch>
-        </p:blipFill>
-        <p:spPr>
-          <a:xfrm>
-            <a:off x="7545681" y="3872449"/>
-            <a:ext cx="6521526" cy="5580000"/>
-          </a:xfrm>
-          <a:prstGeom prst="rect">
-            <a:avLst/>
-          </a:prstGeom>
-        </p:spPr>
-      </p:pic>
-    </p:spTree>
-    <p:extLst>
-      <p:ext uri="{BB962C8B-B14F-4D97-AF65-F5344CB8AC3E}">
-        <p14:creationId xmlns:p14="http://schemas.microsoft.com/office/powerpoint/2010/main" val="3089260622"/>
-      </p:ext>
-    </p:extLst>
-  </p:cSld>
-  <p:clrMapOvr>
-    <a:masterClrMapping/>
-  </p:clrMapOvr>
-</p:sld>
-</file>
-
-<file path=ppt/slides/slide20.xml><?xml version="1.0" encoding="utf-8"?>
+<file path=ppt/slides/slide21.xml><?xml version="1.0" encoding="utf-8"?>
 <p:sld xmlns:a="http://schemas.openxmlformats.org/drawingml/2006/main" xmlns:r="http://schemas.openxmlformats.org/officeDocument/2006/relationships" xmlns:p="http://schemas.openxmlformats.org/presentationml/2006/main">
   <p:cSld>
     <p:bg>

--- a/MataMataPlanilha.pptx
+++ b/MataMataPlanilha.pptx
@@ -306,7 +306,7 @@
             <a:fld id="{11A6662E-FAF4-44BC-88B5-85A7CBFB6D30}" type="datetime1">
               <a:rPr lang="en-US" smtClean="0"/>
               <a:pPr/>
-              <a:t>10/19/2021</a:t>
+              <a:t>10/26/2021</a:t>
             </a:fld>
             <a:endParaRPr lang="en-US" dirty="0"/>
           </a:p>
@@ -533,7 +533,7 @@
           <a:p>
             <a:fld id="{4C559632-1575-4E14-B53B-3DC3D5ED3947}" type="datetime1">
               <a:rPr lang="en-US" smtClean="0"/>
-              <a:t>10/19/2021</a:t>
+              <a:t>10/26/2021</a:t>
             </a:fld>
             <a:endParaRPr lang="en-US"/>
           </a:p>
@@ -741,7 +741,7 @@
           <a:p>
             <a:fld id="{CC4A6868-2568-4CC9-B302-F37117B01A6E}" type="datetime1">
               <a:rPr lang="en-US" smtClean="0"/>
-              <a:t>10/19/2021</a:t>
+              <a:t>10/26/2021</a:t>
             </a:fld>
             <a:endParaRPr lang="en-US"/>
           </a:p>
@@ -946,7 +946,7 @@
           <a:p>
             <a:fld id="{0055F08A-1E71-4B2B-BB49-E743F2903911}" type="datetime1">
               <a:rPr lang="en-US" smtClean="0"/>
-              <a:t>10/19/2021</a:t>
+              <a:t>10/26/2021</a:t>
             </a:fld>
             <a:endParaRPr lang="en-US" dirty="0"/>
           </a:p>
@@ -1220,7 +1220,7 @@
           <a:p>
             <a:fld id="{15417D9E-721A-44BB-8863-9873FE64DA75}" type="datetime1">
               <a:rPr lang="en-US" smtClean="0"/>
-              <a:t>10/19/2021</a:t>
+              <a:t>10/26/2021</a:t>
             </a:fld>
             <a:endParaRPr lang="en-US"/>
           </a:p>
@@ -1493,7 +1493,7 @@
           <a:p>
             <a:fld id="{5F31DA2F-80B8-49CF-99FB-5ABCA53A607A}" type="datetime1">
               <a:rPr lang="en-US" smtClean="0"/>
-              <a:t>10/19/2021</a:t>
+              <a:t>10/26/2021</a:t>
             </a:fld>
             <a:endParaRPr lang="en-US"/>
           </a:p>
@@ -1908,7 +1908,7 @@
           <a:p>
             <a:fld id="{28852172-E6C9-4B6C-929A-A9DE3837BBF1}" type="datetime1">
               <a:rPr lang="en-US" smtClean="0"/>
-              <a:t>10/19/2021</a:t>
+              <a:t>10/26/2021</a:t>
             </a:fld>
             <a:endParaRPr lang="en-US"/>
           </a:p>
@@ -2060,7 +2060,7 @@
           <a:p>
             <a:fld id="{3AB41CFF-90C9-47B3-9DA1-F2BF8D839F7E}" type="datetime1">
               <a:rPr lang="en-US" smtClean="0"/>
-              <a:t>10/19/2021</a:t>
+              <a:t>10/26/2021</a:t>
             </a:fld>
             <a:endParaRPr lang="en-US"/>
           </a:p>
@@ -2173,7 +2173,7 @@
           <a:p>
             <a:fld id="{F06048FA-06AB-4884-A69B-986B96E68A24}" type="datetime1">
               <a:rPr lang="en-US" smtClean="0"/>
-              <a:t>10/19/2021</a:t>
+              <a:t>10/26/2021</a:t>
             </a:fld>
             <a:endParaRPr lang="en-US"/>
           </a:p>
@@ -2484,7 +2484,7 @@
           <a:p>
             <a:fld id="{50DB7ABA-0172-4F9C-889D-567164F66BCD}" type="datetime1">
               <a:rPr lang="en-US" smtClean="0"/>
-              <a:t>10/19/2021</a:t>
+              <a:t>10/26/2021</a:t>
             </a:fld>
             <a:endParaRPr lang="en-US"/>
           </a:p>
@@ -2775,7 +2775,7 @@
           <a:p>
             <a:fld id="{78AC6A5B-8AE7-4A41-B5A7-9ADC6686DC18}" type="datetime1">
               <a:rPr lang="en-US" smtClean="0"/>
-              <a:t>10/19/2021</a:t>
+              <a:t>10/26/2021</a:t>
             </a:fld>
             <a:endParaRPr lang="en-US"/>
           </a:p>
@@ -3084,7 +3084,7 @@
             <a:fld id="{57E0CF6C-748E-4B7A-BC8B-3011EF78ED13}" type="datetime1">
               <a:rPr lang="en-US" smtClean="0"/>
               <a:pPr/>
-              <a:t>10/19/2021</a:t>
+              <a:t>10/26/2021</a:t>
             </a:fld>
             <a:endParaRPr lang="en-US" dirty="0"/>
           </a:p>
@@ -9089,7 +9089,7 @@
         </p:nvSpPr>
         <p:spPr>
           <a:xfrm>
-            <a:off x="1911927" y="2227185"/>
+            <a:off x="1953491" y="2227185"/>
             <a:ext cx="10476677" cy="2718888"/>
           </a:xfrm>
           <a:prstGeom prst="rect">
@@ -9140,7 +9140,7 @@
         </p:nvSpPr>
         <p:spPr>
           <a:xfrm>
-            <a:off x="1911927" y="5072033"/>
+            <a:off x="1974273" y="5072033"/>
             <a:ext cx="10476677" cy="2718888"/>
           </a:xfrm>
           <a:prstGeom prst="rect">
@@ -9293,7 +9293,7 @@
         </p:nvSpPr>
         <p:spPr>
           <a:xfrm>
-            <a:off x="1918853" y="7946853"/>
+            <a:off x="1981199" y="7946853"/>
             <a:ext cx="10476677" cy="2718888"/>
           </a:xfrm>
           <a:prstGeom prst="rect">
@@ -9413,10 +9413,10 @@
       </p:pic>
       <p:pic>
         <p:nvPicPr>
-          <p:cNvPr id="9" name="Imagem 8">
-            <a:extLst>
-              <a:ext uri="{FF2B5EF4-FFF2-40B4-BE49-F238E27FC236}">
-                <a16:creationId xmlns:a16="http://schemas.microsoft.com/office/drawing/2014/main" id="{0B16AF35-358E-4FF5-9BAB-DB14FF109E36}"/>
+          <p:cNvPr id="3" name="Imagem 2">
+            <a:extLst>
+              <a:ext uri="{FF2B5EF4-FFF2-40B4-BE49-F238E27FC236}">
+                <a16:creationId xmlns:a16="http://schemas.microsoft.com/office/drawing/2014/main" id="{26E4F505-6A2B-4C7A-9ED4-E78D8C16DB63}"/>
               </a:ext>
             </a:extLst>
           </p:cNvPr>
@@ -9433,7 +9433,7 @@
         </p:blipFill>
         <p:spPr>
           <a:xfrm>
-            <a:off x="2368632" y="6157470"/>
+            <a:off x="2352651" y="6155141"/>
             <a:ext cx="9720000" cy="814801"/>
           </a:xfrm>
           <a:prstGeom prst="rect">
@@ -9443,10 +9443,10 @@
       </p:pic>
       <p:pic>
         <p:nvPicPr>
-          <p:cNvPr id="17" name="Imagem 16">
-            <a:extLst>
-              <a:ext uri="{FF2B5EF4-FFF2-40B4-BE49-F238E27FC236}">
-                <a16:creationId xmlns:a16="http://schemas.microsoft.com/office/drawing/2014/main" id="{1FE58DAE-41AC-4BDC-87C2-277D95B4CD56}"/>
+          <p:cNvPr id="6" name="Imagem 5">
+            <a:extLst>
+              <a:ext uri="{FF2B5EF4-FFF2-40B4-BE49-F238E27FC236}">
+                <a16:creationId xmlns:a16="http://schemas.microsoft.com/office/drawing/2014/main" id="{7DFBC71D-9103-4F5F-83B7-9CE4B9386FF7}"/>
               </a:ext>
             </a:extLst>
           </p:cNvPr>
@@ -9463,7 +9463,7 @@
         </p:blipFill>
         <p:spPr>
           <a:xfrm>
-            <a:off x="2356875" y="9048872"/>
+            <a:off x="2363802" y="9048871"/>
             <a:ext cx="9720000" cy="814801"/>
           </a:xfrm>
           <a:prstGeom prst="rect">
@@ -9961,7 +9961,7 @@
         </p:nvSpPr>
         <p:spPr>
           <a:xfrm>
-            <a:off x="1911927" y="2227185"/>
+            <a:off x="1974273" y="2227185"/>
             <a:ext cx="10476677" cy="2718888"/>
           </a:xfrm>
           <a:prstGeom prst="rect">
@@ -10012,7 +10012,7 @@
         </p:nvSpPr>
         <p:spPr>
           <a:xfrm>
-            <a:off x="1911927" y="5072033"/>
+            <a:off x="1974273" y="5072033"/>
             <a:ext cx="10476677" cy="2718888"/>
           </a:xfrm>
           <a:prstGeom prst="rect">
@@ -10063,7 +10063,7 @@
         </p:nvSpPr>
         <p:spPr>
           <a:xfrm>
-            <a:off x="1918853" y="7946853"/>
+            <a:off x="1981199" y="7946853"/>
             <a:ext cx="10476677" cy="2718888"/>
           </a:xfrm>
           <a:prstGeom prst="rect">
@@ -10285,10 +10285,10 @@
       </p:pic>
       <p:pic>
         <p:nvPicPr>
-          <p:cNvPr id="3" name="Imagem 2">
-            <a:extLst>
-              <a:ext uri="{FF2B5EF4-FFF2-40B4-BE49-F238E27FC236}">
-                <a16:creationId xmlns:a16="http://schemas.microsoft.com/office/drawing/2014/main" id="{2E48AC7F-72F5-4607-A43A-6528B24AC0E4}"/>
+          <p:cNvPr id="4" name="Imagem 3">
+            <a:extLst>
+              <a:ext uri="{FF2B5EF4-FFF2-40B4-BE49-F238E27FC236}">
+                <a16:creationId xmlns:a16="http://schemas.microsoft.com/office/drawing/2014/main" id="{9D3AC57E-E719-4854-96FD-B0884A0B9AEF}"/>
               </a:ext>
             </a:extLst>
           </p:cNvPr>
@@ -10305,7 +10305,7 @@
         </p:blipFill>
         <p:spPr>
           <a:xfrm>
-            <a:off x="2363942" y="6159468"/>
+            <a:off x="2356874" y="6159465"/>
             <a:ext cx="9720000" cy="814801"/>
           </a:xfrm>
           <a:prstGeom prst="rect">
@@ -10315,10 +10315,10 @@
       </p:pic>
       <p:pic>
         <p:nvPicPr>
-          <p:cNvPr id="6" name="Imagem 5">
-            <a:extLst>
-              <a:ext uri="{FF2B5EF4-FFF2-40B4-BE49-F238E27FC236}">
-                <a16:creationId xmlns:a16="http://schemas.microsoft.com/office/drawing/2014/main" id="{D31EFAD8-179D-4D23-A1A8-D679243412F0}"/>
+          <p:cNvPr id="9" name="Imagem 8">
+            <a:extLst>
+              <a:ext uri="{FF2B5EF4-FFF2-40B4-BE49-F238E27FC236}">
+                <a16:creationId xmlns:a16="http://schemas.microsoft.com/office/drawing/2014/main" id="{AB668725-AEE0-4644-9418-6E35B0004A21}"/>
               </a:ext>
             </a:extLst>
           </p:cNvPr>
@@ -10335,7 +10335,7 @@
         </p:blipFill>
         <p:spPr>
           <a:xfrm>
-            <a:off x="2363800" y="9036968"/>
+            <a:off x="2356874" y="9036968"/>
             <a:ext cx="9720000" cy="814801"/>
           </a:xfrm>
           <a:prstGeom prst="rect">
@@ -13096,7 +13096,7 @@
                 </a:effectLst>
                 <a:latin typeface="Exo 2 Extra Bold" panose="00000900000000000000" pitchFamily="50" charset="0"/>
               </a:rPr>
-              <a:t>MATA-MATA SÉRIE B 5</a:t>
+              <a:t>MATA-MATA SÉRIE B 6</a:t>
             </a:r>
           </a:p>
         </p:txBody>
@@ -13343,10 +13343,10 @@
       </p:sp>
       <p:pic>
         <p:nvPicPr>
-          <p:cNvPr id="3" name="Imagem 2">
-            <a:extLst>
-              <a:ext uri="{FF2B5EF4-FFF2-40B4-BE49-F238E27FC236}">
-                <a16:creationId xmlns:a16="http://schemas.microsoft.com/office/drawing/2014/main" id="{497D7C66-564B-4AEF-A693-D69923EA7197}"/>
+          <p:cNvPr id="4" name="Imagem 3">
+            <a:extLst>
+              <a:ext uri="{FF2B5EF4-FFF2-40B4-BE49-F238E27FC236}">
+                <a16:creationId xmlns:a16="http://schemas.microsoft.com/office/drawing/2014/main" id="{88EA04A2-CDF9-4CEE-A8DB-4BA58F737824}"/>
               </a:ext>
             </a:extLst>
           </p:cNvPr>
@@ -13363,7 +13363,7 @@
         </p:blipFill>
         <p:spPr>
           <a:xfrm>
-            <a:off x="335503" y="3872449"/>
+            <a:off x="341471" y="3872449"/>
             <a:ext cx="6531196" cy="5580000"/>
           </a:xfrm>
           <a:prstGeom prst="rect">
@@ -13373,10 +13373,10 @@
       </p:pic>
       <p:pic>
         <p:nvPicPr>
-          <p:cNvPr id="7" name="Imagem 6">
-            <a:extLst>
-              <a:ext uri="{FF2B5EF4-FFF2-40B4-BE49-F238E27FC236}">
-                <a16:creationId xmlns:a16="http://schemas.microsoft.com/office/drawing/2014/main" id="{0B8B080D-487C-4953-B928-DBDE0C3285E9}"/>
+          <p:cNvPr id="8" name="Imagem 7">
+            <a:extLst>
+              <a:ext uri="{FF2B5EF4-FFF2-40B4-BE49-F238E27FC236}">
+                <a16:creationId xmlns:a16="http://schemas.microsoft.com/office/drawing/2014/main" id="{9DB99CDD-BD69-4A05-8827-9A4A0194769D}"/>
               </a:ext>
             </a:extLst>
           </p:cNvPr>
@@ -13393,7 +13393,7 @@
         </p:blipFill>
         <p:spPr>
           <a:xfrm>
-            <a:off x="7545681" y="3872449"/>
+            <a:off x="7559587" y="3872449"/>
             <a:ext cx="6521526" cy="5580000"/>
           </a:xfrm>
           <a:prstGeom prst="rect">
@@ -15252,7 +15252,7 @@
                 </a:effectLst>
                 <a:latin typeface="Exo 2 Extra Bold" panose="00000900000000000000" pitchFamily="50" charset="0"/>
               </a:rPr>
-              <a:t>MATA-MATA SÉRIE C 5</a:t>
+              <a:t>MATA-MATA SÉRIE C 6</a:t>
             </a:r>
           </a:p>
         </p:txBody>
@@ -15499,10 +15499,10 @@
       </p:sp>
       <p:pic>
         <p:nvPicPr>
-          <p:cNvPr id="3" name="Imagem 2">
-            <a:extLst>
-              <a:ext uri="{FF2B5EF4-FFF2-40B4-BE49-F238E27FC236}">
-                <a16:creationId xmlns:a16="http://schemas.microsoft.com/office/drawing/2014/main" id="{D588B59D-24BA-4479-A30A-4EF6F9DE90B5}"/>
+          <p:cNvPr id="4" name="Imagem 3">
+            <a:extLst>
+              <a:ext uri="{FF2B5EF4-FFF2-40B4-BE49-F238E27FC236}">
+                <a16:creationId xmlns:a16="http://schemas.microsoft.com/office/drawing/2014/main" id="{B572AC64-D672-4915-A605-C6A050BB0D5B}"/>
               </a:ext>
             </a:extLst>
           </p:cNvPr>
@@ -15519,7 +15519,7 @@
         </p:blipFill>
         <p:spPr>
           <a:xfrm>
-            <a:off x="342947" y="3872449"/>
+            <a:off x="343153" y="3872449"/>
             <a:ext cx="6531196" cy="5580000"/>
           </a:xfrm>
           <a:prstGeom prst="rect">
@@ -15529,10 +15529,10 @@
       </p:pic>
       <p:pic>
         <p:nvPicPr>
-          <p:cNvPr id="7" name="Imagem 6">
-            <a:extLst>
-              <a:ext uri="{FF2B5EF4-FFF2-40B4-BE49-F238E27FC236}">
-                <a16:creationId xmlns:a16="http://schemas.microsoft.com/office/drawing/2014/main" id="{6066C6E3-65AC-45C9-B917-8CE68674096F}"/>
+          <p:cNvPr id="8" name="Imagem 7">
+            <a:extLst>
+              <a:ext uri="{FF2B5EF4-FFF2-40B4-BE49-F238E27FC236}">
+                <a16:creationId xmlns:a16="http://schemas.microsoft.com/office/drawing/2014/main" id="{C399B0D1-2B3D-45C2-AEAD-50E49B46DE6A}"/>
               </a:ext>
             </a:extLst>
           </p:cNvPr>
@@ -15549,7 +15549,7 @@
         </p:blipFill>
         <p:spPr>
           <a:xfrm>
-            <a:off x="7552117" y="3872449"/>
+            <a:off x="7557335" y="3872449"/>
             <a:ext cx="6521526" cy="5580000"/>
           </a:xfrm>
           <a:prstGeom prst="rect">

--- a/MataMataPlanilha.pptx
+++ b/MataMataPlanilha.pptx
@@ -306,7 +306,7 @@
             <a:fld id="{11A6662E-FAF4-44BC-88B5-85A7CBFB6D30}" type="datetime1">
               <a:rPr lang="en-US" smtClean="0"/>
               <a:pPr/>
-              <a:t>10/26/2021</a:t>
+              <a:t>11/3/2021</a:t>
             </a:fld>
             <a:endParaRPr lang="en-US" dirty="0"/>
           </a:p>
@@ -533,7 +533,7 @@
           <a:p>
             <a:fld id="{4C559632-1575-4E14-B53B-3DC3D5ED3947}" type="datetime1">
               <a:rPr lang="en-US" smtClean="0"/>
-              <a:t>10/26/2021</a:t>
+              <a:t>11/3/2021</a:t>
             </a:fld>
             <a:endParaRPr lang="en-US"/>
           </a:p>
@@ -741,7 +741,7 @@
           <a:p>
             <a:fld id="{CC4A6868-2568-4CC9-B302-F37117B01A6E}" type="datetime1">
               <a:rPr lang="en-US" smtClean="0"/>
-              <a:t>10/26/2021</a:t>
+              <a:t>11/3/2021</a:t>
             </a:fld>
             <a:endParaRPr lang="en-US"/>
           </a:p>
@@ -946,7 +946,7 @@
           <a:p>
             <a:fld id="{0055F08A-1E71-4B2B-BB49-E743F2903911}" type="datetime1">
               <a:rPr lang="en-US" smtClean="0"/>
-              <a:t>10/26/2021</a:t>
+              <a:t>11/3/2021</a:t>
             </a:fld>
             <a:endParaRPr lang="en-US" dirty="0"/>
           </a:p>
@@ -1220,7 +1220,7 @@
           <a:p>
             <a:fld id="{15417D9E-721A-44BB-8863-9873FE64DA75}" type="datetime1">
               <a:rPr lang="en-US" smtClean="0"/>
-              <a:t>10/26/2021</a:t>
+              <a:t>11/3/2021</a:t>
             </a:fld>
             <a:endParaRPr lang="en-US"/>
           </a:p>
@@ -1493,7 +1493,7 @@
           <a:p>
             <a:fld id="{5F31DA2F-80B8-49CF-99FB-5ABCA53A607A}" type="datetime1">
               <a:rPr lang="en-US" smtClean="0"/>
-              <a:t>10/26/2021</a:t>
+              <a:t>11/3/2021</a:t>
             </a:fld>
             <a:endParaRPr lang="en-US"/>
           </a:p>
@@ -1908,7 +1908,7 @@
           <a:p>
             <a:fld id="{28852172-E6C9-4B6C-929A-A9DE3837BBF1}" type="datetime1">
               <a:rPr lang="en-US" smtClean="0"/>
-              <a:t>10/26/2021</a:t>
+              <a:t>11/3/2021</a:t>
             </a:fld>
             <a:endParaRPr lang="en-US"/>
           </a:p>
@@ -2060,7 +2060,7 @@
           <a:p>
             <a:fld id="{3AB41CFF-90C9-47B3-9DA1-F2BF8D839F7E}" type="datetime1">
               <a:rPr lang="en-US" smtClean="0"/>
-              <a:t>10/26/2021</a:t>
+              <a:t>11/3/2021</a:t>
             </a:fld>
             <a:endParaRPr lang="en-US"/>
           </a:p>
@@ -2173,7 +2173,7 @@
           <a:p>
             <a:fld id="{F06048FA-06AB-4884-A69B-986B96E68A24}" type="datetime1">
               <a:rPr lang="en-US" smtClean="0"/>
-              <a:t>10/26/2021</a:t>
+              <a:t>11/3/2021</a:t>
             </a:fld>
             <a:endParaRPr lang="en-US"/>
           </a:p>
@@ -2484,7 +2484,7 @@
           <a:p>
             <a:fld id="{50DB7ABA-0172-4F9C-889D-567164F66BCD}" type="datetime1">
               <a:rPr lang="en-US" smtClean="0"/>
-              <a:t>10/26/2021</a:t>
+              <a:t>11/3/2021</a:t>
             </a:fld>
             <a:endParaRPr lang="en-US"/>
           </a:p>
@@ -2775,7 +2775,7 @@
           <a:p>
             <a:fld id="{78AC6A5B-8AE7-4A41-B5A7-9ADC6686DC18}" type="datetime1">
               <a:rPr lang="en-US" smtClean="0"/>
-              <a:t>10/26/2021</a:t>
+              <a:t>11/3/2021</a:t>
             </a:fld>
             <a:endParaRPr lang="en-US"/>
           </a:p>
@@ -3084,7 +3084,7 @@
             <a:fld id="{57E0CF6C-748E-4B7A-BC8B-3011EF78ED13}" type="datetime1">
               <a:rPr lang="en-US" smtClean="0"/>
               <a:pPr/>
-              <a:t>10/26/2021</a:t>
+              <a:t>11/3/2021</a:t>
             </a:fld>
             <a:endParaRPr lang="en-US" dirty="0"/>
           </a:p>
@@ -13343,10 +13343,10 @@
       </p:sp>
       <p:pic>
         <p:nvPicPr>
-          <p:cNvPr id="4" name="Imagem 3">
-            <a:extLst>
-              <a:ext uri="{FF2B5EF4-FFF2-40B4-BE49-F238E27FC236}">
-                <a16:creationId xmlns:a16="http://schemas.microsoft.com/office/drawing/2014/main" id="{88EA04A2-CDF9-4CEE-A8DB-4BA58F737824}"/>
+          <p:cNvPr id="3" name="Imagem 2">
+            <a:extLst>
+              <a:ext uri="{FF2B5EF4-FFF2-40B4-BE49-F238E27FC236}">
+                <a16:creationId xmlns:a16="http://schemas.microsoft.com/office/drawing/2014/main" id="{7B7FC376-B2C5-460E-AA4E-9842651AA202}"/>
               </a:ext>
             </a:extLst>
           </p:cNvPr>
@@ -13363,8 +13363,8 @@
         </p:blipFill>
         <p:spPr>
           <a:xfrm>
-            <a:off x="341471" y="3872449"/>
-            <a:ext cx="6531196" cy="5580000"/>
+            <a:off x="337449" y="3872449"/>
+            <a:ext cx="6531199" cy="5580000"/>
           </a:xfrm>
           <a:prstGeom prst="rect">
             <a:avLst/>
@@ -13373,10 +13373,10 @@
       </p:pic>
       <p:pic>
         <p:nvPicPr>
-          <p:cNvPr id="8" name="Imagem 7">
-            <a:extLst>
-              <a:ext uri="{FF2B5EF4-FFF2-40B4-BE49-F238E27FC236}">
-                <a16:creationId xmlns:a16="http://schemas.microsoft.com/office/drawing/2014/main" id="{9DB99CDD-BD69-4A05-8827-9A4A0194769D}"/>
+          <p:cNvPr id="7" name="Imagem 6">
+            <a:extLst>
+              <a:ext uri="{FF2B5EF4-FFF2-40B4-BE49-F238E27FC236}">
+                <a16:creationId xmlns:a16="http://schemas.microsoft.com/office/drawing/2014/main" id="{DAB343E5-AC2C-4013-862F-5983284EDDAB}"/>
               </a:ext>
             </a:extLst>
           </p:cNvPr>
@@ -13393,8 +13393,8 @@
         </p:blipFill>
         <p:spPr>
           <a:xfrm>
-            <a:off x="7559587" y="3872449"/>
-            <a:ext cx="6521526" cy="5580000"/>
+            <a:off x="7558628" y="3872449"/>
+            <a:ext cx="6521521" cy="5580000"/>
           </a:xfrm>
           <a:prstGeom prst="rect">
             <a:avLst/>
@@ -15499,10 +15499,10 @@
       </p:sp>
       <p:pic>
         <p:nvPicPr>
-          <p:cNvPr id="4" name="Imagem 3">
-            <a:extLst>
-              <a:ext uri="{FF2B5EF4-FFF2-40B4-BE49-F238E27FC236}">
-                <a16:creationId xmlns:a16="http://schemas.microsoft.com/office/drawing/2014/main" id="{B572AC64-D672-4915-A605-C6A050BB0D5B}"/>
+          <p:cNvPr id="3" name="Imagem 2">
+            <a:extLst>
+              <a:ext uri="{FF2B5EF4-FFF2-40B4-BE49-F238E27FC236}">
+                <a16:creationId xmlns:a16="http://schemas.microsoft.com/office/drawing/2014/main" id="{E12F199D-02B2-4735-B679-2410D1C5C676}"/>
               </a:ext>
             </a:extLst>
           </p:cNvPr>
@@ -15519,8 +15519,8 @@
         </p:blipFill>
         <p:spPr>
           <a:xfrm>
-            <a:off x="343153" y="3872449"/>
-            <a:ext cx="6531196" cy="5580000"/>
+            <a:off x="335112" y="3872449"/>
+            <a:ext cx="6531199" cy="5580000"/>
           </a:xfrm>
           <a:prstGeom prst="rect">
             <a:avLst/>
@@ -15529,10 +15529,10 @@
       </p:pic>
       <p:pic>
         <p:nvPicPr>
-          <p:cNvPr id="8" name="Imagem 7">
-            <a:extLst>
-              <a:ext uri="{FF2B5EF4-FFF2-40B4-BE49-F238E27FC236}">
-                <a16:creationId xmlns:a16="http://schemas.microsoft.com/office/drawing/2014/main" id="{C399B0D1-2B3D-45C2-AEAD-50E49B46DE6A}"/>
+          <p:cNvPr id="7" name="Imagem 6">
+            <a:extLst>
+              <a:ext uri="{FF2B5EF4-FFF2-40B4-BE49-F238E27FC236}">
+                <a16:creationId xmlns:a16="http://schemas.microsoft.com/office/drawing/2014/main" id="{C67AA670-C21C-4D47-B5E6-85221F0183AC}"/>
               </a:ext>
             </a:extLst>
           </p:cNvPr>
@@ -15549,8 +15549,8 @@
         </p:blipFill>
         <p:spPr>
           <a:xfrm>
-            <a:off x="7557335" y="3872449"/>
-            <a:ext cx="6521526" cy="5580000"/>
+            <a:off x="7549969" y="3872449"/>
+            <a:ext cx="6521521" cy="5580000"/>
           </a:xfrm>
           <a:prstGeom prst="rect">
             <a:avLst/>
@@ -17880,7 +17880,7 @@
                 </a:effectLst>
                 <a:latin typeface="Exo 2 Extra Bold" panose="00000900000000000000" pitchFamily="50" charset="0"/>
               </a:rPr>
-              <a:t>MATA-MATA SÉRIE B 5</a:t>
+              <a:t>MATA-MATA SÉRIE B 6</a:t>
             </a:r>
           </a:p>
         </p:txBody>
@@ -18127,10 +18127,10 @@
       </p:sp>
       <p:pic>
         <p:nvPicPr>
-          <p:cNvPr id="4" name="Imagem 3">
-            <a:extLst>
-              <a:ext uri="{FF2B5EF4-FFF2-40B4-BE49-F238E27FC236}">
-                <a16:creationId xmlns:a16="http://schemas.microsoft.com/office/drawing/2014/main" id="{5CC3AA65-7944-4D86-8A33-AF2E6D647BB9}"/>
+          <p:cNvPr id="3" name="Imagem 2">
+            <a:extLst>
+              <a:ext uri="{FF2B5EF4-FFF2-40B4-BE49-F238E27FC236}">
+                <a16:creationId xmlns:a16="http://schemas.microsoft.com/office/drawing/2014/main" id="{98FBC3E5-E5F3-49DE-91C4-BD33E99E0923}"/>
               </a:ext>
             </a:extLst>
           </p:cNvPr>
@@ -18147,8 +18147,8 @@
         </p:blipFill>
         <p:spPr>
           <a:xfrm>
-            <a:off x="3253081" y="2966664"/>
-            <a:ext cx="7920000" cy="3279322"/>
+            <a:off x="3271662" y="2975287"/>
+            <a:ext cx="7920000" cy="3279323"/>
           </a:xfrm>
           <a:prstGeom prst="rect">
             <a:avLst/>
@@ -18157,10 +18157,10 @@
       </p:pic>
       <p:pic>
         <p:nvPicPr>
-          <p:cNvPr id="7" name="Imagem 6">
-            <a:extLst>
-              <a:ext uri="{FF2B5EF4-FFF2-40B4-BE49-F238E27FC236}">
-                <a16:creationId xmlns:a16="http://schemas.microsoft.com/office/drawing/2014/main" id="{D002BA06-0D5E-43B4-8A3D-DCF49A38BE55}"/>
+          <p:cNvPr id="8" name="Imagem 7">
+            <a:extLst>
+              <a:ext uri="{FF2B5EF4-FFF2-40B4-BE49-F238E27FC236}">
+                <a16:creationId xmlns:a16="http://schemas.microsoft.com/office/drawing/2014/main" id="{BB154601-A7EC-4ADC-B885-184A3230D4DC}"/>
               </a:ext>
             </a:extLst>
           </p:cNvPr>
@@ -18177,7 +18177,7 @@
         </p:blipFill>
         <p:spPr>
           <a:xfrm>
-            <a:off x="3248137" y="7173416"/>
+            <a:off x="3259028" y="7173415"/>
             <a:ext cx="7920000" cy="3279323"/>
           </a:xfrm>
           <a:prstGeom prst="rect">
@@ -18620,7 +18620,7 @@
                 </a:effectLst>
                 <a:latin typeface="Exo 2 Extra Bold" panose="00000900000000000000" pitchFamily="50" charset="0"/>
               </a:rPr>
-              <a:t>MATA-MATA SÉRIE C 5</a:t>
+              <a:t>MATA-MATA SÉRIE C 6</a:t>
             </a:r>
           </a:p>
         </p:txBody>
@@ -18867,10 +18867,10 @@
       </p:sp>
       <p:pic>
         <p:nvPicPr>
-          <p:cNvPr id="4" name="Imagem 3">
-            <a:extLst>
-              <a:ext uri="{FF2B5EF4-FFF2-40B4-BE49-F238E27FC236}">
-                <a16:creationId xmlns:a16="http://schemas.microsoft.com/office/drawing/2014/main" id="{CC416E3B-33C8-4CBC-9A94-91F276900CFF}"/>
+          <p:cNvPr id="8" name="Imagem 7">
+            <a:extLst>
+              <a:ext uri="{FF2B5EF4-FFF2-40B4-BE49-F238E27FC236}">
+                <a16:creationId xmlns:a16="http://schemas.microsoft.com/office/drawing/2014/main" id="{32689C74-1F5F-407E-8A06-EE6AE498E3F1}"/>
               </a:ext>
             </a:extLst>
           </p:cNvPr>
@@ -18887,7 +18887,7 @@
         </p:blipFill>
         <p:spPr>
           <a:xfrm>
-            <a:off x="3260412" y="2971215"/>
+            <a:off x="3259028" y="2996443"/>
             <a:ext cx="7920000" cy="3279323"/>
           </a:xfrm>
           <a:prstGeom prst="rect">
@@ -18897,10 +18897,10 @@
       </p:pic>
       <p:pic>
         <p:nvPicPr>
-          <p:cNvPr id="7" name="Imagem 6">
-            <a:extLst>
-              <a:ext uri="{FF2B5EF4-FFF2-40B4-BE49-F238E27FC236}">
-                <a16:creationId xmlns:a16="http://schemas.microsoft.com/office/drawing/2014/main" id="{6D767F3B-916E-4194-A34D-A41B4B56CE87}"/>
+          <p:cNvPr id="11" name="Imagem 10">
+            <a:extLst>
+              <a:ext uri="{FF2B5EF4-FFF2-40B4-BE49-F238E27FC236}">
+                <a16:creationId xmlns:a16="http://schemas.microsoft.com/office/drawing/2014/main" id="{8E175093-06EB-4B27-9FF1-7D2C696EEB45}"/>
               </a:ext>
             </a:extLst>
           </p:cNvPr>
@@ -18917,7 +18917,7 @@
         </p:blipFill>
         <p:spPr>
           <a:xfrm>
-            <a:off x="3260015" y="7196134"/>
+            <a:off x="3268470" y="7185068"/>
             <a:ext cx="7920000" cy="3279323"/>
           </a:xfrm>
           <a:prstGeom prst="rect">

--- a/MataMataPlanilha.pptx
+++ b/MataMataPlanilha.pptx
@@ -306,7 +306,7 @@
             <a:fld id="{11A6662E-FAF4-44BC-88B5-85A7CBFB6D30}" type="datetime1">
               <a:rPr lang="en-US" smtClean="0"/>
               <a:pPr/>
-              <a:t>11/3/2021</a:t>
+              <a:t>11/9/2021</a:t>
             </a:fld>
             <a:endParaRPr lang="en-US" dirty="0"/>
           </a:p>
@@ -533,7 +533,7 @@
           <a:p>
             <a:fld id="{4C559632-1575-4E14-B53B-3DC3D5ED3947}" type="datetime1">
               <a:rPr lang="en-US" smtClean="0"/>
-              <a:t>11/3/2021</a:t>
+              <a:t>11/9/2021</a:t>
             </a:fld>
             <a:endParaRPr lang="en-US"/>
           </a:p>
@@ -741,7 +741,7 @@
           <a:p>
             <a:fld id="{CC4A6868-2568-4CC9-B302-F37117B01A6E}" type="datetime1">
               <a:rPr lang="en-US" smtClean="0"/>
-              <a:t>11/3/2021</a:t>
+              <a:t>11/9/2021</a:t>
             </a:fld>
             <a:endParaRPr lang="en-US"/>
           </a:p>
@@ -946,7 +946,7 @@
           <a:p>
             <a:fld id="{0055F08A-1E71-4B2B-BB49-E743F2903911}" type="datetime1">
               <a:rPr lang="en-US" smtClean="0"/>
-              <a:t>11/3/2021</a:t>
+              <a:t>11/9/2021</a:t>
             </a:fld>
             <a:endParaRPr lang="en-US" dirty="0"/>
           </a:p>
@@ -1220,7 +1220,7 @@
           <a:p>
             <a:fld id="{15417D9E-721A-44BB-8863-9873FE64DA75}" type="datetime1">
               <a:rPr lang="en-US" smtClean="0"/>
-              <a:t>11/3/2021</a:t>
+              <a:t>11/9/2021</a:t>
             </a:fld>
             <a:endParaRPr lang="en-US"/>
           </a:p>
@@ -1493,7 +1493,7 @@
           <a:p>
             <a:fld id="{5F31DA2F-80B8-49CF-99FB-5ABCA53A607A}" type="datetime1">
               <a:rPr lang="en-US" smtClean="0"/>
-              <a:t>11/3/2021</a:t>
+              <a:t>11/9/2021</a:t>
             </a:fld>
             <a:endParaRPr lang="en-US"/>
           </a:p>
@@ -1908,7 +1908,7 @@
           <a:p>
             <a:fld id="{28852172-E6C9-4B6C-929A-A9DE3837BBF1}" type="datetime1">
               <a:rPr lang="en-US" smtClean="0"/>
-              <a:t>11/3/2021</a:t>
+              <a:t>11/9/2021</a:t>
             </a:fld>
             <a:endParaRPr lang="en-US"/>
           </a:p>
@@ -2060,7 +2060,7 @@
           <a:p>
             <a:fld id="{3AB41CFF-90C9-47B3-9DA1-F2BF8D839F7E}" type="datetime1">
               <a:rPr lang="en-US" smtClean="0"/>
-              <a:t>11/3/2021</a:t>
+              <a:t>11/9/2021</a:t>
             </a:fld>
             <a:endParaRPr lang="en-US"/>
           </a:p>
@@ -2173,7 +2173,7 @@
           <a:p>
             <a:fld id="{F06048FA-06AB-4884-A69B-986B96E68A24}" type="datetime1">
               <a:rPr lang="en-US" smtClean="0"/>
-              <a:t>11/3/2021</a:t>
+              <a:t>11/9/2021</a:t>
             </a:fld>
             <a:endParaRPr lang="en-US"/>
           </a:p>
@@ -2484,7 +2484,7 @@
           <a:p>
             <a:fld id="{50DB7ABA-0172-4F9C-889D-567164F66BCD}" type="datetime1">
               <a:rPr lang="en-US" smtClean="0"/>
-              <a:t>11/3/2021</a:t>
+              <a:t>11/9/2021</a:t>
             </a:fld>
             <a:endParaRPr lang="en-US"/>
           </a:p>
@@ -2775,7 +2775,7 @@
           <a:p>
             <a:fld id="{78AC6A5B-8AE7-4A41-B5A7-9ADC6686DC18}" type="datetime1">
               <a:rPr lang="en-US" smtClean="0"/>
-              <a:t>11/3/2021</a:t>
+              <a:t>11/9/2021</a:t>
             </a:fld>
             <a:endParaRPr lang="en-US"/>
           </a:p>
@@ -3084,7 +3084,7 @@
             <a:fld id="{57E0CF6C-748E-4B7A-BC8B-3011EF78ED13}" type="datetime1">
               <a:rPr lang="en-US" smtClean="0"/>
               <a:pPr/>
-              <a:t>11/3/2021</a:t>
+              <a:t>11/9/2021</a:t>
             </a:fld>
             <a:endParaRPr lang="en-US" dirty="0"/>
           </a:p>
@@ -5580,7 +5580,7 @@
                 </a:effectLst>
                 <a:latin typeface="Exo 2 Extra Bold" panose="00000900000000000000" pitchFamily="50" charset="0"/>
               </a:rPr>
-              <a:t>MATA-MATA SÉRIE B 5</a:t>
+              <a:t>MATA-MATA SÉRIE B 6</a:t>
             </a:r>
           </a:p>
         </p:txBody>
@@ -5929,10 +5929,10 @@
       </p:sp>
       <p:pic>
         <p:nvPicPr>
-          <p:cNvPr id="3" name="Imagem 2">
-            <a:extLst>
-              <a:ext uri="{FF2B5EF4-FFF2-40B4-BE49-F238E27FC236}">
-                <a16:creationId xmlns:a16="http://schemas.microsoft.com/office/drawing/2014/main" id="{4445779E-25A7-47CF-812B-CF385BBA6313}"/>
+          <p:cNvPr id="4" name="Imagem 3">
+            <a:extLst>
+              <a:ext uri="{FF2B5EF4-FFF2-40B4-BE49-F238E27FC236}">
+                <a16:creationId xmlns:a16="http://schemas.microsoft.com/office/drawing/2014/main" id="{16F2BEF6-C26F-4C70-9C7F-708C559B251B}"/>
               </a:ext>
             </a:extLst>
           </p:cNvPr>
@@ -5949,7 +5949,7 @@
         </p:blipFill>
         <p:spPr>
           <a:xfrm>
-            <a:off x="2354633" y="2895349"/>
+            <a:off x="2372860" y="2890442"/>
             <a:ext cx="9720000" cy="1884742"/>
           </a:xfrm>
           <a:prstGeom prst="rect">
@@ -5959,10 +5959,10 @@
       </p:pic>
       <p:pic>
         <p:nvPicPr>
-          <p:cNvPr id="7" name="Imagem 6">
-            <a:extLst>
-              <a:ext uri="{FF2B5EF4-FFF2-40B4-BE49-F238E27FC236}">
-                <a16:creationId xmlns:a16="http://schemas.microsoft.com/office/drawing/2014/main" id="{7F3402C1-373C-4E8C-BAB0-C5D927B2C6CF}"/>
+          <p:cNvPr id="8" name="Imagem 7">
+            <a:extLst>
+              <a:ext uri="{FF2B5EF4-FFF2-40B4-BE49-F238E27FC236}">
+                <a16:creationId xmlns:a16="http://schemas.microsoft.com/office/drawing/2014/main" id="{FDD567C4-346C-4453-AA05-97D6DE116464}"/>
               </a:ext>
             </a:extLst>
           </p:cNvPr>
@@ -5979,37 +5979,7 @@
         </p:blipFill>
         <p:spPr>
           <a:xfrm>
-            <a:off x="2348965" y="5707296"/>
-            <a:ext cx="9720000" cy="1884742"/>
-          </a:xfrm>
-          <a:prstGeom prst="rect">
-            <a:avLst/>
-          </a:prstGeom>
-        </p:spPr>
-      </p:pic>
-      <p:pic>
-        <p:nvPicPr>
-          <p:cNvPr id="11" name="Imagem 10">
-            <a:extLst>
-              <a:ext uri="{FF2B5EF4-FFF2-40B4-BE49-F238E27FC236}">
-                <a16:creationId xmlns:a16="http://schemas.microsoft.com/office/drawing/2014/main" id="{A455ADFF-7D2B-438A-9B57-133B4B4F2462}"/>
-              </a:ext>
-            </a:extLst>
-          </p:cNvPr>
-          <p:cNvPicPr>
-            <a:picLocks noChangeAspect="1"/>
-          </p:cNvPicPr>
-          <p:nvPr/>
-        </p:nvPicPr>
-        <p:blipFill>
-          <a:blip r:embed="rId7"/>
-          <a:stretch>
-            <a:fillRect/>
-          </a:stretch>
-        </p:blipFill>
-        <p:spPr>
-          <a:xfrm>
-            <a:off x="2356744" y="8622160"/>
+            <a:off x="2363311" y="5707296"/>
             <a:ext cx="9720000" cy="1884742"/>
           </a:xfrm>
           <a:prstGeom prst="rect">
@@ -6452,7 +6422,7 @@
                 </a:effectLst>
                 <a:latin typeface="Exo 2 Extra Bold" panose="00000900000000000000" pitchFamily="50" charset="0"/>
               </a:rPr>
-              <a:t>MATA-MATA SÉRIE C 5</a:t>
+              <a:t>MATA-MATA SÉRIE C 6</a:t>
             </a:r>
           </a:p>
         </p:txBody>
@@ -6801,10 +6771,10 @@
       </p:sp>
       <p:pic>
         <p:nvPicPr>
-          <p:cNvPr id="4" name="Imagem 3">
-            <a:extLst>
-              <a:ext uri="{FF2B5EF4-FFF2-40B4-BE49-F238E27FC236}">
-                <a16:creationId xmlns:a16="http://schemas.microsoft.com/office/drawing/2014/main" id="{589F51C7-FB7F-4600-88D4-1B5BEB579377}"/>
+          <p:cNvPr id="3" name="Imagem 2">
+            <a:extLst>
+              <a:ext uri="{FF2B5EF4-FFF2-40B4-BE49-F238E27FC236}">
+                <a16:creationId xmlns:a16="http://schemas.microsoft.com/office/drawing/2014/main" id="{39DB2741-4CE2-495F-9A8C-81C244DE1C21}"/>
               </a:ext>
             </a:extLst>
           </p:cNvPr>
@@ -6821,7 +6791,7 @@
         </p:blipFill>
         <p:spPr>
           <a:xfrm>
-            <a:off x="2354633" y="2895514"/>
+            <a:off x="2356874" y="2863896"/>
             <a:ext cx="9720000" cy="1884742"/>
           </a:xfrm>
           <a:prstGeom prst="rect">
@@ -6831,10 +6801,10 @@
       </p:pic>
       <p:pic>
         <p:nvPicPr>
-          <p:cNvPr id="8" name="Imagem 7">
-            <a:extLst>
-              <a:ext uri="{FF2B5EF4-FFF2-40B4-BE49-F238E27FC236}">
-                <a16:creationId xmlns:a16="http://schemas.microsoft.com/office/drawing/2014/main" id="{13C967A5-8540-4D1D-B6E7-3386E7545378}"/>
+          <p:cNvPr id="7" name="Imagem 6">
+            <a:extLst>
+              <a:ext uri="{FF2B5EF4-FFF2-40B4-BE49-F238E27FC236}">
+                <a16:creationId xmlns:a16="http://schemas.microsoft.com/office/drawing/2014/main" id="{2005CED1-A39B-4733-890A-6A6D240F45F8}"/>
               </a:ext>
             </a:extLst>
           </p:cNvPr>
@@ -6851,37 +6821,7 @@
         </p:blipFill>
         <p:spPr>
           <a:xfrm>
-            <a:off x="2354627" y="5682498"/>
-            <a:ext cx="9720000" cy="1884742"/>
-          </a:xfrm>
-          <a:prstGeom prst="rect">
-            <a:avLst/>
-          </a:prstGeom>
-        </p:spPr>
-      </p:pic>
-      <p:pic>
-        <p:nvPicPr>
-          <p:cNvPr id="11" name="Imagem 10">
-            <a:extLst>
-              <a:ext uri="{FF2B5EF4-FFF2-40B4-BE49-F238E27FC236}">
-                <a16:creationId xmlns:a16="http://schemas.microsoft.com/office/drawing/2014/main" id="{BF6342D8-ABCC-4706-9DD5-AD9E3E3E7015}"/>
-              </a:ext>
-            </a:extLst>
-          </p:cNvPr>
-          <p:cNvPicPr>
-            <a:picLocks noChangeAspect="1"/>
-          </p:cNvPicPr>
-          <p:nvPr/>
-        </p:nvPicPr>
-        <p:blipFill>
-          <a:blip r:embed="rId7"/>
-          <a:stretch>
-            <a:fillRect/>
-          </a:stretch>
-        </p:blipFill>
-        <p:spPr>
-          <a:xfrm>
-            <a:off x="2337673" y="8620742"/>
+            <a:off x="2366142" y="5678751"/>
             <a:ext cx="9720000" cy="1884742"/>
           </a:xfrm>
           <a:prstGeom prst="rect">
@@ -18127,10 +18067,10 @@
       </p:sp>
       <p:pic>
         <p:nvPicPr>
-          <p:cNvPr id="3" name="Imagem 2">
-            <a:extLst>
-              <a:ext uri="{FF2B5EF4-FFF2-40B4-BE49-F238E27FC236}">
-                <a16:creationId xmlns:a16="http://schemas.microsoft.com/office/drawing/2014/main" id="{98FBC3E5-E5F3-49DE-91C4-BD33E99E0923}"/>
+          <p:cNvPr id="4" name="Imagem 3">
+            <a:extLst>
+              <a:ext uri="{FF2B5EF4-FFF2-40B4-BE49-F238E27FC236}">
+                <a16:creationId xmlns:a16="http://schemas.microsoft.com/office/drawing/2014/main" id="{A16316D7-DAA0-48D2-997E-73F3743DB80A}"/>
               </a:ext>
             </a:extLst>
           </p:cNvPr>
@@ -18147,7 +18087,7 @@
         </p:blipFill>
         <p:spPr>
           <a:xfrm>
-            <a:off x="3271662" y="2975287"/>
+            <a:off x="3262371" y="2975284"/>
             <a:ext cx="7920000" cy="3279323"/>
           </a:xfrm>
           <a:prstGeom prst="rect">
@@ -18157,10 +18097,10 @@
       </p:pic>
       <p:pic>
         <p:nvPicPr>
-          <p:cNvPr id="8" name="Imagem 7">
-            <a:extLst>
-              <a:ext uri="{FF2B5EF4-FFF2-40B4-BE49-F238E27FC236}">
-                <a16:creationId xmlns:a16="http://schemas.microsoft.com/office/drawing/2014/main" id="{BB154601-A7EC-4ADC-B885-184A3230D4DC}"/>
+          <p:cNvPr id="7" name="Imagem 6">
+            <a:extLst>
+              <a:ext uri="{FF2B5EF4-FFF2-40B4-BE49-F238E27FC236}">
+                <a16:creationId xmlns:a16="http://schemas.microsoft.com/office/drawing/2014/main" id="{6B60DF42-4DD3-4163-A5FE-24F61BEEA86C}"/>
               </a:ext>
             </a:extLst>
           </p:cNvPr>
@@ -18177,7 +18117,7 @@
         </p:blipFill>
         <p:spPr>
           <a:xfrm>
-            <a:off x="3259028" y="7173415"/>
+            <a:off x="3267895" y="7172112"/>
             <a:ext cx="7920000" cy="3279323"/>
           </a:xfrm>
           <a:prstGeom prst="rect">
@@ -18867,10 +18807,10 @@
       </p:sp>
       <p:pic>
         <p:nvPicPr>
-          <p:cNvPr id="8" name="Imagem 7">
-            <a:extLst>
-              <a:ext uri="{FF2B5EF4-FFF2-40B4-BE49-F238E27FC236}">
-                <a16:creationId xmlns:a16="http://schemas.microsoft.com/office/drawing/2014/main" id="{32689C74-1F5F-407E-8A06-EE6AE498E3F1}"/>
+          <p:cNvPr id="3" name="Imagem 2">
+            <a:extLst>
+              <a:ext uri="{FF2B5EF4-FFF2-40B4-BE49-F238E27FC236}">
+                <a16:creationId xmlns:a16="http://schemas.microsoft.com/office/drawing/2014/main" id="{C74C6DE1-55E0-4D93-8179-2E84A9E04131}"/>
               </a:ext>
             </a:extLst>
           </p:cNvPr>
@@ -18887,7 +18827,7 @@
         </p:blipFill>
         <p:spPr>
           <a:xfrm>
-            <a:off x="3259028" y="2996443"/>
+            <a:off x="3253071" y="2996440"/>
             <a:ext cx="7920000" cy="3279323"/>
           </a:xfrm>
           <a:prstGeom prst="rect">
@@ -18897,10 +18837,10 @@
       </p:pic>
       <p:pic>
         <p:nvPicPr>
-          <p:cNvPr id="11" name="Imagem 10">
-            <a:extLst>
-              <a:ext uri="{FF2B5EF4-FFF2-40B4-BE49-F238E27FC236}">
-                <a16:creationId xmlns:a16="http://schemas.microsoft.com/office/drawing/2014/main" id="{8E175093-06EB-4B27-9FF1-7D2C696EEB45}"/>
+          <p:cNvPr id="6" name="Imagem 5">
+            <a:extLst>
+              <a:ext uri="{FF2B5EF4-FFF2-40B4-BE49-F238E27FC236}">
+                <a16:creationId xmlns:a16="http://schemas.microsoft.com/office/drawing/2014/main" id="{4C4FD30C-2901-4700-B686-4219F0A5E789}"/>
               </a:ext>
             </a:extLst>
           </p:cNvPr>
@@ -18917,7 +18857,7 @@
         </p:blipFill>
         <p:spPr>
           <a:xfrm>
-            <a:off x="3268470" y="7185068"/>
+            <a:off x="3253071" y="7198946"/>
             <a:ext cx="7920000" cy="3279323"/>
           </a:xfrm>
           <a:prstGeom prst="rect">

--- a/MataMataPlanilha.pptx
+++ b/MataMataPlanilha.pptx
@@ -306,7 +306,7 @@
             <a:fld id="{11A6662E-FAF4-44BC-88B5-85A7CBFB6D30}" type="datetime1">
               <a:rPr lang="en-US" smtClean="0"/>
               <a:pPr/>
-              <a:t>11/9/2021</a:t>
+              <a:t>11/12/2021</a:t>
             </a:fld>
             <a:endParaRPr lang="en-US" dirty="0"/>
           </a:p>
@@ -533,7 +533,7 @@
           <a:p>
             <a:fld id="{4C559632-1575-4E14-B53B-3DC3D5ED3947}" type="datetime1">
               <a:rPr lang="en-US" smtClean="0"/>
-              <a:t>11/9/2021</a:t>
+              <a:t>11/12/2021</a:t>
             </a:fld>
             <a:endParaRPr lang="en-US"/>
           </a:p>
@@ -741,7 +741,7 @@
           <a:p>
             <a:fld id="{CC4A6868-2568-4CC9-B302-F37117B01A6E}" type="datetime1">
               <a:rPr lang="en-US" smtClean="0"/>
-              <a:t>11/9/2021</a:t>
+              <a:t>11/12/2021</a:t>
             </a:fld>
             <a:endParaRPr lang="en-US"/>
           </a:p>
@@ -946,7 +946,7 @@
           <a:p>
             <a:fld id="{0055F08A-1E71-4B2B-BB49-E743F2903911}" type="datetime1">
               <a:rPr lang="en-US" smtClean="0"/>
-              <a:t>11/9/2021</a:t>
+              <a:t>11/12/2021</a:t>
             </a:fld>
             <a:endParaRPr lang="en-US" dirty="0"/>
           </a:p>
@@ -1220,7 +1220,7 @@
           <a:p>
             <a:fld id="{15417D9E-721A-44BB-8863-9873FE64DA75}" type="datetime1">
               <a:rPr lang="en-US" smtClean="0"/>
-              <a:t>11/9/2021</a:t>
+              <a:t>11/12/2021</a:t>
             </a:fld>
             <a:endParaRPr lang="en-US"/>
           </a:p>
@@ -1493,7 +1493,7 @@
           <a:p>
             <a:fld id="{5F31DA2F-80B8-49CF-99FB-5ABCA53A607A}" type="datetime1">
               <a:rPr lang="en-US" smtClean="0"/>
-              <a:t>11/9/2021</a:t>
+              <a:t>11/12/2021</a:t>
             </a:fld>
             <a:endParaRPr lang="en-US"/>
           </a:p>
@@ -1908,7 +1908,7 @@
           <a:p>
             <a:fld id="{28852172-E6C9-4B6C-929A-A9DE3837BBF1}" type="datetime1">
               <a:rPr lang="en-US" smtClean="0"/>
-              <a:t>11/9/2021</a:t>
+              <a:t>11/12/2021</a:t>
             </a:fld>
             <a:endParaRPr lang="en-US"/>
           </a:p>
@@ -2060,7 +2060,7 @@
           <a:p>
             <a:fld id="{3AB41CFF-90C9-47B3-9DA1-F2BF8D839F7E}" type="datetime1">
               <a:rPr lang="en-US" smtClean="0"/>
-              <a:t>11/9/2021</a:t>
+              <a:t>11/12/2021</a:t>
             </a:fld>
             <a:endParaRPr lang="en-US"/>
           </a:p>
@@ -2173,7 +2173,7 @@
           <a:p>
             <a:fld id="{F06048FA-06AB-4884-A69B-986B96E68A24}" type="datetime1">
               <a:rPr lang="en-US" smtClean="0"/>
-              <a:t>11/9/2021</a:t>
+              <a:t>11/12/2021</a:t>
             </a:fld>
             <a:endParaRPr lang="en-US"/>
           </a:p>
@@ -2484,7 +2484,7 @@
           <a:p>
             <a:fld id="{50DB7ABA-0172-4F9C-889D-567164F66BCD}" type="datetime1">
               <a:rPr lang="en-US" smtClean="0"/>
-              <a:t>11/9/2021</a:t>
+              <a:t>11/12/2021</a:t>
             </a:fld>
             <a:endParaRPr lang="en-US"/>
           </a:p>
@@ -2775,7 +2775,7 @@
           <a:p>
             <a:fld id="{78AC6A5B-8AE7-4A41-B5A7-9ADC6686DC18}" type="datetime1">
               <a:rPr lang="en-US" smtClean="0"/>
-              <a:t>11/9/2021</a:t>
+              <a:t>11/12/2021</a:t>
             </a:fld>
             <a:endParaRPr lang="en-US"/>
           </a:p>
@@ -3084,7 +3084,7 @@
             <a:fld id="{57E0CF6C-748E-4B7A-BC8B-3011EF78ED13}" type="datetime1">
               <a:rPr lang="en-US" smtClean="0"/>
               <a:pPr/>
-              <a:t>11/9/2021</a:t>
+              <a:t>11/12/2021</a:t>
             </a:fld>
             <a:endParaRPr lang="en-US" dirty="0"/>
           </a:p>
@@ -5929,10 +5929,10 @@
       </p:sp>
       <p:pic>
         <p:nvPicPr>
-          <p:cNvPr id="4" name="Imagem 3">
-            <a:extLst>
-              <a:ext uri="{FF2B5EF4-FFF2-40B4-BE49-F238E27FC236}">
-                <a16:creationId xmlns:a16="http://schemas.microsoft.com/office/drawing/2014/main" id="{16F2BEF6-C26F-4C70-9C7F-708C559B251B}"/>
+          <p:cNvPr id="3" name="Imagem 2">
+            <a:extLst>
+              <a:ext uri="{FF2B5EF4-FFF2-40B4-BE49-F238E27FC236}">
+                <a16:creationId xmlns:a16="http://schemas.microsoft.com/office/drawing/2014/main" id="{E80539B4-5936-4B70-BAA3-0B2186973EAB}"/>
               </a:ext>
             </a:extLst>
           </p:cNvPr>
@@ -5949,8 +5949,8 @@
         </p:blipFill>
         <p:spPr>
           <a:xfrm>
-            <a:off x="2372860" y="2890442"/>
-            <a:ext cx="9720000" cy="1884742"/>
+            <a:off x="2723311" y="2870494"/>
+            <a:ext cx="9000000" cy="1943179"/>
           </a:xfrm>
           <a:prstGeom prst="rect">
             <a:avLst/>
@@ -5959,10 +5959,10 @@
       </p:pic>
       <p:pic>
         <p:nvPicPr>
-          <p:cNvPr id="8" name="Imagem 7">
-            <a:extLst>
-              <a:ext uri="{FF2B5EF4-FFF2-40B4-BE49-F238E27FC236}">
-                <a16:creationId xmlns:a16="http://schemas.microsoft.com/office/drawing/2014/main" id="{FDD567C4-346C-4453-AA05-97D6DE116464}"/>
+          <p:cNvPr id="7" name="Imagem 6">
+            <a:extLst>
+              <a:ext uri="{FF2B5EF4-FFF2-40B4-BE49-F238E27FC236}">
+                <a16:creationId xmlns:a16="http://schemas.microsoft.com/office/drawing/2014/main" id="{25D4FFD6-9F13-4588-9DD4-F3DC4208B190}"/>
               </a:ext>
             </a:extLst>
           </p:cNvPr>
@@ -5979,8 +5979,38 @@
         </p:blipFill>
         <p:spPr>
           <a:xfrm>
-            <a:off x="2363311" y="5707296"/>
-            <a:ext cx="9720000" cy="1884742"/>
+            <a:off x="2729156" y="5699079"/>
+            <a:ext cx="9000000" cy="1745131"/>
+          </a:xfrm>
+          <a:prstGeom prst="rect">
+            <a:avLst/>
+          </a:prstGeom>
+        </p:spPr>
+      </p:pic>
+      <p:pic>
+        <p:nvPicPr>
+          <p:cNvPr id="11" name="Imagem 10">
+            <a:extLst>
+              <a:ext uri="{FF2B5EF4-FFF2-40B4-BE49-F238E27FC236}">
+                <a16:creationId xmlns:a16="http://schemas.microsoft.com/office/drawing/2014/main" id="{90323317-D56C-4CB5-BAE1-FD6DC333BBC4}"/>
+              </a:ext>
+            </a:extLst>
+          </p:cNvPr>
+          <p:cNvPicPr>
+            <a:picLocks noChangeAspect="1"/>
+          </p:cNvPicPr>
+          <p:nvPr/>
+        </p:nvPicPr>
+        <p:blipFill>
+          <a:blip r:embed="rId7"/>
+          <a:stretch>
+            <a:fillRect/>
+          </a:stretch>
+        </p:blipFill>
+        <p:spPr>
+          <a:xfrm>
+            <a:off x="2723311" y="8672326"/>
+            <a:ext cx="9000000" cy="1745131"/>
           </a:xfrm>
           <a:prstGeom prst="rect">
             <a:avLst/>
@@ -6771,10 +6801,10 @@
       </p:sp>
       <p:pic>
         <p:nvPicPr>
-          <p:cNvPr id="3" name="Imagem 2">
-            <a:extLst>
-              <a:ext uri="{FF2B5EF4-FFF2-40B4-BE49-F238E27FC236}">
-                <a16:creationId xmlns:a16="http://schemas.microsoft.com/office/drawing/2014/main" id="{39DB2741-4CE2-495F-9A8C-81C244DE1C21}"/>
+          <p:cNvPr id="4" name="Imagem 3">
+            <a:extLst>
+              <a:ext uri="{FF2B5EF4-FFF2-40B4-BE49-F238E27FC236}">
+                <a16:creationId xmlns:a16="http://schemas.microsoft.com/office/drawing/2014/main" id="{A1824F99-B29E-48A6-9DEF-07F2D4EF43E2}"/>
               </a:ext>
             </a:extLst>
           </p:cNvPr>
@@ -6791,8 +6821,8 @@
         </p:blipFill>
         <p:spPr>
           <a:xfrm>
-            <a:off x="2356874" y="2863896"/>
-            <a:ext cx="9720000" cy="1884742"/>
+            <a:off x="2712611" y="2866265"/>
+            <a:ext cx="9000000" cy="1745131"/>
           </a:xfrm>
           <a:prstGeom prst="rect">
             <a:avLst/>
@@ -6801,10 +6831,10 @@
       </p:pic>
       <p:pic>
         <p:nvPicPr>
-          <p:cNvPr id="7" name="Imagem 6">
-            <a:extLst>
-              <a:ext uri="{FF2B5EF4-FFF2-40B4-BE49-F238E27FC236}">
-                <a16:creationId xmlns:a16="http://schemas.microsoft.com/office/drawing/2014/main" id="{2005CED1-A39B-4733-890A-6A6D240F45F8}"/>
+          <p:cNvPr id="8" name="Imagem 7">
+            <a:extLst>
+              <a:ext uri="{FF2B5EF4-FFF2-40B4-BE49-F238E27FC236}">
+                <a16:creationId xmlns:a16="http://schemas.microsoft.com/office/drawing/2014/main" id="{599B81CA-9DC0-4DEC-9832-D364121DAA33}"/>
               </a:ext>
             </a:extLst>
           </p:cNvPr>
@@ -6821,8 +6851,38 @@
         </p:blipFill>
         <p:spPr>
           <a:xfrm>
-            <a:off x="2366142" y="5678751"/>
-            <a:ext cx="9720000" cy="1884742"/>
+            <a:off x="2712611" y="5678748"/>
+            <a:ext cx="9000000" cy="1745131"/>
+          </a:xfrm>
+          <a:prstGeom prst="rect">
+            <a:avLst/>
+          </a:prstGeom>
+        </p:spPr>
+      </p:pic>
+      <p:pic>
+        <p:nvPicPr>
+          <p:cNvPr id="11" name="Imagem 10">
+            <a:extLst>
+              <a:ext uri="{FF2B5EF4-FFF2-40B4-BE49-F238E27FC236}">
+                <a16:creationId xmlns:a16="http://schemas.microsoft.com/office/drawing/2014/main" id="{8BB3C87D-CE87-455D-9F84-6EB748F22A94}"/>
+              </a:ext>
+            </a:extLst>
+          </p:cNvPr>
+          <p:cNvPicPr>
+            <a:picLocks noChangeAspect="1"/>
+          </p:cNvPicPr>
+          <p:nvPr/>
+        </p:nvPicPr>
+        <p:blipFill>
+          <a:blip r:embed="rId7"/>
+          <a:stretch>
+            <a:fillRect/>
+          </a:stretch>
+        </p:blipFill>
+        <p:spPr>
+          <a:xfrm>
+            <a:off x="2729156" y="8641749"/>
+            <a:ext cx="9000000" cy="1745131"/>
           </a:xfrm>
           <a:prstGeom prst="rect">
             <a:avLst/>

--- a/MataMataPlanilha.pptx
+++ b/MataMataPlanilha.pptx
@@ -306,7 +306,7 @@
             <a:fld id="{11A6662E-FAF4-44BC-88B5-85A7CBFB6D30}" type="datetime1">
               <a:rPr lang="en-US" smtClean="0"/>
               <a:pPr/>
-              <a:t>11/12/2021</a:t>
+              <a:t>11/15/2021</a:t>
             </a:fld>
             <a:endParaRPr lang="en-US" dirty="0"/>
           </a:p>
@@ -533,7 +533,7 @@
           <a:p>
             <a:fld id="{4C559632-1575-4E14-B53B-3DC3D5ED3947}" type="datetime1">
               <a:rPr lang="en-US" smtClean="0"/>
-              <a:t>11/12/2021</a:t>
+              <a:t>11/15/2021</a:t>
             </a:fld>
             <a:endParaRPr lang="en-US"/>
           </a:p>
@@ -741,7 +741,7 @@
           <a:p>
             <a:fld id="{CC4A6868-2568-4CC9-B302-F37117B01A6E}" type="datetime1">
               <a:rPr lang="en-US" smtClean="0"/>
-              <a:t>11/12/2021</a:t>
+              <a:t>11/15/2021</a:t>
             </a:fld>
             <a:endParaRPr lang="en-US"/>
           </a:p>
@@ -946,7 +946,7 @@
           <a:p>
             <a:fld id="{0055F08A-1E71-4B2B-BB49-E743F2903911}" type="datetime1">
               <a:rPr lang="en-US" smtClean="0"/>
-              <a:t>11/12/2021</a:t>
+              <a:t>11/15/2021</a:t>
             </a:fld>
             <a:endParaRPr lang="en-US" dirty="0"/>
           </a:p>
@@ -1220,7 +1220,7 @@
           <a:p>
             <a:fld id="{15417D9E-721A-44BB-8863-9873FE64DA75}" type="datetime1">
               <a:rPr lang="en-US" smtClean="0"/>
-              <a:t>11/12/2021</a:t>
+              <a:t>11/15/2021</a:t>
             </a:fld>
             <a:endParaRPr lang="en-US"/>
           </a:p>
@@ -1493,7 +1493,7 @@
           <a:p>
             <a:fld id="{5F31DA2F-80B8-49CF-99FB-5ABCA53A607A}" type="datetime1">
               <a:rPr lang="en-US" smtClean="0"/>
-              <a:t>11/12/2021</a:t>
+              <a:t>11/15/2021</a:t>
             </a:fld>
             <a:endParaRPr lang="en-US"/>
           </a:p>
@@ -1908,7 +1908,7 @@
           <a:p>
             <a:fld id="{28852172-E6C9-4B6C-929A-A9DE3837BBF1}" type="datetime1">
               <a:rPr lang="en-US" smtClean="0"/>
-              <a:t>11/12/2021</a:t>
+              <a:t>11/15/2021</a:t>
             </a:fld>
             <a:endParaRPr lang="en-US"/>
           </a:p>
@@ -2060,7 +2060,7 @@
           <a:p>
             <a:fld id="{3AB41CFF-90C9-47B3-9DA1-F2BF8D839F7E}" type="datetime1">
               <a:rPr lang="en-US" smtClean="0"/>
-              <a:t>11/12/2021</a:t>
+              <a:t>11/15/2021</a:t>
             </a:fld>
             <a:endParaRPr lang="en-US"/>
           </a:p>
@@ -2173,7 +2173,7 @@
           <a:p>
             <a:fld id="{F06048FA-06AB-4884-A69B-986B96E68A24}" type="datetime1">
               <a:rPr lang="en-US" smtClean="0"/>
-              <a:t>11/12/2021</a:t>
+              <a:t>11/15/2021</a:t>
             </a:fld>
             <a:endParaRPr lang="en-US"/>
           </a:p>
@@ -2484,7 +2484,7 @@
           <a:p>
             <a:fld id="{50DB7ABA-0172-4F9C-889D-567164F66BCD}" type="datetime1">
               <a:rPr lang="en-US" smtClean="0"/>
-              <a:t>11/12/2021</a:t>
+              <a:t>11/15/2021</a:t>
             </a:fld>
             <a:endParaRPr lang="en-US"/>
           </a:p>
@@ -2775,7 +2775,7 @@
           <a:p>
             <a:fld id="{78AC6A5B-8AE7-4A41-B5A7-9ADC6686DC18}" type="datetime1">
               <a:rPr lang="en-US" smtClean="0"/>
-              <a:t>11/12/2021</a:t>
+              <a:t>11/15/2021</a:t>
             </a:fld>
             <a:endParaRPr lang="en-US"/>
           </a:p>
@@ -2878,7 +2878,7 @@
                 <a16:creationId xmlns:a16="http://schemas.microsoft.com/office/drawing/2014/main" id="{0BABF38A-8A0D-492E-BD20-6CF4D46B50BD}"/>
               </a:ext>
               <a:ext uri="{C183D7F6-B498-43B3-948B-1728B52AA6E4}">
-                <adec:decorative xmlns:adec="http://schemas.microsoft.com/office/drawing/2017/decorative" val="1"/>
+                <adec:decorative xmlns:adec="http://schemas.microsoft.com/office/drawing/2017/decorative" xmlns="" val="1"/>
               </a:ext>
             </a:extLst>
           </p:cNvPr>
@@ -3084,7 +3084,7 @@
             <a:fld id="{57E0CF6C-748E-4B7A-BC8B-3011EF78ED13}" type="datetime1">
               <a:rPr lang="en-US" smtClean="0"/>
               <a:pPr/>
-              <a:t>11/12/2021</a:t>
+              <a:t>11/15/2021</a:t>
             </a:fld>
             <a:endParaRPr lang="en-US" dirty="0"/>
           </a:p>
@@ -3579,7 +3579,7 @@
                 <a16:creationId xmlns:a16="http://schemas.microsoft.com/office/drawing/2014/main" id="{0BABF38A-8A0D-492E-BD20-6CF4D46B50BD}"/>
               </a:ext>
               <a:ext uri="{C183D7F6-B498-43B3-948B-1728B52AA6E4}">
-                <adec:decorative xmlns:adec="http://schemas.microsoft.com/office/drawing/2017/decorative" val="1"/>
+                <adec:decorative xmlns:adec="http://schemas.microsoft.com/office/drawing/2017/decorative" xmlns="" val="1"/>
               </a:ext>
             </a:extLst>
           </p:cNvPr>
@@ -3655,7 +3655,7 @@
                 <a16:creationId xmlns:a16="http://schemas.microsoft.com/office/drawing/2014/main" id="{BC526B7A-4801-4FD1-95C8-03AF22629E87}"/>
               </a:ext>
               <a:ext uri="{C183D7F6-B498-43B3-948B-1728B52AA6E4}">
-                <adec:decorative xmlns:adec="http://schemas.microsoft.com/office/drawing/2017/decorative" val="1"/>
+                <adec:decorative xmlns:adec="http://schemas.microsoft.com/office/drawing/2017/decorative" xmlns="" val="1"/>
               </a:ext>
             </a:extLst>
           </p:cNvPr>
@@ -3701,7 +3701,7 @@
                 <a16:creationId xmlns:a16="http://schemas.microsoft.com/office/drawing/2014/main" id="{37FDDF72-DE39-4F99-A3C1-DD9D7815D7DB}"/>
               </a:ext>
               <a:ext uri="{C183D7F6-B498-43B3-948B-1728B52AA6E4}">
-                <adec:decorative xmlns:adec="http://schemas.microsoft.com/office/drawing/2017/decorative" val="1"/>
+                <adec:decorative xmlns:adec="http://schemas.microsoft.com/office/drawing/2017/decorative" xmlns="" val="1"/>
               </a:ext>
             </a:extLst>
           </p:cNvPr>
@@ -3771,7 +3771,7 @@
                 <a16:creationId xmlns:a16="http://schemas.microsoft.com/office/drawing/2014/main" id="{5E4ECE80-3AD1-450C-B62A-98788F193948}"/>
               </a:ext>
               <a:ext uri="{C183D7F6-B498-43B3-948B-1728B52AA6E4}">
-                <adec:decorative xmlns:adec="http://schemas.microsoft.com/office/drawing/2017/decorative" val="1"/>
+                <adec:decorative xmlns:adec="http://schemas.microsoft.com/office/drawing/2017/decorative" xmlns="" val="1"/>
               </a:ext>
             </a:extLst>
           </p:cNvPr>
@@ -4319,7 +4319,7 @@
                 <a16:creationId xmlns:a16="http://schemas.microsoft.com/office/drawing/2014/main" id="{0BABF38A-8A0D-492E-BD20-6CF4D46B50BD}"/>
               </a:ext>
               <a:ext uri="{C183D7F6-B498-43B3-948B-1728B52AA6E4}">
-                <adec:decorative xmlns:adec="http://schemas.microsoft.com/office/drawing/2017/decorative" val="1"/>
+                <adec:decorative xmlns:adec="http://schemas.microsoft.com/office/drawing/2017/decorative" xmlns="" val="1"/>
               </a:ext>
             </a:extLst>
           </p:cNvPr>
@@ -4395,7 +4395,7 @@
                 <a16:creationId xmlns:a16="http://schemas.microsoft.com/office/drawing/2014/main" id="{BC526B7A-4801-4FD1-95C8-03AF22629E87}"/>
               </a:ext>
               <a:ext uri="{C183D7F6-B498-43B3-948B-1728B52AA6E4}">
-                <adec:decorative xmlns:adec="http://schemas.microsoft.com/office/drawing/2017/decorative" val="1"/>
+                <adec:decorative xmlns:adec="http://schemas.microsoft.com/office/drawing/2017/decorative" xmlns="" val="1"/>
               </a:ext>
             </a:extLst>
           </p:cNvPr>
@@ -4441,7 +4441,7 @@
                 <a16:creationId xmlns:a16="http://schemas.microsoft.com/office/drawing/2014/main" id="{37FDDF72-DE39-4F99-A3C1-DD9D7815D7DB}"/>
               </a:ext>
               <a:ext uri="{C183D7F6-B498-43B3-948B-1728B52AA6E4}">
-                <adec:decorative xmlns:adec="http://schemas.microsoft.com/office/drawing/2017/decorative" val="1"/>
+                <adec:decorative xmlns:adec="http://schemas.microsoft.com/office/drawing/2017/decorative" xmlns="" val="1"/>
               </a:ext>
             </a:extLst>
           </p:cNvPr>
@@ -4511,7 +4511,7 @@
                 <a16:creationId xmlns:a16="http://schemas.microsoft.com/office/drawing/2014/main" id="{5E4ECE80-3AD1-450C-B62A-98788F193948}"/>
               </a:ext>
               <a:ext uri="{C183D7F6-B498-43B3-948B-1728B52AA6E4}">
-                <adec:decorative xmlns:adec="http://schemas.microsoft.com/office/drawing/2017/decorative" val="1"/>
+                <adec:decorative xmlns:adec="http://schemas.microsoft.com/office/drawing/2017/decorative" xmlns="" val="1"/>
               </a:ext>
             </a:extLst>
           </p:cNvPr>
@@ -5191,7 +5191,7 @@
                 <a16:creationId xmlns:a16="http://schemas.microsoft.com/office/drawing/2014/main" id="{0BABF38A-8A0D-492E-BD20-6CF4D46B50BD}"/>
               </a:ext>
               <a:ext uri="{C183D7F6-B498-43B3-948B-1728B52AA6E4}">
-                <adec:decorative xmlns:adec="http://schemas.microsoft.com/office/drawing/2017/decorative" val="1"/>
+                <adec:decorative xmlns:adec="http://schemas.microsoft.com/office/drawing/2017/decorative" xmlns="" val="1"/>
               </a:ext>
             </a:extLst>
           </p:cNvPr>
@@ -5267,7 +5267,7 @@
                 <a16:creationId xmlns:a16="http://schemas.microsoft.com/office/drawing/2014/main" id="{BC526B7A-4801-4FD1-95C8-03AF22629E87}"/>
               </a:ext>
               <a:ext uri="{C183D7F6-B498-43B3-948B-1728B52AA6E4}">
-                <adec:decorative xmlns:adec="http://schemas.microsoft.com/office/drawing/2017/decorative" val="1"/>
+                <adec:decorative xmlns:adec="http://schemas.microsoft.com/office/drawing/2017/decorative" xmlns="" val="1"/>
               </a:ext>
             </a:extLst>
           </p:cNvPr>
@@ -5313,7 +5313,7 @@
                 <a16:creationId xmlns:a16="http://schemas.microsoft.com/office/drawing/2014/main" id="{37FDDF72-DE39-4F99-A3C1-DD9D7815D7DB}"/>
               </a:ext>
               <a:ext uri="{C183D7F6-B498-43B3-948B-1728B52AA6E4}">
-                <adec:decorative xmlns:adec="http://schemas.microsoft.com/office/drawing/2017/decorative" val="1"/>
+                <adec:decorative xmlns:adec="http://schemas.microsoft.com/office/drawing/2017/decorative" xmlns="" val="1"/>
               </a:ext>
             </a:extLst>
           </p:cNvPr>
@@ -5383,7 +5383,7 @@
                 <a16:creationId xmlns:a16="http://schemas.microsoft.com/office/drawing/2014/main" id="{5E4ECE80-3AD1-450C-B62A-98788F193948}"/>
               </a:ext>
               <a:ext uri="{C183D7F6-B498-43B3-948B-1728B52AA6E4}">
-                <adec:decorative xmlns:adec="http://schemas.microsoft.com/office/drawing/2017/decorative" val="1"/>
+                <adec:decorative xmlns:adec="http://schemas.microsoft.com/office/drawing/2017/decorative" xmlns="" val="1"/>
               </a:ext>
             </a:extLst>
           </p:cNvPr>
@@ -6063,7 +6063,7 @@
                 <a16:creationId xmlns:a16="http://schemas.microsoft.com/office/drawing/2014/main" id="{0BABF38A-8A0D-492E-BD20-6CF4D46B50BD}"/>
               </a:ext>
               <a:ext uri="{C183D7F6-B498-43B3-948B-1728B52AA6E4}">
-                <adec:decorative xmlns:adec="http://schemas.microsoft.com/office/drawing/2017/decorative" val="1"/>
+                <adec:decorative xmlns:adec="http://schemas.microsoft.com/office/drawing/2017/decorative" xmlns="" val="1"/>
               </a:ext>
             </a:extLst>
           </p:cNvPr>
@@ -6139,7 +6139,7 @@
                 <a16:creationId xmlns:a16="http://schemas.microsoft.com/office/drawing/2014/main" id="{BC526B7A-4801-4FD1-95C8-03AF22629E87}"/>
               </a:ext>
               <a:ext uri="{C183D7F6-B498-43B3-948B-1728B52AA6E4}">
-                <adec:decorative xmlns:adec="http://schemas.microsoft.com/office/drawing/2017/decorative" val="1"/>
+                <adec:decorative xmlns:adec="http://schemas.microsoft.com/office/drawing/2017/decorative" xmlns="" val="1"/>
               </a:ext>
             </a:extLst>
           </p:cNvPr>
@@ -6185,7 +6185,7 @@
                 <a16:creationId xmlns:a16="http://schemas.microsoft.com/office/drawing/2014/main" id="{37FDDF72-DE39-4F99-A3C1-DD9D7815D7DB}"/>
               </a:ext>
               <a:ext uri="{C183D7F6-B498-43B3-948B-1728B52AA6E4}">
-                <adec:decorative xmlns:adec="http://schemas.microsoft.com/office/drawing/2017/decorative" val="1"/>
+                <adec:decorative xmlns:adec="http://schemas.microsoft.com/office/drawing/2017/decorative" xmlns="" val="1"/>
               </a:ext>
             </a:extLst>
           </p:cNvPr>
@@ -6255,7 +6255,7 @@
                 <a16:creationId xmlns:a16="http://schemas.microsoft.com/office/drawing/2014/main" id="{5E4ECE80-3AD1-450C-B62A-98788F193948}"/>
               </a:ext>
               <a:ext uri="{C183D7F6-B498-43B3-948B-1728B52AA6E4}">
-                <adec:decorative xmlns:adec="http://schemas.microsoft.com/office/drawing/2017/decorative" val="1"/>
+                <adec:decorative xmlns:adec="http://schemas.microsoft.com/office/drawing/2017/decorative" xmlns="" val="1"/>
               </a:ext>
             </a:extLst>
           </p:cNvPr>
@@ -6935,7 +6935,7 @@
                 <a16:creationId xmlns:a16="http://schemas.microsoft.com/office/drawing/2014/main" id="{0BABF38A-8A0D-492E-BD20-6CF4D46B50BD}"/>
               </a:ext>
               <a:ext uri="{C183D7F6-B498-43B3-948B-1728B52AA6E4}">
-                <adec:decorative xmlns:adec="http://schemas.microsoft.com/office/drawing/2017/decorative" val="1"/>
+                <adec:decorative xmlns:adec="http://schemas.microsoft.com/office/drawing/2017/decorative" xmlns="" val="1"/>
               </a:ext>
             </a:extLst>
           </p:cNvPr>
@@ -7011,7 +7011,7 @@
                 <a16:creationId xmlns:a16="http://schemas.microsoft.com/office/drawing/2014/main" id="{BC526B7A-4801-4FD1-95C8-03AF22629E87}"/>
               </a:ext>
               <a:ext uri="{C183D7F6-B498-43B3-948B-1728B52AA6E4}">
-                <adec:decorative xmlns:adec="http://schemas.microsoft.com/office/drawing/2017/decorative" val="1"/>
+                <adec:decorative xmlns:adec="http://schemas.microsoft.com/office/drawing/2017/decorative" xmlns="" val="1"/>
               </a:ext>
             </a:extLst>
           </p:cNvPr>
@@ -7057,7 +7057,7 @@
                 <a16:creationId xmlns:a16="http://schemas.microsoft.com/office/drawing/2014/main" id="{37FDDF72-DE39-4F99-A3C1-DD9D7815D7DB}"/>
               </a:ext>
               <a:ext uri="{C183D7F6-B498-43B3-948B-1728B52AA6E4}">
-                <adec:decorative xmlns:adec="http://schemas.microsoft.com/office/drawing/2017/decorative" val="1"/>
+                <adec:decorative xmlns:adec="http://schemas.microsoft.com/office/drawing/2017/decorative" xmlns="" val="1"/>
               </a:ext>
             </a:extLst>
           </p:cNvPr>
@@ -7127,7 +7127,7 @@
                 <a16:creationId xmlns:a16="http://schemas.microsoft.com/office/drawing/2014/main" id="{5E4ECE80-3AD1-450C-B62A-98788F193948}"/>
               </a:ext>
               <a:ext uri="{C183D7F6-B498-43B3-948B-1728B52AA6E4}">
-                <adec:decorative xmlns:adec="http://schemas.microsoft.com/office/drawing/2017/decorative" val="1"/>
+                <adec:decorative xmlns:adec="http://schemas.microsoft.com/office/drawing/2017/decorative" xmlns="" val="1"/>
               </a:ext>
             </a:extLst>
           </p:cNvPr>
@@ -7773,7 +7773,7 @@
                 <a16:creationId xmlns:a16="http://schemas.microsoft.com/office/drawing/2014/main" id="{0BABF38A-8A0D-492E-BD20-6CF4D46B50BD}"/>
               </a:ext>
               <a:ext uri="{C183D7F6-B498-43B3-948B-1728B52AA6E4}">
-                <adec:decorative xmlns:adec="http://schemas.microsoft.com/office/drawing/2017/decorative" val="1"/>
+                <adec:decorative xmlns:adec="http://schemas.microsoft.com/office/drawing/2017/decorative" xmlns="" val="1"/>
               </a:ext>
             </a:extLst>
           </p:cNvPr>
@@ -7849,7 +7849,7 @@
                 <a16:creationId xmlns:a16="http://schemas.microsoft.com/office/drawing/2014/main" id="{BC526B7A-4801-4FD1-95C8-03AF22629E87}"/>
               </a:ext>
               <a:ext uri="{C183D7F6-B498-43B3-948B-1728B52AA6E4}">
-                <adec:decorative xmlns:adec="http://schemas.microsoft.com/office/drawing/2017/decorative" val="1"/>
+                <adec:decorative xmlns:adec="http://schemas.microsoft.com/office/drawing/2017/decorative" xmlns="" val="1"/>
               </a:ext>
             </a:extLst>
           </p:cNvPr>
@@ -7895,7 +7895,7 @@
                 <a16:creationId xmlns:a16="http://schemas.microsoft.com/office/drawing/2014/main" id="{37FDDF72-DE39-4F99-A3C1-DD9D7815D7DB}"/>
               </a:ext>
               <a:ext uri="{C183D7F6-B498-43B3-948B-1728B52AA6E4}">
-                <adec:decorative xmlns:adec="http://schemas.microsoft.com/office/drawing/2017/decorative" val="1"/>
+                <adec:decorative xmlns:adec="http://schemas.microsoft.com/office/drawing/2017/decorative" xmlns="" val="1"/>
               </a:ext>
             </a:extLst>
           </p:cNvPr>
@@ -7965,7 +7965,7 @@
                 <a16:creationId xmlns:a16="http://schemas.microsoft.com/office/drawing/2014/main" id="{5E4ECE80-3AD1-450C-B62A-98788F193948}"/>
               </a:ext>
               <a:ext uri="{C183D7F6-B498-43B3-948B-1728B52AA6E4}">
-                <adec:decorative xmlns:adec="http://schemas.microsoft.com/office/drawing/2017/decorative" val="1"/>
+                <adec:decorative xmlns:adec="http://schemas.microsoft.com/office/drawing/2017/decorative" xmlns="" val="1"/>
               </a:ext>
             </a:extLst>
           </p:cNvPr>
@@ -8645,7 +8645,7 @@
                 <a16:creationId xmlns:a16="http://schemas.microsoft.com/office/drawing/2014/main" id="{0BABF38A-8A0D-492E-BD20-6CF4D46B50BD}"/>
               </a:ext>
               <a:ext uri="{C183D7F6-B498-43B3-948B-1728B52AA6E4}">
-                <adec:decorative xmlns:adec="http://schemas.microsoft.com/office/drawing/2017/decorative" val="1"/>
+                <adec:decorative xmlns:adec="http://schemas.microsoft.com/office/drawing/2017/decorative" xmlns="" val="1"/>
               </a:ext>
             </a:extLst>
           </p:cNvPr>
@@ -8721,7 +8721,7 @@
                 <a16:creationId xmlns:a16="http://schemas.microsoft.com/office/drawing/2014/main" id="{BC526B7A-4801-4FD1-95C8-03AF22629E87}"/>
               </a:ext>
               <a:ext uri="{C183D7F6-B498-43B3-948B-1728B52AA6E4}">
-                <adec:decorative xmlns:adec="http://schemas.microsoft.com/office/drawing/2017/decorative" val="1"/>
+                <adec:decorative xmlns:adec="http://schemas.microsoft.com/office/drawing/2017/decorative" xmlns="" val="1"/>
               </a:ext>
             </a:extLst>
           </p:cNvPr>
@@ -8767,7 +8767,7 @@
                 <a16:creationId xmlns:a16="http://schemas.microsoft.com/office/drawing/2014/main" id="{37FDDF72-DE39-4F99-A3C1-DD9D7815D7DB}"/>
               </a:ext>
               <a:ext uri="{C183D7F6-B498-43B3-948B-1728B52AA6E4}">
-                <adec:decorative xmlns:adec="http://schemas.microsoft.com/office/drawing/2017/decorative" val="1"/>
+                <adec:decorative xmlns:adec="http://schemas.microsoft.com/office/drawing/2017/decorative" xmlns="" val="1"/>
               </a:ext>
             </a:extLst>
           </p:cNvPr>
@@ -8837,7 +8837,7 @@
                 <a16:creationId xmlns:a16="http://schemas.microsoft.com/office/drawing/2014/main" id="{5E4ECE80-3AD1-450C-B62A-98788F193948}"/>
               </a:ext>
               <a:ext uri="{C183D7F6-B498-43B3-948B-1728B52AA6E4}">
-                <adec:decorative xmlns:adec="http://schemas.microsoft.com/office/drawing/2017/decorative" val="1"/>
+                <adec:decorative xmlns:adec="http://schemas.microsoft.com/office/drawing/2017/decorative" xmlns="" val="1"/>
               </a:ext>
             </a:extLst>
           </p:cNvPr>
@@ -9034,8 +9034,37 @@
                 </a:effectLst>
                 <a:latin typeface="Exo 2 Extra Bold" panose="00000900000000000000" pitchFamily="50" charset="0"/>
               </a:rPr>
-              <a:t>MATA-MATA SÉRIE B 5</a:t>
+              <a:t>MATA-MATA SÉRIE B </a:t>
             </a:r>
+            <a:r>
+              <a:rPr lang="pt-BR" sz="7200" dirty="0" smtClean="0">
+                <a:ln w="0">
+                  <a:noFill/>
+                </a:ln>
+                <a:effectLst>
+                  <a:outerShdw blurRad="38100" dist="19050" dir="2700000" algn="tl" rotWithShape="0">
+                    <a:schemeClr val="dk1">
+                      <a:alpha val="40000"/>
+                    </a:schemeClr>
+                  </a:outerShdw>
+                </a:effectLst>
+                <a:latin typeface="Exo 2 Extra Bold" panose="00000900000000000000" pitchFamily="50" charset="0"/>
+              </a:rPr>
+              <a:t>6</a:t>
+            </a:r>
+            <a:endParaRPr lang="pt-BR" sz="7200" dirty="0">
+              <a:ln w="0">
+                <a:noFill/>
+              </a:ln>
+              <a:effectLst>
+                <a:outerShdw blurRad="38100" dist="19050" dir="2700000" algn="tl" rotWithShape="0">
+                  <a:schemeClr val="dk1">
+                    <a:alpha val="40000"/>
+                  </a:schemeClr>
+                </a:outerShdw>
+              </a:effectLst>
+              <a:latin typeface="Exo 2 Extra Bold" panose="00000900000000000000" pitchFamily="50" charset="0"/>
+            </a:endParaRPr>
           </a:p>
         </p:txBody>
       </p:sp>
@@ -9383,13 +9412,7 @@
       </p:sp>
       <p:pic>
         <p:nvPicPr>
-          <p:cNvPr id="7" name="Imagem 6">
-            <a:extLst>
-              <a:ext uri="{FF2B5EF4-FFF2-40B4-BE49-F238E27FC236}">
-                <a16:creationId xmlns:a16="http://schemas.microsoft.com/office/drawing/2014/main" id="{AA139F46-18E8-469B-9B54-7FD82198F2DB}"/>
-              </a:ext>
-            </a:extLst>
-          </p:cNvPr>
+          <p:cNvPr id="2" name="Imagem 1"/>
           <p:cNvPicPr>
             <a:picLocks noChangeAspect="1"/>
           </p:cNvPicPr>
@@ -9403,8 +9426,8 @@
         </p:blipFill>
         <p:spPr>
           <a:xfrm>
-            <a:off x="2352647" y="2871689"/>
-            <a:ext cx="9720000" cy="1884742"/>
+            <a:off x="2351102" y="2863896"/>
+            <a:ext cx="9720000" cy="1884815"/>
           </a:xfrm>
           <a:prstGeom prst="rect">
             <a:avLst/>
@@ -9413,13 +9436,7 @@
       </p:pic>
       <p:pic>
         <p:nvPicPr>
-          <p:cNvPr id="3" name="Imagem 2">
-            <a:extLst>
-              <a:ext uri="{FF2B5EF4-FFF2-40B4-BE49-F238E27FC236}">
-                <a16:creationId xmlns:a16="http://schemas.microsoft.com/office/drawing/2014/main" id="{26E4F505-6A2B-4C7A-9ED4-E78D8C16DB63}"/>
-              </a:ext>
-            </a:extLst>
-          </p:cNvPr>
+          <p:cNvPr id="4" name="Imagem 3"/>
           <p:cNvPicPr>
             <a:picLocks noChangeAspect="1"/>
           </p:cNvPicPr>
@@ -9433,8 +9450,8 @@
         </p:blipFill>
         <p:spPr>
           <a:xfrm>
-            <a:off x="2352651" y="6155141"/>
-            <a:ext cx="9720000" cy="814801"/>
+            <a:off x="2351506" y="6155110"/>
+            <a:ext cx="9720000" cy="814832"/>
           </a:xfrm>
           <a:prstGeom prst="rect">
             <a:avLst/>
@@ -9443,13 +9460,7 @@
       </p:pic>
       <p:pic>
         <p:nvPicPr>
-          <p:cNvPr id="6" name="Imagem 5">
-            <a:extLst>
-              <a:ext uri="{FF2B5EF4-FFF2-40B4-BE49-F238E27FC236}">
-                <a16:creationId xmlns:a16="http://schemas.microsoft.com/office/drawing/2014/main" id="{7DFBC71D-9103-4F5F-83B7-9CE4B9386FF7}"/>
-              </a:ext>
-            </a:extLst>
-          </p:cNvPr>
+          <p:cNvPr id="8" name="Imagem 7"/>
           <p:cNvPicPr>
             <a:picLocks noChangeAspect="1"/>
           </p:cNvPicPr>
@@ -9463,8 +9474,8 @@
         </p:blipFill>
         <p:spPr>
           <a:xfrm>
-            <a:off x="2363802" y="9048871"/>
-            <a:ext cx="9720000" cy="814801"/>
+            <a:off x="2344775" y="9048840"/>
+            <a:ext cx="9720000" cy="814832"/>
           </a:xfrm>
           <a:prstGeom prst="rect">
             <a:avLst/>
@@ -9517,7 +9528,7 @@
                 <a16:creationId xmlns:a16="http://schemas.microsoft.com/office/drawing/2014/main" id="{0BABF38A-8A0D-492E-BD20-6CF4D46B50BD}"/>
               </a:ext>
               <a:ext uri="{C183D7F6-B498-43B3-948B-1728B52AA6E4}">
-                <adec:decorative xmlns:adec="http://schemas.microsoft.com/office/drawing/2017/decorative" val="1"/>
+                <adec:decorative xmlns:adec="http://schemas.microsoft.com/office/drawing/2017/decorative" xmlns="" val="1"/>
               </a:ext>
             </a:extLst>
           </p:cNvPr>
@@ -9593,7 +9604,7 @@
                 <a16:creationId xmlns:a16="http://schemas.microsoft.com/office/drawing/2014/main" id="{BC526B7A-4801-4FD1-95C8-03AF22629E87}"/>
               </a:ext>
               <a:ext uri="{C183D7F6-B498-43B3-948B-1728B52AA6E4}">
-                <adec:decorative xmlns:adec="http://schemas.microsoft.com/office/drawing/2017/decorative" val="1"/>
+                <adec:decorative xmlns:adec="http://schemas.microsoft.com/office/drawing/2017/decorative" xmlns="" val="1"/>
               </a:ext>
             </a:extLst>
           </p:cNvPr>
@@ -9639,7 +9650,7 @@
                 <a16:creationId xmlns:a16="http://schemas.microsoft.com/office/drawing/2014/main" id="{37FDDF72-DE39-4F99-A3C1-DD9D7815D7DB}"/>
               </a:ext>
               <a:ext uri="{C183D7F6-B498-43B3-948B-1728B52AA6E4}">
-                <adec:decorative xmlns:adec="http://schemas.microsoft.com/office/drawing/2017/decorative" val="1"/>
+                <adec:decorative xmlns:adec="http://schemas.microsoft.com/office/drawing/2017/decorative" xmlns="" val="1"/>
               </a:ext>
             </a:extLst>
           </p:cNvPr>
@@ -9709,7 +9720,7 @@
                 <a16:creationId xmlns:a16="http://schemas.microsoft.com/office/drawing/2014/main" id="{5E4ECE80-3AD1-450C-B62A-98788F193948}"/>
               </a:ext>
               <a:ext uri="{C183D7F6-B498-43B3-948B-1728B52AA6E4}">
-                <adec:decorative xmlns:adec="http://schemas.microsoft.com/office/drawing/2017/decorative" val="1"/>
+                <adec:decorative xmlns:adec="http://schemas.microsoft.com/office/drawing/2017/decorative" xmlns="" val="1"/>
               </a:ext>
             </a:extLst>
           </p:cNvPr>
@@ -9906,8 +9917,37 @@
                 </a:effectLst>
                 <a:latin typeface="Exo 2 Extra Bold" panose="00000900000000000000" pitchFamily="50" charset="0"/>
               </a:rPr>
-              <a:t>MATA-MATA SÉRIE C 5</a:t>
+              <a:t>MATA-MATA SÉRIE C </a:t>
             </a:r>
+            <a:r>
+              <a:rPr lang="pt-BR" sz="7200" dirty="0" smtClean="0">
+                <a:ln w="0">
+                  <a:noFill/>
+                </a:ln>
+                <a:effectLst>
+                  <a:outerShdw blurRad="38100" dist="19050" dir="2700000" algn="tl" rotWithShape="0">
+                    <a:schemeClr val="dk1">
+                      <a:alpha val="40000"/>
+                    </a:schemeClr>
+                  </a:outerShdw>
+                </a:effectLst>
+                <a:latin typeface="Exo 2 Extra Bold" panose="00000900000000000000" pitchFamily="50" charset="0"/>
+              </a:rPr>
+              <a:t>6</a:t>
+            </a:r>
+            <a:endParaRPr lang="pt-BR" sz="7200" dirty="0">
+              <a:ln w="0">
+                <a:noFill/>
+              </a:ln>
+              <a:effectLst>
+                <a:outerShdw blurRad="38100" dist="19050" dir="2700000" algn="tl" rotWithShape="0">
+                  <a:schemeClr val="dk1">
+                    <a:alpha val="40000"/>
+                  </a:schemeClr>
+                </a:outerShdw>
+              </a:effectLst>
+              <a:latin typeface="Exo 2 Extra Bold" panose="00000900000000000000" pitchFamily="50" charset="0"/>
+            </a:endParaRPr>
           </a:p>
         </p:txBody>
       </p:sp>
@@ -10255,13 +10295,7 @@
       </p:sp>
       <p:pic>
         <p:nvPicPr>
-          <p:cNvPr id="7" name="Imagem 6">
-            <a:extLst>
-              <a:ext uri="{FF2B5EF4-FFF2-40B4-BE49-F238E27FC236}">
-                <a16:creationId xmlns:a16="http://schemas.microsoft.com/office/drawing/2014/main" id="{343B9E5A-6042-46D7-A9AA-9FB304FD7F3A}"/>
-              </a:ext>
-            </a:extLst>
-          </p:cNvPr>
+          <p:cNvPr id="2" name="Imagem 1"/>
           <p:cNvPicPr>
             <a:picLocks noChangeAspect="1"/>
           </p:cNvPicPr>
@@ -10275,8 +10309,8 @@
         </p:blipFill>
         <p:spPr>
           <a:xfrm>
-            <a:off x="2356875" y="2873402"/>
-            <a:ext cx="9720000" cy="1884742"/>
+            <a:off x="2351507" y="2873329"/>
+            <a:ext cx="9720000" cy="1884815"/>
           </a:xfrm>
           <a:prstGeom prst="rect">
             <a:avLst/>
@@ -10285,13 +10319,7 @@
       </p:pic>
       <p:pic>
         <p:nvPicPr>
-          <p:cNvPr id="4" name="Imagem 3">
-            <a:extLst>
-              <a:ext uri="{FF2B5EF4-FFF2-40B4-BE49-F238E27FC236}">
-                <a16:creationId xmlns:a16="http://schemas.microsoft.com/office/drawing/2014/main" id="{9D3AC57E-E719-4854-96FD-B0884A0B9AEF}"/>
-              </a:ext>
-            </a:extLst>
-          </p:cNvPr>
+          <p:cNvPr id="3" name="Imagem 2"/>
           <p:cNvPicPr>
             <a:picLocks noChangeAspect="1"/>
           </p:cNvPicPr>
@@ -10305,8 +10333,8 @@
         </p:blipFill>
         <p:spPr>
           <a:xfrm>
-            <a:off x="2356874" y="6159465"/>
-            <a:ext cx="9720000" cy="814801"/>
+            <a:off x="2344581" y="6154318"/>
+            <a:ext cx="9720000" cy="814832"/>
           </a:xfrm>
           <a:prstGeom prst="rect">
             <a:avLst/>
@@ -10315,13 +10343,7 @@
       </p:pic>
       <p:pic>
         <p:nvPicPr>
-          <p:cNvPr id="9" name="Imagem 8">
-            <a:extLst>
-              <a:ext uri="{FF2B5EF4-FFF2-40B4-BE49-F238E27FC236}">
-                <a16:creationId xmlns:a16="http://schemas.microsoft.com/office/drawing/2014/main" id="{AB668725-AEE0-4644-9418-6E35B0004A21}"/>
-              </a:ext>
-            </a:extLst>
-          </p:cNvPr>
+          <p:cNvPr id="6" name="Imagem 5"/>
           <p:cNvPicPr>
             <a:picLocks noChangeAspect="1"/>
           </p:cNvPicPr>
@@ -10335,8 +10357,8 @@
         </p:blipFill>
         <p:spPr>
           <a:xfrm>
-            <a:off x="2356874" y="9036968"/>
-            <a:ext cx="9720000" cy="814801"/>
+            <a:off x="2344580" y="9036968"/>
+            <a:ext cx="9720000" cy="814832"/>
           </a:xfrm>
           <a:prstGeom prst="rect">
             <a:avLst/>
@@ -10389,7 +10411,7 @@
                 <a16:creationId xmlns:a16="http://schemas.microsoft.com/office/drawing/2014/main" id="{0BABF38A-8A0D-492E-BD20-6CF4D46B50BD}"/>
               </a:ext>
               <a:ext uri="{C183D7F6-B498-43B3-948B-1728B52AA6E4}">
-                <adec:decorative xmlns:adec="http://schemas.microsoft.com/office/drawing/2017/decorative" val="1"/>
+                <adec:decorative xmlns:adec="http://schemas.microsoft.com/office/drawing/2017/decorative" xmlns="" val="1"/>
               </a:ext>
             </a:extLst>
           </p:cNvPr>
@@ -10465,7 +10487,7 @@
                 <a16:creationId xmlns:a16="http://schemas.microsoft.com/office/drawing/2014/main" id="{BC526B7A-4801-4FD1-95C8-03AF22629E87}"/>
               </a:ext>
               <a:ext uri="{C183D7F6-B498-43B3-948B-1728B52AA6E4}">
-                <adec:decorative xmlns:adec="http://schemas.microsoft.com/office/drawing/2017/decorative" val="1"/>
+                <adec:decorative xmlns:adec="http://schemas.microsoft.com/office/drawing/2017/decorative" xmlns="" val="1"/>
               </a:ext>
             </a:extLst>
           </p:cNvPr>
@@ -10511,7 +10533,7 @@
                 <a16:creationId xmlns:a16="http://schemas.microsoft.com/office/drawing/2014/main" id="{37FDDF72-DE39-4F99-A3C1-DD9D7815D7DB}"/>
               </a:ext>
               <a:ext uri="{C183D7F6-B498-43B3-948B-1728B52AA6E4}">
-                <adec:decorative xmlns:adec="http://schemas.microsoft.com/office/drawing/2017/decorative" val="1"/>
+                <adec:decorative xmlns:adec="http://schemas.microsoft.com/office/drawing/2017/decorative" xmlns="" val="1"/>
               </a:ext>
             </a:extLst>
           </p:cNvPr>
@@ -10581,7 +10603,7 @@
                 <a16:creationId xmlns:a16="http://schemas.microsoft.com/office/drawing/2014/main" id="{5E4ECE80-3AD1-450C-B62A-98788F193948}"/>
               </a:ext>
               <a:ext uri="{C183D7F6-B498-43B3-948B-1728B52AA6E4}">
-                <adec:decorative xmlns:adec="http://schemas.microsoft.com/office/drawing/2017/decorative" val="1"/>
+                <adec:decorative xmlns:adec="http://schemas.microsoft.com/office/drawing/2017/decorative" xmlns="" val="1"/>
               </a:ext>
             </a:extLst>
           </p:cNvPr>
@@ -11227,7 +11249,7 @@
                 <a16:creationId xmlns:a16="http://schemas.microsoft.com/office/drawing/2014/main" id="{0BABF38A-8A0D-492E-BD20-6CF4D46B50BD}"/>
               </a:ext>
               <a:ext uri="{C183D7F6-B498-43B3-948B-1728B52AA6E4}">
-                <adec:decorative xmlns:adec="http://schemas.microsoft.com/office/drawing/2017/decorative" val="1"/>
+                <adec:decorative xmlns:adec="http://schemas.microsoft.com/office/drawing/2017/decorative" xmlns="" val="1"/>
               </a:ext>
             </a:extLst>
           </p:cNvPr>
@@ -11303,7 +11325,7 @@
                 <a16:creationId xmlns:a16="http://schemas.microsoft.com/office/drawing/2014/main" id="{BC526B7A-4801-4FD1-95C8-03AF22629E87}"/>
               </a:ext>
               <a:ext uri="{C183D7F6-B498-43B3-948B-1728B52AA6E4}">
-                <adec:decorative xmlns:adec="http://schemas.microsoft.com/office/drawing/2017/decorative" val="1"/>
+                <adec:decorative xmlns:adec="http://schemas.microsoft.com/office/drawing/2017/decorative" xmlns="" val="1"/>
               </a:ext>
             </a:extLst>
           </p:cNvPr>
@@ -11349,7 +11371,7 @@
                 <a16:creationId xmlns:a16="http://schemas.microsoft.com/office/drawing/2014/main" id="{37FDDF72-DE39-4F99-A3C1-DD9D7815D7DB}"/>
               </a:ext>
               <a:ext uri="{C183D7F6-B498-43B3-948B-1728B52AA6E4}">
-                <adec:decorative xmlns:adec="http://schemas.microsoft.com/office/drawing/2017/decorative" val="1"/>
+                <adec:decorative xmlns:adec="http://schemas.microsoft.com/office/drawing/2017/decorative" xmlns="" val="1"/>
               </a:ext>
             </a:extLst>
           </p:cNvPr>
@@ -11419,7 +11441,7 @@
                 <a16:creationId xmlns:a16="http://schemas.microsoft.com/office/drawing/2014/main" id="{5E4ECE80-3AD1-450C-B62A-98788F193948}"/>
               </a:ext>
               <a:ext uri="{C183D7F6-B498-43B3-948B-1728B52AA6E4}">
-                <adec:decorative xmlns:adec="http://schemas.microsoft.com/office/drawing/2017/decorative" val="1"/>
+                <adec:decorative xmlns:adec="http://schemas.microsoft.com/office/drawing/2017/decorative" xmlns="" val="1"/>
               </a:ext>
             </a:extLst>
           </p:cNvPr>
@@ -11967,7 +11989,7 @@
                 <a16:creationId xmlns:a16="http://schemas.microsoft.com/office/drawing/2014/main" id="{0BABF38A-8A0D-492E-BD20-6CF4D46B50BD}"/>
               </a:ext>
               <a:ext uri="{C183D7F6-B498-43B3-948B-1728B52AA6E4}">
-                <adec:decorative xmlns:adec="http://schemas.microsoft.com/office/drawing/2017/decorative" val="1"/>
+                <adec:decorative xmlns:adec="http://schemas.microsoft.com/office/drawing/2017/decorative" xmlns="" val="1"/>
               </a:ext>
             </a:extLst>
           </p:cNvPr>
@@ -12043,7 +12065,7 @@
                 <a16:creationId xmlns:a16="http://schemas.microsoft.com/office/drawing/2014/main" id="{BC526B7A-4801-4FD1-95C8-03AF22629E87}"/>
               </a:ext>
               <a:ext uri="{C183D7F6-B498-43B3-948B-1728B52AA6E4}">
-                <adec:decorative xmlns:adec="http://schemas.microsoft.com/office/drawing/2017/decorative" val="1"/>
+                <adec:decorative xmlns:adec="http://schemas.microsoft.com/office/drawing/2017/decorative" xmlns="" val="1"/>
               </a:ext>
             </a:extLst>
           </p:cNvPr>
@@ -12089,7 +12111,7 @@
                 <a16:creationId xmlns:a16="http://schemas.microsoft.com/office/drawing/2014/main" id="{37FDDF72-DE39-4F99-A3C1-DD9D7815D7DB}"/>
               </a:ext>
               <a:ext uri="{C183D7F6-B498-43B3-948B-1728B52AA6E4}">
-                <adec:decorative xmlns:adec="http://schemas.microsoft.com/office/drawing/2017/decorative" val="1"/>
+                <adec:decorative xmlns:adec="http://schemas.microsoft.com/office/drawing/2017/decorative" xmlns="" val="1"/>
               </a:ext>
             </a:extLst>
           </p:cNvPr>
@@ -12159,7 +12181,7 @@
                 <a16:creationId xmlns:a16="http://schemas.microsoft.com/office/drawing/2014/main" id="{5E4ECE80-3AD1-450C-B62A-98788F193948}"/>
               </a:ext>
               <a:ext uri="{C183D7F6-B498-43B3-948B-1728B52AA6E4}">
-                <adec:decorative xmlns:adec="http://schemas.microsoft.com/office/drawing/2017/decorative" val="1"/>
+                <adec:decorative xmlns:adec="http://schemas.microsoft.com/office/drawing/2017/decorative" xmlns="" val="1"/>
               </a:ext>
             </a:extLst>
           </p:cNvPr>
@@ -12707,7 +12729,7 @@
                 <a16:creationId xmlns:a16="http://schemas.microsoft.com/office/drawing/2014/main" id="{0BABF38A-8A0D-492E-BD20-6CF4D46B50BD}"/>
               </a:ext>
               <a:ext uri="{C183D7F6-B498-43B3-948B-1728B52AA6E4}">
-                <adec:decorative xmlns:adec="http://schemas.microsoft.com/office/drawing/2017/decorative" val="1"/>
+                <adec:decorative xmlns:adec="http://schemas.microsoft.com/office/drawing/2017/decorative" xmlns="" val="1"/>
               </a:ext>
             </a:extLst>
           </p:cNvPr>
@@ -12783,7 +12805,7 @@
                 <a16:creationId xmlns:a16="http://schemas.microsoft.com/office/drawing/2014/main" id="{BC526B7A-4801-4FD1-95C8-03AF22629E87}"/>
               </a:ext>
               <a:ext uri="{C183D7F6-B498-43B3-948B-1728B52AA6E4}">
-                <adec:decorative xmlns:adec="http://schemas.microsoft.com/office/drawing/2017/decorative" val="1"/>
+                <adec:decorative xmlns:adec="http://schemas.microsoft.com/office/drawing/2017/decorative" xmlns="" val="1"/>
               </a:ext>
             </a:extLst>
           </p:cNvPr>
@@ -12829,7 +12851,7 @@
                 <a16:creationId xmlns:a16="http://schemas.microsoft.com/office/drawing/2014/main" id="{37FDDF72-DE39-4F99-A3C1-DD9D7815D7DB}"/>
               </a:ext>
               <a:ext uri="{C183D7F6-B498-43B3-948B-1728B52AA6E4}">
-                <adec:decorative xmlns:adec="http://schemas.microsoft.com/office/drawing/2017/decorative" val="1"/>
+                <adec:decorative xmlns:adec="http://schemas.microsoft.com/office/drawing/2017/decorative" xmlns="" val="1"/>
               </a:ext>
             </a:extLst>
           </p:cNvPr>
@@ -12899,7 +12921,7 @@
                 <a16:creationId xmlns:a16="http://schemas.microsoft.com/office/drawing/2014/main" id="{5E4ECE80-3AD1-450C-B62A-98788F193948}"/>
               </a:ext>
               <a:ext uri="{C183D7F6-B498-43B3-948B-1728B52AA6E4}">
-                <adec:decorative xmlns:adec="http://schemas.microsoft.com/office/drawing/2017/decorative" val="1"/>
+                <adec:decorative xmlns:adec="http://schemas.microsoft.com/office/drawing/2017/decorative" xmlns="" val="1"/>
               </a:ext>
             </a:extLst>
           </p:cNvPr>
@@ -13447,7 +13469,7 @@
                 <a16:creationId xmlns:a16="http://schemas.microsoft.com/office/drawing/2014/main" id="{0BABF38A-8A0D-492E-BD20-6CF4D46B50BD}"/>
               </a:ext>
               <a:ext uri="{C183D7F6-B498-43B3-948B-1728B52AA6E4}">
-                <adec:decorative xmlns:adec="http://schemas.microsoft.com/office/drawing/2017/decorative" val="1"/>
+                <adec:decorative xmlns:adec="http://schemas.microsoft.com/office/drawing/2017/decorative" xmlns="" val="1"/>
               </a:ext>
             </a:extLst>
           </p:cNvPr>
@@ -13523,7 +13545,7 @@
                 <a16:creationId xmlns:a16="http://schemas.microsoft.com/office/drawing/2014/main" id="{BC526B7A-4801-4FD1-95C8-03AF22629E87}"/>
               </a:ext>
               <a:ext uri="{C183D7F6-B498-43B3-948B-1728B52AA6E4}">
-                <adec:decorative xmlns:adec="http://schemas.microsoft.com/office/drawing/2017/decorative" val="1"/>
+                <adec:decorative xmlns:adec="http://schemas.microsoft.com/office/drawing/2017/decorative" xmlns="" val="1"/>
               </a:ext>
             </a:extLst>
           </p:cNvPr>
@@ -13569,7 +13591,7 @@
                 <a16:creationId xmlns:a16="http://schemas.microsoft.com/office/drawing/2014/main" id="{37FDDF72-DE39-4F99-A3C1-DD9D7815D7DB}"/>
               </a:ext>
               <a:ext uri="{C183D7F6-B498-43B3-948B-1728B52AA6E4}">
-                <adec:decorative xmlns:adec="http://schemas.microsoft.com/office/drawing/2017/decorative" val="1"/>
+                <adec:decorative xmlns:adec="http://schemas.microsoft.com/office/drawing/2017/decorative" xmlns="" val="1"/>
               </a:ext>
             </a:extLst>
           </p:cNvPr>
@@ -13639,7 +13661,7 @@
                 <a16:creationId xmlns:a16="http://schemas.microsoft.com/office/drawing/2014/main" id="{5E4ECE80-3AD1-450C-B62A-98788F193948}"/>
               </a:ext>
               <a:ext uri="{C183D7F6-B498-43B3-948B-1728B52AA6E4}">
-                <adec:decorative xmlns:adec="http://schemas.microsoft.com/office/drawing/2017/decorative" val="1"/>
+                <adec:decorative xmlns:adec="http://schemas.microsoft.com/office/drawing/2017/decorative" xmlns="" val="1"/>
               </a:ext>
             </a:extLst>
           </p:cNvPr>
@@ -14123,7 +14145,7 @@
                 <a16:creationId xmlns:a16="http://schemas.microsoft.com/office/drawing/2014/main" id="{0BABF38A-8A0D-492E-BD20-6CF4D46B50BD}"/>
               </a:ext>
               <a:ext uri="{C183D7F6-B498-43B3-948B-1728B52AA6E4}">
-                <adec:decorative xmlns:adec="http://schemas.microsoft.com/office/drawing/2017/decorative" val="1"/>
+                <adec:decorative xmlns:adec="http://schemas.microsoft.com/office/drawing/2017/decorative" xmlns="" val="1"/>
               </a:ext>
             </a:extLst>
           </p:cNvPr>
@@ -14199,7 +14221,7 @@
                 <a16:creationId xmlns:a16="http://schemas.microsoft.com/office/drawing/2014/main" id="{BC526B7A-4801-4FD1-95C8-03AF22629E87}"/>
               </a:ext>
               <a:ext uri="{C183D7F6-B498-43B3-948B-1728B52AA6E4}">
-                <adec:decorative xmlns:adec="http://schemas.microsoft.com/office/drawing/2017/decorative" val="1"/>
+                <adec:decorative xmlns:adec="http://schemas.microsoft.com/office/drawing/2017/decorative" xmlns="" val="1"/>
               </a:ext>
             </a:extLst>
           </p:cNvPr>
@@ -14245,7 +14267,7 @@
                 <a16:creationId xmlns:a16="http://schemas.microsoft.com/office/drawing/2014/main" id="{37FDDF72-DE39-4F99-A3C1-DD9D7815D7DB}"/>
               </a:ext>
               <a:ext uri="{C183D7F6-B498-43B3-948B-1728B52AA6E4}">
-                <adec:decorative xmlns:adec="http://schemas.microsoft.com/office/drawing/2017/decorative" val="1"/>
+                <adec:decorative xmlns:adec="http://schemas.microsoft.com/office/drawing/2017/decorative" xmlns="" val="1"/>
               </a:ext>
             </a:extLst>
           </p:cNvPr>
@@ -14315,7 +14337,7 @@
                 <a16:creationId xmlns:a16="http://schemas.microsoft.com/office/drawing/2014/main" id="{5E4ECE80-3AD1-450C-B62A-98788F193948}"/>
               </a:ext>
               <a:ext uri="{C183D7F6-B498-43B3-948B-1728B52AA6E4}">
-                <adec:decorative xmlns:adec="http://schemas.microsoft.com/office/drawing/2017/decorative" val="1"/>
+                <adec:decorative xmlns:adec="http://schemas.microsoft.com/office/drawing/2017/decorative" xmlns="" val="1"/>
               </a:ext>
             </a:extLst>
           </p:cNvPr>
@@ -14863,7 +14885,7 @@
                 <a16:creationId xmlns:a16="http://schemas.microsoft.com/office/drawing/2014/main" id="{0BABF38A-8A0D-492E-BD20-6CF4D46B50BD}"/>
               </a:ext>
               <a:ext uri="{C183D7F6-B498-43B3-948B-1728B52AA6E4}">
-                <adec:decorative xmlns:adec="http://schemas.microsoft.com/office/drawing/2017/decorative" val="1"/>
+                <adec:decorative xmlns:adec="http://schemas.microsoft.com/office/drawing/2017/decorative" xmlns="" val="1"/>
               </a:ext>
             </a:extLst>
           </p:cNvPr>
@@ -14939,7 +14961,7 @@
                 <a16:creationId xmlns:a16="http://schemas.microsoft.com/office/drawing/2014/main" id="{BC526B7A-4801-4FD1-95C8-03AF22629E87}"/>
               </a:ext>
               <a:ext uri="{C183D7F6-B498-43B3-948B-1728B52AA6E4}">
-                <adec:decorative xmlns:adec="http://schemas.microsoft.com/office/drawing/2017/decorative" val="1"/>
+                <adec:decorative xmlns:adec="http://schemas.microsoft.com/office/drawing/2017/decorative" xmlns="" val="1"/>
               </a:ext>
             </a:extLst>
           </p:cNvPr>
@@ -14985,7 +15007,7 @@
                 <a16:creationId xmlns:a16="http://schemas.microsoft.com/office/drawing/2014/main" id="{37FDDF72-DE39-4F99-A3C1-DD9D7815D7DB}"/>
               </a:ext>
               <a:ext uri="{C183D7F6-B498-43B3-948B-1728B52AA6E4}">
-                <adec:decorative xmlns:adec="http://schemas.microsoft.com/office/drawing/2017/decorative" val="1"/>
+                <adec:decorative xmlns:adec="http://schemas.microsoft.com/office/drawing/2017/decorative" xmlns="" val="1"/>
               </a:ext>
             </a:extLst>
           </p:cNvPr>
@@ -15055,7 +15077,7 @@
                 <a16:creationId xmlns:a16="http://schemas.microsoft.com/office/drawing/2014/main" id="{5E4ECE80-3AD1-450C-B62A-98788F193948}"/>
               </a:ext>
               <a:ext uri="{C183D7F6-B498-43B3-948B-1728B52AA6E4}">
-                <adec:decorative xmlns:adec="http://schemas.microsoft.com/office/drawing/2017/decorative" val="1"/>
+                <adec:decorative xmlns:adec="http://schemas.microsoft.com/office/drawing/2017/decorative" xmlns="" val="1"/>
               </a:ext>
             </a:extLst>
           </p:cNvPr>
@@ -15603,7 +15625,7 @@
                 <a16:creationId xmlns:a16="http://schemas.microsoft.com/office/drawing/2014/main" id="{0BABF38A-8A0D-492E-BD20-6CF4D46B50BD}"/>
               </a:ext>
               <a:ext uri="{C183D7F6-B498-43B3-948B-1728B52AA6E4}">
-                <adec:decorative xmlns:adec="http://schemas.microsoft.com/office/drawing/2017/decorative" val="1"/>
+                <adec:decorative xmlns:adec="http://schemas.microsoft.com/office/drawing/2017/decorative" xmlns="" val="1"/>
               </a:ext>
             </a:extLst>
           </p:cNvPr>
@@ -15679,7 +15701,7 @@
                 <a16:creationId xmlns:a16="http://schemas.microsoft.com/office/drawing/2014/main" id="{BC526B7A-4801-4FD1-95C8-03AF22629E87}"/>
               </a:ext>
               <a:ext uri="{C183D7F6-B498-43B3-948B-1728B52AA6E4}">
-                <adec:decorative xmlns:adec="http://schemas.microsoft.com/office/drawing/2017/decorative" val="1"/>
+                <adec:decorative xmlns:adec="http://schemas.microsoft.com/office/drawing/2017/decorative" xmlns="" val="1"/>
               </a:ext>
             </a:extLst>
           </p:cNvPr>
@@ -15725,7 +15747,7 @@
                 <a16:creationId xmlns:a16="http://schemas.microsoft.com/office/drawing/2014/main" id="{37FDDF72-DE39-4F99-A3C1-DD9D7815D7DB}"/>
               </a:ext>
               <a:ext uri="{C183D7F6-B498-43B3-948B-1728B52AA6E4}">
-                <adec:decorative xmlns:adec="http://schemas.microsoft.com/office/drawing/2017/decorative" val="1"/>
+                <adec:decorative xmlns:adec="http://schemas.microsoft.com/office/drawing/2017/decorative" xmlns="" val="1"/>
               </a:ext>
             </a:extLst>
           </p:cNvPr>
@@ -15795,7 +15817,7 @@
                 <a16:creationId xmlns:a16="http://schemas.microsoft.com/office/drawing/2014/main" id="{5E4ECE80-3AD1-450C-B62A-98788F193948}"/>
               </a:ext>
               <a:ext uri="{C183D7F6-B498-43B3-948B-1728B52AA6E4}">
-                <adec:decorative xmlns:adec="http://schemas.microsoft.com/office/drawing/2017/decorative" val="1"/>
+                <adec:decorative xmlns:adec="http://schemas.microsoft.com/office/drawing/2017/decorative" xmlns="" val="1"/>
               </a:ext>
             </a:extLst>
           </p:cNvPr>
@@ -16177,7 +16199,7 @@
                 <a16:creationId xmlns:a16="http://schemas.microsoft.com/office/drawing/2014/main" id="{0BABF38A-8A0D-492E-BD20-6CF4D46B50BD}"/>
               </a:ext>
               <a:ext uri="{C183D7F6-B498-43B3-948B-1728B52AA6E4}">
-                <adec:decorative xmlns:adec="http://schemas.microsoft.com/office/drawing/2017/decorative" val="1"/>
+                <adec:decorative xmlns:adec="http://schemas.microsoft.com/office/drawing/2017/decorative" xmlns="" val="1"/>
               </a:ext>
             </a:extLst>
           </p:cNvPr>
@@ -16253,7 +16275,7 @@
                 <a16:creationId xmlns:a16="http://schemas.microsoft.com/office/drawing/2014/main" id="{BC526B7A-4801-4FD1-95C8-03AF22629E87}"/>
               </a:ext>
               <a:ext uri="{C183D7F6-B498-43B3-948B-1728B52AA6E4}">
-                <adec:decorative xmlns:adec="http://schemas.microsoft.com/office/drawing/2017/decorative" val="1"/>
+                <adec:decorative xmlns:adec="http://schemas.microsoft.com/office/drawing/2017/decorative" xmlns="" val="1"/>
               </a:ext>
             </a:extLst>
           </p:cNvPr>
@@ -16299,7 +16321,7 @@
                 <a16:creationId xmlns:a16="http://schemas.microsoft.com/office/drawing/2014/main" id="{37FDDF72-DE39-4F99-A3C1-DD9D7815D7DB}"/>
               </a:ext>
               <a:ext uri="{C183D7F6-B498-43B3-948B-1728B52AA6E4}">
-                <adec:decorative xmlns:adec="http://schemas.microsoft.com/office/drawing/2017/decorative" val="1"/>
+                <adec:decorative xmlns:adec="http://schemas.microsoft.com/office/drawing/2017/decorative" xmlns="" val="1"/>
               </a:ext>
             </a:extLst>
           </p:cNvPr>
@@ -16369,7 +16391,7 @@
                 <a16:creationId xmlns:a16="http://schemas.microsoft.com/office/drawing/2014/main" id="{5E4ECE80-3AD1-450C-B62A-98788F193948}"/>
               </a:ext>
               <a:ext uri="{C183D7F6-B498-43B3-948B-1728B52AA6E4}">
-                <adec:decorative xmlns:adec="http://schemas.microsoft.com/office/drawing/2017/decorative" val="1"/>
+                <adec:decorative xmlns:adec="http://schemas.microsoft.com/office/drawing/2017/decorative" xmlns="" val="1"/>
               </a:ext>
             </a:extLst>
           </p:cNvPr>
@@ -16751,7 +16773,7 @@
                 <a16:creationId xmlns:a16="http://schemas.microsoft.com/office/drawing/2014/main" id="{0BABF38A-8A0D-492E-BD20-6CF4D46B50BD}"/>
               </a:ext>
               <a:ext uri="{C183D7F6-B498-43B3-948B-1728B52AA6E4}">
-                <adec:decorative xmlns:adec="http://schemas.microsoft.com/office/drawing/2017/decorative" val="1"/>
+                <adec:decorative xmlns:adec="http://schemas.microsoft.com/office/drawing/2017/decorative" xmlns="" val="1"/>
               </a:ext>
             </a:extLst>
           </p:cNvPr>
@@ -16827,7 +16849,7 @@
                 <a16:creationId xmlns:a16="http://schemas.microsoft.com/office/drawing/2014/main" id="{BC526B7A-4801-4FD1-95C8-03AF22629E87}"/>
               </a:ext>
               <a:ext uri="{C183D7F6-B498-43B3-948B-1728B52AA6E4}">
-                <adec:decorative xmlns:adec="http://schemas.microsoft.com/office/drawing/2017/decorative" val="1"/>
+                <adec:decorative xmlns:adec="http://schemas.microsoft.com/office/drawing/2017/decorative" xmlns="" val="1"/>
               </a:ext>
             </a:extLst>
           </p:cNvPr>
@@ -16873,7 +16895,7 @@
                 <a16:creationId xmlns:a16="http://schemas.microsoft.com/office/drawing/2014/main" id="{37FDDF72-DE39-4F99-A3C1-DD9D7815D7DB}"/>
               </a:ext>
               <a:ext uri="{C183D7F6-B498-43B3-948B-1728B52AA6E4}">
-                <adec:decorative xmlns:adec="http://schemas.microsoft.com/office/drawing/2017/decorative" val="1"/>
+                <adec:decorative xmlns:adec="http://schemas.microsoft.com/office/drawing/2017/decorative" xmlns="" val="1"/>
               </a:ext>
             </a:extLst>
           </p:cNvPr>
@@ -16943,7 +16965,7 @@
                 <a16:creationId xmlns:a16="http://schemas.microsoft.com/office/drawing/2014/main" id="{5E4ECE80-3AD1-450C-B62A-98788F193948}"/>
               </a:ext>
               <a:ext uri="{C183D7F6-B498-43B3-948B-1728B52AA6E4}">
-                <adec:decorative xmlns:adec="http://schemas.microsoft.com/office/drawing/2017/decorative" val="1"/>
+                <adec:decorative xmlns:adec="http://schemas.microsoft.com/office/drawing/2017/decorative" xmlns="" val="1"/>
               </a:ext>
             </a:extLst>
           </p:cNvPr>
@@ -17491,7 +17513,7 @@
                 <a16:creationId xmlns:a16="http://schemas.microsoft.com/office/drawing/2014/main" id="{0BABF38A-8A0D-492E-BD20-6CF4D46B50BD}"/>
               </a:ext>
               <a:ext uri="{C183D7F6-B498-43B3-948B-1728B52AA6E4}">
-                <adec:decorative xmlns:adec="http://schemas.microsoft.com/office/drawing/2017/decorative" val="1"/>
+                <adec:decorative xmlns:adec="http://schemas.microsoft.com/office/drawing/2017/decorative" xmlns="" val="1"/>
               </a:ext>
             </a:extLst>
           </p:cNvPr>
@@ -17567,7 +17589,7 @@
                 <a16:creationId xmlns:a16="http://schemas.microsoft.com/office/drawing/2014/main" id="{BC526B7A-4801-4FD1-95C8-03AF22629E87}"/>
               </a:ext>
               <a:ext uri="{C183D7F6-B498-43B3-948B-1728B52AA6E4}">
-                <adec:decorative xmlns:adec="http://schemas.microsoft.com/office/drawing/2017/decorative" val="1"/>
+                <adec:decorative xmlns:adec="http://schemas.microsoft.com/office/drawing/2017/decorative" xmlns="" val="1"/>
               </a:ext>
             </a:extLst>
           </p:cNvPr>
@@ -17613,7 +17635,7 @@
                 <a16:creationId xmlns:a16="http://schemas.microsoft.com/office/drawing/2014/main" id="{37FDDF72-DE39-4F99-A3C1-DD9D7815D7DB}"/>
               </a:ext>
               <a:ext uri="{C183D7F6-B498-43B3-948B-1728B52AA6E4}">
-                <adec:decorative xmlns:adec="http://schemas.microsoft.com/office/drawing/2017/decorative" val="1"/>
+                <adec:decorative xmlns:adec="http://schemas.microsoft.com/office/drawing/2017/decorative" xmlns="" val="1"/>
               </a:ext>
             </a:extLst>
           </p:cNvPr>
@@ -17683,7 +17705,7 @@
                 <a16:creationId xmlns:a16="http://schemas.microsoft.com/office/drawing/2014/main" id="{5E4ECE80-3AD1-450C-B62A-98788F193948}"/>
               </a:ext>
               <a:ext uri="{C183D7F6-B498-43B3-948B-1728B52AA6E4}">
-                <adec:decorative xmlns:adec="http://schemas.microsoft.com/office/drawing/2017/decorative" val="1"/>
+                <adec:decorative xmlns:adec="http://schemas.microsoft.com/office/drawing/2017/decorative" xmlns="" val="1"/>
               </a:ext>
             </a:extLst>
           </p:cNvPr>
@@ -18231,7 +18253,7 @@
                 <a16:creationId xmlns:a16="http://schemas.microsoft.com/office/drawing/2014/main" id="{0BABF38A-8A0D-492E-BD20-6CF4D46B50BD}"/>
               </a:ext>
               <a:ext uri="{C183D7F6-B498-43B3-948B-1728B52AA6E4}">
-                <adec:decorative xmlns:adec="http://schemas.microsoft.com/office/drawing/2017/decorative" val="1"/>
+                <adec:decorative xmlns:adec="http://schemas.microsoft.com/office/drawing/2017/decorative" xmlns="" val="1"/>
               </a:ext>
             </a:extLst>
           </p:cNvPr>
@@ -18307,7 +18329,7 @@
                 <a16:creationId xmlns:a16="http://schemas.microsoft.com/office/drawing/2014/main" id="{BC526B7A-4801-4FD1-95C8-03AF22629E87}"/>
               </a:ext>
               <a:ext uri="{C183D7F6-B498-43B3-948B-1728B52AA6E4}">
-                <adec:decorative xmlns:adec="http://schemas.microsoft.com/office/drawing/2017/decorative" val="1"/>
+                <adec:decorative xmlns:adec="http://schemas.microsoft.com/office/drawing/2017/decorative" xmlns="" val="1"/>
               </a:ext>
             </a:extLst>
           </p:cNvPr>
@@ -18353,7 +18375,7 @@
                 <a16:creationId xmlns:a16="http://schemas.microsoft.com/office/drawing/2014/main" id="{37FDDF72-DE39-4F99-A3C1-DD9D7815D7DB}"/>
               </a:ext>
               <a:ext uri="{C183D7F6-B498-43B3-948B-1728B52AA6E4}">
-                <adec:decorative xmlns:adec="http://schemas.microsoft.com/office/drawing/2017/decorative" val="1"/>
+                <adec:decorative xmlns:adec="http://schemas.microsoft.com/office/drawing/2017/decorative" xmlns="" val="1"/>
               </a:ext>
             </a:extLst>
           </p:cNvPr>
@@ -18423,7 +18445,7 @@
                 <a16:creationId xmlns:a16="http://schemas.microsoft.com/office/drawing/2014/main" id="{5E4ECE80-3AD1-450C-B62A-98788F193948}"/>
               </a:ext>
               <a:ext uri="{C183D7F6-B498-43B3-948B-1728B52AA6E4}">
-                <adec:decorative xmlns:adec="http://schemas.microsoft.com/office/drawing/2017/decorative" val="1"/>
+                <adec:decorative xmlns:adec="http://schemas.microsoft.com/office/drawing/2017/decorative" xmlns="" val="1"/>
               </a:ext>
             </a:extLst>
           </p:cNvPr>
@@ -18971,7 +18993,7 @@
                 <a16:creationId xmlns:a16="http://schemas.microsoft.com/office/drawing/2014/main" id="{0BABF38A-8A0D-492E-BD20-6CF4D46B50BD}"/>
               </a:ext>
               <a:ext uri="{C183D7F6-B498-43B3-948B-1728B52AA6E4}">
-                <adec:decorative xmlns:adec="http://schemas.microsoft.com/office/drawing/2017/decorative" val="1"/>
+                <adec:decorative xmlns:adec="http://schemas.microsoft.com/office/drawing/2017/decorative" xmlns="" val="1"/>
               </a:ext>
             </a:extLst>
           </p:cNvPr>
@@ -19047,7 +19069,7 @@
                 <a16:creationId xmlns:a16="http://schemas.microsoft.com/office/drawing/2014/main" id="{BC526B7A-4801-4FD1-95C8-03AF22629E87}"/>
               </a:ext>
               <a:ext uri="{C183D7F6-B498-43B3-948B-1728B52AA6E4}">
-                <adec:decorative xmlns:adec="http://schemas.microsoft.com/office/drawing/2017/decorative" val="1"/>
+                <adec:decorative xmlns:adec="http://schemas.microsoft.com/office/drawing/2017/decorative" xmlns="" val="1"/>
               </a:ext>
             </a:extLst>
           </p:cNvPr>
@@ -19093,7 +19115,7 @@
                 <a16:creationId xmlns:a16="http://schemas.microsoft.com/office/drawing/2014/main" id="{37FDDF72-DE39-4F99-A3C1-DD9D7815D7DB}"/>
               </a:ext>
               <a:ext uri="{C183D7F6-B498-43B3-948B-1728B52AA6E4}">
-                <adec:decorative xmlns:adec="http://schemas.microsoft.com/office/drawing/2017/decorative" val="1"/>
+                <adec:decorative xmlns:adec="http://schemas.microsoft.com/office/drawing/2017/decorative" xmlns="" val="1"/>
               </a:ext>
             </a:extLst>
           </p:cNvPr>
@@ -19163,7 +19185,7 @@
                 <a16:creationId xmlns:a16="http://schemas.microsoft.com/office/drawing/2014/main" id="{5E4ECE80-3AD1-450C-B62A-98788F193948}"/>
               </a:ext>
               <a:ext uri="{C183D7F6-B498-43B3-948B-1728B52AA6E4}">
-                <adec:decorative xmlns:adec="http://schemas.microsoft.com/office/drawing/2017/decorative" val="1"/>
+                <adec:decorative xmlns:adec="http://schemas.microsoft.com/office/drawing/2017/decorative" xmlns="" val="1"/>
               </a:ext>
             </a:extLst>
           </p:cNvPr>

--- a/MataMataPlanilha.pptx
+++ b/MataMataPlanilha.pptx
@@ -23,9 +23,10 @@
     <p:sldId id="283" r:id="rId17"/>
     <p:sldId id="284" r:id="rId18"/>
     <p:sldId id="268" r:id="rId19"/>
-    <p:sldId id="279" r:id="rId20"/>
-    <p:sldId id="280" r:id="rId21"/>
-    <p:sldId id="269" r:id="rId22"/>
+    <p:sldId id="289" r:id="rId20"/>
+    <p:sldId id="279" r:id="rId21"/>
+    <p:sldId id="280" r:id="rId22"/>
+    <p:sldId id="269" r:id="rId23"/>
   </p:sldIdLst>
   <p:sldSz cx="14400213" cy="10799763"/>
   <p:notesSz cx="6858000" cy="9144000"/>
@@ -306,7 +307,7 @@
             <a:fld id="{11A6662E-FAF4-44BC-88B5-85A7CBFB6D30}" type="datetime1">
               <a:rPr lang="en-US" smtClean="0"/>
               <a:pPr/>
-              <a:t>11/15/2021</a:t>
+              <a:t>11/19/2021</a:t>
             </a:fld>
             <a:endParaRPr lang="en-US" dirty="0"/>
           </a:p>
@@ -533,7 +534,7 @@
           <a:p>
             <a:fld id="{4C559632-1575-4E14-B53B-3DC3D5ED3947}" type="datetime1">
               <a:rPr lang="en-US" smtClean="0"/>
-              <a:t>11/15/2021</a:t>
+              <a:t>11/19/2021</a:t>
             </a:fld>
             <a:endParaRPr lang="en-US"/>
           </a:p>
@@ -741,7 +742,7 @@
           <a:p>
             <a:fld id="{CC4A6868-2568-4CC9-B302-F37117B01A6E}" type="datetime1">
               <a:rPr lang="en-US" smtClean="0"/>
-              <a:t>11/15/2021</a:t>
+              <a:t>11/19/2021</a:t>
             </a:fld>
             <a:endParaRPr lang="en-US"/>
           </a:p>
@@ -946,7 +947,7 @@
           <a:p>
             <a:fld id="{0055F08A-1E71-4B2B-BB49-E743F2903911}" type="datetime1">
               <a:rPr lang="en-US" smtClean="0"/>
-              <a:t>11/15/2021</a:t>
+              <a:t>11/19/2021</a:t>
             </a:fld>
             <a:endParaRPr lang="en-US" dirty="0"/>
           </a:p>
@@ -1220,7 +1221,7 @@
           <a:p>
             <a:fld id="{15417D9E-721A-44BB-8863-9873FE64DA75}" type="datetime1">
               <a:rPr lang="en-US" smtClean="0"/>
-              <a:t>11/15/2021</a:t>
+              <a:t>11/19/2021</a:t>
             </a:fld>
             <a:endParaRPr lang="en-US"/>
           </a:p>
@@ -1493,7 +1494,7 @@
           <a:p>
             <a:fld id="{5F31DA2F-80B8-49CF-99FB-5ABCA53A607A}" type="datetime1">
               <a:rPr lang="en-US" smtClean="0"/>
-              <a:t>11/15/2021</a:t>
+              <a:t>11/19/2021</a:t>
             </a:fld>
             <a:endParaRPr lang="en-US"/>
           </a:p>
@@ -1908,7 +1909,7 @@
           <a:p>
             <a:fld id="{28852172-E6C9-4B6C-929A-A9DE3837BBF1}" type="datetime1">
               <a:rPr lang="en-US" smtClean="0"/>
-              <a:t>11/15/2021</a:t>
+              <a:t>11/19/2021</a:t>
             </a:fld>
             <a:endParaRPr lang="en-US"/>
           </a:p>
@@ -2060,7 +2061,7 @@
           <a:p>
             <a:fld id="{3AB41CFF-90C9-47B3-9DA1-F2BF8D839F7E}" type="datetime1">
               <a:rPr lang="en-US" smtClean="0"/>
-              <a:t>11/15/2021</a:t>
+              <a:t>11/19/2021</a:t>
             </a:fld>
             <a:endParaRPr lang="en-US"/>
           </a:p>
@@ -2173,7 +2174,7 @@
           <a:p>
             <a:fld id="{F06048FA-06AB-4884-A69B-986B96E68A24}" type="datetime1">
               <a:rPr lang="en-US" smtClean="0"/>
-              <a:t>11/15/2021</a:t>
+              <a:t>11/19/2021</a:t>
             </a:fld>
             <a:endParaRPr lang="en-US"/>
           </a:p>
@@ -2484,7 +2485,7 @@
           <a:p>
             <a:fld id="{50DB7ABA-0172-4F9C-889D-567164F66BCD}" type="datetime1">
               <a:rPr lang="en-US" smtClean="0"/>
-              <a:t>11/15/2021</a:t>
+              <a:t>11/19/2021</a:t>
             </a:fld>
             <a:endParaRPr lang="en-US"/>
           </a:p>
@@ -2775,7 +2776,7 @@
           <a:p>
             <a:fld id="{78AC6A5B-8AE7-4A41-B5A7-9ADC6686DC18}" type="datetime1">
               <a:rPr lang="en-US" smtClean="0"/>
-              <a:t>11/15/2021</a:t>
+              <a:t>11/19/2021</a:t>
             </a:fld>
             <a:endParaRPr lang="en-US"/>
           </a:p>
@@ -2878,7 +2879,7 @@
                 <a16:creationId xmlns:a16="http://schemas.microsoft.com/office/drawing/2014/main" id="{0BABF38A-8A0D-492E-BD20-6CF4D46B50BD}"/>
               </a:ext>
               <a:ext uri="{C183D7F6-B498-43B3-948B-1728B52AA6E4}">
-                <adec:decorative xmlns:adec="http://schemas.microsoft.com/office/drawing/2017/decorative" xmlns="" val="1"/>
+                <adec:decorative xmlns:adec="http://schemas.microsoft.com/office/drawing/2017/decorative" val="1"/>
               </a:ext>
             </a:extLst>
           </p:cNvPr>
@@ -3084,7 +3085,7 @@
             <a:fld id="{57E0CF6C-748E-4B7A-BC8B-3011EF78ED13}" type="datetime1">
               <a:rPr lang="en-US" smtClean="0"/>
               <a:pPr/>
-              <a:t>11/15/2021</a:t>
+              <a:t>11/19/2021</a:t>
             </a:fld>
             <a:endParaRPr lang="en-US" dirty="0"/>
           </a:p>
@@ -3579,7 +3580,7 @@
                 <a16:creationId xmlns:a16="http://schemas.microsoft.com/office/drawing/2014/main" id="{0BABF38A-8A0D-492E-BD20-6CF4D46B50BD}"/>
               </a:ext>
               <a:ext uri="{C183D7F6-B498-43B3-948B-1728B52AA6E4}">
-                <adec:decorative xmlns:adec="http://schemas.microsoft.com/office/drawing/2017/decorative" xmlns="" val="1"/>
+                <adec:decorative xmlns:adec="http://schemas.microsoft.com/office/drawing/2017/decorative" val="1"/>
               </a:ext>
             </a:extLst>
           </p:cNvPr>
@@ -3655,7 +3656,7 @@
                 <a16:creationId xmlns:a16="http://schemas.microsoft.com/office/drawing/2014/main" id="{BC526B7A-4801-4FD1-95C8-03AF22629E87}"/>
               </a:ext>
               <a:ext uri="{C183D7F6-B498-43B3-948B-1728B52AA6E4}">
-                <adec:decorative xmlns:adec="http://schemas.microsoft.com/office/drawing/2017/decorative" xmlns="" val="1"/>
+                <adec:decorative xmlns:adec="http://schemas.microsoft.com/office/drawing/2017/decorative" val="1"/>
               </a:ext>
             </a:extLst>
           </p:cNvPr>
@@ -3701,7 +3702,7 @@
                 <a16:creationId xmlns:a16="http://schemas.microsoft.com/office/drawing/2014/main" id="{37FDDF72-DE39-4F99-A3C1-DD9D7815D7DB}"/>
               </a:ext>
               <a:ext uri="{C183D7F6-B498-43B3-948B-1728B52AA6E4}">
-                <adec:decorative xmlns:adec="http://schemas.microsoft.com/office/drawing/2017/decorative" xmlns="" val="1"/>
+                <adec:decorative xmlns:adec="http://schemas.microsoft.com/office/drawing/2017/decorative" val="1"/>
               </a:ext>
             </a:extLst>
           </p:cNvPr>
@@ -3771,7 +3772,7 @@
                 <a16:creationId xmlns:a16="http://schemas.microsoft.com/office/drawing/2014/main" id="{5E4ECE80-3AD1-450C-B62A-98788F193948}"/>
               </a:ext>
               <a:ext uri="{C183D7F6-B498-43B3-948B-1728B52AA6E4}">
-                <adec:decorative xmlns:adec="http://schemas.microsoft.com/office/drawing/2017/decorative" xmlns="" val="1"/>
+                <adec:decorative xmlns:adec="http://schemas.microsoft.com/office/drawing/2017/decorative" val="1"/>
               </a:ext>
             </a:extLst>
           </p:cNvPr>
@@ -4319,7 +4320,7 @@
                 <a16:creationId xmlns:a16="http://schemas.microsoft.com/office/drawing/2014/main" id="{0BABF38A-8A0D-492E-BD20-6CF4D46B50BD}"/>
               </a:ext>
               <a:ext uri="{C183D7F6-B498-43B3-948B-1728B52AA6E4}">
-                <adec:decorative xmlns:adec="http://schemas.microsoft.com/office/drawing/2017/decorative" xmlns="" val="1"/>
+                <adec:decorative xmlns:adec="http://schemas.microsoft.com/office/drawing/2017/decorative" val="1"/>
               </a:ext>
             </a:extLst>
           </p:cNvPr>
@@ -4395,7 +4396,7 @@
                 <a16:creationId xmlns:a16="http://schemas.microsoft.com/office/drawing/2014/main" id="{BC526B7A-4801-4FD1-95C8-03AF22629E87}"/>
               </a:ext>
               <a:ext uri="{C183D7F6-B498-43B3-948B-1728B52AA6E4}">
-                <adec:decorative xmlns:adec="http://schemas.microsoft.com/office/drawing/2017/decorative" xmlns="" val="1"/>
+                <adec:decorative xmlns:adec="http://schemas.microsoft.com/office/drawing/2017/decorative" val="1"/>
               </a:ext>
             </a:extLst>
           </p:cNvPr>
@@ -4441,7 +4442,7 @@
                 <a16:creationId xmlns:a16="http://schemas.microsoft.com/office/drawing/2014/main" id="{37FDDF72-DE39-4F99-A3C1-DD9D7815D7DB}"/>
               </a:ext>
               <a:ext uri="{C183D7F6-B498-43B3-948B-1728B52AA6E4}">
-                <adec:decorative xmlns:adec="http://schemas.microsoft.com/office/drawing/2017/decorative" xmlns="" val="1"/>
+                <adec:decorative xmlns:adec="http://schemas.microsoft.com/office/drawing/2017/decorative" val="1"/>
               </a:ext>
             </a:extLst>
           </p:cNvPr>
@@ -4511,7 +4512,7 @@
                 <a16:creationId xmlns:a16="http://schemas.microsoft.com/office/drawing/2014/main" id="{5E4ECE80-3AD1-450C-B62A-98788F193948}"/>
               </a:ext>
               <a:ext uri="{C183D7F6-B498-43B3-948B-1728B52AA6E4}">
-                <adec:decorative xmlns:adec="http://schemas.microsoft.com/office/drawing/2017/decorative" xmlns="" val="1"/>
+                <adec:decorative xmlns:adec="http://schemas.microsoft.com/office/drawing/2017/decorative" val="1"/>
               </a:ext>
             </a:extLst>
           </p:cNvPr>
@@ -5191,7 +5192,7 @@
                 <a16:creationId xmlns:a16="http://schemas.microsoft.com/office/drawing/2014/main" id="{0BABF38A-8A0D-492E-BD20-6CF4D46B50BD}"/>
               </a:ext>
               <a:ext uri="{C183D7F6-B498-43B3-948B-1728B52AA6E4}">
-                <adec:decorative xmlns:adec="http://schemas.microsoft.com/office/drawing/2017/decorative" xmlns="" val="1"/>
+                <adec:decorative xmlns:adec="http://schemas.microsoft.com/office/drawing/2017/decorative" val="1"/>
               </a:ext>
             </a:extLst>
           </p:cNvPr>
@@ -5267,7 +5268,7 @@
                 <a16:creationId xmlns:a16="http://schemas.microsoft.com/office/drawing/2014/main" id="{BC526B7A-4801-4FD1-95C8-03AF22629E87}"/>
               </a:ext>
               <a:ext uri="{C183D7F6-B498-43B3-948B-1728B52AA6E4}">
-                <adec:decorative xmlns:adec="http://schemas.microsoft.com/office/drawing/2017/decorative" xmlns="" val="1"/>
+                <adec:decorative xmlns:adec="http://schemas.microsoft.com/office/drawing/2017/decorative" val="1"/>
               </a:ext>
             </a:extLst>
           </p:cNvPr>
@@ -5313,7 +5314,7 @@
                 <a16:creationId xmlns:a16="http://schemas.microsoft.com/office/drawing/2014/main" id="{37FDDF72-DE39-4F99-A3C1-DD9D7815D7DB}"/>
               </a:ext>
               <a:ext uri="{C183D7F6-B498-43B3-948B-1728B52AA6E4}">
-                <adec:decorative xmlns:adec="http://schemas.microsoft.com/office/drawing/2017/decorative" xmlns="" val="1"/>
+                <adec:decorative xmlns:adec="http://schemas.microsoft.com/office/drawing/2017/decorative" val="1"/>
               </a:ext>
             </a:extLst>
           </p:cNvPr>
@@ -5383,7 +5384,7 @@
                 <a16:creationId xmlns:a16="http://schemas.microsoft.com/office/drawing/2014/main" id="{5E4ECE80-3AD1-450C-B62A-98788F193948}"/>
               </a:ext>
               <a:ext uri="{C183D7F6-B498-43B3-948B-1728B52AA6E4}">
-                <adec:decorative xmlns:adec="http://schemas.microsoft.com/office/drawing/2017/decorative" xmlns="" val="1"/>
+                <adec:decorative xmlns:adec="http://schemas.microsoft.com/office/drawing/2017/decorative" val="1"/>
               </a:ext>
             </a:extLst>
           </p:cNvPr>
@@ -6063,7 +6064,7 @@
                 <a16:creationId xmlns:a16="http://schemas.microsoft.com/office/drawing/2014/main" id="{0BABF38A-8A0D-492E-BD20-6CF4D46B50BD}"/>
               </a:ext>
               <a:ext uri="{C183D7F6-B498-43B3-948B-1728B52AA6E4}">
-                <adec:decorative xmlns:adec="http://schemas.microsoft.com/office/drawing/2017/decorative" xmlns="" val="1"/>
+                <adec:decorative xmlns:adec="http://schemas.microsoft.com/office/drawing/2017/decorative" val="1"/>
               </a:ext>
             </a:extLst>
           </p:cNvPr>
@@ -6139,7 +6140,7 @@
                 <a16:creationId xmlns:a16="http://schemas.microsoft.com/office/drawing/2014/main" id="{BC526B7A-4801-4FD1-95C8-03AF22629E87}"/>
               </a:ext>
               <a:ext uri="{C183D7F6-B498-43B3-948B-1728B52AA6E4}">
-                <adec:decorative xmlns:adec="http://schemas.microsoft.com/office/drawing/2017/decorative" xmlns="" val="1"/>
+                <adec:decorative xmlns:adec="http://schemas.microsoft.com/office/drawing/2017/decorative" val="1"/>
               </a:ext>
             </a:extLst>
           </p:cNvPr>
@@ -6185,7 +6186,7 @@
                 <a16:creationId xmlns:a16="http://schemas.microsoft.com/office/drawing/2014/main" id="{37FDDF72-DE39-4F99-A3C1-DD9D7815D7DB}"/>
               </a:ext>
               <a:ext uri="{C183D7F6-B498-43B3-948B-1728B52AA6E4}">
-                <adec:decorative xmlns:adec="http://schemas.microsoft.com/office/drawing/2017/decorative" xmlns="" val="1"/>
+                <adec:decorative xmlns:adec="http://schemas.microsoft.com/office/drawing/2017/decorative" val="1"/>
               </a:ext>
             </a:extLst>
           </p:cNvPr>
@@ -6255,7 +6256,7 @@
                 <a16:creationId xmlns:a16="http://schemas.microsoft.com/office/drawing/2014/main" id="{5E4ECE80-3AD1-450C-B62A-98788F193948}"/>
               </a:ext>
               <a:ext uri="{C183D7F6-B498-43B3-948B-1728B52AA6E4}">
-                <adec:decorative xmlns:adec="http://schemas.microsoft.com/office/drawing/2017/decorative" xmlns="" val="1"/>
+                <adec:decorative xmlns:adec="http://schemas.microsoft.com/office/drawing/2017/decorative" val="1"/>
               </a:ext>
             </a:extLst>
           </p:cNvPr>
@@ -6935,7 +6936,7 @@
                 <a16:creationId xmlns:a16="http://schemas.microsoft.com/office/drawing/2014/main" id="{0BABF38A-8A0D-492E-BD20-6CF4D46B50BD}"/>
               </a:ext>
               <a:ext uri="{C183D7F6-B498-43B3-948B-1728B52AA6E4}">
-                <adec:decorative xmlns:adec="http://schemas.microsoft.com/office/drawing/2017/decorative" xmlns="" val="1"/>
+                <adec:decorative xmlns:adec="http://schemas.microsoft.com/office/drawing/2017/decorative" val="1"/>
               </a:ext>
             </a:extLst>
           </p:cNvPr>
@@ -7011,7 +7012,7 @@
                 <a16:creationId xmlns:a16="http://schemas.microsoft.com/office/drawing/2014/main" id="{BC526B7A-4801-4FD1-95C8-03AF22629E87}"/>
               </a:ext>
               <a:ext uri="{C183D7F6-B498-43B3-948B-1728B52AA6E4}">
-                <adec:decorative xmlns:adec="http://schemas.microsoft.com/office/drawing/2017/decorative" xmlns="" val="1"/>
+                <adec:decorative xmlns:adec="http://schemas.microsoft.com/office/drawing/2017/decorative" val="1"/>
               </a:ext>
             </a:extLst>
           </p:cNvPr>
@@ -7057,7 +7058,7 @@
                 <a16:creationId xmlns:a16="http://schemas.microsoft.com/office/drawing/2014/main" id="{37FDDF72-DE39-4F99-A3C1-DD9D7815D7DB}"/>
               </a:ext>
               <a:ext uri="{C183D7F6-B498-43B3-948B-1728B52AA6E4}">
-                <adec:decorative xmlns:adec="http://schemas.microsoft.com/office/drawing/2017/decorative" xmlns="" val="1"/>
+                <adec:decorative xmlns:adec="http://schemas.microsoft.com/office/drawing/2017/decorative" val="1"/>
               </a:ext>
             </a:extLst>
           </p:cNvPr>
@@ -7127,7 +7128,7 @@
                 <a16:creationId xmlns:a16="http://schemas.microsoft.com/office/drawing/2014/main" id="{5E4ECE80-3AD1-450C-B62A-98788F193948}"/>
               </a:ext>
               <a:ext uri="{C183D7F6-B498-43B3-948B-1728B52AA6E4}">
-                <adec:decorative xmlns:adec="http://schemas.microsoft.com/office/drawing/2017/decorative" xmlns="" val="1"/>
+                <adec:decorative xmlns:adec="http://schemas.microsoft.com/office/drawing/2017/decorative" val="1"/>
               </a:ext>
             </a:extLst>
           </p:cNvPr>
@@ -7773,7 +7774,7 @@
                 <a16:creationId xmlns:a16="http://schemas.microsoft.com/office/drawing/2014/main" id="{0BABF38A-8A0D-492E-BD20-6CF4D46B50BD}"/>
               </a:ext>
               <a:ext uri="{C183D7F6-B498-43B3-948B-1728B52AA6E4}">
-                <adec:decorative xmlns:adec="http://schemas.microsoft.com/office/drawing/2017/decorative" xmlns="" val="1"/>
+                <adec:decorative xmlns:adec="http://schemas.microsoft.com/office/drawing/2017/decorative" val="1"/>
               </a:ext>
             </a:extLst>
           </p:cNvPr>
@@ -7849,7 +7850,7 @@
                 <a16:creationId xmlns:a16="http://schemas.microsoft.com/office/drawing/2014/main" id="{BC526B7A-4801-4FD1-95C8-03AF22629E87}"/>
               </a:ext>
               <a:ext uri="{C183D7F6-B498-43B3-948B-1728B52AA6E4}">
-                <adec:decorative xmlns:adec="http://schemas.microsoft.com/office/drawing/2017/decorative" xmlns="" val="1"/>
+                <adec:decorative xmlns:adec="http://schemas.microsoft.com/office/drawing/2017/decorative" val="1"/>
               </a:ext>
             </a:extLst>
           </p:cNvPr>
@@ -7895,7 +7896,7 @@
                 <a16:creationId xmlns:a16="http://schemas.microsoft.com/office/drawing/2014/main" id="{37FDDF72-DE39-4F99-A3C1-DD9D7815D7DB}"/>
               </a:ext>
               <a:ext uri="{C183D7F6-B498-43B3-948B-1728B52AA6E4}">
-                <adec:decorative xmlns:adec="http://schemas.microsoft.com/office/drawing/2017/decorative" xmlns="" val="1"/>
+                <adec:decorative xmlns:adec="http://schemas.microsoft.com/office/drawing/2017/decorative" val="1"/>
               </a:ext>
             </a:extLst>
           </p:cNvPr>
@@ -7965,7 +7966,7 @@
                 <a16:creationId xmlns:a16="http://schemas.microsoft.com/office/drawing/2014/main" id="{5E4ECE80-3AD1-450C-B62A-98788F193948}"/>
               </a:ext>
               <a:ext uri="{C183D7F6-B498-43B3-948B-1728B52AA6E4}">
-                <adec:decorative xmlns:adec="http://schemas.microsoft.com/office/drawing/2017/decorative" xmlns="" val="1"/>
+                <adec:decorative xmlns:adec="http://schemas.microsoft.com/office/drawing/2017/decorative" val="1"/>
               </a:ext>
             </a:extLst>
           </p:cNvPr>
@@ -8645,7 +8646,7 @@
                 <a16:creationId xmlns:a16="http://schemas.microsoft.com/office/drawing/2014/main" id="{0BABF38A-8A0D-492E-BD20-6CF4D46B50BD}"/>
               </a:ext>
               <a:ext uri="{C183D7F6-B498-43B3-948B-1728B52AA6E4}">
-                <adec:decorative xmlns:adec="http://schemas.microsoft.com/office/drawing/2017/decorative" xmlns="" val="1"/>
+                <adec:decorative xmlns:adec="http://schemas.microsoft.com/office/drawing/2017/decorative" val="1"/>
               </a:ext>
             </a:extLst>
           </p:cNvPr>
@@ -8721,7 +8722,7 @@
                 <a16:creationId xmlns:a16="http://schemas.microsoft.com/office/drawing/2014/main" id="{BC526B7A-4801-4FD1-95C8-03AF22629E87}"/>
               </a:ext>
               <a:ext uri="{C183D7F6-B498-43B3-948B-1728B52AA6E4}">
-                <adec:decorative xmlns:adec="http://schemas.microsoft.com/office/drawing/2017/decorative" xmlns="" val="1"/>
+                <adec:decorative xmlns:adec="http://schemas.microsoft.com/office/drawing/2017/decorative" val="1"/>
               </a:ext>
             </a:extLst>
           </p:cNvPr>
@@ -8767,7 +8768,7 @@
                 <a16:creationId xmlns:a16="http://schemas.microsoft.com/office/drawing/2014/main" id="{37FDDF72-DE39-4F99-A3C1-DD9D7815D7DB}"/>
               </a:ext>
               <a:ext uri="{C183D7F6-B498-43B3-948B-1728B52AA6E4}">
-                <adec:decorative xmlns:adec="http://schemas.microsoft.com/office/drawing/2017/decorative" xmlns="" val="1"/>
+                <adec:decorative xmlns:adec="http://schemas.microsoft.com/office/drawing/2017/decorative" val="1"/>
               </a:ext>
             </a:extLst>
           </p:cNvPr>
@@ -8837,7 +8838,7 @@
                 <a16:creationId xmlns:a16="http://schemas.microsoft.com/office/drawing/2014/main" id="{5E4ECE80-3AD1-450C-B62A-98788F193948}"/>
               </a:ext>
               <a:ext uri="{C183D7F6-B498-43B3-948B-1728B52AA6E4}">
-                <adec:decorative xmlns:adec="http://schemas.microsoft.com/office/drawing/2017/decorative" xmlns="" val="1"/>
+                <adec:decorative xmlns:adec="http://schemas.microsoft.com/office/drawing/2017/decorative" val="1"/>
               </a:ext>
             </a:extLst>
           </p:cNvPr>
@@ -9034,37 +9035,8 @@
                 </a:effectLst>
                 <a:latin typeface="Exo 2 Extra Bold" panose="00000900000000000000" pitchFamily="50" charset="0"/>
               </a:rPr>
-              <a:t>MATA-MATA SÉRIE B </a:t>
+              <a:t>MATA-MATA SÉRIE B 6</a:t>
             </a:r>
-            <a:r>
-              <a:rPr lang="pt-BR" sz="7200" dirty="0" smtClean="0">
-                <a:ln w="0">
-                  <a:noFill/>
-                </a:ln>
-                <a:effectLst>
-                  <a:outerShdw blurRad="38100" dist="19050" dir="2700000" algn="tl" rotWithShape="0">
-                    <a:schemeClr val="dk1">
-                      <a:alpha val="40000"/>
-                    </a:schemeClr>
-                  </a:outerShdw>
-                </a:effectLst>
-                <a:latin typeface="Exo 2 Extra Bold" panose="00000900000000000000" pitchFamily="50" charset="0"/>
-              </a:rPr>
-              <a:t>6</a:t>
-            </a:r>
-            <a:endParaRPr lang="pt-BR" sz="7200" dirty="0">
-              <a:ln w="0">
-                <a:noFill/>
-              </a:ln>
-              <a:effectLst>
-                <a:outerShdw blurRad="38100" dist="19050" dir="2700000" algn="tl" rotWithShape="0">
-                  <a:schemeClr val="dk1">
-                    <a:alpha val="40000"/>
-                  </a:schemeClr>
-                </a:outerShdw>
-              </a:effectLst>
-              <a:latin typeface="Exo 2 Extra Bold" panose="00000900000000000000" pitchFamily="50" charset="0"/>
-            </a:endParaRPr>
           </a:p>
         </p:txBody>
       </p:sp>
@@ -9528,7 +9500,7 @@
                 <a16:creationId xmlns:a16="http://schemas.microsoft.com/office/drawing/2014/main" id="{0BABF38A-8A0D-492E-BD20-6CF4D46B50BD}"/>
               </a:ext>
               <a:ext uri="{C183D7F6-B498-43B3-948B-1728B52AA6E4}">
-                <adec:decorative xmlns:adec="http://schemas.microsoft.com/office/drawing/2017/decorative" xmlns="" val="1"/>
+                <adec:decorative xmlns:adec="http://schemas.microsoft.com/office/drawing/2017/decorative" val="1"/>
               </a:ext>
             </a:extLst>
           </p:cNvPr>
@@ -9604,7 +9576,7 @@
                 <a16:creationId xmlns:a16="http://schemas.microsoft.com/office/drawing/2014/main" id="{BC526B7A-4801-4FD1-95C8-03AF22629E87}"/>
               </a:ext>
               <a:ext uri="{C183D7F6-B498-43B3-948B-1728B52AA6E4}">
-                <adec:decorative xmlns:adec="http://schemas.microsoft.com/office/drawing/2017/decorative" xmlns="" val="1"/>
+                <adec:decorative xmlns:adec="http://schemas.microsoft.com/office/drawing/2017/decorative" val="1"/>
               </a:ext>
             </a:extLst>
           </p:cNvPr>
@@ -9650,7 +9622,7 @@
                 <a16:creationId xmlns:a16="http://schemas.microsoft.com/office/drawing/2014/main" id="{37FDDF72-DE39-4F99-A3C1-DD9D7815D7DB}"/>
               </a:ext>
               <a:ext uri="{C183D7F6-B498-43B3-948B-1728B52AA6E4}">
-                <adec:decorative xmlns:adec="http://schemas.microsoft.com/office/drawing/2017/decorative" xmlns="" val="1"/>
+                <adec:decorative xmlns:adec="http://schemas.microsoft.com/office/drawing/2017/decorative" val="1"/>
               </a:ext>
             </a:extLst>
           </p:cNvPr>
@@ -9720,7 +9692,7 @@
                 <a16:creationId xmlns:a16="http://schemas.microsoft.com/office/drawing/2014/main" id="{5E4ECE80-3AD1-450C-B62A-98788F193948}"/>
               </a:ext>
               <a:ext uri="{C183D7F6-B498-43B3-948B-1728B52AA6E4}">
-                <adec:decorative xmlns:adec="http://schemas.microsoft.com/office/drawing/2017/decorative" xmlns="" val="1"/>
+                <adec:decorative xmlns:adec="http://schemas.microsoft.com/office/drawing/2017/decorative" val="1"/>
               </a:ext>
             </a:extLst>
           </p:cNvPr>
@@ -9917,37 +9889,8 @@
                 </a:effectLst>
                 <a:latin typeface="Exo 2 Extra Bold" panose="00000900000000000000" pitchFamily="50" charset="0"/>
               </a:rPr>
-              <a:t>MATA-MATA SÉRIE C </a:t>
+              <a:t>MATA-MATA SÉRIE C 6</a:t>
             </a:r>
-            <a:r>
-              <a:rPr lang="pt-BR" sz="7200" dirty="0" smtClean="0">
-                <a:ln w="0">
-                  <a:noFill/>
-                </a:ln>
-                <a:effectLst>
-                  <a:outerShdw blurRad="38100" dist="19050" dir="2700000" algn="tl" rotWithShape="0">
-                    <a:schemeClr val="dk1">
-                      <a:alpha val="40000"/>
-                    </a:schemeClr>
-                  </a:outerShdw>
-                </a:effectLst>
-                <a:latin typeface="Exo 2 Extra Bold" panose="00000900000000000000" pitchFamily="50" charset="0"/>
-              </a:rPr>
-              <a:t>6</a:t>
-            </a:r>
-            <a:endParaRPr lang="pt-BR" sz="7200" dirty="0">
-              <a:ln w="0">
-                <a:noFill/>
-              </a:ln>
-              <a:effectLst>
-                <a:outerShdw blurRad="38100" dist="19050" dir="2700000" algn="tl" rotWithShape="0">
-                  <a:schemeClr val="dk1">
-                    <a:alpha val="40000"/>
-                  </a:schemeClr>
-                </a:outerShdw>
-              </a:effectLst>
-              <a:latin typeface="Exo 2 Extra Bold" panose="00000900000000000000" pitchFamily="50" charset="0"/>
-            </a:endParaRPr>
           </a:p>
         </p:txBody>
       </p:sp>
@@ -10411,7 +10354,7 @@
                 <a16:creationId xmlns:a16="http://schemas.microsoft.com/office/drawing/2014/main" id="{0BABF38A-8A0D-492E-BD20-6CF4D46B50BD}"/>
               </a:ext>
               <a:ext uri="{C183D7F6-B498-43B3-948B-1728B52AA6E4}">
-                <adec:decorative xmlns:adec="http://schemas.microsoft.com/office/drawing/2017/decorative" xmlns="" val="1"/>
+                <adec:decorative xmlns:adec="http://schemas.microsoft.com/office/drawing/2017/decorative" val="1"/>
               </a:ext>
             </a:extLst>
           </p:cNvPr>
@@ -10487,7 +10430,7 @@
                 <a16:creationId xmlns:a16="http://schemas.microsoft.com/office/drawing/2014/main" id="{BC526B7A-4801-4FD1-95C8-03AF22629E87}"/>
               </a:ext>
               <a:ext uri="{C183D7F6-B498-43B3-948B-1728B52AA6E4}">
-                <adec:decorative xmlns:adec="http://schemas.microsoft.com/office/drawing/2017/decorative" xmlns="" val="1"/>
+                <adec:decorative xmlns:adec="http://schemas.microsoft.com/office/drawing/2017/decorative" val="1"/>
               </a:ext>
             </a:extLst>
           </p:cNvPr>
@@ -10533,7 +10476,7 @@
                 <a16:creationId xmlns:a16="http://schemas.microsoft.com/office/drawing/2014/main" id="{37FDDF72-DE39-4F99-A3C1-DD9D7815D7DB}"/>
               </a:ext>
               <a:ext uri="{C183D7F6-B498-43B3-948B-1728B52AA6E4}">
-                <adec:decorative xmlns:adec="http://schemas.microsoft.com/office/drawing/2017/decorative" xmlns="" val="1"/>
+                <adec:decorative xmlns:adec="http://schemas.microsoft.com/office/drawing/2017/decorative" val="1"/>
               </a:ext>
             </a:extLst>
           </p:cNvPr>
@@ -10603,7 +10546,7 @@
                 <a16:creationId xmlns:a16="http://schemas.microsoft.com/office/drawing/2014/main" id="{5E4ECE80-3AD1-450C-B62A-98788F193948}"/>
               </a:ext>
               <a:ext uri="{C183D7F6-B498-43B3-948B-1728B52AA6E4}">
-                <adec:decorative xmlns:adec="http://schemas.microsoft.com/office/drawing/2017/decorative" xmlns="" val="1"/>
+                <adec:decorative xmlns:adec="http://schemas.microsoft.com/office/drawing/2017/decorative" val="1"/>
               </a:ext>
             </a:extLst>
           </p:cNvPr>
@@ -11249,7 +11192,7 @@
                 <a16:creationId xmlns:a16="http://schemas.microsoft.com/office/drawing/2014/main" id="{0BABF38A-8A0D-492E-BD20-6CF4D46B50BD}"/>
               </a:ext>
               <a:ext uri="{C183D7F6-B498-43B3-948B-1728B52AA6E4}">
-                <adec:decorative xmlns:adec="http://schemas.microsoft.com/office/drawing/2017/decorative" xmlns="" val="1"/>
+                <adec:decorative xmlns:adec="http://schemas.microsoft.com/office/drawing/2017/decorative" val="1"/>
               </a:ext>
             </a:extLst>
           </p:cNvPr>
@@ -11325,7 +11268,7 @@
                 <a16:creationId xmlns:a16="http://schemas.microsoft.com/office/drawing/2014/main" id="{BC526B7A-4801-4FD1-95C8-03AF22629E87}"/>
               </a:ext>
               <a:ext uri="{C183D7F6-B498-43B3-948B-1728B52AA6E4}">
-                <adec:decorative xmlns:adec="http://schemas.microsoft.com/office/drawing/2017/decorative" xmlns="" val="1"/>
+                <adec:decorative xmlns:adec="http://schemas.microsoft.com/office/drawing/2017/decorative" val="1"/>
               </a:ext>
             </a:extLst>
           </p:cNvPr>
@@ -11371,7 +11314,7 @@
                 <a16:creationId xmlns:a16="http://schemas.microsoft.com/office/drawing/2014/main" id="{37FDDF72-DE39-4F99-A3C1-DD9D7815D7DB}"/>
               </a:ext>
               <a:ext uri="{C183D7F6-B498-43B3-948B-1728B52AA6E4}">
-                <adec:decorative xmlns:adec="http://schemas.microsoft.com/office/drawing/2017/decorative" xmlns="" val="1"/>
+                <adec:decorative xmlns:adec="http://schemas.microsoft.com/office/drawing/2017/decorative" val="1"/>
               </a:ext>
             </a:extLst>
           </p:cNvPr>
@@ -11441,7 +11384,7 @@
                 <a16:creationId xmlns:a16="http://schemas.microsoft.com/office/drawing/2014/main" id="{5E4ECE80-3AD1-450C-B62A-98788F193948}"/>
               </a:ext>
               <a:ext uri="{C183D7F6-B498-43B3-948B-1728B52AA6E4}">
-                <adec:decorative xmlns:adec="http://schemas.microsoft.com/office/drawing/2017/decorative" xmlns="" val="1"/>
+                <adec:decorative xmlns:adec="http://schemas.microsoft.com/office/drawing/2017/decorative" val="1"/>
               </a:ext>
             </a:extLst>
           </p:cNvPr>
@@ -11989,7 +11932,7 @@
                 <a16:creationId xmlns:a16="http://schemas.microsoft.com/office/drawing/2014/main" id="{0BABF38A-8A0D-492E-BD20-6CF4D46B50BD}"/>
               </a:ext>
               <a:ext uri="{C183D7F6-B498-43B3-948B-1728B52AA6E4}">
-                <adec:decorative xmlns:adec="http://schemas.microsoft.com/office/drawing/2017/decorative" xmlns="" val="1"/>
+                <adec:decorative xmlns:adec="http://schemas.microsoft.com/office/drawing/2017/decorative" val="1"/>
               </a:ext>
             </a:extLst>
           </p:cNvPr>
@@ -12065,7 +12008,7 @@
                 <a16:creationId xmlns:a16="http://schemas.microsoft.com/office/drawing/2014/main" id="{BC526B7A-4801-4FD1-95C8-03AF22629E87}"/>
               </a:ext>
               <a:ext uri="{C183D7F6-B498-43B3-948B-1728B52AA6E4}">
-                <adec:decorative xmlns:adec="http://schemas.microsoft.com/office/drawing/2017/decorative" xmlns="" val="1"/>
+                <adec:decorative xmlns:adec="http://schemas.microsoft.com/office/drawing/2017/decorative" val="1"/>
               </a:ext>
             </a:extLst>
           </p:cNvPr>
@@ -12111,7 +12054,7 @@
                 <a16:creationId xmlns:a16="http://schemas.microsoft.com/office/drawing/2014/main" id="{37FDDF72-DE39-4F99-A3C1-DD9D7815D7DB}"/>
               </a:ext>
               <a:ext uri="{C183D7F6-B498-43B3-948B-1728B52AA6E4}">
-                <adec:decorative xmlns:adec="http://schemas.microsoft.com/office/drawing/2017/decorative" xmlns="" val="1"/>
+                <adec:decorative xmlns:adec="http://schemas.microsoft.com/office/drawing/2017/decorative" val="1"/>
               </a:ext>
             </a:extLst>
           </p:cNvPr>
@@ -12181,7 +12124,7 @@
                 <a16:creationId xmlns:a16="http://schemas.microsoft.com/office/drawing/2014/main" id="{5E4ECE80-3AD1-450C-B62A-98788F193948}"/>
               </a:ext>
               <a:ext uri="{C183D7F6-B498-43B3-948B-1728B52AA6E4}">
-                <adec:decorative xmlns:adec="http://schemas.microsoft.com/office/drawing/2017/decorative" xmlns="" val="1"/>
+                <adec:decorative xmlns:adec="http://schemas.microsoft.com/office/drawing/2017/decorative" val="1"/>
               </a:ext>
             </a:extLst>
           </p:cNvPr>
@@ -12378,7 +12321,7 @@
                 </a:effectLst>
                 <a:latin typeface="Exo 2 Extra Bold" panose="00000900000000000000" pitchFamily="50" charset="0"/>
               </a:rPr>
-              <a:t>MATA-MATA SÉRIE C 3</a:t>
+              <a:t>MATA-MATA SÉRIE B 6</a:t>
             </a:r>
           </a:p>
         </p:txBody>
@@ -12567,7 +12510,7 @@
                 </a:effectLst>
                 <a:latin typeface="Exo 2 Extra Bold" panose="00000900000000000000" pitchFamily="50" charset="0"/>
               </a:rPr>
-              <a:t>Chave 1</a:t>
+              <a:t>Campeão</a:t>
             </a:r>
           </a:p>
         </p:txBody>
@@ -12618,17 +12561,17 @@
                 </a:effectLst>
                 <a:latin typeface="Exo 2 Extra Bold" panose="00000900000000000000" pitchFamily="50" charset="0"/>
               </a:rPr>
-              <a:t>Chave 2</a:t>
+              <a:t>3º Lugar</a:t>
             </a:r>
           </a:p>
         </p:txBody>
       </p:sp>
       <p:pic>
         <p:nvPicPr>
-          <p:cNvPr id="4" name="Imagem 3">
-            <a:extLst>
-              <a:ext uri="{FF2B5EF4-FFF2-40B4-BE49-F238E27FC236}">
-                <a16:creationId xmlns:a16="http://schemas.microsoft.com/office/drawing/2014/main" id="{595D0380-36B5-417C-A283-D734C6988265}"/>
+          <p:cNvPr id="17" name="Imagem 16">
+            <a:extLst>
+              <a:ext uri="{FF2B5EF4-FFF2-40B4-BE49-F238E27FC236}">
+                <a16:creationId xmlns:a16="http://schemas.microsoft.com/office/drawing/2014/main" id="{7DEE637D-8ECD-4718-8689-226E0CE0E645}"/>
               </a:ext>
             </a:extLst>
           </p:cNvPr>
@@ -12645,8 +12588,8 @@
         </p:blipFill>
         <p:spPr>
           <a:xfrm>
-            <a:off x="924882" y="4017759"/>
-            <a:ext cx="12600000" cy="1054279"/>
+            <a:off x="914579" y="4017756"/>
+            <a:ext cx="12600000" cy="1056224"/>
           </a:xfrm>
           <a:prstGeom prst="rect">
             <a:avLst/>
@@ -12655,10 +12598,10 @@
       </p:pic>
       <p:pic>
         <p:nvPicPr>
-          <p:cNvPr id="6" name="Imagem 5">
-            <a:extLst>
-              <a:ext uri="{FF2B5EF4-FFF2-40B4-BE49-F238E27FC236}">
-                <a16:creationId xmlns:a16="http://schemas.microsoft.com/office/drawing/2014/main" id="{31E664DF-5DD8-44E6-8E6F-512A04160728}"/>
+          <p:cNvPr id="18" name="Imagem 17">
+            <a:extLst>
+              <a:ext uri="{FF2B5EF4-FFF2-40B4-BE49-F238E27FC236}">
+                <a16:creationId xmlns:a16="http://schemas.microsoft.com/office/drawing/2014/main" id="{9F7B1E31-DB03-406A-A6C1-25815DA92094}"/>
               </a:ext>
             </a:extLst>
           </p:cNvPr>
@@ -12675,8 +12618,8 @@
         </p:blipFill>
         <p:spPr>
           <a:xfrm>
-            <a:off x="921597" y="7945663"/>
-            <a:ext cx="12600000" cy="1054279"/>
+            <a:off x="943672" y="7954186"/>
+            <a:ext cx="12600000" cy="1056224"/>
           </a:xfrm>
           <a:prstGeom prst="rect">
             <a:avLst/>
@@ -12686,7 +12629,7 @@
     </p:spTree>
     <p:extLst>
       <p:ext uri="{BB962C8B-B14F-4D97-AF65-F5344CB8AC3E}">
-        <p14:creationId xmlns:p14="http://schemas.microsoft.com/office/powerpoint/2010/main" val="984674890"/>
+        <p14:creationId xmlns:p14="http://schemas.microsoft.com/office/powerpoint/2010/main" val="2547891164"/>
       </p:ext>
     </p:extLst>
   </p:cSld>
@@ -12729,7 +12672,7 @@
                 <a16:creationId xmlns:a16="http://schemas.microsoft.com/office/drawing/2014/main" id="{0BABF38A-8A0D-492E-BD20-6CF4D46B50BD}"/>
               </a:ext>
               <a:ext uri="{C183D7F6-B498-43B3-948B-1728B52AA6E4}">
-                <adec:decorative xmlns:adec="http://schemas.microsoft.com/office/drawing/2017/decorative" xmlns="" val="1"/>
+                <adec:decorative xmlns:adec="http://schemas.microsoft.com/office/drawing/2017/decorative" val="1"/>
               </a:ext>
             </a:extLst>
           </p:cNvPr>
@@ -12805,7 +12748,7 @@
                 <a16:creationId xmlns:a16="http://schemas.microsoft.com/office/drawing/2014/main" id="{BC526B7A-4801-4FD1-95C8-03AF22629E87}"/>
               </a:ext>
               <a:ext uri="{C183D7F6-B498-43B3-948B-1728B52AA6E4}">
-                <adec:decorative xmlns:adec="http://schemas.microsoft.com/office/drawing/2017/decorative" xmlns="" val="1"/>
+                <adec:decorative xmlns:adec="http://schemas.microsoft.com/office/drawing/2017/decorative" val="1"/>
               </a:ext>
             </a:extLst>
           </p:cNvPr>
@@ -12851,7 +12794,7 @@
                 <a16:creationId xmlns:a16="http://schemas.microsoft.com/office/drawing/2014/main" id="{37FDDF72-DE39-4F99-A3C1-DD9D7815D7DB}"/>
               </a:ext>
               <a:ext uri="{C183D7F6-B498-43B3-948B-1728B52AA6E4}">
-                <adec:decorative xmlns:adec="http://schemas.microsoft.com/office/drawing/2017/decorative" xmlns="" val="1"/>
+                <adec:decorative xmlns:adec="http://schemas.microsoft.com/office/drawing/2017/decorative" val="1"/>
               </a:ext>
             </a:extLst>
           </p:cNvPr>
@@ -12921,7 +12864,7 @@
                 <a16:creationId xmlns:a16="http://schemas.microsoft.com/office/drawing/2014/main" id="{5E4ECE80-3AD1-450C-B62A-98788F193948}"/>
               </a:ext>
               <a:ext uri="{C183D7F6-B498-43B3-948B-1728B52AA6E4}">
-                <adec:decorative xmlns:adec="http://schemas.microsoft.com/office/drawing/2017/decorative" xmlns="" val="1"/>
+                <adec:decorative xmlns:adec="http://schemas.microsoft.com/office/drawing/2017/decorative" val="1"/>
               </a:ext>
             </a:extLst>
           </p:cNvPr>
@@ -13469,7 +13412,7 @@
                 <a16:creationId xmlns:a16="http://schemas.microsoft.com/office/drawing/2014/main" id="{0BABF38A-8A0D-492E-BD20-6CF4D46B50BD}"/>
               </a:ext>
               <a:ext uri="{C183D7F6-B498-43B3-948B-1728B52AA6E4}">
-                <adec:decorative xmlns:adec="http://schemas.microsoft.com/office/drawing/2017/decorative" xmlns="" val="1"/>
+                <adec:decorative xmlns:adec="http://schemas.microsoft.com/office/drawing/2017/decorative" val="1"/>
               </a:ext>
             </a:extLst>
           </p:cNvPr>
@@ -13545,7 +13488,7 @@
                 <a16:creationId xmlns:a16="http://schemas.microsoft.com/office/drawing/2014/main" id="{BC526B7A-4801-4FD1-95C8-03AF22629E87}"/>
               </a:ext>
               <a:ext uri="{C183D7F6-B498-43B3-948B-1728B52AA6E4}">
-                <adec:decorative xmlns:adec="http://schemas.microsoft.com/office/drawing/2017/decorative" xmlns="" val="1"/>
+                <adec:decorative xmlns:adec="http://schemas.microsoft.com/office/drawing/2017/decorative" val="1"/>
               </a:ext>
             </a:extLst>
           </p:cNvPr>
@@ -13591,7 +13534,7 @@
                 <a16:creationId xmlns:a16="http://schemas.microsoft.com/office/drawing/2014/main" id="{37FDDF72-DE39-4F99-A3C1-DD9D7815D7DB}"/>
               </a:ext>
               <a:ext uri="{C183D7F6-B498-43B3-948B-1728B52AA6E4}">
-                <adec:decorative xmlns:adec="http://schemas.microsoft.com/office/drawing/2017/decorative" xmlns="" val="1"/>
+                <adec:decorative xmlns:adec="http://schemas.microsoft.com/office/drawing/2017/decorative" val="1"/>
               </a:ext>
             </a:extLst>
           </p:cNvPr>
@@ -13661,7 +13604,747 @@
                 <a16:creationId xmlns:a16="http://schemas.microsoft.com/office/drawing/2014/main" id="{5E4ECE80-3AD1-450C-B62A-98788F193948}"/>
               </a:ext>
               <a:ext uri="{C183D7F6-B498-43B3-948B-1728B52AA6E4}">
-                <adec:decorative xmlns:adec="http://schemas.microsoft.com/office/drawing/2017/decorative" xmlns="" val="1"/>
+                <adec:decorative xmlns:adec="http://schemas.microsoft.com/office/drawing/2017/decorative" val="1"/>
+              </a:ext>
+            </a:extLst>
+          </p:cNvPr>
+          <p:cNvSpPr>
+            <a:spLocks noGrp="1" noRot="1" noChangeAspect="1" noMove="1" noResize="1" noEditPoints="1" noAdjustHandles="1" noChangeArrowheads="1" noChangeShapeType="1" noTextEdit="1"/>
+          </p:cNvSpPr>
+          <p:nvPr>
+            <p:extLst>
+              <p:ext uri="{386F3935-93C4-4BCD-93E2-E3B085C9AB24}">
+                <p16:designElem xmlns:p16="http://schemas.microsoft.com/office/powerpoint/2015/main" val="1"/>
+              </p:ext>
+            </p:extLst>
+          </p:nvPr>
+        </p:nvSpPr>
+        <p:spPr>
+          <a:xfrm>
+            <a:off x="3149972" y="3121681"/>
+            <a:ext cx="8100269" cy="4556401"/>
+          </a:xfrm>
+          <a:prstGeom prst="rect">
+            <a:avLst/>
+          </a:prstGeom>
+          <a:solidFill>
+            <a:srgbClr val="000000"/>
+          </a:solidFill>
+          <a:ln>
+            <a:noFill/>
+          </a:ln>
+        </p:spPr>
+        <p:style>
+          <a:lnRef idx="2">
+            <a:schemeClr val="accent1">
+              <a:shade val="50000"/>
+            </a:schemeClr>
+          </a:lnRef>
+          <a:fillRef idx="1">
+            <a:schemeClr val="accent1"/>
+          </a:fillRef>
+          <a:effectRef idx="0">
+            <a:schemeClr val="accent1"/>
+          </a:effectRef>
+          <a:fontRef idx="minor">
+            <a:schemeClr val="lt1"/>
+          </a:fontRef>
+        </p:style>
+        <p:txBody>
+          <a:bodyPr rtlCol="0" anchor="ctr"/>
+          <a:lstStyle/>
+          <a:p>
+            <a:pPr algn="ctr">
+              <a:defRPr/>
+            </a:pPr>
+            <a:endParaRPr lang="en-US" sz="1196" dirty="0">
+              <a:solidFill>
+                <a:prstClr val="black">
+                  <a:lumMod val="65000"/>
+                  <a:lumOff val="35000"/>
+                </a:prstClr>
+              </a:solidFill>
+              <a:latin typeface="AvenirNext LT Pro Medium" panose="020B0504020202020204" pitchFamily="34" charset="0"/>
+            </a:endParaRPr>
+          </a:p>
+        </p:txBody>
+      </p:sp>
+      <p:pic>
+        <p:nvPicPr>
+          <p:cNvPr id="5" name="Imagem 4">
+            <a:extLst>
+              <a:ext uri="{FF2B5EF4-FFF2-40B4-BE49-F238E27FC236}">
+                <a16:creationId xmlns:a16="http://schemas.microsoft.com/office/drawing/2014/main" id="{F1433EF1-FB6D-4913-96C9-08F0B1B3CA7A}"/>
+              </a:ext>
+            </a:extLst>
+          </p:cNvPr>
+          <p:cNvPicPr>
+            <a:picLocks noChangeAspect="1"/>
+          </p:cNvPicPr>
+          <p:nvPr/>
+        </p:nvPicPr>
+        <p:blipFill rotWithShape="1">
+          <a:blip r:embed="rId3">
+            <a:alphaModFix/>
+            <a:extLst>
+              <a:ext uri="{28A0092B-C50C-407E-A947-70E740481C1C}">
+                <a14:useLocalDpi xmlns:a14="http://schemas.microsoft.com/office/drawing/2010/main" val="0"/>
+              </a:ext>
+            </a:extLst>
+          </a:blip>
+          <a:srcRect l="5233" t="-2125" r="6244" b="-538"/>
+          <a:stretch/>
+        </p:blipFill>
+        <p:spPr>
+          <a:xfrm>
+            <a:off x="-1" y="-248909"/>
+            <a:ext cx="14400213" cy="11147555"/>
+          </a:xfrm>
+          <a:prstGeom prst="rect">
+            <a:avLst/>
+          </a:prstGeom>
+        </p:spPr>
+      </p:pic>
+      <p:sp>
+        <p:nvSpPr>
+          <p:cNvPr id="50" name="Retângulo 49">
+            <a:extLst>
+              <a:ext uri="{FF2B5EF4-FFF2-40B4-BE49-F238E27FC236}">
+                <a16:creationId xmlns:a16="http://schemas.microsoft.com/office/drawing/2014/main" id="{50614AED-75DE-4550-9029-54313F89BD12}"/>
+              </a:ext>
+            </a:extLst>
+          </p:cNvPr>
+          <p:cNvSpPr/>
+          <p:nvPr/>
+        </p:nvSpPr>
+        <p:spPr>
+          <a:xfrm>
+            <a:off x="3186646" y="311571"/>
+            <a:ext cx="8052791" cy="992583"/>
+          </a:xfrm>
+          <a:prstGeom prst="rect">
+            <a:avLst/>
+          </a:prstGeom>
+          <a:noFill/>
+        </p:spPr>
+        <p:txBody>
+          <a:bodyPr wrap="square" lIns="68584" tIns="34292" rIns="68584" bIns="34292">
+            <a:spAutoFit/>
+          </a:bodyPr>
+          <a:lstStyle/>
+          <a:p>
+            <a:pPr algn="ctr"/>
+            <a:r>
+              <a:rPr lang="pt-BR" sz="6000" dirty="0">
+                <a:ln w="38100">
+                  <a:solidFill>
+                    <a:schemeClr val="bg1"/>
+                  </a:solidFill>
+                </a:ln>
+                <a:solidFill>
+                  <a:srgbClr val="00B050"/>
+                </a:solidFill>
+                <a:effectLst>
+                  <a:outerShdw blurRad="38100" dist="19050" dir="2700000" algn="tl" rotWithShape="0">
+                    <a:schemeClr val="dk1">
+                      <a:alpha val="40000"/>
+                    </a:schemeClr>
+                  </a:outerShdw>
+                </a:effectLst>
+                <a:latin typeface="Exo 2 Extra Bold" panose="00000900000000000000" pitchFamily="50" charset="0"/>
+              </a:rPr>
+              <a:t>Liga Principal</a:t>
+            </a:r>
+          </a:p>
+        </p:txBody>
+      </p:sp>
+      <p:sp>
+        <p:nvSpPr>
+          <p:cNvPr id="53" name="Retângulo 52">
+            <a:extLst>
+              <a:ext uri="{FF2B5EF4-FFF2-40B4-BE49-F238E27FC236}">
+                <a16:creationId xmlns:a16="http://schemas.microsoft.com/office/drawing/2014/main" id="{F101E0BF-8A68-40B9-BC26-35C299182F52}"/>
+              </a:ext>
+            </a:extLst>
+          </p:cNvPr>
+          <p:cNvSpPr/>
+          <p:nvPr/>
+        </p:nvSpPr>
+        <p:spPr>
+          <a:xfrm>
+            <a:off x="336776" y="1104608"/>
+            <a:ext cx="13909452" cy="1177249"/>
+          </a:xfrm>
+          <a:prstGeom prst="rect">
+            <a:avLst/>
+          </a:prstGeom>
+          <a:noFill/>
+        </p:spPr>
+        <p:txBody>
+          <a:bodyPr wrap="square" lIns="68584" tIns="34292" rIns="68584" bIns="34292">
+            <a:spAutoFit/>
+          </a:bodyPr>
+          <a:lstStyle/>
+          <a:p>
+            <a:pPr algn="ctr"/>
+            <a:r>
+              <a:rPr lang="pt-BR" sz="7200" dirty="0">
+                <a:ln w="0">
+                  <a:noFill/>
+                </a:ln>
+                <a:effectLst>
+                  <a:outerShdw blurRad="38100" dist="19050" dir="2700000" algn="tl" rotWithShape="0">
+                    <a:schemeClr val="dk1">
+                      <a:alpha val="40000"/>
+                    </a:schemeClr>
+                  </a:outerShdw>
+                </a:effectLst>
+                <a:latin typeface="Exo 2 Extra Bold" panose="00000900000000000000" pitchFamily="50" charset="0"/>
+              </a:rPr>
+              <a:t>MATA-MATA SÉRIE C 6</a:t>
+            </a:r>
+          </a:p>
+        </p:txBody>
+      </p:sp>
+      <p:pic>
+        <p:nvPicPr>
+          <p:cNvPr id="15" name="Imagem 14">
+            <a:extLst>
+              <a:ext uri="{FF2B5EF4-FFF2-40B4-BE49-F238E27FC236}">
+                <a16:creationId xmlns:a16="http://schemas.microsoft.com/office/drawing/2014/main" id="{780D6AE4-2B31-43CF-8A3B-9ACC73C32FE9}"/>
+              </a:ext>
+            </a:extLst>
+          </p:cNvPr>
+          <p:cNvPicPr>
+            <a:picLocks noChangeAspect="1"/>
+          </p:cNvPicPr>
+          <p:nvPr/>
+        </p:nvPicPr>
+        <p:blipFill>
+          <a:blip r:embed="rId4" cstate="hqprint">
+            <a:extLst>
+              <a:ext uri="{28A0092B-C50C-407E-A947-70E740481C1C}">
+                <a14:useLocalDpi xmlns:a14="http://schemas.microsoft.com/office/drawing/2010/main" val="0"/>
+              </a:ext>
+            </a:extLst>
+          </a:blip>
+          <a:stretch>
+            <a:fillRect/>
+          </a:stretch>
+        </p:blipFill>
+        <p:spPr>
+          <a:xfrm>
+            <a:off x="336776" y="194284"/>
+            <a:ext cx="2059134" cy="2160000"/>
+          </a:xfrm>
+          <a:prstGeom prst="rect">
+            <a:avLst/>
+          </a:prstGeom>
+        </p:spPr>
+      </p:pic>
+      <p:sp>
+        <p:nvSpPr>
+          <p:cNvPr id="10" name="Retângulo 9">
+            <a:extLst>
+              <a:ext uri="{FF2B5EF4-FFF2-40B4-BE49-F238E27FC236}">
+                <a16:creationId xmlns:a16="http://schemas.microsoft.com/office/drawing/2014/main" id="{838BDC98-3287-4575-8574-56F716FB2440}"/>
+              </a:ext>
+            </a:extLst>
+          </p:cNvPr>
+          <p:cNvSpPr/>
+          <p:nvPr/>
+        </p:nvSpPr>
+        <p:spPr>
+          <a:xfrm>
+            <a:off x="581891" y="2892935"/>
+            <a:ext cx="13267927" cy="3039825"/>
+          </a:xfrm>
+          <a:prstGeom prst="rect">
+            <a:avLst/>
+          </a:prstGeom>
+          <a:solidFill>
+            <a:schemeClr val="tx1">
+              <a:alpha val="81000"/>
+            </a:schemeClr>
+          </a:solidFill>
+        </p:spPr>
+        <p:style>
+          <a:lnRef idx="2">
+            <a:schemeClr val="accent1">
+              <a:shade val="50000"/>
+            </a:schemeClr>
+          </a:lnRef>
+          <a:fillRef idx="1">
+            <a:schemeClr val="accent1"/>
+          </a:fillRef>
+          <a:effectRef idx="0">
+            <a:schemeClr val="accent1"/>
+          </a:effectRef>
+          <a:fontRef idx="minor">
+            <a:schemeClr val="lt1"/>
+          </a:fontRef>
+        </p:style>
+        <p:txBody>
+          <a:bodyPr rtlCol="0" anchor="ctr"/>
+          <a:lstStyle/>
+          <a:p>
+            <a:pPr algn="ctr"/>
+            <a:endParaRPr lang="pt-BR"/>
+          </a:p>
+        </p:txBody>
+      </p:sp>
+      <p:sp>
+        <p:nvSpPr>
+          <p:cNvPr id="21" name="Retângulo 20">
+            <a:extLst>
+              <a:ext uri="{FF2B5EF4-FFF2-40B4-BE49-F238E27FC236}">
+                <a16:creationId xmlns:a16="http://schemas.microsoft.com/office/drawing/2014/main" id="{95EDB8CB-8377-4925-B478-560C3F615037}"/>
+              </a:ext>
+            </a:extLst>
+          </p:cNvPr>
+          <p:cNvSpPr/>
+          <p:nvPr/>
+        </p:nvSpPr>
+        <p:spPr>
+          <a:xfrm>
+            <a:off x="581891" y="6704292"/>
+            <a:ext cx="13267927" cy="3038400"/>
+          </a:xfrm>
+          <a:prstGeom prst="rect">
+            <a:avLst/>
+          </a:prstGeom>
+          <a:solidFill>
+            <a:schemeClr val="tx1">
+              <a:alpha val="81000"/>
+            </a:schemeClr>
+          </a:solidFill>
+        </p:spPr>
+        <p:style>
+          <a:lnRef idx="2">
+            <a:schemeClr val="accent1">
+              <a:shade val="50000"/>
+            </a:schemeClr>
+          </a:lnRef>
+          <a:fillRef idx="1">
+            <a:schemeClr val="accent1"/>
+          </a:fillRef>
+          <a:effectRef idx="0">
+            <a:schemeClr val="accent1"/>
+          </a:effectRef>
+          <a:fontRef idx="minor">
+            <a:schemeClr val="lt1"/>
+          </a:fontRef>
+        </p:style>
+        <p:txBody>
+          <a:bodyPr rtlCol="0" anchor="ctr"/>
+          <a:lstStyle/>
+          <a:p>
+            <a:pPr algn="ctr"/>
+            <a:endParaRPr lang="pt-BR"/>
+          </a:p>
+        </p:txBody>
+      </p:sp>
+      <p:sp>
+        <p:nvSpPr>
+          <p:cNvPr id="23" name="Retângulo 22">
+            <a:extLst>
+              <a:ext uri="{FF2B5EF4-FFF2-40B4-BE49-F238E27FC236}">
+                <a16:creationId xmlns:a16="http://schemas.microsoft.com/office/drawing/2014/main" id="{ED87CD67-A438-4F74-986A-3704AF997953}"/>
+              </a:ext>
+            </a:extLst>
+          </p:cNvPr>
+          <p:cNvSpPr/>
+          <p:nvPr/>
+        </p:nvSpPr>
+        <p:spPr>
+          <a:xfrm>
+            <a:off x="5308448" y="2906454"/>
+            <a:ext cx="3789504" cy="684807"/>
+          </a:xfrm>
+          <a:prstGeom prst="rect">
+            <a:avLst/>
+          </a:prstGeom>
+          <a:noFill/>
+        </p:spPr>
+        <p:txBody>
+          <a:bodyPr wrap="square" lIns="68584" tIns="34292" rIns="68584" bIns="34292">
+            <a:spAutoFit/>
+          </a:bodyPr>
+          <a:lstStyle/>
+          <a:p>
+            <a:pPr algn="ctr"/>
+            <a:r>
+              <a:rPr lang="pt-BR" sz="4000" dirty="0">
+                <a:ln w="0">
+                  <a:noFill/>
+                </a:ln>
+                <a:solidFill>
+                  <a:srgbClr val="0070C0"/>
+                </a:solidFill>
+                <a:effectLst>
+                  <a:outerShdw blurRad="38100" dist="19050" dir="2700000" algn="tl" rotWithShape="0">
+                    <a:schemeClr val="dk1">
+                      <a:alpha val="40000"/>
+                    </a:schemeClr>
+                  </a:outerShdw>
+                </a:effectLst>
+                <a:latin typeface="Exo 2 Extra Bold" panose="00000900000000000000" pitchFamily="50" charset="0"/>
+              </a:rPr>
+              <a:t>Campeão</a:t>
+            </a:r>
+          </a:p>
+        </p:txBody>
+      </p:sp>
+      <p:sp>
+        <p:nvSpPr>
+          <p:cNvPr id="24" name="Retângulo 23">
+            <a:extLst>
+              <a:ext uri="{FF2B5EF4-FFF2-40B4-BE49-F238E27FC236}">
+                <a16:creationId xmlns:a16="http://schemas.microsoft.com/office/drawing/2014/main" id="{522A4ACC-EC27-4A14-BA66-B0EB03535C7B}"/>
+              </a:ext>
+            </a:extLst>
+          </p:cNvPr>
+          <p:cNvSpPr/>
+          <p:nvPr/>
+        </p:nvSpPr>
+        <p:spPr>
+          <a:xfrm>
+            <a:off x="5321993" y="6726594"/>
+            <a:ext cx="3789503" cy="684807"/>
+          </a:xfrm>
+          <a:prstGeom prst="rect">
+            <a:avLst/>
+          </a:prstGeom>
+          <a:noFill/>
+        </p:spPr>
+        <p:txBody>
+          <a:bodyPr wrap="square" lIns="68584" tIns="34292" rIns="68584" bIns="34292">
+            <a:spAutoFit/>
+          </a:bodyPr>
+          <a:lstStyle/>
+          <a:p>
+            <a:pPr algn="ctr"/>
+            <a:r>
+              <a:rPr lang="pt-BR" sz="4000" dirty="0">
+                <a:ln w="0">
+                  <a:noFill/>
+                </a:ln>
+                <a:solidFill>
+                  <a:srgbClr val="0070C0"/>
+                </a:solidFill>
+                <a:effectLst>
+                  <a:outerShdw blurRad="38100" dist="19050" dir="2700000" algn="tl" rotWithShape="0">
+                    <a:schemeClr val="dk1">
+                      <a:alpha val="40000"/>
+                    </a:schemeClr>
+                  </a:outerShdw>
+                </a:effectLst>
+                <a:latin typeface="Exo 2 Extra Bold" panose="00000900000000000000" pitchFamily="50" charset="0"/>
+              </a:rPr>
+              <a:t>3º Lugar</a:t>
+            </a:r>
+          </a:p>
+        </p:txBody>
+      </p:sp>
+      <p:pic>
+        <p:nvPicPr>
+          <p:cNvPr id="11" name="Imagem 10">
+            <a:extLst>
+              <a:ext uri="{FF2B5EF4-FFF2-40B4-BE49-F238E27FC236}">
+                <a16:creationId xmlns:a16="http://schemas.microsoft.com/office/drawing/2014/main" id="{6CF419F5-82ED-49CA-9D13-2C862A13F6CA}"/>
+              </a:ext>
+            </a:extLst>
+          </p:cNvPr>
+          <p:cNvPicPr>
+            <a:picLocks noChangeAspect="1"/>
+          </p:cNvPicPr>
+          <p:nvPr/>
+        </p:nvPicPr>
+        <p:blipFill>
+          <a:blip r:embed="rId5"/>
+          <a:stretch>
+            <a:fillRect/>
+          </a:stretch>
+        </p:blipFill>
+        <p:spPr>
+          <a:xfrm>
+            <a:off x="929921" y="4037389"/>
+            <a:ext cx="12600000" cy="1056224"/>
+          </a:xfrm>
+          <a:prstGeom prst="rect">
+            <a:avLst/>
+          </a:prstGeom>
+        </p:spPr>
+      </p:pic>
+      <p:pic>
+        <p:nvPicPr>
+          <p:cNvPr id="18" name="Imagem 17">
+            <a:extLst>
+              <a:ext uri="{FF2B5EF4-FFF2-40B4-BE49-F238E27FC236}">
+                <a16:creationId xmlns:a16="http://schemas.microsoft.com/office/drawing/2014/main" id="{C55BC78E-4C98-4524-A7F3-DDF51EA809BD}"/>
+              </a:ext>
+            </a:extLst>
+          </p:cNvPr>
+          <p:cNvPicPr>
+            <a:picLocks noChangeAspect="1"/>
+          </p:cNvPicPr>
+          <p:nvPr/>
+        </p:nvPicPr>
+        <p:blipFill>
+          <a:blip r:embed="rId6"/>
+          <a:stretch>
+            <a:fillRect/>
+          </a:stretch>
+        </p:blipFill>
+        <p:spPr>
+          <a:xfrm>
+            <a:off x="927921" y="7954186"/>
+            <a:ext cx="12600000" cy="1056224"/>
+          </a:xfrm>
+          <a:prstGeom prst="rect">
+            <a:avLst/>
+          </a:prstGeom>
+        </p:spPr>
+      </p:pic>
+    </p:spTree>
+    <p:extLst>
+      <p:ext uri="{BB962C8B-B14F-4D97-AF65-F5344CB8AC3E}">
+        <p14:creationId xmlns:p14="http://schemas.microsoft.com/office/powerpoint/2010/main" val="984674890"/>
+      </p:ext>
+    </p:extLst>
+  </p:cSld>
+  <p:clrMapOvr>
+    <a:masterClrMapping/>
+  </p:clrMapOvr>
+</p:sld>
+</file>
+
+<file path=ppt/slides/slide21.xml><?xml version="1.0" encoding="utf-8"?>
+<p:sld xmlns:a="http://schemas.openxmlformats.org/drawingml/2006/main" xmlns:r="http://schemas.openxmlformats.org/officeDocument/2006/relationships" xmlns:p="http://schemas.openxmlformats.org/presentationml/2006/main">
+  <p:cSld>
+    <p:bg>
+      <p:bgPr>
+        <a:solidFill>
+          <a:schemeClr val="bg1"/>
+        </a:solidFill>
+        <a:effectLst/>
+      </p:bgPr>
+    </p:bg>
+    <p:spTree>
+      <p:nvGrpSpPr>
+        <p:cNvPr id="1" name=""/>
+        <p:cNvGrpSpPr/>
+        <p:nvPr/>
+      </p:nvGrpSpPr>
+      <p:grpSpPr>
+        <a:xfrm>
+          <a:off x="0" y="0"/>
+          <a:ext cx="0" cy="0"/>
+          <a:chOff x="0" y="0"/>
+          <a:chExt cx="0" cy="0"/>
+        </a:xfrm>
+      </p:grpSpPr>
+      <p:sp>
+        <p:nvSpPr>
+          <p:cNvPr id="13" name="Rectangle 9">
+            <a:extLst>
+              <a:ext uri="{FF2B5EF4-FFF2-40B4-BE49-F238E27FC236}">
+                <a16:creationId xmlns:a16="http://schemas.microsoft.com/office/drawing/2014/main" id="{0BABF38A-8A0D-492E-BD20-6CF4D46B50BD}"/>
+              </a:ext>
+              <a:ext uri="{C183D7F6-B498-43B3-948B-1728B52AA6E4}">
+                <adec:decorative xmlns:adec="http://schemas.microsoft.com/office/drawing/2017/decorative" val="1"/>
+              </a:ext>
+            </a:extLst>
+          </p:cNvPr>
+          <p:cNvSpPr>
+            <a:spLocks noGrp="1" noRot="1" noChangeAspect="1" noMove="1" noResize="1" noEditPoints="1" noAdjustHandles="1" noChangeArrowheads="1" noChangeShapeType="1" noTextEdit="1"/>
+          </p:cNvSpPr>
+          <p:nvPr>
+            <p:extLst>
+              <p:ext uri="{386F3935-93C4-4BCD-93E2-E3B085C9AB24}">
+                <p16:designElem xmlns:p16="http://schemas.microsoft.com/office/powerpoint/2015/main" val="1"/>
+              </p:ext>
+            </p:extLst>
+          </p:nvPr>
+        </p:nvSpPr>
+        <p:spPr>
+          <a:xfrm>
+            <a:off x="3149972" y="3121681"/>
+            <a:ext cx="8100269" cy="4556404"/>
+          </a:xfrm>
+          <a:prstGeom prst="rect">
+            <a:avLst/>
+          </a:prstGeom>
+          <a:solidFill>
+            <a:schemeClr val="bg2">
+              <a:lumMod val="90000"/>
+              <a:alpha val="70000"/>
+            </a:schemeClr>
+          </a:solidFill>
+          <a:ln>
+            <a:noFill/>
+          </a:ln>
+        </p:spPr>
+        <p:style>
+          <a:lnRef idx="2">
+            <a:schemeClr val="accent1">
+              <a:shade val="50000"/>
+            </a:schemeClr>
+          </a:lnRef>
+          <a:fillRef idx="1">
+            <a:schemeClr val="accent1"/>
+          </a:fillRef>
+          <a:effectRef idx="0">
+            <a:schemeClr val="accent1"/>
+          </a:effectRef>
+          <a:fontRef idx="minor">
+            <a:schemeClr val="lt1"/>
+          </a:fontRef>
+        </p:style>
+        <p:txBody>
+          <a:bodyPr rtlCol="0" anchor="ctr"/>
+          <a:lstStyle/>
+          <a:p>
+            <a:pPr algn="ctr">
+              <a:defRPr/>
+            </a:pPr>
+            <a:endParaRPr lang="en-US" sz="1196" dirty="0">
+              <a:solidFill>
+                <a:prstClr val="black">
+                  <a:lumMod val="65000"/>
+                  <a:lumOff val="35000"/>
+                </a:prstClr>
+              </a:solidFill>
+              <a:latin typeface="AvenirNext LT Pro Medium" panose="020B0504020202020204" pitchFamily="34" charset="0"/>
+            </a:endParaRPr>
+          </a:p>
+        </p:txBody>
+      </p:sp>
+      <p:pic>
+        <p:nvPicPr>
+          <p:cNvPr id="12" name="Picture 11">
+            <a:extLst>
+              <a:ext uri="{FF2B5EF4-FFF2-40B4-BE49-F238E27FC236}">
+                <a16:creationId xmlns:a16="http://schemas.microsoft.com/office/drawing/2014/main" id="{BC526B7A-4801-4FD1-95C8-03AF22629E87}"/>
+              </a:ext>
+              <a:ext uri="{C183D7F6-B498-43B3-948B-1728B52AA6E4}">
+                <adec:decorative xmlns:adec="http://schemas.microsoft.com/office/drawing/2017/decorative" val="1"/>
+              </a:ext>
+            </a:extLst>
+          </p:cNvPr>
+          <p:cNvPicPr>
+            <a:picLocks noGrp="1" noRot="1" noChangeAspect="1" noMove="1" noResize="1" noEditPoints="1" noAdjustHandles="1" noChangeArrowheads="1" noChangeShapeType="1" noCrop="1"/>
+          </p:cNvPicPr>
+          <p:nvPr>
+            <p:extLst>
+              <p:ext uri="{386F3935-93C4-4BCD-93E2-E3B085C9AB24}">
+                <p16:designElem xmlns:p16="http://schemas.microsoft.com/office/powerpoint/2015/main" val="1"/>
+              </p:ext>
+            </p:extLst>
+          </p:nvPr>
+        </p:nvPicPr>
+        <p:blipFill>
+          <a:blip r:embed="rId2">
+            <a:alphaModFix amt="10000"/>
+            <a:extLst>
+              <a:ext uri="{28A0092B-C50C-407E-A947-70E740481C1C}">
+                <a14:useLocalDpi xmlns:a14="http://schemas.microsoft.com/office/drawing/2010/main" val="0"/>
+              </a:ext>
+            </a:extLst>
+          </a:blip>
+          <a:stretch>
+            <a:fillRect/>
+          </a:stretch>
+        </p:blipFill>
+        <p:spPr>
+          <a:xfrm>
+            <a:off x="8820159" y="3121682"/>
+            <a:ext cx="2428095" cy="3039825"/>
+          </a:xfrm>
+          <a:prstGeom prst="rect">
+            <a:avLst/>
+          </a:prstGeom>
+        </p:spPr>
+      </p:pic>
+      <p:sp useBgFill="1">
+        <p:nvSpPr>
+          <p:cNvPr id="14" name="Rectangle 13">
+            <a:extLst>
+              <a:ext uri="{FF2B5EF4-FFF2-40B4-BE49-F238E27FC236}">
+                <a16:creationId xmlns:a16="http://schemas.microsoft.com/office/drawing/2014/main" id="{37FDDF72-DE39-4F99-A3C1-DD9D7815D7DB}"/>
+              </a:ext>
+              <a:ext uri="{C183D7F6-B498-43B3-948B-1728B52AA6E4}">
+                <adec:decorative xmlns:adec="http://schemas.microsoft.com/office/drawing/2017/decorative" val="1"/>
+              </a:ext>
+            </a:extLst>
+          </p:cNvPr>
+          <p:cNvSpPr>
+            <a:spLocks noGrp="1" noRot="1" noChangeAspect="1" noMove="1" noResize="1" noEditPoints="1" noAdjustHandles="1" noChangeArrowheads="1" noChangeShapeType="1" noTextEdit="1"/>
+          </p:cNvSpPr>
+          <p:nvPr>
+            <p:extLst>
+              <p:ext uri="{386F3935-93C4-4BCD-93E2-E3B085C9AB24}">
+                <p16:designElem xmlns:p16="http://schemas.microsoft.com/office/powerpoint/2015/main" val="1"/>
+              </p:ext>
+            </p:extLst>
+          </p:nvPr>
+        </p:nvSpPr>
+        <p:spPr>
+          <a:xfrm>
+            <a:off x="3149972" y="3121681"/>
+            <a:ext cx="8100269" cy="4556401"/>
+          </a:xfrm>
+          <a:prstGeom prst="rect">
+            <a:avLst/>
+          </a:prstGeom>
+          <a:ln>
+            <a:noFill/>
+          </a:ln>
+        </p:spPr>
+        <p:style>
+          <a:lnRef idx="2">
+            <a:schemeClr val="accent1">
+              <a:shade val="50000"/>
+            </a:schemeClr>
+          </a:lnRef>
+          <a:fillRef idx="1">
+            <a:schemeClr val="accent1"/>
+          </a:fillRef>
+          <a:effectRef idx="0">
+            <a:schemeClr val="accent1"/>
+          </a:effectRef>
+          <a:fontRef idx="minor">
+            <a:schemeClr val="lt1"/>
+          </a:fontRef>
+        </p:style>
+        <p:txBody>
+          <a:bodyPr rtlCol="0" anchor="ctr"/>
+          <a:lstStyle/>
+          <a:p>
+            <a:pPr algn="ctr">
+              <a:defRPr/>
+            </a:pPr>
+            <a:endParaRPr lang="en-US" sz="1196" dirty="0">
+              <a:solidFill>
+                <a:prstClr val="black">
+                  <a:lumMod val="65000"/>
+                  <a:lumOff val="35000"/>
+                </a:prstClr>
+              </a:solidFill>
+              <a:latin typeface="AvenirNext LT Pro Medium" panose="020B0504020202020204" pitchFamily="34" charset="0"/>
+            </a:endParaRPr>
+          </a:p>
+        </p:txBody>
+      </p:sp>
+      <p:sp>
+        <p:nvSpPr>
+          <p:cNvPr id="16" name="Rectangle 15">
+            <a:extLst>
+              <a:ext uri="{FF2B5EF4-FFF2-40B4-BE49-F238E27FC236}">
+                <a16:creationId xmlns:a16="http://schemas.microsoft.com/office/drawing/2014/main" id="{5E4ECE80-3AD1-450C-B62A-98788F193948}"/>
+              </a:ext>
+              <a:ext uri="{C183D7F6-B498-43B3-948B-1728B52AA6E4}">
+                <adec:decorative xmlns:adec="http://schemas.microsoft.com/office/drawing/2017/decorative" val="1"/>
               </a:ext>
             </a:extLst>
           </p:cNvPr>
@@ -14112,7 +14795,7 @@
 </p:sld>
 </file>
 
-<file path=ppt/slides/slide21.xml><?xml version="1.0" encoding="utf-8"?>
+<file path=ppt/slides/slide22.xml><?xml version="1.0" encoding="utf-8"?>
 <p:sld xmlns:a="http://schemas.openxmlformats.org/drawingml/2006/main" xmlns:r="http://schemas.openxmlformats.org/officeDocument/2006/relationships" xmlns:p="http://schemas.openxmlformats.org/presentationml/2006/main">
   <p:cSld>
     <p:bg>
@@ -14145,7 +14828,7 @@
                 <a16:creationId xmlns:a16="http://schemas.microsoft.com/office/drawing/2014/main" id="{0BABF38A-8A0D-492E-BD20-6CF4D46B50BD}"/>
               </a:ext>
               <a:ext uri="{C183D7F6-B498-43B3-948B-1728B52AA6E4}">
-                <adec:decorative xmlns:adec="http://schemas.microsoft.com/office/drawing/2017/decorative" xmlns="" val="1"/>
+                <adec:decorative xmlns:adec="http://schemas.microsoft.com/office/drawing/2017/decorative" val="1"/>
               </a:ext>
             </a:extLst>
           </p:cNvPr>
@@ -14221,7 +14904,7 @@
                 <a16:creationId xmlns:a16="http://schemas.microsoft.com/office/drawing/2014/main" id="{BC526B7A-4801-4FD1-95C8-03AF22629E87}"/>
               </a:ext>
               <a:ext uri="{C183D7F6-B498-43B3-948B-1728B52AA6E4}">
-                <adec:decorative xmlns:adec="http://schemas.microsoft.com/office/drawing/2017/decorative" xmlns="" val="1"/>
+                <adec:decorative xmlns:adec="http://schemas.microsoft.com/office/drawing/2017/decorative" val="1"/>
               </a:ext>
             </a:extLst>
           </p:cNvPr>
@@ -14267,7 +14950,7 @@
                 <a16:creationId xmlns:a16="http://schemas.microsoft.com/office/drawing/2014/main" id="{37FDDF72-DE39-4F99-A3C1-DD9D7815D7DB}"/>
               </a:ext>
               <a:ext uri="{C183D7F6-B498-43B3-948B-1728B52AA6E4}">
-                <adec:decorative xmlns:adec="http://schemas.microsoft.com/office/drawing/2017/decorative" xmlns="" val="1"/>
+                <adec:decorative xmlns:adec="http://schemas.microsoft.com/office/drawing/2017/decorative" val="1"/>
               </a:ext>
             </a:extLst>
           </p:cNvPr>
@@ -14337,7 +15020,7 @@
                 <a16:creationId xmlns:a16="http://schemas.microsoft.com/office/drawing/2014/main" id="{5E4ECE80-3AD1-450C-B62A-98788F193948}"/>
               </a:ext>
               <a:ext uri="{C183D7F6-B498-43B3-948B-1728B52AA6E4}">
-                <adec:decorative xmlns:adec="http://schemas.microsoft.com/office/drawing/2017/decorative" xmlns="" val="1"/>
+                <adec:decorative xmlns:adec="http://schemas.microsoft.com/office/drawing/2017/decorative" val="1"/>
               </a:ext>
             </a:extLst>
           </p:cNvPr>
@@ -14885,7 +15568,7 @@
                 <a16:creationId xmlns:a16="http://schemas.microsoft.com/office/drawing/2014/main" id="{0BABF38A-8A0D-492E-BD20-6CF4D46B50BD}"/>
               </a:ext>
               <a:ext uri="{C183D7F6-B498-43B3-948B-1728B52AA6E4}">
-                <adec:decorative xmlns:adec="http://schemas.microsoft.com/office/drawing/2017/decorative" xmlns="" val="1"/>
+                <adec:decorative xmlns:adec="http://schemas.microsoft.com/office/drawing/2017/decorative" val="1"/>
               </a:ext>
             </a:extLst>
           </p:cNvPr>
@@ -14961,7 +15644,7 @@
                 <a16:creationId xmlns:a16="http://schemas.microsoft.com/office/drawing/2014/main" id="{BC526B7A-4801-4FD1-95C8-03AF22629E87}"/>
               </a:ext>
               <a:ext uri="{C183D7F6-B498-43B3-948B-1728B52AA6E4}">
-                <adec:decorative xmlns:adec="http://schemas.microsoft.com/office/drawing/2017/decorative" xmlns="" val="1"/>
+                <adec:decorative xmlns:adec="http://schemas.microsoft.com/office/drawing/2017/decorative" val="1"/>
               </a:ext>
             </a:extLst>
           </p:cNvPr>
@@ -15007,7 +15690,7 @@
                 <a16:creationId xmlns:a16="http://schemas.microsoft.com/office/drawing/2014/main" id="{37FDDF72-DE39-4F99-A3C1-DD9D7815D7DB}"/>
               </a:ext>
               <a:ext uri="{C183D7F6-B498-43B3-948B-1728B52AA6E4}">
-                <adec:decorative xmlns:adec="http://schemas.microsoft.com/office/drawing/2017/decorative" xmlns="" val="1"/>
+                <adec:decorative xmlns:adec="http://schemas.microsoft.com/office/drawing/2017/decorative" val="1"/>
               </a:ext>
             </a:extLst>
           </p:cNvPr>
@@ -15077,7 +15760,7 @@
                 <a16:creationId xmlns:a16="http://schemas.microsoft.com/office/drawing/2014/main" id="{5E4ECE80-3AD1-450C-B62A-98788F193948}"/>
               </a:ext>
               <a:ext uri="{C183D7F6-B498-43B3-948B-1728B52AA6E4}">
-                <adec:decorative xmlns:adec="http://schemas.microsoft.com/office/drawing/2017/decorative" xmlns="" val="1"/>
+                <adec:decorative xmlns:adec="http://schemas.microsoft.com/office/drawing/2017/decorative" val="1"/>
               </a:ext>
             </a:extLst>
           </p:cNvPr>
@@ -15625,7 +16308,7 @@
                 <a16:creationId xmlns:a16="http://schemas.microsoft.com/office/drawing/2014/main" id="{0BABF38A-8A0D-492E-BD20-6CF4D46B50BD}"/>
               </a:ext>
               <a:ext uri="{C183D7F6-B498-43B3-948B-1728B52AA6E4}">
-                <adec:decorative xmlns:adec="http://schemas.microsoft.com/office/drawing/2017/decorative" xmlns="" val="1"/>
+                <adec:decorative xmlns:adec="http://schemas.microsoft.com/office/drawing/2017/decorative" val="1"/>
               </a:ext>
             </a:extLst>
           </p:cNvPr>
@@ -15701,7 +16384,7 @@
                 <a16:creationId xmlns:a16="http://schemas.microsoft.com/office/drawing/2014/main" id="{BC526B7A-4801-4FD1-95C8-03AF22629E87}"/>
               </a:ext>
               <a:ext uri="{C183D7F6-B498-43B3-948B-1728B52AA6E4}">
-                <adec:decorative xmlns:adec="http://schemas.microsoft.com/office/drawing/2017/decorative" xmlns="" val="1"/>
+                <adec:decorative xmlns:adec="http://schemas.microsoft.com/office/drawing/2017/decorative" val="1"/>
               </a:ext>
             </a:extLst>
           </p:cNvPr>
@@ -15747,7 +16430,7 @@
                 <a16:creationId xmlns:a16="http://schemas.microsoft.com/office/drawing/2014/main" id="{37FDDF72-DE39-4F99-A3C1-DD9D7815D7DB}"/>
               </a:ext>
               <a:ext uri="{C183D7F6-B498-43B3-948B-1728B52AA6E4}">
-                <adec:decorative xmlns:adec="http://schemas.microsoft.com/office/drawing/2017/decorative" xmlns="" val="1"/>
+                <adec:decorative xmlns:adec="http://schemas.microsoft.com/office/drawing/2017/decorative" val="1"/>
               </a:ext>
             </a:extLst>
           </p:cNvPr>
@@ -15817,7 +16500,7 @@
                 <a16:creationId xmlns:a16="http://schemas.microsoft.com/office/drawing/2014/main" id="{5E4ECE80-3AD1-450C-B62A-98788F193948}"/>
               </a:ext>
               <a:ext uri="{C183D7F6-B498-43B3-948B-1728B52AA6E4}">
-                <adec:decorative xmlns:adec="http://schemas.microsoft.com/office/drawing/2017/decorative" xmlns="" val="1"/>
+                <adec:decorative xmlns:adec="http://schemas.microsoft.com/office/drawing/2017/decorative" val="1"/>
               </a:ext>
             </a:extLst>
           </p:cNvPr>
@@ -16199,7 +16882,7 @@
                 <a16:creationId xmlns:a16="http://schemas.microsoft.com/office/drawing/2014/main" id="{0BABF38A-8A0D-492E-BD20-6CF4D46B50BD}"/>
               </a:ext>
               <a:ext uri="{C183D7F6-B498-43B3-948B-1728B52AA6E4}">
-                <adec:decorative xmlns:adec="http://schemas.microsoft.com/office/drawing/2017/decorative" xmlns="" val="1"/>
+                <adec:decorative xmlns:adec="http://schemas.microsoft.com/office/drawing/2017/decorative" val="1"/>
               </a:ext>
             </a:extLst>
           </p:cNvPr>
@@ -16275,7 +16958,7 @@
                 <a16:creationId xmlns:a16="http://schemas.microsoft.com/office/drawing/2014/main" id="{BC526B7A-4801-4FD1-95C8-03AF22629E87}"/>
               </a:ext>
               <a:ext uri="{C183D7F6-B498-43B3-948B-1728B52AA6E4}">
-                <adec:decorative xmlns:adec="http://schemas.microsoft.com/office/drawing/2017/decorative" xmlns="" val="1"/>
+                <adec:decorative xmlns:adec="http://schemas.microsoft.com/office/drawing/2017/decorative" val="1"/>
               </a:ext>
             </a:extLst>
           </p:cNvPr>
@@ -16321,7 +17004,7 @@
                 <a16:creationId xmlns:a16="http://schemas.microsoft.com/office/drawing/2014/main" id="{37FDDF72-DE39-4F99-A3C1-DD9D7815D7DB}"/>
               </a:ext>
               <a:ext uri="{C183D7F6-B498-43B3-948B-1728B52AA6E4}">
-                <adec:decorative xmlns:adec="http://schemas.microsoft.com/office/drawing/2017/decorative" xmlns="" val="1"/>
+                <adec:decorative xmlns:adec="http://schemas.microsoft.com/office/drawing/2017/decorative" val="1"/>
               </a:ext>
             </a:extLst>
           </p:cNvPr>
@@ -16391,7 +17074,7 @@
                 <a16:creationId xmlns:a16="http://schemas.microsoft.com/office/drawing/2014/main" id="{5E4ECE80-3AD1-450C-B62A-98788F193948}"/>
               </a:ext>
               <a:ext uri="{C183D7F6-B498-43B3-948B-1728B52AA6E4}">
-                <adec:decorative xmlns:adec="http://schemas.microsoft.com/office/drawing/2017/decorative" xmlns="" val="1"/>
+                <adec:decorative xmlns:adec="http://schemas.microsoft.com/office/drawing/2017/decorative" val="1"/>
               </a:ext>
             </a:extLst>
           </p:cNvPr>
@@ -16773,7 +17456,7 @@
                 <a16:creationId xmlns:a16="http://schemas.microsoft.com/office/drawing/2014/main" id="{0BABF38A-8A0D-492E-BD20-6CF4D46B50BD}"/>
               </a:ext>
               <a:ext uri="{C183D7F6-B498-43B3-948B-1728B52AA6E4}">
-                <adec:decorative xmlns:adec="http://schemas.microsoft.com/office/drawing/2017/decorative" xmlns="" val="1"/>
+                <adec:decorative xmlns:adec="http://schemas.microsoft.com/office/drawing/2017/decorative" val="1"/>
               </a:ext>
             </a:extLst>
           </p:cNvPr>
@@ -16849,7 +17532,7 @@
                 <a16:creationId xmlns:a16="http://schemas.microsoft.com/office/drawing/2014/main" id="{BC526B7A-4801-4FD1-95C8-03AF22629E87}"/>
               </a:ext>
               <a:ext uri="{C183D7F6-B498-43B3-948B-1728B52AA6E4}">
-                <adec:decorative xmlns:adec="http://schemas.microsoft.com/office/drawing/2017/decorative" xmlns="" val="1"/>
+                <adec:decorative xmlns:adec="http://schemas.microsoft.com/office/drawing/2017/decorative" val="1"/>
               </a:ext>
             </a:extLst>
           </p:cNvPr>
@@ -16895,7 +17578,7 @@
                 <a16:creationId xmlns:a16="http://schemas.microsoft.com/office/drawing/2014/main" id="{37FDDF72-DE39-4F99-A3C1-DD9D7815D7DB}"/>
               </a:ext>
               <a:ext uri="{C183D7F6-B498-43B3-948B-1728B52AA6E4}">
-                <adec:decorative xmlns:adec="http://schemas.microsoft.com/office/drawing/2017/decorative" xmlns="" val="1"/>
+                <adec:decorative xmlns:adec="http://schemas.microsoft.com/office/drawing/2017/decorative" val="1"/>
               </a:ext>
             </a:extLst>
           </p:cNvPr>
@@ -16965,7 +17648,7 @@
                 <a16:creationId xmlns:a16="http://schemas.microsoft.com/office/drawing/2014/main" id="{5E4ECE80-3AD1-450C-B62A-98788F193948}"/>
               </a:ext>
               <a:ext uri="{C183D7F6-B498-43B3-948B-1728B52AA6E4}">
-                <adec:decorative xmlns:adec="http://schemas.microsoft.com/office/drawing/2017/decorative" xmlns="" val="1"/>
+                <adec:decorative xmlns:adec="http://schemas.microsoft.com/office/drawing/2017/decorative" val="1"/>
               </a:ext>
             </a:extLst>
           </p:cNvPr>
@@ -17513,7 +18196,7 @@
                 <a16:creationId xmlns:a16="http://schemas.microsoft.com/office/drawing/2014/main" id="{0BABF38A-8A0D-492E-BD20-6CF4D46B50BD}"/>
               </a:ext>
               <a:ext uri="{C183D7F6-B498-43B3-948B-1728B52AA6E4}">
-                <adec:decorative xmlns:adec="http://schemas.microsoft.com/office/drawing/2017/decorative" xmlns="" val="1"/>
+                <adec:decorative xmlns:adec="http://schemas.microsoft.com/office/drawing/2017/decorative" val="1"/>
               </a:ext>
             </a:extLst>
           </p:cNvPr>
@@ -17589,7 +18272,7 @@
                 <a16:creationId xmlns:a16="http://schemas.microsoft.com/office/drawing/2014/main" id="{BC526B7A-4801-4FD1-95C8-03AF22629E87}"/>
               </a:ext>
               <a:ext uri="{C183D7F6-B498-43B3-948B-1728B52AA6E4}">
-                <adec:decorative xmlns:adec="http://schemas.microsoft.com/office/drawing/2017/decorative" xmlns="" val="1"/>
+                <adec:decorative xmlns:adec="http://schemas.microsoft.com/office/drawing/2017/decorative" val="1"/>
               </a:ext>
             </a:extLst>
           </p:cNvPr>
@@ -17635,7 +18318,7 @@
                 <a16:creationId xmlns:a16="http://schemas.microsoft.com/office/drawing/2014/main" id="{37FDDF72-DE39-4F99-A3C1-DD9D7815D7DB}"/>
               </a:ext>
               <a:ext uri="{C183D7F6-B498-43B3-948B-1728B52AA6E4}">
-                <adec:decorative xmlns:adec="http://schemas.microsoft.com/office/drawing/2017/decorative" xmlns="" val="1"/>
+                <adec:decorative xmlns:adec="http://schemas.microsoft.com/office/drawing/2017/decorative" val="1"/>
               </a:ext>
             </a:extLst>
           </p:cNvPr>
@@ -17705,7 +18388,7 @@
                 <a16:creationId xmlns:a16="http://schemas.microsoft.com/office/drawing/2014/main" id="{5E4ECE80-3AD1-450C-B62A-98788F193948}"/>
               </a:ext>
               <a:ext uri="{C183D7F6-B498-43B3-948B-1728B52AA6E4}">
-                <adec:decorative xmlns:adec="http://schemas.microsoft.com/office/drawing/2017/decorative" xmlns="" val="1"/>
+                <adec:decorative xmlns:adec="http://schemas.microsoft.com/office/drawing/2017/decorative" val="1"/>
               </a:ext>
             </a:extLst>
           </p:cNvPr>
@@ -18253,7 +18936,7 @@
                 <a16:creationId xmlns:a16="http://schemas.microsoft.com/office/drawing/2014/main" id="{0BABF38A-8A0D-492E-BD20-6CF4D46B50BD}"/>
               </a:ext>
               <a:ext uri="{C183D7F6-B498-43B3-948B-1728B52AA6E4}">
-                <adec:decorative xmlns:adec="http://schemas.microsoft.com/office/drawing/2017/decorative" xmlns="" val="1"/>
+                <adec:decorative xmlns:adec="http://schemas.microsoft.com/office/drawing/2017/decorative" val="1"/>
               </a:ext>
             </a:extLst>
           </p:cNvPr>
@@ -18329,7 +19012,7 @@
                 <a16:creationId xmlns:a16="http://schemas.microsoft.com/office/drawing/2014/main" id="{BC526B7A-4801-4FD1-95C8-03AF22629E87}"/>
               </a:ext>
               <a:ext uri="{C183D7F6-B498-43B3-948B-1728B52AA6E4}">
-                <adec:decorative xmlns:adec="http://schemas.microsoft.com/office/drawing/2017/decorative" xmlns="" val="1"/>
+                <adec:decorative xmlns:adec="http://schemas.microsoft.com/office/drawing/2017/decorative" val="1"/>
               </a:ext>
             </a:extLst>
           </p:cNvPr>
@@ -18375,7 +19058,7 @@
                 <a16:creationId xmlns:a16="http://schemas.microsoft.com/office/drawing/2014/main" id="{37FDDF72-DE39-4F99-A3C1-DD9D7815D7DB}"/>
               </a:ext>
               <a:ext uri="{C183D7F6-B498-43B3-948B-1728B52AA6E4}">
-                <adec:decorative xmlns:adec="http://schemas.microsoft.com/office/drawing/2017/decorative" xmlns="" val="1"/>
+                <adec:decorative xmlns:adec="http://schemas.microsoft.com/office/drawing/2017/decorative" val="1"/>
               </a:ext>
             </a:extLst>
           </p:cNvPr>
@@ -18445,7 +19128,7 @@
                 <a16:creationId xmlns:a16="http://schemas.microsoft.com/office/drawing/2014/main" id="{5E4ECE80-3AD1-450C-B62A-98788F193948}"/>
               </a:ext>
               <a:ext uri="{C183D7F6-B498-43B3-948B-1728B52AA6E4}">
-                <adec:decorative xmlns:adec="http://schemas.microsoft.com/office/drawing/2017/decorative" xmlns="" val="1"/>
+                <adec:decorative xmlns:adec="http://schemas.microsoft.com/office/drawing/2017/decorative" val="1"/>
               </a:ext>
             </a:extLst>
           </p:cNvPr>
@@ -18993,7 +19676,7 @@
                 <a16:creationId xmlns:a16="http://schemas.microsoft.com/office/drawing/2014/main" id="{0BABF38A-8A0D-492E-BD20-6CF4D46B50BD}"/>
               </a:ext>
               <a:ext uri="{C183D7F6-B498-43B3-948B-1728B52AA6E4}">
-                <adec:decorative xmlns:adec="http://schemas.microsoft.com/office/drawing/2017/decorative" xmlns="" val="1"/>
+                <adec:decorative xmlns:adec="http://schemas.microsoft.com/office/drawing/2017/decorative" val="1"/>
               </a:ext>
             </a:extLst>
           </p:cNvPr>
@@ -19069,7 +19752,7 @@
                 <a16:creationId xmlns:a16="http://schemas.microsoft.com/office/drawing/2014/main" id="{BC526B7A-4801-4FD1-95C8-03AF22629E87}"/>
               </a:ext>
               <a:ext uri="{C183D7F6-B498-43B3-948B-1728B52AA6E4}">
-                <adec:decorative xmlns:adec="http://schemas.microsoft.com/office/drawing/2017/decorative" xmlns="" val="1"/>
+                <adec:decorative xmlns:adec="http://schemas.microsoft.com/office/drawing/2017/decorative" val="1"/>
               </a:ext>
             </a:extLst>
           </p:cNvPr>
@@ -19115,7 +19798,7 @@
                 <a16:creationId xmlns:a16="http://schemas.microsoft.com/office/drawing/2014/main" id="{37FDDF72-DE39-4F99-A3C1-DD9D7815D7DB}"/>
               </a:ext>
               <a:ext uri="{C183D7F6-B498-43B3-948B-1728B52AA6E4}">
-                <adec:decorative xmlns:adec="http://schemas.microsoft.com/office/drawing/2017/decorative" xmlns="" val="1"/>
+                <adec:decorative xmlns:adec="http://schemas.microsoft.com/office/drawing/2017/decorative" val="1"/>
               </a:ext>
             </a:extLst>
           </p:cNvPr>
@@ -19185,7 +19868,7 @@
                 <a16:creationId xmlns:a16="http://schemas.microsoft.com/office/drawing/2014/main" id="{5E4ECE80-3AD1-450C-B62A-98788F193948}"/>
               </a:ext>
               <a:ext uri="{C183D7F6-B498-43B3-948B-1728B52AA6E4}">
-                <adec:decorative xmlns:adec="http://schemas.microsoft.com/office/drawing/2017/decorative" xmlns="" val="1"/>
+                <adec:decorative xmlns:adec="http://schemas.microsoft.com/office/drawing/2017/decorative" val="1"/>
               </a:ext>
             </a:extLst>
           </p:cNvPr>

--- a/MataMataPlanilha.pptx
+++ b/MataMataPlanilha.pptx
@@ -15,29 +15,30 @@
     <p:sldId id="298" r:id="rId9"/>
     <p:sldId id="299" r:id="rId10"/>
     <p:sldId id="300" r:id="rId11"/>
-    <p:sldId id="301" r:id="rId12"/>
-    <p:sldId id="302" r:id="rId13"/>
-    <p:sldId id="285" r:id="rId14"/>
-    <p:sldId id="271" r:id="rId15"/>
-    <p:sldId id="265" r:id="rId16"/>
-    <p:sldId id="273" r:id="rId17"/>
-    <p:sldId id="275" r:id="rId18"/>
-    <p:sldId id="286" r:id="rId19"/>
-    <p:sldId id="274" r:id="rId20"/>
-    <p:sldId id="276" r:id="rId21"/>
-    <p:sldId id="267" r:id="rId22"/>
-    <p:sldId id="287" r:id="rId23"/>
-    <p:sldId id="281" r:id="rId24"/>
-    <p:sldId id="277" r:id="rId25"/>
-    <p:sldId id="282" r:id="rId26"/>
-    <p:sldId id="288" r:id="rId27"/>
-    <p:sldId id="283" r:id="rId28"/>
-    <p:sldId id="284" r:id="rId29"/>
-    <p:sldId id="268" r:id="rId30"/>
-    <p:sldId id="289" r:id="rId31"/>
-    <p:sldId id="279" r:id="rId32"/>
-    <p:sldId id="280" r:id="rId33"/>
-    <p:sldId id="269" r:id="rId34"/>
+    <p:sldId id="303" r:id="rId12"/>
+    <p:sldId id="301" r:id="rId13"/>
+    <p:sldId id="302" r:id="rId14"/>
+    <p:sldId id="285" r:id="rId15"/>
+    <p:sldId id="271" r:id="rId16"/>
+    <p:sldId id="265" r:id="rId17"/>
+    <p:sldId id="273" r:id="rId18"/>
+    <p:sldId id="275" r:id="rId19"/>
+    <p:sldId id="286" r:id="rId20"/>
+    <p:sldId id="274" r:id="rId21"/>
+    <p:sldId id="276" r:id="rId22"/>
+    <p:sldId id="267" r:id="rId23"/>
+    <p:sldId id="287" r:id="rId24"/>
+    <p:sldId id="281" r:id="rId25"/>
+    <p:sldId id="277" r:id="rId26"/>
+    <p:sldId id="282" r:id="rId27"/>
+    <p:sldId id="288" r:id="rId28"/>
+    <p:sldId id="283" r:id="rId29"/>
+    <p:sldId id="284" r:id="rId30"/>
+    <p:sldId id="268" r:id="rId31"/>
+    <p:sldId id="289" r:id="rId32"/>
+    <p:sldId id="279" r:id="rId33"/>
+    <p:sldId id="280" r:id="rId34"/>
+    <p:sldId id="269" r:id="rId35"/>
   </p:sldIdLst>
   <p:sldSz cx="14400213" cy="10799763"/>
   <p:notesSz cx="6858000" cy="9144000"/>
@@ -139,7 +140,7 @@
   <p:extLst>
     <p:ext uri="{EFAFB233-063F-42B5-8137-9DF3F51BA10A}">
       <p15:sldGuideLst xmlns:p15="http://schemas.microsoft.com/office/powerpoint/2012/main">
-        <p15:guide id="1" orient="horz" pos="3402" userDrawn="1">
+        <p15:guide id="1" orient="horz" pos="3356" userDrawn="1">
           <p15:clr>
             <a:srgbClr val="A4A3A4"/>
           </p15:clr>
@@ -318,7 +319,7 @@
             <a:fld id="{11A6662E-FAF4-44BC-88B5-85A7CBFB6D30}" type="datetime1">
               <a:rPr lang="en-US" smtClean="0"/>
               <a:pPr/>
-              <a:t>12/1/2021</a:t>
+              <a:t>12/8/2021</a:t>
             </a:fld>
             <a:endParaRPr lang="en-US" dirty="0"/>
           </a:p>
@@ -545,7 +546,7 @@
           <a:p>
             <a:fld id="{4C559632-1575-4E14-B53B-3DC3D5ED3947}" type="datetime1">
               <a:rPr lang="en-US" smtClean="0"/>
-              <a:t>12/1/2021</a:t>
+              <a:t>12/8/2021</a:t>
             </a:fld>
             <a:endParaRPr lang="en-US"/>
           </a:p>
@@ -753,7 +754,7 @@
           <a:p>
             <a:fld id="{CC4A6868-2568-4CC9-B302-F37117B01A6E}" type="datetime1">
               <a:rPr lang="en-US" smtClean="0"/>
-              <a:t>12/1/2021</a:t>
+              <a:t>12/8/2021</a:t>
             </a:fld>
             <a:endParaRPr lang="en-US"/>
           </a:p>
@@ -958,7 +959,7 @@
           <a:p>
             <a:fld id="{0055F08A-1E71-4B2B-BB49-E743F2903911}" type="datetime1">
               <a:rPr lang="en-US" smtClean="0"/>
-              <a:t>12/1/2021</a:t>
+              <a:t>12/8/2021</a:t>
             </a:fld>
             <a:endParaRPr lang="en-US" dirty="0"/>
           </a:p>
@@ -1232,7 +1233,7 @@
           <a:p>
             <a:fld id="{15417D9E-721A-44BB-8863-9873FE64DA75}" type="datetime1">
               <a:rPr lang="en-US" smtClean="0"/>
-              <a:t>12/1/2021</a:t>
+              <a:t>12/8/2021</a:t>
             </a:fld>
             <a:endParaRPr lang="en-US"/>
           </a:p>
@@ -1505,7 +1506,7 @@
           <a:p>
             <a:fld id="{5F31DA2F-80B8-49CF-99FB-5ABCA53A607A}" type="datetime1">
               <a:rPr lang="en-US" smtClean="0"/>
-              <a:t>12/1/2021</a:t>
+              <a:t>12/8/2021</a:t>
             </a:fld>
             <a:endParaRPr lang="en-US"/>
           </a:p>
@@ -1920,7 +1921,7 @@
           <a:p>
             <a:fld id="{28852172-E6C9-4B6C-929A-A9DE3837BBF1}" type="datetime1">
               <a:rPr lang="en-US" smtClean="0"/>
-              <a:t>12/1/2021</a:t>
+              <a:t>12/8/2021</a:t>
             </a:fld>
             <a:endParaRPr lang="en-US"/>
           </a:p>
@@ -2072,7 +2073,7 @@
           <a:p>
             <a:fld id="{3AB41CFF-90C9-47B3-9DA1-F2BF8D839F7E}" type="datetime1">
               <a:rPr lang="en-US" smtClean="0"/>
-              <a:t>12/1/2021</a:t>
+              <a:t>12/8/2021</a:t>
             </a:fld>
             <a:endParaRPr lang="en-US"/>
           </a:p>
@@ -2185,7 +2186,7 @@
           <a:p>
             <a:fld id="{F06048FA-06AB-4884-A69B-986B96E68A24}" type="datetime1">
               <a:rPr lang="en-US" smtClean="0"/>
-              <a:t>12/1/2021</a:t>
+              <a:t>12/8/2021</a:t>
             </a:fld>
             <a:endParaRPr lang="en-US"/>
           </a:p>
@@ -2496,7 +2497,7 @@
           <a:p>
             <a:fld id="{50DB7ABA-0172-4F9C-889D-567164F66BCD}" type="datetime1">
               <a:rPr lang="en-US" smtClean="0"/>
-              <a:t>12/1/2021</a:t>
+              <a:t>12/8/2021</a:t>
             </a:fld>
             <a:endParaRPr lang="en-US"/>
           </a:p>
@@ -2787,7 +2788,7 @@
           <a:p>
             <a:fld id="{78AC6A5B-8AE7-4A41-B5A7-9ADC6686DC18}" type="datetime1">
               <a:rPr lang="en-US" smtClean="0"/>
-              <a:t>12/1/2021</a:t>
+              <a:t>12/8/2021</a:t>
             </a:fld>
             <a:endParaRPr lang="en-US"/>
           </a:p>
@@ -3096,7 +3097,7 @@
             <a:fld id="{57E0CF6C-748E-4B7A-BC8B-3011EF78ED13}" type="datetime1">
               <a:rPr lang="en-US" smtClean="0"/>
               <a:pPr/>
-              <a:t>12/1/2021</a:t>
+              <a:t>12/8/2021</a:t>
             </a:fld>
             <a:endParaRPr lang="en-US" dirty="0"/>
           </a:p>
@@ -4605,10 +4606,10 @@
       </p:sp>
       <p:pic>
         <p:nvPicPr>
-          <p:cNvPr id="17" name="Imagem 16">
-            <a:extLst>
-              <a:ext uri="{FF2B5EF4-FFF2-40B4-BE49-F238E27FC236}">
-                <a16:creationId xmlns:a16="http://schemas.microsoft.com/office/drawing/2014/main" id="{2CE5A90C-8556-415F-898F-C52AE90599DF}"/>
+          <p:cNvPr id="18" name="Imagem 17">
+            <a:extLst>
+              <a:ext uri="{FF2B5EF4-FFF2-40B4-BE49-F238E27FC236}">
+                <a16:creationId xmlns:a16="http://schemas.microsoft.com/office/drawing/2014/main" id="{B600B66D-DD43-4203-9119-BB7920586DD9}"/>
               </a:ext>
             </a:extLst>
           </p:cNvPr>
@@ -4618,37 +4619,7 @@
           <p:nvPr/>
         </p:nvPicPr>
         <p:blipFill>
-          <a:blip r:embed="rId4"/>
-          <a:stretch>
-            <a:fillRect/>
-          </a:stretch>
-        </p:blipFill>
-        <p:spPr>
-          <a:xfrm>
-            <a:off x="2115635" y="2226936"/>
-            <a:ext cx="10211005" cy="1980000"/>
-          </a:xfrm>
-          <a:prstGeom prst="rect">
-            <a:avLst/>
-          </a:prstGeom>
-        </p:spPr>
-      </p:pic>
-      <p:pic>
-        <p:nvPicPr>
-          <p:cNvPr id="18" name="Imagem 17">
-            <a:extLst>
-              <a:ext uri="{FF2B5EF4-FFF2-40B4-BE49-F238E27FC236}">
-                <a16:creationId xmlns:a16="http://schemas.microsoft.com/office/drawing/2014/main" id="{B600B66D-DD43-4203-9119-BB7920586DD9}"/>
-              </a:ext>
-            </a:extLst>
-          </p:cNvPr>
-          <p:cNvPicPr>
-            <a:picLocks noChangeAspect="1"/>
-          </p:cNvPicPr>
-          <p:nvPr/>
-        </p:nvPicPr>
-        <p:blipFill>
-          <a:blip r:embed="rId5" cstate="hqprint">
+          <a:blip r:embed="rId4" cstate="hqprint">
             <a:extLst>
               <a:ext uri="{28A0092B-C50C-407E-A947-70E740481C1C}">
                 <a14:useLocalDpi xmlns:a14="http://schemas.microsoft.com/office/drawing/2010/main" val="0"/>
@@ -4724,36 +4695,6 @@
           </a:p>
         </p:txBody>
       </p:sp>
-      <p:pic>
-        <p:nvPicPr>
-          <p:cNvPr id="6" name="Imagem 5">
-            <a:extLst>
-              <a:ext uri="{FF2B5EF4-FFF2-40B4-BE49-F238E27FC236}">
-                <a16:creationId xmlns:a16="http://schemas.microsoft.com/office/drawing/2014/main" id="{EA100340-1E18-472A-A16B-E1DDB5276449}"/>
-              </a:ext>
-            </a:extLst>
-          </p:cNvPr>
-          <p:cNvPicPr>
-            <a:picLocks noChangeAspect="1"/>
-          </p:cNvPicPr>
-          <p:nvPr/>
-        </p:nvPicPr>
-        <p:blipFill>
-          <a:blip r:embed="rId6"/>
-          <a:stretch>
-            <a:fillRect/>
-          </a:stretch>
-        </p:blipFill>
-        <p:spPr>
-          <a:xfrm>
-            <a:off x="2123523" y="5346323"/>
-            <a:ext cx="10211266" cy="1980000"/>
-          </a:xfrm>
-          <a:prstGeom prst="rect">
-            <a:avLst/>
-          </a:prstGeom>
-        </p:spPr>
-      </p:pic>
       <p:sp>
         <p:nvSpPr>
           <p:cNvPr id="23" name="Retângulo 22">
@@ -4809,10 +4750,70 @@
       </p:sp>
       <p:pic>
         <p:nvPicPr>
-          <p:cNvPr id="8" name="Imagem 7">
-            <a:extLst>
-              <a:ext uri="{FF2B5EF4-FFF2-40B4-BE49-F238E27FC236}">
-                <a16:creationId xmlns:a16="http://schemas.microsoft.com/office/drawing/2014/main" id="{34C42B11-92C1-4CE7-AA1D-C2BE4024381F}"/>
+          <p:cNvPr id="3" name="Imagem 2">
+            <a:extLst>
+              <a:ext uri="{FF2B5EF4-FFF2-40B4-BE49-F238E27FC236}">
+                <a16:creationId xmlns:a16="http://schemas.microsoft.com/office/drawing/2014/main" id="{3BF0AAA1-96EE-4E83-9C47-C2A8070076C2}"/>
+              </a:ext>
+            </a:extLst>
+          </p:cNvPr>
+          <p:cNvPicPr>
+            <a:picLocks noChangeAspect="1"/>
+          </p:cNvPicPr>
+          <p:nvPr/>
+        </p:nvPicPr>
+        <p:blipFill>
+          <a:blip r:embed="rId5"/>
+          <a:stretch>
+            <a:fillRect/>
+          </a:stretch>
+        </p:blipFill>
+        <p:spPr>
+          <a:xfrm>
+            <a:off x="2145688" y="8506959"/>
+            <a:ext cx="10211266" cy="1980000"/>
+          </a:xfrm>
+          <a:prstGeom prst="rect">
+            <a:avLst/>
+          </a:prstGeom>
+        </p:spPr>
+      </p:pic>
+      <p:pic>
+        <p:nvPicPr>
+          <p:cNvPr id="7" name="Imagem 6">
+            <a:extLst>
+              <a:ext uri="{FF2B5EF4-FFF2-40B4-BE49-F238E27FC236}">
+                <a16:creationId xmlns:a16="http://schemas.microsoft.com/office/drawing/2014/main" id="{03676E96-6EA7-41E3-A52D-96A72AB1B831}"/>
+              </a:ext>
+            </a:extLst>
+          </p:cNvPr>
+          <p:cNvPicPr>
+            <a:picLocks noChangeAspect="1"/>
+          </p:cNvPicPr>
+          <p:nvPr/>
+        </p:nvPicPr>
+        <p:blipFill>
+          <a:blip r:embed="rId6"/>
+          <a:stretch>
+            <a:fillRect/>
+          </a:stretch>
+        </p:blipFill>
+        <p:spPr>
+          <a:xfrm>
+            <a:off x="2106581" y="5324868"/>
+            <a:ext cx="10211266" cy="1980000"/>
+          </a:xfrm>
+          <a:prstGeom prst="rect">
+            <a:avLst/>
+          </a:prstGeom>
+        </p:spPr>
+      </p:pic>
+      <p:pic>
+        <p:nvPicPr>
+          <p:cNvPr id="11" name="Imagem 10">
+            <a:extLst>
+              <a:ext uri="{FF2B5EF4-FFF2-40B4-BE49-F238E27FC236}">
+                <a16:creationId xmlns:a16="http://schemas.microsoft.com/office/drawing/2014/main" id="{70E0A7B6-28DC-459D-A6F2-6218816A2DCE}"/>
               </a:ext>
             </a:extLst>
           </p:cNvPr>
@@ -4829,7 +4830,7 @@
         </p:blipFill>
         <p:spPr>
           <a:xfrm>
-            <a:off x="2114650" y="8506962"/>
+            <a:off x="2117788" y="2226936"/>
             <a:ext cx="10211266" cy="1980000"/>
           </a:xfrm>
           <a:prstGeom prst="rect">
@@ -5178,10 +5179,10 @@
       </p:pic>
       <p:sp>
         <p:nvSpPr>
-          <p:cNvPr id="50" name="Retângulo 49">
-            <a:extLst>
-              <a:ext uri="{FF2B5EF4-FFF2-40B4-BE49-F238E27FC236}">
-                <a16:creationId xmlns:a16="http://schemas.microsoft.com/office/drawing/2014/main" id="{50614AED-75DE-4550-9029-54313F89BD12}"/>
+          <p:cNvPr id="10" name="Retângulo 9">
+            <a:extLst>
+              <a:ext uri="{FF2B5EF4-FFF2-40B4-BE49-F238E27FC236}">
+                <a16:creationId xmlns:a16="http://schemas.microsoft.com/office/drawing/2014/main" id="{838BDC98-3287-4575-8574-56F716FB2440}"/>
               </a:ext>
             </a:extLst>
           </p:cNvPr>
@@ -5190,8 +5191,59 @@
         </p:nvSpPr>
         <p:spPr>
           <a:xfrm>
-            <a:off x="3186646" y="311571"/>
-            <a:ext cx="8052791" cy="992583"/>
+            <a:off x="428415" y="1202609"/>
+            <a:ext cx="13599312" cy="9520327"/>
+          </a:xfrm>
+          <a:prstGeom prst="rect">
+            <a:avLst/>
+          </a:prstGeom>
+          <a:solidFill>
+            <a:schemeClr val="tx1">
+              <a:alpha val="86000"/>
+            </a:schemeClr>
+          </a:solidFill>
+        </p:spPr>
+        <p:style>
+          <a:lnRef idx="2">
+            <a:schemeClr val="accent1">
+              <a:shade val="50000"/>
+            </a:schemeClr>
+          </a:lnRef>
+          <a:fillRef idx="1">
+            <a:schemeClr val="accent1"/>
+          </a:fillRef>
+          <a:effectRef idx="0">
+            <a:schemeClr val="accent1"/>
+          </a:effectRef>
+          <a:fontRef idx="minor">
+            <a:schemeClr val="lt1"/>
+          </a:fontRef>
+        </p:style>
+        <p:txBody>
+          <a:bodyPr rtlCol="0" anchor="ctr"/>
+          <a:lstStyle/>
+          <a:p>
+            <a:pPr algn="ctr"/>
+            <a:endParaRPr lang="pt-BR"/>
+          </a:p>
+        </p:txBody>
+      </p:sp>
+      <p:sp>
+        <p:nvSpPr>
+          <p:cNvPr id="53" name="Retângulo 52">
+            <a:extLst>
+              <a:ext uri="{FF2B5EF4-FFF2-40B4-BE49-F238E27FC236}">
+                <a16:creationId xmlns:a16="http://schemas.microsoft.com/office/drawing/2014/main" id="{F101E0BF-8A68-40B9-BC26-35C299182F52}"/>
+              </a:ext>
+            </a:extLst>
+          </p:cNvPr>
+          <p:cNvSpPr/>
+          <p:nvPr/>
+        </p:nvSpPr>
+        <p:spPr>
+          <a:xfrm>
+            <a:off x="273345" y="1569237"/>
+            <a:ext cx="13909452" cy="992583"/>
           </a:xfrm>
           <a:prstGeom prst="rect">
             <a:avLst/>
@@ -5207,6 +5259,59 @@
             <a:pPr algn="ctr"/>
             <a:r>
               <a:rPr lang="pt-BR" sz="6000" dirty="0">
+                <a:ln w="57150">
+                  <a:solidFill>
+                    <a:schemeClr val="tx1"/>
+                  </a:solidFill>
+                </a:ln>
+                <a:solidFill>
+                  <a:srgbClr val="EBE600"/>
+                </a:solidFill>
+                <a:effectLst>
+                  <a:outerShdw blurRad="38100" dist="19050" dir="2700000" algn="tl" rotWithShape="0">
+                    <a:schemeClr val="dk1">
+                      <a:alpha val="40000"/>
+                    </a:schemeClr>
+                  </a:outerShdw>
+                </a:effectLst>
+                <a:latin typeface="Exo 2 Extra Bold" panose="00000900000000000000" pitchFamily="50" charset="0"/>
+              </a:rPr>
+              <a:t>MATA-MATA SÉRIE A 7</a:t>
+            </a:r>
+          </a:p>
+        </p:txBody>
+      </p:sp>
+      <p:sp>
+        <p:nvSpPr>
+          <p:cNvPr id="50" name="Retângulo 49">
+            <a:extLst>
+              <a:ext uri="{FF2B5EF4-FFF2-40B4-BE49-F238E27FC236}">
+                <a16:creationId xmlns:a16="http://schemas.microsoft.com/office/drawing/2014/main" id="{50614AED-75DE-4550-9029-54313F89BD12}"/>
+              </a:ext>
+            </a:extLst>
+          </p:cNvPr>
+          <p:cNvSpPr/>
+          <p:nvPr/>
+        </p:nvSpPr>
+        <p:spPr>
+          <a:xfrm>
+            <a:off x="3191530" y="-187062"/>
+            <a:ext cx="8052791" cy="1300360"/>
+          </a:xfrm>
+          <a:prstGeom prst="rect">
+            <a:avLst/>
+          </a:prstGeom>
+          <a:noFill/>
+        </p:spPr>
+        <p:txBody>
+          <a:bodyPr wrap="square" lIns="68584" tIns="34292" rIns="68584" bIns="34292">
+            <a:spAutoFit/>
+          </a:bodyPr>
+          <a:lstStyle/>
+          <a:p>
+            <a:pPr algn="ctr"/>
+            <a:r>
+              <a:rPr lang="pt-BR" sz="8000" dirty="0">
                 <a:ln w="38100">
                   <a:solidFill>
                     <a:schemeClr val="bg1"/>
@@ -5231,10 +5336,10 @@
       </p:sp>
       <p:pic>
         <p:nvPicPr>
-          <p:cNvPr id="15" name="Imagem 14">
-            <a:extLst>
-              <a:ext uri="{FF2B5EF4-FFF2-40B4-BE49-F238E27FC236}">
-                <a16:creationId xmlns:a16="http://schemas.microsoft.com/office/drawing/2014/main" id="{780D6AE4-2B31-43CF-8A3B-9ACC73C32FE9}"/>
+          <p:cNvPr id="18" name="Imagem 17">
+            <a:extLst>
+              <a:ext uri="{FF2B5EF4-FFF2-40B4-BE49-F238E27FC236}">
+                <a16:creationId xmlns:a16="http://schemas.microsoft.com/office/drawing/2014/main" id="{B600B66D-DD43-4203-9119-BB7920586DD9}"/>
               </a:ext>
             </a:extLst>
           </p:cNvPr>
@@ -5257,7 +5362,7 @@
         </p:blipFill>
         <p:spPr>
           <a:xfrm>
-            <a:off x="336776" y="194284"/>
+            <a:off x="-1" y="76826"/>
             <a:ext cx="2059134" cy="2160000"/>
           </a:xfrm>
           <a:prstGeom prst="rect">
@@ -5267,10 +5372,10 @@
       </p:pic>
       <p:sp>
         <p:nvSpPr>
-          <p:cNvPr id="17" name="Retângulo 16">
-            <a:extLst>
-              <a:ext uri="{FF2B5EF4-FFF2-40B4-BE49-F238E27FC236}">
-                <a16:creationId xmlns:a16="http://schemas.microsoft.com/office/drawing/2014/main" id="{14ACEF9B-D044-4F6D-8C85-13183D326786}"/>
+          <p:cNvPr id="22" name="Retângulo 21">
+            <a:extLst>
+              <a:ext uri="{FF2B5EF4-FFF2-40B4-BE49-F238E27FC236}">
+                <a16:creationId xmlns:a16="http://schemas.microsoft.com/office/drawing/2014/main" id="{A8926DD6-56C4-46F0-BB25-C64CF7DE2DF3}"/>
               </a:ext>
             </a:extLst>
           </p:cNvPr>
@@ -5279,8 +5384,8 @@
         </p:nvSpPr>
         <p:spPr>
           <a:xfrm>
-            <a:off x="336776" y="1104608"/>
-            <a:ext cx="13909452" cy="1177249"/>
+            <a:off x="295212" y="4699861"/>
+            <a:ext cx="13909452" cy="992583"/>
           </a:xfrm>
           <a:prstGeom prst="rect">
             <a:avLst/>
@@ -5295,7 +5400,7 @@
           <a:p>
             <a:pPr algn="ctr"/>
             <a:r>
-              <a:rPr lang="pt-BR" sz="7200" dirty="0">
+              <a:rPr lang="pt-BR" sz="6000" dirty="0">
                 <a:ln w="57150">
                   <a:solidFill>
                     <a:schemeClr val="tx1"/>
@@ -5322,10 +5427,10 @@
       </p:sp>
       <p:sp>
         <p:nvSpPr>
-          <p:cNvPr id="18" name="Retângulo 17">
-            <a:extLst>
-              <a:ext uri="{FF2B5EF4-FFF2-40B4-BE49-F238E27FC236}">
-                <a16:creationId xmlns:a16="http://schemas.microsoft.com/office/drawing/2014/main" id="{9E0C448B-0061-4A5D-B5A1-186906AE9B6D}"/>
+          <p:cNvPr id="23" name="Retângulo 22">
+            <a:extLst>
+              <a:ext uri="{FF2B5EF4-FFF2-40B4-BE49-F238E27FC236}">
+                <a16:creationId xmlns:a16="http://schemas.microsoft.com/office/drawing/2014/main" id="{3B6ED40B-AB02-405E-8105-98EB90CC50F6}"/>
               </a:ext>
             </a:extLst>
           </p:cNvPr>
@@ -5334,47 +5439,139 @@
         </p:nvSpPr>
         <p:spPr>
           <a:xfrm>
-            <a:off x="540327" y="3264607"/>
-            <a:ext cx="13317337" cy="6149557"/>
-          </a:xfrm>
-          <a:prstGeom prst="rect">
-            <a:avLst/>
-          </a:prstGeom>
-          <a:solidFill>
-            <a:schemeClr val="tx1">
-              <a:alpha val="70000"/>
-            </a:schemeClr>
-          </a:solidFill>
-        </p:spPr>
-        <p:style>
-          <a:lnRef idx="2">
-            <a:schemeClr val="accent1">
-              <a:shade val="50000"/>
-            </a:schemeClr>
-          </a:lnRef>
-          <a:fillRef idx="1">
-            <a:schemeClr val="accent1"/>
-          </a:fillRef>
-          <a:effectRef idx="0">
-            <a:schemeClr val="accent1"/>
-          </a:effectRef>
-          <a:fontRef idx="minor">
-            <a:schemeClr val="lt1"/>
-          </a:fontRef>
-        </p:style>
-        <p:txBody>
-          <a:bodyPr rtlCol="0" anchor="ctr"/>
+            <a:off x="269933" y="7827731"/>
+            <a:ext cx="13909452" cy="992583"/>
+          </a:xfrm>
+          <a:prstGeom prst="rect">
+            <a:avLst/>
+          </a:prstGeom>
+          <a:noFill/>
+        </p:spPr>
+        <p:txBody>
+          <a:bodyPr wrap="square" lIns="68584" tIns="34292" rIns="68584" bIns="34292">
+            <a:spAutoFit/>
+          </a:bodyPr>
           <a:lstStyle/>
           <a:p>
             <a:pPr algn="ctr"/>
-            <a:endParaRPr lang="pt-BR"/>
-          </a:p>
-        </p:txBody>
-      </p:sp>
+            <a:r>
+              <a:rPr lang="pt-BR" sz="6000" dirty="0">
+                <a:ln w="57150">
+                  <a:solidFill>
+                    <a:schemeClr val="tx1"/>
+                  </a:solidFill>
+                </a:ln>
+                <a:solidFill>
+                  <a:srgbClr val="D6A300"/>
+                </a:solidFill>
+                <a:effectLst>
+                  <a:outerShdw blurRad="38100" dist="19050" dir="2700000" algn="tl" rotWithShape="0">
+                    <a:schemeClr val="dk1">
+                      <a:alpha val="40000"/>
+                    </a:schemeClr>
+                  </a:outerShdw>
+                </a:effectLst>
+                <a:latin typeface="Exo 2 Extra Bold" panose="00000900000000000000" pitchFamily="50" charset="0"/>
+              </a:rPr>
+              <a:t>MATA-MATA SÉRIE C 7</a:t>
+            </a:r>
+          </a:p>
+        </p:txBody>
+      </p:sp>
+      <p:pic>
+        <p:nvPicPr>
+          <p:cNvPr id="4" name="Imagem 3">
+            <a:extLst>
+              <a:ext uri="{FF2B5EF4-FFF2-40B4-BE49-F238E27FC236}">
+                <a16:creationId xmlns:a16="http://schemas.microsoft.com/office/drawing/2014/main" id="{8EFCF983-B1BD-4478-AD0A-81799239A85F}"/>
+              </a:ext>
+            </a:extLst>
+          </p:cNvPr>
+          <p:cNvPicPr>
+            <a:picLocks noChangeAspect="1"/>
+          </p:cNvPicPr>
+          <p:nvPr/>
+        </p:nvPicPr>
+        <p:blipFill>
+          <a:blip r:embed="rId5"/>
+          <a:stretch>
+            <a:fillRect/>
+          </a:stretch>
+        </p:blipFill>
+        <p:spPr>
+          <a:xfrm>
+            <a:off x="779066" y="2536989"/>
+            <a:ext cx="12883642" cy="1080000"/>
+          </a:xfrm>
+          <a:prstGeom prst="rect">
+            <a:avLst/>
+          </a:prstGeom>
+        </p:spPr>
+      </p:pic>
+      <p:pic>
+        <p:nvPicPr>
+          <p:cNvPr id="8" name="Imagem 7">
+            <a:extLst>
+              <a:ext uri="{FF2B5EF4-FFF2-40B4-BE49-F238E27FC236}">
+                <a16:creationId xmlns:a16="http://schemas.microsoft.com/office/drawing/2014/main" id="{DD6C307E-2E60-4BE9-BAE9-EF564FA40760}"/>
+              </a:ext>
+            </a:extLst>
+          </p:cNvPr>
+          <p:cNvPicPr>
+            <a:picLocks noChangeAspect="1"/>
+          </p:cNvPicPr>
+          <p:nvPr/>
+        </p:nvPicPr>
+        <p:blipFill>
+          <a:blip r:embed="rId6"/>
+          <a:stretch>
+            <a:fillRect/>
+          </a:stretch>
+        </p:blipFill>
+        <p:spPr>
+          <a:xfrm>
+            <a:off x="808120" y="5690684"/>
+            <a:ext cx="12883636" cy="1080000"/>
+          </a:xfrm>
+          <a:prstGeom prst="rect">
+            <a:avLst/>
+          </a:prstGeom>
+        </p:spPr>
+      </p:pic>
+      <p:pic>
+        <p:nvPicPr>
+          <p:cNvPr id="15" name="Imagem 14">
+            <a:extLst>
+              <a:ext uri="{FF2B5EF4-FFF2-40B4-BE49-F238E27FC236}">
+                <a16:creationId xmlns:a16="http://schemas.microsoft.com/office/drawing/2014/main" id="{6D294F5A-950F-4B7E-9346-9E56EA8D5270}"/>
+              </a:ext>
+            </a:extLst>
+          </p:cNvPr>
+          <p:cNvPicPr>
+            <a:picLocks noChangeAspect="1"/>
+          </p:cNvPicPr>
+          <p:nvPr/>
+        </p:nvPicPr>
+        <p:blipFill>
+          <a:blip r:embed="rId7"/>
+          <a:stretch>
+            <a:fillRect/>
+          </a:stretch>
+        </p:blipFill>
+        <p:spPr>
+          <a:xfrm>
+            <a:off x="776107" y="8817048"/>
+            <a:ext cx="12883636" cy="1080000"/>
+          </a:xfrm>
+          <a:prstGeom prst="rect">
+            <a:avLst/>
+          </a:prstGeom>
+        </p:spPr>
+      </p:pic>
     </p:spTree>
     <p:extLst>
       <p:ext uri="{BB962C8B-B14F-4D97-AF65-F5344CB8AC3E}">
-        <p14:creationId xmlns:p14="http://schemas.microsoft.com/office/powerpoint/2010/main" val="4031167243"/>
+        <p14:creationId xmlns:p14="http://schemas.microsoft.com/office/powerpoint/2010/main" val="2202739274"/>
       </p:ext>
     </p:extLst>
   </p:cSld>
@@ -5804,7 +6001,7 @@
           <p:cNvPr id="17" name="Retângulo 16">
             <a:extLst>
               <a:ext uri="{FF2B5EF4-FFF2-40B4-BE49-F238E27FC236}">
-                <a16:creationId xmlns:a16="http://schemas.microsoft.com/office/drawing/2014/main" id="{C35AC11B-29F3-46F5-AE04-C53B4CADF7F9}"/>
+                <a16:creationId xmlns:a16="http://schemas.microsoft.com/office/drawing/2014/main" id="{14ACEF9B-D044-4F6D-8C85-13183D326786}"/>
               </a:ext>
             </a:extLst>
           </p:cNvPr>
@@ -5836,7 +6033,9 @@
                   </a:solidFill>
                 </a:ln>
                 <a:solidFill>
-                  <a:srgbClr val="D6A300"/>
+                  <a:schemeClr val="bg1">
+                    <a:lumMod val="50000"/>
+                  </a:schemeClr>
                 </a:solidFill>
                 <a:effectLst>
                   <a:outerShdw blurRad="38100" dist="19050" dir="2700000" algn="tl" rotWithShape="0">
@@ -5847,7 +6046,7 @@
                 </a:effectLst>
                 <a:latin typeface="Exo 2 Extra Bold" panose="00000900000000000000" pitchFamily="50" charset="0"/>
               </a:rPr>
-              <a:t>MATA-MATA SÉRIE C 7</a:t>
+              <a:t>MATA-MATA SÉRIE B 7</a:t>
             </a:r>
           </a:p>
         </p:txBody>
@@ -5857,7 +6056,7 @@
           <p:cNvPr id="18" name="Retângulo 17">
             <a:extLst>
               <a:ext uri="{FF2B5EF4-FFF2-40B4-BE49-F238E27FC236}">
-                <a16:creationId xmlns:a16="http://schemas.microsoft.com/office/drawing/2014/main" id="{D52ED5C0-2275-4256-BA54-CAE118D36CF3}"/>
+                <a16:creationId xmlns:a16="http://schemas.microsoft.com/office/drawing/2014/main" id="{9E0C448B-0061-4A5D-B5A1-186906AE9B6D}"/>
               </a:ext>
             </a:extLst>
           </p:cNvPr>
@@ -5906,7 +6105,7 @@
     </p:spTree>
     <p:extLst>
       <p:ext uri="{BB962C8B-B14F-4D97-AF65-F5344CB8AC3E}">
-        <p14:creationId xmlns:p14="http://schemas.microsoft.com/office/powerpoint/2010/main" val="741368207"/>
+        <p14:creationId xmlns:p14="http://schemas.microsoft.com/office/powerpoint/2010/main" val="4031167243"/>
       </p:ext>
     </p:extLst>
   </p:cSld>
@@ -6295,54 +6494,6 @@
           </a:p>
         </p:txBody>
       </p:sp>
-      <p:sp>
-        <p:nvSpPr>
-          <p:cNvPr id="53" name="Retângulo 52">
-            <a:extLst>
-              <a:ext uri="{FF2B5EF4-FFF2-40B4-BE49-F238E27FC236}">
-                <a16:creationId xmlns:a16="http://schemas.microsoft.com/office/drawing/2014/main" id="{F101E0BF-8A68-40B9-BC26-35C299182F52}"/>
-              </a:ext>
-            </a:extLst>
-          </p:cNvPr>
-          <p:cNvSpPr/>
-          <p:nvPr/>
-        </p:nvSpPr>
-        <p:spPr>
-          <a:xfrm>
-            <a:off x="336776" y="1104608"/>
-            <a:ext cx="13909452" cy="1177249"/>
-          </a:xfrm>
-          <a:prstGeom prst="rect">
-            <a:avLst/>
-          </a:prstGeom>
-          <a:noFill/>
-        </p:spPr>
-        <p:txBody>
-          <a:bodyPr wrap="square" lIns="68584" tIns="34292" rIns="68584" bIns="34292">
-            <a:spAutoFit/>
-          </a:bodyPr>
-          <a:lstStyle/>
-          <a:p>
-            <a:pPr algn="ctr"/>
-            <a:r>
-              <a:rPr lang="pt-BR" sz="7200" dirty="0">
-                <a:ln w="0">
-                  <a:noFill/>
-                </a:ln>
-                <a:effectLst>
-                  <a:outerShdw blurRad="38100" dist="19050" dir="2700000" algn="tl" rotWithShape="0">
-                    <a:schemeClr val="dk1">
-                      <a:alpha val="40000"/>
-                    </a:schemeClr>
-                  </a:outerShdw>
-                </a:effectLst>
-                <a:latin typeface="Exo 2 Extra Bold" panose="00000900000000000000" pitchFamily="50" charset="0"/>
-              </a:rPr>
-              <a:t>MATA-MATA SÉRIE B 6</a:t>
-            </a:r>
-          </a:p>
-        </p:txBody>
-      </p:sp>
       <p:pic>
         <p:nvPicPr>
           <p:cNvPr id="15" name="Imagem 14">
@@ -6381,10 +6532,10 @@
       </p:pic>
       <p:sp>
         <p:nvSpPr>
-          <p:cNvPr id="10" name="Retângulo 9">
-            <a:extLst>
-              <a:ext uri="{FF2B5EF4-FFF2-40B4-BE49-F238E27FC236}">
-                <a16:creationId xmlns:a16="http://schemas.microsoft.com/office/drawing/2014/main" id="{838BDC98-3287-4575-8574-56F716FB2440}"/>
+          <p:cNvPr id="17" name="Retângulo 16">
+            <a:extLst>
+              <a:ext uri="{FF2B5EF4-FFF2-40B4-BE49-F238E27FC236}">
+                <a16:creationId xmlns:a16="http://schemas.microsoft.com/office/drawing/2014/main" id="{C35AC11B-29F3-46F5-AE04-C53B4CADF7F9}"/>
               </a:ext>
             </a:extLst>
           </p:cNvPr>
@@ -6393,110 +6544,8 @@
         </p:nvSpPr>
         <p:spPr>
           <a:xfrm>
-            <a:off x="178700" y="2996119"/>
-            <a:ext cx="6850745" cy="6618957"/>
-          </a:xfrm>
-          <a:prstGeom prst="rect">
-            <a:avLst/>
-          </a:prstGeom>
-          <a:solidFill>
-            <a:schemeClr val="tx1">
-              <a:alpha val="81000"/>
-            </a:schemeClr>
-          </a:solidFill>
-        </p:spPr>
-        <p:style>
-          <a:lnRef idx="2">
-            <a:schemeClr val="accent1">
-              <a:shade val="50000"/>
-            </a:schemeClr>
-          </a:lnRef>
-          <a:fillRef idx="1">
-            <a:schemeClr val="accent1"/>
-          </a:fillRef>
-          <a:effectRef idx="0">
-            <a:schemeClr val="accent1"/>
-          </a:effectRef>
-          <a:fontRef idx="minor">
-            <a:schemeClr val="lt1"/>
-          </a:fontRef>
-        </p:style>
-        <p:txBody>
-          <a:bodyPr rtlCol="0" anchor="ctr"/>
-          <a:lstStyle/>
-          <a:p>
-            <a:pPr algn="ctr"/>
-            <a:endParaRPr lang="pt-BR"/>
-          </a:p>
-        </p:txBody>
-      </p:sp>
-      <p:sp>
-        <p:nvSpPr>
-          <p:cNvPr id="21" name="Retângulo 20">
-            <a:extLst>
-              <a:ext uri="{FF2B5EF4-FFF2-40B4-BE49-F238E27FC236}">
-                <a16:creationId xmlns:a16="http://schemas.microsoft.com/office/drawing/2014/main" id="{95EDB8CB-8377-4925-B478-560C3F615037}"/>
-              </a:ext>
-            </a:extLst>
-          </p:cNvPr>
-          <p:cNvSpPr/>
-          <p:nvPr/>
-        </p:nvSpPr>
-        <p:spPr>
-          <a:xfrm>
-            <a:off x="7395483" y="2996119"/>
-            <a:ext cx="6850745" cy="6622759"/>
-          </a:xfrm>
-          <a:prstGeom prst="rect">
-            <a:avLst/>
-          </a:prstGeom>
-          <a:solidFill>
-            <a:schemeClr val="tx1">
-              <a:alpha val="81000"/>
-            </a:schemeClr>
-          </a:solidFill>
-        </p:spPr>
-        <p:style>
-          <a:lnRef idx="2">
-            <a:schemeClr val="accent1">
-              <a:shade val="50000"/>
-            </a:schemeClr>
-          </a:lnRef>
-          <a:fillRef idx="1">
-            <a:schemeClr val="accent1"/>
-          </a:fillRef>
-          <a:effectRef idx="0">
-            <a:schemeClr val="accent1"/>
-          </a:effectRef>
-          <a:fontRef idx="minor">
-            <a:schemeClr val="lt1"/>
-          </a:fontRef>
-        </p:style>
-        <p:txBody>
-          <a:bodyPr rtlCol="0" anchor="ctr"/>
-          <a:lstStyle/>
-          <a:p>
-            <a:pPr algn="ctr"/>
-            <a:endParaRPr lang="pt-BR"/>
-          </a:p>
-        </p:txBody>
-      </p:sp>
-      <p:sp>
-        <p:nvSpPr>
-          <p:cNvPr id="23" name="Retângulo 22">
-            <a:extLst>
-              <a:ext uri="{FF2B5EF4-FFF2-40B4-BE49-F238E27FC236}">
-                <a16:creationId xmlns:a16="http://schemas.microsoft.com/office/drawing/2014/main" id="{ED87CD67-A438-4F74-986A-3704AF997953}"/>
-              </a:ext>
-            </a:extLst>
-          </p:cNvPr>
-          <p:cNvSpPr/>
-          <p:nvPr/>
-        </p:nvSpPr>
-        <p:spPr>
-          <a:xfrm>
-            <a:off x="2102178" y="2948022"/>
-            <a:ext cx="3010153" cy="684807"/>
+            <a:off x="336776" y="1104608"/>
+            <a:ext cx="13909452" cy="1177249"/>
           </a:xfrm>
           <a:prstGeom prst="rect">
             <a:avLst/>
@@ -6511,12 +6560,14 @@
           <a:p>
             <a:pPr algn="ctr"/>
             <a:r>
-              <a:rPr lang="pt-BR" sz="4000" dirty="0">
-                <a:ln w="0">
-                  <a:noFill/>
+              <a:rPr lang="pt-BR" sz="7200" dirty="0">
+                <a:ln w="57150">
+                  <a:solidFill>
+                    <a:schemeClr val="tx1"/>
+                  </a:solidFill>
                 </a:ln>
                 <a:solidFill>
-                  <a:srgbClr val="0070C0"/>
+                  <a:srgbClr val="D6A300"/>
                 </a:solidFill>
                 <a:effectLst>
                   <a:outerShdw blurRad="38100" dist="19050" dir="2700000" algn="tl" rotWithShape="0">
@@ -6527,17 +6578,17 @@
                 </a:effectLst>
                 <a:latin typeface="Exo 2 Extra Bold" panose="00000900000000000000" pitchFamily="50" charset="0"/>
               </a:rPr>
-              <a:t>Chave 1</a:t>
+              <a:t>MATA-MATA SÉRIE C 7</a:t>
             </a:r>
           </a:p>
         </p:txBody>
       </p:sp>
       <p:sp>
         <p:nvSpPr>
-          <p:cNvPr id="24" name="Retângulo 23">
-            <a:extLst>
-              <a:ext uri="{FF2B5EF4-FFF2-40B4-BE49-F238E27FC236}">
-                <a16:creationId xmlns:a16="http://schemas.microsoft.com/office/drawing/2014/main" id="{522A4ACC-EC27-4A14-BA66-B0EB03535C7B}"/>
+          <p:cNvPr id="18" name="Retângulo 17">
+            <a:extLst>
+              <a:ext uri="{FF2B5EF4-FFF2-40B4-BE49-F238E27FC236}">
+                <a16:creationId xmlns:a16="http://schemas.microsoft.com/office/drawing/2014/main" id="{D52ED5C0-2275-4256-BA54-CAE118D36CF3}"/>
               </a:ext>
             </a:extLst>
           </p:cNvPr>
@@ -6546,107 +6597,47 @@
         </p:nvSpPr>
         <p:spPr>
           <a:xfrm>
-            <a:off x="9315778" y="2946575"/>
-            <a:ext cx="3010153" cy="684807"/>
-          </a:xfrm>
-          <a:prstGeom prst="rect">
-            <a:avLst/>
-          </a:prstGeom>
-          <a:noFill/>
-        </p:spPr>
-        <p:txBody>
-          <a:bodyPr wrap="square" lIns="68584" tIns="34292" rIns="68584" bIns="34292">
-            <a:spAutoFit/>
-          </a:bodyPr>
+            <a:off x="540327" y="3264607"/>
+            <a:ext cx="13317337" cy="6149557"/>
+          </a:xfrm>
+          <a:prstGeom prst="rect">
+            <a:avLst/>
+          </a:prstGeom>
+          <a:solidFill>
+            <a:schemeClr val="tx1">
+              <a:alpha val="70000"/>
+            </a:schemeClr>
+          </a:solidFill>
+        </p:spPr>
+        <p:style>
+          <a:lnRef idx="2">
+            <a:schemeClr val="accent1">
+              <a:shade val="50000"/>
+            </a:schemeClr>
+          </a:lnRef>
+          <a:fillRef idx="1">
+            <a:schemeClr val="accent1"/>
+          </a:fillRef>
+          <a:effectRef idx="0">
+            <a:schemeClr val="accent1"/>
+          </a:effectRef>
+          <a:fontRef idx="minor">
+            <a:schemeClr val="lt1"/>
+          </a:fontRef>
+        </p:style>
+        <p:txBody>
+          <a:bodyPr rtlCol="0" anchor="ctr"/>
           <a:lstStyle/>
           <a:p>
             <a:pPr algn="ctr"/>
-            <a:r>
-              <a:rPr lang="pt-BR" sz="4000" dirty="0">
-                <a:ln w="0">
-                  <a:noFill/>
-                </a:ln>
-                <a:solidFill>
-                  <a:srgbClr val="0070C0"/>
-                </a:solidFill>
-                <a:effectLst>
-                  <a:outerShdw blurRad="38100" dist="19050" dir="2700000" algn="tl" rotWithShape="0">
-                    <a:schemeClr val="dk1">
-                      <a:alpha val="40000"/>
-                    </a:schemeClr>
-                  </a:outerShdw>
-                </a:effectLst>
-                <a:latin typeface="Exo 2 Extra Bold" panose="00000900000000000000" pitchFamily="50" charset="0"/>
-              </a:rPr>
-              <a:t>Chave 2</a:t>
-            </a:r>
-          </a:p>
-        </p:txBody>
-      </p:sp>
-      <p:pic>
-        <p:nvPicPr>
-          <p:cNvPr id="3" name="Imagem 2">
-            <a:extLst>
-              <a:ext uri="{FF2B5EF4-FFF2-40B4-BE49-F238E27FC236}">
-                <a16:creationId xmlns:a16="http://schemas.microsoft.com/office/drawing/2014/main" id="{7B7FC376-B2C5-460E-AA4E-9842651AA202}"/>
-              </a:ext>
-            </a:extLst>
-          </p:cNvPr>
-          <p:cNvPicPr>
-            <a:picLocks noChangeAspect="1"/>
-          </p:cNvPicPr>
-          <p:nvPr/>
-        </p:nvPicPr>
-        <p:blipFill>
-          <a:blip r:embed="rId5"/>
-          <a:stretch>
-            <a:fillRect/>
-          </a:stretch>
-        </p:blipFill>
-        <p:spPr>
-          <a:xfrm>
-            <a:off x="337449" y="3872449"/>
-            <a:ext cx="6531199" cy="5580000"/>
-          </a:xfrm>
-          <a:prstGeom prst="rect">
-            <a:avLst/>
-          </a:prstGeom>
-        </p:spPr>
-      </p:pic>
-      <p:pic>
-        <p:nvPicPr>
-          <p:cNvPr id="7" name="Imagem 6">
-            <a:extLst>
-              <a:ext uri="{FF2B5EF4-FFF2-40B4-BE49-F238E27FC236}">
-                <a16:creationId xmlns:a16="http://schemas.microsoft.com/office/drawing/2014/main" id="{DAB343E5-AC2C-4013-862F-5983284EDDAB}"/>
-              </a:ext>
-            </a:extLst>
-          </p:cNvPr>
-          <p:cNvPicPr>
-            <a:picLocks noChangeAspect="1"/>
-          </p:cNvPicPr>
-          <p:nvPr/>
-        </p:nvPicPr>
-        <p:blipFill>
-          <a:blip r:embed="rId6"/>
-          <a:stretch>
-            <a:fillRect/>
-          </a:stretch>
-        </p:blipFill>
-        <p:spPr>
-          <a:xfrm>
-            <a:off x="7558628" y="3872449"/>
-            <a:ext cx="6521521" cy="5580000"/>
-          </a:xfrm>
-          <a:prstGeom prst="rect">
-            <a:avLst/>
-          </a:prstGeom>
-        </p:spPr>
-      </p:pic>
+            <a:endParaRPr lang="pt-BR"/>
+          </a:p>
+        </p:txBody>
+      </p:sp>
     </p:spTree>
     <p:extLst>
       <p:ext uri="{BB962C8B-B14F-4D97-AF65-F5344CB8AC3E}">
-        <p14:creationId xmlns:p14="http://schemas.microsoft.com/office/powerpoint/2010/main" val="3089260622"/>
+        <p14:creationId xmlns:p14="http://schemas.microsoft.com/office/powerpoint/2010/main" val="741368207"/>
       </p:ext>
     </p:extLst>
   </p:cSld>
@@ -7078,7 +7069,7 @@
                 </a:effectLst>
                 <a:latin typeface="Exo 2 Extra Bold" panose="00000900000000000000" pitchFamily="50" charset="0"/>
               </a:rPr>
-              <a:t>MATA-MATA SÉRIE C 6</a:t>
+              <a:t>MATA-MATA SÉRIE B 6</a:t>
             </a:r>
           </a:p>
         </p:txBody>
@@ -7328,6 +7319,746 @@
           <p:cNvPr id="3" name="Imagem 2">
             <a:extLst>
               <a:ext uri="{FF2B5EF4-FFF2-40B4-BE49-F238E27FC236}">
+                <a16:creationId xmlns:a16="http://schemas.microsoft.com/office/drawing/2014/main" id="{7B7FC376-B2C5-460E-AA4E-9842651AA202}"/>
+              </a:ext>
+            </a:extLst>
+          </p:cNvPr>
+          <p:cNvPicPr>
+            <a:picLocks noChangeAspect="1"/>
+          </p:cNvPicPr>
+          <p:nvPr/>
+        </p:nvPicPr>
+        <p:blipFill>
+          <a:blip r:embed="rId5"/>
+          <a:stretch>
+            <a:fillRect/>
+          </a:stretch>
+        </p:blipFill>
+        <p:spPr>
+          <a:xfrm>
+            <a:off x="337449" y="3872449"/>
+            <a:ext cx="6531199" cy="5580000"/>
+          </a:xfrm>
+          <a:prstGeom prst="rect">
+            <a:avLst/>
+          </a:prstGeom>
+        </p:spPr>
+      </p:pic>
+      <p:pic>
+        <p:nvPicPr>
+          <p:cNvPr id="7" name="Imagem 6">
+            <a:extLst>
+              <a:ext uri="{FF2B5EF4-FFF2-40B4-BE49-F238E27FC236}">
+                <a16:creationId xmlns:a16="http://schemas.microsoft.com/office/drawing/2014/main" id="{DAB343E5-AC2C-4013-862F-5983284EDDAB}"/>
+              </a:ext>
+            </a:extLst>
+          </p:cNvPr>
+          <p:cNvPicPr>
+            <a:picLocks noChangeAspect="1"/>
+          </p:cNvPicPr>
+          <p:nvPr/>
+        </p:nvPicPr>
+        <p:blipFill>
+          <a:blip r:embed="rId6"/>
+          <a:stretch>
+            <a:fillRect/>
+          </a:stretch>
+        </p:blipFill>
+        <p:spPr>
+          <a:xfrm>
+            <a:off x="7558628" y="3872449"/>
+            <a:ext cx="6521521" cy="5580000"/>
+          </a:xfrm>
+          <a:prstGeom prst="rect">
+            <a:avLst/>
+          </a:prstGeom>
+        </p:spPr>
+      </p:pic>
+    </p:spTree>
+    <p:extLst>
+      <p:ext uri="{BB962C8B-B14F-4D97-AF65-F5344CB8AC3E}">
+        <p14:creationId xmlns:p14="http://schemas.microsoft.com/office/powerpoint/2010/main" val="3089260622"/>
+      </p:ext>
+    </p:extLst>
+  </p:cSld>
+  <p:clrMapOvr>
+    <a:masterClrMapping/>
+  </p:clrMapOvr>
+</p:sld>
+</file>
+
+<file path=ppt/slides/slide15.xml><?xml version="1.0" encoding="utf-8"?>
+<p:sld xmlns:a="http://schemas.openxmlformats.org/drawingml/2006/main" xmlns:r="http://schemas.openxmlformats.org/officeDocument/2006/relationships" xmlns:p="http://schemas.openxmlformats.org/presentationml/2006/main">
+  <p:cSld>
+    <p:bg>
+      <p:bgPr>
+        <a:solidFill>
+          <a:schemeClr val="bg1"/>
+        </a:solidFill>
+        <a:effectLst/>
+      </p:bgPr>
+    </p:bg>
+    <p:spTree>
+      <p:nvGrpSpPr>
+        <p:cNvPr id="1" name=""/>
+        <p:cNvGrpSpPr/>
+        <p:nvPr/>
+      </p:nvGrpSpPr>
+      <p:grpSpPr>
+        <a:xfrm>
+          <a:off x="0" y="0"/>
+          <a:ext cx="0" cy="0"/>
+          <a:chOff x="0" y="0"/>
+          <a:chExt cx="0" cy="0"/>
+        </a:xfrm>
+      </p:grpSpPr>
+      <p:sp>
+        <p:nvSpPr>
+          <p:cNvPr id="13" name="Rectangle 9">
+            <a:extLst>
+              <a:ext uri="{FF2B5EF4-FFF2-40B4-BE49-F238E27FC236}">
+                <a16:creationId xmlns:a16="http://schemas.microsoft.com/office/drawing/2014/main" id="{0BABF38A-8A0D-492E-BD20-6CF4D46B50BD}"/>
+              </a:ext>
+              <a:ext uri="{C183D7F6-B498-43B3-948B-1728B52AA6E4}">
+                <adec:decorative xmlns:adec="http://schemas.microsoft.com/office/drawing/2017/decorative" val="1"/>
+              </a:ext>
+            </a:extLst>
+          </p:cNvPr>
+          <p:cNvSpPr>
+            <a:spLocks noGrp="1" noRot="1" noChangeAspect="1" noMove="1" noResize="1" noEditPoints="1" noAdjustHandles="1" noChangeArrowheads="1" noChangeShapeType="1" noTextEdit="1"/>
+          </p:cNvSpPr>
+          <p:nvPr>
+            <p:extLst>
+              <p:ext uri="{386F3935-93C4-4BCD-93E2-E3B085C9AB24}">
+                <p16:designElem xmlns:p16="http://schemas.microsoft.com/office/powerpoint/2015/main" val="1"/>
+              </p:ext>
+            </p:extLst>
+          </p:nvPr>
+        </p:nvSpPr>
+        <p:spPr>
+          <a:xfrm>
+            <a:off x="3149972" y="3121681"/>
+            <a:ext cx="8100269" cy="4556404"/>
+          </a:xfrm>
+          <a:prstGeom prst="rect">
+            <a:avLst/>
+          </a:prstGeom>
+          <a:solidFill>
+            <a:schemeClr val="bg2">
+              <a:lumMod val="90000"/>
+              <a:alpha val="70000"/>
+            </a:schemeClr>
+          </a:solidFill>
+          <a:ln>
+            <a:noFill/>
+          </a:ln>
+        </p:spPr>
+        <p:style>
+          <a:lnRef idx="2">
+            <a:schemeClr val="accent1">
+              <a:shade val="50000"/>
+            </a:schemeClr>
+          </a:lnRef>
+          <a:fillRef idx="1">
+            <a:schemeClr val="accent1"/>
+          </a:fillRef>
+          <a:effectRef idx="0">
+            <a:schemeClr val="accent1"/>
+          </a:effectRef>
+          <a:fontRef idx="minor">
+            <a:schemeClr val="lt1"/>
+          </a:fontRef>
+        </p:style>
+        <p:txBody>
+          <a:bodyPr rtlCol="0" anchor="ctr"/>
+          <a:lstStyle/>
+          <a:p>
+            <a:pPr algn="ctr">
+              <a:defRPr/>
+            </a:pPr>
+            <a:endParaRPr lang="en-US" sz="1196" dirty="0">
+              <a:solidFill>
+                <a:prstClr val="black">
+                  <a:lumMod val="65000"/>
+                  <a:lumOff val="35000"/>
+                </a:prstClr>
+              </a:solidFill>
+              <a:latin typeface="AvenirNext LT Pro Medium" panose="020B0504020202020204" pitchFamily="34" charset="0"/>
+            </a:endParaRPr>
+          </a:p>
+        </p:txBody>
+      </p:sp>
+      <p:pic>
+        <p:nvPicPr>
+          <p:cNvPr id="12" name="Picture 11">
+            <a:extLst>
+              <a:ext uri="{FF2B5EF4-FFF2-40B4-BE49-F238E27FC236}">
+                <a16:creationId xmlns:a16="http://schemas.microsoft.com/office/drawing/2014/main" id="{BC526B7A-4801-4FD1-95C8-03AF22629E87}"/>
+              </a:ext>
+              <a:ext uri="{C183D7F6-B498-43B3-948B-1728B52AA6E4}">
+                <adec:decorative xmlns:adec="http://schemas.microsoft.com/office/drawing/2017/decorative" val="1"/>
+              </a:ext>
+            </a:extLst>
+          </p:cNvPr>
+          <p:cNvPicPr>
+            <a:picLocks noGrp="1" noRot="1" noChangeAspect="1" noMove="1" noResize="1" noEditPoints="1" noAdjustHandles="1" noChangeArrowheads="1" noChangeShapeType="1" noCrop="1"/>
+          </p:cNvPicPr>
+          <p:nvPr>
+            <p:extLst>
+              <p:ext uri="{386F3935-93C4-4BCD-93E2-E3B085C9AB24}">
+                <p16:designElem xmlns:p16="http://schemas.microsoft.com/office/powerpoint/2015/main" val="1"/>
+              </p:ext>
+            </p:extLst>
+          </p:nvPr>
+        </p:nvPicPr>
+        <p:blipFill>
+          <a:blip r:embed="rId2">
+            <a:alphaModFix amt="10000"/>
+            <a:extLst>
+              <a:ext uri="{28A0092B-C50C-407E-A947-70E740481C1C}">
+                <a14:useLocalDpi xmlns:a14="http://schemas.microsoft.com/office/drawing/2010/main" val="0"/>
+              </a:ext>
+            </a:extLst>
+          </a:blip>
+          <a:stretch>
+            <a:fillRect/>
+          </a:stretch>
+        </p:blipFill>
+        <p:spPr>
+          <a:xfrm>
+            <a:off x="8820159" y="3121682"/>
+            <a:ext cx="2428095" cy="3039825"/>
+          </a:xfrm>
+          <a:prstGeom prst="rect">
+            <a:avLst/>
+          </a:prstGeom>
+        </p:spPr>
+      </p:pic>
+      <p:sp useBgFill="1">
+        <p:nvSpPr>
+          <p:cNvPr id="14" name="Rectangle 13">
+            <a:extLst>
+              <a:ext uri="{FF2B5EF4-FFF2-40B4-BE49-F238E27FC236}">
+                <a16:creationId xmlns:a16="http://schemas.microsoft.com/office/drawing/2014/main" id="{37FDDF72-DE39-4F99-A3C1-DD9D7815D7DB}"/>
+              </a:ext>
+              <a:ext uri="{C183D7F6-B498-43B3-948B-1728B52AA6E4}">
+                <adec:decorative xmlns:adec="http://schemas.microsoft.com/office/drawing/2017/decorative" val="1"/>
+              </a:ext>
+            </a:extLst>
+          </p:cNvPr>
+          <p:cNvSpPr>
+            <a:spLocks noGrp="1" noRot="1" noChangeAspect="1" noMove="1" noResize="1" noEditPoints="1" noAdjustHandles="1" noChangeArrowheads="1" noChangeShapeType="1" noTextEdit="1"/>
+          </p:cNvSpPr>
+          <p:nvPr>
+            <p:extLst>
+              <p:ext uri="{386F3935-93C4-4BCD-93E2-E3B085C9AB24}">
+                <p16:designElem xmlns:p16="http://schemas.microsoft.com/office/powerpoint/2015/main" val="1"/>
+              </p:ext>
+            </p:extLst>
+          </p:nvPr>
+        </p:nvSpPr>
+        <p:spPr>
+          <a:xfrm>
+            <a:off x="3149972" y="3121681"/>
+            <a:ext cx="8100269" cy="4556401"/>
+          </a:xfrm>
+          <a:prstGeom prst="rect">
+            <a:avLst/>
+          </a:prstGeom>
+          <a:ln>
+            <a:noFill/>
+          </a:ln>
+        </p:spPr>
+        <p:style>
+          <a:lnRef idx="2">
+            <a:schemeClr val="accent1">
+              <a:shade val="50000"/>
+            </a:schemeClr>
+          </a:lnRef>
+          <a:fillRef idx="1">
+            <a:schemeClr val="accent1"/>
+          </a:fillRef>
+          <a:effectRef idx="0">
+            <a:schemeClr val="accent1"/>
+          </a:effectRef>
+          <a:fontRef idx="minor">
+            <a:schemeClr val="lt1"/>
+          </a:fontRef>
+        </p:style>
+        <p:txBody>
+          <a:bodyPr rtlCol="0" anchor="ctr"/>
+          <a:lstStyle/>
+          <a:p>
+            <a:pPr algn="ctr">
+              <a:defRPr/>
+            </a:pPr>
+            <a:endParaRPr lang="en-US" sz="1196" dirty="0">
+              <a:solidFill>
+                <a:prstClr val="black">
+                  <a:lumMod val="65000"/>
+                  <a:lumOff val="35000"/>
+                </a:prstClr>
+              </a:solidFill>
+              <a:latin typeface="AvenirNext LT Pro Medium" panose="020B0504020202020204" pitchFamily="34" charset="0"/>
+            </a:endParaRPr>
+          </a:p>
+        </p:txBody>
+      </p:sp>
+      <p:sp>
+        <p:nvSpPr>
+          <p:cNvPr id="16" name="Rectangle 15">
+            <a:extLst>
+              <a:ext uri="{FF2B5EF4-FFF2-40B4-BE49-F238E27FC236}">
+                <a16:creationId xmlns:a16="http://schemas.microsoft.com/office/drawing/2014/main" id="{5E4ECE80-3AD1-450C-B62A-98788F193948}"/>
+              </a:ext>
+              <a:ext uri="{C183D7F6-B498-43B3-948B-1728B52AA6E4}">
+                <adec:decorative xmlns:adec="http://schemas.microsoft.com/office/drawing/2017/decorative" val="1"/>
+              </a:ext>
+            </a:extLst>
+          </p:cNvPr>
+          <p:cNvSpPr>
+            <a:spLocks noGrp="1" noRot="1" noChangeAspect="1" noMove="1" noResize="1" noEditPoints="1" noAdjustHandles="1" noChangeArrowheads="1" noChangeShapeType="1" noTextEdit="1"/>
+          </p:cNvSpPr>
+          <p:nvPr>
+            <p:extLst>
+              <p:ext uri="{386F3935-93C4-4BCD-93E2-E3B085C9AB24}">
+                <p16:designElem xmlns:p16="http://schemas.microsoft.com/office/powerpoint/2015/main" val="1"/>
+              </p:ext>
+            </p:extLst>
+          </p:nvPr>
+        </p:nvSpPr>
+        <p:spPr>
+          <a:xfrm>
+            <a:off x="3149972" y="3121681"/>
+            <a:ext cx="8100269" cy="4556401"/>
+          </a:xfrm>
+          <a:prstGeom prst="rect">
+            <a:avLst/>
+          </a:prstGeom>
+          <a:solidFill>
+            <a:srgbClr val="000000"/>
+          </a:solidFill>
+          <a:ln>
+            <a:noFill/>
+          </a:ln>
+        </p:spPr>
+        <p:style>
+          <a:lnRef idx="2">
+            <a:schemeClr val="accent1">
+              <a:shade val="50000"/>
+            </a:schemeClr>
+          </a:lnRef>
+          <a:fillRef idx="1">
+            <a:schemeClr val="accent1"/>
+          </a:fillRef>
+          <a:effectRef idx="0">
+            <a:schemeClr val="accent1"/>
+          </a:effectRef>
+          <a:fontRef idx="minor">
+            <a:schemeClr val="lt1"/>
+          </a:fontRef>
+        </p:style>
+        <p:txBody>
+          <a:bodyPr rtlCol="0" anchor="ctr"/>
+          <a:lstStyle/>
+          <a:p>
+            <a:pPr algn="ctr">
+              <a:defRPr/>
+            </a:pPr>
+            <a:endParaRPr lang="en-US" sz="1196" dirty="0">
+              <a:solidFill>
+                <a:prstClr val="black">
+                  <a:lumMod val="65000"/>
+                  <a:lumOff val="35000"/>
+                </a:prstClr>
+              </a:solidFill>
+              <a:latin typeface="AvenirNext LT Pro Medium" panose="020B0504020202020204" pitchFamily="34" charset="0"/>
+            </a:endParaRPr>
+          </a:p>
+        </p:txBody>
+      </p:sp>
+      <p:pic>
+        <p:nvPicPr>
+          <p:cNvPr id="5" name="Imagem 4">
+            <a:extLst>
+              <a:ext uri="{FF2B5EF4-FFF2-40B4-BE49-F238E27FC236}">
+                <a16:creationId xmlns:a16="http://schemas.microsoft.com/office/drawing/2014/main" id="{F1433EF1-FB6D-4913-96C9-08F0B1B3CA7A}"/>
+              </a:ext>
+            </a:extLst>
+          </p:cNvPr>
+          <p:cNvPicPr>
+            <a:picLocks noChangeAspect="1"/>
+          </p:cNvPicPr>
+          <p:nvPr/>
+        </p:nvPicPr>
+        <p:blipFill rotWithShape="1">
+          <a:blip r:embed="rId3">
+            <a:alphaModFix/>
+            <a:extLst>
+              <a:ext uri="{28A0092B-C50C-407E-A947-70E740481C1C}">
+                <a14:useLocalDpi xmlns:a14="http://schemas.microsoft.com/office/drawing/2010/main" val="0"/>
+              </a:ext>
+            </a:extLst>
+          </a:blip>
+          <a:srcRect l="5233" t="-2125" r="6244" b="-538"/>
+          <a:stretch/>
+        </p:blipFill>
+        <p:spPr>
+          <a:xfrm>
+            <a:off x="-1" y="-248909"/>
+            <a:ext cx="14400213" cy="11147555"/>
+          </a:xfrm>
+          <a:prstGeom prst="rect">
+            <a:avLst/>
+          </a:prstGeom>
+        </p:spPr>
+      </p:pic>
+      <p:sp>
+        <p:nvSpPr>
+          <p:cNvPr id="50" name="Retângulo 49">
+            <a:extLst>
+              <a:ext uri="{FF2B5EF4-FFF2-40B4-BE49-F238E27FC236}">
+                <a16:creationId xmlns:a16="http://schemas.microsoft.com/office/drawing/2014/main" id="{50614AED-75DE-4550-9029-54313F89BD12}"/>
+              </a:ext>
+            </a:extLst>
+          </p:cNvPr>
+          <p:cNvSpPr/>
+          <p:nvPr/>
+        </p:nvSpPr>
+        <p:spPr>
+          <a:xfrm>
+            <a:off x="3186646" y="311571"/>
+            <a:ext cx="8052791" cy="992583"/>
+          </a:xfrm>
+          <a:prstGeom prst="rect">
+            <a:avLst/>
+          </a:prstGeom>
+          <a:noFill/>
+        </p:spPr>
+        <p:txBody>
+          <a:bodyPr wrap="square" lIns="68584" tIns="34292" rIns="68584" bIns="34292">
+            <a:spAutoFit/>
+          </a:bodyPr>
+          <a:lstStyle/>
+          <a:p>
+            <a:pPr algn="ctr"/>
+            <a:r>
+              <a:rPr lang="pt-BR" sz="6000" dirty="0">
+                <a:ln w="38100">
+                  <a:solidFill>
+                    <a:schemeClr val="bg1"/>
+                  </a:solidFill>
+                </a:ln>
+                <a:solidFill>
+                  <a:srgbClr val="00B050"/>
+                </a:solidFill>
+                <a:effectLst>
+                  <a:outerShdw blurRad="38100" dist="19050" dir="2700000" algn="tl" rotWithShape="0">
+                    <a:schemeClr val="dk1">
+                      <a:alpha val="40000"/>
+                    </a:schemeClr>
+                  </a:outerShdw>
+                </a:effectLst>
+                <a:latin typeface="Exo 2 Extra Bold" panose="00000900000000000000" pitchFamily="50" charset="0"/>
+              </a:rPr>
+              <a:t>Liga Principal</a:t>
+            </a:r>
+          </a:p>
+        </p:txBody>
+      </p:sp>
+      <p:sp>
+        <p:nvSpPr>
+          <p:cNvPr id="53" name="Retângulo 52">
+            <a:extLst>
+              <a:ext uri="{FF2B5EF4-FFF2-40B4-BE49-F238E27FC236}">
+                <a16:creationId xmlns:a16="http://schemas.microsoft.com/office/drawing/2014/main" id="{F101E0BF-8A68-40B9-BC26-35C299182F52}"/>
+              </a:ext>
+            </a:extLst>
+          </p:cNvPr>
+          <p:cNvSpPr/>
+          <p:nvPr/>
+        </p:nvSpPr>
+        <p:spPr>
+          <a:xfrm>
+            <a:off x="336776" y="1104608"/>
+            <a:ext cx="13909452" cy="1177249"/>
+          </a:xfrm>
+          <a:prstGeom prst="rect">
+            <a:avLst/>
+          </a:prstGeom>
+          <a:noFill/>
+        </p:spPr>
+        <p:txBody>
+          <a:bodyPr wrap="square" lIns="68584" tIns="34292" rIns="68584" bIns="34292">
+            <a:spAutoFit/>
+          </a:bodyPr>
+          <a:lstStyle/>
+          <a:p>
+            <a:pPr algn="ctr"/>
+            <a:r>
+              <a:rPr lang="pt-BR" sz="7200" dirty="0">
+                <a:ln w="0">
+                  <a:noFill/>
+                </a:ln>
+                <a:effectLst>
+                  <a:outerShdw blurRad="38100" dist="19050" dir="2700000" algn="tl" rotWithShape="0">
+                    <a:schemeClr val="dk1">
+                      <a:alpha val="40000"/>
+                    </a:schemeClr>
+                  </a:outerShdw>
+                </a:effectLst>
+                <a:latin typeface="Exo 2 Extra Bold" panose="00000900000000000000" pitchFamily="50" charset="0"/>
+              </a:rPr>
+              <a:t>MATA-MATA SÉRIE C 6</a:t>
+            </a:r>
+          </a:p>
+        </p:txBody>
+      </p:sp>
+      <p:pic>
+        <p:nvPicPr>
+          <p:cNvPr id="15" name="Imagem 14">
+            <a:extLst>
+              <a:ext uri="{FF2B5EF4-FFF2-40B4-BE49-F238E27FC236}">
+                <a16:creationId xmlns:a16="http://schemas.microsoft.com/office/drawing/2014/main" id="{780D6AE4-2B31-43CF-8A3B-9ACC73C32FE9}"/>
+              </a:ext>
+            </a:extLst>
+          </p:cNvPr>
+          <p:cNvPicPr>
+            <a:picLocks noChangeAspect="1"/>
+          </p:cNvPicPr>
+          <p:nvPr/>
+        </p:nvPicPr>
+        <p:blipFill>
+          <a:blip r:embed="rId4" cstate="hqprint">
+            <a:extLst>
+              <a:ext uri="{28A0092B-C50C-407E-A947-70E740481C1C}">
+                <a14:useLocalDpi xmlns:a14="http://schemas.microsoft.com/office/drawing/2010/main" val="0"/>
+              </a:ext>
+            </a:extLst>
+          </a:blip>
+          <a:stretch>
+            <a:fillRect/>
+          </a:stretch>
+        </p:blipFill>
+        <p:spPr>
+          <a:xfrm>
+            <a:off x="336776" y="194284"/>
+            <a:ext cx="2059134" cy="2160000"/>
+          </a:xfrm>
+          <a:prstGeom prst="rect">
+            <a:avLst/>
+          </a:prstGeom>
+        </p:spPr>
+      </p:pic>
+      <p:sp>
+        <p:nvSpPr>
+          <p:cNvPr id="10" name="Retângulo 9">
+            <a:extLst>
+              <a:ext uri="{FF2B5EF4-FFF2-40B4-BE49-F238E27FC236}">
+                <a16:creationId xmlns:a16="http://schemas.microsoft.com/office/drawing/2014/main" id="{838BDC98-3287-4575-8574-56F716FB2440}"/>
+              </a:ext>
+            </a:extLst>
+          </p:cNvPr>
+          <p:cNvSpPr/>
+          <p:nvPr/>
+        </p:nvSpPr>
+        <p:spPr>
+          <a:xfrm>
+            <a:off x="178700" y="2996119"/>
+            <a:ext cx="6850745" cy="6618957"/>
+          </a:xfrm>
+          <a:prstGeom prst="rect">
+            <a:avLst/>
+          </a:prstGeom>
+          <a:solidFill>
+            <a:schemeClr val="tx1">
+              <a:alpha val="81000"/>
+            </a:schemeClr>
+          </a:solidFill>
+        </p:spPr>
+        <p:style>
+          <a:lnRef idx="2">
+            <a:schemeClr val="accent1">
+              <a:shade val="50000"/>
+            </a:schemeClr>
+          </a:lnRef>
+          <a:fillRef idx="1">
+            <a:schemeClr val="accent1"/>
+          </a:fillRef>
+          <a:effectRef idx="0">
+            <a:schemeClr val="accent1"/>
+          </a:effectRef>
+          <a:fontRef idx="minor">
+            <a:schemeClr val="lt1"/>
+          </a:fontRef>
+        </p:style>
+        <p:txBody>
+          <a:bodyPr rtlCol="0" anchor="ctr"/>
+          <a:lstStyle/>
+          <a:p>
+            <a:pPr algn="ctr"/>
+            <a:endParaRPr lang="pt-BR"/>
+          </a:p>
+        </p:txBody>
+      </p:sp>
+      <p:sp>
+        <p:nvSpPr>
+          <p:cNvPr id="21" name="Retângulo 20">
+            <a:extLst>
+              <a:ext uri="{FF2B5EF4-FFF2-40B4-BE49-F238E27FC236}">
+                <a16:creationId xmlns:a16="http://schemas.microsoft.com/office/drawing/2014/main" id="{95EDB8CB-8377-4925-B478-560C3F615037}"/>
+              </a:ext>
+            </a:extLst>
+          </p:cNvPr>
+          <p:cNvSpPr/>
+          <p:nvPr/>
+        </p:nvSpPr>
+        <p:spPr>
+          <a:xfrm>
+            <a:off x="7395483" y="2996119"/>
+            <a:ext cx="6850745" cy="6622759"/>
+          </a:xfrm>
+          <a:prstGeom prst="rect">
+            <a:avLst/>
+          </a:prstGeom>
+          <a:solidFill>
+            <a:schemeClr val="tx1">
+              <a:alpha val="81000"/>
+            </a:schemeClr>
+          </a:solidFill>
+        </p:spPr>
+        <p:style>
+          <a:lnRef idx="2">
+            <a:schemeClr val="accent1">
+              <a:shade val="50000"/>
+            </a:schemeClr>
+          </a:lnRef>
+          <a:fillRef idx="1">
+            <a:schemeClr val="accent1"/>
+          </a:fillRef>
+          <a:effectRef idx="0">
+            <a:schemeClr val="accent1"/>
+          </a:effectRef>
+          <a:fontRef idx="minor">
+            <a:schemeClr val="lt1"/>
+          </a:fontRef>
+        </p:style>
+        <p:txBody>
+          <a:bodyPr rtlCol="0" anchor="ctr"/>
+          <a:lstStyle/>
+          <a:p>
+            <a:pPr algn="ctr"/>
+            <a:endParaRPr lang="pt-BR"/>
+          </a:p>
+        </p:txBody>
+      </p:sp>
+      <p:sp>
+        <p:nvSpPr>
+          <p:cNvPr id="23" name="Retângulo 22">
+            <a:extLst>
+              <a:ext uri="{FF2B5EF4-FFF2-40B4-BE49-F238E27FC236}">
+                <a16:creationId xmlns:a16="http://schemas.microsoft.com/office/drawing/2014/main" id="{ED87CD67-A438-4F74-986A-3704AF997953}"/>
+              </a:ext>
+            </a:extLst>
+          </p:cNvPr>
+          <p:cNvSpPr/>
+          <p:nvPr/>
+        </p:nvSpPr>
+        <p:spPr>
+          <a:xfrm>
+            <a:off x="2102178" y="2948022"/>
+            <a:ext cx="3010153" cy="684807"/>
+          </a:xfrm>
+          <a:prstGeom prst="rect">
+            <a:avLst/>
+          </a:prstGeom>
+          <a:noFill/>
+        </p:spPr>
+        <p:txBody>
+          <a:bodyPr wrap="square" lIns="68584" tIns="34292" rIns="68584" bIns="34292">
+            <a:spAutoFit/>
+          </a:bodyPr>
+          <a:lstStyle/>
+          <a:p>
+            <a:pPr algn="ctr"/>
+            <a:r>
+              <a:rPr lang="pt-BR" sz="4000" dirty="0">
+                <a:ln w="0">
+                  <a:noFill/>
+                </a:ln>
+                <a:solidFill>
+                  <a:srgbClr val="0070C0"/>
+                </a:solidFill>
+                <a:effectLst>
+                  <a:outerShdw blurRad="38100" dist="19050" dir="2700000" algn="tl" rotWithShape="0">
+                    <a:schemeClr val="dk1">
+                      <a:alpha val="40000"/>
+                    </a:schemeClr>
+                  </a:outerShdw>
+                </a:effectLst>
+                <a:latin typeface="Exo 2 Extra Bold" panose="00000900000000000000" pitchFamily="50" charset="0"/>
+              </a:rPr>
+              <a:t>Chave 1</a:t>
+            </a:r>
+          </a:p>
+        </p:txBody>
+      </p:sp>
+      <p:sp>
+        <p:nvSpPr>
+          <p:cNvPr id="24" name="Retângulo 23">
+            <a:extLst>
+              <a:ext uri="{FF2B5EF4-FFF2-40B4-BE49-F238E27FC236}">
+                <a16:creationId xmlns:a16="http://schemas.microsoft.com/office/drawing/2014/main" id="{522A4ACC-EC27-4A14-BA66-B0EB03535C7B}"/>
+              </a:ext>
+            </a:extLst>
+          </p:cNvPr>
+          <p:cNvSpPr/>
+          <p:nvPr/>
+        </p:nvSpPr>
+        <p:spPr>
+          <a:xfrm>
+            <a:off x="9315778" y="2946575"/>
+            <a:ext cx="3010153" cy="684807"/>
+          </a:xfrm>
+          <a:prstGeom prst="rect">
+            <a:avLst/>
+          </a:prstGeom>
+          <a:noFill/>
+        </p:spPr>
+        <p:txBody>
+          <a:bodyPr wrap="square" lIns="68584" tIns="34292" rIns="68584" bIns="34292">
+            <a:spAutoFit/>
+          </a:bodyPr>
+          <a:lstStyle/>
+          <a:p>
+            <a:pPr algn="ctr"/>
+            <a:r>
+              <a:rPr lang="pt-BR" sz="4000" dirty="0">
+                <a:ln w="0">
+                  <a:noFill/>
+                </a:ln>
+                <a:solidFill>
+                  <a:srgbClr val="0070C0"/>
+                </a:solidFill>
+                <a:effectLst>
+                  <a:outerShdw blurRad="38100" dist="19050" dir="2700000" algn="tl" rotWithShape="0">
+                    <a:schemeClr val="dk1">
+                      <a:alpha val="40000"/>
+                    </a:schemeClr>
+                  </a:outerShdw>
+                </a:effectLst>
+                <a:latin typeface="Exo 2 Extra Bold" panose="00000900000000000000" pitchFamily="50" charset="0"/>
+              </a:rPr>
+              <a:t>Chave 2</a:t>
+            </a:r>
+          </a:p>
+        </p:txBody>
+      </p:sp>
+      <p:pic>
+        <p:nvPicPr>
+          <p:cNvPr id="3" name="Imagem 2">
+            <a:extLst>
+              <a:ext uri="{FF2B5EF4-FFF2-40B4-BE49-F238E27FC236}">
                 <a16:creationId xmlns:a16="http://schemas.microsoft.com/office/drawing/2014/main" id="{E12F199D-02B2-4735-B679-2410D1C5C676}"/>
               </a:ext>
             </a:extLst>
@@ -7396,7 +8127,7 @@
 </p:sld>
 </file>
 
-<file path=ppt/slides/slide15.xml><?xml version="1.0" encoding="utf-8"?>
+<file path=ppt/slides/slide16.xml><?xml version="1.0" encoding="utf-8"?>
 <p:sld xmlns:a="http://schemas.openxmlformats.org/drawingml/2006/main" xmlns:r="http://schemas.openxmlformats.org/officeDocument/2006/relationships" xmlns:p="http://schemas.openxmlformats.org/presentationml/2006/main">
   <p:cSld>
     <p:bg>
@@ -7970,7 +8701,7 @@
 </p:sld>
 </file>
 
-<file path=ppt/slides/slide16.xml><?xml version="1.0" encoding="utf-8"?>
+<file path=ppt/slides/slide17.xml><?xml version="1.0" encoding="utf-8"?>
 <p:sld xmlns:a="http://schemas.openxmlformats.org/drawingml/2006/main" xmlns:r="http://schemas.openxmlformats.org/officeDocument/2006/relationships" xmlns:p="http://schemas.openxmlformats.org/presentationml/2006/main">
   <p:cSld>
     <p:bg>
@@ -8544,746 +9275,6 @@
 </p:sld>
 </file>
 
-<file path=ppt/slides/slide17.xml><?xml version="1.0" encoding="utf-8"?>
-<p:sld xmlns:a="http://schemas.openxmlformats.org/drawingml/2006/main" xmlns:r="http://schemas.openxmlformats.org/officeDocument/2006/relationships" xmlns:p="http://schemas.openxmlformats.org/presentationml/2006/main">
-  <p:cSld>
-    <p:bg>
-      <p:bgPr>
-        <a:solidFill>
-          <a:schemeClr val="bg1"/>
-        </a:solidFill>
-        <a:effectLst/>
-      </p:bgPr>
-    </p:bg>
-    <p:spTree>
-      <p:nvGrpSpPr>
-        <p:cNvPr id="1" name=""/>
-        <p:cNvGrpSpPr/>
-        <p:nvPr/>
-      </p:nvGrpSpPr>
-      <p:grpSpPr>
-        <a:xfrm>
-          <a:off x="0" y="0"/>
-          <a:ext cx="0" cy="0"/>
-          <a:chOff x="0" y="0"/>
-          <a:chExt cx="0" cy="0"/>
-        </a:xfrm>
-      </p:grpSpPr>
-      <p:sp>
-        <p:nvSpPr>
-          <p:cNvPr id="13" name="Rectangle 9">
-            <a:extLst>
-              <a:ext uri="{FF2B5EF4-FFF2-40B4-BE49-F238E27FC236}">
-                <a16:creationId xmlns:a16="http://schemas.microsoft.com/office/drawing/2014/main" id="{0BABF38A-8A0D-492E-BD20-6CF4D46B50BD}"/>
-              </a:ext>
-              <a:ext uri="{C183D7F6-B498-43B3-948B-1728B52AA6E4}">
-                <adec:decorative xmlns:adec="http://schemas.microsoft.com/office/drawing/2017/decorative" val="1"/>
-              </a:ext>
-            </a:extLst>
-          </p:cNvPr>
-          <p:cNvSpPr>
-            <a:spLocks noGrp="1" noRot="1" noChangeAspect="1" noMove="1" noResize="1" noEditPoints="1" noAdjustHandles="1" noChangeArrowheads="1" noChangeShapeType="1" noTextEdit="1"/>
-          </p:cNvSpPr>
-          <p:nvPr>
-            <p:extLst>
-              <p:ext uri="{386F3935-93C4-4BCD-93E2-E3B085C9AB24}">
-                <p16:designElem xmlns:p16="http://schemas.microsoft.com/office/powerpoint/2015/main" val="1"/>
-              </p:ext>
-            </p:extLst>
-          </p:nvPr>
-        </p:nvSpPr>
-        <p:spPr>
-          <a:xfrm>
-            <a:off x="3149972" y="3121681"/>
-            <a:ext cx="8100269" cy="4556404"/>
-          </a:xfrm>
-          <a:prstGeom prst="rect">
-            <a:avLst/>
-          </a:prstGeom>
-          <a:solidFill>
-            <a:schemeClr val="bg2">
-              <a:lumMod val="90000"/>
-              <a:alpha val="70000"/>
-            </a:schemeClr>
-          </a:solidFill>
-          <a:ln>
-            <a:noFill/>
-          </a:ln>
-        </p:spPr>
-        <p:style>
-          <a:lnRef idx="2">
-            <a:schemeClr val="accent1">
-              <a:shade val="50000"/>
-            </a:schemeClr>
-          </a:lnRef>
-          <a:fillRef idx="1">
-            <a:schemeClr val="accent1"/>
-          </a:fillRef>
-          <a:effectRef idx="0">
-            <a:schemeClr val="accent1"/>
-          </a:effectRef>
-          <a:fontRef idx="minor">
-            <a:schemeClr val="lt1"/>
-          </a:fontRef>
-        </p:style>
-        <p:txBody>
-          <a:bodyPr rtlCol="0" anchor="ctr"/>
-          <a:lstStyle/>
-          <a:p>
-            <a:pPr algn="ctr">
-              <a:defRPr/>
-            </a:pPr>
-            <a:endParaRPr lang="en-US" sz="1196" dirty="0">
-              <a:solidFill>
-                <a:prstClr val="black">
-                  <a:lumMod val="65000"/>
-                  <a:lumOff val="35000"/>
-                </a:prstClr>
-              </a:solidFill>
-              <a:latin typeface="AvenirNext LT Pro Medium" panose="020B0504020202020204" pitchFamily="34" charset="0"/>
-            </a:endParaRPr>
-          </a:p>
-        </p:txBody>
-      </p:sp>
-      <p:pic>
-        <p:nvPicPr>
-          <p:cNvPr id="12" name="Picture 11">
-            <a:extLst>
-              <a:ext uri="{FF2B5EF4-FFF2-40B4-BE49-F238E27FC236}">
-                <a16:creationId xmlns:a16="http://schemas.microsoft.com/office/drawing/2014/main" id="{BC526B7A-4801-4FD1-95C8-03AF22629E87}"/>
-              </a:ext>
-              <a:ext uri="{C183D7F6-B498-43B3-948B-1728B52AA6E4}">
-                <adec:decorative xmlns:adec="http://schemas.microsoft.com/office/drawing/2017/decorative" val="1"/>
-              </a:ext>
-            </a:extLst>
-          </p:cNvPr>
-          <p:cNvPicPr>
-            <a:picLocks noGrp="1" noRot="1" noChangeAspect="1" noMove="1" noResize="1" noEditPoints="1" noAdjustHandles="1" noChangeArrowheads="1" noChangeShapeType="1" noCrop="1"/>
-          </p:cNvPicPr>
-          <p:nvPr>
-            <p:extLst>
-              <p:ext uri="{386F3935-93C4-4BCD-93E2-E3B085C9AB24}">
-                <p16:designElem xmlns:p16="http://schemas.microsoft.com/office/powerpoint/2015/main" val="1"/>
-              </p:ext>
-            </p:extLst>
-          </p:nvPr>
-        </p:nvPicPr>
-        <p:blipFill>
-          <a:blip r:embed="rId2">
-            <a:alphaModFix amt="10000"/>
-            <a:extLst>
-              <a:ext uri="{28A0092B-C50C-407E-A947-70E740481C1C}">
-                <a14:useLocalDpi xmlns:a14="http://schemas.microsoft.com/office/drawing/2010/main" val="0"/>
-              </a:ext>
-            </a:extLst>
-          </a:blip>
-          <a:stretch>
-            <a:fillRect/>
-          </a:stretch>
-        </p:blipFill>
-        <p:spPr>
-          <a:xfrm>
-            <a:off x="8820159" y="3121682"/>
-            <a:ext cx="2428095" cy="3039825"/>
-          </a:xfrm>
-          <a:prstGeom prst="rect">
-            <a:avLst/>
-          </a:prstGeom>
-        </p:spPr>
-      </p:pic>
-      <p:sp useBgFill="1">
-        <p:nvSpPr>
-          <p:cNvPr id="14" name="Rectangle 13">
-            <a:extLst>
-              <a:ext uri="{FF2B5EF4-FFF2-40B4-BE49-F238E27FC236}">
-                <a16:creationId xmlns:a16="http://schemas.microsoft.com/office/drawing/2014/main" id="{37FDDF72-DE39-4F99-A3C1-DD9D7815D7DB}"/>
-              </a:ext>
-              <a:ext uri="{C183D7F6-B498-43B3-948B-1728B52AA6E4}">
-                <adec:decorative xmlns:adec="http://schemas.microsoft.com/office/drawing/2017/decorative" val="1"/>
-              </a:ext>
-            </a:extLst>
-          </p:cNvPr>
-          <p:cNvSpPr>
-            <a:spLocks noGrp="1" noRot="1" noChangeAspect="1" noMove="1" noResize="1" noEditPoints="1" noAdjustHandles="1" noChangeArrowheads="1" noChangeShapeType="1" noTextEdit="1"/>
-          </p:cNvSpPr>
-          <p:nvPr>
-            <p:extLst>
-              <p:ext uri="{386F3935-93C4-4BCD-93E2-E3B085C9AB24}">
-                <p16:designElem xmlns:p16="http://schemas.microsoft.com/office/powerpoint/2015/main" val="1"/>
-              </p:ext>
-            </p:extLst>
-          </p:nvPr>
-        </p:nvSpPr>
-        <p:spPr>
-          <a:xfrm>
-            <a:off x="3149972" y="3121681"/>
-            <a:ext cx="8100269" cy="4556401"/>
-          </a:xfrm>
-          <a:prstGeom prst="rect">
-            <a:avLst/>
-          </a:prstGeom>
-          <a:ln>
-            <a:noFill/>
-          </a:ln>
-        </p:spPr>
-        <p:style>
-          <a:lnRef idx="2">
-            <a:schemeClr val="accent1">
-              <a:shade val="50000"/>
-            </a:schemeClr>
-          </a:lnRef>
-          <a:fillRef idx="1">
-            <a:schemeClr val="accent1"/>
-          </a:fillRef>
-          <a:effectRef idx="0">
-            <a:schemeClr val="accent1"/>
-          </a:effectRef>
-          <a:fontRef idx="minor">
-            <a:schemeClr val="lt1"/>
-          </a:fontRef>
-        </p:style>
-        <p:txBody>
-          <a:bodyPr rtlCol="0" anchor="ctr"/>
-          <a:lstStyle/>
-          <a:p>
-            <a:pPr algn="ctr">
-              <a:defRPr/>
-            </a:pPr>
-            <a:endParaRPr lang="en-US" sz="1196" dirty="0">
-              <a:solidFill>
-                <a:prstClr val="black">
-                  <a:lumMod val="65000"/>
-                  <a:lumOff val="35000"/>
-                </a:prstClr>
-              </a:solidFill>
-              <a:latin typeface="AvenirNext LT Pro Medium" panose="020B0504020202020204" pitchFamily="34" charset="0"/>
-            </a:endParaRPr>
-          </a:p>
-        </p:txBody>
-      </p:sp>
-      <p:sp>
-        <p:nvSpPr>
-          <p:cNvPr id="16" name="Rectangle 15">
-            <a:extLst>
-              <a:ext uri="{FF2B5EF4-FFF2-40B4-BE49-F238E27FC236}">
-                <a16:creationId xmlns:a16="http://schemas.microsoft.com/office/drawing/2014/main" id="{5E4ECE80-3AD1-450C-B62A-98788F193948}"/>
-              </a:ext>
-              <a:ext uri="{C183D7F6-B498-43B3-948B-1728B52AA6E4}">
-                <adec:decorative xmlns:adec="http://schemas.microsoft.com/office/drawing/2017/decorative" val="1"/>
-              </a:ext>
-            </a:extLst>
-          </p:cNvPr>
-          <p:cNvSpPr>
-            <a:spLocks noGrp="1" noRot="1" noChangeAspect="1" noMove="1" noResize="1" noEditPoints="1" noAdjustHandles="1" noChangeArrowheads="1" noChangeShapeType="1" noTextEdit="1"/>
-          </p:cNvSpPr>
-          <p:nvPr>
-            <p:extLst>
-              <p:ext uri="{386F3935-93C4-4BCD-93E2-E3B085C9AB24}">
-                <p16:designElem xmlns:p16="http://schemas.microsoft.com/office/powerpoint/2015/main" val="1"/>
-              </p:ext>
-            </p:extLst>
-          </p:nvPr>
-        </p:nvSpPr>
-        <p:spPr>
-          <a:xfrm>
-            <a:off x="3149972" y="3121681"/>
-            <a:ext cx="8100269" cy="4556401"/>
-          </a:xfrm>
-          <a:prstGeom prst="rect">
-            <a:avLst/>
-          </a:prstGeom>
-          <a:solidFill>
-            <a:srgbClr val="000000"/>
-          </a:solidFill>
-          <a:ln>
-            <a:noFill/>
-          </a:ln>
-        </p:spPr>
-        <p:style>
-          <a:lnRef idx="2">
-            <a:schemeClr val="accent1">
-              <a:shade val="50000"/>
-            </a:schemeClr>
-          </a:lnRef>
-          <a:fillRef idx="1">
-            <a:schemeClr val="accent1"/>
-          </a:fillRef>
-          <a:effectRef idx="0">
-            <a:schemeClr val="accent1"/>
-          </a:effectRef>
-          <a:fontRef idx="minor">
-            <a:schemeClr val="lt1"/>
-          </a:fontRef>
-        </p:style>
-        <p:txBody>
-          <a:bodyPr rtlCol="0" anchor="ctr"/>
-          <a:lstStyle/>
-          <a:p>
-            <a:pPr algn="ctr">
-              <a:defRPr/>
-            </a:pPr>
-            <a:endParaRPr lang="en-US" sz="1196" dirty="0">
-              <a:solidFill>
-                <a:prstClr val="black">
-                  <a:lumMod val="65000"/>
-                  <a:lumOff val="35000"/>
-                </a:prstClr>
-              </a:solidFill>
-              <a:latin typeface="AvenirNext LT Pro Medium" panose="020B0504020202020204" pitchFamily="34" charset="0"/>
-            </a:endParaRPr>
-          </a:p>
-        </p:txBody>
-      </p:sp>
-      <p:pic>
-        <p:nvPicPr>
-          <p:cNvPr id="5" name="Imagem 4">
-            <a:extLst>
-              <a:ext uri="{FF2B5EF4-FFF2-40B4-BE49-F238E27FC236}">
-                <a16:creationId xmlns:a16="http://schemas.microsoft.com/office/drawing/2014/main" id="{F1433EF1-FB6D-4913-96C9-08F0B1B3CA7A}"/>
-              </a:ext>
-            </a:extLst>
-          </p:cNvPr>
-          <p:cNvPicPr>
-            <a:picLocks noChangeAspect="1"/>
-          </p:cNvPicPr>
-          <p:nvPr/>
-        </p:nvPicPr>
-        <p:blipFill rotWithShape="1">
-          <a:blip r:embed="rId3">
-            <a:alphaModFix/>
-            <a:extLst>
-              <a:ext uri="{28A0092B-C50C-407E-A947-70E740481C1C}">
-                <a14:useLocalDpi xmlns:a14="http://schemas.microsoft.com/office/drawing/2010/main" val="0"/>
-              </a:ext>
-            </a:extLst>
-          </a:blip>
-          <a:srcRect l="5233" t="-2125" r="6244" b="-538"/>
-          <a:stretch/>
-        </p:blipFill>
-        <p:spPr>
-          <a:xfrm>
-            <a:off x="-1" y="-248909"/>
-            <a:ext cx="14400213" cy="11147555"/>
-          </a:xfrm>
-          <a:prstGeom prst="rect">
-            <a:avLst/>
-          </a:prstGeom>
-        </p:spPr>
-      </p:pic>
-      <p:sp>
-        <p:nvSpPr>
-          <p:cNvPr id="50" name="Retângulo 49">
-            <a:extLst>
-              <a:ext uri="{FF2B5EF4-FFF2-40B4-BE49-F238E27FC236}">
-                <a16:creationId xmlns:a16="http://schemas.microsoft.com/office/drawing/2014/main" id="{50614AED-75DE-4550-9029-54313F89BD12}"/>
-              </a:ext>
-            </a:extLst>
-          </p:cNvPr>
-          <p:cNvSpPr/>
-          <p:nvPr/>
-        </p:nvSpPr>
-        <p:spPr>
-          <a:xfrm>
-            <a:off x="3186646" y="311571"/>
-            <a:ext cx="8052791" cy="992583"/>
-          </a:xfrm>
-          <a:prstGeom prst="rect">
-            <a:avLst/>
-          </a:prstGeom>
-          <a:noFill/>
-        </p:spPr>
-        <p:txBody>
-          <a:bodyPr wrap="square" lIns="68584" tIns="34292" rIns="68584" bIns="34292">
-            <a:spAutoFit/>
-          </a:bodyPr>
-          <a:lstStyle/>
-          <a:p>
-            <a:pPr algn="ctr"/>
-            <a:r>
-              <a:rPr lang="pt-BR" sz="6000" dirty="0">
-                <a:ln w="38100">
-                  <a:solidFill>
-                    <a:schemeClr val="bg1"/>
-                  </a:solidFill>
-                </a:ln>
-                <a:solidFill>
-                  <a:srgbClr val="00B050"/>
-                </a:solidFill>
-                <a:effectLst>
-                  <a:outerShdw blurRad="38100" dist="19050" dir="2700000" algn="tl" rotWithShape="0">
-                    <a:schemeClr val="dk1">
-                      <a:alpha val="40000"/>
-                    </a:schemeClr>
-                  </a:outerShdw>
-                </a:effectLst>
-                <a:latin typeface="Exo 2 Extra Bold" panose="00000900000000000000" pitchFamily="50" charset="0"/>
-              </a:rPr>
-              <a:t>Liga Principal</a:t>
-            </a:r>
-          </a:p>
-        </p:txBody>
-      </p:sp>
-      <p:sp>
-        <p:nvSpPr>
-          <p:cNvPr id="53" name="Retângulo 52">
-            <a:extLst>
-              <a:ext uri="{FF2B5EF4-FFF2-40B4-BE49-F238E27FC236}">
-                <a16:creationId xmlns:a16="http://schemas.microsoft.com/office/drawing/2014/main" id="{F101E0BF-8A68-40B9-BC26-35C299182F52}"/>
-              </a:ext>
-            </a:extLst>
-          </p:cNvPr>
-          <p:cNvSpPr/>
-          <p:nvPr/>
-        </p:nvSpPr>
-        <p:spPr>
-          <a:xfrm>
-            <a:off x="336776" y="1104608"/>
-            <a:ext cx="13909452" cy="1177249"/>
-          </a:xfrm>
-          <a:prstGeom prst="rect">
-            <a:avLst/>
-          </a:prstGeom>
-          <a:noFill/>
-        </p:spPr>
-        <p:txBody>
-          <a:bodyPr wrap="square" lIns="68584" tIns="34292" rIns="68584" bIns="34292">
-            <a:spAutoFit/>
-          </a:bodyPr>
-          <a:lstStyle/>
-          <a:p>
-            <a:pPr algn="ctr"/>
-            <a:r>
-              <a:rPr lang="pt-BR" sz="7200" dirty="0">
-                <a:ln w="0">
-                  <a:noFill/>
-                </a:ln>
-                <a:effectLst>
-                  <a:outerShdw blurRad="38100" dist="19050" dir="2700000" algn="tl" rotWithShape="0">
-                    <a:schemeClr val="dk1">
-                      <a:alpha val="40000"/>
-                    </a:schemeClr>
-                  </a:outerShdw>
-                </a:effectLst>
-                <a:latin typeface="Exo 2 Extra Bold" panose="00000900000000000000" pitchFamily="50" charset="0"/>
-              </a:rPr>
-              <a:t>MATA-MATA SÉRIE A 3</a:t>
-            </a:r>
-          </a:p>
-        </p:txBody>
-      </p:sp>
-      <p:pic>
-        <p:nvPicPr>
-          <p:cNvPr id="15" name="Imagem 14">
-            <a:extLst>
-              <a:ext uri="{FF2B5EF4-FFF2-40B4-BE49-F238E27FC236}">
-                <a16:creationId xmlns:a16="http://schemas.microsoft.com/office/drawing/2014/main" id="{780D6AE4-2B31-43CF-8A3B-9ACC73C32FE9}"/>
-              </a:ext>
-            </a:extLst>
-          </p:cNvPr>
-          <p:cNvPicPr>
-            <a:picLocks noChangeAspect="1"/>
-          </p:cNvPicPr>
-          <p:nvPr/>
-        </p:nvPicPr>
-        <p:blipFill>
-          <a:blip r:embed="rId4" cstate="hqprint">
-            <a:extLst>
-              <a:ext uri="{28A0092B-C50C-407E-A947-70E740481C1C}">
-                <a14:useLocalDpi xmlns:a14="http://schemas.microsoft.com/office/drawing/2010/main" val="0"/>
-              </a:ext>
-            </a:extLst>
-          </a:blip>
-          <a:stretch>
-            <a:fillRect/>
-          </a:stretch>
-        </p:blipFill>
-        <p:spPr>
-          <a:xfrm>
-            <a:off x="336776" y="194284"/>
-            <a:ext cx="2059134" cy="2160000"/>
-          </a:xfrm>
-          <a:prstGeom prst="rect">
-            <a:avLst/>
-          </a:prstGeom>
-        </p:spPr>
-      </p:pic>
-      <p:sp>
-        <p:nvSpPr>
-          <p:cNvPr id="10" name="Retângulo 9">
-            <a:extLst>
-              <a:ext uri="{FF2B5EF4-FFF2-40B4-BE49-F238E27FC236}">
-                <a16:creationId xmlns:a16="http://schemas.microsoft.com/office/drawing/2014/main" id="{838BDC98-3287-4575-8574-56F716FB2440}"/>
-              </a:ext>
-            </a:extLst>
-          </p:cNvPr>
-          <p:cNvSpPr/>
-          <p:nvPr/>
-        </p:nvSpPr>
-        <p:spPr>
-          <a:xfrm>
-            <a:off x="2888673" y="2227185"/>
-            <a:ext cx="8624453" cy="4212000"/>
-          </a:xfrm>
-          <a:prstGeom prst="rect">
-            <a:avLst/>
-          </a:prstGeom>
-          <a:solidFill>
-            <a:schemeClr val="tx1">
-              <a:alpha val="81000"/>
-            </a:schemeClr>
-          </a:solidFill>
-        </p:spPr>
-        <p:style>
-          <a:lnRef idx="2">
-            <a:schemeClr val="accent1">
-              <a:shade val="50000"/>
-            </a:schemeClr>
-          </a:lnRef>
-          <a:fillRef idx="1">
-            <a:schemeClr val="accent1"/>
-          </a:fillRef>
-          <a:effectRef idx="0">
-            <a:schemeClr val="accent1"/>
-          </a:effectRef>
-          <a:fontRef idx="minor">
-            <a:schemeClr val="lt1"/>
-          </a:fontRef>
-        </p:style>
-        <p:txBody>
-          <a:bodyPr rtlCol="0" anchor="ctr"/>
-          <a:lstStyle/>
-          <a:p>
-            <a:pPr algn="ctr"/>
-            <a:endParaRPr lang="pt-BR"/>
-          </a:p>
-        </p:txBody>
-      </p:sp>
-      <p:sp>
-        <p:nvSpPr>
-          <p:cNvPr id="21" name="Retângulo 20">
-            <a:extLst>
-              <a:ext uri="{FF2B5EF4-FFF2-40B4-BE49-F238E27FC236}">
-                <a16:creationId xmlns:a16="http://schemas.microsoft.com/office/drawing/2014/main" id="{95EDB8CB-8377-4925-B478-560C3F615037}"/>
-              </a:ext>
-            </a:extLst>
-          </p:cNvPr>
-          <p:cNvSpPr/>
-          <p:nvPr/>
-        </p:nvSpPr>
-        <p:spPr>
-          <a:xfrm>
-            <a:off x="2887087" y="6505978"/>
-            <a:ext cx="8624453" cy="4212000"/>
-          </a:xfrm>
-          <a:prstGeom prst="rect">
-            <a:avLst/>
-          </a:prstGeom>
-          <a:solidFill>
-            <a:schemeClr val="tx1">
-              <a:alpha val="81000"/>
-            </a:schemeClr>
-          </a:solidFill>
-        </p:spPr>
-        <p:style>
-          <a:lnRef idx="2">
-            <a:schemeClr val="accent1">
-              <a:shade val="50000"/>
-            </a:schemeClr>
-          </a:lnRef>
-          <a:fillRef idx="1">
-            <a:schemeClr val="accent1"/>
-          </a:fillRef>
-          <a:effectRef idx="0">
-            <a:schemeClr val="accent1"/>
-          </a:effectRef>
-          <a:fontRef idx="minor">
-            <a:schemeClr val="lt1"/>
-          </a:fontRef>
-        </p:style>
-        <p:txBody>
-          <a:bodyPr rtlCol="0" anchor="ctr"/>
-          <a:lstStyle/>
-          <a:p>
-            <a:pPr algn="ctr"/>
-            <a:endParaRPr lang="pt-BR"/>
-          </a:p>
-        </p:txBody>
-      </p:sp>
-      <p:sp>
-        <p:nvSpPr>
-          <p:cNvPr id="23" name="Retângulo 22">
-            <a:extLst>
-              <a:ext uri="{FF2B5EF4-FFF2-40B4-BE49-F238E27FC236}">
-                <a16:creationId xmlns:a16="http://schemas.microsoft.com/office/drawing/2014/main" id="{ED87CD67-A438-4F74-986A-3704AF997953}"/>
-              </a:ext>
-            </a:extLst>
-          </p:cNvPr>
-          <p:cNvSpPr/>
-          <p:nvPr/>
-        </p:nvSpPr>
-        <p:spPr>
-          <a:xfrm>
-            <a:off x="5308448" y="2179089"/>
-            <a:ext cx="3789504" cy="684807"/>
-          </a:xfrm>
-          <a:prstGeom prst="rect">
-            <a:avLst/>
-          </a:prstGeom>
-          <a:noFill/>
-        </p:spPr>
-        <p:txBody>
-          <a:bodyPr wrap="square" lIns="68584" tIns="34292" rIns="68584" bIns="34292">
-            <a:spAutoFit/>
-          </a:bodyPr>
-          <a:lstStyle/>
-          <a:p>
-            <a:pPr algn="ctr"/>
-            <a:r>
-              <a:rPr lang="pt-BR" sz="4000" dirty="0">
-                <a:ln w="0">
-                  <a:noFill/>
-                </a:ln>
-                <a:solidFill>
-                  <a:srgbClr val="0070C0"/>
-                </a:solidFill>
-                <a:effectLst>
-                  <a:outerShdw blurRad="38100" dist="19050" dir="2700000" algn="tl" rotWithShape="0">
-                    <a:schemeClr val="dk1">
-                      <a:alpha val="40000"/>
-                    </a:schemeClr>
-                  </a:outerShdw>
-                </a:effectLst>
-                <a:latin typeface="Exo 2 Extra Bold" panose="00000900000000000000" pitchFamily="50" charset="0"/>
-              </a:rPr>
-              <a:t>Chave 1</a:t>
-            </a:r>
-          </a:p>
-        </p:txBody>
-      </p:sp>
-      <p:sp>
-        <p:nvSpPr>
-          <p:cNvPr id="24" name="Retângulo 23">
-            <a:extLst>
-              <a:ext uri="{FF2B5EF4-FFF2-40B4-BE49-F238E27FC236}">
-                <a16:creationId xmlns:a16="http://schemas.microsoft.com/office/drawing/2014/main" id="{522A4ACC-EC27-4A14-BA66-B0EB03535C7B}"/>
-              </a:ext>
-            </a:extLst>
-          </p:cNvPr>
-          <p:cNvSpPr/>
-          <p:nvPr/>
-        </p:nvSpPr>
-        <p:spPr>
-          <a:xfrm>
-            <a:off x="5321993" y="6456434"/>
-            <a:ext cx="3789503" cy="684807"/>
-          </a:xfrm>
-          <a:prstGeom prst="rect">
-            <a:avLst/>
-          </a:prstGeom>
-          <a:noFill/>
-        </p:spPr>
-        <p:txBody>
-          <a:bodyPr wrap="square" lIns="68584" tIns="34292" rIns="68584" bIns="34292">
-            <a:spAutoFit/>
-          </a:bodyPr>
-          <a:lstStyle/>
-          <a:p>
-            <a:pPr algn="ctr"/>
-            <a:r>
-              <a:rPr lang="pt-BR" sz="4000" dirty="0">
-                <a:ln w="0">
-                  <a:noFill/>
-                </a:ln>
-                <a:solidFill>
-                  <a:srgbClr val="0070C0"/>
-                </a:solidFill>
-                <a:effectLst>
-                  <a:outerShdw blurRad="38100" dist="19050" dir="2700000" algn="tl" rotWithShape="0">
-                    <a:schemeClr val="dk1">
-                      <a:alpha val="40000"/>
-                    </a:schemeClr>
-                  </a:outerShdw>
-                </a:effectLst>
-                <a:latin typeface="Exo 2 Extra Bold" panose="00000900000000000000" pitchFamily="50" charset="0"/>
-              </a:rPr>
-              <a:t>Chave 2</a:t>
-            </a:r>
-          </a:p>
-        </p:txBody>
-      </p:sp>
-      <p:pic>
-        <p:nvPicPr>
-          <p:cNvPr id="4" name="Imagem 3">
-            <a:extLst>
-              <a:ext uri="{FF2B5EF4-FFF2-40B4-BE49-F238E27FC236}">
-                <a16:creationId xmlns:a16="http://schemas.microsoft.com/office/drawing/2014/main" id="{6775C613-3F7F-4D89-8BFB-5CB979B73AFD}"/>
-              </a:ext>
-            </a:extLst>
-          </p:cNvPr>
-          <p:cNvPicPr>
-            <a:picLocks noChangeAspect="1"/>
-          </p:cNvPicPr>
-          <p:nvPr/>
-        </p:nvPicPr>
-        <p:blipFill>
-          <a:blip r:embed="rId5"/>
-          <a:stretch>
-            <a:fillRect/>
-          </a:stretch>
-        </p:blipFill>
-        <p:spPr>
-          <a:xfrm>
-            <a:off x="3268658" y="2977242"/>
-            <a:ext cx="7920000" cy="3273293"/>
-          </a:xfrm>
-          <a:prstGeom prst="rect">
-            <a:avLst/>
-          </a:prstGeom>
-        </p:spPr>
-      </p:pic>
-      <p:pic>
-        <p:nvPicPr>
-          <p:cNvPr id="6" name="Imagem 5">
-            <a:extLst>
-              <a:ext uri="{FF2B5EF4-FFF2-40B4-BE49-F238E27FC236}">
-                <a16:creationId xmlns:a16="http://schemas.microsoft.com/office/drawing/2014/main" id="{F9D47498-7D0A-420F-8AA5-6E1F98C6DD0D}"/>
-              </a:ext>
-            </a:extLst>
-          </p:cNvPr>
-          <p:cNvPicPr>
-            <a:picLocks noChangeAspect="1"/>
-          </p:cNvPicPr>
-          <p:nvPr/>
-        </p:nvPicPr>
-        <p:blipFill>
-          <a:blip r:embed="rId6"/>
-          <a:stretch>
-            <a:fillRect/>
-          </a:stretch>
-        </p:blipFill>
-        <p:spPr>
-          <a:xfrm>
-            <a:off x="3267010" y="7190785"/>
-            <a:ext cx="7920000" cy="3273293"/>
-          </a:xfrm>
-          <a:prstGeom prst="rect">
-            <a:avLst/>
-          </a:prstGeom>
-        </p:spPr>
-      </p:pic>
-    </p:spTree>
-    <p:extLst>
-      <p:ext uri="{BB962C8B-B14F-4D97-AF65-F5344CB8AC3E}">
-        <p14:creationId xmlns:p14="http://schemas.microsoft.com/office/powerpoint/2010/main" val="1429784431"/>
-      </p:ext>
-    </p:extLst>
-  </p:cSld>
-  <p:clrMapOvr>
-    <a:masterClrMapping/>
-  </p:clrMapOvr>
-</p:sld>
-</file>
-
 <file path=ppt/slides/slide18.xml><?xml version="1.0" encoding="utf-8"?>
 <p:sld xmlns:a="http://schemas.openxmlformats.org/drawingml/2006/main" xmlns:r="http://schemas.openxmlformats.org/officeDocument/2006/relationships" xmlns:p="http://schemas.openxmlformats.org/presentationml/2006/main">
   <p:cSld>
@@ -9706,7 +9697,7 @@
                 </a:effectLst>
                 <a:latin typeface="Exo 2 Extra Bold" panose="00000900000000000000" pitchFamily="50" charset="0"/>
               </a:rPr>
-              <a:t>MATA-MATA SÉRIE B 6</a:t>
+              <a:t>MATA-MATA SÉRIE A 3</a:t>
             </a:r>
           </a:p>
         </p:txBody>
@@ -9956,7 +9947,7 @@
           <p:cNvPr id="4" name="Imagem 3">
             <a:extLst>
               <a:ext uri="{FF2B5EF4-FFF2-40B4-BE49-F238E27FC236}">
-                <a16:creationId xmlns:a16="http://schemas.microsoft.com/office/drawing/2014/main" id="{A16316D7-DAA0-48D2-997E-73F3743DB80A}"/>
+                <a16:creationId xmlns:a16="http://schemas.microsoft.com/office/drawing/2014/main" id="{6775C613-3F7F-4D89-8BFB-5CB979B73AFD}"/>
               </a:ext>
             </a:extLst>
           </p:cNvPr>
@@ -9973,8 +9964,8 @@
         </p:blipFill>
         <p:spPr>
           <a:xfrm>
-            <a:off x="3262371" y="2975284"/>
-            <a:ext cx="7920000" cy="3279323"/>
+            <a:off x="3268658" y="2977242"/>
+            <a:ext cx="7920000" cy="3273293"/>
           </a:xfrm>
           <a:prstGeom prst="rect">
             <a:avLst/>
@@ -9983,10 +9974,10 @@
       </p:pic>
       <p:pic>
         <p:nvPicPr>
-          <p:cNvPr id="7" name="Imagem 6">
-            <a:extLst>
-              <a:ext uri="{FF2B5EF4-FFF2-40B4-BE49-F238E27FC236}">
-                <a16:creationId xmlns:a16="http://schemas.microsoft.com/office/drawing/2014/main" id="{6B60DF42-4DD3-4163-A5FE-24F61BEEA86C}"/>
+          <p:cNvPr id="6" name="Imagem 5">
+            <a:extLst>
+              <a:ext uri="{FF2B5EF4-FFF2-40B4-BE49-F238E27FC236}">
+                <a16:creationId xmlns:a16="http://schemas.microsoft.com/office/drawing/2014/main" id="{F9D47498-7D0A-420F-8AA5-6E1F98C6DD0D}"/>
               </a:ext>
             </a:extLst>
           </p:cNvPr>
@@ -10003,8 +9994,8 @@
         </p:blipFill>
         <p:spPr>
           <a:xfrm>
-            <a:off x="3267895" y="7172112"/>
-            <a:ext cx="7920000" cy="3279323"/>
+            <a:off x="3267010" y="7190785"/>
+            <a:ext cx="7920000" cy="3273293"/>
           </a:xfrm>
           <a:prstGeom prst="rect">
             <a:avLst/>
@@ -10014,7 +10005,7 @@
     </p:spTree>
     <p:extLst>
       <p:ext uri="{BB962C8B-B14F-4D97-AF65-F5344CB8AC3E}">
-        <p14:creationId xmlns:p14="http://schemas.microsoft.com/office/powerpoint/2010/main" val="1630932964"/>
+        <p14:creationId xmlns:p14="http://schemas.microsoft.com/office/powerpoint/2010/main" val="1429784431"/>
       </p:ext>
     </p:extLst>
   </p:cSld>
@@ -10446,7 +10437,7 @@
                 </a:effectLst>
                 <a:latin typeface="Exo 2 Extra Bold" panose="00000900000000000000" pitchFamily="50" charset="0"/>
               </a:rPr>
-              <a:t>MATA-MATA SÉRIE C 6</a:t>
+              <a:t>MATA-MATA SÉRIE B 6</a:t>
             </a:r>
           </a:p>
         </p:txBody>
@@ -10693,10 +10684,10 @@
       </p:sp>
       <p:pic>
         <p:nvPicPr>
-          <p:cNvPr id="3" name="Imagem 2">
-            <a:extLst>
-              <a:ext uri="{FF2B5EF4-FFF2-40B4-BE49-F238E27FC236}">
-                <a16:creationId xmlns:a16="http://schemas.microsoft.com/office/drawing/2014/main" id="{C74C6DE1-55E0-4D93-8179-2E84A9E04131}"/>
+          <p:cNvPr id="4" name="Imagem 3">
+            <a:extLst>
+              <a:ext uri="{FF2B5EF4-FFF2-40B4-BE49-F238E27FC236}">
+                <a16:creationId xmlns:a16="http://schemas.microsoft.com/office/drawing/2014/main" id="{A16316D7-DAA0-48D2-997E-73F3743DB80A}"/>
               </a:ext>
             </a:extLst>
           </p:cNvPr>
@@ -10713,7 +10704,7 @@
         </p:blipFill>
         <p:spPr>
           <a:xfrm>
-            <a:off x="3253071" y="2996440"/>
+            <a:off x="3262371" y="2975284"/>
             <a:ext cx="7920000" cy="3279323"/>
           </a:xfrm>
           <a:prstGeom prst="rect">
@@ -10723,10 +10714,10 @@
       </p:pic>
       <p:pic>
         <p:nvPicPr>
-          <p:cNvPr id="6" name="Imagem 5">
-            <a:extLst>
-              <a:ext uri="{FF2B5EF4-FFF2-40B4-BE49-F238E27FC236}">
-                <a16:creationId xmlns:a16="http://schemas.microsoft.com/office/drawing/2014/main" id="{4C4FD30C-2901-4700-B686-4219F0A5E789}"/>
+          <p:cNvPr id="7" name="Imagem 6">
+            <a:extLst>
+              <a:ext uri="{FF2B5EF4-FFF2-40B4-BE49-F238E27FC236}">
+                <a16:creationId xmlns:a16="http://schemas.microsoft.com/office/drawing/2014/main" id="{6B60DF42-4DD3-4163-A5FE-24F61BEEA86C}"/>
               </a:ext>
             </a:extLst>
           </p:cNvPr>
@@ -10743,7 +10734,7 @@
         </p:blipFill>
         <p:spPr>
           <a:xfrm>
-            <a:off x="3253071" y="7198946"/>
+            <a:off x="3267895" y="7172112"/>
             <a:ext cx="7920000" cy="3279323"/>
           </a:xfrm>
           <a:prstGeom prst="rect">
@@ -10754,7 +10745,7 @@
     </p:spTree>
     <p:extLst>
       <p:ext uri="{BB962C8B-B14F-4D97-AF65-F5344CB8AC3E}">
-        <p14:creationId xmlns:p14="http://schemas.microsoft.com/office/powerpoint/2010/main" val="752585137"/>
+        <p14:creationId xmlns:p14="http://schemas.microsoft.com/office/powerpoint/2010/main" val="1630932964"/>
       </p:ext>
     </p:extLst>
   </p:cSld>
@@ -11656,6 +11647,746 @@
       </p:pic>
       <p:sp>
         <p:nvSpPr>
+          <p:cNvPr id="50" name="Retângulo 49">
+            <a:extLst>
+              <a:ext uri="{FF2B5EF4-FFF2-40B4-BE49-F238E27FC236}">
+                <a16:creationId xmlns:a16="http://schemas.microsoft.com/office/drawing/2014/main" id="{50614AED-75DE-4550-9029-54313F89BD12}"/>
+              </a:ext>
+            </a:extLst>
+          </p:cNvPr>
+          <p:cNvSpPr/>
+          <p:nvPr/>
+        </p:nvSpPr>
+        <p:spPr>
+          <a:xfrm>
+            <a:off x="3186646" y="311571"/>
+            <a:ext cx="8052791" cy="992583"/>
+          </a:xfrm>
+          <a:prstGeom prst="rect">
+            <a:avLst/>
+          </a:prstGeom>
+          <a:noFill/>
+        </p:spPr>
+        <p:txBody>
+          <a:bodyPr wrap="square" lIns="68584" tIns="34292" rIns="68584" bIns="34292">
+            <a:spAutoFit/>
+          </a:bodyPr>
+          <a:lstStyle/>
+          <a:p>
+            <a:pPr algn="ctr"/>
+            <a:r>
+              <a:rPr lang="pt-BR" sz="6000" dirty="0">
+                <a:ln w="38100">
+                  <a:solidFill>
+                    <a:schemeClr val="bg1"/>
+                  </a:solidFill>
+                </a:ln>
+                <a:solidFill>
+                  <a:srgbClr val="00B050"/>
+                </a:solidFill>
+                <a:effectLst>
+                  <a:outerShdw blurRad="38100" dist="19050" dir="2700000" algn="tl" rotWithShape="0">
+                    <a:schemeClr val="dk1">
+                      <a:alpha val="40000"/>
+                    </a:schemeClr>
+                  </a:outerShdw>
+                </a:effectLst>
+                <a:latin typeface="Exo 2 Extra Bold" panose="00000900000000000000" pitchFamily="50" charset="0"/>
+              </a:rPr>
+              <a:t>Liga Principal</a:t>
+            </a:r>
+          </a:p>
+        </p:txBody>
+      </p:sp>
+      <p:sp>
+        <p:nvSpPr>
+          <p:cNvPr id="53" name="Retângulo 52">
+            <a:extLst>
+              <a:ext uri="{FF2B5EF4-FFF2-40B4-BE49-F238E27FC236}">
+                <a16:creationId xmlns:a16="http://schemas.microsoft.com/office/drawing/2014/main" id="{F101E0BF-8A68-40B9-BC26-35C299182F52}"/>
+              </a:ext>
+            </a:extLst>
+          </p:cNvPr>
+          <p:cNvSpPr/>
+          <p:nvPr/>
+        </p:nvSpPr>
+        <p:spPr>
+          <a:xfrm>
+            <a:off x="336776" y="1104608"/>
+            <a:ext cx="13909452" cy="1177249"/>
+          </a:xfrm>
+          <a:prstGeom prst="rect">
+            <a:avLst/>
+          </a:prstGeom>
+          <a:noFill/>
+        </p:spPr>
+        <p:txBody>
+          <a:bodyPr wrap="square" lIns="68584" tIns="34292" rIns="68584" bIns="34292">
+            <a:spAutoFit/>
+          </a:bodyPr>
+          <a:lstStyle/>
+          <a:p>
+            <a:pPr algn="ctr"/>
+            <a:r>
+              <a:rPr lang="pt-BR" sz="7200" dirty="0">
+                <a:ln w="0">
+                  <a:noFill/>
+                </a:ln>
+                <a:effectLst>
+                  <a:outerShdw blurRad="38100" dist="19050" dir="2700000" algn="tl" rotWithShape="0">
+                    <a:schemeClr val="dk1">
+                      <a:alpha val="40000"/>
+                    </a:schemeClr>
+                  </a:outerShdw>
+                </a:effectLst>
+                <a:latin typeface="Exo 2 Extra Bold" panose="00000900000000000000" pitchFamily="50" charset="0"/>
+              </a:rPr>
+              <a:t>MATA-MATA SÉRIE C 6</a:t>
+            </a:r>
+          </a:p>
+        </p:txBody>
+      </p:sp>
+      <p:pic>
+        <p:nvPicPr>
+          <p:cNvPr id="15" name="Imagem 14">
+            <a:extLst>
+              <a:ext uri="{FF2B5EF4-FFF2-40B4-BE49-F238E27FC236}">
+                <a16:creationId xmlns:a16="http://schemas.microsoft.com/office/drawing/2014/main" id="{780D6AE4-2B31-43CF-8A3B-9ACC73C32FE9}"/>
+              </a:ext>
+            </a:extLst>
+          </p:cNvPr>
+          <p:cNvPicPr>
+            <a:picLocks noChangeAspect="1"/>
+          </p:cNvPicPr>
+          <p:nvPr/>
+        </p:nvPicPr>
+        <p:blipFill>
+          <a:blip r:embed="rId4" cstate="hqprint">
+            <a:extLst>
+              <a:ext uri="{28A0092B-C50C-407E-A947-70E740481C1C}">
+                <a14:useLocalDpi xmlns:a14="http://schemas.microsoft.com/office/drawing/2010/main" val="0"/>
+              </a:ext>
+            </a:extLst>
+          </a:blip>
+          <a:stretch>
+            <a:fillRect/>
+          </a:stretch>
+        </p:blipFill>
+        <p:spPr>
+          <a:xfrm>
+            <a:off x="336776" y="194284"/>
+            <a:ext cx="2059134" cy="2160000"/>
+          </a:xfrm>
+          <a:prstGeom prst="rect">
+            <a:avLst/>
+          </a:prstGeom>
+        </p:spPr>
+      </p:pic>
+      <p:sp>
+        <p:nvSpPr>
+          <p:cNvPr id="10" name="Retângulo 9">
+            <a:extLst>
+              <a:ext uri="{FF2B5EF4-FFF2-40B4-BE49-F238E27FC236}">
+                <a16:creationId xmlns:a16="http://schemas.microsoft.com/office/drawing/2014/main" id="{838BDC98-3287-4575-8574-56F716FB2440}"/>
+              </a:ext>
+            </a:extLst>
+          </p:cNvPr>
+          <p:cNvSpPr/>
+          <p:nvPr/>
+        </p:nvSpPr>
+        <p:spPr>
+          <a:xfrm>
+            <a:off x="2888673" y="2227185"/>
+            <a:ext cx="8624453" cy="4212000"/>
+          </a:xfrm>
+          <a:prstGeom prst="rect">
+            <a:avLst/>
+          </a:prstGeom>
+          <a:solidFill>
+            <a:schemeClr val="tx1">
+              <a:alpha val="81000"/>
+            </a:schemeClr>
+          </a:solidFill>
+        </p:spPr>
+        <p:style>
+          <a:lnRef idx="2">
+            <a:schemeClr val="accent1">
+              <a:shade val="50000"/>
+            </a:schemeClr>
+          </a:lnRef>
+          <a:fillRef idx="1">
+            <a:schemeClr val="accent1"/>
+          </a:fillRef>
+          <a:effectRef idx="0">
+            <a:schemeClr val="accent1"/>
+          </a:effectRef>
+          <a:fontRef idx="minor">
+            <a:schemeClr val="lt1"/>
+          </a:fontRef>
+        </p:style>
+        <p:txBody>
+          <a:bodyPr rtlCol="0" anchor="ctr"/>
+          <a:lstStyle/>
+          <a:p>
+            <a:pPr algn="ctr"/>
+            <a:endParaRPr lang="pt-BR"/>
+          </a:p>
+        </p:txBody>
+      </p:sp>
+      <p:sp>
+        <p:nvSpPr>
+          <p:cNvPr id="21" name="Retângulo 20">
+            <a:extLst>
+              <a:ext uri="{FF2B5EF4-FFF2-40B4-BE49-F238E27FC236}">
+                <a16:creationId xmlns:a16="http://schemas.microsoft.com/office/drawing/2014/main" id="{95EDB8CB-8377-4925-B478-560C3F615037}"/>
+              </a:ext>
+            </a:extLst>
+          </p:cNvPr>
+          <p:cNvSpPr/>
+          <p:nvPr/>
+        </p:nvSpPr>
+        <p:spPr>
+          <a:xfrm>
+            <a:off x="2887087" y="6505978"/>
+            <a:ext cx="8624453" cy="4212000"/>
+          </a:xfrm>
+          <a:prstGeom prst="rect">
+            <a:avLst/>
+          </a:prstGeom>
+          <a:solidFill>
+            <a:schemeClr val="tx1">
+              <a:alpha val="81000"/>
+            </a:schemeClr>
+          </a:solidFill>
+        </p:spPr>
+        <p:style>
+          <a:lnRef idx="2">
+            <a:schemeClr val="accent1">
+              <a:shade val="50000"/>
+            </a:schemeClr>
+          </a:lnRef>
+          <a:fillRef idx="1">
+            <a:schemeClr val="accent1"/>
+          </a:fillRef>
+          <a:effectRef idx="0">
+            <a:schemeClr val="accent1"/>
+          </a:effectRef>
+          <a:fontRef idx="minor">
+            <a:schemeClr val="lt1"/>
+          </a:fontRef>
+        </p:style>
+        <p:txBody>
+          <a:bodyPr rtlCol="0" anchor="ctr"/>
+          <a:lstStyle/>
+          <a:p>
+            <a:pPr algn="ctr"/>
+            <a:endParaRPr lang="pt-BR"/>
+          </a:p>
+        </p:txBody>
+      </p:sp>
+      <p:sp>
+        <p:nvSpPr>
+          <p:cNvPr id="23" name="Retângulo 22">
+            <a:extLst>
+              <a:ext uri="{FF2B5EF4-FFF2-40B4-BE49-F238E27FC236}">
+                <a16:creationId xmlns:a16="http://schemas.microsoft.com/office/drawing/2014/main" id="{ED87CD67-A438-4F74-986A-3704AF997953}"/>
+              </a:ext>
+            </a:extLst>
+          </p:cNvPr>
+          <p:cNvSpPr/>
+          <p:nvPr/>
+        </p:nvSpPr>
+        <p:spPr>
+          <a:xfrm>
+            <a:off x="5308448" y="2179089"/>
+            <a:ext cx="3789504" cy="684807"/>
+          </a:xfrm>
+          <a:prstGeom prst="rect">
+            <a:avLst/>
+          </a:prstGeom>
+          <a:noFill/>
+        </p:spPr>
+        <p:txBody>
+          <a:bodyPr wrap="square" lIns="68584" tIns="34292" rIns="68584" bIns="34292">
+            <a:spAutoFit/>
+          </a:bodyPr>
+          <a:lstStyle/>
+          <a:p>
+            <a:pPr algn="ctr"/>
+            <a:r>
+              <a:rPr lang="pt-BR" sz="4000" dirty="0">
+                <a:ln w="0">
+                  <a:noFill/>
+                </a:ln>
+                <a:solidFill>
+                  <a:srgbClr val="0070C0"/>
+                </a:solidFill>
+                <a:effectLst>
+                  <a:outerShdw blurRad="38100" dist="19050" dir="2700000" algn="tl" rotWithShape="0">
+                    <a:schemeClr val="dk1">
+                      <a:alpha val="40000"/>
+                    </a:schemeClr>
+                  </a:outerShdw>
+                </a:effectLst>
+                <a:latin typeface="Exo 2 Extra Bold" panose="00000900000000000000" pitchFamily="50" charset="0"/>
+              </a:rPr>
+              <a:t>Chave 1</a:t>
+            </a:r>
+          </a:p>
+        </p:txBody>
+      </p:sp>
+      <p:sp>
+        <p:nvSpPr>
+          <p:cNvPr id="24" name="Retângulo 23">
+            <a:extLst>
+              <a:ext uri="{FF2B5EF4-FFF2-40B4-BE49-F238E27FC236}">
+                <a16:creationId xmlns:a16="http://schemas.microsoft.com/office/drawing/2014/main" id="{522A4ACC-EC27-4A14-BA66-B0EB03535C7B}"/>
+              </a:ext>
+            </a:extLst>
+          </p:cNvPr>
+          <p:cNvSpPr/>
+          <p:nvPr/>
+        </p:nvSpPr>
+        <p:spPr>
+          <a:xfrm>
+            <a:off x="5321993" y="6456434"/>
+            <a:ext cx="3789503" cy="684807"/>
+          </a:xfrm>
+          <a:prstGeom prst="rect">
+            <a:avLst/>
+          </a:prstGeom>
+          <a:noFill/>
+        </p:spPr>
+        <p:txBody>
+          <a:bodyPr wrap="square" lIns="68584" tIns="34292" rIns="68584" bIns="34292">
+            <a:spAutoFit/>
+          </a:bodyPr>
+          <a:lstStyle/>
+          <a:p>
+            <a:pPr algn="ctr"/>
+            <a:r>
+              <a:rPr lang="pt-BR" sz="4000" dirty="0">
+                <a:ln w="0">
+                  <a:noFill/>
+                </a:ln>
+                <a:solidFill>
+                  <a:srgbClr val="0070C0"/>
+                </a:solidFill>
+                <a:effectLst>
+                  <a:outerShdw blurRad="38100" dist="19050" dir="2700000" algn="tl" rotWithShape="0">
+                    <a:schemeClr val="dk1">
+                      <a:alpha val="40000"/>
+                    </a:schemeClr>
+                  </a:outerShdw>
+                </a:effectLst>
+                <a:latin typeface="Exo 2 Extra Bold" panose="00000900000000000000" pitchFamily="50" charset="0"/>
+              </a:rPr>
+              <a:t>Chave 2</a:t>
+            </a:r>
+          </a:p>
+        </p:txBody>
+      </p:sp>
+      <p:pic>
+        <p:nvPicPr>
+          <p:cNvPr id="3" name="Imagem 2">
+            <a:extLst>
+              <a:ext uri="{FF2B5EF4-FFF2-40B4-BE49-F238E27FC236}">
+                <a16:creationId xmlns:a16="http://schemas.microsoft.com/office/drawing/2014/main" id="{C74C6DE1-55E0-4D93-8179-2E84A9E04131}"/>
+              </a:ext>
+            </a:extLst>
+          </p:cNvPr>
+          <p:cNvPicPr>
+            <a:picLocks noChangeAspect="1"/>
+          </p:cNvPicPr>
+          <p:nvPr/>
+        </p:nvPicPr>
+        <p:blipFill>
+          <a:blip r:embed="rId5"/>
+          <a:stretch>
+            <a:fillRect/>
+          </a:stretch>
+        </p:blipFill>
+        <p:spPr>
+          <a:xfrm>
+            <a:off x="3253071" y="2996440"/>
+            <a:ext cx="7920000" cy="3279323"/>
+          </a:xfrm>
+          <a:prstGeom prst="rect">
+            <a:avLst/>
+          </a:prstGeom>
+        </p:spPr>
+      </p:pic>
+      <p:pic>
+        <p:nvPicPr>
+          <p:cNvPr id="6" name="Imagem 5">
+            <a:extLst>
+              <a:ext uri="{FF2B5EF4-FFF2-40B4-BE49-F238E27FC236}">
+                <a16:creationId xmlns:a16="http://schemas.microsoft.com/office/drawing/2014/main" id="{4C4FD30C-2901-4700-B686-4219F0A5E789}"/>
+              </a:ext>
+            </a:extLst>
+          </p:cNvPr>
+          <p:cNvPicPr>
+            <a:picLocks noChangeAspect="1"/>
+          </p:cNvPicPr>
+          <p:nvPr/>
+        </p:nvPicPr>
+        <p:blipFill>
+          <a:blip r:embed="rId6"/>
+          <a:stretch>
+            <a:fillRect/>
+          </a:stretch>
+        </p:blipFill>
+        <p:spPr>
+          <a:xfrm>
+            <a:off x="3253071" y="7198946"/>
+            <a:ext cx="7920000" cy="3279323"/>
+          </a:xfrm>
+          <a:prstGeom prst="rect">
+            <a:avLst/>
+          </a:prstGeom>
+        </p:spPr>
+      </p:pic>
+    </p:spTree>
+    <p:extLst>
+      <p:ext uri="{BB962C8B-B14F-4D97-AF65-F5344CB8AC3E}">
+        <p14:creationId xmlns:p14="http://schemas.microsoft.com/office/powerpoint/2010/main" val="752585137"/>
+      </p:ext>
+    </p:extLst>
+  </p:cSld>
+  <p:clrMapOvr>
+    <a:masterClrMapping/>
+  </p:clrMapOvr>
+</p:sld>
+</file>
+
+<file path=ppt/slides/slide21.xml><?xml version="1.0" encoding="utf-8"?>
+<p:sld xmlns:a="http://schemas.openxmlformats.org/drawingml/2006/main" xmlns:r="http://schemas.openxmlformats.org/officeDocument/2006/relationships" xmlns:p="http://schemas.openxmlformats.org/presentationml/2006/main">
+  <p:cSld>
+    <p:bg>
+      <p:bgPr>
+        <a:solidFill>
+          <a:schemeClr val="bg1"/>
+        </a:solidFill>
+        <a:effectLst/>
+      </p:bgPr>
+    </p:bg>
+    <p:spTree>
+      <p:nvGrpSpPr>
+        <p:cNvPr id="1" name=""/>
+        <p:cNvGrpSpPr/>
+        <p:nvPr/>
+      </p:nvGrpSpPr>
+      <p:grpSpPr>
+        <a:xfrm>
+          <a:off x="0" y="0"/>
+          <a:ext cx="0" cy="0"/>
+          <a:chOff x="0" y="0"/>
+          <a:chExt cx="0" cy="0"/>
+        </a:xfrm>
+      </p:grpSpPr>
+      <p:sp>
+        <p:nvSpPr>
+          <p:cNvPr id="13" name="Rectangle 9">
+            <a:extLst>
+              <a:ext uri="{FF2B5EF4-FFF2-40B4-BE49-F238E27FC236}">
+                <a16:creationId xmlns:a16="http://schemas.microsoft.com/office/drawing/2014/main" id="{0BABF38A-8A0D-492E-BD20-6CF4D46B50BD}"/>
+              </a:ext>
+              <a:ext uri="{C183D7F6-B498-43B3-948B-1728B52AA6E4}">
+                <adec:decorative xmlns:adec="http://schemas.microsoft.com/office/drawing/2017/decorative" val="1"/>
+              </a:ext>
+            </a:extLst>
+          </p:cNvPr>
+          <p:cNvSpPr>
+            <a:spLocks noGrp="1" noRot="1" noChangeAspect="1" noMove="1" noResize="1" noEditPoints="1" noAdjustHandles="1" noChangeArrowheads="1" noChangeShapeType="1" noTextEdit="1"/>
+          </p:cNvSpPr>
+          <p:nvPr>
+            <p:extLst>
+              <p:ext uri="{386F3935-93C4-4BCD-93E2-E3B085C9AB24}">
+                <p16:designElem xmlns:p16="http://schemas.microsoft.com/office/powerpoint/2015/main" val="1"/>
+              </p:ext>
+            </p:extLst>
+          </p:nvPr>
+        </p:nvSpPr>
+        <p:spPr>
+          <a:xfrm>
+            <a:off x="3149972" y="3121681"/>
+            <a:ext cx="8100269" cy="4556404"/>
+          </a:xfrm>
+          <a:prstGeom prst="rect">
+            <a:avLst/>
+          </a:prstGeom>
+          <a:solidFill>
+            <a:schemeClr val="bg2">
+              <a:lumMod val="90000"/>
+              <a:alpha val="70000"/>
+            </a:schemeClr>
+          </a:solidFill>
+          <a:ln>
+            <a:noFill/>
+          </a:ln>
+        </p:spPr>
+        <p:style>
+          <a:lnRef idx="2">
+            <a:schemeClr val="accent1">
+              <a:shade val="50000"/>
+            </a:schemeClr>
+          </a:lnRef>
+          <a:fillRef idx="1">
+            <a:schemeClr val="accent1"/>
+          </a:fillRef>
+          <a:effectRef idx="0">
+            <a:schemeClr val="accent1"/>
+          </a:effectRef>
+          <a:fontRef idx="minor">
+            <a:schemeClr val="lt1"/>
+          </a:fontRef>
+        </p:style>
+        <p:txBody>
+          <a:bodyPr rtlCol="0" anchor="ctr"/>
+          <a:lstStyle/>
+          <a:p>
+            <a:pPr algn="ctr">
+              <a:defRPr/>
+            </a:pPr>
+            <a:endParaRPr lang="en-US" sz="1196" dirty="0">
+              <a:solidFill>
+                <a:prstClr val="black">
+                  <a:lumMod val="65000"/>
+                  <a:lumOff val="35000"/>
+                </a:prstClr>
+              </a:solidFill>
+              <a:latin typeface="AvenirNext LT Pro Medium" panose="020B0504020202020204" pitchFamily="34" charset="0"/>
+            </a:endParaRPr>
+          </a:p>
+        </p:txBody>
+      </p:sp>
+      <p:pic>
+        <p:nvPicPr>
+          <p:cNvPr id="12" name="Picture 11">
+            <a:extLst>
+              <a:ext uri="{FF2B5EF4-FFF2-40B4-BE49-F238E27FC236}">
+                <a16:creationId xmlns:a16="http://schemas.microsoft.com/office/drawing/2014/main" id="{BC526B7A-4801-4FD1-95C8-03AF22629E87}"/>
+              </a:ext>
+              <a:ext uri="{C183D7F6-B498-43B3-948B-1728B52AA6E4}">
+                <adec:decorative xmlns:adec="http://schemas.microsoft.com/office/drawing/2017/decorative" val="1"/>
+              </a:ext>
+            </a:extLst>
+          </p:cNvPr>
+          <p:cNvPicPr>
+            <a:picLocks noGrp="1" noRot="1" noChangeAspect="1" noMove="1" noResize="1" noEditPoints="1" noAdjustHandles="1" noChangeArrowheads="1" noChangeShapeType="1" noCrop="1"/>
+          </p:cNvPicPr>
+          <p:nvPr>
+            <p:extLst>
+              <p:ext uri="{386F3935-93C4-4BCD-93E2-E3B085C9AB24}">
+                <p16:designElem xmlns:p16="http://schemas.microsoft.com/office/powerpoint/2015/main" val="1"/>
+              </p:ext>
+            </p:extLst>
+          </p:nvPr>
+        </p:nvPicPr>
+        <p:blipFill>
+          <a:blip r:embed="rId2">
+            <a:alphaModFix amt="10000"/>
+            <a:extLst>
+              <a:ext uri="{28A0092B-C50C-407E-A947-70E740481C1C}">
+                <a14:useLocalDpi xmlns:a14="http://schemas.microsoft.com/office/drawing/2010/main" val="0"/>
+              </a:ext>
+            </a:extLst>
+          </a:blip>
+          <a:stretch>
+            <a:fillRect/>
+          </a:stretch>
+        </p:blipFill>
+        <p:spPr>
+          <a:xfrm>
+            <a:off x="8820159" y="3121682"/>
+            <a:ext cx="2428095" cy="3039825"/>
+          </a:xfrm>
+          <a:prstGeom prst="rect">
+            <a:avLst/>
+          </a:prstGeom>
+        </p:spPr>
+      </p:pic>
+      <p:sp useBgFill="1">
+        <p:nvSpPr>
+          <p:cNvPr id="14" name="Rectangle 13">
+            <a:extLst>
+              <a:ext uri="{FF2B5EF4-FFF2-40B4-BE49-F238E27FC236}">
+                <a16:creationId xmlns:a16="http://schemas.microsoft.com/office/drawing/2014/main" id="{37FDDF72-DE39-4F99-A3C1-DD9D7815D7DB}"/>
+              </a:ext>
+              <a:ext uri="{C183D7F6-B498-43B3-948B-1728B52AA6E4}">
+                <adec:decorative xmlns:adec="http://schemas.microsoft.com/office/drawing/2017/decorative" val="1"/>
+              </a:ext>
+            </a:extLst>
+          </p:cNvPr>
+          <p:cNvSpPr>
+            <a:spLocks noGrp="1" noRot="1" noChangeAspect="1" noMove="1" noResize="1" noEditPoints="1" noAdjustHandles="1" noChangeArrowheads="1" noChangeShapeType="1" noTextEdit="1"/>
+          </p:cNvSpPr>
+          <p:nvPr>
+            <p:extLst>
+              <p:ext uri="{386F3935-93C4-4BCD-93E2-E3B085C9AB24}">
+                <p16:designElem xmlns:p16="http://schemas.microsoft.com/office/powerpoint/2015/main" val="1"/>
+              </p:ext>
+            </p:extLst>
+          </p:nvPr>
+        </p:nvSpPr>
+        <p:spPr>
+          <a:xfrm>
+            <a:off x="3149972" y="3121681"/>
+            <a:ext cx="8100269" cy="4556401"/>
+          </a:xfrm>
+          <a:prstGeom prst="rect">
+            <a:avLst/>
+          </a:prstGeom>
+          <a:ln>
+            <a:noFill/>
+          </a:ln>
+        </p:spPr>
+        <p:style>
+          <a:lnRef idx="2">
+            <a:schemeClr val="accent1">
+              <a:shade val="50000"/>
+            </a:schemeClr>
+          </a:lnRef>
+          <a:fillRef idx="1">
+            <a:schemeClr val="accent1"/>
+          </a:fillRef>
+          <a:effectRef idx="0">
+            <a:schemeClr val="accent1"/>
+          </a:effectRef>
+          <a:fontRef idx="minor">
+            <a:schemeClr val="lt1"/>
+          </a:fontRef>
+        </p:style>
+        <p:txBody>
+          <a:bodyPr rtlCol="0" anchor="ctr"/>
+          <a:lstStyle/>
+          <a:p>
+            <a:pPr algn="ctr">
+              <a:defRPr/>
+            </a:pPr>
+            <a:endParaRPr lang="en-US" sz="1196" dirty="0">
+              <a:solidFill>
+                <a:prstClr val="black">
+                  <a:lumMod val="65000"/>
+                  <a:lumOff val="35000"/>
+                </a:prstClr>
+              </a:solidFill>
+              <a:latin typeface="AvenirNext LT Pro Medium" panose="020B0504020202020204" pitchFamily="34" charset="0"/>
+            </a:endParaRPr>
+          </a:p>
+        </p:txBody>
+      </p:sp>
+      <p:sp>
+        <p:nvSpPr>
+          <p:cNvPr id="16" name="Rectangle 15">
+            <a:extLst>
+              <a:ext uri="{FF2B5EF4-FFF2-40B4-BE49-F238E27FC236}">
+                <a16:creationId xmlns:a16="http://schemas.microsoft.com/office/drawing/2014/main" id="{5E4ECE80-3AD1-450C-B62A-98788F193948}"/>
+              </a:ext>
+              <a:ext uri="{C183D7F6-B498-43B3-948B-1728B52AA6E4}">
+                <adec:decorative xmlns:adec="http://schemas.microsoft.com/office/drawing/2017/decorative" val="1"/>
+              </a:ext>
+            </a:extLst>
+          </p:cNvPr>
+          <p:cNvSpPr>
+            <a:spLocks noGrp="1" noRot="1" noChangeAspect="1" noMove="1" noResize="1" noEditPoints="1" noAdjustHandles="1" noChangeArrowheads="1" noChangeShapeType="1" noTextEdit="1"/>
+          </p:cNvSpPr>
+          <p:nvPr>
+            <p:extLst>
+              <p:ext uri="{386F3935-93C4-4BCD-93E2-E3B085C9AB24}">
+                <p16:designElem xmlns:p16="http://schemas.microsoft.com/office/powerpoint/2015/main" val="1"/>
+              </p:ext>
+            </p:extLst>
+          </p:nvPr>
+        </p:nvSpPr>
+        <p:spPr>
+          <a:xfrm>
+            <a:off x="3149972" y="3121681"/>
+            <a:ext cx="8100269" cy="4556401"/>
+          </a:xfrm>
+          <a:prstGeom prst="rect">
+            <a:avLst/>
+          </a:prstGeom>
+          <a:solidFill>
+            <a:srgbClr val="000000"/>
+          </a:solidFill>
+          <a:ln>
+            <a:noFill/>
+          </a:ln>
+        </p:spPr>
+        <p:style>
+          <a:lnRef idx="2">
+            <a:schemeClr val="accent1">
+              <a:shade val="50000"/>
+            </a:schemeClr>
+          </a:lnRef>
+          <a:fillRef idx="1">
+            <a:schemeClr val="accent1"/>
+          </a:fillRef>
+          <a:effectRef idx="0">
+            <a:schemeClr val="accent1"/>
+          </a:effectRef>
+          <a:fontRef idx="minor">
+            <a:schemeClr val="lt1"/>
+          </a:fontRef>
+        </p:style>
+        <p:txBody>
+          <a:bodyPr rtlCol="0" anchor="ctr"/>
+          <a:lstStyle/>
+          <a:p>
+            <a:pPr algn="ctr">
+              <a:defRPr/>
+            </a:pPr>
+            <a:endParaRPr lang="en-US" sz="1196" dirty="0">
+              <a:solidFill>
+                <a:prstClr val="black">
+                  <a:lumMod val="65000"/>
+                  <a:lumOff val="35000"/>
+                </a:prstClr>
+              </a:solidFill>
+              <a:latin typeface="AvenirNext LT Pro Medium" panose="020B0504020202020204" pitchFamily="34" charset="0"/>
+            </a:endParaRPr>
+          </a:p>
+        </p:txBody>
+      </p:sp>
+      <p:pic>
+        <p:nvPicPr>
+          <p:cNvPr id="5" name="Imagem 4">
+            <a:extLst>
+              <a:ext uri="{FF2B5EF4-FFF2-40B4-BE49-F238E27FC236}">
+                <a16:creationId xmlns:a16="http://schemas.microsoft.com/office/drawing/2014/main" id="{F1433EF1-FB6D-4913-96C9-08F0B1B3CA7A}"/>
+              </a:ext>
+            </a:extLst>
+          </p:cNvPr>
+          <p:cNvPicPr>
+            <a:picLocks noChangeAspect="1"/>
+          </p:cNvPicPr>
+          <p:nvPr/>
+        </p:nvPicPr>
+        <p:blipFill rotWithShape="1">
+          <a:blip r:embed="rId3">
+            <a:alphaModFix/>
+            <a:extLst>
+              <a:ext uri="{28A0092B-C50C-407E-A947-70E740481C1C}">
+                <a14:useLocalDpi xmlns:a14="http://schemas.microsoft.com/office/drawing/2010/main" val="0"/>
+              </a:ext>
+            </a:extLst>
+          </a:blip>
+          <a:srcRect l="5233" t="-2125" r="6244" b="-538"/>
+          <a:stretch/>
+        </p:blipFill>
+        <p:spPr>
+          <a:xfrm>
+            <a:off x="-1" y="-248909"/>
+            <a:ext cx="14400213" cy="11147555"/>
+          </a:xfrm>
+          <a:prstGeom prst="rect">
+            <a:avLst/>
+          </a:prstGeom>
+        </p:spPr>
+      </p:pic>
+      <p:sp>
+        <p:nvSpPr>
           <p:cNvPr id="10" name="Retângulo 9">
             <a:extLst>
               <a:ext uri="{FF2B5EF4-FFF2-40B4-BE49-F238E27FC236}">
@@ -12034,878 +12765,6 @@
 </p:sld>
 </file>
 
-<file path=ppt/slides/slide21.xml><?xml version="1.0" encoding="utf-8"?>
-<p:sld xmlns:a="http://schemas.openxmlformats.org/drawingml/2006/main" xmlns:r="http://schemas.openxmlformats.org/officeDocument/2006/relationships" xmlns:p="http://schemas.openxmlformats.org/presentationml/2006/main">
-  <p:cSld>
-    <p:bg>
-      <p:bgPr>
-        <a:solidFill>
-          <a:schemeClr val="bg1"/>
-        </a:solidFill>
-        <a:effectLst/>
-      </p:bgPr>
-    </p:bg>
-    <p:spTree>
-      <p:nvGrpSpPr>
-        <p:cNvPr id="1" name=""/>
-        <p:cNvGrpSpPr/>
-        <p:nvPr/>
-      </p:nvGrpSpPr>
-      <p:grpSpPr>
-        <a:xfrm>
-          <a:off x="0" y="0"/>
-          <a:ext cx="0" cy="0"/>
-          <a:chOff x="0" y="0"/>
-          <a:chExt cx="0" cy="0"/>
-        </a:xfrm>
-      </p:grpSpPr>
-      <p:sp>
-        <p:nvSpPr>
-          <p:cNvPr id="13" name="Rectangle 9">
-            <a:extLst>
-              <a:ext uri="{FF2B5EF4-FFF2-40B4-BE49-F238E27FC236}">
-                <a16:creationId xmlns:a16="http://schemas.microsoft.com/office/drawing/2014/main" id="{0BABF38A-8A0D-492E-BD20-6CF4D46B50BD}"/>
-              </a:ext>
-              <a:ext uri="{C183D7F6-B498-43B3-948B-1728B52AA6E4}">
-                <adec:decorative xmlns:adec="http://schemas.microsoft.com/office/drawing/2017/decorative" val="1"/>
-              </a:ext>
-            </a:extLst>
-          </p:cNvPr>
-          <p:cNvSpPr>
-            <a:spLocks noGrp="1" noRot="1" noChangeAspect="1" noMove="1" noResize="1" noEditPoints="1" noAdjustHandles="1" noChangeArrowheads="1" noChangeShapeType="1" noTextEdit="1"/>
-          </p:cNvSpPr>
-          <p:nvPr>
-            <p:extLst>
-              <p:ext uri="{386F3935-93C4-4BCD-93E2-E3B085C9AB24}">
-                <p16:designElem xmlns:p16="http://schemas.microsoft.com/office/powerpoint/2015/main" val="1"/>
-              </p:ext>
-            </p:extLst>
-          </p:nvPr>
-        </p:nvSpPr>
-        <p:spPr>
-          <a:xfrm>
-            <a:off x="3149972" y="3121681"/>
-            <a:ext cx="8100269" cy="4556404"/>
-          </a:xfrm>
-          <a:prstGeom prst="rect">
-            <a:avLst/>
-          </a:prstGeom>
-          <a:solidFill>
-            <a:schemeClr val="bg2">
-              <a:lumMod val="90000"/>
-              <a:alpha val="70000"/>
-            </a:schemeClr>
-          </a:solidFill>
-          <a:ln>
-            <a:noFill/>
-          </a:ln>
-        </p:spPr>
-        <p:style>
-          <a:lnRef idx="2">
-            <a:schemeClr val="accent1">
-              <a:shade val="50000"/>
-            </a:schemeClr>
-          </a:lnRef>
-          <a:fillRef idx="1">
-            <a:schemeClr val="accent1"/>
-          </a:fillRef>
-          <a:effectRef idx="0">
-            <a:schemeClr val="accent1"/>
-          </a:effectRef>
-          <a:fontRef idx="minor">
-            <a:schemeClr val="lt1"/>
-          </a:fontRef>
-        </p:style>
-        <p:txBody>
-          <a:bodyPr rtlCol="0" anchor="ctr"/>
-          <a:lstStyle/>
-          <a:p>
-            <a:pPr algn="ctr">
-              <a:defRPr/>
-            </a:pPr>
-            <a:endParaRPr lang="en-US" sz="1196" dirty="0">
-              <a:solidFill>
-                <a:prstClr val="black">
-                  <a:lumMod val="65000"/>
-                  <a:lumOff val="35000"/>
-                </a:prstClr>
-              </a:solidFill>
-              <a:latin typeface="AvenirNext LT Pro Medium" panose="020B0504020202020204" pitchFamily="34" charset="0"/>
-            </a:endParaRPr>
-          </a:p>
-        </p:txBody>
-      </p:sp>
-      <p:pic>
-        <p:nvPicPr>
-          <p:cNvPr id="12" name="Picture 11">
-            <a:extLst>
-              <a:ext uri="{FF2B5EF4-FFF2-40B4-BE49-F238E27FC236}">
-                <a16:creationId xmlns:a16="http://schemas.microsoft.com/office/drawing/2014/main" id="{BC526B7A-4801-4FD1-95C8-03AF22629E87}"/>
-              </a:ext>
-              <a:ext uri="{C183D7F6-B498-43B3-948B-1728B52AA6E4}">
-                <adec:decorative xmlns:adec="http://schemas.microsoft.com/office/drawing/2017/decorative" val="1"/>
-              </a:ext>
-            </a:extLst>
-          </p:cNvPr>
-          <p:cNvPicPr>
-            <a:picLocks noGrp="1" noRot="1" noChangeAspect="1" noMove="1" noResize="1" noEditPoints="1" noAdjustHandles="1" noChangeArrowheads="1" noChangeShapeType="1" noCrop="1"/>
-          </p:cNvPicPr>
-          <p:nvPr>
-            <p:extLst>
-              <p:ext uri="{386F3935-93C4-4BCD-93E2-E3B085C9AB24}">
-                <p16:designElem xmlns:p16="http://schemas.microsoft.com/office/powerpoint/2015/main" val="1"/>
-              </p:ext>
-            </p:extLst>
-          </p:nvPr>
-        </p:nvPicPr>
-        <p:blipFill>
-          <a:blip r:embed="rId2">
-            <a:alphaModFix amt="10000"/>
-            <a:extLst>
-              <a:ext uri="{28A0092B-C50C-407E-A947-70E740481C1C}">
-                <a14:useLocalDpi xmlns:a14="http://schemas.microsoft.com/office/drawing/2010/main" val="0"/>
-              </a:ext>
-            </a:extLst>
-          </a:blip>
-          <a:stretch>
-            <a:fillRect/>
-          </a:stretch>
-        </p:blipFill>
-        <p:spPr>
-          <a:xfrm>
-            <a:off x="8820159" y="3121682"/>
-            <a:ext cx="2428095" cy="3039825"/>
-          </a:xfrm>
-          <a:prstGeom prst="rect">
-            <a:avLst/>
-          </a:prstGeom>
-        </p:spPr>
-      </p:pic>
-      <p:sp useBgFill="1">
-        <p:nvSpPr>
-          <p:cNvPr id="14" name="Rectangle 13">
-            <a:extLst>
-              <a:ext uri="{FF2B5EF4-FFF2-40B4-BE49-F238E27FC236}">
-                <a16:creationId xmlns:a16="http://schemas.microsoft.com/office/drawing/2014/main" id="{37FDDF72-DE39-4F99-A3C1-DD9D7815D7DB}"/>
-              </a:ext>
-              <a:ext uri="{C183D7F6-B498-43B3-948B-1728B52AA6E4}">
-                <adec:decorative xmlns:adec="http://schemas.microsoft.com/office/drawing/2017/decorative" val="1"/>
-              </a:ext>
-            </a:extLst>
-          </p:cNvPr>
-          <p:cNvSpPr>
-            <a:spLocks noGrp="1" noRot="1" noChangeAspect="1" noMove="1" noResize="1" noEditPoints="1" noAdjustHandles="1" noChangeArrowheads="1" noChangeShapeType="1" noTextEdit="1"/>
-          </p:cNvSpPr>
-          <p:nvPr>
-            <p:extLst>
-              <p:ext uri="{386F3935-93C4-4BCD-93E2-E3B085C9AB24}">
-                <p16:designElem xmlns:p16="http://schemas.microsoft.com/office/powerpoint/2015/main" val="1"/>
-              </p:ext>
-            </p:extLst>
-          </p:nvPr>
-        </p:nvSpPr>
-        <p:spPr>
-          <a:xfrm>
-            <a:off x="3149972" y="3121681"/>
-            <a:ext cx="8100269" cy="4556401"/>
-          </a:xfrm>
-          <a:prstGeom prst="rect">
-            <a:avLst/>
-          </a:prstGeom>
-          <a:ln>
-            <a:noFill/>
-          </a:ln>
-        </p:spPr>
-        <p:style>
-          <a:lnRef idx="2">
-            <a:schemeClr val="accent1">
-              <a:shade val="50000"/>
-            </a:schemeClr>
-          </a:lnRef>
-          <a:fillRef idx="1">
-            <a:schemeClr val="accent1"/>
-          </a:fillRef>
-          <a:effectRef idx="0">
-            <a:schemeClr val="accent1"/>
-          </a:effectRef>
-          <a:fontRef idx="minor">
-            <a:schemeClr val="lt1"/>
-          </a:fontRef>
-        </p:style>
-        <p:txBody>
-          <a:bodyPr rtlCol="0" anchor="ctr"/>
-          <a:lstStyle/>
-          <a:p>
-            <a:pPr algn="ctr">
-              <a:defRPr/>
-            </a:pPr>
-            <a:endParaRPr lang="en-US" sz="1196" dirty="0">
-              <a:solidFill>
-                <a:prstClr val="black">
-                  <a:lumMod val="65000"/>
-                  <a:lumOff val="35000"/>
-                </a:prstClr>
-              </a:solidFill>
-              <a:latin typeface="AvenirNext LT Pro Medium" panose="020B0504020202020204" pitchFamily="34" charset="0"/>
-            </a:endParaRPr>
-          </a:p>
-        </p:txBody>
-      </p:sp>
-      <p:sp>
-        <p:nvSpPr>
-          <p:cNvPr id="16" name="Rectangle 15">
-            <a:extLst>
-              <a:ext uri="{FF2B5EF4-FFF2-40B4-BE49-F238E27FC236}">
-                <a16:creationId xmlns:a16="http://schemas.microsoft.com/office/drawing/2014/main" id="{5E4ECE80-3AD1-450C-B62A-98788F193948}"/>
-              </a:ext>
-              <a:ext uri="{C183D7F6-B498-43B3-948B-1728B52AA6E4}">
-                <adec:decorative xmlns:adec="http://schemas.microsoft.com/office/drawing/2017/decorative" val="1"/>
-              </a:ext>
-            </a:extLst>
-          </p:cNvPr>
-          <p:cNvSpPr>
-            <a:spLocks noGrp="1" noRot="1" noChangeAspect="1" noMove="1" noResize="1" noEditPoints="1" noAdjustHandles="1" noChangeArrowheads="1" noChangeShapeType="1" noTextEdit="1"/>
-          </p:cNvSpPr>
-          <p:nvPr>
-            <p:extLst>
-              <p:ext uri="{386F3935-93C4-4BCD-93E2-E3B085C9AB24}">
-                <p16:designElem xmlns:p16="http://schemas.microsoft.com/office/powerpoint/2015/main" val="1"/>
-              </p:ext>
-            </p:extLst>
-          </p:nvPr>
-        </p:nvSpPr>
-        <p:spPr>
-          <a:xfrm>
-            <a:off x="3149972" y="3121681"/>
-            <a:ext cx="8100269" cy="4556401"/>
-          </a:xfrm>
-          <a:prstGeom prst="rect">
-            <a:avLst/>
-          </a:prstGeom>
-          <a:solidFill>
-            <a:srgbClr val="000000"/>
-          </a:solidFill>
-          <a:ln>
-            <a:noFill/>
-          </a:ln>
-        </p:spPr>
-        <p:style>
-          <a:lnRef idx="2">
-            <a:schemeClr val="accent1">
-              <a:shade val="50000"/>
-            </a:schemeClr>
-          </a:lnRef>
-          <a:fillRef idx="1">
-            <a:schemeClr val="accent1"/>
-          </a:fillRef>
-          <a:effectRef idx="0">
-            <a:schemeClr val="accent1"/>
-          </a:effectRef>
-          <a:fontRef idx="minor">
-            <a:schemeClr val="lt1"/>
-          </a:fontRef>
-        </p:style>
-        <p:txBody>
-          <a:bodyPr rtlCol="0" anchor="ctr"/>
-          <a:lstStyle/>
-          <a:p>
-            <a:pPr algn="ctr">
-              <a:defRPr/>
-            </a:pPr>
-            <a:endParaRPr lang="en-US" sz="1196" dirty="0">
-              <a:solidFill>
-                <a:prstClr val="black">
-                  <a:lumMod val="65000"/>
-                  <a:lumOff val="35000"/>
-                </a:prstClr>
-              </a:solidFill>
-              <a:latin typeface="AvenirNext LT Pro Medium" panose="020B0504020202020204" pitchFamily="34" charset="0"/>
-            </a:endParaRPr>
-          </a:p>
-        </p:txBody>
-      </p:sp>
-      <p:pic>
-        <p:nvPicPr>
-          <p:cNvPr id="5" name="Imagem 4">
-            <a:extLst>
-              <a:ext uri="{FF2B5EF4-FFF2-40B4-BE49-F238E27FC236}">
-                <a16:creationId xmlns:a16="http://schemas.microsoft.com/office/drawing/2014/main" id="{F1433EF1-FB6D-4913-96C9-08F0B1B3CA7A}"/>
-              </a:ext>
-            </a:extLst>
-          </p:cNvPr>
-          <p:cNvPicPr>
-            <a:picLocks noChangeAspect="1"/>
-          </p:cNvPicPr>
-          <p:nvPr/>
-        </p:nvPicPr>
-        <p:blipFill rotWithShape="1">
-          <a:blip r:embed="rId3">
-            <a:alphaModFix/>
-            <a:extLst>
-              <a:ext uri="{28A0092B-C50C-407E-A947-70E740481C1C}">
-                <a14:useLocalDpi xmlns:a14="http://schemas.microsoft.com/office/drawing/2010/main" val="0"/>
-              </a:ext>
-            </a:extLst>
-          </a:blip>
-          <a:srcRect l="5233" t="-2125" r="6244" b="-538"/>
-          <a:stretch/>
-        </p:blipFill>
-        <p:spPr>
-          <a:xfrm>
-            <a:off x="-1" y="-248909"/>
-            <a:ext cx="14400213" cy="11147555"/>
-          </a:xfrm>
-          <a:prstGeom prst="rect">
-            <a:avLst/>
-          </a:prstGeom>
-        </p:spPr>
-      </p:pic>
-      <p:sp>
-        <p:nvSpPr>
-          <p:cNvPr id="50" name="Retângulo 49">
-            <a:extLst>
-              <a:ext uri="{FF2B5EF4-FFF2-40B4-BE49-F238E27FC236}">
-                <a16:creationId xmlns:a16="http://schemas.microsoft.com/office/drawing/2014/main" id="{50614AED-75DE-4550-9029-54313F89BD12}"/>
-              </a:ext>
-            </a:extLst>
-          </p:cNvPr>
-          <p:cNvSpPr/>
-          <p:nvPr/>
-        </p:nvSpPr>
-        <p:spPr>
-          <a:xfrm>
-            <a:off x="3186646" y="311571"/>
-            <a:ext cx="8052791" cy="992583"/>
-          </a:xfrm>
-          <a:prstGeom prst="rect">
-            <a:avLst/>
-          </a:prstGeom>
-          <a:noFill/>
-        </p:spPr>
-        <p:txBody>
-          <a:bodyPr wrap="square" lIns="68584" tIns="34292" rIns="68584" bIns="34292">
-            <a:spAutoFit/>
-          </a:bodyPr>
-          <a:lstStyle/>
-          <a:p>
-            <a:pPr algn="ctr"/>
-            <a:r>
-              <a:rPr lang="pt-BR" sz="6000" dirty="0">
-                <a:ln w="38100">
-                  <a:solidFill>
-                    <a:schemeClr val="bg1"/>
-                  </a:solidFill>
-                </a:ln>
-                <a:solidFill>
-                  <a:srgbClr val="00B050"/>
-                </a:solidFill>
-                <a:effectLst>
-                  <a:outerShdw blurRad="38100" dist="19050" dir="2700000" algn="tl" rotWithShape="0">
-                    <a:schemeClr val="dk1">
-                      <a:alpha val="40000"/>
-                    </a:schemeClr>
-                  </a:outerShdw>
-                </a:effectLst>
-                <a:latin typeface="Exo 2 Extra Bold" panose="00000900000000000000" pitchFamily="50" charset="0"/>
-              </a:rPr>
-              <a:t>Liga Principal</a:t>
-            </a:r>
-          </a:p>
-        </p:txBody>
-      </p:sp>
-      <p:sp>
-        <p:nvSpPr>
-          <p:cNvPr id="53" name="Retângulo 52">
-            <a:extLst>
-              <a:ext uri="{FF2B5EF4-FFF2-40B4-BE49-F238E27FC236}">
-                <a16:creationId xmlns:a16="http://schemas.microsoft.com/office/drawing/2014/main" id="{F101E0BF-8A68-40B9-BC26-35C299182F52}"/>
-              </a:ext>
-            </a:extLst>
-          </p:cNvPr>
-          <p:cNvSpPr/>
-          <p:nvPr/>
-        </p:nvSpPr>
-        <p:spPr>
-          <a:xfrm>
-            <a:off x="336776" y="1104608"/>
-            <a:ext cx="13909452" cy="1177249"/>
-          </a:xfrm>
-          <a:prstGeom prst="rect">
-            <a:avLst/>
-          </a:prstGeom>
-          <a:noFill/>
-        </p:spPr>
-        <p:txBody>
-          <a:bodyPr wrap="square" lIns="68584" tIns="34292" rIns="68584" bIns="34292">
-            <a:spAutoFit/>
-          </a:bodyPr>
-          <a:lstStyle/>
-          <a:p>
-            <a:pPr algn="ctr"/>
-            <a:r>
-              <a:rPr lang="pt-BR" sz="7200" dirty="0">
-                <a:ln w="0">
-                  <a:noFill/>
-                </a:ln>
-                <a:effectLst>
-                  <a:outerShdw blurRad="38100" dist="19050" dir="2700000" algn="tl" rotWithShape="0">
-                    <a:schemeClr val="dk1">
-                      <a:alpha val="40000"/>
-                    </a:schemeClr>
-                  </a:outerShdw>
-                </a:effectLst>
-                <a:latin typeface="Exo 2 Extra Bold" panose="00000900000000000000" pitchFamily="50" charset="0"/>
-              </a:rPr>
-              <a:t>MATA-MATA SÉRIE A 3</a:t>
-            </a:r>
-          </a:p>
-        </p:txBody>
-      </p:sp>
-      <p:pic>
-        <p:nvPicPr>
-          <p:cNvPr id="15" name="Imagem 14">
-            <a:extLst>
-              <a:ext uri="{FF2B5EF4-FFF2-40B4-BE49-F238E27FC236}">
-                <a16:creationId xmlns:a16="http://schemas.microsoft.com/office/drawing/2014/main" id="{780D6AE4-2B31-43CF-8A3B-9ACC73C32FE9}"/>
-              </a:ext>
-            </a:extLst>
-          </p:cNvPr>
-          <p:cNvPicPr>
-            <a:picLocks noChangeAspect="1"/>
-          </p:cNvPicPr>
-          <p:nvPr/>
-        </p:nvPicPr>
-        <p:blipFill>
-          <a:blip r:embed="rId4" cstate="hqprint">
-            <a:extLst>
-              <a:ext uri="{28A0092B-C50C-407E-A947-70E740481C1C}">
-                <a14:useLocalDpi xmlns:a14="http://schemas.microsoft.com/office/drawing/2010/main" val="0"/>
-              </a:ext>
-            </a:extLst>
-          </a:blip>
-          <a:stretch>
-            <a:fillRect/>
-          </a:stretch>
-        </p:blipFill>
-        <p:spPr>
-          <a:xfrm>
-            <a:off x="336776" y="194284"/>
-            <a:ext cx="2059134" cy="2160000"/>
-          </a:xfrm>
-          <a:prstGeom prst="rect">
-            <a:avLst/>
-          </a:prstGeom>
-        </p:spPr>
-      </p:pic>
-      <p:sp>
-        <p:nvSpPr>
-          <p:cNvPr id="10" name="Retângulo 9">
-            <a:extLst>
-              <a:ext uri="{FF2B5EF4-FFF2-40B4-BE49-F238E27FC236}">
-                <a16:creationId xmlns:a16="http://schemas.microsoft.com/office/drawing/2014/main" id="{838BDC98-3287-4575-8574-56F716FB2440}"/>
-              </a:ext>
-            </a:extLst>
-          </p:cNvPr>
-          <p:cNvSpPr/>
-          <p:nvPr/>
-        </p:nvSpPr>
-        <p:spPr>
-          <a:xfrm>
-            <a:off x="1911927" y="2227185"/>
-            <a:ext cx="10476677" cy="2718888"/>
-          </a:xfrm>
-          <a:prstGeom prst="rect">
-            <a:avLst/>
-          </a:prstGeom>
-          <a:solidFill>
-            <a:schemeClr val="tx1">
-              <a:alpha val="81000"/>
-            </a:schemeClr>
-          </a:solidFill>
-        </p:spPr>
-        <p:style>
-          <a:lnRef idx="2">
-            <a:schemeClr val="accent1">
-              <a:shade val="50000"/>
-            </a:schemeClr>
-          </a:lnRef>
-          <a:fillRef idx="1">
-            <a:schemeClr val="accent1"/>
-          </a:fillRef>
-          <a:effectRef idx="0">
-            <a:schemeClr val="accent1"/>
-          </a:effectRef>
-          <a:fontRef idx="minor">
-            <a:schemeClr val="lt1"/>
-          </a:fontRef>
-        </p:style>
-        <p:txBody>
-          <a:bodyPr rtlCol="0" anchor="ctr"/>
-          <a:lstStyle/>
-          <a:p>
-            <a:pPr algn="ctr"/>
-            <a:endParaRPr lang="pt-BR"/>
-          </a:p>
-        </p:txBody>
-      </p:sp>
-      <p:sp>
-        <p:nvSpPr>
-          <p:cNvPr id="21" name="Retângulo 20">
-            <a:extLst>
-              <a:ext uri="{FF2B5EF4-FFF2-40B4-BE49-F238E27FC236}">
-                <a16:creationId xmlns:a16="http://schemas.microsoft.com/office/drawing/2014/main" id="{95EDB8CB-8377-4925-B478-560C3F615037}"/>
-              </a:ext>
-            </a:extLst>
-          </p:cNvPr>
-          <p:cNvSpPr/>
-          <p:nvPr/>
-        </p:nvSpPr>
-        <p:spPr>
-          <a:xfrm>
-            <a:off x="1911927" y="5072033"/>
-            <a:ext cx="10476677" cy="2718888"/>
-          </a:xfrm>
-          <a:prstGeom prst="rect">
-            <a:avLst/>
-          </a:prstGeom>
-          <a:solidFill>
-            <a:schemeClr val="tx1">
-              <a:alpha val="81000"/>
-            </a:schemeClr>
-          </a:solidFill>
-        </p:spPr>
-        <p:style>
-          <a:lnRef idx="2">
-            <a:schemeClr val="accent1">
-              <a:shade val="50000"/>
-            </a:schemeClr>
-          </a:lnRef>
-          <a:fillRef idx="1">
-            <a:schemeClr val="accent1"/>
-          </a:fillRef>
-          <a:effectRef idx="0">
-            <a:schemeClr val="accent1"/>
-          </a:effectRef>
-          <a:fontRef idx="minor">
-            <a:schemeClr val="lt1"/>
-          </a:fontRef>
-        </p:style>
-        <p:txBody>
-          <a:bodyPr rtlCol="0" anchor="ctr"/>
-          <a:lstStyle/>
-          <a:p>
-            <a:pPr algn="ctr"/>
-            <a:endParaRPr lang="pt-BR"/>
-          </a:p>
-        </p:txBody>
-      </p:sp>
-      <p:sp>
-        <p:nvSpPr>
-          <p:cNvPr id="23" name="Retângulo 22">
-            <a:extLst>
-              <a:ext uri="{FF2B5EF4-FFF2-40B4-BE49-F238E27FC236}">
-                <a16:creationId xmlns:a16="http://schemas.microsoft.com/office/drawing/2014/main" id="{ED87CD67-A438-4F74-986A-3704AF997953}"/>
-              </a:ext>
-            </a:extLst>
-          </p:cNvPr>
-          <p:cNvSpPr/>
-          <p:nvPr/>
-        </p:nvSpPr>
-        <p:spPr>
-          <a:xfrm>
-            <a:off x="5308448" y="2179089"/>
-            <a:ext cx="3789504" cy="684807"/>
-          </a:xfrm>
-          <a:prstGeom prst="rect">
-            <a:avLst/>
-          </a:prstGeom>
-          <a:noFill/>
-        </p:spPr>
-        <p:txBody>
-          <a:bodyPr wrap="square" lIns="68584" tIns="34292" rIns="68584" bIns="34292">
-            <a:spAutoFit/>
-          </a:bodyPr>
-          <a:lstStyle/>
-          <a:p>
-            <a:pPr algn="ctr"/>
-            <a:r>
-              <a:rPr lang="pt-BR" sz="4000" dirty="0">
-                <a:ln w="0">
-                  <a:noFill/>
-                </a:ln>
-                <a:solidFill>
-                  <a:srgbClr val="0070C0"/>
-                </a:solidFill>
-                <a:effectLst>
-                  <a:outerShdw blurRad="38100" dist="19050" dir="2700000" algn="tl" rotWithShape="0">
-                    <a:schemeClr val="dk1">
-                      <a:alpha val="40000"/>
-                    </a:schemeClr>
-                  </a:outerShdw>
-                </a:effectLst>
-                <a:latin typeface="Exo 2 Extra Bold" panose="00000900000000000000" pitchFamily="50" charset="0"/>
-              </a:rPr>
-              <a:t>Chave 1</a:t>
-            </a:r>
-          </a:p>
-        </p:txBody>
-      </p:sp>
-      <p:sp>
-        <p:nvSpPr>
-          <p:cNvPr id="24" name="Retângulo 23">
-            <a:extLst>
-              <a:ext uri="{FF2B5EF4-FFF2-40B4-BE49-F238E27FC236}">
-                <a16:creationId xmlns:a16="http://schemas.microsoft.com/office/drawing/2014/main" id="{522A4ACC-EC27-4A14-BA66-B0EB03535C7B}"/>
-              </a:ext>
-            </a:extLst>
-          </p:cNvPr>
-          <p:cNvSpPr/>
-          <p:nvPr/>
-        </p:nvSpPr>
-        <p:spPr>
-          <a:xfrm>
-            <a:off x="5321993" y="5022489"/>
-            <a:ext cx="3789503" cy="684807"/>
-          </a:xfrm>
-          <a:prstGeom prst="rect">
-            <a:avLst/>
-          </a:prstGeom>
-          <a:noFill/>
-        </p:spPr>
-        <p:txBody>
-          <a:bodyPr wrap="square" lIns="68584" tIns="34292" rIns="68584" bIns="34292">
-            <a:spAutoFit/>
-          </a:bodyPr>
-          <a:lstStyle/>
-          <a:p>
-            <a:pPr algn="ctr"/>
-            <a:r>
-              <a:rPr lang="pt-BR" sz="4000" dirty="0">
-                <a:ln w="0">
-                  <a:noFill/>
-                </a:ln>
-                <a:solidFill>
-                  <a:srgbClr val="0070C0"/>
-                </a:solidFill>
-                <a:effectLst>
-                  <a:outerShdw blurRad="38100" dist="19050" dir="2700000" algn="tl" rotWithShape="0">
-                    <a:schemeClr val="dk1">
-                      <a:alpha val="40000"/>
-                    </a:schemeClr>
-                  </a:outerShdw>
-                </a:effectLst>
-                <a:latin typeface="Exo 2 Extra Bold" panose="00000900000000000000" pitchFamily="50" charset="0"/>
-              </a:rPr>
-              <a:t>Chave 2</a:t>
-            </a:r>
-          </a:p>
-        </p:txBody>
-      </p:sp>
-      <p:pic>
-        <p:nvPicPr>
-          <p:cNvPr id="2" name="Imagem 1">
-            <a:extLst>
-              <a:ext uri="{FF2B5EF4-FFF2-40B4-BE49-F238E27FC236}">
-                <a16:creationId xmlns:a16="http://schemas.microsoft.com/office/drawing/2014/main" id="{1EA30457-056C-4857-B3A2-4A3B7706B511}"/>
-              </a:ext>
-            </a:extLst>
-          </p:cNvPr>
-          <p:cNvPicPr>
-            <a:picLocks noChangeAspect="1"/>
-          </p:cNvPicPr>
-          <p:nvPr/>
-        </p:nvPicPr>
-        <p:blipFill>
-          <a:blip r:embed="rId5"/>
-          <a:stretch>
-            <a:fillRect/>
-          </a:stretch>
-        </p:blipFill>
-        <p:spPr>
-          <a:xfrm>
-            <a:off x="2355335" y="2894981"/>
-            <a:ext cx="9720000" cy="1881294"/>
-          </a:xfrm>
-          <a:prstGeom prst="rect">
-            <a:avLst/>
-          </a:prstGeom>
-        </p:spPr>
-      </p:pic>
-      <p:pic>
-        <p:nvPicPr>
-          <p:cNvPr id="3" name="Imagem 2">
-            <a:extLst>
-              <a:ext uri="{FF2B5EF4-FFF2-40B4-BE49-F238E27FC236}">
-                <a16:creationId xmlns:a16="http://schemas.microsoft.com/office/drawing/2014/main" id="{7A4B5F47-D199-49A7-A4FE-538AB8634E21}"/>
-              </a:ext>
-            </a:extLst>
-          </p:cNvPr>
-          <p:cNvPicPr>
-            <a:picLocks noChangeAspect="1"/>
-          </p:cNvPicPr>
-          <p:nvPr/>
-        </p:nvPicPr>
-        <p:blipFill>
-          <a:blip r:embed="rId6"/>
-          <a:stretch>
-            <a:fillRect/>
-          </a:stretch>
-        </p:blipFill>
-        <p:spPr>
-          <a:xfrm>
-            <a:off x="2365543" y="5682507"/>
-            <a:ext cx="9720000" cy="1881294"/>
-          </a:xfrm>
-          <a:prstGeom prst="rect">
-            <a:avLst/>
-          </a:prstGeom>
-        </p:spPr>
-      </p:pic>
-      <p:sp>
-        <p:nvSpPr>
-          <p:cNvPr id="18" name="Retângulo 17">
-            <a:extLst>
-              <a:ext uri="{FF2B5EF4-FFF2-40B4-BE49-F238E27FC236}">
-                <a16:creationId xmlns:a16="http://schemas.microsoft.com/office/drawing/2014/main" id="{3128898C-0A57-4F19-8491-B43E8301569E}"/>
-              </a:ext>
-            </a:extLst>
-          </p:cNvPr>
-          <p:cNvSpPr/>
-          <p:nvPr/>
-        </p:nvSpPr>
-        <p:spPr>
-          <a:xfrm>
-            <a:off x="1918853" y="7946853"/>
-            <a:ext cx="10476677" cy="2718888"/>
-          </a:xfrm>
-          <a:prstGeom prst="rect">
-            <a:avLst/>
-          </a:prstGeom>
-          <a:solidFill>
-            <a:schemeClr val="tx1">
-              <a:alpha val="81000"/>
-            </a:schemeClr>
-          </a:solidFill>
-        </p:spPr>
-        <p:style>
-          <a:lnRef idx="2">
-            <a:schemeClr val="accent1">
-              <a:shade val="50000"/>
-            </a:schemeClr>
-          </a:lnRef>
-          <a:fillRef idx="1">
-            <a:schemeClr val="accent1"/>
-          </a:fillRef>
-          <a:effectRef idx="0">
-            <a:schemeClr val="accent1"/>
-          </a:effectRef>
-          <a:fontRef idx="minor">
-            <a:schemeClr val="lt1"/>
-          </a:fontRef>
-        </p:style>
-        <p:txBody>
-          <a:bodyPr rtlCol="0" anchor="ctr"/>
-          <a:lstStyle/>
-          <a:p>
-            <a:pPr algn="ctr"/>
-            <a:endParaRPr lang="pt-BR"/>
-          </a:p>
-        </p:txBody>
-      </p:sp>
-      <p:sp>
-        <p:nvSpPr>
-          <p:cNvPr id="19" name="Retângulo 18">
-            <a:extLst>
-              <a:ext uri="{FF2B5EF4-FFF2-40B4-BE49-F238E27FC236}">
-                <a16:creationId xmlns:a16="http://schemas.microsoft.com/office/drawing/2014/main" id="{233846BD-32E7-4324-ADF6-449F12B78362}"/>
-              </a:ext>
-            </a:extLst>
-          </p:cNvPr>
-          <p:cNvSpPr/>
-          <p:nvPr/>
-        </p:nvSpPr>
-        <p:spPr>
-          <a:xfrm>
-            <a:off x="5328919" y="7897309"/>
-            <a:ext cx="3789503" cy="684807"/>
-          </a:xfrm>
-          <a:prstGeom prst="rect">
-            <a:avLst/>
-          </a:prstGeom>
-          <a:noFill/>
-        </p:spPr>
-        <p:txBody>
-          <a:bodyPr wrap="square" lIns="68584" tIns="34292" rIns="68584" bIns="34292">
-            <a:spAutoFit/>
-          </a:bodyPr>
-          <a:lstStyle/>
-          <a:p>
-            <a:pPr algn="ctr"/>
-            <a:r>
-              <a:rPr lang="pt-BR" sz="4000" dirty="0">
-                <a:ln w="0">
-                  <a:noFill/>
-                </a:ln>
-                <a:solidFill>
-                  <a:srgbClr val="0070C0"/>
-                </a:solidFill>
-                <a:effectLst>
-                  <a:outerShdw blurRad="38100" dist="19050" dir="2700000" algn="tl" rotWithShape="0">
-                    <a:schemeClr val="dk1">
-                      <a:alpha val="40000"/>
-                    </a:schemeClr>
-                  </a:outerShdw>
-                </a:effectLst>
-                <a:latin typeface="Exo 2 Extra Bold" panose="00000900000000000000" pitchFamily="50" charset="0"/>
-              </a:rPr>
-              <a:t>Semifinal</a:t>
-            </a:r>
-          </a:p>
-        </p:txBody>
-      </p:sp>
-      <p:pic>
-        <p:nvPicPr>
-          <p:cNvPr id="7" name="Imagem 6">
-            <a:extLst>
-              <a:ext uri="{FF2B5EF4-FFF2-40B4-BE49-F238E27FC236}">
-                <a16:creationId xmlns:a16="http://schemas.microsoft.com/office/drawing/2014/main" id="{0550EDED-79E2-4345-8D71-F0735441DA40}"/>
-              </a:ext>
-            </a:extLst>
-          </p:cNvPr>
-          <p:cNvPicPr>
-            <a:picLocks noChangeAspect="1"/>
-          </p:cNvPicPr>
-          <p:nvPr/>
-        </p:nvPicPr>
-        <p:blipFill>
-          <a:blip r:embed="rId7"/>
-          <a:stretch>
-            <a:fillRect/>
-          </a:stretch>
-        </p:blipFill>
-        <p:spPr>
-          <a:xfrm>
-            <a:off x="2356098" y="8593661"/>
-            <a:ext cx="9720000" cy="1881271"/>
-          </a:xfrm>
-          <a:prstGeom prst="rect">
-            <a:avLst/>
-          </a:prstGeom>
-        </p:spPr>
-      </p:pic>
-    </p:spTree>
-    <p:extLst>
-      <p:ext uri="{BB962C8B-B14F-4D97-AF65-F5344CB8AC3E}">
-        <p14:creationId xmlns:p14="http://schemas.microsoft.com/office/powerpoint/2010/main" val="2211690294"/>
-      </p:ext>
-    </p:extLst>
-  </p:cSld>
-  <p:clrMapOvr>
-    <a:masterClrMapping/>
-  </p:clrMapOvr>
-</p:sld>
-</file>
-
 <file path=ppt/slides/slide22.xml><?xml version="1.0" encoding="utf-8"?>
 <p:sld xmlns:a="http://schemas.openxmlformats.org/drawingml/2006/main" xmlns:r="http://schemas.openxmlformats.org/officeDocument/2006/relationships" xmlns:p="http://schemas.openxmlformats.org/presentationml/2006/main">
   <p:cSld>
@@ -13328,7 +13187,7 @@
                 </a:effectLst>
                 <a:latin typeface="Exo 2 Extra Bold" panose="00000900000000000000" pitchFamily="50" charset="0"/>
               </a:rPr>
-              <a:t>MATA-MATA SÉRIE B 6</a:t>
+              <a:t>MATA-MATA SÉRIE A 3</a:t>
             </a:r>
           </a:p>
         </p:txBody>
@@ -13573,6 +13432,66 @@
           </a:p>
         </p:txBody>
       </p:sp>
+      <p:pic>
+        <p:nvPicPr>
+          <p:cNvPr id="2" name="Imagem 1">
+            <a:extLst>
+              <a:ext uri="{FF2B5EF4-FFF2-40B4-BE49-F238E27FC236}">
+                <a16:creationId xmlns:a16="http://schemas.microsoft.com/office/drawing/2014/main" id="{1EA30457-056C-4857-B3A2-4A3B7706B511}"/>
+              </a:ext>
+            </a:extLst>
+          </p:cNvPr>
+          <p:cNvPicPr>
+            <a:picLocks noChangeAspect="1"/>
+          </p:cNvPicPr>
+          <p:nvPr/>
+        </p:nvPicPr>
+        <p:blipFill>
+          <a:blip r:embed="rId5"/>
+          <a:stretch>
+            <a:fillRect/>
+          </a:stretch>
+        </p:blipFill>
+        <p:spPr>
+          <a:xfrm>
+            <a:off x="2355335" y="2894981"/>
+            <a:ext cx="9720000" cy="1881294"/>
+          </a:xfrm>
+          <a:prstGeom prst="rect">
+            <a:avLst/>
+          </a:prstGeom>
+        </p:spPr>
+      </p:pic>
+      <p:pic>
+        <p:nvPicPr>
+          <p:cNvPr id="3" name="Imagem 2">
+            <a:extLst>
+              <a:ext uri="{FF2B5EF4-FFF2-40B4-BE49-F238E27FC236}">
+                <a16:creationId xmlns:a16="http://schemas.microsoft.com/office/drawing/2014/main" id="{7A4B5F47-D199-49A7-A4FE-538AB8634E21}"/>
+              </a:ext>
+            </a:extLst>
+          </p:cNvPr>
+          <p:cNvPicPr>
+            <a:picLocks noChangeAspect="1"/>
+          </p:cNvPicPr>
+          <p:nvPr/>
+        </p:nvPicPr>
+        <p:blipFill>
+          <a:blip r:embed="rId6"/>
+          <a:stretch>
+            <a:fillRect/>
+          </a:stretch>
+        </p:blipFill>
+        <p:spPr>
+          <a:xfrm>
+            <a:off x="2365543" y="5682507"/>
+            <a:ext cx="9720000" c